--- a/展示物アプリ仕様.pptx
+++ b/展示物アプリ仕様.pptx
@@ -45,7 +45,7 @@
     <p:sldId id="283" r:id="rId39"/>
   </p:sldIdLst>
   <p:sldSz cx="12192000" cy="6858000"/>
-  <p:notesSz cx="6858000" cy="9144000"/>
+  <p:notesSz cx="7099300" cy="10234613"/>
   <p:defaultTextStyle>
     <a:defPPr>
       <a:defRPr lang="ja-JP"/>
@@ -296,7 +296,7 @@
           <a:p>
             <a:fld id="{082150A6-655A-40A4-943B-9A709E30A878}" type="datetimeFigureOut">
               <a:rPr kumimoji="1" lang="ja-JP" altLang="en-US" smtClean="0"/>
-              <a:t>2026/1/21</a:t>
+              <a:t>2026/1/26</a:t>
             </a:fld>
             <a:endParaRPr kumimoji="1" lang="ja-JP" altLang="en-US"/>
           </a:p>
@@ -526,7 +526,7 @@
           <a:p>
             <a:fld id="{082150A6-655A-40A4-943B-9A709E30A878}" type="datetimeFigureOut">
               <a:rPr kumimoji="1" lang="ja-JP" altLang="en-US" smtClean="0"/>
-              <a:t>2026/1/21</a:t>
+              <a:t>2026/1/26</a:t>
             </a:fld>
             <a:endParaRPr kumimoji="1" lang="ja-JP" altLang="en-US"/>
           </a:p>
@@ -766,7 +766,7 @@
           <a:p>
             <a:fld id="{082150A6-655A-40A4-943B-9A709E30A878}" type="datetimeFigureOut">
               <a:rPr kumimoji="1" lang="ja-JP" altLang="en-US" smtClean="0"/>
-              <a:t>2026/1/21</a:t>
+              <a:t>2026/1/26</a:t>
             </a:fld>
             <a:endParaRPr kumimoji="1" lang="ja-JP" altLang="en-US"/>
           </a:p>
@@ -996,7 +996,7 @@
           <a:p>
             <a:fld id="{082150A6-655A-40A4-943B-9A709E30A878}" type="datetimeFigureOut">
               <a:rPr kumimoji="1" lang="ja-JP" altLang="en-US" smtClean="0"/>
-              <a:t>2026/1/21</a:t>
+              <a:t>2026/1/26</a:t>
             </a:fld>
             <a:endParaRPr kumimoji="1" lang="ja-JP" altLang="en-US"/>
           </a:p>
@@ -1271,7 +1271,7 @@
           <a:p>
             <a:fld id="{082150A6-655A-40A4-943B-9A709E30A878}" type="datetimeFigureOut">
               <a:rPr kumimoji="1" lang="ja-JP" altLang="en-US" smtClean="0"/>
-              <a:t>2026/1/21</a:t>
+              <a:t>2026/1/26</a:t>
             </a:fld>
             <a:endParaRPr kumimoji="1" lang="ja-JP" altLang="en-US"/>
           </a:p>
@@ -1600,7 +1600,7 @@
           <a:p>
             <a:fld id="{082150A6-655A-40A4-943B-9A709E30A878}" type="datetimeFigureOut">
               <a:rPr kumimoji="1" lang="ja-JP" altLang="en-US" smtClean="0"/>
-              <a:t>2026/1/21</a:t>
+              <a:t>2026/1/26</a:t>
             </a:fld>
             <a:endParaRPr kumimoji="1" lang="ja-JP" altLang="en-US"/>
           </a:p>
@@ -2076,7 +2076,7 @@
           <a:p>
             <a:fld id="{082150A6-655A-40A4-943B-9A709E30A878}" type="datetimeFigureOut">
               <a:rPr kumimoji="1" lang="ja-JP" altLang="en-US" smtClean="0"/>
-              <a:t>2026/1/21</a:t>
+              <a:t>2026/1/26</a:t>
             </a:fld>
             <a:endParaRPr kumimoji="1" lang="ja-JP" altLang="en-US"/>
           </a:p>
@@ -2217,7 +2217,7 @@
           <a:p>
             <a:fld id="{082150A6-655A-40A4-943B-9A709E30A878}" type="datetimeFigureOut">
               <a:rPr kumimoji="1" lang="ja-JP" altLang="en-US" smtClean="0"/>
-              <a:t>2026/1/21</a:t>
+              <a:t>2026/1/26</a:t>
             </a:fld>
             <a:endParaRPr kumimoji="1" lang="ja-JP" altLang="en-US"/>
           </a:p>
@@ -2330,7 +2330,7 @@
           <a:p>
             <a:fld id="{082150A6-655A-40A4-943B-9A709E30A878}" type="datetimeFigureOut">
               <a:rPr kumimoji="1" lang="ja-JP" altLang="en-US" smtClean="0"/>
-              <a:t>2026/1/21</a:t>
+              <a:t>2026/1/26</a:t>
             </a:fld>
             <a:endParaRPr kumimoji="1" lang="ja-JP" altLang="en-US"/>
           </a:p>
@@ -2673,7 +2673,7 @@
           <a:p>
             <a:fld id="{082150A6-655A-40A4-943B-9A709E30A878}" type="datetimeFigureOut">
               <a:rPr kumimoji="1" lang="ja-JP" altLang="en-US" smtClean="0"/>
-              <a:t>2026/1/21</a:t>
+              <a:t>2026/1/26</a:t>
             </a:fld>
             <a:endParaRPr kumimoji="1" lang="ja-JP" altLang="en-US"/>
           </a:p>
@@ -2961,7 +2961,7 @@
           <a:p>
             <a:fld id="{082150A6-655A-40A4-943B-9A709E30A878}" type="datetimeFigureOut">
               <a:rPr kumimoji="1" lang="ja-JP" altLang="en-US" smtClean="0"/>
-              <a:t>2026/1/21</a:t>
+              <a:t>2026/1/26</a:t>
             </a:fld>
             <a:endParaRPr kumimoji="1" lang="ja-JP" altLang="en-US"/>
           </a:p>
@@ -3234,7 +3234,7 @@
           <a:p>
             <a:fld id="{082150A6-655A-40A4-943B-9A709E30A878}" type="datetimeFigureOut">
               <a:rPr kumimoji="1" lang="ja-JP" altLang="en-US" smtClean="0"/>
-              <a:t>2026/1/21</a:t>
+              <a:t>2026/1/26</a:t>
             </a:fld>
             <a:endParaRPr kumimoji="1" lang="ja-JP" altLang="en-US"/>
           </a:p>
@@ -4550,12 +4550,42 @@
           <a:p>
             <a:r>
               <a:rPr lang="ja-JP" altLang="en-US" dirty="0"/>
-              <a:t>ログイン後</a:t>
+              <a:t>ログイン後：博物館が登録されていない状態</a:t>
             </a:r>
             <a:endParaRPr kumimoji="1" lang="ja-JP" altLang="en-US" dirty="0"/>
           </a:p>
         </p:txBody>
       </p:sp>
+      <p:pic>
+        <p:nvPicPr>
+          <p:cNvPr id="7" name="図 6" descr="グラフィカル ユーザー インターフェイス, テキスト, アプリケーション, メール&#10;&#10;AI 生成コンテンツは誤りを含む可能性があります。">
+            <a:extLst>
+              <a:ext uri="{FF2B5EF4-FFF2-40B4-BE49-F238E27FC236}">
+                <a16:creationId xmlns:a16="http://schemas.microsoft.com/office/drawing/2014/main" id="{77903C20-76FD-435B-E0E3-625051115EB3}"/>
+              </a:ext>
+            </a:extLst>
+          </p:cNvPr>
+          <p:cNvPicPr>
+            <a:picLocks noChangeAspect="1"/>
+          </p:cNvPicPr>
+          <p:nvPr/>
+        </p:nvPicPr>
+        <p:blipFill>
+          <a:blip r:embed="rId2"/>
+          <a:stretch>
+            <a:fillRect/>
+          </a:stretch>
+        </p:blipFill>
+        <p:spPr>
+          <a:xfrm>
+            <a:off x="143619" y="1057571"/>
+            <a:ext cx="11904762" cy="4742857"/>
+          </a:xfrm>
+          <a:prstGeom prst="rect">
+            <a:avLst/>
+          </a:prstGeom>
+        </p:spPr>
+      </p:pic>
     </p:spTree>
     <p:extLst>
       <p:ext uri="{BB962C8B-B14F-4D97-AF65-F5344CB8AC3E}">
@@ -4586,6 +4616,242 @@
           <a:chExt cx="0" cy="0"/>
         </a:xfrm>
       </p:grpSpPr>
+      <p:graphicFrame>
+        <p:nvGraphicFramePr>
+          <p:cNvPr id="2" name="表 1">
+            <a:extLst>
+              <a:ext uri="{FF2B5EF4-FFF2-40B4-BE49-F238E27FC236}">
+                <a16:creationId xmlns:a16="http://schemas.microsoft.com/office/drawing/2014/main" id="{0C022DC4-84EC-51FF-8C10-406DEAE8D581}"/>
+              </a:ext>
+            </a:extLst>
+          </p:cNvPr>
+          <p:cNvGraphicFramePr>
+            <a:graphicFrameLocks noGrp="1"/>
+          </p:cNvGraphicFramePr>
+          <p:nvPr/>
+        </p:nvGraphicFramePr>
+        <p:xfrm>
+          <a:off x="2032000" y="719666"/>
+          <a:ext cx="8128000" cy="1112520"/>
+        </p:xfrm>
+        <a:graphic>
+          <a:graphicData uri="http://schemas.openxmlformats.org/drawingml/2006/table">
+            <a:tbl>
+              <a:tblPr firstRow="1" bandRow="1">
+                <a:tableStyleId>{5C22544A-7EE6-4342-B048-85BDC9FD1C3A}</a:tableStyleId>
+              </a:tblPr>
+              <a:tblGrid>
+                <a:gridCol w="1625600">
+                  <a:extLst>
+                    <a:ext uri="{9D8B030D-6E8A-4147-A177-3AD203B41FA5}">
+                      <a16:colId xmlns:a16="http://schemas.microsoft.com/office/drawing/2014/main" val="1285440391"/>
+                    </a:ext>
+                  </a:extLst>
+                </a:gridCol>
+                <a:gridCol w="1625600">
+                  <a:extLst>
+                    <a:ext uri="{9D8B030D-6E8A-4147-A177-3AD203B41FA5}">
+                      <a16:colId xmlns:a16="http://schemas.microsoft.com/office/drawing/2014/main" val="2595170977"/>
+                    </a:ext>
+                  </a:extLst>
+                </a:gridCol>
+                <a:gridCol w="1625600">
+                  <a:extLst>
+                    <a:ext uri="{9D8B030D-6E8A-4147-A177-3AD203B41FA5}">
+                      <a16:colId xmlns:a16="http://schemas.microsoft.com/office/drawing/2014/main" val="205586085"/>
+                    </a:ext>
+                  </a:extLst>
+                </a:gridCol>
+                <a:gridCol w="1625600">
+                  <a:extLst>
+                    <a:ext uri="{9D8B030D-6E8A-4147-A177-3AD203B41FA5}">
+                      <a16:colId xmlns:a16="http://schemas.microsoft.com/office/drawing/2014/main" val="4283467816"/>
+                    </a:ext>
+                  </a:extLst>
+                </a:gridCol>
+                <a:gridCol w="1625600">
+                  <a:extLst>
+                    <a:ext uri="{9D8B030D-6E8A-4147-A177-3AD203B41FA5}">
+                      <a16:colId xmlns:a16="http://schemas.microsoft.com/office/drawing/2014/main" val="3588331409"/>
+                    </a:ext>
+                  </a:extLst>
+                </a:gridCol>
+              </a:tblGrid>
+              <a:tr h="370840">
+                <a:tc>
+                  <a:txBody>
+                    <a:bodyPr/>
+                    <a:lstStyle/>
+                    <a:p>
+                      <a:endParaRPr kumimoji="1" lang="ja-JP" altLang="en-US"/>
+                    </a:p>
+                  </a:txBody>
+                  <a:tcPr/>
+                </a:tc>
+                <a:tc>
+                  <a:txBody>
+                    <a:bodyPr/>
+                    <a:lstStyle/>
+                    <a:p>
+                      <a:endParaRPr kumimoji="1" lang="ja-JP" altLang="en-US"/>
+                    </a:p>
+                  </a:txBody>
+                  <a:tcPr/>
+                </a:tc>
+                <a:tc>
+                  <a:txBody>
+                    <a:bodyPr/>
+                    <a:lstStyle/>
+                    <a:p>
+                      <a:endParaRPr kumimoji="1" lang="ja-JP" altLang="en-US"/>
+                    </a:p>
+                  </a:txBody>
+                  <a:tcPr/>
+                </a:tc>
+                <a:tc>
+                  <a:txBody>
+                    <a:bodyPr/>
+                    <a:lstStyle/>
+                    <a:p>
+                      <a:endParaRPr kumimoji="1" lang="ja-JP" altLang="en-US"/>
+                    </a:p>
+                  </a:txBody>
+                  <a:tcPr/>
+                </a:tc>
+                <a:tc>
+                  <a:txBody>
+                    <a:bodyPr/>
+                    <a:lstStyle/>
+                    <a:p>
+                      <a:endParaRPr kumimoji="1" lang="ja-JP" altLang="en-US"/>
+                    </a:p>
+                  </a:txBody>
+                  <a:tcPr/>
+                </a:tc>
+                <a:extLst>
+                  <a:ext uri="{0D108BD9-81ED-4DB2-BD59-A6C34878D82A}">
+                    <a16:rowId xmlns:a16="http://schemas.microsoft.com/office/drawing/2014/main" val="3297426031"/>
+                  </a:ext>
+                </a:extLst>
+              </a:tr>
+              <a:tr h="370840">
+                <a:tc>
+                  <a:txBody>
+                    <a:bodyPr/>
+                    <a:lstStyle/>
+                    <a:p>
+                      <a:endParaRPr kumimoji="1" lang="ja-JP" altLang="en-US"/>
+                    </a:p>
+                  </a:txBody>
+                  <a:tcPr/>
+                </a:tc>
+                <a:tc>
+                  <a:txBody>
+                    <a:bodyPr/>
+                    <a:lstStyle/>
+                    <a:p>
+                      <a:endParaRPr kumimoji="1" lang="ja-JP" altLang="en-US"/>
+                    </a:p>
+                  </a:txBody>
+                  <a:tcPr/>
+                </a:tc>
+                <a:tc>
+                  <a:txBody>
+                    <a:bodyPr/>
+                    <a:lstStyle/>
+                    <a:p>
+                      <a:endParaRPr kumimoji="1" lang="ja-JP" altLang="en-US"/>
+                    </a:p>
+                  </a:txBody>
+                  <a:tcPr/>
+                </a:tc>
+                <a:tc>
+                  <a:txBody>
+                    <a:bodyPr/>
+                    <a:lstStyle/>
+                    <a:p>
+                      <a:endParaRPr kumimoji="1" lang="ja-JP" altLang="en-US"/>
+                    </a:p>
+                  </a:txBody>
+                  <a:tcPr/>
+                </a:tc>
+                <a:tc>
+                  <a:txBody>
+                    <a:bodyPr/>
+                    <a:lstStyle/>
+                    <a:p>
+                      <a:endParaRPr kumimoji="1" lang="ja-JP" altLang="en-US"/>
+                    </a:p>
+                  </a:txBody>
+                  <a:tcPr/>
+                </a:tc>
+                <a:extLst>
+                  <a:ext uri="{0D108BD9-81ED-4DB2-BD59-A6C34878D82A}">
+                    <a16:rowId xmlns:a16="http://schemas.microsoft.com/office/drawing/2014/main" val="3251499368"/>
+                  </a:ext>
+                </a:extLst>
+              </a:tr>
+              <a:tr h="370840">
+                <a:tc>
+                  <a:txBody>
+                    <a:bodyPr/>
+                    <a:lstStyle/>
+                    <a:p>
+                      <a:endParaRPr kumimoji="1" lang="ja-JP" altLang="en-US"/>
+                    </a:p>
+                  </a:txBody>
+                  <a:tcPr/>
+                </a:tc>
+                <a:tc>
+                  <a:txBody>
+                    <a:bodyPr/>
+                    <a:lstStyle/>
+                    <a:p>
+                      <a:endParaRPr kumimoji="1" lang="ja-JP" altLang="en-US"/>
+                    </a:p>
+                  </a:txBody>
+                  <a:tcPr/>
+                </a:tc>
+                <a:tc>
+                  <a:txBody>
+                    <a:bodyPr/>
+                    <a:lstStyle/>
+                    <a:p>
+                      <a:endParaRPr kumimoji="1" lang="ja-JP" altLang="en-US"/>
+                    </a:p>
+                  </a:txBody>
+                  <a:tcPr/>
+                </a:tc>
+                <a:tc>
+                  <a:txBody>
+                    <a:bodyPr/>
+                    <a:lstStyle/>
+                    <a:p>
+                      <a:endParaRPr kumimoji="1" lang="ja-JP" altLang="en-US"/>
+                    </a:p>
+                  </a:txBody>
+                  <a:tcPr/>
+                </a:tc>
+                <a:tc>
+                  <a:txBody>
+                    <a:bodyPr/>
+                    <a:lstStyle/>
+                    <a:p>
+                      <a:endParaRPr kumimoji="1" lang="ja-JP" altLang="en-US" dirty="0"/>
+                    </a:p>
+                  </a:txBody>
+                  <a:tcPr/>
+                </a:tc>
+                <a:extLst>
+                  <a:ext uri="{0D108BD9-81ED-4DB2-BD59-A6C34878D82A}">
+                    <a16:rowId xmlns:a16="http://schemas.microsoft.com/office/drawing/2014/main" val="4265853777"/>
+                  </a:ext>
+                </a:extLst>
+              </a:tr>
+            </a:tbl>
+          </a:graphicData>
+        </a:graphic>
+      </p:graphicFrame>
     </p:spTree>
     <p:extLst>
       <p:ext uri="{BB962C8B-B14F-4D97-AF65-F5344CB8AC3E}">
@@ -24054,8 +24320,8 @@
         </p:nvSpPr>
         <p:spPr>
           <a:xfrm>
-            <a:off x="636104" y="1023731"/>
-            <a:ext cx="2226365" cy="377687"/>
+            <a:off x="268068" y="874570"/>
+            <a:ext cx="1113183" cy="276999"/>
           </a:xfrm>
           <a:prstGeom prst="rect">
             <a:avLst/>
@@ -24074,7 +24340,7 @@
           <a:lstStyle/>
           <a:p>
             <a:r>
-              <a:rPr kumimoji="1" lang="ja-JP" altLang="en-US" dirty="0"/>
+              <a:rPr kumimoji="1" lang="ja-JP" altLang="en-US" sz="1200" dirty="0"/>
               <a:t>ルート権限</a:t>
             </a:r>
           </a:p>
@@ -24094,8 +24360,8 @@
         </p:nvSpPr>
         <p:spPr>
           <a:xfrm>
-            <a:off x="2305878" y="1762539"/>
-            <a:ext cx="2226365" cy="377687"/>
+            <a:off x="1093303" y="1351361"/>
+            <a:ext cx="1451401" cy="276999"/>
           </a:xfrm>
           <a:prstGeom prst="rect">
             <a:avLst/>
@@ -24114,31 +24380,72 @@
           <a:lstStyle/>
           <a:p>
             <a:r>
-              <a:rPr kumimoji="1" lang="ja-JP" altLang="en-US" dirty="0"/>
+              <a:rPr kumimoji="1" lang="ja-JP" altLang="en-US" sz="1200" dirty="0"/>
               <a:t>スーパーバイザ</a:t>
+            </a:r>
+          </a:p>
+        </p:txBody>
+      </p:sp>
+      <p:sp>
+        <p:nvSpPr>
+          <p:cNvPr id="10" name="テキスト ボックス 9">
+            <a:extLst>
+              <a:ext uri="{FF2B5EF4-FFF2-40B4-BE49-F238E27FC236}">
+                <a16:creationId xmlns:a16="http://schemas.microsoft.com/office/drawing/2014/main" id="{D80B943A-8DB5-7515-3F55-97C6DA974F68}"/>
+              </a:ext>
+            </a:extLst>
+          </p:cNvPr>
+          <p:cNvSpPr txBox="1"/>
+          <p:nvPr/>
+        </p:nvSpPr>
+        <p:spPr>
+          <a:xfrm>
+            <a:off x="2832653" y="1830316"/>
+            <a:ext cx="1282147" cy="276999"/>
+          </a:xfrm>
+          <a:prstGeom prst="rect">
+            <a:avLst/>
+          </a:prstGeom>
+          <a:noFill/>
+          <a:ln>
+            <a:solidFill>
+              <a:schemeClr val="accent1"/>
+            </a:solidFill>
+          </a:ln>
+        </p:spPr>
+        <p:txBody>
+          <a:bodyPr wrap="square" rtlCol="0">
+            <a:spAutoFit/>
+          </a:bodyPr>
+          <a:lstStyle/>
+          <a:p>
+            <a:r>
+              <a:rPr kumimoji="1" lang="ja-JP" altLang="en-US" sz="1200" dirty="0"/>
+              <a:t>博物館管理者</a:t>
             </a:r>
           </a:p>
         </p:txBody>
       </p:sp>
       <p:cxnSp>
         <p:nvCxnSpPr>
-          <p:cNvPr id="7" name="コネクタ: カギ線 6">
-            <a:extLst>
-              <a:ext uri="{FF2B5EF4-FFF2-40B4-BE49-F238E27FC236}">
-                <a16:creationId xmlns:a16="http://schemas.microsoft.com/office/drawing/2014/main" id="{CA4BACC6-D376-A21E-1F30-EFF765E36D72}"/>
+          <p:cNvPr id="14" name="コネクタ: カギ線 13">
+            <a:extLst>
+              <a:ext uri="{FF2B5EF4-FFF2-40B4-BE49-F238E27FC236}">
+                <a16:creationId xmlns:a16="http://schemas.microsoft.com/office/drawing/2014/main" id="{E276C327-A237-F5AE-C26D-734656909C1C}"/>
               </a:ext>
             </a:extLst>
           </p:cNvPr>
           <p:cNvCxnSpPr>
-            <a:stCxn id="2" idx="2"/>
-            <a:endCxn id="3" idx="1"/>
+            <a:cxnSpLocks/>
+            <a:stCxn id="3" idx="2"/>
+            <a:endCxn id="10" idx="1"/>
           </p:cNvCxnSpPr>
           <p:nvPr/>
         </p:nvCxnSpPr>
         <p:spPr>
           <a:xfrm rot="16200000" flipH="1">
-            <a:off x="1752600" y="1398104"/>
-            <a:ext cx="549965" cy="556591"/>
+            <a:off x="2155600" y="1291763"/>
+            <a:ext cx="340456" cy="1013649"/>
           </a:xfrm>
           <a:prstGeom prst="bentConnector2">
             <a:avLst/>
@@ -24164,10 +24471,10 @@
       </p:cxnSp>
       <p:sp>
         <p:nvSpPr>
-          <p:cNvPr id="9" name="テキスト ボックス 8">
-            <a:extLst>
-              <a:ext uri="{FF2B5EF4-FFF2-40B4-BE49-F238E27FC236}">
-                <a16:creationId xmlns:a16="http://schemas.microsoft.com/office/drawing/2014/main" id="{2BC16284-8113-9ACE-0A9F-9F991814AD51}"/>
+          <p:cNvPr id="22" name="テキスト ボックス 21">
+            <a:extLst>
+              <a:ext uri="{FF2B5EF4-FFF2-40B4-BE49-F238E27FC236}">
+                <a16:creationId xmlns:a16="http://schemas.microsoft.com/office/drawing/2014/main" id="{80459E3A-0D6B-6951-4F9C-3AA5DB636BF6}"/>
               </a:ext>
             </a:extLst>
           </p:cNvPr>
@@ -24176,43 +24483,8 @@
         </p:nvSpPr>
         <p:spPr>
           <a:xfrm>
-            <a:off x="1058086" y="1582050"/>
-            <a:ext cx="646331" cy="369332"/>
-          </a:xfrm>
-          <a:prstGeom prst="rect">
-            <a:avLst/>
-          </a:prstGeom>
-          <a:noFill/>
-        </p:spPr>
-        <p:txBody>
-          <a:bodyPr wrap="none" rtlCol="0">
-            <a:spAutoFit/>
-          </a:bodyPr>
-          <a:lstStyle/>
-          <a:p>
-            <a:r>
-              <a:rPr kumimoji="1" lang="ja-JP" altLang="en-US" dirty="0"/>
-              <a:t>登録</a:t>
-            </a:r>
-          </a:p>
-        </p:txBody>
-      </p:sp>
-      <p:sp>
-        <p:nvSpPr>
-          <p:cNvPr id="10" name="テキスト ボックス 9">
-            <a:extLst>
-              <a:ext uri="{FF2B5EF4-FFF2-40B4-BE49-F238E27FC236}">
-                <a16:creationId xmlns:a16="http://schemas.microsoft.com/office/drawing/2014/main" id="{D80B943A-8DB5-7515-3F55-97C6DA974F68}"/>
-              </a:ext>
-            </a:extLst>
-          </p:cNvPr>
-          <p:cNvSpPr txBox="1"/>
-          <p:nvPr/>
-        </p:nvSpPr>
-        <p:spPr>
-          <a:xfrm>
-            <a:off x="3756990" y="2501347"/>
-            <a:ext cx="2226365" cy="377687"/>
+            <a:off x="7148036" y="1530593"/>
+            <a:ext cx="1300510" cy="276999"/>
           </a:xfrm>
           <a:prstGeom prst="rect">
             <a:avLst/>
@@ -24231,18 +24503,18 @@
           <a:lstStyle/>
           <a:p>
             <a:r>
-              <a:rPr kumimoji="1" lang="ja-JP" altLang="en-US" dirty="0"/>
-              <a:t>博物館管理者</a:t>
-            </a:r>
-          </a:p>
-        </p:txBody>
-      </p:sp>
-      <p:sp>
-        <p:nvSpPr>
-          <p:cNvPr id="11" name="テキスト ボックス 10">
-            <a:extLst>
-              <a:ext uri="{FF2B5EF4-FFF2-40B4-BE49-F238E27FC236}">
-                <a16:creationId xmlns:a16="http://schemas.microsoft.com/office/drawing/2014/main" id="{74FDBDEB-512A-D597-AD2D-72B89B704EC7}"/>
+              <a:rPr kumimoji="1" lang="ja-JP" altLang="en-US" sz="1200" dirty="0"/>
+              <a:t>データ編集者</a:t>
+            </a:r>
+          </a:p>
+        </p:txBody>
+      </p:sp>
+      <p:sp>
+        <p:nvSpPr>
+          <p:cNvPr id="28" name="テキスト ボックス 27">
+            <a:extLst>
+              <a:ext uri="{FF2B5EF4-FFF2-40B4-BE49-F238E27FC236}">
+                <a16:creationId xmlns:a16="http://schemas.microsoft.com/office/drawing/2014/main" id="{95F69937-14E4-B421-6D47-D2AF6F6823CB}"/>
               </a:ext>
             </a:extLst>
           </p:cNvPr>
@@ -24251,8 +24523,8 @@
         </p:nvSpPr>
         <p:spPr>
           <a:xfrm>
-            <a:off x="3756990" y="4243141"/>
-            <a:ext cx="2226365" cy="377687"/>
+            <a:off x="7148036" y="2042457"/>
+            <a:ext cx="1300510" cy="276999"/>
           </a:xfrm>
           <a:prstGeom prst="rect">
             <a:avLst/>
@@ -24271,103 +24543,18 @@
           <a:lstStyle/>
           <a:p>
             <a:r>
-              <a:rPr kumimoji="1" lang="ja-JP" altLang="en-US" dirty="0"/>
-              <a:t>博物館管理者</a:t>
-            </a:r>
-          </a:p>
-        </p:txBody>
-      </p:sp>
-      <p:cxnSp>
-        <p:nvCxnSpPr>
-          <p:cNvPr id="14" name="コネクタ: カギ線 13">
-            <a:extLst>
-              <a:ext uri="{FF2B5EF4-FFF2-40B4-BE49-F238E27FC236}">
-                <a16:creationId xmlns:a16="http://schemas.microsoft.com/office/drawing/2014/main" id="{E276C327-A237-F5AE-C26D-734656909C1C}"/>
-              </a:ext>
-            </a:extLst>
-          </p:cNvPr>
-          <p:cNvCxnSpPr>
-            <a:stCxn id="3" idx="2"/>
-            <a:endCxn id="10" idx="1"/>
-          </p:cNvCxnSpPr>
-          <p:nvPr/>
-        </p:nvCxnSpPr>
-        <p:spPr>
-          <a:xfrm rot="16200000" flipH="1">
-            <a:off x="3313043" y="2246243"/>
-            <a:ext cx="549965" cy="337929"/>
-          </a:xfrm>
-          <a:prstGeom prst="bentConnector2">
-            <a:avLst/>
-          </a:prstGeom>
-          <a:ln>
-            <a:tailEnd type="triangle"/>
-          </a:ln>
-        </p:spPr>
-        <p:style>
-          <a:lnRef idx="2">
-            <a:schemeClr val="accent1"/>
-          </a:lnRef>
-          <a:fillRef idx="0">
-            <a:schemeClr val="accent1"/>
-          </a:fillRef>
-          <a:effectRef idx="1">
-            <a:schemeClr val="accent1"/>
-          </a:effectRef>
-          <a:fontRef idx="minor">
-            <a:schemeClr val="tx1"/>
-          </a:fontRef>
-        </p:style>
-      </p:cxnSp>
-      <p:cxnSp>
-        <p:nvCxnSpPr>
-          <p:cNvPr id="16" name="コネクタ: カギ線 15">
-            <a:extLst>
-              <a:ext uri="{FF2B5EF4-FFF2-40B4-BE49-F238E27FC236}">
-                <a16:creationId xmlns:a16="http://schemas.microsoft.com/office/drawing/2014/main" id="{119F4181-DAB7-6F82-58CE-2198BBC4A869}"/>
-              </a:ext>
-            </a:extLst>
-          </p:cNvPr>
-          <p:cNvCxnSpPr>
-            <a:cxnSpLocks/>
-            <a:stCxn id="3" idx="2"/>
-            <a:endCxn id="11" idx="1"/>
-          </p:cNvCxnSpPr>
-          <p:nvPr/>
-        </p:nvCxnSpPr>
-        <p:spPr>
-          <a:xfrm rot="16200000" flipH="1">
-            <a:off x="2442146" y="3117140"/>
-            <a:ext cx="2291759" cy="337929"/>
-          </a:xfrm>
-          <a:prstGeom prst="bentConnector2">
-            <a:avLst/>
-          </a:prstGeom>
-          <a:ln>
-            <a:tailEnd type="triangle"/>
-          </a:ln>
-        </p:spPr>
-        <p:style>
-          <a:lnRef idx="2">
-            <a:schemeClr val="accent1"/>
-          </a:lnRef>
-          <a:fillRef idx="0">
-            <a:schemeClr val="accent1"/>
-          </a:fillRef>
-          <a:effectRef idx="1">
-            <a:schemeClr val="accent1"/>
-          </a:effectRef>
-          <a:fontRef idx="minor">
-            <a:schemeClr val="tx1"/>
-          </a:fontRef>
-        </p:style>
-      </p:cxnSp>
-      <p:sp>
-        <p:nvSpPr>
-          <p:cNvPr id="19" name="テキスト ボックス 18">
-            <a:extLst>
-              <a:ext uri="{FF2B5EF4-FFF2-40B4-BE49-F238E27FC236}">
-                <a16:creationId xmlns:a16="http://schemas.microsoft.com/office/drawing/2014/main" id="{24BE5E80-F759-AEBB-41B9-F23E5BD41773}"/>
+              <a:rPr kumimoji="1" lang="ja-JP" altLang="en-US" sz="1200" dirty="0"/>
+              <a:t>データ編集者</a:t>
+            </a:r>
+          </a:p>
+        </p:txBody>
+      </p:sp>
+      <p:sp>
+        <p:nvSpPr>
+          <p:cNvPr id="29" name="テキスト ボックス 28">
+            <a:extLst>
+              <a:ext uri="{FF2B5EF4-FFF2-40B4-BE49-F238E27FC236}">
+                <a16:creationId xmlns:a16="http://schemas.microsoft.com/office/drawing/2014/main" id="{85FE759B-6878-7AD1-4147-D2BBC3157660}"/>
               </a:ext>
             </a:extLst>
           </p:cNvPr>
@@ -24376,43 +24563,8 @@
         </p:nvSpPr>
         <p:spPr>
           <a:xfrm>
-            <a:off x="4637469" y="1750150"/>
-            <a:ext cx="2492990" cy="369332"/>
-          </a:xfrm>
-          <a:prstGeom prst="rect">
-            <a:avLst/>
-          </a:prstGeom>
-          <a:noFill/>
-        </p:spPr>
-        <p:txBody>
-          <a:bodyPr wrap="none" rtlCol="0">
-            <a:spAutoFit/>
-          </a:bodyPr>
-          <a:lstStyle/>
-          <a:p>
-            <a:r>
-              <a:rPr kumimoji="1" lang="ja-JP" altLang="en-US" dirty="0"/>
-              <a:t>各博物館の管理者登録</a:t>
-            </a:r>
-          </a:p>
-        </p:txBody>
-      </p:sp>
-      <p:sp>
-        <p:nvSpPr>
-          <p:cNvPr id="22" name="テキスト ボックス 21">
-            <a:extLst>
-              <a:ext uri="{FF2B5EF4-FFF2-40B4-BE49-F238E27FC236}">
-                <a16:creationId xmlns:a16="http://schemas.microsoft.com/office/drawing/2014/main" id="{80459E3A-0D6B-6951-4F9C-3AA5DB636BF6}"/>
-              </a:ext>
-            </a:extLst>
-          </p:cNvPr>
-          <p:cNvSpPr txBox="1"/>
-          <p:nvPr/>
-        </p:nvSpPr>
-        <p:spPr>
-          <a:xfrm>
-            <a:off x="9184548" y="2501347"/>
-            <a:ext cx="2226365" cy="369332"/>
+            <a:off x="7148036" y="2554321"/>
+            <a:ext cx="1300510" cy="276999"/>
           </a:xfrm>
           <a:prstGeom prst="rect">
             <a:avLst/>
@@ -24431,87 +24583,7 @@
           <a:lstStyle/>
           <a:p>
             <a:r>
-              <a:rPr kumimoji="1" lang="ja-JP" altLang="en-US" dirty="0"/>
-              <a:t>データ編集者</a:t>
-            </a:r>
-          </a:p>
-        </p:txBody>
-      </p:sp>
-      <p:sp>
-        <p:nvSpPr>
-          <p:cNvPr id="28" name="テキスト ボックス 27">
-            <a:extLst>
-              <a:ext uri="{FF2B5EF4-FFF2-40B4-BE49-F238E27FC236}">
-                <a16:creationId xmlns:a16="http://schemas.microsoft.com/office/drawing/2014/main" id="{95F69937-14E4-B421-6D47-D2AF6F6823CB}"/>
-              </a:ext>
-            </a:extLst>
-          </p:cNvPr>
-          <p:cNvSpPr txBox="1"/>
-          <p:nvPr/>
-        </p:nvSpPr>
-        <p:spPr>
-          <a:xfrm>
-            <a:off x="9184548" y="3013211"/>
-            <a:ext cx="2226365" cy="369332"/>
-          </a:xfrm>
-          <a:prstGeom prst="rect">
-            <a:avLst/>
-          </a:prstGeom>
-          <a:noFill/>
-          <a:ln>
-            <a:solidFill>
-              <a:schemeClr val="accent1"/>
-            </a:solidFill>
-          </a:ln>
-        </p:spPr>
-        <p:txBody>
-          <a:bodyPr wrap="square" rtlCol="0">
-            <a:spAutoFit/>
-          </a:bodyPr>
-          <a:lstStyle/>
-          <a:p>
-            <a:r>
-              <a:rPr kumimoji="1" lang="ja-JP" altLang="en-US" dirty="0"/>
-              <a:t>データ編集者</a:t>
-            </a:r>
-          </a:p>
-        </p:txBody>
-      </p:sp>
-      <p:sp>
-        <p:nvSpPr>
-          <p:cNvPr id="29" name="テキスト ボックス 28">
-            <a:extLst>
-              <a:ext uri="{FF2B5EF4-FFF2-40B4-BE49-F238E27FC236}">
-                <a16:creationId xmlns:a16="http://schemas.microsoft.com/office/drawing/2014/main" id="{85FE759B-6878-7AD1-4147-D2BBC3157660}"/>
-              </a:ext>
-            </a:extLst>
-          </p:cNvPr>
-          <p:cNvSpPr txBox="1"/>
-          <p:nvPr/>
-        </p:nvSpPr>
-        <p:spPr>
-          <a:xfrm>
-            <a:off x="9184548" y="3525075"/>
-            <a:ext cx="2226365" cy="369332"/>
-          </a:xfrm>
-          <a:prstGeom prst="rect">
-            <a:avLst/>
-          </a:prstGeom>
-          <a:noFill/>
-          <a:ln>
-            <a:solidFill>
-              <a:schemeClr val="accent1"/>
-            </a:solidFill>
-          </a:ln>
-        </p:spPr>
-        <p:txBody>
-          <a:bodyPr wrap="square" rtlCol="0">
-            <a:spAutoFit/>
-          </a:bodyPr>
-          <a:lstStyle/>
-          <a:p>
-            <a:r>
-              <a:rPr kumimoji="1" lang="ja-JP" altLang="en-US" dirty="0"/>
+              <a:rPr kumimoji="1" lang="ja-JP" altLang="en-US" sz="1200" dirty="0"/>
               <a:t>データ編集者</a:t>
             </a:r>
           </a:p>
@@ -24527,6 +24599,7 @@
             </a:extLst>
           </p:cNvPr>
           <p:cNvCxnSpPr>
+            <a:cxnSpLocks/>
             <a:stCxn id="10" idx="3"/>
             <a:endCxn id="22" idx="1"/>
           </p:cNvCxnSpPr>
@@ -24534,8 +24607,8 @@
         </p:nvCxnSpPr>
         <p:spPr>
           <a:xfrm flipV="1">
-            <a:off x="5983355" y="2686013"/>
-            <a:ext cx="3201193" cy="4178"/>
+            <a:off x="4114800" y="1669093"/>
+            <a:ext cx="3033236" cy="299723"/>
           </a:xfrm>
           <a:prstGeom prst="straightConnector1">
             <a:avLst/>
@@ -24577,8 +24650,8 @@
         </p:nvCxnSpPr>
         <p:spPr>
           <a:xfrm>
-            <a:off x="5983355" y="2690191"/>
-            <a:ext cx="3201193" cy="507686"/>
+            <a:off x="4114800" y="1968816"/>
+            <a:ext cx="3033236" cy="212141"/>
           </a:xfrm>
           <a:prstGeom prst="straightConnector1">
             <a:avLst/>
@@ -24620,8 +24693,8 @@
         </p:nvCxnSpPr>
         <p:spPr>
           <a:xfrm>
-            <a:off x="5983355" y="2690191"/>
-            <a:ext cx="3201193" cy="1019550"/>
+            <a:off x="4114800" y="1968816"/>
+            <a:ext cx="3033236" cy="724005"/>
           </a:xfrm>
           <a:prstGeom prst="straightConnector1">
             <a:avLst/>
@@ -24647,10 +24720,10 @@
       </p:cxnSp>
       <p:sp>
         <p:nvSpPr>
-          <p:cNvPr id="38" name="テキスト ボックス 37">
-            <a:extLst>
-              <a:ext uri="{FF2B5EF4-FFF2-40B4-BE49-F238E27FC236}">
-                <a16:creationId xmlns:a16="http://schemas.microsoft.com/office/drawing/2014/main" id="{DD1CFB1A-801A-C981-4A07-081A3EDE8CB0}"/>
+          <p:cNvPr id="8" name="テキスト ボックス 7">
+            <a:extLst>
+              <a:ext uri="{FF2B5EF4-FFF2-40B4-BE49-F238E27FC236}">
+                <a16:creationId xmlns:a16="http://schemas.microsoft.com/office/drawing/2014/main" id="{CAFE340D-AAF6-DD2C-A974-3B4072FFF289}"/>
               </a:ext>
             </a:extLst>
           </p:cNvPr>
@@ -24659,8 +24732,140 @@
         </p:nvSpPr>
         <p:spPr>
           <a:xfrm>
-            <a:off x="9184548" y="4322654"/>
-            <a:ext cx="2226365" cy="369332"/>
+            <a:off x="1400984" y="876770"/>
+            <a:ext cx="1877437" cy="276999"/>
+          </a:xfrm>
+          <a:prstGeom prst="rect">
+            <a:avLst/>
+          </a:prstGeom>
+          <a:noFill/>
+        </p:spPr>
+        <p:txBody>
+          <a:bodyPr wrap="none" rtlCol="0">
+            <a:spAutoFit/>
+          </a:bodyPr>
+          <a:lstStyle/>
+          <a:p>
+            <a:r>
+              <a:rPr kumimoji="1" lang="ja-JP" altLang="en-US" sz="1200" dirty="0"/>
+              <a:t>スーパーバイザーの登録</a:t>
+            </a:r>
+          </a:p>
+        </p:txBody>
+      </p:sp>
+      <p:cxnSp>
+        <p:nvCxnSpPr>
+          <p:cNvPr id="12" name="コネクタ: カギ線 11">
+            <a:extLst>
+              <a:ext uri="{FF2B5EF4-FFF2-40B4-BE49-F238E27FC236}">
+                <a16:creationId xmlns:a16="http://schemas.microsoft.com/office/drawing/2014/main" id="{2474BC4D-ED22-5305-AEB1-D82D670DD2ED}"/>
+              </a:ext>
+            </a:extLst>
+          </p:cNvPr>
+          <p:cNvCxnSpPr>
+            <a:cxnSpLocks/>
+            <a:stCxn id="2" idx="2"/>
+            <a:endCxn id="3" idx="1"/>
+          </p:cNvCxnSpPr>
+          <p:nvPr/>
+        </p:nvCxnSpPr>
+        <p:spPr>
+          <a:xfrm rot="16200000" flipH="1">
+            <a:off x="789835" y="1186393"/>
+            <a:ext cx="338292" cy="268643"/>
+          </a:xfrm>
+          <a:prstGeom prst="bentConnector2">
+            <a:avLst/>
+          </a:prstGeom>
+          <a:ln>
+            <a:tailEnd type="triangle"/>
+          </a:ln>
+        </p:spPr>
+        <p:style>
+          <a:lnRef idx="2">
+            <a:schemeClr val="accent1"/>
+          </a:lnRef>
+          <a:fillRef idx="0">
+            <a:schemeClr val="accent1"/>
+          </a:fillRef>
+          <a:effectRef idx="1">
+            <a:schemeClr val="accent1"/>
+          </a:effectRef>
+          <a:fontRef idx="minor">
+            <a:schemeClr val="tx1"/>
+          </a:fontRef>
+        </p:style>
+      </p:cxnSp>
+      <p:sp>
+        <p:nvSpPr>
+          <p:cNvPr id="51" name="正方形/長方形 50">
+            <a:extLst>
+              <a:ext uri="{FF2B5EF4-FFF2-40B4-BE49-F238E27FC236}">
+                <a16:creationId xmlns:a16="http://schemas.microsoft.com/office/drawing/2014/main" id="{ED0C78B0-0397-01F0-EDF9-FE679DCFE14D}"/>
+              </a:ext>
+            </a:extLst>
+          </p:cNvPr>
+          <p:cNvSpPr/>
+          <p:nvPr/>
+        </p:nvSpPr>
+        <p:spPr>
+          <a:xfrm>
+            <a:off x="2664720" y="1621310"/>
+            <a:ext cx="2913220" cy="1807690"/>
+          </a:xfrm>
+          <a:prstGeom prst="rect">
+            <a:avLst/>
+          </a:prstGeom>
+          <a:noFill/>
+          <a:ln w="9525">
+            <a:prstDash val="dash"/>
+          </a:ln>
+        </p:spPr>
+        <p:style>
+          <a:lnRef idx="2">
+            <a:schemeClr val="accent1">
+              <a:shade val="15000"/>
+            </a:schemeClr>
+          </a:lnRef>
+          <a:fillRef idx="1">
+            <a:schemeClr val="accent1"/>
+          </a:fillRef>
+          <a:effectRef idx="0">
+            <a:schemeClr val="accent1"/>
+          </a:effectRef>
+          <a:fontRef idx="minor">
+            <a:schemeClr val="lt1"/>
+          </a:fontRef>
+        </p:style>
+        <p:txBody>
+          <a:bodyPr rtlCol="0" anchor="ctr"/>
+          <a:lstStyle/>
+          <a:p>
+            <a:pPr algn="ctr"/>
+            <a:endParaRPr kumimoji="1" lang="ja-JP" altLang="en-US" sz="1200" dirty="0">
+              <a:solidFill>
+                <a:schemeClr val="tx1"/>
+              </a:solidFill>
+            </a:endParaRPr>
+          </a:p>
+        </p:txBody>
+      </p:sp>
+      <p:sp>
+        <p:nvSpPr>
+          <p:cNvPr id="52" name="テキスト ボックス 51">
+            <a:extLst>
+              <a:ext uri="{FF2B5EF4-FFF2-40B4-BE49-F238E27FC236}">
+                <a16:creationId xmlns:a16="http://schemas.microsoft.com/office/drawing/2014/main" id="{FC6B187D-E632-C411-6FC3-CC24C121555A}"/>
+              </a:ext>
+            </a:extLst>
+          </p:cNvPr>
+          <p:cNvSpPr txBox="1"/>
+          <p:nvPr/>
+        </p:nvSpPr>
+        <p:spPr>
+          <a:xfrm>
+            <a:off x="3640030" y="2519974"/>
+            <a:ext cx="1282147" cy="276999"/>
           </a:xfrm>
           <a:prstGeom prst="rect">
             <a:avLst/>
@@ -24679,18 +24884,18 @@
           <a:lstStyle/>
           <a:p>
             <a:r>
-              <a:rPr kumimoji="1" lang="ja-JP" altLang="en-US" dirty="0"/>
-              <a:t>データ編集者</a:t>
-            </a:r>
-          </a:p>
-        </p:txBody>
-      </p:sp>
-      <p:sp>
-        <p:nvSpPr>
-          <p:cNvPr id="39" name="テキスト ボックス 38">
-            <a:extLst>
-              <a:ext uri="{FF2B5EF4-FFF2-40B4-BE49-F238E27FC236}">
-                <a16:creationId xmlns:a16="http://schemas.microsoft.com/office/drawing/2014/main" id="{628F1A04-2F68-7427-4990-9E2FB4ECBD8E}"/>
+              <a:rPr kumimoji="1" lang="ja-JP" altLang="en-US" sz="1200" dirty="0"/>
+              <a:t>博物館管理者</a:t>
+            </a:r>
+          </a:p>
+        </p:txBody>
+      </p:sp>
+      <p:sp>
+        <p:nvSpPr>
+          <p:cNvPr id="53" name="テキスト ボックス 52">
+            <a:extLst>
+              <a:ext uri="{FF2B5EF4-FFF2-40B4-BE49-F238E27FC236}">
+                <a16:creationId xmlns:a16="http://schemas.microsoft.com/office/drawing/2014/main" id="{4A31CC05-D7BF-DED9-4C0E-164576E717FE}"/>
               </a:ext>
             </a:extLst>
           </p:cNvPr>
@@ -24699,8 +24904,8 @@
         </p:nvSpPr>
         <p:spPr>
           <a:xfrm>
-            <a:off x="9184548" y="4834518"/>
-            <a:ext cx="2226365" cy="369332"/>
+            <a:off x="3640029" y="2932632"/>
+            <a:ext cx="1282147" cy="276999"/>
           </a:xfrm>
           <a:prstGeom prst="rect">
             <a:avLst/>
@@ -24719,74 +24924,34 @@
           <a:lstStyle/>
           <a:p>
             <a:r>
-              <a:rPr kumimoji="1" lang="ja-JP" altLang="en-US" dirty="0"/>
-              <a:t>データ編集者</a:t>
-            </a:r>
-          </a:p>
-        </p:txBody>
-      </p:sp>
-      <p:sp>
-        <p:nvSpPr>
-          <p:cNvPr id="40" name="テキスト ボックス 39">
-            <a:extLst>
-              <a:ext uri="{FF2B5EF4-FFF2-40B4-BE49-F238E27FC236}">
-                <a16:creationId xmlns:a16="http://schemas.microsoft.com/office/drawing/2014/main" id="{0D53BE84-07A8-C6B2-F76C-209D60587237}"/>
-              </a:ext>
-            </a:extLst>
-          </p:cNvPr>
-          <p:cNvSpPr txBox="1"/>
-          <p:nvPr/>
-        </p:nvSpPr>
-        <p:spPr>
-          <a:xfrm>
-            <a:off x="9184548" y="5346382"/>
-            <a:ext cx="2226365" cy="369332"/>
-          </a:xfrm>
-          <a:prstGeom prst="rect">
-            <a:avLst/>
-          </a:prstGeom>
-          <a:noFill/>
-          <a:ln>
-            <a:solidFill>
-              <a:schemeClr val="accent1"/>
-            </a:solidFill>
-          </a:ln>
-        </p:spPr>
-        <p:txBody>
-          <a:bodyPr wrap="square" rtlCol="0">
-            <a:spAutoFit/>
-          </a:bodyPr>
-          <a:lstStyle/>
-          <a:p>
-            <a:r>
-              <a:rPr kumimoji="1" lang="ja-JP" altLang="en-US" dirty="0"/>
-              <a:t>データ編集者</a:t>
+              <a:rPr kumimoji="1" lang="ja-JP" altLang="en-US" sz="1200" dirty="0"/>
+              <a:t>博物館管理者</a:t>
             </a:r>
           </a:p>
         </p:txBody>
       </p:sp>
       <p:cxnSp>
         <p:nvCxnSpPr>
-          <p:cNvPr id="41" name="直線矢印コネクタ 40">
-            <a:extLst>
-              <a:ext uri="{FF2B5EF4-FFF2-40B4-BE49-F238E27FC236}">
-                <a16:creationId xmlns:a16="http://schemas.microsoft.com/office/drawing/2014/main" id="{85B121B6-56ED-8C04-BDDB-7D55CAA427F2}"/>
+          <p:cNvPr id="64" name="コネクタ: カギ線 63">
+            <a:extLst>
+              <a:ext uri="{FF2B5EF4-FFF2-40B4-BE49-F238E27FC236}">
+                <a16:creationId xmlns:a16="http://schemas.microsoft.com/office/drawing/2014/main" id="{75384D5D-4F25-EFBC-E07E-01127F75A4D9}"/>
               </a:ext>
             </a:extLst>
           </p:cNvPr>
           <p:cNvCxnSpPr>
             <a:cxnSpLocks/>
-            <a:stCxn id="11" idx="3"/>
-            <a:endCxn id="38" idx="1"/>
+            <a:stCxn id="10" idx="2"/>
+            <a:endCxn id="52" idx="1"/>
           </p:cNvCxnSpPr>
           <p:nvPr/>
         </p:nvCxnSpPr>
         <p:spPr>
-          <a:xfrm>
-            <a:off x="5983355" y="4431985"/>
-            <a:ext cx="3201193" cy="75335"/>
-          </a:xfrm>
-          <a:prstGeom prst="straightConnector1">
+          <a:xfrm rot="16200000" flipH="1">
+            <a:off x="3281299" y="2299742"/>
+            <a:ext cx="551159" cy="166303"/>
+          </a:xfrm>
+          <a:prstGeom prst="bentConnector2">
             <a:avLst/>
           </a:prstGeom>
           <a:ln>
@@ -24810,26 +24975,26 @@
       </p:cxnSp>
       <p:cxnSp>
         <p:nvCxnSpPr>
-          <p:cNvPr id="45" name="直線矢印コネクタ 44">
-            <a:extLst>
-              <a:ext uri="{FF2B5EF4-FFF2-40B4-BE49-F238E27FC236}">
-                <a16:creationId xmlns:a16="http://schemas.microsoft.com/office/drawing/2014/main" id="{CD65122F-8257-A78D-AFA6-95662D6777D7}"/>
+          <p:cNvPr id="68" name="コネクタ: カギ線 67">
+            <a:extLst>
+              <a:ext uri="{FF2B5EF4-FFF2-40B4-BE49-F238E27FC236}">
+                <a16:creationId xmlns:a16="http://schemas.microsoft.com/office/drawing/2014/main" id="{57321F73-2ED9-4B65-4A34-32EA8599AE73}"/>
               </a:ext>
             </a:extLst>
           </p:cNvPr>
           <p:cNvCxnSpPr>
             <a:cxnSpLocks/>
-            <a:stCxn id="11" idx="3"/>
-            <a:endCxn id="39" idx="1"/>
+            <a:stCxn id="10" idx="2"/>
+            <a:endCxn id="53" idx="1"/>
           </p:cNvCxnSpPr>
           <p:nvPr/>
         </p:nvCxnSpPr>
         <p:spPr>
-          <a:xfrm>
-            <a:off x="5983355" y="4431985"/>
-            <a:ext cx="3201193" cy="587199"/>
-          </a:xfrm>
-          <a:prstGeom prst="straightConnector1">
+          <a:xfrm rot="16200000" flipH="1">
+            <a:off x="3074970" y="2506072"/>
+            <a:ext cx="963817" cy="166302"/>
+          </a:xfrm>
+          <a:prstGeom prst="bentConnector2">
             <a:avLst/>
           </a:prstGeom>
           <a:ln>
@@ -24851,55 +25016,12 @@
           </a:fontRef>
         </p:style>
       </p:cxnSp>
-      <p:cxnSp>
-        <p:nvCxnSpPr>
-          <p:cNvPr id="48" name="直線矢印コネクタ 47">
-            <a:extLst>
-              <a:ext uri="{FF2B5EF4-FFF2-40B4-BE49-F238E27FC236}">
-                <a16:creationId xmlns:a16="http://schemas.microsoft.com/office/drawing/2014/main" id="{8B9E1622-C04A-D3CD-16A0-CE820DA68A98}"/>
-              </a:ext>
-            </a:extLst>
-          </p:cNvPr>
-          <p:cNvCxnSpPr>
-            <a:cxnSpLocks/>
-            <a:stCxn id="11" idx="3"/>
-            <a:endCxn id="40" idx="1"/>
-          </p:cNvCxnSpPr>
-          <p:nvPr/>
-        </p:nvCxnSpPr>
-        <p:spPr>
-          <a:xfrm>
-            <a:off x="5983355" y="4431985"/>
-            <a:ext cx="3201193" cy="1099063"/>
-          </a:xfrm>
-          <a:prstGeom prst="straightConnector1">
-            <a:avLst/>
-          </a:prstGeom>
-          <a:ln>
-            <a:tailEnd type="triangle"/>
-          </a:ln>
-        </p:spPr>
-        <p:style>
-          <a:lnRef idx="2">
-            <a:schemeClr val="accent1"/>
-          </a:lnRef>
-          <a:fillRef idx="0">
-            <a:schemeClr val="accent1"/>
-          </a:fillRef>
-          <a:effectRef idx="1">
-            <a:schemeClr val="accent1"/>
-          </a:effectRef>
-          <a:fontRef idx="minor">
-            <a:schemeClr val="tx1"/>
-          </a:fontRef>
-        </p:style>
-      </p:cxnSp>
-      <p:sp>
-        <p:nvSpPr>
-          <p:cNvPr id="56" name="テキスト ボックス 55">
-            <a:extLst>
-              <a:ext uri="{FF2B5EF4-FFF2-40B4-BE49-F238E27FC236}">
-                <a16:creationId xmlns:a16="http://schemas.microsoft.com/office/drawing/2014/main" id="{A4FDFD3C-277F-679C-B2C6-ACAF6A5D4E13}"/>
+      <p:sp>
+        <p:nvSpPr>
+          <p:cNvPr id="72" name="テキスト ボックス 71">
+            <a:extLst>
+              <a:ext uri="{FF2B5EF4-FFF2-40B4-BE49-F238E27FC236}">
+                <a16:creationId xmlns:a16="http://schemas.microsoft.com/office/drawing/2014/main" id="{E49AF2B5-87C8-267F-19C2-CC41AEDCD94E}"/>
               </a:ext>
             </a:extLst>
           </p:cNvPr>
@@ -24908,53 +25030,13 @@
         </p:nvSpPr>
         <p:spPr>
           <a:xfrm>
-            <a:off x="5578376" y="3412434"/>
-            <a:ext cx="2262158" cy="369332"/>
-          </a:xfrm>
-          <a:prstGeom prst="rect">
-            <a:avLst/>
-          </a:prstGeom>
-          <a:noFill/>
-        </p:spPr>
-        <p:txBody>
-          <a:bodyPr wrap="none" rtlCol="0">
-            <a:spAutoFit/>
-          </a:bodyPr>
-          <a:lstStyle/>
-          <a:p>
-            <a:r>
-              <a:rPr kumimoji="1" lang="ja-JP" altLang="en-US" dirty="0"/>
-              <a:t>データ編集者の登録</a:t>
-            </a:r>
-          </a:p>
-        </p:txBody>
-      </p:sp>
-      <p:sp>
-        <p:nvSpPr>
-          <p:cNvPr id="6" name="テキスト ボックス 5">
-            <a:extLst>
-              <a:ext uri="{FF2B5EF4-FFF2-40B4-BE49-F238E27FC236}">
-                <a16:creationId xmlns:a16="http://schemas.microsoft.com/office/drawing/2014/main" id="{55671489-EA6C-EC3B-AF14-B349C89CECA0}"/>
-              </a:ext>
-            </a:extLst>
-          </p:cNvPr>
-          <p:cNvSpPr txBox="1"/>
-          <p:nvPr/>
-        </p:nvSpPr>
-        <p:spPr>
-          <a:xfrm>
-            <a:off x="2276060" y="5456582"/>
-            <a:ext cx="2226365" cy="377687"/>
-          </a:xfrm>
-          <a:prstGeom prst="rect">
-            <a:avLst/>
-          </a:prstGeom>
-          <a:noFill/>
-          <a:ln>
-            <a:solidFill>
-              <a:schemeClr val="accent1"/>
-            </a:solidFill>
-          </a:ln>
+            <a:off x="485312" y="3908424"/>
+            <a:ext cx="10962574" cy="1754326"/>
+          </a:xfrm>
+          <a:prstGeom prst="rect">
+            <a:avLst/>
+          </a:prstGeom>
+          <a:noFill/>
         </p:spPr>
         <p:txBody>
           <a:bodyPr wrap="square" rtlCol="0">
@@ -24962,91 +25044,74 @@
           </a:bodyPr>
           <a:lstStyle/>
           <a:p>
-            <a:r>
-              <a:rPr kumimoji="1" lang="ja-JP" altLang="en-US" dirty="0"/>
-              <a:t>スーパーバイザ</a:t>
-            </a:r>
-          </a:p>
-        </p:txBody>
-      </p:sp>
-      <p:sp>
-        <p:nvSpPr>
-          <p:cNvPr id="8" name="テキスト ボックス 7">
-            <a:extLst>
-              <a:ext uri="{FF2B5EF4-FFF2-40B4-BE49-F238E27FC236}">
-                <a16:creationId xmlns:a16="http://schemas.microsoft.com/office/drawing/2014/main" id="{CAFE340D-AAF6-DD2C-A974-3B4072FFF289}"/>
-              </a:ext>
-            </a:extLst>
-          </p:cNvPr>
-          <p:cNvSpPr txBox="1"/>
-          <p:nvPr/>
-        </p:nvSpPr>
-        <p:spPr>
-          <a:xfrm>
-            <a:off x="3255930" y="1034537"/>
-            <a:ext cx="2723823" cy="369332"/>
-          </a:xfrm>
-          <a:prstGeom prst="rect">
-            <a:avLst/>
-          </a:prstGeom>
-          <a:noFill/>
-        </p:spPr>
-        <p:txBody>
-          <a:bodyPr wrap="none" rtlCol="0">
-            <a:spAutoFit/>
-          </a:bodyPr>
-          <a:lstStyle/>
-          <a:p>
-            <a:r>
-              <a:rPr kumimoji="1" lang="ja-JP" altLang="en-US" dirty="0"/>
-              <a:t>スーパーバイザーの登録</a:t>
-            </a:r>
-          </a:p>
-        </p:txBody>
-      </p:sp>
-      <p:cxnSp>
-        <p:nvCxnSpPr>
-          <p:cNvPr id="12" name="コネクタ: カギ線 11">
-            <a:extLst>
-              <a:ext uri="{FF2B5EF4-FFF2-40B4-BE49-F238E27FC236}">
-                <a16:creationId xmlns:a16="http://schemas.microsoft.com/office/drawing/2014/main" id="{2474BC4D-ED22-5305-AEB1-D82D670DD2ED}"/>
-              </a:ext>
-            </a:extLst>
-          </p:cNvPr>
-          <p:cNvCxnSpPr>
-            <a:cxnSpLocks/>
-            <a:stCxn id="2" idx="2"/>
-            <a:endCxn id="6" idx="1"/>
-          </p:cNvCxnSpPr>
-          <p:nvPr/>
-        </p:nvCxnSpPr>
-        <p:spPr>
-          <a:xfrm rot="16200000" flipH="1">
-            <a:off x="-109331" y="3260035"/>
-            <a:ext cx="4244008" cy="526773"/>
-          </a:xfrm>
-          <a:prstGeom prst="bentConnector2">
-            <a:avLst/>
-          </a:prstGeom>
-          <a:ln>
-            <a:tailEnd type="triangle"/>
-          </a:ln>
-        </p:spPr>
-        <p:style>
-          <a:lnRef idx="2">
-            <a:schemeClr val="accent1"/>
-          </a:lnRef>
-          <a:fillRef idx="0">
-            <a:schemeClr val="accent1"/>
-          </a:fillRef>
-          <a:effectRef idx="1">
-            <a:schemeClr val="accent1"/>
-          </a:effectRef>
-          <a:fontRef idx="minor">
-            <a:schemeClr val="tx1"/>
-          </a:fontRef>
-        </p:style>
-      </p:cxnSp>
+            <a:pPr marL="285750" indent="-285750">
+              <a:buFont typeface="Wingdings" panose="05000000000000000000" pitchFamily="2" charset="2"/>
+              <a:buChar char="l"/>
+            </a:pPr>
+            <a:r>
+              <a:rPr kumimoji="1" lang="ja-JP" altLang="en-US" sz="1200" dirty="0"/>
+              <a:t>ルート</a:t>
+            </a:r>
+            <a:endParaRPr kumimoji="1" lang="en-US" altLang="ja-JP" sz="1200" dirty="0"/>
+          </a:p>
+          <a:p>
+            <a:r>
+              <a:rPr kumimoji="1" lang="ja-JP" altLang="en-US" sz="1200" dirty="0"/>
+              <a:t>　　データベースを直接触れる人＝サーバーの保有者、スーパーバイザー登録はサーバー画面で行う。スーパーバイザーは複数人許可　　</a:t>
+            </a:r>
+            <a:endParaRPr kumimoji="1" lang="en-US" altLang="ja-JP" sz="1200" dirty="0"/>
+          </a:p>
+          <a:p>
+            <a:pPr marL="285750" indent="-285750">
+              <a:buFont typeface="Wingdings" panose="05000000000000000000" pitchFamily="2" charset="2"/>
+              <a:buChar char="l"/>
+            </a:pPr>
+            <a:r>
+              <a:rPr kumimoji="1" lang="ja-JP" altLang="en-US" sz="1200" dirty="0"/>
+              <a:t>スーパーバーザー</a:t>
+            </a:r>
+            <a:br>
+              <a:rPr kumimoji="1" lang="en-US" altLang="ja-JP" sz="1200" dirty="0"/>
+            </a:br>
+            <a:r>
+              <a:rPr kumimoji="1" lang="ja-JP" altLang="en-US" sz="1200" dirty="0"/>
+              <a:t>博物館ごとの管理者の登録、削除を行うことができる。博物館ごとの管理者は複数許可されているが、スーパーパーザーは最初の一人のみ設定できる</a:t>
+            </a:r>
+            <a:endParaRPr kumimoji="1" lang="en-US" altLang="ja-JP" sz="1200" dirty="0"/>
+          </a:p>
+          <a:p>
+            <a:endParaRPr kumimoji="1" lang="en-US" altLang="ja-JP" sz="1200" dirty="0"/>
+          </a:p>
+          <a:p>
+            <a:pPr marL="285750" indent="-285750">
+              <a:buFont typeface="Wingdings" panose="05000000000000000000" pitchFamily="2" charset="2"/>
+              <a:buChar char="l"/>
+            </a:pPr>
+            <a:r>
+              <a:rPr kumimoji="1" lang="ja-JP" altLang="en-US" sz="1200" dirty="0"/>
+              <a:t>博物館ごと</a:t>
+            </a:r>
+            <a:br>
+              <a:rPr lang="en-US" altLang="ja-JP" sz="1200" dirty="0"/>
+            </a:br>
+            <a:r>
+              <a:rPr lang="ja-JP" altLang="en-US" sz="1200" dirty="0"/>
+              <a:t>１）博物館には複数の博物館管理者が設定できる。博物館管理者の追加削除、変更はその博物館の管理者が行う。</a:t>
+            </a:r>
+            <a:br>
+              <a:rPr lang="en-US" altLang="ja-JP" sz="1200" dirty="0"/>
+            </a:br>
+            <a:r>
+              <a:rPr lang="ja-JP" altLang="en-US" sz="1200" dirty="0"/>
+              <a:t>２）博物館にはデータの編集を行うデータ編集者が設定できる。データ編集者の追加、削除に関しても博物館管理者が行う</a:t>
+            </a:r>
+            <a:br>
+              <a:rPr lang="en-US" altLang="ja-JP" sz="1200" dirty="0"/>
+            </a:br>
+            <a:endParaRPr kumimoji="1" lang="en-US" altLang="ja-JP" sz="1200" dirty="0"/>
+          </a:p>
+        </p:txBody>
+      </p:sp>
     </p:spTree>
     <p:extLst>
       <p:ext uri="{BB962C8B-B14F-4D97-AF65-F5344CB8AC3E}">

--- a/展示物アプリ仕様.pptx
+++ b/展示物アプリ仕様.pptx
@@ -18,31 +18,34 @@
     <p:sldId id="298" r:id="rId12"/>
     <p:sldId id="299" r:id="rId13"/>
     <p:sldId id="300" r:id="rId14"/>
-    <p:sldId id="296" r:id="rId15"/>
-    <p:sldId id="290" r:id="rId16"/>
-    <p:sldId id="294" r:id="rId17"/>
-    <p:sldId id="289" r:id="rId18"/>
-    <p:sldId id="263" r:id="rId19"/>
-    <p:sldId id="264" r:id="rId20"/>
-    <p:sldId id="292" r:id="rId21"/>
-    <p:sldId id="291" r:id="rId22"/>
-    <p:sldId id="265" r:id="rId23"/>
-    <p:sldId id="266" r:id="rId24"/>
-    <p:sldId id="270" r:id="rId25"/>
-    <p:sldId id="271" r:id="rId26"/>
-    <p:sldId id="272" r:id="rId27"/>
-    <p:sldId id="267" r:id="rId28"/>
-    <p:sldId id="268" r:id="rId29"/>
-    <p:sldId id="273" r:id="rId30"/>
-    <p:sldId id="276" r:id="rId31"/>
-    <p:sldId id="277" r:id="rId32"/>
-    <p:sldId id="284" r:id="rId33"/>
-    <p:sldId id="278" r:id="rId34"/>
-    <p:sldId id="279" r:id="rId35"/>
-    <p:sldId id="280" r:id="rId36"/>
-    <p:sldId id="281" r:id="rId37"/>
-    <p:sldId id="282" r:id="rId38"/>
-    <p:sldId id="283" r:id="rId39"/>
+    <p:sldId id="301" r:id="rId15"/>
+    <p:sldId id="303" r:id="rId16"/>
+    <p:sldId id="302" r:id="rId17"/>
+    <p:sldId id="296" r:id="rId18"/>
+    <p:sldId id="290" r:id="rId19"/>
+    <p:sldId id="294" r:id="rId20"/>
+    <p:sldId id="289" r:id="rId21"/>
+    <p:sldId id="263" r:id="rId22"/>
+    <p:sldId id="264" r:id="rId23"/>
+    <p:sldId id="292" r:id="rId24"/>
+    <p:sldId id="291" r:id="rId25"/>
+    <p:sldId id="265" r:id="rId26"/>
+    <p:sldId id="266" r:id="rId27"/>
+    <p:sldId id="270" r:id="rId28"/>
+    <p:sldId id="271" r:id="rId29"/>
+    <p:sldId id="272" r:id="rId30"/>
+    <p:sldId id="267" r:id="rId31"/>
+    <p:sldId id="268" r:id="rId32"/>
+    <p:sldId id="273" r:id="rId33"/>
+    <p:sldId id="276" r:id="rId34"/>
+    <p:sldId id="277" r:id="rId35"/>
+    <p:sldId id="284" r:id="rId36"/>
+    <p:sldId id="278" r:id="rId37"/>
+    <p:sldId id="279" r:id="rId38"/>
+    <p:sldId id="280" r:id="rId39"/>
+    <p:sldId id="281" r:id="rId40"/>
+    <p:sldId id="282" r:id="rId41"/>
+    <p:sldId id="283" r:id="rId42"/>
   </p:sldIdLst>
   <p:sldSz cx="12192000" cy="6858000"/>
   <p:notesSz cx="7099300" cy="10234613"/>
@@ -3810,7 +3813,7 @@
           <a:p>
             <a:r>
               <a:rPr lang="ja-JP" altLang="en-US" dirty="0"/>
-              <a:t>パスワード変更画面</a:t>
+              <a:t>スーパーバイザー：パスワード変更画面</a:t>
             </a:r>
             <a:endParaRPr kumimoji="1" lang="ja-JP" altLang="en-US" dirty="0"/>
           </a:p>
@@ -3948,7 +3951,7 @@
           <a:p>
             <a:r>
               <a:rPr lang="ja-JP" altLang="en-US" dirty="0"/>
-              <a:t>パスワードを忘れた際</a:t>
+              <a:t>スーパーバイザー：パスワードを忘れた際</a:t>
             </a:r>
             <a:endParaRPr kumimoji="1" lang="ja-JP" altLang="en-US" dirty="0"/>
           </a:p>
@@ -4550,7 +4553,7 @@
           <a:p>
             <a:r>
               <a:rPr lang="ja-JP" altLang="en-US" dirty="0"/>
-              <a:t>ログイン後：博物館が登録されていない状態</a:t>
+              <a:t>スーパーバイザー：ログイン後、博物館が登録されていない状態</a:t>
             </a:r>
             <a:endParaRPr kumimoji="1" lang="ja-JP" altLang="en-US" dirty="0"/>
           </a:p>
@@ -4604,7 +4607,13 @@
   <p:cSld>
     <p:spTree>
       <p:nvGrpSpPr>
-        <p:cNvPr id="1" name=""/>
+        <p:cNvPr id="1" name="">
+          <a:extLst>
+            <a:ext uri="{FF2B5EF4-FFF2-40B4-BE49-F238E27FC236}">
+              <a16:creationId xmlns:a16="http://schemas.microsoft.com/office/drawing/2014/main" id="{9F712DB2-66D3-31CA-FD1F-670CF2BD84B5}"/>
+            </a:ext>
+          </a:extLst>
+        </p:cNvPr>
         <p:cNvGrpSpPr/>
         <p:nvPr/>
       </p:nvGrpSpPr>
@@ -4616,246 +4625,112 @@
           <a:chExt cx="0" cy="0"/>
         </a:xfrm>
       </p:grpSpPr>
-      <p:graphicFrame>
-        <p:nvGraphicFramePr>
-          <p:cNvPr id="2" name="表 1">
-            <a:extLst>
-              <a:ext uri="{FF2B5EF4-FFF2-40B4-BE49-F238E27FC236}">
-                <a16:creationId xmlns:a16="http://schemas.microsoft.com/office/drawing/2014/main" id="{0C022DC4-84EC-51FF-8C10-406DEAE8D581}"/>
-              </a:ext>
-            </a:extLst>
-          </p:cNvPr>
-          <p:cNvGraphicFramePr>
-            <a:graphicFrameLocks noGrp="1"/>
-          </p:cNvGraphicFramePr>
-          <p:nvPr/>
-        </p:nvGraphicFramePr>
-        <p:xfrm>
-          <a:off x="2032000" y="719666"/>
-          <a:ext cx="8128000" cy="1112520"/>
-        </p:xfrm>
-        <a:graphic>
-          <a:graphicData uri="http://schemas.openxmlformats.org/drawingml/2006/table">
-            <a:tbl>
-              <a:tblPr firstRow="1" bandRow="1">
-                <a:tableStyleId>{5C22544A-7EE6-4342-B048-85BDC9FD1C3A}</a:tableStyleId>
-              </a:tblPr>
-              <a:tblGrid>
-                <a:gridCol w="1625600">
-                  <a:extLst>
-                    <a:ext uri="{9D8B030D-6E8A-4147-A177-3AD203B41FA5}">
-                      <a16:colId xmlns:a16="http://schemas.microsoft.com/office/drawing/2014/main" val="1285440391"/>
-                    </a:ext>
-                  </a:extLst>
-                </a:gridCol>
-                <a:gridCol w="1625600">
-                  <a:extLst>
-                    <a:ext uri="{9D8B030D-6E8A-4147-A177-3AD203B41FA5}">
-                      <a16:colId xmlns:a16="http://schemas.microsoft.com/office/drawing/2014/main" val="2595170977"/>
-                    </a:ext>
-                  </a:extLst>
-                </a:gridCol>
-                <a:gridCol w="1625600">
-                  <a:extLst>
-                    <a:ext uri="{9D8B030D-6E8A-4147-A177-3AD203B41FA5}">
-                      <a16:colId xmlns:a16="http://schemas.microsoft.com/office/drawing/2014/main" val="205586085"/>
-                    </a:ext>
-                  </a:extLst>
-                </a:gridCol>
-                <a:gridCol w="1625600">
-                  <a:extLst>
-                    <a:ext uri="{9D8B030D-6E8A-4147-A177-3AD203B41FA5}">
-                      <a16:colId xmlns:a16="http://schemas.microsoft.com/office/drawing/2014/main" val="4283467816"/>
-                    </a:ext>
-                  </a:extLst>
-                </a:gridCol>
-                <a:gridCol w="1625600">
-                  <a:extLst>
-                    <a:ext uri="{9D8B030D-6E8A-4147-A177-3AD203B41FA5}">
-                      <a16:colId xmlns:a16="http://schemas.microsoft.com/office/drawing/2014/main" val="3588331409"/>
-                    </a:ext>
-                  </a:extLst>
-                </a:gridCol>
-              </a:tblGrid>
-              <a:tr h="370840">
-                <a:tc>
-                  <a:txBody>
-                    <a:bodyPr/>
-                    <a:lstStyle/>
-                    <a:p>
-                      <a:endParaRPr kumimoji="1" lang="ja-JP" altLang="en-US"/>
-                    </a:p>
-                  </a:txBody>
-                  <a:tcPr/>
-                </a:tc>
-                <a:tc>
-                  <a:txBody>
-                    <a:bodyPr/>
-                    <a:lstStyle/>
-                    <a:p>
-                      <a:endParaRPr kumimoji="1" lang="ja-JP" altLang="en-US"/>
-                    </a:p>
-                  </a:txBody>
-                  <a:tcPr/>
-                </a:tc>
-                <a:tc>
-                  <a:txBody>
-                    <a:bodyPr/>
-                    <a:lstStyle/>
-                    <a:p>
-                      <a:endParaRPr kumimoji="1" lang="ja-JP" altLang="en-US"/>
-                    </a:p>
-                  </a:txBody>
-                  <a:tcPr/>
-                </a:tc>
-                <a:tc>
-                  <a:txBody>
-                    <a:bodyPr/>
-                    <a:lstStyle/>
-                    <a:p>
-                      <a:endParaRPr kumimoji="1" lang="ja-JP" altLang="en-US"/>
-                    </a:p>
-                  </a:txBody>
-                  <a:tcPr/>
-                </a:tc>
-                <a:tc>
-                  <a:txBody>
-                    <a:bodyPr/>
-                    <a:lstStyle/>
-                    <a:p>
-                      <a:endParaRPr kumimoji="1" lang="ja-JP" altLang="en-US"/>
-                    </a:p>
-                  </a:txBody>
-                  <a:tcPr/>
-                </a:tc>
-                <a:extLst>
-                  <a:ext uri="{0D108BD9-81ED-4DB2-BD59-A6C34878D82A}">
-                    <a16:rowId xmlns:a16="http://schemas.microsoft.com/office/drawing/2014/main" val="3297426031"/>
-                  </a:ext>
-                </a:extLst>
-              </a:tr>
-              <a:tr h="370840">
-                <a:tc>
-                  <a:txBody>
-                    <a:bodyPr/>
-                    <a:lstStyle/>
-                    <a:p>
-                      <a:endParaRPr kumimoji="1" lang="ja-JP" altLang="en-US"/>
-                    </a:p>
-                  </a:txBody>
-                  <a:tcPr/>
-                </a:tc>
-                <a:tc>
-                  <a:txBody>
-                    <a:bodyPr/>
-                    <a:lstStyle/>
-                    <a:p>
-                      <a:endParaRPr kumimoji="1" lang="ja-JP" altLang="en-US"/>
-                    </a:p>
-                  </a:txBody>
-                  <a:tcPr/>
-                </a:tc>
-                <a:tc>
-                  <a:txBody>
-                    <a:bodyPr/>
-                    <a:lstStyle/>
-                    <a:p>
-                      <a:endParaRPr kumimoji="1" lang="ja-JP" altLang="en-US"/>
-                    </a:p>
-                  </a:txBody>
-                  <a:tcPr/>
-                </a:tc>
-                <a:tc>
-                  <a:txBody>
-                    <a:bodyPr/>
-                    <a:lstStyle/>
-                    <a:p>
-                      <a:endParaRPr kumimoji="1" lang="ja-JP" altLang="en-US"/>
-                    </a:p>
-                  </a:txBody>
-                  <a:tcPr/>
-                </a:tc>
-                <a:tc>
-                  <a:txBody>
-                    <a:bodyPr/>
-                    <a:lstStyle/>
-                    <a:p>
-                      <a:endParaRPr kumimoji="1" lang="ja-JP" altLang="en-US"/>
-                    </a:p>
-                  </a:txBody>
-                  <a:tcPr/>
-                </a:tc>
-                <a:extLst>
-                  <a:ext uri="{0D108BD9-81ED-4DB2-BD59-A6C34878D82A}">
-                    <a16:rowId xmlns:a16="http://schemas.microsoft.com/office/drawing/2014/main" val="3251499368"/>
-                  </a:ext>
-                </a:extLst>
-              </a:tr>
-              <a:tr h="370840">
-                <a:tc>
-                  <a:txBody>
-                    <a:bodyPr/>
-                    <a:lstStyle/>
-                    <a:p>
-                      <a:endParaRPr kumimoji="1" lang="ja-JP" altLang="en-US"/>
-                    </a:p>
-                  </a:txBody>
-                  <a:tcPr/>
-                </a:tc>
-                <a:tc>
-                  <a:txBody>
-                    <a:bodyPr/>
-                    <a:lstStyle/>
-                    <a:p>
-                      <a:endParaRPr kumimoji="1" lang="ja-JP" altLang="en-US"/>
-                    </a:p>
-                  </a:txBody>
-                  <a:tcPr/>
-                </a:tc>
-                <a:tc>
-                  <a:txBody>
-                    <a:bodyPr/>
-                    <a:lstStyle/>
-                    <a:p>
-                      <a:endParaRPr kumimoji="1" lang="ja-JP" altLang="en-US"/>
-                    </a:p>
-                  </a:txBody>
-                  <a:tcPr/>
-                </a:tc>
-                <a:tc>
-                  <a:txBody>
-                    <a:bodyPr/>
-                    <a:lstStyle/>
-                    <a:p>
-                      <a:endParaRPr kumimoji="1" lang="ja-JP" altLang="en-US"/>
-                    </a:p>
-                  </a:txBody>
-                  <a:tcPr/>
-                </a:tc>
-                <a:tc>
-                  <a:txBody>
-                    <a:bodyPr/>
-                    <a:lstStyle/>
-                    <a:p>
-                      <a:endParaRPr kumimoji="1" lang="ja-JP" altLang="en-US" dirty="0"/>
-                    </a:p>
-                  </a:txBody>
-                  <a:tcPr/>
-                </a:tc>
-                <a:extLst>
-                  <a:ext uri="{0D108BD9-81ED-4DB2-BD59-A6C34878D82A}">
-                    <a16:rowId xmlns:a16="http://schemas.microsoft.com/office/drawing/2014/main" val="4265853777"/>
-                  </a:ext>
-                </a:extLst>
-              </a:tr>
-            </a:tbl>
-          </a:graphicData>
-        </a:graphic>
-      </p:graphicFrame>
+      <p:cxnSp>
+        <p:nvCxnSpPr>
+          <p:cNvPr id="4" name="直線コネクタ 3">
+            <a:extLst>
+              <a:ext uri="{FF2B5EF4-FFF2-40B4-BE49-F238E27FC236}">
+                <a16:creationId xmlns:a16="http://schemas.microsoft.com/office/drawing/2014/main" id="{A4111E23-DE30-72AA-B8DF-1B6722F3BD9A}"/>
+              </a:ext>
+            </a:extLst>
+          </p:cNvPr>
+          <p:cNvCxnSpPr/>
+          <p:nvPr/>
+        </p:nvCxnSpPr>
+        <p:spPr>
+          <a:xfrm>
+            <a:off x="228600" y="755374"/>
+            <a:ext cx="11936896" cy="0"/>
+          </a:xfrm>
+          <a:prstGeom prst="line">
+            <a:avLst/>
+          </a:prstGeom>
+        </p:spPr>
+        <p:style>
+          <a:lnRef idx="2">
+            <a:schemeClr val="accent1"/>
+          </a:lnRef>
+          <a:fillRef idx="0">
+            <a:schemeClr val="accent1"/>
+          </a:fillRef>
+          <a:effectRef idx="1">
+            <a:schemeClr val="accent1"/>
+          </a:effectRef>
+          <a:fontRef idx="minor">
+            <a:schemeClr val="tx1"/>
+          </a:fontRef>
+        </p:style>
+      </p:cxnSp>
+      <p:sp>
+        <p:nvSpPr>
+          <p:cNvPr id="5" name="テキスト ボックス 4">
+            <a:extLst>
+              <a:ext uri="{FF2B5EF4-FFF2-40B4-BE49-F238E27FC236}">
+                <a16:creationId xmlns:a16="http://schemas.microsoft.com/office/drawing/2014/main" id="{D5A2ECA1-3A47-DDB0-5346-DFD7EFE6B730}"/>
+              </a:ext>
+            </a:extLst>
+          </p:cNvPr>
+          <p:cNvSpPr txBox="1"/>
+          <p:nvPr/>
+        </p:nvSpPr>
+        <p:spPr>
+          <a:xfrm>
+            <a:off x="407503" y="198783"/>
+            <a:ext cx="11449879" cy="369332"/>
+          </a:xfrm>
+          <a:prstGeom prst="rect">
+            <a:avLst/>
+          </a:prstGeom>
+          <a:noFill/>
+        </p:spPr>
+        <p:txBody>
+          <a:bodyPr wrap="square" rtlCol="0">
+            <a:spAutoFit/>
+          </a:bodyPr>
+          <a:lstStyle/>
+          <a:p>
+            <a:r>
+              <a:rPr lang="ja-JP" altLang="en-US" dirty="0"/>
+              <a:t>スーパーバイザー：ログイン後、博物館が登録された状態</a:t>
+            </a:r>
+            <a:endParaRPr kumimoji="1" lang="ja-JP" altLang="en-US" dirty="0"/>
+          </a:p>
+        </p:txBody>
+      </p:sp>
+      <p:pic>
+        <p:nvPicPr>
+          <p:cNvPr id="8" name="図 7" descr="グラフィカル ユーザー インターフェイス, アプリケーション&#10;&#10;AI 生成コンテンツは誤りを含む可能性があります。">
+            <a:extLst>
+              <a:ext uri="{FF2B5EF4-FFF2-40B4-BE49-F238E27FC236}">
+                <a16:creationId xmlns:a16="http://schemas.microsoft.com/office/drawing/2014/main" id="{3F229C4E-AEE8-87EA-8F8D-6B84F4FF167A}"/>
+              </a:ext>
+            </a:extLst>
+          </p:cNvPr>
+          <p:cNvPicPr>
+            <a:picLocks noChangeAspect="1"/>
+          </p:cNvPicPr>
+          <p:nvPr/>
+        </p:nvPicPr>
+        <p:blipFill>
+          <a:blip r:embed="rId2"/>
+          <a:stretch>
+            <a:fillRect/>
+          </a:stretch>
+        </p:blipFill>
+        <p:spPr>
+          <a:xfrm>
+            <a:off x="229333" y="924238"/>
+            <a:ext cx="11733333" cy="5009524"/>
+          </a:xfrm>
+          <a:prstGeom prst="rect">
+            <a:avLst/>
+          </a:prstGeom>
+        </p:spPr>
+      </p:pic>
     </p:spTree>
     <p:extLst>
       <p:ext uri="{BB962C8B-B14F-4D97-AF65-F5344CB8AC3E}">
-        <p14:creationId xmlns:p14="http://schemas.microsoft.com/office/powerpoint/2010/main" val="2500922856"/>
+        <p14:creationId xmlns:p14="http://schemas.microsoft.com/office/powerpoint/2010/main" val="1912151014"/>
       </p:ext>
     </p:extLst>
   </p:cSld>
@@ -4873,7 +4748,7 @@
         <p:cNvPr id="1" name="">
           <a:extLst>
             <a:ext uri="{FF2B5EF4-FFF2-40B4-BE49-F238E27FC236}">
-              <a16:creationId xmlns:a16="http://schemas.microsoft.com/office/drawing/2014/main" id="{AD9A91A2-38E6-F4A0-9504-8B0F7DDB5C2A}"/>
+              <a16:creationId xmlns:a16="http://schemas.microsoft.com/office/drawing/2014/main" id="{B731DFC7-2580-7F0B-3973-C8D7E43D5587}"/>
             </a:ext>
           </a:extLst>
         </p:cNvPr>
@@ -4893,7 +4768,7 @@
           <p:cNvPr id="4" name="直線コネクタ 3">
             <a:extLst>
               <a:ext uri="{FF2B5EF4-FFF2-40B4-BE49-F238E27FC236}">
-                <a16:creationId xmlns:a16="http://schemas.microsoft.com/office/drawing/2014/main" id="{8867D7F6-2FC8-E3C2-A268-FDFB18FD6565}"/>
+                <a16:creationId xmlns:a16="http://schemas.microsoft.com/office/drawing/2014/main" id="{2575F356-13CC-2CE3-111A-B081BA5B5A1B}"/>
               </a:ext>
             </a:extLst>
           </p:cNvPr>
@@ -4929,7 +4804,7 @@
           <p:cNvPr id="5" name="テキスト ボックス 4">
             <a:extLst>
               <a:ext uri="{FF2B5EF4-FFF2-40B4-BE49-F238E27FC236}">
-                <a16:creationId xmlns:a16="http://schemas.microsoft.com/office/drawing/2014/main" id="{94CEACE0-9430-A7D1-3C2B-0D0CEFA6C937}"/>
+                <a16:creationId xmlns:a16="http://schemas.microsoft.com/office/drawing/2014/main" id="{9DA7A180-03A6-FEAC-C3AF-8F27567300A0}"/>
               </a:ext>
             </a:extLst>
           </p:cNvPr>
@@ -4953,211 +4828,47 @@
           <a:lstStyle/>
           <a:p>
             <a:r>
-              <a:rPr kumimoji="1" lang="ja-JP" altLang="en-US" dirty="0"/>
-              <a:t>初回ログイン時のパスワード強制変更</a:t>
-            </a:r>
-          </a:p>
-        </p:txBody>
-      </p:sp>
-      <p:sp>
-        <p:nvSpPr>
-          <p:cNvPr id="6" name="正方形/長方形 5">
-            <a:extLst>
-              <a:ext uri="{FF2B5EF4-FFF2-40B4-BE49-F238E27FC236}">
-                <a16:creationId xmlns:a16="http://schemas.microsoft.com/office/drawing/2014/main" id="{6D6919A9-B2B2-0014-0DC3-F7758B759538}"/>
-              </a:ext>
-            </a:extLst>
-          </p:cNvPr>
-          <p:cNvSpPr/>
-          <p:nvPr/>
-        </p:nvSpPr>
-        <p:spPr>
-          <a:xfrm>
-            <a:off x="599117" y="1252328"/>
-            <a:ext cx="5145699" cy="2395329"/>
-          </a:xfrm>
-          <a:prstGeom prst="rect">
-            <a:avLst/>
-          </a:prstGeom>
-          <a:noFill/>
-        </p:spPr>
-        <p:style>
-          <a:lnRef idx="2">
-            <a:schemeClr val="accent1">
-              <a:shade val="15000"/>
-            </a:schemeClr>
-          </a:lnRef>
-          <a:fillRef idx="1">
-            <a:schemeClr val="accent1"/>
-          </a:fillRef>
-          <a:effectRef idx="0">
-            <a:schemeClr val="accent1"/>
-          </a:effectRef>
-          <a:fontRef idx="minor">
-            <a:schemeClr val="lt1"/>
-          </a:fontRef>
-        </p:style>
-        <p:txBody>
-          <a:bodyPr rtlCol="0" anchor="ctr"/>
-          <a:lstStyle/>
-          <a:p>
-            <a:pPr algn="ctr"/>
-            <a:endParaRPr kumimoji="1" lang="ja-JP" altLang="en-US" sz="1200" dirty="0">
-              <a:solidFill>
-                <a:schemeClr val="tx1"/>
-              </a:solidFill>
-            </a:endParaRPr>
-          </a:p>
-        </p:txBody>
-      </p:sp>
-      <p:sp>
-        <p:nvSpPr>
-          <p:cNvPr id="7" name="テキスト ボックス 6">
-            <a:extLst>
-              <a:ext uri="{FF2B5EF4-FFF2-40B4-BE49-F238E27FC236}">
-                <a16:creationId xmlns:a16="http://schemas.microsoft.com/office/drawing/2014/main" id="{EC691E18-F0A4-BB1D-B6EC-BC958AE882F5}"/>
-              </a:ext>
-            </a:extLst>
-          </p:cNvPr>
-          <p:cNvSpPr txBox="1"/>
-          <p:nvPr/>
-        </p:nvSpPr>
-        <p:spPr>
-          <a:xfrm>
-            <a:off x="655892" y="1551004"/>
-            <a:ext cx="3877985" cy="369332"/>
-          </a:xfrm>
-          <a:prstGeom prst="rect">
-            <a:avLst/>
-          </a:prstGeom>
-          <a:noFill/>
-        </p:spPr>
-        <p:txBody>
-          <a:bodyPr wrap="none" rtlCol="0">
-            <a:spAutoFit/>
-          </a:bodyPr>
-          <a:lstStyle/>
-          <a:p>
-            <a:r>
-              <a:rPr kumimoji="1" lang="ja-JP" altLang="en-US" dirty="0"/>
-              <a:t>初回ログインなのでパスワード変更</a:t>
-            </a:r>
-            <a:endParaRPr kumimoji="1" lang="en-US" altLang="ja-JP" dirty="0"/>
-          </a:p>
-        </p:txBody>
-      </p:sp>
-      <p:sp>
-        <p:nvSpPr>
-          <p:cNvPr id="8" name="正方形/長方形 7">
-            <a:extLst>
-              <a:ext uri="{FF2B5EF4-FFF2-40B4-BE49-F238E27FC236}">
-                <a16:creationId xmlns:a16="http://schemas.microsoft.com/office/drawing/2014/main" id="{E4339489-154C-B5A2-3FE2-302F1189AC7F}"/>
-              </a:ext>
-            </a:extLst>
-          </p:cNvPr>
-          <p:cNvSpPr/>
-          <p:nvPr/>
-        </p:nvSpPr>
-        <p:spPr>
-          <a:xfrm>
-            <a:off x="1195180" y="2744214"/>
-            <a:ext cx="778563" cy="389203"/>
-          </a:xfrm>
-          <a:prstGeom prst="rect">
-            <a:avLst/>
-          </a:prstGeom>
-          <a:noFill/>
-        </p:spPr>
-        <p:style>
-          <a:lnRef idx="2">
-            <a:schemeClr val="accent1">
-              <a:shade val="15000"/>
-            </a:schemeClr>
-          </a:lnRef>
-          <a:fillRef idx="1">
-            <a:schemeClr val="accent1"/>
-          </a:fillRef>
-          <a:effectRef idx="0">
-            <a:schemeClr val="accent1"/>
-          </a:effectRef>
-          <a:fontRef idx="minor">
-            <a:schemeClr val="lt1"/>
-          </a:fontRef>
-        </p:style>
-        <p:txBody>
-          <a:bodyPr rtlCol="0" anchor="ctr"/>
-          <a:lstStyle/>
-          <a:p>
-            <a:pPr algn="ctr"/>
-            <a:r>
-              <a:rPr kumimoji="1" lang="ja-JP" altLang="en-US" sz="1200" dirty="0">
-                <a:solidFill>
-                  <a:schemeClr val="tx1"/>
-                </a:solidFill>
-              </a:rPr>
-              <a:t>再発行</a:t>
-            </a:r>
-          </a:p>
-        </p:txBody>
-      </p:sp>
-      <p:sp>
-        <p:nvSpPr>
-          <p:cNvPr id="9" name="正方形/長方形 8">
-            <a:extLst>
-              <a:ext uri="{FF2B5EF4-FFF2-40B4-BE49-F238E27FC236}">
-                <a16:creationId xmlns:a16="http://schemas.microsoft.com/office/drawing/2014/main" id="{19866E2A-EA27-0857-680D-942275F90291}"/>
-              </a:ext>
-            </a:extLst>
-          </p:cNvPr>
-          <p:cNvSpPr/>
-          <p:nvPr/>
-        </p:nvSpPr>
-        <p:spPr>
-          <a:xfrm>
-            <a:off x="2635236" y="2711293"/>
-            <a:ext cx="778563" cy="389203"/>
-          </a:xfrm>
-          <a:prstGeom prst="rect">
-            <a:avLst/>
-          </a:prstGeom>
-          <a:noFill/>
-        </p:spPr>
-        <p:style>
-          <a:lnRef idx="2">
-            <a:schemeClr val="accent1">
-              <a:shade val="15000"/>
-            </a:schemeClr>
-          </a:lnRef>
-          <a:fillRef idx="1">
-            <a:schemeClr val="accent1"/>
-          </a:fillRef>
-          <a:effectRef idx="0">
-            <a:schemeClr val="accent1"/>
-          </a:effectRef>
-          <a:fontRef idx="minor">
-            <a:schemeClr val="lt1"/>
-          </a:fontRef>
-        </p:style>
-        <p:txBody>
-          <a:bodyPr rtlCol="0" anchor="ctr"/>
-          <a:lstStyle/>
-          <a:p>
-            <a:pPr algn="ctr"/>
-            <a:r>
-              <a:rPr kumimoji="1" lang="ja-JP" altLang="en-US" sz="1200" dirty="0">
-                <a:solidFill>
-                  <a:schemeClr val="tx1"/>
-                </a:solidFill>
-              </a:rPr>
-              <a:t>戻る</a:t>
-            </a:r>
-          </a:p>
-        </p:txBody>
-      </p:sp>
+              <a:rPr lang="ja-JP" altLang="en-US" dirty="0"/>
+              <a:t>スーパーバイザー：博物館の新規登録</a:t>
+            </a:r>
+            <a:endParaRPr kumimoji="1" lang="ja-JP" altLang="en-US" dirty="0"/>
+          </a:p>
+        </p:txBody>
+      </p:sp>
+      <p:pic>
+        <p:nvPicPr>
+          <p:cNvPr id="3" name="図 2" descr="グラフィカル ユーザー インターフェイス, アプリケーション, Web サイト&#10;&#10;AI 生成コンテンツは誤りを含む可能性があります。">
+            <a:extLst>
+              <a:ext uri="{FF2B5EF4-FFF2-40B4-BE49-F238E27FC236}">
+                <a16:creationId xmlns:a16="http://schemas.microsoft.com/office/drawing/2014/main" id="{490EDB7D-43B2-6DEA-EEFE-8F29BCFA59B2}"/>
+              </a:ext>
+            </a:extLst>
+          </p:cNvPr>
+          <p:cNvPicPr>
+            <a:picLocks noChangeAspect="1"/>
+          </p:cNvPicPr>
+          <p:nvPr/>
+        </p:nvPicPr>
+        <p:blipFill>
+          <a:blip r:embed="rId2"/>
+          <a:stretch>
+            <a:fillRect/>
+          </a:stretch>
+        </p:blipFill>
+        <p:spPr>
+          <a:xfrm>
+            <a:off x="1865166" y="755374"/>
+            <a:ext cx="4449678" cy="6102626"/>
+          </a:xfrm>
+          <a:prstGeom prst="rect">
+            <a:avLst/>
+          </a:prstGeom>
+        </p:spPr>
+      </p:pic>
     </p:spTree>
     <p:extLst>
       <p:ext uri="{BB962C8B-B14F-4D97-AF65-F5344CB8AC3E}">
-        <p14:creationId xmlns:p14="http://schemas.microsoft.com/office/powerpoint/2010/main" val="3951095336"/>
+        <p14:creationId xmlns:p14="http://schemas.microsoft.com/office/powerpoint/2010/main" val="2293411520"/>
       </p:ext>
     </p:extLst>
   </p:cSld>
@@ -5189,6 +4900,418 @@
           <p:cNvPr id="2" name="タイトル 1">
             <a:extLst>
               <a:ext uri="{FF2B5EF4-FFF2-40B4-BE49-F238E27FC236}">
+                <a16:creationId xmlns:a16="http://schemas.microsoft.com/office/drawing/2014/main" id="{F7F7BB5C-EC47-C339-DB59-98C4B9783F96}"/>
+              </a:ext>
+            </a:extLst>
+          </p:cNvPr>
+          <p:cNvSpPr>
+            <a:spLocks noGrp="1"/>
+          </p:cNvSpPr>
+          <p:nvPr>
+            <p:ph type="title"/>
+          </p:nvPr>
+        </p:nvSpPr>
+        <p:spPr/>
+        <p:txBody>
+          <a:bodyPr/>
+          <a:lstStyle/>
+          <a:p>
+            <a:endParaRPr kumimoji="1" lang="ja-JP" altLang="en-US"/>
+          </a:p>
+        </p:txBody>
+      </p:sp>
+      <p:sp>
+        <p:nvSpPr>
+          <p:cNvPr id="3" name="コンテンツ プレースホルダー 2">
+            <a:extLst>
+              <a:ext uri="{FF2B5EF4-FFF2-40B4-BE49-F238E27FC236}">
+                <a16:creationId xmlns:a16="http://schemas.microsoft.com/office/drawing/2014/main" id="{53D92820-BC12-6A86-11B6-F57901956B21}"/>
+              </a:ext>
+            </a:extLst>
+          </p:cNvPr>
+          <p:cNvSpPr>
+            <a:spLocks noGrp="1"/>
+          </p:cNvSpPr>
+          <p:nvPr>
+            <p:ph idx="1"/>
+          </p:nvPr>
+        </p:nvSpPr>
+        <p:spPr/>
+        <p:txBody>
+          <a:bodyPr/>
+          <a:lstStyle/>
+          <a:p>
+            <a:endParaRPr kumimoji="1" lang="ja-JP" altLang="en-US"/>
+          </a:p>
+        </p:txBody>
+      </p:sp>
+    </p:spTree>
+    <p:extLst>
+      <p:ext uri="{BB962C8B-B14F-4D97-AF65-F5344CB8AC3E}">
+        <p14:creationId xmlns:p14="http://schemas.microsoft.com/office/powerpoint/2010/main" val="1252392163"/>
+      </p:ext>
+    </p:extLst>
+  </p:cSld>
+  <p:clrMapOvr>
+    <a:masterClrMapping/>
+  </p:clrMapOvr>
+</p:sld>
+</file>
+
+<file path=ppt/slides/slide17.xml><?xml version="1.0" encoding="utf-8"?>
+<p:sld xmlns:a="http://schemas.openxmlformats.org/drawingml/2006/main" xmlns:r="http://schemas.openxmlformats.org/officeDocument/2006/relationships" xmlns:p="http://schemas.openxmlformats.org/presentationml/2006/main">
+  <p:cSld>
+    <p:spTree>
+      <p:nvGrpSpPr>
+        <p:cNvPr id="1" name=""/>
+        <p:cNvGrpSpPr/>
+        <p:nvPr/>
+      </p:nvGrpSpPr>
+      <p:grpSpPr>
+        <a:xfrm>
+          <a:off x="0" y="0"/>
+          <a:ext cx="0" cy="0"/>
+          <a:chOff x="0" y="0"/>
+          <a:chExt cx="0" cy="0"/>
+        </a:xfrm>
+      </p:grpSpPr>
+    </p:spTree>
+    <p:extLst>
+      <p:ext uri="{BB962C8B-B14F-4D97-AF65-F5344CB8AC3E}">
+        <p14:creationId xmlns:p14="http://schemas.microsoft.com/office/powerpoint/2010/main" val="2500922856"/>
+      </p:ext>
+    </p:extLst>
+  </p:cSld>
+  <p:clrMapOvr>
+    <a:masterClrMapping/>
+  </p:clrMapOvr>
+</p:sld>
+</file>
+
+<file path=ppt/slides/slide18.xml><?xml version="1.0" encoding="utf-8"?>
+<p:sld xmlns:a="http://schemas.openxmlformats.org/drawingml/2006/main" xmlns:r="http://schemas.openxmlformats.org/officeDocument/2006/relationships" xmlns:p="http://schemas.openxmlformats.org/presentationml/2006/main">
+  <p:cSld>
+    <p:spTree>
+      <p:nvGrpSpPr>
+        <p:cNvPr id="1" name="">
+          <a:extLst>
+            <a:ext uri="{FF2B5EF4-FFF2-40B4-BE49-F238E27FC236}">
+              <a16:creationId xmlns:a16="http://schemas.microsoft.com/office/drawing/2014/main" id="{AD9A91A2-38E6-F4A0-9504-8B0F7DDB5C2A}"/>
+            </a:ext>
+          </a:extLst>
+        </p:cNvPr>
+        <p:cNvGrpSpPr/>
+        <p:nvPr/>
+      </p:nvGrpSpPr>
+      <p:grpSpPr>
+        <a:xfrm>
+          <a:off x="0" y="0"/>
+          <a:ext cx="0" cy="0"/>
+          <a:chOff x="0" y="0"/>
+          <a:chExt cx="0" cy="0"/>
+        </a:xfrm>
+      </p:grpSpPr>
+      <p:cxnSp>
+        <p:nvCxnSpPr>
+          <p:cNvPr id="4" name="直線コネクタ 3">
+            <a:extLst>
+              <a:ext uri="{FF2B5EF4-FFF2-40B4-BE49-F238E27FC236}">
+                <a16:creationId xmlns:a16="http://schemas.microsoft.com/office/drawing/2014/main" id="{8867D7F6-2FC8-E3C2-A268-FDFB18FD6565}"/>
+              </a:ext>
+            </a:extLst>
+          </p:cNvPr>
+          <p:cNvCxnSpPr/>
+          <p:nvPr/>
+        </p:nvCxnSpPr>
+        <p:spPr>
+          <a:xfrm>
+            <a:off x="228600" y="755374"/>
+            <a:ext cx="11936896" cy="0"/>
+          </a:xfrm>
+          <a:prstGeom prst="line">
+            <a:avLst/>
+          </a:prstGeom>
+        </p:spPr>
+        <p:style>
+          <a:lnRef idx="2">
+            <a:schemeClr val="accent1"/>
+          </a:lnRef>
+          <a:fillRef idx="0">
+            <a:schemeClr val="accent1"/>
+          </a:fillRef>
+          <a:effectRef idx="1">
+            <a:schemeClr val="accent1"/>
+          </a:effectRef>
+          <a:fontRef idx="minor">
+            <a:schemeClr val="tx1"/>
+          </a:fontRef>
+        </p:style>
+      </p:cxnSp>
+      <p:sp>
+        <p:nvSpPr>
+          <p:cNvPr id="5" name="テキスト ボックス 4">
+            <a:extLst>
+              <a:ext uri="{FF2B5EF4-FFF2-40B4-BE49-F238E27FC236}">
+                <a16:creationId xmlns:a16="http://schemas.microsoft.com/office/drawing/2014/main" id="{94CEACE0-9430-A7D1-3C2B-0D0CEFA6C937}"/>
+              </a:ext>
+            </a:extLst>
+          </p:cNvPr>
+          <p:cNvSpPr txBox="1"/>
+          <p:nvPr/>
+        </p:nvSpPr>
+        <p:spPr>
+          <a:xfrm>
+            <a:off x="407503" y="198783"/>
+            <a:ext cx="11449879" cy="369332"/>
+          </a:xfrm>
+          <a:prstGeom prst="rect">
+            <a:avLst/>
+          </a:prstGeom>
+          <a:noFill/>
+        </p:spPr>
+        <p:txBody>
+          <a:bodyPr wrap="square" rtlCol="0">
+            <a:spAutoFit/>
+          </a:bodyPr>
+          <a:lstStyle/>
+          <a:p>
+            <a:r>
+              <a:rPr kumimoji="1" lang="ja-JP" altLang="en-US" dirty="0"/>
+              <a:t>初回ログイン時のパスワード強制変更</a:t>
+            </a:r>
+          </a:p>
+        </p:txBody>
+      </p:sp>
+      <p:sp>
+        <p:nvSpPr>
+          <p:cNvPr id="6" name="正方形/長方形 5">
+            <a:extLst>
+              <a:ext uri="{FF2B5EF4-FFF2-40B4-BE49-F238E27FC236}">
+                <a16:creationId xmlns:a16="http://schemas.microsoft.com/office/drawing/2014/main" id="{6D6919A9-B2B2-0014-0DC3-F7758B759538}"/>
+              </a:ext>
+            </a:extLst>
+          </p:cNvPr>
+          <p:cNvSpPr/>
+          <p:nvPr/>
+        </p:nvSpPr>
+        <p:spPr>
+          <a:xfrm>
+            <a:off x="599117" y="1252328"/>
+            <a:ext cx="5145699" cy="2395329"/>
+          </a:xfrm>
+          <a:prstGeom prst="rect">
+            <a:avLst/>
+          </a:prstGeom>
+          <a:noFill/>
+        </p:spPr>
+        <p:style>
+          <a:lnRef idx="2">
+            <a:schemeClr val="accent1">
+              <a:shade val="15000"/>
+            </a:schemeClr>
+          </a:lnRef>
+          <a:fillRef idx="1">
+            <a:schemeClr val="accent1"/>
+          </a:fillRef>
+          <a:effectRef idx="0">
+            <a:schemeClr val="accent1"/>
+          </a:effectRef>
+          <a:fontRef idx="minor">
+            <a:schemeClr val="lt1"/>
+          </a:fontRef>
+        </p:style>
+        <p:txBody>
+          <a:bodyPr rtlCol="0" anchor="ctr"/>
+          <a:lstStyle/>
+          <a:p>
+            <a:pPr algn="ctr"/>
+            <a:endParaRPr kumimoji="1" lang="ja-JP" altLang="en-US" sz="1200" dirty="0">
+              <a:solidFill>
+                <a:schemeClr val="tx1"/>
+              </a:solidFill>
+            </a:endParaRPr>
+          </a:p>
+        </p:txBody>
+      </p:sp>
+      <p:sp>
+        <p:nvSpPr>
+          <p:cNvPr id="7" name="テキスト ボックス 6">
+            <a:extLst>
+              <a:ext uri="{FF2B5EF4-FFF2-40B4-BE49-F238E27FC236}">
+                <a16:creationId xmlns:a16="http://schemas.microsoft.com/office/drawing/2014/main" id="{EC691E18-F0A4-BB1D-B6EC-BC958AE882F5}"/>
+              </a:ext>
+            </a:extLst>
+          </p:cNvPr>
+          <p:cNvSpPr txBox="1"/>
+          <p:nvPr/>
+        </p:nvSpPr>
+        <p:spPr>
+          <a:xfrm>
+            <a:off x="655892" y="1551004"/>
+            <a:ext cx="3877985" cy="369332"/>
+          </a:xfrm>
+          <a:prstGeom prst="rect">
+            <a:avLst/>
+          </a:prstGeom>
+          <a:noFill/>
+        </p:spPr>
+        <p:txBody>
+          <a:bodyPr wrap="none" rtlCol="0">
+            <a:spAutoFit/>
+          </a:bodyPr>
+          <a:lstStyle/>
+          <a:p>
+            <a:r>
+              <a:rPr kumimoji="1" lang="ja-JP" altLang="en-US" dirty="0"/>
+              <a:t>初回ログインなのでパスワード変更</a:t>
+            </a:r>
+            <a:endParaRPr kumimoji="1" lang="en-US" altLang="ja-JP" dirty="0"/>
+          </a:p>
+        </p:txBody>
+      </p:sp>
+      <p:sp>
+        <p:nvSpPr>
+          <p:cNvPr id="8" name="正方形/長方形 7">
+            <a:extLst>
+              <a:ext uri="{FF2B5EF4-FFF2-40B4-BE49-F238E27FC236}">
+                <a16:creationId xmlns:a16="http://schemas.microsoft.com/office/drawing/2014/main" id="{E4339489-154C-B5A2-3FE2-302F1189AC7F}"/>
+              </a:ext>
+            </a:extLst>
+          </p:cNvPr>
+          <p:cNvSpPr/>
+          <p:nvPr/>
+        </p:nvSpPr>
+        <p:spPr>
+          <a:xfrm>
+            <a:off x="1195180" y="2744214"/>
+            <a:ext cx="778563" cy="389203"/>
+          </a:xfrm>
+          <a:prstGeom prst="rect">
+            <a:avLst/>
+          </a:prstGeom>
+          <a:noFill/>
+        </p:spPr>
+        <p:style>
+          <a:lnRef idx="2">
+            <a:schemeClr val="accent1">
+              <a:shade val="15000"/>
+            </a:schemeClr>
+          </a:lnRef>
+          <a:fillRef idx="1">
+            <a:schemeClr val="accent1"/>
+          </a:fillRef>
+          <a:effectRef idx="0">
+            <a:schemeClr val="accent1"/>
+          </a:effectRef>
+          <a:fontRef idx="minor">
+            <a:schemeClr val="lt1"/>
+          </a:fontRef>
+        </p:style>
+        <p:txBody>
+          <a:bodyPr rtlCol="0" anchor="ctr"/>
+          <a:lstStyle/>
+          <a:p>
+            <a:pPr algn="ctr"/>
+            <a:r>
+              <a:rPr kumimoji="1" lang="ja-JP" altLang="en-US" sz="1200" dirty="0">
+                <a:solidFill>
+                  <a:schemeClr val="tx1"/>
+                </a:solidFill>
+              </a:rPr>
+              <a:t>再発行</a:t>
+            </a:r>
+          </a:p>
+        </p:txBody>
+      </p:sp>
+      <p:sp>
+        <p:nvSpPr>
+          <p:cNvPr id="9" name="正方形/長方形 8">
+            <a:extLst>
+              <a:ext uri="{FF2B5EF4-FFF2-40B4-BE49-F238E27FC236}">
+                <a16:creationId xmlns:a16="http://schemas.microsoft.com/office/drawing/2014/main" id="{19866E2A-EA27-0857-680D-942275F90291}"/>
+              </a:ext>
+            </a:extLst>
+          </p:cNvPr>
+          <p:cNvSpPr/>
+          <p:nvPr/>
+        </p:nvSpPr>
+        <p:spPr>
+          <a:xfrm>
+            <a:off x="2635236" y="2711293"/>
+            <a:ext cx="778563" cy="389203"/>
+          </a:xfrm>
+          <a:prstGeom prst="rect">
+            <a:avLst/>
+          </a:prstGeom>
+          <a:noFill/>
+        </p:spPr>
+        <p:style>
+          <a:lnRef idx="2">
+            <a:schemeClr val="accent1">
+              <a:shade val="15000"/>
+            </a:schemeClr>
+          </a:lnRef>
+          <a:fillRef idx="1">
+            <a:schemeClr val="accent1"/>
+          </a:fillRef>
+          <a:effectRef idx="0">
+            <a:schemeClr val="accent1"/>
+          </a:effectRef>
+          <a:fontRef idx="minor">
+            <a:schemeClr val="lt1"/>
+          </a:fontRef>
+        </p:style>
+        <p:txBody>
+          <a:bodyPr rtlCol="0" anchor="ctr"/>
+          <a:lstStyle/>
+          <a:p>
+            <a:pPr algn="ctr"/>
+            <a:r>
+              <a:rPr kumimoji="1" lang="ja-JP" altLang="en-US" sz="1200" dirty="0">
+                <a:solidFill>
+                  <a:schemeClr val="tx1"/>
+                </a:solidFill>
+              </a:rPr>
+              <a:t>戻る</a:t>
+            </a:r>
+          </a:p>
+        </p:txBody>
+      </p:sp>
+    </p:spTree>
+    <p:extLst>
+      <p:ext uri="{BB962C8B-B14F-4D97-AF65-F5344CB8AC3E}">
+        <p14:creationId xmlns:p14="http://schemas.microsoft.com/office/powerpoint/2010/main" val="3951095336"/>
+      </p:ext>
+    </p:extLst>
+  </p:cSld>
+  <p:clrMapOvr>
+    <a:masterClrMapping/>
+  </p:clrMapOvr>
+</p:sld>
+</file>
+
+<file path=ppt/slides/slide19.xml><?xml version="1.0" encoding="utf-8"?>
+<p:sld xmlns:a="http://schemas.openxmlformats.org/drawingml/2006/main" xmlns:r="http://schemas.openxmlformats.org/officeDocument/2006/relationships" xmlns:p="http://schemas.openxmlformats.org/presentationml/2006/main">
+  <p:cSld>
+    <p:spTree>
+      <p:nvGrpSpPr>
+        <p:cNvPr id="1" name=""/>
+        <p:cNvGrpSpPr/>
+        <p:nvPr/>
+      </p:nvGrpSpPr>
+      <p:grpSpPr>
+        <a:xfrm>
+          <a:off x="0" y="0"/>
+          <a:ext cx="0" cy="0"/>
+          <a:chOff x="0" y="0"/>
+          <a:chExt cx="0" cy="0"/>
+        </a:xfrm>
+      </p:grpSpPr>
+      <p:sp>
+        <p:nvSpPr>
+          <p:cNvPr id="2" name="タイトル 1">
+            <a:extLst>
+              <a:ext uri="{FF2B5EF4-FFF2-40B4-BE49-F238E27FC236}">
                 <a16:creationId xmlns:a16="http://schemas.microsoft.com/office/drawing/2014/main" id="{89969606-B49D-D99F-AACA-37333E0B88B3}"/>
               </a:ext>
             </a:extLst>
@@ -5247,7 +5370,403 @@
 </p:sld>
 </file>
 
-<file path=ppt/slides/slide17.xml><?xml version="1.0" encoding="utf-8"?>
+<file path=ppt/slides/slide2.xml><?xml version="1.0" encoding="utf-8"?>
+<p:sld xmlns:a="http://schemas.openxmlformats.org/drawingml/2006/main" xmlns:r="http://schemas.openxmlformats.org/officeDocument/2006/relationships" xmlns:p="http://schemas.openxmlformats.org/presentationml/2006/main">
+  <p:cSld>
+    <p:spTree>
+      <p:nvGrpSpPr>
+        <p:cNvPr id="1" name=""/>
+        <p:cNvGrpSpPr/>
+        <p:nvPr/>
+      </p:nvGrpSpPr>
+      <p:grpSpPr>
+        <a:xfrm>
+          <a:off x="0" y="0"/>
+          <a:ext cx="0" cy="0"/>
+          <a:chOff x="0" y="0"/>
+          <a:chExt cx="0" cy="0"/>
+        </a:xfrm>
+      </p:grpSpPr>
+      <p:cxnSp>
+        <p:nvCxnSpPr>
+          <p:cNvPr id="6" name="直線コネクタ 5">
+            <a:extLst>
+              <a:ext uri="{FF2B5EF4-FFF2-40B4-BE49-F238E27FC236}">
+                <a16:creationId xmlns:a16="http://schemas.microsoft.com/office/drawing/2014/main" id="{EF074C25-5D8C-E0B3-86B8-E07F90782318}"/>
+              </a:ext>
+            </a:extLst>
+          </p:cNvPr>
+          <p:cNvCxnSpPr/>
+          <p:nvPr/>
+        </p:nvCxnSpPr>
+        <p:spPr>
+          <a:xfrm>
+            <a:off x="228600" y="755374"/>
+            <a:ext cx="11936896" cy="0"/>
+          </a:xfrm>
+          <a:prstGeom prst="line">
+            <a:avLst/>
+          </a:prstGeom>
+        </p:spPr>
+        <p:style>
+          <a:lnRef idx="2">
+            <a:schemeClr val="accent1"/>
+          </a:lnRef>
+          <a:fillRef idx="0">
+            <a:schemeClr val="accent1"/>
+          </a:fillRef>
+          <a:effectRef idx="1">
+            <a:schemeClr val="accent1"/>
+          </a:effectRef>
+          <a:fontRef idx="minor">
+            <a:schemeClr val="tx1"/>
+          </a:fontRef>
+        </p:style>
+      </p:cxnSp>
+      <p:sp>
+        <p:nvSpPr>
+          <p:cNvPr id="7" name="テキスト ボックス 6">
+            <a:extLst>
+              <a:ext uri="{FF2B5EF4-FFF2-40B4-BE49-F238E27FC236}">
+                <a16:creationId xmlns:a16="http://schemas.microsoft.com/office/drawing/2014/main" id="{C1B52376-17C6-F2FF-4942-75BF19E077C4}"/>
+              </a:ext>
+            </a:extLst>
+          </p:cNvPr>
+          <p:cNvSpPr txBox="1"/>
+          <p:nvPr/>
+        </p:nvSpPr>
+        <p:spPr>
+          <a:xfrm>
+            <a:off x="407504" y="198783"/>
+            <a:ext cx="3796748" cy="369332"/>
+          </a:xfrm>
+          <a:prstGeom prst="rect">
+            <a:avLst/>
+          </a:prstGeom>
+          <a:noFill/>
+        </p:spPr>
+        <p:txBody>
+          <a:bodyPr wrap="square" rtlCol="0">
+            <a:spAutoFit/>
+          </a:bodyPr>
+          <a:lstStyle/>
+          <a:p>
+            <a:r>
+              <a:rPr kumimoji="1" lang="ja-JP" altLang="en-US" dirty="0"/>
+              <a:t>アプリケーション方針</a:t>
+            </a:r>
+          </a:p>
+        </p:txBody>
+      </p:sp>
+      <p:sp>
+        <p:nvSpPr>
+          <p:cNvPr id="8" name="テキスト ボックス 7">
+            <a:extLst>
+              <a:ext uri="{FF2B5EF4-FFF2-40B4-BE49-F238E27FC236}">
+                <a16:creationId xmlns:a16="http://schemas.microsoft.com/office/drawing/2014/main" id="{D91DB01D-415F-F95D-F5CE-D13C5B53D9FD}"/>
+              </a:ext>
+            </a:extLst>
+          </p:cNvPr>
+          <p:cNvSpPr txBox="1"/>
+          <p:nvPr/>
+        </p:nvSpPr>
+        <p:spPr>
+          <a:xfrm>
+            <a:off x="616226" y="4403252"/>
+            <a:ext cx="11549270" cy="1477328"/>
+          </a:xfrm>
+          <a:prstGeom prst="rect">
+            <a:avLst/>
+          </a:prstGeom>
+          <a:noFill/>
+        </p:spPr>
+        <p:txBody>
+          <a:bodyPr wrap="square" rtlCol="0">
+            <a:spAutoFit/>
+          </a:bodyPr>
+          <a:lstStyle/>
+          <a:p>
+            <a:pPr marL="285750" indent="-285750">
+              <a:buFont typeface="Wingdings" panose="05000000000000000000" pitchFamily="2" charset="2"/>
+              <a:buChar char="ü"/>
+            </a:pPr>
+            <a:r>
+              <a:rPr kumimoji="1" lang="ja-JP" altLang="en-US" dirty="0"/>
+              <a:t>サーバーは</a:t>
+            </a:r>
+            <a:r>
+              <a:rPr kumimoji="1" lang="en-US" altLang="ja-JP" dirty="0" err="1"/>
+              <a:t>xserver</a:t>
+            </a:r>
+            <a:endParaRPr kumimoji="1" lang="en-US" altLang="ja-JP" dirty="0"/>
+          </a:p>
+          <a:p>
+            <a:pPr marL="285750" indent="-285750">
+              <a:buFont typeface="Wingdings" panose="05000000000000000000" pitchFamily="2" charset="2"/>
+              <a:buChar char="ü"/>
+            </a:pPr>
+            <a:r>
+              <a:rPr kumimoji="1" lang="ja-JP" altLang="en-US" dirty="0"/>
+              <a:t>博物館の展示物と案内内容を簡単に管理できる機能を提供</a:t>
+            </a:r>
+            <a:endParaRPr kumimoji="1" lang="en-US" altLang="ja-JP" dirty="0"/>
+          </a:p>
+          <a:p>
+            <a:pPr marL="285750" indent="-285750">
+              <a:buFont typeface="Wingdings" panose="05000000000000000000" pitchFamily="2" charset="2"/>
+              <a:buChar char="ü"/>
+            </a:pPr>
+            <a:r>
+              <a:rPr kumimoji="1" lang="ja-JP" altLang="en-US" dirty="0"/>
+              <a:t>案内内容の管理は</a:t>
+            </a:r>
+            <a:r>
+              <a:rPr kumimoji="1" lang="en-US" altLang="ja-JP" dirty="0"/>
+              <a:t>MySQL DB</a:t>
+            </a:r>
+            <a:r>
+              <a:rPr kumimoji="1" lang="ja-JP" altLang="en-US" dirty="0"/>
+              <a:t>で行う</a:t>
+            </a:r>
+            <a:r>
+              <a:rPr lang="en-US" altLang="ja-JP" dirty="0"/>
+              <a:t>.</a:t>
+            </a:r>
+          </a:p>
+          <a:p>
+            <a:pPr marL="285750" indent="-285750">
+              <a:buFont typeface="Wingdings" panose="05000000000000000000" pitchFamily="2" charset="2"/>
+              <a:buChar char="ü"/>
+            </a:pPr>
+            <a:r>
+              <a:rPr lang="en-US" altLang="ja-JP" dirty="0"/>
+              <a:t>HTML</a:t>
+            </a:r>
+            <a:r>
+              <a:rPr lang="ja-JP" altLang="en-US" dirty="0"/>
+              <a:t>の知識が無くても入力できるように入力用のインターフェースを用意</a:t>
+            </a:r>
+            <a:endParaRPr kumimoji="1" lang="en-US" altLang="ja-JP" dirty="0"/>
+          </a:p>
+          <a:p>
+            <a:pPr marL="285750" indent="-285750">
+              <a:buFont typeface="Wingdings" panose="05000000000000000000" pitchFamily="2" charset="2"/>
+              <a:buChar char="ü"/>
+            </a:pPr>
+            <a:endParaRPr kumimoji="1" lang="en-US" altLang="ja-JP" dirty="0"/>
+          </a:p>
+        </p:txBody>
+      </p:sp>
+      <p:sp>
+        <p:nvSpPr>
+          <p:cNvPr id="9" name="テキスト ボックス 8">
+            <a:extLst>
+              <a:ext uri="{FF2B5EF4-FFF2-40B4-BE49-F238E27FC236}">
+                <a16:creationId xmlns:a16="http://schemas.microsoft.com/office/drawing/2014/main" id="{83AA5321-50B4-949A-5486-6DCF44822D18}"/>
+              </a:ext>
+            </a:extLst>
+          </p:cNvPr>
+          <p:cNvSpPr txBox="1"/>
+          <p:nvPr/>
+        </p:nvSpPr>
+        <p:spPr>
+          <a:xfrm>
+            <a:off x="407504" y="1083365"/>
+            <a:ext cx="5605670" cy="369332"/>
+          </a:xfrm>
+          <a:prstGeom prst="rect">
+            <a:avLst/>
+          </a:prstGeom>
+          <a:noFill/>
+        </p:spPr>
+        <p:txBody>
+          <a:bodyPr wrap="square" rtlCol="0">
+            <a:spAutoFit/>
+          </a:bodyPr>
+          <a:lstStyle/>
+          <a:p>
+            <a:r>
+              <a:rPr kumimoji="1" lang="ja-JP" altLang="en-US" dirty="0"/>
+              <a:t>■アプリケーション</a:t>
+            </a:r>
+          </a:p>
+        </p:txBody>
+      </p:sp>
+      <p:sp>
+        <p:nvSpPr>
+          <p:cNvPr id="10" name="テキスト ボックス 9">
+            <a:extLst>
+              <a:ext uri="{FF2B5EF4-FFF2-40B4-BE49-F238E27FC236}">
+                <a16:creationId xmlns:a16="http://schemas.microsoft.com/office/drawing/2014/main" id="{097C2E1E-72B6-7147-9323-AC64AE20C2A9}"/>
+              </a:ext>
+            </a:extLst>
+          </p:cNvPr>
+          <p:cNvSpPr txBox="1"/>
+          <p:nvPr/>
+        </p:nvSpPr>
+        <p:spPr>
+          <a:xfrm>
+            <a:off x="530087" y="1531418"/>
+            <a:ext cx="11549270" cy="2031325"/>
+          </a:xfrm>
+          <a:prstGeom prst="rect">
+            <a:avLst/>
+          </a:prstGeom>
+          <a:noFill/>
+        </p:spPr>
+        <p:txBody>
+          <a:bodyPr wrap="square" rtlCol="0">
+            <a:spAutoFit/>
+          </a:bodyPr>
+          <a:lstStyle/>
+          <a:p>
+            <a:pPr marL="285750" indent="-285750">
+              <a:buFont typeface="Wingdings" panose="05000000000000000000" pitchFamily="2" charset="2"/>
+              <a:buChar char="ü"/>
+            </a:pPr>
+            <a:r>
+              <a:rPr kumimoji="1" lang="ja-JP" altLang="en-US" dirty="0"/>
+              <a:t>一つの博物館アプリ（仮称）で複数の博物館に対応する</a:t>
+            </a:r>
+            <a:endParaRPr kumimoji="1" lang="en-US" altLang="ja-JP" dirty="0"/>
+          </a:p>
+          <a:p>
+            <a:pPr marL="285750" indent="-285750">
+              <a:buFont typeface="Wingdings" panose="05000000000000000000" pitchFamily="2" charset="2"/>
+              <a:buChar char="ü"/>
+            </a:pPr>
+            <a:r>
+              <a:rPr kumimoji="1" lang="ja-JP" altLang="en-US" dirty="0"/>
+              <a:t>アプリケーションはブラウザで行う、</a:t>
+            </a:r>
+            <a:r>
+              <a:rPr kumimoji="1" lang="en-US" altLang="ja-JP" dirty="0"/>
+              <a:t>PWA</a:t>
+            </a:r>
+            <a:r>
+              <a:rPr kumimoji="1" lang="ja-JP" altLang="en-US" dirty="0"/>
+              <a:t>不要</a:t>
+            </a:r>
+            <a:endParaRPr kumimoji="1" lang="en-US" altLang="ja-JP" dirty="0"/>
+          </a:p>
+          <a:p>
+            <a:pPr marL="285750" indent="-285750">
+              <a:buFont typeface="Wingdings" panose="05000000000000000000" pitchFamily="2" charset="2"/>
+              <a:buChar char="ü"/>
+            </a:pPr>
+            <a:r>
+              <a:rPr kumimoji="1" lang="ja-JP" altLang="en-US" dirty="0"/>
+              <a:t>博物館アプリのトップページで対象博物館を設定できる</a:t>
+            </a:r>
+            <a:endParaRPr kumimoji="1" lang="en-US" altLang="ja-JP" dirty="0"/>
+          </a:p>
+          <a:p>
+            <a:pPr marL="285750" indent="-285750">
+              <a:buFont typeface="Wingdings" panose="05000000000000000000" pitchFamily="2" charset="2"/>
+              <a:buChar char="ü"/>
+            </a:pPr>
+            <a:r>
+              <a:rPr lang="en-US" altLang="ja-JP" dirty="0"/>
+              <a:t>QR</a:t>
+            </a:r>
+            <a:r>
+              <a:rPr lang="ja-JP" altLang="en-US" dirty="0"/>
+              <a:t>コードを読むことでダイレクトに特定の博物館のトップページに進む</a:t>
+            </a:r>
+            <a:endParaRPr lang="en-US" altLang="ja-JP" dirty="0"/>
+          </a:p>
+          <a:p>
+            <a:pPr marL="285750" indent="-285750">
+              <a:buFont typeface="Wingdings" panose="05000000000000000000" pitchFamily="2" charset="2"/>
+              <a:buChar char="ü"/>
+            </a:pPr>
+            <a:r>
+              <a:rPr kumimoji="1" lang="ja-JP" altLang="en-US" dirty="0"/>
+              <a:t>案内は</a:t>
+            </a:r>
+            <a:r>
+              <a:rPr kumimoji="1" lang="en-US" altLang="ja-JP" dirty="0"/>
+              <a:t>QR</a:t>
+            </a:r>
+            <a:r>
+              <a:rPr kumimoji="1" lang="ja-JP" altLang="en-US" dirty="0"/>
+              <a:t>コードを読むと展示物の紹介を文字と音声で</a:t>
+            </a:r>
+            <a:endParaRPr kumimoji="1" lang="en-US" altLang="ja-JP" dirty="0"/>
+          </a:p>
+          <a:p>
+            <a:pPr marL="285750" indent="-285750">
+              <a:buFont typeface="Wingdings" panose="05000000000000000000" pitchFamily="2" charset="2"/>
+              <a:buChar char="ü"/>
+            </a:pPr>
+            <a:r>
+              <a:rPr kumimoji="1" lang="ja-JP" altLang="en-US" dirty="0"/>
+              <a:t>案内は多言語対応</a:t>
+            </a:r>
+            <a:endParaRPr kumimoji="1" lang="en-US" altLang="ja-JP" dirty="0"/>
+          </a:p>
+          <a:p>
+            <a:pPr marL="285750" indent="-285750">
+              <a:buFont typeface="Wingdings" panose="05000000000000000000" pitchFamily="2" charset="2"/>
+              <a:buChar char="ü"/>
+            </a:pPr>
+            <a:r>
+              <a:rPr kumimoji="1" lang="ja-JP" altLang="en-US" dirty="0"/>
+              <a:t>博物館の館内地図表示</a:t>
+            </a:r>
+            <a:endParaRPr kumimoji="1" lang="en-US" altLang="ja-JP" dirty="0"/>
+          </a:p>
+        </p:txBody>
+      </p:sp>
+      <p:sp>
+        <p:nvSpPr>
+          <p:cNvPr id="11" name="テキスト ボックス 10">
+            <a:extLst>
+              <a:ext uri="{FF2B5EF4-FFF2-40B4-BE49-F238E27FC236}">
+                <a16:creationId xmlns:a16="http://schemas.microsoft.com/office/drawing/2014/main" id="{EA546B17-5771-F1B1-1F2E-CF92013DF797}"/>
+              </a:ext>
+            </a:extLst>
+          </p:cNvPr>
+          <p:cNvSpPr txBox="1"/>
+          <p:nvPr/>
+        </p:nvSpPr>
+        <p:spPr>
+          <a:xfrm>
+            <a:off x="530087" y="3907307"/>
+            <a:ext cx="5605670" cy="369332"/>
+          </a:xfrm>
+          <a:prstGeom prst="rect">
+            <a:avLst/>
+          </a:prstGeom>
+          <a:noFill/>
+        </p:spPr>
+        <p:txBody>
+          <a:bodyPr wrap="square" rtlCol="0">
+            <a:spAutoFit/>
+          </a:bodyPr>
+          <a:lstStyle/>
+          <a:p>
+            <a:r>
+              <a:rPr kumimoji="1" lang="ja-JP" altLang="en-US" dirty="0"/>
+              <a:t>■案内内容の管理</a:t>
+            </a:r>
+          </a:p>
+        </p:txBody>
+      </p:sp>
+    </p:spTree>
+    <p:extLst>
+      <p:ext uri="{BB962C8B-B14F-4D97-AF65-F5344CB8AC3E}">
+        <p14:creationId xmlns:p14="http://schemas.microsoft.com/office/powerpoint/2010/main" val="1331687964"/>
+      </p:ext>
+    </p:extLst>
+  </p:cSld>
+  <p:clrMapOvr>
+    <a:masterClrMapping/>
+  </p:clrMapOvr>
+</p:sld>
+</file>
+
+<file path=ppt/slides/slide20.xml><?xml version="1.0" encoding="utf-8"?>
 <p:sld xmlns:a="http://schemas.openxmlformats.org/drawingml/2006/main" xmlns:r="http://schemas.openxmlformats.org/officeDocument/2006/relationships" xmlns:p="http://schemas.openxmlformats.org/presentationml/2006/main">
   <p:cSld>
     <p:spTree>
@@ -5602,7 +6121,7 @@
 </p:sld>
 </file>
 
-<file path=ppt/slides/slide18.xml><?xml version="1.0" encoding="utf-8"?>
+<file path=ppt/slides/slide21.xml><?xml version="1.0" encoding="utf-8"?>
 <p:sld xmlns:a="http://schemas.openxmlformats.org/drawingml/2006/main" xmlns:r="http://schemas.openxmlformats.org/officeDocument/2006/relationships" xmlns:p="http://schemas.openxmlformats.org/presentationml/2006/main">
   <p:cSld>
     <p:spTree>
@@ -6331,7 +6850,7 @@
 </p:sld>
 </file>
 
-<file path=ppt/slides/slide19.xml><?xml version="1.0" encoding="utf-8"?>
+<file path=ppt/slides/slide22.xml><?xml version="1.0" encoding="utf-8"?>
 <p:sld xmlns:a="http://schemas.openxmlformats.org/drawingml/2006/main" xmlns:r="http://schemas.openxmlformats.org/officeDocument/2006/relationships" xmlns:p="http://schemas.openxmlformats.org/presentationml/2006/main">
   <p:cSld>
     <p:spTree>
@@ -7125,403 +7644,7 @@
 </p:sld>
 </file>
 
-<file path=ppt/slides/slide2.xml><?xml version="1.0" encoding="utf-8"?>
-<p:sld xmlns:a="http://schemas.openxmlformats.org/drawingml/2006/main" xmlns:r="http://schemas.openxmlformats.org/officeDocument/2006/relationships" xmlns:p="http://schemas.openxmlformats.org/presentationml/2006/main">
-  <p:cSld>
-    <p:spTree>
-      <p:nvGrpSpPr>
-        <p:cNvPr id="1" name=""/>
-        <p:cNvGrpSpPr/>
-        <p:nvPr/>
-      </p:nvGrpSpPr>
-      <p:grpSpPr>
-        <a:xfrm>
-          <a:off x="0" y="0"/>
-          <a:ext cx="0" cy="0"/>
-          <a:chOff x="0" y="0"/>
-          <a:chExt cx="0" cy="0"/>
-        </a:xfrm>
-      </p:grpSpPr>
-      <p:cxnSp>
-        <p:nvCxnSpPr>
-          <p:cNvPr id="6" name="直線コネクタ 5">
-            <a:extLst>
-              <a:ext uri="{FF2B5EF4-FFF2-40B4-BE49-F238E27FC236}">
-                <a16:creationId xmlns:a16="http://schemas.microsoft.com/office/drawing/2014/main" id="{EF074C25-5D8C-E0B3-86B8-E07F90782318}"/>
-              </a:ext>
-            </a:extLst>
-          </p:cNvPr>
-          <p:cNvCxnSpPr/>
-          <p:nvPr/>
-        </p:nvCxnSpPr>
-        <p:spPr>
-          <a:xfrm>
-            <a:off x="228600" y="755374"/>
-            <a:ext cx="11936896" cy="0"/>
-          </a:xfrm>
-          <a:prstGeom prst="line">
-            <a:avLst/>
-          </a:prstGeom>
-        </p:spPr>
-        <p:style>
-          <a:lnRef idx="2">
-            <a:schemeClr val="accent1"/>
-          </a:lnRef>
-          <a:fillRef idx="0">
-            <a:schemeClr val="accent1"/>
-          </a:fillRef>
-          <a:effectRef idx="1">
-            <a:schemeClr val="accent1"/>
-          </a:effectRef>
-          <a:fontRef idx="minor">
-            <a:schemeClr val="tx1"/>
-          </a:fontRef>
-        </p:style>
-      </p:cxnSp>
-      <p:sp>
-        <p:nvSpPr>
-          <p:cNvPr id="7" name="テキスト ボックス 6">
-            <a:extLst>
-              <a:ext uri="{FF2B5EF4-FFF2-40B4-BE49-F238E27FC236}">
-                <a16:creationId xmlns:a16="http://schemas.microsoft.com/office/drawing/2014/main" id="{C1B52376-17C6-F2FF-4942-75BF19E077C4}"/>
-              </a:ext>
-            </a:extLst>
-          </p:cNvPr>
-          <p:cNvSpPr txBox="1"/>
-          <p:nvPr/>
-        </p:nvSpPr>
-        <p:spPr>
-          <a:xfrm>
-            <a:off x="407504" y="198783"/>
-            <a:ext cx="3796748" cy="369332"/>
-          </a:xfrm>
-          <a:prstGeom prst="rect">
-            <a:avLst/>
-          </a:prstGeom>
-          <a:noFill/>
-        </p:spPr>
-        <p:txBody>
-          <a:bodyPr wrap="square" rtlCol="0">
-            <a:spAutoFit/>
-          </a:bodyPr>
-          <a:lstStyle/>
-          <a:p>
-            <a:r>
-              <a:rPr kumimoji="1" lang="ja-JP" altLang="en-US" dirty="0"/>
-              <a:t>アプリケーション方針</a:t>
-            </a:r>
-          </a:p>
-        </p:txBody>
-      </p:sp>
-      <p:sp>
-        <p:nvSpPr>
-          <p:cNvPr id="8" name="テキスト ボックス 7">
-            <a:extLst>
-              <a:ext uri="{FF2B5EF4-FFF2-40B4-BE49-F238E27FC236}">
-                <a16:creationId xmlns:a16="http://schemas.microsoft.com/office/drawing/2014/main" id="{D91DB01D-415F-F95D-F5CE-D13C5B53D9FD}"/>
-              </a:ext>
-            </a:extLst>
-          </p:cNvPr>
-          <p:cNvSpPr txBox="1"/>
-          <p:nvPr/>
-        </p:nvSpPr>
-        <p:spPr>
-          <a:xfrm>
-            <a:off x="616226" y="4403252"/>
-            <a:ext cx="11549270" cy="1477328"/>
-          </a:xfrm>
-          <a:prstGeom prst="rect">
-            <a:avLst/>
-          </a:prstGeom>
-          <a:noFill/>
-        </p:spPr>
-        <p:txBody>
-          <a:bodyPr wrap="square" rtlCol="0">
-            <a:spAutoFit/>
-          </a:bodyPr>
-          <a:lstStyle/>
-          <a:p>
-            <a:pPr marL="285750" indent="-285750">
-              <a:buFont typeface="Wingdings" panose="05000000000000000000" pitchFamily="2" charset="2"/>
-              <a:buChar char="ü"/>
-            </a:pPr>
-            <a:r>
-              <a:rPr kumimoji="1" lang="ja-JP" altLang="en-US" dirty="0"/>
-              <a:t>サーバーは</a:t>
-            </a:r>
-            <a:r>
-              <a:rPr kumimoji="1" lang="en-US" altLang="ja-JP" dirty="0" err="1"/>
-              <a:t>xserver</a:t>
-            </a:r>
-            <a:endParaRPr kumimoji="1" lang="en-US" altLang="ja-JP" dirty="0"/>
-          </a:p>
-          <a:p>
-            <a:pPr marL="285750" indent="-285750">
-              <a:buFont typeface="Wingdings" panose="05000000000000000000" pitchFamily="2" charset="2"/>
-              <a:buChar char="ü"/>
-            </a:pPr>
-            <a:r>
-              <a:rPr kumimoji="1" lang="ja-JP" altLang="en-US" dirty="0"/>
-              <a:t>博物館の展示物と案内内容を簡単に管理できる機能を提供</a:t>
-            </a:r>
-            <a:endParaRPr kumimoji="1" lang="en-US" altLang="ja-JP" dirty="0"/>
-          </a:p>
-          <a:p>
-            <a:pPr marL="285750" indent="-285750">
-              <a:buFont typeface="Wingdings" panose="05000000000000000000" pitchFamily="2" charset="2"/>
-              <a:buChar char="ü"/>
-            </a:pPr>
-            <a:r>
-              <a:rPr kumimoji="1" lang="ja-JP" altLang="en-US" dirty="0"/>
-              <a:t>案内内容の管理は</a:t>
-            </a:r>
-            <a:r>
-              <a:rPr kumimoji="1" lang="en-US" altLang="ja-JP" dirty="0"/>
-              <a:t>MySQL DB</a:t>
-            </a:r>
-            <a:r>
-              <a:rPr kumimoji="1" lang="ja-JP" altLang="en-US" dirty="0"/>
-              <a:t>で行う</a:t>
-            </a:r>
-            <a:r>
-              <a:rPr lang="en-US" altLang="ja-JP" dirty="0"/>
-              <a:t>.</a:t>
-            </a:r>
-          </a:p>
-          <a:p>
-            <a:pPr marL="285750" indent="-285750">
-              <a:buFont typeface="Wingdings" panose="05000000000000000000" pitchFamily="2" charset="2"/>
-              <a:buChar char="ü"/>
-            </a:pPr>
-            <a:r>
-              <a:rPr lang="en-US" altLang="ja-JP" dirty="0"/>
-              <a:t>HTML</a:t>
-            </a:r>
-            <a:r>
-              <a:rPr lang="ja-JP" altLang="en-US" dirty="0"/>
-              <a:t>の知識が無くても入力できるように入力用のインターフェースを用意</a:t>
-            </a:r>
-            <a:endParaRPr kumimoji="1" lang="en-US" altLang="ja-JP" dirty="0"/>
-          </a:p>
-          <a:p>
-            <a:pPr marL="285750" indent="-285750">
-              <a:buFont typeface="Wingdings" panose="05000000000000000000" pitchFamily="2" charset="2"/>
-              <a:buChar char="ü"/>
-            </a:pPr>
-            <a:endParaRPr kumimoji="1" lang="en-US" altLang="ja-JP" dirty="0"/>
-          </a:p>
-        </p:txBody>
-      </p:sp>
-      <p:sp>
-        <p:nvSpPr>
-          <p:cNvPr id="9" name="テキスト ボックス 8">
-            <a:extLst>
-              <a:ext uri="{FF2B5EF4-FFF2-40B4-BE49-F238E27FC236}">
-                <a16:creationId xmlns:a16="http://schemas.microsoft.com/office/drawing/2014/main" id="{83AA5321-50B4-949A-5486-6DCF44822D18}"/>
-              </a:ext>
-            </a:extLst>
-          </p:cNvPr>
-          <p:cNvSpPr txBox="1"/>
-          <p:nvPr/>
-        </p:nvSpPr>
-        <p:spPr>
-          <a:xfrm>
-            <a:off x="407504" y="1083365"/>
-            <a:ext cx="5605670" cy="369332"/>
-          </a:xfrm>
-          <a:prstGeom prst="rect">
-            <a:avLst/>
-          </a:prstGeom>
-          <a:noFill/>
-        </p:spPr>
-        <p:txBody>
-          <a:bodyPr wrap="square" rtlCol="0">
-            <a:spAutoFit/>
-          </a:bodyPr>
-          <a:lstStyle/>
-          <a:p>
-            <a:r>
-              <a:rPr kumimoji="1" lang="ja-JP" altLang="en-US" dirty="0"/>
-              <a:t>■アプリケーション</a:t>
-            </a:r>
-          </a:p>
-        </p:txBody>
-      </p:sp>
-      <p:sp>
-        <p:nvSpPr>
-          <p:cNvPr id="10" name="テキスト ボックス 9">
-            <a:extLst>
-              <a:ext uri="{FF2B5EF4-FFF2-40B4-BE49-F238E27FC236}">
-                <a16:creationId xmlns:a16="http://schemas.microsoft.com/office/drawing/2014/main" id="{097C2E1E-72B6-7147-9323-AC64AE20C2A9}"/>
-              </a:ext>
-            </a:extLst>
-          </p:cNvPr>
-          <p:cNvSpPr txBox="1"/>
-          <p:nvPr/>
-        </p:nvSpPr>
-        <p:spPr>
-          <a:xfrm>
-            <a:off x="530087" y="1531418"/>
-            <a:ext cx="11549270" cy="2031325"/>
-          </a:xfrm>
-          <a:prstGeom prst="rect">
-            <a:avLst/>
-          </a:prstGeom>
-          <a:noFill/>
-        </p:spPr>
-        <p:txBody>
-          <a:bodyPr wrap="square" rtlCol="0">
-            <a:spAutoFit/>
-          </a:bodyPr>
-          <a:lstStyle/>
-          <a:p>
-            <a:pPr marL="285750" indent="-285750">
-              <a:buFont typeface="Wingdings" panose="05000000000000000000" pitchFamily="2" charset="2"/>
-              <a:buChar char="ü"/>
-            </a:pPr>
-            <a:r>
-              <a:rPr kumimoji="1" lang="ja-JP" altLang="en-US" dirty="0"/>
-              <a:t>一つの博物館アプリ（仮称）で複数の博物館に対応する</a:t>
-            </a:r>
-            <a:endParaRPr kumimoji="1" lang="en-US" altLang="ja-JP" dirty="0"/>
-          </a:p>
-          <a:p>
-            <a:pPr marL="285750" indent="-285750">
-              <a:buFont typeface="Wingdings" panose="05000000000000000000" pitchFamily="2" charset="2"/>
-              <a:buChar char="ü"/>
-            </a:pPr>
-            <a:r>
-              <a:rPr kumimoji="1" lang="ja-JP" altLang="en-US" dirty="0"/>
-              <a:t>アプリケーションはブラウザで行う、</a:t>
-            </a:r>
-            <a:r>
-              <a:rPr kumimoji="1" lang="en-US" altLang="ja-JP" dirty="0"/>
-              <a:t>PWA</a:t>
-            </a:r>
-            <a:r>
-              <a:rPr kumimoji="1" lang="ja-JP" altLang="en-US" dirty="0"/>
-              <a:t>不要</a:t>
-            </a:r>
-            <a:endParaRPr kumimoji="1" lang="en-US" altLang="ja-JP" dirty="0"/>
-          </a:p>
-          <a:p>
-            <a:pPr marL="285750" indent="-285750">
-              <a:buFont typeface="Wingdings" panose="05000000000000000000" pitchFamily="2" charset="2"/>
-              <a:buChar char="ü"/>
-            </a:pPr>
-            <a:r>
-              <a:rPr kumimoji="1" lang="ja-JP" altLang="en-US" dirty="0"/>
-              <a:t>博物館アプリのトップページで対象博物館を設定できる</a:t>
-            </a:r>
-            <a:endParaRPr kumimoji="1" lang="en-US" altLang="ja-JP" dirty="0"/>
-          </a:p>
-          <a:p>
-            <a:pPr marL="285750" indent="-285750">
-              <a:buFont typeface="Wingdings" panose="05000000000000000000" pitchFamily="2" charset="2"/>
-              <a:buChar char="ü"/>
-            </a:pPr>
-            <a:r>
-              <a:rPr lang="en-US" altLang="ja-JP" dirty="0"/>
-              <a:t>QR</a:t>
-            </a:r>
-            <a:r>
-              <a:rPr lang="ja-JP" altLang="en-US" dirty="0"/>
-              <a:t>コードを読むことでダイレクトに特定の博物館のトップページに進む</a:t>
-            </a:r>
-            <a:endParaRPr lang="en-US" altLang="ja-JP" dirty="0"/>
-          </a:p>
-          <a:p>
-            <a:pPr marL="285750" indent="-285750">
-              <a:buFont typeface="Wingdings" panose="05000000000000000000" pitchFamily="2" charset="2"/>
-              <a:buChar char="ü"/>
-            </a:pPr>
-            <a:r>
-              <a:rPr kumimoji="1" lang="ja-JP" altLang="en-US" dirty="0"/>
-              <a:t>案内は</a:t>
-            </a:r>
-            <a:r>
-              <a:rPr kumimoji="1" lang="en-US" altLang="ja-JP" dirty="0"/>
-              <a:t>QR</a:t>
-            </a:r>
-            <a:r>
-              <a:rPr kumimoji="1" lang="ja-JP" altLang="en-US" dirty="0"/>
-              <a:t>コードを読むと展示物の紹介を文字と音声で</a:t>
-            </a:r>
-            <a:endParaRPr kumimoji="1" lang="en-US" altLang="ja-JP" dirty="0"/>
-          </a:p>
-          <a:p>
-            <a:pPr marL="285750" indent="-285750">
-              <a:buFont typeface="Wingdings" panose="05000000000000000000" pitchFamily="2" charset="2"/>
-              <a:buChar char="ü"/>
-            </a:pPr>
-            <a:r>
-              <a:rPr kumimoji="1" lang="ja-JP" altLang="en-US" dirty="0"/>
-              <a:t>案内は多言語対応</a:t>
-            </a:r>
-            <a:endParaRPr kumimoji="1" lang="en-US" altLang="ja-JP" dirty="0"/>
-          </a:p>
-          <a:p>
-            <a:pPr marL="285750" indent="-285750">
-              <a:buFont typeface="Wingdings" panose="05000000000000000000" pitchFamily="2" charset="2"/>
-              <a:buChar char="ü"/>
-            </a:pPr>
-            <a:r>
-              <a:rPr kumimoji="1" lang="ja-JP" altLang="en-US" dirty="0"/>
-              <a:t>博物館の館内地図表示</a:t>
-            </a:r>
-            <a:endParaRPr kumimoji="1" lang="en-US" altLang="ja-JP" dirty="0"/>
-          </a:p>
-        </p:txBody>
-      </p:sp>
-      <p:sp>
-        <p:nvSpPr>
-          <p:cNvPr id="11" name="テキスト ボックス 10">
-            <a:extLst>
-              <a:ext uri="{FF2B5EF4-FFF2-40B4-BE49-F238E27FC236}">
-                <a16:creationId xmlns:a16="http://schemas.microsoft.com/office/drawing/2014/main" id="{EA546B17-5771-F1B1-1F2E-CF92013DF797}"/>
-              </a:ext>
-            </a:extLst>
-          </p:cNvPr>
-          <p:cNvSpPr txBox="1"/>
-          <p:nvPr/>
-        </p:nvSpPr>
-        <p:spPr>
-          <a:xfrm>
-            <a:off x="530087" y="3907307"/>
-            <a:ext cx="5605670" cy="369332"/>
-          </a:xfrm>
-          <a:prstGeom prst="rect">
-            <a:avLst/>
-          </a:prstGeom>
-          <a:noFill/>
-        </p:spPr>
-        <p:txBody>
-          <a:bodyPr wrap="square" rtlCol="0">
-            <a:spAutoFit/>
-          </a:bodyPr>
-          <a:lstStyle/>
-          <a:p>
-            <a:r>
-              <a:rPr kumimoji="1" lang="ja-JP" altLang="en-US" dirty="0"/>
-              <a:t>■案内内容の管理</a:t>
-            </a:r>
-          </a:p>
-        </p:txBody>
-      </p:sp>
-    </p:spTree>
-    <p:extLst>
-      <p:ext uri="{BB962C8B-B14F-4D97-AF65-F5344CB8AC3E}">
-        <p14:creationId xmlns:p14="http://schemas.microsoft.com/office/powerpoint/2010/main" val="1331687964"/>
-      </p:ext>
-    </p:extLst>
-  </p:cSld>
-  <p:clrMapOvr>
-    <a:masterClrMapping/>
-  </p:clrMapOvr>
-</p:sld>
-</file>
-
-<file path=ppt/slides/slide20.xml><?xml version="1.0" encoding="utf-8"?>
+<file path=ppt/slides/slide23.xml><?xml version="1.0" encoding="utf-8"?>
 <p:sld xmlns:a="http://schemas.openxmlformats.org/drawingml/2006/main" xmlns:r="http://schemas.openxmlformats.org/officeDocument/2006/relationships" xmlns:p="http://schemas.openxmlformats.org/presentationml/2006/main">
   <p:cSld>
     <p:spTree>
@@ -8497,7 +8620,7 @@
 </p:sld>
 </file>
 
-<file path=ppt/slides/slide21.xml><?xml version="1.0" encoding="utf-8"?>
+<file path=ppt/slides/slide24.xml><?xml version="1.0" encoding="utf-8"?>
 <p:sld xmlns:a="http://schemas.openxmlformats.org/drawingml/2006/main" xmlns:r="http://schemas.openxmlformats.org/officeDocument/2006/relationships" xmlns:p="http://schemas.openxmlformats.org/presentationml/2006/main">
   <p:cSld>
     <p:spTree>
@@ -9461,7 +9584,7 @@
 </p:sld>
 </file>
 
-<file path=ppt/slides/slide22.xml><?xml version="1.0" encoding="utf-8"?>
+<file path=ppt/slides/slide25.xml><?xml version="1.0" encoding="utf-8"?>
 <p:sld xmlns:a="http://schemas.openxmlformats.org/drawingml/2006/main" xmlns:r="http://schemas.openxmlformats.org/officeDocument/2006/relationships" xmlns:p="http://schemas.openxmlformats.org/presentationml/2006/main">
   <p:cSld>
     <p:spTree>
@@ -10332,7 +10455,7 @@
 </p:sld>
 </file>
 
-<file path=ppt/slides/slide23.xml><?xml version="1.0" encoding="utf-8"?>
+<file path=ppt/slides/slide26.xml><?xml version="1.0" encoding="utf-8"?>
 <p:sld xmlns:a="http://schemas.openxmlformats.org/drawingml/2006/main" xmlns:r="http://schemas.openxmlformats.org/officeDocument/2006/relationships" xmlns:p="http://schemas.openxmlformats.org/presentationml/2006/main">
   <p:cSld>
     <p:spTree>
@@ -11441,7 +11564,7 @@
 </p:sld>
 </file>
 
-<file path=ppt/slides/slide24.xml><?xml version="1.0" encoding="utf-8"?>
+<file path=ppt/slides/slide27.xml><?xml version="1.0" encoding="utf-8"?>
 <p:sld xmlns:a="http://schemas.openxmlformats.org/drawingml/2006/main" xmlns:r="http://schemas.openxmlformats.org/officeDocument/2006/relationships" xmlns:p="http://schemas.openxmlformats.org/presentationml/2006/main">
   <p:cSld>
     <p:spTree>
@@ -12544,7 +12667,7 @@
 </p:sld>
 </file>
 
-<file path=ppt/slides/slide25.xml><?xml version="1.0" encoding="utf-8"?>
+<file path=ppt/slides/slide28.xml><?xml version="1.0" encoding="utf-8"?>
 <p:sld xmlns:a="http://schemas.openxmlformats.org/drawingml/2006/main" xmlns:r="http://schemas.openxmlformats.org/officeDocument/2006/relationships" xmlns:p="http://schemas.openxmlformats.org/presentationml/2006/main">
   <p:cSld>
     <p:spTree>
@@ -13258,7 +13381,7 @@
 </p:sld>
 </file>
 
-<file path=ppt/slides/slide26.xml><?xml version="1.0" encoding="utf-8"?>
+<file path=ppt/slides/slide29.xml><?xml version="1.0" encoding="utf-8"?>
 <p:sld xmlns:a="http://schemas.openxmlformats.org/drawingml/2006/main" xmlns:r="http://schemas.openxmlformats.org/officeDocument/2006/relationships" xmlns:p="http://schemas.openxmlformats.org/presentationml/2006/main">
   <p:cSld>
     <p:spTree>
@@ -14111,7 +14234,736 @@
 </p:sld>
 </file>
 
-<file path=ppt/slides/slide27.xml><?xml version="1.0" encoding="utf-8"?>
+<file path=ppt/slides/slide3.xml><?xml version="1.0" encoding="utf-8"?>
+<p:sld xmlns:a="http://schemas.openxmlformats.org/drawingml/2006/main" xmlns:r="http://schemas.openxmlformats.org/officeDocument/2006/relationships" xmlns:p="http://schemas.openxmlformats.org/presentationml/2006/main">
+  <p:cSld>
+    <p:spTree>
+      <p:nvGrpSpPr>
+        <p:cNvPr id="1" name=""/>
+        <p:cNvGrpSpPr/>
+        <p:nvPr/>
+      </p:nvGrpSpPr>
+      <p:grpSpPr>
+        <a:xfrm>
+          <a:off x="0" y="0"/>
+          <a:ext cx="0" cy="0"/>
+          <a:chOff x="0" y="0"/>
+          <a:chExt cx="0" cy="0"/>
+        </a:xfrm>
+      </p:grpSpPr>
+      <p:cxnSp>
+        <p:nvCxnSpPr>
+          <p:cNvPr id="4" name="直線コネクタ 3">
+            <a:extLst>
+              <a:ext uri="{FF2B5EF4-FFF2-40B4-BE49-F238E27FC236}">
+                <a16:creationId xmlns:a16="http://schemas.microsoft.com/office/drawing/2014/main" id="{3DC5C270-0C95-7AD0-3877-B4EFF61B809E}"/>
+              </a:ext>
+            </a:extLst>
+          </p:cNvPr>
+          <p:cNvCxnSpPr/>
+          <p:nvPr/>
+        </p:nvCxnSpPr>
+        <p:spPr>
+          <a:xfrm>
+            <a:off x="228600" y="755374"/>
+            <a:ext cx="11936896" cy="0"/>
+          </a:xfrm>
+          <a:prstGeom prst="line">
+            <a:avLst/>
+          </a:prstGeom>
+        </p:spPr>
+        <p:style>
+          <a:lnRef idx="2">
+            <a:schemeClr val="accent1"/>
+          </a:lnRef>
+          <a:fillRef idx="0">
+            <a:schemeClr val="accent1"/>
+          </a:fillRef>
+          <a:effectRef idx="1">
+            <a:schemeClr val="accent1"/>
+          </a:effectRef>
+          <a:fontRef idx="minor">
+            <a:schemeClr val="tx1"/>
+          </a:fontRef>
+        </p:style>
+      </p:cxnSp>
+      <p:sp>
+        <p:nvSpPr>
+          <p:cNvPr id="5" name="テキスト ボックス 4">
+            <a:extLst>
+              <a:ext uri="{FF2B5EF4-FFF2-40B4-BE49-F238E27FC236}">
+                <a16:creationId xmlns:a16="http://schemas.microsoft.com/office/drawing/2014/main" id="{3071577A-4021-4AF3-8AE8-98BBB0446C6C}"/>
+              </a:ext>
+            </a:extLst>
+          </p:cNvPr>
+          <p:cNvSpPr txBox="1"/>
+          <p:nvPr/>
+        </p:nvSpPr>
+        <p:spPr>
+          <a:xfrm>
+            <a:off x="407504" y="198783"/>
+            <a:ext cx="3796748" cy="369332"/>
+          </a:xfrm>
+          <a:prstGeom prst="rect">
+            <a:avLst/>
+          </a:prstGeom>
+          <a:noFill/>
+        </p:spPr>
+        <p:txBody>
+          <a:bodyPr wrap="square" rtlCol="0">
+            <a:spAutoFit/>
+          </a:bodyPr>
+          <a:lstStyle/>
+          <a:p>
+            <a:r>
+              <a:rPr kumimoji="1" lang="ja-JP" altLang="en-US" dirty="0"/>
+              <a:t>画面遷移（利用者）</a:t>
+            </a:r>
+          </a:p>
+        </p:txBody>
+      </p:sp>
+      <p:sp>
+        <p:nvSpPr>
+          <p:cNvPr id="8" name="正方形/長方形 7">
+            <a:extLst>
+              <a:ext uri="{FF2B5EF4-FFF2-40B4-BE49-F238E27FC236}">
+                <a16:creationId xmlns:a16="http://schemas.microsoft.com/office/drawing/2014/main" id="{F16CD204-11BE-725A-F2EF-133B704BB4A8}"/>
+              </a:ext>
+            </a:extLst>
+          </p:cNvPr>
+          <p:cNvSpPr/>
+          <p:nvPr/>
+        </p:nvSpPr>
+        <p:spPr>
+          <a:xfrm>
+            <a:off x="834937" y="1406892"/>
+            <a:ext cx="1078396" cy="276999"/>
+          </a:xfrm>
+          <a:prstGeom prst="rect">
+            <a:avLst/>
+          </a:prstGeom>
+          <a:noFill/>
+        </p:spPr>
+        <p:style>
+          <a:lnRef idx="2">
+            <a:schemeClr val="accent1">
+              <a:shade val="15000"/>
+            </a:schemeClr>
+          </a:lnRef>
+          <a:fillRef idx="1">
+            <a:schemeClr val="accent1"/>
+          </a:fillRef>
+          <a:effectRef idx="0">
+            <a:schemeClr val="accent1"/>
+          </a:effectRef>
+          <a:fontRef idx="minor">
+            <a:schemeClr val="lt1"/>
+          </a:fontRef>
+        </p:style>
+        <p:txBody>
+          <a:bodyPr rtlCol="0" anchor="ctr"/>
+          <a:lstStyle/>
+          <a:p>
+            <a:pPr algn="ctr"/>
+            <a:r>
+              <a:rPr kumimoji="1" lang="ja-JP" altLang="en-US" sz="1200" dirty="0">
+                <a:solidFill>
+                  <a:schemeClr val="tx1"/>
+                </a:solidFill>
+              </a:rPr>
+              <a:t>○○博物館</a:t>
+            </a:r>
+          </a:p>
+        </p:txBody>
+      </p:sp>
+      <p:sp>
+        <p:nvSpPr>
+          <p:cNvPr id="10" name="正方形/長方形 9">
+            <a:extLst>
+              <a:ext uri="{FF2B5EF4-FFF2-40B4-BE49-F238E27FC236}">
+                <a16:creationId xmlns:a16="http://schemas.microsoft.com/office/drawing/2014/main" id="{9B62A116-0DB9-425D-A572-A25AFB61C7EC}"/>
+              </a:ext>
+            </a:extLst>
+          </p:cNvPr>
+          <p:cNvSpPr/>
+          <p:nvPr/>
+        </p:nvSpPr>
+        <p:spPr>
+          <a:xfrm>
+            <a:off x="834937" y="1798192"/>
+            <a:ext cx="1078396" cy="276999"/>
+          </a:xfrm>
+          <a:prstGeom prst="rect">
+            <a:avLst/>
+          </a:prstGeom>
+          <a:noFill/>
+        </p:spPr>
+        <p:style>
+          <a:lnRef idx="2">
+            <a:schemeClr val="accent1">
+              <a:shade val="15000"/>
+            </a:schemeClr>
+          </a:lnRef>
+          <a:fillRef idx="1">
+            <a:schemeClr val="accent1"/>
+          </a:fillRef>
+          <a:effectRef idx="0">
+            <a:schemeClr val="accent1"/>
+          </a:effectRef>
+          <a:fontRef idx="minor">
+            <a:schemeClr val="lt1"/>
+          </a:fontRef>
+        </p:style>
+        <p:txBody>
+          <a:bodyPr rtlCol="0" anchor="ctr"/>
+          <a:lstStyle/>
+          <a:p>
+            <a:pPr algn="ctr"/>
+            <a:r>
+              <a:rPr kumimoji="1" lang="en-US" altLang="ja-JP" sz="1200" dirty="0">
+                <a:solidFill>
+                  <a:schemeClr val="tx1"/>
+                </a:solidFill>
+              </a:rPr>
+              <a:t>××</a:t>
+            </a:r>
+            <a:r>
+              <a:rPr kumimoji="1" lang="ja-JP" altLang="en-US" sz="1200" dirty="0">
+                <a:solidFill>
+                  <a:schemeClr val="tx1"/>
+                </a:solidFill>
+              </a:rPr>
+              <a:t>博物館</a:t>
+            </a:r>
+          </a:p>
+        </p:txBody>
+      </p:sp>
+      <p:sp>
+        <p:nvSpPr>
+          <p:cNvPr id="11" name="正方形/長方形 10">
+            <a:extLst>
+              <a:ext uri="{FF2B5EF4-FFF2-40B4-BE49-F238E27FC236}">
+                <a16:creationId xmlns:a16="http://schemas.microsoft.com/office/drawing/2014/main" id="{B835FD68-B3DB-BF38-BF2E-1892F45107C2}"/>
+              </a:ext>
+            </a:extLst>
+          </p:cNvPr>
+          <p:cNvSpPr/>
+          <p:nvPr/>
+        </p:nvSpPr>
+        <p:spPr>
+          <a:xfrm>
+            <a:off x="735497" y="1294177"/>
+            <a:ext cx="1321904" cy="1001759"/>
+          </a:xfrm>
+          <a:prstGeom prst="rect">
+            <a:avLst/>
+          </a:prstGeom>
+          <a:noFill/>
+        </p:spPr>
+        <p:style>
+          <a:lnRef idx="2">
+            <a:schemeClr val="accent1">
+              <a:shade val="15000"/>
+            </a:schemeClr>
+          </a:lnRef>
+          <a:fillRef idx="1">
+            <a:schemeClr val="accent1"/>
+          </a:fillRef>
+          <a:effectRef idx="0">
+            <a:schemeClr val="accent1"/>
+          </a:effectRef>
+          <a:fontRef idx="minor">
+            <a:schemeClr val="lt1"/>
+          </a:fontRef>
+        </p:style>
+        <p:txBody>
+          <a:bodyPr rtlCol="0" anchor="ctr"/>
+          <a:lstStyle/>
+          <a:p>
+            <a:pPr algn="ctr"/>
+            <a:endParaRPr kumimoji="1" lang="ja-JP" altLang="en-US" sz="1200" dirty="0">
+              <a:solidFill>
+                <a:schemeClr val="tx1"/>
+              </a:solidFill>
+            </a:endParaRPr>
+          </a:p>
+        </p:txBody>
+      </p:sp>
+      <p:sp>
+        <p:nvSpPr>
+          <p:cNvPr id="12" name="テキスト ボックス 11">
+            <a:extLst>
+              <a:ext uri="{FF2B5EF4-FFF2-40B4-BE49-F238E27FC236}">
+                <a16:creationId xmlns:a16="http://schemas.microsoft.com/office/drawing/2014/main" id="{0A254587-B090-1CCB-EE31-DC5EB4EBEE6D}"/>
+              </a:ext>
+            </a:extLst>
+          </p:cNvPr>
+          <p:cNvSpPr txBox="1"/>
+          <p:nvPr/>
+        </p:nvSpPr>
+        <p:spPr>
+          <a:xfrm>
+            <a:off x="705679" y="868090"/>
+            <a:ext cx="1381539" cy="276999"/>
+          </a:xfrm>
+          <a:prstGeom prst="rect">
+            <a:avLst/>
+          </a:prstGeom>
+          <a:noFill/>
+        </p:spPr>
+        <p:txBody>
+          <a:bodyPr wrap="square" rtlCol="0">
+            <a:spAutoFit/>
+          </a:bodyPr>
+          <a:lstStyle/>
+          <a:p>
+            <a:r>
+              <a:rPr kumimoji="1" lang="ja-JP" altLang="en-US" sz="1200" dirty="0"/>
+              <a:t>博物館選択画面</a:t>
+            </a:r>
+          </a:p>
+        </p:txBody>
+      </p:sp>
+      <p:sp>
+        <p:nvSpPr>
+          <p:cNvPr id="13" name="正方形/長方形 12">
+            <a:extLst>
+              <a:ext uri="{FF2B5EF4-FFF2-40B4-BE49-F238E27FC236}">
+                <a16:creationId xmlns:a16="http://schemas.microsoft.com/office/drawing/2014/main" id="{948EA15D-E23D-B168-08F6-B854C67715D7}"/>
+              </a:ext>
+            </a:extLst>
+          </p:cNvPr>
+          <p:cNvSpPr/>
+          <p:nvPr/>
+        </p:nvSpPr>
+        <p:spPr>
+          <a:xfrm>
+            <a:off x="2877429" y="1294177"/>
+            <a:ext cx="1321904" cy="504015"/>
+          </a:xfrm>
+          <a:prstGeom prst="rect">
+            <a:avLst/>
+          </a:prstGeom>
+          <a:noFill/>
+        </p:spPr>
+        <p:style>
+          <a:lnRef idx="2">
+            <a:schemeClr val="accent1">
+              <a:shade val="15000"/>
+            </a:schemeClr>
+          </a:lnRef>
+          <a:fillRef idx="1">
+            <a:schemeClr val="accent1"/>
+          </a:fillRef>
+          <a:effectRef idx="0">
+            <a:schemeClr val="accent1"/>
+          </a:effectRef>
+          <a:fontRef idx="minor">
+            <a:schemeClr val="lt1"/>
+          </a:fontRef>
+        </p:style>
+        <p:txBody>
+          <a:bodyPr rtlCol="0" anchor="ctr"/>
+          <a:lstStyle/>
+          <a:p>
+            <a:pPr algn="ctr"/>
+            <a:endParaRPr kumimoji="1" lang="ja-JP" altLang="en-US" sz="1200" dirty="0">
+              <a:solidFill>
+                <a:schemeClr val="tx1"/>
+              </a:solidFill>
+            </a:endParaRPr>
+          </a:p>
+        </p:txBody>
+      </p:sp>
+      <p:sp>
+        <p:nvSpPr>
+          <p:cNvPr id="14" name="テキスト ボックス 13">
+            <a:extLst>
+              <a:ext uri="{FF2B5EF4-FFF2-40B4-BE49-F238E27FC236}">
+                <a16:creationId xmlns:a16="http://schemas.microsoft.com/office/drawing/2014/main" id="{6540F72F-1C4C-1305-CE3C-DF12F1F80A54}"/>
+              </a:ext>
+            </a:extLst>
+          </p:cNvPr>
+          <p:cNvSpPr txBox="1"/>
+          <p:nvPr/>
+        </p:nvSpPr>
+        <p:spPr>
+          <a:xfrm>
+            <a:off x="2673627" y="942634"/>
+            <a:ext cx="2007704" cy="276999"/>
+          </a:xfrm>
+          <a:prstGeom prst="rect">
+            <a:avLst/>
+          </a:prstGeom>
+          <a:noFill/>
+        </p:spPr>
+        <p:txBody>
+          <a:bodyPr wrap="square" rtlCol="0">
+            <a:spAutoFit/>
+          </a:bodyPr>
+          <a:lstStyle/>
+          <a:p>
+            <a:r>
+              <a:rPr kumimoji="1" lang="ja-JP" altLang="en-US" sz="1200" dirty="0"/>
+              <a:t>○○博物館トップ画面</a:t>
+            </a:r>
+          </a:p>
+        </p:txBody>
+      </p:sp>
+      <p:cxnSp>
+        <p:nvCxnSpPr>
+          <p:cNvPr id="16" name="コネクタ: カギ線 15">
+            <a:extLst>
+              <a:ext uri="{FF2B5EF4-FFF2-40B4-BE49-F238E27FC236}">
+                <a16:creationId xmlns:a16="http://schemas.microsoft.com/office/drawing/2014/main" id="{1831295B-E33B-B4DC-1F32-614FEC87F46A}"/>
+              </a:ext>
+            </a:extLst>
+          </p:cNvPr>
+          <p:cNvCxnSpPr>
+            <a:cxnSpLocks/>
+            <a:stCxn id="8" idx="3"/>
+            <a:endCxn id="13" idx="1"/>
+          </p:cNvCxnSpPr>
+          <p:nvPr/>
+        </p:nvCxnSpPr>
+        <p:spPr>
+          <a:xfrm>
+            <a:off x="1913333" y="1545392"/>
+            <a:ext cx="964096" cy="793"/>
+          </a:xfrm>
+          <a:prstGeom prst="bentConnector3">
+            <a:avLst/>
+          </a:prstGeom>
+          <a:ln>
+            <a:tailEnd type="triangle"/>
+          </a:ln>
+        </p:spPr>
+        <p:style>
+          <a:lnRef idx="2">
+            <a:schemeClr val="accent1"/>
+          </a:lnRef>
+          <a:fillRef idx="0">
+            <a:schemeClr val="accent1"/>
+          </a:fillRef>
+          <a:effectRef idx="1">
+            <a:schemeClr val="accent1"/>
+          </a:effectRef>
+          <a:fontRef idx="minor">
+            <a:schemeClr val="tx1"/>
+          </a:fontRef>
+        </p:style>
+      </p:cxnSp>
+      <p:pic>
+        <p:nvPicPr>
+          <p:cNvPr id="17" name="Picture 2" descr="QRコード作成【ずっと無料・無制限】／QRのススメ">
+            <a:extLst>
+              <a:ext uri="{FF2B5EF4-FFF2-40B4-BE49-F238E27FC236}">
+                <a16:creationId xmlns:a16="http://schemas.microsoft.com/office/drawing/2014/main" id="{2EA55849-B200-F577-FA21-07508D526015}"/>
+              </a:ext>
+            </a:extLst>
+          </p:cNvPr>
+          <p:cNvPicPr>
+            <a:picLocks noChangeAspect="1" noChangeArrowheads="1"/>
+          </p:cNvPicPr>
+          <p:nvPr/>
+        </p:nvPicPr>
+        <p:blipFill>
+          <a:blip r:embed="rId2">
+            <a:extLst>
+              <a:ext uri="{28A0092B-C50C-407E-A947-70E740481C1C}">
+                <a14:useLocalDpi xmlns:a14="http://schemas.microsoft.com/office/drawing/2010/main" val="0"/>
+              </a:ext>
+            </a:extLst>
+          </a:blip>
+          <a:srcRect/>
+          <a:stretch>
+            <a:fillRect/>
+          </a:stretch>
+        </p:blipFill>
+        <p:spPr bwMode="auto">
+          <a:xfrm>
+            <a:off x="1554286" y="2487397"/>
+            <a:ext cx="443789" cy="417683"/>
+          </a:xfrm>
+          <a:prstGeom prst="rect">
+            <a:avLst/>
+          </a:prstGeom>
+          <a:noFill/>
+          <a:extLst>
+            <a:ext uri="{909E8E84-426E-40DD-AFC4-6F175D3DCCD1}">
+              <a14:hiddenFill xmlns:a14="http://schemas.microsoft.com/office/drawing/2010/main">
+                <a:solidFill>
+                  <a:srgbClr val="FFFFFF"/>
+                </a:solidFill>
+              </a14:hiddenFill>
+            </a:ext>
+          </a:extLst>
+        </p:spPr>
+      </p:pic>
+      <p:pic>
+        <p:nvPicPr>
+          <p:cNvPr id="18" name="図 17">
+            <a:extLst>
+              <a:ext uri="{FF2B5EF4-FFF2-40B4-BE49-F238E27FC236}">
+                <a16:creationId xmlns:a16="http://schemas.microsoft.com/office/drawing/2014/main" id="{1944A5FB-EEE5-08C2-3264-D376A85340F5}"/>
+              </a:ext>
+            </a:extLst>
+          </p:cNvPr>
+          <p:cNvPicPr>
+            <a:picLocks noChangeAspect="1"/>
+          </p:cNvPicPr>
+          <p:nvPr/>
+        </p:nvPicPr>
+        <p:blipFill>
+          <a:blip r:embed="rId3"/>
+          <a:stretch>
+            <a:fillRect/>
+          </a:stretch>
+        </p:blipFill>
+        <p:spPr>
+          <a:xfrm flipH="1">
+            <a:off x="522218" y="2445024"/>
+            <a:ext cx="1088230" cy="1088230"/>
+          </a:xfrm>
+          <a:prstGeom prst="rect">
+            <a:avLst/>
+          </a:prstGeom>
+        </p:spPr>
+      </p:pic>
+      <p:cxnSp>
+        <p:nvCxnSpPr>
+          <p:cNvPr id="19" name="コネクタ: カギ線 18">
+            <a:extLst>
+              <a:ext uri="{FF2B5EF4-FFF2-40B4-BE49-F238E27FC236}">
+                <a16:creationId xmlns:a16="http://schemas.microsoft.com/office/drawing/2014/main" id="{35BB434B-76AF-7F8A-D6F3-AB0DF26AC757}"/>
+              </a:ext>
+            </a:extLst>
+          </p:cNvPr>
+          <p:cNvCxnSpPr>
+            <a:cxnSpLocks/>
+            <a:stCxn id="18" idx="1"/>
+            <a:endCxn id="13" idx="2"/>
+          </p:cNvCxnSpPr>
+          <p:nvPr/>
+        </p:nvCxnSpPr>
+        <p:spPr>
+          <a:xfrm flipV="1">
+            <a:off x="1610448" y="1798192"/>
+            <a:ext cx="1927933" cy="1190947"/>
+          </a:xfrm>
+          <a:prstGeom prst="bentConnector2">
+            <a:avLst/>
+          </a:prstGeom>
+          <a:ln>
+            <a:tailEnd type="triangle"/>
+          </a:ln>
+        </p:spPr>
+        <p:style>
+          <a:lnRef idx="2">
+            <a:schemeClr val="accent1"/>
+          </a:lnRef>
+          <a:fillRef idx="0">
+            <a:schemeClr val="accent1"/>
+          </a:fillRef>
+          <a:effectRef idx="1">
+            <a:schemeClr val="accent1"/>
+          </a:effectRef>
+          <a:fontRef idx="minor">
+            <a:schemeClr val="tx1"/>
+          </a:fontRef>
+        </p:style>
+      </p:cxnSp>
+      <p:sp>
+        <p:nvSpPr>
+          <p:cNvPr id="22" name="テキスト ボックス 21">
+            <a:extLst>
+              <a:ext uri="{FF2B5EF4-FFF2-40B4-BE49-F238E27FC236}">
+                <a16:creationId xmlns:a16="http://schemas.microsoft.com/office/drawing/2014/main" id="{9B58A4AC-9090-2ED9-8FD3-021EED052282}"/>
+              </a:ext>
+            </a:extLst>
+          </p:cNvPr>
+          <p:cNvSpPr txBox="1"/>
+          <p:nvPr/>
+        </p:nvSpPr>
+        <p:spPr>
+          <a:xfrm>
+            <a:off x="1396448" y="3050374"/>
+            <a:ext cx="1838739" cy="646331"/>
+          </a:xfrm>
+          <a:prstGeom prst="rect">
+            <a:avLst/>
+          </a:prstGeom>
+          <a:noFill/>
+        </p:spPr>
+        <p:txBody>
+          <a:bodyPr wrap="square" rtlCol="0">
+            <a:spAutoFit/>
+          </a:bodyPr>
+          <a:lstStyle/>
+          <a:p>
+            <a:r>
+              <a:rPr kumimoji="1" lang="en-US" altLang="ja-JP" sz="1200" dirty="0"/>
+              <a:t>QR</a:t>
+            </a:r>
+            <a:r>
+              <a:rPr kumimoji="1" lang="ja-JP" altLang="en-US" sz="1200" dirty="0"/>
+              <a:t>コードをリードしてダイレクトに対象博物館のトップページ表示</a:t>
+            </a:r>
+          </a:p>
+        </p:txBody>
+      </p:sp>
+      <p:sp>
+        <p:nvSpPr>
+          <p:cNvPr id="25" name="テキスト ボックス 24">
+            <a:extLst>
+              <a:ext uri="{FF2B5EF4-FFF2-40B4-BE49-F238E27FC236}">
+                <a16:creationId xmlns:a16="http://schemas.microsoft.com/office/drawing/2014/main" id="{C38E0C43-6758-F2F0-2AAA-DCAE50A5D867}"/>
+              </a:ext>
+            </a:extLst>
+          </p:cNvPr>
+          <p:cNvSpPr txBox="1"/>
+          <p:nvPr/>
+        </p:nvSpPr>
+        <p:spPr>
+          <a:xfrm>
+            <a:off x="4979504" y="1153445"/>
+            <a:ext cx="2435087" cy="1200329"/>
+          </a:xfrm>
+          <a:prstGeom prst="rect">
+            <a:avLst/>
+          </a:prstGeom>
+          <a:noFill/>
+        </p:spPr>
+        <p:txBody>
+          <a:bodyPr wrap="square" rtlCol="0">
+            <a:spAutoFit/>
+          </a:bodyPr>
+          <a:lstStyle/>
+          <a:p>
+            <a:r>
+              <a:rPr kumimoji="1" lang="ja-JP" altLang="en-US" dirty="0"/>
+              <a:t>■トップページ内容</a:t>
+            </a:r>
+            <a:endParaRPr kumimoji="1" lang="en-US" altLang="ja-JP" dirty="0"/>
+          </a:p>
+          <a:p>
+            <a:r>
+              <a:rPr kumimoji="1" lang="ja-JP" altLang="en-US" dirty="0"/>
+              <a:t>以下のリンク</a:t>
+            </a:r>
+            <a:endParaRPr kumimoji="1" lang="en-US" altLang="ja-JP" dirty="0"/>
+          </a:p>
+          <a:p>
+            <a:pPr marL="285750" indent="-285750">
+              <a:buFont typeface="Arial" panose="020B0604020202020204" pitchFamily="34" charset="0"/>
+              <a:buChar char="•"/>
+            </a:pPr>
+            <a:r>
+              <a:rPr kumimoji="1" lang="ja-JP" altLang="en-US" dirty="0"/>
+              <a:t>博物館の説明</a:t>
+            </a:r>
+            <a:endParaRPr kumimoji="1" lang="en-US" altLang="ja-JP" dirty="0"/>
+          </a:p>
+          <a:p>
+            <a:pPr marL="285750" indent="-285750">
+              <a:buFont typeface="Arial" panose="020B0604020202020204" pitchFamily="34" charset="0"/>
+              <a:buChar char="•"/>
+            </a:pPr>
+            <a:r>
+              <a:rPr kumimoji="1" lang="en-US" altLang="ja-JP" dirty="0"/>
+              <a:t>QR</a:t>
+            </a:r>
+            <a:r>
+              <a:rPr kumimoji="1" lang="ja-JP" altLang="en-US" dirty="0"/>
+              <a:t>コードリーダー</a:t>
+            </a:r>
+          </a:p>
+        </p:txBody>
+      </p:sp>
+      <p:sp>
+        <p:nvSpPr>
+          <p:cNvPr id="27" name="テキスト ボックス 26">
+            <a:extLst>
+              <a:ext uri="{FF2B5EF4-FFF2-40B4-BE49-F238E27FC236}">
+                <a16:creationId xmlns:a16="http://schemas.microsoft.com/office/drawing/2014/main" id="{FD73553B-F9CB-0E19-1231-F7D85239BA92}"/>
+              </a:ext>
+            </a:extLst>
+          </p:cNvPr>
+          <p:cNvSpPr txBox="1"/>
+          <p:nvPr/>
+        </p:nvSpPr>
+        <p:spPr>
+          <a:xfrm>
+            <a:off x="834937" y="4661452"/>
+            <a:ext cx="1800493" cy="369332"/>
+          </a:xfrm>
+          <a:prstGeom prst="rect">
+            <a:avLst/>
+          </a:prstGeom>
+          <a:noFill/>
+        </p:spPr>
+        <p:txBody>
+          <a:bodyPr wrap="none" rtlCol="0">
+            <a:spAutoFit/>
+          </a:bodyPr>
+          <a:lstStyle/>
+          <a:p>
+            <a:r>
+              <a:rPr kumimoji="1" lang="ja-JP" altLang="en-US" dirty="0"/>
+              <a:t>■博物館の説明</a:t>
+            </a:r>
+          </a:p>
+        </p:txBody>
+      </p:sp>
+      <p:sp>
+        <p:nvSpPr>
+          <p:cNvPr id="28" name="テキスト ボックス 27">
+            <a:extLst>
+              <a:ext uri="{FF2B5EF4-FFF2-40B4-BE49-F238E27FC236}">
+                <a16:creationId xmlns:a16="http://schemas.microsoft.com/office/drawing/2014/main" id="{2A17AF0E-29F3-845A-703F-B0A770731AEF}"/>
+              </a:ext>
+            </a:extLst>
+          </p:cNvPr>
+          <p:cNvSpPr txBox="1"/>
+          <p:nvPr/>
+        </p:nvSpPr>
+        <p:spPr>
+          <a:xfrm>
+            <a:off x="1108212" y="5194491"/>
+            <a:ext cx="6226866" cy="369332"/>
+          </a:xfrm>
+          <a:prstGeom prst="rect">
+            <a:avLst/>
+          </a:prstGeom>
+          <a:noFill/>
+        </p:spPr>
+        <p:txBody>
+          <a:bodyPr wrap="square" rtlCol="0">
+            <a:spAutoFit/>
+          </a:bodyPr>
+          <a:lstStyle/>
+          <a:p>
+            <a:r>
+              <a:rPr kumimoji="1" lang="ja-JP" altLang="en-US" dirty="0"/>
+              <a:t>簡単な紹介文と画像</a:t>
+            </a:r>
+          </a:p>
+        </p:txBody>
+      </p:sp>
+    </p:spTree>
+    <p:extLst>
+      <p:ext uri="{BB962C8B-B14F-4D97-AF65-F5344CB8AC3E}">
+        <p14:creationId xmlns:p14="http://schemas.microsoft.com/office/powerpoint/2010/main" val="230468469"/>
+      </p:ext>
+    </p:extLst>
+  </p:cSld>
+  <p:clrMapOvr>
+    <a:masterClrMapping/>
+  </p:clrMapOvr>
+</p:sld>
+</file>
+
+<file path=ppt/slides/slide30.xml><?xml version="1.0" encoding="utf-8"?>
 <p:sld xmlns:a="http://schemas.openxmlformats.org/drawingml/2006/main" xmlns:r="http://schemas.openxmlformats.org/officeDocument/2006/relationships" xmlns:p="http://schemas.openxmlformats.org/presentationml/2006/main">
   <p:cSld>
     <p:spTree>
@@ -14588,7 +15440,7 @@
 </p:sld>
 </file>
 
-<file path=ppt/slides/slide28.xml><?xml version="1.0" encoding="utf-8"?>
+<file path=ppt/slides/slide31.xml><?xml version="1.0" encoding="utf-8"?>
 <p:sld xmlns:a="http://schemas.openxmlformats.org/drawingml/2006/main" xmlns:r="http://schemas.openxmlformats.org/officeDocument/2006/relationships" xmlns:p="http://schemas.openxmlformats.org/presentationml/2006/main">
   <p:cSld>
     <p:spTree>
@@ -15230,7 +16082,7 @@
 </p:sld>
 </file>
 
-<file path=ppt/slides/slide29.xml><?xml version="1.0" encoding="utf-8"?>
+<file path=ppt/slides/slide32.xml><?xml version="1.0" encoding="utf-8"?>
 <p:sld xmlns:a="http://schemas.openxmlformats.org/drawingml/2006/main" xmlns:r="http://schemas.openxmlformats.org/officeDocument/2006/relationships" xmlns:p="http://schemas.openxmlformats.org/presentationml/2006/main">
   <p:cSld>
     <p:spTree>
@@ -15950,736 +16802,7 @@
 </p:sld>
 </file>
 
-<file path=ppt/slides/slide3.xml><?xml version="1.0" encoding="utf-8"?>
-<p:sld xmlns:a="http://schemas.openxmlformats.org/drawingml/2006/main" xmlns:r="http://schemas.openxmlformats.org/officeDocument/2006/relationships" xmlns:p="http://schemas.openxmlformats.org/presentationml/2006/main">
-  <p:cSld>
-    <p:spTree>
-      <p:nvGrpSpPr>
-        <p:cNvPr id="1" name=""/>
-        <p:cNvGrpSpPr/>
-        <p:nvPr/>
-      </p:nvGrpSpPr>
-      <p:grpSpPr>
-        <a:xfrm>
-          <a:off x="0" y="0"/>
-          <a:ext cx="0" cy="0"/>
-          <a:chOff x="0" y="0"/>
-          <a:chExt cx="0" cy="0"/>
-        </a:xfrm>
-      </p:grpSpPr>
-      <p:cxnSp>
-        <p:nvCxnSpPr>
-          <p:cNvPr id="4" name="直線コネクタ 3">
-            <a:extLst>
-              <a:ext uri="{FF2B5EF4-FFF2-40B4-BE49-F238E27FC236}">
-                <a16:creationId xmlns:a16="http://schemas.microsoft.com/office/drawing/2014/main" id="{3DC5C270-0C95-7AD0-3877-B4EFF61B809E}"/>
-              </a:ext>
-            </a:extLst>
-          </p:cNvPr>
-          <p:cNvCxnSpPr/>
-          <p:nvPr/>
-        </p:nvCxnSpPr>
-        <p:spPr>
-          <a:xfrm>
-            <a:off x="228600" y="755374"/>
-            <a:ext cx="11936896" cy="0"/>
-          </a:xfrm>
-          <a:prstGeom prst="line">
-            <a:avLst/>
-          </a:prstGeom>
-        </p:spPr>
-        <p:style>
-          <a:lnRef idx="2">
-            <a:schemeClr val="accent1"/>
-          </a:lnRef>
-          <a:fillRef idx="0">
-            <a:schemeClr val="accent1"/>
-          </a:fillRef>
-          <a:effectRef idx="1">
-            <a:schemeClr val="accent1"/>
-          </a:effectRef>
-          <a:fontRef idx="minor">
-            <a:schemeClr val="tx1"/>
-          </a:fontRef>
-        </p:style>
-      </p:cxnSp>
-      <p:sp>
-        <p:nvSpPr>
-          <p:cNvPr id="5" name="テキスト ボックス 4">
-            <a:extLst>
-              <a:ext uri="{FF2B5EF4-FFF2-40B4-BE49-F238E27FC236}">
-                <a16:creationId xmlns:a16="http://schemas.microsoft.com/office/drawing/2014/main" id="{3071577A-4021-4AF3-8AE8-98BBB0446C6C}"/>
-              </a:ext>
-            </a:extLst>
-          </p:cNvPr>
-          <p:cNvSpPr txBox="1"/>
-          <p:nvPr/>
-        </p:nvSpPr>
-        <p:spPr>
-          <a:xfrm>
-            <a:off x="407504" y="198783"/>
-            <a:ext cx="3796748" cy="369332"/>
-          </a:xfrm>
-          <a:prstGeom prst="rect">
-            <a:avLst/>
-          </a:prstGeom>
-          <a:noFill/>
-        </p:spPr>
-        <p:txBody>
-          <a:bodyPr wrap="square" rtlCol="0">
-            <a:spAutoFit/>
-          </a:bodyPr>
-          <a:lstStyle/>
-          <a:p>
-            <a:r>
-              <a:rPr kumimoji="1" lang="ja-JP" altLang="en-US" dirty="0"/>
-              <a:t>画面遷移（利用者）</a:t>
-            </a:r>
-          </a:p>
-        </p:txBody>
-      </p:sp>
-      <p:sp>
-        <p:nvSpPr>
-          <p:cNvPr id="8" name="正方形/長方形 7">
-            <a:extLst>
-              <a:ext uri="{FF2B5EF4-FFF2-40B4-BE49-F238E27FC236}">
-                <a16:creationId xmlns:a16="http://schemas.microsoft.com/office/drawing/2014/main" id="{F16CD204-11BE-725A-F2EF-133B704BB4A8}"/>
-              </a:ext>
-            </a:extLst>
-          </p:cNvPr>
-          <p:cNvSpPr/>
-          <p:nvPr/>
-        </p:nvSpPr>
-        <p:spPr>
-          <a:xfrm>
-            <a:off x="834937" y="1406892"/>
-            <a:ext cx="1078396" cy="276999"/>
-          </a:xfrm>
-          <a:prstGeom prst="rect">
-            <a:avLst/>
-          </a:prstGeom>
-          <a:noFill/>
-        </p:spPr>
-        <p:style>
-          <a:lnRef idx="2">
-            <a:schemeClr val="accent1">
-              <a:shade val="15000"/>
-            </a:schemeClr>
-          </a:lnRef>
-          <a:fillRef idx="1">
-            <a:schemeClr val="accent1"/>
-          </a:fillRef>
-          <a:effectRef idx="0">
-            <a:schemeClr val="accent1"/>
-          </a:effectRef>
-          <a:fontRef idx="minor">
-            <a:schemeClr val="lt1"/>
-          </a:fontRef>
-        </p:style>
-        <p:txBody>
-          <a:bodyPr rtlCol="0" anchor="ctr"/>
-          <a:lstStyle/>
-          <a:p>
-            <a:pPr algn="ctr"/>
-            <a:r>
-              <a:rPr kumimoji="1" lang="ja-JP" altLang="en-US" sz="1200" dirty="0">
-                <a:solidFill>
-                  <a:schemeClr val="tx1"/>
-                </a:solidFill>
-              </a:rPr>
-              <a:t>○○博物館</a:t>
-            </a:r>
-          </a:p>
-        </p:txBody>
-      </p:sp>
-      <p:sp>
-        <p:nvSpPr>
-          <p:cNvPr id="10" name="正方形/長方形 9">
-            <a:extLst>
-              <a:ext uri="{FF2B5EF4-FFF2-40B4-BE49-F238E27FC236}">
-                <a16:creationId xmlns:a16="http://schemas.microsoft.com/office/drawing/2014/main" id="{9B62A116-0DB9-425D-A572-A25AFB61C7EC}"/>
-              </a:ext>
-            </a:extLst>
-          </p:cNvPr>
-          <p:cNvSpPr/>
-          <p:nvPr/>
-        </p:nvSpPr>
-        <p:spPr>
-          <a:xfrm>
-            <a:off x="834937" y="1798192"/>
-            <a:ext cx="1078396" cy="276999"/>
-          </a:xfrm>
-          <a:prstGeom prst="rect">
-            <a:avLst/>
-          </a:prstGeom>
-          <a:noFill/>
-        </p:spPr>
-        <p:style>
-          <a:lnRef idx="2">
-            <a:schemeClr val="accent1">
-              <a:shade val="15000"/>
-            </a:schemeClr>
-          </a:lnRef>
-          <a:fillRef idx="1">
-            <a:schemeClr val="accent1"/>
-          </a:fillRef>
-          <a:effectRef idx="0">
-            <a:schemeClr val="accent1"/>
-          </a:effectRef>
-          <a:fontRef idx="minor">
-            <a:schemeClr val="lt1"/>
-          </a:fontRef>
-        </p:style>
-        <p:txBody>
-          <a:bodyPr rtlCol="0" anchor="ctr"/>
-          <a:lstStyle/>
-          <a:p>
-            <a:pPr algn="ctr"/>
-            <a:r>
-              <a:rPr kumimoji="1" lang="en-US" altLang="ja-JP" sz="1200" dirty="0">
-                <a:solidFill>
-                  <a:schemeClr val="tx1"/>
-                </a:solidFill>
-              </a:rPr>
-              <a:t>××</a:t>
-            </a:r>
-            <a:r>
-              <a:rPr kumimoji="1" lang="ja-JP" altLang="en-US" sz="1200" dirty="0">
-                <a:solidFill>
-                  <a:schemeClr val="tx1"/>
-                </a:solidFill>
-              </a:rPr>
-              <a:t>博物館</a:t>
-            </a:r>
-          </a:p>
-        </p:txBody>
-      </p:sp>
-      <p:sp>
-        <p:nvSpPr>
-          <p:cNvPr id="11" name="正方形/長方形 10">
-            <a:extLst>
-              <a:ext uri="{FF2B5EF4-FFF2-40B4-BE49-F238E27FC236}">
-                <a16:creationId xmlns:a16="http://schemas.microsoft.com/office/drawing/2014/main" id="{B835FD68-B3DB-BF38-BF2E-1892F45107C2}"/>
-              </a:ext>
-            </a:extLst>
-          </p:cNvPr>
-          <p:cNvSpPr/>
-          <p:nvPr/>
-        </p:nvSpPr>
-        <p:spPr>
-          <a:xfrm>
-            <a:off x="735497" y="1294177"/>
-            <a:ext cx="1321904" cy="1001759"/>
-          </a:xfrm>
-          <a:prstGeom prst="rect">
-            <a:avLst/>
-          </a:prstGeom>
-          <a:noFill/>
-        </p:spPr>
-        <p:style>
-          <a:lnRef idx="2">
-            <a:schemeClr val="accent1">
-              <a:shade val="15000"/>
-            </a:schemeClr>
-          </a:lnRef>
-          <a:fillRef idx="1">
-            <a:schemeClr val="accent1"/>
-          </a:fillRef>
-          <a:effectRef idx="0">
-            <a:schemeClr val="accent1"/>
-          </a:effectRef>
-          <a:fontRef idx="minor">
-            <a:schemeClr val="lt1"/>
-          </a:fontRef>
-        </p:style>
-        <p:txBody>
-          <a:bodyPr rtlCol="0" anchor="ctr"/>
-          <a:lstStyle/>
-          <a:p>
-            <a:pPr algn="ctr"/>
-            <a:endParaRPr kumimoji="1" lang="ja-JP" altLang="en-US" sz="1200" dirty="0">
-              <a:solidFill>
-                <a:schemeClr val="tx1"/>
-              </a:solidFill>
-            </a:endParaRPr>
-          </a:p>
-        </p:txBody>
-      </p:sp>
-      <p:sp>
-        <p:nvSpPr>
-          <p:cNvPr id="12" name="テキスト ボックス 11">
-            <a:extLst>
-              <a:ext uri="{FF2B5EF4-FFF2-40B4-BE49-F238E27FC236}">
-                <a16:creationId xmlns:a16="http://schemas.microsoft.com/office/drawing/2014/main" id="{0A254587-B090-1CCB-EE31-DC5EB4EBEE6D}"/>
-              </a:ext>
-            </a:extLst>
-          </p:cNvPr>
-          <p:cNvSpPr txBox="1"/>
-          <p:nvPr/>
-        </p:nvSpPr>
-        <p:spPr>
-          <a:xfrm>
-            <a:off x="705679" y="868090"/>
-            <a:ext cx="1381539" cy="276999"/>
-          </a:xfrm>
-          <a:prstGeom prst="rect">
-            <a:avLst/>
-          </a:prstGeom>
-          <a:noFill/>
-        </p:spPr>
-        <p:txBody>
-          <a:bodyPr wrap="square" rtlCol="0">
-            <a:spAutoFit/>
-          </a:bodyPr>
-          <a:lstStyle/>
-          <a:p>
-            <a:r>
-              <a:rPr kumimoji="1" lang="ja-JP" altLang="en-US" sz="1200" dirty="0"/>
-              <a:t>博物館選択画面</a:t>
-            </a:r>
-          </a:p>
-        </p:txBody>
-      </p:sp>
-      <p:sp>
-        <p:nvSpPr>
-          <p:cNvPr id="13" name="正方形/長方形 12">
-            <a:extLst>
-              <a:ext uri="{FF2B5EF4-FFF2-40B4-BE49-F238E27FC236}">
-                <a16:creationId xmlns:a16="http://schemas.microsoft.com/office/drawing/2014/main" id="{948EA15D-E23D-B168-08F6-B854C67715D7}"/>
-              </a:ext>
-            </a:extLst>
-          </p:cNvPr>
-          <p:cNvSpPr/>
-          <p:nvPr/>
-        </p:nvSpPr>
-        <p:spPr>
-          <a:xfrm>
-            <a:off x="2877429" y="1294177"/>
-            <a:ext cx="1321904" cy="504015"/>
-          </a:xfrm>
-          <a:prstGeom prst="rect">
-            <a:avLst/>
-          </a:prstGeom>
-          <a:noFill/>
-        </p:spPr>
-        <p:style>
-          <a:lnRef idx="2">
-            <a:schemeClr val="accent1">
-              <a:shade val="15000"/>
-            </a:schemeClr>
-          </a:lnRef>
-          <a:fillRef idx="1">
-            <a:schemeClr val="accent1"/>
-          </a:fillRef>
-          <a:effectRef idx="0">
-            <a:schemeClr val="accent1"/>
-          </a:effectRef>
-          <a:fontRef idx="minor">
-            <a:schemeClr val="lt1"/>
-          </a:fontRef>
-        </p:style>
-        <p:txBody>
-          <a:bodyPr rtlCol="0" anchor="ctr"/>
-          <a:lstStyle/>
-          <a:p>
-            <a:pPr algn="ctr"/>
-            <a:endParaRPr kumimoji="1" lang="ja-JP" altLang="en-US" sz="1200" dirty="0">
-              <a:solidFill>
-                <a:schemeClr val="tx1"/>
-              </a:solidFill>
-            </a:endParaRPr>
-          </a:p>
-        </p:txBody>
-      </p:sp>
-      <p:sp>
-        <p:nvSpPr>
-          <p:cNvPr id="14" name="テキスト ボックス 13">
-            <a:extLst>
-              <a:ext uri="{FF2B5EF4-FFF2-40B4-BE49-F238E27FC236}">
-                <a16:creationId xmlns:a16="http://schemas.microsoft.com/office/drawing/2014/main" id="{6540F72F-1C4C-1305-CE3C-DF12F1F80A54}"/>
-              </a:ext>
-            </a:extLst>
-          </p:cNvPr>
-          <p:cNvSpPr txBox="1"/>
-          <p:nvPr/>
-        </p:nvSpPr>
-        <p:spPr>
-          <a:xfrm>
-            <a:off x="2673627" y="942634"/>
-            <a:ext cx="2007704" cy="276999"/>
-          </a:xfrm>
-          <a:prstGeom prst="rect">
-            <a:avLst/>
-          </a:prstGeom>
-          <a:noFill/>
-        </p:spPr>
-        <p:txBody>
-          <a:bodyPr wrap="square" rtlCol="0">
-            <a:spAutoFit/>
-          </a:bodyPr>
-          <a:lstStyle/>
-          <a:p>
-            <a:r>
-              <a:rPr kumimoji="1" lang="ja-JP" altLang="en-US" sz="1200" dirty="0"/>
-              <a:t>○○博物館トップ画面</a:t>
-            </a:r>
-          </a:p>
-        </p:txBody>
-      </p:sp>
-      <p:cxnSp>
-        <p:nvCxnSpPr>
-          <p:cNvPr id="16" name="コネクタ: カギ線 15">
-            <a:extLst>
-              <a:ext uri="{FF2B5EF4-FFF2-40B4-BE49-F238E27FC236}">
-                <a16:creationId xmlns:a16="http://schemas.microsoft.com/office/drawing/2014/main" id="{1831295B-E33B-B4DC-1F32-614FEC87F46A}"/>
-              </a:ext>
-            </a:extLst>
-          </p:cNvPr>
-          <p:cNvCxnSpPr>
-            <a:cxnSpLocks/>
-            <a:stCxn id="8" idx="3"/>
-            <a:endCxn id="13" idx="1"/>
-          </p:cNvCxnSpPr>
-          <p:nvPr/>
-        </p:nvCxnSpPr>
-        <p:spPr>
-          <a:xfrm>
-            <a:off x="1913333" y="1545392"/>
-            <a:ext cx="964096" cy="793"/>
-          </a:xfrm>
-          <a:prstGeom prst="bentConnector3">
-            <a:avLst/>
-          </a:prstGeom>
-          <a:ln>
-            <a:tailEnd type="triangle"/>
-          </a:ln>
-        </p:spPr>
-        <p:style>
-          <a:lnRef idx="2">
-            <a:schemeClr val="accent1"/>
-          </a:lnRef>
-          <a:fillRef idx="0">
-            <a:schemeClr val="accent1"/>
-          </a:fillRef>
-          <a:effectRef idx="1">
-            <a:schemeClr val="accent1"/>
-          </a:effectRef>
-          <a:fontRef idx="minor">
-            <a:schemeClr val="tx1"/>
-          </a:fontRef>
-        </p:style>
-      </p:cxnSp>
-      <p:pic>
-        <p:nvPicPr>
-          <p:cNvPr id="17" name="Picture 2" descr="QRコード作成【ずっと無料・無制限】／QRのススメ">
-            <a:extLst>
-              <a:ext uri="{FF2B5EF4-FFF2-40B4-BE49-F238E27FC236}">
-                <a16:creationId xmlns:a16="http://schemas.microsoft.com/office/drawing/2014/main" id="{2EA55849-B200-F577-FA21-07508D526015}"/>
-              </a:ext>
-            </a:extLst>
-          </p:cNvPr>
-          <p:cNvPicPr>
-            <a:picLocks noChangeAspect="1" noChangeArrowheads="1"/>
-          </p:cNvPicPr>
-          <p:nvPr/>
-        </p:nvPicPr>
-        <p:blipFill>
-          <a:blip r:embed="rId2">
-            <a:extLst>
-              <a:ext uri="{28A0092B-C50C-407E-A947-70E740481C1C}">
-                <a14:useLocalDpi xmlns:a14="http://schemas.microsoft.com/office/drawing/2010/main" val="0"/>
-              </a:ext>
-            </a:extLst>
-          </a:blip>
-          <a:srcRect/>
-          <a:stretch>
-            <a:fillRect/>
-          </a:stretch>
-        </p:blipFill>
-        <p:spPr bwMode="auto">
-          <a:xfrm>
-            <a:off x="1554286" y="2487397"/>
-            <a:ext cx="443789" cy="417683"/>
-          </a:xfrm>
-          <a:prstGeom prst="rect">
-            <a:avLst/>
-          </a:prstGeom>
-          <a:noFill/>
-          <a:extLst>
-            <a:ext uri="{909E8E84-426E-40DD-AFC4-6F175D3DCCD1}">
-              <a14:hiddenFill xmlns:a14="http://schemas.microsoft.com/office/drawing/2010/main">
-                <a:solidFill>
-                  <a:srgbClr val="FFFFFF"/>
-                </a:solidFill>
-              </a14:hiddenFill>
-            </a:ext>
-          </a:extLst>
-        </p:spPr>
-      </p:pic>
-      <p:pic>
-        <p:nvPicPr>
-          <p:cNvPr id="18" name="図 17">
-            <a:extLst>
-              <a:ext uri="{FF2B5EF4-FFF2-40B4-BE49-F238E27FC236}">
-                <a16:creationId xmlns:a16="http://schemas.microsoft.com/office/drawing/2014/main" id="{1944A5FB-EEE5-08C2-3264-D376A85340F5}"/>
-              </a:ext>
-            </a:extLst>
-          </p:cNvPr>
-          <p:cNvPicPr>
-            <a:picLocks noChangeAspect="1"/>
-          </p:cNvPicPr>
-          <p:nvPr/>
-        </p:nvPicPr>
-        <p:blipFill>
-          <a:blip r:embed="rId3"/>
-          <a:stretch>
-            <a:fillRect/>
-          </a:stretch>
-        </p:blipFill>
-        <p:spPr>
-          <a:xfrm flipH="1">
-            <a:off x="522218" y="2445024"/>
-            <a:ext cx="1088230" cy="1088230"/>
-          </a:xfrm>
-          <a:prstGeom prst="rect">
-            <a:avLst/>
-          </a:prstGeom>
-        </p:spPr>
-      </p:pic>
-      <p:cxnSp>
-        <p:nvCxnSpPr>
-          <p:cNvPr id="19" name="コネクタ: カギ線 18">
-            <a:extLst>
-              <a:ext uri="{FF2B5EF4-FFF2-40B4-BE49-F238E27FC236}">
-                <a16:creationId xmlns:a16="http://schemas.microsoft.com/office/drawing/2014/main" id="{35BB434B-76AF-7F8A-D6F3-AB0DF26AC757}"/>
-              </a:ext>
-            </a:extLst>
-          </p:cNvPr>
-          <p:cNvCxnSpPr>
-            <a:cxnSpLocks/>
-            <a:stCxn id="18" idx="1"/>
-            <a:endCxn id="13" idx="2"/>
-          </p:cNvCxnSpPr>
-          <p:nvPr/>
-        </p:nvCxnSpPr>
-        <p:spPr>
-          <a:xfrm flipV="1">
-            <a:off x="1610448" y="1798192"/>
-            <a:ext cx="1927933" cy="1190947"/>
-          </a:xfrm>
-          <a:prstGeom prst="bentConnector2">
-            <a:avLst/>
-          </a:prstGeom>
-          <a:ln>
-            <a:tailEnd type="triangle"/>
-          </a:ln>
-        </p:spPr>
-        <p:style>
-          <a:lnRef idx="2">
-            <a:schemeClr val="accent1"/>
-          </a:lnRef>
-          <a:fillRef idx="0">
-            <a:schemeClr val="accent1"/>
-          </a:fillRef>
-          <a:effectRef idx="1">
-            <a:schemeClr val="accent1"/>
-          </a:effectRef>
-          <a:fontRef idx="minor">
-            <a:schemeClr val="tx1"/>
-          </a:fontRef>
-        </p:style>
-      </p:cxnSp>
-      <p:sp>
-        <p:nvSpPr>
-          <p:cNvPr id="22" name="テキスト ボックス 21">
-            <a:extLst>
-              <a:ext uri="{FF2B5EF4-FFF2-40B4-BE49-F238E27FC236}">
-                <a16:creationId xmlns:a16="http://schemas.microsoft.com/office/drawing/2014/main" id="{9B58A4AC-9090-2ED9-8FD3-021EED052282}"/>
-              </a:ext>
-            </a:extLst>
-          </p:cNvPr>
-          <p:cNvSpPr txBox="1"/>
-          <p:nvPr/>
-        </p:nvSpPr>
-        <p:spPr>
-          <a:xfrm>
-            <a:off x="1396448" y="3050374"/>
-            <a:ext cx="1838739" cy="646331"/>
-          </a:xfrm>
-          <a:prstGeom prst="rect">
-            <a:avLst/>
-          </a:prstGeom>
-          <a:noFill/>
-        </p:spPr>
-        <p:txBody>
-          <a:bodyPr wrap="square" rtlCol="0">
-            <a:spAutoFit/>
-          </a:bodyPr>
-          <a:lstStyle/>
-          <a:p>
-            <a:r>
-              <a:rPr kumimoji="1" lang="en-US" altLang="ja-JP" sz="1200" dirty="0"/>
-              <a:t>QR</a:t>
-            </a:r>
-            <a:r>
-              <a:rPr kumimoji="1" lang="ja-JP" altLang="en-US" sz="1200" dirty="0"/>
-              <a:t>コードをリードしてダイレクトに対象博物館のトップページ表示</a:t>
-            </a:r>
-          </a:p>
-        </p:txBody>
-      </p:sp>
-      <p:sp>
-        <p:nvSpPr>
-          <p:cNvPr id="25" name="テキスト ボックス 24">
-            <a:extLst>
-              <a:ext uri="{FF2B5EF4-FFF2-40B4-BE49-F238E27FC236}">
-                <a16:creationId xmlns:a16="http://schemas.microsoft.com/office/drawing/2014/main" id="{C38E0C43-6758-F2F0-2AAA-DCAE50A5D867}"/>
-              </a:ext>
-            </a:extLst>
-          </p:cNvPr>
-          <p:cNvSpPr txBox="1"/>
-          <p:nvPr/>
-        </p:nvSpPr>
-        <p:spPr>
-          <a:xfrm>
-            <a:off x="4979504" y="1153445"/>
-            <a:ext cx="2435087" cy="1200329"/>
-          </a:xfrm>
-          <a:prstGeom prst="rect">
-            <a:avLst/>
-          </a:prstGeom>
-          <a:noFill/>
-        </p:spPr>
-        <p:txBody>
-          <a:bodyPr wrap="square" rtlCol="0">
-            <a:spAutoFit/>
-          </a:bodyPr>
-          <a:lstStyle/>
-          <a:p>
-            <a:r>
-              <a:rPr kumimoji="1" lang="ja-JP" altLang="en-US" dirty="0"/>
-              <a:t>■トップページ内容</a:t>
-            </a:r>
-            <a:endParaRPr kumimoji="1" lang="en-US" altLang="ja-JP" dirty="0"/>
-          </a:p>
-          <a:p>
-            <a:r>
-              <a:rPr kumimoji="1" lang="ja-JP" altLang="en-US" dirty="0"/>
-              <a:t>以下のリンク</a:t>
-            </a:r>
-            <a:endParaRPr kumimoji="1" lang="en-US" altLang="ja-JP" dirty="0"/>
-          </a:p>
-          <a:p>
-            <a:pPr marL="285750" indent="-285750">
-              <a:buFont typeface="Arial" panose="020B0604020202020204" pitchFamily="34" charset="0"/>
-              <a:buChar char="•"/>
-            </a:pPr>
-            <a:r>
-              <a:rPr kumimoji="1" lang="ja-JP" altLang="en-US" dirty="0"/>
-              <a:t>博物館の説明</a:t>
-            </a:r>
-            <a:endParaRPr kumimoji="1" lang="en-US" altLang="ja-JP" dirty="0"/>
-          </a:p>
-          <a:p>
-            <a:pPr marL="285750" indent="-285750">
-              <a:buFont typeface="Arial" panose="020B0604020202020204" pitchFamily="34" charset="0"/>
-              <a:buChar char="•"/>
-            </a:pPr>
-            <a:r>
-              <a:rPr kumimoji="1" lang="en-US" altLang="ja-JP" dirty="0"/>
-              <a:t>QR</a:t>
-            </a:r>
-            <a:r>
-              <a:rPr kumimoji="1" lang="ja-JP" altLang="en-US" dirty="0"/>
-              <a:t>コードリーダー</a:t>
-            </a:r>
-          </a:p>
-        </p:txBody>
-      </p:sp>
-      <p:sp>
-        <p:nvSpPr>
-          <p:cNvPr id="27" name="テキスト ボックス 26">
-            <a:extLst>
-              <a:ext uri="{FF2B5EF4-FFF2-40B4-BE49-F238E27FC236}">
-                <a16:creationId xmlns:a16="http://schemas.microsoft.com/office/drawing/2014/main" id="{FD73553B-F9CB-0E19-1231-F7D85239BA92}"/>
-              </a:ext>
-            </a:extLst>
-          </p:cNvPr>
-          <p:cNvSpPr txBox="1"/>
-          <p:nvPr/>
-        </p:nvSpPr>
-        <p:spPr>
-          <a:xfrm>
-            <a:off x="834937" y="4661452"/>
-            <a:ext cx="1800493" cy="369332"/>
-          </a:xfrm>
-          <a:prstGeom prst="rect">
-            <a:avLst/>
-          </a:prstGeom>
-          <a:noFill/>
-        </p:spPr>
-        <p:txBody>
-          <a:bodyPr wrap="none" rtlCol="0">
-            <a:spAutoFit/>
-          </a:bodyPr>
-          <a:lstStyle/>
-          <a:p>
-            <a:r>
-              <a:rPr kumimoji="1" lang="ja-JP" altLang="en-US" dirty="0"/>
-              <a:t>■博物館の説明</a:t>
-            </a:r>
-          </a:p>
-        </p:txBody>
-      </p:sp>
-      <p:sp>
-        <p:nvSpPr>
-          <p:cNvPr id="28" name="テキスト ボックス 27">
-            <a:extLst>
-              <a:ext uri="{FF2B5EF4-FFF2-40B4-BE49-F238E27FC236}">
-                <a16:creationId xmlns:a16="http://schemas.microsoft.com/office/drawing/2014/main" id="{2A17AF0E-29F3-845A-703F-B0A770731AEF}"/>
-              </a:ext>
-            </a:extLst>
-          </p:cNvPr>
-          <p:cNvSpPr txBox="1"/>
-          <p:nvPr/>
-        </p:nvSpPr>
-        <p:spPr>
-          <a:xfrm>
-            <a:off x="1108212" y="5194491"/>
-            <a:ext cx="6226866" cy="369332"/>
-          </a:xfrm>
-          <a:prstGeom prst="rect">
-            <a:avLst/>
-          </a:prstGeom>
-          <a:noFill/>
-        </p:spPr>
-        <p:txBody>
-          <a:bodyPr wrap="square" rtlCol="0">
-            <a:spAutoFit/>
-          </a:bodyPr>
-          <a:lstStyle/>
-          <a:p>
-            <a:r>
-              <a:rPr kumimoji="1" lang="ja-JP" altLang="en-US" dirty="0"/>
-              <a:t>簡単な紹介文と画像</a:t>
-            </a:r>
-          </a:p>
-        </p:txBody>
-      </p:sp>
-    </p:spTree>
-    <p:extLst>
-      <p:ext uri="{BB962C8B-B14F-4D97-AF65-F5344CB8AC3E}">
-        <p14:creationId xmlns:p14="http://schemas.microsoft.com/office/powerpoint/2010/main" val="230468469"/>
-      </p:ext>
-    </p:extLst>
-  </p:cSld>
-  <p:clrMapOvr>
-    <a:masterClrMapping/>
-  </p:clrMapOvr>
-</p:sld>
-</file>
-
-<file path=ppt/slides/slide30.xml><?xml version="1.0" encoding="utf-8"?>
+<file path=ppt/slides/slide33.xml><?xml version="1.0" encoding="utf-8"?>
 <p:sld xmlns:a="http://schemas.openxmlformats.org/drawingml/2006/main" xmlns:r="http://schemas.openxmlformats.org/officeDocument/2006/relationships" xmlns:p="http://schemas.openxmlformats.org/presentationml/2006/main">
   <p:cSld>
     <p:spTree>
@@ -17354,7 +17477,7 @@
 </p:sld>
 </file>
 
-<file path=ppt/slides/slide31.xml><?xml version="1.0" encoding="utf-8"?>
+<file path=ppt/slides/slide34.xml><?xml version="1.0" encoding="utf-8"?>
 <p:sld xmlns:a="http://schemas.openxmlformats.org/drawingml/2006/main" xmlns:r="http://schemas.openxmlformats.org/officeDocument/2006/relationships" xmlns:p="http://schemas.openxmlformats.org/presentationml/2006/main">
   <p:cSld>
     <p:spTree>
@@ -17928,7 +18051,7 @@
 </p:sld>
 </file>
 
-<file path=ppt/slides/slide32.xml><?xml version="1.0" encoding="utf-8"?>
+<file path=ppt/slides/slide35.xml><?xml version="1.0" encoding="utf-8"?>
 <p:sld xmlns:a="http://schemas.openxmlformats.org/drawingml/2006/main" xmlns:r="http://schemas.openxmlformats.org/officeDocument/2006/relationships" xmlns:p="http://schemas.openxmlformats.org/presentationml/2006/main">
   <p:cSld>
     <p:spTree>
@@ -18324,7 +18447,7 @@
 </p:sld>
 </file>
 
-<file path=ppt/slides/slide33.xml><?xml version="1.0" encoding="utf-8"?>
+<file path=ppt/slides/slide36.xml><?xml version="1.0" encoding="utf-8"?>
 <p:sld xmlns:a="http://schemas.openxmlformats.org/drawingml/2006/main" xmlns:r="http://schemas.openxmlformats.org/officeDocument/2006/relationships" xmlns:p="http://schemas.openxmlformats.org/presentationml/2006/main">
   <p:cSld>
     <p:spTree>
@@ -19444,7 +19567,7 @@
 </p:sld>
 </file>
 
-<file path=ppt/slides/slide34.xml><?xml version="1.0" encoding="utf-8"?>
+<file path=ppt/slides/slide37.xml><?xml version="1.0" encoding="utf-8"?>
 <p:sld xmlns:a="http://schemas.openxmlformats.org/drawingml/2006/main" xmlns:r="http://schemas.openxmlformats.org/officeDocument/2006/relationships" xmlns:p="http://schemas.openxmlformats.org/presentationml/2006/main">
   <p:cSld>
     <p:spTree>
@@ -20552,7 +20675,7 @@
 </p:sld>
 </file>
 
-<file path=ppt/slides/slide35.xml><?xml version="1.0" encoding="utf-8"?>
+<file path=ppt/slides/slide38.xml><?xml version="1.0" encoding="utf-8"?>
 <p:sld xmlns:a="http://schemas.openxmlformats.org/drawingml/2006/main" xmlns:r="http://schemas.openxmlformats.org/officeDocument/2006/relationships" xmlns:p="http://schemas.openxmlformats.org/presentationml/2006/main">
   <p:cSld>
     <p:spTree>
@@ -21272,7 +21395,7 @@
 </p:sld>
 </file>
 
-<file path=ppt/slides/slide36.xml><?xml version="1.0" encoding="utf-8"?>
+<file path=ppt/slides/slide39.xml><?xml version="1.0" encoding="utf-8"?>
 <p:sld xmlns:a="http://schemas.openxmlformats.org/drawingml/2006/main" xmlns:r="http://schemas.openxmlformats.org/officeDocument/2006/relationships" xmlns:p="http://schemas.openxmlformats.org/presentationml/2006/main">
   <p:cSld>
     <p:spTree>
@@ -21938,1231 +22061,6 @@
     <p:extLst>
       <p:ext uri="{BB962C8B-B14F-4D97-AF65-F5344CB8AC3E}">
         <p14:creationId xmlns:p14="http://schemas.microsoft.com/office/powerpoint/2010/main" val="2182266341"/>
-      </p:ext>
-    </p:extLst>
-  </p:cSld>
-  <p:clrMapOvr>
-    <a:masterClrMapping/>
-  </p:clrMapOvr>
-</p:sld>
-</file>
-
-<file path=ppt/slides/slide37.xml><?xml version="1.0" encoding="utf-8"?>
-<p:sld xmlns:a="http://schemas.openxmlformats.org/drawingml/2006/main" xmlns:r="http://schemas.openxmlformats.org/officeDocument/2006/relationships" xmlns:p="http://schemas.openxmlformats.org/presentationml/2006/main">
-  <p:cSld>
-    <p:spTree>
-      <p:nvGrpSpPr>
-        <p:cNvPr id="1" name="">
-          <a:extLst>
-            <a:ext uri="{FF2B5EF4-FFF2-40B4-BE49-F238E27FC236}">
-              <a16:creationId xmlns:a16="http://schemas.microsoft.com/office/drawing/2014/main" id="{B1983816-7B69-41CB-ADC6-C57438869853}"/>
-            </a:ext>
-          </a:extLst>
-        </p:cNvPr>
-        <p:cNvGrpSpPr/>
-        <p:nvPr/>
-      </p:nvGrpSpPr>
-      <p:grpSpPr>
-        <a:xfrm>
-          <a:off x="0" y="0"/>
-          <a:ext cx="0" cy="0"/>
-          <a:chOff x="0" y="0"/>
-          <a:chExt cx="0" cy="0"/>
-        </a:xfrm>
-      </p:grpSpPr>
-      <p:cxnSp>
-        <p:nvCxnSpPr>
-          <p:cNvPr id="4" name="直線コネクタ 3">
-            <a:extLst>
-              <a:ext uri="{FF2B5EF4-FFF2-40B4-BE49-F238E27FC236}">
-                <a16:creationId xmlns:a16="http://schemas.microsoft.com/office/drawing/2014/main" id="{9374D7C5-EB2C-58A2-FC40-BF78243F1B5A}"/>
-              </a:ext>
-            </a:extLst>
-          </p:cNvPr>
-          <p:cNvCxnSpPr/>
-          <p:nvPr/>
-        </p:nvCxnSpPr>
-        <p:spPr>
-          <a:xfrm>
-            <a:off x="228600" y="755374"/>
-            <a:ext cx="11936896" cy="0"/>
-          </a:xfrm>
-          <a:prstGeom prst="line">
-            <a:avLst/>
-          </a:prstGeom>
-        </p:spPr>
-        <p:style>
-          <a:lnRef idx="2">
-            <a:schemeClr val="accent1"/>
-          </a:lnRef>
-          <a:fillRef idx="0">
-            <a:schemeClr val="accent1"/>
-          </a:fillRef>
-          <a:effectRef idx="1">
-            <a:schemeClr val="accent1"/>
-          </a:effectRef>
-          <a:fontRef idx="minor">
-            <a:schemeClr val="tx1"/>
-          </a:fontRef>
-        </p:style>
-      </p:cxnSp>
-      <p:sp>
-        <p:nvSpPr>
-          <p:cNvPr id="5" name="テキスト ボックス 4">
-            <a:extLst>
-              <a:ext uri="{FF2B5EF4-FFF2-40B4-BE49-F238E27FC236}">
-                <a16:creationId xmlns:a16="http://schemas.microsoft.com/office/drawing/2014/main" id="{58DEB5FA-6A0F-5C6E-73D8-0F6E00C4E59A}"/>
-              </a:ext>
-            </a:extLst>
-          </p:cNvPr>
-          <p:cNvSpPr txBox="1"/>
-          <p:nvPr/>
-        </p:nvSpPr>
-        <p:spPr>
-          <a:xfrm>
-            <a:off x="407504" y="198783"/>
-            <a:ext cx="3796748" cy="369332"/>
-          </a:xfrm>
-          <a:prstGeom prst="rect">
-            <a:avLst/>
-          </a:prstGeom>
-          <a:noFill/>
-        </p:spPr>
-        <p:txBody>
-          <a:bodyPr wrap="square" rtlCol="0">
-            <a:spAutoFit/>
-          </a:bodyPr>
-          <a:lstStyle/>
-          <a:p>
-            <a:r>
-              <a:rPr kumimoji="1" lang="ja-JP" altLang="en-US" dirty="0"/>
-              <a:t>修正：説明文入力</a:t>
-            </a:r>
-          </a:p>
-        </p:txBody>
-      </p:sp>
-      <p:sp>
-        <p:nvSpPr>
-          <p:cNvPr id="6" name="テキスト ボックス 5">
-            <a:extLst>
-              <a:ext uri="{FF2B5EF4-FFF2-40B4-BE49-F238E27FC236}">
-                <a16:creationId xmlns:a16="http://schemas.microsoft.com/office/drawing/2014/main" id="{6D926DB8-39D0-E7B8-3468-6F09A3A237A7}"/>
-              </a:ext>
-            </a:extLst>
-          </p:cNvPr>
-          <p:cNvSpPr txBox="1"/>
-          <p:nvPr/>
-        </p:nvSpPr>
-        <p:spPr>
-          <a:xfrm>
-            <a:off x="1016277" y="1249866"/>
-            <a:ext cx="3579742" cy="369332"/>
-          </a:xfrm>
-          <a:prstGeom prst="rect">
-            <a:avLst/>
-          </a:prstGeom>
-          <a:noFill/>
-        </p:spPr>
-        <p:txBody>
-          <a:bodyPr wrap="square" rtlCol="0">
-            <a:spAutoFit/>
-          </a:bodyPr>
-          <a:lstStyle/>
-          <a:p>
-            <a:r>
-              <a:rPr kumimoji="1" lang="ja-JP" altLang="en-US" dirty="0"/>
-              <a:t>説明文入力</a:t>
-            </a:r>
-          </a:p>
-        </p:txBody>
-      </p:sp>
-      <p:sp>
-        <p:nvSpPr>
-          <p:cNvPr id="38" name="テキスト ボックス 37">
-            <a:extLst>
-              <a:ext uri="{FF2B5EF4-FFF2-40B4-BE49-F238E27FC236}">
-                <a16:creationId xmlns:a16="http://schemas.microsoft.com/office/drawing/2014/main" id="{0912BEB1-7029-272E-4174-D34B9A43D7FC}"/>
-              </a:ext>
-            </a:extLst>
-          </p:cNvPr>
-          <p:cNvSpPr txBox="1"/>
-          <p:nvPr/>
-        </p:nvSpPr>
-        <p:spPr>
-          <a:xfrm>
-            <a:off x="3975652" y="252657"/>
-            <a:ext cx="7535628" cy="369332"/>
-          </a:xfrm>
-          <a:prstGeom prst="rect">
-            <a:avLst/>
-          </a:prstGeom>
-          <a:noFill/>
-        </p:spPr>
-        <p:txBody>
-          <a:bodyPr wrap="square" rtlCol="0">
-            <a:spAutoFit/>
-          </a:bodyPr>
-          <a:lstStyle/>
-          <a:p>
-            <a:r>
-              <a:rPr kumimoji="1" lang="ja-JP" altLang="en-US" dirty="0"/>
-              <a:t>凡例：点線ボックスはエディットボックス、実線ボックスはボタン</a:t>
-            </a:r>
-          </a:p>
-        </p:txBody>
-      </p:sp>
-      <p:sp>
-        <p:nvSpPr>
-          <p:cNvPr id="48" name="正方形/長方形 47">
-            <a:extLst>
-              <a:ext uri="{FF2B5EF4-FFF2-40B4-BE49-F238E27FC236}">
-                <a16:creationId xmlns:a16="http://schemas.microsoft.com/office/drawing/2014/main" id="{BF113430-CE55-EF58-569B-6E5E96794839}"/>
-              </a:ext>
-            </a:extLst>
-          </p:cNvPr>
-          <p:cNvSpPr/>
-          <p:nvPr/>
-        </p:nvSpPr>
-        <p:spPr>
-          <a:xfrm>
-            <a:off x="711201" y="1079037"/>
-            <a:ext cx="4338320" cy="4864563"/>
-          </a:xfrm>
-          <a:prstGeom prst="rect">
-            <a:avLst/>
-          </a:prstGeom>
-          <a:noFill/>
-        </p:spPr>
-        <p:style>
-          <a:lnRef idx="2">
-            <a:schemeClr val="accent1">
-              <a:shade val="15000"/>
-            </a:schemeClr>
-          </a:lnRef>
-          <a:fillRef idx="1">
-            <a:schemeClr val="accent1"/>
-          </a:fillRef>
-          <a:effectRef idx="0">
-            <a:schemeClr val="accent1"/>
-          </a:effectRef>
-          <a:fontRef idx="minor">
-            <a:schemeClr val="lt1"/>
-          </a:fontRef>
-        </p:style>
-        <p:txBody>
-          <a:bodyPr rtlCol="0" anchor="ctr"/>
-          <a:lstStyle/>
-          <a:p>
-            <a:pPr algn="ctr"/>
-            <a:endParaRPr kumimoji="1" lang="ja-JP" altLang="en-US" sz="1200" dirty="0">
-              <a:solidFill>
-                <a:schemeClr val="tx1"/>
-              </a:solidFill>
-            </a:endParaRPr>
-          </a:p>
-        </p:txBody>
-      </p:sp>
-      <p:sp>
-        <p:nvSpPr>
-          <p:cNvPr id="49" name="正方形/長方形 48">
-            <a:extLst>
-              <a:ext uri="{FF2B5EF4-FFF2-40B4-BE49-F238E27FC236}">
-                <a16:creationId xmlns:a16="http://schemas.microsoft.com/office/drawing/2014/main" id="{92601AF4-B574-5C92-5E21-176E719C261D}"/>
-              </a:ext>
-            </a:extLst>
-          </p:cNvPr>
-          <p:cNvSpPr/>
-          <p:nvPr/>
-        </p:nvSpPr>
-        <p:spPr>
-          <a:xfrm>
-            <a:off x="1016277" y="5238802"/>
-            <a:ext cx="834886" cy="369332"/>
-          </a:xfrm>
-          <a:prstGeom prst="rect">
-            <a:avLst/>
-          </a:prstGeom>
-          <a:noFill/>
-        </p:spPr>
-        <p:style>
-          <a:lnRef idx="2">
-            <a:schemeClr val="accent1">
-              <a:shade val="15000"/>
-            </a:schemeClr>
-          </a:lnRef>
-          <a:fillRef idx="1">
-            <a:schemeClr val="accent1"/>
-          </a:fillRef>
-          <a:effectRef idx="0">
-            <a:schemeClr val="accent1"/>
-          </a:effectRef>
-          <a:fontRef idx="minor">
-            <a:schemeClr val="lt1"/>
-          </a:fontRef>
-        </p:style>
-        <p:txBody>
-          <a:bodyPr rtlCol="0" anchor="ctr"/>
-          <a:lstStyle/>
-          <a:p>
-            <a:pPr algn="ctr"/>
-            <a:r>
-              <a:rPr kumimoji="1" lang="ja-JP" altLang="en-US" sz="1200" dirty="0">
-                <a:solidFill>
-                  <a:schemeClr val="tx1"/>
-                </a:solidFill>
-              </a:rPr>
-              <a:t>中止</a:t>
-            </a:r>
-          </a:p>
-        </p:txBody>
-      </p:sp>
-      <p:sp>
-        <p:nvSpPr>
-          <p:cNvPr id="50" name="正方形/長方形 49">
-            <a:extLst>
-              <a:ext uri="{FF2B5EF4-FFF2-40B4-BE49-F238E27FC236}">
-                <a16:creationId xmlns:a16="http://schemas.microsoft.com/office/drawing/2014/main" id="{553048A9-6CBD-3F33-6DAC-133CE4B82773}"/>
-              </a:ext>
-            </a:extLst>
-          </p:cNvPr>
-          <p:cNvSpPr/>
-          <p:nvPr/>
-        </p:nvSpPr>
-        <p:spPr>
-          <a:xfrm>
-            <a:off x="2156239" y="5238802"/>
-            <a:ext cx="834886" cy="369332"/>
-          </a:xfrm>
-          <a:prstGeom prst="rect">
-            <a:avLst/>
-          </a:prstGeom>
-          <a:noFill/>
-        </p:spPr>
-        <p:style>
-          <a:lnRef idx="2">
-            <a:schemeClr val="accent1">
-              <a:shade val="15000"/>
-            </a:schemeClr>
-          </a:lnRef>
-          <a:fillRef idx="1">
-            <a:schemeClr val="accent1"/>
-          </a:fillRef>
-          <a:effectRef idx="0">
-            <a:schemeClr val="accent1"/>
-          </a:effectRef>
-          <a:fontRef idx="minor">
-            <a:schemeClr val="lt1"/>
-          </a:fontRef>
-        </p:style>
-        <p:txBody>
-          <a:bodyPr rtlCol="0" anchor="ctr"/>
-          <a:lstStyle/>
-          <a:p>
-            <a:pPr algn="ctr"/>
-            <a:r>
-              <a:rPr kumimoji="1" lang="en-US" altLang="ja-JP" sz="1200" dirty="0">
-                <a:solidFill>
-                  <a:schemeClr val="tx1"/>
-                </a:solidFill>
-              </a:rPr>
-              <a:t>OK</a:t>
-            </a:r>
-          </a:p>
-        </p:txBody>
-      </p:sp>
-      <p:sp>
-        <p:nvSpPr>
-          <p:cNvPr id="52" name="テキスト ボックス 51">
-            <a:extLst>
-              <a:ext uri="{FF2B5EF4-FFF2-40B4-BE49-F238E27FC236}">
-                <a16:creationId xmlns:a16="http://schemas.microsoft.com/office/drawing/2014/main" id="{EC17538A-E700-90AF-98E7-D9BB308BDD37}"/>
-              </a:ext>
-            </a:extLst>
-          </p:cNvPr>
-          <p:cNvSpPr txBox="1"/>
-          <p:nvPr/>
-        </p:nvSpPr>
-        <p:spPr>
-          <a:xfrm>
-            <a:off x="5799372" y="1079037"/>
-            <a:ext cx="6182138" cy="923330"/>
-          </a:xfrm>
-          <a:prstGeom prst="rect">
-            <a:avLst/>
-          </a:prstGeom>
-          <a:noFill/>
-        </p:spPr>
-        <p:txBody>
-          <a:bodyPr wrap="square" rtlCol="0">
-            <a:spAutoFit/>
-          </a:bodyPr>
-          <a:lstStyle/>
-          <a:p>
-            <a:r>
-              <a:rPr kumimoji="1" lang="ja-JP" altLang="en-US" dirty="0"/>
-              <a:t>必要な言語を選択し説明文を入力する</a:t>
-            </a:r>
-            <a:endParaRPr kumimoji="1" lang="en-US" altLang="ja-JP" dirty="0"/>
-          </a:p>
-          <a:p>
-            <a:r>
-              <a:rPr kumimoji="1" lang="ja-JP" altLang="en-US" dirty="0"/>
-              <a:t>対象外の言語は未入力にしておく</a:t>
-            </a:r>
-            <a:endParaRPr kumimoji="1" lang="en-US" altLang="ja-JP" dirty="0"/>
-          </a:p>
-          <a:p>
-            <a:r>
-              <a:rPr kumimoji="1" lang="ja-JP" altLang="en-US" dirty="0"/>
-              <a:t>対象言語すべての入力が終わったら</a:t>
-            </a:r>
-            <a:r>
-              <a:rPr lang="en-US" altLang="ja-JP" dirty="0"/>
-              <a:t>OK</a:t>
-            </a:r>
-            <a:r>
-              <a:rPr lang="ja-JP" altLang="en-US" dirty="0"/>
-              <a:t>ボタン</a:t>
-            </a:r>
-            <a:endParaRPr lang="en-US" altLang="ja-JP" dirty="0"/>
-          </a:p>
-        </p:txBody>
-      </p:sp>
-      <p:sp>
-        <p:nvSpPr>
-          <p:cNvPr id="2" name="テキスト ボックス 1">
-            <a:extLst>
-              <a:ext uri="{FF2B5EF4-FFF2-40B4-BE49-F238E27FC236}">
-                <a16:creationId xmlns:a16="http://schemas.microsoft.com/office/drawing/2014/main" id="{CD51F646-82BE-BC1A-DE4C-A54EBF2DA8D3}"/>
-              </a:ext>
-            </a:extLst>
-          </p:cNvPr>
-          <p:cNvSpPr txBox="1"/>
-          <p:nvPr/>
-        </p:nvSpPr>
-        <p:spPr>
-          <a:xfrm>
-            <a:off x="1311965" y="1707154"/>
-            <a:ext cx="2663687" cy="923330"/>
-          </a:xfrm>
-          <a:prstGeom prst="rect">
-            <a:avLst/>
-          </a:prstGeom>
-          <a:noFill/>
-        </p:spPr>
-        <p:txBody>
-          <a:bodyPr wrap="square" rtlCol="0">
-            <a:spAutoFit/>
-          </a:bodyPr>
-          <a:lstStyle/>
-          <a:p>
-            <a:r>
-              <a:rPr kumimoji="1" lang="ja-JP" altLang="en-US" dirty="0"/>
-              <a:t>☑日本語</a:t>
-            </a:r>
-            <a:endParaRPr kumimoji="1" lang="en-US" altLang="ja-JP" dirty="0"/>
-          </a:p>
-          <a:p>
-            <a:r>
-              <a:rPr kumimoji="1" lang="ja-JP" altLang="en-US" dirty="0"/>
-              <a:t>　英語</a:t>
-            </a:r>
-            <a:endParaRPr kumimoji="1" lang="en-US" altLang="ja-JP" dirty="0"/>
-          </a:p>
-          <a:p>
-            <a:r>
-              <a:rPr kumimoji="1" lang="ja-JP" altLang="en-US" dirty="0"/>
-              <a:t>　中国語</a:t>
-            </a:r>
-          </a:p>
-        </p:txBody>
-      </p:sp>
-      <p:sp>
-        <p:nvSpPr>
-          <p:cNvPr id="11" name="吹き出し: 四角形 10">
-            <a:extLst>
-              <a:ext uri="{FF2B5EF4-FFF2-40B4-BE49-F238E27FC236}">
-                <a16:creationId xmlns:a16="http://schemas.microsoft.com/office/drawing/2014/main" id="{8A8BC2D5-5926-96EE-9452-3635B6C41A0B}"/>
-              </a:ext>
-            </a:extLst>
-          </p:cNvPr>
-          <p:cNvSpPr/>
-          <p:nvPr/>
-        </p:nvSpPr>
-        <p:spPr>
-          <a:xfrm>
-            <a:off x="3065561" y="1436954"/>
-            <a:ext cx="1631121" cy="923330"/>
-          </a:xfrm>
-          <a:prstGeom prst="wedgeRectCallout">
-            <a:avLst>
-              <a:gd name="adj1" fmla="val -79939"/>
-              <a:gd name="adj2" fmla="val 39895"/>
-            </a:avLst>
-          </a:prstGeom>
-          <a:noFill/>
-        </p:spPr>
-        <p:style>
-          <a:lnRef idx="2">
-            <a:schemeClr val="accent1">
-              <a:shade val="15000"/>
-            </a:schemeClr>
-          </a:lnRef>
-          <a:fillRef idx="1">
-            <a:schemeClr val="accent1"/>
-          </a:fillRef>
-          <a:effectRef idx="0">
-            <a:schemeClr val="accent1"/>
-          </a:effectRef>
-          <a:fontRef idx="minor">
-            <a:schemeClr val="lt1"/>
-          </a:fontRef>
-        </p:style>
-        <p:txBody>
-          <a:bodyPr rtlCol="0" anchor="ctr"/>
-          <a:lstStyle/>
-          <a:p>
-            <a:pPr algn="ctr"/>
-            <a:r>
-              <a:rPr kumimoji="1" lang="ja-JP" altLang="en-US" sz="1200" dirty="0">
-                <a:solidFill>
-                  <a:schemeClr val="tx1"/>
-                </a:solidFill>
-              </a:rPr>
-              <a:t>ラジオボタン形式でどれか一つを選択する</a:t>
-            </a:r>
-          </a:p>
-        </p:txBody>
-      </p:sp>
-      <p:sp>
-        <p:nvSpPr>
-          <p:cNvPr id="12" name="正方形/長方形 11">
-            <a:extLst>
-              <a:ext uri="{FF2B5EF4-FFF2-40B4-BE49-F238E27FC236}">
-                <a16:creationId xmlns:a16="http://schemas.microsoft.com/office/drawing/2014/main" id="{BD4B9F10-E5D6-2A09-8D13-AD838F194CCD}"/>
-              </a:ext>
-            </a:extLst>
-          </p:cNvPr>
-          <p:cNvSpPr/>
-          <p:nvPr/>
-        </p:nvSpPr>
-        <p:spPr>
-          <a:xfrm>
-            <a:off x="996399" y="2718200"/>
-            <a:ext cx="3784323" cy="1779517"/>
-          </a:xfrm>
-          <a:prstGeom prst="rect">
-            <a:avLst/>
-          </a:prstGeom>
-          <a:noFill/>
-          <a:ln>
-            <a:prstDash val="dash"/>
-          </a:ln>
-        </p:spPr>
-        <p:style>
-          <a:lnRef idx="2">
-            <a:schemeClr val="accent1">
-              <a:shade val="15000"/>
-            </a:schemeClr>
-          </a:lnRef>
-          <a:fillRef idx="1">
-            <a:schemeClr val="accent1"/>
-          </a:fillRef>
-          <a:effectRef idx="0">
-            <a:schemeClr val="accent1"/>
-          </a:effectRef>
-          <a:fontRef idx="minor">
-            <a:schemeClr val="lt1"/>
-          </a:fontRef>
-        </p:style>
-        <p:txBody>
-          <a:bodyPr rtlCol="0" anchor="ctr"/>
-          <a:lstStyle/>
-          <a:p>
-            <a:pPr algn="ctr"/>
-            <a:r>
-              <a:rPr kumimoji="1" lang="ja-JP" altLang="en-US" sz="1200" dirty="0">
-                <a:solidFill>
-                  <a:schemeClr val="tx1"/>
-                </a:solidFill>
-              </a:rPr>
-              <a:t>説明文入力欄</a:t>
-            </a:r>
-          </a:p>
-        </p:txBody>
-      </p:sp>
-    </p:spTree>
-    <p:extLst>
-      <p:ext uri="{BB962C8B-B14F-4D97-AF65-F5344CB8AC3E}">
-        <p14:creationId xmlns:p14="http://schemas.microsoft.com/office/powerpoint/2010/main" val="3021781207"/>
-      </p:ext>
-    </p:extLst>
-  </p:cSld>
-  <p:clrMapOvr>
-    <a:masterClrMapping/>
-  </p:clrMapOvr>
-</p:sld>
-</file>
-
-<file path=ppt/slides/slide38.xml><?xml version="1.0" encoding="utf-8"?>
-<p:sld xmlns:a="http://schemas.openxmlformats.org/drawingml/2006/main" xmlns:r="http://schemas.openxmlformats.org/officeDocument/2006/relationships" xmlns:p="http://schemas.openxmlformats.org/presentationml/2006/main">
-  <p:cSld>
-    <p:spTree>
-      <p:nvGrpSpPr>
-        <p:cNvPr id="1" name="">
-          <a:extLst>
-            <a:ext uri="{FF2B5EF4-FFF2-40B4-BE49-F238E27FC236}">
-              <a16:creationId xmlns:a16="http://schemas.microsoft.com/office/drawing/2014/main" id="{06A085EA-EE5A-3995-B30E-35F2DAE51B91}"/>
-            </a:ext>
-          </a:extLst>
-        </p:cNvPr>
-        <p:cNvGrpSpPr/>
-        <p:nvPr/>
-      </p:nvGrpSpPr>
-      <p:grpSpPr>
-        <a:xfrm>
-          <a:off x="0" y="0"/>
-          <a:ext cx="0" cy="0"/>
-          <a:chOff x="0" y="0"/>
-          <a:chExt cx="0" cy="0"/>
-        </a:xfrm>
-      </p:grpSpPr>
-      <p:cxnSp>
-        <p:nvCxnSpPr>
-          <p:cNvPr id="4" name="直線コネクタ 3">
-            <a:extLst>
-              <a:ext uri="{FF2B5EF4-FFF2-40B4-BE49-F238E27FC236}">
-                <a16:creationId xmlns:a16="http://schemas.microsoft.com/office/drawing/2014/main" id="{445B4D18-9214-71EA-A3B5-B1EFF566DC38}"/>
-              </a:ext>
-            </a:extLst>
-          </p:cNvPr>
-          <p:cNvCxnSpPr/>
-          <p:nvPr/>
-        </p:nvCxnSpPr>
-        <p:spPr>
-          <a:xfrm>
-            <a:off x="228600" y="755374"/>
-            <a:ext cx="11936896" cy="0"/>
-          </a:xfrm>
-          <a:prstGeom prst="line">
-            <a:avLst/>
-          </a:prstGeom>
-        </p:spPr>
-        <p:style>
-          <a:lnRef idx="2">
-            <a:schemeClr val="accent1"/>
-          </a:lnRef>
-          <a:fillRef idx="0">
-            <a:schemeClr val="accent1"/>
-          </a:fillRef>
-          <a:effectRef idx="1">
-            <a:schemeClr val="accent1"/>
-          </a:effectRef>
-          <a:fontRef idx="minor">
-            <a:schemeClr val="tx1"/>
-          </a:fontRef>
-        </p:style>
-      </p:cxnSp>
-      <p:sp>
-        <p:nvSpPr>
-          <p:cNvPr id="5" name="テキスト ボックス 4">
-            <a:extLst>
-              <a:ext uri="{FF2B5EF4-FFF2-40B4-BE49-F238E27FC236}">
-                <a16:creationId xmlns:a16="http://schemas.microsoft.com/office/drawing/2014/main" id="{72E1903D-28AC-1AA9-1B85-9A04AE681026}"/>
-              </a:ext>
-            </a:extLst>
-          </p:cNvPr>
-          <p:cNvSpPr txBox="1"/>
-          <p:nvPr/>
-        </p:nvSpPr>
-        <p:spPr>
-          <a:xfrm>
-            <a:off x="407504" y="198783"/>
-            <a:ext cx="4899992" cy="369332"/>
-          </a:xfrm>
-          <a:prstGeom prst="rect">
-            <a:avLst/>
-          </a:prstGeom>
-          <a:noFill/>
-        </p:spPr>
-        <p:txBody>
-          <a:bodyPr wrap="square" rtlCol="0">
-            <a:spAutoFit/>
-          </a:bodyPr>
-          <a:lstStyle/>
-          <a:p>
-            <a:r>
-              <a:rPr kumimoji="1" lang="ja-JP" altLang="en-US" dirty="0"/>
-              <a:t>アプリケーションとシステムの連携</a:t>
-            </a:r>
-          </a:p>
-        </p:txBody>
-      </p:sp>
-      <p:sp>
-        <p:nvSpPr>
-          <p:cNvPr id="3" name="正方形/長方形 2">
-            <a:extLst>
-              <a:ext uri="{FF2B5EF4-FFF2-40B4-BE49-F238E27FC236}">
-                <a16:creationId xmlns:a16="http://schemas.microsoft.com/office/drawing/2014/main" id="{3719DAAD-586F-673C-D658-7955ECB95287}"/>
-              </a:ext>
-            </a:extLst>
-          </p:cNvPr>
-          <p:cNvSpPr/>
-          <p:nvPr/>
-        </p:nvSpPr>
-        <p:spPr>
-          <a:xfrm>
-            <a:off x="2236304" y="2176392"/>
-            <a:ext cx="1818861" cy="715609"/>
-          </a:xfrm>
-          <a:prstGeom prst="rect">
-            <a:avLst/>
-          </a:prstGeom>
-          <a:noFill/>
-        </p:spPr>
-        <p:style>
-          <a:lnRef idx="2">
-            <a:schemeClr val="accent1">
-              <a:shade val="15000"/>
-            </a:schemeClr>
-          </a:lnRef>
-          <a:fillRef idx="1">
-            <a:schemeClr val="accent1"/>
-          </a:fillRef>
-          <a:effectRef idx="0">
-            <a:schemeClr val="accent1"/>
-          </a:effectRef>
-          <a:fontRef idx="minor">
-            <a:schemeClr val="lt1"/>
-          </a:fontRef>
-        </p:style>
-        <p:txBody>
-          <a:bodyPr rtlCol="0" anchor="ctr"/>
-          <a:lstStyle/>
-          <a:p>
-            <a:pPr algn="ctr"/>
-            <a:r>
-              <a:rPr kumimoji="1" lang="en-US" altLang="ja-JP" sz="1200" dirty="0">
-                <a:solidFill>
-                  <a:schemeClr val="tx1"/>
-                </a:solidFill>
-              </a:rPr>
-              <a:t>QR</a:t>
-            </a:r>
-            <a:r>
-              <a:rPr kumimoji="1" lang="ja-JP" altLang="en-US" sz="1200" dirty="0">
-                <a:solidFill>
-                  <a:schemeClr val="tx1"/>
-                </a:solidFill>
-              </a:rPr>
-              <a:t>リーダー</a:t>
-            </a:r>
-          </a:p>
-        </p:txBody>
-      </p:sp>
-      <p:pic>
-        <p:nvPicPr>
-          <p:cNvPr id="7" name="Picture 2" descr="QRコード作成【ずっと無料・無制限】／QRのススメ">
-            <a:extLst>
-              <a:ext uri="{FF2B5EF4-FFF2-40B4-BE49-F238E27FC236}">
-                <a16:creationId xmlns:a16="http://schemas.microsoft.com/office/drawing/2014/main" id="{2AF49899-83AF-13D4-E81F-C08D0295D230}"/>
-              </a:ext>
-            </a:extLst>
-          </p:cNvPr>
-          <p:cNvPicPr>
-            <a:picLocks noChangeAspect="1" noChangeArrowheads="1"/>
-          </p:cNvPicPr>
-          <p:nvPr/>
-        </p:nvPicPr>
-        <p:blipFill>
-          <a:blip r:embed="rId2">
-            <a:extLst>
-              <a:ext uri="{28A0092B-C50C-407E-A947-70E740481C1C}">
-                <a14:useLocalDpi xmlns:a14="http://schemas.microsoft.com/office/drawing/2010/main" val="0"/>
-              </a:ext>
-            </a:extLst>
-          </a:blip>
-          <a:srcRect/>
-          <a:stretch>
-            <a:fillRect/>
-          </a:stretch>
-        </p:blipFill>
-        <p:spPr bwMode="auto">
-          <a:xfrm>
-            <a:off x="920287" y="2186601"/>
-            <a:ext cx="749487" cy="705400"/>
-          </a:xfrm>
-          <a:prstGeom prst="rect">
-            <a:avLst/>
-          </a:prstGeom>
-          <a:noFill/>
-          <a:extLst>
-            <a:ext uri="{909E8E84-426E-40DD-AFC4-6F175D3DCCD1}">
-              <a14:hiddenFill xmlns:a14="http://schemas.microsoft.com/office/drawing/2010/main">
-                <a:solidFill>
-                  <a:srgbClr val="FFFFFF"/>
-                </a:solidFill>
-              </a14:hiddenFill>
-            </a:ext>
-          </a:extLst>
-        </p:spPr>
-      </p:pic>
-      <p:cxnSp>
-        <p:nvCxnSpPr>
-          <p:cNvPr id="9" name="直線矢印コネクタ 8">
-            <a:extLst>
-              <a:ext uri="{FF2B5EF4-FFF2-40B4-BE49-F238E27FC236}">
-                <a16:creationId xmlns:a16="http://schemas.microsoft.com/office/drawing/2014/main" id="{F190876D-C9FD-5149-4074-E4C48B80FE3D}"/>
-              </a:ext>
-            </a:extLst>
-          </p:cNvPr>
-          <p:cNvCxnSpPr>
-            <a:stCxn id="7" idx="3"/>
-            <a:endCxn id="3" idx="1"/>
-          </p:cNvCxnSpPr>
-          <p:nvPr/>
-        </p:nvCxnSpPr>
-        <p:spPr>
-          <a:xfrm flipV="1">
-            <a:off x="1669774" y="2534197"/>
-            <a:ext cx="566530" cy="5104"/>
-          </a:xfrm>
-          <a:prstGeom prst="straightConnector1">
-            <a:avLst/>
-          </a:prstGeom>
-          <a:ln>
-            <a:tailEnd type="triangle"/>
-          </a:ln>
-        </p:spPr>
-        <p:style>
-          <a:lnRef idx="2">
-            <a:schemeClr val="accent1"/>
-          </a:lnRef>
-          <a:fillRef idx="0">
-            <a:schemeClr val="accent1"/>
-          </a:fillRef>
-          <a:effectRef idx="1">
-            <a:schemeClr val="accent1"/>
-          </a:effectRef>
-          <a:fontRef idx="minor">
-            <a:schemeClr val="tx1"/>
-          </a:fontRef>
-        </p:style>
-      </p:cxnSp>
-      <p:cxnSp>
-        <p:nvCxnSpPr>
-          <p:cNvPr id="17" name="直線矢印コネクタ 16">
-            <a:extLst>
-              <a:ext uri="{FF2B5EF4-FFF2-40B4-BE49-F238E27FC236}">
-                <a16:creationId xmlns:a16="http://schemas.microsoft.com/office/drawing/2014/main" id="{7E0DF062-9394-EA37-7F4D-1DEB1F3390FE}"/>
-              </a:ext>
-            </a:extLst>
-          </p:cNvPr>
-          <p:cNvCxnSpPr>
-            <a:cxnSpLocks/>
-            <a:stCxn id="3" idx="3"/>
-            <a:endCxn id="22" idx="1"/>
-          </p:cNvCxnSpPr>
-          <p:nvPr/>
-        </p:nvCxnSpPr>
-        <p:spPr>
-          <a:xfrm flipV="1">
-            <a:off x="4055165" y="2534189"/>
-            <a:ext cx="2350605" cy="8"/>
-          </a:xfrm>
-          <a:prstGeom prst="straightConnector1">
-            <a:avLst/>
-          </a:prstGeom>
-          <a:ln>
-            <a:tailEnd type="triangle"/>
-          </a:ln>
-        </p:spPr>
-        <p:style>
-          <a:lnRef idx="2">
-            <a:schemeClr val="accent1"/>
-          </a:lnRef>
-          <a:fillRef idx="0">
-            <a:schemeClr val="accent1"/>
-          </a:fillRef>
-          <a:effectRef idx="1">
-            <a:schemeClr val="accent1"/>
-          </a:effectRef>
-          <a:fontRef idx="minor">
-            <a:schemeClr val="tx1"/>
-          </a:fontRef>
-        </p:style>
-      </p:cxnSp>
-      <p:sp>
-        <p:nvSpPr>
-          <p:cNvPr id="20" name="テキスト ボックス 19">
-            <a:extLst>
-              <a:ext uri="{FF2B5EF4-FFF2-40B4-BE49-F238E27FC236}">
-                <a16:creationId xmlns:a16="http://schemas.microsoft.com/office/drawing/2014/main" id="{352FD92A-ED86-42F7-DB2B-91229B9EBB91}"/>
-              </a:ext>
-            </a:extLst>
-          </p:cNvPr>
-          <p:cNvSpPr txBox="1"/>
-          <p:nvPr/>
-        </p:nvSpPr>
-        <p:spPr>
-          <a:xfrm>
-            <a:off x="4055165" y="2186601"/>
-            <a:ext cx="1107996" cy="369332"/>
-          </a:xfrm>
-          <a:prstGeom prst="rect">
-            <a:avLst/>
-          </a:prstGeom>
-          <a:noFill/>
-        </p:spPr>
-        <p:txBody>
-          <a:bodyPr wrap="none" rtlCol="0">
-            <a:spAutoFit/>
-          </a:bodyPr>
-          <a:lstStyle/>
-          <a:p>
-            <a:r>
-              <a:rPr lang="en-US" altLang="ja-JP" dirty="0"/>
-              <a:t>URL</a:t>
-            </a:r>
-            <a:r>
-              <a:rPr lang="ja-JP" altLang="en-US" dirty="0"/>
-              <a:t>通知</a:t>
-            </a:r>
-            <a:endParaRPr kumimoji="1" lang="ja-JP" altLang="en-US" dirty="0"/>
-          </a:p>
-        </p:txBody>
-      </p:sp>
-      <p:sp>
-        <p:nvSpPr>
-          <p:cNvPr id="22" name="正方形/長方形 21">
-            <a:extLst>
-              <a:ext uri="{FF2B5EF4-FFF2-40B4-BE49-F238E27FC236}">
-                <a16:creationId xmlns:a16="http://schemas.microsoft.com/office/drawing/2014/main" id="{5D8FD5A1-1216-D5EF-FBA1-D2680DAA902E}"/>
-              </a:ext>
-            </a:extLst>
-          </p:cNvPr>
-          <p:cNvSpPr/>
-          <p:nvPr/>
-        </p:nvSpPr>
-        <p:spPr>
-          <a:xfrm>
-            <a:off x="6405770" y="2176384"/>
-            <a:ext cx="1989485" cy="715609"/>
-          </a:xfrm>
-          <a:prstGeom prst="rect">
-            <a:avLst/>
-          </a:prstGeom>
-          <a:noFill/>
-        </p:spPr>
-        <p:style>
-          <a:lnRef idx="2">
-            <a:schemeClr val="accent1">
-              <a:shade val="15000"/>
-            </a:schemeClr>
-          </a:lnRef>
-          <a:fillRef idx="1">
-            <a:schemeClr val="accent1"/>
-          </a:fillRef>
-          <a:effectRef idx="0">
-            <a:schemeClr val="accent1"/>
-          </a:effectRef>
-          <a:fontRef idx="minor">
-            <a:schemeClr val="lt1"/>
-          </a:fontRef>
-        </p:style>
-        <p:txBody>
-          <a:bodyPr rtlCol="0" anchor="ctr"/>
-          <a:lstStyle/>
-          <a:p>
-            <a:pPr algn="ctr"/>
-            <a:r>
-              <a:rPr kumimoji="1" lang="en-US" altLang="ja-JP" sz="1200" dirty="0">
-                <a:solidFill>
-                  <a:schemeClr val="tx1"/>
-                </a:solidFill>
-              </a:rPr>
-              <a:t>URL</a:t>
-            </a:r>
-            <a:r>
-              <a:rPr kumimoji="1" lang="ja-JP" altLang="en-US" sz="1200" dirty="0">
-                <a:solidFill>
-                  <a:schemeClr val="tx1"/>
-                </a:solidFill>
-              </a:rPr>
-              <a:t>から表示内容を確定</a:t>
-            </a:r>
-          </a:p>
-        </p:txBody>
-      </p:sp>
-      <p:sp>
-        <p:nvSpPr>
-          <p:cNvPr id="24" name="正方形/長方形 23">
-            <a:extLst>
-              <a:ext uri="{FF2B5EF4-FFF2-40B4-BE49-F238E27FC236}">
-                <a16:creationId xmlns:a16="http://schemas.microsoft.com/office/drawing/2014/main" id="{04D2C61C-B5C0-7E01-5752-619F824F3DEF}"/>
-              </a:ext>
-            </a:extLst>
-          </p:cNvPr>
-          <p:cNvSpPr/>
-          <p:nvPr/>
-        </p:nvSpPr>
-        <p:spPr>
-          <a:xfrm>
-            <a:off x="6405770" y="3860370"/>
-            <a:ext cx="1989485" cy="715609"/>
-          </a:xfrm>
-          <a:prstGeom prst="rect">
-            <a:avLst/>
-          </a:prstGeom>
-          <a:noFill/>
-        </p:spPr>
-        <p:style>
-          <a:lnRef idx="2">
-            <a:schemeClr val="accent1">
-              <a:shade val="15000"/>
-            </a:schemeClr>
-          </a:lnRef>
-          <a:fillRef idx="1">
-            <a:schemeClr val="accent1"/>
-          </a:fillRef>
-          <a:effectRef idx="0">
-            <a:schemeClr val="accent1"/>
-          </a:effectRef>
-          <a:fontRef idx="minor">
-            <a:schemeClr val="lt1"/>
-          </a:fontRef>
-        </p:style>
-        <p:txBody>
-          <a:bodyPr rtlCol="0" anchor="ctr"/>
-          <a:lstStyle/>
-          <a:p>
-            <a:pPr algn="ctr"/>
-            <a:r>
-              <a:rPr kumimoji="1" lang="ja-JP" altLang="en-US" sz="1200" dirty="0">
-                <a:solidFill>
-                  <a:schemeClr val="tx1"/>
-                </a:solidFill>
-              </a:rPr>
-              <a:t>画面構築</a:t>
-            </a:r>
-          </a:p>
-        </p:txBody>
-      </p:sp>
-      <p:cxnSp>
-        <p:nvCxnSpPr>
-          <p:cNvPr id="25" name="直線矢印コネクタ 24">
-            <a:extLst>
-              <a:ext uri="{FF2B5EF4-FFF2-40B4-BE49-F238E27FC236}">
-                <a16:creationId xmlns:a16="http://schemas.microsoft.com/office/drawing/2014/main" id="{D7B1CFE8-B714-50BE-FC93-AD0D96FFF535}"/>
-              </a:ext>
-            </a:extLst>
-          </p:cNvPr>
-          <p:cNvCxnSpPr>
-            <a:cxnSpLocks/>
-            <a:stCxn id="22" idx="2"/>
-            <a:endCxn id="24" idx="0"/>
-          </p:cNvCxnSpPr>
-          <p:nvPr/>
-        </p:nvCxnSpPr>
-        <p:spPr>
-          <a:xfrm>
-            <a:off x="7400513" y="2891993"/>
-            <a:ext cx="0" cy="968377"/>
-          </a:xfrm>
-          <a:prstGeom prst="straightConnector1">
-            <a:avLst/>
-          </a:prstGeom>
-          <a:ln>
-            <a:tailEnd type="triangle"/>
-          </a:ln>
-        </p:spPr>
-        <p:style>
-          <a:lnRef idx="2">
-            <a:schemeClr val="accent1"/>
-          </a:lnRef>
-          <a:fillRef idx="0">
-            <a:schemeClr val="accent1"/>
-          </a:fillRef>
-          <a:effectRef idx="1">
-            <a:schemeClr val="accent1"/>
-          </a:effectRef>
-          <a:fontRef idx="minor">
-            <a:schemeClr val="tx1"/>
-          </a:fontRef>
-        </p:style>
-      </p:cxnSp>
-      <p:cxnSp>
-        <p:nvCxnSpPr>
-          <p:cNvPr id="28" name="直線矢印コネクタ 27">
-            <a:extLst>
-              <a:ext uri="{FF2B5EF4-FFF2-40B4-BE49-F238E27FC236}">
-                <a16:creationId xmlns:a16="http://schemas.microsoft.com/office/drawing/2014/main" id="{350A5490-2AB6-A694-B463-EA6A203CBCB3}"/>
-              </a:ext>
-            </a:extLst>
-          </p:cNvPr>
-          <p:cNvCxnSpPr>
-            <a:cxnSpLocks/>
-            <a:stCxn id="24" idx="1"/>
-            <a:endCxn id="31" idx="3"/>
-          </p:cNvCxnSpPr>
-          <p:nvPr/>
-        </p:nvCxnSpPr>
-        <p:spPr>
-          <a:xfrm flipH="1">
-            <a:off x="4055165" y="4218175"/>
-            <a:ext cx="2350605" cy="1"/>
-          </a:xfrm>
-          <a:prstGeom prst="straightConnector1">
-            <a:avLst/>
-          </a:prstGeom>
-          <a:ln>
-            <a:tailEnd type="triangle"/>
-          </a:ln>
-        </p:spPr>
-        <p:style>
-          <a:lnRef idx="2">
-            <a:schemeClr val="accent1"/>
-          </a:lnRef>
-          <a:fillRef idx="0">
-            <a:schemeClr val="accent1"/>
-          </a:fillRef>
-          <a:effectRef idx="1">
-            <a:schemeClr val="accent1"/>
-          </a:effectRef>
-          <a:fontRef idx="minor">
-            <a:schemeClr val="tx1"/>
-          </a:fontRef>
-        </p:style>
-      </p:cxnSp>
-      <p:sp>
-        <p:nvSpPr>
-          <p:cNvPr id="31" name="正方形/長方形 30">
-            <a:extLst>
-              <a:ext uri="{FF2B5EF4-FFF2-40B4-BE49-F238E27FC236}">
-                <a16:creationId xmlns:a16="http://schemas.microsoft.com/office/drawing/2014/main" id="{CD4CBD29-CDCC-5459-79E1-2620CEB73053}"/>
-              </a:ext>
-            </a:extLst>
-          </p:cNvPr>
-          <p:cNvSpPr/>
-          <p:nvPr/>
-        </p:nvSpPr>
-        <p:spPr>
-          <a:xfrm>
-            <a:off x="2236304" y="3860371"/>
-            <a:ext cx="1818861" cy="715609"/>
-          </a:xfrm>
-          <a:prstGeom prst="rect">
-            <a:avLst/>
-          </a:prstGeom>
-          <a:noFill/>
-        </p:spPr>
-        <p:style>
-          <a:lnRef idx="2">
-            <a:schemeClr val="accent1">
-              <a:shade val="15000"/>
-            </a:schemeClr>
-          </a:lnRef>
-          <a:fillRef idx="1">
-            <a:schemeClr val="accent1"/>
-          </a:fillRef>
-          <a:effectRef idx="0">
-            <a:schemeClr val="accent1"/>
-          </a:effectRef>
-          <a:fontRef idx="minor">
-            <a:schemeClr val="lt1"/>
-          </a:fontRef>
-        </p:style>
-        <p:txBody>
-          <a:bodyPr rtlCol="0" anchor="ctr"/>
-          <a:lstStyle/>
-          <a:p>
-            <a:pPr algn="ctr"/>
-            <a:r>
-              <a:rPr kumimoji="1" lang="ja-JP" altLang="en-US" sz="1200" dirty="0">
-                <a:solidFill>
-                  <a:schemeClr val="tx1"/>
-                </a:solidFill>
-              </a:rPr>
-              <a:t>ブラウザで画面表示</a:t>
-            </a:r>
-          </a:p>
-        </p:txBody>
-      </p:sp>
-      <p:sp>
-        <p:nvSpPr>
-          <p:cNvPr id="37" name="テキスト ボックス 36">
-            <a:extLst>
-              <a:ext uri="{FF2B5EF4-FFF2-40B4-BE49-F238E27FC236}">
-                <a16:creationId xmlns:a16="http://schemas.microsoft.com/office/drawing/2014/main" id="{609C74A2-2A19-426A-E08D-57ADA2A7CF44}"/>
-              </a:ext>
-            </a:extLst>
-          </p:cNvPr>
-          <p:cNvSpPr txBox="1"/>
-          <p:nvPr/>
-        </p:nvSpPr>
-        <p:spPr>
-          <a:xfrm>
-            <a:off x="2375452" y="1461052"/>
-            <a:ext cx="877163" cy="369332"/>
-          </a:xfrm>
-          <a:prstGeom prst="rect">
-            <a:avLst/>
-          </a:prstGeom>
-          <a:noFill/>
-        </p:spPr>
-        <p:txBody>
-          <a:bodyPr wrap="none" rtlCol="0">
-            <a:spAutoFit/>
-          </a:bodyPr>
-          <a:lstStyle/>
-          <a:p>
-            <a:r>
-              <a:rPr kumimoji="1" lang="ja-JP" altLang="en-US" dirty="0"/>
-              <a:t>アプリ</a:t>
-            </a:r>
-          </a:p>
-        </p:txBody>
-      </p:sp>
-      <p:sp>
-        <p:nvSpPr>
-          <p:cNvPr id="39" name="テキスト ボックス 38">
-            <a:extLst>
-              <a:ext uri="{FF2B5EF4-FFF2-40B4-BE49-F238E27FC236}">
-                <a16:creationId xmlns:a16="http://schemas.microsoft.com/office/drawing/2014/main" id="{D2019330-ECAC-CD3F-6FBF-27AA004C5D9C}"/>
-              </a:ext>
-            </a:extLst>
-          </p:cNvPr>
-          <p:cNvSpPr txBox="1"/>
-          <p:nvPr/>
-        </p:nvSpPr>
-        <p:spPr>
-          <a:xfrm>
-            <a:off x="6831495" y="1449248"/>
-            <a:ext cx="1107996" cy="369332"/>
-          </a:xfrm>
-          <a:prstGeom prst="rect">
-            <a:avLst/>
-          </a:prstGeom>
-          <a:noFill/>
-        </p:spPr>
-        <p:txBody>
-          <a:bodyPr wrap="none" rtlCol="0">
-            <a:spAutoFit/>
-          </a:bodyPr>
-          <a:lstStyle/>
-          <a:p>
-            <a:r>
-              <a:rPr kumimoji="1" lang="ja-JP" altLang="en-US"/>
-              <a:t>サーバー</a:t>
-            </a:r>
-            <a:endParaRPr kumimoji="1" lang="ja-JP" altLang="en-US" dirty="0"/>
-          </a:p>
-        </p:txBody>
-      </p:sp>
-    </p:spTree>
-    <p:extLst>
-      <p:ext uri="{BB962C8B-B14F-4D97-AF65-F5344CB8AC3E}">
-        <p14:creationId xmlns:p14="http://schemas.microsoft.com/office/powerpoint/2010/main" val="799319328"/>
       </p:ext>
     </p:extLst>
   </p:cSld>
@@ -23799,6 +22697,1231 @@
     <p:extLst>
       <p:ext uri="{BB962C8B-B14F-4D97-AF65-F5344CB8AC3E}">
         <p14:creationId xmlns:p14="http://schemas.microsoft.com/office/powerpoint/2010/main" val="1991612794"/>
+      </p:ext>
+    </p:extLst>
+  </p:cSld>
+  <p:clrMapOvr>
+    <a:masterClrMapping/>
+  </p:clrMapOvr>
+</p:sld>
+</file>
+
+<file path=ppt/slides/slide40.xml><?xml version="1.0" encoding="utf-8"?>
+<p:sld xmlns:a="http://schemas.openxmlformats.org/drawingml/2006/main" xmlns:r="http://schemas.openxmlformats.org/officeDocument/2006/relationships" xmlns:p="http://schemas.openxmlformats.org/presentationml/2006/main">
+  <p:cSld>
+    <p:spTree>
+      <p:nvGrpSpPr>
+        <p:cNvPr id="1" name="">
+          <a:extLst>
+            <a:ext uri="{FF2B5EF4-FFF2-40B4-BE49-F238E27FC236}">
+              <a16:creationId xmlns:a16="http://schemas.microsoft.com/office/drawing/2014/main" id="{B1983816-7B69-41CB-ADC6-C57438869853}"/>
+            </a:ext>
+          </a:extLst>
+        </p:cNvPr>
+        <p:cNvGrpSpPr/>
+        <p:nvPr/>
+      </p:nvGrpSpPr>
+      <p:grpSpPr>
+        <a:xfrm>
+          <a:off x="0" y="0"/>
+          <a:ext cx="0" cy="0"/>
+          <a:chOff x="0" y="0"/>
+          <a:chExt cx="0" cy="0"/>
+        </a:xfrm>
+      </p:grpSpPr>
+      <p:cxnSp>
+        <p:nvCxnSpPr>
+          <p:cNvPr id="4" name="直線コネクタ 3">
+            <a:extLst>
+              <a:ext uri="{FF2B5EF4-FFF2-40B4-BE49-F238E27FC236}">
+                <a16:creationId xmlns:a16="http://schemas.microsoft.com/office/drawing/2014/main" id="{9374D7C5-EB2C-58A2-FC40-BF78243F1B5A}"/>
+              </a:ext>
+            </a:extLst>
+          </p:cNvPr>
+          <p:cNvCxnSpPr/>
+          <p:nvPr/>
+        </p:nvCxnSpPr>
+        <p:spPr>
+          <a:xfrm>
+            <a:off x="228600" y="755374"/>
+            <a:ext cx="11936896" cy="0"/>
+          </a:xfrm>
+          <a:prstGeom prst="line">
+            <a:avLst/>
+          </a:prstGeom>
+        </p:spPr>
+        <p:style>
+          <a:lnRef idx="2">
+            <a:schemeClr val="accent1"/>
+          </a:lnRef>
+          <a:fillRef idx="0">
+            <a:schemeClr val="accent1"/>
+          </a:fillRef>
+          <a:effectRef idx="1">
+            <a:schemeClr val="accent1"/>
+          </a:effectRef>
+          <a:fontRef idx="minor">
+            <a:schemeClr val="tx1"/>
+          </a:fontRef>
+        </p:style>
+      </p:cxnSp>
+      <p:sp>
+        <p:nvSpPr>
+          <p:cNvPr id="5" name="テキスト ボックス 4">
+            <a:extLst>
+              <a:ext uri="{FF2B5EF4-FFF2-40B4-BE49-F238E27FC236}">
+                <a16:creationId xmlns:a16="http://schemas.microsoft.com/office/drawing/2014/main" id="{58DEB5FA-6A0F-5C6E-73D8-0F6E00C4E59A}"/>
+              </a:ext>
+            </a:extLst>
+          </p:cNvPr>
+          <p:cNvSpPr txBox="1"/>
+          <p:nvPr/>
+        </p:nvSpPr>
+        <p:spPr>
+          <a:xfrm>
+            <a:off x="407504" y="198783"/>
+            <a:ext cx="3796748" cy="369332"/>
+          </a:xfrm>
+          <a:prstGeom prst="rect">
+            <a:avLst/>
+          </a:prstGeom>
+          <a:noFill/>
+        </p:spPr>
+        <p:txBody>
+          <a:bodyPr wrap="square" rtlCol="0">
+            <a:spAutoFit/>
+          </a:bodyPr>
+          <a:lstStyle/>
+          <a:p>
+            <a:r>
+              <a:rPr kumimoji="1" lang="ja-JP" altLang="en-US" dirty="0"/>
+              <a:t>修正：説明文入力</a:t>
+            </a:r>
+          </a:p>
+        </p:txBody>
+      </p:sp>
+      <p:sp>
+        <p:nvSpPr>
+          <p:cNvPr id="6" name="テキスト ボックス 5">
+            <a:extLst>
+              <a:ext uri="{FF2B5EF4-FFF2-40B4-BE49-F238E27FC236}">
+                <a16:creationId xmlns:a16="http://schemas.microsoft.com/office/drawing/2014/main" id="{6D926DB8-39D0-E7B8-3468-6F09A3A237A7}"/>
+              </a:ext>
+            </a:extLst>
+          </p:cNvPr>
+          <p:cNvSpPr txBox="1"/>
+          <p:nvPr/>
+        </p:nvSpPr>
+        <p:spPr>
+          <a:xfrm>
+            <a:off x="1016277" y="1249866"/>
+            <a:ext cx="3579742" cy="369332"/>
+          </a:xfrm>
+          <a:prstGeom prst="rect">
+            <a:avLst/>
+          </a:prstGeom>
+          <a:noFill/>
+        </p:spPr>
+        <p:txBody>
+          <a:bodyPr wrap="square" rtlCol="0">
+            <a:spAutoFit/>
+          </a:bodyPr>
+          <a:lstStyle/>
+          <a:p>
+            <a:r>
+              <a:rPr kumimoji="1" lang="ja-JP" altLang="en-US" dirty="0"/>
+              <a:t>説明文入力</a:t>
+            </a:r>
+          </a:p>
+        </p:txBody>
+      </p:sp>
+      <p:sp>
+        <p:nvSpPr>
+          <p:cNvPr id="38" name="テキスト ボックス 37">
+            <a:extLst>
+              <a:ext uri="{FF2B5EF4-FFF2-40B4-BE49-F238E27FC236}">
+                <a16:creationId xmlns:a16="http://schemas.microsoft.com/office/drawing/2014/main" id="{0912BEB1-7029-272E-4174-D34B9A43D7FC}"/>
+              </a:ext>
+            </a:extLst>
+          </p:cNvPr>
+          <p:cNvSpPr txBox="1"/>
+          <p:nvPr/>
+        </p:nvSpPr>
+        <p:spPr>
+          <a:xfrm>
+            <a:off x="3975652" y="252657"/>
+            <a:ext cx="7535628" cy="369332"/>
+          </a:xfrm>
+          <a:prstGeom prst="rect">
+            <a:avLst/>
+          </a:prstGeom>
+          <a:noFill/>
+        </p:spPr>
+        <p:txBody>
+          <a:bodyPr wrap="square" rtlCol="0">
+            <a:spAutoFit/>
+          </a:bodyPr>
+          <a:lstStyle/>
+          <a:p>
+            <a:r>
+              <a:rPr kumimoji="1" lang="ja-JP" altLang="en-US" dirty="0"/>
+              <a:t>凡例：点線ボックスはエディットボックス、実線ボックスはボタン</a:t>
+            </a:r>
+          </a:p>
+        </p:txBody>
+      </p:sp>
+      <p:sp>
+        <p:nvSpPr>
+          <p:cNvPr id="48" name="正方形/長方形 47">
+            <a:extLst>
+              <a:ext uri="{FF2B5EF4-FFF2-40B4-BE49-F238E27FC236}">
+                <a16:creationId xmlns:a16="http://schemas.microsoft.com/office/drawing/2014/main" id="{BF113430-CE55-EF58-569B-6E5E96794839}"/>
+              </a:ext>
+            </a:extLst>
+          </p:cNvPr>
+          <p:cNvSpPr/>
+          <p:nvPr/>
+        </p:nvSpPr>
+        <p:spPr>
+          <a:xfrm>
+            <a:off x="711201" y="1079037"/>
+            <a:ext cx="4338320" cy="4864563"/>
+          </a:xfrm>
+          <a:prstGeom prst="rect">
+            <a:avLst/>
+          </a:prstGeom>
+          <a:noFill/>
+        </p:spPr>
+        <p:style>
+          <a:lnRef idx="2">
+            <a:schemeClr val="accent1">
+              <a:shade val="15000"/>
+            </a:schemeClr>
+          </a:lnRef>
+          <a:fillRef idx="1">
+            <a:schemeClr val="accent1"/>
+          </a:fillRef>
+          <a:effectRef idx="0">
+            <a:schemeClr val="accent1"/>
+          </a:effectRef>
+          <a:fontRef idx="minor">
+            <a:schemeClr val="lt1"/>
+          </a:fontRef>
+        </p:style>
+        <p:txBody>
+          <a:bodyPr rtlCol="0" anchor="ctr"/>
+          <a:lstStyle/>
+          <a:p>
+            <a:pPr algn="ctr"/>
+            <a:endParaRPr kumimoji="1" lang="ja-JP" altLang="en-US" sz="1200" dirty="0">
+              <a:solidFill>
+                <a:schemeClr val="tx1"/>
+              </a:solidFill>
+            </a:endParaRPr>
+          </a:p>
+        </p:txBody>
+      </p:sp>
+      <p:sp>
+        <p:nvSpPr>
+          <p:cNvPr id="49" name="正方形/長方形 48">
+            <a:extLst>
+              <a:ext uri="{FF2B5EF4-FFF2-40B4-BE49-F238E27FC236}">
+                <a16:creationId xmlns:a16="http://schemas.microsoft.com/office/drawing/2014/main" id="{92601AF4-B574-5C92-5E21-176E719C261D}"/>
+              </a:ext>
+            </a:extLst>
+          </p:cNvPr>
+          <p:cNvSpPr/>
+          <p:nvPr/>
+        </p:nvSpPr>
+        <p:spPr>
+          <a:xfrm>
+            <a:off x="1016277" y="5238802"/>
+            <a:ext cx="834886" cy="369332"/>
+          </a:xfrm>
+          <a:prstGeom prst="rect">
+            <a:avLst/>
+          </a:prstGeom>
+          <a:noFill/>
+        </p:spPr>
+        <p:style>
+          <a:lnRef idx="2">
+            <a:schemeClr val="accent1">
+              <a:shade val="15000"/>
+            </a:schemeClr>
+          </a:lnRef>
+          <a:fillRef idx="1">
+            <a:schemeClr val="accent1"/>
+          </a:fillRef>
+          <a:effectRef idx="0">
+            <a:schemeClr val="accent1"/>
+          </a:effectRef>
+          <a:fontRef idx="minor">
+            <a:schemeClr val="lt1"/>
+          </a:fontRef>
+        </p:style>
+        <p:txBody>
+          <a:bodyPr rtlCol="0" anchor="ctr"/>
+          <a:lstStyle/>
+          <a:p>
+            <a:pPr algn="ctr"/>
+            <a:r>
+              <a:rPr kumimoji="1" lang="ja-JP" altLang="en-US" sz="1200" dirty="0">
+                <a:solidFill>
+                  <a:schemeClr val="tx1"/>
+                </a:solidFill>
+              </a:rPr>
+              <a:t>中止</a:t>
+            </a:r>
+          </a:p>
+        </p:txBody>
+      </p:sp>
+      <p:sp>
+        <p:nvSpPr>
+          <p:cNvPr id="50" name="正方形/長方形 49">
+            <a:extLst>
+              <a:ext uri="{FF2B5EF4-FFF2-40B4-BE49-F238E27FC236}">
+                <a16:creationId xmlns:a16="http://schemas.microsoft.com/office/drawing/2014/main" id="{553048A9-6CBD-3F33-6DAC-133CE4B82773}"/>
+              </a:ext>
+            </a:extLst>
+          </p:cNvPr>
+          <p:cNvSpPr/>
+          <p:nvPr/>
+        </p:nvSpPr>
+        <p:spPr>
+          <a:xfrm>
+            <a:off x="2156239" y="5238802"/>
+            <a:ext cx="834886" cy="369332"/>
+          </a:xfrm>
+          <a:prstGeom prst="rect">
+            <a:avLst/>
+          </a:prstGeom>
+          <a:noFill/>
+        </p:spPr>
+        <p:style>
+          <a:lnRef idx="2">
+            <a:schemeClr val="accent1">
+              <a:shade val="15000"/>
+            </a:schemeClr>
+          </a:lnRef>
+          <a:fillRef idx="1">
+            <a:schemeClr val="accent1"/>
+          </a:fillRef>
+          <a:effectRef idx="0">
+            <a:schemeClr val="accent1"/>
+          </a:effectRef>
+          <a:fontRef idx="minor">
+            <a:schemeClr val="lt1"/>
+          </a:fontRef>
+        </p:style>
+        <p:txBody>
+          <a:bodyPr rtlCol="0" anchor="ctr"/>
+          <a:lstStyle/>
+          <a:p>
+            <a:pPr algn="ctr"/>
+            <a:r>
+              <a:rPr kumimoji="1" lang="en-US" altLang="ja-JP" sz="1200" dirty="0">
+                <a:solidFill>
+                  <a:schemeClr val="tx1"/>
+                </a:solidFill>
+              </a:rPr>
+              <a:t>OK</a:t>
+            </a:r>
+          </a:p>
+        </p:txBody>
+      </p:sp>
+      <p:sp>
+        <p:nvSpPr>
+          <p:cNvPr id="52" name="テキスト ボックス 51">
+            <a:extLst>
+              <a:ext uri="{FF2B5EF4-FFF2-40B4-BE49-F238E27FC236}">
+                <a16:creationId xmlns:a16="http://schemas.microsoft.com/office/drawing/2014/main" id="{EC17538A-E700-90AF-98E7-D9BB308BDD37}"/>
+              </a:ext>
+            </a:extLst>
+          </p:cNvPr>
+          <p:cNvSpPr txBox="1"/>
+          <p:nvPr/>
+        </p:nvSpPr>
+        <p:spPr>
+          <a:xfrm>
+            <a:off x="5799372" y="1079037"/>
+            <a:ext cx="6182138" cy="923330"/>
+          </a:xfrm>
+          <a:prstGeom prst="rect">
+            <a:avLst/>
+          </a:prstGeom>
+          <a:noFill/>
+        </p:spPr>
+        <p:txBody>
+          <a:bodyPr wrap="square" rtlCol="0">
+            <a:spAutoFit/>
+          </a:bodyPr>
+          <a:lstStyle/>
+          <a:p>
+            <a:r>
+              <a:rPr kumimoji="1" lang="ja-JP" altLang="en-US" dirty="0"/>
+              <a:t>必要な言語を選択し説明文を入力する</a:t>
+            </a:r>
+            <a:endParaRPr kumimoji="1" lang="en-US" altLang="ja-JP" dirty="0"/>
+          </a:p>
+          <a:p>
+            <a:r>
+              <a:rPr kumimoji="1" lang="ja-JP" altLang="en-US" dirty="0"/>
+              <a:t>対象外の言語は未入力にしておく</a:t>
+            </a:r>
+            <a:endParaRPr kumimoji="1" lang="en-US" altLang="ja-JP" dirty="0"/>
+          </a:p>
+          <a:p>
+            <a:r>
+              <a:rPr kumimoji="1" lang="ja-JP" altLang="en-US" dirty="0"/>
+              <a:t>対象言語すべての入力が終わったら</a:t>
+            </a:r>
+            <a:r>
+              <a:rPr lang="en-US" altLang="ja-JP" dirty="0"/>
+              <a:t>OK</a:t>
+            </a:r>
+            <a:r>
+              <a:rPr lang="ja-JP" altLang="en-US" dirty="0"/>
+              <a:t>ボタン</a:t>
+            </a:r>
+            <a:endParaRPr lang="en-US" altLang="ja-JP" dirty="0"/>
+          </a:p>
+        </p:txBody>
+      </p:sp>
+      <p:sp>
+        <p:nvSpPr>
+          <p:cNvPr id="2" name="テキスト ボックス 1">
+            <a:extLst>
+              <a:ext uri="{FF2B5EF4-FFF2-40B4-BE49-F238E27FC236}">
+                <a16:creationId xmlns:a16="http://schemas.microsoft.com/office/drawing/2014/main" id="{CD51F646-82BE-BC1A-DE4C-A54EBF2DA8D3}"/>
+              </a:ext>
+            </a:extLst>
+          </p:cNvPr>
+          <p:cNvSpPr txBox="1"/>
+          <p:nvPr/>
+        </p:nvSpPr>
+        <p:spPr>
+          <a:xfrm>
+            <a:off x="1311965" y="1707154"/>
+            <a:ext cx="2663687" cy="923330"/>
+          </a:xfrm>
+          <a:prstGeom prst="rect">
+            <a:avLst/>
+          </a:prstGeom>
+          <a:noFill/>
+        </p:spPr>
+        <p:txBody>
+          <a:bodyPr wrap="square" rtlCol="0">
+            <a:spAutoFit/>
+          </a:bodyPr>
+          <a:lstStyle/>
+          <a:p>
+            <a:r>
+              <a:rPr kumimoji="1" lang="ja-JP" altLang="en-US" dirty="0"/>
+              <a:t>☑日本語</a:t>
+            </a:r>
+            <a:endParaRPr kumimoji="1" lang="en-US" altLang="ja-JP" dirty="0"/>
+          </a:p>
+          <a:p>
+            <a:r>
+              <a:rPr kumimoji="1" lang="ja-JP" altLang="en-US" dirty="0"/>
+              <a:t>　英語</a:t>
+            </a:r>
+            <a:endParaRPr kumimoji="1" lang="en-US" altLang="ja-JP" dirty="0"/>
+          </a:p>
+          <a:p>
+            <a:r>
+              <a:rPr kumimoji="1" lang="ja-JP" altLang="en-US" dirty="0"/>
+              <a:t>　中国語</a:t>
+            </a:r>
+          </a:p>
+        </p:txBody>
+      </p:sp>
+      <p:sp>
+        <p:nvSpPr>
+          <p:cNvPr id="11" name="吹き出し: 四角形 10">
+            <a:extLst>
+              <a:ext uri="{FF2B5EF4-FFF2-40B4-BE49-F238E27FC236}">
+                <a16:creationId xmlns:a16="http://schemas.microsoft.com/office/drawing/2014/main" id="{8A8BC2D5-5926-96EE-9452-3635B6C41A0B}"/>
+              </a:ext>
+            </a:extLst>
+          </p:cNvPr>
+          <p:cNvSpPr/>
+          <p:nvPr/>
+        </p:nvSpPr>
+        <p:spPr>
+          <a:xfrm>
+            <a:off x="3065561" y="1436954"/>
+            <a:ext cx="1631121" cy="923330"/>
+          </a:xfrm>
+          <a:prstGeom prst="wedgeRectCallout">
+            <a:avLst>
+              <a:gd name="adj1" fmla="val -79939"/>
+              <a:gd name="adj2" fmla="val 39895"/>
+            </a:avLst>
+          </a:prstGeom>
+          <a:noFill/>
+        </p:spPr>
+        <p:style>
+          <a:lnRef idx="2">
+            <a:schemeClr val="accent1">
+              <a:shade val="15000"/>
+            </a:schemeClr>
+          </a:lnRef>
+          <a:fillRef idx="1">
+            <a:schemeClr val="accent1"/>
+          </a:fillRef>
+          <a:effectRef idx="0">
+            <a:schemeClr val="accent1"/>
+          </a:effectRef>
+          <a:fontRef idx="minor">
+            <a:schemeClr val="lt1"/>
+          </a:fontRef>
+        </p:style>
+        <p:txBody>
+          <a:bodyPr rtlCol="0" anchor="ctr"/>
+          <a:lstStyle/>
+          <a:p>
+            <a:pPr algn="ctr"/>
+            <a:r>
+              <a:rPr kumimoji="1" lang="ja-JP" altLang="en-US" sz="1200" dirty="0">
+                <a:solidFill>
+                  <a:schemeClr val="tx1"/>
+                </a:solidFill>
+              </a:rPr>
+              <a:t>ラジオボタン形式でどれか一つを選択する</a:t>
+            </a:r>
+          </a:p>
+        </p:txBody>
+      </p:sp>
+      <p:sp>
+        <p:nvSpPr>
+          <p:cNvPr id="12" name="正方形/長方形 11">
+            <a:extLst>
+              <a:ext uri="{FF2B5EF4-FFF2-40B4-BE49-F238E27FC236}">
+                <a16:creationId xmlns:a16="http://schemas.microsoft.com/office/drawing/2014/main" id="{BD4B9F10-E5D6-2A09-8D13-AD838F194CCD}"/>
+              </a:ext>
+            </a:extLst>
+          </p:cNvPr>
+          <p:cNvSpPr/>
+          <p:nvPr/>
+        </p:nvSpPr>
+        <p:spPr>
+          <a:xfrm>
+            <a:off x="996399" y="2718200"/>
+            <a:ext cx="3784323" cy="1779517"/>
+          </a:xfrm>
+          <a:prstGeom prst="rect">
+            <a:avLst/>
+          </a:prstGeom>
+          <a:noFill/>
+          <a:ln>
+            <a:prstDash val="dash"/>
+          </a:ln>
+        </p:spPr>
+        <p:style>
+          <a:lnRef idx="2">
+            <a:schemeClr val="accent1">
+              <a:shade val="15000"/>
+            </a:schemeClr>
+          </a:lnRef>
+          <a:fillRef idx="1">
+            <a:schemeClr val="accent1"/>
+          </a:fillRef>
+          <a:effectRef idx="0">
+            <a:schemeClr val="accent1"/>
+          </a:effectRef>
+          <a:fontRef idx="minor">
+            <a:schemeClr val="lt1"/>
+          </a:fontRef>
+        </p:style>
+        <p:txBody>
+          <a:bodyPr rtlCol="0" anchor="ctr"/>
+          <a:lstStyle/>
+          <a:p>
+            <a:pPr algn="ctr"/>
+            <a:r>
+              <a:rPr kumimoji="1" lang="ja-JP" altLang="en-US" sz="1200" dirty="0">
+                <a:solidFill>
+                  <a:schemeClr val="tx1"/>
+                </a:solidFill>
+              </a:rPr>
+              <a:t>説明文入力欄</a:t>
+            </a:r>
+          </a:p>
+        </p:txBody>
+      </p:sp>
+    </p:spTree>
+    <p:extLst>
+      <p:ext uri="{BB962C8B-B14F-4D97-AF65-F5344CB8AC3E}">
+        <p14:creationId xmlns:p14="http://schemas.microsoft.com/office/powerpoint/2010/main" val="3021781207"/>
+      </p:ext>
+    </p:extLst>
+  </p:cSld>
+  <p:clrMapOvr>
+    <a:masterClrMapping/>
+  </p:clrMapOvr>
+</p:sld>
+</file>
+
+<file path=ppt/slides/slide41.xml><?xml version="1.0" encoding="utf-8"?>
+<p:sld xmlns:a="http://schemas.openxmlformats.org/drawingml/2006/main" xmlns:r="http://schemas.openxmlformats.org/officeDocument/2006/relationships" xmlns:p="http://schemas.openxmlformats.org/presentationml/2006/main">
+  <p:cSld>
+    <p:spTree>
+      <p:nvGrpSpPr>
+        <p:cNvPr id="1" name="">
+          <a:extLst>
+            <a:ext uri="{FF2B5EF4-FFF2-40B4-BE49-F238E27FC236}">
+              <a16:creationId xmlns:a16="http://schemas.microsoft.com/office/drawing/2014/main" id="{06A085EA-EE5A-3995-B30E-35F2DAE51B91}"/>
+            </a:ext>
+          </a:extLst>
+        </p:cNvPr>
+        <p:cNvGrpSpPr/>
+        <p:nvPr/>
+      </p:nvGrpSpPr>
+      <p:grpSpPr>
+        <a:xfrm>
+          <a:off x="0" y="0"/>
+          <a:ext cx="0" cy="0"/>
+          <a:chOff x="0" y="0"/>
+          <a:chExt cx="0" cy="0"/>
+        </a:xfrm>
+      </p:grpSpPr>
+      <p:cxnSp>
+        <p:nvCxnSpPr>
+          <p:cNvPr id="4" name="直線コネクタ 3">
+            <a:extLst>
+              <a:ext uri="{FF2B5EF4-FFF2-40B4-BE49-F238E27FC236}">
+                <a16:creationId xmlns:a16="http://schemas.microsoft.com/office/drawing/2014/main" id="{445B4D18-9214-71EA-A3B5-B1EFF566DC38}"/>
+              </a:ext>
+            </a:extLst>
+          </p:cNvPr>
+          <p:cNvCxnSpPr/>
+          <p:nvPr/>
+        </p:nvCxnSpPr>
+        <p:spPr>
+          <a:xfrm>
+            <a:off x="228600" y="755374"/>
+            <a:ext cx="11936896" cy="0"/>
+          </a:xfrm>
+          <a:prstGeom prst="line">
+            <a:avLst/>
+          </a:prstGeom>
+        </p:spPr>
+        <p:style>
+          <a:lnRef idx="2">
+            <a:schemeClr val="accent1"/>
+          </a:lnRef>
+          <a:fillRef idx="0">
+            <a:schemeClr val="accent1"/>
+          </a:fillRef>
+          <a:effectRef idx="1">
+            <a:schemeClr val="accent1"/>
+          </a:effectRef>
+          <a:fontRef idx="minor">
+            <a:schemeClr val="tx1"/>
+          </a:fontRef>
+        </p:style>
+      </p:cxnSp>
+      <p:sp>
+        <p:nvSpPr>
+          <p:cNvPr id="5" name="テキスト ボックス 4">
+            <a:extLst>
+              <a:ext uri="{FF2B5EF4-FFF2-40B4-BE49-F238E27FC236}">
+                <a16:creationId xmlns:a16="http://schemas.microsoft.com/office/drawing/2014/main" id="{72E1903D-28AC-1AA9-1B85-9A04AE681026}"/>
+              </a:ext>
+            </a:extLst>
+          </p:cNvPr>
+          <p:cNvSpPr txBox="1"/>
+          <p:nvPr/>
+        </p:nvSpPr>
+        <p:spPr>
+          <a:xfrm>
+            <a:off x="407504" y="198783"/>
+            <a:ext cx="4899992" cy="369332"/>
+          </a:xfrm>
+          <a:prstGeom prst="rect">
+            <a:avLst/>
+          </a:prstGeom>
+          <a:noFill/>
+        </p:spPr>
+        <p:txBody>
+          <a:bodyPr wrap="square" rtlCol="0">
+            <a:spAutoFit/>
+          </a:bodyPr>
+          <a:lstStyle/>
+          <a:p>
+            <a:r>
+              <a:rPr kumimoji="1" lang="ja-JP" altLang="en-US" dirty="0"/>
+              <a:t>アプリケーションとシステムの連携</a:t>
+            </a:r>
+          </a:p>
+        </p:txBody>
+      </p:sp>
+      <p:sp>
+        <p:nvSpPr>
+          <p:cNvPr id="3" name="正方形/長方形 2">
+            <a:extLst>
+              <a:ext uri="{FF2B5EF4-FFF2-40B4-BE49-F238E27FC236}">
+                <a16:creationId xmlns:a16="http://schemas.microsoft.com/office/drawing/2014/main" id="{3719DAAD-586F-673C-D658-7955ECB95287}"/>
+              </a:ext>
+            </a:extLst>
+          </p:cNvPr>
+          <p:cNvSpPr/>
+          <p:nvPr/>
+        </p:nvSpPr>
+        <p:spPr>
+          <a:xfrm>
+            <a:off x="2236304" y="2176392"/>
+            <a:ext cx="1818861" cy="715609"/>
+          </a:xfrm>
+          <a:prstGeom prst="rect">
+            <a:avLst/>
+          </a:prstGeom>
+          <a:noFill/>
+        </p:spPr>
+        <p:style>
+          <a:lnRef idx="2">
+            <a:schemeClr val="accent1">
+              <a:shade val="15000"/>
+            </a:schemeClr>
+          </a:lnRef>
+          <a:fillRef idx="1">
+            <a:schemeClr val="accent1"/>
+          </a:fillRef>
+          <a:effectRef idx="0">
+            <a:schemeClr val="accent1"/>
+          </a:effectRef>
+          <a:fontRef idx="minor">
+            <a:schemeClr val="lt1"/>
+          </a:fontRef>
+        </p:style>
+        <p:txBody>
+          <a:bodyPr rtlCol="0" anchor="ctr"/>
+          <a:lstStyle/>
+          <a:p>
+            <a:pPr algn="ctr"/>
+            <a:r>
+              <a:rPr kumimoji="1" lang="en-US" altLang="ja-JP" sz="1200" dirty="0">
+                <a:solidFill>
+                  <a:schemeClr val="tx1"/>
+                </a:solidFill>
+              </a:rPr>
+              <a:t>QR</a:t>
+            </a:r>
+            <a:r>
+              <a:rPr kumimoji="1" lang="ja-JP" altLang="en-US" sz="1200" dirty="0">
+                <a:solidFill>
+                  <a:schemeClr val="tx1"/>
+                </a:solidFill>
+              </a:rPr>
+              <a:t>リーダー</a:t>
+            </a:r>
+          </a:p>
+        </p:txBody>
+      </p:sp>
+      <p:pic>
+        <p:nvPicPr>
+          <p:cNvPr id="7" name="Picture 2" descr="QRコード作成【ずっと無料・無制限】／QRのススメ">
+            <a:extLst>
+              <a:ext uri="{FF2B5EF4-FFF2-40B4-BE49-F238E27FC236}">
+                <a16:creationId xmlns:a16="http://schemas.microsoft.com/office/drawing/2014/main" id="{2AF49899-83AF-13D4-E81F-C08D0295D230}"/>
+              </a:ext>
+            </a:extLst>
+          </p:cNvPr>
+          <p:cNvPicPr>
+            <a:picLocks noChangeAspect="1" noChangeArrowheads="1"/>
+          </p:cNvPicPr>
+          <p:nvPr/>
+        </p:nvPicPr>
+        <p:blipFill>
+          <a:blip r:embed="rId2">
+            <a:extLst>
+              <a:ext uri="{28A0092B-C50C-407E-A947-70E740481C1C}">
+                <a14:useLocalDpi xmlns:a14="http://schemas.microsoft.com/office/drawing/2010/main" val="0"/>
+              </a:ext>
+            </a:extLst>
+          </a:blip>
+          <a:srcRect/>
+          <a:stretch>
+            <a:fillRect/>
+          </a:stretch>
+        </p:blipFill>
+        <p:spPr bwMode="auto">
+          <a:xfrm>
+            <a:off x="920287" y="2186601"/>
+            <a:ext cx="749487" cy="705400"/>
+          </a:xfrm>
+          <a:prstGeom prst="rect">
+            <a:avLst/>
+          </a:prstGeom>
+          <a:noFill/>
+          <a:extLst>
+            <a:ext uri="{909E8E84-426E-40DD-AFC4-6F175D3DCCD1}">
+              <a14:hiddenFill xmlns:a14="http://schemas.microsoft.com/office/drawing/2010/main">
+                <a:solidFill>
+                  <a:srgbClr val="FFFFFF"/>
+                </a:solidFill>
+              </a14:hiddenFill>
+            </a:ext>
+          </a:extLst>
+        </p:spPr>
+      </p:pic>
+      <p:cxnSp>
+        <p:nvCxnSpPr>
+          <p:cNvPr id="9" name="直線矢印コネクタ 8">
+            <a:extLst>
+              <a:ext uri="{FF2B5EF4-FFF2-40B4-BE49-F238E27FC236}">
+                <a16:creationId xmlns:a16="http://schemas.microsoft.com/office/drawing/2014/main" id="{F190876D-C9FD-5149-4074-E4C48B80FE3D}"/>
+              </a:ext>
+            </a:extLst>
+          </p:cNvPr>
+          <p:cNvCxnSpPr>
+            <a:stCxn id="7" idx="3"/>
+            <a:endCxn id="3" idx="1"/>
+          </p:cNvCxnSpPr>
+          <p:nvPr/>
+        </p:nvCxnSpPr>
+        <p:spPr>
+          <a:xfrm flipV="1">
+            <a:off x="1669774" y="2534197"/>
+            <a:ext cx="566530" cy="5104"/>
+          </a:xfrm>
+          <a:prstGeom prst="straightConnector1">
+            <a:avLst/>
+          </a:prstGeom>
+          <a:ln>
+            <a:tailEnd type="triangle"/>
+          </a:ln>
+        </p:spPr>
+        <p:style>
+          <a:lnRef idx="2">
+            <a:schemeClr val="accent1"/>
+          </a:lnRef>
+          <a:fillRef idx="0">
+            <a:schemeClr val="accent1"/>
+          </a:fillRef>
+          <a:effectRef idx="1">
+            <a:schemeClr val="accent1"/>
+          </a:effectRef>
+          <a:fontRef idx="minor">
+            <a:schemeClr val="tx1"/>
+          </a:fontRef>
+        </p:style>
+      </p:cxnSp>
+      <p:cxnSp>
+        <p:nvCxnSpPr>
+          <p:cNvPr id="17" name="直線矢印コネクタ 16">
+            <a:extLst>
+              <a:ext uri="{FF2B5EF4-FFF2-40B4-BE49-F238E27FC236}">
+                <a16:creationId xmlns:a16="http://schemas.microsoft.com/office/drawing/2014/main" id="{7E0DF062-9394-EA37-7F4D-1DEB1F3390FE}"/>
+              </a:ext>
+            </a:extLst>
+          </p:cNvPr>
+          <p:cNvCxnSpPr>
+            <a:cxnSpLocks/>
+            <a:stCxn id="3" idx="3"/>
+            <a:endCxn id="22" idx="1"/>
+          </p:cNvCxnSpPr>
+          <p:nvPr/>
+        </p:nvCxnSpPr>
+        <p:spPr>
+          <a:xfrm flipV="1">
+            <a:off x="4055165" y="2534189"/>
+            <a:ext cx="2350605" cy="8"/>
+          </a:xfrm>
+          <a:prstGeom prst="straightConnector1">
+            <a:avLst/>
+          </a:prstGeom>
+          <a:ln>
+            <a:tailEnd type="triangle"/>
+          </a:ln>
+        </p:spPr>
+        <p:style>
+          <a:lnRef idx="2">
+            <a:schemeClr val="accent1"/>
+          </a:lnRef>
+          <a:fillRef idx="0">
+            <a:schemeClr val="accent1"/>
+          </a:fillRef>
+          <a:effectRef idx="1">
+            <a:schemeClr val="accent1"/>
+          </a:effectRef>
+          <a:fontRef idx="minor">
+            <a:schemeClr val="tx1"/>
+          </a:fontRef>
+        </p:style>
+      </p:cxnSp>
+      <p:sp>
+        <p:nvSpPr>
+          <p:cNvPr id="20" name="テキスト ボックス 19">
+            <a:extLst>
+              <a:ext uri="{FF2B5EF4-FFF2-40B4-BE49-F238E27FC236}">
+                <a16:creationId xmlns:a16="http://schemas.microsoft.com/office/drawing/2014/main" id="{352FD92A-ED86-42F7-DB2B-91229B9EBB91}"/>
+              </a:ext>
+            </a:extLst>
+          </p:cNvPr>
+          <p:cNvSpPr txBox="1"/>
+          <p:nvPr/>
+        </p:nvSpPr>
+        <p:spPr>
+          <a:xfrm>
+            <a:off x="4055165" y="2186601"/>
+            <a:ext cx="1107996" cy="369332"/>
+          </a:xfrm>
+          <a:prstGeom prst="rect">
+            <a:avLst/>
+          </a:prstGeom>
+          <a:noFill/>
+        </p:spPr>
+        <p:txBody>
+          <a:bodyPr wrap="none" rtlCol="0">
+            <a:spAutoFit/>
+          </a:bodyPr>
+          <a:lstStyle/>
+          <a:p>
+            <a:r>
+              <a:rPr lang="en-US" altLang="ja-JP" dirty="0"/>
+              <a:t>URL</a:t>
+            </a:r>
+            <a:r>
+              <a:rPr lang="ja-JP" altLang="en-US" dirty="0"/>
+              <a:t>通知</a:t>
+            </a:r>
+            <a:endParaRPr kumimoji="1" lang="ja-JP" altLang="en-US" dirty="0"/>
+          </a:p>
+        </p:txBody>
+      </p:sp>
+      <p:sp>
+        <p:nvSpPr>
+          <p:cNvPr id="22" name="正方形/長方形 21">
+            <a:extLst>
+              <a:ext uri="{FF2B5EF4-FFF2-40B4-BE49-F238E27FC236}">
+                <a16:creationId xmlns:a16="http://schemas.microsoft.com/office/drawing/2014/main" id="{5D8FD5A1-1216-D5EF-FBA1-D2680DAA902E}"/>
+              </a:ext>
+            </a:extLst>
+          </p:cNvPr>
+          <p:cNvSpPr/>
+          <p:nvPr/>
+        </p:nvSpPr>
+        <p:spPr>
+          <a:xfrm>
+            <a:off x="6405770" y="2176384"/>
+            <a:ext cx="1989485" cy="715609"/>
+          </a:xfrm>
+          <a:prstGeom prst="rect">
+            <a:avLst/>
+          </a:prstGeom>
+          <a:noFill/>
+        </p:spPr>
+        <p:style>
+          <a:lnRef idx="2">
+            <a:schemeClr val="accent1">
+              <a:shade val="15000"/>
+            </a:schemeClr>
+          </a:lnRef>
+          <a:fillRef idx="1">
+            <a:schemeClr val="accent1"/>
+          </a:fillRef>
+          <a:effectRef idx="0">
+            <a:schemeClr val="accent1"/>
+          </a:effectRef>
+          <a:fontRef idx="minor">
+            <a:schemeClr val="lt1"/>
+          </a:fontRef>
+        </p:style>
+        <p:txBody>
+          <a:bodyPr rtlCol="0" anchor="ctr"/>
+          <a:lstStyle/>
+          <a:p>
+            <a:pPr algn="ctr"/>
+            <a:r>
+              <a:rPr kumimoji="1" lang="en-US" altLang="ja-JP" sz="1200" dirty="0">
+                <a:solidFill>
+                  <a:schemeClr val="tx1"/>
+                </a:solidFill>
+              </a:rPr>
+              <a:t>URL</a:t>
+            </a:r>
+            <a:r>
+              <a:rPr kumimoji="1" lang="ja-JP" altLang="en-US" sz="1200" dirty="0">
+                <a:solidFill>
+                  <a:schemeClr val="tx1"/>
+                </a:solidFill>
+              </a:rPr>
+              <a:t>から表示内容を確定</a:t>
+            </a:r>
+          </a:p>
+        </p:txBody>
+      </p:sp>
+      <p:sp>
+        <p:nvSpPr>
+          <p:cNvPr id="24" name="正方形/長方形 23">
+            <a:extLst>
+              <a:ext uri="{FF2B5EF4-FFF2-40B4-BE49-F238E27FC236}">
+                <a16:creationId xmlns:a16="http://schemas.microsoft.com/office/drawing/2014/main" id="{04D2C61C-B5C0-7E01-5752-619F824F3DEF}"/>
+              </a:ext>
+            </a:extLst>
+          </p:cNvPr>
+          <p:cNvSpPr/>
+          <p:nvPr/>
+        </p:nvSpPr>
+        <p:spPr>
+          <a:xfrm>
+            <a:off x="6405770" y="3860370"/>
+            <a:ext cx="1989485" cy="715609"/>
+          </a:xfrm>
+          <a:prstGeom prst="rect">
+            <a:avLst/>
+          </a:prstGeom>
+          <a:noFill/>
+        </p:spPr>
+        <p:style>
+          <a:lnRef idx="2">
+            <a:schemeClr val="accent1">
+              <a:shade val="15000"/>
+            </a:schemeClr>
+          </a:lnRef>
+          <a:fillRef idx="1">
+            <a:schemeClr val="accent1"/>
+          </a:fillRef>
+          <a:effectRef idx="0">
+            <a:schemeClr val="accent1"/>
+          </a:effectRef>
+          <a:fontRef idx="minor">
+            <a:schemeClr val="lt1"/>
+          </a:fontRef>
+        </p:style>
+        <p:txBody>
+          <a:bodyPr rtlCol="0" anchor="ctr"/>
+          <a:lstStyle/>
+          <a:p>
+            <a:pPr algn="ctr"/>
+            <a:r>
+              <a:rPr kumimoji="1" lang="ja-JP" altLang="en-US" sz="1200" dirty="0">
+                <a:solidFill>
+                  <a:schemeClr val="tx1"/>
+                </a:solidFill>
+              </a:rPr>
+              <a:t>画面構築</a:t>
+            </a:r>
+          </a:p>
+        </p:txBody>
+      </p:sp>
+      <p:cxnSp>
+        <p:nvCxnSpPr>
+          <p:cNvPr id="25" name="直線矢印コネクタ 24">
+            <a:extLst>
+              <a:ext uri="{FF2B5EF4-FFF2-40B4-BE49-F238E27FC236}">
+                <a16:creationId xmlns:a16="http://schemas.microsoft.com/office/drawing/2014/main" id="{D7B1CFE8-B714-50BE-FC93-AD0D96FFF535}"/>
+              </a:ext>
+            </a:extLst>
+          </p:cNvPr>
+          <p:cNvCxnSpPr>
+            <a:cxnSpLocks/>
+            <a:stCxn id="22" idx="2"/>
+            <a:endCxn id="24" idx="0"/>
+          </p:cNvCxnSpPr>
+          <p:nvPr/>
+        </p:nvCxnSpPr>
+        <p:spPr>
+          <a:xfrm>
+            <a:off x="7400513" y="2891993"/>
+            <a:ext cx="0" cy="968377"/>
+          </a:xfrm>
+          <a:prstGeom prst="straightConnector1">
+            <a:avLst/>
+          </a:prstGeom>
+          <a:ln>
+            <a:tailEnd type="triangle"/>
+          </a:ln>
+        </p:spPr>
+        <p:style>
+          <a:lnRef idx="2">
+            <a:schemeClr val="accent1"/>
+          </a:lnRef>
+          <a:fillRef idx="0">
+            <a:schemeClr val="accent1"/>
+          </a:fillRef>
+          <a:effectRef idx="1">
+            <a:schemeClr val="accent1"/>
+          </a:effectRef>
+          <a:fontRef idx="minor">
+            <a:schemeClr val="tx1"/>
+          </a:fontRef>
+        </p:style>
+      </p:cxnSp>
+      <p:cxnSp>
+        <p:nvCxnSpPr>
+          <p:cNvPr id="28" name="直線矢印コネクタ 27">
+            <a:extLst>
+              <a:ext uri="{FF2B5EF4-FFF2-40B4-BE49-F238E27FC236}">
+                <a16:creationId xmlns:a16="http://schemas.microsoft.com/office/drawing/2014/main" id="{350A5490-2AB6-A694-B463-EA6A203CBCB3}"/>
+              </a:ext>
+            </a:extLst>
+          </p:cNvPr>
+          <p:cNvCxnSpPr>
+            <a:cxnSpLocks/>
+            <a:stCxn id="24" idx="1"/>
+            <a:endCxn id="31" idx="3"/>
+          </p:cNvCxnSpPr>
+          <p:nvPr/>
+        </p:nvCxnSpPr>
+        <p:spPr>
+          <a:xfrm flipH="1">
+            <a:off x="4055165" y="4218175"/>
+            <a:ext cx="2350605" cy="1"/>
+          </a:xfrm>
+          <a:prstGeom prst="straightConnector1">
+            <a:avLst/>
+          </a:prstGeom>
+          <a:ln>
+            <a:tailEnd type="triangle"/>
+          </a:ln>
+        </p:spPr>
+        <p:style>
+          <a:lnRef idx="2">
+            <a:schemeClr val="accent1"/>
+          </a:lnRef>
+          <a:fillRef idx="0">
+            <a:schemeClr val="accent1"/>
+          </a:fillRef>
+          <a:effectRef idx="1">
+            <a:schemeClr val="accent1"/>
+          </a:effectRef>
+          <a:fontRef idx="minor">
+            <a:schemeClr val="tx1"/>
+          </a:fontRef>
+        </p:style>
+      </p:cxnSp>
+      <p:sp>
+        <p:nvSpPr>
+          <p:cNvPr id="31" name="正方形/長方形 30">
+            <a:extLst>
+              <a:ext uri="{FF2B5EF4-FFF2-40B4-BE49-F238E27FC236}">
+                <a16:creationId xmlns:a16="http://schemas.microsoft.com/office/drawing/2014/main" id="{CD4CBD29-CDCC-5459-79E1-2620CEB73053}"/>
+              </a:ext>
+            </a:extLst>
+          </p:cNvPr>
+          <p:cNvSpPr/>
+          <p:nvPr/>
+        </p:nvSpPr>
+        <p:spPr>
+          <a:xfrm>
+            <a:off x="2236304" y="3860371"/>
+            <a:ext cx="1818861" cy="715609"/>
+          </a:xfrm>
+          <a:prstGeom prst="rect">
+            <a:avLst/>
+          </a:prstGeom>
+          <a:noFill/>
+        </p:spPr>
+        <p:style>
+          <a:lnRef idx="2">
+            <a:schemeClr val="accent1">
+              <a:shade val="15000"/>
+            </a:schemeClr>
+          </a:lnRef>
+          <a:fillRef idx="1">
+            <a:schemeClr val="accent1"/>
+          </a:fillRef>
+          <a:effectRef idx="0">
+            <a:schemeClr val="accent1"/>
+          </a:effectRef>
+          <a:fontRef idx="minor">
+            <a:schemeClr val="lt1"/>
+          </a:fontRef>
+        </p:style>
+        <p:txBody>
+          <a:bodyPr rtlCol="0" anchor="ctr"/>
+          <a:lstStyle/>
+          <a:p>
+            <a:pPr algn="ctr"/>
+            <a:r>
+              <a:rPr kumimoji="1" lang="ja-JP" altLang="en-US" sz="1200" dirty="0">
+                <a:solidFill>
+                  <a:schemeClr val="tx1"/>
+                </a:solidFill>
+              </a:rPr>
+              <a:t>ブラウザで画面表示</a:t>
+            </a:r>
+          </a:p>
+        </p:txBody>
+      </p:sp>
+      <p:sp>
+        <p:nvSpPr>
+          <p:cNvPr id="37" name="テキスト ボックス 36">
+            <a:extLst>
+              <a:ext uri="{FF2B5EF4-FFF2-40B4-BE49-F238E27FC236}">
+                <a16:creationId xmlns:a16="http://schemas.microsoft.com/office/drawing/2014/main" id="{609C74A2-2A19-426A-E08D-57ADA2A7CF44}"/>
+              </a:ext>
+            </a:extLst>
+          </p:cNvPr>
+          <p:cNvSpPr txBox="1"/>
+          <p:nvPr/>
+        </p:nvSpPr>
+        <p:spPr>
+          <a:xfrm>
+            <a:off x="2375452" y="1461052"/>
+            <a:ext cx="877163" cy="369332"/>
+          </a:xfrm>
+          <a:prstGeom prst="rect">
+            <a:avLst/>
+          </a:prstGeom>
+          <a:noFill/>
+        </p:spPr>
+        <p:txBody>
+          <a:bodyPr wrap="none" rtlCol="0">
+            <a:spAutoFit/>
+          </a:bodyPr>
+          <a:lstStyle/>
+          <a:p>
+            <a:r>
+              <a:rPr kumimoji="1" lang="ja-JP" altLang="en-US" dirty="0"/>
+              <a:t>アプリ</a:t>
+            </a:r>
+          </a:p>
+        </p:txBody>
+      </p:sp>
+      <p:sp>
+        <p:nvSpPr>
+          <p:cNvPr id="39" name="テキスト ボックス 38">
+            <a:extLst>
+              <a:ext uri="{FF2B5EF4-FFF2-40B4-BE49-F238E27FC236}">
+                <a16:creationId xmlns:a16="http://schemas.microsoft.com/office/drawing/2014/main" id="{D2019330-ECAC-CD3F-6FBF-27AA004C5D9C}"/>
+              </a:ext>
+            </a:extLst>
+          </p:cNvPr>
+          <p:cNvSpPr txBox="1"/>
+          <p:nvPr/>
+        </p:nvSpPr>
+        <p:spPr>
+          <a:xfrm>
+            <a:off x="6831495" y="1449248"/>
+            <a:ext cx="1107996" cy="369332"/>
+          </a:xfrm>
+          <a:prstGeom prst="rect">
+            <a:avLst/>
+          </a:prstGeom>
+          <a:noFill/>
+        </p:spPr>
+        <p:txBody>
+          <a:bodyPr wrap="none" rtlCol="0">
+            <a:spAutoFit/>
+          </a:bodyPr>
+          <a:lstStyle/>
+          <a:p>
+            <a:r>
+              <a:rPr kumimoji="1" lang="ja-JP" altLang="en-US"/>
+              <a:t>サーバー</a:t>
+            </a:r>
+            <a:endParaRPr kumimoji="1" lang="ja-JP" altLang="en-US" dirty="0"/>
+          </a:p>
+        </p:txBody>
+      </p:sp>
+    </p:spTree>
+    <p:extLst>
+      <p:ext uri="{BB962C8B-B14F-4D97-AF65-F5344CB8AC3E}">
+        <p14:creationId xmlns:p14="http://schemas.microsoft.com/office/powerpoint/2010/main" val="799319328"/>
       </p:ext>
     </p:extLst>
   </p:cSld>
@@ -25825,7 +25948,7 @@
           <a:p>
             <a:r>
               <a:rPr kumimoji="1" lang="ja-JP" altLang="en-US" dirty="0"/>
-              <a:t>ログインボタン後の画面</a:t>
+              <a:t>スーパーバイザー：ログインボタン後の画面</a:t>
             </a:r>
           </a:p>
         </p:txBody>

--- a/展示物アプリ仕様.pptx
+++ b/展示物アプリ仕様.pptx
@@ -20,32 +20,37 @@
     <p:sldId id="300" r:id="rId14"/>
     <p:sldId id="301" r:id="rId15"/>
     <p:sldId id="303" r:id="rId16"/>
-    <p:sldId id="302" r:id="rId17"/>
-    <p:sldId id="296" r:id="rId18"/>
-    <p:sldId id="290" r:id="rId19"/>
-    <p:sldId id="294" r:id="rId20"/>
-    <p:sldId id="289" r:id="rId21"/>
-    <p:sldId id="263" r:id="rId22"/>
-    <p:sldId id="264" r:id="rId23"/>
-    <p:sldId id="292" r:id="rId24"/>
-    <p:sldId id="291" r:id="rId25"/>
-    <p:sldId id="265" r:id="rId26"/>
-    <p:sldId id="266" r:id="rId27"/>
-    <p:sldId id="270" r:id="rId28"/>
-    <p:sldId id="271" r:id="rId29"/>
-    <p:sldId id="272" r:id="rId30"/>
-    <p:sldId id="267" r:id="rId31"/>
-    <p:sldId id="268" r:id="rId32"/>
-    <p:sldId id="273" r:id="rId33"/>
-    <p:sldId id="276" r:id="rId34"/>
-    <p:sldId id="277" r:id="rId35"/>
-    <p:sldId id="284" r:id="rId36"/>
-    <p:sldId id="278" r:id="rId37"/>
-    <p:sldId id="279" r:id="rId38"/>
-    <p:sldId id="280" r:id="rId39"/>
-    <p:sldId id="281" r:id="rId40"/>
-    <p:sldId id="282" r:id="rId41"/>
-    <p:sldId id="283" r:id="rId42"/>
+    <p:sldId id="307" r:id="rId17"/>
+    <p:sldId id="308" r:id="rId18"/>
+    <p:sldId id="304" r:id="rId19"/>
+    <p:sldId id="305" r:id="rId20"/>
+    <p:sldId id="306" r:id="rId21"/>
+    <p:sldId id="302" r:id="rId22"/>
+    <p:sldId id="296" r:id="rId23"/>
+    <p:sldId id="290" r:id="rId24"/>
+    <p:sldId id="294" r:id="rId25"/>
+    <p:sldId id="289" r:id="rId26"/>
+    <p:sldId id="263" r:id="rId27"/>
+    <p:sldId id="264" r:id="rId28"/>
+    <p:sldId id="292" r:id="rId29"/>
+    <p:sldId id="291" r:id="rId30"/>
+    <p:sldId id="265" r:id="rId31"/>
+    <p:sldId id="266" r:id="rId32"/>
+    <p:sldId id="270" r:id="rId33"/>
+    <p:sldId id="271" r:id="rId34"/>
+    <p:sldId id="272" r:id="rId35"/>
+    <p:sldId id="267" r:id="rId36"/>
+    <p:sldId id="268" r:id="rId37"/>
+    <p:sldId id="273" r:id="rId38"/>
+    <p:sldId id="276" r:id="rId39"/>
+    <p:sldId id="277" r:id="rId40"/>
+    <p:sldId id="284" r:id="rId41"/>
+    <p:sldId id="278" r:id="rId42"/>
+    <p:sldId id="279" r:id="rId43"/>
+    <p:sldId id="280" r:id="rId44"/>
+    <p:sldId id="281" r:id="rId45"/>
+    <p:sldId id="282" r:id="rId46"/>
+    <p:sldId id="283" r:id="rId47"/>
   </p:sldIdLst>
   <p:sldSz cx="12192000" cy="6858000"/>
   <p:notesSz cx="7099300" cy="10234613"/>
@@ -4699,10 +4704,10 @@
       </p:sp>
       <p:pic>
         <p:nvPicPr>
-          <p:cNvPr id="8" name="図 7" descr="グラフィカル ユーザー インターフェイス, アプリケーション&#10;&#10;AI 生成コンテンツは誤りを含む可能性があります。">
-            <a:extLst>
-              <a:ext uri="{FF2B5EF4-FFF2-40B4-BE49-F238E27FC236}">
-                <a16:creationId xmlns:a16="http://schemas.microsoft.com/office/drawing/2014/main" id="{3F229C4E-AEE8-87EA-8F8D-6B84F4FF167A}"/>
+          <p:cNvPr id="10" name="図 9" descr="グラフィカル ユーザー インターフェイス, アプリケーション&#10;&#10;AI 生成コンテンツは誤りを含む可能性があります。">
+            <a:extLst>
+              <a:ext uri="{FF2B5EF4-FFF2-40B4-BE49-F238E27FC236}">
+                <a16:creationId xmlns:a16="http://schemas.microsoft.com/office/drawing/2014/main" id="{E318A1D4-D0E6-1203-B72F-DDEF80BE2AC3}"/>
               </a:ext>
             </a:extLst>
           </p:cNvPr>
@@ -4719,8 +4724,8 @@
         </p:blipFill>
         <p:spPr>
           <a:xfrm>
-            <a:off x="229333" y="924238"/>
-            <a:ext cx="11733333" cy="5009524"/>
+            <a:off x="1767428" y="1467095"/>
+            <a:ext cx="8657143" cy="3923809"/>
           </a:xfrm>
           <a:prstGeom prst="rect">
             <a:avLst/>
@@ -4883,6 +4888,818 @@
   <p:cSld>
     <p:spTree>
       <p:nvGrpSpPr>
+        <p:cNvPr id="1" name="">
+          <a:extLst>
+            <a:ext uri="{FF2B5EF4-FFF2-40B4-BE49-F238E27FC236}">
+              <a16:creationId xmlns:a16="http://schemas.microsoft.com/office/drawing/2014/main" id="{31DE9B5E-ED3F-6AA4-3033-7535CA0A4A57}"/>
+            </a:ext>
+          </a:extLst>
+        </p:cNvPr>
+        <p:cNvGrpSpPr/>
+        <p:nvPr/>
+      </p:nvGrpSpPr>
+      <p:grpSpPr>
+        <a:xfrm>
+          <a:off x="0" y="0"/>
+          <a:ext cx="0" cy="0"/>
+          <a:chOff x="0" y="0"/>
+          <a:chExt cx="0" cy="0"/>
+        </a:xfrm>
+      </p:grpSpPr>
+      <p:cxnSp>
+        <p:nvCxnSpPr>
+          <p:cNvPr id="4" name="直線コネクタ 3">
+            <a:extLst>
+              <a:ext uri="{FF2B5EF4-FFF2-40B4-BE49-F238E27FC236}">
+                <a16:creationId xmlns:a16="http://schemas.microsoft.com/office/drawing/2014/main" id="{D77F2282-1027-DC7D-8344-0E73D0030003}"/>
+              </a:ext>
+            </a:extLst>
+          </p:cNvPr>
+          <p:cNvCxnSpPr/>
+          <p:nvPr/>
+        </p:nvCxnSpPr>
+        <p:spPr>
+          <a:xfrm>
+            <a:off x="228600" y="755374"/>
+            <a:ext cx="11936896" cy="0"/>
+          </a:xfrm>
+          <a:prstGeom prst="line">
+            <a:avLst/>
+          </a:prstGeom>
+        </p:spPr>
+        <p:style>
+          <a:lnRef idx="2">
+            <a:schemeClr val="accent1"/>
+          </a:lnRef>
+          <a:fillRef idx="0">
+            <a:schemeClr val="accent1"/>
+          </a:fillRef>
+          <a:effectRef idx="1">
+            <a:schemeClr val="accent1"/>
+          </a:effectRef>
+          <a:fontRef idx="minor">
+            <a:schemeClr val="tx1"/>
+          </a:fontRef>
+        </p:style>
+      </p:cxnSp>
+      <p:sp>
+        <p:nvSpPr>
+          <p:cNvPr id="5" name="テキスト ボックス 4">
+            <a:extLst>
+              <a:ext uri="{FF2B5EF4-FFF2-40B4-BE49-F238E27FC236}">
+                <a16:creationId xmlns:a16="http://schemas.microsoft.com/office/drawing/2014/main" id="{0805DE3B-66D0-6CB7-EAC4-53DFC2FC6CFF}"/>
+              </a:ext>
+            </a:extLst>
+          </p:cNvPr>
+          <p:cNvSpPr txBox="1"/>
+          <p:nvPr/>
+        </p:nvSpPr>
+        <p:spPr>
+          <a:xfrm>
+            <a:off x="407503" y="198783"/>
+            <a:ext cx="11449879" cy="369332"/>
+          </a:xfrm>
+          <a:prstGeom prst="rect">
+            <a:avLst/>
+          </a:prstGeom>
+          <a:noFill/>
+        </p:spPr>
+        <p:txBody>
+          <a:bodyPr wrap="square" rtlCol="0">
+            <a:spAutoFit/>
+          </a:bodyPr>
+          <a:lstStyle/>
+          <a:p>
+            <a:r>
+              <a:rPr lang="ja-JP" altLang="en-US" dirty="0"/>
+              <a:t>スーパーバイザー：博物館の新規登録（博物館名の重複禁止）</a:t>
+            </a:r>
+            <a:endParaRPr kumimoji="1" lang="ja-JP" altLang="en-US" dirty="0"/>
+          </a:p>
+        </p:txBody>
+      </p:sp>
+      <p:pic>
+        <p:nvPicPr>
+          <p:cNvPr id="6" name="図 5" descr="グラフィカル ユーザー インターフェイス, テキスト, アプリケーション&#10;&#10;AI 生成コンテンツは誤りを含む可能性があります。">
+            <a:extLst>
+              <a:ext uri="{FF2B5EF4-FFF2-40B4-BE49-F238E27FC236}">
+                <a16:creationId xmlns:a16="http://schemas.microsoft.com/office/drawing/2014/main" id="{4BE8FD46-43F3-52E1-A3D9-A3FD3322EE4F}"/>
+              </a:ext>
+            </a:extLst>
+          </p:cNvPr>
+          <p:cNvPicPr>
+            <a:picLocks noChangeAspect="1"/>
+          </p:cNvPicPr>
+          <p:nvPr/>
+        </p:nvPicPr>
+        <p:blipFill>
+          <a:blip r:embed="rId2"/>
+          <a:stretch>
+            <a:fillRect/>
+          </a:stretch>
+        </p:blipFill>
+        <p:spPr>
+          <a:xfrm>
+            <a:off x="407503" y="942634"/>
+            <a:ext cx="7390476" cy="3847619"/>
+          </a:xfrm>
+          <a:prstGeom prst="rect">
+            <a:avLst/>
+          </a:prstGeom>
+        </p:spPr>
+      </p:pic>
+      <p:sp>
+        <p:nvSpPr>
+          <p:cNvPr id="7" name="テキスト ボックス 6">
+            <a:extLst>
+              <a:ext uri="{FF2B5EF4-FFF2-40B4-BE49-F238E27FC236}">
+                <a16:creationId xmlns:a16="http://schemas.microsoft.com/office/drawing/2014/main" id="{C580C88B-1D49-B66A-230E-6C620DA12C36}"/>
+              </a:ext>
+            </a:extLst>
+          </p:cNvPr>
+          <p:cNvSpPr txBox="1"/>
+          <p:nvPr/>
+        </p:nvSpPr>
+        <p:spPr>
+          <a:xfrm>
+            <a:off x="745435" y="5029200"/>
+            <a:ext cx="9968948" cy="646331"/>
+          </a:xfrm>
+          <a:prstGeom prst="rect">
+            <a:avLst/>
+          </a:prstGeom>
+          <a:noFill/>
+        </p:spPr>
+        <p:txBody>
+          <a:bodyPr wrap="square" rtlCol="0">
+            <a:spAutoFit/>
+          </a:bodyPr>
+          <a:lstStyle/>
+          <a:p>
+            <a:pPr marL="285750" indent="-285750">
+              <a:buFont typeface="Wingdings" panose="05000000000000000000" pitchFamily="2" charset="2"/>
+              <a:buChar char="l"/>
+            </a:pPr>
+            <a:r>
+              <a:rPr kumimoji="1" lang="ja-JP" altLang="en-US" dirty="0"/>
+              <a:t>同一名称の博物館名の登録はできません</a:t>
+            </a:r>
+            <a:endParaRPr kumimoji="1" lang="en-US" altLang="ja-JP" dirty="0"/>
+          </a:p>
+          <a:p>
+            <a:pPr marL="285750" indent="-285750">
+              <a:buFont typeface="Wingdings" panose="05000000000000000000" pitchFamily="2" charset="2"/>
+              <a:buChar char="l"/>
+            </a:pPr>
+            <a:r>
+              <a:rPr kumimoji="1" lang="ja-JP" altLang="en-US" dirty="0"/>
+              <a:t>「かな」は同一名称でも登録可能です</a:t>
+            </a:r>
+          </a:p>
+        </p:txBody>
+      </p:sp>
+    </p:spTree>
+    <p:extLst>
+      <p:ext uri="{BB962C8B-B14F-4D97-AF65-F5344CB8AC3E}">
+        <p14:creationId xmlns:p14="http://schemas.microsoft.com/office/powerpoint/2010/main" val="1086646934"/>
+      </p:ext>
+    </p:extLst>
+  </p:cSld>
+  <p:clrMapOvr>
+    <a:masterClrMapping/>
+  </p:clrMapOvr>
+</p:sld>
+</file>
+
+<file path=ppt/slides/slide17.xml><?xml version="1.0" encoding="utf-8"?>
+<p:sld xmlns:a="http://schemas.openxmlformats.org/drawingml/2006/main" xmlns:r="http://schemas.openxmlformats.org/officeDocument/2006/relationships" xmlns:p="http://schemas.openxmlformats.org/presentationml/2006/main">
+  <p:cSld>
+    <p:spTree>
+      <p:nvGrpSpPr>
+        <p:cNvPr id="1" name="">
+          <a:extLst>
+            <a:ext uri="{FF2B5EF4-FFF2-40B4-BE49-F238E27FC236}">
+              <a16:creationId xmlns:a16="http://schemas.microsoft.com/office/drawing/2014/main" id="{4FBB5E40-0C00-DD09-0A5B-E06DC78FB51D}"/>
+            </a:ext>
+          </a:extLst>
+        </p:cNvPr>
+        <p:cNvGrpSpPr/>
+        <p:nvPr/>
+      </p:nvGrpSpPr>
+      <p:grpSpPr>
+        <a:xfrm>
+          <a:off x="0" y="0"/>
+          <a:ext cx="0" cy="0"/>
+          <a:chOff x="0" y="0"/>
+          <a:chExt cx="0" cy="0"/>
+        </a:xfrm>
+      </p:grpSpPr>
+      <p:cxnSp>
+        <p:nvCxnSpPr>
+          <p:cNvPr id="4" name="直線コネクタ 3">
+            <a:extLst>
+              <a:ext uri="{FF2B5EF4-FFF2-40B4-BE49-F238E27FC236}">
+                <a16:creationId xmlns:a16="http://schemas.microsoft.com/office/drawing/2014/main" id="{96204220-83B0-59C7-C070-AC86B0E6468C}"/>
+              </a:ext>
+            </a:extLst>
+          </p:cNvPr>
+          <p:cNvCxnSpPr/>
+          <p:nvPr/>
+        </p:nvCxnSpPr>
+        <p:spPr>
+          <a:xfrm>
+            <a:off x="228600" y="755374"/>
+            <a:ext cx="11936896" cy="0"/>
+          </a:xfrm>
+          <a:prstGeom prst="line">
+            <a:avLst/>
+          </a:prstGeom>
+        </p:spPr>
+        <p:style>
+          <a:lnRef idx="2">
+            <a:schemeClr val="accent1"/>
+          </a:lnRef>
+          <a:fillRef idx="0">
+            <a:schemeClr val="accent1"/>
+          </a:fillRef>
+          <a:effectRef idx="1">
+            <a:schemeClr val="accent1"/>
+          </a:effectRef>
+          <a:fontRef idx="minor">
+            <a:schemeClr val="tx1"/>
+          </a:fontRef>
+        </p:style>
+      </p:cxnSp>
+      <p:sp>
+        <p:nvSpPr>
+          <p:cNvPr id="5" name="テキスト ボックス 4">
+            <a:extLst>
+              <a:ext uri="{FF2B5EF4-FFF2-40B4-BE49-F238E27FC236}">
+                <a16:creationId xmlns:a16="http://schemas.microsoft.com/office/drawing/2014/main" id="{7D8DA79F-3BAE-6FB8-B947-D5043250348D}"/>
+              </a:ext>
+            </a:extLst>
+          </p:cNvPr>
+          <p:cNvSpPr txBox="1"/>
+          <p:nvPr/>
+        </p:nvSpPr>
+        <p:spPr>
+          <a:xfrm>
+            <a:off x="407503" y="198783"/>
+            <a:ext cx="11449879" cy="369332"/>
+          </a:xfrm>
+          <a:prstGeom prst="rect">
+            <a:avLst/>
+          </a:prstGeom>
+          <a:noFill/>
+        </p:spPr>
+        <p:txBody>
+          <a:bodyPr wrap="square" rtlCol="0">
+            <a:spAutoFit/>
+          </a:bodyPr>
+          <a:lstStyle/>
+          <a:p>
+            <a:r>
+              <a:rPr lang="ja-JP" altLang="en-US" dirty="0"/>
+              <a:t>スーパーバイザー：博物館の新規登録（複数館同一管理者登録）</a:t>
+            </a:r>
+            <a:endParaRPr kumimoji="1" lang="ja-JP" altLang="en-US" dirty="0"/>
+          </a:p>
+        </p:txBody>
+      </p:sp>
+      <p:sp>
+        <p:nvSpPr>
+          <p:cNvPr id="7" name="テキスト ボックス 6">
+            <a:extLst>
+              <a:ext uri="{FF2B5EF4-FFF2-40B4-BE49-F238E27FC236}">
+                <a16:creationId xmlns:a16="http://schemas.microsoft.com/office/drawing/2014/main" id="{E79F7589-A4EF-97B0-FEA7-72C69CBB3BF1}"/>
+              </a:ext>
+            </a:extLst>
+          </p:cNvPr>
+          <p:cNvSpPr txBox="1"/>
+          <p:nvPr/>
+        </p:nvSpPr>
+        <p:spPr>
+          <a:xfrm>
+            <a:off x="668446" y="3975652"/>
+            <a:ext cx="9968948" cy="923330"/>
+          </a:xfrm>
+          <a:prstGeom prst="rect">
+            <a:avLst/>
+          </a:prstGeom>
+          <a:noFill/>
+        </p:spPr>
+        <p:txBody>
+          <a:bodyPr wrap="square" rtlCol="0">
+            <a:spAutoFit/>
+          </a:bodyPr>
+          <a:lstStyle/>
+          <a:p>
+            <a:r>
+              <a:rPr kumimoji="1" lang="ja-JP" altLang="en-US" dirty="0"/>
+              <a:t>複数の博物館に同一の管理者を登録することが可能です。</a:t>
+            </a:r>
+            <a:br>
+              <a:rPr kumimoji="1" lang="en-US" altLang="ja-JP" dirty="0"/>
+            </a:br>
+            <a:r>
+              <a:rPr kumimoji="1" lang="ja-JP" altLang="en-US" dirty="0"/>
+              <a:t>ただしパスワードは最初に登録したパスワードが優先され、</a:t>
+            </a:r>
+            <a:endParaRPr kumimoji="1" lang="en-US" altLang="ja-JP" dirty="0"/>
+          </a:p>
+          <a:p>
+            <a:r>
+              <a:rPr kumimoji="1" lang="ja-JP" altLang="en-US"/>
+              <a:t>以降のパスワードは入力できません</a:t>
+            </a:r>
+            <a:endParaRPr kumimoji="1" lang="ja-JP" altLang="en-US" dirty="0"/>
+          </a:p>
+        </p:txBody>
+      </p:sp>
+      <p:pic>
+        <p:nvPicPr>
+          <p:cNvPr id="9" name="図 8" descr="グラフィカル ユーザー インターフェイス, テキスト, アプリケーション, チャットまたはテキスト メッセージ&#10;&#10;AI 生成コンテンツは誤りを含む可能性があります。">
+            <a:extLst>
+              <a:ext uri="{FF2B5EF4-FFF2-40B4-BE49-F238E27FC236}">
+                <a16:creationId xmlns:a16="http://schemas.microsoft.com/office/drawing/2014/main" id="{CD38BFA4-22B8-8AEE-1556-B73028665759}"/>
+              </a:ext>
+            </a:extLst>
+          </p:cNvPr>
+          <p:cNvPicPr>
+            <a:picLocks noChangeAspect="1"/>
+          </p:cNvPicPr>
+          <p:nvPr/>
+        </p:nvPicPr>
+        <p:blipFill>
+          <a:blip r:embed="rId2"/>
+          <a:stretch>
+            <a:fillRect/>
+          </a:stretch>
+        </p:blipFill>
+        <p:spPr>
+          <a:xfrm>
+            <a:off x="407503" y="942634"/>
+            <a:ext cx="7257143" cy="2666667"/>
+          </a:xfrm>
+          <a:prstGeom prst="rect">
+            <a:avLst/>
+          </a:prstGeom>
+        </p:spPr>
+      </p:pic>
+    </p:spTree>
+    <p:extLst>
+      <p:ext uri="{BB962C8B-B14F-4D97-AF65-F5344CB8AC3E}">
+        <p14:creationId xmlns:p14="http://schemas.microsoft.com/office/powerpoint/2010/main" val="4066768440"/>
+      </p:ext>
+    </p:extLst>
+  </p:cSld>
+  <p:clrMapOvr>
+    <a:masterClrMapping/>
+  </p:clrMapOvr>
+</p:sld>
+</file>
+
+<file path=ppt/slides/slide18.xml><?xml version="1.0" encoding="utf-8"?>
+<p:sld xmlns:a="http://schemas.openxmlformats.org/drawingml/2006/main" xmlns:r="http://schemas.openxmlformats.org/officeDocument/2006/relationships" xmlns:p="http://schemas.openxmlformats.org/presentationml/2006/main">
+  <p:cSld>
+    <p:spTree>
+      <p:nvGrpSpPr>
+        <p:cNvPr id="1" name="">
+          <a:extLst>
+            <a:ext uri="{FF2B5EF4-FFF2-40B4-BE49-F238E27FC236}">
+              <a16:creationId xmlns:a16="http://schemas.microsoft.com/office/drawing/2014/main" id="{A3FA11F1-F304-40E8-6A7B-3E6513CC6788}"/>
+            </a:ext>
+          </a:extLst>
+        </p:cNvPr>
+        <p:cNvGrpSpPr/>
+        <p:nvPr/>
+      </p:nvGrpSpPr>
+      <p:grpSpPr>
+        <a:xfrm>
+          <a:off x="0" y="0"/>
+          <a:ext cx="0" cy="0"/>
+          <a:chOff x="0" y="0"/>
+          <a:chExt cx="0" cy="0"/>
+        </a:xfrm>
+      </p:grpSpPr>
+      <p:cxnSp>
+        <p:nvCxnSpPr>
+          <p:cNvPr id="4" name="直線コネクタ 3">
+            <a:extLst>
+              <a:ext uri="{FF2B5EF4-FFF2-40B4-BE49-F238E27FC236}">
+                <a16:creationId xmlns:a16="http://schemas.microsoft.com/office/drawing/2014/main" id="{860D0F2E-1A7D-95F4-3AF6-0B4903C286B3}"/>
+              </a:ext>
+            </a:extLst>
+          </p:cNvPr>
+          <p:cNvCxnSpPr/>
+          <p:nvPr/>
+        </p:nvCxnSpPr>
+        <p:spPr>
+          <a:xfrm>
+            <a:off x="228600" y="755374"/>
+            <a:ext cx="11936896" cy="0"/>
+          </a:xfrm>
+          <a:prstGeom prst="line">
+            <a:avLst/>
+          </a:prstGeom>
+        </p:spPr>
+        <p:style>
+          <a:lnRef idx="2">
+            <a:schemeClr val="accent1"/>
+          </a:lnRef>
+          <a:fillRef idx="0">
+            <a:schemeClr val="accent1"/>
+          </a:fillRef>
+          <a:effectRef idx="1">
+            <a:schemeClr val="accent1"/>
+          </a:effectRef>
+          <a:fontRef idx="minor">
+            <a:schemeClr val="tx1"/>
+          </a:fontRef>
+        </p:style>
+      </p:cxnSp>
+      <p:sp>
+        <p:nvSpPr>
+          <p:cNvPr id="5" name="テキスト ボックス 4">
+            <a:extLst>
+              <a:ext uri="{FF2B5EF4-FFF2-40B4-BE49-F238E27FC236}">
+                <a16:creationId xmlns:a16="http://schemas.microsoft.com/office/drawing/2014/main" id="{2D5CA193-749A-2C4C-8C52-6F235F0DF838}"/>
+              </a:ext>
+            </a:extLst>
+          </p:cNvPr>
+          <p:cNvSpPr txBox="1"/>
+          <p:nvPr/>
+        </p:nvSpPr>
+        <p:spPr>
+          <a:xfrm>
+            <a:off x="407503" y="198783"/>
+            <a:ext cx="11449879" cy="369332"/>
+          </a:xfrm>
+          <a:prstGeom prst="rect">
+            <a:avLst/>
+          </a:prstGeom>
+          <a:noFill/>
+        </p:spPr>
+        <p:txBody>
+          <a:bodyPr wrap="square" rtlCol="0">
+            <a:spAutoFit/>
+          </a:bodyPr>
+          <a:lstStyle/>
+          <a:p>
+            <a:r>
+              <a:rPr lang="ja-JP" altLang="en-US" dirty="0"/>
+              <a:t>スーパーバイザー：博物館の削除</a:t>
+            </a:r>
+            <a:endParaRPr kumimoji="1" lang="ja-JP" altLang="en-US" dirty="0"/>
+          </a:p>
+        </p:txBody>
+      </p:sp>
+      <p:pic>
+        <p:nvPicPr>
+          <p:cNvPr id="10" name="図 9" descr="グラフィカル ユーザー インターフェイス, アプリケーション&#10;&#10;AI 生成コンテンツは誤りを含む可能性があります。">
+            <a:extLst>
+              <a:ext uri="{FF2B5EF4-FFF2-40B4-BE49-F238E27FC236}">
+                <a16:creationId xmlns:a16="http://schemas.microsoft.com/office/drawing/2014/main" id="{BE42CBEB-3762-9CB8-8758-DF6F6D196AE7}"/>
+              </a:ext>
+            </a:extLst>
+          </p:cNvPr>
+          <p:cNvPicPr>
+            <a:picLocks noChangeAspect="1"/>
+          </p:cNvPicPr>
+          <p:nvPr/>
+        </p:nvPicPr>
+        <p:blipFill>
+          <a:blip r:embed="rId2"/>
+          <a:stretch>
+            <a:fillRect/>
+          </a:stretch>
+        </p:blipFill>
+        <p:spPr>
+          <a:xfrm>
+            <a:off x="1394789" y="1149042"/>
+            <a:ext cx="8657143" cy="3923809"/>
+          </a:xfrm>
+          <a:prstGeom prst="rect">
+            <a:avLst/>
+          </a:prstGeom>
+        </p:spPr>
+      </p:pic>
+      <p:sp>
+        <p:nvSpPr>
+          <p:cNvPr id="2" name="楕円 1">
+            <a:extLst>
+              <a:ext uri="{FF2B5EF4-FFF2-40B4-BE49-F238E27FC236}">
+                <a16:creationId xmlns:a16="http://schemas.microsoft.com/office/drawing/2014/main" id="{6C4EE685-B4B1-7141-4B68-30A0300D52C4}"/>
+              </a:ext>
+            </a:extLst>
+          </p:cNvPr>
+          <p:cNvSpPr/>
+          <p:nvPr/>
+        </p:nvSpPr>
+        <p:spPr>
+          <a:xfrm>
+            <a:off x="8706678" y="4084984"/>
+            <a:ext cx="636106" cy="427382"/>
+          </a:xfrm>
+          <a:prstGeom prst="ellipse">
+            <a:avLst/>
+          </a:prstGeom>
+          <a:noFill/>
+          <a:ln>
+            <a:solidFill>
+              <a:srgbClr val="FF0000"/>
+            </a:solidFill>
+          </a:ln>
+        </p:spPr>
+        <p:style>
+          <a:lnRef idx="2">
+            <a:schemeClr val="accent1">
+              <a:shade val="15000"/>
+            </a:schemeClr>
+          </a:lnRef>
+          <a:fillRef idx="1">
+            <a:schemeClr val="accent1"/>
+          </a:fillRef>
+          <a:effectRef idx="0">
+            <a:schemeClr val="accent1"/>
+          </a:effectRef>
+          <a:fontRef idx="minor">
+            <a:schemeClr val="lt1"/>
+          </a:fontRef>
+        </p:style>
+        <p:txBody>
+          <a:bodyPr rtlCol="0" anchor="ctr"/>
+          <a:lstStyle/>
+          <a:p>
+            <a:pPr algn="ctr"/>
+            <a:endParaRPr kumimoji="1" lang="ja-JP" altLang="en-US" sz="1200" dirty="0">
+              <a:solidFill>
+                <a:schemeClr val="tx1"/>
+              </a:solidFill>
+            </a:endParaRPr>
+          </a:p>
+        </p:txBody>
+      </p:sp>
+      <p:sp>
+        <p:nvSpPr>
+          <p:cNvPr id="3" name="テキスト ボックス 2">
+            <a:extLst>
+              <a:ext uri="{FF2B5EF4-FFF2-40B4-BE49-F238E27FC236}">
+                <a16:creationId xmlns:a16="http://schemas.microsoft.com/office/drawing/2014/main" id="{AA33D95B-3242-6B5C-52E3-688FFAD96F33}"/>
+              </a:ext>
+            </a:extLst>
+          </p:cNvPr>
+          <p:cNvSpPr txBox="1"/>
+          <p:nvPr/>
+        </p:nvSpPr>
+        <p:spPr>
+          <a:xfrm>
+            <a:off x="5928692" y="5917960"/>
+            <a:ext cx="6828183" cy="369332"/>
+          </a:xfrm>
+          <a:prstGeom prst="rect">
+            <a:avLst/>
+          </a:prstGeom>
+          <a:noFill/>
+        </p:spPr>
+        <p:txBody>
+          <a:bodyPr wrap="square" rtlCol="0">
+            <a:spAutoFit/>
+          </a:bodyPr>
+          <a:lstStyle/>
+          <a:p>
+            <a:r>
+              <a:rPr kumimoji="1" lang="ja-JP" altLang="en-US" dirty="0"/>
+              <a:t>削除ボタンで対象の博物館がゴミ箱に移動する</a:t>
+            </a:r>
+          </a:p>
+        </p:txBody>
+      </p:sp>
+      <p:pic>
+        <p:nvPicPr>
+          <p:cNvPr id="7" name="図 6" descr="グラフィカル ユーザー インターフェイス, テキスト, アプリケーション, チャットまたはテキスト メッセージ&#10;&#10;AI 生成コンテンツは誤りを含む可能性があります。">
+            <a:extLst>
+              <a:ext uri="{FF2B5EF4-FFF2-40B4-BE49-F238E27FC236}">
+                <a16:creationId xmlns:a16="http://schemas.microsoft.com/office/drawing/2014/main" id="{87AEB6B3-EAB0-68A0-6E63-B80C1DDD1D8F}"/>
+              </a:ext>
+            </a:extLst>
+          </p:cNvPr>
+          <p:cNvPicPr>
+            <a:picLocks noChangeAspect="1"/>
+          </p:cNvPicPr>
+          <p:nvPr/>
+        </p:nvPicPr>
+        <p:blipFill>
+          <a:blip r:embed="rId3"/>
+          <a:stretch>
+            <a:fillRect/>
+          </a:stretch>
+        </p:blipFill>
+        <p:spPr>
+          <a:xfrm>
+            <a:off x="1113183" y="5388340"/>
+            <a:ext cx="4295238" cy="1428571"/>
+          </a:xfrm>
+          <a:prstGeom prst="rect">
+            <a:avLst/>
+          </a:prstGeom>
+        </p:spPr>
+      </p:pic>
+      <p:cxnSp>
+        <p:nvCxnSpPr>
+          <p:cNvPr id="9" name="直線矢印コネクタ 8">
+            <a:extLst>
+              <a:ext uri="{FF2B5EF4-FFF2-40B4-BE49-F238E27FC236}">
+                <a16:creationId xmlns:a16="http://schemas.microsoft.com/office/drawing/2014/main" id="{9F27DFB3-2277-5004-C330-023F246723B6}"/>
+              </a:ext>
+            </a:extLst>
+          </p:cNvPr>
+          <p:cNvCxnSpPr/>
+          <p:nvPr/>
+        </p:nvCxnSpPr>
+        <p:spPr>
+          <a:xfrm flipH="1">
+            <a:off x="5723360" y="4512366"/>
+            <a:ext cx="3102588" cy="1093304"/>
+          </a:xfrm>
+          <a:prstGeom prst="straightConnector1">
+            <a:avLst/>
+          </a:prstGeom>
+          <a:ln>
+            <a:tailEnd type="triangle"/>
+          </a:ln>
+        </p:spPr>
+        <p:style>
+          <a:lnRef idx="2">
+            <a:schemeClr val="accent1"/>
+          </a:lnRef>
+          <a:fillRef idx="0">
+            <a:schemeClr val="accent1"/>
+          </a:fillRef>
+          <a:effectRef idx="1">
+            <a:schemeClr val="accent1"/>
+          </a:effectRef>
+          <a:fontRef idx="minor">
+            <a:schemeClr val="tx1"/>
+          </a:fontRef>
+        </p:style>
+      </p:cxnSp>
+    </p:spTree>
+    <p:extLst>
+      <p:ext uri="{BB962C8B-B14F-4D97-AF65-F5344CB8AC3E}">
+        <p14:creationId xmlns:p14="http://schemas.microsoft.com/office/powerpoint/2010/main" val="3127086336"/>
+      </p:ext>
+    </p:extLst>
+  </p:cSld>
+  <p:clrMapOvr>
+    <a:masterClrMapping/>
+  </p:clrMapOvr>
+</p:sld>
+</file>
+
+<file path=ppt/slides/slide19.xml><?xml version="1.0" encoding="utf-8"?>
+<p:sld xmlns:a="http://schemas.openxmlformats.org/drawingml/2006/main" xmlns:r="http://schemas.openxmlformats.org/officeDocument/2006/relationships" xmlns:p="http://schemas.openxmlformats.org/presentationml/2006/main">
+  <p:cSld>
+    <p:spTree>
+      <p:nvGrpSpPr>
+        <p:cNvPr id="1" name="">
+          <a:extLst>
+            <a:ext uri="{FF2B5EF4-FFF2-40B4-BE49-F238E27FC236}">
+              <a16:creationId xmlns:a16="http://schemas.microsoft.com/office/drawing/2014/main" id="{9E2498A7-FF46-A37A-5C55-AD914A884374}"/>
+            </a:ext>
+          </a:extLst>
+        </p:cNvPr>
+        <p:cNvGrpSpPr/>
+        <p:nvPr/>
+      </p:nvGrpSpPr>
+      <p:grpSpPr>
+        <a:xfrm>
+          <a:off x="0" y="0"/>
+          <a:ext cx="0" cy="0"/>
+          <a:chOff x="0" y="0"/>
+          <a:chExt cx="0" cy="0"/>
+        </a:xfrm>
+      </p:grpSpPr>
+      <p:cxnSp>
+        <p:nvCxnSpPr>
+          <p:cNvPr id="4" name="直線コネクタ 3">
+            <a:extLst>
+              <a:ext uri="{FF2B5EF4-FFF2-40B4-BE49-F238E27FC236}">
+                <a16:creationId xmlns:a16="http://schemas.microsoft.com/office/drawing/2014/main" id="{30AEC8D2-0E2C-3505-5497-9B53F17AA81A}"/>
+              </a:ext>
+            </a:extLst>
+          </p:cNvPr>
+          <p:cNvCxnSpPr/>
+          <p:nvPr/>
+        </p:nvCxnSpPr>
+        <p:spPr>
+          <a:xfrm>
+            <a:off x="228600" y="755374"/>
+            <a:ext cx="11936896" cy="0"/>
+          </a:xfrm>
+          <a:prstGeom prst="line">
+            <a:avLst/>
+          </a:prstGeom>
+        </p:spPr>
+        <p:style>
+          <a:lnRef idx="2">
+            <a:schemeClr val="accent1"/>
+          </a:lnRef>
+          <a:fillRef idx="0">
+            <a:schemeClr val="accent1"/>
+          </a:fillRef>
+          <a:effectRef idx="1">
+            <a:schemeClr val="accent1"/>
+          </a:effectRef>
+          <a:fontRef idx="minor">
+            <a:schemeClr val="tx1"/>
+          </a:fontRef>
+        </p:style>
+      </p:cxnSp>
+      <p:sp>
+        <p:nvSpPr>
+          <p:cNvPr id="5" name="テキスト ボックス 4">
+            <a:extLst>
+              <a:ext uri="{FF2B5EF4-FFF2-40B4-BE49-F238E27FC236}">
+                <a16:creationId xmlns:a16="http://schemas.microsoft.com/office/drawing/2014/main" id="{6E5B143E-A6B8-AE5A-13D2-3136F4BF9CF1}"/>
+              </a:ext>
+            </a:extLst>
+          </p:cNvPr>
+          <p:cNvSpPr txBox="1"/>
+          <p:nvPr/>
+        </p:nvSpPr>
+        <p:spPr>
+          <a:xfrm>
+            <a:off x="407503" y="198783"/>
+            <a:ext cx="11449879" cy="369332"/>
+          </a:xfrm>
+          <a:prstGeom prst="rect">
+            <a:avLst/>
+          </a:prstGeom>
+          <a:noFill/>
+        </p:spPr>
+        <p:txBody>
+          <a:bodyPr wrap="square" rtlCol="0">
+            <a:spAutoFit/>
+          </a:bodyPr>
+          <a:lstStyle/>
+          <a:p>
+            <a:r>
+              <a:rPr lang="ja-JP" altLang="en-US" dirty="0"/>
+              <a:t>スーパーバイザー：博物館の削除</a:t>
+            </a:r>
+            <a:endParaRPr kumimoji="1" lang="ja-JP" altLang="en-US" dirty="0"/>
+          </a:p>
+        </p:txBody>
+      </p:sp>
+      <p:pic>
+        <p:nvPicPr>
+          <p:cNvPr id="8" name="図 7" descr="グラフィカル ユーザー インターフェイス, テキスト, アプリケーション, メール&#10;&#10;AI 生成コンテンツは誤りを含む可能性があります。">
+            <a:extLst>
+              <a:ext uri="{FF2B5EF4-FFF2-40B4-BE49-F238E27FC236}">
+                <a16:creationId xmlns:a16="http://schemas.microsoft.com/office/drawing/2014/main" id="{C75641E4-46D8-0985-DB1F-BAB49A41AB71}"/>
+              </a:ext>
+            </a:extLst>
+          </p:cNvPr>
+          <p:cNvPicPr>
+            <a:picLocks noChangeAspect="1"/>
+          </p:cNvPicPr>
+          <p:nvPr/>
+        </p:nvPicPr>
+        <p:blipFill>
+          <a:blip r:embed="rId2"/>
+          <a:stretch>
+            <a:fillRect/>
+          </a:stretch>
+        </p:blipFill>
+        <p:spPr>
+          <a:xfrm>
+            <a:off x="1796000" y="1243285"/>
+            <a:ext cx="8600000" cy="4371429"/>
+          </a:xfrm>
+          <a:prstGeom prst="rect">
+            <a:avLst/>
+          </a:prstGeom>
+        </p:spPr>
+      </p:pic>
+    </p:spTree>
+    <p:extLst>
+      <p:ext uri="{BB962C8B-B14F-4D97-AF65-F5344CB8AC3E}">
+        <p14:creationId xmlns:p14="http://schemas.microsoft.com/office/powerpoint/2010/main" val="2600675826"/>
+      </p:ext>
+    </p:extLst>
+  </p:cSld>
+  <p:clrMapOvr>
+    <a:masterClrMapping/>
+  </p:clrMapOvr>
+</p:sld>
+</file>
+
+<file path=ppt/slides/slide2.xml><?xml version="1.0" encoding="utf-8"?>
+<p:sld xmlns:a="http://schemas.openxmlformats.org/drawingml/2006/main" xmlns:r="http://schemas.openxmlformats.org/officeDocument/2006/relationships" xmlns:p="http://schemas.openxmlformats.org/presentationml/2006/main">
+  <p:cSld>
+    <p:spTree>
+      <p:nvGrpSpPr>
         <p:cNvPr id="1" name=""/>
         <p:cNvGrpSpPr/>
         <p:nvPr/>
@@ -4895,56 +5712,597 @@
           <a:chExt cx="0" cy="0"/>
         </a:xfrm>
       </p:grpSpPr>
-      <p:sp>
-        <p:nvSpPr>
-          <p:cNvPr id="2" name="タイトル 1">
-            <a:extLst>
-              <a:ext uri="{FF2B5EF4-FFF2-40B4-BE49-F238E27FC236}">
-                <a16:creationId xmlns:a16="http://schemas.microsoft.com/office/drawing/2014/main" id="{F7F7BB5C-EC47-C339-DB59-98C4B9783F96}"/>
-              </a:ext>
-            </a:extLst>
-          </p:cNvPr>
-          <p:cNvSpPr>
-            <a:spLocks noGrp="1"/>
-          </p:cNvSpPr>
-          <p:nvPr>
-            <p:ph type="title"/>
-          </p:nvPr>
-        </p:nvSpPr>
-        <p:spPr/>
-        <p:txBody>
-          <a:bodyPr/>
-          <a:lstStyle/>
-          <a:p>
-            <a:endParaRPr kumimoji="1" lang="ja-JP" altLang="en-US"/>
-          </a:p>
-        </p:txBody>
-      </p:sp>
-      <p:sp>
-        <p:nvSpPr>
-          <p:cNvPr id="3" name="コンテンツ プレースホルダー 2">
-            <a:extLst>
-              <a:ext uri="{FF2B5EF4-FFF2-40B4-BE49-F238E27FC236}">
-                <a16:creationId xmlns:a16="http://schemas.microsoft.com/office/drawing/2014/main" id="{53D92820-BC12-6A86-11B6-F57901956B21}"/>
-              </a:ext>
-            </a:extLst>
-          </p:cNvPr>
-          <p:cNvSpPr>
-            <a:spLocks noGrp="1"/>
-          </p:cNvSpPr>
-          <p:nvPr>
-            <p:ph idx="1"/>
-          </p:nvPr>
-        </p:nvSpPr>
-        <p:spPr/>
-        <p:txBody>
-          <a:bodyPr/>
-          <a:lstStyle/>
-          <a:p>
-            <a:endParaRPr kumimoji="1" lang="ja-JP" altLang="en-US"/>
-          </a:p>
-        </p:txBody>
-      </p:sp>
+      <p:cxnSp>
+        <p:nvCxnSpPr>
+          <p:cNvPr id="6" name="直線コネクタ 5">
+            <a:extLst>
+              <a:ext uri="{FF2B5EF4-FFF2-40B4-BE49-F238E27FC236}">
+                <a16:creationId xmlns:a16="http://schemas.microsoft.com/office/drawing/2014/main" id="{EF074C25-5D8C-E0B3-86B8-E07F90782318}"/>
+              </a:ext>
+            </a:extLst>
+          </p:cNvPr>
+          <p:cNvCxnSpPr/>
+          <p:nvPr/>
+        </p:nvCxnSpPr>
+        <p:spPr>
+          <a:xfrm>
+            <a:off x="228600" y="755374"/>
+            <a:ext cx="11936896" cy="0"/>
+          </a:xfrm>
+          <a:prstGeom prst="line">
+            <a:avLst/>
+          </a:prstGeom>
+        </p:spPr>
+        <p:style>
+          <a:lnRef idx="2">
+            <a:schemeClr val="accent1"/>
+          </a:lnRef>
+          <a:fillRef idx="0">
+            <a:schemeClr val="accent1"/>
+          </a:fillRef>
+          <a:effectRef idx="1">
+            <a:schemeClr val="accent1"/>
+          </a:effectRef>
+          <a:fontRef idx="minor">
+            <a:schemeClr val="tx1"/>
+          </a:fontRef>
+        </p:style>
+      </p:cxnSp>
+      <p:sp>
+        <p:nvSpPr>
+          <p:cNvPr id="7" name="テキスト ボックス 6">
+            <a:extLst>
+              <a:ext uri="{FF2B5EF4-FFF2-40B4-BE49-F238E27FC236}">
+                <a16:creationId xmlns:a16="http://schemas.microsoft.com/office/drawing/2014/main" id="{C1B52376-17C6-F2FF-4942-75BF19E077C4}"/>
+              </a:ext>
+            </a:extLst>
+          </p:cNvPr>
+          <p:cNvSpPr txBox="1"/>
+          <p:nvPr/>
+        </p:nvSpPr>
+        <p:spPr>
+          <a:xfrm>
+            <a:off x="407504" y="198783"/>
+            <a:ext cx="3796748" cy="369332"/>
+          </a:xfrm>
+          <a:prstGeom prst="rect">
+            <a:avLst/>
+          </a:prstGeom>
+          <a:noFill/>
+        </p:spPr>
+        <p:txBody>
+          <a:bodyPr wrap="square" rtlCol="0">
+            <a:spAutoFit/>
+          </a:bodyPr>
+          <a:lstStyle/>
+          <a:p>
+            <a:r>
+              <a:rPr kumimoji="1" lang="ja-JP" altLang="en-US" dirty="0"/>
+              <a:t>アプリケーション方針</a:t>
+            </a:r>
+          </a:p>
+        </p:txBody>
+      </p:sp>
+      <p:sp>
+        <p:nvSpPr>
+          <p:cNvPr id="8" name="テキスト ボックス 7">
+            <a:extLst>
+              <a:ext uri="{FF2B5EF4-FFF2-40B4-BE49-F238E27FC236}">
+                <a16:creationId xmlns:a16="http://schemas.microsoft.com/office/drawing/2014/main" id="{D91DB01D-415F-F95D-F5CE-D13C5B53D9FD}"/>
+              </a:ext>
+            </a:extLst>
+          </p:cNvPr>
+          <p:cNvSpPr txBox="1"/>
+          <p:nvPr/>
+        </p:nvSpPr>
+        <p:spPr>
+          <a:xfrm>
+            <a:off x="616226" y="4403252"/>
+            <a:ext cx="11549270" cy="1477328"/>
+          </a:xfrm>
+          <a:prstGeom prst="rect">
+            <a:avLst/>
+          </a:prstGeom>
+          <a:noFill/>
+        </p:spPr>
+        <p:txBody>
+          <a:bodyPr wrap="square" rtlCol="0">
+            <a:spAutoFit/>
+          </a:bodyPr>
+          <a:lstStyle/>
+          <a:p>
+            <a:pPr marL="285750" indent="-285750">
+              <a:buFont typeface="Wingdings" panose="05000000000000000000" pitchFamily="2" charset="2"/>
+              <a:buChar char="ü"/>
+            </a:pPr>
+            <a:r>
+              <a:rPr kumimoji="1" lang="ja-JP" altLang="en-US" dirty="0"/>
+              <a:t>サーバーは</a:t>
+            </a:r>
+            <a:r>
+              <a:rPr kumimoji="1" lang="en-US" altLang="ja-JP" dirty="0" err="1"/>
+              <a:t>xserver</a:t>
+            </a:r>
+            <a:endParaRPr kumimoji="1" lang="en-US" altLang="ja-JP" dirty="0"/>
+          </a:p>
+          <a:p>
+            <a:pPr marL="285750" indent="-285750">
+              <a:buFont typeface="Wingdings" panose="05000000000000000000" pitchFamily="2" charset="2"/>
+              <a:buChar char="ü"/>
+            </a:pPr>
+            <a:r>
+              <a:rPr kumimoji="1" lang="ja-JP" altLang="en-US" dirty="0"/>
+              <a:t>博物館の展示物と案内内容を簡単に管理できる機能を提供</a:t>
+            </a:r>
+            <a:endParaRPr kumimoji="1" lang="en-US" altLang="ja-JP" dirty="0"/>
+          </a:p>
+          <a:p>
+            <a:pPr marL="285750" indent="-285750">
+              <a:buFont typeface="Wingdings" panose="05000000000000000000" pitchFamily="2" charset="2"/>
+              <a:buChar char="ü"/>
+            </a:pPr>
+            <a:r>
+              <a:rPr kumimoji="1" lang="ja-JP" altLang="en-US" dirty="0"/>
+              <a:t>案内内容の管理は</a:t>
+            </a:r>
+            <a:r>
+              <a:rPr kumimoji="1" lang="en-US" altLang="ja-JP" dirty="0"/>
+              <a:t>MySQL DB</a:t>
+            </a:r>
+            <a:r>
+              <a:rPr kumimoji="1" lang="ja-JP" altLang="en-US" dirty="0"/>
+              <a:t>で行う</a:t>
+            </a:r>
+            <a:r>
+              <a:rPr lang="en-US" altLang="ja-JP" dirty="0"/>
+              <a:t>.</a:t>
+            </a:r>
+          </a:p>
+          <a:p>
+            <a:pPr marL="285750" indent="-285750">
+              <a:buFont typeface="Wingdings" panose="05000000000000000000" pitchFamily="2" charset="2"/>
+              <a:buChar char="ü"/>
+            </a:pPr>
+            <a:r>
+              <a:rPr lang="en-US" altLang="ja-JP" dirty="0"/>
+              <a:t>HTML</a:t>
+            </a:r>
+            <a:r>
+              <a:rPr lang="ja-JP" altLang="en-US" dirty="0"/>
+              <a:t>の知識が無くても入力できるように入力用のインターフェースを用意</a:t>
+            </a:r>
+            <a:endParaRPr kumimoji="1" lang="en-US" altLang="ja-JP" dirty="0"/>
+          </a:p>
+          <a:p>
+            <a:pPr marL="285750" indent="-285750">
+              <a:buFont typeface="Wingdings" panose="05000000000000000000" pitchFamily="2" charset="2"/>
+              <a:buChar char="ü"/>
+            </a:pPr>
+            <a:endParaRPr kumimoji="1" lang="en-US" altLang="ja-JP" dirty="0"/>
+          </a:p>
+        </p:txBody>
+      </p:sp>
+      <p:sp>
+        <p:nvSpPr>
+          <p:cNvPr id="9" name="テキスト ボックス 8">
+            <a:extLst>
+              <a:ext uri="{FF2B5EF4-FFF2-40B4-BE49-F238E27FC236}">
+                <a16:creationId xmlns:a16="http://schemas.microsoft.com/office/drawing/2014/main" id="{83AA5321-50B4-949A-5486-6DCF44822D18}"/>
+              </a:ext>
+            </a:extLst>
+          </p:cNvPr>
+          <p:cNvSpPr txBox="1"/>
+          <p:nvPr/>
+        </p:nvSpPr>
+        <p:spPr>
+          <a:xfrm>
+            <a:off x="407504" y="1083365"/>
+            <a:ext cx="5605670" cy="369332"/>
+          </a:xfrm>
+          <a:prstGeom prst="rect">
+            <a:avLst/>
+          </a:prstGeom>
+          <a:noFill/>
+        </p:spPr>
+        <p:txBody>
+          <a:bodyPr wrap="square" rtlCol="0">
+            <a:spAutoFit/>
+          </a:bodyPr>
+          <a:lstStyle/>
+          <a:p>
+            <a:r>
+              <a:rPr kumimoji="1" lang="ja-JP" altLang="en-US" dirty="0"/>
+              <a:t>■アプリケーション</a:t>
+            </a:r>
+          </a:p>
+        </p:txBody>
+      </p:sp>
+      <p:sp>
+        <p:nvSpPr>
+          <p:cNvPr id="10" name="テキスト ボックス 9">
+            <a:extLst>
+              <a:ext uri="{FF2B5EF4-FFF2-40B4-BE49-F238E27FC236}">
+                <a16:creationId xmlns:a16="http://schemas.microsoft.com/office/drawing/2014/main" id="{097C2E1E-72B6-7147-9323-AC64AE20C2A9}"/>
+              </a:ext>
+            </a:extLst>
+          </p:cNvPr>
+          <p:cNvSpPr txBox="1"/>
+          <p:nvPr/>
+        </p:nvSpPr>
+        <p:spPr>
+          <a:xfrm>
+            <a:off x="530087" y="1531418"/>
+            <a:ext cx="11549270" cy="2031325"/>
+          </a:xfrm>
+          <a:prstGeom prst="rect">
+            <a:avLst/>
+          </a:prstGeom>
+          <a:noFill/>
+        </p:spPr>
+        <p:txBody>
+          <a:bodyPr wrap="square" rtlCol="0">
+            <a:spAutoFit/>
+          </a:bodyPr>
+          <a:lstStyle/>
+          <a:p>
+            <a:pPr marL="285750" indent="-285750">
+              <a:buFont typeface="Wingdings" panose="05000000000000000000" pitchFamily="2" charset="2"/>
+              <a:buChar char="ü"/>
+            </a:pPr>
+            <a:r>
+              <a:rPr kumimoji="1" lang="ja-JP" altLang="en-US" dirty="0"/>
+              <a:t>一つの博物館アプリ（仮称）で複数の博物館に対応する</a:t>
+            </a:r>
+            <a:endParaRPr kumimoji="1" lang="en-US" altLang="ja-JP" dirty="0"/>
+          </a:p>
+          <a:p>
+            <a:pPr marL="285750" indent="-285750">
+              <a:buFont typeface="Wingdings" panose="05000000000000000000" pitchFamily="2" charset="2"/>
+              <a:buChar char="ü"/>
+            </a:pPr>
+            <a:r>
+              <a:rPr kumimoji="1" lang="ja-JP" altLang="en-US" dirty="0"/>
+              <a:t>アプリケーションはブラウザで行う、</a:t>
+            </a:r>
+            <a:r>
+              <a:rPr kumimoji="1" lang="en-US" altLang="ja-JP" dirty="0"/>
+              <a:t>PWA</a:t>
+            </a:r>
+            <a:r>
+              <a:rPr kumimoji="1" lang="ja-JP" altLang="en-US" dirty="0"/>
+              <a:t>不要</a:t>
+            </a:r>
+            <a:endParaRPr kumimoji="1" lang="en-US" altLang="ja-JP" dirty="0"/>
+          </a:p>
+          <a:p>
+            <a:pPr marL="285750" indent="-285750">
+              <a:buFont typeface="Wingdings" panose="05000000000000000000" pitchFamily="2" charset="2"/>
+              <a:buChar char="ü"/>
+            </a:pPr>
+            <a:r>
+              <a:rPr kumimoji="1" lang="ja-JP" altLang="en-US" dirty="0"/>
+              <a:t>博物館アプリのトップページで対象博物館を設定できる</a:t>
+            </a:r>
+            <a:endParaRPr kumimoji="1" lang="en-US" altLang="ja-JP" dirty="0"/>
+          </a:p>
+          <a:p>
+            <a:pPr marL="285750" indent="-285750">
+              <a:buFont typeface="Wingdings" panose="05000000000000000000" pitchFamily="2" charset="2"/>
+              <a:buChar char="ü"/>
+            </a:pPr>
+            <a:r>
+              <a:rPr lang="en-US" altLang="ja-JP" dirty="0"/>
+              <a:t>QR</a:t>
+            </a:r>
+            <a:r>
+              <a:rPr lang="ja-JP" altLang="en-US" dirty="0"/>
+              <a:t>コードを読むことでダイレクトに特定の博物館のトップページに進む</a:t>
+            </a:r>
+            <a:endParaRPr lang="en-US" altLang="ja-JP" dirty="0"/>
+          </a:p>
+          <a:p>
+            <a:pPr marL="285750" indent="-285750">
+              <a:buFont typeface="Wingdings" panose="05000000000000000000" pitchFamily="2" charset="2"/>
+              <a:buChar char="ü"/>
+            </a:pPr>
+            <a:r>
+              <a:rPr kumimoji="1" lang="ja-JP" altLang="en-US" dirty="0"/>
+              <a:t>案内は</a:t>
+            </a:r>
+            <a:r>
+              <a:rPr kumimoji="1" lang="en-US" altLang="ja-JP" dirty="0"/>
+              <a:t>QR</a:t>
+            </a:r>
+            <a:r>
+              <a:rPr kumimoji="1" lang="ja-JP" altLang="en-US" dirty="0"/>
+              <a:t>コードを読むと展示物の紹介を文字と音声で</a:t>
+            </a:r>
+            <a:endParaRPr kumimoji="1" lang="en-US" altLang="ja-JP" dirty="0"/>
+          </a:p>
+          <a:p>
+            <a:pPr marL="285750" indent="-285750">
+              <a:buFont typeface="Wingdings" panose="05000000000000000000" pitchFamily="2" charset="2"/>
+              <a:buChar char="ü"/>
+            </a:pPr>
+            <a:r>
+              <a:rPr kumimoji="1" lang="ja-JP" altLang="en-US" dirty="0"/>
+              <a:t>案内は多言語対応</a:t>
+            </a:r>
+            <a:endParaRPr kumimoji="1" lang="en-US" altLang="ja-JP" dirty="0"/>
+          </a:p>
+          <a:p>
+            <a:pPr marL="285750" indent="-285750">
+              <a:buFont typeface="Wingdings" panose="05000000000000000000" pitchFamily="2" charset="2"/>
+              <a:buChar char="ü"/>
+            </a:pPr>
+            <a:r>
+              <a:rPr kumimoji="1" lang="ja-JP" altLang="en-US" dirty="0"/>
+              <a:t>博物館の館内地図表示</a:t>
+            </a:r>
+            <a:endParaRPr kumimoji="1" lang="en-US" altLang="ja-JP" dirty="0"/>
+          </a:p>
+        </p:txBody>
+      </p:sp>
+      <p:sp>
+        <p:nvSpPr>
+          <p:cNvPr id="11" name="テキスト ボックス 10">
+            <a:extLst>
+              <a:ext uri="{FF2B5EF4-FFF2-40B4-BE49-F238E27FC236}">
+                <a16:creationId xmlns:a16="http://schemas.microsoft.com/office/drawing/2014/main" id="{EA546B17-5771-F1B1-1F2E-CF92013DF797}"/>
+              </a:ext>
+            </a:extLst>
+          </p:cNvPr>
+          <p:cNvSpPr txBox="1"/>
+          <p:nvPr/>
+        </p:nvSpPr>
+        <p:spPr>
+          <a:xfrm>
+            <a:off x="530087" y="3907307"/>
+            <a:ext cx="5605670" cy="369332"/>
+          </a:xfrm>
+          <a:prstGeom prst="rect">
+            <a:avLst/>
+          </a:prstGeom>
+          <a:noFill/>
+        </p:spPr>
+        <p:txBody>
+          <a:bodyPr wrap="square" rtlCol="0">
+            <a:spAutoFit/>
+          </a:bodyPr>
+          <a:lstStyle/>
+          <a:p>
+            <a:r>
+              <a:rPr kumimoji="1" lang="ja-JP" altLang="en-US" dirty="0"/>
+              <a:t>■案内内容の管理</a:t>
+            </a:r>
+          </a:p>
+        </p:txBody>
+      </p:sp>
+    </p:spTree>
+    <p:extLst>
+      <p:ext uri="{BB962C8B-B14F-4D97-AF65-F5344CB8AC3E}">
+        <p14:creationId xmlns:p14="http://schemas.microsoft.com/office/powerpoint/2010/main" val="1331687964"/>
+      </p:ext>
+    </p:extLst>
+  </p:cSld>
+  <p:clrMapOvr>
+    <a:masterClrMapping/>
+  </p:clrMapOvr>
+</p:sld>
+</file>
+
+<file path=ppt/slides/slide20.xml><?xml version="1.0" encoding="utf-8"?>
+<p:sld xmlns:a="http://schemas.openxmlformats.org/drawingml/2006/main" xmlns:r="http://schemas.openxmlformats.org/officeDocument/2006/relationships" xmlns:p="http://schemas.openxmlformats.org/presentationml/2006/main">
+  <p:cSld>
+    <p:spTree>
+      <p:nvGrpSpPr>
+        <p:cNvPr id="1" name="">
+          <a:extLst>
+            <a:ext uri="{FF2B5EF4-FFF2-40B4-BE49-F238E27FC236}">
+              <a16:creationId xmlns:a16="http://schemas.microsoft.com/office/drawing/2014/main" id="{F2C05046-9942-9E32-9B21-6EF43CDA0C43}"/>
+            </a:ext>
+          </a:extLst>
+        </p:cNvPr>
+        <p:cNvGrpSpPr/>
+        <p:nvPr/>
+      </p:nvGrpSpPr>
+      <p:grpSpPr>
+        <a:xfrm>
+          <a:off x="0" y="0"/>
+          <a:ext cx="0" cy="0"/>
+          <a:chOff x="0" y="0"/>
+          <a:chExt cx="0" cy="0"/>
+        </a:xfrm>
+      </p:grpSpPr>
+      <p:cxnSp>
+        <p:nvCxnSpPr>
+          <p:cNvPr id="4" name="直線コネクタ 3">
+            <a:extLst>
+              <a:ext uri="{FF2B5EF4-FFF2-40B4-BE49-F238E27FC236}">
+                <a16:creationId xmlns:a16="http://schemas.microsoft.com/office/drawing/2014/main" id="{24E8C27B-F6A8-4CBB-B5B9-AFAE4F90330D}"/>
+              </a:ext>
+            </a:extLst>
+          </p:cNvPr>
+          <p:cNvCxnSpPr/>
+          <p:nvPr/>
+        </p:nvCxnSpPr>
+        <p:spPr>
+          <a:xfrm>
+            <a:off x="228600" y="755374"/>
+            <a:ext cx="11936896" cy="0"/>
+          </a:xfrm>
+          <a:prstGeom prst="line">
+            <a:avLst/>
+          </a:prstGeom>
+        </p:spPr>
+        <p:style>
+          <a:lnRef idx="2">
+            <a:schemeClr val="accent1"/>
+          </a:lnRef>
+          <a:fillRef idx="0">
+            <a:schemeClr val="accent1"/>
+          </a:fillRef>
+          <a:effectRef idx="1">
+            <a:schemeClr val="accent1"/>
+          </a:effectRef>
+          <a:fontRef idx="minor">
+            <a:schemeClr val="tx1"/>
+          </a:fontRef>
+        </p:style>
+      </p:cxnSp>
+      <p:sp>
+        <p:nvSpPr>
+          <p:cNvPr id="5" name="テキスト ボックス 4">
+            <a:extLst>
+              <a:ext uri="{FF2B5EF4-FFF2-40B4-BE49-F238E27FC236}">
+                <a16:creationId xmlns:a16="http://schemas.microsoft.com/office/drawing/2014/main" id="{3F33C0B1-204C-23D2-BBBD-8724BEEC6487}"/>
+              </a:ext>
+            </a:extLst>
+          </p:cNvPr>
+          <p:cNvSpPr txBox="1"/>
+          <p:nvPr/>
+        </p:nvSpPr>
+        <p:spPr>
+          <a:xfrm>
+            <a:off x="407503" y="198783"/>
+            <a:ext cx="11449879" cy="369332"/>
+          </a:xfrm>
+          <a:prstGeom prst="rect">
+            <a:avLst/>
+          </a:prstGeom>
+          <a:noFill/>
+        </p:spPr>
+        <p:txBody>
+          <a:bodyPr wrap="square" rtlCol="0">
+            <a:spAutoFit/>
+          </a:bodyPr>
+          <a:lstStyle/>
+          <a:p>
+            <a:r>
+              <a:rPr lang="ja-JP" altLang="en-US" dirty="0"/>
+              <a:t>スーパーバイザー：ゴミ箱の確認</a:t>
+            </a:r>
+            <a:endParaRPr kumimoji="1" lang="ja-JP" altLang="en-US" dirty="0"/>
+          </a:p>
+        </p:txBody>
+      </p:sp>
+      <p:pic>
+        <p:nvPicPr>
+          <p:cNvPr id="3" name="図 2" descr="グラフィカル ユーザー インターフェイス, テキスト, アプリケーション, メール&#10;&#10;AI 生成コンテンツは誤りを含む可能性があります。">
+            <a:extLst>
+              <a:ext uri="{FF2B5EF4-FFF2-40B4-BE49-F238E27FC236}">
+                <a16:creationId xmlns:a16="http://schemas.microsoft.com/office/drawing/2014/main" id="{7BEBD5BE-6FEF-DBCF-0C83-0B476CD7FE19}"/>
+              </a:ext>
+            </a:extLst>
+          </p:cNvPr>
+          <p:cNvPicPr>
+            <a:picLocks noChangeAspect="1"/>
+          </p:cNvPicPr>
+          <p:nvPr/>
+        </p:nvPicPr>
+        <p:blipFill>
+          <a:blip r:embed="rId2"/>
+          <a:stretch>
+            <a:fillRect/>
+          </a:stretch>
+        </p:blipFill>
+        <p:spPr>
+          <a:xfrm>
+            <a:off x="485224" y="1140900"/>
+            <a:ext cx="7742857" cy="2866667"/>
+          </a:xfrm>
+          <a:prstGeom prst="rect">
+            <a:avLst/>
+          </a:prstGeom>
+        </p:spPr>
+      </p:pic>
+      <p:sp>
+        <p:nvSpPr>
+          <p:cNvPr id="6" name="テキスト ボックス 5">
+            <a:extLst>
+              <a:ext uri="{FF2B5EF4-FFF2-40B4-BE49-F238E27FC236}">
+                <a16:creationId xmlns:a16="http://schemas.microsoft.com/office/drawing/2014/main" id="{2152C247-D444-A6AF-8005-6621547EEFBC}"/>
+              </a:ext>
+            </a:extLst>
+          </p:cNvPr>
+          <p:cNvSpPr txBox="1"/>
+          <p:nvPr/>
+        </p:nvSpPr>
+        <p:spPr>
+          <a:xfrm>
+            <a:off x="735496" y="4442791"/>
+            <a:ext cx="10326756" cy="923330"/>
+          </a:xfrm>
+          <a:prstGeom prst="rect">
+            <a:avLst/>
+          </a:prstGeom>
+          <a:noFill/>
+        </p:spPr>
+        <p:txBody>
+          <a:bodyPr wrap="square" rtlCol="0">
+            <a:spAutoFit/>
+          </a:bodyPr>
+          <a:lstStyle/>
+          <a:p>
+            <a:r>
+              <a:rPr kumimoji="1" lang="ja-JP" altLang="en-US" dirty="0"/>
+              <a:t>ゴミ箱は</a:t>
+            </a:r>
+            <a:r>
+              <a:rPr kumimoji="1" lang="en-US" altLang="ja-JP" dirty="0"/>
+              <a:t>30</a:t>
+            </a:r>
+            <a:r>
+              <a:rPr kumimoji="1" lang="ja-JP" altLang="en-US" dirty="0"/>
+              <a:t>日の間保持され、その後自動的に削除される</a:t>
+            </a:r>
+            <a:br>
+              <a:rPr kumimoji="1" lang="en-US" altLang="ja-JP" dirty="0"/>
+            </a:br>
+            <a:r>
+              <a:rPr kumimoji="1" lang="ja-JP" altLang="en-US" dirty="0"/>
+              <a:t>元に戻すボタンで、復活</a:t>
+            </a:r>
+            <a:endParaRPr kumimoji="1" lang="en-US" altLang="ja-JP" dirty="0"/>
+          </a:p>
+          <a:p>
+            <a:r>
+              <a:rPr kumimoji="1" lang="ja-JP" altLang="en-US" dirty="0"/>
+              <a:t>完全削除でゴミ箱から廃棄</a:t>
+            </a:r>
+          </a:p>
+        </p:txBody>
+      </p:sp>
+    </p:spTree>
+    <p:extLst>
+      <p:ext uri="{BB962C8B-B14F-4D97-AF65-F5344CB8AC3E}">
+        <p14:creationId xmlns:p14="http://schemas.microsoft.com/office/powerpoint/2010/main" val="2685259660"/>
+      </p:ext>
+    </p:extLst>
+  </p:cSld>
+  <p:clrMapOvr>
+    <a:masterClrMapping/>
+  </p:clrMapOvr>
+</p:sld>
+</file>
+
+<file path=ppt/slides/slide21.xml><?xml version="1.0" encoding="utf-8"?>
+<p:sld xmlns:a="http://schemas.openxmlformats.org/drawingml/2006/main" xmlns:r="http://schemas.openxmlformats.org/officeDocument/2006/relationships" xmlns:p="http://schemas.openxmlformats.org/presentationml/2006/main">
+  <p:cSld>
+    <p:spTree>
+      <p:nvGrpSpPr>
+        <p:cNvPr id="1" name=""/>
+        <p:cNvGrpSpPr/>
+        <p:nvPr/>
+      </p:nvGrpSpPr>
+      <p:grpSpPr>
+        <a:xfrm>
+          <a:off x="0" y="0"/>
+          <a:ext cx="0" cy="0"/>
+          <a:chOff x="0" y="0"/>
+          <a:chExt cx="0" cy="0"/>
+        </a:xfrm>
+      </p:grpSpPr>
     </p:spTree>
     <p:extLst>
       <p:ext uri="{BB962C8B-B14F-4D97-AF65-F5344CB8AC3E}">
@@ -4958,7 +6316,7 @@
 </p:sld>
 </file>
 
-<file path=ppt/slides/slide17.xml><?xml version="1.0" encoding="utf-8"?>
+<file path=ppt/slides/slide22.xml><?xml version="1.0" encoding="utf-8"?>
 <p:sld xmlns:a="http://schemas.openxmlformats.org/drawingml/2006/main" xmlns:r="http://schemas.openxmlformats.org/officeDocument/2006/relationships" xmlns:p="http://schemas.openxmlformats.org/presentationml/2006/main">
   <p:cSld>
     <p:spTree>
@@ -4988,7 +6346,7 @@
 </p:sld>
 </file>
 
-<file path=ppt/slides/slide18.xml><?xml version="1.0" encoding="utf-8"?>
+<file path=ppt/slides/slide23.xml><?xml version="1.0" encoding="utf-8"?>
 <p:sld xmlns:a="http://schemas.openxmlformats.org/drawingml/2006/main" xmlns:r="http://schemas.openxmlformats.org/officeDocument/2006/relationships" xmlns:p="http://schemas.openxmlformats.org/presentationml/2006/main">
   <p:cSld>
     <p:spTree>
@@ -5290,7 +6648,7 @@
 </p:sld>
 </file>
 
-<file path=ppt/slides/slide19.xml><?xml version="1.0" encoding="utf-8"?>
+<file path=ppt/slides/slide24.xml><?xml version="1.0" encoding="utf-8"?>
 <p:sld xmlns:a="http://schemas.openxmlformats.org/drawingml/2006/main" xmlns:r="http://schemas.openxmlformats.org/officeDocument/2006/relationships" xmlns:p="http://schemas.openxmlformats.org/presentationml/2006/main">
   <p:cSld>
     <p:spTree>
@@ -5370,403 +6728,7 @@
 </p:sld>
 </file>
 
-<file path=ppt/slides/slide2.xml><?xml version="1.0" encoding="utf-8"?>
-<p:sld xmlns:a="http://schemas.openxmlformats.org/drawingml/2006/main" xmlns:r="http://schemas.openxmlformats.org/officeDocument/2006/relationships" xmlns:p="http://schemas.openxmlformats.org/presentationml/2006/main">
-  <p:cSld>
-    <p:spTree>
-      <p:nvGrpSpPr>
-        <p:cNvPr id="1" name=""/>
-        <p:cNvGrpSpPr/>
-        <p:nvPr/>
-      </p:nvGrpSpPr>
-      <p:grpSpPr>
-        <a:xfrm>
-          <a:off x="0" y="0"/>
-          <a:ext cx="0" cy="0"/>
-          <a:chOff x="0" y="0"/>
-          <a:chExt cx="0" cy="0"/>
-        </a:xfrm>
-      </p:grpSpPr>
-      <p:cxnSp>
-        <p:nvCxnSpPr>
-          <p:cNvPr id="6" name="直線コネクタ 5">
-            <a:extLst>
-              <a:ext uri="{FF2B5EF4-FFF2-40B4-BE49-F238E27FC236}">
-                <a16:creationId xmlns:a16="http://schemas.microsoft.com/office/drawing/2014/main" id="{EF074C25-5D8C-E0B3-86B8-E07F90782318}"/>
-              </a:ext>
-            </a:extLst>
-          </p:cNvPr>
-          <p:cNvCxnSpPr/>
-          <p:nvPr/>
-        </p:nvCxnSpPr>
-        <p:spPr>
-          <a:xfrm>
-            <a:off x="228600" y="755374"/>
-            <a:ext cx="11936896" cy="0"/>
-          </a:xfrm>
-          <a:prstGeom prst="line">
-            <a:avLst/>
-          </a:prstGeom>
-        </p:spPr>
-        <p:style>
-          <a:lnRef idx="2">
-            <a:schemeClr val="accent1"/>
-          </a:lnRef>
-          <a:fillRef idx="0">
-            <a:schemeClr val="accent1"/>
-          </a:fillRef>
-          <a:effectRef idx="1">
-            <a:schemeClr val="accent1"/>
-          </a:effectRef>
-          <a:fontRef idx="minor">
-            <a:schemeClr val="tx1"/>
-          </a:fontRef>
-        </p:style>
-      </p:cxnSp>
-      <p:sp>
-        <p:nvSpPr>
-          <p:cNvPr id="7" name="テキスト ボックス 6">
-            <a:extLst>
-              <a:ext uri="{FF2B5EF4-FFF2-40B4-BE49-F238E27FC236}">
-                <a16:creationId xmlns:a16="http://schemas.microsoft.com/office/drawing/2014/main" id="{C1B52376-17C6-F2FF-4942-75BF19E077C4}"/>
-              </a:ext>
-            </a:extLst>
-          </p:cNvPr>
-          <p:cNvSpPr txBox="1"/>
-          <p:nvPr/>
-        </p:nvSpPr>
-        <p:spPr>
-          <a:xfrm>
-            <a:off x="407504" y="198783"/>
-            <a:ext cx="3796748" cy="369332"/>
-          </a:xfrm>
-          <a:prstGeom prst="rect">
-            <a:avLst/>
-          </a:prstGeom>
-          <a:noFill/>
-        </p:spPr>
-        <p:txBody>
-          <a:bodyPr wrap="square" rtlCol="0">
-            <a:spAutoFit/>
-          </a:bodyPr>
-          <a:lstStyle/>
-          <a:p>
-            <a:r>
-              <a:rPr kumimoji="1" lang="ja-JP" altLang="en-US" dirty="0"/>
-              <a:t>アプリケーション方針</a:t>
-            </a:r>
-          </a:p>
-        </p:txBody>
-      </p:sp>
-      <p:sp>
-        <p:nvSpPr>
-          <p:cNvPr id="8" name="テキスト ボックス 7">
-            <a:extLst>
-              <a:ext uri="{FF2B5EF4-FFF2-40B4-BE49-F238E27FC236}">
-                <a16:creationId xmlns:a16="http://schemas.microsoft.com/office/drawing/2014/main" id="{D91DB01D-415F-F95D-F5CE-D13C5B53D9FD}"/>
-              </a:ext>
-            </a:extLst>
-          </p:cNvPr>
-          <p:cNvSpPr txBox="1"/>
-          <p:nvPr/>
-        </p:nvSpPr>
-        <p:spPr>
-          <a:xfrm>
-            <a:off x="616226" y="4403252"/>
-            <a:ext cx="11549270" cy="1477328"/>
-          </a:xfrm>
-          <a:prstGeom prst="rect">
-            <a:avLst/>
-          </a:prstGeom>
-          <a:noFill/>
-        </p:spPr>
-        <p:txBody>
-          <a:bodyPr wrap="square" rtlCol="0">
-            <a:spAutoFit/>
-          </a:bodyPr>
-          <a:lstStyle/>
-          <a:p>
-            <a:pPr marL="285750" indent="-285750">
-              <a:buFont typeface="Wingdings" panose="05000000000000000000" pitchFamily="2" charset="2"/>
-              <a:buChar char="ü"/>
-            </a:pPr>
-            <a:r>
-              <a:rPr kumimoji="1" lang="ja-JP" altLang="en-US" dirty="0"/>
-              <a:t>サーバーは</a:t>
-            </a:r>
-            <a:r>
-              <a:rPr kumimoji="1" lang="en-US" altLang="ja-JP" dirty="0" err="1"/>
-              <a:t>xserver</a:t>
-            </a:r>
-            <a:endParaRPr kumimoji="1" lang="en-US" altLang="ja-JP" dirty="0"/>
-          </a:p>
-          <a:p>
-            <a:pPr marL="285750" indent="-285750">
-              <a:buFont typeface="Wingdings" panose="05000000000000000000" pitchFamily="2" charset="2"/>
-              <a:buChar char="ü"/>
-            </a:pPr>
-            <a:r>
-              <a:rPr kumimoji="1" lang="ja-JP" altLang="en-US" dirty="0"/>
-              <a:t>博物館の展示物と案内内容を簡単に管理できる機能を提供</a:t>
-            </a:r>
-            <a:endParaRPr kumimoji="1" lang="en-US" altLang="ja-JP" dirty="0"/>
-          </a:p>
-          <a:p>
-            <a:pPr marL="285750" indent="-285750">
-              <a:buFont typeface="Wingdings" panose="05000000000000000000" pitchFamily="2" charset="2"/>
-              <a:buChar char="ü"/>
-            </a:pPr>
-            <a:r>
-              <a:rPr kumimoji="1" lang="ja-JP" altLang="en-US" dirty="0"/>
-              <a:t>案内内容の管理は</a:t>
-            </a:r>
-            <a:r>
-              <a:rPr kumimoji="1" lang="en-US" altLang="ja-JP" dirty="0"/>
-              <a:t>MySQL DB</a:t>
-            </a:r>
-            <a:r>
-              <a:rPr kumimoji="1" lang="ja-JP" altLang="en-US" dirty="0"/>
-              <a:t>で行う</a:t>
-            </a:r>
-            <a:r>
-              <a:rPr lang="en-US" altLang="ja-JP" dirty="0"/>
-              <a:t>.</a:t>
-            </a:r>
-          </a:p>
-          <a:p>
-            <a:pPr marL="285750" indent="-285750">
-              <a:buFont typeface="Wingdings" panose="05000000000000000000" pitchFamily="2" charset="2"/>
-              <a:buChar char="ü"/>
-            </a:pPr>
-            <a:r>
-              <a:rPr lang="en-US" altLang="ja-JP" dirty="0"/>
-              <a:t>HTML</a:t>
-            </a:r>
-            <a:r>
-              <a:rPr lang="ja-JP" altLang="en-US" dirty="0"/>
-              <a:t>の知識が無くても入力できるように入力用のインターフェースを用意</a:t>
-            </a:r>
-            <a:endParaRPr kumimoji="1" lang="en-US" altLang="ja-JP" dirty="0"/>
-          </a:p>
-          <a:p>
-            <a:pPr marL="285750" indent="-285750">
-              <a:buFont typeface="Wingdings" panose="05000000000000000000" pitchFamily="2" charset="2"/>
-              <a:buChar char="ü"/>
-            </a:pPr>
-            <a:endParaRPr kumimoji="1" lang="en-US" altLang="ja-JP" dirty="0"/>
-          </a:p>
-        </p:txBody>
-      </p:sp>
-      <p:sp>
-        <p:nvSpPr>
-          <p:cNvPr id="9" name="テキスト ボックス 8">
-            <a:extLst>
-              <a:ext uri="{FF2B5EF4-FFF2-40B4-BE49-F238E27FC236}">
-                <a16:creationId xmlns:a16="http://schemas.microsoft.com/office/drawing/2014/main" id="{83AA5321-50B4-949A-5486-6DCF44822D18}"/>
-              </a:ext>
-            </a:extLst>
-          </p:cNvPr>
-          <p:cNvSpPr txBox="1"/>
-          <p:nvPr/>
-        </p:nvSpPr>
-        <p:spPr>
-          <a:xfrm>
-            <a:off x="407504" y="1083365"/>
-            <a:ext cx="5605670" cy="369332"/>
-          </a:xfrm>
-          <a:prstGeom prst="rect">
-            <a:avLst/>
-          </a:prstGeom>
-          <a:noFill/>
-        </p:spPr>
-        <p:txBody>
-          <a:bodyPr wrap="square" rtlCol="0">
-            <a:spAutoFit/>
-          </a:bodyPr>
-          <a:lstStyle/>
-          <a:p>
-            <a:r>
-              <a:rPr kumimoji="1" lang="ja-JP" altLang="en-US" dirty="0"/>
-              <a:t>■アプリケーション</a:t>
-            </a:r>
-          </a:p>
-        </p:txBody>
-      </p:sp>
-      <p:sp>
-        <p:nvSpPr>
-          <p:cNvPr id="10" name="テキスト ボックス 9">
-            <a:extLst>
-              <a:ext uri="{FF2B5EF4-FFF2-40B4-BE49-F238E27FC236}">
-                <a16:creationId xmlns:a16="http://schemas.microsoft.com/office/drawing/2014/main" id="{097C2E1E-72B6-7147-9323-AC64AE20C2A9}"/>
-              </a:ext>
-            </a:extLst>
-          </p:cNvPr>
-          <p:cNvSpPr txBox="1"/>
-          <p:nvPr/>
-        </p:nvSpPr>
-        <p:spPr>
-          <a:xfrm>
-            <a:off x="530087" y="1531418"/>
-            <a:ext cx="11549270" cy="2031325"/>
-          </a:xfrm>
-          <a:prstGeom prst="rect">
-            <a:avLst/>
-          </a:prstGeom>
-          <a:noFill/>
-        </p:spPr>
-        <p:txBody>
-          <a:bodyPr wrap="square" rtlCol="0">
-            <a:spAutoFit/>
-          </a:bodyPr>
-          <a:lstStyle/>
-          <a:p>
-            <a:pPr marL="285750" indent="-285750">
-              <a:buFont typeface="Wingdings" panose="05000000000000000000" pitchFamily="2" charset="2"/>
-              <a:buChar char="ü"/>
-            </a:pPr>
-            <a:r>
-              <a:rPr kumimoji="1" lang="ja-JP" altLang="en-US" dirty="0"/>
-              <a:t>一つの博物館アプリ（仮称）で複数の博物館に対応する</a:t>
-            </a:r>
-            <a:endParaRPr kumimoji="1" lang="en-US" altLang="ja-JP" dirty="0"/>
-          </a:p>
-          <a:p>
-            <a:pPr marL="285750" indent="-285750">
-              <a:buFont typeface="Wingdings" panose="05000000000000000000" pitchFamily="2" charset="2"/>
-              <a:buChar char="ü"/>
-            </a:pPr>
-            <a:r>
-              <a:rPr kumimoji="1" lang="ja-JP" altLang="en-US" dirty="0"/>
-              <a:t>アプリケーションはブラウザで行う、</a:t>
-            </a:r>
-            <a:r>
-              <a:rPr kumimoji="1" lang="en-US" altLang="ja-JP" dirty="0"/>
-              <a:t>PWA</a:t>
-            </a:r>
-            <a:r>
-              <a:rPr kumimoji="1" lang="ja-JP" altLang="en-US" dirty="0"/>
-              <a:t>不要</a:t>
-            </a:r>
-            <a:endParaRPr kumimoji="1" lang="en-US" altLang="ja-JP" dirty="0"/>
-          </a:p>
-          <a:p>
-            <a:pPr marL="285750" indent="-285750">
-              <a:buFont typeface="Wingdings" panose="05000000000000000000" pitchFamily="2" charset="2"/>
-              <a:buChar char="ü"/>
-            </a:pPr>
-            <a:r>
-              <a:rPr kumimoji="1" lang="ja-JP" altLang="en-US" dirty="0"/>
-              <a:t>博物館アプリのトップページで対象博物館を設定できる</a:t>
-            </a:r>
-            <a:endParaRPr kumimoji="1" lang="en-US" altLang="ja-JP" dirty="0"/>
-          </a:p>
-          <a:p>
-            <a:pPr marL="285750" indent="-285750">
-              <a:buFont typeface="Wingdings" panose="05000000000000000000" pitchFamily="2" charset="2"/>
-              <a:buChar char="ü"/>
-            </a:pPr>
-            <a:r>
-              <a:rPr lang="en-US" altLang="ja-JP" dirty="0"/>
-              <a:t>QR</a:t>
-            </a:r>
-            <a:r>
-              <a:rPr lang="ja-JP" altLang="en-US" dirty="0"/>
-              <a:t>コードを読むことでダイレクトに特定の博物館のトップページに進む</a:t>
-            </a:r>
-            <a:endParaRPr lang="en-US" altLang="ja-JP" dirty="0"/>
-          </a:p>
-          <a:p>
-            <a:pPr marL="285750" indent="-285750">
-              <a:buFont typeface="Wingdings" panose="05000000000000000000" pitchFamily="2" charset="2"/>
-              <a:buChar char="ü"/>
-            </a:pPr>
-            <a:r>
-              <a:rPr kumimoji="1" lang="ja-JP" altLang="en-US" dirty="0"/>
-              <a:t>案内は</a:t>
-            </a:r>
-            <a:r>
-              <a:rPr kumimoji="1" lang="en-US" altLang="ja-JP" dirty="0"/>
-              <a:t>QR</a:t>
-            </a:r>
-            <a:r>
-              <a:rPr kumimoji="1" lang="ja-JP" altLang="en-US" dirty="0"/>
-              <a:t>コードを読むと展示物の紹介を文字と音声で</a:t>
-            </a:r>
-            <a:endParaRPr kumimoji="1" lang="en-US" altLang="ja-JP" dirty="0"/>
-          </a:p>
-          <a:p>
-            <a:pPr marL="285750" indent="-285750">
-              <a:buFont typeface="Wingdings" panose="05000000000000000000" pitchFamily="2" charset="2"/>
-              <a:buChar char="ü"/>
-            </a:pPr>
-            <a:r>
-              <a:rPr kumimoji="1" lang="ja-JP" altLang="en-US" dirty="0"/>
-              <a:t>案内は多言語対応</a:t>
-            </a:r>
-            <a:endParaRPr kumimoji="1" lang="en-US" altLang="ja-JP" dirty="0"/>
-          </a:p>
-          <a:p>
-            <a:pPr marL="285750" indent="-285750">
-              <a:buFont typeface="Wingdings" panose="05000000000000000000" pitchFamily="2" charset="2"/>
-              <a:buChar char="ü"/>
-            </a:pPr>
-            <a:r>
-              <a:rPr kumimoji="1" lang="ja-JP" altLang="en-US" dirty="0"/>
-              <a:t>博物館の館内地図表示</a:t>
-            </a:r>
-            <a:endParaRPr kumimoji="1" lang="en-US" altLang="ja-JP" dirty="0"/>
-          </a:p>
-        </p:txBody>
-      </p:sp>
-      <p:sp>
-        <p:nvSpPr>
-          <p:cNvPr id="11" name="テキスト ボックス 10">
-            <a:extLst>
-              <a:ext uri="{FF2B5EF4-FFF2-40B4-BE49-F238E27FC236}">
-                <a16:creationId xmlns:a16="http://schemas.microsoft.com/office/drawing/2014/main" id="{EA546B17-5771-F1B1-1F2E-CF92013DF797}"/>
-              </a:ext>
-            </a:extLst>
-          </p:cNvPr>
-          <p:cNvSpPr txBox="1"/>
-          <p:nvPr/>
-        </p:nvSpPr>
-        <p:spPr>
-          <a:xfrm>
-            <a:off x="530087" y="3907307"/>
-            <a:ext cx="5605670" cy="369332"/>
-          </a:xfrm>
-          <a:prstGeom prst="rect">
-            <a:avLst/>
-          </a:prstGeom>
-          <a:noFill/>
-        </p:spPr>
-        <p:txBody>
-          <a:bodyPr wrap="square" rtlCol="0">
-            <a:spAutoFit/>
-          </a:bodyPr>
-          <a:lstStyle/>
-          <a:p>
-            <a:r>
-              <a:rPr kumimoji="1" lang="ja-JP" altLang="en-US" dirty="0"/>
-              <a:t>■案内内容の管理</a:t>
-            </a:r>
-          </a:p>
-        </p:txBody>
-      </p:sp>
-    </p:spTree>
-    <p:extLst>
-      <p:ext uri="{BB962C8B-B14F-4D97-AF65-F5344CB8AC3E}">
-        <p14:creationId xmlns:p14="http://schemas.microsoft.com/office/powerpoint/2010/main" val="1331687964"/>
-      </p:ext>
-    </p:extLst>
-  </p:cSld>
-  <p:clrMapOvr>
-    <a:masterClrMapping/>
-  </p:clrMapOvr>
-</p:sld>
-</file>
-
-<file path=ppt/slides/slide20.xml><?xml version="1.0" encoding="utf-8"?>
+<file path=ppt/slides/slide25.xml><?xml version="1.0" encoding="utf-8"?>
 <p:sld xmlns:a="http://schemas.openxmlformats.org/drawingml/2006/main" xmlns:r="http://schemas.openxmlformats.org/officeDocument/2006/relationships" xmlns:p="http://schemas.openxmlformats.org/presentationml/2006/main">
   <p:cSld>
     <p:spTree>
@@ -6121,7 +7083,7 @@
 </p:sld>
 </file>
 
-<file path=ppt/slides/slide21.xml><?xml version="1.0" encoding="utf-8"?>
+<file path=ppt/slides/slide26.xml><?xml version="1.0" encoding="utf-8"?>
 <p:sld xmlns:a="http://schemas.openxmlformats.org/drawingml/2006/main" xmlns:r="http://schemas.openxmlformats.org/officeDocument/2006/relationships" xmlns:p="http://schemas.openxmlformats.org/presentationml/2006/main">
   <p:cSld>
     <p:spTree>
@@ -6850,7 +7812,7 @@
 </p:sld>
 </file>
 
-<file path=ppt/slides/slide22.xml><?xml version="1.0" encoding="utf-8"?>
+<file path=ppt/slides/slide27.xml><?xml version="1.0" encoding="utf-8"?>
 <p:sld xmlns:a="http://schemas.openxmlformats.org/drawingml/2006/main" xmlns:r="http://schemas.openxmlformats.org/officeDocument/2006/relationships" xmlns:p="http://schemas.openxmlformats.org/presentationml/2006/main">
   <p:cSld>
     <p:spTree>
@@ -7644,7 +8606,7 @@
 </p:sld>
 </file>
 
-<file path=ppt/slides/slide23.xml><?xml version="1.0" encoding="utf-8"?>
+<file path=ppt/slides/slide28.xml><?xml version="1.0" encoding="utf-8"?>
 <p:sld xmlns:a="http://schemas.openxmlformats.org/drawingml/2006/main" xmlns:r="http://schemas.openxmlformats.org/officeDocument/2006/relationships" xmlns:p="http://schemas.openxmlformats.org/presentationml/2006/main">
   <p:cSld>
     <p:spTree>
@@ -8620,7 +9582,7 @@
 </p:sld>
 </file>
 
-<file path=ppt/slides/slide24.xml><?xml version="1.0" encoding="utf-8"?>
+<file path=ppt/slides/slide29.xml><?xml version="1.0" encoding="utf-8"?>
 <p:sld xmlns:a="http://schemas.openxmlformats.org/drawingml/2006/main" xmlns:r="http://schemas.openxmlformats.org/officeDocument/2006/relationships" xmlns:p="http://schemas.openxmlformats.org/presentationml/2006/main">
   <p:cSld>
     <p:spTree>
@@ -9584,7 +10546,736 @@
 </p:sld>
 </file>
 
-<file path=ppt/slides/slide25.xml><?xml version="1.0" encoding="utf-8"?>
+<file path=ppt/slides/slide3.xml><?xml version="1.0" encoding="utf-8"?>
+<p:sld xmlns:a="http://schemas.openxmlformats.org/drawingml/2006/main" xmlns:r="http://schemas.openxmlformats.org/officeDocument/2006/relationships" xmlns:p="http://schemas.openxmlformats.org/presentationml/2006/main">
+  <p:cSld>
+    <p:spTree>
+      <p:nvGrpSpPr>
+        <p:cNvPr id="1" name=""/>
+        <p:cNvGrpSpPr/>
+        <p:nvPr/>
+      </p:nvGrpSpPr>
+      <p:grpSpPr>
+        <a:xfrm>
+          <a:off x="0" y="0"/>
+          <a:ext cx="0" cy="0"/>
+          <a:chOff x="0" y="0"/>
+          <a:chExt cx="0" cy="0"/>
+        </a:xfrm>
+      </p:grpSpPr>
+      <p:cxnSp>
+        <p:nvCxnSpPr>
+          <p:cNvPr id="4" name="直線コネクタ 3">
+            <a:extLst>
+              <a:ext uri="{FF2B5EF4-FFF2-40B4-BE49-F238E27FC236}">
+                <a16:creationId xmlns:a16="http://schemas.microsoft.com/office/drawing/2014/main" id="{3DC5C270-0C95-7AD0-3877-B4EFF61B809E}"/>
+              </a:ext>
+            </a:extLst>
+          </p:cNvPr>
+          <p:cNvCxnSpPr/>
+          <p:nvPr/>
+        </p:nvCxnSpPr>
+        <p:spPr>
+          <a:xfrm>
+            <a:off x="228600" y="755374"/>
+            <a:ext cx="11936896" cy="0"/>
+          </a:xfrm>
+          <a:prstGeom prst="line">
+            <a:avLst/>
+          </a:prstGeom>
+        </p:spPr>
+        <p:style>
+          <a:lnRef idx="2">
+            <a:schemeClr val="accent1"/>
+          </a:lnRef>
+          <a:fillRef idx="0">
+            <a:schemeClr val="accent1"/>
+          </a:fillRef>
+          <a:effectRef idx="1">
+            <a:schemeClr val="accent1"/>
+          </a:effectRef>
+          <a:fontRef idx="minor">
+            <a:schemeClr val="tx1"/>
+          </a:fontRef>
+        </p:style>
+      </p:cxnSp>
+      <p:sp>
+        <p:nvSpPr>
+          <p:cNvPr id="5" name="テキスト ボックス 4">
+            <a:extLst>
+              <a:ext uri="{FF2B5EF4-FFF2-40B4-BE49-F238E27FC236}">
+                <a16:creationId xmlns:a16="http://schemas.microsoft.com/office/drawing/2014/main" id="{3071577A-4021-4AF3-8AE8-98BBB0446C6C}"/>
+              </a:ext>
+            </a:extLst>
+          </p:cNvPr>
+          <p:cNvSpPr txBox="1"/>
+          <p:nvPr/>
+        </p:nvSpPr>
+        <p:spPr>
+          <a:xfrm>
+            <a:off x="407504" y="198783"/>
+            <a:ext cx="3796748" cy="369332"/>
+          </a:xfrm>
+          <a:prstGeom prst="rect">
+            <a:avLst/>
+          </a:prstGeom>
+          <a:noFill/>
+        </p:spPr>
+        <p:txBody>
+          <a:bodyPr wrap="square" rtlCol="0">
+            <a:spAutoFit/>
+          </a:bodyPr>
+          <a:lstStyle/>
+          <a:p>
+            <a:r>
+              <a:rPr kumimoji="1" lang="ja-JP" altLang="en-US" dirty="0"/>
+              <a:t>画面遷移（利用者）</a:t>
+            </a:r>
+          </a:p>
+        </p:txBody>
+      </p:sp>
+      <p:sp>
+        <p:nvSpPr>
+          <p:cNvPr id="8" name="正方形/長方形 7">
+            <a:extLst>
+              <a:ext uri="{FF2B5EF4-FFF2-40B4-BE49-F238E27FC236}">
+                <a16:creationId xmlns:a16="http://schemas.microsoft.com/office/drawing/2014/main" id="{F16CD204-11BE-725A-F2EF-133B704BB4A8}"/>
+              </a:ext>
+            </a:extLst>
+          </p:cNvPr>
+          <p:cNvSpPr/>
+          <p:nvPr/>
+        </p:nvSpPr>
+        <p:spPr>
+          <a:xfrm>
+            <a:off x="834937" y="1406892"/>
+            <a:ext cx="1078396" cy="276999"/>
+          </a:xfrm>
+          <a:prstGeom prst="rect">
+            <a:avLst/>
+          </a:prstGeom>
+          <a:noFill/>
+        </p:spPr>
+        <p:style>
+          <a:lnRef idx="2">
+            <a:schemeClr val="accent1">
+              <a:shade val="15000"/>
+            </a:schemeClr>
+          </a:lnRef>
+          <a:fillRef idx="1">
+            <a:schemeClr val="accent1"/>
+          </a:fillRef>
+          <a:effectRef idx="0">
+            <a:schemeClr val="accent1"/>
+          </a:effectRef>
+          <a:fontRef idx="minor">
+            <a:schemeClr val="lt1"/>
+          </a:fontRef>
+        </p:style>
+        <p:txBody>
+          <a:bodyPr rtlCol="0" anchor="ctr"/>
+          <a:lstStyle/>
+          <a:p>
+            <a:pPr algn="ctr"/>
+            <a:r>
+              <a:rPr kumimoji="1" lang="ja-JP" altLang="en-US" sz="1200" dirty="0">
+                <a:solidFill>
+                  <a:schemeClr val="tx1"/>
+                </a:solidFill>
+              </a:rPr>
+              <a:t>○○博物館</a:t>
+            </a:r>
+          </a:p>
+        </p:txBody>
+      </p:sp>
+      <p:sp>
+        <p:nvSpPr>
+          <p:cNvPr id="10" name="正方形/長方形 9">
+            <a:extLst>
+              <a:ext uri="{FF2B5EF4-FFF2-40B4-BE49-F238E27FC236}">
+                <a16:creationId xmlns:a16="http://schemas.microsoft.com/office/drawing/2014/main" id="{9B62A116-0DB9-425D-A572-A25AFB61C7EC}"/>
+              </a:ext>
+            </a:extLst>
+          </p:cNvPr>
+          <p:cNvSpPr/>
+          <p:nvPr/>
+        </p:nvSpPr>
+        <p:spPr>
+          <a:xfrm>
+            <a:off x="834937" y="1798192"/>
+            <a:ext cx="1078396" cy="276999"/>
+          </a:xfrm>
+          <a:prstGeom prst="rect">
+            <a:avLst/>
+          </a:prstGeom>
+          <a:noFill/>
+        </p:spPr>
+        <p:style>
+          <a:lnRef idx="2">
+            <a:schemeClr val="accent1">
+              <a:shade val="15000"/>
+            </a:schemeClr>
+          </a:lnRef>
+          <a:fillRef idx="1">
+            <a:schemeClr val="accent1"/>
+          </a:fillRef>
+          <a:effectRef idx="0">
+            <a:schemeClr val="accent1"/>
+          </a:effectRef>
+          <a:fontRef idx="minor">
+            <a:schemeClr val="lt1"/>
+          </a:fontRef>
+        </p:style>
+        <p:txBody>
+          <a:bodyPr rtlCol="0" anchor="ctr"/>
+          <a:lstStyle/>
+          <a:p>
+            <a:pPr algn="ctr"/>
+            <a:r>
+              <a:rPr kumimoji="1" lang="en-US" altLang="ja-JP" sz="1200" dirty="0">
+                <a:solidFill>
+                  <a:schemeClr val="tx1"/>
+                </a:solidFill>
+              </a:rPr>
+              <a:t>××</a:t>
+            </a:r>
+            <a:r>
+              <a:rPr kumimoji="1" lang="ja-JP" altLang="en-US" sz="1200" dirty="0">
+                <a:solidFill>
+                  <a:schemeClr val="tx1"/>
+                </a:solidFill>
+              </a:rPr>
+              <a:t>博物館</a:t>
+            </a:r>
+          </a:p>
+        </p:txBody>
+      </p:sp>
+      <p:sp>
+        <p:nvSpPr>
+          <p:cNvPr id="11" name="正方形/長方形 10">
+            <a:extLst>
+              <a:ext uri="{FF2B5EF4-FFF2-40B4-BE49-F238E27FC236}">
+                <a16:creationId xmlns:a16="http://schemas.microsoft.com/office/drawing/2014/main" id="{B835FD68-B3DB-BF38-BF2E-1892F45107C2}"/>
+              </a:ext>
+            </a:extLst>
+          </p:cNvPr>
+          <p:cNvSpPr/>
+          <p:nvPr/>
+        </p:nvSpPr>
+        <p:spPr>
+          <a:xfrm>
+            <a:off x="735497" y="1294177"/>
+            <a:ext cx="1321904" cy="1001759"/>
+          </a:xfrm>
+          <a:prstGeom prst="rect">
+            <a:avLst/>
+          </a:prstGeom>
+          <a:noFill/>
+        </p:spPr>
+        <p:style>
+          <a:lnRef idx="2">
+            <a:schemeClr val="accent1">
+              <a:shade val="15000"/>
+            </a:schemeClr>
+          </a:lnRef>
+          <a:fillRef idx="1">
+            <a:schemeClr val="accent1"/>
+          </a:fillRef>
+          <a:effectRef idx="0">
+            <a:schemeClr val="accent1"/>
+          </a:effectRef>
+          <a:fontRef idx="minor">
+            <a:schemeClr val="lt1"/>
+          </a:fontRef>
+        </p:style>
+        <p:txBody>
+          <a:bodyPr rtlCol="0" anchor="ctr"/>
+          <a:lstStyle/>
+          <a:p>
+            <a:pPr algn="ctr"/>
+            <a:endParaRPr kumimoji="1" lang="ja-JP" altLang="en-US" sz="1200" dirty="0">
+              <a:solidFill>
+                <a:schemeClr val="tx1"/>
+              </a:solidFill>
+            </a:endParaRPr>
+          </a:p>
+        </p:txBody>
+      </p:sp>
+      <p:sp>
+        <p:nvSpPr>
+          <p:cNvPr id="12" name="テキスト ボックス 11">
+            <a:extLst>
+              <a:ext uri="{FF2B5EF4-FFF2-40B4-BE49-F238E27FC236}">
+                <a16:creationId xmlns:a16="http://schemas.microsoft.com/office/drawing/2014/main" id="{0A254587-B090-1CCB-EE31-DC5EB4EBEE6D}"/>
+              </a:ext>
+            </a:extLst>
+          </p:cNvPr>
+          <p:cNvSpPr txBox="1"/>
+          <p:nvPr/>
+        </p:nvSpPr>
+        <p:spPr>
+          <a:xfrm>
+            <a:off x="705679" y="868090"/>
+            <a:ext cx="1381539" cy="276999"/>
+          </a:xfrm>
+          <a:prstGeom prst="rect">
+            <a:avLst/>
+          </a:prstGeom>
+          <a:noFill/>
+        </p:spPr>
+        <p:txBody>
+          <a:bodyPr wrap="square" rtlCol="0">
+            <a:spAutoFit/>
+          </a:bodyPr>
+          <a:lstStyle/>
+          <a:p>
+            <a:r>
+              <a:rPr kumimoji="1" lang="ja-JP" altLang="en-US" sz="1200" dirty="0"/>
+              <a:t>博物館選択画面</a:t>
+            </a:r>
+          </a:p>
+        </p:txBody>
+      </p:sp>
+      <p:sp>
+        <p:nvSpPr>
+          <p:cNvPr id="13" name="正方形/長方形 12">
+            <a:extLst>
+              <a:ext uri="{FF2B5EF4-FFF2-40B4-BE49-F238E27FC236}">
+                <a16:creationId xmlns:a16="http://schemas.microsoft.com/office/drawing/2014/main" id="{948EA15D-E23D-B168-08F6-B854C67715D7}"/>
+              </a:ext>
+            </a:extLst>
+          </p:cNvPr>
+          <p:cNvSpPr/>
+          <p:nvPr/>
+        </p:nvSpPr>
+        <p:spPr>
+          <a:xfrm>
+            <a:off x="2877429" y="1294177"/>
+            <a:ext cx="1321904" cy="504015"/>
+          </a:xfrm>
+          <a:prstGeom prst="rect">
+            <a:avLst/>
+          </a:prstGeom>
+          <a:noFill/>
+        </p:spPr>
+        <p:style>
+          <a:lnRef idx="2">
+            <a:schemeClr val="accent1">
+              <a:shade val="15000"/>
+            </a:schemeClr>
+          </a:lnRef>
+          <a:fillRef idx="1">
+            <a:schemeClr val="accent1"/>
+          </a:fillRef>
+          <a:effectRef idx="0">
+            <a:schemeClr val="accent1"/>
+          </a:effectRef>
+          <a:fontRef idx="minor">
+            <a:schemeClr val="lt1"/>
+          </a:fontRef>
+        </p:style>
+        <p:txBody>
+          <a:bodyPr rtlCol="0" anchor="ctr"/>
+          <a:lstStyle/>
+          <a:p>
+            <a:pPr algn="ctr"/>
+            <a:endParaRPr kumimoji="1" lang="ja-JP" altLang="en-US" sz="1200" dirty="0">
+              <a:solidFill>
+                <a:schemeClr val="tx1"/>
+              </a:solidFill>
+            </a:endParaRPr>
+          </a:p>
+        </p:txBody>
+      </p:sp>
+      <p:sp>
+        <p:nvSpPr>
+          <p:cNvPr id="14" name="テキスト ボックス 13">
+            <a:extLst>
+              <a:ext uri="{FF2B5EF4-FFF2-40B4-BE49-F238E27FC236}">
+                <a16:creationId xmlns:a16="http://schemas.microsoft.com/office/drawing/2014/main" id="{6540F72F-1C4C-1305-CE3C-DF12F1F80A54}"/>
+              </a:ext>
+            </a:extLst>
+          </p:cNvPr>
+          <p:cNvSpPr txBox="1"/>
+          <p:nvPr/>
+        </p:nvSpPr>
+        <p:spPr>
+          <a:xfrm>
+            <a:off x="2673627" y="942634"/>
+            <a:ext cx="2007704" cy="276999"/>
+          </a:xfrm>
+          <a:prstGeom prst="rect">
+            <a:avLst/>
+          </a:prstGeom>
+          <a:noFill/>
+        </p:spPr>
+        <p:txBody>
+          <a:bodyPr wrap="square" rtlCol="0">
+            <a:spAutoFit/>
+          </a:bodyPr>
+          <a:lstStyle/>
+          <a:p>
+            <a:r>
+              <a:rPr kumimoji="1" lang="ja-JP" altLang="en-US" sz="1200" dirty="0"/>
+              <a:t>○○博物館トップ画面</a:t>
+            </a:r>
+          </a:p>
+        </p:txBody>
+      </p:sp>
+      <p:cxnSp>
+        <p:nvCxnSpPr>
+          <p:cNvPr id="16" name="コネクタ: カギ線 15">
+            <a:extLst>
+              <a:ext uri="{FF2B5EF4-FFF2-40B4-BE49-F238E27FC236}">
+                <a16:creationId xmlns:a16="http://schemas.microsoft.com/office/drawing/2014/main" id="{1831295B-E33B-B4DC-1F32-614FEC87F46A}"/>
+              </a:ext>
+            </a:extLst>
+          </p:cNvPr>
+          <p:cNvCxnSpPr>
+            <a:cxnSpLocks/>
+            <a:stCxn id="8" idx="3"/>
+            <a:endCxn id="13" idx="1"/>
+          </p:cNvCxnSpPr>
+          <p:nvPr/>
+        </p:nvCxnSpPr>
+        <p:spPr>
+          <a:xfrm>
+            <a:off x="1913333" y="1545392"/>
+            <a:ext cx="964096" cy="793"/>
+          </a:xfrm>
+          <a:prstGeom prst="bentConnector3">
+            <a:avLst/>
+          </a:prstGeom>
+          <a:ln>
+            <a:tailEnd type="triangle"/>
+          </a:ln>
+        </p:spPr>
+        <p:style>
+          <a:lnRef idx="2">
+            <a:schemeClr val="accent1"/>
+          </a:lnRef>
+          <a:fillRef idx="0">
+            <a:schemeClr val="accent1"/>
+          </a:fillRef>
+          <a:effectRef idx="1">
+            <a:schemeClr val="accent1"/>
+          </a:effectRef>
+          <a:fontRef idx="minor">
+            <a:schemeClr val="tx1"/>
+          </a:fontRef>
+        </p:style>
+      </p:cxnSp>
+      <p:pic>
+        <p:nvPicPr>
+          <p:cNvPr id="17" name="Picture 2" descr="QRコード作成【ずっと無料・無制限】／QRのススメ">
+            <a:extLst>
+              <a:ext uri="{FF2B5EF4-FFF2-40B4-BE49-F238E27FC236}">
+                <a16:creationId xmlns:a16="http://schemas.microsoft.com/office/drawing/2014/main" id="{2EA55849-B200-F577-FA21-07508D526015}"/>
+              </a:ext>
+            </a:extLst>
+          </p:cNvPr>
+          <p:cNvPicPr>
+            <a:picLocks noChangeAspect="1" noChangeArrowheads="1"/>
+          </p:cNvPicPr>
+          <p:nvPr/>
+        </p:nvPicPr>
+        <p:blipFill>
+          <a:blip r:embed="rId2">
+            <a:extLst>
+              <a:ext uri="{28A0092B-C50C-407E-A947-70E740481C1C}">
+                <a14:useLocalDpi xmlns:a14="http://schemas.microsoft.com/office/drawing/2010/main" val="0"/>
+              </a:ext>
+            </a:extLst>
+          </a:blip>
+          <a:srcRect/>
+          <a:stretch>
+            <a:fillRect/>
+          </a:stretch>
+        </p:blipFill>
+        <p:spPr bwMode="auto">
+          <a:xfrm>
+            <a:off x="1554286" y="2487397"/>
+            <a:ext cx="443789" cy="417683"/>
+          </a:xfrm>
+          <a:prstGeom prst="rect">
+            <a:avLst/>
+          </a:prstGeom>
+          <a:noFill/>
+          <a:extLst>
+            <a:ext uri="{909E8E84-426E-40DD-AFC4-6F175D3DCCD1}">
+              <a14:hiddenFill xmlns:a14="http://schemas.microsoft.com/office/drawing/2010/main">
+                <a:solidFill>
+                  <a:srgbClr val="FFFFFF"/>
+                </a:solidFill>
+              </a14:hiddenFill>
+            </a:ext>
+          </a:extLst>
+        </p:spPr>
+      </p:pic>
+      <p:pic>
+        <p:nvPicPr>
+          <p:cNvPr id="18" name="図 17">
+            <a:extLst>
+              <a:ext uri="{FF2B5EF4-FFF2-40B4-BE49-F238E27FC236}">
+                <a16:creationId xmlns:a16="http://schemas.microsoft.com/office/drawing/2014/main" id="{1944A5FB-EEE5-08C2-3264-D376A85340F5}"/>
+              </a:ext>
+            </a:extLst>
+          </p:cNvPr>
+          <p:cNvPicPr>
+            <a:picLocks noChangeAspect="1"/>
+          </p:cNvPicPr>
+          <p:nvPr/>
+        </p:nvPicPr>
+        <p:blipFill>
+          <a:blip r:embed="rId3"/>
+          <a:stretch>
+            <a:fillRect/>
+          </a:stretch>
+        </p:blipFill>
+        <p:spPr>
+          <a:xfrm flipH="1">
+            <a:off x="522218" y="2445024"/>
+            <a:ext cx="1088230" cy="1088230"/>
+          </a:xfrm>
+          <a:prstGeom prst="rect">
+            <a:avLst/>
+          </a:prstGeom>
+        </p:spPr>
+      </p:pic>
+      <p:cxnSp>
+        <p:nvCxnSpPr>
+          <p:cNvPr id="19" name="コネクタ: カギ線 18">
+            <a:extLst>
+              <a:ext uri="{FF2B5EF4-FFF2-40B4-BE49-F238E27FC236}">
+                <a16:creationId xmlns:a16="http://schemas.microsoft.com/office/drawing/2014/main" id="{35BB434B-76AF-7F8A-D6F3-AB0DF26AC757}"/>
+              </a:ext>
+            </a:extLst>
+          </p:cNvPr>
+          <p:cNvCxnSpPr>
+            <a:cxnSpLocks/>
+            <a:stCxn id="18" idx="1"/>
+            <a:endCxn id="13" idx="2"/>
+          </p:cNvCxnSpPr>
+          <p:nvPr/>
+        </p:nvCxnSpPr>
+        <p:spPr>
+          <a:xfrm flipV="1">
+            <a:off x="1610448" y="1798192"/>
+            <a:ext cx="1927933" cy="1190947"/>
+          </a:xfrm>
+          <a:prstGeom prst="bentConnector2">
+            <a:avLst/>
+          </a:prstGeom>
+          <a:ln>
+            <a:tailEnd type="triangle"/>
+          </a:ln>
+        </p:spPr>
+        <p:style>
+          <a:lnRef idx="2">
+            <a:schemeClr val="accent1"/>
+          </a:lnRef>
+          <a:fillRef idx="0">
+            <a:schemeClr val="accent1"/>
+          </a:fillRef>
+          <a:effectRef idx="1">
+            <a:schemeClr val="accent1"/>
+          </a:effectRef>
+          <a:fontRef idx="minor">
+            <a:schemeClr val="tx1"/>
+          </a:fontRef>
+        </p:style>
+      </p:cxnSp>
+      <p:sp>
+        <p:nvSpPr>
+          <p:cNvPr id="22" name="テキスト ボックス 21">
+            <a:extLst>
+              <a:ext uri="{FF2B5EF4-FFF2-40B4-BE49-F238E27FC236}">
+                <a16:creationId xmlns:a16="http://schemas.microsoft.com/office/drawing/2014/main" id="{9B58A4AC-9090-2ED9-8FD3-021EED052282}"/>
+              </a:ext>
+            </a:extLst>
+          </p:cNvPr>
+          <p:cNvSpPr txBox="1"/>
+          <p:nvPr/>
+        </p:nvSpPr>
+        <p:spPr>
+          <a:xfrm>
+            <a:off x="1396448" y="3050374"/>
+            <a:ext cx="1838739" cy="646331"/>
+          </a:xfrm>
+          <a:prstGeom prst="rect">
+            <a:avLst/>
+          </a:prstGeom>
+          <a:noFill/>
+        </p:spPr>
+        <p:txBody>
+          <a:bodyPr wrap="square" rtlCol="0">
+            <a:spAutoFit/>
+          </a:bodyPr>
+          <a:lstStyle/>
+          <a:p>
+            <a:r>
+              <a:rPr kumimoji="1" lang="en-US" altLang="ja-JP" sz="1200" dirty="0"/>
+              <a:t>QR</a:t>
+            </a:r>
+            <a:r>
+              <a:rPr kumimoji="1" lang="ja-JP" altLang="en-US" sz="1200" dirty="0"/>
+              <a:t>コードをリードしてダイレクトに対象博物館のトップページ表示</a:t>
+            </a:r>
+          </a:p>
+        </p:txBody>
+      </p:sp>
+      <p:sp>
+        <p:nvSpPr>
+          <p:cNvPr id="25" name="テキスト ボックス 24">
+            <a:extLst>
+              <a:ext uri="{FF2B5EF4-FFF2-40B4-BE49-F238E27FC236}">
+                <a16:creationId xmlns:a16="http://schemas.microsoft.com/office/drawing/2014/main" id="{C38E0C43-6758-F2F0-2AAA-DCAE50A5D867}"/>
+              </a:ext>
+            </a:extLst>
+          </p:cNvPr>
+          <p:cNvSpPr txBox="1"/>
+          <p:nvPr/>
+        </p:nvSpPr>
+        <p:spPr>
+          <a:xfrm>
+            <a:off x="4979504" y="1153445"/>
+            <a:ext cx="2435087" cy="1200329"/>
+          </a:xfrm>
+          <a:prstGeom prst="rect">
+            <a:avLst/>
+          </a:prstGeom>
+          <a:noFill/>
+        </p:spPr>
+        <p:txBody>
+          <a:bodyPr wrap="square" rtlCol="0">
+            <a:spAutoFit/>
+          </a:bodyPr>
+          <a:lstStyle/>
+          <a:p>
+            <a:r>
+              <a:rPr kumimoji="1" lang="ja-JP" altLang="en-US" dirty="0"/>
+              <a:t>■トップページ内容</a:t>
+            </a:r>
+            <a:endParaRPr kumimoji="1" lang="en-US" altLang="ja-JP" dirty="0"/>
+          </a:p>
+          <a:p>
+            <a:r>
+              <a:rPr kumimoji="1" lang="ja-JP" altLang="en-US" dirty="0"/>
+              <a:t>以下のリンク</a:t>
+            </a:r>
+            <a:endParaRPr kumimoji="1" lang="en-US" altLang="ja-JP" dirty="0"/>
+          </a:p>
+          <a:p>
+            <a:pPr marL="285750" indent="-285750">
+              <a:buFont typeface="Arial" panose="020B0604020202020204" pitchFamily="34" charset="0"/>
+              <a:buChar char="•"/>
+            </a:pPr>
+            <a:r>
+              <a:rPr kumimoji="1" lang="ja-JP" altLang="en-US" dirty="0"/>
+              <a:t>博物館の説明</a:t>
+            </a:r>
+            <a:endParaRPr kumimoji="1" lang="en-US" altLang="ja-JP" dirty="0"/>
+          </a:p>
+          <a:p>
+            <a:pPr marL="285750" indent="-285750">
+              <a:buFont typeface="Arial" panose="020B0604020202020204" pitchFamily="34" charset="0"/>
+              <a:buChar char="•"/>
+            </a:pPr>
+            <a:r>
+              <a:rPr kumimoji="1" lang="en-US" altLang="ja-JP" dirty="0"/>
+              <a:t>QR</a:t>
+            </a:r>
+            <a:r>
+              <a:rPr kumimoji="1" lang="ja-JP" altLang="en-US" dirty="0"/>
+              <a:t>コードリーダー</a:t>
+            </a:r>
+          </a:p>
+        </p:txBody>
+      </p:sp>
+      <p:sp>
+        <p:nvSpPr>
+          <p:cNvPr id="27" name="テキスト ボックス 26">
+            <a:extLst>
+              <a:ext uri="{FF2B5EF4-FFF2-40B4-BE49-F238E27FC236}">
+                <a16:creationId xmlns:a16="http://schemas.microsoft.com/office/drawing/2014/main" id="{FD73553B-F9CB-0E19-1231-F7D85239BA92}"/>
+              </a:ext>
+            </a:extLst>
+          </p:cNvPr>
+          <p:cNvSpPr txBox="1"/>
+          <p:nvPr/>
+        </p:nvSpPr>
+        <p:spPr>
+          <a:xfrm>
+            <a:off x="834937" y="4661452"/>
+            <a:ext cx="1800493" cy="369332"/>
+          </a:xfrm>
+          <a:prstGeom prst="rect">
+            <a:avLst/>
+          </a:prstGeom>
+          <a:noFill/>
+        </p:spPr>
+        <p:txBody>
+          <a:bodyPr wrap="none" rtlCol="0">
+            <a:spAutoFit/>
+          </a:bodyPr>
+          <a:lstStyle/>
+          <a:p>
+            <a:r>
+              <a:rPr kumimoji="1" lang="ja-JP" altLang="en-US" dirty="0"/>
+              <a:t>■博物館の説明</a:t>
+            </a:r>
+          </a:p>
+        </p:txBody>
+      </p:sp>
+      <p:sp>
+        <p:nvSpPr>
+          <p:cNvPr id="28" name="テキスト ボックス 27">
+            <a:extLst>
+              <a:ext uri="{FF2B5EF4-FFF2-40B4-BE49-F238E27FC236}">
+                <a16:creationId xmlns:a16="http://schemas.microsoft.com/office/drawing/2014/main" id="{2A17AF0E-29F3-845A-703F-B0A770731AEF}"/>
+              </a:ext>
+            </a:extLst>
+          </p:cNvPr>
+          <p:cNvSpPr txBox="1"/>
+          <p:nvPr/>
+        </p:nvSpPr>
+        <p:spPr>
+          <a:xfrm>
+            <a:off x="1108212" y="5194491"/>
+            <a:ext cx="6226866" cy="369332"/>
+          </a:xfrm>
+          <a:prstGeom prst="rect">
+            <a:avLst/>
+          </a:prstGeom>
+          <a:noFill/>
+        </p:spPr>
+        <p:txBody>
+          <a:bodyPr wrap="square" rtlCol="0">
+            <a:spAutoFit/>
+          </a:bodyPr>
+          <a:lstStyle/>
+          <a:p>
+            <a:r>
+              <a:rPr kumimoji="1" lang="ja-JP" altLang="en-US" dirty="0"/>
+              <a:t>簡単な紹介文と画像</a:t>
+            </a:r>
+          </a:p>
+        </p:txBody>
+      </p:sp>
+    </p:spTree>
+    <p:extLst>
+      <p:ext uri="{BB962C8B-B14F-4D97-AF65-F5344CB8AC3E}">
+        <p14:creationId xmlns:p14="http://schemas.microsoft.com/office/powerpoint/2010/main" val="230468469"/>
+      </p:ext>
+    </p:extLst>
+  </p:cSld>
+  <p:clrMapOvr>
+    <a:masterClrMapping/>
+  </p:clrMapOvr>
+</p:sld>
+</file>
+
+<file path=ppt/slides/slide30.xml><?xml version="1.0" encoding="utf-8"?>
 <p:sld xmlns:a="http://schemas.openxmlformats.org/drawingml/2006/main" xmlns:r="http://schemas.openxmlformats.org/officeDocument/2006/relationships" xmlns:p="http://schemas.openxmlformats.org/presentationml/2006/main">
   <p:cSld>
     <p:spTree>
@@ -10455,7 +12146,7 @@
 </p:sld>
 </file>
 
-<file path=ppt/slides/slide26.xml><?xml version="1.0" encoding="utf-8"?>
+<file path=ppt/slides/slide31.xml><?xml version="1.0" encoding="utf-8"?>
 <p:sld xmlns:a="http://schemas.openxmlformats.org/drawingml/2006/main" xmlns:r="http://schemas.openxmlformats.org/officeDocument/2006/relationships" xmlns:p="http://schemas.openxmlformats.org/presentationml/2006/main">
   <p:cSld>
     <p:spTree>
@@ -11564,7 +13255,7 @@
 </p:sld>
 </file>
 
-<file path=ppt/slides/slide27.xml><?xml version="1.0" encoding="utf-8"?>
+<file path=ppt/slides/slide32.xml><?xml version="1.0" encoding="utf-8"?>
 <p:sld xmlns:a="http://schemas.openxmlformats.org/drawingml/2006/main" xmlns:r="http://schemas.openxmlformats.org/officeDocument/2006/relationships" xmlns:p="http://schemas.openxmlformats.org/presentationml/2006/main">
   <p:cSld>
     <p:spTree>
@@ -12667,7 +14358,7 @@
 </p:sld>
 </file>
 
-<file path=ppt/slides/slide28.xml><?xml version="1.0" encoding="utf-8"?>
+<file path=ppt/slides/slide33.xml><?xml version="1.0" encoding="utf-8"?>
 <p:sld xmlns:a="http://schemas.openxmlformats.org/drawingml/2006/main" xmlns:r="http://schemas.openxmlformats.org/officeDocument/2006/relationships" xmlns:p="http://schemas.openxmlformats.org/presentationml/2006/main">
   <p:cSld>
     <p:spTree>
@@ -13381,7 +15072,7 @@
 </p:sld>
 </file>
 
-<file path=ppt/slides/slide29.xml><?xml version="1.0" encoding="utf-8"?>
+<file path=ppt/slides/slide34.xml><?xml version="1.0" encoding="utf-8"?>
 <p:sld xmlns:a="http://schemas.openxmlformats.org/drawingml/2006/main" xmlns:r="http://schemas.openxmlformats.org/officeDocument/2006/relationships" xmlns:p="http://schemas.openxmlformats.org/presentationml/2006/main">
   <p:cSld>
     <p:spTree>
@@ -14234,736 +15925,7 @@
 </p:sld>
 </file>
 
-<file path=ppt/slides/slide3.xml><?xml version="1.0" encoding="utf-8"?>
-<p:sld xmlns:a="http://schemas.openxmlformats.org/drawingml/2006/main" xmlns:r="http://schemas.openxmlformats.org/officeDocument/2006/relationships" xmlns:p="http://schemas.openxmlformats.org/presentationml/2006/main">
-  <p:cSld>
-    <p:spTree>
-      <p:nvGrpSpPr>
-        <p:cNvPr id="1" name=""/>
-        <p:cNvGrpSpPr/>
-        <p:nvPr/>
-      </p:nvGrpSpPr>
-      <p:grpSpPr>
-        <a:xfrm>
-          <a:off x="0" y="0"/>
-          <a:ext cx="0" cy="0"/>
-          <a:chOff x="0" y="0"/>
-          <a:chExt cx="0" cy="0"/>
-        </a:xfrm>
-      </p:grpSpPr>
-      <p:cxnSp>
-        <p:nvCxnSpPr>
-          <p:cNvPr id="4" name="直線コネクタ 3">
-            <a:extLst>
-              <a:ext uri="{FF2B5EF4-FFF2-40B4-BE49-F238E27FC236}">
-                <a16:creationId xmlns:a16="http://schemas.microsoft.com/office/drawing/2014/main" id="{3DC5C270-0C95-7AD0-3877-B4EFF61B809E}"/>
-              </a:ext>
-            </a:extLst>
-          </p:cNvPr>
-          <p:cNvCxnSpPr/>
-          <p:nvPr/>
-        </p:nvCxnSpPr>
-        <p:spPr>
-          <a:xfrm>
-            <a:off x="228600" y="755374"/>
-            <a:ext cx="11936896" cy="0"/>
-          </a:xfrm>
-          <a:prstGeom prst="line">
-            <a:avLst/>
-          </a:prstGeom>
-        </p:spPr>
-        <p:style>
-          <a:lnRef idx="2">
-            <a:schemeClr val="accent1"/>
-          </a:lnRef>
-          <a:fillRef idx="0">
-            <a:schemeClr val="accent1"/>
-          </a:fillRef>
-          <a:effectRef idx="1">
-            <a:schemeClr val="accent1"/>
-          </a:effectRef>
-          <a:fontRef idx="minor">
-            <a:schemeClr val="tx1"/>
-          </a:fontRef>
-        </p:style>
-      </p:cxnSp>
-      <p:sp>
-        <p:nvSpPr>
-          <p:cNvPr id="5" name="テキスト ボックス 4">
-            <a:extLst>
-              <a:ext uri="{FF2B5EF4-FFF2-40B4-BE49-F238E27FC236}">
-                <a16:creationId xmlns:a16="http://schemas.microsoft.com/office/drawing/2014/main" id="{3071577A-4021-4AF3-8AE8-98BBB0446C6C}"/>
-              </a:ext>
-            </a:extLst>
-          </p:cNvPr>
-          <p:cNvSpPr txBox="1"/>
-          <p:nvPr/>
-        </p:nvSpPr>
-        <p:spPr>
-          <a:xfrm>
-            <a:off x="407504" y="198783"/>
-            <a:ext cx="3796748" cy="369332"/>
-          </a:xfrm>
-          <a:prstGeom prst="rect">
-            <a:avLst/>
-          </a:prstGeom>
-          <a:noFill/>
-        </p:spPr>
-        <p:txBody>
-          <a:bodyPr wrap="square" rtlCol="0">
-            <a:spAutoFit/>
-          </a:bodyPr>
-          <a:lstStyle/>
-          <a:p>
-            <a:r>
-              <a:rPr kumimoji="1" lang="ja-JP" altLang="en-US" dirty="0"/>
-              <a:t>画面遷移（利用者）</a:t>
-            </a:r>
-          </a:p>
-        </p:txBody>
-      </p:sp>
-      <p:sp>
-        <p:nvSpPr>
-          <p:cNvPr id="8" name="正方形/長方形 7">
-            <a:extLst>
-              <a:ext uri="{FF2B5EF4-FFF2-40B4-BE49-F238E27FC236}">
-                <a16:creationId xmlns:a16="http://schemas.microsoft.com/office/drawing/2014/main" id="{F16CD204-11BE-725A-F2EF-133B704BB4A8}"/>
-              </a:ext>
-            </a:extLst>
-          </p:cNvPr>
-          <p:cNvSpPr/>
-          <p:nvPr/>
-        </p:nvSpPr>
-        <p:spPr>
-          <a:xfrm>
-            <a:off x="834937" y="1406892"/>
-            <a:ext cx="1078396" cy="276999"/>
-          </a:xfrm>
-          <a:prstGeom prst="rect">
-            <a:avLst/>
-          </a:prstGeom>
-          <a:noFill/>
-        </p:spPr>
-        <p:style>
-          <a:lnRef idx="2">
-            <a:schemeClr val="accent1">
-              <a:shade val="15000"/>
-            </a:schemeClr>
-          </a:lnRef>
-          <a:fillRef idx="1">
-            <a:schemeClr val="accent1"/>
-          </a:fillRef>
-          <a:effectRef idx="0">
-            <a:schemeClr val="accent1"/>
-          </a:effectRef>
-          <a:fontRef idx="minor">
-            <a:schemeClr val="lt1"/>
-          </a:fontRef>
-        </p:style>
-        <p:txBody>
-          <a:bodyPr rtlCol="0" anchor="ctr"/>
-          <a:lstStyle/>
-          <a:p>
-            <a:pPr algn="ctr"/>
-            <a:r>
-              <a:rPr kumimoji="1" lang="ja-JP" altLang="en-US" sz="1200" dirty="0">
-                <a:solidFill>
-                  <a:schemeClr val="tx1"/>
-                </a:solidFill>
-              </a:rPr>
-              <a:t>○○博物館</a:t>
-            </a:r>
-          </a:p>
-        </p:txBody>
-      </p:sp>
-      <p:sp>
-        <p:nvSpPr>
-          <p:cNvPr id="10" name="正方形/長方形 9">
-            <a:extLst>
-              <a:ext uri="{FF2B5EF4-FFF2-40B4-BE49-F238E27FC236}">
-                <a16:creationId xmlns:a16="http://schemas.microsoft.com/office/drawing/2014/main" id="{9B62A116-0DB9-425D-A572-A25AFB61C7EC}"/>
-              </a:ext>
-            </a:extLst>
-          </p:cNvPr>
-          <p:cNvSpPr/>
-          <p:nvPr/>
-        </p:nvSpPr>
-        <p:spPr>
-          <a:xfrm>
-            <a:off x="834937" y="1798192"/>
-            <a:ext cx="1078396" cy="276999"/>
-          </a:xfrm>
-          <a:prstGeom prst="rect">
-            <a:avLst/>
-          </a:prstGeom>
-          <a:noFill/>
-        </p:spPr>
-        <p:style>
-          <a:lnRef idx="2">
-            <a:schemeClr val="accent1">
-              <a:shade val="15000"/>
-            </a:schemeClr>
-          </a:lnRef>
-          <a:fillRef idx="1">
-            <a:schemeClr val="accent1"/>
-          </a:fillRef>
-          <a:effectRef idx="0">
-            <a:schemeClr val="accent1"/>
-          </a:effectRef>
-          <a:fontRef idx="minor">
-            <a:schemeClr val="lt1"/>
-          </a:fontRef>
-        </p:style>
-        <p:txBody>
-          <a:bodyPr rtlCol="0" anchor="ctr"/>
-          <a:lstStyle/>
-          <a:p>
-            <a:pPr algn="ctr"/>
-            <a:r>
-              <a:rPr kumimoji="1" lang="en-US" altLang="ja-JP" sz="1200" dirty="0">
-                <a:solidFill>
-                  <a:schemeClr val="tx1"/>
-                </a:solidFill>
-              </a:rPr>
-              <a:t>××</a:t>
-            </a:r>
-            <a:r>
-              <a:rPr kumimoji="1" lang="ja-JP" altLang="en-US" sz="1200" dirty="0">
-                <a:solidFill>
-                  <a:schemeClr val="tx1"/>
-                </a:solidFill>
-              </a:rPr>
-              <a:t>博物館</a:t>
-            </a:r>
-          </a:p>
-        </p:txBody>
-      </p:sp>
-      <p:sp>
-        <p:nvSpPr>
-          <p:cNvPr id="11" name="正方形/長方形 10">
-            <a:extLst>
-              <a:ext uri="{FF2B5EF4-FFF2-40B4-BE49-F238E27FC236}">
-                <a16:creationId xmlns:a16="http://schemas.microsoft.com/office/drawing/2014/main" id="{B835FD68-B3DB-BF38-BF2E-1892F45107C2}"/>
-              </a:ext>
-            </a:extLst>
-          </p:cNvPr>
-          <p:cNvSpPr/>
-          <p:nvPr/>
-        </p:nvSpPr>
-        <p:spPr>
-          <a:xfrm>
-            <a:off x="735497" y="1294177"/>
-            <a:ext cx="1321904" cy="1001759"/>
-          </a:xfrm>
-          <a:prstGeom prst="rect">
-            <a:avLst/>
-          </a:prstGeom>
-          <a:noFill/>
-        </p:spPr>
-        <p:style>
-          <a:lnRef idx="2">
-            <a:schemeClr val="accent1">
-              <a:shade val="15000"/>
-            </a:schemeClr>
-          </a:lnRef>
-          <a:fillRef idx="1">
-            <a:schemeClr val="accent1"/>
-          </a:fillRef>
-          <a:effectRef idx="0">
-            <a:schemeClr val="accent1"/>
-          </a:effectRef>
-          <a:fontRef idx="minor">
-            <a:schemeClr val="lt1"/>
-          </a:fontRef>
-        </p:style>
-        <p:txBody>
-          <a:bodyPr rtlCol="0" anchor="ctr"/>
-          <a:lstStyle/>
-          <a:p>
-            <a:pPr algn="ctr"/>
-            <a:endParaRPr kumimoji="1" lang="ja-JP" altLang="en-US" sz="1200" dirty="0">
-              <a:solidFill>
-                <a:schemeClr val="tx1"/>
-              </a:solidFill>
-            </a:endParaRPr>
-          </a:p>
-        </p:txBody>
-      </p:sp>
-      <p:sp>
-        <p:nvSpPr>
-          <p:cNvPr id="12" name="テキスト ボックス 11">
-            <a:extLst>
-              <a:ext uri="{FF2B5EF4-FFF2-40B4-BE49-F238E27FC236}">
-                <a16:creationId xmlns:a16="http://schemas.microsoft.com/office/drawing/2014/main" id="{0A254587-B090-1CCB-EE31-DC5EB4EBEE6D}"/>
-              </a:ext>
-            </a:extLst>
-          </p:cNvPr>
-          <p:cNvSpPr txBox="1"/>
-          <p:nvPr/>
-        </p:nvSpPr>
-        <p:spPr>
-          <a:xfrm>
-            <a:off x="705679" y="868090"/>
-            <a:ext cx="1381539" cy="276999"/>
-          </a:xfrm>
-          <a:prstGeom prst="rect">
-            <a:avLst/>
-          </a:prstGeom>
-          <a:noFill/>
-        </p:spPr>
-        <p:txBody>
-          <a:bodyPr wrap="square" rtlCol="0">
-            <a:spAutoFit/>
-          </a:bodyPr>
-          <a:lstStyle/>
-          <a:p>
-            <a:r>
-              <a:rPr kumimoji="1" lang="ja-JP" altLang="en-US" sz="1200" dirty="0"/>
-              <a:t>博物館選択画面</a:t>
-            </a:r>
-          </a:p>
-        </p:txBody>
-      </p:sp>
-      <p:sp>
-        <p:nvSpPr>
-          <p:cNvPr id="13" name="正方形/長方形 12">
-            <a:extLst>
-              <a:ext uri="{FF2B5EF4-FFF2-40B4-BE49-F238E27FC236}">
-                <a16:creationId xmlns:a16="http://schemas.microsoft.com/office/drawing/2014/main" id="{948EA15D-E23D-B168-08F6-B854C67715D7}"/>
-              </a:ext>
-            </a:extLst>
-          </p:cNvPr>
-          <p:cNvSpPr/>
-          <p:nvPr/>
-        </p:nvSpPr>
-        <p:spPr>
-          <a:xfrm>
-            <a:off x="2877429" y="1294177"/>
-            <a:ext cx="1321904" cy="504015"/>
-          </a:xfrm>
-          <a:prstGeom prst="rect">
-            <a:avLst/>
-          </a:prstGeom>
-          <a:noFill/>
-        </p:spPr>
-        <p:style>
-          <a:lnRef idx="2">
-            <a:schemeClr val="accent1">
-              <a:shade val="15000"/>
-            </a:schemeClr>
-          </a:lnRef>
-          <a:fillRef idx="1">
-            <a:schemeClr val="accent1"/>
-          </a:fillRef>
-          <a:effectRef idx="0">
-            <a:schemeClr val="accent1"/>
-          </a:effectRef>
-          <a:fontRef idx="minor">
-            <a:schemeClr val="lt1"/>
-          </a:fontRef>
-        </p:style>
-        <p:txBody>
-          <a:bodyPr rtlCol="0" anchor="ctr"/>
-          <a:lstStyle/>
-          <a:p>
-            <a:pPr algn="ctr"/>
-            <a:endParaRPr kumimoji="1" lang="ja-JP" altLang="en-US" sz="1200" dirty="0">
-              <a:solidFill>
-                <a:schemeClr val="tx1"/>
-              </a:solidFill>
-            </a:endParaRPr>
-          </a:p>
-        </p:txBody>
-      </p:sp>
-      <p:sp>
-        <p:nvSpPr>
-          <p:cNvPr id="14" name="テキスト ボックス 13">
-            <a:extLst>
-              <a:ext uri="{FF2B5EF4-FFF2-40B4-BE49-F238E27FC236}">
-                <a16:creationId xmlns:a16="http://schemas.microsoft.com/office/drawing/2014/main" id="{6540F72F-1C4C-1305-CE3C-DF12F1F80A54}"/>
-              </a:ext>
-            </a:extLst>
-          </p:cNvPr>
-          <p:cNvSpPr txBox="1"/>
-          <p:nvPr/>
-        </p:nvSpPr>
-        <p:spPr>
-          <a:xfrm>
-            <a:off x="2673627" y="942634"/>
-            <a:ext cx="2007704" cy="276999"/>
-          </a:xfrm>
-          <a:prstGeom prst="rect">
-            <a:avLst/>
-          </a:prstGeom>
-          <a:noFill/>
-        </p:spPr>
-        <p:txBody>
-          <a:bodyPr wrap="square" rtlCol="0">
-            <a:spAutoFit/>
-          </a:bodyPr>
-          <a:lstStyle/>
-          <a:p>
-            <a:r>
-              <a:rPr kumimoji="1" lang="ja-JP" altLang="en-US" sz="1200" dirty="0"/>
-              <a:t>○○博物館トップ画面</a:t>
-            </a:r>
-          </a:p>
-        </p:txBody>
-      </p:sp>
-      <p:cxnSp>
-        <p:nvCxnSpPr>
-          <p:cNvPr id="16" name="コネクタ: カギ線 15">
-            <a:extLst>
-              <a:ext uri="{FF2B5EF4-FFF2-40B4-BE49-F238E27FC236}">
-                <a16:creationId xmlns:a16="http://schemas.microsoft.com/office/drawing/2014/main" id="{1831295B-E33B-B4DC-1F32-614FEC87F46A}"/>
-              </a:ext>
-            </a:extLst>
-          </p:cNvPr>
-          <p:cNvCxnSpPr>
-            <a:cxnSpLocks/>
-            <a:stCxn id="8" idx="3"/>
-            <a:endCxn id="13" idx="1"/>
-          </p:cNvCxnSpPr>
-          <p:nvPr/>
-        </p:nvCxnSpPr>
-        <p:spPr>
-          <a:xfrm>
-            <a:off x="1913333" y="1545392"/>
-            <a:ext cx="964096" cy="793"/>
-          </a:xfrm>
-          <a:prstGeom prst="bentConnector3">
-            <a:avLst/>
-          </a:prstGeom>
-          <a:ln>
-            <a:tailEnd type="triangle"/>
-          </a:ln>
-        </p:spPr>
-        <p:style>
-          <a:lnRef idx="2">
-            <a:schemeClr val="accent1"/>
-          </a:lnRef>
-          <a:fillRef idx="0">
-            <a:schemeClr val="accent1"/>
-          </a:fillRef>
-          <a:effectRef idx="1">
-            <a:schemeClr val="accent1"/>
-          </a:effectRef>
-          <a:fontRef idx="minor">
-            <a:schemeClr val="tx1"/>
-          </a:fontRef>
-        </p:style>
-      </p:cxnSp>
-      <p:pic>
-        <p:nvPicPr>
-          <p:cNvPr id="17" name="Picture 2" descr="QRコード作成【ずっと無料・無制限】／QRのススメ">
-            <a:extLst>
-              <a:ext uri="{FF2B5EF4-FFF2-40B4-BE49-F238E27FC236}">
-                <a16:creationId xmlns:a16="http://schemas.microsoft.com/office/drawing/2014/main" id="{2EA55849-B200-F577-FA21-07508D526015}"/>
-              </a:ext>
-            </a:extLst>
-          </p:cNvPr>
-          <p:cNvPicPr>
-            <a:picLocks noChangeAspect="1" noChangeArrowheads="1"/>
-          </p:cNvPicPr>
-          <p:nvPr/>
-        </p:nvPicPr>
-        <p:blipFill>
-          <a:blip r:embed="rId2">
-            <a:extLst>
-              <a:ext uri="{28A0092B-C50C-407E-A947-70E740481C1C}">
-                <a14:useLocalDpi xmlns:a14="http://schemas.microsoft.com/office/drawing/2010/main" val="0"/>
-              </a:ext>
-            </a:extLst>
-          </a:blip>
-          <a:srcRect/>
-          <a:stretch>
-            <a:fillRect/>
-          </a:stretch>
-        </p:blipFill>
-        <p:spPr bwMode="auto">
-          <a:xfrm>
-            <a:off x="1554286" y="2487397"/>
-            <a:ext cx="443789" cy="417683"/>
-          </a:xfrm>
-          <a:prstGeom prst="rect">
-            <a:avLst/>
-          </a:prstGeom>
-          <a:noFill/>
-          <a:extLst>
-            <a:ext uri="{909E8E84-426E-40DD-AFC4-6F175D3DCCD1}">
-              <a14:hiddenFill xmlns:a14="http://schemas.microsoft.com/office/drawing/2010/main">
-                <a:solidFill>
-                  <a:srgbClr val="FFFFFF"/>
-                </a:solidFill>
-              </a14:hiddenFill>
-            </a:ext>
-          </a:extLst>
-        </p:spPr>
-      </p:pic>
-      <p:pic>
-        <p:nvPicPr>
-          <p:cNvPr id="18" name="図 17">
-            <a:extLst>
-              <a:ext uri="{FF2B5EF4-FFF2-40B4-BE49-F238E27FC236}">
-                <a16:creationId xmlns:a16="http://schemas.microsoft.com/office/drawing/2014/main" id="{1944A5FB-EEE5-08C2-3264-D376A85340F5}"/>
-              </a:ext>
-            </a:extLst>
-          </p:cNvPr>
-          <p:cNvPicPr>
-            <a:picLocks noChangeAspect="1"/>
-          </p:cNvPicPr>
-          <p:nvPr/>
-        </p:nvPicPr>
-        <p:blipFill>
-          <a:blip r:embed="rId3"/>
-          <a:stretch>
-            <a:fillRect/>
-          </a:stretch>
-        </p:blipFill>
-        <p:spPr>
-          <a:xfrm flipH="1">
-            <a:off x="522218" y="2445024"/>
-            <a:ext cx="1088230" cy="1088230"/>
-          </a:xfrm>
-          <a:prstGeom prst="rect">
-            <a:avLst/>
-          </a:prstGeom>
-        </p:spPr>
-      </p:pic>
-      <p:cxnSp>
-        <p:nvCxnSpPr>
-          <p:cNvPr id="19" name="コネクタ: カギ線 18">
-            <a:extLst>
-              <a:ext uri="{FF2B5EF4-FFF2-40B4-BE49-F238E27FC236}">
-                <a16:creationId xmlns:a16="http://schemas.microsoft.com/office/drawing/2014/main" id="{35BB434B-76AF-7F8A-D6F3-AB0DF26AC757}"/>
-              </a:ext>
-            </a:extLst>
-          </p:cNvPr>
-          <p:cNvCxnSpPr>
-            <a:cxnSpLocks/>
-            <a:stCxn id="18" idx="1"/>
-            <a:endCxn id="13" idx="2"/>
-          </p:cNvCxnSpPr>
-          <p:nvPr/>
-        </p:nvCxnSpPr>
-        <p:spPr>
-          <a:xfrm flipV="1">
-            <a:off x="1610448" y="1798192"/>
-            <a:ext cx="1927933" cy="1190947"/>
-          </a:xfrm>
-          <a:prstGeom prst="bentConnector2">
-            <a:avLst/>
-          </a:prstGeom>
-          <a:ln>
-            <a:tailEnd type="triangle"/>
-          </a:ln>
-        </p:spPr>
-        <p:style>
-          <a:lnRef idx="2">
-            <a:schemeClr val="accent1"/>
-          </a:lnRef>
-          <a:fillRef idx="0">
-            <a:schemeClr val="accent1"/>
-          </a:fillRef>
-          <a:effectRef idx="1">
-            <a:schemeClr val="accent1"/>
-          </a:effectRef>
-          <a:fontRef idx="minor">
-            <a:schemeClr val="tx1"/>
-          </a:fontRef>
-        </p:style>
-      </p:cxnSp>
-      <p:sp>
-        <p:nvSpPr>
-          <p:cNvPr id="22" name="テキスト ボックス 21">
-            <a:extLst>
-              <a:ext uri="{FF2B5EF4-FFF2-40B4-BE49-F238E27FC236}">
-                <a16:creationId xmlns:a16="http://schemas.microsoft.com/office/drawing/2014/main" id="{9B58A4AC-9090-2ED9-8FD3-021EED052282}"/>
-              </a:ext>
-            </a:extLst>
-          </p:cNvPr>
-          <p:cNvSpPr txBox="1"/>
-          <p:nvPr/>
-        </p:nvSpPr>
-        <p:spPr>
-          <a:xfrm>
-            <a:off x="1396448" y="3050374"/>
-            <a:ext cx="1838739" cy="646331"/>
-          </a:xfrm>
-          <a:prstGeom prst="rect">
-            <a:avLst/>
-          </a:prstGeom>
-          <a:noFill/>
-        </p:spPr>
-        <p:txBody>
-          <a:bodyPr wrap="square" rtlCol="0">
-            <a:spAutoFit/>
-          </a:bodyPr>
-          <a:lstStyle/>
-          <a:p>
-            <a:r>
-              <a:rPr kumimoji="1" lang="en-US" altLang="ja-JP" sz="1200" dirty="0"/>
-              <a:t>QR</a:t>
-            </a:r>
-            <a:r>
-              <a:rPr kumimoji="1" lang="ja-JP" altLang="en-US" sz="1200" dirty="0"/>
-              <a:t>コードをリードしてダイレクトに対象博物館のトップページ表示</a:t>
-            </a:r>
-          </a:p>
-        </p:txBody>
-      </p:sp>
-      <p:sp>
-        <p:nvSpPr>
-          <p:cNvPr id="25" name="テキスト ボックス 24">
-            <a:extLst>
-              <a:ext uri="{FF2B5EF4-FFF2-40B4-BE49-F238E27FC236}">
-                <a16:creationId xmlns:a16="http://schemas.microsoft.com/office/drawing/2014/main" id="{C38E0C43-6758-F2F0-2AAA-DCAE50A5D867}"/>
-              </a:ext>
-            </a:extLst>
-          </p:cNvPr>
-          <p:cNvSpPr txBox="1"/>
-          <p:nvPr/>
-        </p:nvSpPr>
-        <p:spPr>
-          <a:xfrm>
-            <a:off x="4979504" y="1153445"/>
-            <a:ext cx="2435087" cy="1200329"/>
-          </a:xfrm>
-          <a:prstGeom prst="rect">
-            <a:avLst/>
-          </a:prstGeom>
-          <a:noFill/>
-        </p:spPr>
-        <p:txBody>
-          <a:bodyPr wrap="square" rtlCol="0">
-            <a:spAutoFit/>
-          </a:bodyPr>
-          <a:lstStyle/>
-          <a:p>
-            <a:r>
-              <a:rPr kumimoji="1" lang="ja-JP" altLang="en-US" dirty="0"/>
-              <a:t>■トップページ内容</a:t>
-            </a:r>
-            <a:endParaRPr kumimoji="1" lang="en-US" altLang="ja-JP" dirty="0"/>
-          </a:p>
-          <a:p>
-            <a:r>
-              <a:rPr kumimoji="1" lang="ja-JP" altLang="en-US" dirty="0"/>
-              <a:t>以下のリンク</a:t>
-            </a:r>
-            <a:endParaRPr kumimoji="1" lang="en-US" altLang="ja-JP" dirty="0"/>
-          </a:p>
-          <a:p>
-            <a:pPr marL="285750" indent="-285750">
-              <a:buFont typeface="Arial" panose="020B0604020202020204" pitchFamily="34" charset="0"/>
-              <a:buChar char="•"/>
-            </a:pPr>
-            <a:r>
-              <a:rPr kumimoji="1" lang="ja-JP" altLang="en-US" dirty="0"/>
-              <a:t>博物館の説明</a:t>
-            </a:r>
-            <a:endParaRPr kumimoji="1" lang="en-US" altLang="ja-JP" dirty="0"/>
-          </a:p>
-          <a:p>
-            <a:pPr marL="285750" indent="-285750">
-              <a:buFont typeface="Arial" panose="020B0604020202020204" pitchFamily="34" charset="0"/>
-              <a:buChar char="•"/>
-            </a:pPr>
-            <a:r>
-              <a:rPr kumimoji="1" lang="en-US" altLang="ja-JP" dirty="0"/>
-              <a:t>QR</a:t>
-            </a:r>
-            <a:r>
-              <a:rPr kumimoji="1" lang="ja-JP" altLang="en-US" dirty="0"/>
-              <a:t>コードリーダー</a:t>
-            </a:r>
-          </a:p>
-        </p:txBody>
-      </p:sp>
-      <p:sp>
-        <p:nvSpPr>
-          <p:cNvPr id="27" name="テキスト ボックス 26">
-            <a:extLst>
-              <a:ext uri="{FF2B5EF4-FFF2-40B4-BE49-F238E27FC236}">
-                <a16:creationId xmlns:a16="http://schemas.microsoft.com/office/drawing/2014/main" id="{FD73553B-F9CB-0E19-1231-F7D85239BA92}"/>
-              </a:ext>
-            </a:extLst>
-          </p:cNvPr>
-          <p:cNvSpPr txBox="1"/>
-          <p:nvPr/>
-        </p:nvSpPr>
-        <p:spPr>
-          <a:xfrm>
-            <a:off x="834937" y="4661452"/>
-            <a:ext cx="1800493" cy="369332"/>
-          </a:xfrm>
-          <a:prstGeom prst="rect">
-            <a:avLst/>
-          </a:prstGeom>
-          <a:noFill/>
-        </p:spPr>
-        <p:txBody>
-          <a:bodyPr wrap="none" rtlCol="0">
-            <a:spAutoFit/>
-          </a:bodyPr>
-          <a:lstStyle/>
-          <a:p>
-            <a:r>
-              <a:rPr kumimoji="1" lang="ja-JP" altLang="en-US" dirty="0"/>
-              <a:t>■博物館の説明</a:t>
-            </a:r>
-          </a:p>
-        </p:txBody>
-      </p:sp>
-      <p:sp>
-        <p:nvSpPr>
-          <p:cNvPr id="28" name="テキスト ボックス 27">
-            <a:extLst>
-              <a:ext uri="{FF2B5EF4-FFF2-40B4-BE49-F238E27FC236}">
-                <a16:creationId xmlns:a16="http://schemas.microsoft.com/office/drawing/2014/main" id="{2A17AF0E-29F3-845A-703F-B0A770731AEF}"/>
-              </a:ext>
-            </a:extLst>
-          </p:cNvPr>
-          <p:cNvSpPr txBox="1"/>
-          <p:nvPr/>
-        </p:nvSpPr>
-        <p:spPr>
-          <a:xfrm>
-            <a:off x="1108212" y="5194491"/>
-            <a:ext cx="6226866" cy="369332"/>
-          </a:xfrm>
-          <a:prstGeom prst="rect">
-            <a:avLst/>
-          </a:prstGeom>
-          <a:noFill/>
-        </p:spPr>
-        <p:txBody>
-          <a:bodyPr wrap="square" rtlCol="0">
-            <a:spAutoFit/>
-          </a:bodyPr>
-          <a:lstStyle/>
-          <a:p>
-            <a:r>
-              <a:rPr kumimoji="1" lang="ja-JP" altLang="en-US" dirty="0"/>
-              <a:t>簡単な紹介文と画像</a:t>
-            </a:r>
-          </a:p>
-        </p:txBody>
-      </p:sp>
-    </p:spTree>
-    <p:extLst>
-      <p:ext uri="{BB962C8B-B14F-4D97-AF65-F5344CB8AC3E}">
-        <p14:creationId xmlns:p14="http://schemas.microsoft.com/office/powerpoint/2010/main" val="230468469"/>
-      </p:ext>
-    </p:extLst>
-  </p:cSld>
-  <p:clrMapOvr>
-    <a:masterClrMapping/>
-  </p:clrMapOvr>
-</p:sld>
-</file>
-
-<file path=ppt/slides/slide30.xml><?xml version="1.0" encoding="utf-8"?>
+<file path=ppt/slides/slide35.xml><?xml version="1.0" encoding="utf-8"?>
 <p:sld xmlns:a="http://schemas.openxmlformats.org/drawingml/2006/main" xmlns:r="http://schemas.openxmlformats.org/officeDocument/2006/relationships" xmlns:p="http://schemas.openxmlformats.org/presentationml/2006/main">
   <p:cSld>
     <p:spTree>
@@ -15440,7 +16402,7 @@
 </p:sld>
 </file>
 
-<file path=ppt/slides/slide31.xml><?xml version="1.0" encoding="utf-8"?>
+<file path=ppt/slides/slide36.xml><?xml version="1.0" encoding="utf-8"?>
 <p:sld xmlns:a="http://schemas.openxmlformats.org/drawingml/2006/main" xmlns:r="http://schemas.openxmlformats.org/officeDocument/2006/relationships" xmlns:p="http://schemas.openxmlformats.org/presentationml/2006/main">
   <p:cSld>
     <p:spTree>
@@ -16082,7 +17044,7 @@
 </p:sld>
 </file>
 
-<file path=ppt/slides/slide32.xml><?xml version="1.0" encoding="utf-8"?>
+<file path=ppt/slides/slide37.xml><?xml version="1.0" encoding="utf-8"?>
 <p:sld xmlns:a="http://schemas.openxmlformats.org/drawingml/2006/main" xmlns:r="http://schemas.openxmlformats.org/officeDocument/2006/relationships" xmlns:p="http://schemas.openxmlformats.org/presentationml/2006/main">
   <p:cSld>
     <p:spTree>
@@ -16802,7 +17764,7 @@
 </p:sld>
 </file>
 
-<file path=ppt/slides/slide33.xml><?xml version="1.0" encoding="utf-8"?>
+<file path=ppt/slides/slide38.xml><?xml version="1.0" encoding="utf-8"?>
 <p:sld xmlns:a="http://schemas.openxmlformats.org/drawingml/2006/main" xmlns:r="http://schemas.openxmlformats.org/officeDocument/2006/relationships" xmlns:p="http://schemas.openxmlformats.org/presentationml/2006/main">
   <p:cSld>
     <p:spTree>
@@ -17477,7 +18439,7 @@
 </p:sld>
 </file>
 
-<file path=ppt/slides/slide34.xml><?xml version="1.0" encoding="utf-8"?>
+<file path=ppt/slides/slide39.xml><?xml version="1.0" encoding="utf-8"?>
 <p:sld xmlns:a="http://schemas.openxmlformats.org/drawingml/2006/main" xmlns:r="http://schemas.openxmlformats.org/officeDocument/2006/relationships" xmlns:p="http://schemas.openxmlformats.org/presentationml/2006/main">
   <p:cSld>
     <p:spTree>
@@ -18051,7 +19013,643 @@
 </p:sld>
 </file>
 
-<file path=ppt/slides/slide35.xml><?xml version="1.0" encoding="utf-8"?>
+<file path=ppt/slides/slide4.xml><?xml version="1.0" encoding="utf-8"?>
+<p:sld xmlns:a="http://schemas.openxmlformats.org/drawingml/2006/main" xmlns:r="http://schemas.openxmlformats.org/officeDocument/2006/relationships" xmlns:p="http://schemas.openxmlformats.org/presentationml/2006/main">
+  <p:cSld>
+    <p:spTree>
+      <p:nvGrpSpPr>
+        <p:cNvPr id="1" name="">
+          <a:extLst>
+            <a:ext uri="{FF2B5EF4-FFF2-40B4-BE49-F238E27FC236}">
+              <a16:creationId xmlns:a16="http://schemas.microsoft.com/office/drawing/2014/main" id="{3CCC5F9F-35CD-63BB-0C17-D6F0C79D02CF}"/>
+            </a:ext>
+          </a:extLst>
+        </p:cNvPr>
+        <p:cNvGrpSpPr/>
+        <p:nvPr/>
+      </p:nvGrpSpPr>
+      <p:grpSpPr>
+        <a:xfrm>
+          <a:off x="0" y="0"/>
+          <a:ext cx="0" cy="0"/>
+          <a:chOff x="0" y="0"/>
+          <a:chExt cx="0" cy="0"/>
+        </a:xfrm>
+      </p:grpSpPr>
+      <p:cxnSp>
+        <p:nvCxnSpPr>
+          <p:cNvPr id="4" name="直線コネクタ 3">
+            <a:extLst>
+              <a:ext uri="{FF2B5EF4-FFF2-40B4-BE49-F238E27FC236}">
+                <a16:creationId xmlns:a16="http://schemas.microsoft.com/office/drawing/2014/main" id="{76E1EF0D-0BBC-A313-CB1A-1814C352AD0A}"/>
+              </a:ext>
+            </a:extLst>
+          </p:cNvPr>
+          <p:cNvCxnSpPr/>
+          <p:nvPr/>
+        </p:nvCxnSpPr>
+        <p:spPr>
+          <a:xfrm>
+            <a:off x="228600" y="755374"/>
+            <a:ext cx="11936896" cy="0"/>
+          </a:xfrm>
+          <a:prstGeom prst="line">
+            <a:avLst/>
+          </a:prstGeom>
+        </p:spPr>
+        <p:style>
+          <a:lnRef idx="2">
+            <a:schemeClr val="accent1"/>
+          </a:lnRef>
+          <a:fillRef idx="0">
+            <a:schemeClr val="accent1"/>
+          </a:fillRef>
+          <a:effectRef idx="1">
+            <a:schemeClr val="accent1"/>
+          </a:effectRef>
+          <a:fontRef idx="minor">
+            <a:schemeClr val="tx1"/>
+          </a:fontRef>
+        </p:style>
+      </p:cxnSp>
+      <p:sp>
+        <p:nvSpPr>
+          <p:cNvPr id="5" name="テキスト ボックス 4">
+            <a:extLst>
+              <a:ext uri="{FF2B5EF4-FFF2-40B4-BE49-F238E27FC236}">
+                <a16:creationId xmlns:a16="http://schemas.microsoft.com/office/drawing/2014/main" id="{13BAC101-05AC-6711-8E35-FBD5FD62450A}"/>
+              </a:ext>
+            </a:extLst>
+          </p:cNvPr>
+          <p:cNvSpPr txBox="1"/>
+          <p:nvPr/>
+        </p:nvSpPr>
+        <p:spPr>
+          <a:xfrm>
+            <a:off x="407504" y="198783"/>
+            <a:ext cx="3796748" cy="369332"/>
+          </a:xfrm>
+          <a:prstGeom prst="rect">
+            <a:avLst/>
+          </a:prstGeom>
+          <a:noFill/>
+        </p:spPr>
+        <p:txBody>
+          <a:bodyPr wrap="square" rtlCol="0">
+            <a:spAutoFit/>
+          </a:bodyPr>
+          <a:lstStyle/>
+          <a:p>
+            <a:r>
+              <a:rPr kumimoji="1" lang="en-US" altLang="ja-JP" dirty="0"/>
+              <a:t>QR</a:t>
+            </a:r>
+            <a:r>
+              <a:rPr kumimoji="1" lang="ja-JP" altLang="en-US" dirty="0"/>
+              <a:t>コードリーダから展示物紹介</a:t>
+            </a:r>
+          </a:p>
+        </p:txBody>
+      </p:sp>
+      <p:sp>
+        <p:nvSpPr>
+          <p:cNvPr id="2" name="テキスト ボックス 1">
+            <a:extLst>
+              <a:ext uri="{FF2B5EF4-FFF2-40B4-BE49-F238E27FC236}">
+                <a16:creationId xmlns:a16="http://schemas.microsoft.com/office/drawing/2014/main" id="{AF1B5432-7C5B-D3B3-5264-CCC1A35AFE27}"/>
+              </a:ext>
+            </a:extLst>
+          </p:cNvPr>
+          <p:cNvSpPr txBox="1"/>
+          <p:nvPr/>
+        </p:nvSpPr>
+        <p:spPr>
+          <a:xfrm>
+            <a:off x="556592" y="942634"/>
+            <a:ext cx="1987826" cy="369332"/>
+          </a:xfrm>
+          <a:prstGeom prst="rect">
+            <a:avLst/>
+          </a:prstGeom>
+          <a:noFill/>
+        </p:spPr>
+        <p:txBody>
+          <a:bodyPr wrap="square" rtlCol="0">
+            <a:spAutoFit/>
+          </a:bodyPr>
+          <a:lstStyle/>
+          <a:p>
+            <a:r>
+              <a:rPr kumimoji="1" lang="ja-JP" altLang="en-US" dirty="0"/>
+              <a:t>画面イメージ</a:t>
+            </a:r>
+          </a:p>
+        </p:txBody>
+      </p:sp>
+      <p:pic>
+        <p:nvPicPr>
+          <p:cNvPr id="6" name="図 5" descr="図形, 正方形&#10;&#10;AI 生成コンテンツは誤りを含む可能性があります。">
+            <a:extLst>
+              <a:ext uri="{FF2B5EF4-FFF2-40B4-BE49-F238E27FC236}">
+                <a16:creationId xmlns:a16="http://schemas.microsoft.com/office/drawing/2014/main" id="{9DEC15E6-EB60-2B73-FA84-7FD3500BDC38}"/>
+              </a:ext>
+            </a:extLst>
+          </p:cNvPr>
+          <p:cNvPicPr>
+            <a:picLocks noChangeAspect="1"/>
+          </p:cNvPicPr>
+          <p:nvPr/>
+        </p:nvPicPr>
+        <p:blipFill>
+          <a:blip r:embed="rId2"/>
+          <a:stretch>
+            <a:fillRect/>
+          </a:stretch>
+        </p:blipFill>
+        <p:spPr>
+          <a:xfrm>
+            <a:off x="1397382" y="1274165"/>
+            <a:ext cx="3360695" cy="5385052"/>
+          </a:xfrm>
+          <a:prstGeom prst="rect">
+            <a:avLst/>
+          </a:prstGeom>
+        </p:spPr>
+      </p:pic>
+      <p:sp>
+        <p:nvSpPr>
+          <p:cNvPr id="7" name="テキスト ボックス 6">
+            <a:extLst>
+              <a:ext uri="{FF2B5EF4-FFF2-40B4-BE49-F238E27FC236}">
+                <a16:creationId xmlns:a16="http://schemas.microsoft.com/office/drawing/2014/main" id="{DE65383C-7EC4-89E4-ACD6-D2D67AB2B1CB}"/>
+              </a:ext>
+            </a:extLst>
+          </p:cNvPr>
+          <p:cNvSpPr txBox="1"/>
+          <p:nvPr/>
+        </p:nvSpPr>
+        <p:spPr>
+          <a:xfrm>
+            <a:off x="1550505" y="1908313"/>
+            <a:ext cx="3399122" cy="369332"/>
+          </a:xfrm>
+          <a:prstGeom prst="rect">
+            <a:avLst/>
+          </a:prstGeom>
+          <a:noFill/>
+        </p:spPr>
+        <p:txBody>
+          <a:bodyPr wrap="square" rtlCol="0">
+            <a:spAutoFit/>
+          </a:bodyPr>
+          <a:lstStyle/>
+          <a:p>
+            <a:r>
+              <a:rPr kumimoji="1" lang="en-US" altLang="ja-JP" b="1" dirty="0"/>
+              <a:t>QR</a:t>
+            </a:r>
+            <a:r>
+              <a:rPr kumimoji="1" lang="ja-JP" altLang="en-US" b="1" dirty="0"/>
+              <a:t>コードを読んでください</a:t>
+            </a:r>
+          </a:p>
+        </p:txBody>
+      </p:sp>
+      <p:pic>
+        <p:nvPicPr>
+          <p:cNvPr id="9" name="図 8">
+            <a:extLst>
+              <a:ext uri="{FF2B5EF4-FFF2-40B4-BE49-F238E27FC236}">
+                <a16:creationId xmlns:a16="http://schemas.microsoft.com/office/drawing/2014/main" id="{DA1C2295-C173-0F80-A332-C75CF2373036}"/>
+              </a:ext>
+            </a:extLst>
+          </p:cNvPr>
+          <p:cNvPicPr>
+            <a:picLocks noChangeAspect="1"/>
+          </p:cNvPicPr>
+          <p:nvPr/>
+        </p:nvPicPr>
+        <p:blipFill>
+          <a:blip r:embed="rId3"/>
+          <a:stretch>
+            <a:fillRect/>
+          </a:stretch>
+        </p:blipFill>
+        <p:spPr>
+          <a:xfrm>
+            <a:off x="2027066" y="2719716"/>
+            <a:ext cx="1978403" cy="1860640"/>
+          </a:xfrm>
+          <a:prstGeom prst="rect">
+            <a:avLst/>
+          </a:prstGeom>
+        </p:spPr>
+      </p:pic>
+      <p:pic>
+        <p:nvPicPr>
+          <p:cNvPr id="21" name="図 20" descr="図形, 正方形&#10;&#10;AI 生成コンテンツは誤りを含む可能性があります。">
+            <a:extLst>
+              <a:ext uri="{FF2B5EF4-FFF2-40B4-BE49-F238E27FC236}">
+                <a16:creationId xmlns:a16="http://schemas.microsoft.com/office/drawing/2014/main" id="{39B75BAD-1936-9281-BCAA-B50904FA8961}"/>
+              </a:ext>
+            </a:extLst>
+          </p:cNvPr>
+          <p:cNvPicPr>
+            <a:picLocks noChangeAspect="1"/>
+          </p:cNvPicPr>
+          <p:nvPr/>
+        </p:nvPicPr>
+        <p:blipFill>
+          <a:blip r:embed="rId2"/>
+          <a:stretch>
+            <a:fillRect/>
+          </a:stretch>
+        </p:blipFill>
+        <p:spPr>
+          <a:xfrm>
+            <a:off x="6588922" y="1105199"/>
+            <a:ext cx="3399123" cy="5446627"/>
+          </a:xfrm>
+          <a:prstGeom prst="rect">
+            <a:avLst/>
+          </a:prstGeom>
+        </p:spPr>
+      </p:pic>
+      <p:pic>
+        <p:nvPicPr>
+          <p:cNvPr id="23" name="図 22" descr="テーブル, 座る, ベッド, 横たわる が含まれている画像&#10;&#10;AI 生成コンテンツは誤りを含む可能性があります。">
+            <a:extLst>
+              <a:ext uri="{FF2B5EF4-FFF2-40B4-BE49-F238E27FC236}">
+                <a16:creationId xmlns:a16="http://schemas.microsoft.com/office/drawing/2014/main" id="{4C69D530-DF1B-4D97-200B-228B1799876B}"/>
+              </a:ext>
+            </a:extLst>
+          </p:cNvPr>
+          <p:cNvPicPr>
+            <a:picLocks noChangeAspect="1"/>
+          </p:cNvPicPr>
+          <p:nvPr/>
+        </p:nvPicPr>
+        <p:blipFill>
+          <a:blip r:embed="rId4"/>
+          <a:stretch>
+            <a:fillRect/>
+          </a:stretch>
+        </p:blipFill>
+        <p:spPr>
+          <a:xfrm>
+            <a:off x="7030709" y="1545577"/>
+            <a:ext cx="2232562" cy="2669962"/>
+          </a:xfrm>
+          <a:prstGeom prst="rect">
+            <a:avLst/>
+          </a:prstGeom>
+        </p:spPr>
+      </p:pic>
+      <p:sp>
+        <p:nvSpPr>
+          <p:cNvPr id="24" name="テキスト ボックス 23">
+            <a:extLst>
+              <a:ext uri="{FF2B5EF4-FFF2-40B4-BE49-F238E27FC236}">
+                <a16:creationId xmlns:a16="http://schemas.microsoft.com/office/drawing/2014/main" id="{59BCA050-EFD7-369D-2565-BD4F1F03F502}"/>
+              </a:ext>
+            </a:extLst>
+          </p:cNvPr>
+          <p:cNvSpPr txBox="1"/>
+          <p:nvPr/>
+        </p:nvSpPr>
+        <p:spPr>
+          <a:xfrm>
+            <a:off x="7568648" y="4664754"/>
+            <a:ext cx="2232562" cy="369332"/>
+          </a:xfrm>
+          <a:prstGeom prst="rect">
+            <a:avLst/>
+          </a:prstGeom>
+          <a:noFill/>
+        </p:spPr>
+        <p:txBody>
+          <a:bodyPr wrap="square" rtlCol="0">
+            <a:spAutoFit/>
+          </a:bodyPr>
+          <a:lstStyle/>
+          <a:p>
+            <a:r>
+              <a:rPr kumimoji="1" lang="ja-JP" altLang="en-US" dirty="0"/>
+              <a:t>説明文</a:t>
+            </a:r>
+          </a:p>
+        </p:txBody>
+      </p:sp>
+      <p:sp>
+        <p:nvSpPr>
+          <p:cNvPr id="26" name="テキスト ボックス 25">
+            <a:extLst>
+              <a:ext uri="{FF2B5EF4-FFF2-40B4-BE49-F238E27FC236}">
+                <a16:creationId xmlns:a16="http://schemas.microsoft.com/office/drawing/2014/main" id="{BFDCC9AA-7B59-08A1-5ADF-33AECEF9CAEE}"/>
+              </a:ext>
+            </a:extLst>
+          </p:cNvPr>
+          <p:cNvSpPr txBox="1"/>
+          <p:nvPr/>
+        </p:nvSpPr>
+        <p:spPr>
+          <a:xfrm>
+            <a:off x="8522416" y="4215539"/>
+            <a:ext cx="735495" cy="369332"/>
+          </a:xfrm>
+          <a:prstGeom prst="rect">
+            <a:avLst/>
+          </a:prstGeom>
+          <a:solidFill>
+            <a:schemeClr val="bg2"/>
+          </a:solidFill>
+          <a:ln>
+            <a:solidFill>
+              <a:schemeClr val="accent1"/>
+            </a:solidFill>
+          </a:ln>
+        </p:spPr>
+        <p:txBody>
+          <a:bodyPr wrap="square" rtlCol="0">
+            <a:spAutoFit/>
+          </a:bodyPr>
+          <a:lstStyle/>
+          <a:p>
+            <a:r>
+              <a:rPr kumimoji="1" lang="ja-JP" altLang="en-US" dirty="0">
+                <a:ln>
+                  <a:solidFill>
+                    <a:schemeClr val="accent1"/>
+                  </a:solidFill>
+                </a:ln>
+              </a:rPr>
+              <a:t>音声</a:t>
+            </a:r>
+          </a:p>
+        </p:txBody>
+      </p:sp>
+      <p:sp>
+        <p:nvSpPr>
+          <p:cNvPr id="27" name="吹き出し: 四角形 26">
+            <a:extLst>
+              <a:ext uri="{FF2B5EF4-FFF2-40B4-BE49-F238E27FC236}">
+                <a16:creationId xmlns:a16="http://schemas.microsoft.com/office/drawing/2014/main" id="{0841179F-A73D-D7A0-5850-570278C83C5F}"/>
+              </a:ext>
+            </a:extLst>
+          </p:cNvPr>
+          <p:cNvSpPr/>
+          <p:nvPr/>
+        </p:nvSpPr>
+        <p:spPr>
+          <a:xfrm>
+            <a:off x="10346636" y="2972385"/>
+            <a:ext cx="1401418" cy="677651"/>
+          </a:xfrm>
+          <a:prstGeom prst="wedgeRectCallout">
+            <a:avLst>
+              <a:gd name="adj1" fmla="val -110515"/>
+              <a:gd name="adj2" fmla="val 154902"/>
+            </a:avLst>
+          </a:prstGeom>
+          <a:noFill/>
+        </p:spPr>
+        <p:style>
+          <a:lnRef idx="2">
+            <a:schemeClr val="accent1">
+              <a:shade val="15000"/>
+            </a:schemeClr>
+          </a:lnRef>
+          <a:fillRef idx="1">
+            <a:schemeClr val="accent1"/>
+          </a:fillRef>
+          <a:effectRef idx="0">
+            <a:schemeClr val="accent1"/>
+          </a:effectRef>
+          <a:fontRef idx="minor">
+            <a:schemeClr val="lt1"/>
+          </a:fontRef>
+        </p:style>
+        <p:txBody>
+          <a:bodyPr rtlCol="0" anchor="ctr"/>
+          <a:lstStyle/>
+          <a:p>
+            <a:pPr algn="ctr"/>
+            <a:r>
+              <a:rPr kumimoji="1" lang="ja-JP" altLang="en-US" dirty="0">
+                <a:solidFill>
+                  <a:schemeClr val="tx1"/>
+                </a:solidFill>
+              </a:rPr>
+              <a:t>音声再生</a:t>
+            </a:r>
+          </a:p>
+        </p:txBody>
+      </p:sp>
+      <p:sp>
+        <p:nvSpPr>
+          <p:cNvPr id="29" name="正方形/長方形 28">
+            <a:extLst>
+              <a:ext uri="{FF2B5EF4-FFF2-40B4-BE49-F238E27FC236}">
+                <a16:creationId xmlns:a16="http://schemas.microsoft.com/office/drawing/2014/main" id="{DD0A2E3E-26E1-0F27-8377-36D5965EA359}"/>
+              </a:ext>
+            </a:extLst>
+          </p:cNvPr>
+          <p:cNvSpPr/>
+          <p:nvPr/>
+        </p:nvSpPr>
+        <p:spPr>
+          <a:xfrm>
+            <a:off x="7141267" y="5818569"/>
+            <a:ext cx="1108602" cy="369332"/>
+          </a:xfrm>
+          <a:prstGeom prst="rect">
+            <a:avLst/>
+          </a:prstGeom>
+          <a:noFill/>
+        </p:spPr>
+        <p:style>
+          <a:lnRef idx="2">
+            <a:schemeClr val="accent1">
+              <a:shade val="15000"/>
+            </a:schemeClr>
+          </a:lnRef>
+          <a:fillRef idx="1">
+            <a:schemeClr val="accent1"/>
+          </a:fillRef>
+          <a:effectRef idx="0">
+            <a:schemeClr val="accent1"/>
+          </a:effectRef>
+          <a:fontRef idx="minor">
+            <a:schemeClr val="lt1"/>
+          </a:fontRef>
+        </p:style>
+        <p:txBody>
+          <a:bodyPr rtlCol="0" anchor="ctr"/>
+          <a:lstStyle/>
+          <a:p>
+            <a:pPr algn="ctr"/>
+            <a:r>
+              <a:rPr kumimoji="1" lang="ja-JP" altLang="en-US" dirty="0">
+                <a:solidFill>
+                  <a:schemeClr val="tx1"/>
+                </a:solidFill>
+              </a:rPr>
+              <a:t>戻る</a:t>
+            </a:r>
+          </a:p>
+        </p:txBody>
+      </p:sp>
+      <p:cxnSp>
+        <p:nvCxnSpPr>
+          <p:cNvPr id="32" name="直線矢印コネクタ 31">
+            <a:extLst>
+              <a:ext uri="{FF2B5EF4-FFF2-40B4-BE49-F238E27FC236}">
+                <a16:creationId xmlns:a16="http://schemas.microsoft.com/office/drawing/2014/main" id="{9140CC7F-E329-E2D4-E91F-6249AD989646}"/>
+              </a:ext>
+            </a:extLst>
+          </p:cNvPr>
+          <p:cNvCxnSpPr>
+            <a:stCxn id="6" idx="3"/>
+            <a:endCxn id="21" idx="1"/>
+          </p:cNvCxnSpPr>
+          <p:nvPr/>
+        </p:nvCxnSpPr>
+        <p:spPr>
+          <a:xfrm flipV="1">
+            <a:off x="4758077" y="3828513"/>
+            <a:ext cx="1830845" cy="138178"/>
+          </a:xfrm>
+          <a:prstGeom prst="straightConnector1">
+            <a:avLst/>
+          </a:prstGeom>
+          <a:ln>
+            <a:tailEnd type="triangle"/>
+          </a:ln>
+        </p:spPr>
+        <p:style>
+          <a:lnRef idx="2">
+            <a:schemeClr val="accent1"/>
+          </a:lnRef>
+          <a:fillRef idx="0">
+            <a:schemeClr val="accent1"/>
+          </a:fillRef>
+          <a:effectRef idx="1">
+            <a:schemeClr val="accent1"/>
+          </a:effectRef>
+          <a:fontRef idx="minor">
+            <a:schemeClr val="tx1"/>
+          </a:fontRef>
+        </p:style>
+      </p:cxnSp>
+      <p:cxnSp>
+        <p:nvCxnSpPr>
+          <p:cNvPr id="33" name="直線矢印コネクタ 32">
+            <a:extLst>
+              <a:ext uri="{FF2B5EF4-FFF2-40B4-BE49-F238E27FC236}">
+                <a16:creationId xmlns:a16="http://schemas.microsoft.com/office/drawing/2014/main" id="{51AAC775-F688-A2A2-8DC6-0012ABBC585A}"/>
+              </a:ext>
+            </a:extLst>
+          </p:cNvPr>
+          <p:cNvCxnSpPr>
+            <a:cxnSpLocks/>
+          </p:cNvCxnSpPr>
+          <p:nvPr/>
+        </p:nvCxnSpPr>
+        <p:spPr>
+          <a:xfrm flipH="1">
+            <a:off x="4808485" y="6003235"/>
+            <a:ext cx="2332782" cy="0"/>
+          </a:xfrm>
+          <a:prstGeom prst="straightConnector1">
+            <a:avLst/>
+          </a:prstGeom>
+          <a:ln>
+            <a:tailEnd type="triangle"/>
+          </a:ln>
+        </p:spPr>
+        <p:style>
+          <a:lnRef idx="2">
+            <a:schemeClr val="accent1"/>
+          </a:lnRef>
+          <a:fillRef idx="0">
+            <a:schemeClr val="accent1"/>
+          </a:fillRef>
+          <a:effectRef idx="1">
+            <a:schemeClr val="accent1"/>
+          </a:effectRef>
+          <a:fontRef idx="minor">
+            <a:schemeClr val="tx1"/>
+          </a:fontRef>
+        </p:style>
+      </p:cxnSp>
+      <p:sp>
+        <p:nvSpPr>
+          <p:cNvPr id="36" name="正方形/長方形 35">
+            <a:extLst>
+              <a:ext uri="{FF2B5EF4-FFF2-40B4-BE49-F238E27FC236}">
+                <a16:creationId xmlns:a16="http://schemas.microsoft.com/office/drawing/2014/main" id="{61BADCF7-0A54-B2F9-D155-449E7B72FB8F}"/>
+              </a:ext>
+            </a:extLst>
+          </p:cNvPr>
+          <p:cNvSpPr/>
+          <p:nvPr/>
+        </p:nvSpPr>
+        <p:spPr>
+          <a:xfrm>
+            <a:off x="1907665" y="5915366"/>
+            <a:ext cx="2097804" cy="369332"/>
+          </a:xfrm>
+          <a:prstGeom prst="rect">
+            <a:avLst/>
+          </a:prstGeom>
+          <a:noFill/>
+        </p:spPr>
+        <p:style>
+          <a:lnRef idx="2">
+            <a:schemeClr val="accent1">
+              <a:shade val="15000"/>
+            </a:schemeClr>
+          </a:lnRef>
+          <a:fillRef idx="1">
+            <a:schemeClr val="accent1"/>
+          </a:fillRef>
+          <a:effectRef idx="0">
+            <a:schemeClr val="accent1"/>
+          </a:effectRef>
+          <a:fontRef idx="minor">
+            <a:schemeClr val="lt1"/>
+          </a:fontRef>
+        </p:style>
+        <p:txBody>
+          <a:bodyPr rtlCol="0" anchor="ctr"/>
+          <a:lstStyle/>
+          <a:p>
+            <a:pPr algn="ctr"/>
+            <a:r>
+              <a:rPr kumimoji="1" lang="ja-JP" altLang="en-US" dirty="0">
+                <a:solidFill>
+                  <a:schemeClr val="tx1"/>
+                </a:solidFill>
+              </a:rPr>
+              <a:t>トップ画面に戻る</a:t>
+            </a:r>
+          </a:p>
+        </p:txBody>
+      </p:sp>
+    </p:spTree>
+    <p:extLst>
+      <p:ext uri="{BB962C8B-B14F-4D97-AF65-F5344CB8AC3E}">
+        <p14:creationId xmlns:p14="http://schemas.microsoft.com/office/powerpoint/2010/main" val="1991612794"/>
+      </p:ext>
+    </p:extLst>
+  </p:cSld>
+  <p:clrMapOvr>
+    <a:masterClrMapping/>
+  </p:clrMapOvr>
+</p:sld>
+</file>
+
+<file path=ppt/slides/slide40.xml><?xml version="1.0" encoding="utf-8"?>
 <p:sld xmlns:a="http://schemas.openxmlformats.org/drawingml/2006/main" xmlns:r="http://schemas.openxmlformats.org/officeDocument/2006/relationships" xmlns:p="http://schemas.openxmlformats.org/presentationml/2006/main">
   <p:cSld>
     <p:spTree>
@@ -18447,7 +20045,7 @@
 </p:sld>
 </file>
 
-<file path=ppt/slides/slide36.xml><?xml version="1.0" encoding="utf-8"?>
+<file path=ppt/slides/slide41.xml><?xml version="1.0" encoding="utf-8"?>
 <p:sld xmlns:a="http://schemas.openxmlformats.org/drawingml/2006/main" xmlns:r="http://schemas.openxmlformats.org/officeDocument/2006/relationships" xmlns:p="http://schemas.openxmlformats.org/presentationml/2006/main">
   <p:cSld>
     <p:spTree>
@@ -19567,7 +21165,7 @@
 </p:sld>
 </file>
 
-<file path=ppt/slides/slide37.xml><?xml version="1.0" encoding="utf-8"?>
+<file path=ppt/slides/slide42.xml><?xml version="1.0" encoding="utf-8"?>
 <p:sld xmlns:a="http://schemas.openxmlformats.org/drawingml/2006/main" xmlns:r="http://schemas.openxmlformats.org/officeDocument/2006/relationships" xmlns:p="http://schemas.openxmlformats.org/presentationml/2006/main">
   <p:cSld>
     <p:spTree>
@@ -20675,7 +22273,7 @@
 </p:sld>
 </file>
 
-<file path=ppt/slides/slide38.xml><?xml version="1.0" encoding="utf-8"?>
+<file path=ppt/slides/slide43.xml><?xml version="1.0" encoding="utf-8"?>
 <p:sld xmlns:a="http://schemas.openxmlformats.org/drawingml/2006/main" xmlns:r="http://schemas.openxmlformats.org/officeDocument/2006/relationships" xmlns:p="http://schemas.openxmlformats.org/presentationml/2006/main">
   <p:cSld>
     <p:spTree>
@@ -21395,7 +22993,7 @@
 </p:sld>
 </file>
 
-<file path=ppt/slides/slide39.xml><?xml version="1.0" encoding="utf-8"?>
+<file path=ppt/slides/slide44.xml><?xml version="1.0" encoding="utf-8"?>
 <p:sld xmlns:a="http://schemas.openxmlformats.org/drawingml/2006/main" xmlns:r="http://schemas.openxmlformats.org/officeDocument/2006/relationships" xmlns:p="http://schemas.openxmlformats.org/presentationml/2006/main">
   <p:cSld>
     <p:spTree>
@@ -22070,643 +23668,7 @@
 </p:sld>
 </file>
 
-<file path=ppt/slides/slide4.xml><?xml version="1.0" encoding="utf-8"?>
-<p:sld xmlns:a="http://schemas.openxmlformats.org/drawingml/2006/main" xmlns:r="http://schemas.openxmlformats.org/officeDocument/2006/relationships" xmlns:p="http://schemas.openxmlformats.org/presentationml/2006/main">
-  <p:cSld>
-    <p:spTree>
-      <p:nvGrpSpPr>
-        <p:cNvPr id="1" name="">
-          <a:extLst>
-            <a:ext uri="{FF2B5EF4-FFF2-40B4-BE49-F238E27FC236}">
-              <a16:creationId xmlns:a16="http://schemas.microsoft.com/office/drawing/2014/main" id="{3CCC5F9F-35CD-63BB-0C17-D6F0C79D02CF}"/>
-            </a:ext>
-          </a:extLst>
-        </p:cNvPr>
-        <p:cNvGrpSpPr/>
-        <p:nvPr/>
-      </p:nvGrpSpPr>
-      <p:grpSpPr>
-        <a:xfrm>
-          <a:off x="0" y="0"/>
-          <a:ext cx="0" cy="0"/>
-          <a:chOff x="0" y="0"/>
-          <a:chExt cx="0" cy="0"/>
-        </a:xfrm>
-      </p:grpSpPr>
-      <p:cxnSp>
-        <p:nvCxnSpPr>
-          <p:cNvPr id="4" name="直線コネクタ 3">
-            <a:extLst>
-              <a:ext uri="{FF2B5EF4-FFF2-40B4-BE49-F238E27FC236}">
-                <a16:creationId xmlns:a16="http://schemas.microsoft.com/office/drawing/2014/main" id="{76E1EF0D-0BBC-A313-CB1A-1814C352AD0A}"/>
-              </a:ext>
-            </a:extLst>
-          </p:cNvPr>
-          <p:cNvCxnSpPr/>
-          <p:nvPr/>
-        </p:nvCxnSpPr>
-        <p:spPr>
-          <a:xfrm>
-            <a:off x="228600" y="755374"/>
-            <a:ext cx="11936896" cy="0"/>
-          </a:xfrm>
-          <a:prstGeom prst="line">
-            <a:avLst/>
-          </a:prstGeom>
-        </p:spPr>
-        <p:style>
-          <a:lnRef idx="2">
-            <a:schemeClr val="accent1"/>
-          </a:lnRef>
-          <a:fillRef idx="0">
-            <a:schemeClr val="accent1"/>
-          </a:fillRef>
-          <a:effectRef idx="1">
-            <a:schemeClr val="accent1"/>
-          </a:effectRef>
-          <a:fontRef idx="minor">
-            <a:schemeClr val="tx1"/>
-          </a:fontRef>
-        </p:style>
-      </p:cxnSp>
-      <p:sp>
-        <p:nvSpPr>
-          <p:cNvPr id="5" name="テキスト ボックス 4">
-            <a:extLst>
-              <a:ext uri="{FF2B5EF4-FFF2-40B4-BE49-F238E27FC236}">
-                <a16:creationId xmlns:a16="http://schemas.microsoft.com/office/drawing/2014/main" id="{13BAC101-05AC-6711-8E35-FBD5FD62450A}"/>
-              </a:ext>
-            </a:extLst>
-          </p:cNvPr>
-          <p:cNvSpPr txBox="1"/>
-          <p:nvPr/>
-        </p:nvSpPr>
-        <p:spPr>
-          <a:xfrm>
-            <a:off x="407504" y="198783"/>
-            <a:ext cx="3796748" cy="369332"/>
-          </a:xfrm>
-          <a:prstGeom prst="rect">
-            <a:avLst/>
-          </a:prstGeom>
-          <a:noFill/>
-        </p:spPr>
-        <p:txBody>
-          <a:bodyPr wrap="square" rtlCol="0">
-            <a:spAutoFit/>
-          </a:bodyPr>
-          <a:lstStyle/>
-          <a:p>
-            <a:r>
-              <a:rPr kumimoji="1" lang="en-US" altLang="ja-JP" dirty="0"/>
-              <a:t>QR</a:t>
-            </a:r>
-            <a:r>
-              <a:rPr kumimoji="1" lang="ja-JP" altLang="en-US" dirty="0"/>
-              <a:t>コードリーダから展示物紹介</a:t>
-            </a:r>
-          </a:p>
-        </p:txBody>
-      </p:sp>
-      <p:sp>
-        <p:nvSpPr>
-          <p:cNvPr id="2" name="テキスト ボックス 1">
-            <a:extLst>
-              <a:ext uri="{FF2B5EF4-FFF2-40B4-BE49-F238E27FC236}">
-                <a16:creationId xmlns:a16="http://schemas.microsoft.com/office/drawing/2014/main" id="{AF1B5432-7C5B-D3B3-5264-CCC1A35AFE27}"/>
-              </a:ext>
-            </a:extLst>
-          </p:cNvPr>
-          <p:cNvSpPr txBox="1"/>
-          <p:nvPr/>
-        </p:nvSpPr>
-        <p:spPr>
-          <a:xfrm>
-            <a:off x="556592" y="942634"/>
-            <a:ext cx="1987826" cy="369332"/>
-          </a:xfrm>
-          <a:prstGeom prst="rect">
-            <a:avLst/>
-          </a:prstGeom>
-          <a:noFill/>
-        </p:spPr>
-        <p:txBody>
-          <a:bodyPr wrap="square" rtlCol="0">
-            <a:spAutoFit/>
-          </a:bodyPr>
-          <a:lstStyle/>
-          <a:p>
-            <a:r>
-              <a:rPr kumimoji="1" lang="ja-JP" altLang="en-US" dirty="0"/>
-              <a:t>画面イメージ</a:t>
-            </a:r>
-          </a:p>
-        </p:txBody>
-      </p:sp>
-      <p:pic>
-        <p:nvPicPr>
-          <p:cNvPr id="6" name="図 5" descr="図形, 正方形&#10;&#10;AI 生成コンテンツは誤りを含む可能性があります。">
-            <a:extLst>
-              <a:ext uri="{FF2B5EF4-FFF2-40B4-BE49-F238E27FC236}">
-                <a16:creationId xmlns:a16="http://schemas.microsoft.com/office/drawing/2014/main" id="{9DEC15E6-EB60-2B73-FA84-7FD3500BDC38}"/>
-              </a:ext>
-            </a:extLst>
-          </p:cNvPr>
-          <p:cNvPicPr>
-            <a:picLocks noChangeAspect="1"/>
-          </p:cNvPicPr>
-          <p:nvPr/>
-        </p:nvPicPr>
-        <p:blipFill>
-          <a:blip r:embed="rId2"/>
-          <a:stretch>
-            <a:fillRect/>
-          </a:stretch>
-        </p:blipFill>
-        <p:spPr>
-          <a:xfrm>
-            <a:off x="1397382" y="1274165"/>
-            <a:ext cx="3360695" cy="5385052"/>
-          </a:xfrm>
-          <a:prstGeom prst="rect">
-            <a:avLst/>
-          </a:prstGeom>
-        </p:spPr>
-      </p:pic>
-      <p:sp>
-        <p:nvSpPr>
-          <p:cNvPr id="7" name="テキスト ボックス 6">
-            <a:extLst>
-              <a:ext uri="{FF2B5EF4-FFF2-40B4-BE49-F238E27FC236}">
-                <a16:creationId xmlns:a16="http://schemas.microsoft.com/office/drawing/2014/main" id="{DE65383C-7EC4-89E4-ACD6-D2D67AB2B1CB}"/>
-              </a:ext>
-            </a:extLst>
-          </p:cNvPr>
-          <p:cNvSpPr txBox="1"/>
-          <p:nvPr/>
-        </p:nvSpPr>
-        <p:spPr>
-          <a:xfrm>
-            <a:off x="1550505" y="1908313"/>
-            <a:ext cx="3399122" cy="369332"/>
-          </a:xfrm>
-          <a:prstGeom prst="rect">
-            <a:avLst/>
-          </a:prstGeom>
-          <a:noFill/>
-        </p:spPr>
-        <p:txBody>
-          <a:bodyPr wrap="square" rtlCol="0">
-            <a:spAutoFit/>
-          </a:bodyPr>
-          <a:lstStyle/>
-          <a:p>
-            <a:r>
-              <a:rPr kumimoji="1" lang="en-US" altLang="ja-JP" b="1" dirty="0"/>
-              <a:t>QR</a:t>
-            </a:r>
-            <a:r>
-              <a:rPr kumimoji="1" lang="ja-JP" altLang="en-US" b="1" dirty="0"/>
-              <a:t>コードを読んでください</a:t>
-            </a:r>
-          </a:p>
-        </p:txBody>
-      </p:sp>
-      <p:pic>
-        <p:nvPicPr>
-          <p:cNvPr id="9" name="図 8">
-            <a:extLst>
-              <a:ext uri="{FF2B5EF4-FFF2-40B4-BE49-F238E27FC236}">
-                <a16:creationId xmlns:a16="http://schemas.microsoft.com/office/drawing/2014/main" id="{DA1C2295-C173-0F80-A332-C75CF2373036}"/>
-              </a:ext>
-            </a:extLst>
-          </p:cNvPr>
-          <p:cNvPicPr>
-            <a:picLocks noChangeAspect="1"/>
-          </p:cNvPicPr>
-          <p:nvPr/>
-        </p:nvPicPr>
-        <p:blipFill>
-          <a:blip r:embed="rId3"/>
-          <a:stretch>
-            <a:fillRect/>
-          </a:stretch>
-        </p:blipFill>
-        <p:spPr>
-          <a:xfrm>
-            <a:off x="2027066" y="2719716"/>
-            <a:ext cx="1978403" cy="1860640"/>
-          </a:xfrm>
-          <a:prstGeom prst="rect">
-            <a:avLst/>
-          </a:prstGeom>
-        </p:spPr>
-      </p:pic>
-      <p:pic>
-        <p:nvPicPr>
-          <p:cNvPr id="21" name="図 20" descr="図形, 正方形&#10;&#10;AI 生成コンテンツは誤りを含む可能性があります。">
-            <a:extLst>
-              <a:ext uri="{FF2B5EF4-FFF2-40B4-BE49-F238E27FC236}">
-                <a16:creationId xmlns:a16="http://schemas.microsoft.com/office/drawing/2014/main" id="{39B75BAD-1936-9281-BCAA-B50904FA8961}"/>
-              </a:ext>
-            </a:extLst>
-          </p:cNvPr>
-          <p:cNvPicPr>
-            <a:picLocks noChangeAspect="1"/>
-          </p:cNvPicPr>
-          <p:nvPr/>
-        </p:nvPicPr>
-        <p:blipFill>
-          <a:blip r:embed="rId2"/>
-          <a:stretch>
-            <a:fillRect/>
-          </a:stretch>
-        </p:blipFill>
-        <p:spPr>
-          <a:xfrm>
-            <a:off x="6588922" y="1105199"/>
-            <a:ext cx="3399123" cy="5446627"/>
-          </a:xfrm>
-          <a:prstGeom prst="rect">
-            <a:avLst/>
-          </a:prstGeom>
-        </p:spPr>
-      </p:pic>
-      <p:pic>
-        <p:nvPicPr>
-          <p:cNvPr id="23" name="図 22" descr="テーブル, 座る, ベッド, 横たわる が含まれている画像&#10;&#10;AI 生成コンテンツは誤りを含む可能性があります。">
-            <a:extLst>
-              <a:ext uri="{FF2B5EF4-FFF2-40B4-BE49-F238E27FC236}">
-                <a16:creationId xmlns:a16="http://schemas.microsoft.com/office/drawing/2014/main" id="{4C69D530-DF1B-4D97-200B-228B1799876B}"/>
-              </a:ext>
-            </a:extLst>
-          </p:cNvPr>
-          <p:cNvPicPr>
-            <a:picLocks noChangeAspect="1"/>
-          </p:cNvPicPr>
-          <p:nvPr/>
-        </p:nvPicPr>
-        <p:blipFill>
-          <a:blip r:embed="rId4"/>
-          <a:stretch>
-            <a:fillRect/>
-          </a:stretch>
-        </p:blipFill>
-        <p:spPr>
-          <a:xfrm>
-            <a:off x="7030709" y="1545577"/>
-            <a:ext cx="2232562" cy="2669962"/>
-          </a:xfrm>
-          <a:prstGeom prst="rect">
-            <a:avLst/>
-          </a:prstGeom>
-        </p:spPr>
-      </p:pic>
-      <p:sp>
-        <p:nvSpPr>
-          <p:cNvPr id="24" name="テキスト ボックス 23">
-            <a:extLst>
-              <a:ext uri="{FF2B5EF4-FFF2-40B4-BE49-F238E27FC236}">
-                <a16:creationId xmlns:a16="http://schemas.microsoft.com/office/drawing/2014/main" id="{59BCA050-EFD7-369D-2565-BD4F1F03F502}"/>
-              </a:ext>
-            </a:extLst>
-          </p:cNvPr>
-          <p:cNvSpPr txBox="1"/>
-          <p:nvPr/>
-        </p:nvSpPr>
-        <p:spPr>
-          <a:xfrm>
-            <a:off x="7568648" y="4664754"/>
-            <a:ext cx="2232562" cy="369332"/>
-          </a:xfrm>
-          <a:prstGeom prst="rect">
-            <a:avLst/>
-          </a:prstGeom>
-          <a:noFill/>
-        </p:spPr>
-        <p:txBody>
-          <a:bodyPr wrap="square" rtlCol="0">
-            <a:spAutoFit/>
-          </a:bodyPr>
-          <a:lstStyle/>
-          <a:p>
-            <a:r>
-              <a:rPr kumimoji="1" lang="ja-JP" altLang="en-US" dirty="0"/>
-              <a:t>説明文</a:t>
-            </a:r>
-          </a:p>
-        </p:txBody>
-      </p:sp>
-      <p:sp>
-        <p:nvSpPr>
-          <p:cNvPr id="26" name="テキスト ボックス 25">
-            <a:extLst>
-              <a:ext uri="{FF2B5EF4-FFF2-40B4-BE49-F238E27FC236}">
-                <a16:creationId xmlns:a16="http://schemas.microsoft.com/office/drawing/2014/main" id="{BFDCC9AA-7B59-08A1-5ADF-33AECEF9CAEE}"/>
-              </a:ext>
-            </a:extLst>
-          </p:cNvPr>
-          <p:cNvSpPr txBox="1"/>
-          <p:nvPr/>
-        </p:nvSpPr>
-        <p:spPr>
-          <a:xfrm>
-            <a:off x="8522416" y="4215539"/>
-            <a:ext cx="735495" cy="369332"/>
-          </a:xfrm>
-          <a:prstGeom prst="rect">
-            <a:avLst/>
-          </a:prstGeom>
-          <a:solidFill>
-            <a:schemeClr val="bg2"/>
-          </a:solidFill>
-          <a:ln>
-            <a:solidFill>
-              <a:schemeClr val="accent1"/>
-            </a:solidFill>
-          </a:ln>
-        </p:spPr>
-        <p:txBody>
-          <a:bodyPr wrap="square" rtlCol="0">
-            <a:spAutoFit/>
-          </a:bodyPr>
-          <a:lstStyle/>
-          <a:p>
-            <a:r>
-              <a:rPr kumimoji="1" lang="ja-JP" altLang="en-US" dirty="0">
-                <a:ln>
-                  <a:solidFill>
-                    <a:schemeClr val="accent1"/>
-                  </a:solidFill>
-                </a:ln>
-              </a:rPr>
-              <a:t>音声</a:t>
-            </a:r>
-          </a:p>
-        </p:txBody>
-      </p:sp>
-      <p:sp>
-        <p:nvSpPr>
-          <p:cNvPr id="27" name="吹き出し: 四角形 26">
-            <a:extLst>
-              <a:ext uri="{FF2B5EF4-FFF2-40B4-BE49-F238E27FC236}">
-                <a16:creationId xmlns:a16="http://schemas.microsoft.com/office/drawing/2014/main" id="{0841179F-A73D-D7A0-5850-570278C83C5F}"/>
-              </a:ext>
-            </a:extLst>
-          </p:cNvPr>
-          <p:cNvSpPr/>
-          <p:nvPr/>
-        </p:nvSpPr>
-        <p:spPr>
-          <a:xfrm>
-            <a:off x="10346636" y="2972385"/>
-            <a:ext cx="1401418" cy="677651"/>
-          </a:xfrm>
-          <a:prstGeom prst="wedgeRectCallout">
-            <a:avLst>
-              <a:gd name="adj1" fmla="val -110515"/>
-              <a:gd name="adj2" fmla="val 154902"/>
-            </a:avLst>
-          </a:prstGeom>
-          <a:noFill/>
-        </p:spPr>
-        <p:style>
-          <a:lnRef idx="2">
-            <a:schemeClr val="accent1">
-              <a:shade val="15000"/>
-            </a:schemeClr>
-          </a:lnRef>
-          <a:fillRef idx="1">
-            <a:schemeClr val="accent1"/>
-          </a:fillRef>
-          <a:effectRef idx="0">
-            <a:schemeClr val="accent1"/>
-          </a:effectRef>
-          <a:fontRef idx="minor">
-            <a:schemeClr val="lt1"/>
-          </a:fontRef>
-        </p:style>
-        <p:txBody>
-          <a:bodyPr rtlCol="0" anchor="ctr"/>
-          <a:lstStyle/>
-          <a:p>
-            <a:pPr algn="ctr"/>
-            <a:r>
-              <a:rPr kumimoji="1" lang="ja-JP" altLang="en-US" dirty="0">
-                <a:solidFill>
-                  <a:schemeClr val="tx1"/>
-                </a:solidFill>
-              </a:rPr>
-              <a:t>音声再生</a:t>
-            </a:r>
-          </a:p>
-        </p:txBody>
-      </p:sp>
-      <p:sp>
-        <p:nvSpPr>
-          <p:cNvPr id="29" name="正方形/長方形 28">
-            <a:extLst>
-              <a:ext uri="{FF2B5EF4-FFF2-40B4-BE49-F238E27FC236}">
-                <a16:creationId xmlns:a16="http://schemas.microsoft.com/office/drawing/2014/main" id="{DD0A2E3E-26E1-0F27-8377-36D5965EA359}"/>
-              </a:ext>
-            </a:extLst>
-          </p:cNvPr>
-          <p:cNvSpPr/>
-          <p:nvPr/>
-        </p:nvSpPr>
-        <p:spPr>
-          <a:xfrm>
-            <a:off x="7141267" y="5818569"/>
-            <a:ext cx="1108602" cy="369332"/>
-          </a:xfrm>
-          <a:prstGeom prst="rect">
-            <a:avLst/>
-          </a:prstGeom>
-          <a:noFill/>
-        </p:spPr>
-        <p:style>
-          <a:lnRef idx="2">
-            <a:schemeClr val="accent1">
-              <a:shade val="15000"/>
-            </a:schemeClr>
-          </a:lnRef>
-          <a:fillRef idx="1">
-            <a:schemeClr val="accent1"/>
-          </a:fillRef>
-          <a:effectRef idx="0">
-            <a:schemeClr val="accent1"/>
-          </a:effectRef>
-          <a:fontRef idx="minor">
-            <a:schemeClr val="lt1"/>
-          </a:fontRef>
-        </p:style>
-        <p:txBody>
-          <a:bodyPr rtlCol="0" anchor="ctr"/>
-          <a:lstStyle/>
-          <a:p>
-            <a:pPr algn="ctr"/>
-            <a:r>
-              <a:rPr kumimoji="1" lang="ja-JP" altLang="en-US" dirty="0">
-                <a:solidFill>
-                  <a:schemeClr val="tx1"/>
-                </a:solidFill>
-              </a:rPr>
-              <a:t>戻る</a:t>
-            </a:r>
-          </a:p>
-        </p:txBody>
-      </p:sp>
-      <p:cxnSp>
-        <p:nvCxnSpPr>
-          <p:cNvPr id="32" name="直線矢印コネクタ 31">
-            <a:extLst>
-              <a:ext uri="{FF2B5EF4-FFF2-40B4-BE49-F238E27FC236}">
-                <a16:creationId xmlns:a16="http://schemas.microsoft.com/office/drawing/2014/main" id="{9140CC7F-E329-E2D4-E91F-6249AD989646}"/>
-              </a:ext>
-            </a:extLst>
-          </p:cNvPr>
-          <p:cNvCxnSpPr>
-            <a:stCxn id="6" idx="3"/>
-            <a:endCxn id="21" idx="1"/>
-          </p:cNvCxnSpPr>
-          <p:nvPr/>
-        </p:nvCxnSpPr>
-        <p:spPr>
-          <a:xfrm flipV="1">
-            <a:off x="4758077" y="3828513"/>
-            <a:ext cx="1830845" cy="138178"/>
-          </a:xfrm>
-          <a:prstGeom prst="straightConnector1">
-            <a:avLst/>
-          </a:prstGeom>
-          <a:ln>
-            <a:tailEnd type="triangle"/>
-          </a:ln>
-        </p:spPr>
-        <p:style>
-          <a:lnRef idx="2">
-            <a:schemeClr val="accent1"/>
-          </a:lnRef>
-          <a:fillRef idx="0">
-            <a:schemeClr val="accent1"/>
-          </a:fillRef>
-          <a:effectRef idx="1">
-            <a:schemeClr val="accent1"/>
-          </a:effectRef>
-          <a:fontRef idx="minor">
-            <a:schemeClr val="tx1"/>
-          </a:fontRef>
-        </p:style>
-      </p:cxnSp>
-      <p:cxnSp>
-        <p:nvCxnSpPr>
-          <p:cNvPr id="33" name="直線矢印コネクタ 32">
-            <a:extLst>
-              <a:ext uri="{FF2B5EF4-FFF2-40B4-BE49-F238E27FC236}">
-                <a16:creationId xmlns:a16="http://schemas.microsoft.com/office/drawing/2014/main" id="{51AAC775-F688-A2A2-8DC6-0012ABBC585A}"/>
-              </a:ext>
-            </a:extLst>
-          </p:cNvPr>
-          <p:cNvCxnSpPr>
-            <a:cxnSpLocks/>
-          </p:cNvCxnSpPr>
-          <p:nvPr/>
-        </p:nvCxnSpPr>
-        <p:spPr>
-          <a:xfrm flipH="1">
-            <a:off x="4808485" y="6003235"/>
-            <a:ext cx="2332782" cy="0"/>
-          </a:xfrm>
-          <a:prstGeom prst="straightConnector1">
-            <a:avLst/>
-          </a:prstGeom>
-          <a:ln>
-            <a:tailEnd type="triangle"/>
-          </a:ln>
-        </p:spPr>
-        <p:style>
-          <a:lnRef idx="2">
-            <a:schemeClr val="accent1"/>
-          </a:lnRef>
-          <a:fillRef idx="0">
-            <a:schemeClr val="accent1"/>
-          </a:fillRef>
-          <a:effectRef idx="1">
-            <a:schemeClr val="accent1"/>
-          </a:effectRef>
-          <a:fontRef idx="minor">
-            <a:schemeClr val="tx1"/>
-          </a:fontRef>
-        </p:style>
-      </p:cxnSp>
-      <p:sp>
-        <p:nvSpPr>
-          <p:cNvPr id="36" name="正方形/長方形 35">
-            <a:extLst>
-              <a:ext uri="{FF2B5EF4-FFF2-40B4-BE49-F238E27FC236}">
-                <a16:creationId xmlns:a16="http://schemas.microsoft.com/office/drawing/2014/main" id="{61BADCF7-0A54-B2F9-D155-449E7B72FB8F}"/>
-              </a:ext>
-            </a:extLst>
-          </p:cNvPr>
-          <p:cNvSpPr/>
-          <p:nvPr/>
-        </p:nvSpPr>
-        <p:spPr>
-          <a:xfrm>
-            <a:off x="1907665" y="5915366"/>
-            <a:ext cx="2097804" cy="369332"/>
-          </a:xfrm>
-          <a:prstGeom prst="rect">
-            <a:avLst/>
-          </a:prstGeom>
-          <a:noFill/>
-        </p:spPr>
-        <p:style>
-          <a:lnRef idx="2">
-            <a:schemeClr val="accent1">
-              <a:shade val="15000"/>
-            </a:schemeClr>
-          </a:lnRef>
-          <a:fillRef idx="1">
-            <a:schemeClr val="accent1"/>
-          </a:fillRef>
-          <a:effectRef idx="0">
-            <a:schemeClr val="accent1"/>
-          </a:effectRef>
-          <a:fontRef idx="minor">
-            <a:schemeClr val="lt1"/>
-          </a:fontRef>
-        </p:style>
-        <p:txBody>
-          <a:bodyPr rtlCol="0" anchor="ctr"/>
-          <a:lstStyle/>
-          <a:p>
-            <a:pPr algn="ctr"/>
-            <a:r>
-              <a:rPr kumimoji="1" lang="ja-JP" altLang="en-US" dirty="0">
-                <a:solidFill>
-                  <a:schemeClr val="tx1"/>
-                </a:solidFill>
-              </a:rPr>
-              <a:t>トップ画面に戻る</a:t>
-            </a:r>
-          </a:p>
-        </p:txBody>
-      </p:sp>
-    </p:spTree>
-    <p:extLst>
-      <p:ext uri="{BB962C8B-B14F-4D97-AF65-F5344CB8AC3E}">
-        <p14:creationId xmlns:p14="http://schemas.microsoft.com/office/powerpoint/2010/main" val="1991612794"/>
-      </p:ext>
-    </p:extLst>
-  </p:cSld>
-  <p:clrMapOvr>
-    <a:masterClrMapping/>
-  </p:clrMapOvr>
-</p:sld>
-</file>
-
-<file path=ppt/slides/slide40.xml><?xml version="1.0" encoding="utf-8"?>
+<file path=ppt/slides/slide45.xml><?xml version="1.0" encoding="utf-8"?>
 <p:sld xmlns:a="http://schemas.openxmlformats.org/drawingml/2006/main" xmlns:r="http://schemas.openxmlformats.org/officeDocument/2006/relationships" xmlns:p="http://schemas.openxmlformats.org/presentationml/2006/main">
   <p:cSld>
     <p:spTree>
@@ -23263,7 +24225,7 @@
 </p:sld>
 </file>
 
-<file path=ppt/slides/slide41.xml><?xml version="1.0" encoding="utf-8"?>
+<file path=ppt/slides/slide46.xml><?xml version="1.0" encoding="utf-8"?>
 <p:sld xmlns:a="http://schemas.openxmlformats.org/drawingml/2006/main" xmlns:r="http://schemas.openxmlformats.org/officeDocument/2006/relationships" xmlns:p="http://schemas.openxmlformats.org/presentationml/2006/main">
   <p:cSld>
     <p:spTree>
@@ -25153,7 +26115,7 @@
         </p:nvSpPr>
         <p:spPr>
           <a:xfrm>
-            <a:off x="485312" y="3908424"/>
+            <a:off x="407504" y="3841659"/>
             <a:ext cx="10962574" cy="1754326"/>
           </a:xfrm>
           <a:prstGeom prst="rect">

--- a/展示物アプリ仕様.pptx
+++ b/展示物アプリ仕様.pptx
@@ -25,32 +25,40 @@
     <p:sldId id="304" r:id="rId19"/>
     <p:sldId id="305" r:id="rId20"/>
     <p:sldId id="306" r:id="rId21"/>
-    <p:sldId id="302" r:id="rId22"/>
-    <p:sldId id="296" r:id="rId23"/>
-    <p:sldId id="290" r:id="rId24"/>
-    <p:sldId id="294" r:id="rId25"/>
-    <p:sldId id="289" r:id="rId26"/>
-    <p:sldId id="263" r:id="rId27"/>
-    <p:sldId id="264" r:id="rId28"/>
-    <p:sldId id="292" r:id="rId29"/>
-    <p:sldId id="291" r:id="rId30"/>
-    <p:sldId id="265" r:id="rId31"/>
-    <p:sldId id="266" r:id="rId32"/>
-    <p:sldId id="270" r:id="rId33"/>
-    <p:sldId id="271" r:id="rId34"/>
-    <p:sldId id="272" r:id="rId35"/>
-    <p:sldId id="267" r:id="rId36"/>
-    <p:sldId id="268" r:id="rId37"/>
-    <p:sldId id="273" r:id="rId38"/>
-    <p:sldId id="276" r:id="rId39"/>
-    <p:sldId id="277" r:id="rId40"/>
-    <p:sldId id="284" r:id="rId41"/>
-    <p:sldId id="278" r:id="rId42"/>
-    <p:sldId id="279" r:id="rId43"/>
-    <p:sldId id="280" r:id="rId44"/>
-    <p:sldId id="281" r:id="rId45"/>
-    <p:sldId id="282" r:id="rId46"/>
-    <p:sldId id="283" r:id="rId47"/>
+    <p:sldId id="309" r:id="rId22"/>
+    <p:sldId id="310" r:id="rId23"/>
+    <p:sldId id="311" r:id="rId24"/>
+    <p:sldId id="313" r:id="rId25"/>
+    <p:sldId id="312" r:id="rId26"/>
+    <p:sldId id="314" r:id="rId27"/>
+    <p:sldId id="315" r:id="rId28"/>
+    <p:sldId id="316" r:id="rId29"/>
+    <p:sldId id="302" r:id="rId30"/>
+    <p:sldId id="296" r:id="rId31"/>
+    <p:sldId id="290" r:id="rId32"/>
+    <p:sldId id="294" r:id="rId33"/>
+    <p:sldId id="289" r:id="rId34"/>
+    <p:sldId id="263" r:id="rId35"/>
+    <p:sldId id="264" r:id="rId36"/>
+    <p:sldId id="292" r:id="rId37"/>
+    <p:sldId id="291" r:id="rId38"/>
+    <p:sldId id="265" r:id="rId39"/>
+    <p:sldId id="266" r:id="rId40"/>
+    <p:sldId id="270" r:id="rId41"/>
+    <p:sldId id="271" r:id="rId42"/>
+    <p:sldId id="272" r:id="rId43"/>
+    <p:sldId id="267" r:id="rId44"/>
+    <p:sldId id="268" r:id="rId45"/>
+    <p:sldId id="273" r:id="rId46"/>
+    <p:sldId id="276" r:id="rId47"/>
+    <p:sldId id="277" r:id="rId48"/>
+    <p:sldId id="284" r:id="rId49"/>
+    <p:sldId id="278" r:id="rId50"/>
+    <p:sldId id="279" r:id="rId51"/>
+    <p:sldId id="280" r:id="rId52"/>
+    <p:sldId id="281" r:id="rId53"/>
+    <p:sldId id="282" r:id="rId54"/>
+    <p:sldId id="283" r:id="rId55"/>
   </p:sldIdLst>
   <p:sldSz cx="12192000" cy="6858000"/>
   <p:notesSz cx="7099300" cy="10234613"/>
@@ -304,7 +312,7 @@
           <a:p>
             <a:fld id="{082150A6-655A-40A4-943B-9A709E30A878}" type="datetimeFigureOut">
               <a:rPr kumimoji="1" lang="ja-JP" altLang="en-US" smtClean="0"/>
-              <a:t>2026/1/26</a:t>
+              <a:t>2026/1/29</a:t>
             </a:fld>
             <a:endParaRPr kumimoji="1" lang="ja-JP" altLang="en-US"/>
           </a:p>
@@ -534,7 +542,7 @@
           <a:p>
             <a:fld id="{082150A6-655A-40A4-943B-9A709E30A878}" type="datetimeFigureOut">
               <a:rPr kumimoji="1" lang="ja-JP" altLang="en-US" smtClean="0"/>
-              <a:t>2026/1/26</a:t>
+              <a:t>2026/1/29</a:t>
             </a:fld>
             <a:endParaRPr kumimoji="1" lang="ja-JP" altLang="en-US"/>
           </a:p>
@@ -774,7 +782,7 @@
           <a:p>
             <a:fld id="{082150A6-655A-40A4-943B-9A709E30A878}" type="datetimeFigureOut">
               <a:rPr kumimoji="1" lang="ja-JP" altLang="en-US" smtClean="0"/>
-              <a:t>2026/1/26</a:t>
+              <a:t>2026/1/29</a:t>
             </a:fld>
             <a:endParaRPr kumimoji="1" lang="ja-JP" altLang="en-US"/>
           </a:p>
@@ -1004,7 +1012,7 @@
           <a:p>
             <a:fld id="{082150A6-655A-40A4-943B-9A709E30A878}" type="datetimeFigureOut">
               <a:rPr kumimoji="1" lang="ja-JP" altLang="en-US" smtClean="0"/>
-              <a:t>2026/1/26</a:t>
+              <a:t>2026/1/29</a:t>
             </a:fld>
             <a:endParaRPr kumimoji="1" lang="ja-JP" altLang="en-US"/>
           </a:p>
@@ -1279,7 +1287,7 @@
           <a:p>
             <a:fld id="{082150A6-655A-40A4-943B-9A709E30A878}" type="datetimeFigureOut">
               <a:rPr kumimoji="1" lang="ja-JP" altLang="en-US" smtClean="0"/>
-              <a:t>2026/1/26</a:t>
+              <a:t>2026/1/29</a:t>
             </a:fld>
             <a:endParaRPr kumimoji="1" lang="ja-JP" altLang="en-US"/>
           </a:p>
@@ -1608,7 +1616,7 @@
           <a:p>
             <a:fld id="{082150A6-655A-40A4-943B-9A709E30A878}" type="datetimeFigureOut">
               <a:rPr kumimoji="1" lang="ja-JP" altLang="en-US" smtClean="0"/>
-              <a:t>2026/1/26</a:t>
+              <a:t>2026/1/29</a:t>
             </a:fld>
             <a:endParaRPr kumimoji="1" lang="ja-JP" altLang="en-US"/>
           </a:p>
@@ -2084,7 +2092,7 @@
           <a:p>
             <a:fld id="{082150A6-655A-40A4-943B-9A709E30A878}" type="datetimeFigureOut">
               <a:rPr kumimoji="1" lang="ja-JP" altLang="en-US" smtClean="0"/>
-              <a:t>2026/1/26</a:t>
+              <a:t>2026/1/29</a:t>
             </a:fld>
             <a:endParaRPr kumimoji="1" lang="ja-JP" altLang="en-US"/>
           </a:p>
@@ -2225,7 +2233,7 @@
           <a:p>
             <a:fld id="{082150A6-655A-40A4-943B-9A709E30A878}" type="datetimeFigureOut">
               <a:rPr kumimoji="1" lang="ja-JP" altLang="en-US" smtClean="0"/>
-              <a:t>2026/1/26</a:t>
+              <a:t>2026/1/29</a:t>
             </a:fld>
             <a:endParaRPr kumimoji="1" lang="ja-JP" altLang="en-US"/>
           </a:p>
@@ -2338,7 +2346,7 @@
           <a:p>
             <a:fld id="{082150A6-655A-40A4-943B-9A709E30A878}" type="datetimeFigureOut">
               <a:rPr kumimoji="1" lang="ja-JP" altLang="en-US" smtClean="0"/>
-              <a:t>2026/1/26</a:t>
+              <a:t>2026/1/29</a:t>
             </a:fld>
             <a:endParaRPr kumimoji="1" lang="ja-JP" altLang="en-US"/>
           </a:p>
@@ -2681,7 +2689,7 @@
           <a:p>
             <a:fld id="{082150A6-655A-40A4-943B-9A709E30A878}" type="datetimeFigureOut">
               <a:rPr kumimoji="1" lang="ja-JP" altLang="en-US" smtClean="0"/>
-              <a:t>2026/1/26</a:t>
+              <a:t>2026/1/29</a:t>
             </a:fld>
             <a:endParaRPr kumimoji="1" lang="ja-JP" altLang="en-US"/>
           </a:p>
@@ -2969,7 +2977,7 @@
           <a:p>
             <a:fld id="{082150A6-655A-40A4-943B-9A709E30A878}" type="datetimeFigureOut">
               <a:rPr kumimoji="1" lang="ja-JP" altLang="en-US" smtClean="0"/>
-              <a:t>2026/1/26</a:t>
+              <a:t>2026/1/29</a:t>
             </a:fld>
             <a:endParaRPr kumimoji="1" lang="ja-JP" altLang="en-US"/>
           </a:p>
@@ -3242,7 +3250,7 @@
           <a:p>
             <a:fld id="{082150A6-655A-40A4-943B-9A709E30A878}" type="datetimeFigureOut">
               <a:rPr kumimoji="1" lang="ja-JP" altLang="en-US" smtClean="0"/>
-              <a:t>2026/1/26</a:t>
+              <a:t>2026/1/29</a:t>
             </a:fld>
             <a:endParaRPr kumimoji="1" lang="ja-JP" altLang="en-US"/>
           </a:p>
@@ -4842,10 +4850,10 @@
       </p:sp>
       <p:pic>
         <p:nvPicPr>
-          <p:cNvPr id="3" name="図 2" descr="グラフィカル ユーザー インターフェイス, アプリケーション, Web サイト&#10;&#10;AI 生成コンテンツは誤りを含む可能性があります。">
-            <a:extLst>
-              <a:ext uri="{FF2B5EF4-FFF2-40B4-BE49-F238E27FC236}">
-                <a16:creationId xmlns:a16="http://schemas.microsoft.com/office/drawing/2014/main" id="{490EDB7D-43B2-6DEA-EEFE-8F29BCFA59B2}"/>
+          <p:cNvPr id="8" name="図 7" descr="グラフィカル ユーザー インターフェイス, アプリケーション, Web サイト&#10;&#10;AI 生成コンテンツは誤りを含む可能性があります。">
+            <a:extLst>
+              <a:ext uri="{FF2B5EF4-FFF2-40B4-BE49-F238E27FC236}">
+                <a16:creationId xmlns:a16="http://schemas.microsoft.com/office/drawing/2014/main" id="{0F0E203D-7057-9772-F2C8-3EAB8EB195C1}"/>
               </a:ext>
             </a:extLst>
           </p:cNvPr>
@@ -4862,8 +4870,8 @@
         </p:blipFill>
         <p:spPr>
           <a:xfrm>
-            <a:off x="1865166" y="755374"/>
-            <a:ext cx="4449678" cy="6102626"/>
+            <a:off x="5208104" y="7760"/>
+            <a:ext cx="5777867" cy="6850239"/>
           </a:xfrm>
           <a:prstGeom prst="rect">
             <a:avLst/>
@@ -5181,7 +5189,7 @@
         <p:spPr>
           <a:xfrm>
             <a:off x="668446" y="3975652"/>
-            <a:ext cx="9968948" cy="923330"/>
+            <a:ext cx="9968948" cy="369332"/>
           </a:xfrm>
           <a:prstGeom prst="rect">
             <a:avLst/>
@@ -5198,30 +5206,15 @@
               <a:rPr kumimoji="1" lang="ja-JP" altLang="en-US" dirty="0"/>
               <a:t>複数の博物館に同一の管理者を登録することが可能です。</a:t>
             </a:r>
-            <a:br>
-              <a:rPr kumimoji="1" lang="en-US" altLang="ja-JP" dirty="0"/>
-            </a:br>
-            <a:r>
-              <a:rPr kumimoji="1" lang="ja-JP" altLang="en-US" dirty="0"/>
-              <a:t>ただしパスワードは最初に登録したパスワードが優先され、</a:t>
-            </a:r>
-            <a:endParaRPr kumimoji="1" lang="en-US" altLang="ja-JP" dirty="0"/>
-          </a:p>
-          <a:p>
-            <a:r>
-              <a:rPr kumimoji="1" lang="ja-JP" altLang="en-US"/>
-              <a:t>以降のパスワードは入力できません</a:t>
-            </a:r>
-            <a:endParaRPr kumimoji="1" lang="ja-JP" altLang="en-US" dirty="0"/>
           </a:p>
         </p:txBody>
       </p:sp>
       <p:pic>
         <p:nvPicPr>
-          <p:cNvPr id="9" name="図 8" descr="グラフィカル ユーザー インターフェイス, テキスト, アプリケーション, チャットまたはテキスト メッセージ&#10;&#10;AI 生成コンテンツは誤りを含む可能性があります。">
-            <a:extLst>
-              <a:ext uri="{FF2B5EF4-FFF2-40B4-BE49-F238E27FC236}">
-                <a16:creationId xmlns:a16="http://schemas.microsoft.com/office/drawing/2014/main" id="{CD38BFA4-22B8-8AEE-1556-B73028665759}"/>
+          <p:cNvPr id="3" name="図 2" descr="グラフィカル ユーザー インターフェイス, アプリケーション, チャットまたはテキスト メッセージ&#10;&#10;AI 生成コンテンツは誤りを含む可能性があります。">
+            <a:extLst>
+              <a:ext uri="{FF2B5EF4-FFF2-40B4-BE49-F238E27FC236}">
+                <a16:creationId xmlns:a16="http://schemas.microsoft.com/office/drawing/2014/main" id="{C4213916-96F9-367B-E941-E8EC2DBD64CF}"/>
               </a:ext>
             </a:extLst>
           </p:cNvPr>
@@ -5238,8 +5231,8 @@
         </p:blipFill>
         <p:spPr>
           <a:xfrm>
-            <a:off x="407503" y="942634"/>
-            <a:ext cx="7257143" cy="2666667"/>
+            <a:off x="1397848" y="1457815"/>
+            <a:ext cx="5838095" cy="1219048"/>
           </a:xfrm>
           <a:prstGeom prst="rect">
             <a:avLst/>
@@ -6291,6 +6284,1372 @@
   <p:cSld>
     <p:spTree>
       <p:nvGrpSpPr>
+        <p:cNvPr id="1" name="">
+          <a:extLst>
+            <a:ext uri="{FF2B5EF4-FFF2-40B4-BE49-F238E27FC236}">
+              <a16:creationId xmlns:a16="http://schemas.microsoft.com/office/drawing/2014/main" id="{00D8B525-5B63-98F7-7044-917B6ADFFEF4}"/>
+            </a:ext>
+          </a:extLst>
+        </p:cNvPr>
+        <p:cNvGrpSpPr/>
+        <p:nvPr/>
+      </p:nvGrpSpPr>
+      <p:grpSpPr>
+        <a:xfrm>
+          <a:off x="0" y="0"/>
+          <a:ext cx="0" cy="0"/>
+          <a:chOff x="0" y="0"/>
+          <a:chExt cx="0" cy="0"/>
+        </a:xfrm>
+      </p:grpSpPr>
+      <p:cxnSp>
+        <p:nvCxnSpPr>
+          <p:cNvPr id="4" name="直線コネクタ 3">
+            <a:extLst>
+              <a:ext uri="{FF2B5EF4-FFF2-40B4-BE49-F238E27FC236}">
+                <a16:creationId xmlns:a16="http://schemas.microsoft.com/office/drawing/2014/main" id="{3505F87C-C6BA-8C71-ADF6-4D212BF49DC2}"/>
+              </a:ext>
+            </a:extLst>
+          </p:cNvPr>
+          <p:cNvCxnSpPr/>
+          <p:nvPr/>
+        </p:nvCxnSpPr>
+        <p:spPr>
+          <a:xfrm>
+            <a:off x="228600" y="755374"/>
+            <a:ext cx="11936896" cy="0"/>
+          </a:xfrm>
+          <a:prstGeom prst="line">
+            <a:avLst/>
+          </a:prstGeom>
+        </p:spPr>
+        <p:style>
+          <a:lnRef idx="2">
+            <a:schemeClr val="accent1"/>
+          </a:lnRef>
+          <a:fillRef idx="0">
+            <a:schemeClr val="accent1"/>
+          </a:fillRef>
+          <a:effectRef idx="1">
+            <a:schemeClr val="accent1"/>
+          </a:effectRef>
+          <a:fontRef idx="minor">
+            <a:schemeClr val="tx1"/>
+          </a:fontRef>
+        </p:style>
+      </p:cxnSp>
+      <p:sp>
+        <p:nvSpPr>
+          <p:cNvPr id="5" name="テキスト ボックス 4">
+            <a:extLst>
+              <a:ext uri="{FF2B5EF4-FFF2-40B4-BE49-F238E27FC236}">
+                <a16:creationId xmlns:a16="http://schemas.microsoft.com/office/drawing/2014/main" id="{E3C887B1-B823-F45C-43AB-1037B7097E08}"/>
+              </a:ext>
+            </a:extLst>
+          </p:cNvPr>
+          <p:cNvSpPr txBox="1"/>
+          <p:nvPr/>
+        </p:nvSpPr>
+        <p:spPr>
+          <a:xfrm>
+            <a:off x="407503" y="198783"/>
+            <a:ext cx="11449879" cy="369332"/>
+          </a:xfrm>
+          <a:prstGeom prst="rect">
+            <a:avLst/>
+          </a:prstGeom>
+          <a:noFill/>
+        </p:spPr>
+        <p:txBody>
+          <a:bodyPr wrap="square" rtlCol="0">
+            <a:spAutoFit/>
+          </a:bodyPr>
+          <a:lstStyle/>
+          <a:p>
+            <a:r>
+              <a:rPr lang="ja-JP" altLang="en-US" dirty="0"/>
+              <a:t>博物館管理者：招待画面</a:t>
+            </a:r>
+            <a:endParaRPr kumimoji="1" lang="ja-JP" altLang="en-US" dirty="0"/>
+          </a:p>
+        </p:txBody>
+      </p:sp>
+      <p:sp>
+        <p:nvSpPr>
+          <p:cNvPr id="2" name="テキスト ボックス 1">
+            <a:extLst>
+              <a:ext uri="{FF2B5EF4-FFF2-40B4-BE49-F238E27FC236}">
+                <a16:creationId xmlns:a16="http://schemas.microsoft.com/office/drawing/2014/main" id="{F1507BD5-63D8-E770-83D4-9D6EB926BE42}"/>
+              </a:ext>
+            </a:extLst>
+          </p:cNvPr>
+          <p:cNvSpPr txBox="1"/>
+          <p:nvPr/>
+        </p:nvSpPr>
+        <p:spPr>
+          <a:xfrm>
+            <a:off x="407503" y="939248"/>
+            <a:ext cx="11231219" cy="369332"/>
+          </a:xfrm>
+          <a:prstGeom prst="rect">
+            <a:avLst/>
+          </a:prstGeom>
+          <a:noFill/>
+        </p:spPr>
+        <p:txBody>
+          <a:bodyPr wrap="square" rtlCol="0">
+            <a:spAutoFit/>
+          </a:bodyPr>
+          <a:lstStyle/>
+          <a:p>
+            <a:r>
+              <a:rPr kumimoji="1" lang="ja-JP" altLang="en-US" dirty="0"/>
+              <a:t>招待メールが届くので</a:t>
+            </a:r>
+            <a:r>
+              <a:rPr kumimoji="1" lang="en-US" altLang="ja-JP" dirty="0"/>
+              <a:t>URL</a:t>
+            </a:r>
+            <a:r>
+              <a:rPr kumimoji="1" lang="ja-JP" altLang="en-US" dirty="0"/>
+              <a:t>をクリック</a:t>
+            </a:r>
+          </a:p>
+        </p:txBody>
+      </p:sp>
+      <p:pic>
+        <p:nvPicPr>
+          <p:cNvPr id="8" name="図 7" descr="グラフィカル ユーザー インターフェイス, テキスト, アプリケーション&#10;&#10;AI 生成コンテンツは誤りを含む可能性があります。">
+            <a:extLst>
+              <a:ext uri="{FF2B5EF4-FFF2-40B4-BE49-F238E27FC236}">
+                <a16:creationId xmlns:a16="http://schemas.microsoft.com/office/drawing/2014/main" id="{47989408-7E4E-71BA-1192-ADC9DF628E49}"/>
+              </a:ext>
+            </a:extLst>
+          </p:cNvPr>
+          <p:cNvPicPr>
+            <a:picLocks noChangeAspect="1"/>
+          </p:cNvPicPr>
+          <p:nvPr/>
+        </p:nvPicPr>
+        <p:blipFill>
+          <a:blip r:embed="rId2"/>
+          <a:stretch>
+            <a:fillRect/>
+          </a:stretch>
+        </p:blipFill>
+        <p:spPr>
+          <a:xfrm>
+            <a:off x="407503" y="1344931"/>
+            <a:ext cx="4580952" cy="5314286"/>
+          </a:xfrm>
+          <a:prstGeom prst="rect">
+            <a:avLst/>
+          </a:prstGeom>
+        </p:spPr>
+      </p:pic>
+      <p:pic>
+        <p:nvPicPr>
+          <p:cNvPr id="10" name="図 9" descr="テキスト, 手紙&#10;&#10;AI 生成コンテンツは誤りを含む可能性があります。">
+            <a:extLst>
+              <a:ext uri="{FF2B5EF4-FFF2-40B4-BE49-F238E27FC236}">
+                <a16:creationId xmlns:a16="http://schemas.microsoft.com/office/drawing/2014/main" id="{70B781A3-4301-7B8B-7CBA-EC13458C10BA}"/>
+              </a:ext>
+            </a:extLst>
+          </p:cNvPr>
+          <p:cNvPicPr>
+            <a:picLocks noChangeAspect="1"/>
+          </p:cNvPicPr>
+          <p:nvPr/>
+        </p:nvPicPr>
+        <p:blipFill>
+          <a:blip r:embed="rId3"/>
+          <a:stretch>
+            <a:fillRect/>
+          </a:stretch>
+        </p:blipFill>
+        <p:spPr>
+          <a:xfrm>
+            <a:off x="6594488" y="2525541"/>
+            <a:ext cx="4628571" cy="2780952"/>
+          </a:xfrm>
+          <a:prstGeom prst="rect">
+            <a:avLst/>
+          </a:prstGeom>
+        </p:spPr>
+      </p:pic>
+    </p:spTree>
+    <p:extLst>
+      <p:ext uri="{BB962C8B-B14F-4D97-AF65-F5344CB8AC3E}">
+        <p14:creationId xmlns:p14="http://schemas.microsoft.com/office/powerpoint/2010/main" val="3668094623"/>
+      </p:ext>
+    </p:extLst>
+  </p:cSld>
+  <p:clrMapOvr>
+    <a:masterClrMapping/>
+  </p:clrMapOvr>
+</p:sld>
+</file>
+
+<file path=ppt/slides/slide22.xml><?xml version="1.0" encoding="utf-8"?>
+<p:sld xmlns:a="http://schemas.openxmlformats.org/drawingml/2006/main" xmlns:r="http://schemas.openxmlformats.org/officeDocument/2006/relationships" xmlns:p="http://schemas.openxmlformats.org/presentationml/2006/main">
+  <p:cSld>
+    <p:spTree>
+      <p:nvGrpSpPr>
+        <p:cNvPr id="1" name="">
+          <a:extLst>
+            <a:ext uri="{FF2B5EF4-FFF2-40B4-BE49-F238E27FC236}">
+              <a16:creationId xmlns:a16="http://schemas.microsoft.com/office/drawing/2014/main" id="{BF1F1621-C828-7F76-F293-C0C5AD38929B}"/>
+            </a:ext>
+          </a:extLst>
+        </p:cNvPr>
+        <p:cNvGrpSpPr/>
+        <p:nvPr/>
+      </p:nvGrpSpPr>
+      <p:grpSpPr>
+        <a:xfrm>
+          <a:off x="0" y="0"/>
+          <a:ext cx="0" cy="0"/>
+          <a:chOff x="0" y="0"/>
+          <a:chExt cx="0" cy="0"/>
+        </a:xfrm>
+      </p:grpSpPr>
+      <p:cxnSp>
+        <p:nvCxnSpPr>
+          <p:cNvPr id="4" name="直線コネクタ 3">
+            <a:extLst>
+              <a:ext uri="{FF2B5EF4-FFF2-40B4-BE49-F238E27FC236}">
+                <a16:creationId xmlns:a16="http://schemas.microsoft.com/office/drawing/2014/main" id="{FDFCBCD3-AEE2-EE64-5C04-BC88320435AB}"/>
+              </a:ext>
+            </a:extLst>
+          </p:cNvPr>
+          <p:cNvCxnSpPr/>
+          <p:nvPr/>
+        </p:nvCxnSpPr>
+        <p:spPr>
+          <a:xfrm>
+            <a:off x="228600" y="755374"/>
+            <a:ext cx="11936896" cy="0"/>
+          </a:xfrm>
+          <a:prstGeom prst="line">
+            <a:avLst/>
+          </a:prstGeom>
+        </p:spPr>
+        <p:style>
+          <a:lnRef idx="2">
+            <a:schemeClr val="accent1"/>
+          </a:lnRef>
+          <a:fillRef idx="0">
+            <a:schemeClr val="accent1"/>
+          </a:fillRef>
+          <a:effectRef idx="1">
+            <a:schemeClr val="accent1"/>
+          </a:effectRef>
+          <a:fontRef idx="minor">
+            <a:schemeClr val="tx1"/>
+          </a:fontRef>
+        </p:style>
+      </p:cxnSp>
+      <p:sp>
+        <p:nvSpPr>
+          <p:cNvPr id="5" name="テキスト ボックス 4">
+            <a:extLst>
+              <a:ext uri="{FF2B5EF4-FFF2-40B4-BE49-F238E27FC236}">
+                <a16:creationId xmlns:a16="http://schemas.microsoft.com/office/drawing/2014/main" id="{FA7173F8-2ED0-6F29-7F59-FD50A7B62D5F}"/>
+              </a:ext>
+            </a:extLst>
+          </p:cNvPr>
+          <p:cNvSpPr txBox="1"/>
+          <p:nvPr/>
+        </p:nvSpPr>
+        <p:spPr>
+          <a:xfrm>
+            <a:off x="407503" y="198783"/>
+            <a:ext cx="11449879" cy="369332"/>
+          </a:xfrm>
+          <a:prstGeom prst="rect">
+            <a:avLst/>
+          </a:prstGeom>
+          <a:noFill/>
+        </p:spPr>
+        <p:txBody>
+          <a:bodyPr wrap="square" rtlCol="0">
+            <a:spAutoFit/>
+          </a:bodyPr>
+          <a:lstStyle/>
+          <a:p>
+            <a:r>
+              <a:rPr lang="ja-JP" altLang="en-US" dirty="0"/>
+              <a:t>博物館管理者：ログイン画面</a:t>
+            </a:r>
+            <a:endParaRPr kumimoji="1" lang="ja-JP" altLang="en-US" dirty="0"/>
+          </a:p>
+        </p:txBody>
+      </p:sp>
+      <p:pic>
+        <p:nvPicPr>
+          <p:cNvPr id="6" name="図 5" descr="グラフィカル ユーザー インターフェイス, テキスト, アプリケーション, チャットまたはテキスト メッセージ&#10;&#10;AI 生成コンテンツは誤りを含む可能性があります。">
+            <a:extLst>
+              <a:ext uri="{FF2B5EF4-FFF2-40B4-BE49-F238E27FC236}">
+                <a16:creationId xmlns:a16="http://schemas.microsoft.com/office/drawing/2014/main" id="{5E7250C9-085E-BF49-8540-5F121BAE74E1}"/>
+              </a:ext>
+            </a:extLst>
+          </p:cNvPr>
+          <p:cNvPicPr>
+            <a:picLocks noChangeAspect="1"/>
+          </p:cNvPicPr>
+          <p:nvPr/>
+        </p:nvPicPr>
+        <p:blipFill>
+          <a:blip r:embed="rId2"/>
+          <a:stretch>
+            <a:fillRect/>
+          </a:stretch>
+        </p:blipFill>
+        <p:spPr>
+          <a:xfrm>
+            <a:off x="880512" y="1193340"/>
+            <a:ext cx="4447619" cy="3676190"/>
+          </a:xfrm>
+          <a:prstGeom prst="rect">
+            <a:avLst/>
+          </a:prstGeom>
+        </p:spPr>
+      </p:pic>
+    </p:spTree>
+    <p:extLst>
+      <p:ext uri="{BB962C8B-B14F-4D97-AF65-F5344CB8AC3E}">
+        <p14:creationId xmlns:p14="http://schemas.microsoft.com/office/powerpoint/2010/main" val="2407922654"/>
+      </p:ext>
+    </p:extLst>
+  </p:cSld>
+  <p:clrMapOvr>
+    <a:masterClrMapping/>
+  </p:clrMapOvr>
+</p:sld>
+</file>
+
+<file path=ppt/slides/slide23.xml><?xml version="1.0" encoding="utf-8"?>
+<p:sld xmlns:a="http://schemas.openxmlformats.org/drawingml/2006/main" xmlns:r="http://schemas.openxmlformats.org/officeDocument/2006/relationships" xmlns:p="http://schemas.openxmlformats.org/presentationml/2006/main">
+  <p:cSld>
+    <p:spTree>
+      <p:nvGrpSpPr>
+        <p:cNvPr id="1" name="">
+          <a:extLst>
+            <a:ext uri="{FF2B5EF4-FFF2-40B4-BE49-F238E27FC236}">
+              <a16:creationId xmlns:a16="http://schemas.microsoft.com/office/drawing/2014/main" id="{A7AEC021-4BF9-D42F-E497-79F3063A5A8C}"/>
+            </a:ext>
+          </a:extLst>
+        </p:cNvPr>
+        <p:cNvGrpSpPr/>
+        <p:nvPr/>
+      </p:nvGrpSpPr>
+      <p:grpSpPr>
+        <a:xfrm>
+          <a:off x="0" y="0"/>
+          <a:ext cx="0" cy="0"/>
+          <a:chOff x="0" y="0"/>
+          <a:chExt cx="0" cy="0"/>
+        </a:xfrm>
+      </p:grpSpPr>
+      <p:cxnSp>
+        <p:nvCxnSpPr>
+          <p:cNvPr id="4" name="直線コネクタ 3">
+            <a:extLst>
+              <a:ext uri="{FF2B5EF4-FFF2-40B4-BE49-F238E27FC236}">
+                <a16:creationId xmlns:a16="http://schemas.microsoft.com/office/drawing/2014/main" id="{8661FC78-7DC3-02AF-87B1-96BE8B2D66D4}"/>
+              </a:ext>
+            </a:extLst>
+          </p:cNvPr>
+          <p:cNvCxnSpPr/>
+          <p:nvPr/>
+        </p:nvCxnSpPr>
+        <p:spPr>
+          <a:xfrm>
+            <a:off x="228600" y="755374"/>
+            <a:ext cx="11936896" cy="0"/>
+          </a:xfrm>
+          <a:prstGeom prst="line">
+            <a:avLst/>
+          </a:prstGeom>
+        </p:spPr>
+        <p:style>
+          <a:lnRef idx="2">
+            <a:schemeClr val="accent1"/>
+          </a:lnRef>
+          <a:fillRef idx="0">
+            <a:schemeClr val="accent1"/>
+          </a:fillRef>
+          <a:effectRef idx="1">
+            <a:schemeClr val="accent1"/>
+          </a:effectRef>
+          <a:fontRef idx="minor">
+            <a:schemeClr val="tx1"/>
+          </a:fontRef>
+        </p:style>
+      </p:cxnSp>
+      <p:sp>
+        <p:nvSpPr>
+          <p:cNvPr id="5" name="テキスト ボックス 4">
+            <a:extLst>
+              <a:ext uri="{FF2B5EF4-FFF2-40B4-BE49-F238E27FC236}">
+                <a16:creationId xmlns:a16="http://schemas.microsoft.com/office/drawing/2014/main" id="{F87B9FA8-B490-228A-79F5-89349EC9EBE2}"/>
+              </a:ext>
+            </a:extLst>
+          </p:cNvPr>
+          <p:cNvSpPr txBox="1"/>
+          <p:nvPr/>
+        </p:nvSpPr>
+        <p:spPr>
+          <a:xfrm>
+            <a:off x="407503" y="198783"/>
+            <a:ext cx="11449879" cy="369332"/>
+          </a:xfrm>
+          <a:prstGeom prst="rect">
+            <a:avLst/>
+          </a:prstGeom>
+          <a:noFill/>
+        </p:spPr>
+        <p:txBody>
+          <a:bodyPr wrap="square" rtlCol="0">
+            <a:spAutoFit/>
+          </a:bodyPr>
+          <a:lstStyle/>
+          <a:p>
+            <a:r>
+              <a:rPr lang="ja-JP" altLang="en-US" dirty="0"/>
+              <a:t>博物館管理者：担当博物館一覧</a:t>
+            </a:r>
+            <a:endParaRPr kumimoji="1" lang="ja-JP" altLang="en-US" dirty="0"/>
+          </a:p>
+        </p:txBody>
+      </p:sp>
+      <p:pic>
+        <p:nvPicPr>
+          <p:cNvPr id="3" name="図 2" descr="グラフィカル ユーザー インターフェイス, テキスト, アプリケーション, チャットまたはテキスト メッセージ&#10;&#10;AI 生成コンテンツは誤りを含む可能性があります。">
+            <a:extLst>
+              <a:ext uri="{FF2B5EF4-FFF2-40B4-BE49-F238E27FC236}">
+                <a16:creationId xmlns:a16="http://schemas.microsoft.com/office/drawing/2014/main" id="{50DA26FF-0667-FD1A-4EC8-7A072470D31A}"/>
+              </a:ext>
+            </a:extLst>
+          </p:cNvPr>
+          <p:cNvPicPr>
+            <a:picLocks noChangeAspect="1"/>
+          </p:cNvPicPr>
+          <p:nvPr/>
+        </p:nvPicPr>
+        <p:blipFill>
+          <a:blip r:embed="rId2"/>
+          <a:stretch>
+            <a:fillRect/>
+          </a:stretch>
+        </p:blipFill>
+        <p:spPr>
+          <a:xfrm>
+            <a:off x="323061" y="1017341"/>
+            <a:ext cx="3952381" cy="3809524"/>
+          </a:xfrm>
+          <a:prstGeom prst="rect">
+            <a:avLst/>
+          </a:prstGeom>
+        </p:spPr>
+      </p:pic>
+    </p:spTree>
+    <p:extLst>
+      <p:ext uri="{BB962C8B-B14F-4D97-AF65-F5344CB8AC3E}">
+        <p14:creationId xmlns:p14="http://schemas.microsoft.com/office/powerpoint/2010/main" val="3387599711"/>
+      </p:ext>
+    </p:extLst>
+  </p:cSld>
+  <p:clrMapOvr>
+    <a:masterClrMapping/>
+  </p:clrMapOvr>
+</p:sld>
+</file>
+
+<file path=ppt/slides/slide24.xml><?xml version="1.0" encoding="utf-8"?>
+<p:sld xmlns:a="http://schemas.openxmlformats.org/drawingml/2006/main" xmlns:r="http://schemas.openxmlformats.org/officeDocument/2006/relationships" xmlns:p="http://schemas.openxmlformats.org/presentationml/2006/main">
+  <p:cSld>
+    <p:spTree>
+      <p:nvGrpSpPr>
+        <p:cNvPr id="1" name="">
+          <a:extLst>
+            <a:ext uri="{FF2B5EF4-FFF2-40B4-BE49-F238E27FC236}">
+              <a16:creationId xmlns:a16="http://schemas.microsoft.com/office/drawing/2014/main" id="{3350503F-7448-EC82-5B0B-0C70E584E68B}"/>
+            </a:ext>
+          </a:extLst>
+        </p:cNvPr>
+        <p:cNvGrpSpPr/>
+        <p:nvPr/>
+      </p:nvGrpSpPr>
+      <p:grpSpPr>
+        <a:xfrm>
+          <a:off x="0" y="0"/>
+          <a:ext cx="0" cy="0"/>
+          <a:chOff x="0" y="0"/>
+          <a:chExt cx="0" cy="0"/>
+        </a:xfrm>
+      </p:grpSpPr>
+      <p:cxnSp>
+        <p:nvCxnSpPr>
+          <p:cNvPr id="4" name="直線コネクタ 3">
+            <a:extLst>
+              <a:ext uri="{FF2B5EF4-FFF2-40B4-BE49-F238E27FC236}">
+                <a16:creationId xmlns:a16="http://schemas.microsoft.com/office/drawing/2014/main" id="{500910FC-A700-F498-957D-68DB6041D757}"/>
+              </a:ext>
+            </a:extLst>
+          </p:cNvPr>
+          <p:cNvCxnSpPr/>
+          <p:nvPr/>
+        </p:nvCxnSpPr>
+        <p:spPr>
+          <a:xfrm>
+            <a:off x="228600" y="755374"/>
+            <a:ext cx="11936896" cy="0"/>
+          </a:xfrm>
+          <a:prstGeom prst="line">
+            <a:avLst/>
+          </a:prstGeom>
+        </p:spPr>
+        <p:style>
+          <a:lnRef idx="2">
+            <a:schemeClr val="accent1"/>
+          </a:lnRef>
+          <a:fillRef idx="0">
+            <a:schemeClr val="accent1"/>
+          </a:fillRef>
+          <a:effectRef idx="1">
+            <a:schemeClr val="accent1"/>
+          </a:effectRef>
+          <a:fontRef idx="minor">
+            <a:schemeClr val="tx1"/>
+          </a:fontRef>
+        </p:style>
+      </p:cxnSp>
+      <p:sp>
+        <p:nvSpPr>
+          <p:cNvPr id="5" name="テキスト ボックス 4">
+            <a:extLst>
+              <a:ext uri="{FF2B5EF4-FFF2-40B4-BE49-F238E27FC236}">
+                <a16:creationId xmlns:a16="http://schemas.microsoft.com/office/drawing/2014/main" id="{E03291C7-336B-0118-7985-906A6626BB4B}"/>
+              </a:ext>
+            </a:extLst>
+          </p:cNvPr>
+          <p:cNvSpPr txBox="1"/>
+          <p:nvPr/>
+        </p:nvSpPr>
+        <p:spPr>
+          <a:xfrm>
+            <a:off x="407503" y="198783"/>
+            <a:ext cx="11449879" cy="369332"/>
+          </a:xfrm>
+          <a:prstGeom prst="rect">
+            <a:avLst/>
+          </a:prstGeom>
+          <a:noFill/>
+        </p:spPr>
+        <p:txBody>
+          <a:bodyPr wrap="square" rtlCol="0">
+            <a:spAutoFit/>
+          </a:bodyPr>
+          <a:lstStyle/>
+          <a:p>
+            <a:r>
+              <a:rPr lang="ja-JP" altLang="en-US" dirty="0"/>
+              <a:t>博物館管理者：スタッフ管理</a:t>
+            </a:r>
+            <a:endParaRPr kumimoji="1" lang="ja-JP" altLang="en-US" dirty="0"/>
+          </a:p>
+        </p:txBody>
+      </p:sp>
+      <p:pic>
+        <p:nvPicPr>
+          <p:cNvPr id="8" name="図 7" descr="テキスト&#10;&#10;AI 生成コンテンツは誤りを含む可能性があります。">
+            <a:extLst>
+              <a:ext uri="{FF2B5EF4-FFF2-40B4-BE49-F238E27FC236}">
+                <a16:creationId xmlns:a16="http://schemas.microsoft.com/office/drawing/2014/main" id="{A2CA63C9-0F3F-539D-FD16-934E5248E65D}"/>
+              </a:ext>
+            </a:extLst>
+          </p:cNvPr>
+          <p:cNvPicPr>
+            <a:picLocks noChangeAspect="1"/>
+          </p:cNvPicPr>
+          <p:nvPr/>
+        </p:nvPicPr>
+        <p:blipFill>
+          <a:blip r:embed="rId2"/>
+          <a:stretch>
+            <a:fillRect/>
+          </a:stretch>
+        </p:blipFill>
+        <p:spPr>
+          <a:xfrm>
+            <a:off x="967187" y="1793539"/>
+            <a:ext cx="9028571" cy="2838095"/>
+          </a:xfrm>
+          <a:prstGeom prst="rect">
+            <a:avLst/>
+          </a:prstGeom>
+        </p:spPr>
+      </p:pic>
+    </p:spTree>
+    <p:extLst>
+      <p:ext uri="{BB962C8B-B14F-4D97-AF65-F5344CB8AC3E}">
+        <p14:creationId xmlns:p14="http://schemas.microsoft.com/office/powerpoint/2010/main" val="1969301573"/>
+      </p:ext>
+    </p:extLst>
+  </p:cSld>
+  <p:clrMapOvr>
+    <a:masterClrMapping/>
+  </p:clrMapOvr>
+</p:sld>
+</file>
+
+<file path=ppt/slides/slide25.xml><?xml version="1.0" encoding="utf-8"?>
+<p:sld xmlns:a="http://schemas.openxmlformats.org/drawingml/2006/main" xmlns:r="http://schemas.openxmlformats.org/officeDocument/2006/relationships" xmlns:p="http://schemas.openxmlformats.org/presentationml/2006/main">
+  <p:cSld>
+    <p:spTree>
+      <p:nvGrpSpPr>
+        <p:cNvPr id="1" name="">
+          <a:extLst>
+            <a:ext uri="{FF2B5EF4-FFF2-40B4-BE49-F238E27FC236}">
+              <a16:creationId xmlns:a16="http://schemas.microsoft.com/office/drawing/2014/main" id="{5F1CB093-D7DD-F65F-4AD5-A62066F9436B}"/>
+            </a:ext>
+          </a:extLst>
+        </p:cNvPr>
+        <p:cNvGrpSpPr/>
+        <p:nvPr/>
+      </p:nvGrpSpPr>
+      <p:grpSpPr>
+        <a:xfrm>
+          <a:off x="0" y="0"/>
+          <a:ext cx="0" cy="0"/>
+          <a:chOff x="0" y="0"/>
+          <a:chExt cx="0" cy="0"/>
+        </a:xfrm>
+      </p:grpSpPr>
+      <p:cxnSp>
+        <p:nvCxnSpPr>
+          <p:cNvPr id="4" name="直線コネクタ 3">
+            <a:extLst>
+              <a:ext uri="{FF2B5EF4-FFF2-40B4-BE49-F238E27FC236}">
+                <a16:creationId xmlns:a16="http://schemas.microsoft.com/office/drawing/2014/main" id="{8309C593-1A11-D98C-FAC8-9C17E764958B}"/>
+              </a:ext>
+            </a:extLst>
+          </p:cNvPr>
+          <p:cNvCxnSpPr/>
+          <p:nvPr/>
+        </p:nvCxnSpPr>
+        <p:spPr>
+          <a:xfrm>
+            <a:off x="228600" y="755374"/>
+            <a:ext cx="11936896" cy="0"/>
+          </a:xfrm>
+          <a:prstGeom prst="line">
+            <a:avLst/>
+          </a:prstGeom>
+        </p:spPr>
+        <p:style>
+          <a:lnRef idx="2">
+            <a:schemeClr val="accent1"/>
+          </a:lnRef>
+          <a:fillRef idx="0">
+            <a:schemeClr val="accent1"/>
+          </a:fillRef>
+          <a:effectRef idx="1">
+            <a:schemeClr val="accent1"/>
+          </a:effectRef>
+          <a:fontRef idx="minor">
+            <a:schemeClr val="tx1"/>
+          </a:fontRef>
+        </p:style>
+      </p:cxnSp>
+      <p:sp>
+        <p:nvSpPr>
+          <p:cNvPr id="5" name="テキスト ボックス 4">
+            <a:extLst>
+              <a:ext uri="{FF2B5EF4-FFF2-40B4-BE49-F238E27FC236}">
+                <a16:creationId xmlns:a16="http://schemas.microsoft.com/office/drawing/2014/main" id="{39C492CB-E404-6221-DA50-E33F8DCC1A04}"/>
+              </a:ext>
+            </a:extLst>
+          </p:cNvPr>
+          <p:cNvSpPr txBox="1"/>
+          <p:nvPr/>
+        </p:nvSpPr>
+        <p:spPr>
+          <a:xfrm>
+            <a:off x="407503" y="198783"/>
+            <a:ext cx="11449879" cy="369332"/>
+          </a:xfrm>
+          <a:prstGeom prst="rect">
+            <a:avLst/>
+          </a:prstGeom>
+          <a:noFill/>
+        </p:spPr>
+        <p:txBody>
+          <a:bodyPr wrap="square" rtlCol="0">
+            <a:spAutoFit/>
+          </a:bodyPr>
+          <a:lstStyle/>
+          <a:p>
+            <a:r>
+              <a:rPr lang="ja-JP" altLang="en-US" dirty="0"/>
+              <a:t>博物館管理者：担当博物館選択</a:t>
+            </a:r>
+            <a:endParaRPr kumimoji="1" lang="ja-JP" altLang="en-US" dirty="0"/>
+          </a:p>
+        </p:txBody>
+      </p:sp>
+      <p:pic>
+        <p:nvPicPr>
+          <p:cNvPr id="8" name="図 7" descr="テキスト&#10;&#10;AI 生成コンテンツは誤りを含む可能性があります。">
+            <a:extLst>
+              <a:ext uri="{FF2B5EF4-FFF2-40B4-BE49-F238E27FC236}">
+                <a16:creationId xmlns:a16="http://schemas.microsoft.com/office/drawing/2014/main" id="{4F176FF2-7375-B9C6-26C5-807899C0709B}"/>
+              </a:ext>
+            </a:extLst>
+          </p:cNvPr>
+          <p:cNvPicPr>
+            <a:picLocks noChangeAspect="1"/>
+          </p:cNvPicPr>
+          <p:nvPr/>
+        </p:nvPicPr>
+        <p:blipFill>
+          <a:blip r:embed="rId2"/>
+          <a:stretch>
+            <a:fillRect/>
+          </a:stretch>
+        </p:blipFill>
+        <p:spPr>
+          <a:xfrm>
+            <a:off x="480171" y="1316462"/>
+            <a:ext cx="3779898" cy="1188196"/>
+          </a:xfrm>
+          <a:prstGeom prst="rect">
+            <a:avLst/>
+          </a:prstGeom>
+        </p:spPr>
+      </p:pic>
+      <p:sp>
+        <p:nvSpPr>
+          <p:cNvPr id="2" name="楕円 1">
+            <a:extLst>
+              <a:ext uri="{FF2B5EF4-FFF2-40B4-BE49-F238E27FC236}">
+                <a16:creationId xmlns:a16="http://schemas.microsoft.com/office/drawing/2014/main" id="{85C92F1E-DFC2-B355-2416-CA77F420C074}"/>
+              </a:ext>
+            </a:extLst>
+          </p:cNvPr>
+          <p:cNvSpPr/>
+          <p:nvPr/>
+        </p:nvSpPr>
+        <p:spPr>
+          <a:xfrm>
+            <a:off x="2922104" y="1739348"/>
+            <a:ext cx="1421296" cy="725556"/>
+          </a:xfrm>
+          <a:prstGeom prst="ellipse">
+            <a:avLst/>
+          </a:prstGeom>
+          <a:noFill/>
+          <a:ln>
+            <a:solidFill>
+              <a:srgbClr val="FF0000"/>
+            </a:solidFill>
+          </a:ln>
+        </p:spPr>
+        <p:style>
+          <a:lnRef idx="2">
+            <a:schemeClr val="accent1">
+              <a:shade val="15000"/>
+            </a:schemeClr>
+          </a:lnRef>
+          <a:fillRef idx="1">
+            <a:schemeClr val="accent1"/>
+          </a:fillRef>
+          <a:effectRef idx="0">
+            <a:schemeClr val="accent1"/>
+          </a:effectRef>
+          <a:fontRef idx="minor">
+            <a:schemeClr val="lt1"/>
+          </a:fontRef>
+        </p:style>
+        <p:txBody>
+          <a:bodyPr rtlCol="0" anchor="ctr"/>
+          <a:lstStyle/>
+          <a:p>
+            <a:pPr algn="ctr"/>
+            <a:endParaRPr kumimoji="1" lang="ja-JP" altLang="en-US" sz="1200" dirty="0">
+              <a:solidFill>
+                <a:schemeClr val="tx1"/>
+              </a:solidFill>
+            </a:endParaRPr>
+          </a:p>
+        </p:txBody>
+      </p:sp>
+      <p:pic>
+        <p:nvPicPr>
+          <p:cNvPr id="7" name="図 6" descr="グラフィカル ユーザー インターフェイス, テキスト, アプリケーション&#10;&#10;AI 生成コンテンツは誤りを含む可能性があります。">
+            <a:extLst>
+              <a:ext uri="{FF2B5EF4-FFF2-40B4-BE49-F238E27FC236}">
+                <a16:creationId xmlns:a16="http://schemas.microsoft.com/office/drawing/2014/main" id="{CD3BC9A8-2C73-2419-04F2-BB15EBFAE360}"/>
+              </a:ext>
+            </a:extLst>
+          </p:cNvPr>
+          <p:cNvPicPr>
+            <a:picLocks noChangeAspect="1"/>
+          </p:cNvPicPr>
+          <p:nvPr/>
+        </p:nvPicPr>
+        <p:blipFill>
+          <a:blip r:embed="rId3"/>
+          <a:stretch>
+            <a:fillRect/>
+          </a:stretch>
+        </p:blipFill>
+        <p:spPr>
+          <a:xfrm>
+            <a:off x="4644837" y="1739348"/>
+            <a:ext cx="6985843" cy="4244009"/>
+          </a:xfrm>
+          <a:prstGeom prst="rect">
+            <a:avLst/>
+          </a:prstGeom>
+        </p:spPr>
+      </p:pic>
+    </p:spTree>
+    <p:extLst>
+      <p:ext uri="{BB962C8B-B14F-4D97-AF65-F5344CB8AC3E}">
+        <p14:creationId xmlns:p14="http://schemas.microsoft.com/office/powerpoint/2010/main" val="2868164137"/>
+      </p:ext>
+    </p:extLst>
+  </p:cSld>
+  <p:clrMapOvr>
+    <a:masterClrMapping/>
+  </p:clrMapOvr>
+</p:sld>
+</file>
+
+<file path=ppt/slides/slide26.xml><?xml version="1.0" encoding="utf-8"?>
+<p:sld xmlns:a="http://schemas.openxmlformats.org/drawingml/2006/main" xmlns:r="http://schemas.openxmlformats.org/officeDocument/2006/relationships" xmlns:p="http://schemas.openxmlformats.org/presentationml/2006/main">
+  <p:cSld>
+    <p:spTree>
+      <p:nvGrpSpPr>
+        <p:cNvPr id="1" name="">
+          <a:extLst>
+            <a:ext uri="{FF2B5EF4-FFF2-40B4-BE49-F238E27FC236}">
+              <a16:creationId xmlns:a16="http://schemas.microsoft.com/office/drawing/2014/main" id="{ED0BDFAD-2BE2-71C2-128E-2C87D489C840}"/>
+            </a:ext>
+          </a:extLst>
+        </p:cNvPr>
+        <p:cNvGrpSpPr/>
+        <p:nvPr/>
+      </p:nvGrpSpPr>
+      <p:grpSpPr>
+        <a:xfrm>
+          <a:off x="0" y="0"/>
+          <a:ext cx="0" cy="0"/>
+          <a:chOff x="0" y="0"/>
+          <a:chExt cx="0" cy="0"/>
+        </a:xfrm>
+      </p:grpSpPr>
+      <p:cxnSp>
+        <p:nvCxnSpPr>
+          <p:cNvPr id="4" name="直線コネクタ 3">
+            <a:extLst>
+              <a:ext uri="{FF2B5EF4-FFF2-40B4-BE49-F238E27FC236}">
+                <a16:creationId xmlns:a16="http://schemas.microsoft.com/office/drawing/2014/main" id="{0FB4E9FA-5A35-31E9-47B9-06FB679348D9}"/>
+              </a:ext>
+            </a:extLst>
+          </p:cNvPr>
+          <p:cNvCxnSpPr/>
+          <p:nvPr/>
+        </p:nvCxnSpPr>
+        <p:spPr>
+          <a:xfrm>
+            <a:off x="228600" y="755374"/>
+            <a:ext cx="11936896" cy="0"/>
+          </a:xfrm>
+          <a:prstGeom prst="line">
+            <a:avLst/>
+          </a:prstGeom>
+        </p:spPr>
+        <p:style>
+          <a:lnRef idx="2">
+            <a:schemeClr val="accent1"/>
+          </a:lnRef>
+          <a:fillRef idx="0">
+            <a:schemeClr val="accent1"/>
+          </a:fillRef>
+          <a:effectRef idx="1">
+            <a:schemeClr val="accent1"/>
+          </a:effectRef>
+          <a:fontRef idx="minor">
+            <a:schemeClr val="tx1"/>
+          </a:fontRef>
+        </p:style>
+      </p:cxnSp>
+      <p:sp>
+        <p:nvSpPr>
+          <p:cNvPr id="5" name="テキスト ボックス 4">
+            <a:extLst>
+              <a:ext uri="{FF2B5EF4-FFF2-40B4-BE49-F238E27FC236}">
+                <a16:creationId xmlns:a16="http://schemas.microsoft.com/office/drawing/2014/main" id="{9992EA91-58BC-F333-588F-A6D12594C398}"/>
+              </a:ext>
+            </a:extLst>
+          </p:cNvPr>
+          <p:cNvSpPr txBox="1"/>
+          <p:nvPr/>
+        </p:nvSpPr>
+        <p:spPr>
+          <a:xfrm>
+            <a:off x="407503" y="198783"/>
+            <a:ext cx="11449879" cy="369332"/>
+          </a:xfrm>
+          <a:prstGeom prst="rect">
+            <a:avLst/>
+          </a:prstGeom>
+          <a:noFill/>
+        </p:spPr>
+        <p:txBody>
+          <a:bodyPr wrap="square" rtlCol="0">
+            <a:spAutoFit/>
+          </a:bodyPr>
+          <a:lstStyle/>
+          <a:p>
+            <a:r>
+              <a:rPr lang="ja-JP" altLang="en-US" dirty="0"/>
+              <a:t>博物館編集者：招待画面</a:t>
+            </a:r>
+            <a:endParaRPr kumimoji="1" lang="ja-JP" altLang="en-US" dirty="0"/>
+          </a:p>
+        </p:txBody>
+      </p:sp>
+      <p:pic>
+        <p:nvPicPr>
+          <p:cNvPr id="6" name="図 5" descr="グラフィカル ユーザー インターフェイス, テキスト, アプリケーション, チャットまたはテキスト メッセージ&#10;&#10;AI 生成コンテンツは誤りを含む可能性があります。">
+            <a:extLst>
+              <a:ext uri="{FF2B5EF4-FFF2-40B4-BE49-F238E27FC236}">
+                <a16:creationId xmlns:a16="http://schemas.microsoft.com/office/drawing/2014/main" id="{BCB0B9EE-28B4-A36D-A20F-2C589367E3ED}"/>
+              </a:ext>
+            </a:extLst>
+          </p:cNvPr>
+          <p:cNvPicPr>
+            <a:picLocks noChangeAspect="1"/>
+          </p:cNvPicPr>
+          <p:nvPr/>
+        </p:nvPicPr>
+        <p:blipFill>
+          <a:blip r:embed="rId2"/>
+          <a:stretch>
+            <a:fillRect/>
+          </a:stretch>
+        </p:blipFill>
+        <p:spPr>
+          <a:xfrm>
+            <a:off x="1053548" y="934003"/>
+            <a:ext cx="4497147" cy="5725214"/>
+          </a:xfrm>
+          <a:prstGeom prst="rect">
+            <a:avLst/>
+          </a:prstGeom>
+        </p:spPr>
+      </p:pic>
+      <p:pic>
+        <p:nvPicPr>
+          <p:cNvPr id="12" name="図 11" descr="テキスト&#10;&#10;AI 生成コンテンツは誤りを含む可能性があります。">
+            <a:extLst>
+              <a:ext uri="{FF2B5EF4-FFF2-40B4-BE49-F238E27FC236}">
+                <a16:creationId xmlns:a16="http://schemas.microsoft.com/office/drawing/2014/main" id="{E96D3829-29C5-6405-1F9F-8347285E490E}"/>
+              </a:ext>
+            </a:extLst>
+          </p:cNvPr>
+          <p:cNvPicPr>
+            <a:picLocks noChangeAspect="1"/>
+          </p:cNvPicPr>
+          <p:nvPr/>
+        </p:nvPicPr>
+        <p:blipFill>
+          <a:blip r:embed="rId3"/>
+          <a:stretch>
+            <a:fillRect/>
+          </a:stretch>
+        </p:blipFill>
+        <p:spPr>
+          <a:xfrm>
+            <a:off x="6641307" y="3224381"/>
+            <a:ext cx="4923809" cy="2695238"/>
+          </a:xfrm>
+          <a:prstGeom prst="rect">
+            <a:avLst/>
+          </a:prstGeom>
+        </p:spPr>
+      </p:pic>
+    </p:spTree>
+    <p:extLst>
+      <p:ext uri="{BB962C8B-B14F-4D97-AF65-F5344CB8AC3E}">
+        <p14:creationId xmlns:p14="http://schemas.microsoft.com/office/powerpoint/2010/main" val="840941753"/>
+      </p:ext>
+    </p:extLst>
+  </p:cSld>
+  <p:clrMapOvr>
+    <a:masterClrMapping/>
+  </p:clrMapOvr>
+</p:sld>
+</file>
+
+<file path=ppt/slides/slide27.xml><?xml version="1.0" encoding="utf-8"?>
+<p:sld xmlns:a="http://schemas.openxmlformats.org/drawingml/2006/main" xmlns:r="http://schemas.openxmlformats.org/officeDocument/2006/relationships" xmlns:p="http://schemas.openxmlformats.org/presentationml/2006/main">
+  <p:cSld>
+    <p:spTree>
+      <p:nvGrpSpPr>
+        <p:cNvPr id="1" name="">
+          <a:extLst>
+            <a:ext uri="{FF2B5EF4-FFF2-40B4-BE49-F238E27FC236}">
+              <a16:creationId xmlns:a16="http://schemas.microsoft.com/office/drawing/2014/main" id="{60B40DB8-5775-9CA6-ED2F-27853DABCBDF}"/>
+            </a:ext>
+          </a:extLst>
+        </p:cNvPr>
+        <p:cNvGrpSpPr/>
+        <p:nvPr/>
+      </p:nvGrpSpPr>
+      <p:grpSpPr>
+        <a:xfrm>
+          <a:off x="0" y="0"/>
+          <a:ext cx="0" cy="0"/>
+          <a:chOff x="0" y="0"/>
+          <a:chExt cx="0" cy="0"/>
+        </a:xfrm>
+      </p:grpSpPr>
+      <p:cxnSp>
+        <p:nvCxnSpPr>
+          <p:cNvPr id="4" name="直線コネクタ 3">
+            <a:extLst>
+              <a:ext uri="{FF2B5EF4-FFF2-40B4-BE49-F238E27FC236}">
+                <a16:creationId xmlns:a16="http://schemas.microsoft.com/office/drawing/2014/main" id="{7E408DC7-C2CB-2063-54DD-E931B84FE4CD}"/>
+              </a:ext>
+            </a:extLst>
+          </p:cNvPr>
+          <p:cNvCxnSpPr/>
+          <p:nvPr/>
+        </p:nvCxnSpPr>
+        <p:spPr>
+          <a:xfrm>
+            <a:off x="228600" y="755374"/>
+            <a:ext cx="11936896" cy="0"/>
+          </a:xfrm>
+          <a:prstGeom prst="line">
+            <a:avLst/>
+          </a:prstGeom>
+        </p:spPr>
+        <p:style>
+          <a:lnRef idx="2">
+            <a:schemeClr val="accent1"/>
+          </a:lnRef>
+          <a:fillRef idx="0">
+            <a:schemeClr val="accent1"/>
+          </a:fillRef>
+          <a:effectRef idx="1">
+            <a:schemeClr val="accent1"/>
+          </a:effectRef>
+          <a:fontRef idx="minor">
+            <a:schemeClr val="tx1"/>
+          </a:fontRef>
+        </p:style>
+      </p:cxnSp>
+      <p:sp>
+        <p:nvSpPr>
+          <p:cNvPr id="5" name="テキスト ボックス 4">
+            <a:extLst>
+              <a:ext uri="{FF2B5EF4-FFF2-40B4-BE49-F238E27FC236}">
+                <a16:creationId xmlns:a16="http://schemas.microsoft.com/office/drawing/2014/main" id="{6A52A1F0-16CE-31BD-2739-CFB84084901A}"/>
+              </a:ext>
+            </a:extLst>
+          </p:cNvPr>
+          <p:cNvSpPr txBox="1"/>
+          <p:nvPr/>
+        </p:nvSpPr>
+        <p:spPr>
+          <a:xfrm>
+            <a:off x="407503" y="198783"/>
+            <a:ext cx="11449879" cy="369332"/>
+          </a:xfrm>
+          <a:prstGeom prst="rect">
+            <a:avLst/>
+          </a:prstGeom>
+          <a:noFill/>
+        </p:spPr>
+        <p:txBody>
+          <a:bodyPr wrap="square" rtlCol="0">
+            <a:spAutoFit/>
+          </a:bodyPr>
+          <a:lstStyle/>
+          <a:p>
+            <a:r>
+              <a:rPr lang="ja-JP" altLang="en-US" dirty="0"/>
+              <a:t>博物館編集者：アカウント設定完了メール</a:t>
+            </a:r>
+            <a:endParaRPr kumimoji="1" lang="ja-JP" altLang="en-US" dirty="0"/>
+          </a:p>
+        </p:txBody>
+      </p:sp>
+      <p:pic>
+        <p:nvPicPr>
+          <p:cNvPr id="3" name="図 2" descr="グラフィカル ユーザー インターフェイス, テキスト, アプリケーション, メール&#10;&#10;AI 生成コンテンツは誤りを含む可能性があります。">
+            <a:extLst>
+              <a:ext uri="{FF2B5EF4-FFF2-40B4-BE49-F238E27FC236}">
+                <a16:creationId xmlns:a16="http://schemas.microsoft.com/office/drawing/2014/main" id="{232AD0E4-0E44-B1CB-134F-A43BF9E53BA2}"/>
+              </a:ext>
+            </a:extLst>
+          </p:cNvPr>
+          <p:cNvPicPr>
+            <a:picLocks noChangeAspect="1"/>
+          </p:cNvPicPr>
+          <p:nvPr/>
+        </p:nvPicPr>
+        <p:blipFill>
+          <a:blip r:embed="rId2"/>
+          <a:stretch>
+            <a:fillRect/>
+          </a:stretch>
+        </p:blipFill>
+        <p:spPr>
+          <a:xfrm>
+            <a:off x="572491" y="1309952"/>
+            <a:ext cx="9238095" cy="4238095"/>
+          </a:xfrm>
+          <a:prstGeom prst="rect">
+            <a:avLst/>
+          </a:prstGeom>
+        </p:spPr>
+      </p:pic>
+      <p:sp>
+        <p:nvSpPr>
+          <p:cNvPr id="7" name="テキスト ボックス 6">
+            <a:extLst>
+              <a:ext uri="{FF2B5EF4-FFF2-40B4-BE49-F238E27FC236}">
+                <a16:creationId xmlns:a16="http://schemas.microsoft.com/office/drawing/2014/main" id="{C3B1D321-5D39-1662-F8B2-9D4C9341FD7C}"/>
+              </a:ext>
+            </a:extLst>
+          </p:cNvPr>
+          <p:cNvSpPr txBox="1"/>
+          <p:nvPr/>
+        </p:nvSpPr>
+        <p:spPr>
+          <a:xfrm>
+            <a:off x="1441174" y="5993296"/>
+            <a:ext cx="8806069" cy="369332"/>
+          </a:xfrm>
+          <a:prstGeom prst="rect">
+            <a:avLst/>
+          </a:prstGeom>
+          <a:noFill/>
+        </p:spPr>
+        <p:txBody>
+          <a:bodyPr wrap="square" rtlCol="0">
+            <a:spAutoFit/>
+          </a:bodyPr>
+          <a:lstStyle/>
+          <a:p>
+            <a:r>
+              <a:rPr kumimoji="1" lang="ja-JP" altLang="en-US" dirty="0"/>
+              <a:t>メールに記載された</a:t>
+            </a:r>
+            <a:r>
+              <a:rPr kumimoji="1" lang="en-US" altLang="ja-JP" dirty="0"/>
+              <a:t>URL</a:t>
+            </a:r>
+            <a:r>
+              <a:rPr kumimoji="1" lang="ja-JP" altLang="en-US" dirty="0"/>
+              <a:t>で自分用のページに入る</a:t>
+            </a:r>
+          </a:p>
+        </p:txBody>
+      </p:sp>
+    </p:spTree>
+    <p:extLst>
+      <p:ext uri="{BB962C8B-B14F-4D97-AF65-F5344CB8AC3E}">
+        <p14:creationId xmlns:p14="http://schemas.microsoft.com/office/powerpoint/2010/main" val="632783655"/>
+      </p:ext>
+    </p:extLst>
+  </p:cSld>
+  <p:clrMapOvr>
+    <a:masterClrMapping/>
+  </p:clrMapOvr>
+</p:sld>
+</file>
+
+<file path=ppt/slides/slide28.xml><?xml version="1.0" encoding="utf-8"?>
+<p:sld xmlns:a="http://schemas.openxmlformats.org/drawingml/2006/main" xmlns:r="http://schemas.openxmlformats.org/officeDocument/2006/relationships" xmlns:p="http://schemas.openxmlformats.org/presentationml/2006/main">
+  <p:cSld>
+    <p:spTree>
+      <p:nvGrpSpPr>
+        <p:cNvPr id="1" name="">
+          <a:extLst>
+            <a:ext uri="{FF2B5EF4-FFF2-40B4-BE49-F238E27FC236}">
+              <a16:creationId xmlns:a16="http://schemas.microsoft.com/office/drawing/2014/main" id="{4FC77037-DFF9-10BC-00C5-18E8D1CB7F33}"/>
+            </a:ext>
+          </a:extLst>
+        </p:cNvPr>
+        <p:cNvGrpSpPr/>
+        <p:nvPr/>
+      </p:nvGrpSpPr>
+      <p:grpSpPr>
+        <a:xfrm>
+          <a:off x="0" y="0"/>
+          <a:ext cx="0" cy="0"/>
+          <a:chOff x="0" y="0"/>
+          <a:chExt cx="0" cy="0"/>
+        </a:xfrm>
+      </p:grpSpPr>
+      <p:cxnSp>
+        <p:nvCxnSpPr>
+          <p:cNvPr id="4" name="直線コネクタ 3">
+            <a:extLst>
+              <a:ext uri="{FF2B5EF4-FFF2-40B4-BE49-F238E27FC236}">
+                <a16:creationId xmlns:a16="http://schemas.microsoft.com/office/drawing/2014/main" id="{9B07F59D-7BDF-7FE1-9682-BB823882C31B}"/>
+              </a:ext>
+            </a:extLst>
+          </p:cNvPr>
+          <p:cNvCxnSpPr/>
+          <p:nvPr/>
+        </p:nvCxnSpPr>
+        <p:spPr>
+          <a:xfrm>
+            <a:off x="228600" y="755374"/>
+            <a:ext cx="11936896" cy="0"/>
+          </a:xfrm>
+          <a:prstGeom prst="line">
+            <a:avLst/>
+          </a:prstGeom>
+        </p:spPr>
+        <p:style>
+          <a:lnRef idx="2">
+            <a:schemeClr val="accent1"/>
+          </a:lnRef>
+          <a:fillRef idx="0">
+            <a:schemeClr val="accent1"/>
+          </a:fillRef>
+          <a:effectRef idx="1">
+            <a:schemeClr val="accent1"/>
+          </a:effectRef>
+          <a:fontRef idx="minor">
+            <a:schemeClr val="tx1"/>
+          </a:fontRef>
+        </p:style>
+      </p:cxnSp>
+      <p:sp>
+        <p:nvSpPr>
+          <p:cNvPr id="5" name="テキスト ボックス 4">
+            <a:extLst>
+              <a:ext uri="{FF2B5EF4-FFF2-40B4-BE49-F238E27FC236}">
+                <a16:creationId xmlns:a16="http://schemas.microsoft.com/office/drawing/2014/main" id="{FE7794BD-2A13-F37F-CCE1-BD4837A43E8A}"/>
+              </a:ext>
+            </a:extLst>
+          </p:cNvPr>
+          <p:cNvSpPr txBox="1"/>
+          <p:nvPr/>
+        </p:nvSpPr>
+        <p:spPr>
+          <a:xfrm>
+            <a:off x="407503" y="198783"/>
+            <a:ext cx="11449879" cy="369332"/>
+          </a:xfrm>
+          <a:prstGeom prst="rect">
+            <a:avLst/>
+          </a:prstGeom>
+          <a:noFill/>
+        </p:spPr>
+        <p:txBody>
+          <a:bodyPr wrap="square" rtlCol="0">
+            <a:spAutoFit/>
+          </a:bodyPr>
+          <a:lstStyle/>
+          <a:p>
+            <a:r>
+              <a:rPr lang="ja-JP" altLang="en-US" dirty="0"/>
+              <a:t>博物館編集者：担当博物館一覧</a:t>
+            </a:r>
+            <a:endParaRPr kumimoji="1" lang="ja-JP" altLang="en-US" dirty="0"/>
+          </a:p>
+        </p:txBody>
+      </p:sp>
+      <p:pic>
+        <p:nvPicPr>
+          <p:cNvPr id="3" name="図 2" descr="グラフィカル ユーザー インターフェイス, テキスト, アプリケーション, チャットまたはテキスト メッセージ&#10;&#10;AI 生成コンテンツは誤りを含む可能性があります。">
+            <a:extLst>
+              <a:ext uri="{FF2B5EF4-FFF2-40B4-BE49-F238E27FC236}">
+                <a16:creationId xmlns:a16="http://schemas.microsoft.com/office/drawing/2014/main" id="{62EFCFCC-95F8-AFD5-AB3F-422EB449AACA}"/>
+              </a:ext>
+            </a:extLst>
+          </p:cNvPr>
+          <p:cNvPicPr>
+            <a:picLocks noChangeAspect="1"/>
+          </p:cNvPicPr>
+          <p:nvPr/>
+        </p:nvPicPr>
+        <p:blipFill>
+          <a:blip r:embed="rId2"/>
+          <a:stretch>
+            <a:fillRect/>
+          </a:stretch>
+        </p:blipFill>
+        <p:spPr>
+          <a:xfrm>
+            <a:off x="6982278" y="1126673"/>
+            <a:ext cx="3952381" cy="3809524"/>
+          </a:xfrm>
+          <a:prstGeom prst="rect">
+            <a:avLst/>
+          </a:prstGeom>
+        </p:spPr>
+      </p:pic>
+      <p:pic>
+        <p:nvPicPr>
+          <p:cNvPr id="7" name="図 6" descr="グラフィカル ユーザー インターフェイス, テキスト, アプリケーション, チャットまたはテキスト メッセージ&#10;&#10;AI 生成コンテンツは誤りを含む可能性があります。">
+            <a:extLst>
+              <a:ext uri="{FF2B5EF4-FFF2-40B4-BE49-F238E27FC236}">
+                <a16:creationId xmlns:a16="http://schemas.microsoft.com/office/drawing/2014/main" id="{B72B316E-BC17-C8C4-BD42-1853E10107EB}"/>
+              </a:ext>
+            </a:extLst>
+          </p:cNvPr>
+          <p:cNvPicPr>
+            <a:picLocks noChangeAspect="1"/>
+          </p:cNvPicPr>
+          <p:nvPr/>
+        </p:nvPicPr>
+        <p:blipFill>
+          <a:blip r:embed="rId3"/>
+          <a:stretch>
+            <a:fillRect/>
+          </a:stretch>
+        </p:blipFill>
+        <p:spPr>
+          <a:xfrm>
+            <a:off x="880068" y="1164768"/>
+            <a:ext cx="3971429" cy="3771429"/>
+          </a:xfrm>
+          <a:prstGeom prst="rect">
+            <a:avLst/>
+          </a:prstGeom>
+        </p:spPr>
+      </p:pic>
+    </p:spTree>
+    <p:extLst>
+      <p:ext uri="{BB962C8B-B14F-4D97-AF65-F5344CB8AC3E}">
+        <p14:creationId xmlns:p14="http://schemas.microsoft.com/office/powerpoint/2010/main" val="3809674116"/>
+      </p:ext>
+    </p:extLst>
+  </p:cSld>
+  <p:clrMapOvr>
+    <a:masterClrMapping/>
+  </p:clrMapOvr>
+</p:sld>
+</file>
+
+<file path=ppt/slides/slide29.xml><?xml version="1.0" encoding="utf-8"?>
+<p:sld xmlns:a="http://schemas.openxmlformats.org/drawingml/2006/main" xmlns:r="http://schemas.openxmlformats.org/officeDocument/2006/relationships" xmlns:p="http://schemas.openxmlformats.org/presentationml/2006/main">
+  <p:cSld>
+    <p:spTree>
+      <p:nvGrpSpPr>
         <p:cNvPr id="1" name=""/>
         <p:cNvGrpSpPr/>
         <p:nvPr/>
@@ -6316,7 +7675,736 @@
 </p:sld>
 </file>
 
-<file path=ppt/slides/slide22.xml><?xml version="1.0" encoding="utf-8"?>
+<file path=ppt/slides/slide3.xml><?xml version="1.0" encoding="utf-8"?>
+<p:sld xmlns:a="http://schemas.openxmlformats.org/drawingml/2006/main" xmlns:r="http://schemas.openxmlformats.org/officeDocument/2006/relationships" xmlns:p="http://schemas.openxmlformats.org/presentationml/2006/main">
+  <p:cSld>
+    <p:spTree>
+      <p:nvGrpSpPr>
+        <p:cNvPr id="1" name=""/>
+        <p:cNvGrpSpPr/>
+        <p:nvPr/>
+      </p:nvGrpSpPr>
+      <p:grpSpPr>
+        <a:xfrm>
+          <a:off x="0" y="0"/>
+          <a:ext cx="0" cy="0"/>
+          <a:chOff x="0" y="0"/>
+          <a:chExt cx="0" cy="0"/>
+        </a:xfrm>
+      </p:grpSpPr>
+      <p:cxnSp>
+        <p:nvCxnSpPr>
+          <p:cNvPr id="4" name="直線コネクタ 3">
+            <a:extLst>
+              <a:ext uri="{FF2B5EF4-FFF2-40B4-BE49-F238E27FC236}">
+                <a16:creationId xmlns:a16="http://schemas.microsoft.com/office/drawing/2014/main" id="{3DC5C270-0C95-7AD0-3877-B4EFF61B809E}"/>
+              </a:ext>
+            </a:extLst>
+          </p:cNvPr>
+          <p:cNvCxnSpPr/>
+          <p:nvPr/>
+        </p:nvCxnSpPr>
+        <p:spPr>
+          <a:xfrm>
+            <a:off x="228600" y="755374"/>
+            <a:ext cx="11936896" cy="0"/>
+          </a:xfrm>
+          <a:prstGeom prst="line">
+            <a:avLst/>
+          </a:prstGeom>
+        </p:spPr>
+        <p:style>
+          <a:lnRef idx="2">
+            <a:schemeClr val="accent1"/>
+          </a:lnRef>
+          <a:fillRef idx="0">
+            <a:schemeClr val="accent1"/>
+          </a:fillRef>
+          <a:effectRef idx="1">
+            <a:schemeClr val="accent1"/>
+          </a:effectRef>
+          <a:fontRef idx="minor">
+            <a:schemeClr val="tx1"/>
+          </a:fontRef>
+        </p:style>
+      </p:cxnSp>
+      <p:sp>
+        <p:nvSpPr>
+          <p:cNvPr id="5" name="テキスト ボックス 4">
+            <a:extLst>
+              <a:ext uri="{FF2B5EF4-FFF2-40B4-BE49-F238E27FC236}">
+                <a16:creationId xmlns:a16="http://schemas.microsoft.com/office/drawing/2014/main" id="{3071577A-4021-4AF3-8AE8-98BBB0446C6C}"/>
+              </a:ext>
+            </a:extLst>
+          </p:cNvPr>
+          <p:cNvSpPr txBox="1"/>
+          <p:nvPr/>
+        </p:nvSpPr>
+        <p:spPr>
+          <a:xfrm>
+            <a:off x="407504" y="198783"/>
+            <a:ext cx="3796748" cy="369332"/>
+          </a:xfrm>
+          <a:prstGeom prst="rect">
+            <a:avLst/>
+          </a:prstGeom>
+          <a:noFill/>
+        </p:spPr>
+        <p:txBody>
+          <a:bodyPr wrap="square" rtlCol="0">
+            <a:spAutoFit/>
+          </a:bodyPr>
+          <a:lstStyle/>
+          <a:p>
+            <a:r>
+              <a:rPr kumimoji="1" lang="ja-JP" altLang="en-US" dirty="0"/>
+              <a:t>画面遷移（利用者）</a:t>
+            </a:r>
+          </a:p>
+        </p:txBody>
+      </p:sp>
+      <p:sp>
+        <p:nvSpPr>
+          <p:cNvPr id="8" name="正方形/長方形 7">
+            <a:extLst>
+              <a:ext uri="{FF2B5EF4-FFF2-40B4-BE49-F238E27FC236}">
+                <a16:creationId xmlns:a16="http://schemas.microsoft.com/office/drawing/2014/main" id="{F16CD204-11BE-725A-F2EF-133B704BB4A8}"/>
+              </a:ext>
+            </a:extLst>
+          </p:cNvPr>
+          <p:cNvSpPr/>
+          <p:nvPr/>
+        </p:nvSpPr>
+        <p:spPr>
+          <a:xfrm>
+            <a:off x="834937" y="1406892"/>
+            <a:ext cx="1078396" cy="276999"/>
+          </a:xfrm>
+          <a:prstGeom prst="rect">
+            <a:avLst/>
+          </a:prstGeom>
+          <a:noFill/>
+        </p:spPr>
+        <p:style>
+          <a:lnRef idx="2">
+            <a:schemeClr val="accent1">
+              <a:shade val="15000"/>
+            </a:schemeClr>
+          </a:lnRef>
+          <a:fillRef idx="1">
+            <a:schemeClr val="accent1"/>
+          </a:fillRef>
+          <a:effectRef idx="0">
+            <a:schemeClr val="accent1"/>
+          </a:effectRef>
+          <a:fontRef idx="minor">
+            <a:schemeClr val="lt1"/>
+          </a:fontRef>
+        </p:style>
+        <p:txBody>
+          <a:bodyPr rtlCol="0" anchor="ctr"/>
+          <a:lstStyle/>
+          <a:p>
+            <a:pPr algn="ctr"/>
+            <a:r>
+              <a:rPr kumimoji="1" lang="ja-JP" altLang="en-US" sz="1200" dirty="0">
+                <a:solidFill>
+                  <a:schemeClr val="tx1"/>
+                </a:solidFill>
+              </a:rPr>
+              <a:t>○○博物館</a:t>
+            </a:r>
+          </a:p>
+        </p:txBody>
+      </p:sp>
+      <p:sp>
+        <p:nvSpPr>
+          <p:cNvPr id="10" name="正方形/長方形 9">
+            <a:extLst>
+              <a:ext uri="{FF2B5EF4-FFF2-40B4-BE49-F238E27FC236}">
+                <a16:creationId xmlns:a16="http://schemas.microsoft.com/office/drawing/2014/main" id="{9B62A116-0DB9-425D-A572-A25AFB61C7EC}"/>
+              </a:ext>
+            </a:extLst>
+          </p:cNvPr>
+          <p:cNvSpPr/>
+          <p:nvPr/>
+        </p:nvSpPr>
+        <p:spPr>
+          <a:xfrm>
+            <a:off x="834937" y="1798192"/>
+            <a:ext cx="1078396" cy="276999"/>
+          </a:xfrm>
+          <a:prstGeom prst="rect">
+            <a:avLst/>
+          </a:prstGeom>
+          <a:noFill/>
+        </p:spPr>
+        <p:style>
+          <a:lnRef idx="2">
+            <a:schemeClr val="accent1">
+              <a:shade val="15000"/>
+            </a:schemeClr>
+          </a:lnRef>
+          <a:fillRef idx="1">
+            <a:schemeClr val="accent1"/>
+          </a:fillRef>
+          <a:effectRef idx="0">
+            <a:schemeClr val="accent1"/>
+          </a:effectRef>
+          <a:fontRef idx="minor">
+            <a:schemeClr val="lt1"/>
+          </a:fontRef>
+        </p:style>
+        <p:txBody>
+          <a:bodyPr rtlCol="0" anchor="ctr"/>
+          <a:lstStyle/>
+          <a:p>
+            <a:pPr algn="ctr"/>
+            <a:r>
+              <a:rPr kumimoji="1" lang="en-US" altLang="ja-JP" sz="1200" dirty="0">
+                <a:solidFill>
+                  <a:schemeClr val="tx1"/>
+                </a:solidFill>
+              </a:rPr>
+              <a:t>××</a:t>
+            </a:r>
+            <a:r>
+              <a:rPr kumimoji="1" lang="ja-JP" altLang="en-US" sz="1200" dirty="0">
+                <a:solidFill>
+                  <a:schemeClr val="tx1"/>
+                </a:solidFill>
+              </a:rPr>
+              <a:t>博物館</a:t>
+            </a:r>
+          </a:p>
+        </p:txBody>
+      </p:sp>
+      <p:sp>
+        <p:nvSpPr>
+          <p:cNvPr id="11" name="正方形/長方形 10">
+            <a:extLst>
+              <a:ext uri="{FF2B5EF4-FFF2-40B4-BE49-F238E27FC236}">
+                <a16:creationId xmlns:a16="http://schemas.microsoft.com/office/drawing/2014/main" id="{B835FD68-B3DB-BF38-BF2E-1892F45107C2}"/>
+              </a:ext>
+            </a:extLst>
+          </p:cNvPr>
+          <p:cNvSpPr/>
+          <p:nvPr/>
+        </p:nvSpPr>
+        <p:spPr>
+          <a:xfrm>
+            <a:off x="735497" y="1294177"/>
+            <a:ext cx="1321904" cy="1001759"/>
+          </a:xfrm>
+          <a:prstGeom prst="rect">
+            <a:avLst/>
+          </a:prstGeom>
+          <a:noFill/>
+        </p:spPr>
+        <p:style>
+          <a:lnRef idx="2">
+            <a:schemeClr val="accent1">
+              <a:shade val="15000"/>
+            </a:schemeClr>
+          </a:lnRef>
+          <a:fillRef idx="1">
+            <a:schemeClr val="accent1"/>
+          </a:fillRef>
+          <a:effectRef idx="0">
+            <a:schemeClr val="accent1"/>
+          </a:effectRef>
+          <a:fontRef idx="minor">
+            <a:schemeClr val="lt1"/>
+          </a:fontRef>
+        </p:style>
+        <p:txBody>
+          <a:bodyPr rtlCol="0" anchor="ctr"/>
+          <a:lstStyle/>
+          <a:p>
+            <a:pPr algn="ctr"/>
+            <a:endParaRPr kumimoji="1" lang="ja-JP" altLang="en-US" sz="1200" dirty="0">
+              <a:solidFill>
+                <a:schemeClr val="tx1"/>
+              </a:solidFill>
+            </a:endParaRPr>
+          </a:p>
+        </p:txBody>
+      </p:sp>
+      <p:sp>
+        <p:nvSpPr>
+          <p:cNvPr id="12" name="テキスト ボックス 11">
+            <a:extLst>
+              <a:ext uri="{FF2B5EF4-FFF2-40B4-BE49-F238E27FC236}">
+                <a16:creationId xmlns:a16="http://schemas.microsoft.com/office/drawing/2014/main" id="{0A254587-B090-1CCB-EE31-DC5EB4EBEE6D}"/>
+              </a:ext>
+            </a:extLst>
+          </p:cNvPr>
+          <p:cNvSpPr txBox="1"/>
+          <p:nvPr/>
+        </p:nvSpPr>
+        <p:spPr>
+          <a:xfrm>
+            <a:off x="705679" y="868090"/>
+            <a:ext cx="1381539" cy="276999"/>
+          </a:xfrm>
+          <a:prstGeom prst="rect">
+            <a:avLst/>
+          </a:prstGeom>
+          <a:noFill/>
+        </p:spPr>
+        <p:txBody>
+          <a:bodyPr wrap="square" rtlCol="0">
+            <a:spAutoFit/>
+          </a:bodyPr>
+          <a:lstStyle/>
+          <a:p>
+            <a:r>
+              <a:rPr kumimoji="1" lang="ja-JP" altLang="en-US" sz="1200" dirty="0"/>
+              <a:t>博物館選択画面</a:t>
+            </a:r>
+          </a:p>
+        </p:txBody>
+      </p:sp>
+      <p:sp>
+        <p:nvSpPr>
+          <p:cNvPr id="13" name="正方形/長方形 12">
+            <a:extLst>
+              <a:ext uri="{FF2B5EF4-FFF2-40B4-BE49-F238E27FC236}">
+                <a16:creationId xmlns:a16="http://schemas.microsoft.com/office/drawing/2014/main" id="{948EA15D-E23D-B168-08F6-B854C67715D7}"/>
+              </a:ext>
+            </a:extLst>
+          </p:cNvPr>
+          <p:cNvSpPr/>
+          <p:nvPr/>
+        </p:nvSpPr>
+        <p:spPr>
+          <a:xfrm>
+            <a:off x="2877429" y="1294177"/>
+            <a:ext cx="1321904" cy="504015"/>
+          </a:xfrm>
+          <a:prstGeom prst="rect">
+            <a:avLst/>
+          </a:prstGeom>
+          <a:noFill/>
+        </p:spPr>
+        <p:style>
+          <a:lnRef idx="2">
+            <a:schemeClr val="accent1">
+              <a:shade val="15000"/>
+            </a:schemeClr>
+          </a:lnRef>
+          <a:fillRef idx="1">
+            <a:schemeClr val="accent1"/>
+          </a:fillRef>
+          <a:effectRef idx="0">
+            <a:schemeClr val="accent1"/>
+          </a:effectRef>
+          <a:fontRef idx="minor">
+            <a:schemeClr val="lt1"/>
+          </a:fontRef>
+        </p:style>
+        <p:txBody>
+          <a:bodyPr rtlCol="0" anchor="ctr"/>
+          <a:lstStyle/>
+          <a:p>
+            <a:pPr algn="ctr"/>
+            <a:endParaRPr kumimoji="1" lang="ja-JP" altLang="en-US" sz="1200" dirty="0">
+              <a:solidFill>
+                <a:schemeClr val="tx1"/>
+              </a:solidFill>
+            </a:endParaRPr>
+          </a:p>
+        </p:txBody>
+      </p:sp>
+      <p:sp>
+        <p:nvSpPr>
+          <p:cNvPr id="14" name="テキスト ボックス 13">
+            <a:extLst>
+              <a:ext uri="{FF2B5EF4-FFF2-40B4-BE49-F238E27FC236}">
+                <a16:creationId xmlns:a16="http://schemas.microsoft.com/office/drawing/2014/main" id="{6540F72F-1C4C-1305-CE3C-DF12F1F80A54}"/>
+              </a:ext>
+            </a:extLst>
+          </p:cNvPr>
+          <p:cNvSpPr txBox="1"/>
+          <p:nvPr/>
+        </p:nvSpPr>
+        <p:spPr>
+          <a:xfrm>
+            <a:off x="2673627" y="942634"/>
+            <a:ext cx="2007704" cy="276999"/>
+          </a:xfrm>
+          <a:prstGeom prst="rect">
+            <a:avLst/>
+          </a:prstGeom>
+          <a:noFill/>
+        </p:spPr>
+        <p:txBody>
+          <a:bodyPr wrap="square" rtlCol="0">
+            <a:spAutoFit/>
+          </a:bodyPr>
+          <a:lstStyle/>
+          <a:p>
+            <a:r>
+              <a:rPr kumimoji="1" lang="ja-JP" altLang="en-US" sz="1200" dirty="0"/>
+              <a:t>○○博物館トップ画面</a:t>
+            </a:r>
+          </a:p>
+        </p:txBody>
+      </p:sp>
+      <p:cxnSp>
+        <p:nvCxnSpPr>
+          <p:cNvPr id="16" name="コネクタ: カギ線 15">
+            <a:extLst>
+              <a:ext uri="{FF2B5EF4-FFF2-40B4-BE49-F238E27FC236}">
+                <a16:creationId xmlns:a16="http://schemas.microsoft.com/office/drawing/2014/main" id="{1831295B-E33B-B4DC-1F32-614FEC87F46A}"/>
+              </a:ext>
+            </a:extLst>
+          </p:cNvPr>
+          <p:cNvCxnSpPr>
+            <a:cxnSpLocks/>
+            <a:stCxn id="8" idx="3"/>
+            <a:endCxn id="13" idx="1"/>
+          </p:cNvCxnSpPr>
+          <p:nvPr/>
+        </p:nvCxnSpPr>
+        <p:spPr>
+          <a:xfrm>
+            <a:off x="1913333" y="1545392"/>
+            <a:ext cx="964096" cy="793"/>
+          </a:xfrm>
+          <a:prstGeom prst="bentConnector3">
+            <a:avLst/>
+          </a:prstGeom>
+          <a:ln>
+            <a:tailEnd type="triangle"/>
+          </a:ln>
+        </p:spPr>
+        <p:style>
+          <a:lnRef idx="2">
+            <a:schemeClr val="accent1"/>
+          </a:lnRef>
+          <a:fillRef idx="0">
+            <a:schemeClr val="accent1"/>
+          </a:fillRef>
+          <a:effectRef idx="1">
+            <a:schemeClr val="accent1"/>
+          </a:effectRef>
+          <a:fontRef idx="minor">
+            <a:schemeClr val="tx1"/>
+          </a:fontRef>
+        </p:style>
+      </p:cxnSp>
+      <p:pic>
+        <p:nvPicPr>
+          <p:cNvPr id="17" name="Picture 2" descr="QRコード作成【ずっと無料・無制限】／QRのススメ">
+            <a:extLst>
+              <a:ext uri="{FF2B5EF4-FFF2-40B4-BE49-F238E27FC236}">
+                <a16:creationId xmlns:a16="http://schemas.microsoft.com/office/drawing/2014/main" id="{2EA55849-B200-F577-FA21-07508D526015}"/>
+              </a:ext>
+            </a:extLst>
+          </p:cNvPr>
+          <p:cNvPicPr>
+            <a:picLocks noChangeAspect="1" noChangeArrowheads="1"/>
+          </p:cNvPicPr>
+          <p:nvPr/>
+        </p:nvPicPr>
+        <p:blipFill>
+          <a:blip r:embed="rId2">
+            <a:extLst>
+              <a:ext uri="{28A0092B-C50C-407E-A947-70E740481C1C}">
+                <a14:useLocalDpi xmlns:a14="http://schemas.microsoft.com/office/drawing/2010/main" val="0"/>
+              </a:ext>
+            </a:extLst>
+          </a:blip>
+          <a:srcRect/>
+          <a:stretch>
+            <a:fillRect/>
+          </a:stretch>
+        </p:blipFill>
+        <p:spPr bwMode="auto">
+          <a:xfrm>
+            <a:off x="1554286" y="2487397"/>
+            <a:ext cx="443789" cy="417683"/>
+          </a:xfrm>
+          <a:prstGeom prst="rect">
+            <a:avLst/>
+          </a:prstGeom>
+          <a:noFill/>
+          <a:extLst>
+            <a:ext uri="{909E8E84-426E-40DD-AFC4-6F175D3DCCD1}">
+              <a14:hiddenFill xmlns:a14="http://schemas.microsoft.com/office/drawing/2010/main">
+                <a:solidFill>
+                  <a:srgbClr val="FFFFFF"/>
+                </a:solidFill>
+              </a14:hiddenFill>
+            </a:ext>
+          </a:extLst>
+        </p:spPr>
+      </p:pic>
+      <p:pic>
+        <p:nvPicPr>
+          <p:cNvPr id="18" name="図 17">
+            <a:extLst>
+              <a:ext uri="{FF2B5EF4-FFF2-40B4-BE49-F238E27FC236}">
+                <a16:creationId xmlns:a16="http://schemas.microsoft.com/office/drawing/2014/main" id="{1944A5FB-EEE5-08C2-3264-D376A85340F5}"/>
+              </a:ext>
+            </a:extLst>
+          </p:cNvPr>
+          <p:cNvPicPr>
+            <a:picLocks noChangeAspect="1"/>
+          </p:cNvPicPr>
+          <p:nvPr/>
+        </p:nvPicPr>
+        <p:blipFill>
+          <a:blip r:embed="rId3"/>
+          <a:stretch>
+            <a:fillRect/>
+          </a:stretch>
+        </p:blipFill>
+        <p:spPr>
+          <a:xfrm flipH="1">
+            <a:off x="522218" y="2445024"/>
+            <a:ext cx="1088230" cy="1088230"/>
+          </a:xfrm>
+          <a:prstGeom prst="rect">
+            <a:avLst/>
+          </a:prstGeom>
+        </p:spPr>
+      </p:pic>
+      <p:cxnSp>
+        <p:nvCxnSpPr>
+          <p:cNvPr id="19" name="コネクタ: カギ線 18">
+            <a:extLst>
+              <a:ext uri="{FF2B5EF4-FFF2-40B4-BE49-F238E27FC236}">
+                <a16:creationId xmlns:a16="http://schemas.microsoft.com/office/drawing/2014/main" id="{35BB434B-76AF-7F8A-D6F3-AB0DF26AC757}"/>
+              </a:ext>
+            </a:extLst>
+          </p:cNvPr>
+          <p:cNvCxnSpPr>
+            <a:cxnSpLocks/>
+            <a:stCxn id="18" idx="1"/>
+            <a:endCxn id="13" idx="2"/>
+          </p:cNvCxnSpPr>
+          <p:nvPr/>
+        </p:nvCxnSpPr>
+        <p:spPr>
+          <a:xfrm flipV="1">
+            <a:off x="1610448" y="1798192"/>
+            <a:ext cx="1927933" cy="1190947"/>
+          </a:xfrm>
+          <a:prstGeom prst="bentConnector2">
+            <a:avLst/>
+          </a:prstGeom>
+          <a:ln>
+            <a:tailEnd type="triangle"/>
+          </a:ln>
+        </p:spPr>
+        <p:style>
+          <a:lnRef idx="2">
+            <a:schemeClr val="accent1"/>
+          </a:lnRef>
+          <a:fillRef idx="0">
+            <a:schemeClr val="accent1"/>
+          </a:fillRef>
+          <a:effectRef idx="1">
+            <a:schemeClr val="accent1"/>
+          </a:effectRef>
+          <a:fontRef idx="minor">
+            <a:schemeClr val="tx1"/>
+          </a:fontRef>
+        </p:style>
+      </p:cxnSp>
+      <p:sp>
+        <p:nvSpPr>
+          <p:cNvPr id="22" name="テキスト ボックス 21">
+            <a:extLst>
+              <a:ext uri="{FF2B5EF4-FFF2-40B4-BE49-F238E27FC236}">
+                <a16:creationId xmlns:a16="http://schemas.microsoft.com/office/drawing/2014/main" id="{9B58A4AC-9090-2ED9-8FD3-021EED052282}"/>
+              </a:ext>
+            </a:extLst>
+          </p:cNvPr>
+          <p:cNvSpPr txBox="1"/>
+          <p:nvPr/>
+        </p:nvSpPr>
+        <p:spPr>
+          <a:xfrm>
+            <a:off x="1396448" y="3050374"/>
+            <a:ext cx="1838739" cy="646331"/>
+          </a:xfrm>
+          <a:prstGeom prst="rect">
+            <a:avLst/>
+          </a:prstGeom>
+          <a:noFill/>
+        </p:spPr>
+        <p:txBody>
+          <a:bodyPr wrap="square" rtlCol="0">
+            <a:spAutoFit/>
+          </a:bodyPr>
+          <a:lstStyle/>
+          <a:p>
+            <a:r>
+              <a:rPr kumimoji="1" lang="en-US" altLang="ja-JP" sz="1200" dirty="0"/>
+              <a:t>QR</a:t>
+            </a:r>
+            <a:r>
+              <a:rPr kumimoji="1" lang="ja-JP" altLang="en-US" sz="1200" dirty="0"/>
+              <a:t>コードをリードしてダイレクトに対象博物館のトップページ表示</a:t>
+            </a:r>
+          </a:p>
+        </p:txBody>
+      </p:sp>
+      <p:sp>
+        <p:nvSpPr>
+          <p:cNvPr id="25" name="テキスト ボックス 24">
+            <a:extLst>
+              <a:ext uri="{FF2B5EF4-FFF2-40B4-BE49-F238E27FC236}">
+                <a16:creationId xmlns:a16="http://schemas.microsoft.com/office/drawing/2014/main" id="{C38E0C43-6758-F2F0-2AAA-DCAE50A5D867}"/>
+              </a:ext>
+            </a:extLst>
+          </p:cNvPr>
+          <p:cNvSpPr txBox="1"/>
+          <p:nvPr/>
+        </p:nvSpPr>
+        <p:spPr>
+          <a:xfrm>
+            <a:off x="4979504" y="1153445"/>
+            <a:ext cx="2435087" cy="1200329"/>
+          </a:xfrm>
+          <a:prstGeom prst="rect">
+            <a:avLst/>
+          </a:prstGeom>
+          <a:noFill/>
+        </p:spPr>
+        <p:txBody>
+          <a:bodyPr wrap="square" rtlCol="0">
+            <a:spAutoFit/>
+          </a:bodyPr>
+          <a:lstStyle/>
+          <a:p>
+            <a:r>
+              <a:rPr kumimoji="1" lang="ja-JP" altLang="en-US" dirty="0"/>
+              <a:t>■トップページ内容</a:t>
+            </a:r>
+            <a:endParaRPr kumimoji="1" lang="en-US" altLang="ja-JP" dirty="0"/>
+          </a:p>
+          <a:p>
+            <a:r>
+              <a:rPr kumimoji="1" lang="ja-JP" altLang="en-US" dirty="0"/>
+              <a:t>以下のリンク</a:t>
+            </a:r>
+            <a:endParaRPr kumimoji="1" lang="en-US" altLang="ja-JP" dirty="0"/>
+          </a:p>
+          <a:p>
+            <a:pPr marL="285750" indent="-285750">
+              <a:buFont typeface="Arial" panose="020B0604020202020204" pitchFamily="34" charset="0"/>
+              <a:buChar char="•"/>
+            </a:pPr>
+            <a:r>
+              <a:rPr kumimoji="1" lang="ja-JP" altLang="en-US" dirty="0"/>
+              <a:t>博物館の説明</a:t>
+            </a:r>
+            <a:endParaRPr kumimoji="1" lang="en-US" altLang="ja-JP" dirty="0"/>
+          </a:p>
+          <a:p>
+            <a:pPr marL="285750" indent="-285750">
+              <a:buFont typeface="Arial" panose="020B0604020202020204" pitchFamily="34" charset="0"/>
+              <a:buChar char="•"/>
+            </a:pPr>
+            <a:r>
+              <a:rPr kumimoji="1" lang="en-US" altLang="ja-JP" dirty="0"/>
+              <a:t>QR</a:t>
+            </a:r>
+            <a:r>
+              <a:rPr kumimoji="1" lang="ja-JP" altLang="en-US" dirty="0"/>
+              <a:t>コードリーダー</a:t>
+            </a:r>
+          </a:p>
+        </p:txBody>
+      </p:sp>
+      <p:sp>
+        <p:nvSpPr>
+          <p:cNvPr id="27" name="テキスト ボックス 26">
+            <a:extLst>
+              <a:ext uri="{FF2B5EF4-FFF2-40B4-BE49-F238E27FC236}">
+                <a16:creationId xmlns:a16="http://schemas.microsoft.com/office/drawing/2014/main" id="{FD73553B-F9CB-0E19-1231-F7D85239BA92}"/>
+              </a:ext>
+            </a:extLst>
+          </p:cNvPr>
+          <p:cNvSpPr txBox="1"/>
+          <p:nvPr/>
+        </p:nvSpPr>
+        <p:spPr>
+          <a:xfrm>
+            <a:off x="834937" y="4661452"/>
+            <a:ext cx="1800493" cy="369332"/>
+          </a:xfrm>
+          <a:prstGeom prst="rect">
+            <a:avLst/>
+          </a:prstGeom>
+          <a:noFill/>
+        </p:spPr>
+        <p:txBody>
+          <a:bodyPr wrap="none" rtlCol="0">
+            <a:spAutoFit/>
+          </a:bodyPr>
+          <a:lstStyle/>
+          <a:p>
+            <a:r>
+              <a:rPr kumimoji="1" lang="ja-JP" altLang="en-US" dirty="0"/>
+              <a:t>■博物館の説明</a:t>
+            </a:r>
+          </a:p>
+        </p:txBody>
+      </p:sp>
+      <p:sp>
+        <p:nvSpPr>
+          <p:cNvPr id="28" name="テキスト ボックス 27">
+            <a:extLst>
+              <a:ext uri="{FF2B5EF4-FFF2-40B4-BE49-F238E27FC236}">
+                <a16:creationId xmlns:a16="http://schemas.microsoft.com/office/drawing/2014/main" id="{2A17AF0E-29F3-845A-703F-B0A770731AEF}"/>
+              </a:ext>
+            </a:extLst>
+          </p:cNvPr>
+          <p:cNvSpPr txBox="1"/>
+          <p:nvPr/>
+        </p:nvSpPr>
+        <p:spPr>
+          <a:xfrm>
+            <a:off x="1108212" y="5194491"/>
+            <a:ext cx="6226866" cy="369332"/>
+          </a:xfrm>
+          <a:prstGeom prst="rect">
+            <a:avLst/>
+          </a:prstGeom>
+          <a:noFill/>
+        </p:spPr>
+        <p:txBody>
+          <a:bodyPr wrap="square" rtlCol="0">
+            <a:spAutoFit/>
+          </a:bodyPr>
+          <a:lstStyle/>
+          <a:p>
+            <a:r>
+              <a:rPr kumimoji="1" lang="ja-JP" altLang="en-US" dirty="0"/>
+              <a:t>簡単な紹介文と画像</a:t>
+            </a:r>
+          </a:p>
+        </p:txBody>
+      </p:sp>
+    </p:spTree>
+    <p:extLst>
+      <p:ext uri="{BB962C8B-B14F-4D97-AF65-F5344CB8AC3E}">
+        <p14:creationId xmlns:p14="http://schemas.microsoft.com/office/powerpoint/2010/main" val="230468469"/>
+      </p:ext>
+    </p:extLst>
+  </p:cSld>
+  <p:clrMapOvr>
+    <a:masterClrMapping/>
+  </p:clrMapOvr>
+</p:sld>
+</file>
+
+<file path=ppt/slides/slide30.xml><?xml version="1.0" encoding="utf-8"?>
 <p:sld xmlns:a="http://schemas.openxmlformats.org/drawingml/2006/main" xmlns:r="http://schemas.openxmlformats.org/officeDocument/2006/relationships" xmlns:p="http://schemas.openxmlformats.org/presentationml/2006/main">
   <p:cSld>
     <p:spTree>
@@ -6346,7 +8434,7 @@
 </p:sld>
 </file>
 
-<file path=ppt/slides/slide23.xml><?xml version="1.0" encoding="utf-8"?>
+<file path=ppt/slides/slide31.xml><?xml version="1.0" encoding="utf-8"?>
 <p:sld xmlns:a="http://schemas.openxmlformats.org/drawingml/2006/main" xmlns:r="http://schemas.openxmlformats.org/officeDocument/2006/relationships" xmlns:p="http://schemas.openxmlformats.org/presentationml/2006/main">
   <p:cSld>
     <p:spTree>
@@ -6648,7 +8736,7 @@
 </p:sld>
 </file>
 
-<file path=ppt/slides/slide24.xml><?xml version="1.0" encoding="utf-8"?>
+<file path=ppt/slides/slide32.xml><?xml version="1.0" encoding="utf-8"?>
 <p:sld xmlns:a="http://schemas.openxmlformats.org/drawingml/2006/main" xmlns:r="http://schemas.openxmlformats.org/officeDocument/2006/relationships" xmlns:p="http://schemas.openxmlformats.org/presentationml/2006/main">
   <p:cSld>
     <p:spTree>
@@ -6728,7 +8816,7 @@
 </p:sld>
 </file>
 
-<file path=ppt/slides/slide25.xml><?xml version="1.0" encoding="utf-8"?>
+<file path=ppt/slides/slide33.xml><?xml version="1.0" encoding="utf-8"?>
 <p:sld xmlns:a="http://schemas.openxmlformats.org/drawingml/2006/main" xmlns:r="http://schemas.openxmlformats.org/officeDocument/2006/relationships" xmlns:p="http://schemas.openxmlformats.org/presentationml/2006/main">
   <p:cSld>
     <p:spTree>
@@ -7083,7 +9171,7 @@
 </p:sld>
 </file>
 
-<file path=ppt/slides/slide26.xml><?xml version="1.0" encoding="utf-8"?>
+<file path=ppt/slides/slide34.xml><?xml version="1.0" encoding="utf-8"?>
 <p:sld xmlns:a="http://schemas.openxmlformats.org/drawingml/2006/main" xmlns:r="http://schemas.openxmlformats.org/officeDocument/2006/relationships" xmlns:p="http://schemas.openxmlformats.org/presentationml/2006/main">
   <p:cSld>
     <p:spTree>
@@ -7812,7 +9900,7 @@
 </p:sld>
 </file>
 
-<file path=ppt/slides/slide27.xml><?xml version="1.0" encoding="utf-8"?>
+<file path=ppt/slides/slide35.xml><?xml version="1.0" encoding="utf-8"?>
 <p:sld xmlns:a="http://schemas.openxmlformats.org/drawingml/2006/main" xmlns:r="http://schemas.openxmlformats.org/officeDocument/2006/relationships" xmlns:p="http://schemas.openxmlformats.org/presentationml/2006/main">
   <p:cSld>
     <p:spTree>
@@ -8606,7 +10694,7 @@
 </p:sld>
 </file>
 
-<file path=ppt/slides/slide28.xml><?xml version="1.0" encoding="utf-8"?>
+<file path=ppt/slides/slide36.xml><?xml version="1.0" encoding="utf-8"?>
 <p:sld xmlns:a="http://schemas.openxmlformats.org/drawingml/2006/main" xmlns:r="http://schemas.openxmlformats.org/officeDocument/2006/relationships" xmlns:p="http://schemas.openxmlformats.org/presentationml/2006/main">
   <p:cSld>
     <p:spTree>
@@ -9582,7 +11670,7 @@
 </p:sld>
 </file>
 
-<file path=ppt/slides/slide29.xml><?xml version="1.0" encoding="utf-8"?>
+<file path=ppt/slides/slide37.xml><?xml version="1.0" encoding="utf-8"?>
 <p:sld xmlns:a="http://schemas.openxmlformats.org/drawingml/2006/main" xmlns:r="http://schemas.openxmlformats.org/officeDocument/2006/relationships" xmlns:p="http://schemas.openxmlformats.org/presentationml/2006/main">
   <p:cSld>
     <p:spTree>
@@ -10546,736 +12634,7 @@
 </p:sld>
 </file>
 
-<file path=ppt/slides/slide3.xml><?xml version="1.0" encoding="utf-8"?>
-<p:sld xmlns:a="http://schemas.openxmlformats.org/drawingml/2006/main" xmlns:r="http://schemas.openxmlformats.org/officeDocument/2006/relationships" xmlns:p="http://schemas.openxmlformats.org/presentationml/2006/main">
-  <p:cSld>
-    <p:spTree>
-      <p:nvGrpSpPr>
-        <p:cNvPr id="1" name=""/>
-        <p:cNvGrpSpPr/>
-        <p:nvPr/>
-      </p:nvGrpSpPr>
-      <p:grpSpPr>
-        <a:xfrm>
-          <a:off x="0" y="0"/>
-          <a:ext cx="0" cy="0"/>
-          <a:chOff x="0" y="0"/>
-          <a:chExt cx="0" cy="0"/>
-        </a:xfrm>
-      </p:grpSpPr>
-      <p:cxnSp>
-        <p:nvCxnSpPr>
-          <p:cNvPr id="4" name="直線コネクタ 3">
-            <a:extLst>
-              <a:ext uri="{FF2B5EF4-FFF2-40B4-BE49-F238E27FC236}">
-                <a16:creationId xmlns:a16="http://schemas.microsoft.com/office/drawing/2014/main" id="{3DC5C270-0C95-7AD0-3877-B4EFF61B809E}"/>
-              </a:ext>
-            </a:extLst>
-          </p:cNvPr>
-          <p:cNvCxnSpPr/>
-          <p:nvPr/>
-        </p:nvCxnSpPr>
-        <p:spPr>
-          <a:xfrm>
-            <a:off x="228600" y="755374"/>
-            <a:ext cx="11936896" cy="0"/>
-          </a:xfrm>
-          <a:prstGeom prst="line">
-            <a:avLst/>
-          </a:prstGeom>
-        </p:spPr>
-        <p:style>
-          <a:lnRef idx="2">
-            <a:schemeClr val="accent1"/>
-          </a:lnRef>
-          <a:fillRef idx="0">
-            <a:schemeClr val="accent1"/>
-          </a:fillRef>
-          <a:effectRef idx="1">
-            <a:schemeClr val="accent1"/>
-          </a:effectRef>
-          <a:fontRef idx="minor">
-            <a:schemeClr val="tx1"/>
-          </a:fontRef>
-        </p:style>
-      </p:cxnSp>
-      <p:sp>
-        <p:nvSpPr>
-          <p:cNvPr id="5" name="テキスト ボックス 4">
-            <a:extLst>
-              <a:ext uri="{FF2B5EF4-FFF2-40B4-BE49-F238E27FC236}">
-                <a16:creationId xmlns:a16="http://schemas.microsoft.com/office/drawing/2014/main" id="{3071577A-4021-4AF3-8AE8-98BBB0446C6C}"/>
-              </a:ext>
-            </a:extLst>
-          </p:cNvPr>
-          <p:cNvSpPr txBox="1"/>
-          <p:nvPr/>
-        </p:nvSpPr>
-        <p:spPr>
-          <a:xfrm>
-            <a:off x="407504" y="198783"/>
-            <a:ext cx="3796748" cy="369332"/>
-          </a:xfrm>
-          <a:prstGeom prst="rect">
-            <a:avLst/>
-          </a:prstGeom>
-          <a:noFill/>
-        </p:spPr>
-        <p:txBody>
-          <a:bodyPr wrap="square" rtlCol="0">
-            <a:spAutoFit/>
-          </a:bodyPr>
-          <a:lstStyle/>
-          <a:p>
-            <a:r>
-              <a:rPr kumimoji="1" lang="ja-JP" altLang="en-US" dirty="0"/>
-              <a:t>画面遷移（利用者）</a:t>
-            </a:r>
-          </a:p>
-        </p:txBody>
-      </p:sp>
-      <p:sp>
-        <p:nvSpPr>
-          <p:cNvPr id="8" name="正方形/長方形 7">
-            <a:extLst>
-              <a:ext uri="{FF2B5EF4-FFF2-40B4-BE49-F238E27FC236}">
-                <a16:creationId xmlns:a16="http://schemas.microsoft.com/office/drawing/2014/main" id="{F16CD204-11BE-725A-F2EF-133B704BB4A8}"/>
-              </a:ext>
-            </a:extLst>
-          </p:cNvPr>
-          <p:cNvSpPr/>
-          <p:nvPr/>
-        </p:nvSpPr>
-        <p:spPr>
-          <a:xfrm>
-            <a:off x="834937" y="1406892"/>
-            <a:ext cx="1078396" cy="276999"/>
-          </a:xfrm>
-          <a:prstGeom prst="rect">
-            <a:avLst/>
-          </a:prstGeom>
-          <a:noFill/>
-        </p:spPr>
-        <p:style>
-          <a:lnRef idx="2">
-            <a:schemeClr val="accent1">
-              <a:shade val="15000"/>
-            </a:schemeClr>
-          </a:lnRef>
-          <a:fillRef idx="1">
-            <a:schemeClr val="accent1"/>
-          </a:fillRef>
-          <a:effectRef idx="0">
-            <a:schemeClr val="accent1"/>
-          </a:effectRef>
-          <a:fontRef idx="minor">
-            <a:schemeClr val="lt1"/>
-          </a:fontRef>
-        </p:style>
-        <p:txBody>
-          <a:bodyPr rtlCol="0" anchor="ctr"/>
-          <a:lstStyle/>
-          <a:p>
-            <a:pPr algn="ctr"/>
-            <a:r>
-              <a:rPr kumimoji="1" lang="ja-JP" altLang="en-US" sz="1200" dirty="0">
-                <a:solidFill>
-                  <a:schemeClr val="tx1"/>
-                </a:solidFill>
-              </a:rPr>
-              <a:t>○○博物館</a:t>
-            </a:r>
-          </a:p>
-        </p:txBody>
-      </p:sp>
-      <p:sp>
-        <p:nvSpPr>
-          <p:cNvPr id="10" name="正方形/長方形 9">
-            <a:extLst>
-              <a:ext uri="{FF2B5EF4-FFF2-40B4-BE49-F238E27FC236}">
-                <a16:creationId xmlns:a16="http://schemas.microsoft.com/office/drawing/2014/main" id="{9B62A116-0DB9-425D-A572-A25AFB61C7EC}"/>
-              </a:ext>
-            </a:extLst>
-          </p:cNvPr>
-          <p:cNvSpPr/>
-          <p:nvPr/>
-        </p:nvSpPr>
-        <p:spPr>
-          <a:xfrm>
-            <a:off x="834937" y="1798192"/>
-            <a:ext cx="1078396" cy="276999"/>
-          </a:xfrm>
-          <a:prstGeom prst="rect">
-            <a:avLst/>
-          </a:prstGeom>
-          <a:noFill/>
-        </p:spPr>
-        <p:style>
-          <a:lnRef idx="2">
-            <a:schemeClr val="accent1">
-              <a:shade val="15000"/>
-            </a:schemeClr>
-          </a:lnRef>
-          <a:fillRef idx="1">
-            <a:schemeClr val="accent1"/>
-          </a:fillRef>
-          <a:effectRef idx="0">
-            <a:schemeClr val="accent1"/>
-          </a:effectRef>
-          <a:fontRef idx="minor">
-            <a:schemeClr val="lt1"/>
-          </a:fontRef>
-        </p:style>
-        <p:txBody>
-          <a:bodyPr rtlCol="0" anchor="ctr"/>
-          <a:lstStyle/>
-          <a:p>
-            <a:pPr algn="ctr"/>
-            <a:r>
-              <a:rPr kumimoji="1" lang="en-US" altLang="ja-JP" sz="1200" dirty="0">
-                <a:solidFill>
-                  <a:schemeClr val="tx1"/>
-                </a:solidFill>
-              </a:rPr>
-              <a:t>××</a:t>
-            </a:r>
-            <a:r>
-              <a:rPr kumimoji="1" lang="ja-JP" altLang="en-US" sz="1200" dirty="0">
-                <a:solidFill>
-                  <a:schemeClr val="tx1"/>
-                </a:solidFill>
-              </a:rPr>
-              <a:t>博物館</a:t>
-            </a:r>
-          </a:p>
-        </p:txBody>
-      </p:sp>
-      <p:sp>
-        <p:nvSpPr>
-          <p:cNvPr id="11" name="正方形/長方形 10">
-            <a:extLst>
-              <a:ext uri="{FF2B5EF4-FFF2-40B4-BE49-F238E27FC236}">
-                <a16:creationId xmlns:a16="http://schemas.microsoft.com/office/drawing/2014/main" id="{B835FD68-B3DB-BF38-BF2E-1892F45107C2}"/>
-              </a:ext>
-            </a:extLst>
-          </p:cNvPr>
-          <p:cNvSpPr/>
-          <p:nvPr/>
-        </p:nvSpPr>
-        <p:spPr>
-          <a:xfrm>
-            <a:off x="735497" y="1294177"/>
-            <a:ext cx="1321904" cy="1001759"/>
-          </a:xfrm>
-          <a:prstGeom prst="rect">
-            <a:avLst/>
-          </a:prstGeom>
-          <a:noFill/>
-        </p:spPr>
-        <p:style>
-          <a:lnRef idx="2">
-            <a:schemeClr val="accent1">
-              <a:shade val="15000"/>
-            </a:schemeClr>
-          </a:lnRef>
-          <a:fillRef idx="1">
-            <a:schemeClr val="accent1"/>
-          </a:fillRef>
-          <a:effectRef idx="0">
-            <a:schemeClr val="accent1"/>
-          </a:effectRef>
-          <a:fontRef idx="minor">
-            <a:schemeClr val="lt1"/>
-          </a:fontRef>
-        </p:style>
-        <p:txBody>
-          <a:bodyPr rtlCol="0" anchor="ctr"/>
-          <a:lstStyle/>
-          <a:p>
-            <a:pPr algn="ctr"/>
-            <a:endParaRPr kumimoji="1" lang="ja-JP" altLang="en-US" sz="1200" dirty="0">
-              <a:solidFill>
-                <a:schemeClr val="tx1"/>
-              </a:solidFill>
-            </a:endParaRPr>
-          </a:p>
-        </p:txBody>
-      </p:sp>
-      <p:sp>
-        <p:nvSpPr>
-          <p:cNvPr id="12" name="テキスト ボックス 11">
-            <a:extLst>
-              <a:ext uri="{FF2B5EF4-FFF2-40B4-BE49-F238E27FC236}">
-                <a16:creationId xmlns:a16="http://schemas.microsoft.com/office/drawing/2014/main" id="{0A254587-B090-1CCB-EE31-DC5EB4EBEE6D}"/>
-              </a:ext>
-            </a:extLst>
-          </p:cNvPr>
-          <p:cNvSpPr txBox="1"/>
-          <p:nvPr/>
-        </p:nvSpPr>
-        <p:spPr>
-          <a:xfrm>
-            <a:off x="705679" y="868090"/>
-            <a:ext cx="1381539" cy="276999"/>
-          </a:xfrm>
-          <a:prstGeom prst="rect">
-            <a:avLst/>
-          </a:prstGeom>
-          <a:noFill/>
-        </p:spPr>
-        <p:txBody>
-          <a:bodyPr wrap="square" rtlCol="0">
-            <a:spAutoFit/>
-          </a:bodyPr>
-          <a:lstStyle/>
-          <a:p>
-            <a:r>
-              <a:rPr kumimoji="1" lang="ja-JP" altLang="en-US" sz="1200" dirty="0"/>
-              <a:t>博物館選択画面</a:t>
-            </a:r>
-          </a:p>
-        </p:txBody>
-      </p:sp>
-      <p:sp>
-        <p:nvSpPr>
-          <p:cNvPr id="13" name="正方形/長方形 12">
-            <a:extLst>
-              <a:ext uri="{FF2B5EF4-FFF2-40B4-BE49-F238E27FC236}">
-                <a16:creationId xmlns:a16="http://schemas.microsoft.com/office/drawing/2014/main" id="{948EA15D-E23D-B168-08F6-B854C67715D7}"/>
-              </a:ext>
-            </a:extLst>
-          </p:cNvPr>
-          <p:cNvSpPr/>
-          <p:nvPr/>
-        </p:nvSpPr>
-        <p:spPr>
-          <a:xfrm>
-            <a:off x="2877429" y="1294177"/>
-            <a:ext cx="1321904" cy="504015"/>
-          </a:xfrm>
-          <a:prstGeom prst="rect">
-            <a:avLst/>
-          </a:prstGeom>
-          <a:noFill/>
-        </p:spPr>
-        <p:style>
-          <a:lnRef idx="2">
-            <a:schemeClr val="accent1">
-              <a:shade val="15000"/>
-            </a:schemeClr>
-          </a:lnRef>
-          <a:fillRef idx="1">
-            <a:schemeClr val="accent1"/>
-          </a:fillRef>
-          <a:effectRef idx="0">
-            <a:schemeClr val="accent1"/>
-          </a:effectRef>
-          <a:fontRef idx="minor">
-            <a:schemeClr val="lt1"/>
-          </a:fontRef>
-        </p:style>
-        <p:txBody>
-          <a:bodyPr rtlCol="0" anchor="ctr"/>
-          <a:lstStyle/>
-          <a:p>
-            <a:pPr algn="ctr"/>
-            <a:endParaRPr kumimoji="1" lang="ja-JP" altLang="en-US" sz="1200" dirty="0">
-              <a:solidFill>
-                <a:schemeClr val="tx1"/>
-              </a:solidFill>
-            </a:endParaRPr>
-          </a:p>
-        </p:txBody>
-      </p:sp>
-      <p:sp>
-        <p:nvSpPr>
-          <p:cNvPr id="14" name="テキスト ボックス 13">
-            <a:extLst>
-              <a:ext uri="{FF2B5EF4-FFF2-40B4-BE49-F238E27FC236}">
-                <a16:creationId xmlns:a16="http://schemas.microsoft.com/office/drawing/2014/main" id="{6540F72F-1C4C-1305-CE3C-DF12F1F80A54}"/>
-              </a:ext>
-            </a:extLst>
-          </p:cNvPr>
-          <p:cNvSpPr txBox="1"/>
-          <p:nvPr/>
-        </p:nvSpPr>
-        <p:spPr>
-          <a:xfrm>
-            <a:off x="2673627" y="942634"/>
-            <a:ext cx="2007704" cy="276999"/>
-          </a:xfrm>
-          <a:prstGeom prst="rect">
-            <a:avLst/>
-          </a:prstGeom>
-          <a:noFill/>
-        </p:spPr>
-        <p:txBody>
-          <a:bodyPr wrap="square" rtlCol="0">
-            <a:spAutoFit/>
-          </a:bodyPr>
-          <a:lstStyle/>
-          <a:p>
-            <a:r>
-              <a:rPr kumimoji="1" lang="ja-JP" altLang="en-US" sz="1200" dirty="0"/>
-              <a:t>○○博物館トップ画面</a:t>
-            </a:r>
-          </a:p>
-        </p:txBody>
-      </p:sp>
-      <p:cxnSp>
-        <p:nvCxnSpPr>
-          <p:cNvPr id="16" name="コネクタ: カギ線 15">
-            <a:extLst>
-              <a:ext uri="{FF2B5EF4-FFF2-40B4-BE49-F238E27FC236}">
-                <a16:creationId xmlns:a16="http://schemas.microsoft.com/office/drawing/2014/main" id="{1831295B-E33B-B4DC-1F32-614FEC87F46A}"/>
-              </a:ext>
-            </a:extLst>
-          </p:cNvPr>
-          <p:cNvCxnSpPr>
-            <a:cxnSpLocks/>
-            <a:stCxn id="8" idx="3"/>
-            <a:endCxn id="13" idx="1"/>
-          </p:cNvCxnSpPr>
-          <p:nvPr/>
-        </p:nvCxnSpPr>
-        <p:spPr>
-          <a:xfrm>
-            <a:off x="1913333" y="1545392"/>
-            <a:ext cx="964096" cy="793"/>
-          </a:xfrm>
-          <a:prstGeom prst="bentConnector3">
-            <a:avLst/>
-          </a:prstGeom>
-          <a:ln>
-            <a:tailEnd type="triangle"/>
-          </a:ln>
-        </p:spPr>
-        <p:style>
-          <a:lnRef idx="2">
-            <a:schemeClr val="accent1"/>
-          </a:lnRef>
-          <a:fillRef idx="0">
-            <a:schemeClr val="accent1"/>
-          </a:fillRef>
-          <a:effectRef idx="1">
-            <a:schemeClr val="accent1"/>
-          </a:effectRef>
-          <a:fontRef idx="minor">
-            <a:schemeClr val="tx1"/>
-          </a:fontRef>
-        </p:style>
-      </p:cxnSp>
-      <p:pic>
-        <p:nvPicPr>
-          <p:cNvPr id="17" name="Picture 2" descr="QRコード作成【ずっと無料・無制限】／QRのススメ">
-            <a:extLst>
-              <a:ext uri="{FF2B5EF4-FFF2-40B4-BE49-F238E27FC236}">
-                <a16:creationId xmlns:a16="http://schemas.microsoft.com/office/drawing/2014/main" id="{2EA55849-B200-F577-FA21-07508D526015}"/>
-              </a:ext>
-            </a:extLst>
-          </p:cNvPr>
-          <p:cNvPicPr>
-            <a:picLocks noChangeAspect="1" noChangeArrowheads="1"/>
-          </p:cNvPicPr>
-          <p:nvPr/>
-        </p:nvPicPr>
-        <p:blipFill>
-          <a:blip r:embed="rId2">
-            <a:extLst>
-              <a:ext uri="{28A0092B-C50C-407E-A947-70E740481C1C}">
-                <a14:useLocalDpi xmlns:a14="http://schemas.microsoft.com/office/drawing/2010/main" val="0"/>
-              </a:ext>
-            </a:extLst>
-          </a:blip>
-          <a:srcRect/>
-          <a:stretch>
-            <a:fillRect/>
-          </a:stretch>
-        </p:blipFill>
-        <p:spPr bwMode="auto">
-          <a:xfrm>
-            <a:off x="1554286" y="2487397"/>
-            <a:ext cx="443789" cy="417683"/>
-          </a:xfrm>
-          <a:prstGeom prst="rect">
-            <a:avLst/>
-          </a:prstGeom>
-          <a:noFill/>
-          <a:extLst>
-            <a:ext uri="{909E8E84-426E-40DD-AFC4-6F175D3DCCD1}">
-              <a14:hiddenFill xmlns:a14="http://schemas.microsoft.com/office/drawing/2010/main">
-                <a:solidFill>
-                  <a:srgbClr val="FFFFFF"/>
-                </a:solidFill>
-              </a14:hiddenFill>
-            </a:ext>
-          </a:extLst>
-        </p:spPr>
-      </p:pic>
-      <p:pic>
-        <p:nvPicPr>
-          <p:cNvPr id="18" name="図 17">
-            <a:extLst>
-              <a:ext uri="{FF2B5EF4-FFF2-40B4-BE49-F238E27FC236}">
-                <a16:creationId xmlns:a16="http://schemas.microsoft.com/office/drawing/2014/main" id="{1944A5FB-EEE5-08C2-3264-D376A85340F5}"/>
-              </a:ext>
-            </a:extLst>
-          </p:cNvPr>
-          <p:cNvPicPr>
-            <a:picLocks noChangeAspect="1"/>
-          </p:cNvPicPr>
-          <p:nvPr/>
-        </p:nvPicPr>
-        <p:blipFill>
-          <a:blip r:embed="rId3"/>
-          <a:stretch>
-            <a:fillRect/>
-          </a:stretch>
-        </p:blipFill>
-        <p:spPr>
-          <a:xfrm flipH="1">
-            <a:off x="522218" y="2445024"/>
-            <a:ext cx="1088230" cy="1088230"/>
-          </a:xfrm>
-          <a:prstGeom prst="rect">
-            <a:avLst/>
-          </a:prstGeom>
-        </p:spPr>
-      </p:pic>
-      <p:cxnSp>
-        <p:nvCxnSpPr>
-          <p:cNvPr id="19" name="コネクタ: カギ線 18">
-            <a:extLst>
-              <a:ext uri="{FF2B5EF4-FFF2-40B4-BE49-F238E27FC236}">
-                <a16:creationId xmlns:a16="http://schemas.microsoft.com/office/drawing/2014/main" id="{35BB434B-76AF-7F8A-D6F3-AB0DF26AC757}"/>
-              </a:ext>
-            </a:extLst>
-          </p:cNvPr>
-          <p:cNvCxnSpPr>
-            <a:cxnSpLocks/>
-            <a:stCxn id="18" idx="1"/>
-            <a:endCxn id="13" idx="2"/>
-          </p:cNvCxnSpPr>
-          <p:nvPr/>
-        </p:nvCxnSpPr>
-        <p:spPr>
-          <a:xfrm flipV="1">
-            <a:off x="1610448" y="1798192"/>
-            <a:ext cx="1927933" cy="1190947"/>
-          </a:xfrm>
-          <a:prstGeom prst="bentConnector2">
-            <a:avLst/>
-          </a:prstGeom>
-          <a:ln>
-            <a:tailEnd type="triangle"/>
-          </a:ln>
-        </p:spPr>
-        <p:style>
-          <a:lnRef idx="2">
-            <a:schemeClr val="accent1"/>
-          </a:lnRef>
-          <a:fillRef idx="0">
-            <a:schemeClr val="accent1"/>
-          </a:fillRef>
-          <a:effectRef idx="1">
-            <a:schemeClr val="accent1"/>
-          </a:effectRef>
-          <a:fontRef idx="minor">
-            <a:schemeClr val="tx1"/>
-          </a:fontRef>
-        </p:style>
-      </p:cxnSp>
-      <p:sp>
-        <p:nvSpPr>
-          <p:cNvPr id="22" name="テキスト ボックス 21">
-            <a:extLst>
-              <a:ext uri="{FF2B5EF4-FFF2-40B4-BE49-F238E27FC236}">
-                <a16:creationId xmlns:a16="http://schemas.microsoft.com/office/drawing/2014/main" id="{9B58A4AC-9090-2ED9-8FD3-021EED052282}"/>
-              </a:ext>
-            </a:extLst>
-          </p:cNvPr>
-          <p:cNvSpPr txBox="1"/>
-          <p:nvPr/>
-        </p:nvSpPr>
-        <p:spPr>
-          <a:xfrm>
-            <a:off x="1396448" y="3050374"/>
-            <a:ext cx="1838739" cy="646331"/>
-          </a:xfrm>
-          <a:prstGeom prst="rect">
-            <a:avLst/>
-          </a:prstGeom>
-          <a:noFill/>
-        </p:spPr>
-        <p:txBody>
-          <a:bodyPr wrap="square" rtlCol="0">
-            <a:spAutoFit/>
-          </a:bodyPr>
-          <a:lstStyle/>
-          <a:p>
-            <a:r>
-              <a:rPr kumimoji="1" lang="en-US" altLang="ja-JP" sz="1200" dirty="0"/>
-              <a:t>QR</a:t>
-            </a:r>
-            <a:r>
-              <a:rPr kumimoji="1" lang="ja-JP" altLang="en-US" sz="1200" dirty="0"/>
-              <a:t>コードをリードしてダイレクトに対象博物館のトップページ表示</a:t>
-            </a:r>
-          </a:p>
-        </p:txBody>
-      </p:sp>
-      <p:sp>
-        <p:nvSpPr>
-          <p:cNvPr id="25" name="テキスト ボックス 24">
-            <a:extLst>
-              <a:ext uri="{FF2B5EF4-FFF2-40B4-BE49-F238E27FC236}">
-                <a16:creationId xmlns:a16="http://schemas.microsoft.com/office/drawing/2014/main" id="{C38E0C43-6758-F2F0-2AAA-DCAE50A5D867}"/>
-              </a:ext>
-            </a:extLst>
-          </p:cNvPr>
-          <p:cNvSpPr txBox="1"/>
-          <p:nvPr/>
-        </p:nvSpPr>
-        <p:spPr>
-          <a:xfrm>
-            <a:off x="4979504" y="1153445"/>
-            <a:ext cx="2435087" cy="1200329"/>
-          </a:xfrm>
-          <a:prstGeom prst="rect">
-            <a:avLst/>
-          </a:prstGeom>
-          <a:noFill/>
-        </p:spPr>
-        <p:txBody>
-          <a:bodyPr wrap="square" rtlCol="0">
-            <a:spAutoFit/>
-          </a:bodyPr>
-          <a:lstStyle/>
-          <a:p>
-            <a:r>
-              <a:rPr kumimoji="1" lang="ja-JP" altLang="en-US" dirty="0"/>
-              <a:t>■トップページ内容</a:t>
-            </a:r>
-            <a:endParaRPr kumimoji="1" lang="en-US" altLang="ja-JP" dirty="0"/>
-          </a:p>
-          <a:p>
-            <a:r>
-              <a:rPr kumimoji="1" lang="ja-JP" altLang="en-US" dirty="0"/>
-              <a:t>以下のリンク</a:t>
-            </a:r>
-            <a:endParaRPr kumimoji="1" lang="en-US" altLang="ja-JP" dirty="0"/>
-          </a:p>
-          <a:p>
-            <a:pPr marL="285750" indent="-285750">
-              <a:buFont typeface="Arial" panose="020B0604020202020204" pitchFamily="34" charset="0"/>
-              <a:buChar char="•"/>
-            </a:pPr>
-            <a:r>
-              <a:rPr kumimoji="1" lang="ja-JP" altLang="en-US" dirty="0"/>
-              <a:t>博物館の説明</a:t>
-            </a:r>
-            <a:endParaRPr kumimoji="1" lang="en-US" altLang="ja-JP" dirty="0"/>
-          </a:p>
-          <a:p>
-            <a:pPr marL="285750" indent="-285750">
-              <a:buFont typeface="Arial" panose="020B0604020202020204" pitchFamily="34" charset="0"/>
-              <a:buChar char="•"/>
-            </a:pPr>
-            <a:r>
-              <a:rPr kumimoji="1" lang="en-US" altLang="ja-JP" dirty="0"/>
-              <a:t>QR</a:t>
-            </a:r>
-            <a:r>
-              <a:rPr kumimoji="1" lang="ja-JP" altLang="en-US" dirty="0"/>
-              <a:t>コードリーダー</a:t>
-            </a:r>
-          </a:p>
-        </p:txBody>
-      </p:sp>
-      <p:sp>
-        <p:nvSpPr>
-          <p:cNvPr id="27" name="テキスト ボックス 26">
-            <a:extLst>
-              <a:ext uri="{FF2B5EF4-FFF2-40B4-BE49-F238E27FC236}">
-                <a16:creationId xmlns:a16="http://schemas.microsoft.com/office/drawing/2014/main" id="{FD73553B-F9CB-0E19-1231-F7D85239BA92}"/>
-              </a:ext>
-            </a:extLst>
-          </p:cNvPr>
-          <p:cNvSpPr txBox="1"/>
-          <p:nvPr/>
-        </p:nvSpPr>
-        <p:spPr>
-          <a:xfrm>
-            <a:off x="834937" y="4661452"/>
-            <a:ext cx="1800493" cy="369332"/>
-          </a:xfrm>
-          <a:prstGeom prst="rect">
-            <a:avLst/>
-          </a:prstGeom>
-          <a:noFill/>
-        </p:spPr>
-        <p:txBody>
-          <a:bodyPr wrap="none" rtlCol="0">
-            <a:spAutoFit/>
-          </a:bodyPr>
-          <a:lstStyle/>
-          <a:p>
-            <a:r>
-              <a:rPr kumimoji="1" lang="ja-JP" altLang="en-US" dirty="0"/>
-              <a:t>■博物館の説明</a:t>
-            </a:r>
-          </a:p>
-        </p:txBody>
-      </p:sp>
-      <p:sp>
-        <p:nvSpPr>
-          <p:cNvPr id="28" name="テキスト ボックス 27">
-            <a:extLst>
-              <a:ext uri="{FF2B5EF4-FFF2-40B4-BE49-F238E27FC236}">
-                <a16:creationId xmlns:a16="http://schemas.microsoft.com/office/drawing/2014/main" id="{2A17AF0E-29F3-845A-703F-B0A770731AEF}"/>
-              </a:ext>
-            </a:extLst>
-          </p:cNvPr>
-          <p:cNvSpPr txBox="1"/>
-          <p:nvPr/>
-        </p:nvSpPr>
-        <p:spPr>
-          <a:xfrm>
-            <a:off x="1108212" y="5194491"/>
-            <a:ext cx="6226866" cy="369332"/>
-          </a:xfrm>
-          <a:prstGeom prst="rect">
-            <a:avLst/>
-          </a:prstGeom>
-          <a:noFill/>
-        </p:spPr>
-        <p:txBody>
-          <a:bodyPr wrap="square" rtlCol="0">
-            <a:spAutoFit/>
-          </a:bodyPr>
-          <a:lstStyle/>
-          <a:p>
-            <a:r>
-              <a:rPr kumimoji="1" lang="ja-JP" altLang="en-US" dirty="0"/>
-              <a:t>簡単な紹介文と画像</a:t>
-            </a:r>
-          </a:p>
-        </p:txBody>
-      </p:sp>
-    </p:spTree>
-    <p:extLst>
-      <p:ext uri="{BB962C8B-B14F-4D97-AF65-F5344CB8AC3E}">
-        <p14:creationId xmlns:p14="http://schemas.microsoft.com/office/powerpoint/2010/main" val="230468469"/>
-      </p:ext>
-    </p:extLst>
-  </p:cSld>
-  <p:clrMapOvr>
-    <a:masterClrMapping/>
-  </p:clrMapOvr>
-</p:sld>
-</file>
-
-<file path=ppt/slides/slide30.xml><?xml version="1.0" encoding="utf-8"?>
+<file path=ppt/slides/slide38.xml><?xml version="1.0" encoding="utf-8"?>
 <p:sld xmlns:a="http://schemas.openxmlformats.org/drawingml/2006/main" xmlns:r="http://schemas.openxmlformats.org/officeDocument/2006/relationships" xmlns:p="http://schemas.openxmlformats.org/presentationml/2006/main">
   <p:cSld>
     <p:spTree>
@@ -12146,7 +13505,7 @@
 </p:sld>
 </file>
 
-<file path=ppt/slides/slide31.xml><?xml version="1.0" encoding="utf-8"?>
+<file path=ppt/slides/slide39.xml><?xml version="1.0" encoding="utf-8"?>
 <p:sld xmlns:a="http://schemas.openxmlformats.org/drawingml/2006/main" xmlns:r="http://schemas.openxmlformats.org/officeDocument/2006/relationships" xmlns:p="http://schemas.openxmlformats.org/presentationml/2006/main">
   <p:cSld>
     <p:spTree>
@@ -13255,7 +14614,643 @@
 </p:sld>
 </file>
 
-<file path=ppt/slides/slide32.xml><?xml version="1.0" encoding="utf-8"?>
+<file path=ppt/slides/slide4.xml><?xml version="1.0" encoding="utf-8"?>
+<p:sld xmlns:a="http://schemas.openxmlformats.org/drawingml/2006/main" xmlns:r="http://schemas.openxmlformats.org/officeDocument/2006/relationships" xmlns:p="http://schemas.openxmlformats.org/presentationml/2006/main">
+  <p:cSld>
+    <p:spTree>
+      <p:nvGrpSpPr>
+        <p:cNvPr id="1" name="">
+          <a:extLst>
+            <a:ext uri="{FF2B5EF4-FFF2-40B4-BE49-F238E27FC236}">
+              <a16:creationId xmlns:a16="http://schemas.microsoft.com/office/drawing/2014/main" id="{3CCC5F9F-35CD-63BB-0C17-D6F0C79D02CF}"/>
+            </a:ext>
+          </a:extLst>
+        </p:cNvPr>
+        <p:cNvGrpSpPr/>
+        <p:nvPr/>
+      </p:nvGrpSpPr>
+      <p:grpSpPr>
+        <a:xfrm>
+          <a:off x="0" y="0"/>
+          <a:ext cx="0" cy="0"/>
+          <a:chOff x="0" y="0"/>
+          <a:chExt cx="0" cy="0"/>
+        </a:xfrm>
+      </p:grpSpPr>
+      <p:cxnSp>
+        <p:nvCxnSpPr>
+          <p:cNvPr id="4" name="直線コネクタ 3">
+            <a:extLst>
+              <a:ext uri="{FF2B5EF4-FFF2-40B4-BE49-F238E27FC236}">
+                <a16:creationId xmlns:a16="http://schemas.microsoft.com/office/drawing/2014/main" id="{76E1EF0D-0BBC-A313-CB1A-1814C352AD0A}"/>
+              </a:ext>
+            </a:extLst>
+          </p:cNvPr>
+          <p:cNvCxnSpPr/>
+          <p:nvPr/>
+        </p:nvCxnSpPr>
+        <p:spPr>
+          <a:xfrm>
+            <a:off x="228600" y="755374"/>
+            <a:ext cx="11936896" cy="0"/>
+          </a:xfrm>
+          <a:prstGeom prst="line">
+            <a:avLst/>
+          </a:prstGeom>
+        </p:spPr>
+        <p:style>
+          <a:lnRef idx="2">
+            <a:schemeClr val="accent1"/>
+          </a:lnRef>
+          <a:fillRef idx="0">
+            <a:schemeClr val="accent1"/>
+          </a:fillRef>
+          <a:effectRef idx="1">
+            <a:schemeClr val="accent1"/>
+          </a:effectRef>
+          <a:fontRef idx="minor">
+            <a:schemeClr val="tx1"/>
+          </a:fontRef>
+        </p:style>
+      </p:cxnSp>
+      <p:sp>
+        <p:nvSpPr>
+          <p:cNvPr id="5" name="テキスト ボックス 4">
+            <a:extLst>
+              <a:ext uri="{FF2B5EF4-FFF2-40B4-BE49-F238E27FC236}">
+                <a16:creationId xmlns:a16="http://schemas.microsoft.com/office/drawing/2014/main" id="{13BAC101-05AC-6711-8E35-FBD5FD62450A}"/>
+              </a:ext>
+            </a:extLst>
+          </p:cNvPr>
+          <p:cNvSpPr txBox="1"/>
+          <p:nvPr/>
+        </p:nvSpPr>
+        <p:spPr>
+          <a:xfrm>
+            <a:off x="407504" y="198783"/>
+            <a:ext cx="3796748" cy="369332"/>
+          </a:xfrm>
+          <a:prstGeom prst="rect">
+            <a:avLst/>
+          </a:prstGeom>
+          <a:noFill/>
+        </p:spPr>
+        <p:txBody>
+          <a:bodyPr wrap="square" rtlCol="0">
+            <a:spAutoFit/>
+          </a:bodyPr>
+          <a:lstStyle/>
+          <a:p>
+            <a:r>
+              <a:rPr kumimoji="1" lang="en-US" altLang="ja-JP" dirty="0"/>
+              <a:t>QR</a:t>
+            </a:r>
+            <a:r>
+              <a:rPr kumimoji="1" lang="ja-JP" altLang="en-US" dirty="0"/>
+              <a:t>コードリーダから展示物紹介</a:t>
+            </a:r>
+          </a:p>
+        </p:txBody>
+      </p:sp>
+      <p:sp>
+        <p:nvSpPr>
+          <p:cNvPr id="2" name="テキスト ボックス 1">
+            <a:extLst>
+              <a:ext uri="{FF2B5EF4-FFF2-40B4-BE49-F238E27FC236}">
+                <a16:creationId xmlns:a16="http://schemas.microsoft.com/office/drawing/2014/main" id="{AF1B5432-7C5B-D3B3-5264-CCC1A35AFE27}"/>
+              </a:ext>
+            </a:extLst>
+          </p:cNvPr>
+          <p:cNvSpPr txBox="1"/>
+          <p:nvPr/>
+        </p:nvSpPr>
+        <p:spPr>
+          <a:xfrm>
+            <a:off x="556592" y="942634"/>
+            <a:ext cx="1987826" cy="369332"/>
+          </a:xfrm>
+          <a:prstGeom prst="rect">
+            <a:avLst/>
+          </a:prstGeom>
+          <a:noFill/>
+        </p:spPr>
+        <p:txBody>
+          <a:bodyPr wrap="square" rtlCol="0">
+            <a:spAutoFit/>
+          </a:bodyPr>
+          <a:lstStyle/>
+          <a:p>
+            <a:r>
+              <a:rPr kumimoji="1" lang="ja-JP" altLang="en-US" dirty="0"/>
+              <a:t>画面イメージ</a:t>
+            </a:r>
+          </a:p>
+        </p:txBody>
+      </p:sp>
+      <p:pic>
+        <p:nvPicPr>
+          <p:cNvPr id="6" name="図 5" descr="図形, 正方形&#10;&#10;AI 生成コンテンツは誤りを含む可能性があります。">
+            <a:extLst>
+              <a:ext uri="{FF2B5EF4-FFF2-40B4-BE49-F238E27FC236}">
+                <a16:creationId xmlns:a16="http://schemas.microsoft.com/office/drawing/2014/main" id="{9DEC15E6-EB60-2B73-FA84-7FD3500BDC38}"/>
+              </a:ext>
+            </a:extLst>
+          </p:cNvPr>
+          <p:cNvPicPr>
+            <a:picLocks noChangeAspect="1"/>
+          </p:cNvPicPr>
+          <p:nvPr/>
+        </p:nvPicPr>
+        <p:blipFill>
+          <a:blip r:embed="rId2"/>
+          <a:stretch>
+            <a:fillRect/>
+          </a:stretch>
+        </p:blipFill>
+        <p:spPr>
+          <a:xfrm>
+            <a:off x="1397382" y="1274165"/>
+            <a:ext cx="3360695" cy="5385052"/>
+          </a:xfrm>
+          <a:prstGeom prst="rect">
+            <a:avLst/>
+          </a:prstGeom>
+        </p:spPr>
+      </p:pic>
+      <p:sp>
+        <p:nvSpPr>
+          <p:cNvPr id="7" name="テキスト ボックス 6">
+            <a:extLst>
+              <a:ext uri="{FF2B5EF4-FFF2-40B4-BE49-F238E27FC236}">
+                <a16:creationId xmlns:a16="http://schemas.microsoft.com/office/drawing/2014/main" id="{DE65383C-7EC4-89E4-ACD6-D2D67AB2B1CB}"/>
+              </a:ext>
+            </a:extLst>
+          </p:cNvPr>
+          <p:cNvSpPr txBox="1"/>
+          <p:nvPr/>
+        </p:nvSpPr>
+        <p:spPr>
+          <a:xfrm>
+            <a:off x="1550505" y="1908313"/>
+            <a:ext cx="3399122" cy="369332"/>
+          </a:xfrm>
+          <a:prstGeom prst="rect">
+            <a:avLst/>
+          </a:prstGeom>
+          <a:noFill/>
+        </p:spPr>
+        <p:txBody>
+          <a:bodyPr wrap="square" rtlCol="0">
+            <a:spAutoFit/>
+          </a:bodyPr>
+          <a:lstStyle/>
+          <a:p>
+            <a:r>
+              <a:rPr kumimoji="1" lang="en-US" altLang="ja-JP" b="1" dirty="0"/>
+              <a:t>QR</a:t>
+            </a:r>
+            <a:r>
+              <a:rPr kumimoji="1" lang="ja-JP" altLang="en-US" b="1" dirty="0"/>
+              <a:t>コードを読んでください</a:t>
+            </a:r>
+          </a:p>
+        </p:txBody>
+      </p:sp>
+      <p:pic>
+        <p:nvPicPr>
+          <p:cNvPr id="9" name="図 8">
+            <a:extLst>
+              <a:ext uri="{FF2B5EF4-FFF2-40B4-BE49-F238E27FC236}">
+                <a16:creationId xmlns:a16="http://schemas.microsoft.com/office/drawing/2014/main" id="{DA1C2295-C173-0F80-A332-C75CF2373036}"/>
+              </a:ext>
+            </a:extLst>
+          </p:cNvPr>
+          <p:cNvPicPr>
+            <a:picLocks noChangeAspect="1"/>
+          </p:cNvPicPr>
+          <p:nvPr/>
+        </p:nvPicPr>
+        <p:blipFill>
+          <a:blip r:embed="rId3"/>
+          <a:stretch>
+            <a:fillRect/>
+          </a:stretch>
+        </p:blipFill>
+        <p:spPr>
+          <a:xfrm>
+            <a:off x="2027066" y="2719716"/>
+            <a:ext cx="1978403" cy="1860640"/>
+          </a:xfrm>
+          <a:prstGeom prst="rect">
+            <a:avLst/>
+          </a:prstGeom>
+        </p:spPr>
+      </p:pic>
+      <p:pic>
+        <p:nvPicPr>
+          <p:cNvPr id="21" name="図 20" descr="図形, 正方形&#10;&#10;AI 生成コンテンツは誤りを含む可能性があります。">
+            <a:extLst>
+              <a:ext uri="{FF2B5EF4-FFF2-40B4-BE49-F238E27FC236}">
+                <a16:creationId xmlns:a16="http://schemas.microsoft.com/office/drawing/2014/main" id="{39B75BAD-1936-9281-BCAA-B50904FA8961}"/>
+              </a:ext>
+            </a:extLst>
+          </p:cNvPr>
+          <p:cNvPicPr>
+            <a:picLocks noChangeAspect="1"/>
+          </p:cNvPicPr>
+          <p:nvPr/>
+        </p:nvPicPr>
+        <p:blipFill>
+          <a:blip r:embed="rId2"/>
+          <a:stretch>
+            <a:fillRect/>
+          </a:stretch>
+        </p:blipFill>
+        <p:spPr>
+          <a:xfrm>
+            <a:off x="6588922" y="1105199"/>
+            <a:ext cx="3399123" cy="5446627"/>
+          </a:xfrm>
+          <a:prstGeom prst="rect">
+            <a:avLst/>
+          </a:prstGeom>
+        </p:spPr>
+      </p:pic>
+      <p:pic>
+        <p:nvPicPr>
+          <p:cNvPr id="23" name="図 22" descr="テーブル, 座る, ベッド, 横たわる が含まれている画像&#10;&#10;AI 生成コンテンツは誤りを含む可能性があります。">
+            <a:extLst>
+              <a:ext uri="{FF2B5EF4-FFF2-40B4-BE49-F238E27FC236}">
+                <a16:creationId xmlns:a16="http://schemas.microsoft.com/office/drawing/2014/main" id="{4C69D530-DF1B-4D97-200B-228B1799876B}"/>
+              </a:ext>
+            </a:extLst>
+          </p:cNvPr>
+          <p:cNvPicPr>
+            <a:picLocks noChangeAspect="1"/>
+          </p:cNvPicPr>
+          <p:nvPr/>
+        </p:nvPicPr>
+        <p:blipFill>
+          <a:blip r:embed="rId4"/>
+          <a:stretch>
+            <a:fillRect/>
+          </a:stretch>
+        </p:blipFill>
+        <p:spPr>
+          <a:xfrm>
+            <a:off x="7030709" y="1545577"/>
+            <a:ext cx="2232562" cy="2669962"/>
+          </a:xfrm>
+          <a:prstGeom prst="rect">
+            <a:avLst/>
+          </a:prstGeom>
+        </p:spPr>
+      </p:pic>
+      <p:sp>
+        <p:nvSpPr>
+          <p:cNvPr id="24" name="テキスト ボックス 23">
+            <a:extLst>
+              <a:ext uri="{FF2B5EF4-FFF2-40B4-BE49-F238E27FC236}">
+                <a16:creationId xmlns:a16="http://schemas.microsoft.com/office/drawing/2014/main" id="{59BCA050-EFD7-369D-2565-BD4F1F03F502}"/>
+              </a:ext>
+            </a:extLst>
+          </p:cNvPr>
+          <p:cNvSpPr txBox="1"/>
+          <p:nvPr/>
+        </p:nvSpPr>
+        <p:spPr>
+          <a:xfrm>
+            <a:off x="7568648" y="4664754"/>
+            <a:ext cx="2232562" cy="369332"/>
+          </a:xfrm>
+          <a:prstGeom prst="rect">
+            <a:avLst/>
+          </a:prstGeom>
+          <a:noFill/>
+        </p:spPr>
+        <p:txBody>
+          <a:bodyPr wrap="square" rtlCol="0">
+            <a:spAutoFit/>
+          </a:bodyPr>
+          <a:lstStyle/>
+          <a:p>
+            <a:r>
+              <a:rPr kumimoji="1" lang="ja-JP" altLang="en-US" dirty="0"/>
+              <a:t>説明文</a:t>
+            </a:r>
+          </a:p>
+        </p:txBody>
+      </p:sp>
+      <p:sp>
+        <p:nvSpPr>
+          <p:cNvPr id="26" name="テキスト ボックス 25">
+            <a:extLst>
+              <a:ext uri="{FF2B5EF4-FFF2-40B4-BE49-F238E27FC236}">
+                <a16:creationId xmlns:a16="http://schemas.microsoft.com/office/drawing/2014/main" id="{BFDCC9AA-7B59-08A1-5ADF-33AECEF9CAEE}"/>
+              </a:ext>
+            </a:extLst>
+          </p:cNvPr>
+          <p:cNvSpPr txBox="1"/>
+          <p:nvPr/>
+        </p:nvSpPr>
+        <p:spPr>
+          <a:xfrm>
+            <a:off x="8522416" y="4215539"/>
+            <a:ext cx="735495" cy="369332"/>
+          </a:xfrm>
+          <a:prstGeom prst="rect">
+            <a:avLst/>
+          </a:prstGeom>
+          <a:solidFill>
+            <a:schemeClr val="bg2"/>
+          </a:solidFill>
+          <a:ln>
+            <a:solidFill>
+              <a:schemeClr val="accent1"/>
+            </a:solidFill>
+          </a:ln>
+        </p:spPr>
+        <p:txBody>
+          <a:bodyPr wrap="square" rtlCol="0">
+            <a:spAutoFit/>
+          </a:bodyPr>
+          <a:lstStyle/>
+          <a:p>
+            <a:r>
+              <a:rPr kumimoji="1" lang="ja-JP" altLang="en-US" dirty="0">
+                <a:ln>
+                  <a:solidFill>
+                    <a:schemeClr val="accent1"/>
+                  </a:solidFill>
+                </a:ln>
+              </a:rPr>
+              <a:t>音声</a:t>
+            </a:r>
+          </a:p>
+        </p:txBody>
+      </p:sp>
+      <p:sp>
+        <p:nvSpPr>
+          <p:cNvPr id="27" name="吹き出し: 四角形 26">
+            <a:extLst>
+              <a:ext uri="{FF2B5EF4-FFF2-40B4-BE49-F238E27FC236}">
+                <a16:creationId xmlns:a16="http://schemas.microsoft.com/office/drawing/2014/main" id="{0841179F-A73D-D7A0-5850-570278C83C5F}"/>
+              </a:ext>
+            </a:extLst>
+          </p:cNvPr>
+          <p:cNvSpPr/>
+          <p:nvPr/>
+        </p:nvSpPr>
+        <p:spPr>
+          <a:xfrm>
+            <a:off x="10346636" y="2972385"/>
+            <a:ext cx="1401418" cy="677651"/>
+          </a:xfrm>
+          <a:prstGeom prst="wedgeRectCallout">
+            <a:avLst>
+              <a:gd name="adj1" fmla="val -110515"/>
+              <a:gd name="adj2" fmla="val 154902"/>
+            </a:avLst>
+          </a:prstGeom>
+          <a:noFill/>
+        </p:spPr>
+        <p:style>
+          <a:lnRef idx="2">
+            <a:schemeClr val="accent1">
+              <a:shade val="15000"/>
+            </a:schemeClr>
+          </a:lnRef>
+          <a:fillRef idx="1">
+            <a:schemeClr val="accent1"/>
+          </a:fillRef>
+          <a:effectRef idx="0">
+            <a:schemeClr val="accent1"/>
+          </a:effectRef>
+          <a:fontRef idx="minor">
+            <a:schemeClr val="lt1"/>
+          </a:fontRef>
+        </p:style>
+        <p:txBody>
+          <a:bodyPr rtlCol="0" anchor="ctr"/>
+          <a:lstStyle/>
+          <a:p>
+            <a:pPr algn="ctr"/>
+            <a:r>
+              <a:rPr kumimoji="1" lang="ja-JP" altLang="en-US" dirty="0">
+                <a:solidFill>
+                  <a:schemeClr val="tx1"/>
+                </a:solidFill>
+              </a:rPr>
+              <a:t>音声再生</a:t>
+            </a:r>
+          </a:p>
+        </p:txBody>
+      </p:sp>
+      <p:sp>
+        <p:nvSpPr>
+          <p:cNvPr id="29" name="正方形/長方形 28">
+            <a:extLst>
+              <a:ext uri="{FF2B5EF4-FFF2-40B4-BE49-F238E27FC236}">
+                <a16:creationId xmlns:a16="http://schemas.microsoft.com/office/drawing/2014/main" id="{DD0A2E3E-26E1-0F27-8377-36D5965EA359}"/>
+              </a:ext>
+            </a:extLst>
+          </p:cNvPr>
+          <p:cNvSpPr/>
+          <p:nvPr/>
+        </p:nvSpPr>
+        <p:spPr>
+          <a:xfrm>
+            <a:off x="7141267" y="5818569"/>
+            <a:ext cx="1108602" cy="369332"/>
+          </a:xfrm>
+          <a:prstGeom prst="rect">
+            <a:avLst/>
+          </a:prstGeom>
+          <a:noFill/>
+        </p:spPr>
+        <p:style>
+          <a:lnRef idx="2">
+            <a:schemeClr val="accent1">
+              <a:shade val="15000"/>
+            </a:schemeClr>
+          </a:lnRef>
+          <a:fillRef idx="1">
+            <a:schemeClr val="accent1"/>
+          </a:fillRef>
+          <a:effectRef idx="0">
+            <a:schemeClr val="accent1"/>
+          </a:effectRef>
+          <a:fontRef idx="minor">
+            <a:schemeClr val="lt1"/>
+          </a:fontRef>
+        </p:style>
+        <p:txBody>
+          <a:bodyPr rtlCol="0" anchor="ctr"/>
+          <a:lstStyle/>
+          <a:p>
+            <a:pPr algn="ctr"/>
+            <a:r>
+              <a:rPr kumimoji="1" lang="ja-JP" altLang="en-US" dirty="0">
+                <a:solidFill>
+                  <a:schemeClr val="tx1"/>
+                </a:solidFill>
+              </a:rPr>
+              <a:t>戻る</a:t>
+            </a:r>
+          </a:p>
+        </p:txBody>
+      </p:sp>
+      <p:cxnSp>
+        <p:nvCxnSpPr>
+          <p:cNvPr id="32" name="直線矢印コネクタ 31">
+            <a:extLst>
+              <a:ext uri="{FF2B5EF4-FFF2-40B4-BE49-F238E27FC236}">
+                <a16:creationId xmlns:a16="http://schemas.microsoft.com/office/drawing/2014/main" id="{9140CC7F-E329-E2D4-E91F-6249AD989646}"/>
+              </a:ext>
+            </a:extLst>
+          </p:cNvPr>
+          <p:cNvCxnSpPr>
+            <a:stCxn id="6" idx="3"/>
+            <a:endCxn id="21" idx="1"/>
+          </p:cNvCxnSpPr>
+          <p:nvPr/>
+        </p:nvCxnSpPr>
+        <p:spPr>
+          <a:xfrm flipV="1">
+            <a:off x="4758077" y="3828513"/>
+            <a:ext cx="1830845" cy="138178"/>
+          </a:xfrm>
+          <a:prstGeom prst="straightConnector1">
+            <a:avLst/>
+          </a:prstGeom>
+          <a:ln>
+            <a:tailEnd type="triangle"/>
+          </a:ln>
+        </p:spPr>
+        <p:style>
+          <a:lnRef idx="2">
+            <a:schemeClr val="accent1"/>
+          </a:lnRef>
+          <a:fillRef idx="0">
+            <a:schemeClr val="accent1"/>
+          </a:fillRef>
+          <a:effectRef idx="1">
+            <a:schemeClr val="accent1"/>
+          </a:effectRef>
+          <a:fontRef idx="minor">
+            <a:schemeClr val="tx1"/>
+          </a:fontRef>
+        </p:style>
+      </p:cxnSp>
+      <p:cxnSp>
+        <p:nvCxnSpPr>
+          <p:cNvPr id="33" name="直線矢印コネクタ 32">
+            <a:extLst>
+              <a:ext uri="{FF2B5EF4-FFF2-40B4-BE49-F238E27FC236}">
+                <a16:creationId xmlns:a16="http://schemas.microsoft.com/office/drawing/2014/main" id="{51AAC775-F688-A2A2-8DC6-0012ABBC585A}"/>
+              </a:ext>
+            </a:extLst>
+          </p:cNvPr>
+          <p:cNvCxnSpPr>
+            <a:cxnSpLocks/>
+          </p:cNvCxnSpPr>
+          <p:nvPr/>
+        </p:nvCxnSpPr>
+        <p:spPr>
+          <a:xfrm flipH="1">
+            <a:off x="4808485" y="6003235"/>
+            <a:ext cx="2332782" cy="0"/>
+          </a:xfrm>
+          <a:prstGeom prst="straightConnector1">
+            <a:avLst/>
+          </a:prstGeom>
+          <a:ln>
+            <a:tailEnd type="triangle"/>
+          </a:ln>
+        </p:spPr>
+        <p:style>
+          <a:lnRef idx="2">
+            <a:schemeClr val="accent1"/>
+          </a:lnRef>
+          <a:fillRef idx="0">
+            <a:schemeClr val="accent1"/>
+          </a:fillRef>
+          <a:effectRef idx="1">
+            <a:schemeClr val="accent1"/>
+          </a:effectRef>
+          <a:fontRef idx="minor">
+            <a:schemeClr val="tx1"/>
+          </a:fontRef>
+        </p:style>
+      </p:cxnSp>
+      <p:sp>
+        <p:nvSpPr>
+          <p:cNvPr id="36" name="正方形/長方形 35">
+            <a:extLst>
+              <a:ext uri="{FF2B5EF4-FFF2-40B4-BE49-F238E27FC236}">
+                <a16:creationId xmlns:a16="http://schemas.microsoft.com/office/drawing/2014/main" id="{61BADCF7-0A54-B2F9-D155-449E7B72FB8F}"/>
+              </a:ext>
+            </a:extLst>
+          </p:cNvPr>
+          <p:cNvSpPr/>
+          <p:nvPr/>
+        </p:nvSpPr>
+        <p:spPr>
+          <a:xfrm>
+            <a:off x="1907665" y="5915366"/>
+            <a:ext cx="2097804" cy="369332"/>
+          </a:xfrm>
+          <a:prstGeom prst="rect">
+            <a:avLst/>
+          </a:prstGeom>
+          <a:noFill/>
+        </p:spPr>
+        <p:style>
+          <a:lnRef idx="2">
+            <a:schemeClr val="accent1">
+              <a:shade val="15000"/>
+            </a:schemeClr>
+          </a:lnRef>
+          <a:fillRef idx="1">
+            <a:schemeClr val="accent1"/>
+          </a:fillRef>
+          <a:effectRef idx="0">
+            <a:schemeClr val="accent1"/>
+          </a:effectRef>
+          <a:fontRef idx="minor">
+            <a:schemeClr val="lt1"/>
+          </a:fontRef>
+        </p:style>
+        <p:txBody>
+          <a:bodyPr rtlCol="0" anchor="ctr"/>
+          <a:lstStyle/>
+          <a:p>
+            <a:pPr algn="ctr"/>
+            <a:r>
+              <a:rPr kumimoji="1" lang="ja-JP" altLang="en-US" dirty="0">
+                <a:solidFill>
+                  <a:schemeClr val="tx1"/>
+                </a:solidFill>
+              </a:rPr>
+              <a:t>トップ画面に戻る</a:t>
+            </a:r>
+          </a:p>
+        </p:txBody>
+      </p:sp>
+    </p:spTree>
+    <p:extLst>
+      <p:ext uri="{BB962C8B-B14F-4D97-AF65-F5344CB8AC3E}">
+        <p14:creationId xmlns:p14="http://schemas.microsoft.com/office/powerpoint/2010/main" val="1991612794"/>
+      </p:ext>
+    </p:extLst>
+  </p:cSld>
+  <p:clrMapOvr>
+    <a:masterClrMapping/>
+  </p:clrMapOvr>
+</p:sld>
+</file>
+
+<file path=ppt/slides/slide40.xml><?xml version="1.0" encoding="utf-8"?>
 <p:sld xmlns:a="http://schemas.openxmlformats.org/drawingml/2006/main" xmlns:r="http://schemas.openxmlformats.org/officeDocument/2006/relationships" xmlns:p="http://schemas.openxmlformats.org/presentationml/2006/main">
   <p:cSld>
     <p:spTree>
@@ -14358,7 +16353,7 @@
 </p:sld>
 </file>
 
-<file path=ppt/slides/slide33.xml><?xml version="1.0" encoding="utf-8"?>
+<file path=ppt/slides/slide41.xml><?xml version="1.0" encoding="utf-8"?>
 <p:sld xmlns:a="http://schemas.openxmlformats.org/drawingml/2006/main" xmlns:r="http://schemas.openxmlformats.org/officeDocument/2006/relationships" xmlns:p="http://schemas.openxmlformats.org/presentationml/2006/main">
   <p:cSld>
     <p:spTree>
@@ -15072,7 +17067,7 @@
 </p:sld>
 </file>
 
-<file path=ppt/slides/slide34.xml><?xml version="1.0" encoding="utf-8"?>
+<file path=ppt/slides/slide42.xml><?xml version="1.0" encoding="utf-8"?>
 <p:sld xmlns:a="http://schemas.openxmlformats.org/drawingml/2006/main" xmlns:r="http://schemas.openxmlformats.org/officeDocument/2006/relationships" xmlns:p="http://schemas.openxmlformats.org/presentationml/2006/main">
   <p:cSld>
     <p:spTree>
@@ -15925,7 +17920,7 @@
 </p:sld>
 </file>
 
-<file path=ppt/slides/slide35.xml><?xml version="1.0" encoding="utf-8"?>
+<file path=ppt/slides/slide43.xml><?xml version="1.0" encoding="utf-8"?>
 <p:sld xmlns:a="http://schemas.openxmlformats.org/drawingml/2006/main" xmlns:r="http://schemas.openxmlformats.org/officeDocument/2006/relationships" xmlns:p="http://schemas.openxmlformats.org/presentationml/2006/main">
   <p:cSld>
     <p:spTree>
@@ -16402,7 +18397,7 @@
 </p:sld>
 </file>
 
-<file path=ppt/slides/slide36.xml><?xml version="1.0" encoding="utf-8"?>
+<file path=ppt/slides/slide44.xml><?xml version="1.0" encoding="utf-8"?>
 <p:sld xmlns:a="http://schemas.openxmlformats.org/drawingml/2006/main" xmlns:r="http://schemas.openxmlformats.org/officeDocument/2006/relationships" xmlns:p="http://schemas.openxmlformats.org/presentationml/2006/main">
   <p:cSld>
     <p:spTree>
@@ -17044,7 +19039,7 @@
 </p:sld>
 </file>
 
-<file path=ppt/slides/slide37.xml><?xml version="1.0" encoding="utf-8"?>
+<file path=ppt/slides/slide45.xml><?xml version="1.0" encoding="utf-8"?>
 <p:sld xmlns:a="http://schemas.openxmlformats.org/drawingml/2006/main" xmlns:r="http://schemas.openxmlformats.org/officeDocument/2006/relationships" xmlns:p="http://schemas.openxmlformats.org/presentationml/2006/main">
   <p:cSld>
     <p:spTree>
@@ -17764,7 +19759,7 @@
 </p:sld>
 </file>
 
-<file path=ppt/slides/slide38.xml><?xml version="1.0" encoding="utf-8"?>
+<file path=ppt/slides/slide46.xml><?xml version="1.0" encoding="utf-8"?>
 <p:sld xmlns:a="http://schemas.openxmlformats.org/drawingml/2006/main" xmlns:r="http://schemas.openxmlformats.org/officeDocument/2006/relationships" xmlns:p="http://schemas.openxmlformats.org/presentationml/2006/main">
   <p:cSld>
     <p:spTree>
@@ -18439,7 +20434,7 @@
 </p:sld>
 </file>
 
-<file path=ppt/slides/slide39.xml><?xml version="1.0" encoding="utf-8"?>
+<file path=ppt/slides/slide47.xml><?xml version="1.0" encoding="utf-8"?>
 <p:sld xmlns:a="http://schemas.openxmlformats.org/drawingml/2006/main" xmlns:r="http://schemas.openxmlformats.org/officeDocument/2006/relationships" xmlns:p="http://schemas.openxmlformats.org/presentationml/2006/main">
   <p:cSld>
     <p:spTree>
@@ -19013,643 +21008,7 @@
 </p:sld>
 </file>
 
-<file path=ppt/slides/slide4.xml><?xml version="1.0" encoding="utf-8"?>
-<p:sld xmlns:a="http://schemas.openxmlformats.org/drawingml/2006/main" xmlns:r="http://schemas.openxmlformats.org/officeDocument/2006/relationships" xmlns:p="http://schemas.openxmlformats.org/presentationml/2006/main">
-  <p:cSld>
-    <p:spTree>
-      <p:nvGrpSpPr>
-        <p:cNvPr id="1" name="">
-          <a:extLst>
-            <a:ext uri="{FF2B5EF4-FFF2-40B4-BE49-F238E27FC236}">
-              <a16:creationId xmlns:a16="http://schemas.microsoft.com/office/drawing/2014/main" id="{3CCC5F9F-35CD-63BB-0C17-D6F0C79D02CF}"/>
-            </a:ext>
-          </a:extLst>
-        </p:cNvPr>
-        <p:cNvGrpSpPr/>
-        <p:nvPr/>
-      </p:nvGrpSpPr>
-      <p:grpSpPr>
-        <a:xfrm>
-          <a:off x="0" y="0"/>
-          <a:ext cx="0" cy="0"/>
-          <a:chOff x="0" y="0"/>
-          <a:chExt cx="0" cy="0"/>
-        </a:xfrm>
-      </p:grpSpPr>
-      <p:cxnSp>
-        <p:nvCxnSpPr>
-          <p:cNvPr id="4" name="直線コネクタ 3">
-            <a:extLst>
-              <a:ext uri="{FF2B5EF4-FFF2-40B4-BE49-F238E27FC236}">
-                <a16:creationId xmlns:a16="http://schemas.microsoft.com/office/drawing/2014/main" id="{76E1EF0D-0BBC-A313-CB1A-1814C352AD0A}"/>
-              </a:ext>
-            </a:extLst>
-          </p:cNvPr>
-          <p:cNvCxnSpPr/>
-          <p:nvPr/>
-        </p:nvCxnSpPr>
-        <p:spPr>
-          <a:xfrm>
-            <a:off x="228600" y="755374"/>
-            <a:ext cx="11936896" cy="0"/>
-          </a:xfrm>
-          <a:prstGeom prst="line">
-            <a:avLst/>
-          </a:prstGeom>
-        </p:spPr>
-        <p:style>
-          <a:lnRef idx="2">
-            <a:schemeClr val="accent1"/>
-          </a:lnRef>
-          <a:fillRef idx="0">
-            <a:schemeClr val="accent1"/>
-          </a:fillRef>
-          <a:effectRef idx="1">
-            <a:schemeClr val="accent1"/>
-          </a:effectRef>
-          <a:fontRef idx="minor">
-            <a:schemeClr val="tx1"/>
-          </a:fontRef>
-        </p:style>
-      </p:cxnSp>
-      <p:sp>
-        <p:nvSpPr>
-          <p:cNvPr id="5" name="テキスト ボックス 4">
-            <a:extLst>
-              <a:ext uri="{FF2B5EF4-FFF2-40B4-BE49-F238E27FC236}">
-                <a16:creationId xmlns:a16="http://schemas.microsoft.com/office/drawing/2014/main" id="{13BAC101-05AC-6711-8E35-FBD5FD62450A}"/>
-              </a:ext>
-            </a:extLst>
-          </p:cNvPr>
-          <p:cNvSpPr txBox="1"/>
-          <p:nvPr/>
-        </p:nvSpPr>
-        <p:spPr>
-          <a:xfrm>
-            <a:off x="407504" y="198783"/>
-            <a:ext cx="3796748" cy="369332"/>
-          </a:xfrm>
-          <a:prstGeom prst="rect">
-            <a:avLst/>
-          </a:prstGeom>
-          <a:noFill/>
-        </p:spPr>
-        <p:txBody>
-          <a:bodyPr wrap="square" rtlCol="0">
-            <a:spAutoFit/>
-          </a:bodyPr>
-          <a:lstStyle/>
-          <a:p>
-            <a:r>
-              <a:rPr kumimoji="1" lang="en-US" altLang="ja-JP" dirty="0"/>
-              <a:t>QR</a:t>
-            </a:r>
-            <a:r>
-              <a:rPr kumimoji="1" lang="ja-JP" altLang="en-US" dirty="0"/>
-              <a:t>コードリーダから展示物紹介</a:t>
-            </a:r>
-          </a:p>
-        </p:txBody>
-      </p:sp>
-      <p:sp>
-        <p:nvSpPr>
-          <p:cNvPr id="2" name="テキスト ボックス 1">
-            <a:extLst>
-              <a:ext uri="{FF2B5EF4-FFF2-40B4-BE49-F238E27FC236}">
-                <a16:creationId xmlns:a16="http://schemas.microsoft.com/office/drawing/2014/main" id="{AF1B5432-7C5B-D3B3-5264-CCC1A35AFE27}"/>
-              </a:ext>
-            </a:extLst>
-          </p:cNvPr>
-          <p:cNvSpPr txBox="1"/>
-          <p:nvPr/>
-        </p:nvSpPr>
-        <p:spPr>
-          <a:xfrm>
-            <a:off x="556592" y="942634"/>
-            <a:ext cx="1987826" cy="369332"/>
-          </a:xfrm>
-          <a:prstGeom prst="rect">
-            <a:avLst/>
-          </a:prstGeom>
-          <a:noFill/>
-        </p:spPr>
-        <p:txBody>
-          <a:bodyPr wrap="square" rtlCol="0">
-            <a:spAutoFit/>
-          </a:bodyPr>
-          <a:lstStyle/>
-          <a:p>
-            <a:r>
-              <a:rPr kumimoji="1" lang="ja-JP" altLang="en-US" dirty="0"/>
-              <a:t>画面イメージ</a:t>
-            </a:r>
-          </a:p>
-        </p:txBody>
-      </p:sp>
-      <p:pic>
-        <p:nvPicPr>
-          <p:cNvPr id="6" name="図 5" descr="図形, 正方形&#10;&#10;AI 生成コンテンツは誤りを含む可能性があります。">
-            <a:extLst>
-              <a:ext uri="{FF2B5EF4-FFF2-40B4-BE49-F238E27FC236}">
-                <a16:creationId xmlns:a16="http://schemas.microsoft.com/office/drawing/2014/main" id="{9DEC15E6-EB60-2B73-FA84-7FD3500BDC38}"/>
-              </a:ext>
-            </a:extLst>
-          </p:cNvPr>
-          <p:cNvPicPr>
-            <a:picLocks noChangeAspect="1"/>
-          </p:cNvPicPr>
-          <p:nvPr/>
-        </p:nvPicPr>
-        <p:blipFill>
-          <a:blip r:embed="rId2"/>
-          <a:stretch>
-            <a:fillRect/>
-          </a:stretch>
-        </p:blipFill>
-        <p:spPr>
-          <a:xfrm>
-            <a:off x="1397382" y="1274165"/>
-            <a:ext cx="3360695" cy="5385052"/>
-          </a:xfrm>
-          <a:prstGeom prst="rect">
-            <a:avLst/>
-          </a:prstGeom>
-        </p:spPr>
-      </p:pic>
-      <p:sp>
-        <p:nvSpPr>
-          <p:cNvPr id="7" name="テキスト ボックス 6">
-            <a:extLst>
-              <a:ext uri="{FF2B5EF4-FFF2-40B4-BE49-F238E27FC236}">
-                <a16:creationId xmlns:a16="http://schemas.microsoft.com/office/drawing/2014/main" id="{DE65383C-7EC4-89E4-ACD6-D2D67AB2B1CB}"/>
-              </a:ext>
-            </a:extLst>
-          </p:cNvPr>
-          <p:cNvSpPr txBox="1"/>
-          <p:nvPr/>
-        </p:nvSpPr>
-        <p:spPr>
-          <a:xfrm>
-            <a:off x="1550505" y="1908313"/>
-            <a:ext cx="3399122" cy="369332"/>
-          </a:xfrm>
-          <a:prstGeom prst="rect">
-            <a:avLst/>
-          </a:prstGeom>
-          <a:noFill/>
-        </p:spPr>
-        <p:txBody>
-          <a:bodyPr wrap="square" rtlCol="0">
-            <a:spAutoFit/>
-          </a:bodyPr>
-          <a:lstStyle/>
-          <a:p>
-            <a:r>
-              <a:rPr kumimoji="1" lang="en-US" altLang="ja-JP" b="1" dirty="0"/>
-              <a:t>QR</a:t>
-            </a:r>
-            <a:r>
-              <a:rPr kumimoji="1" lang="ja-JP" altLang="en-US" b="1" dirty="0"/>
-              <a:t>コードを読んでください</a:t>
-            </a:r>
-          </a:p>
-        </p:txBody>
-      </p:sp>
-      <p:pic>
-        <p:nvPicPr>
-          <p:cNvPr id="9" name="図 8">
-            <a:extLst>
-              <a:ext uri="{FF2B5EF4-FFF2-40B4-BE49-F238E27FC236}">
-                <a16:creationId xmlns:a16="http://schemas.microsoft.com/office/drawing/2014/main" id="{DA1C2295-C173-0F80-A332-C75CF2373036}"/>
-              </a:ext>
-            </a:extLst>
-          </p:cNvPr>
-          <p:cNvPicPr>
-            <a:picLocks noChangeAspect="1"/>
-          </p:cNvPicPr>
-          <p:nvPr/>
-        </p:nvPicPr>
-        <p:blipFill>
-          <a:blip r:embed="rId3"/>
-          <a:stretch>
-            <a:fillRect/>
-          </a:stretch>
-        </p:blipFill>
-        <p:spPr>
-          <a:xfrm>
-            <a:off x="2027066" y="2719716"/>
-            <a:ext cx="1978403" cy="1860640"/>
-          </a:xfrm>
-          <a:prstGeom prst="rect">
-            <a:avLst/>
-          </a:prstGeom>
-        </p:spPr>
-      </p:pic>
-      <p:pic>
-        <p:nvPicPr>
-          <p:cNvPr id="21" name="図 20" descr="図形, 正方形&#10;&#10;AI 生成コンテンツは誤りを含む可能性があります。">
-            <a:extLst>
-              <a:ext uri="{FF2B5EF4-FFF2-40B4-BE49-F238E27FC236}">
-                <a16:creationId xmlns:a16="http://schemas.microsoft.com/office/drawing/2014/main" id="{39B75BAD-1936-9281-BCAA-B50904FA8961}"/>
-              </a:ext>
-            </a:extLst>
-          </p:cNvPr>
-          <p:cNvPicPr>
-            <a:picLocks noChangeAspect="1"/>
-          </p:cNvPicPr>
-          <p:nvPr/>
-        </p:nvPicPr>
-        <p:blipFill>
-          <a:blip r:embed="rId2"/>
-          <a:stretch>
-            <a:fillRect/>
-          </a:stretch>
-        </p:blipFill>
-        <p:spPr>
-          <a:xfrm>
-            <a:off x="6588922" y="1105199"/>
-            <a:ext cx="3399123" cy="5446627"/>
-          </a:xfrm>
-          <a:prstGeom prst="rect">
-            <a:avLst/>
-          </a:prstGeom>
-        </p:spPr>
-      </p:pic>
-      <p:pic>
-        <p:nvPicPr>
-          <p:cNvPr id="23" name="図 22" descr="テーブル, 座る, ベッド, 横たわる が含まれている画像&#10;&#10;AI 生成コンテンツは誤りを含む可能性があります。">
-            <a:extLst>
-              <a:ext uri="{FF2B5EF4-FFF2-40B4-BE49-F238E27FC236}">
-                <a16:creationId xmlns:a16="http://schemas.microsoft.com/office/drawing/2014/main" id="{4C69D530-DF1B-4D97-200B-228B1799876B}"/>
-              </a:ext>
-            </a:extLst>
-          </p:cNvPr>
-          <p:cNvPicPr>
-            <a:picLocks noChangeAspect="1"/>
-          </p:cNvPicPr>
-          <p:nvPr/>
-        </p:nvPicPr>
-        <p:blipFill>
-          <a:blip r:embed="rId4"/>
-          <a:stretch>
-            <a:fillRect/>
-          </a:stretch>
-        </p:blipFill>
-        <p:spPr>
-          <a:xfrm>
-            <a:off x="7030709" y="1545577"/>
-            <a:ext cx="2232562" cy="2669962"/>
-          </a:xfrm>
-          <a:prstGeom prst="rect">
-            <a:avLst/>
-          </a:prstGeom>
-        </p:spPr>
-      </p:pic>
-      <p:sp>
-        <p:nvSpPr>
-          <p:cNvPr id="24" name="テキスト ボックス 23">
-            <a:extLst>
-              <a:ext uri="{FF2B5EF4-FFF2-40B4-BE49-F238E27FC236}">
-                <a16:creationId xmlns:a16="http://schemas.microsoft.com/office/drawing/2014/main" id="{59BCA050-EFD7-369D-2565-BD4F1F03F502}"/>
-              </a:ext>
-            </a:extLst>
-          </p:cNvPr>
-          <p:cNvSpPr txBox="1"/>
-          <p:nvPr/>
-        </p:nvSpPr>
-        <p:spPr>
-          <a:xfrm>
-            <a:off x="7568648" y="4664754"/>
-            <a:ext cx="2232562" cy="369332"/>
-          </a:xfrm>
-          <a:prstGeom prst="rect">
-            <a:avLst/>
-          </a:prstGeom>
-          <a:noFill/>
-        </p:spPr>
-        <p:txBody>
-          <a:bodyPr wrap="square" rtlCol="0">
-            <a:spAutoFit/>
-          </a:bodyPr>
-          <a:lstStyle/>
-          <a:p>
-            <a:r>
-              <a:rPr kumimoji="1" lang="ja-JP" altLang="en-US" dirty="0"/>
-              <a:t>説明文</a:t>
-            </a:r>
-          </a:p>
-        </p:txBody>
-      </p:sp>
-      <p:sp>
-        <p:nvSpPr>
-          <p:cNvPr id="26" name="テキスト ボックス 25">
-            <a:extLst>
-              <a:ext uri="{FF2B5EF4-FFF2-40B4-BE49-F238E27FC236}">
-                <a16:creationId xmlns:a16="http://schemas.microsoft.com/office/drawing/2014/main" id="{BFDCC9AA-7B59-08A1-5ADF-33AECEF9CAEE}"/>
-              </a:ext>
-            </a:extLst>
-          </p:cNvPr>
-          <p:cNvSpPr txBox="1"/>
-          <p:nvPr/>
-        </p:nvSpPr>
-        <p:spPr>
-          <a:xfrm>
-            <a:off x="8522416" y="4215539"/>
-            <a:ext cx="735495" cy="369332"/>
-          </a:xfrm>
-          <a:prstGeom prst="rect">
-            <a:avLst/>
-          </a:prstGeom>
-          <a:solidFill>
-            <a:schemeClr val="bg2"/>
-          </a:solidFill>
-          <a:ln>
-            <a:solidFill>
-              <a:schemeClr val="accent1"/>
-            </a:solidFill>
-          </a:ln>
-        </p:spPr>
-        <p:txBody>
-          <a:bodyPr wrap="square" rtlCol="0">
-            <a:spAutoFit/>
-          </a:bodyPr>
-          <a:lstStyle/>
-          <a:p>
-            <a:r>
-              <a:rPr kumimoji="1" lang="ja-JP" altLang="en-US" dirty="0">
-                <a:ln>
-                  <a:solidFill>
-                    <a:schemeClr val="accent1"/>
-                  </a:solidFill>
-                </a:ln>
-              </a:rPr>
-              <a:t>音声</a:t>
-            </a:r>
-          </a:p>
-        </p:txBody>
-      </p:sp>
-      <p:sp>
-        <p:nvSpPr>
-          <p:cNvPr id="27" name="吹き出し: 四角形 26">
-            <a:extLst>
-              <a:ext uri="{FF2B5EF4-FFF2-40B4-BE49-F238E27FC236}">
-                <a16:creationId xmlns:a16="http://schemas.microsoft.com/office/drawing/2014/main" id="{0841179F-A73D-D7A0-5850-570278C83C5F}"/>
-              </a:ext>
-            </a:extLst>
-          </p:cNvPr>
-          <p:cNvSpPr/>
-          <p:nvPr/>
-        </p:nvSpPr>
-        <p:spPr>
-          <a:xfrm>
-            <a:off x="10346636" y="2972385"/>
-            <a:ext cx="1401418" cy="677651"/>
-          </a:xfrm>
-          <a:prstGeom prst="wedgeRectCallout">
-            <a:avLst>
-              <a:gd name="adj1" fmla="val -110515"/>
-              <a:gd name="adj2" fmla="val 154902"/>
-            </a:avLst>
-          </a:prstGeom>
-          <a:noFill/>
-        </p:spPr>
-        <p:style>
-          <a:lnRef idx="2">
-            <a:schemeClr val="accent1">
-              <a:shade val="15000"/>
-            </a:schemeClr>
-          </a:lnRef>
-          <a:fillRef idx="1">
-            <a:schemeClr val="accent1"/>
-          </a:fillRef>
-          <a:effectRef idx="0">
-            <a:schemeClr val="accent1"/>
-          </a:effectRef>
-          <a:fontRef idx="minor">
-            <a:schemeClr val="lt1"/>
-          </a:fontRef>
-        </p:style>
-        <p:txBody>
-          <a:bodyPr rtlCol="0" anchor="ctr"/>
-          <a:lstStyle/>
-          <a:p>
-            <a:pPr algn="ctr"/>
-            <a:r>
-              <a:rPr kumimoji="1" lang="ja-JP" altLang="en-US" dirty="0">
-                <a:solidFill>
-                  <a:schemeClr val="tx1"/>
-                </a:solidFill>
-              </a:rPr>
-              <a:t>音声再生</a:t>
-            </a:r>
-          </a:p>
-        </p:txBody>
-      </p:sp>
-      <p:sp>
-        <p:nvSpPr>
-          <p:cNvPr id="29" name="正方形/長方形 28">
-            <a:extLst>
-              <a:ext uri="{FF2B5EF4-FFF2-40B4-BE49-F238E27FC236}">
-                <a16:creationId xmlns:a16="http://schemas.microsoft.com/office/drawing/2014/main" id="{DD0A2E3E-26E1-0F27-8377-36D5965EA359}"/>
-              </a:ext>
-            </a:extLst>
-          </p:cNvPr>
-          <p:cNvSpPr/>
-          <p:nvPr/>
-        </p:nvSpPr>
-        <p:spPr>
-          <a:xfrm>
-            <a:off x="7141267" y="5818569"/>
-            <a:ext cx="1108602" cy="369332"/>
-          </a:xfrm>
-          <a:prstGeom prst="rect">
-            <a:avLst/>
-          </a:prstGeom>
-          <a:noFill/>
-        </p:spPr>
-        <p:style>
-          <a:lnRef idx="2">
-            <a:schemeClr val="accent1">
-              <a:shade val="15000"/>
-            </a:schemeClr>
-          </a:lnRef>
-          <a:fillRef idx="1">
-            <a:schemeClr val="accent1"/>
-          </a:fillRef>
-          <a:effectRef idx="0">
-            <a:schemeClr val="accent1"/>
-          </a:effectRef>
-          <a:fontRef idx="minor">
-            <a:schemeClr val="lt1"/>
-          </a:fontRef>
-        </p:style>
-        <p:txBody>
-          <a:bodyPr rtlCol="0" anchor="ctr"/>
-          <a:lstStyle/>
-          <a:p>
-            <a:pPr algn="ctr"/>
-            <a:r>
-              <a:rPr kumimoji="1" lang="ja-JP" altLang="en-US" dirty="0">
-                <a:solidFill>
-                  <a:schemeClr val="tx1"/>
-                </a:solidFill>
-              </a:rPr>
-              <a:t>戻る</a:t>
-            </a:r>
-          </a:p>
-        </p:txBody>
-      </p:sp>
-      <p:cxnSp>
-        <p:nvCxnSpPr>
-          <p:cNvPr id="32" name="直線矢印コネクタ 31">
-            <a:extLst>
-              <a:ext uri="{FF2B5EF4-FFF2-40B4-BE49-F238E27FC236}">
-                <a16:creationId xmlns:a16="http://schemas.microsoft.com/office/drawing/2014/main" id="{9140CC7F-E329-E2D4-E91F-6249AD989646}"/>
-              </a:ext>
-            </a:extLst>
-          </p:cNvPr>
-          <p:cNvCxnSpPr>
-            <a:stCxn id="6" idx="3"/>
-            <a:endCxn id="21" idx="1"/>
-          </p:cNvCxnSpPr>
-          <p:nvPr/>
-        </p:nvCxnSpPr>
-        <p:spPr>
-          <a:xfrm flipV="1">
-            <a:off x="4758077" y="3828513"/>
-            <a:ext cx="1830845" cy="138178"/>
-          </a:xfrm>
-          <a:prstGeom prst="straightConnector1">
-            <a:avLst/>
-          </a:prstGeom>
-          <a:ln>
-            <a:tailEnd type="triangle"/>
-          </a:ln>
-        </p:spPr>
-        <p:style>
-          <a:lnRef idx="2">
-            <a:schemeClr val="accent1"/>
-          </a:lnRef>
-          <a:fillRef idx="0">
-            <a:schemeClr val="accent1"/>
-          </a:fillRef>
-          <a:effectRef idx="1">
-            <a:schemeClr val="accent1"/>
-          </a:effectRef>
-          <a:fontRef idx="minor">
-            <a:schemeClr val="tx1"/>
-          </a:fontRef>
-        </p:style>
-      </p:cxnSp>
-      <p:cxnSp>
-        <p:nvCxnSpPr>
-          <p:cNvPr id="33" name="直線矢印コネクタ 32">
-            <a:extLst>
-              <a:ext uri="{FF2B5EF4-FFF2-40B4-BE49-F238E27FC236}">
-                <a16:creationId xmlns:a16="http://schemas.microsoft.com/office/drawing/2014/main" id="{51AAC775-F688-A2A2-8DC6-0012ABBC585A}"/>
-              </a:ext>
-            </a:extLst>
-          </p:cNvPr>
-          <p:cNvCxnSpPr>
-            <a:cxnSpLocks/>
-          </p:cNvCxnSpPr>
-          <p:nvPr/>
-        </p:nvCxnSpPr>
-        <p:spPr>
-          <a:xfrm flipH="1">
-            <a:off x="4808485" y="6003235"/>
-            <a:ext cx="2332782" cy="0"/>
-          </a:xfrm>
-          <a:prstGeom prst="straightConnector1">
-            <a:avLst/>
-          </a:prstGeom>
-          <a:ln>
-            <a:tailEnd type="triangle"/>
-          </a:ln>
-        </p:spPr>
-        <p:style>
-          <a:lnRef idx="2">
-            <a:schemeClr val="accent1"/>
-          </a:lnRef>
-          <a:fillRef idx="0">
-            <a:schemeClr val="accent1"/>
-          </a:fillRef>
-          <a:effectRef idx="1">
-            <a:schemeClr val="accent1"/>
-          </a:effectRef>
-          <a:fontRef idx="minor">
-            <a:schemeClr val="tx1"/>
-          </a:fontRef>
-        </p:style>
-      </p:cxnSp>
-      <p:sp>
-        <p:nvSpPr>
-          <p:cNvPr id="36" name="正方形/長方形 35">
-            <a:extLst>
-              <a:ext uri="{FF2B5EF4-FFF2-40B4-BE49-F238E27FC236}">
-                <a16:creationId xmlns:a16="http://schemas.microsoft.com/office/drawing/2014/main" id="{61BADCF7-0A54-B2F9-D155-449E7B72FB8F}"/>
-              </a:ext>
-            </a:extLst>
-          </p:cNvPr>
-          <p:cNvSpPr/>
-          <p:nvPr/>
-        </p:nvSpPr>
-        <p:spPr>
-          <a:xfrm>
-            <a:off x="1907665" y="5915366"/>
-            <a:ext cx="2097804" cy="369332"/>
-          </a:xfrm>
-          <a:prstGeom prst="rect">
-            <a:avLst/>
-          </a:prstGeom>
-          <a:noFill/>
-        </p:spPr>
-        <p:style>
-          <a:lnRef idx="2">
-            <a:schemeClr val="accent1">
-              <a:shade val="15000"/>
-            </a:schemeClr>
-          </a:lnRef>
-          <a:fillRef idx="1">
-            <a:schemeClr val="accent1"/>
-          </a:fillRef>
-          <a:effectRef idx="0">
-            <a:schemeClr val="accent1"/>
-          </a:effectRef>
-          <a:fontRef idx="minor">
-            <a:schemeClr val="lt1"/>
-          </a:fontRef>
-        </p:style>
-        <p:txBody>
-          <a:bodyPr rtlCol="0" anchor="ctr"/>
-          <a:lstStyle/>
-          <a:p>
-            <a:pPr algn="ctr"/>
-            <a:r>
-              <a:rPr kumimoji="1" lang="ja-JP" altLang="en-US" dirty="0">
-                <a:solidFill>
-                  <a:schemeClr val="tx1"/>
-                </a:solidFill>
-              </a:rPr>
-              <a:t>トップ画面に戻る</a:t>
-            </a:r>
-          </a:p>
-        </p:txBody>
-      </p:sp>
-    </p:spTree>
-    <p:extLst>
-      <p:ext uri="{BB962C8B-B14F-4D97-AF65-F5344CB8AC3E}">
-        <p14:creationId xmlns:p14="http://schemas.microsoft.com/office/powerpoint/2010/main" val="1991612794"/>
-      </p:ext>
-    </p:extLst>
-  </p:cSld>
-  <p:clrMapOvr>
-    <a:masterClrMapping/>
-  </p:clrMapOvr>
-</p:sld>
-</file>
-
-<file path=ppt/slides/slide40.xml><?xml version="1.0" encoding="utf-8"?>
+<file path=ppt/slides/slide48.xml><?xml version="1.0" encoding="utf-8"?>
 <p:sld xmlns:a="http://schemas.openxmlformats.org/drawingml/2006/main" xmlns:r="http://schemas.openxmlformats.org/officeDocument/2006/relationships" xmlns:p="http://schemas.openxmlformats.org/presentationml/2006/main">
   <p:cSld>
     <p:spTree>
@@ -20045,7 +21404,7 @@
 </p:sld>
 </file>
 
-<file path=ppt/slides/slide41.xml><?xml version="1.0" encoding="utf-8"?>
+<file path=ppt/slides/slide49.xml><?xml version="1.0" encoding="utf-8"?>
 <p:sld xmlns:a="http://schemas.openxmlformats.org/drawingml/2006/main" xmlns:r="http://schemas.openxmlformats.org/officeDocument/2006/relationships" xmlns:p="http://schemas.openxmlformats.org/presentationml/2006/main">
   <p:cSld>
     <p:spTree>
@@ -21165,7 +22524,411 @@
 </p:sld>
 </file>
 
-<file path=ppt/slides/slide42.xml><?xml version="1.0" encoding="utf-8"?>
+<file path=ppt/slides/slide5.xml><?xml version="1.0" encoding="utf-8"?>
+<p:sld xmlns:a="http://schemas.openxmlformats.org/drawingml/2006/main" xmlns:r="http://schemas.openxmlformats.org/officeDocument/2006/relationships" xmlns:p="http://schemas.openxmlformats.org/presentationml/2006/main">
+  <p:cSld>
+    <p:spTree>
+      <p:nvGrpSpPr>
+        <p:cNvPr id="1" name="">
+          <a:extLst>
+            <a:ext uri="{FF2B5EF4-FFF2-40B4-BE49-F238E27FC236}">
+              <a16:creationId xmlns:a16="http://schemas.microsoft.com/office/drawing/2014/main" id="{D67F9A5F-EA38-B909-CB71-06C5141C6233}"/>
+            </a:ext>
+          </a:extLst>
+        </p:cNvPr>
+        <p:cNvGrpSpPr/>
+        <p:nvPr/>
+      </p:nvGrpSpPr>
+      <p:grpSpPr>
+        <a:xfrm>
+          <a:off x="0" y="0"/>
+          <a:ext cx="0" cy="0"/>
+          <a:chOff x="0" y="0"/>
+          <a:chExt cx="0" cy="0"/>
+        </a:xfrm>
+      </p:grpSpPr>
+      <p:cxnSp>
+        <p:nvCxnSpPr>
+          <p:cNvPr id="4" name="直線コネクタ 3">
+            <a:extLst>
+              <a:ext uri="{FF2B5EF4-FFF2-40B4-BE49-F238E27FC236}">
+                <a16:creationId xmlns:a16="http://schemas.microsoft.com/office/drawing/2014/main" id="{45EF8F97-1725-EB81-70FC-BE6CE30B0F17}"/>
+              </a:ext>
+            </a:extLst>
+          </p:cNvPr>
+          <p:cNvCxnSpPr/>
+          <p:nvPr/>
+        </p:nvCxnSpPr>
+        <p:spPr>
+          <a:xfrm>
+            <a:off x="228600" y="755374"/>
+            <a:ext cx="11936896" cy="0"/>
+          </a:xfrm>
+          <a:prstGeom prst="line">
+            <a:avLst/>
+          </a:prstGeom>
+        </p:spPr>
+        <p:style>
+          <a:lnRef idx="2">
+            <a:schemeClr val="accent1"/>
+          </a:lnRef>
+          <a:fillRef idx="0">
+            <a:schemeClr val="accent1"/>
+          </a:fillRef>
+          <a:effectRef idx="1">
+            <a:schemeClr val="accent1"/>
+          </a:effectRef>
+          <a:fontRef idx="minor">
+            <a:schemeClr val="tx1"/>
+          </a:fontRef>
+        </p:style>
+      </p:cxnSp>
+      <p:sp>
+        <p:nvSpPr>
+          <p:cNvPr id="5" name="テキスト ボックス 4">
+            <a:extLst>
+              <a:ext uri="{FF2B5EF4-FFF2-40B4-BE49-F238E27FC236}">
+                <a16:creationId xmlns:a16="http://schemas.microsoft.com/office/drawing/2014/main" id="{462E6617-0187-0E9A-2D30-978B81F58C84}"/>
+              </a:ext>
+            </a:extLst>
+          </p:cNvPr>
+          <p:cNvSpPr txBox="1"/>
+          <p:nvPr/>
+        </p:nvSpPr>
+        <p:spPr>
+          <a:xfrm>
+            <a:off x="407504" y="198783"/>
+            <a:ext cx="3796748" cy="369332"/>
+          </a:xfrm>
+          <a:prstGeom prst="rect">
+            <a:avLst/>
+          </a:prstGeom>
+          <a:noFill/>
+        </p:spPr>
+        <p:txBody>
+          <a:bodyPr wrap="square" rtlCol="0">
+            <a:spAutoFit/>
+          </a:bodyPr>
+          <a:lstStyle/>
+          <a:p>
+            <a:r>
+              <a:rPr kumimoji="1" lang="ja-JP" altLang="en-US" dirty="0"/>
+              <a:t>管理機能</a:t>
+            </a:r>
+          </a:p>
+        </p:txBody>
+      </p:sp>
+      <p:sp>
+        <p:nvSpPr>
+          <p:cNvPr id="12" name="テキスト ボックス 11">
+            <a:extLst>
+              <a:ext uri="{FF2B5EF4-FFF2-40B4-BE49-F238E27FC236}">
+                <a16:creationId xmlns:a16="http://schemas.microsoft.com/office/drawing/2014/main" id="{6CE07053-07AA-8E69-8714-0078AE200A66}"/>
+              </a:ext>
+            </a:extLst>
+          </p:cNvPr>
+          <p:cNvSpPr txBox="1"/>
+          <p:nvPr/>
+        </p:nvSpPr>
+        <p:spPr>
+          <a:xfrm>
+            <a:off x="407504" y="1093304"/>
+            <a:ext cx="11261035" cy="5632311"/>
+          </a:xfrm>
+          <a:prstGeom prst="rect">
+            <a:avLst/>
+          </a:prstGeom>
+          <a:noFill/>
+        </p:spPr>
+        <p:txBody>
+          <a:bodyPr wrap="square" rtlCol="0">
+            <a:spAutoFit/>
+          </a:bodyPr>
+          <a:lstStyle/>
+          <a:p>
+            <a:pPr marL="285750" indent="-285750">
+              <a:buFont typeface="Wingdings" panose="05000000000000000000" pitchFamily="2" charset="2"/>
+              <a:buChar char="ü"/>
+            </a:pPr>
+            <a:r>
+              <a:rPr kumimoji="1" lang="ja-JP" altLang="en-US" dirty="0"/>
+              <a:t>ルート権限者＝</a:t>
+            </a:r>
+            <a:r>
+              <a:rPr kumimoji="1" lang="en-US" altLang="ja-JP" dirty="0" err="1"/>
+              <a:t>xserver</a:t>
+            </a:r>
+            <a:r>
+              <a:rPr kumimoji="1" lang="ja-JP" altLang="en-US" dirty="0"/>
+              <a:t>の契約者＝１名のみ</a:t>
+            </a:r>
+            <a:endParaRPr kumimoji="1" lang="en-US" altLang="ja-JP" dirty="0"/>
+          </a:p>
+          <a:p>
+            <a:pPr marL="800100" lvl="1" indent="-342900">
+              <a:buFont typeface="+mj-lt"/>
+              <a:buAutoNum type="arabicPeriod"/>
+            </a:pPr>
+            <a:r>
+              <a:rPr lang="en-US" altLang="ja-JP" dirty="0"/>
+              <a:t>DB</a:t>
+            </a:r>
+            <a:r>
+              <a:rPr lang="ja-JP" altLang="en-US" dirty="0"/>
+              <a:t>を直接調査できる権限</a:t>
+            </a:r>
+            <a:endParaRPr lang="en-US" altLang="ja-JP" dirty="0"/>
+          </a:p>
+          <a:p>
+            <a:pPr marL="800100" lvl="1" indent="-342900">
+              <a:buFont typeface="+mj-lt"/>
+              <a:buAutoNum type="arabicPeriod"/>
+            </a:pPr>
+            <a:r>
+              <a:rPr kumimoji="1" lang="ja-JP" altLang="en-US" dirty="0"/>
+              <a:t>入出力用のインターフェースは無し</a:t>
+            </a:r>
+            <a:r>
+              <a:rPr kumimoji="1" lang="en-US" altLang="ja-JP" dirty="0"/>
+              <a:t>=</a:t>
+            </a:r>
+            <a:r>
+              <a:rPr kumimoji="1" lang="en-US" altLang="ja-JP" dirty="0" err="1"/>
+              <a:t>xserver</a:t>
+            </a:r>
+            <a:r>
+              <a:rPr kumimoji="1" lang="ja-JP" altLang="en-US" dirty="0"/>
+              <a:t>の管理画面を利用</a:t>
+            </a:r>
+            <a:endParaRPr kumimoji="1" lang="en-US" altLang="ja-JP" dirty="0"/>
+          </a:p>
+          <a:p>
+            <a:pPr marL="800100" lvl="1" indent="-342900">
+              <a:buFont typeface="+mj-lt"/>
+              <a:buAutoNum type="arabicPeriod"/>
+            </a:pPr>
+            <a:r>
+              <a:rPr kumimoji="1" lang="ja-JP" altLang="en-US" dirty="0"/>
+              <a:t>スーパーバイザーを登録／変更／削除</a:t>
+            </a:r>
+            <a:endParaRPr kumimoji="1" lang="en-US" altLang="ja-JP" dirty="0"/>
+          </a:p>
+          <a:p>
+            <a:pPr marL="800100" lvl="1" indent="-342900">
+              <a:buFont typeface="+mj-lt"/>
+              <a:buAutoNum type="arabicPeriod"/>
+            </a:pPr>
+            <a:r>
+              <a:rPr kumimoji="1" lang="ja-JP" altLang="en-US" dirty="0"/>
+              <a:t>スーパーバイザーパスワードの強制リセット</a:t>
+            </a:r>
+            <a:endParaRPr kumimoji="1" lang="en-US" altLang="ja-JP" dirty="0"/>
+          </a:p>
+          <a:p>
+            <a:pPr marL="285750" indent="-285750">
+              <a:buFont typeface="Wingdings" panose="05000000000000000000" pitchFamily="2" charset="2"/>
+              <a:buChar char="ü"/>
+            </a:pPr>
+            <a:r>
+              <a:rPr kumimoji="1" lang="ja-JP" altLang="en-US" dirty="0"/>
+              <a:t>全体の管理者（スーパーバイザー）の定義</a:t>
+            </a:r>
+            <a:endParaRPr kumimoji="1" lang="en-US" altLang="ja-JP" dirty="0"/>
+          </a:p>
+          <a:p>
+            <a:pPr marL="800100" lvl="1" indent="-342900">
+              <a:buFont typeface="+mj-lt"/>
+              <a:buAutoNum type="arabicPeriod"/>
+            </a:pPr>
+            <a:r>
+              <a:rPr kumimoji="1" lang="ja-JP" altLang="en-US" dirty="0"/>
+              <a:t>スーパーバイザーは複数可能</a:t>
+            </a:r>
+            <a:endParaRPr kumimoji="1" lang="en-US" altLang="ja-JP" dirty="0"/>
+          </a:p>
+          <a:p>
+            <a:pPr marL="800100" lvl="1" indent="-342900">
+              <a:buFont typeface="+mj-lt"/>
+              <a:buAutoNum type="arabicPeriod"/>
+            </a:pPr>
+            <a:r>
+              <a:rPr kumimoji="1" lang="ja-JP" altLang="en-US" dirty="0"/>
+              <a:t>ルート権限者が登録できる</a:t>
+            </a:r>
+            <a:endParaRPr kumimoji="1" lang="en-US" altLang="ja-JP" dirty="0"/>
+          </a:p>
+          <a:p>
+            <a:pPr marL="800100" lvl="1" indent="-342900">
+              <a:buFont typeface="+mj-lt"/>
+              <a:buAutoNum type="arabicPeriod"/>
+            </a:pPr>
+            <a:r>
+              <a:rPr kumimoji="1" lang="ja-JP" altLang="en-US" dirty="0"/>
+              <a:t>スーパーバイザーは</a:t>
+            </a:r>
+            <a:r>
+              <a:rPr lang="en-US" altLang="ja-JP" dirty="0"/>
+              <a:t>SQL</a:t>
+            </a:r>
+            <a:r>
+              <a:rPr lang="ja-JP" altLang="en-US" dirty="0"/>
+              <a:t>を利用した</a:t>
+            </a:r>
+            <a:r>
+              <a:rPr lang="en-US" altLang="ja-JP" dirty="0"/>
+              <a:t>DB</a:t>
+            </a:r>
+            <a:r>
+              <a:rPr lang="ja-JP" altLang="en-US" dirty="0"/>
+              <a:t>管理はできない</a:t>
+            </a:r>
+            <a:endParaRPr lang="en-US" altLang="ja-JP" dirty="0"/>
+          </a:p>
+          <a:p>
+            <a:pPr marL="800100" lvl="1" indent="-342900">
+              <a:buFont typeface="+mj-lt"/>
+              <a:buAutoNum type="arabicPeriod"/>
+            </a:pPr>
+            <a:r>
+              <a:rPr kumimoji="1" lang="ja-JP" altLang="en-US" dirty="0"/>
+              <a:t>スーパーバイザーパスワードは自身で変更できる</a:t>
+            </a:r>
+            <a:endParaRPr kumimoji="1" lang="en-US" altLang="ja-JP" dirty="0"/>
+          </a:p>
+          <a:p>
+            <a:pPr marL="285750" indent="-285750">
+              <a:buFont typeface="Wingdings" panose="05000000000000000000" pitchFamily="2" charset="2"/>
+              <a:buChar char="ü"/>
+            </a:pPr>
+            <a:r>
+              <a:rPr kumimoji="1" lang="ja-JP" altLang="en-US" dirty="0"/>
+              <a:t>スーパーバイザーの権限</a:t>
+            </a:r>
+            <a:endParaRPr kumimoji="1" lang="en-US" altLang="ja-JP" dirty="0"/>
+          </a:p>
+          <a:p>
+            <a:pPr marL="800100" lvl="1" indent="-342900">
+              <a:buFont typeface="+mj-lt"/>
+              <a:buAutoNum type="arabicPeriod"/>
+            </a:pPr>
+            <a:r>
+              <a:rPr kumimoji="1" lang="ja-JP" altLang="en-US" dirty="0"/>
+              <a:t>博物館の登録／削除</a:t>
+            </a:r>
+            <a:endParaRPr kumimoji="1" lang="en-US" altLang="ja-JP" dirty="0"/>
+          </a:p>
+          <a:p>
+            <a:pPr marL="800100" lvl="1" indent="-342900">
+              <a:buFont typeface="+mj-lt"/>
+              <a:buAutoNum type="arabicPeriod"/>
+            </a:pPr>
+            <a:r>
+              <a:rPr kumimoji="1" lang="ja-JP" altLang="en-US" dirty="0"/>
+              <a:t>博物館の管理者の登録／削除</a:t>
+            </a:r>
+            <a:endParaRPr kumimoji="1" lang="en-US" altLang="ja-JP" dirty="0"/>
+          </a:p>
+          <a:p>
+            <a:pPr marL="285750" indent="-285750">
+              <a:buFont typeface="Wingdings" panose="05000000000000000000" pitchFamily="2" charset="2"/>
+              <a:buChar char="ü"/>
+            </a:pPr>
+            <a:r>
+              <a:rPr kumimoji="1" lang="ja-JP" altLang="en-US" dirty="0"/>
+              <a:t>博物館の管理者の権限</a:t>
+            </a:r>
+            <a:endParaRPr kumimoji="1" lang="en-US" altLang="ja-JP" dirty="0"/>
+          </a:p>
+          <a:p>
+            <a:pPr marL="800100" lvl="1" indent="-342900">
+              <a:buFont typeface="+mj-lt"/>
+              <a:buAutoNum type="arabicPeriod"/>
+            </a:pPr>
+            <a:r>
+              <a:rPr kumimoji="1" lang="ja-JP" altLang="en-US" dirty="0"/>
+              <a:t>展示物の登録（本展示システムから番号が提供される）</a:t>
+            </a:r>
+            <a:endParaRPr kumimoji="1" lang="en-US" altLang="ja-JP" dirty="0"/>
+          </a:p>
+          <a:p>
+            <a:pPr marL="800100" lvl="1" indent="-342900">
+              <a:buFont typeface="+mj-lt"/>
+              <a:buAutoNum type="arabicPeriod"/>
+            </a:pPr>
+            <a:r>
+              <a:rPr kumimoji="1" lang="ja-JP" altLang="en-US" dirty="0"/>
+              <a:t>以下上記番号に対して以下の情報を付加できる</a:t>
+            </a:r>
+            <a:endParaRPr kumimoji="1" lang="en-US" altLang="ja-JP" dirty="0"/>
+          </a:p>
+          <a:p>
+            <a:pPr marL="1257300" lvl="2" indent="-342900">
+              <a:buFont typeface="Arial" panose="020B0604020202020204" pitchFamily="34" charset="0"/>
+              <a:buChar char="•"/>
+            </a:pPr>
+            <a:r>
+              <a:rPr kumimoji="1" lang="ja-JP" altLang="en-US" dirty="0"/>
+              <a:t>画像／音声／文字</a:t>
+            </a:r>
+            <a:endParaRPr kumimoji="1" lang="en-US" altLang="ja-JP" dirty="0"/>
+          </a:p>
+          <a:p>
+            <a:pPr marL="1257300" lvl="2" indent="-342900">
+              <a:buFont typeface="Arial" panose="020B0604020202020204" pitchFamily="34" charset="0"/>
+              <a:buChar char="•"/>
+            </a:pPr>
+            <a:r>
+              <a:rPr kumimoji="1" lang="ja-JP" altLang="en-US" dirty="0"/>
+              <a:t>音声／文字は多国語対応</a:t>
+            </a:r>
+            <a:endParaRPr kumimoji="1" lang="en-US" altLang="ja-JP" dirty="0"/>
+          </a:p>
+          <a:p>
+            <a:pPr marL="800100" lvl="1" indent="-342900">
+              <a:buFont typeface="+mj-lt"/>
+              <a:buAutoNum type="arabicPeriod"/>
+            </a:pPr>
+            <a:r>
+              <a:rPr kumimoji="1" lang="ja-JP" altLang="en-US" dirty="0"/>
+              <a:t>登録展示物の削除</a:t>
+            </a:r>
+            <a:endParaRPr kumimoji="1" lang="en-US" altLang="ja-JP" dirty="0"/>
+          </a:p>
+          <a:p>
+            <a:pPr marL="342900" indent="-342900">
+              <a:buFont typeface="Wingdings" panose="05000000000000000000" pitchFamily="2" charset="2"/>
+              <a:buChar char="ü"/>
+            </a:pPr>
+            <a:r>
+              <a:rPr kumimoji="1" lang="ja-JP" altLang="en-US" dirty="0"/>
+              <a:t>管理画面は</a:t>
+            </a:r>
+            <a:r>
+              <a:rPr kumimoji="1" lang="en-US" altLang="ja-JP" dirty="0"/>
+              <a:t>PC</a:t>
+            </a:r>
+            <a:r>
+              <a:rPr kumimoji="1" lang="ja-JP" altLang="en-US" dirty="0"/>
+              <a:t>前提とする</a:t>
+            </a:r>
+            <a:endParaRPr kumimoji="1" lang="en-US" altLang="ja-JP" dirty="0"/>
+          </a:p>
+        </p:txBody>
+      </p:sp>
+    </p:spTree>
+    <p:extLst>
+      <p:ext uri="{BB962C8B-B14F-4D97-AF65-F5344CB8AC3E}">
+        <p14:creationId xmlns:p14="http://schemas.microsoft.com/office/powerpoint/2010/main" val="331511944"/>
+      </p:ext>
+    </p:extLst>
+  </p:cSld>
+  <p:clrMapOvr>
+    <a:masterClrMapping/>
+  </p:clrMapOvr>
+</p:sld>
+</file>
+
+<file path=ppt/slides/slide50.xml><?xml version="1.0" encoding="utf-8"?>
 <p:sld xmlns:a="http://schemas.openxmlformats.org/drawingml/2006/main" xmlns:r="http://schemas.openxmlformats.org/officeDocument/2006/relationships" xmlns:p="http://schemas.openxmlformats.org/presentationml/2006/main">
   <p:cSld>
     <p:spTree>
@@ -22273,7 +24036,7 @@
 </p:sld>
 </file>
 
-<file path=ppt/slides/slide43.xml><?xml version="1.0" encoding="utf-8"?>
+<file path=ppt/slides/slide51.xml><?xml version="1.0" encoding="utf-8"?>
 <p:sld xmlns:a="http://schemas.openxmlformats.org/drawingml/2006/main" xmlns:r="http://schemas.openxmlformats.org/officeDocument/2006/relationships" xmlns:p="http://schemas.openxmlformats.org/presentationml/2006/main">
   <p:cSld>
     <p:spTree>
@@ -22993,7 +24756,7 @@
 </p:sld>
 </file>
 
-<file path=ppt/slides/slide44.xml><?xml version="1.0" encoding="utf-8"?>
+<file path=ppt/slides/slide52.xml><?xml version="1.0" encoding="utf-8"?>
 <p:sld xmlns:a="http://schemas.openxmlformats.org/drawingml/2006/main" xmlns:r="http://schemas.openxmlformats.org/officeDocument/2006/relationships" xmlns:p="http://schemas.openxmlformats.org/presentationml/2006/main">
   <p:cSld>
     <p:spTree>
@@ -23668,7 +25431,7 @@
 </p:sld>
 </file>
 
-<file path=ppt/slides/slide45.xml><?xml version="1.0" encoding="utf-8"?>
+<file path=ppt/slides/slide53.xml><?xml version="1.0" encoding="utf-8"?>
 <p:sld xmlns:a="http://schemas.openxmlformats.org/drawingml/2006/main" xmlns:r="http://schemas.openxmlformats.org/officeDocument/2006/relationships" xmlns:p="http://schemas.openxmlformats.org/presentationml/2006/main">
   <p:cSld>
     <p:spTree>
@@ -24225,7 +25988,7 @@
 </p:sld>
 </file>
 
-<file path=ppt/slides/slide46.xml><?xml version="1.0" encoding="utf-8"?>
+<file path=ppt/slides/slide54.xml><?xml version="1.0" encoding="utf-8"?>
 <p:sld xmlns:a="http://schemas.openxmlformats.org/drawingml/2006/main" xmlns:r="http://schemas.openxmlformats.org/officeDocument/2006/relationships" xmlns:p="http://schemas.openxmlformats.org/presentationml/2006/main">
   <p:cSld>
     <p:spTree>
@@ -24884,410 +26647,6 @@
     <p:extLst>
       <p:ext uri="{BB962C8B-B14F-4D97-AF65-F5344CB8AC3E}">
         <p14:creationId xmlns:p14="http://schemas.microsoft.com/office/powerpoint/2010/main" val="799319328"/>
-      </p:ext>
-    </p:extLst>
-  </p:cSld>
-  <p:clrMapOvr>
-    <a:masterClrMapping/>
-  </p:clrMapOvr>
-</p:sld>
-</file>
-
-<file path=ppt/slides/slide5.xml><?xml version="1.0" encoding="utf-8"?>
-<p:sld xmlns:a="http://schemas.openxmlformats.org/drawingml/2006/main" xmlns:r="http://schemas.openxmlformats.org/officeDocument/2006/relationships" xmlns:p="http://schemas.openxmlformats.org/presentationml/2006/main">
-  <p:cSld>
-    <p:spTree>
-      <p:nvGrpSpPr>
-        <p:cNvPr id="1" name="">
-          <a:extLst>
-            <a:ext uri="{FF2B5EF4-FFF2-40B4-BE49-F238E27FC236}">
-              <a16:creationId xmlns:a16="http://schemas.microsoft.com/office/drawing/2014/main" id="{D67F9A5F-EA38-B909-CB71-06C5141C6233}"/>
-            </a:ext>
-          </a:extLst>
-        </p:cNvPr>
-        <p:cNvGrpSpPr/>
-        <p:nvPr/>
-      </p:nvGrpSpPr>
-      <p:grpSpPr>
-        <a:xfrm>
-          <a:off x="0" y="0"/>
-          <a:ext cx="0" cy="0"/>
-          <a:chOff x="0" y="0"/>
-          <a:chExt cx="0" cy="0"/>
-        </a:xfrm>
-      </p:grpSpPr>
-      <p:cxnSp>
-        <p:nvCxnSpPr>
-          <p:cNvPr id="4" name="直線コネクタ 3">
-            <a:extLst>
-              <a:ext uri="{FF2B5EF4-FFF2-40B4-BE49-F238E27FC236}">
-                <a16:creationId xmlns:a16="http://schemas.microsoft.com/office/drawing/2014/main" id="{45EF8F97-1725-EB81-70FC-BE6CE30B0F17}"/>
-              </a:ext>
-            </a:extLst>
-          </p:cNvPr>
-          <p:cNvCxnSpPr/>
-          <p:nvPr/>
-        </p:nvCxnSpPr>
-        <p:spPr>
-          <a:xfrm>
-            <a:off x="228600" y="755374"/>
-            <a:ext cx="11936896" cy="0"/>
-          </a:xfrm>
-          <a:prstGeom prst="line">
-            <a:avLst/>
-          </a:prstGeom>
-        </p:spPr>
-        <p:style>
-          <a:lnRef idx="2">
-            <a:schemeClr val="accent1"/>
-          </a:lnRef>
-          <a:fillRef idx="0">
-            <a:schemeClr val="accent1"/>
-          </a:fillRef>
-          <a:effectRef idx="1">
-            <a:schemeClr val="accent1"/>
-          </a:effectRef>
-          <a:fontRef idx="minor">
-            <a:schemeClr val="tx1"/>
-          </a:fontRef>
-        </p:style>
-      </p:cxnSp>
-      <p:sp>
-        <p:nvSpPr>
-          <p:cNvPr id="5" name="テキスト ボックス 4">
-            <a:extLst>
-              <a:ext uri="{FF2B5EF4-FFF2-40B4-BE49-F238E27FC236}">
-                <a16:creationId xmlns:a16="http://schemas.microsoft.com/office/drawing/2014/main" id="{462E6617-0187-0E9A-2D30-978B81F58C84}"/>
-              </a:ext>
-            </a:extLst>
-          </p:cNvPr>
-          <p:cNvSpPr txBox="1"/>
-          <p:nvPr/>
-        </p:nvSpPr>
-        <p:spPr>
-          <a:xfrm>
-            <a:off x="407504" y="198783"/>
-            <a:ext cx="3796748" cy="369332"/>
-          </a:xfrm>
-          <a:prstGeom prst="rect">
-            <a:avLst/>
-          </a:prstGeom>
-          <a:noFill/>
-        </p:spPr>
-        <p:txBody>
-          <a:bodyPr wrap="square" rtlCol="0">
-            <a:spAutoFit/>
-          </a:bodyPr>
-          <a:lstStyle/>
-          <a:p>
-            <a:r>
-              <a:rPr kumimoji="1" lang="ja-JP" altLang="en-US" dirty="0"/>
-              <a:t>管理機能</a:t>
-            </a:r>
-          </a:p>
-        </p:txBody>
-      </p:sp>
-      <p:sp>
-        <p:nvSpPr>
-          <p:cNvPr id="12" name="テキスト ボックス 11">
-            <a:extLst>
-              <a:ext uri="{FF2B5EF4-FFF2-40B4-BE49-F238E27FC236}">
-                <a16:creationId xmlns:a16="http://schemas.microsoft.com/office/drawing/2014/main" id="{6CE07053-07AA-8E69-8714-0078AE200A66}"/>
-              </a:ext>
-            </a:extLst>
-          </p:cNvPr>
-          <p:cNvSpPr txBox="1"/>
-          <p:nvPr/>
-        </p:nvSpPr>
-        <p:spPr>
-          <a:xfrm>
-            <a:off x="407504" y="1093304"/>
-            <a:ext cx="11261035" cy="5632311"/>
-          </a:xfrm>
-          <a:prstGeom prst="rect">
-            <a:avLst/>
-          </a:prstGeom>
-          <a:noFill/>
-        </p:spPr>
-        <p:txBody>
-          <a:bodyPr wrap="square" rtlCol="0">
-            <a:spAutoFit/>
-          </a:bodyPr>
-          <a:lstStyle/>
-          <a:p>
-            <a:pPr marL="285750" indent="-285750">
-              <a:buFont typeface="Wingdings" panose="05000000000000000000" pitchFamily="2" charset="2"/>
-              <a:buChar char="ü"/>
-            </a:pPr>
-            <a:r>
-              <a:rPr kumimoji="1" lang="ja-JP" altLang="en-US" dirty="0"/>
-              <a:t>ルート権限者＝</a:t>
-            </a:r>
-            <a:r>
-              <a:rPr kumimoji="1" lang="en-US" altLang="ja-JP" dirty="0" err="1"/>
-              <a:t>xserver</a:t>
-            </a:r>
-            <a:r>
-              <a:rPr kumimoji="1" lang="ja-JP" altLang="en-US" dirty="0"/>
-              <a:t>の契約者＝１名のみ</a:t>
-            </a:r>
-            <a:endParaRPr kumimoji="1" lang="en-US" altLang="ja-JP" dirty="0"/>
-          </a:p>
-          <a:p>
-            <a:pPr marL="800100" lvl="1" indent="-342900">
-              <a:buFont typeface="+mj-lt"/>
-              <a:buAutoNum type="arabicPeriod"/>
-            </a:pPr>
-            <a:r>
-              <a:rPr lang="en-US" altLang="ja-JP" dirty="0"/>
-              <a:t>DB</a:t>
-            </a:r>
-            <a:r>
-              <a:rPr lang="ja-JP" altLang="en-US" dirty="0"/>
-              <a:t>を直接調査できる権限</a:t>
-            </a:r>
-            <a:endParaRPr lang="en-US" altLang="ja-JP" dirty="0"/>
-          </a:p>
-          <a:p>
-            <a:pPr marL="800100" lvl="1" indent="-342900">
-              <a:buFont typeface="+mj-lt"/>
-              <a:buAutoNum type="arabicPeriod"/>
-            </a:pPr>
-            <a:r>
-              <a:rPr kumimoji="1" lang="ja-JP" altLang="en-US" dirty="0"/>
-              <a:t>入出力用のインターフェースは無し</a:t>
-            </a:r>
-            <a:r>
-              <a:rPr kumimoji="1" lang="en-US" altLang="ja-JP" dirty="0"/>
-              <a:t>=</a:t>
-            </a:r>
-            <a:r>
-              <a:rPr kumimoji="1" lang="en-US" altLang="ja-JP" dirty="0" err="1"/>
-              <a:t>xserver</a:t>
-            </a:r>
-            <a:r>
-              <a:rPr kumimoji="1" lang="ja-JP" altLang="en-US" dirty="0"/>
-              <a:t>の管理画面を利用</a:t>
-            </a:r>
-            <a:endParaRPr kumimoji="1" lang="en-US" altLang="ja-JP" dirty="0"/>
-          </a:p>
-          <a:p>
-            <a:pPr marL="800100" lvl="1" indent="-342900">
-              <a:buFont typeface="+mj-lt"/>
-              <a:buAutoNum type="arabicPeriod"/>
-            </a:pPr>
-            <a:r>
-              <a:rPr kumimoji="1" lang="ja-JP" altLang="en-US" dirty="0"/>
-              <a:t>スーパーバイザーを登録／変更／削除</a:t>
-            </a:r>
-            <a:endParaRPr kumimoji="1" lang="en-US" altLang="ja-JP" dirty="0"/>
-          </a:p>
-          <a:p>
-            <a:pPr marL="800100" lvl="1" indent="-342900">
-              <a:buFont typeface="+mj-lt"/>
-              <a:buAutoNum type="arabicPeriod"/>
-            </a:pPr>
-            <a:r>
-              <a:rPr kumimoji="1" lang="ja-JP" altLang="en-US" dirty="0"/>
-              <a:t>スーパーバイザーパスワードの強制リセット</a:t>
-            </a:r>
-            <a:endParaRPr kumimoji="1" lang="en-US" altLang="ja-JP" dirty="0"/>
-          </a:p>
-          <a:p>
-            <a:pPr marL="285750" indent="-285750">
-              <a:buFont typeface="Wingdings" panose="05000000000000000000" pitchFamily="2" charset="2"/>
-              <a:buChar char="ü"/>
-            </a:pPr>
-            <a:r>
-              <a:rPr kumimoji="1" lang="ja-JP" altLang="en-US" dirty="0"/>
-              <a:t>全体の管理者（スーパーバイザー）の定義</a:t>
-            </a:r>
-            <a:endParaRPr kumimoji="1" lang="en-US" altLang="ja-JP" dirty="0"/>
-          </a:p>
-          <a:p>
-            <a:pPr marL="800100" lvl="1" indent="-342900">
-              <a:buFont typeface="+mj-lt"/>
-              <a:buAutoNum type="arabicPeriod"/>
-            </a:pPr>
-            <a:r>
-              <a:rPr kumimoji="1" lang="ja-JP" altLang="en-US" dirty="0"/>
-              <a:t>スーパーバイザーは複数可能</a:t>
-            </a:r>
-            <a:endParaRPr kumimoji="1" lang="en-US" altLang="ja-JP" dirty="0"/>
-          </a:p>
-          <a:p>
-            <a:pPr marL="800100" lvl="1" indent="-342900">
-              <a:buFont typeface="+mj-lt"/>
-              <a:buAutoNum type="arabicPeriod"/>
-            </a:pPr>
-            <a:r>
-              <a:rPr kumimoji="1" lang="ja-JP" altLang="en-US" dirty="0"/>
-              <a:t>ルート権限者が登録できる</a:t>
-            </a:r>
-            <a:endParaRPr kumimoji="1" lang="en-US" altLang="ja-JP" dirty="0"/>
-          </a:p>
-          <a:p>
-            <a:pPr marL="800100" lvl="1" indent="-342900">
-              <a:buFont typeface="+mj-lt"/>
-              <a:buAutoNum type="arabicPeriod"/>
-            </a:pPr>
-            <a:r>
-              <a:rPr kumimoji="1" lang="ja-JP" altLang="en-US" dirty="0"/>
-              <a:t>スーパーバイザーは</a:t>
-            </a:r>
-            <a:r>
-              <a:rPr lang="en-US" altLang="ja-JP" dirty="0"/>
-              <a:t>SQL</a:t>
-            </a:r>
-            <a:r>
-              <a:rPr lang="ja-JP" altLang="en-US" dirty="0"/>
-              <a:t>を利用した</a:t>
-            </a:r>
-            <a:r>
-              <a:rPr lang="en-US" altLang="ja-JP" dirty="0"/>
-              <a:t>DB</a:t>
-            </a:r>
-            <a:r>
-              <a:rPr lang="ja-JP" altLang="en-US" dirty="0"/>
-              <a:t>管理はできない</a:t>
-            </a:r>
-            <a:endParaRPr lang="en-US" altLang="ja-JP" dirty="0"/>
-          </a:p>
-          <a:p>
-            <a:pPr marL="800100" lvl="1" indent="-342900">
-              <a:buFont typeface="+mj-lt"/>
-              <a:buAutoNum type="arabicPeriod"/>
-            </a:pPr>
-            <a:r>
-              <a:rPr kumimoji="1" lang="ja-JP" altLang="en-US" dirty="0"/>
-              <a:t>スーパーバイザーパスワードは自身で変更できる</a:t>
-            </a:r>
-            <a:endParaRPr kumimoji="1" lang="en-US" altLang="ja-JP" dirty="0"/>
-          </a:p>
-          <a:p>
-            <a:pPr marL="285750" indent="-285750">
-              <a:buFont typeface="Wingdings" panose="05000000000000000000" pitchFamily="2" charset="2"/>
-              <a:buChar char="ü"/>
-            </a:pPr>
-            <a:r>
-              <a:rPr kumimoji="1" lang="ja-JP" altLang="en-US" dirty="0"/>
-              <a:t>スーパーバイザーの権限</a:t>
-            </a:r>
-            <a:endParaRPr kumimoji="1" lang="en-US" altLang="ja-JP" dirty="0"/>
-          </a:p>
-          <a:p>
-            <a:pPr marL="800100" lvl="1" indent="-342900">
-              <a:buFont typeface="+mj-lt"/>
-              <a:buAutoNum type="arabicPeriod"/>
-            </a:pPr>
-            <a:r>
-              <a:rPr kumimoji="1" lang="ja-JP" altLang="en-US" dirty="0"/>
-              <a:t>博物館の登録／削除</a:t>
-            </a:r>
-            <a:endParaRPr kumimoji="1" lang="en-US" altLang="ja-JP" dirty="0"/>
-          </a:p>
-          <a:p>
-            <a:pPr marL="800100" lvl="1" indent="-342900">
-              <a:buFont typeface="+mj-lt"/>
-              <a:buAutoNum type="arabicPeriod"/>
-            </a:pPr>
-            <a:r>
-              <a:rPr kumimoji="1" lang="ja-JP" altLang="en-US" dirty="0"/>
-              <a:t>博物館の管理者の登録／削除</a:t>
-            </a:r>
-            <a:endParaRPr kumimoji="1" lang="en-US" altLang="ja-JP" dirty="0"/>
-          </a:p>
-          <a:p>
-            <a:pPr marL="285750" indent="-285750">
-              <a:buFont typeface="Wingdings" panose="05000000000000000000" pitchFamily="2" charset="2"/>
-              <a:buChar char="ü"/>
-            </a:pPr>
-            <a:r>
-              <a:rPr kumimoji="1" lang="ja-JP" altLang="en-US" dirty="0"/>
-              <a:t>博物館の管理者の権限</a:t>
-            </a:r>
-            <a:endParaRPr kumimoji="1" lang="en-US" altLang="ja-JP" dirty="0"/>
-          </a:p>
-          <a:p>
-            <a:pPr marL="800100" lvl="1" indent="-342900">
-              <a:buFont typeface="+mj-lt"/>
-              <a:buAutoNum type="arabicPeriod"/>
-            </a:pPr>
-            <a:r>
-              <a:rPr kumimoji="1" lang="ja-JP" altLang="en-US" dirty="0"/>
-              <a:t>展示物の登録（本展示システムから番号が提供される）</a:t>
-            </a:r>
-            <a:endParaRPr kumimoji="1" lang="en-US" altLang="ja-JP" dirty="0"/>
-          </a:p>
-          <a:p>
-            <a:pPr marL="800100" lvl="1" indent="-342900">
-              <a:buFont typeface="+mj-lt"/>
-              <a:buAutoNum type="arabicPeriod"/>
-            </a:pPr>
-            <a:r>
-              <a:rPr kumimoji="1" lang="ja-JP" altLang="en-US" dirty="0"/>
-              <a:t>以下上記番号に対して以下の情報を付加できる</a:t>
-            </a:r>
-            <a:endParaRPr kumimoji="1" lang="en-US" altLang="ja-JP" dirty="0"/>
-          </a:p>
-          <a:p>
-            <a:pPr marL="1257300" lvl="2" indent="-342900">
-              <a:buFont typeface="Arial" panose="020B0604020202020204" pitchFamily="34" charset="0"/>
-              <a:buChar char="•"/>
-            </a:pPr>
-            <a:r>
-              <a:rPr kumimoji="1" lang="ja-JP" altLang="en-US" dirty="0"/>
-              <a:t>画像／音声／文字</a:t>
-            </a:r>
-            <a:endParaRPr kumimoji="1" lang="en-US" altLang="ja-JP" dirty="0"/>
-          </a:p>
-          <a:p>
-            <a:pPr marL="1257300" lvl="2" indent="-342900">
-              <a:buFont typeface="Arial" panose="020B0604020202020204" pitchFamily="34" charset="0"/>
-              <a:buChar char="•"/>
-            </a:pPr>
-            <a:r>
-              <a:rPr kumimoji="1" lang="ja-JP" altLang="en-US" dirty="0"/>
-              <a:t>音声／文字は多国語対応</a:t>
-            </a:r>
-            <a:endParaRPr kumimoji="1" lang="en-US" altLang="ja-JP" dirty="0"/>
-          </a:p>
-          <a:p>
-            <a:pPr marL="800100" lvl="1" indent="-342900">
-              <a:buFont typeface="+mj-lt"/>
-              <a:buAutoNum type="arabicPeriod"/>
-            </a:pPr>
-            <a:r>
-              <a:rPr kumimoji="1" lang="ja-JP" altLang="en-US" dirty="0"/>
-              <a:t>登録展示物の削除</a:t>
-            </a:r>
-            <a:endParaRPr kumimoji="1" lang="en-US" altLang="ja-JP" dirty="0"/>
-          </a:p>
-          <a:p>
-            <a:pPr marL="342900" indent="-342900">
-              <a:buFont typeface="Wingdings" panose="05000000000000000000" pitchFamily="2" charset="2"/>
-              <a:buChar char="ü"/>
-            </a:pPr>
-            <a:r>
-              <a:rPr kumimoji="1" lang="ja-JP" altLang="en-US" dirty="0"/>
-              <a:t>管理画面は</a:t>
-            </a:r>
-            <a:r>
-              <a:rPr kumimoji="1" lang="en-US" altLang="ja-JP" dirty="0"/>
-              <a:t>PC</a:t>
-            </a:r>
-            <a:r>
-              <a:rPr kumimoji="1" lang="ja-JP" altLang="en-US" dirty="0"/>
-              <a:t>前提とする</a:t>
-            </a:r>
-            <a:endParaRPr kumimoji="1" lang="en-US" altLang="ja-JP" dirty="0"/>
-          </a:p>
-        </p:txBody>
-      </p:sp>
-    </p:spTree>
-    <p:extLst>
-      <p:ext uri="{BB962C8B-B14F-4D97-AF65-F5344CB8AC3E}">
-        <p14:creationId xmlns:p14="http://schemas.microsoft.com/office/powerpoint/2010/main" val="331511944"/>
       </p:ext>
     </p:extLst>
   </p:cSld>
@@ -26116,7 +27475,7 @@
         <p:spPr>
           <a:xfrm>
             <a:off x="407504" y="3841659"/>
-            <a:ext cx="10962574" cy="1754326"/>
+            <a:ext cx="10962574" cy="1938992"/>
           </a:xfrm>
           <a:prstGeom prst="rect">
             <a:avLst/>
@@ -26189,6 +27548,21 @@
             <a:r>
               <a:rPr lang="ja-JP" altLang="en-US" sz="1200" dirty="0"/>
               <a:t>２）博物館にはデータの編集を行うデータ編集者が設定できる。データ編集者の追加、削除に関しても博物館管理者が行う</a:t>
+            </a:r>
+            <a:endParaRPr lang="en-US" altLang="ja-JP" sz="1200" dirty="0"/>
+          </a:p>
+          <a:p>
+            <a:r>
+              <a:rPr lang="ja-JP" altLang="en-US" sz="1200" dirty="0"/>
+              <a:t>　　</a:t>
+            </a:r>
+            <a:r>
+              <a:rPr lang="en-US" altLang="ja-JP" sz="1200" dirty="0"/>
+              <a:t>3</a:t>
+            </a:r>
+            <a:r>
+              <a:rPr lang="ja-JP" altLang="en-US" sz="1200"/>
+              <a:t>）データ編集者は編集者や博物館管理者などの追加・削除はできない</a:t>
             </a:r>
             <a:br>
               <a:rPr lang="en-US" altLang="ja-JP" sz="1200" dirty="0"/>
@@ -26910,7 +28284,15 @@
           <a:p>
             <a:r>
               <a:rPr kumimoji="1" lang="ja-JP" altLang="en-US" dirty="0"/>
-              <a:t>スーパーバイザー：ログインボタン後の画面</a:t>
+              <a:t>スーパーバイザー：</a:t>
+            </a:r>
+            <a:r>
+              <a:rPr kumimoji="1" lang="en-US" altLang="ja-JP" dirty="0"/>
+              <a:t>2</a:t>
+            </a:r>
+            <a:r>
+              <a:rPr kumimoji="1" lang="ja-JP" altLang="en-US" dirty="0"/>
+              <a:t>段階認証</a:t>
             </a:r>
           </a:p>
         </p:txBody>

--- a/展示物アプリ仕様.pptx
+++ b/展示物アプリ仕様.pptx
@@ -19,34 +19,36 @@
     <p:sldId id="299" r:id="rId13"/>
     <p:sldId id="300" r:id="rId14"/>
     <p:sldId id="301" r:id="rId15"/>
-    <p:sldId id="303" r:id="rId16"/>
-    <p:sldId id="307" r:id="rId17"/>
-    <p:sldId id="308" r:id="rId18"/>
-    <p:sldId id="304" r:id="rId19"/>
-    <p:sldId id="305" r:id="rId20"/>
-    <p:sldId id="306" r:id="rId21"/>
-    <p:sldId id="309" r:id="rId22"/>
-    <p:sldId id="310" r:id="rId23"/>
-    <p:sldId id="311" r:id="rId24"/>
-    <p:sldId id="313" r:id="rId25"/>
-    <p:sldId id="312" r:id="rId26"/>
-    <p:sldId id="314" r:id="rId27"/>
-    <p:sldId id="315" r:id="rId28"/>
-    <p:sldId id="316" r:id="rId29"/>
-    <p:sldId id="317" r:id="rId30"/>
-    <p:sldId id="318" r:id="rId31"/>
-    <p:sldId id="302" r:id="rId32"/>
-    <p:sldId id="268" r:id="rId33"/>
-    <p:sldId id="273" r:id="rId34"/>
-    <p:sldId id="276" r:id="rId35"/>
-    <p:sldId id="277" r:id="rId36"/>
-    <p:sldId id="284" r:id="rId37"/>
-    <p:sldId id="278" r:id="rId38"/>
-    <p:sldId id="279" r:id="rId39"/>
-    <p:sldId id="280" r:id="rId40"/>
-    <p:sldId id="281" r:id="rId41"/>
-    <p:sldId id="282" r:id="rId42"/>
-    <p:sldId id="283" r:id="rId43"/>
+    <p:sldId id="320" r:id="rId16"/>
+    <p:sldId id="303" r:id="rId17"/>
+    <p:sldId id="307" r:id="rId18"/>
+    <p:sldId id="308" r:id="rId19"/>
+    <p:sldId id="304" r:id="rId20"/>
+    <p:sldId id="305" r:id="rId21"/>
+    <p:sldId id="306" r:id="rId22"/>
+    <p:sldId id="309" r:id="rId23"/>
+    <p:sldId id="310" r:id="rId24"/>
+    <p:sldId id="311" r:id="rId25"/>
+    <p:sldId id="313" r:id="rId26"/>
+    <p:sldId id="312" r:id="rId27"/>
+    <p:sldId id="314" r:id="rId28"/>
+    <p:sldId id="315" r:id="rId29"/>
+    <p:sldId id="316" r:id="rId30"/>
+    <p:sldId id="317" r:id="rId31"/>
+    <p:sldId id="318" r:id="rId32"/>
+    <p:sldId id="319" r:id="rId33"/>
+    <p:sldId id="302" r:id="rId34"/>
+    <p:sldId id="268" r:id="rId35"/>
+    <p:sldId id="273" r:id="rId36"/>
+    <p:sldId id="276" r:id="rId37"/>
+    <p:sldId id="277" r:id="rId38"/>
+    <p:sldId id="284" r:id="rId39"/>
+    <p:sldId id="278" r:id="rId40"/>
+    <p:sldId id="279" r:id="rId41"/>
+    <p:sldId id="280" r:id="rId42"/>
+    <p:sldId id="281" r:id="rId43"/>
+    <p:sldId id="282" r:id="rId44"/>
+    <p:sldId id="283" r:id="rId45"/>
   </p:sldIdLst>
   <p:sldSz cx="12192000" cy="6858000"/>
   <p:notesSz cx="7099300" cy="10234613"/>
@@ -4700,10 +4702,10 @@
       </p:sp>
       <p:pic>
         <p:nvPicPr>
-          <p:cNvPr id="10" name="図 9" descr="グラフィカル ユーザー インターフェイス, アプリケーション&#10;&#10;AI 生成コンテンツは誤りを含む可能性があります。">
-            <a:extLst>
-              <a:ext uri="{FF2B5EF4-FFF2-40B4-BE49-F238E27FC236}">
-                <a16:creationId xmlns:a16="http://schemas.microsoft.com/office/drawing/2014/main" id="{E318A1D4-D0E6-1203-B72F-DDEF80BE2AC3}"/>
+          <p:cNvPr id="7" name="図 6" descr="グラフィカル ユーザー インターフェイス, テキスト, アプリケーション, メール&#10;&#10;AI 生成コンテンツは誤りを含む可能性があります。">
+            <a:extLst>
+              <a:ext uri="{FF2B5EF4-FFF2-40B4-BE49-F238E27FC236}">
+                <a16:creationId xmlns:a16="http://schemas.microsoft.com/office/drawing/2014/main" id="{A174E75B-BA8B-4545-9585-C4C68FC025FA}"/>
               </a:ext>
             </a:extLst>
           </p:cNvPr>
@@ -4720,8 +4722,8 @@
         </p:blipFill>
         <p:spPr>
           <a:xfrm>
-            <a:off x="1767428" y="1467095"/>
-            <a:ext cx="8657143" cy="3923809"/>
+            <a:off x="1791238" y="1557571"/>
+            <a:ext cx="8609524" cy="3742857"/>
           </a:xfrm>
           <a:prstGeom prst="rect">
             <a:avLst/>
@@ -4742,6 +4744,144 @@
 </file>
 
 <file path=ppt/slides/slide15.xml><?xml version="1.0" encoding="utf-8"?>
+<p:sld xmlns:a="http://schemas.openxmlformats.org/drawingml/2006/main" xmlns:r="http://schemas.openxmlformats.org/officeDocument/2006/relationships" xmlns:p="http://schemas.openxmlformats.org/presentationml/2006/main">
+  <p:cSld>
+    <p:spTree>
+      <p:nvGrpSpPr>
+        <p:cNvPr id="1" name="">
+          <a:extLst>
+            <a:ext uri="{FF2B5EF4-FFF2-40B4-BE49-F238E27FC236}">
+              <a16:creationId xmlns:a16="http://schemas.microsoft.com/office/drawing/2014/main" id="{F4D3BA1C-79B2-4248-9A0B-03C35CE7185B}"/>
+            </a:ext>
+          </a:extLst>
+        </p:cNvPr>
+        <p:cNvGrpSpPr/>
+        <p:nvPr/>
+      </p:nvGrpSpPr>
+      <p:grpSpPr>
+        <a:xfrm>
+          <a:off x="0" y="0"/>
+          <a:ext cx="0" cy="0"/>
+          <a:chOff x="0" y="0"/>
+          <a:chExt cx="0" cy="0"/>
+        </a:xfrm>
+      </p:grpSpPr>
+      <p:cxnSp>
+        <p:nvCxnSpPr>
+          <p:cNvPr id="4" name="直線コネクタ 3">
+            <a:extLst>
+              <a:ext uri="{FF2B5EF4-FFF2-40B4-BE49-F238E27FC236}">
+                <a16:creationId xmlns:a16="http://schemas.microsoft.com/office/drawing/2014/main" id="{268BDCF8-BB0C-9B9E-EADA-7FD44C708EEE}"/>
+              </a:ext>
+            </a:extLst>
+          </p:cNvPr>
+          <p:cNvCxnSpPr/>
+          <p:nvPr/>
+        </p:nvCxnSpPr>
+        <p:spPr>
+          <a:xfrm>
+            <a:off x="228600" y="755374"/>
+            <a:ext cx="11936896" cy="0"/>
+          </a:xfrm>
+          <a:prstGeom prst="line">
+            <a:avLst/>
+          </a:prstGeom>
+        </p:spPr>
+        <p:style>
+          <a:lnRef idx="2">
+            <a:schemeClr val="accent1"/>
+          </a:lnRef>
+          <a:fillRef idx="0">
+            <a:schemeClr val="accent1"/>
+          </a:fillRef>
+          <a:effectRef idx="1">
+            <a:schemeClr val="accent1"/>
+          </a:effectRef>
+          <a:fontRef idx="minor">
+            <a:schemeClr val="tx1"/>
+          </a:fontRef>
+        </p:style>
+      </p:cxnSp>
+      <p:sp>
+        <p:nvSpPr>
+          <p:cNvPr id="5" name="テキスト ボックス 4">
+            <a:extLst>
+              <a:ext uri="{FF2B5EF4-FFF2-40B4-BE49-F238E27FC236}">
+                <a16:creationId xmlns:a16="http://schemas.microsoft.com/office/drawing/2014/main" id="{59C033F2-2239-2153-5ACC-F1C7B9AD2F90}"/>
+              </a:ext>
+            </a:extLst>
+          </p:cNvPr>
+          <p:cNvSpPr txBox="1"/>
+          <p:nvPr/>
+        </p:nvSpPr>
+        <p:spPr>
+          <a:xfrm>
+            <a:off x="407503" y="198783"/>
+            <a:ext cx="11449879" cy="369332"/>
+          </a:xfrm>
+          <a:prstGeom prst="rect">
+            <a:avLst/>
+          </a:prstGeom>
+          <a:noFill/>
+        </p:spPr>
+        <p:txBody>
+          <a:bodyPr wrap="square" rtlCol="0">
+            <a:spAutoFit/>
+          </a:bodyPr>
+          <a:lstStyle/>
+          <a:p>
+            <a:r>
+              <a:rPr lang="ja-JP" altLang="en-US" dirty="0"/>
+              <a:t>スーパーバイザー：システム基本設定</a:t>
+            </a:r>
+            <a:endParaRPr kumimoji="1" lang="ja-JP" altLang="en-US" dirty="0"/>
+          </a:p>
+        </p:txBody>
+      </p:sp>
+      <p:pic>
+        <p:nvPicPr>
+          <p:cNvPr id="3" name="図 2" descr="グラフィカル ユーザー インターフェイス, テキスト, アプリケーション, メール&#10;&#10;AI 生成コンテンツは誤りを含む可能性があります。">
+            <a:extLst>
+              <a:ext uri="{FF2B5EF4-FFF2-40B4-BE49-F238E27FC236}">
+                <a16:creationId xmlns:a16="http://schemas.microsoft.com/office/drawing/2014/main" id="{A9789138-5CCD-50C0-413B-A65E8EFB48EC}"/>
+              </a:ext>
+            </a:extLst>
+          </p:cNvPr>
+          <p:cNvPicPr>
+            <a:picLocks noChangeAspect="1"/>
+          </p:cNvPicPr>
+          <p:nvPr/>
+        </p:nvPicPr>
+        <p:blipFill>
+          <a:blip r:embed="rId2"/>
+          <a:stretch>
+            <a:fillRect/>
+          </a:stretch>
+        </p:blipFill>
+        <p:spPr>
+          <a:xfrm>
+            <a:off x="2057400" y="1224092"/>
+            <a:ext cx="4592612" cy="5216464"/>
+          </a:xfrm>
+          <a:prstGeom prst="rect">
+            <a:avLst/>
+          </a:prstGeom>
+        </p:spPr>
+      </p:pic>
+    </p:spTree>
+    <p:extLst>
+      <p:ext uri="{BB962C8B-B14F-4D97-AF65-F5344CB8AC3E}">
+        <p14:creationId xmlns:p14="http://schemas.microsoft.com/office/powerpoint/2010/main" val="1497119282"/>
+      </p:ext>
+    </p:extLst>
+  </p:cSld>
+  <p:clrMapOvr>
+    <a:masterClrMapping/>
+  </p:clrMapOvr>
+</p:sld>
+</file>
+
+<file path=ppt/slides/slide16.xml><?xml version="1.0" encoding="utf-8"?>
 <p:sld xmlns:a="http://schemas.openxmlformats.org/drawingml/2006/main" xmlns:r="http://schemas.openxmlformats.org/officeDocument/2006/relationships" xmlns:p="http://schemas.openxmlformats.org/presentationml/2006/main">
   <p:cSld>
     <p:spTree>
@@ -4879,7 +5019,7 @@
 </p:sld>
 </file>
 
-<file path=ppt/slides/slide16.xml><?xml version="1.0" encoding="utf-8"?>
+<file path=ppt/slides/slide17.xml><?xml version="1.0" encoding="utf-8"?>
 <p:sld xmlns:a="http://schemas.openxmlformats.org/drawingml/2006/main" xmlns:r="http://schemas.openxmlformats.org/officeDocument/2006/relationships" xmlns:p="http://schemas.openxmlformats.org/presentationml/2006/main">
   <p:cSld>
     <p:spTree>
@@ -5067,7 +5207,7 @@
 </p:sld>
 </file>
 
-<file path=ppt/slides/slide17.xml><?xml version="1.0" encoding="utf-8"?>
+<file path=ppt/slides/slide18.xml><?xml version="1.0" encoding="utf-8"?>
 <p:sld xmlns:a="http://schemas.openxmlformats.org/drawingml/2006/main" xmlns:r="http://schemas.openxmlformats.org/officeDocument/2006/relationships" xmlns:p="http://schemas.openxmlformats.org/presentationml/2006/main">
   <p:cSld>
     <p:spTree>
@@ -5240,7 +5380,7 @@
 </p:sld>
 </file>
 
-<file path=ppt/slides/slide18.xml><?xml version="1.0" encoding="utf-8"?>
+<file path=ppt/slides/slide19.xml><?xml version="1.0" encoding="utf-8"?>
 <p:sld xmlns:a="http://schemas.openxmlformats.org/drawingml/2006/main" xmlns:r="http://schemas.openxmlformats.org/officeDocument/2006/relationships" xmlns:p="http://schemas.openxmlformats.org/presentationml/2006/main">
   <p:cSld>
     <p:spTree>
@@ -5529,144 +5669,6 @@
     <p:extLst>
       <p:ext uri="{BB962C8B-B14F-4D97-AF65-F5344CB8AC3E}">
         <p14:creationId xmlns:p14="http://schemas.microsoft.com/office/powerpoint/2010/main" val="3127086336"/>
-      </p:ext>
-    </p:extLst>
-  </p:cSld>
-  <p:clrMapOvr>
-    <a:masterClrMapping/>
-  </p:clrMapOvr>
-</p:sld>
-</file>
-
-<file path=ppt/slides/slide19.xml><?xml version="1.0" encoding="utf-8"?>
-<p:sld xmlns:a="http://schemas.openxmlformats.org/drawingml/2006/main" xmlns:r="http://schemas.openxmlformats.org/officeDocument/2006/relationships" xmlns:p="http://schemas.openxmlformats.org/presentationml/2006/main">
-  <p:cSld>
-    <p:spTree>
-      <p:nvGrpSpPr>
-        <p:cNvPr id="1" name="">
-          <a:extLst>
-            <a:ext uri="{FF2B5EF4-FFF2-40B4-BE49-F238E27FC236}">
-              <a16:creationId xmlns:a16="http://schemas.microsoft.com/office/drawing/2014/main" id="{9E2498A7-FF46-A37A-5C55-AD914A884374}"/>
-            </a:ext>
-          </a:extLst>
-        </p:cNvPr>
-        <p:cNvGrpSpPr/>
-        <p:nvPr/>
-      </p:nvGrpSpPr>
-      <p:grpSpPr>
-        <a:xfrm>
-          <a:off x="0" y="0"/>
-          <a:ext cx="0" cy="0"/>
-          <a:chOff x="0" y="0"/>
-          <a:chExt cx="0" cy="0"/>
-        </a:xfrm>
-      </p:grpSpPr>
-      <p:cxnSp>
-        <p:nvCxnSpPr>
-          <p:cNvPr id="4" name="直線コネクタ 3">
-            <a:extLst>
-              <a:ext uri="{FF2B5EF4-FFF2-40B4-BE49-F238E27FC236}">
-                <a16:creationId xmlns:a16="http://schemas.microsoft.com/office/drawing/2014/main" id="{30AEC8D2-0E2C-3505-5497-9B53F17AA81A}"/>
-              </a:ext>
-            </a:extLst>
-          </p:cNvPr>
-          <p:cNvCxnSpPr/>
-          <p:nvPr/>
-        </p:nvCxnSpPr>
-        <p:spPr>
-          <a:xfrm>
-            <a:off x="228600" y="755374"/>
-            <a:ext cx="11936896" cy="0"/>
-          </a:xfrm>
-          <a:prstGeom prst="line">
-            <a:avLst/>
-          </a:prstGeom>
-        </p:spPr>
-        <p:style>
-          <a:lnRef idx="2">
-            <a:schemeClr val="accent1"/>
-          </a:lnRef>
-          <a:fillRef idx="0">
-            <a:schemeClr val="accent1"/>
-          </a:fillRef>
-          <a:effectRef idx="1">
-            <a:schemeClr val="accent1"/>
-          </a:effectRef>
-          <a:fontRef idx="minor">
-            <a:schemeClr val="tx1"/>
-          </a:fontRef>
-        </p:style>
-      </p:cxnSp>
-      <p:sp>
-        <p:nvSpPr>
-          <p:cNvPr id="5" name="テキスト ボックス 4">
-            <a:extLst>
-              <a:ext uri="{FF2B5EF4-FFF2-40B4-BE49-F238E27FC236}">
-                <a16:creationId xmlns:a16="http://schemas.microsoft.com/office/drawing/2014/main" id="{6E5B143E-A6B8-AE5A-13D2-3136F4BF9CF1}"/>
-              </a:ext>
-            </a:extLst>
-          </p:cNvPr>
-          <p:cNvSpPr txBox="1"/>
-          <p:nvPr/>
-        </p:nvSpPr>
-        <p:spPr>
-          <a:xfrm>
-            <a:off x="407503" y="198783"/>
-            <a:ext cx="11449879" cy="369332"/>
-          </a:xfrm>
-          <a:prstGeom prst="rect">
-            <a:avLst/>
-          </a:prstGeom>
-          <a:noFill/>
-        </p:spPr>
-        <p:txBody>
-          <a:bodyPr wrap="square" rtlCol="0">
-            <a:spAutoFit/>
-          </a:bodyPr>
-          <a:lstStyle/>
-          <a:p>
-            <a:r>
-              <a:rPr lang="ja-JP" altLang="en-US" dirty="0"/>
-              <a:t>スーパーバイザー：博物館の削除</a:t>
-            </a:r>
-            <a:endParaRPr kumimoji="1" lang="ja-JP" altLang="en-US" dirty="0"/>
-          </a:p>
-        </p:txBody>
-      </p:sp>
-      <p:pic>
-        <p:nvPicPr>
-          <p:cNvPr id="8" name="図 7" descr="グラフィカル ユーザー インターフェイス, テキスト, アプリケーション, メール&#10;&#10;AI 生成コンテンツは誤りを含む可能性があります。">
-            <a:extLst>
-              <a:ext uri="{FF2B5EF4-FFF2-40B4-BE49-F238E27FC236}">
-                <a16:creationId xmlns:a16="http://schemas.microsoft.com/office/drawing/2014/main" id="{C75641E4-46D8-0985-DB1F-BAB49A41AB71}"/>
-              </a:ext>
-            </a:extLst>
-          </p:cNvPr>
-          <p:cNvPicPr>
-            <a:picLocks noChangeAspect="1"/>
-          </p:cNvPicPr>
-          <p:nvPr/>
-        </p:nvPicPr>
-        <p:blipFill>
-          <a:blip r:embed="rId2"/>
-          <a:stretch>
-            <a:fillRect/>
-          </a:stretch>
-        </p:blipFill>
-        <p:spPr>
-          <a:xfrm>
-            <a:off x="1796000" y="1243285"/>
-            <a:ext cx="8600000" cy="4371429"/>
-          </a:xfrm>
-          <a:prstGeom prst="rect">
-            <a:avLst/>
-          </a:prstGeom>
-        </p:spPr>
-      </p:pic>
-    </p:spTree>
-    <p:extLst>
-      <p:ext uri="{BB962C8B-B14F-4D97-AF65-F5344CB8AC3E}">
-        <p14:creationId xmlns:p14="http://schemas.microsoft.com/office/powerpoint/2010/main" val="2600675826"/>
       </p:ext>
     </p:extLst>
   </p:cSld>
@@ -6080,6 +6082,144 @@
         <p:cNvPr id="1" name="">
           <a:extLst>
             <a:ext uri="{FF2B5EF4-FFF2-40B4-BE49-F238E27FC236}">
+              <a16:creationId xmlns:a16="http://schemas.microsoft.com/office/drawing/2014/main" id="{9E2498A7-FF46-A37A-5C55-AD914A884374}"/>
+            </a:ext>
+          </a:extLst>
+        </p:cNvPr>
+        <p:cNvGrpSpPr/>
+        <p:nvPr/>
+      </p:nvGrpSpPr>
+      <p:grpSpPr>
+        <a:xfrm>
+          <a:off x="0" y="0"/>
+          <a:ext cx="0" cy="0"/>
+          <a:chOff x="0" y="0"/>
+          <a:chExt cx="0" cy="0"/>
+        </a:xfrm>
+      </p:grpSpPr>
+      <p:cxnSp>
+        <p:nvCxnSpPr>
+          <p:cNvPr id="4" name="直線コネクタ 3">
+            <a:extLst>
+              <a:ext uri="{FF2B5EF4-FFF2-40B4-BE49-F238E27FC236}">
+                <a16:creationId xmlns:a16="http://schemas.microsoft.com/office/drawing/2014/main" id="{30AEC8D2-0E2C-3505-5497-9B53F17AA81A}"/>
+              </a:ext>
+            </a:extLst>
+          </p:cNvPr>
+          <p:cNvCxnSpPr/>
+          <p:nvPr/>
+        </p:nvCxnSpPr>
+        <p:spPr>
+          <a:xfrm>
+            <a:off x="228600" y="755374"/>
+            <a:ext cx="11936896" cy="0"/>
+          </a:xfrm>
+          <a:prstGeom prst="line">
+            <a:avLst/>
+          </a:prstGeom>
+        </p:spPr>
+        <p:style>
+          <a:lnRef idx="2">
+            <a:schemeClr val="accent1"/>
+          </a:lnRef>
+          <a:fillRef idx="0">
+            <a:schemeClr val="accent1"/>
+          </a:fillRef>
+          <a:effectRef idx="1">
+            <a:schemeClr val="accent1"/>
+          </a:effectRef>
+          <a:fontRef idx="minor">
+            <a:schemeClr val="tx1"/>
+          </a:fontRef>
+        </p:style>
+      </p:cxnSp>
+      <p:sp>
+        <p:nvSpPr>
+          <p:cNvPr id="5" name="テキスト ボックス 4">
+            <a:extLst>
+              <a:ext uri="{FF2B5EF4-FFF2-40B4-BE49-F238E27FC236}">
+                <a16:creationId xmlns:a16="http://schemas.microsoft.com/office/drawing/2014/main" id="{6E5B143E-A6B8-AE5A-13D2-3136F4BF9CF1}"/>
+              </a:ext>
+            </a:extLst>
+          </p:cNvPr>
+          <p:cNvSpPr txBox="1"/>
+          <p:nvPr/>
+        </p:nvSpPr>
+        <p:spPr>
+          <a:xfrm>
+            <a:off x="407503" y="198783"/>
+            <a:ext cx="11449879" cy="369332"/>
+          </a:xfrm>
+          <a:prstGeom prst="rect">
+            <a:avLst/>
+          </a:prstGeom>
+          <a:noFill/>
+        </p:spPr>
+        <p:txBody>
+          <a:bodyPr wrap="square" rtlCol="0">
+            <a:spAutoFit/>
+          </a:bodyPr>
+          <a:lstStyle/>
+          <a:p>
+            <a:r>
+              <a:rPr lang="ja-JP" altLang="en-US" dirty="0"/>
+              <a:t>スーパーバイザー：博物館の削除</a:t>
+            </a:r>
+            <a:endParaRPr kumimoji="1" lang="ja-JP" altLang="en-US" dirty="0"/>
+          </a:p>
+        </p:txBody>
+      </p:sp>
+      <p:pic>
+        <p:nvPicPr>
+          <p:cNvPr id="8" name="図 7" descr="グラフィカル ユーザー インターフェイス, テキスト, アプリケーション, メール&#10;&#10;AI 生成コンテンツは誤りを含む可能性があります。">
+            <a:extLst>
+              <a:ext uri="{FF2B5EF4-FFF2-40B4-BE49-F238E27FC236}">
+                <a16:creationId xmlns:a16="http://schemas.microsoft.com/office/drawing/2014/main" id="{C75641E4-46D8-0985-DB1F-BAB49A41AB71}"/>
+              </a:ext>
+            </a:extLst>
+          </p:cNvPr>
+          <p:cNvPicPr>
+            <a:picLocks noChangeAspect="1"/>
+          </p:cNvPicPr>
+          <p:nvPr/>
+        </p:nvPicPr>
+        <p:blipFill>
+          <a:blip r:embed="rId2"/>
+          <a:stretch>
+            <a:fillRect/>
+          </a:stretch>
+        </p:blipFill>
+        <p:spPr>
+          <a:xfrm>
+            <a:off x="1796000" y="1243285"/>
+            <a:ext cx="8600000" cy="4371429"/>
+          </a:xfrm>
+          <a:prstGeom prst="rect">
+            <a:avLst/>
+          </a:prstGeom>
+        </p:spPr>
+      </p:pic>
+    </p:spTree>
+    <p:extLst>
+      <p:ext uri="{BB962C8B-B14F-4D97-AF65-F5344CB8AC3E}">
+        <p14:creationId xmlns:p14="http://schemas.microsoft.com/office/powerpoint/2010/main" val="2600675826"/>
+      </p:ext>
+    </p:extLst>
+  </p:cSld>
+  <p:clrMapOvr>
+    <a:masterClrMapping/>
+  </p:clrMapOvr>
+</p:sld>
+</file>
+
+<file path=ppt/slides/slide21.xml><?xml version="1.0" encoding="utf-8"?>
+<p:sld xmlns:a="http://schemas.openxmlformats.org/drawingml/2006/main" xmlns:r="http://schemas.openxmlformats.org/officeDocument/2006/relationships" xmlns:p="http://schemas.openxmlformats.org/presentationml/2006/main">
+  <p:cSld>
+    <p:spTree>
+      <p:nvGrpSpPr>
+        <p:cNvPr id="1" name="">
+          <a:extLst>
+            <a:ext uri="{FF2B5EF4-FFF2-40B4-BE49-F238E27FC236}">
               <a16:creationId xmlns:a16="http://schemas.microsoft.com/office/drawing/2014/main" id="{F2C05046-9942-9E32-9B21-6EF43CDA0C43}"/>
             </a:ext>
           </a:extLst>
@@ -6267,7 +6407,7 @@
 </p:sld>
 </file>
 
-<file path=ppt/slides/slide21.xml><?xml version="1.0" encoding="utf-8"?>
+<file path=ppt/slides/slide22.xml><?xml version="1.0" encoding="utf-8"?>
 <p:sld xmlns:a="http://schemas.openxmlformats.org/drawingml/2006/main" xmlns:r="http://schemas.openxmlformats.org/officeDocument/2006/relationships" xmlns:p="http://schemas.openxmlformats.org/presentationml/2006/main">
   <p:cSld>
     <p:spTree>
@@ -6478,7 +6618,7 @@
 </p:sld>
 </file>
 
-<file path=ppt/slides/slide22.xml><?xml version="1.0" encoding="utf-8"?>
+<file path=ppt/slides/slide23.xml><?xml version="1.0" encoding="utf-8"?>
 <p:sld xmlns:a="http://schemas.openxmlformats.org/drawingml/2006/main" xmlns:r="http://schemas.openxmlformats.org/officeDocument/2006/relationships" xmlns:p="http://schemas.openxmlformats.org/presentationml/2006/main">
   <p:cSld>
     <p:spTree>
@@ -6616,7 +6756,7 @@
 </p:sld>
 </file>
 
-<file path=ppt/slides/slide23.xml><?xml version="1.0" encoding="utf-8"?>
+<file path=ppt/slides/slide24.xml><?xml version="1.0" encoding="utf-8"?>
 <p:sld xmlns:a="http://schemas.openxmlformats.org/drawingml/2006/main" xmlns:r="http://schemas.openxmlformats.org/officeDocument/2006/relationships" xmlns:p="http://schemas.openxmlformats.org/presentationml/2006/main">
   <p:cSld>
     <p:spTree>
@@ -6754,7 +6894,7 @@
 </p:sld>
 </file>
 
-<file path=ppt/slides/slide24.xml><?xml version="1.0" encoding="utf-8"?>
+<file path=ppt/slides/slide25.xml><?xml version="1.0" encoding="utf-8"?>
 <p:sld xmlns:a="http://schemas.openxmlformats.org/drawingml/2006/main" xmlns:r="http://schemas.openxmlformats.org/officeDocument/2006/relationships" xmlns:p="http://schemas.openxmlformats.org/presentationml/2006/main">
   <p:cSld>
     <p:spTree>
@@ -6892,7 +7032,7 @@
 </p:sld>
 </file>
 
-<file path=ppt/slides/slide25.xml><?xml version="1.0" encoding="utf-8"?>
+<file path=ppt/slides/slide26.xml><?xml version="1.0" encoding="utf-8"?>
 <p:sld xmlns:a="http://schemas.openxmlformats.org/drawingml/2006/main" xmlns:r="http://schemas.openxmlformats.org/officeDocument/2006/relationships" xmlns:p="http://schemas.openxmlformats.org/presentationml/2006/main">
   <p:cSld>
     <p:spTree>
@@ -7116,7 +7256,7 @@
 </p:sld>
 </file>
 
-<file path=ppt/slides/slide26.xml><?xml version="1.0" encoding="utf-8"?>
+<file path=ppt/slides/slide27.xml><?xml version="1.0" encoding="utf-8"?>
 <p:sld xmlns:a="http://schemas.openxmlformats.org/drawingml/2006/main" xmlns:r="http://schemas.openxmlformats.org/officeDocument/2006/relationships" xmlns:p="http://schemas.openxmlformats.org/presentationml/2006/main">
   <p:cSld>
     <p:spTree>
@@ -7284,7 +7424,7 @@
 </p:sld>
 </file>
 
-<file path=ppt/slides/slide27.xml><?xml version="1.0" encoding="utf-8"?>
+<file path=ppt/slides/slide28.xml><?xml version="1.0" encoding="utf-8"?>
 <p:sld xmlns:a="http://schemas.openxmlformats.org/drawingml/2006/main" xmlns:r="http://schemas.openxmlformats.org/officeDocument/2006/relationships" xmlns:p="http://schemas.openxmlformats.org/presentationml/2006/main">
   <p:cSld>
     <p:spTree>
@@ -7465,7 +7605,7 @@
 </p:sld>
 </file>
 
-<file path=ppt/slides/slide28.xml><?xml version="1.0" encoding="utf-8"?>
+<file path=ppt/slides/slide29.xml><?xml version="1.0" encoding="utf-8"?>
 <p:sld xmlns:a="http://schemas.openxmlformats.org/drawingml/2006/main" xmlns:r="http://schemas.openxmlformats.org/officeDocument/2006/relationships" xmlns:p="http://schemas.openxmlformats.org/presentationml/2006/main">
   <p:cSld>
     <p:spTree>
@@ -7624,179 +7764,6 @@
     <p:extLst>
       <p:ext uri="{BB962C8B-B14F-4D97-AF65-F5344CB8AC3E}">
         <p14:creationId xmlns:p14="http://schemas.microsoft.com/office/powerpoint/2010/main" val="3809674116"/>
-      </p:ext>
-    </p:extLst>
-  </p:cSld>
-  <p:clrMapOvr>
-    <a:masterClrMapping/>
-  </p:clrMapOvr>
-</p:sld>
-</file>
-
-<file path=ppt/slides/slide29.xml><?xml version="1.0" encoding="utf-8"?>
-<p:sld xmlns:a="http://schemas.openxmlformats.org/drawingml/2006/main" xmlns:r="http://schemas.openxmlformats.org/officeDocument/2006/relationships" xmlns:p="http://schemas.openxmlformats.org/presentationml/2006/main">
-  <p:cSld>
-    <p:spTree>
-      <p:nvGrpSpPr>
-        <p:cNvPr id="1" name="">
-          <a:extLst>
-            <a:ext uri="{FF2B5EF4-FFF2-40B4-BE49-F238E27FC236}">
-              <a16:creationId xmlns:a16="http://schemas.microsoft.com/office/drawing/2014/main" id="{65BEB65E-1DB5-9BC3-361B-0A520669F0B5}"/>
-            </a:ext>
-          </a:extLst>
-        </p:cNvPr>
-        <p:cNvGrpSpPr/>
-        <p:nvPr/>
-      </p:nvGrpSpPr>
-      <p:grpSpPr>
-        <a:xfrm>
-          <a:off x="0" y="0"/>
-          <a:ext cx="0" cy="0"/>
-          <a:chOff x="0" y="0"/>
-          <a:chExt cx="0" cy="0"/>
-        </a:xfrm>
-      </p:grpSpPr>
-      <p:cxnSp>
-        <p:nvCxnSpPr>
-          <p:cNvPr id="4" name="直線コネクタ 3">
-            <a:extLst>
-              <a:ext uri="{FF2B5EF4-FFF2-40B4-BE49-F238E27FC236}">
-                <a16:creationId xmlns:a16="http://schemas.microsoft.com/office/drawing/2014/main" id="{044CE043-C5AA-A9D1-5346-D02076B0DC44}"/>
-              </a:ext>
-            </a:extLst>
-          </p:cNvPr>
-          <p:cNvCxnSpPr/>
-          <p:nvPr/>
-        </p:nvCxnSpPr>
-        <p:spPr>
-          <a:xfrm>
-            <a:off x="228600" y="755374"/>
-            <a:ext cx="11936896" cy="0"/>
-          </a:xfrm>
-          <a:prstGeom prst="line">
-            <a:avLst/>
-          </a:prstGeom>
-        </p:spPr>
-        <p:style>
-          <a:lnRef idx="2">
-            <a:schemeClr val="accent1"/>
-          </a:lnRef>
-          <a:fillRef idx="0">
-            <a:schemeClr val="accent1"/>
-          </a:fillRef>
-          <a:effectRef idx="1">
-            <a:schemeClr val="accent1"/>
-          </a:effectRef>
-          <a:fontRef idx="minor">
-            <a:schemeClr val="tx1"/>
-          </a:fontRef>
-        </p:style>
-      </p:cxnSp>
-      <p:sp>
-        <p:nvSpPr>
-          <p:cNvPr id="5" name="テキスト ボックス 4">
-            <a:extLst>
-              <a:ext uri="{FF2B5EF4-FFF2-40B4-BE49-F238E27FC236}">
-                <a16:creationId xmlns:a16="http://schemas.microsoft.com/office/drawing/2014/main" id="{4FD158E3-0CB5-9A73-4FA9-CEF3F23A26AE}"/>
-              </a:ext>
-            </a:extLst>
-          </p:cNvPr>
-          <p:cNvSpPr txBox="1"/>
-          <p:nvPr/>
-        </p:nvSpPr>
-        <p:spPr>
-          <a:xfrm>
-            <a:off x="407503" y="198783"/>
-            <a:ext cx="11449879" cy="369332"/>
-          </a:xfrm>
-          <a:prstGeom prst="rect">
-            <a:avLst/>
-          </a:prstGeom>
-          <a:noFill/>
-        </p:spPr>
-        <p:txBody>
-          <a:bodyPr wrap="square" rtlCol="0">
-            <a:spAutoFit/>
-          </a:bodyPr>
-          <a:lstStyle/>
-          <a:p>
-            <a:r>
-              <a:rPr lang="ja-JP" altLang="en-US" dirty="0"/>
-              <a:t>サポートページ</a:t>
-            </a:r>
-            <a:endParaRPr kumimoji="1" lang="ja-JP" altLang="en-US" dirty="0"/>
-          </a:p>
-        </p:txBody>
-      </p:sp>
-      <p:pic>
-        <p:nvPicPr>
-          <p:cNvPr id="6" name="図 5" descr="グラフィカル ユーザー インターフェイス, アプリケーション, Web サイト&#10;&#10;AI 生成コンテンツは誤りを含む可能性があります。">
-            <a:extLst>
-              <a:ext uri="{FF2B5EF4-FFF2-40B4-BE49-F238E27FC236}">
-                <a16:creationId xmlns:a16="http://schemas.microsoft.com/office/drawing/2014/main" id="{0D1F12FC-9EA5-B5A7-831C-5844BD6073C9}"/>
-              </a:ext>
-            </a:extLst>
-          </p:cNvPr>
-          <p:cNvPicPr>
-            <a:picLocks noChangeAspect="1"/>
-          </p:cNvPicPr>
-          <p:nvPr/>
-        </p:nvPicPr>
-        <p:blipFill>
-          <a:blip r:embed="rId2"/>
-          <a:stretch>
-            <a:fillRect/>
-          </a:stretch>
-        </p:blipFill>
-        <p:spPr>
-          <a:xfrm>
-            <a:off x="556591" y="942634"/>
-            <a:ext cx="6645651" cy="5390877"/>
-          </a:xfrm>
-          <a:prstGeom prst="rect">
-            <a:avLst/>
-          </a:prstGeom>
-        </p:spPr>
-      </p:pic>
-      <p:sp>
-        <p:nvSpPr>
-          <p:cNvPr id="8" name="テキスト ボックス 7">
-            <a:extLst>
-              <a:ext uri="{FF2B5EF4-FFF2-40B4-BE49-F238E27FC236}">
-                <a16:creationId xmlns:a16="http://schemas.microsoft.com/office/drawing/2014/main" id="{C4BAA08E-F38E-05BD-212F-D63F9A499406}"/>
-              </a:ext>
-            </a:extLst>
-          </p:cNvPr>
-          <p:cNvSpPr txBox="1"/>
-          <p:nvPr/>
-        </p:nvSpPr>
-        <p:spPr>
-          <a:xfrm>
-            <a:off x="7494104" y="1540565"/>
-            <a:ext cx="4141305" cy="369332"/>
-          </a:xfrm>
-          <a:prstGeom prst="rect">
-            <a:avLst/>
-          </a:prstGeom>
-          <a:noFill/>
-        </p:spPr>
-        <p:txBody>
-          <a:bodyPr wrap="square" rtlCol="0">
-            <a:spAutoFit/>
-          </a:bodyPr>
-          <a:lstStyle/>
-          <a:p>
-            <a:r>
-              <a:rPr kumimoji="1" lang="ja-JP" altLang="en-US" dirty="0"/>
-              <a:t>管理者に必要な情報を集めたページ</a:t>
-            </a:r>
-          </a:p>
-        </p:txBody>
-      </p:sp>
-    </p:spTree>
-    <p:extLst>
-      <p:ext uri="{BB962C8B-B14F-4D97-AF65-F5344CB8AC3E}">
-        <p14:creationId xmlns:p14="http://schemas.microsoft.com/office/powerpoint/2010/main" val="2496373567"/>
       </p:ext>
     </p:extLst>
   </p:cSld>
@@ -8543,6 +8510,179 @@
         <p:cNvPr id="1" name="">
           <a:extLst>
             <a:ext uri="{FF2B5EF4-FFF2-40B4-BE49-F238E27FC236}">
+              <a16:creationId xmlns:a16="http://schemas.microsoft.com/office/drawing/2014/main" id="{65BEB65E-1DB5-9BC3-361B-0A520669F0B5}"/>
+            </a:ext>
+          </a:extLst>
+        </p:cNvPr>
+        <p:cNvGrpSpPr/>
+        <p:nvPr/>
+      </p:nvGrpSpPr>
+      <p:grpSpPr>
+        <a:xfrm>
+          <a:off x="0" y="0"/>
+          <a:ext cx="0" cy="0"/>
+          <a:chOff x="0" y="0"/>
+          <a:chExt cx="0" cy="0"/>
+        </a:xfrm>
+      </p:grpSpPr>
+      <p:cxnSp>
+        <p:nvCxnSpPr>
+          <p:cNvPr id="4" name="直線コネクタ 3">
+            <a:extLst>
+              <a:ext uri="{FF2B5EF4-FFF2-40B4-BE49-F238E27FC236}">
+                <a16:creationId xmlns:a16="http://schemas.microsoft.com/office/drawing/2014/main" id="{044CE043-C5AA-A9D1-5346-D02076B0DC44}"/>
+              </a:ext>
+            </a:extLst>
+          </p:cNvPr>
+          <p:cNvCxnSpPr/>
+          <p:nvPr/>
+        </p:nvCxnSpPr>
+        <p:spPr>
+          <a:xfrm>
+            <a:off x="228600" y="755374"/>
+            <a:ext cx="11936896" cy="0"/>
+          </a:xfrm>
+          <a:prstGeom prst="line">
+            <a:avLst/>
+          </a:prstGeom>
+        </p:spPr>
+        <p:style>
+          <a:lnRef idx="2">
+            <a:schemeClr val="accent1"/>
+          </a:lnRef>
+          <a:fillRef idx="0">
+            <a:schemeClr val="accent1"/>
+          </a:fillRef>
+          <a:effectRef idx="1">
+            <a:schemeClr val="accent1"/>
+          </a:effectRef>
+          <a:fontRef idx="minor">
+            <a:schemeClr val="tx1"/>
+          </a:fontRef>
+        </p:style>
+      </p:cxnSp>
+      <p:sp>
+        <p:nvSpPr>
+          <p:cNvPr id="5" name="テキスト ボックス 4">
+            <a:extLst>
+              <a:ext uri="{FF2B5EF4-FFF2-40B4-BE49-F238E27FC236}">
+                <a16:creationId xmlns:a16="http://schemas.microsoft.com/office/drawing/2014/main" id="{4FD158E3-0CB5-9A73-4FA9-CEF3F23A26AE}"/>
+              </a:ext>
+            </a:extLst>
+          </p:cNvPr>
+          <p:cNvSpPr txBox="1"/>
+          <p:nvPr/>
+        </p:nvSpPr>
+        <p:spPr>
+          <a:xfrm>
+            <a:off x="407503" y="198783"/>
+            <a:ext cx="11449879" cy="369332"/>
+          </a:xfrm>
+          <a:prstGeom prst="rect">
+            <a:avLst/>
+          </a:prstGeom>
+          <a:noFill/>
+        </p:spPr>
+        <p:txBody>
+          <a:bodyPr wrap="square" rtlCol="0">
+            <a:spAutoFit/>
+          </a:bodyPr>
+          <a:lstStyle/>
+          <a:p>
+            <a:r>
+              <a:rPr lang="ja-JP" altLang="en-US" dirty="0"/>
+              <a:t>サポートページ</a:t>
+            </a:r>
+            <a:endParaRPr kumimoji="1" lang="ja-JP" altLang="en-US" dirty="0"/>
+          </a:p>
+        </p:txBody>
+      </p:sp>
+      <p:pic>
+        <p:nvPicPr>
+          <p:cNvPr id="6" name="図 5" descr="グラフィカル ユーザー インターフェイス, アプリケーション, Web サイト&#10;&#10;AI 生成コンテンツは誤りを含む可能性があります。">
+            <a:extLst>
+              <a:ext uri="{FF2B5EF4-FFF2-40B4-BE49-F238E27FC236}">
+                <a16:creationId xmlns:a16="http://schemas.microsoft.com/office/drawing/2014/main" id="{0D1F12FC-9EA5-B5A7-831C-5844BD6073C9}"/>
+              </a:ext>
+            </a:extLst>
+          </p:cNvPr>
+          <p:cNvPicPr>
+            <a:picLocks noChangeAspect="1"/>
+          </p:cNvPicPr>
+          <p:nvPr/>
+        </p:nvPicPr>
+        <p:blipFill>
+          <a:blip r:embed="rId2"/>
+          <a:stretch>
+            <a:fillRect/>
+          </a:stretch>
+        </p:blipFill>
+        <p:spPr>
+          <a:xfrm>
+            <a:off x="556591" y="942634"/>
+            <a:ext cx="6645651" cy="5390877"/>
+          </a:xfrm>
+          <a:prstGeom prst="rect">
+            <a:avLst/>
+          </a:prstGeom>
+        </p:spPr>
+      </p:pic>
+      <p:sp>
+        <p:nvSpPr>
+          <p:cNvPr id="8" name="テキスト ボックス 7">
+            <a:extLst>
+              <a:ext uri="{FF2B5EF4-FFF2-40B4-BE49-F238E27FC236}">
+                <a16:creationId xmlns:a16="http://schemas.microsoft.com/office/drawing/2014/main" id="{C4BAA08E-F38E-05BD-212F-D63F9A499406}"/>
+              </a:ext>
+            </a:extLst>
+          </p:cNvPr>
+          <p:cNvSpPr txBox="1"/>
+          <p:nvPr/>
+        </p:nvSpPr>
+        <p:spPr>
+          <a:xfrm>
+            <a:off x="7494104" y="1540565"/>
+            <a:ext cx="4141305" cy="369332"/>
+          </a:xfrm>
+          <a:prstGeom prst="rect">
+            <a:avLst/>
+          </a:prstGeom>
+          <a:noFill/>
+        </p:spPr>
+        <p:txBody>
+          <a:bodyPr wrap="square" rtlCol="0">
+            <a:spAutoFit/>
+          </a:bodyPr>
+          <a:lstStyle/>
+          <a:p>
+            <a:r>
+              <a:rPr kumimoji="1" lang="ja-JP" altLang="en-US" dirty="0"/>
+              <a:t>管理者に必要な情報を集めたページ</a:t>
+            </a:r>
+          </a:p>
+        </p:txBody>
+      </p:sp>
+    </p:spTree>
+    <p:extLst>
+      <p:ext uri="{BB962C8B-B14F-4D97-AF65-F5344CB8AC3E}">
+        <p14:creationId xmlns:p14="http://schemas.microsoft.com/office/powerpoint/2010/main" val="2496373567"/>
+      </p:ext>
+    </p:extLst>
+  </p:cSld>
+  <p:clrMapOvr>
+    <a:masterClrMapping/>
+  </p:clrMapOvr>
+</p:sld>
+</file>
+
+<file path=ppt/slides/slide31.xml><?xml version="1.0" encoding="utf-8"?>
+<p:sld xmlns:a="http://schemas.openxmlformats.org/drawingml/2006/main" xmlns:r="http://schemas.openxmlformats.org/officeDocument/2006/relationships" xmlns:p="http://schemas.openxmlformats.org/presentationml/2006/main">
+  <p:cSld>
+    <p:spTree>
+      <p:nvGrpSpPr>
+        <p:cNvPr id="1" name="">
+          <a:extLst>
+            <a:ext uri="{FF2B5EF4-FFF2-40B4-BE49-F238E27FC236}">
               <a16:creationId xmlns:a16="http://schemas.microsoft.com/office/drawing/2014/main" id="{BC88AE15-0F4C-1DC8-E21B-2A6F2017954A}"/>
             </a:ext>
           </a:extLst>
@@ -8759,7 +8899,230 @@
 </p:sld>
 </file>
 
-<file path=ppt/slides/slide31.xml><?xml version="1.0" encoding="utf-8"?>
+<file path=ppt/slides/slide32.xml><?xml version="1.0" encoding="utf-8"?>
+<p:sld xmlns:a="http://schemas.openxmlformats.org/drawingml/2006/main" xmlns:r="http://schemas.openxmlformats.org/officeDocument/2006/relationships" xmlns:p="http://schemas.openxmlformats.org/presentationml/2006/main">
+  <p:cSld>
+    <p:spTree>
+      <p:nvGrpSpPr>
+        <p:cNvPr id="1" name="">
+          <a:extLst>
+            <a:ext uri="{FF2B5EF4-FFF2-40B4-BE49-F238E27FC236}">
+              <a16:creationId xmlns:a16="http://schemas.microsoft.com/office/drawing/2014/main" id="{FE4824EF-19DD-D6FE-3F6C-C3496E6D4A0B}"/>
+            </a:ext>
+          </a:extLst>
+        </p:cNvPr>
+        <p:cNvGrpSpPr/>
+        <p:nvPr/>
+      </p:nvGrpSpPr>
+      <p:grpSpPr>
+        <a:xfrm>
+          <a:off x="0" y="0"/>
+          <a:ext cx="0" cy="0"/>
+          <a:chOff x="0" y="0"/>
+          <a:chExt cx="0" cy="0"/>
+        </a:xfrm>
+      </p:grpSpPr>
+      <p:pic>
+        <p:nvPicPr>
+          <p:cNvPr id="6" name="図 5">
+            <a:extLst>
+              <a:ext uri="{FF2B5EF4-FFF2-40B4-BE49-F238E27FC236}">
+                <a16:creationId xmlns:a16="http://schemas.microsoft.com/office/drawing/2014/main" id="{67E01BCD-5C2D-07EF-4B00-22C8D98E578F}"/>
+              </a:ext>
+            </a:extLst>
+          </p:cNvPr>
+          <p:cNvPicPr>
+            <a:picLocks noChangeAspect="1"/>
+          </p:cNvPicPr>
+          <p:nvPr/>
+        </p:nvPicPr>
+        <p:blipFill>
+          <a:blip r:embed="rId2"/>
+          <a:stretch>
+            <a:fillRect/>
+          </a:stretch>
+        </p:blipFill>
+        <p:spPr>
+          <a:xfrm>
+            <a:off x="248521" y="962512"/>
+            <a:ext cx="3647618" cy="1629033"/>
+          </a:xfrm>
+          <a:prstGeom prst="rect">
+            <a:avLst/>
+          </a:prstGeom>
+        </p:spPr>
+      </p:pic>
+      <p:cxnSp>
+        <p:nvCxnSpPr>
+          <p:cNvPr id="4" name="直線コネクタ 3">
+            <a:extLst>
+              <a:ext uri="{FF2B5EF4-FFF2-40B4-BE49-F238E27FC236}">
+                <a16:creationId xmlns:a16="http://schemas.microsoft.com/office/drawing/2014/main" id="{56021D84-CA72-17BE-1BBF-D9E8833DBEBA}"/>
+              </a:ext>
+            </a:extLst>
+          </p:cNvPr>
+          <p:cNvCxnSpPr/>
+          <p:nvPr/>
+        </p:nvCxnSpPr>
+        <p:spPr>
+          <a:xfrm>
+            <a:off x="228600" y="755374"/>
+            <a:ext cx="11936896" cy="0"/>
+          </a:xfrm>
+          <a:prstGeom prst="line">
+            <a:avLst/>
+          </a:prstGeom>
+        </p:spPr>
+        <p:style>
+          <a:lnRef idx="2">
+            <a:schemeClr val="accent1"/>
+          </a:lnRef>
+          <a:fillRef idx="0">
+            <a:schemeClr val="accent1"/>
+          </a:fillRef>
+          <a:effectRef idx="1">
+            <a:schemeClr val="accent1"/>
+          </a:effectRef>
+          <a:fontRef idx="minor">
+            <a:schemeClr val="tx1"/>
+          </a:fontRef>
+        </p:style>
+      </p:cxnSp>
+      <p:sp>
+        <p:nvSpPr>
+          <p:cNvPr id="5" name="テキスト ボックス 4">
+            <a:extLst>
+              <a:ext uri="{FF2B5EF4-FFF2-40B4-BE49-F238E27FC236}">
+                <a16:creationId xmlns:a16="http://schemas.microsoft.com/office/drawing/2014/main" id="{C5FA638C-F9F9-10A2-EFE3-24310BB3C2B7}"/>
+              </a:ext>
+            </a:extLst>
+          </p:cNvPr>
+          <p:cNvSpPr txBox="1"/>
+          <p:nvPr/>
+        </p:nvSpPr>
+        <p:spPr>
+          <a:xfrm>
+            <a:off x="407503" y="198783"/>
+            <a:ext cx="11449879" cy="369332"/>
+          </a:xfrm>
+          <a:prstGeom prst="rect">
+            <a:avLst/>
+          </a:prstGeom>
+          <a:noFill/>
+        </p:spPr>
+        <p:txBody>
+          <a:bodyPr wrap="square" rtlCol="0">
+            <a:spAutoFit/>
+          </a:bodyPr>
+          <a:lstStyle/>
+          <a:p>
+            <a:r>
+              <a:rPr kumimoji="1" lang="ja-JP" altLang="en-US" dirty="0"/>
+              <a:t>新規展示物の登録</a:t>
+            </a:r>
+          </a:p>
+        </p:txBody>
+      </p:sp>
+      <p:sp>
+        <p:nvSpPr>
+          <p:cNvPr id="3" name="楕円 2">
+            <a:extLst>
+              <a:ext uri="{FF2B5EF4-FFF2-40B4-BE49-F238E27FC236}">
+                <a16:creationId xmlns:a16="http://schemas.microsoft.com/office/drawing/2014/main" id="{7B33E6B9-162F-A34B-1A61-E808830C3C20}"/>
+              </a:ext>
+            </a:extLst>
+          </p:cNvPr>
+          <p:cNvSpPr/>
+          <p:nvPr/>
+        </p:nvSpPr>
+        <p:spPr>
+          <a:xfrm>
+            <a:off x="2713382" y="942634"/>
+            <a:ext cx="1351722" cy="299757"/>
+          </a:xfrm>
+          <a:prstGeom prst="ellipse">
+            <a:avLst/>
+          </a:prstGeom>
+          <a:noFill/>
+          <a:ln>
+            <a:solidFill>
+              <a:srgbClr val="FF0000"/>
+            </a:solidFill>
+          </a:ln>
+        </p:spPr>
+        <p:style>
+          <a:lnRef idx="2">
+            <a:schemeClr val="accent1">
+              <a:shade val="15000"/>
+            </a:schemeClr>
+          </a:lnRef>
+          <a:fillRef idx="1">
+            <a:schemeClr val="accent1"/>
+          </a:fillRef>
+          <a:effectRef idx="0">
+            <a:schemeClr val="accent1"/>
+          </a:effectRef>
+          <a:fontRef idx="minor">
+            <a:schemeClr val="lt1"/>
+          </a:fontRef>
+        </p:style>
+        <p:txBody>
+          <a:bodyPr rtlCol="0" anchor="ctr"/>
+          <a:lstStyle/>
+          <a:p>
+            <a:pPr algn="ctr"/>
+            <a:endParaRPr kumimoji="1" lang="ja-JP" altLang="en-US" sz="1200" dirty="0">
+              <a:solidFill>
+                <a:schemeClr val="tx1"/>
+              </a:solidFill>
+            </a:endParaRPr>
+          </a:p>
+        </p:txBody>
+      </p:sp>
+      <p:pic>
+        <p:nvPicPr>
+          <p:cNvPr id="8" name="図 7" descr="グラフィカル ユーザー インターフェイス, テキスト, アプリケーション&#10;&#10;AI 生成コンテンツは誤りを含む可能性があります。">
+            <a:extLst>
+              <a:ext uri="{FF2B5EF4-FFF2-40B4-BE49-F238E27FC236}">
+                <a16:creationId xmlns:a16="http://schemas.microsoft.com/office/drawing/2014/main" id="{07641C7F-590F-9919-3527-80098D84A777}"/>
+              </a:ext>
+            </a:extLst>
+          </p:cNvPr>
+          <p:cNvPicPr>
+            <a:picLocks noChangeAspect="1"/>
+          </p:cNvPicPr>
+          <p:nvPr/>
+        </p:nvPicPr>
+        <p:blipFill>
+          <a:blip r:embed="rId3"/>
+          <a:stretch>
+            <a:fillRect/>
+          </a:stretch>
+        </p:blipFill>
+        <p:spPr>
+          <a:xfrm>
+            <a:off x="5637928" y="942633"/>
+            <a:ext cx="4977939" cy="5615609"/>
+          </a:xfrm>
+          <a:prstGeom prst="rect">
+            <a:avLst/>
+          </a:prstGeom>
+        </p:spPr>
+      </p:pic>
+    </p:spTree>
+    <p:extLst>
+      <p:ext uri="{BB962C8B-B14F-4D97-AF65-F5344CB8AC3E}">
+        <p14:creationId xmlns:p14="http://schemas.microsoft.com/office/powerpoint/2010/main" val="3454717836"/>
+      </p:ext>
+    </p:extLst>
+  </p:cSld>
+  <p:clrMapOvr>
+    <a:masterClrMapping/>
+  </p:clrMapOvr>
+</p:sld>
+</file>
+
+<file path=ppt/slides/slide33.xml><?xml version="1.0" encoding="utf-8"?>
 <p:sld xmlns:a="http://schemas.openxmlformats.org/drawingml/2006/main" xmlns:r="http://schemas.openxmlformats.org/officeDocument/2006/relationships" xmlns:p="http://schemas.openxmlformats.org/presentationml/2006/main">
   <p:cSld>
     <p:spTree>
@@ -8829,7 +9192,7 @@
 </p:sld>
 </file>
 
-<file path=ppt/slides/slide32.xml><?xml version="1.0" encoding="utf-8"?>
+<file path=ppt/slides/slide34.xml><?xml version="1.0" encoding="utf-8"?>
 <p:sld xmlns:a="http://schemas.openxmlformats.org/drawingml/2006/main" xmlns:r="http://schemas.openxmlformats.org/officeDocument/2006/relationships" xmlns:p="http://schemas.openxmlformats.org/presentationml/2006/main">
   <p:cSld>
     <p:spTree>
@@ -9471,7 +9834,7 @@
 </p:sld>
 </file>
 
-<file path=ppt/slides/slide33.xml><?xml version="1.0" encoding="utf-8"?>
+<file path=ppt/slides/slide35.xml><?xml version="1.0" encoding="utf-8"?>
 <p:sld xmlns:a="http://schemas.openxmlformats.org/drawingml/2006/main" xmlns:r="http://schemas.openxmlformats.org/officeDocument/2006/relationships" xmlns:p="http://schemas.openxmlformats.org/presentationml/2006/main">
   <p:cSld>
     <p:spTree>
@@ -10191,7 +10554,7 @@
 </p:sld>
 </file>
 
-<file path=ppt/slides/slide34.xml><?xml version="1.0" encoding="utf-8"?>
+<file path=ppt/slides/slide36.xml><?xml version="1.0" encoding="utf-8"?>
 <p:sld xmlns:a="http://schemas.openxmlformats.org/drawingml/2006/main" xmlns:r="http://schemas.openxmlformats.org/officeDocument/2006/relationships" xmlns:p="http://schemas.openxmlformats.org/presentationml/2006/main">
   <p:cSld>
     <p:spTree>
@@ -10866,7 +11229,7 @@
 </p:sld>
 </file>
 
-<file path=ppt/slides/slide35.xml><?xml version="1.0" encoding="utf-8"?>
+<file path=ppt/slides/slide37.xml><?xml version="1.0" encoding="utf-8"?>
 <p:sld xmlns:a="http://schemas.openxmlformats.org/drawingml/2006/main" xmlns:r="http://schemas.openxmlformats.org/officeDocument/2006/relationships" xmlns:p="http://schemas.openxmlformats.org/presentationml/2006/main">
   <p:cSld>
     <p:spTree>
@@ -11440,7 +11803,7 @@
 </p:sld>
 </file>
 
-<file path=ppt/slides/slide36.xml><?xml version="1.0" encoding="utf-8"?>
+<file path=ppt/slides/slide38.xml><?xml version="1.0" encoding="utf-8"?>
 <p:sld xmlns:a="http://schemas.openxmlformats.org/drawingml/2006/main" xmlns:r="http://schemas.openxmlformats.org/officeDocument/2006/relationships" xmlns:p="http://schemas.openxmlformats.org/presentationml/2006/main">
   <p:cSld>
     <p:spTree>
@@ -11836,7 +12199,7 @@
 </p:sld>
 </file>
 
-<file path=ppt/slides/slide37.xml><?xml version="1.0" encoding="utf-8"?>
+<file path=ppt/slides/slide39.xml><?xml version="1.0" encoding="utf-8"?>
 <p:sld xmlns:a="http://schemas.openxmlformats.org/drawingml/2006/main" xmlns:r="http://schemas.openxmlformats.org/officeDocument/2006/relationships" xmlns:p="http://schemas.openxmlformats.org/presentationml/2006/main">
   <p:cSld>
     <p:spTree>
@@ -12956,7 +13319,678 @@
 </p:sld>
 </file>
 
-<file path=ppt/slides/slide38.xml><?xml version="1.0" encoding="utf-8"?>
+<file path=ppt/slides/slide4.xml><?xml version="1.0" encoding="utf-8"?>
+<p:sld xmlns:a="http://schemas.openxmlformats.org/drawingml/2006/main" xmlns:r="http://schemas.openxmlformats.org/officeDocument/2006/relationships" xmlns:p="http://schemas.openxmlformats.org/presentationml/2006/main">
+  <p:cSld>
+    <p:spTree>
+      <p:nvGrpSpPr>
+        <p:cNvPr id="1" name="">
+          <a:extLst>
+            <a:ext uri="{FF2B5EF4-FFF2-40B4-BE49-F238E27FC236}">
+              <a16:creationId xmlns:a16="http://schemas.microsoft.com/office/drawing/2014/main" id="{3CCC5F9F-35CD-63BB-0C17-D6F0C79D02CF}"/>
+            </a:ext>
+          </a:extLst>
+        </p:cNvPr>
+        <p:cNvGrpSpPr/>
+        <p:nvPr/>
+      </p:nvGrpSpPr>
+      <p:grpSpPr>
+        <a:xfrm>
+          <a:off x="0" y="0"/>
+          <a:ext cx="0" cy="0"/>
+          <a:chOff x="0" y="0"/>
+          <a:chExt cx="0" cy="0"/>
+        </a:xfrm>
+      </p:grpSpPr>
+      <p:cxnSp>
+        <p:nvCxnSpPr>
+          <p:cNvPr id="4" name="直線コネクタ 3">
+            <a:extLst>
+              <a:ext uri="{FF2B5EF4-FFF2-40B4-BE49-F238E27FC236}">
+                <a16:creationId xmlns:a16="http://schemas.microsoft.com/office/drawing/2014/main" id="{76E1EF0D-0BBC-A313-CB1A-1814C352AD0A}"/>
+              </a:ext>
+            </a:extLst>
+          </p:cNvPr>
+          <p:cNvCxnSpPr/>
+          <p:nvPr/>
+        </p:nvCxnSpPr>
+        <p:spPr>
+          <a:xfrm>
+            <a:off x="228600" y="755374"/>
+            <a:ext cx="11936896" cy="0"/>
+          </a:xfrm>
+          <a:prstGeom prst="line">
+            <a:avLst/>
+          </a:prstGeom>
+        </p:spPr>
+        <p:style>
+          <a:lnRef idx="2">
+            <a:schemeClr val="accent1"/>
+          </a:lnRef>
+          <a:fillRef idx="0">
+            <a:schemeClr val="accent1"/>
+          </a:fillRef>
+          <a:effectRef idx="1">
+            <a:schemeClr val="accent1"/>
+          </a:effectRef>
+          <a:fontRef idx="minor">
+            <a:schemeClr val="tx1"/>
+          </a:fontRef>
+        </p:style>
+      </p:cxnSp>
+      <p:sp>
+        <p:nvSpPr>
+          <p:cNvPr id="5" name="テキスト ボックス 4">
+            <a:extLst>
+              <a:ext uri="{FF2B5EF4-FFF2-40B4-BE49-F238E27FC236}">
+                <a16:creationId xmlns:a16="http://schemas.microsoft.com/office/drawing/2014/main" id="{13BAC101-05AC-6711-8E35-FBD5FD62450A}"/>
+              </a:ext>
+            </a:extLst>
+          </p:cNvPr>
+          <p:cNvSpPr txBox="1"/>
+          <p:nvPr/>
+        </p:nvSpPr>
+        <p:spPr>
+          <a:xfrm>
+            <a:off x="407504" y="198783"/>
+            <a:ext cx="3796748" cy="369332"/>
+          </a:xfrm>
+          <a:prstGeom prst="rect">
+            <a:avLst/>
+          </a:prstGeom>
+          <a:noFill/>
+        </p:spPr>
+        <p:txBody>
+          <a:bodyPr wrap="square" rtlCol="0">
+            <a:spAutoFit/>
+          </a:bodyPr>
+          <a:lstStyle/>
+          <a:p>
+            <a:r>
+              <a:rPr kumimoji="1" lang="en-US" altLang="ja-JP" dirty="0"/>
+              <a:t>QR</a:t>
+            </a:r>
+            <a:r>
+              <a:rPr kumimoji="1" lang="ja-JP" altLang="en-US" dirty="0"/>
+              <a:t>コードリーダから展示物紹介</a:t>
+            </a:r>
+          </a:p>
+        </p:txBody>
+      </p:sp>
+      <p:sp>
+        <p:nvSpPr>
+          <p:cNvPr id="2" name="テキスト ボックス 1">
+            <a:extLst>
+              <a:ext uri="{FF2B5EF4-FFF2-40B4-BE49-F238E27FC236}">
+                <a16:creationId xmlns:a16="http://schemas.microsoft.com/office/drawing/2014/main" id="{AF1B5432-7C5B-D3B3-5264-CCC1A35AFE27}"/>
+              </a:ext>
+            </a:extLst>
+          </p:cNvPr>
+          <p:cNvSpPr txBox="1"/>
+          <p:nvPr/>
+        </p:nvSpPr>
+        <p:spPr>
+          <a:xfrm>
+            <a:off x="556592" y="942634"/>
+            <a:ext cx="1987826" cy="369332"/>
+          </a:xfrm>
+          <a:prstGeom prst="rect">
+            <a:avLst/>
+          </a:prstGeom>
+          <a:noFill/>
+        </p:spPr>
+        <p:txBody>
+          <a:bodyPr wrap="square" rtlCol="0">
+            <a:spAutoFit/>
+          </a:bodyPr>
+          <a:lstStyle/>
+          <a:p>
+            <a:r>
+              <a:rPr kumimoji="1" lang="ja-JP" altLang="en-US" dirty="0"/>
+              <a:t>画面イメージ</a:t>
+            </a:r>
+          </a:p>
+        </p:txBody>
+      </p:sp>
+      <p:pic>
+        <p:nvPicPr>
+          <p:cNvPr id="6" name="図 5" descr="図形, 正方形&#10;&#10;AI 生成コンテンツは誤りを含む可能性があります。">
+            <a:extLst>
+              <a:ext uri="{FF2B5EF4-FFF2-40B4-BE49-F238E27FC236}">
+                <a16:creationId xmlns:a16="http://schemas.microsoft.com/office/drawing/2014/main" id="{9DEC15E6-EB60-2B73-FA84-7FD3500BDC38}"/>
+              </a:ext>
+            </a:extLst>
+          </p:cNvPr>
+          <p:cNvPicPr>
+            <a:picLocks noChangeAspect="1"/>
+          </p:cNvPicPr>
+          <p:nvPr/>
+        </p:nvPicPr>
+        <p:blipFill>
+          <a:blip r:embed="rId2"/>
+          <a:stretch>
+            <a:fillRect/>
+          </a:stretch>
+        </p:blipFill>
+        <p:spPr>
+          <a:xfrm>
+            <a:off x="1397382" y="1274165"/>
+            <a:ext cx="3360695" cy="5385052"/>
+          </a:xfrm>
+          <a:prstGeom prst="rect">
+            <a:avLst/>
+          </a:prstGeom>
+        </p:spPr>
+      </p:pic>
+      <p:sp>
+        <p:nvSpPr>
+          <p:cNvPr id="7" name="テキスト ボックス 6">
+            <a:extLst>
+              <a:ext uri="{FF2B5EF4-FFF2-40B4-BE49-F238E27FC236}">
+                <a16:creationId xmlns:a16="http://schemas.microsoft.com/office/drawing/2014/main" id="{DE65383C-7EC4-89E4-ACD6-D2D67AB2B1CB}"/>
+              </a:ext>
+            </a:extLst>
+          </p:cNvPr>
+          <p:cNvSpPr txBox="1"/>
+          <p:nvPr/>
+        </p:nvSpPr>
+        <p:spPr>
+          <a:xfrm>
+            <a:off x="1550505" y="1908313"/>
+            <a:ext cx="3399122" cy="369332"/>
+          </a:xfrm>
+          <a:prstGeom prst="rect">
+            <a:avLst/>
+          </a:prstGeom>
+          <a:noFill/>
+        </p:spPr>
+        <p:txBody>
+          <a:bodyPr wrap="square" rtlCol="0">
+            <a:spAutoFit/>
+          </a:bodyPr>
+          <a:lstStyle/>
+          <a:p>
+            <a:r>
+              <a:rPr kumimoji="1" lang="en-US" altLang="ja-JP" b="1" dirty="0"/>
+              <a:t>QR</a:t>
+            </a:r>
+            <a:r>
+              <a:rPr kumimoji="1" lang="ja-JP" altLang="en-US" b="1" dirty="0"/>
+              <a:t>コードを読んでください</a:t>
+            </a:r>
+          </a:p>
+        </p:txBody>
+      </p:sp>
+      <p:pic>
+        <p:nvPicPr>
+          <p:cNvPr id="9" name="図 8">
+            <a:extLst>
+              <a:ext uri="{FF2B5EF4-FFF2-40B4-BE49-F238E27FC236}">
+                <a16:creationId xmlns:a16="http://schemas.microsoft.com/office/drawing/2014/main" id="{DA1C2295-C173-0F80-A332-C75CF2373036}"/>
+              </a:ext>
+            </a:extLst>
+          </p:cNvPr>
+          <p:cNvPicPr>
+            <a:picLocks noChangeAspect="1"/>
+          </p:cNvPicPr>
+          <p:nvPr/>
+        </p:nvPicPr>
+        <p:blipFill>
+          <a:blip r:embed="rId3"/>
+          <a:stretch>
+            <a:fillRect/>
+          </a:stretch>
+        </p:blipFill>
+        <p:spPr>
+          <a:xfrm>
+            <a:off x="2027066" y="2719716"/>
+            <a:ext cx="1978403" cy="1860640"/>
+          </a:xfrm>
+          <a:prstGeom prst="rect">
+            <a:avLst/>
+          </a:prstGeom>
+        </p:spPr>
+      </p:pic>
+      <p:pic>
+        <p:nvPicPr>
+          <p:cNvPr id="21" name="図 20" descr="図形, 正方形&#10;&#10;AI 生成コンテンツは誤りを含む可能性があります。">
+            <a:extLst>
+              <a:ext uri="{FF2B5EF4-FFF2-40B4-BE49-F238E27FC236}">
+                <a16:creationId xmlns:a16="http://schemas.microsoft.com/office/drawing/2014/main" id="{39B75BAD-1936-9281-BCAA-B50904FA8961}"/>
+              </a:ext>
+            </a:extLst>
+          </p:cNvPr>
+          <p:cNvPicPr>
+            <a:picLocks noChangeAspect="1"/>
+          </p:cNvPicPr>
+          <p:nvPr/>
+        </p:nvPicPr>
+        <p:blipFill>
+          <a:blip r:embed="rId2"/>
+          <a:stretch>
+            <a:fillRect/>
+          </a:stretch>
+        </p:blipFill>
+        <p:spPr>
+          <a:xfrm>
+            <a:off x="6588922" y="1105199"/>
+            <a:ext cx="3399123" cy="5446627"/>
+          </a:xfrm>
+          <a:prstGeom prst="rect">
+            <a:avLst/>
+          </a:prstGeom>
+        </p:spPr>
+      </p:pic>
+      <p:pic>
+        <p:nvPicPr>
+          <p:cNvPr id="23" name="図 22" descr="テーブル, 座る, ベッド, 横たわる が含まれている画像&#10;&#10;AI 生成コンテンツは誤りを含む可能性があります。">
+            <a:extLst>
+              <a:ext uri="{FF2B5EF4-FFF2-40B4-BE49-F238E27FC236}">
+                <a16:creationId xmlns:a16="http://schemas.microsoft.com/office/drawing/2014/main" id="{4C69D530-DF1B-4D97-200B-228B1799876B}"/>
+              </a:ext>
+            </a:extLst>
+          </p:cNvPr>
+          <p:cNvPicPr>
+            <a:picLocks noChangeAspect="1"/>
+          </p:cNvPicPr>
+          <p:nvPr/>
+        </p:nvPicPr>
+        <p:blipFill>
+          <a:blip r:embed="rId4"/>
+          <a:stretch>
+            <a:fillRect/>
+          </a:stretch>
+        </p:blipFill>
+        <p:spPr>
+          <a:xfrm>
+            <a:off x="7051137" y="1979610"/>
+            <a:ext cx="2232562" cy="2669962"/>
+          </a:xfrm>
+          <a:prstGeom prst="rect">
+            <a:avLst/>
+          </a:prstGeom>
+        </p:spPr>
+      </p:pic>
+      <p:sp>
+        <p:nvSpPr>
+          <p:cNvPr id="24" name="テキスト ボックス 23">
+            <a:extLst>
+              <a:ext uri="{FF2B5EF4-FFF2-40B4-BE49-F238E27FC236}">
+                <a16:creationId xmlns:a16="http://schemas.microsoft.com/office/drawing/2014/main" id="{59BCA050-EFD7-369D-2565-BD4F1F03F502}"/>
+              </a:ext>
+            </a:extLst>
+          </p:cNvPr>
+          <p:cNvSpPr txBox="1"/>
+          <p:nvPr/>
+        </p:nvSpPr>
+        <p:spPr>
+          <a:xfrm>
+            <a:off x="7589076" y="5098787"/>
+            <a:ext cx="2232562" cy="369332"/>
+          </a:xfrm>
+          <a:prstGeom prst="rect">
+            <a:avLst/>
+          </a:prstGeom>
+          <a:noFill/>
+        </p:spPr>
+        <p:txBody>
+          <a:bodyPr wrap="square" rtlCol="0">
+            <a:spAutoFit/>
+          </a:bodyPr>
+          <a:lstStyle/>
+          <a:p>
+            <a:r>
+              <a:rPr kumimoji="1" lang="ja-JP" altLang="en-US" dirty="0"/>
+              <a:t>説明文</a:t>
+            </a:r>
+          </a:p>
+        </p:txBody>
+      </p:sp>
+      <p:sp>
+        <p:nvSpPr>
+          <p:cNvPr id="26" name="テキスト ボックス 25">
+            <a:extLst>
+              <a:ext uri="{FF2B5EF4-FFF2-40B4-BE49-F238E27FC236}">
+                <a16:creationId xmlns:a16="http://schemas.microsoft.com/office/drawing/2014/main" id="{BFDCC9AA-7B59-08A1-5ADF-33AECEF9CAEE}"/>
+              </a:ext>
+            </a:extLst>
+          </p:cNvPr>
+          <p:cNvSpPr txBox="1"/>
+          <p:nvPr/>
+        </p:nvSpPr>
+        <p:spPr>
+          <a:xfrm>
+            <a:off x="8542844" y="4649572"/>
+            <a:ext cx="735495" cy="369332"/>
+          </a:xfrm>
+          <a:prstGeom prst="rect">
+            <a:avLst/>
+          </a:prstGeom>
+          <a:solidFill>
+            <a:schemeClr val="bg2"/>
+          </a:solidFill>
+          <a:ln>
+            <a:solidFill>
+              <a:schemeClr val="accent1"/>
+            </a:solidFill>
+          </a:ln>
+        </p:spPr>
+        <p:txBody>
+          <a:bodyPr wrap="square" rtlCol="0">
+            <a:spAutoFit/>
+          </a:bodyPr>
+          <a:lstStyle/>
+          <a:p>
+            <a:r>
+              <a:rPr kumimoji="1" lang="ja-JP" altLang="en-US" dirty="0">
+                <a:ln>
+                  <a:solidFill>
+                    <a:schemeClr val="accent1"/>
+                  </a:solidFill>
+                </a:ln>
+              </a:rPr>
+              <a:t>音声</a:t>
+            </a:r>
+          </a:p>
+        </p:txBody>
+      </p:sp>
+      <p:sp>
+        <p:nvSpPr>
+          <p:cNvPr id="27" name="吹き出し: 四角形 26">
+            <a:extLst>
+              <a:ext uri="{FF2B5EF4-FFF2-40B4-BE49-F238E27FC236}">
+                <a16:creationId xmlns:a16="http://schemas.microsoft.com/office/drawing/2014/main" id="{0841179F-A73D-D7A0-5850-570278C83C5F}"/>
+              </a:ext>
+            </a:extLst>
+          </p:cNvPr>
+          <p:cNvSpPr/>
+          <p:nvPr/>
+        </p:nvSpPr>
+        <p:spPr>
+          <a:xfrm>
+            <a:off x="10367064" y="3406418"/>
+            <a:ext cx="1401418" cy="677651"/>
+          </a:xfrm>
+          <a:prstGeom prst="wedgeRectCallout">
+            <a:avLst>
+              <a:gd name="adj1" fmla="val -110515"/>
+              <a:gd name="adj2" fmla="val 154902"/>
+            </a:avLst>
+          </a:prstGeom>
+          <a:noFill/>
+        </p:spPr>
+        <p:style>
+          <a:lnRef idx="2">
+            <a:schemeClr val="accent1">
+              <a:shade val="15000"/>
+            </a:schemeClr>
+          </a:lnRef>
+          <a:fillRef idx="1">
+            <a:schemeClr val="accent1"/>
+          </a:fillRef>
+          <a:effectRef idx="0">
+            <a:schemeClr val="accent1"/>
+          </a:effectRef>
+          <a:fontRef idx="minor">
+            <a:schemeClr val="lt1"/>
+          </a:fontRef>
+        </p:style>
+        <p:txBody>
+          <a:bodyPr rtlCol="0" anchor="ctr"/>
+          <a:lstStyle/>
+          <a:p>
+            <a:pPr algn="ctr"/>
+            <a:r>
+              <a:rPr kumimoji="1" lang="ja-JP" altLang="en-US" dirty="0">
+                <a:solidFill>
+                  <a:schemeClr val="tx1"/>
+                </a:solidFill>
+              </a:rPr>
+              <a:t>音声再生</a:t>
+            </a:r>
+          </a:p>
+        </p:txBody>
+      </p:sp>
+      <p:sp>
+        <p:nvSpPr>
+          <p:cNvPr id="29" name="正方形/長方形 28">
+            <a:extLst>
+              <a:ext uri="{FF2B5EF4-FFF2-40B4-BE49-F238E27FC236}">
+                <a16:creationId xmlns:a16="http://schemas.microsoft.com/office/drawing/2014/main" id="{DD0A2E3E-26E1-0F27-8377-36D5965EA359}"/>
+              </a:ext>
+            </a:extLst>
+          </p:cNvPr>
+          <p:cNvSpPr/>
+          <p:nvPr/>
+        </p:nvSpPr>
+        <p:spPr>
+          <a:xfrm>
+            <a:off x="7141267" y="5818569"/>
+            <a:ext cx="1108602" cy="369332"/>
+          </a:xfrm>
+          <a:prstGeom prst="rect">
+            <a:avLst/>
+          </a:prstGeom>
+          <a:noFill/>
+        </p:spPr>
+        <p:style>
+          <a:lnRef idx="2">
+            <a:schemeClr val="accent1">
+              <a:shade val="15000"/>
+            </a:schemeClr>
+          </a:lnRef>
+          <a:fillRef idx="1">
+            <a:schemeClr val="accent1"/>
+          </a:fillRef>
+          <a:effectRef idx="0">
+            <a:schemeClr val="accent1"/>
+          </a:effectRef>
+          <a:fontRef idx="minor">
+            <a:schemeClr val="lt1"/>
+          </a:fontRef>
+        </p:style>
+        <p:txBody>
+          <a:bodyPr rtlCol="0" anchor="ctr"/>
+          <a:lstStyle/>
+          <a:p>
+            <a:pPr algn="ctr"/>
+            <a:r>
+              <a:rPr kumimoji="1" lang="ja-JP" altLang="en-US" dirty="0">
+                <a:solidFill>
+                  <a:schemeClr val="tx1"/>
+                </a:solidFill>
+              </a:rPr>
+              <a:t>戻る</a:t>
+            </a:r>
+          </a:p>
+        </p:txBody>
+      </p:sp>
+      <p:cxnSp>
+        <p:nvCxnSpPr>
+          <p:cNvPr id="32" name="直線矢印コネクタ 31">
+            <a:extLst>
+              <a:ext uri="{FF2B5EF4-FFF2-40B4-BE49-F238E27FC236}">
+                <a16:creationId xmlns:a16="http://schemas.microsoft.com/office/drawing/2014/main" id="{9140CC7F-E329-E2D4-E91F-6249AD989646}"/>
+              </a:ext>
+            </a:extLst>
+          </p:cNvPr>
+          <p:cNvCxnSpPr>
+            <a:stCxn id="6" idx="3"/>
+            <a:endCxn id="21" idx="1"/>
+          </p:cNvCxnSpPr>
+          <p:nvPr/>
+        </p:nvCxnSpPr>
+        <p:spPr>
+          <a:xfrm flipV="1">
+            <a:off x="4758077" y="3828513"/>
+            <a:ext cx="1830845" cy="138178"/>
+          </a:xfrm>
+          <a:prstGeom prst="straightConnector1">
+            <a:avLst/>
+          </a:prstGeom>
+          <a:ln>
+            <a:tailEnd type="triangle"/>
+          </a:ln>
+        </p:spPr>
+        <p:style>
+          <a:lnRef idx="2">
+            <a:schemeClr val="accent1"/>
+          </a:lnRef>
+          <a:fillRef idx="0">
+            <a:schemeClr val="accent1"/>
+          </a:fillRef>
+          <a:effectRef idx="1">
+            <a:schemeClr val="accent1"/>
+          </a:effectRef>
+          <a:fontRef idx="minor">
+            <a:schemeClr val="tx1"/>
+          </a:fontRef>
+        </p:style>
+      </p:cxnSp>
+      <p:cxnSp>
+        <p:nvCxnSpPr>
+          <p:cNvPr id="33" name="直線矢印コネクタ 32">
+            <a:extLst>
+              <a:ext uri="{FF2B5EF4-FFF2-40B4-BE49-F238E27FC236}">
+                <a16:creationId xmlns:a16="http://schemas.microsoft.com/office/drawing/2014/main" id="{51AAC775-F688-A2A2-8DC6-0012ABBC585A}"/>
+              </a:ext>
+            </a:extLst>
+          </p:cNvPr>
+          <p:cNvCxnSpPr>
+            <a:cxnSpLocks/>
+          </p:cNvCxnSpPr>
+          <p:nvPr/>
+        </p:nvCxnSpPr>
+        <p:spPr>
+          <a:xfrm flipH="1">
+            <a:off x="4808485" y="6003235"/>
+            <a:ext cx="2332782" cy="0"/>
+          </a:xfrm>
+          <a:prstGeom prst="straightConnector1">
+            <a:avLst/>
+          </a:prstGeom>
+          <a:ln>
+            <a:tailEnd type="triangle"/>
+          </a:ln>
+        </p:spPr>
+        <p:style>
+          <a:lnRef idx="2">
+            <a:schemeClr val="accent1"/>
+          </a:lnRef>
+          <a:fillRef idx="0">
+            <a:schemeClr val="accent1"/>
+          </a:fillRef>
+          <a:effectRef idx="1">
+            <a:schemeClr val="accent1"/>
+          </a:effectRef>
+          <a:fontRef idx="minor">
+            <a:schemeClr val="tx1"/>
+          </a:fontRef>
+        </p:style>
+      </p:cxnSp>
+      <p:sp>
+        <p:nvSpPr>
+          <p:cNvPr id="36" name="正方形/長方形 35">
+            <a:extLst>
+              <a:ext uri="{FF2B5EF4-FFF2-40B4-BE49-F238E27FC236}">
+                <a16:creationId xmlns:a16="http://schemas.microsoft.com/office/drawing/2014/main" id="{61BADCF7-0A54-B2F9-D155-449E7B72FB8F}"/>
+              </a:ext>
+            </a:extLst>
+          </p:cNvPr>
+          <p:cNvSpPr/>
+          <p:nvPr/>
+        </p:nvSpPr>
+        <p:spPr>
+          <a:xfrm>
+            <a:off x="1907665" y="5915366"/>
+            <a:ext cx="2097804" cy="369332"/>
+          </a:xfrm>
+          <a:prstGeom prst="rect">
+            <a:avLst/>
+          </a:prstGeom>
+          <a:noFill/>
+        </p:spPr>
+        <p:style>
+          <a:lnRef idx="2">
+            <a:schemeClr val="accent1">
+              <a:shade val="15000"/>
+            </a:schemeClr>
+          </a:lnRef>
+          <a:fillRef idx="1">
+            <a:schemeClr val="accent1"/>
+          </a:fillRef>
+          <a:effectRef idx="0">
+            <a:schemeClr val="accent1"/>
+          </a:effectRef>
+          <a:fontRef idx="minor">
+            <a:schemeClr val="lt1"/>
+          </a:fontRef>
+        </p:style>
+        <p:txBody>
+          <a:bodyPr rtlCol="0" anchor="ctr"/>
+          <a:lstStyle/>
+          <a:p>
+            <a:pPr algn="ctr"/>
+            <a:r>
+              <a:rPr kumimoji="1" lang="ja-JP" altLang="en-US" dirty="0">
+                <a:solidFill>
+                  <a:schemeClr val="tx1"/>
+                </a:solidFill>
+              </a:rPr>
+              <a:t>トップ画面に戻る</a:t>
+            </a:r>
+          </a:p>
+        </p:txBody>
+      </p:sp>
+      <p:sp>
+        <p:nvSpPr>
+          <p:cNvPr id="3" name="テキスト ボックス 2">
+            <a:extLst>
+              <a:ext uri="{FF2B5EF4-FFF2-40B4-BE49-F238E27FC236}">
+                <a16:creationId xmlns:a16="http://schemas.microsoft.com/office/drawing/2014/main" id="{D93EAE48-9704-20BE-2E00-EBF26D19A263}"/>
+              </a:ext>
+            </a:extLst>
+          </p:cNvPr>
+          <p:cNvSpPr txBox="1"/>
+          <p:nvPr/>
+        </p:nvSpPr>
+        <p:spPr>
+          <a:xfrm>
+            <a:off x="6967330" y="1520687"/>
+            <a:ext cx="2494722" cy="369332"/>
+          </a:xfrm>
+          <a:prstGeom prst="rect">
+            <a:avLst/>
+          </a:prstGeom>
+          <a:noFill/>
+        </p:spPr>
+        <p:txBody>
+          <a:bodyPr wrap="square" rtlCol="0">
+            <a:spAutoFit/>
+          </a:bodyPr>
+          <a:lstStyle/>
+          <a:p>
+            <a:r>
+              <a:rPr kumimoji="1" lang="ja-JP" altLang="en-US" dirty="0"/>
+              <a:t>タイトル</a:t>
+            </a:r>
+          </a:p>
+        </p:txBody>
+      </p:sp>
+    </p:spTree>
+    <p:extLst>
+      <p:ext uri="{BB962C8B-B14F-4D97-AF65-F5344CB8AC3E}">
+        <p14:creationId xmlns:p14="http://schemas.microsoft.com/office/powerpoint/2010/main" val="1991612794"/>
+      </p:ext>
+    </p:extLst>
+  </p:cSld>
+  <p:clrMapOvr>
+    <a:masterClrMapping/>
+  </p:clrMapOvr>
+</p:sld>
+</file>
+
+<file path=ppt/slides/slide40.xml><?xml version="1.0" encoding="utf-8"?>
 <p:sld xmlns:a="http://schemas.openxmlformats.org/drawingml/2006/main" xmlns:r="http://schemas.openxmlformats.org/officeDocument/2006/relationships" xmlns:p="http://schemas.openxmlformats.org/presentationml/2006/main">
   <p:cSld>
     <p:spTree>
@@ -14064,7 +15098,7 @@
 </p:sld>
 </file>
 
-<file path=ppt/slides/slide39.xml><?xml version="1.0" encoding="utf-8"?>
+<file path=ppt/slides/slide41.xml><?xml version="1.0" encoding="utf-8"?>
 <p:sld xmlns:a="http://schemas.openxmlformats.org/drawingml/2006/main" xmlns:r="http://schemas.openxmlformats.org/officeDocument/2006/relationships" xmlns:p="http://schemas.openxmlformats.org/presentationml/2006/main">
   <p:cSld>
     <p:spTree>
@@ -14784,678 +15818,7 @@
 </p:sld>
 </file>
 
-<file path=ppt/slides/slide4.xml><?xml version="1.0" encoding="utf-8"?>
-<p:sld xmlns:a="http://schemas.openxmlformats.org/drawingml/2006/main" xmlns:r="http://schemas.openxmlformats.org/officeDocument/2006/relationships" xmlns:p="http://schemas.openxmlformats.org/presentationml/2006/main">
-  <p:cSld>
-    <p:spTree>
-      <p:nvGrpSpPr>
-        <p:cNvPr id="1" name="">
-          <a:extLst>
-            <a:ext uri="{FF2B5EF4-FFF2-40B4-BE49-F238E27FC236}">
-              <a16:creationId xmlns:a16="http://schemas.microsoft.com/office/drawing/2014/main" id="{3CCC5F9F-35CD-63BB-0C17-D6F0C79D02CF}"/>
-            </a:ext>
-          </a:extLst>
-        </p:cNvPr>
-        <p:cNvGrpSpPr/>
-        <p:nvPr/>
-      </p:nvGrpSpPr>
-      <p:grpSpPr>
-        <a:xfrm>
-          <a:off x="0" y="0"/>
-          <a:ext cx="0" cy="0"/>
-          <a:chOff x="0" y="0"/>
-          <a:chExt cx="0" cy="0"/>
-        </a:xfrm>
-      </p:grpSpPr>
-      <p:cxnSp>
-        <p:nvCxnSpPr>
-          <p:cNvPr id="4" name="直線コネクタ 3">
-            <a:extLst>
-              <a:ext uri="{FF2B5EF4-FFF2-40B4-BE49-F238E27FC236}">
-                <a16:creationId xmlns:a16="http://schemas.microsoft.com/office/drawing/2014/main" id="{76E1EF0D-0BBC-A313-CB1A-1814C352AD0A}"/>
-              </a:ext>
-            </a:extLst>
-          </p:cNvPr>
-          <p:cNvCxnSpPr/>
-          <p:nvPr/>
-        </p:nvCxnSpPr>
-        <p:spPr>
-          <a:xfrm>
-            <a:off x="228600" y="755374"/>
-            <a:ext cx="11936896" cy="0"/>
-          </a:xfrm>
-          <a:prstGeom prst="line">
-            <a:avLst/>
-          </a:prstGeom>
-        </p:spPr>
-        <p:style>
-          <a:lnRef idx="2">
-            <a:schemeClr val="accent1"/>
-          </a:lnRef>
-          <a:fillRef idx="0">
-            <a:schemeClr val="accent1"/>
-          </a:fillRef>
-          <a:effectRef idx="1">
-            <a:schemeClr val="accent1"/>
-          </a:effectRef>
-          <a:fontRef idx="minor">
-            <a:schemeClr val="tx1"/>
-          </a:fontRef>
-        </p:style>
-      </p:cxnSp>
-      <p:sp>
-        <p:nvSpPr>
-          <p:cNvPr id="5" name="テキスト ボックス 4">
-            <a:extLst>
-              <a:ext uri="{FF2B5EF4-FFF2-40B4-BE49-F238E27FC236}">
-                <a16:creationId xmlns:a16="http://schemas.microsoft.com/office/drawing/2014/main" id="{13BAC101-05AC-6711-8E35-FBD5FD62450A}"/>
-              </a:ext>
-            </a:extLst>
-          </p:cNvPr>
-          <p:cNvSpPr txBox="1"/>
-          <p:nvPr/>
-        </p:nvSpPr>
-        <p:spPr>
-          <a:xfrm>
-            <a:off x="407504" y="198783"/>
-            <a:ext cx="3796748" cy="369332"/>
-          </a:xfrm>
-          <a:prstGeom prst="rect">
-            <a:avLst/>
-          </a:prstGeom>
-          <a:noFill/>
-        </p:spPr>
-        <p:txBody>
-          <a:bodyPr wrap="square" rtlCol="0">
-            <a:spAutoFit/>
-          </a:bodyPr>
-          <a:lstStyle/>
-          <a:p>
-            <a:r>
-              <a:rPr kumimoji="1" lang="en-US" altLang="ja-JP" dirty="0"/>
-              <a:t>QR</a:t>
-            </a:r>
-            <a:r>
-              <a:rPr kumimoji="1" lang="ja-JP" altLang="en-US" dirty="0"/>
-              <a:t>コードリーダから展示物紹介</a:t>
-            </a:r>
-          </a:p>
-        </p:txBody>
-      </p:sp>
-      <p:sp>
-        <p:nvSpPr>
-          <p:cNvPr id="2" name="テキスト ボックス 1">
-            <a:extLst>
-              <a:ext uri="{FF2B5EF4-FFF2-40B4-BE49-F238E27FC236}">
-                <a16:creationId xmlns:a16="http://schemas.microsoft.com/office/drawing/2014/main" id="{AF1B5432-7C5B-D3B3-5264-CCC1A35AFE27}"/>
-              </a:ext>
-            </a:extLst>
-          </p:cNvPr>
-          <p:cNvSpPr txBox="1"/>
-          <p:nvPr/>
-        </p:nvSpPr>
-        <p:spPr>
-          <a:xfrm>
-            <a:off x="556592" y="942634"/>
-            <a:ext cx="1987826" cy="369332"/>
-          </a:xfrm>
-          <a:prstGeom prst="rect">
-            <a:avLst/>
-          </a:prstGeom>
-          <a:noFill/>
-        </p:spPr>
-        <p:txBody>
-          <a:bodyPr wrap="square" rtlCol="0">
-            <a:spAutoFit/>
-          </a:bodyPr>
-          <a:lstStyle/>
-          <a:p>
-            <a:r>
-              <a:rPr kumimoji="1" lang="ja-JP" altLang="en-US" dirty="0"/>
-              <a:t>画面イメージ</a:t>
-            </a:r>
-          </a:p>
-        </p:txBody>
-      </p:sp>
-      <p:pic>
-        <p:nvPicPr>
-          <p:cNvPr id="6" name="図 5" descr="図形, 正方形&#10;&#10;AI 生成コンテンツは誤りを含む可能性があります。">
-            <a:extLst>
-              <a:ext uri="{FF2B5EF4-FFF2-40B4-BE49-F238E27FC236}">
-                <a16:creationId xmlns:a16="http://schemas.microsoft.com/office/drawing/2014/main" id="{9DEC15E6-EB60-2B73-FA84-7FD3500BDC38}"/>
-              </a:ext>
-            </a:extLst>
-          </p:cNvPr>
-          <p:cNvPicPr>
-            <a:picLocks noChangeAspect="1"/>
-          </p:cNvPicPr>
-          <p:nvPr/>
-        </p:nvPicPr>
-        <p:blipFill>
-          <a:blip r:embed="rId2"/>
-          <a:stretch>
-            <a:fillRect/>
-          </a:stretch>
-        </p:blipFill>
-        <p:spPr>
-          <a:xfrm>
-            <a:off x="1397382" y="1274165"/>
-            <a:ext cx="3360695" cy="5385052"/>
-          </a:xfrm>
-          <a:prstGeom prst="rect">
-            <a:avLst/>
-          </a:prstGeom>
-        </p:spPr>
-      </p:pic>
-      <p:sp>
-        <p:nvSpPr>
-          <p:cNvPr id="7" name="テキスト ボックス 6">
-            <a:extLst>
-              <a:ext uri="{FF2B5EF4-FFF2-40B4-BE49-F238E27FC236}">
-                <a16:creationId xmlns:a16="http://schemas.microsoft.com/office/drawing/2014/main" id="{DE65383C-7EC4-89E4-ACD6-D2D67AB2B1CB}"/>
-              </a:ext>
-            </a:extLst>
-          </p:cNvPr>
-          <p:cNvSpPr txBox="1"/>
-          <p:nvPr/>
-        </p:nvSpPr>
-        <p:spPr>
-          <a:xfrm>
-            <a:off x="1550505" y="1908313"/>
-            <a:ext cx="3399122" cy="369332"/>
-          </a:xfrm>
-          <a:prstGeom prst="rect">
-            <a:avLst/>
-          </a:prstGeom>
-          <a:noFill/>
-        </p:spPr>
-        <p:txBody>
-          <a:bodyPr wrap="square" rtlCol="0">
-            <a:spAutoFit/>
-          </a:bodyPr>
-          <a:lstStyle/>
-          <a:p>
-            <a:r>
-              <a:rPr kumimoji="1" lang="en-US" altLang="ja-JP" b="1" dirty="0"/>
-              <a:t>QR</a:t>
-            </a:r>
-            <a:r>
-              <a:rPr kumimoji="1" lang="ja-JP" altLang="en-US" b="1" dirty="0"/>
-              <a:t>コードを読んでください</a:t>
-            </a:r>
-          </a:p>
-        </p:txBody>
-      </p:sp>
-      <p:pic>
-        <p:nvPicPr>
-          <p:cNvPr id="9" name="図 8">
-            <a:extLst>
-              <a:ext uri="{FF2B5EF4-FFF2-40B4-BE49-F238E27FC236}">
-                <a16:creationId xmlns:a16="http://schemas.microsoft.com/office/drawing/2014/main" id="{DA1C2295-C173-0F80-A332-C75CF2373036}"/>
-              </a:ext>
-            </a:extLst>
-          </p:cNvPr>
-          <p:cNvPicPr>
-            <a:picLocks noChangeAspect="1"/>
-          </p:cNvPicPr>
-          <p:nvPr/>
-        </p:nvPicPr>
-        <p:blipFill>
-          <a:blip r:embed="rId3"/>
-          <a:stretch>
-            <a:fillRect/>
-          </a:stretch>
-        </p:blipFill>
-        <p:spPr>
-          <a:xfrm>
-            <a:off x="2027066" y="2719716"/>
-            <a:ext cx="1978403" cy="1860640"/>
-          </a:xfrm>
-          <a:prstGeom prst="rect">
-            <a:avLst/>
-          </a:prstGeom>
-        </p:spPr>
-      </p:pic>
-      <p:pic>
-        <p:nvPicPr>
-          <p:cNvPr id="21" name="図 20" descr="図形, 正方形&#10;&#10;AI 生成コンテンツは誤りを含む可能性があります。">
-            <a:extLst>
-              <a:ext uri="{FF2B5EF4-FFF2-40B4-BE49-F238E27FC236}">
-                <a16:creationId xmlns:a16="http://schemas.microsoft.com/office/drawing/2014/main" id="{39B75BAD-1936-9281-BCAA-B50904FA8961}"/>
-              </a:ext>
-            </a:extLst>
-          </p:cNvPr>
-          <p:cNvPicPr>
-            <a:picLocks noChangeAspect="1"/>
-          </p:cNvPicPr>
-          <p:nvPr/>
-        </p:nvPicPr>
-        <p:blipFill>
-          <a:blip r:embed="rId2"/>
-          <a:stretch>
-            <a:fillRect/>
-          </a:stretch>
-        </p:blipFill>
-        <p:spPr>
-          <a:xfrm>
-            <a:off x="6588922" y="1105199"/>
-            <a:ext cx="3399123" cy="5446627"/>
-          </a:xfrm>
-          <a:prstGeom prst="rect">
-            <a:avLst/>
-          </a:prstGeom>
-        </p:spPr>
-      </p:pic>
-      <p:pic>
-        <p:nvPicPr>
-          <p:cNvPr id="23" name="図 22" descr="テーブル, 座る, ベッド, 横たわる が含まれている画像&#10;&#10;AI 生成コンテンツは誤りを含む可能性があります。">
-            <a:extLst>
-              <a:ext uri="{FF2B5EF4-FFF2-40B4-BE49-F238E27FC236}">
-                <a16:creationId xmlns:a16="http://schemas.microsoft.com/office/drawing/2014/main" id="{4C69D530-DF1B-4D97-200B-228B1799876B}"/>
-              </a:ext>
-            </a:extLst>
-          </p:cNvPr>
-          <p:cNvPicPr>
-            <a:picLocks noChangeAspect="1"/>
-          </p:cNvPicPr>
-          <p:nvPr/>
-        </p:nvPicPr>
-        <p:blipFill>
-          <a:blip r:embed="rId4"/>
-          <a:stretch>
-            <a:fillRect/>
-          </a:stretch>
-        </p:blipFill>
-        <p:spPr>
-          <a:xfrm>
-            <a:off x="7051137" y="1979610"/>
-            <a:ext cx="2232562" cy="2669962"/>
-          </a:xfrm>
-          <a:prstGeom prst="rect">
-            <a:avLst/>
-          </a:prstGeom>
-        </p:spPr>
-      </p:pic>
-      <p:sp>
-        <p:nvSpPr>
-          <p:cNvPr id="24" name="テキスト ボックス 23">
-            <a:extLst>
-              <a:ext uri="{FF2B5EF4-FFF2-40B4-BE49-F238E27FC236}">
-                <a16:creationId xmlns:a16="http://schemas.microsoft.com/office/drawing/2014/main" id="{59BCA050-EFD7-369D-2565-BD4F1F03F502}"/>
-              </a:ext>
-            </a:extLst>
-          </p:cNvPr>
-          <p:cNvSpPr txBox="1"/>
-          <p:nvPr/>
-        </p:nvSpPr>
-        <p:spPr>
-          <a:xfrm>
-            <a:off x="7589076" y="5098787"/>
-            <a:ext cx="2232562" cy="369332"/>
-          </a:xfrm>
-          <a:prstGeom prst="rect">
-            <a:avLst/>
-          </a:prstGeom>
-          <a:noFill/>
-        </p:spPr>
-        <p:txBody>
-          <a:bodyPr wrap="square" rtlCol="0">
-            <a:spAutoFit/>
-          </a:bodyPr>
-          <a:lstStyle/>
-          <a:p>
-            <a:r>
-              <a:rPr kumimoji="1" lang="ja-JP" altLang="en-US" dirty="0"/>
-              <a:t>説明文</a:t>
-            </a:r>
-          </a:p>
-        </p:txBody>
-      </p:sp>
-      <p:sp>
-        <p:nvSpPr>
-          <p:cNvPr id="26" name="テキスト ボックス 25">
-            <a:extLst>
-              <a:ext uri="{FF2B5EF4-FFF2-40B4-BE49-F238E27FC236}">
-                <a16:creationId xmlns:a16="http://schemas.microsoft.com/office/drawing/2014/main" id="{BFDCC9AA-7B59-08A1-5ADF-33AECEF9CAEE}"/>
-              </a:ext>
-            </a:extLst>
-          </p:cNvPr>
-          <p:cNvSpPr txBox="1"/>
-          <p:nvPr/>
-        </p:nvSpPr>
-        <p:spPr>
-          <a:xfrm>
-            <a:off x="8542844" y="4649572"/>
-            <a:ext cx="735495" cy="369332"/>
-          </a:xfrm>
-          <a:prstGeom prst="rect">
-            <a:avLst/>
-          </a:prstGeom>
-          <a:solidFill>
-            <a:schemeClr val="bg2"/>
-          </a:solidFill>
-          <a:ln>
-            <a:solidFill>
-              <a:schemeClr val="accent1"/>
-            </a:solidFill>
-          </a:ln>
-        </p:spPr>
-        <p:txBody>
-          <a:bodyPr wrap="square" rtlCol="0">
-            <a:spAutoFit/>
-          </a:bodyPr>
-          <a:lstStyle/>
-          <a:p>
-            <a:r>
-              <a:rPr kumimoji="1" lang="ja-JP" altLang="en-US" dirty="0">
-                <a:ln>
-                  <a:solidFill>
-                    <a:schemeClr val="accent1"/>
-                  </a:solidFill>
-                </a:ln>
-              </a:rPr>
-              <a:t>音声</a:t>
-            </a:r>
-          </a:p>
-        </p:txBody>
-      </p:sp>
-      <p:sp>
-        <p:nvSpPr>
-          <p:cNvPr id="27" name="吹き出し: 四角形 26">
-            <a:extLst>
-              <a:ext uri="{FF2B5EF4-FFF2-40B4-BE49-F238E27FC236}">
-                <a16:creationId xmlns:a16="http://schemas.microsoft.com/office/drawing/2014/main" id="{0841179F-A73D-D7A0-5850-570278C83C5F}"/>
-              </a:ext>
-            </a:extLst>
-          </p:cNvPr>
-          <p:cNvSpPr/>
-          <p:nvPr/>
-        </p:nvSpPr>
-        <p:spPr>
-          <a:xfrm>
-            <a:off x="10367064" y="3406418"/>
-            <a:ext cx="1401418" cy="677651"/>
-          </a:xfrm>
-          <a:prstGeom prst="wedgeRectCallout">
-            <a:avLst>
-              <a:gd name="adj1" fmla="val -110515"/>
-              <a:gd name="adj2" fmla="val 154902"/>
-            </a:avLst>
-          </a:prstGeom>
-          <a:noFill/>
-        </p:spPr>
-        <p:style>
-          <a:lnRef idx="2">
-            <a:schemeClr val="accent1">
-              <a:shade val="15000"/>
-            </a:schemeClr>
-          </a:lnRef>
-          <a:fillRef idx="1">
-            <a:schemeClr val="accent1"/>
-          </a:fillRef>
-          <a:effectRef idx="0">
-            <a:schemeClr val="accent1"/>
-          </a:effectRef>
-          <a:fontRef idx="minor">
-            <a:schemeClr val="lt1"/>
-          </a:fontRef>
-        </p:style>
-        <p:txBody>
-          <a:bodyPr rtlCol="0" anchor="ctr"/>
-          <a:lstStyle/>
-          <a:p>
-            <a:pPr algn="ctr"/>
-            <a:r>
-              <a:rPr kumimoji="1" lang="ja-JP" altLang="en-US" dirty="0">
-                <a:solidFill>
-                  <a:schemeClr val="tx1"/>
-                </a:solidFill>
-              </a:rPr>
-              <a:t>音声再生</a:t>
-            </a:r>
-          </a:p>
-        </p:txBody>
-      </p:sp>
-      <p:sp>
-        <p:nvSpPr>
-          <p:cNvPr id="29" name="正方形/長方形 28">
-            <a:extLst>
-              <a:ext uri="{FF2B5EF4-FFF2-40B4-BE49-F238E27FC236}">
-                <a16:creationId xmlns:a16="http://schemas.microsoft.com/office/drawing/2014/main" id="{DD0A2E3E-26E1-0F27-8377-36D5965EA359}"/>
-              </a:ext>
-            </a:extLst>
-          </p:cNvPr>
-          <p:cNvSpPr/>
-          <p:nvPr/>
-        </p:nvSpPr>
-        <p:spPr>
-          <a:xfrm>
-            <a:off x="7141267" y="5818569"/>
-            <a:ext cx="1108602" cy="369332"/>
-          </a:xfrm>
-          <a:prstGeom prst="rect">
-            <a:avLst/>
-          </a:prstGeom>
-          <a:noFill/>
-        </p:spPr>
-        <p:style>
-          <a:lnRef idx="2">
-            <a:schemeClr val="accent1">
-              <a:shade val="15000"/>
-            </a:schemeClr>
-          </a:lnRef>
-          <a:fillRef idx="1">
-            <a:schemeClr val="accent1"/>
-          </a:fillRef>
-          <a:effectRef idx="0">
-            <a:schemeClr val="accent1"/>
-          </a:effectRef>
-          <a:fontRef idx="minor">
-            <a:schemeClr val="lt1"/>
-          </a:fontRef>
-        </p:style>
-        <p:txBody>
-          <a:bodyPr rtlCol="0" anchor="ctr"/>
-          <a:lstStyle/>
-          <a:p>
-            <a:pPr algn="ctr"/>
-            <a:r>
-              <a:rPr kumimoji="1" lang="ja-JP" altLang="en-US" dirty="0">
-                <a:solidFill>
-                  <a:schemeClr val="tx1"/>
-                </a:solidFill>
-              </a:rPr>
-              <a:t>戻る</a:t>
-            </a:r>
-          </a:p>
-        </p:txBody>
-      </p:sp>
-      <p:cxnSp>
-        <p:nvCxnSpPr>
-          <p:cNvPr id="32" name="直線矢印コネクタ 31">
-            <a:extLst>
-              <a:ext uri="{FF2B5EF4-FFF2-40B4-BE49-F238E27FC236}">
-                <a16:creationId xmlns:a16="http://schemas.microsoft.com/office/drawing/2014/main" id="{9140CC7F-E329-E2D4-E91F-6249AD989646}"/>
-              </a:ext>
-            </a:extLst>
-          </p:cNvPr>
-          <p:cNvCxnSpPr>
-            <a:stCxn id="6" idx="3"/>
-            <a:endCxn id="21" idx="1"/>
-          </p:cNvCxnSpPr>
-          <p:nvPr/>
-        </p:nvCxnSpPr>
-        <p:spPr>
-          <a:xfrm flipV="1">
-            <a:off x="4758077" y="3828513"/>
-            <a:ext cx="1830845" cy="138178"/>
-          </a:xfrm>
-          <a:prstGeom prst="straightConnector1">
-            <a:avLst/>
-          </a:prstGeom>
-          <a:ln>
-            <a:tailEnd type="triangle"/>
-          </a:ln>
-        </p:spPr>
-        <p:style>
-          <a:lnRef idx="2">
-            <a:schemeClr val="accent1"/>
-          </a:lnRef>
-          <a:fillRef idx="0">
-            <a:schemeClr val="accent1"/>
-          </a:fillRef>
-          <a:effectRef idx="1">
-            <a:schemeClr val="accent1"/>
-          </a:effectRef>
-          <a:fontRef idx="minor">
-            <a:schemeClr val="tx1"/>
-          </a:fontRef>
-        </p:style>
-      </p:cxnSp>
-      <p:cxnSp>
-        <p:nvCxnSpPr>
-          <p:cNvPr id="33" name="直線矢印コネクタ 32">
-            <a:extLst>
-              <a:ext uri="{FF2B5EF4-FFF2-40B4-BE49-F238E27FC236}">
-                <a16:creationId xmlns:a16="http://schemas.microsoft.com/office/drawing/2014/main" id="{51AAC775-F688-A2A2-8DC6-0012ABBC585A}"/>
-              </a:ext>
-            </a:extLst>
-          </p:cNvPr>
-          <p:cNvCxnSpPr>
-            <a:cxnSpLocks/>
-          </p:cNvCxnSpPr>
-          <p:nvPr/>
-        </p:nvCxnSpPr>
-        <p:spPr>
-          <a:xfrm flipH="1">
-            <a:off x="4808485" y="6003235"/>
-            <a:ext cx="2332782" cy="0"/>
-          </a:xfrm>
-          <a:prstGeom prst="straightConnector1">
-            <a:avLst/>
-          </a:prstGeom>
-          <a:ln>
-            <a:tailEnd type="triangle"/>
-          </a:ln>
-        </p:spPr>
-        <p:style>
-          <a:lnRef idx="2">
-            <a:schemeClr val="accent1"/>
-          </a:lnRef>
-          <a:fillRef idx="0">
-            <a:schemeClr val="accent1"/>
-          </a:fillRef>
-          <a:effectRef idx="1">
-            <a:schemeClr val="accent1"/>
-          </a:effectRef>
-          <a:fontRef idx="minor">
-            <a:schemeClr val="tx1"/>
-          </a:fontRef>
-        </p:style>
-      </p:cxnSp>
-      <p:sp>
-        <p:nvSpPr>
-          <p:cNvPr id="36" name="正方形/長方形 35">
-            <a:extLst>
-              <a:ext uri="{FF2B5EF4-FFF2-40B4-BE49-F238E27FC236}">
-                <a16:creationId xmlns:a16="http://schemas.microsoft.com/office/drawing/2014/main" id="{61BADCF7-0A54-B2F9-D155-449E7B72FB8F}"/>
-              </a:ext>
-            </a:extLst>
-          </p:cNvPr>
-          <p:cNvSpPr/>
-          <p:nvPr/>
-        </p:nvSpPr>
-        <p:spPr>
-          <a:xfrm>
-            <a:off x="1907665" y="5915366"/>
-            <a:ext cx="2097804" cy="369332"/>
-          </a:xfrm>
-          <a:prstGeom prst="rect">
-            <a:avLst/>
-          </a:prstGeom>
-          <a:noFill/>
-        </p:spPr>
-        <p:style>
-          <a:lnRef idx="2">
-            <a:schemeClr val="accent1">
-              <a:shade val="15000"/>
-            </a:schemeClr>
-          </a:lnRef>
-          <a:fillRef idx="1">
-            <a:schemeClr val="accent1"/>
-          </a:fillRef>
-          <a:effectRef idx="0">
-            <a:schemeClr val="accent1"/>
-          </a:effectRef>
-          <a:fontRef idx="minor">
-            <a:schemeClr val="lt1"/>
-          </a:fontRef>
-        </p:style>
-        <p:txBody>
-          <a:bodyPr rtlCol="0" anchor="ctr"/>
-          <a:lstStyle/>
-          <a:p>
-            <a:pPr algn="ctr"/>
-            <a:r>
-              <a:rPr kumimoji="1" lang="ja-JP" altLang="en-US" dirty="0">
-                <a:solidFill>
-                  <a:schemeClr val="tx1"/>
-                </a:solidFill>
-              </a:rPr>
-              <a:t>トップ画面に戻る</a:t>
-            </a:r>
-          </a:p>
-        </p:txBody>
-      </p:sp>
-      <p:sp>
-        <p:nvSpPr>
-          <p:cNvPr id="3" name="テキスト ボックス 2">
-            <a:extLst>
-              <a:ext uri="{FF2B5EF4-FFF2-40B4-BE49-F238E27FC236}">
-                <a16:creationId xmlns:a16="http://schemas.microsoft.com/office/drawing/2014/main" id="{D93EAE48-9704-20BE-2E00-EBF26D19A263}"/>
-              </a:ext>
-            </a:extLst>
-          </p:cNvPr>
-          <p:cNvSpPr txBox="1"/>
-          <p:nvPr/>
-        </p:nvSpPr>
-        <p:spPr>
-          <a:xfrm>
-            <a:off x="6967330" y="1520687"/>
-            <a:ext cx="2494722" cy="369332"/>
-          </a:xfrm>
-          <a:prstGeom prst="rect">
-            <a:avLst/>
-          </a:prstGeom>
-          <a:noFill/>
-        </p:spPr>
-        <p:txBody>
-          <a:bodyPr wrap="square" rtlCol="0">
-            <a:spAutoFit/>
-          </a:bodyPr>
-          <a:lstStyle/>
-          <a:p>
-            <a:r>
-              <a:rPr kumimoji="1" lang="ja-JP" altLang="en-US" dirty="0"/>
-              <a:t>タイトル</a:t>
-            </a:r>
-          </a:p>
-        </p:txBody>
-      </p:sp>
-    </p:spTree>
-    <p:extLst>
-      <p:ext uri="{BB962C8B-B14F-4D97-AF65-F5344CB8AC3E}">
-        <p14:creationId xmlns:p14="http://schemas.microsoft.com/office/powerpoint/2010/main" val="1991612794"/>
-      </p:ext>
-    </p:extLst>
-  </p:cSld>
-  <p:clrMapOvr>
-    <a:masterClrMapping/>
-  </p:clrMapOvr>
-</p:sld>
-</file>
-
-<file path=ppt/slides/slide40.xml><?xml version="1.0" encoding="utf-8"?>
+<file path=ppt/slides/slide42.xml><?xml version="1.0" encoding="utf-8"?>
 <p:sld xmlns:a="http://schemas.openxmlformats.org/drawingml/2006/main" xmlns:r="http://schemas.openxmlformats.org/officeDocument/2006/relationships" xmlns:p="http://schemas.openxmlformats.org/presentationml/2006/main">
   <p:cSld>
     <p:spTree>
@@ -16130,7 +16493,7 @@
 </p:sld>
 </file>
 
-<file path=ppt/slides/slide41.xml><?xml version="1.0" encoding="utf-8"?>
+<file path=ppt/slides/slide43.xml><?xml version="1.0" encoding="utf-8"?>
 <p:sld xmlns:a="http://schemas.openxmlformats.org/drawingml/2006/main" xmlns:r="http://schemas.openxmlformats.org/officeDocument/2006/relationships" xmlns:p="http://schemas.openxmlformats.org/presentationml/2006/main">
   <p:cSld>
     <p:spTree>
@@ -16687,7 +17050,7 @@
 </p:sld>
 </file>
 
-<file path=ppt/slides/slide42.xml><?xml version="1.0" encoding="utf-8"?>
+<file path=ppt/slides/slide44.xml><?xml version="1.0" encoding="utf-8"?>
 <p:sld xmlns:a="http://schemas.openxmlformats.org/drawingml/2006/main" xmlns:r="http://schemas.openxmlformats.org/officeDocument/2006/relationships" xmlns:p="http://schemas.openxmlformats.org/presentationml/2006/main">
   <p:cSld>
     <p:spTree>

--- a/展示物アプリ仕様.pptx
+++ b/展示物アプリ仕様.pptx
@@ -37,18 +37,22 @@
     <p:sldId id="317" r:id="rId31"/>
     <p:sldId id="318" r:id="rId32"/>
     <p:sldId id="319" r:id="rId33"/>
-    <p:sldId id="302" r:id="rId34"/>
-    <p:sldId id="268" r:id="rId35"/>
-    <p:sldId id="273" r:id="rId36"/>
-    <p:sldId id="276" r:id="rId37"/>
-    <p:sldId id="277" r:id="rId38"/>
-    <p:sldId id="284" r:id="rId39"/>
-    <p:sldId id="278" r:id="rId40"/>
-    <p:sldId id="279" r:id="rId41"/>
-    <p:sldId id="280" r:id="rId42"/>
-    <p:sldId id="281" r:id="rId43"/>
-    <p:sldId id="282" r:id="rId44"/>
-    <p:sldId id="283" r:id="rId45"/>
+    <p:sldId id="322" r:id="rId34"/>
+    <p:sldId id="323" r:id="rId35"/>
+    <p:sldId id="324" r:id="rId36"/>
+    <p:sldId id="321" r:id="rId37"/>
+    <p:sldId id="302" r:id="rId38"/>
+    <p:sldId id="268" r:id="rId39"/>
+    <p:sldId id="273" r:id="rId40"/>
+    <p:sldId id="276" r:id="rId41"/>
+    <p:sldId id="277" r:id="rId42"/>
+    <p:sldId id="284" r:id="rId43"/>
+    <p:sldId id="278" r:id="rId44"/>
+    <p:sldId id="279" r:id="rId45"/>
+    <p:sldId id="280" r:id="rId46"/>
+    <p:sldId id="281" r:id="rId47"/>
+    <p:sldId id="282" r:id="rId48"/>
+    <p:sldId id="283" r:id="rId49"/>
   </p:sldIdLst>
   <p:sldSz cx="12192000" cy="6858000"/>
   <p:notesSz cx="7099300" cy="10234613"/>
@@ -302,7 +306,7 @@
           <a:p>
             <a:fld id="{082150A6-655A-40A4-943B-9A709E30A878}" type="datetimeFigureOut">
               <a:rPr kumimoji="1" lang="ja-JP" altLang="en-US" smtClean="0"/>
-              <a:t>2026/1/30</a:t>
+              <a:t>2026/2/1</a:t>
             </a:fld>
             <a:endParaRPr kumimoji="1" lang="ja-JP" altLang="en-US"/>
           </a:p>
@@ -532,7 +536,7 @@
           <a:p>
             <a:fld id="{082150A6-655A-40A4-943B-9A709E30A878}" type="datetimeFigureOut">
               <a:rPr kumimoji="1" lang="ja-JP" altLang="en-US" smtClean="0"/>
-              <a:t>2026/1/30</a:t>
+              <a:t>2026/2/1</a:t>
             </a:fld>
             <a:endParaRPr kumimoji="1" lang="ja-JP" altLang="en-US"/>
           </a:p>
@@ -772,7 +776,7 @@
           <a:p>
             <a:fld id="{082150A6-655A-40A4-943B-9A709E30A878}" type="datetimeFigureOut">
               <a:rPr kumimoji="1" lang="ja-JP" altLang="en-US" smtClean="0"/>
-              <a:t>2026/1/30</a:t>
+              <a:t>2026/2/1</a:t>
             </a:fld>
             <a:endParaRPr kumimoji="1" lang="ja-JP" altLang="en-US"/>
           </a:p>
@@ -1002,7 +1006,7 @@
           <a:p>
             <a:fld id="{082150A6-655A-40A4-943B-9A709E30A878}" type="datetimeFigureOut">
               <a:rPr kumimoji="1" lang="ja-JP" altLang="en-US" smtClean="0"/>
-              <a:t>2026/1/30</a:t>
+              <a:t>2026/2/1</a:t>
             </a:fld>
             <a:endParaRPr kumimoji="1" lang="ja-JP" altLang="en-US"/>
           </a:p>
@@ -1277,7 +1281,7 @@
           <a:p>
             <a:fld id="{082150A6-655A-40A4-943B-9A709E30A878}" type="datetimeFigureOut">
               <a:rPr kumimoji="1" lang="ja-JP" altLang="en-US" smtClean="0"/>
-              <a:t>2026/1/30</a:t>
+              <a:t>2026/2/1</a:t>
             </a:fld>
             <a:endParaRPr kumimoji="1" lang="ja-JP" altLang="en-US"/>
           </a:p>
@@ -1606,7 +1610,7 @@
           <a:p>
             <a:fld id="{082150A6-655A-40A4-943B-9A709E30A878}" type="datetimeFigureOut">
               <a:rPr kumimoji="1" lang="ja-JP" altLang="en-US" smtClean="0"/>
-              <a:t>2026/1/30</a:t>
+              <a:t>2026/2/1</a:t>
             </a:fld>
             <a:endParaRPr kumimoji="1" lang="ja-JP" altLang="en-US"/>
           </a:p>
@@ -2082,7 +2086,7 @@
           <a:p>
             <a:fld id="{082150A6-655A-40A4-943B-9A709E30A878}" type="datetimeFigureOut">
               <a:rPr kumimoji="1" lang="ja-JP" altLang="en-US" smtClean="0"/>
-              <a:t>2026/1/30</a:t>
+              <a:t>2026/2/1</a:t>
             </a:fld>
             <a:endParaRPr kumimoji="1" lang="ja-JP" altLang="en-US"/>
           </a:p>
@@ -2223,7 +2227,7 @@
           <a:p>
             <a:fld id="{082150A6-655A-40A4-943B-9A709E30A878}" type="datetimeFigureOut">
               <a:rPr kumimoji="1" lang="ja-JP" altLang="en-US" smtClean="0"/>
-              <a:t>2026/1/30</a:t>
+              <a:t>2026/2/1</a:t>
             </a:fld>
             <a:endParaRPr kumimoji="1" lang="ja-JP" altLang="en-US"/>
           </a:p>
@@ -2336,7 +2340,7 @@
           <a:p>
             <a:fld id="{082150A6-655A-40A4-943B-9A709E30A878}" type="datetimeFigureOut">
               <a:rPr kumimoji="1" lang="ja-JP" altLang="en-US" smtClean="0"/>
-              <a:t>2026/1/30</a:t>
+              <a:t>2026/2/1</a:t>
             </a:fld>
             <a:endParaRPr kumimoji="1" lang="ja-JP" altLang="en-US"/>
           </a:p>
@@ -2679,7 +2683,7 @@
           <a:p>
             <a:fld id="{082150A6-655A-40A4-943B-9A709E30A878}" type="datetimeFigureOut">
               <a:rPr kumimoji="1" lang="ja-JP" altLang="en-US" smtClean="0"/>
-              <a:t>2026/1/30</a:t>
+              <a:t>2026/2/1</a:t>
             </a:fld>
             <a:endParaRPr kumimoji="1" lang="ja-JP" altLang="en-US"/>
           </a:p>
@@ -2967,7 +2971,7 @@
           <a:p>
             <a:fld id="{082150A6-655A-40A4-943B-9A709E30A878}" type="datetimeFigureOut">
               <a:rPr kumimoji="1" lang="ja-JP" altLang="en-US" smtClean="0"/>
-              <a:t>2026/1/30</a:t>
+              <a:t>2026/2/1</a:t>
             </a:fld>
             <a:endParaRPr kumimoji="1" lang="ja-JP" altLang="en-US"/>
           </a:p>
@@ -3240,7 +3244,7 @@
           <a:p>
             <a:fld id="{082150A6-655A-40A4-943B-9A709E30A878}" type="datetimeFigureOut">
               <a:rPr kumimoji="1" lang="ja-JP" altLang="en-US" smtClean="0"/>
-              <a:t>2026/1/30</a:t>
+              <a:t>2026/2/1</a:t>
             </a:fld>
             <a:endParaRPr kumimoji="1" lang="ja-JP" altLang="en-US"/>
           </a:p>
@@ -9127,6 +9131,735 @@
   <p:cSld>
     <p:spTree>
       <p:nvGrpSpPr>
+        <p:cNvPr id="1" name="">
+          <a:extLst>
+            <a:ext uri="{FF2B5EF4-FFF2-40B4-BE49-F238E27FC236}">
+              <a16:creationId xmlns:a16="http://schemas.microsoft.com/office/drawing/2014/main" id="{E3322A8E-C2E2-A933-D106-903920214960}"/>
+            </a:ext>
+          </a:extLst>
+        </p:cNvPr>
+        <p:cNvGrpSpPr/>
+        <p:nvPr/>
+      </p:nvGrpSpPr>
+      <p:grpSpPr>
+        <a:xfrm>
+          <a:off x="0" y="0"/>
+          <a:ext cx="0" cy="0"/>
+          <a:chOff x="0" y="0"/>
+          <a:chExt cx="0" cy="0"/>
+        </a:xfrm>
+      </p:grpSpPr>
+      <p:cxnSp>
+        <p:nvCxnSpPr>
+          <p:cNvPr id="4" name="直線コネクタ 3">
+            <a:extLst>
+              <a:ext uri="{FF2B5EF4-FFF2-40B4-BE49-F238E27FC236}">
+                <a16:creationId xmlns:a16="http://schemas.microsoft.com/office/drawing/2014/main" id="{7ACC6614-2A7E-3395-03A7-DAE5D9228504}"/>
+              </a:ext>
+            </a:extLst>
+          </p:cNvPr>
+          <p:cNvCxnSpPr/>
+          <p:nvPr/>
+        </p:nvCxnSpPr>
+        <p:spPr>
+          <a:xfrm>
+            <a:off x="228600" y="755374"/>
+            <a:ext cx="11936896" cy="0"/>
+          </a:xfrm>
+          <a:prstGeom prst="line">
+            <a:avLst/>
+          </a:prstGeom>
+        </p:spPr>
+        <p:style>
+          <a:lnRef idx="2">
+            <a:schemeClr val="accent1"/>
+          </a:lnRef>
+          <a:fillRef idx="0">
+            <a:schemeClr val="accent1"/>
+          </a:fillRef>
+          <a:effectRef idx="1">
+            <a:schemeClr val="accent1"/>
+          </a:effectRef>
+          <a:fontRef idx="minor">
+            <a:schemeClr val="tx1"/>
+          </a:fontRef>
+        </p:style>
+      </p:cxnSp>
+      <p:sp>
+        <p:nvSpPr>
+          <p:cNvPr id="5" name="テキスト ボックス 4">
+            <a:extLst>
+              <a:ext uri="{FF2B5EF4-FFF2-40B4-BE49-F238E27FC236}">
+                <a16:creationId xmlns:a16="http://schemas.microsoft.com/office/drawing/2014/main" id="{6EEE18D8-CECE-343A-C138-24812D70CCCA}"/>
+              </a:ext>
+            </a:extLst>
+          </p:cNvPr>
+          <p:cNvSpPr txBox="1"/>
+          <p:nvPr/>
+        </p:nvSpPr>
+        <p:spPr>
+          <a:xfrm>
+            <a:off x="407503" y="198783"/>
+            <a:ext cx="11449879" cy="369332"/>
+          </a:xfrm>
+          <a:prstGeom prst="rect">
+            <a:avLst/>
+          </a:prstGeom>
+          <a:noFill/>
+        </p:spPr>
+        <p:txBody>
+          <a:bodyPr wrap="square" rtlCol="0">
+            <a:spAutoFit/>
+          </a:bodyPr>
+          <a:lstStyle/>
+          <a:p>
+            <a:r>
+              <a:rPr kumimoji="1" lang="ja-JP" altLang="en-US" dirty="0"/>
+              <a:t>新規展示物の登録：多言語自動翻訳</a:t>
+            </a:r>
+          </a:p>
+        </p:txBody>
+      </p:sp>
+      <p:pic>
+        <p:nvPicPr>
+          <p:cNvPr id="10" name="図 9" descr="グラフィカル ユーザー インターフェイス, テキスト, アプリケーション, メール&#10;&#10;AI 生成コンテンツは誤りを含む可能性があります。">
+            <a:extLst>
+              <a:ext uri="{FF2B5EF4-FFF2-40B4-BE49-F238E27FC236}">
+                <a16:creationId xmlns:a16="http://schemas.microsoft.com/office/drawing/2014/main" id="{9DE2B3C1-315B-6F64-E265-C2A900812F72}"/>
+              </a:ext>
+            </a:extLst>
+          </p:cNvPr>
+          <p:cNvPicPr>
+            <a:picLocks noChangeAspect="1"/>
+          </p:cNvPicPr>
+          <p:nvPr/>
+        </p:nvPicPr>
+        <p:blipFill>
+          <a:blip r:embed="rId2"/>
+          <a:stretch>
+            <a:fillRect/>
+          </a:stretch>
+        </p:blipFill>
+        <p:spPr>
+          <a:xfrm>
+            <a:off x="228600" y="942634"/>
+            <a:ext cx="8273939" cy="4541673"/>
+          </a:xfrm>
+          <a:prstGeom prst="rect">
+            <a:avLst/>
+          </a:prstGeom>
+        </p:spPr>
+      </p:pic>
+      <p:sp>
+        <p:nvSpPr>
+          <p:cNvPr id="11" name="テキスト ボックス 10">
+            <a:extLst>
+              <a:ext uri="{FF2B5EF4-FFF2-40B4-BE49-F238E27FC236}">
+                <a16:creationId xmlns:a16="http://schemas.microsoft.com/office/drawing/2014/main" id="{F40E5511-E20A-8347-C2F5-AC4DF613B7AB}"/>
+              </a:ext>
+            </a:extLst>
+          </p:cNvPr>
+          <p:cNvSpPr txBox="1"/>
+          <p:nvPr/>
+        </p:nvSpPr>
+        <p:spPr>
+          <a:xfrm>
+            <a:off x="824948" y="5730700"/>
+            <a:ext cx="8875644" cy="369332"/>
+          </a:xfrm>
+          <a:prstGeom prst="rect">
+            <a:avLst/>
+          </a:prstGeom>
+          <a:noFill/>
+        </p:spPr>
+        <p:txBody>
+          <a:bodyPr wrap="square" rtlCol="0">
+            <a:spAutoFit/>
+          </a:bodyPr>
+          <a:lstStyle/>
+          <a:p>
+            <a:r>
+              <a:rPr kumimoji="1" lang="ja-JP" altLang="en-US" dirty="0"/>
+              <a:t>「日本語を入力し、入力の言語を一括生成」で多言語を自動生成します</a:t>
+            </a:r>
+          </a:p>
+        </p:txBody>
+      </p:sp>
+      <p:sp>
+        <p:nvSpPr>
+          <p:cNvPr id="12" name="楕円 11">
+            <a:extLst>
+              <a:ext uri="{FF2B5EF4-FFF2-40B4-BE49-F238E27FC236}">
+                <a16:creationId xmlns:a16="http://schemas.microsoft.com/office/drawing/2014/main" id="{4429B5B5-11C3-DDB4-EB66-E9BDB5DFE9FD}"/>
+              </a:ext>
+            </a:extLst>
+          </p:cNvPr>
+          <p:cNvSpPr/>
+          <p:nvPr/>
+        </p:nvSpPr>
+        <p:spPr>
+          <a:xfrm>
+            <a:off x="6096000" y="1709530"/>
+            <a:ext cx="2406539" cy="715618"/>
+          </a:xfrm>
+          <a:prstGeom prst="ellipse">
+            <a:avLst/>
+          </a:prstGeom>
+          <a:noFill/>
+          <a:ln>
+            <a:solidFill>
+              <a:srgbClr val="FF0000"/>
+            </a:solidFill>
+          </a:ln>
+        </p:spPr>
+        <p:style>
+          <a:lnRef idx="2">
+            <a:schemeClr val="accent1">
+              <a:shade val="15000"/>
+            </a:schemeClr>
+          </a:lnRef>
+          <a:fillRef idx="1">
+            <a:schemeClr val="accent1"/>
+          </a:fillRef>
+          <a:effectRef idx="0">
+            <a:schemeClr val="accent1"/>
+          </a:effectRef>
+          <a:fontRef idx="minor">
+            <a:schemeClr val="lt1"/>
+          </a:fontRef>
+        </p:style>
+        <p:txBody>
+          <a:bodyPr rtlCol="0" anchor="ctr"/>
+          <a:lstStyle/>
+          <a:p>
+            <a:pPr algn="ctr"/>
+            <a:endParaRPr kumimoji="1" lang="ja-JP" altLang="en-US" sz="1200" dirty="0">
+              <a:solidFill>
+                <a:schemeClr val="tx1"/>
+              </a:solidFill>
+            </a:endParaRPr>
+          </a:p>
+        </p:txBody>
+      </p:sp>
+    </p:spTree>
+    <p:extLst>
+      <p:ext uri="{BB962C8B-B14F-4D97-AF65-F5344CB8AC3E}">
+        <p14:creationId xmlns:p14="http://schemas.microsoft.com/office/powerpoint/2010/main" val="3185640157"/>
+      </p:ext>
+    </p:extLst>
+  </p:cSld>
+  <p:clrMapOvr>
+    <a:masterClrMapping/>
+  </p:clrMapOvr>
+</p:sld>
+</file>
+
+<file path=ppt/slides/slide34.xml><?xml version="1.0" encoding="utf-8"?>
+<p:sld xmlns:a="http://schemas.openxmlformats.org/drawingml/2006/main" xmlns:r="http://schemas.openxmlformats.org/officeDocument/2006/relationships" xmlns:p="http://schemas.openxmlformats.org/presentationml/2006/main">
+  <p:cSld>
+    <p:spTree>
+      <p:nvGrpSpPr>
+        <p:cNvPr id="1" name="">
+          <a:extLst>
+            <a:ext uri="{FF2B5EF4-FFF2-40B4-BE49-F238E27FC236}">
+              <a16:creationId xmlns:a16="http://schemas.microsoft.com/office/drawing/2014/main" id="{580EB448-2647-3E2D-C61E-22483B8B2874}"/>
+            </a:ext>
+          </a:extLst>
+        </p:cNvPr>
+        <p:cNvGrpSpPr/>
+        <p:nvPr/>
+      </p:nvGrpSpPr>
+      <p:grpSpPr>
+        <a:xfrm>
+          <a:off x="0" y="0"/>
+          <a:ext cx="0" cy="0"/>
+          <a:chOff x="0" y="0"/>
+          <a:chExt cx="0" cy="0"/>
+        </a:xfrm>
+      </p:grpSpPr>
+      <p:cxnSp>
+        <p:nvCxnSpPr>
+          <p:cNvPr id="4" name="直線コネクタ 3">
+            <a:extLst>
+              <a:ext uri="{FF2B5EF4-FFF2-40B4-BE49-F238E27FC236}">
+                <a16:creationId xmlns:a16="http://schemas.microsoft.com/office/drawing/2014/main" id="{D20BF866-0206-8280-B71B-131A817982BD}"/>
+              </a:ext>
+            </a:extLst>
+          </p:cNvPr>
+          <p:cNvCxnSpPr/>
+          <p:nvPr/>
+        </p:nvCxnSpPr>
+        <p:spPr>
+          <a:xfrm>
+            <a:off x="228600" y="755374"/>
+            <a:ext cx="11936896" cy="0"/>
+          </a:xfrm>
+          <a:prstGeom prst="line">
+            <a:avLst/>
+          </a:prstGeom>
+        </p:spPr>
+        <p:style>
+          <a:lnRef idx="2">
+            <a:schemeClr val="accent1"/>
+          </a:lnRef>
+          <a:fillRef idx="0">
+            <a:schemeClr val="accent1"/>
+          </a:fillRef>
+          <a:effectRef idx="1">
+            <a:schemeClr val="accent1"/>
+          </a:effectRef>
+          <a:fontRef idx="minor">
+            <a:schemeClr val="tx1"/>
+          </a:fontRef>
+        </p:style>
+      </p:cxnSp>
+      <p:sp>
+        <p:nvSpPr>
+          <p:cNvPr id="5" name="テキスト ボックス 4">
+            <a:extLst>
+              <a:ext uri="{FF2B5EF4-FFF2-40B4-BE49-F238E27FC236}">
+                <a16:creationId xmlns:a16="http://schemas.microsoft.com/office/drawing/2014/main" id="{D234B383-0C8D-7E1C-F627-68C9572C2DCE}"/>
+              </a:ext>
+            </a:extLst>
+          </p:cNvPr>
+          <p:cNvSpPr txBox="1"/>
+          <p:nvPr/>
+        </p:nvSpPr>
+        <p:spPr>
+          <a:xfrm>
+            <a:off x="407503" y="198783"/>
+            <a:ext cx="11449879" cy="369332"/>
+          </a:xfrm>
+          <a:prstGeom prst="rect">
+            <a:avLst/>
+          </a:prstGeom>
+          <a:noFill/>
+        </p:spPr>
+        <p:txBody>
+          <a:bodyPr wrap="square" rtlCol="0">
+            <a:spAutoFit/>
+          </a:bodyPr>
+          <a:lstStyle/>
+          <a:p>
+            <a:r>
+              <a:rPr kumimoji="1" lang="ja-JP" altLang="en-US" dirty="0"/>
+              <a:t>新規展示物の登録：多言語自動翻訳（例：英語）</a:t>
+            </a:r>
+          </a:p>
+        </p:txBody>
+      </p:sp>
+      <p:pic>
+        <p:nvPicPr>
+          <p:cNvPr id="3" name="図 2" descr="グラフィカル ユーザー インターフェイス, テキスト, アプリケーション, メール&#10;&#10;AI 生成コンテンツは誤りを含む可能性があります。">
+            <a:extLst>
+              <a:ext uri="{FF2B5EF4-FFF2-40B4-BE49-F238E27FC236}">
+                <a16:creationId xmlns:a16="http://schemas.microsoft.com/office/drawing/2014/main" id="{318F7803-788C-6933-B595-147B62BA5EEB}"/>
+              </a:ext>
+            </a:extLst>
+          </p:cNvPr>
+          <p:cNvPicPr>
+            <a:picLocks noChangeAspect="1"/>
+          </p:cNvPicPr>
+          <p:nvPr/>
+        </p:nvPicPr>
+        <p:blipFill>
+          <a:blip r:embed="rId2"/>
+          <a:stretch>
+            <a:fillRect/>
+          </a:stretch>
+        </p:blipFill>
+        <p:spPr>
+          <a:xfrm>
+            <a:off x="499372" y="755374"/>
+            <a:ext cx="8847619" cy="4847619"/>
+          </a:xfrm>
+          <a:prstGeom prst="rect">
+            <a:avLst/>
+          </a:prstGeom>
+        </p:spPr>
+      </p:pic>
+      <p:sp>
+        <p:nvSpPr>
+          <p:cNvPr id="6" name="テキスト ボックス 5">
+            <a:extLst>
+              <a:ext uri="{FF2B5EF4-FFF2-40B4-BE49-F238E27FC236}">
+                <a16:creationId xmlns:a16="http://schemas.microsoft.com/office/drawing/2014/main" id="{6048F82D-7EAD-4102-A476-4A6D57F3D33D}"/>
+              </a:ext>
+            </a:extLst>
+          </p:cNvPr>
+          <p:cNvSpPr txBox="1"/>
+          <p:nvPr/>
+        </p:nvSpPr>
+        <p:spPr>
+          <a:xfrm>
+            <a:off x="725557" y="5609847"/>
+            <a:ext cx="8621434" cy="369332"/>
+          </a:xfrm>
+          <a:prstGeom prst="rect">
+            <a:avLst/>
+          </a:prstGeom>
+          <a:noFill/>
+        </p:spPr>
+        <p:txBody>
+          <a:bodyPr wrap="square" rtlCol="0">
+            <a:spAutoFit/>
+          </a:bodyPr>
+          <a:lstStyle/>
+          <a:p>
+            <a:r>
+              <a:rPr kumimoji="1" lang="ja-JP" altLang="en-US" dirty="0"/>
+              <a:t>翻訳結果の修正を行うことも可能です</a:t>
+            </a:r>
+            <a:endParaRPr kumimoji="1" lang="en-US" altLang="ja-JP" dirty="0"/>
+          </a:p>
+        </p:txBody>
+      </p:sp>
+    </p:spTree>
+    <p:extLst>
+      <p:ext uri="{BB962C8B-B14F-4D97-AF65-F5344CB8AC3E}">
+        <p14:creationId xmlns:p14="http://schemas.microsoft.com/office/powerpoint/2010/main" val="2103843394"/>
+      </p:ext>
+    </p:extLst>
+  </p:cSld>
+  <p:clrMapOvr>
+    <a:masterClrMapping/>
+  </p:clrMapOvr>
+</p:sld>
+</file>
+
+<file path=ppt/slides/slide35.xml><?xml version="1.0" encoding="utf-8"?>
+<p:sld xmlns:a="http://schemas.openxmlformats.org/drawingml/2006/main" xmlns:r="http://schemas.openxmlformats.org/officeDocument/2006/relationships" xmlns:p="http://schemas.openxmlformats.org/presentationml/2006/main">
+  <p:cSld>
+    <p:spTree>
+      <p:nvGrpSpPr>
+        <p:cNvPr id="1" name="">
+          <a:extLst>
+            <a:ext uri="{FF2B5EF4-FFF2-40B4-BE49-F238E27FC236}">
+              <a16:creationId xmlns:a16="http://schemas.microsoft.com/office/drawing/2014/main" id="{90AC8433-8AD1-79F7-E1E4-295FB5C85D23}"/>
+            </a:ext>
+          </a:extLst>
+        </p:cNvPr>
+        <p:cNvGrpSpPr/>
+        <p:nvPr/>
+      </p:nvGrpSpPr>
+      <p:grpSpPr>
+        <a:xfrm>
+          <a:off x="0" y="0"/>
+          <a:ext cx="0" cy="0"/>
+          <a:chOff x="0" y="0"/>
+          <a:chExt cx="0" cy="0"/>
+        </a:xfrm>
+      </p:grpSpPr>
+      <p:cxnSp>
+        <p:nvCxnSpPr>
+          <p:cNvPr id="4" name="直線コネクタ 3">
+            <a:extLst>
+              <a:ext uri="{FF2B5EF4-FFF2-40B4-BE49-F238E27FC236}">
+                <a16:creationId xmlns:a16="http://schemas.microsoft.com/office/drawing/2014/main" id="{1D20F45F-9A44-6202-99DD-BB1F7B7D058E}"/>
+              </a:ext>
+            </a:extLst>
+          </p:cNvPr>
+          <p:cNvCxnSpPr/>
+          <p:nvPr/>
+        </p:nvCxnSpPr>
+        <p:spPr>
+          <a:xfrm>
+            <a:off x="228600" y="755374"/>
+            <a:ext cx="11936896" cy="0"/>
+          </a:xfrm>
+          <a:prstGeom prst="line">
+            <a:avLst/>
+          </a:prstGeom>
+        </p:spPr>
+        <p:style>
+          <a:lnRef idx="2">
+            <a:schemeClr val="accent1"/>
+          </a:lnRef>
+          <a:fillRef idx="0">
+            <a:schemeClr val="accent1"/>
+          </a:fillRef>
+          <a:effectRef idx="1">
+            <a:schemeClr val="accent1"/>
+          </a:effectRef>
+          <a:fontRef idx="minor">
+            <a:schemeClr val="tx1"/>
+          </a:fontRef>
+        </p:style>
+      </p:cxnSp>
+      <p:sp>
+        <p:nvSpPr>
+          <p:cNvPr id="5" name="テキスト ボックス 4">
+            <a:extLst>
+              <a:ext uri="{FF2B5EF4-FFF2-40B4-BE49-F238E27FC236}">
+                <a16:creationId xmlns:a16="http://schemas.microsoft.com/office/drawing/2014/main" id="{61FE3CF3-D4F0-CF54-2A90-FFCAF8C7C379}"/>
+              </a:ext>
+            </a:extLst>
+          </p:cNvPr>
+          <p:cNvSpPr txBox="1"/>
+          <p:nvPr/>
+        </p:nvSpPr>
+        <p:spPr>
+          <a:xfrm>
+            <a:off x="407503" y="198783"/>
+            <a:ext cx="11449879" cy="369332"/>
+          </a:xfrm>
+          <a:prstGeom prst="rect">
+            <a:avLst/>
+          </a:prstGeom>
+          <a:noFill/>
+        </p:spPr>
+        <p:txBody>
+          <a:bodyPr wrap="square" rtlCol="0">
+            <a:spAutoFit/>
+          </a:bodyPr>
+          <a:lstStyle/>
+          <a:p>
+            <a:r>
+              <a:rPr kumimoji="1" lang="ja-JP" altLang="en-US" dirty="0"/>
+              <a:t>新規展示物の登録：</a:t>
+            </a:r>
+            <a:r>
+              <a:rPr kumimoji="1" lang="en-US" altLang="ja-JP" dirty="0"/>
+              <a:t>TTS</a:t>
+            </a:r>
+            <a:r>
+              <a:rPr kumimoji="1" lang="ja-JP" altLang="en-US" dirty="0"/>
+              <a:t>の確認</a:t>
+            </a:r>
+          </a:p>
+        </p:txBody>
+      </p:sp>
+      <p:pic>
+        <p:nvPicPr>
+          <p:cNvPr id="3" name="図 2" descr="グラフィカル ユーザー インターフェイス, テキスト, アプリケーション, メール&#10;&#10;AI 生成コンテンツは誤りを含む可能性があります。">
+            <a:extLst>
+              <a:ext uri="{FF2B5EF4-FFF2-40B4-BE49-F238E27FC236}">
+                <a16:creationId xmlns:a16="http://schemas.microsoft.com/office/drawing/2014/main" id="{C27BD28D-A1E8-4930-E7B2-D2E14BA9ED68}"/>
+              </a:ext>
+            </a:extLst>
+          </p:cNvPr>
+          <p:cNvPicPr>
+            <a:picLocks noChangeAspect="1"/>
+          </p:cNvPicPr>
+          <p:nvPr/>
+        </p:nvPicPr>
+        <p:blipFill>
+          <a:blip r:embed="rId2"/>
+          <a:stretch>
+            <a:fillRect/>
+          </a:stretch>
+        </p:blipFill>
+        <p:spPr>
+          <a:xfrm>
+            <a:off x="499372" y="755374"/>
+            <a:ext cx="8847619" cy="4847619"/>
+          </a:xfrm>
+          <a:prstGeom prst="rect">
+            <a:avLst/>
+          </a:prstGeom>
+        </p:spPr>
+      </p:pic>
+      <p:sp>
+        <p:nvSpPr>
+          <p:cNvPr id="6" name="テキスト ボックス 5">
+            <a:extLst>
+              <a:ext uri="{FF2B5EF4-FFF2-40B4-BE49-F238E27FC236}">
+                <a16:creationId xmlns:a16="http://schemas.microsoft.com/office/drawing/2014/main" id="{2E5E6639-43B4-8A73-B610-9C80815CCC45}"/>
+              </a:ext>
+            </a:extLst>
+          </p:cNvPr>
+          <p:cNvSpPr txBox="1"/>
+          <p:nvPr/>
+        </p:nvSpPr>
+        <p:spPr>
+          <a:xfrm>
+            <a:off x="725557" y="5609847"/>
+            <a:ext cx="8621434" cy="369332"/>
+          </a:xfrm>
+          <a:prstGeom prst="rect">
+            <a:avLst/>
+          </a:prstGeom>
+          <a:noFill/>
+        </p:spPr>
+        <p:txBody>
+          <a:bodyPr wrap="square" rtlCol="0">
+            <a:spAutoFit/>
+          </a:bodyPr>
+          <a:lstStyle/>
+          <a:p>
+            <a:r>
+              <a:rPr lang="en-US" altLang="ja-JP" dirty="0"/>
+              <a:t>Play Voice</a:t>
+            </a:r>
+            <a:r>
+              <a:rPr lang="ja-JP" altLang="en-US" dirty="0"/>
+              <a:t>ボタンで</a:t>
+            </a:r>
+            <a:r>
+              <a:rPr lang="en-US" altLang="ja-JP" dirty="0"/>
+              <a:t>TTS</a:t>
+            </a:r>
+            <a:r>
+              <a:rPr lang="ja-JP" altLang="en-US" dirty="0"/>
+              <a:t>による音声確認を行うことが可能です</a:t>
+            </a:r>
+          </a:p>
+        </p:txBody>
+      </p:sp>
+      <p:sp>
+        <p:nvSpPr>
+          <p:cNvPr id="2" name="楕円 1">
+            <a:extLst>
+              <a:ext uri="{FF2B5EF4-FFF2-40B4-BE49-F238E27FC236}">
+                <a16:creationId xmlns:a16="http://schemas.microsoft.com/office/drawing/2014/main" id="{E2DCF63B-7F12-2E22-1D12-75002EDEA13A}"/>
+              </a:ext>
+            </a:extLst>
+          </p:cNvPr>
+          <p:cNvSpPr/>
+          <p:nvPr/>
+        </p:nvSpPr>
+        <p:spPr>
+          <a:xfrm>
+            <a:off x="636105" y="4731026"/>
+            <a:ext cx="1898374" cy="487014"/>
+          </a:xfrm>
+          <a:prstGeom prst="ellipse">
+            <a:avLst/>
+          </a:prstGeom>
+          <a:noFill/>
+          <a:ln>
+            <a:solidFill>
+              <a:srgbClr val="FF0000"/>
+            </a:solidFill>
+          </a:ln>
+        </p:spPr>
+        <p:style>
+          <a:lnRef idx="2">
+            <a:schemeClr val="accent1">
+              <a:shade val="15000"/>
+            </a:schemeClr>
+          </a:lnRef>
+          <a:fillRef idx="1">
+            <a:schemeClr val="accent1"/>
+          </a:fillRef>
+          <a:effectRef idx="0">
+            <a:schemeClr val="accent1"/>
+          </a:effectRef>
+          <a:fontRef idx="minor">
+            <a:schemeClr val="lt1"/>
+          </a:fontRef>
+        </p:style>
+        <p:txBody>
+          <a:bodyPr rtlCol="0" anchor="ctr"/>
+          <a:lstStyle/>
+          <a:p>
+            <a:pPr algn="ctr"/>
+            <a:endParaRPr kumimoji="1" lang="ja-JP" altLang="en-US" sz="1200" dirty="0">
+              <a:solidFill>
+                <a:schemeClr val="tx1"/>
+              </a:solidFill>
+            </a:endParaRPr>
+          </a:p>
+        </p:txBody>
+      </p:sp>
+    </p:spTree>
+    <p:extLst>
+      <p:ext uri="{BB962C8B-B14F-4D97-AF65-F5344CB8AC3E}">
+        <p14:creationId xmlns:p14="http://schemas.microsoft.com/office/powerpoint/2010/main" val="686056928"/>
+      </p:ext>
+    </p:extLst>
+  </p:cSld>
+  <p:clrMapOvr>
+    <a:masterClrMapping/>
+  </p:clrMapOvr>
+</p:sld>
+</file>
+
+<file path=ppt/slides/slide36.xml><?xml version="1.0" encoding="utf-8"?>
+<p:sld xmlns:a="http://schemas.openxmlformats.org/drawingml/2006/main" xmlns:r="http://schemas.openxmlformats.org/officeDocument/2006/relationships" xmlns:p="http://schemas.openxmlformats.org/presentationml/2006/main">
+  <p:cSld>
+    <p:spTree>
+      <p:nvGrpSpPr>
+        <p:cNvPr id="1" name=""/>
+        <p:cNvGrpSpPr/>
+        <p:nvPr/>
+      </p:nvGrpSpPr>
+      <p:grpSpPr>
+        <a:xfrm>
+          <a:off x="0" y="0"/>
+          <a:ext cx="0" cy="0"/>
+          <a:chOff x="0" y="0"/>
+          <a:chExt cx="0" cy="0"/>
+        </a:xfrm>
+      </p:grpSpPr>
+      <p:sp>
+        <p:nvSpPr>
+          <p:cNvPr id="2" name="タイトル 1">
+            <a:extLst>
+              <a:ext uri="{FF2B5EF4-FFF2-40B4-BE49-F238E27FC236}">
+                <a16:creationId xmlns:a16="http://schemas.microsoft.com/office/drawing/2014/main" id="{3C2C01AD-3387-2005-B8C4-00A58FE6D25A}"/>
+              </a:ext>
+            </a:extLst>
+          </p:cNvPr>
+          <p:cNvSpPr>
+            <a:spLocks noGrp="1"/>
+          </p:cNvSpPr>
+          <p:nvPr>
+            <p:ph type="title"/>
+          </p:nvPr>
+        </p:nvSpPr>
+        <p:spPr/>
+        <p:txBody>
+          <a:bodyPr/>
+          <a:lstStyle/>
+          <a:p>
+            <a:endParaRPr kumimoji="1" lang="ja-JP" altLang="en-US"/>
+          </a:p>
+        </p:txBody>
+      </p:sp>
+      <p:sp>
+        <p:nvSpPr>
+          <p:cNvPr id="3" name="コンテンツ プレースホルダー 2">
+            <a:extLst>
+              <a:ext uri="{FF2B5EF4-FFF2-40B4-BE49-F238E27FC236}">
+                <a16:creationId xmlns:a16="http://schemas.microsoft.com/office/drawing/2014/main" id="{941EF71E-6139-E2DF-A54B-E310C7715330}"/>
+              </a:ext>
+            </a:extLst>
+          </p:cNvPr>
+          <p:cNvSpPr>
+            <a:spLocks noGrp="1"/>
+          </p:cNvSpPr>
+          <p:nvPr>
+            <p:ph idx="1"/>
+          </p:nvPr>
+        </p:nvSpPr>
+        <p:spPr/>
+        <p:txBody>
+          <a:bodyPr/>
+          <a:lstStyle/>
+          <a:p>
+            <a:endParaRPr kumimoji="1" lang="ja-JP" altLang="en-US"/>
+          </a:p>
+        </p:txBody>
+      </p:sp>
+    </p:spTree>
+    <p:extLst>
+      <p:ext uri="{BB962C8B-B14F-4D97-AF65-F5344CB8AC3E}">
+        <p14:creationId xmlns:p14="http://schemas.microsoft.com/office/powerpoint/2010/main" val="3225395119"/>
+      </p:ext>
+    </p:extLst>
+  </p:cSld>
+  <p:clrMapOvr>
+    <a:masterClrMapping/>
+  </p:clrMapOvr>
+</p:sld>
+</file>
+
+<file path=ppt/slides/slide37.xml><?xml version="1.0" encoding="utf-8"?>
+<p:sld xmlns:a="http://schemas.openxmlformats.org/drawingml/2006/main" xmlns:r="http://schemas.openxmlformats.org/officeDocument/2006/relationships" xmlns:p="http://schemas.openxmlformats.org/presentationml/2006/main">
+  <p:cSld>
+    <p:spTree>
+      <p:nvGrpSpPr>
         <p:cNvPr id="1" name=""/>
         <p:cNvGrpSpPr/>
         <p:nvPr/>
@@ -9192,7 +9925,7 @@
 </p:sld>
 </file>
 
-<file path=ppt/slides/slide34.xml><?xml version="1.0" encoding="utf-8"?>
+<file path=ppt/slides/slide38.xml><?xml version="1.0" encoding="utf-8"?>
 <p:sld xmlns:a="http://schemas.openxmlformats.org/drawingml/2006/main" xmlns:r="http://schemas.openxmlformats.org/officeDocument/2006/relationships" xmlns:p="http://schemas.openxmlformats.org/presentationml/2006/main">
   <p:cSld>
     <p:spTree>
@@ -9834,7 +10567,7 @@
 </p:sld>
 </file>
 
-<file path=ppt/slides/slide35.xml><?xml version="1.0" encoding="utf-8"?>
+<file path=ppt/slides/slide39.xml><?xml version="1.0" encoding="utf-8"?>
 <p:sld xmlns:a="http://schemas.openxmlformats.org/drawingml/2006/main" xmlns:r="http://schemas.openxmlformats.org/officeDocument/2006/relationships" xmlns:p="http://schemas.openxmlformats.org/presentationml/2006/main">
   <p:cSld>
     <p:spTree>
@@ -10554,7 +11287,678 @@
 </p:sld>
 </file>
 
-<file path=ppt/slides/slide36.xml><?xml version="1.0" encoding="utf-8"?>
+<file path=ppt/slides/slide4.xml><?xml version="1.0" encoding="utf-8"?>
+<p:sld xmlns:a="http://schemas.openxmlformats.org/drawingml/2006/main" xmlns:r="http://schemas.openxmlformats.org/officeDocument/2006/relationships" xmlns:p="http://schemas.openxmlformats.org/presentationml/2006/main">
+  <p:cSld>
+    <p:spTree>
+      <p:nvGrpSpPr>
+        <p:cNvPr id="1" name="">
+          <a:extLst>
+            <a:ext uri="{FF2B5EF4-FFF2-40B4-BE49-F238E27FC236}">
+              <a16:creationId xmlns:a16="http://schemas.microsoft.com/office/drawing/2014/main" id="{3CCC5F9F-35CD-63BB-0C17-D6F0C79D02CF}"/>
+            </a:ext>
+          </a:extLst>
+        </p:cNvPr>
+        <p:cNvGrpSpPr/>
+        <p:nvPr/>
+      </p:nvGrpSpPr>
+      <p:grpSpPr>
+        <a:xfrm>
+          <a:off x="0" y="0"/>
+          <a:ext cx="0" cy="0"/>
+          <a:chOff x="0" y="0"/>
+          <a:chExt cx="0" cy="0"/>
+        </a:xfrm>
+      </p:grpSpPr>
+      <p:cxnSp>
+        <p:nvCxnSpPr>
+          <p:cNvPr id="4" name="直線コネクタ 3">
+            <a:extLst>
+              <a:ext uri="{FF2B5EF4-FFF2-40B4-BE49-F238E27FC236}">
+                <a16:creationId xmlns:a16="http://schemas.microsoft.com/office/drawing/2014/main" id="{76E1EF0D-0BBC-A313-CB1A-1814C352AD0A}"/>
+              </a:ext>
+            </a:extLst>
+          </p:cNvPr>
+          <p:cNvCxnSpPr/>
+          <p:nvPr/>
+        </p:nvCxnSpPr>
+        <p:spPr>
+          <a:xfrm>
+            <a:off x="228600" y="755374"/>
+            <a:ext cx="11936896" cy="0"/>
+          </a:xfrm>
+          <a:prstGeom prst="line">
+            <a:avLst/>
+          </a:prstGeom>
+        </p:spPr>
+        <p:style>
+          <a:lnRef idx="2">
+            <a:schemeClr val="accent1"/>
+          </a:lnRef>
+          <a:fillRef idx="0">
+            <a:schemeClr val="accent1"/>
+          </a:fillRef>
+          <a:effectRef idx="1">
+            <a:schemeClr val="accent1"/>
+          </a:effectRef>
+          <a:fontRef idx="minor">
+            <a:schemeClr val="tx1"/>
+          </a:fontRef>
+        </p:style>
+      </p:cxnSp>
+      <p:sp>
+        <p:nvSpPr>
+          <p:cNvPr id="5" name="テキスト ボックス 4">
+            <a:extLst>
+              <a:ext uri="{FF2B5EF4-FFF2-40B4-BE49-F238E27FC236}">
+                <a16:creationId xmlns:a16="http://schemas.microsoft.com/office/drawing/2014/main" id="{13BAC101-05AC-6711-8E35-FBD5FD62450A}"/>
+              </a:ext>
+            </a:extLst>
+          </p:cNvPr>
+          <p:cNvSpPr txBox="1"/>
+          <p:nvPr/>
+        </p:nvSpPr>
+        <p:spPr>
+          <a:xfrm>
+            <a:off x="407504" y="198783"/>
+            <a:ext cx="3796748" cy="369332"/>
+          </a:xfrm>
+          <a:prstGeom prst="rect">
+            <a:avLst/>
+          </a:prstGeom>
+          <a:noFill/>
+        </p:spPr>
+        <p:txBody>
+          <a:bodyPr wrap="square" rtlCol="0">
+            <a:spAutoFit/>
+          </a:bodyPr>
+          <a:lstStyle/>
+          <a:p>
+            <a:r>
+              <a:rPr kumimoji="1" lang="en-US" altLang="ja-JP" dirty="0"/>
+              <a:t>QR</a:t>
+            </a:r>
+            <a:r>
+              <a:rPr kumimoji="1" lang="ja-JP" altLang="en-US" dirty="0"/>
+              <a:t>コードリーダから展示物紹介</a:t>
+            </a:r>
+          </a:p>
+        </p:txBody>
+      </p:sp>
+      <p:sp>
+        <p:nvSpPr>
+          <p:cNvPr id="2" name="テキスト ボックス 1">
+            <a:extLst>
+              <a:ext uri="{FF2B5EF4-FFF2-40B4-BE49-F238E27FC236}">
+                <a16:creationId xmlns:a16="http://schemas.microsoft.com/office/drawing/2014/main" id="{AF1B5432-7C5B-D3B3-5264-CCC1A35AFE27}"/>
+              </a:ext>
+            </a:extLst>
+          </p:cNvPr>
+          <p:cNvSpPr txBox="1"/>
+          <p:nvPr/>
+        </p:nvSpPr>
+        <p:spPr>
+          <a:xfrm>
+            <a:off x="556592" y="942634"/>
+            <a:ext cx="1987826" cy="369332"/>
+          </a:xfrm>
+          <a:prstGeom prst="rect">
+            <a:avLst/>
+          </a:prstGeom>
+          <a:noFill/>
+        </p:spPr>
+        <p:txBody>
+          <a:bodyPr wrap="square" rtlCol="0">
+            <a:spAutoFit/>
+          </a:bodyPr>
+          <a:lstStyle/>
+          <a:p>
+            <a:r>
+              <a:rPr kumimoji="1" lang="ja-JP" altLang="en-US" dirty="0"/>
+              <a:t>画面イメージ</a:t>
+            </a:r>
+          </a:p>
+        </p:txBody>
+      </p:sp>
+      <p:pic>
+        <p:nvPicPr>
+          <p:cNvPr id="6" name="図 5" descr="図形, 正方形&#10;&#10;AI 生成コンテンツは誤りを含む可能性があります。">
+            <a:extLst>
+              <a:ext uri="{FF2B5EF4-FFF2-40B4-BE49-F238E27FC236}">
+                <a16:creationId xmlns:a16="http://schemas.microsoft.com/office/drawing/2014/main" id="{9DEC15E6-EB60-2B73-FA84-7FD3500BDC38}"/>
+              </a:ext>
+            </a:extLst>
+          </p:cNvPr>
+          <p:cNvPicPr>
+            <a:picLocks noChangeAspect="1"/>
+          </p:cNvPicPr>
+          <p:nvPr/>
+        </p:nvPicPr>
+        <p:blipFill>
+          <a:blip r:embed="rId2"/>
+          <a:stretch>
+            <a:fillRect/>
+          </a:stretch>
+        </p:blipFill>
+        <p:spPr>
+          <a:xfrm>
+            <a:off x="1397382" y="1274165"/>
+            <a:ext cx="3360695" cy="5385052"/>
+          </a:xfrm>
+          <a:prstGeom prst="rect">
+            <a:avLst/>
+          </a:prstGeom>
+        </p:spPr>
+      </p:pic>
+      <p:sp>
+        <p:nvSpPr>
+          <p:cNvPr id="7" name="テキスト ボックス 6">
+            <a:extLst>
+              <a:ext uri="{FF2B5EF4-FFF2-40B4-BE49-F238E27FC236}">
+                <a16:creationId xmlns:a16="http://schemas.microsoft.com/office/drawing/2014/main" id="{DE65383C-7EC4-89E4-ACD6-D2D67AB2B1CB}"/>
+              </a:ext>
+            </a:extLst>
+          </p:cNvPr>
+          <p:cNvSpPr txBox="1"/>
+          <p:nvPr/>
+        </p:nvSpPr>
+        <p:spPr>
+          <a:xfrm>
+            <a:off x="1550505" y="1908313"/>
+            <a:ext cx="3399122" cy="369332"/>
+          </a:xfrm>
+          <a:prstGeom prst="rect">
+            <a:avLst/>
+          </a:prstGeom>
+          <a:noFill/>
+        </p:spPr>
+        <p:txBody>
+          <a:bodyPr wrap="square" rtlCol="0">
+            <a:spAutoFit/>
+          </a:bodyPr>
+          <a:lstStyle/>
+          <a:p>
+            <a:r>
+              <a:rPr kumimoji="1" lang="en-US" altLang="ja-JP" b="1" dirty="0"/>
+              <a:t>QR</a:t>
+            </a:r>
+            <a:r>
+              <a:rPr kumimoji="1" lang="ja-JP" altLang="en-US" b="1" dirty="0"/>
+              <a:t>コードを読んでください</a:t>
+            </a:r>
+          </a:p>
+        </p:txBody>
+      </p:sp>
+      <p:pic>
+        <p:nvPicPr>
+          <p:cNvPr id="9" name="図 8">
+            <a:extLst>
+              <a:ext uri="{FF2B5EF4-FFF2-40B4-BE49-F238E27FC236}">
+                <a16:creationId xmlns:a16="http://schemas.microsoft.com/office/drawing/2014/main" id="{DA1C2295-C173-0F80-A332-C75CF2373036}"/>
+              </a:ext>
+            </a:extLst>
+          </p:cNvPr>
+          <p:cNvPicPr>
+            <a:picLocks noChangeAspect="1"/>
+          </p:cNvPicPr>
+          <p:nvPr/>
+        </p:nvPicPr>
+        <p:blipFill>
+          <a:blip r:embed="rId3"/>
+          <a:stretch>
+            <a:fillRect/>
+          </a:stretch>
+        </p:blipFill>
+        <p:spPr>
+          <a:xfrm>
+            <a:off x="2027066" y="2719716"/>
+            <a:ext cx="1978403" cy="1860640"/>
+          </a:xfrm>
+          <a:prstGeom prst="rect">
+            <a:avLst/>
+          </a:prstGeom>
+        </p:spPr>
+      </p:pic>
+      <p:pic>
+        <p:nvPicPr>
+          <p:cNvPr id="21" name="図 20" descr="図形, 正方形&#10;&#10;AI 生成コンテンツは誤りを含む可能性があります。">
+            <a:extLst>
+              <a:ext uri="{FF2B5EF4-FFF2-40B4-BE49-F238E27FC236}">
+                <a16:creationId xmlns:a16="http://schemas.microsoft.com/office/drawing/2014/main" id="{39B75BAD-1936-9281-BCAA-B50904FA8961}"/>
+              </a:ext>
+            </a:extLst>
+          </p:cNvPr>
+          <p:cNvPicPr>
+            <a:picLocks noChangeAspect="1"/>
+          </p:cNvPicPr>
+          <p:nvPr/>
+        </p:nvPicPr>
+        <p:blipFill>
+          <a:blip r:embed="rId2"/>
+          <a:stretch>
+            <a:fillRect/>
+          </a:stretch>
+        </p:blipFill>
+        <p:spPr>
+          <a:xfrm>
+            <a:off x="6588922" y="1105199"/>
+            <a:ext cx="3399123" cy="5446627"/>
+          </a:xfrm>
+          <a:prstGeom prst="rect">
+            <a:avLst/>
+          </a:prstGeom>
+        </p:spPr>
+      </p:pic>
+      <p:pic>
+        <p:nvPicPr>
+          <p:cNvPr id="23" name="図 22" descr="テーブル, 座る, ベッド, 横たわる が含まれている画像&#10;&#10;AI 生成コンテンツは誤りを含む可能性があります。">
+            <a:extLst>
+              <a:ext uri="{FF2B5EF4-FFF2-40B4-BE49-F238E27FC236}">
+                <a16:creationId xmlns:a16="http://schemas.microsoft.com/office/drawing/2014/main" id="{4C69D530-DF1B-4D97-200B-228B1799876B}"/>
+              </a:ext>
+            </a:extLst>
+          </p:cNvPr>
+          <p:cNvPicPr>
+            <a:picLocks noChangeAspect="1"/>
+          </p:cNvPicPr>
+          <p:nvPr/>
+        </p:nvPicPr>
+        <p:blipFill>
+          <a:blip r:embed="rId4"/>
+          <a:stretch>
+            <a:fillRect/>
+          </a:stretch>
+        </p:blipFill>
+        <p:spPr>
+          <a:xfrm>
+            <a:off x="7051137" y="1979610"/>
+            <a:ext cx="2232562" cy="2669962"/>
+          </a:xfrm>
+          <a:prstGeom prst="rect">
+            <a:avLst/>
+          </a:prstGeom>
+        </p:spPr>
+      </p:pic>
+      <p:sp>
+        <p:nvSpPr>
+          <p:cNvPr id="24" name="テキスト ボックス 23">
+            <a:extLst>
+              <a:ext uri="{FF2B5EF4-FFF2-40B4-BE49-F238E27FC236}">
+                <a16:creationId xmlns:a16="http://schemas.microsoft.com/office/drawing/2014/main" id="{59BCA050-EFD7-369D-2565-BD4F1F03F502}"/>
+              </a:ext>
+            </a:extLst>
+          </p:cNvPr>
+          <p:cNvSpPr txBox="1"/>
+          <p:nvPr/>
+        </p:nvSpPr>
+        <p:spPr>
+          <a:xfrm>
+            <a:off x="7589076" y="5098787"/>
+            <a:ext cx="2232562" cy="369332"/>
+          </a:xfrm>
+          <a:prstGeom prst="rect">
+            <a:avLst/>
+          </a:prstGeom>
+          <a:noFill/>
+        </p:spPr>
+        <p:txBody>
+          <a:bodyPr wrap="square" rtlCol="0">
+            <a:spAutoFit/>
+          </a:bodyPr>
+          <a:lstStyle/>
+          <a:p>
+            <a:r>
+              <a:rPr kumimoji="1" lang="ja-JP" altLang="en-US" dirty="0"/>
+              <a:t>説明文</a:t>
+            </a:r>
+          </a:p>
+        </p:txBody>
+      </p:sp>
+      <p:sp>
+        <p:nvSpPr>
+          <p:cNvPr id="26" name="テキスト ボックス 25">
+            <a:extLst>
+              <a:ext uri="{FF2B5EF4-FFF2-40B4-BE49-F238E27FC236}">
+                <a16:creationId xmlns:a16="http://schemas.microsoft.com/office/drawing/2014/main" id="{BFDCC9AA-7B59-08A1-5ADF-33AECEF9CAEE}"/>
+              </a:ext>
+            </a:extLst>
+          </p:cNvPr>
+          <p:cNvSpPr txBox="1"/>
+          <p:nvPr/>
+        </p:nvSpPr>
+        <p:spPr>
+          <a:xfrm>
+            <a:off x="8542844" y="4649572"/>
+            <a:ext cx="735495" cy="369332"/>
+          </a:xfrm>
+          <a:prstGeom prst="rect">
+            <a:avLst/>
+          </a:prstGeom>
+          <a:solidFill>
+            <a:schemeClr val="bg2"/>
+          </a:solidFill>
+          <a:ln>
+            <a:solidFill>
+              <a:schemeClr val="accent1"/>
+            </a:solidFill>
+          </a:ln>
+        </p:spPr>
+        <p:txBody>
+          <a:bodyPr wrap="square" rtlCol="0">
+            <a:spAutoFit/>
+          </a:bodyPr>
+          <a:lstStyle/>
+          <a:p>
+            <a:r>
+              <a:rPr kumimoji="1" lang="ja-JP" altLang="en-US" dirty="0">
+                <a:ln>
+                  <a:solidFill>
+                    <a:schemeClr val="accent1"/>
+                  </a:solidFill>
+                </a:ln>
+              </a:rPr>
+              <a:t>音声</a:t>
+            </a:r>
+          </a:p>
+        </p:txBody>
+      </p:sp>
+      <p:sp>
+        <p:nvSpPr>
+          <p:cNvPr id="27" name="吹き出し: 四角形 26">
+            <a:extLst>
+              <a:ext uri="{FF2B5EF4-FFF2-40B4-BE49-F238E27FC236}">
+                <a16:creationId xmlns:a16="http://schemas.microsoft.com/office/drawing/2014/main" id="{0841179F-A73D-D7A0-5850-570278C83C5F}"/>
+              </a:ext>
+            </a:extLst>
+          </p:cNvPr>
+          <p:cNvSpPr/>
+          <p:nvPr/>
+        </p:nvSpPr>
+        <p:spPr>
+          <a:xfrm>
+            <a:off x="10367064" y="3406418"/>
+            <a:ext cx="1401418" cy="677651"/>
+          </a:xfrm>
+          <a:prstGeom prst="wedgeRectCallout">
+            <a:avLst>
+              <a:gd name="adj1" fmla="val -110515"/>
+              <a:gd name="adj2" fmla="val 154902"/>
+            </a:avLst>
+          </a:prstGeom>
+          <a:noFill/>
+        </p:spPr>
+        <p:style>
+          <a:lnRef idx="2">
+            <a:schemeClr val="accent1">
+              <a:shade val="15000"/>
+            </a:schemeClr>
+          </a:lnRef>
+          <a:fillRef idx="1">
+            <a:schemeClr val="accent1"/>
+          </a:fillRef>
+          <a:effectRef idx="0">
+            <a:schemeClr val="accent1"/>
+          </a:effectRef>
+          <a:fontRef idx="minor">
+            <a:schemeClr val="lt1"/>
+          </a:fontRef>
+        </p:style>
+        <p:txBody>
+          <a:bodyPr rtlCol="0" anchor="ctr"/>
+          <a:lstStyle/>
+          <a:p>
+            <a:pPr algn="ctr"/>
+            <a:r>
+              <a:rPr kumimoji="1" lang="ja-JP" altLang="en-US" dirty="0">
+                <a:solidFill>
+                  <a:schemeClr val="tx1"/>
+                </a:solidFill>
+              </a:rPr>
+              <a:t>音声再生</a:t>
+            </a:r>
+          </a:p>
+        </p:txBody>
+      </p:sp>
+      <p:sp>
+        <p:nvSpPr>
+          <p:cNvPr id="29" name="正方形/長方形 28">
+            <a:extLst>
+              <a:ext uri="{FF2B5EF4-FFF2-40B4-BE49-F238E27FC236}">
+                <a16:creationId xmlns:a16="http://schemas.microsoft.com/office/drawing/2014/main" id="{DD0A2E3E-26E1-0F27-8377-36D5965EA359}"/>
+              </a:ext>
+            </a:extLst>
+          </p:cNvPr>
+          <p:cNvSpPr/>
+          <p:nvPr/>
+        </p:nvSpPr>
+        <p:spPr>
+          <a:xfrm>
+            <a:off x="7141267" y="5818569"/>
+            <a:ext cx="1108602" cy="369332"/>
+          </a:xfrm>
+          <a:prstGeom prst="rect">
+            <a:avLst/>
+          </a:prstGeom>
+          <a:noFill/>
+        </p:spPr>
+        <p:style>
+          <a:lnRef idx="2">
+            <a:schemeClr val="accent1">
+              <a:shade val="15000"/>
+            </a:schemeClr>
+          </a:lnRef>
+          <a:fillRef idx="1">
+            <a:schemeClr val="accent1"/>
+          </a:fillRef>
+          <a:effectRef idx="0">
+            <a:schemeClr val="accent1"/>
+          </a:effectRef>
+          <a:fontRef idx="minor">
+            <a:schemeClr val="lt1"/>
+          </a:fontRef>
+        </p:style>
+        <p:txBody>
+          <a:bodyPr rtlCol="0" anchor="ctr"/>
+          <a:lstStyle/>
+          <a:p>
+            <a:pPr algn="ctr"/>
+            <a:r>
+              <a:rPr kumimoji="1" lang="ja-JP" altLang="en-US" dirty="0">
+                <a:solidFill>
+                  <a:schemeClr val="tx1"/>
+                </a:solidFill>
+              </a:rPr>
+              <a:t>戻る</a:t>
+            </a:r>
+          </a:p>
+        </p:txBody>
+      </p:sp>
+      <p:cxnSp>
+        <p:nvCxnSpPr>
+          <p:cNvPr id="32" name="直線矢印コネクタ 31">
+            <a:extLst>
+              <a:ext uri="{FF2B5EF4-FFF2-40B4-BE49-F238E27FC236}">
+                <a16:creationId xmlns:a16="http://schemas.microsoft.com/office/drawing/2014/main" id="{9140CC7F-E329-E2D4-E91F-6249AD989646}"/>
+              </a:ext>
+            </a:extLst>
+          </p:cNvPr>
+          <p:cNvCxnSpPr>
+            <a:stCxn id="6" idx="3"/>
+            <a:endCxn id="21" idx="1"/>
+          </p:cNvCxnSpPr>
+          <p:nvPr/>
+        </p:nvCxnSpPr>
+        <p:spPr>
+          <a:xfrm flipV="1">
+            <a:off x="4758077" y="3828513"/>
+            <a:ext cx="1830845" cy="138178"/>
+          </a:xfrm>
+          <a:prstGeom prst="straightConnector1">
+            <a:avLst/>
+          </a:prstGeom>
+          <a:ln>
+            <a:tailEnd type="triangle"/>
+          </a:ln>
+        </p:spPr>
+        <p:style>
+          <a:lnRef idx="2">
+            <a:schemeClr val="accent1"/>
+          </a:lnRef>
+          <a:fillRef idx="0">
+            <a:schemeClr val="accent1"/>
+          </a:fillRef>
+          <a:effectRef idx="1">
+            <a:schemeClr val="accent1"/>
+          </a:effectRef>
+          <a:fontRef idx="minor">
+            <a:schemeClr val="tx1"/>
+          </a:fontRef>
+        </p:style>
+      </p:cxnSp>
+      <p:cxnSp>
+        <p:nvCxnSpPr>
+          <p:cNvPr id="33" name="直線矢印コネクタ 32">
+            <a:extLst>
+              <a:ext uri="{FF2B5EF4-FFF2-40B4-BE49-F238E27FC236}">
+                <a16:creationId xmlns:a16="http://schemas.microsoft.com/office/drawing/2014/main" id="{51AAC775-F688-A2A2-8DC6-0012ABBC585A}"/>
+              </a:ext>
+            </a:extLst>
+          </p:cNvPr>
+          <p:cNvCxnSpPr>
+            <a:cxnSpLocks/>
+          </p:cNvCxnSpPr>
+          <p:nvPr/>
+        </p:nvCxnSpPr>
+        <p:spPr>
+          <a:xfrm flipH="1">
+            <a:off x="4808485" y="6003235"/>
+            <a:ext cx="2332782" cy="0"/>
+          </a:xfrm>
+          <a:prstGeom prst="straightConnector1">
+            <a:avLst/>
+          </a:prstGeom>
+          <a:ln>
+            <a:tailEnd type="triangle"/>
+          </a:ln>
+        </p:spPr>
+        <p:style>
+          <a:lnRef idx="2">
+            <a:schemeClr val="accent1"/>
+          </a:lnRef>
+          <a:fillRef idx="0">
+            <a:schemeClr val="accent1"/>
+          </a:fillRef>
+          <a:effectRef idx="1">
+            <a:schemeClr val="accent1"/>
+          </a:effectRef>
+          <a:fontRef idx="minor">
+            <a:schemeClr val="tx1"/>
+          </a:fontRef>
+        </p:style>
+      </p:cxnSp>
+      <p:sp>
+        <p:nvSpPr>
+          <p:cNvPr id="36" name="正方形/長方形 35">
+            <a:extLst>
+              <a:ext uri="{FF2B5EF4-FFF2-40B4-BE49-F238E27FC236}">
+                <a16:creationId xmlns:a16="http://schemas.microsoft.com/office/drawing/2014/main" id="{61BADCF7-0A54-B2F9-D155-449E7B72FB8F}"/>
+              </a:ext>
+            </a:extLst>
+          </p:cNvPr>
+          <p:cNvSpPr/>
+          <p:nvPr/>
+        </p:nvSpPr>
+        <p:spPr>
+          <a:xfrm>
+            <a:off x="1907665" y="5915366"/>
+            <a:ext cx="2097804" cy="369332"/>
+          </a:xfrm>
+          <a:prstGeom prst="rect">
+            <a:avLst/>
+          </a:prstGeom>
+          <a:noFill/>
+        </p:spPr>
+        <p:style>
+          <a:lnRef idx="2">
+            <a:schemeClr val="accent1">
+              <a:shade val="15000"/>
+            </a:schemeClr>
+          </a:lnRef>
+          <a:fillRef idx="1">
+            <a:schemeClr val="accent1"/>
+          </a:fillRef>
+          <a:effectRef idx="0">
+            <a:schemeClr val="accent1"/>
+          </a:effectRef>
+          <a:fontRef idx="minor">
+            <a:schemeClr val="lt1"/>
+          </a:fontRef>
+        </p:style>
+        <p:txBody>
+          <a:bodyPr rtlCol="0" anchor="ctr"/>
+          <a:lstStyle/>
+          <a:p>
+            <a:pPr algn="ctr"/>
+            <a:r>
+              <a:rPr kumimoji="1" lang="ja-JP" altLang="en-US" dirty="0">
+                <a:solidFill>
+                  <a:schemeClr val="tx1"/>
+                </a:solidFill>
+              </a:rPr>
+              <a:t>トップ画面に戻る</a:t>
+            </a:r>
+          </a:p>
+        </p:txBody>
+      </p:sp>
+      <p:sp>
+        <p:nvSpPr>
+          <p:cNvPr id="3" name="テキスト ボックス 2">
+            <a:extLst>
+              <a:ext uri="{FF2B5EF4-FFF2-40B4-BE49-F238E27FC236}">
+                <a16:creationId xmlns:a16="http://schemas.microsoft.com/office/drawing/2014/main" id="{D93EAE48-9704-20BE-2E00-EBF26D19A263}"/>
+              </a:ext>
+            </a:extLst>
+          </p:cNvPr>
+          <p:cNvSpPr txBox="1"/>
+          <p:nvPr/>
+        </p:nvSpPr>
+        <p:spPr>
+          <a:xfrm>
+            <a:off x="6967330" y="1520687"/>
+            <a:ext cx="2494722" cy="369332"/>
+          </a:xfrm>
+          <a:prstGeom prst="rect">
+            <a:avLst/>
+          </a:prstGeom>
+          <a:noFill/>
+        </p:spPr>
+        <p:txBody>
+          <a:bodyPr wrap="square" rtlCol="0">
+            <a:spAutoFit/>
+          </a:bodyPr>
+          <a:lstStyle/>
+          <a:p>
+            <a:r>
+              <a:rPr kumimoji="1" lang="ja-JP" altLang="en-US" dirty="0"/>
+              <a:t>タイトル</a:t>
+            </a:r>
+          </a:p>
+        </p:txBody>
+      </p:sp>
+    </p:spTree>
+    <p:extLst>
+      <p:ext uri="{BB962C8B-B14F-4D97-AF65-F5344CB8AC3E}">
+        <p14:creationId xmlns:p14="http://schemas.microsoft.com/office/powerpoint/2010/main" val="1991612794"/>
+      </p:ext>
+    </p:extLst>
+  </p:cSld>
+  <p:clrMapOvr>
+    <a:masterClrMapping/>
+  </p:clrMapOvr>
+</p:sld>
+</file>
+
+<file path=ppt/slides/slide40.xml><?xml version="1.0" encoding="utf-8"?>
 <p:sld xmlns:a="http://schemas.openxmlformats.org/drawingml/2006/main" xmlns:r="http://schemas.openxmlformats.org/officeDocument/2006/relationships" xmlns:p="http://schemas.openxmlformats.org/presentationml/2006/main">
   <p:cSld>
     <p:spTree>
@@ -11229,7 +12633,7 @@
 </p:sld>
 </file>
 
-<file path=ppt/slides/slide37.xml><?xml version="1.0" encoding="utf-8"?>
+<file path=ppt/slides/slide41.xml><?xml version="1.0" encoding="utf-8"?>
 <p:sld xmlns:a="http://schemas.openxmlformats.org/drawingml/2006/main" xmlns:r="http://schemas.openxmlformats.org/officeDocument/2006/relationships" xmlns:p="http://schemas.openxmlformats.org/presentationml/2006/main">
   <p:cSld>
     <p:spTree>
@@ -11803,7 +13207,7 @@
 </p:sld>
 </file>
 
-<file path=ppt/slides/slide38.xml><?xml version="1.0" encoding="utf-8"?>
+<file path=ppt/slides/slide42.xml><?xml version="1.0" encoding="utf-8"?>
 <p:sld xmlns:a="http://schemas.openxmlformats.org/drawingml/2006/main" xmlns:r="http://schemas.openxmlformats.org/officeDocument/2006/relationships" xmlns:p="http://schemas.openxmlformats.org/presentationml/2006/main">
   <p:cSld>
     <p:spTree>
@@ -12199,7 +13603,7 @@
 </p:sld>
 </file>
 
-<file path=ppt/slides/slide39.xml><?xml version="1.0" encoding="utf-8"?>
+<file path=ppt/slides/slide43.xml><?xml version="1.0" encoding="utf-8"?>
 <p:sld xmlns:a="http://schemas.openxmlformats.org/drawingml/2006/main" xmlns:r="http://schemas.openxmlformats.org/officeDocument/2006/relationships" xmlns:p="http://schemas.openxmlformats.org/presentationml/2006/main">
   <p:cSld>
     <p:spTree>
@@ -13319,678 +14723,7 @@
 </p:sld>
 </file>
 
-<file path=ppt/slides/slide4.xml><?xml version="1.0" encoding="utf-8"?>
-<p:sld xmlns:a="http://schemas.openxmlformats.org/drawingml/2006/main" xmlns:r="http://schemas.openxmlformats.org/officeDocument/2006/relationships" xmlns:p="http://schemas.openxmlformats.org/presentationml/2006/main">
-  <p:cSld>
-    <p:spTree>
-      <p:nvGrpSpPr>
-        <p:cNvPr id="1" name="">
-          <a:extLst>
-            <a:ext uri="{FF2B5EF4-FFF2-40B4-BE49-F238E27FC236}">
-              <a16:creationId xmlns:a16="http://schemas.microsoft.com/office/drawing/2014/main" id="{3CCC5F9F-35CD-63BB-0C17-D6F0C79D02CF}"/>
-            </a:ext>
-          </a:extLst>
-        </p:cNvPr>
-        <p:cNvGrpSpPr/>
-        <p:nvPr/>
-      </p:nvGrpSpPr>
-      <p:grpSpPr>
-        <a:xfrm>
-          <a:off x="0" y="0"/>
-          <a:ext cx="0" cy="0"/>
-          <a:chOff x="0" y="0"/>
-          <a:chExt cx="0" cy="0"/>
-        </a:xfrm>
-      </p:grpSpPr>
-      <p:cxnSp>
-        <p:nvCxnSpPr>
-          <p:cNvPr id="4" name="直線コネクタ 3">
-            <a:extLst>
-              <a:ext uri="{FF2B5EF4-FFF2-40B4-BE49-F238E27FC236}">
-                <a16:creationId xmlns:a16="http://schemas.microsoft.com/office/drawing/2014/main" id="{76E1EF0D-0BBC-A313-CB1A-1814C352AD0A}"/>
-              </a:ext>
-            </a:extLst>
-          </p:cNvPr>
-          <p:cNvCxnSpPr/>
-          <p:nvPr/>
-        </p:nvCxnSpPr>
-        <p:spPr>
-          <a:xfrm>
-            <a:off x="228600" y="755374"/>
-            <a:ext cx="11936896" cy="0"/>
-          </a:xfrm>
-          <a:prstGeom prst="line">
-            <a:avLst/>
-          </a:prstGeom>
-        </p:spPr>
-        <p:style>
-          <a:lnRef idx="2">
-            <a:schemeClr val="accent1"/>
-          </a:lnRef>
-          <a:fillRef idx="0">
-            <a:schemeClr val="accent1"/>
-          </a:fillRef>
-          <a:effectRef idx="1">
-            <a:schemeClr val="accent1"/>
-          </a:effectRef>
-          <a:fontRef idx="minor">
-            <a:schemeClr val="tx1"/>
-          </a:fontRef>
-        </p:style>
-      </p:cxnSp>
-      <p:sp>
-        <p:nvSpPr>
-          <p:cNvPr id="5" name="テキスト ボックス 4">
-            <a:extLst>
-              <a:ext uri="{FF2B5EF4-FFF2-40B4-BE49-F238E27FC236}">
-                <a16:creationId xmlns:a16="http://schemas.microsoft.com/office/drawing/2014/main" id="{13BAC101-05AC-6711-8E35-FBD5FD62450A}"/>
-              </a:ext>
-            </a:extLst>
-          </p:cNvPr>
-          <p:cNvSpPr txBox="1"/>
-          <p:nvPr/>
-        </p:nvSpPr>
-        <p:spPr>
-          <a:xfrm>
-            <a:off x="407504" y="198783"/>
-            <a:ext cx="3796748" cy="369332"/>
-          </a:xfrm>
-          <a:prstGeom prst="rect">
-            <a:avLst/>
-          </a:prstGeom>
-          <a:noFill/>
-        </p:spPr>
-        <p:txBody>
-          <a:bodyPr wrap="square" rtlCol="0">
-            <a:spAutoFit/>
-          </a:bodyPr>
-          <a:lstStyle/>
-          <a:p>
-            <a:r>
-              <a:rPr kumimoji="1" lang="en-US" altLang="ja-JP" dirty="0"/>
-              <a:t>QR</a:t>
-            </a:r>
-            <a:r>
-              <a:rPr kumimoji="1" lang="ja-JP" altLang="en-US" dirty="0"/>
-              <a:t>コードリーダから展示物紹介</a:t>
-            </a:r>
-          </a:p>
-        </p:txBody>
-      </p:sp>
-      <p:sp>
-        <p:nvSpPr>
-          <p:cNvPr id="2" name="テキスト ボックス 1">
-            <a:extLst>
-              <a:ext uri="{FF2B5EF4-FFF2-40B4-BE49-F238E27FC236}">
-                <a16:creationId xmlns:a16="http://schemas.microsoft.com/office/drawing/2014/main" id="{AF1B5432-7C5B-D3B3-5264-CCC1A35AFE27}"/>
-              </a:ext>
-            </a:extLst>
-          </p:cNvPr>
-          <p:cNvSpPr txBox="1"/>
-          <p:nvPr/>
-        </p:nvSpPr>
-        <p:spPr>
-          <a:xfrm>
-            <a:off x="556592" y="942634"/>
-            <a:ext cx="1987826" cy="369332"/>
-          </a:xfrm>
-          <a:prstGeom prst="rect">
-            <a:avLst/>
-          </a:prstGeom>
-          <a:noFill/>
-        </p:spPr>
-        <p:txBody>
-          <a:bodyPr wrap="square" rtlCol="0">
-            <a:spAutoFit/>
-          </a:bodyPr>
-          <a:lstStyle/>
-          <a:p>
-            <a:r>
-              <a:rPr kumimoji="1" lang="ja-JP" altLang="en-US" dirty="0"/>
-              <a:t>画面イメージ</a:t>
-            </a:r>
-          </a:p>
-        </p:txBody>
-      </p:sp>
-      <p:pic>
-        <p:nvPicPr>
-          <p:cNvPr id="6" name="図 5" descr="図形, 正方形&#10;&#10;AI 生成コンテンツは誤りを含む可能性があります。">
-            <a:extLst>
-              <a:ext uri="{FF2B5EF4-FFF2-40B4-BE49-F238E27FC236}">
-                <a16:creationId xmlns:a16="http://schemas.microsoft.com/office/drawing/2014/main" id="{9DEC15E6-EB60-2B73-FA84-7FD3500BDC38}"/>
-              </a:ext>
-            </a:extLst>
-          </p:cNvPr>
-          <p:cNvPicPr>
-            <a:picLocks noChangeAspect="1"/>
-          </p:cNvPicPr>
-          <p:nvPr/>
-        </p:nvPicPr>
-        <p:blipFill>
-          <a:blip r:embed="rId2"/>
-          <a:stretch>
-            <a:fillRect/>
-          </a:stretch>
-        </p:blipFill>
-        <p:spPr>
-          <a:xfrm>
-            <a:off x="1397382" y="1274165"/>
-            <a:ext cx="3360695" cy="5385052"/>
-          </a:xfrm>
-          <a:prstGeom prst="rect">
-            <a:avLst/>
-          </a:prstGeom>
-        </p:spPr>
-      </p:pic>
-      <p:sp>
-        <p:nvSpPr>
-          <p:cNvPr id="7" name="テキスト ボックス 6">
-            <a:extLst>
-              <a:ext uri="{FF2B5EF4-FFF2-40B4-BE49-F238E27FC236}">
-                <a16:creationId xmlns:a16="http://schemas.microsoft.com/office/drawing/2014/main" id="{DE65383C-7EC4-89E4-ACD6-D2D67AB2B1CB}"/>
-              </a:ext>
-            </a:extLst>
-          </p:cNvPr>
-          <p:cNvSpPr txBox="1"/>
-          <p:nvPr/>
-        </p:nvSpPr>
-        <p:spPr>
-          <a:xfrm>
-            <a:off x="1550505" y="1908313"/>
-            <a:ext cx="3399122" cy="369332"/>
-          </a:xfrm>
-          <a:prstGeom prst="rect">
-            <a:avLst/>
-          </a:prstGeom>
-          <a:noFill/>
-        </p:spPr>
-        <p:txBody>
-          <a:bodyPr wrap="square" rtlCol="0">
-            <a:spAutoFit/>
-          </a:bodyPr>
-          <a:lstStyle/>
-          <a:p>
-            <a:r>
-              <a:rPr kumimoji="1" lang="en-US" altLang="ja-JP" b="1" dirty="0"/>
-              <a:t>QR</a:t>
-            </a:r>
-            <a:r>
-              <a:rPr kumimoji="1" lang="ja-JP" altLang="en-US" b="1" dirty="0"/>
-              <a:t>コードを読んでください</a:t>
-            </a:r>
-          </a:p>
-        </p:txBody>
-      </p:sp>
-      <p:pic>
-        <p:nvPicPr>
-          <p:cNvPr id="9" name="図 8">
-            <a:extLst>
-              <a:ext uri="{FF2B5EF4-FFF2-40B4-BE49-F238E27FC236}">
-                <a16:creationId xmlns:a16="http://schemas.microsoft.com/office/drawing/2014/main" id="{DA1C2295-C173-0F80-A332-C75CF2373036}"/>
-              </a:ext>
-            </a:extLst>
-          </p:cNvPr>
-          <p:cNvPicPr>
-            <a:picLocks noChangeAspect="1"/>
-          </p:cNvPicPr>
-          <p:nvPr/>
-        </p:nvPicPr>
-        <p:blipFill>
-          <a:blip r:embed="rId3"/>
-          <a:stretch>
-            <a:fillRect/>
-          </a:stretch>
-        </p:blipFill>
-        <p:spPr>
-          <a:xfrm>
-            <a:off x="2027066" y="2719716"/>
-            <a:ext cx="1978403" cy="1860640"/>
-          </a:xfrm>
-          <a:prstGeom prst="rect">
-            <a:avLst/>
-          </a:prstGeom>
-        </p:spPr>
-      </p:pic>
-      <p:pic>
-        <p:nvPicPr>
-          <p:cNvPr id="21" name="図 20" descr="図形, 正方形&#10;&#10;AI 生成コンテンツは誤りを含む可能性があります。">
-            <a:extLst>
-              <a:ext uri="{FF2B5EF4-FFF2-40B4-BE49-F238E27FC236}">
-                <a16:creationId xmlns:a16="http://schemas.microsoft.com/office/drawing/2014/main" id="{39B75BAD-1936-9281-BCAA-B50904FA8961}"/>
-              </a:ext>
-            </a:extLst>
-          </p:cNvPr>
-          <p:cNvPicPr>
-            <a:picLocks noChangeAspect="1"/>
-          </p:cNvPicPr>
-          <p:nvPr/>
-        </p:nvPicPr>
-        <p:blipFill>
-          <a:blip r:embed="rId2"/>
-          <a:stretch>
-            <a:fillRect/>
-          </a:stretch>
-        </p:blipFill>
-        <p:spPr>
-          <a:xfrm>
-            <a:off x="6588922" y="1105199"/>
-            <a:ext cx="3399123" cy="5446627"/>
-          </a:xfrm>
-          <a:prstGeom prst="rect">
-            <a:avLst/>
-          </a:prstGeom>
-        </p:spPr>
-      </p:pic>
-      <p:pic>
-        <p:nvPicPr>
-          <p:cNvPr id="23" name="図 22" descr="テーブル, 座る, ベッド, 横たわる が含まれている画像&#10;&#10;AI 生成コンテンツは誤りを含む可能性があります。">
-            <a:extLst>
-              <a:ext uri="{FF2B5EF4-FFF2-40B4-BE49-F238E27FC236}">
-                <a16:creationId xmlns:a16="http://schemas.microsoft.com/office/drawing/2014/main" id="{4C69D530-DF1B-4D97-200B-228B1799876B}"/>
-              </a:ext>
-            </a:extLst>
-          </p:cNvPr>
-          <p:cNvPicPr>
-            <a:picLocks noChangeAspect="1"/>
-          </p:cNvPicPr>
-          <p:nvPr/>
-        </p:nvPicPr>
-        <p:blipFill>
-          <a:blip r:embed="rId4"/>
-          <a:stretch>
-            <a:fillRect/>
-          </a:stretch>
-        </p:blipFill>
-        <p:spPr>
-          <a:xfrm>
-            <a:off x="7051137" y="1979610"/>
-            <a:ext cx="2232562" cy="2669962"/>
-          </a:xfrm>
-          <a:prstGeom prst="rect">
-            <a:avLst/>
-          </a:prstGeom>
-        </p:spPr>
-      </p:pic>
-      <p:sp>
-        <p:nvSpPr>
-          <p:cNvPr id="24" name="テキスト ボックス 23">
-            <a:extLst>
-              <a:ext uri="{FF2B5EF4-FFF2-40B4-BE49-F238E27FC236}">
-                <a16:creationId xmlns:a16="http://schemas.microsoft.com/office/drawing/2014/main" id="{59BCA050-EFD7-369D-2565-BD4F1F03F502}"/>
-              </a:ext>
-            </a:extLst>
-          </p:cNvPr>
-          <p:cNvSpPr txBox="1"/>
-          <p:nvPr/>
-        </p:nvSpPr>
-        <p:spPr>
-          <a:xfrm>
-            <a:off x="7589076" y="5098787"/>
-            <a:ext cx="2232562" cy="369332"/>
-          </a:xfrm>
-          <a:prstGeom prst="rect">
-            <a:avLst/>
-          </a:prstGeom>
-          <a:noFill/>
-        </p:spPr>
-        <p:txBody>
-          <a:bodyPr wrap="square" rtlCol="0">
-            <a:spAutoFit/>
-          </a:bodyPr>
-          <a:lstStyle/>
-          <a:p>
-            <a:r>
-              <a:rPr kumimoji="1" lang="ja-JP" altLang="en-US" dirty="0"/>
-              <a:t>説明文</a:t>
-            </a:r>
-          </a:p>
-        </p:txBody>
-      </p:sp>
-      <p:sp>
-        <p:nvSpPr>
-          <p:cNvPr id="26" name="テキスト ボックス 25">
-            <a:extLst>
-              <a:ext uri="{FF2B5EF4-FFF2-40B4-BE49-F238E27FC236}">
-                <a16:creationId xmlns:a16="http://schemas.microsoft.com/office/drawing/2014/main" id="{BFDCC9AA-7B59-08A1-5ADF-33AECEF9CAEE}"/>
-              </a:ext>
-            </a:extLst>
-          </p:cNvPr>
-          <p:cNvSpPr txBox="1"/>
-          <p:nvPr/>
-        </p:nvSpPr>
-        <p:spPr>
-          <a:xfrm>
-            <a:off x="8542844" y="4649572"/>
-            <a:ext cx="735495" cy="369332"/>
-          </a:xfrm>
-          <a:prstGeom prst="rect">
-            <a:avLst/>
-          </a:prstGeom>
-          <a:solidFill>
-            <a:schemeClr val="bg2"/>
-          </a:solidFill>
-          <a:ln>
-            <a:solidFill>
-              <a:schemeClr val="accent1"/>
-            </a:solidFill>
-          </a:ln>
-        </p:spPr>
-        <p:txBody>
-          <a:bodyPr wrap="square" rtlCol="0">
-            <a:spAutoFit/>
-          </a:bodyPr>
-          <a:lstStyle/>
-          <a:p>
-            <a:r>
-              <a:rPr kumimoji="1" lang="ja-JP" altLang="en-US" dirty="0">
-                <a:ln>
-                  <a:solidFill>
-                    <a:schemeClr val="accent1"/>
-                  </a:solidFill>
-                </a:ln>
-              </a:rPr>
-              <a:t>音声</a:t>
-            </a:r>
-          </a:p>
-        </p:txBody>
-      </p:sp>
-      <p:sp>
-        <p:nvSpPr>
-          <p:cNvPr id="27" name="吹き出し: 四角形 26">
-            <a:extLst>
-              <a:ext uri="{FF2B5EF4-FFF2-40B4-BE49-F238E27FC236}">
-                <a16:creationId xmlns:a16="http://schemas.microsoft.com/office/drawing/2014/main" id="{0841179F-A73D-D7A0-5850-570278C83C5F}"/>
-              </a:ext>
-            </a:extLst>
-          </p:cNvPr>
-          <p:cNvSpPr/>
-          <p:nvPr/>
-        </p:nvSpPr>
-        <p:spPr>
-          <a:xfrm>
-            <a:off x="10367064" y="3406418"/>
-            <a:ext cx="1401418" cy="677651"/>
-          </a:xfrm>
-          <a:prstGeom prst="wedgeRectCallout">
-            <a:avLst>
-              <a:gd name="adj1" fmla="val -110515"/>
-              <a:gd name="adj2" fmla="val 154902"/>
-            </a:avLst>
-          </a:prstGeom>
-          <a:noFill/>
-        </p:spPr>
-        <p:style>
-          <a:lnRef idx="2">
-            <a:schemeClr val="accent1">
-              <a:shade val="15000"/>
-            </a:schemeClr>
-          </a:lnRef>
-          <a:fillRef idx="1">
-            <a:schemeClr val="accent1"/>
-          </a:fillRef>
-          <a:effectRef idx="0">
-            <a:schemeClr val="accent1"/>
-          </a:effectRef>
-          <a:fontRef idx="minor">
-            <a:schemeClr val="lt1"/>
-          </a:fontRef>
-        </p:style>
-        <p:txBody>
-          <a:bodyPr rtlCol="0" anchor="ctr"/>
-          <a:lstStyle/>
-          <a:p>
-            <a:pPr algn="ctr"/>
-            <a:r>
-              <a:rPr kumimoji="1" lang="ja-JP" altLang="en-US" dirty="0">
-                <a:solidFill>
-                  <a:schemeClr val="tx1"/>
-                </a:solidFill>
-              </a:rPr>
-              <a:t>音声再生</a:t>
-            </a:r>
-          </a:p>
-        </p:txBody>
-      </p:sp>
-      <p:sp>
-        <p:nvSpPr>
-          <p:cNvPr id="29" name="正方形/長方形 28">
-            <a:extLst>
-              <a:ext uri="{FF2B5EF4-FFF2-40B4-BE49-F238E27FC236}">
-                <a16:creationId xmlns:a16="http://schemas.microsoft.com/office/drawing/2014/main" id="{DD0A2E3E-26E1-0F27-8377-36D5965EA359}"/>
-              </a:ext>
-            </a:extLst>
-          </p:cNvPr>
-          <p:cNvSpPr/>
-          <p:nvPr/>
-        </p:nvSpPr>
-        <p:spPr>
-          <a:xfrm>
-            <a:off x="7141267" y="5818569"/>
-            <a:ext cx="1108602" cy="369332"/>
-          </a:xfrm>
-          <a:prstGeom prst="rect">
-            <a:avLst/>
-          </a:prstGeom>
-          <a:noFill/>
-        </p:spPr>
-        <p:style>
-          <a:lnRef idx="2">
-            <a:schemeClr val="accent1">
-              <a:shade val="15000"/>
-            </a:schemeClr>
-          </a:lnRef>
-          <a:fillRef idx="1">
-            <a:schemeClr val="accent1"/>
-          </a:fillRef>
-          <a:effectRef idx="0">
-            <a:schemeClr val="accent1"/>
-          </a:effectRef>
-          <a:fontRef idx="minor">
-            <a:schemeClr val="lt1"/>
-          </a:fontRef>
-        </p:style>
-        <p:txBody>
-          <a:bodyPr rtlCol="0" anchor="ctr"/>
-          <a:lstStyle/>
-          <a:p>
-            <a:pPr algn="ctr"/>
-            <a:r>
-              <a:rPr kumimoji="1" lang="ja-JP" altLang="en-US" dirty="0">
-                <a:solidFill>
-                  <a:schemeClr val="tx1"/>
-                </a:solidFill>
-              </a:rPr>
-              <a:t>戻る</a:t>
-            </a:r>
-          </a:p>
-        </p:txBody>
-      </p:sp>
-      <p:cxnSp>
-        <p:nvCxnSpPr>
-          <p:cNvPr id="32" name="直線矢印コネクタ 31">
-            <a:extLst>
-              <a:ext uri="{FF2B5EF4-FFF2-40B4-BE49-F238E27FC236}">
-                <a16:creationId xmlns:a16="http://schemas.microsoft.com/office/drawing/2014/main" id="{9140CC7F-E329-E2D4-E91F-6249AD989646}"/>
-              </a:ext>
-            </a:extLst>
-          </p:cNvPr>
-          <p:cNvCxnSpPr>
-            <a:stCxn id="6" idx="3"/>
-            <a:endCxn id="21" idx="1"/>
-          </p:cNvCxnSpPr>
-          <p:nvPr/>
-        </p:nvCxnSpPr>
-        <p:spPr>
-          <a:xfrm flipV="1">
-            <a:off x="4758077" y="3828513"/>
-            <a:ext cx="1830845" cy="138178"/>
-          </a:xfrm>
-          <a:prstGeom prst="straightConnector1">
-            <a:avLst/>
-          </a:prstGeom>
-          <a:ln>
-            <a:tailEnd type="triangle"/>
-          </a:ln>
-        </p:spPr>
-        <p:style>
-          <a:lnRef idx="2">
-            <a:schemeClr val="accent1"/>
-          </a:lnRef>
-          <a:fillRef idx="0">
-            <a:schemeClr val="accent1"/>
-          </a:fillRef>
-          <a:effectRef idx="1">
-            <a:schemeClr val="accent1"/>
-          </a:effectRef>
-          <a:fontRef idx="minor">
-            <a:schemeClr val="tx1"/>
-          </a:fontRef>
-        </p:style>
-      </p:cxnSp>
-      <p:cxnSp>
-        <p:nvCxnSpPr>
-          <p:cNvPr id="33" name="直線矢印コネクタ 32">
-            <a:extLst>
-              <a:ext uri="{FF2B5EF4-FFF2-40B4-BE49-F238E27FC236}">
-                <a16:creationId xmlns:a16="http://schemas.microsoft.com/office/drawing/2014/main" id="{51AAC775-F688-A2A2-8DC6-0012ABBC585A}"/>
-              </a:ext>
-            </a:extLst>
-          </p:cNvPr>
-          <p:cNvCxnSpPr>
-            <a:cxnSpLocks/>
-          </p:cNvCxnSpPr>
-          <p:nvPr/>
-        </p:nvCxnSpPr>
-        <p:spPr>
-          <a:xfrm flipH="1">
-            <a:off x="4808485" y="6003235"/>
-            <a:ext cx="2332782" cy="0"/>
-          </a:xfrm>
-          <a:prstGeom prst="straightConnector1">
-            <a:avLst/>
-          </a:prstGeom>
-          <a:ln>
-            <a:tailEnd type="triangle"/>
-          </a:ln>
-        </p:spPr>
-        <p:style>
-          <a:lnRef idx="2">
-            <a:schemeClr val="accent1"/>
-          </a:lnRef>
-          <a:fillRef idx="0">
-            <a:schemeClr val="accent1"/>
-          </a:fillRef>
-          <a:effectRef idx="1">
-            <a:schemeClr val="accent1"/>
-          </a:effectRef>
-          <a:fontRef idx="minor">
-            <a:schemeClr val="tx1"/>
-          </a:fontRef>
-        </p:style>
-      </p:cxnSp>
-      <p:sp>
-        <p:nvSpPr>
-          <p:cNvPr id="36" name="正方形/長方形 35">
-            <a:extLst>
-              <a:ext uri="{FF2B5EF4-FFF2-40B4-BE49-F238E27FC236}">
-                <a16:creationId xmlns:a16="http://schemas.microsoft.com/office/drawing/2014/main" id="{61BADCF7-0A54-B2F9-D155-449E7B72FB8F}"/>
-              </a:ext>
-            </a:extLst>
-          </p:cNvPr>
-          <p:cNvSpPr/>
-          <p:nvPr/>
-        </p:nvSpPr>
-        <p:spPr>
-          <a:xfrm>
-            <a:off x="1907665" y="5915366"/>
-            <a:ext cx="2097804" cy="369332"/>
-          </a:xfrm>
-          <a:prstGeom prst="rect">
-            <a:avLst/>
-          </a:prstGeom>
-          <a:noFill/>
-        </p:spPr>
-        <p:style>
-          <a:lnRef idx="2">
-            <a:schemeClr val="accent1">
-              <a:shade val="15000"/>
-            </a:schemeClr>
-          </a:lnRef>
-          <a:fillRef idx="1">
-            <a:schemeClr val="accent1"/>
-          </a:fillRef>
-          <a:effectRef idx="0">
-            <a:schemeClr val="accent1"/>
-          </a:effectRef>
-          <a:fontRef idx="minor">
-            <a:schemeClr val="lt1"/>
-          </a:fontRef>
-        </p:style>
-        <p:txBody>
-          <a:bodyPr rtlCol="0" anchor="ctr"/>
-          <a:lstStyle/>
-          <a:p>
-            <a:pPr algn="ctr"/>
-            <a:r>
-              <a:rPr kumimoji="1" lang="ja-JP" altLang="en-US" dirty="0">
-                <a:solidFill>
-                  <a:schemeClr val="tx1"/>
-                </a:solidFill>
-              </a:rPr>
-              <a:t>トップ画面に戻る</a:t>
-            </a:r>
-          </a:p>
-        </p:txBody>
-      </p:sp>
-      <p:sp>
-        <p:nvSpPr>
-          <p:cNvPr id="3" name="テキスト ボックス 2">
-            <a:extLst>
-              <a:ext uri="{FF2B5EF4-FFF2-40B4-BE49-F238E27FC236}">
-                <a16:creationId xmlns:a16="http://schemas.microsoft.com/office/drawing/2014/main" id="{D93EAE48-9704-20BE-2E00-EBF26D19A263}"/>
-              </a:ext>
-            </a:extLst>
-          </p:cNvPr>
-          <p:cNvSpPr txBox="1"/>
-          <p:nvPr/>
-        </p:nvSpPr>
-        <p:spPr>
-          <a:xfrm>
-            <a:off x="6967330" y="1520687"/>
-            <a:ext cx="2494722" cy="369332"/>
-          </a:xfrm>
-          <a:prstGeom prst="rect">
-            <a:avLst/>
-          </a:prstGeom>
-          <a:noFill/>
-        </p:spPr>
-        <p:txBody>
-          <a:bodyPr wrap="square" rtlCol="0">
-            <a:spAutoFit/>
-          </a:bodyPr>
-          <a:lstStyle/>
-          <a:p>
-            <a:r>
-              <a:rPr kumimoji="1" lang="ja-JP" altLang="en-US" dirty="0"/>
-              <a:t>タイトル</a:t>
-            </a:r>
-          </a:p>
-        </p:txBody>
-      </p:sp>
-    </p:spTree>
-    <p:extLst>
-      <p:ext uri="{BB962C8B-B14F-4D97-AF65-F5344CB8AC3E}">
-        <p14:creationId xmlns:p14="http://schemas.microsoft.com/office/powerpoint/2010/main" val="1991612794"/>
-      </p:ext>
-    </p:extLst>
-  </p:cSld>
-  <p:clrMapOvr>
-    <a:masterClrMapping/>
-  </p:clrMapOvr>
-</p:sld>
-</file>
-
-<file path=ppt/slides/slide40.xml><?xml version="1.0" encoding="utf-8"?>
+<file path=ppt/slides/slide44.xml><?xml version="1.0" encoding="utf-8"?>
 <p:sld xmlns:a="http://schemas.openxmlformats.org/drawingml/2006/main" xmlns:r="http://schemas.openxmlformats.org/officeDocument/2006/relationships" xmlns:p="http://schemas.openxmlformats.org/presentationml/2006/main">
   <p:cSld>
     <p:spTree>
@@ -15098,7 +15831,7 @@
 </p:sld>
 </file>
 
-<file path=ppt/slides/slide41.xml><?xml version="1.0" encoding="utf-8"?>
+<file path=ppt/slides/slide45.xml><?xml version="1.0" encoding="utf-8"?>
 <p:sld xmlns:a="http://schemas.openxmlformats.org/drawingml/2006/main" xmlns:r="http://schemas.openxmlformats.org/officeDocument/2006/relationships" xmlns:p="http://schemas.openxmlformats.org/presentationml/2006/main">
   <p:cSld>
     <p:spTree>
@@ -15818,7 +16551,7 @@
 </p:sld>
 </file>
 
-<file path=ppt/slides/slide42.xml><?xml version="1.0" encoding="utf-8"?>
+<file path=ppt/slides/slide46.xml><?xml version="1.0" encoding="utf-8"?>
 <p:sld xmlns:a="http://schemas.openxmlformats.org/drawingml/2006/main" xmlns:r="http://schemas.openxmlformats.org/officeDocument/2006/relationships" xmlns:p="http://schemas.openxmlformats.org/presentationml/2006/main">
   <p:cSld>
     <p:spTree>
@@ -16493,7 +17226,7 @@
 </p:sld>
 </file>
 
-<file path=ppt/slides/slide43.xml><?xml version="1.0" encoding="utf-8"?>
+<file path=ppt/slides/slide47.xml><?xml version="1.0" encoding="utf-8"?>
 <p:sld xmlns:a="http://schemas.openxmlformats.org/drawingml/2006/main" xmlns:r="http://schemas.openxmlformats.org/officeDocument/2006/relationships" xmlns:p="http://schemas.openxmlformats.org/presentationml/2006/main">
   <p:cSld>
     <p:spTree>
@@ -17050,7 +17783,7 @@
 </p:sld>
 </file>
 
-<file path=ppt/slides/slide44.xml><?xml version="1.0" encoding="utf-8"?>
+<file path=ppt/slides/slide48.xml><?xml version="1.0" encoding="utf-8"?>
 <p:sld xmlns:a="http://schemas.openxmlformats.org/drawingml/2006/main" xmlns:r="http://schemas.openxmlformats.org/officeDocument/2006/relationships" xmlns:p="http://schemas.openxmlformats.org/presentationml/2006/main">
   <p:cSld>
     <p:spTree>

--- a/展示物アプリ仕様.pptx
+++ b/展示物アプリ仕様.pptx
@@ -40,19 +40,24 @@
     <p:sldId id="322" r:id="rId34"/>
     <p:sldId id="323" r:id="rId35"/>
     <p:sldId id="324" r:id="rId36"/>
-    <p:sldId id="321" r:id="rId37"/>
-    <p:sldId id="302" r:id="rId38"/>
-    <p:sldId id="268" r:id="rId39"/>
-    <p:sldId id="273" r:id="rId40"/>
-    <p:sldId id="276" r:id="rId41"/>
-    <p:sldId id="277" r:id="rId42"/>
-    <p:sldId id="284" r:id="rId43"/>
-    <p:sldId id="278" r:id="rId44"/>
-    <p:sldId id="279" r:id="rId45"/>
-    <p:sldId id="280" r:id="rId46"/>
-    <p:sldId id="281" r:id="rId47"/>
-    <p:sldId id="282" r:id="rId48"/>
-    <p:sldId id="283" r:id="rId49"/>
+    <p:sldId id="325" r:id="rId37"/>
+    <p:sldId id="328" r:id="rId38"/>
+    <p:sldId id="329" r:id="rId39"/>
+    <p:sldId id="321" r:id="rId40"/>
+    <p:sldId id="326" r:id="rId41"/>
+    <p:sldId id="327" r:id="rId42"/>
+    <p:sldId id="302" r:id="rId43"/>
+    <p:sldId id="268" r:id="rId44"/>
+    <p:sldId id="273" r:id="rId45"/>
+    <p:sldId id="276" r:id="rId46"/>
+    <p:sldId id="277" r:id="rId47"/>
+    <p:sldId id="284" r:id="rId48"/>
+    <p:sldId id="278" r:id="rId49"/>
+    <p:sldId id="279" r:id="rId50"/>
+    <p:sldId id="280" r:id="rId51"/>
+    <p:sldId id="281" r:id="rId52"/>
+    <p:sldId id="282" r:id="rId53"/>
+    <p:sldId id="283" r:id="rId54"/>
   </p:sldIdLst>
   <p:sldSz cx="12192000" cy="6858000"/>
   <p:notesSz cx="7099300" cy="10234613"/>
@@ -9651,7 +9656,7 @@
         </p:blipFill>
         <p:spPr>
           <a:xfrm>
-            <a:off x="499372" y="755374"/>
+            <a:off x="499372" y="878821"/>
             <a:ext cx="8847619" cy="4847619"/>
           </a:xfrm>
           <a:prstGeom prst="rect">
@@ -9780,7 +9785,13 @@
   <p:cSld>
     <p:spTree>
       <p:nvGrpSpPr>
-        <p:cNvPr id="1" name=""/>
+        <p:cNvPr id="1" name="">
+          <a:extLst>
+            <a:ext uri="{FF2B5EF4-FFF2-40B4-BE49-F238E27FC236}">
+              <a16:creationId xmlns:a16="http://schemas.microsoft.com/office/drawing/2014/main" id="{24EB1A2B-208C-000F-7C1D-A52F3900C86B}"/>
+            </a:ext>
+          </a:extLst>
+        </p:cNvPr>
         <p:cNvGrpSpPr/>
         <p:nvPr/>
       </p:nvGrpSpPr>
@@ -9792,60 +9803,111 @@
           <a:chExt cx="0" cy="0"/>
         </a:xfrm>
       </p:grpSpPr>
-      <p:sp>
-        <p:nvSpPr>
-          <p:cNvPr id="2" name="タイトル 1">
-            <a:extLst>
-              <a:ext uri="{FF2B5EF4-FFF2-40B4-BE49-F238E27FC236}">
-                <a16:creationId xmlns:a16="http://schemas.microsoft.com/office/drawing/2014/main" id="{3C2C01AD-3387-2005-B8C4-00A58FE6D25A}"/>
-              </a:ext>
-            </a:extLst>
-          </p:cNvPr>
-          <p:cNvSpPr>
-            <a:spLocks noGrp="1"/>
-          </p:cNvSpPr>
-          <p:nvPr>
-            <p:ph type="title"/>
-          </p:nvPr>
-        </p:nvSpPr>
-        <p:spPr/>
-        <p:txBody>
-          <a:bodyPr/>
-          <a:lstStyle/>
-          <a:p>
-            <a:endParaRPr kumimoji="1" lang="ja-JP" altLang="en-US"/>
-          </a:p>
-        </p:txBody>
-      </p:sp>
-      <p:sp>
-        <p:nvSpPr>
-          <p:cNvPr id="3" name="コンテンツ プレースホルダー 2">
-            <a:extLst>
-              <a:ext uri="{FF2B5EF4-FFF2-40B4-BE49-F238E27FC236}">
-                <a16:creationId xmlns:a16="http://schemas.microsoft.com/office/drawing/2014/main" id="{941EF71E-6139-E2DF-A54B-E310C7715330}"/>
-              </a:ext>
-            </a:extLst>
-          </p:cNvPr>
-          <p:cNvSpPr>
-            <a:spLocks noGrp="1"/>
-          </p:cNvSpPr>
-          <p:nvPr>
-            <p:ph idx="1"/>
-          </p:nvPr>
-        </p:nvSpPr>
-        <p:spPr/>
-        <p:txBody>
-          <a:bodyPr/>
-          <a:lstStyle/>
-          <a:p>
-            <a:endParaRPr kumimoji="1" lang="ja-JP" altLang="en-US"/>
-          </a:p>
-        </p:txBody>
-      </p:sp>
+      <p:cxnSp>
+        <p:nvCxnSpPr>
+          <p:cNvPr id="4" name="直線コネクタ 3">
+            <a:extLst>
+              <a:ext uri="{FF2B5EF4-FFF2-40B4-BE49-F238E27FC236}">
+                <a16:creationId xmlns:a16="http://schemas.microsoft.com/office/drawing/2014/main" id="{238ED8A7-8878-776B-6185-B3EC9114C4D9}"/>
+              </a:ext>
+            </a:extLst>
+          </p:cNvPr>
+          <p:cNvCxnSpPr/>
+          <p:nvPr/>
+        </p:nvCxnSpPr>
+        <p:spPr>
+          <a:xfrm>
+            <a:off x="228600" y="755374"/>
+            <a:ext cx="11936896" cy="0"/>
+          </a:xfrm>
+          <a:prstGeom prst="line">
+            <a:avLst/>
+          </a:prstGeom>
+        </p:spPr>
+        <p:style>
+          <a:lnRef idx="2">
+            <a:schemeClr val="accent1"/>
+          </a:lnRef>
+          <a:fillRef idx="0">
+            <a:schemeClr val="accent1"/>
+          </a:fillRef>
+          <a:effectRef idx="1">
+            <a:schemeClr val="accent1"/>
+          </a:effectRef>
+          <a:fontRef idx="minor">
+            <a:schemeClr val="tx1"/>
+          </a:fontRef>
+        </p:style>
+      </p:cxnSp>
+      <p:sp>
+        <p:nvSpPr>
+          <p:cNvPr id="5" name="テキスト ボックス 4">
+            <a:extLst>
+              <a:ext uri="{FF2B5EF4-FFF2-40B4-BE49-F238E27FC236}">
+                <a16:creationId xmlns:a16="http://schemas.microsoft.com/office/drawing/2014/main" id="{1AB5138C-4259-BE46-0843-423BF9756BB9}"/>
+              </a:ext>
+            </a:extLst>
+          </p:cNvPr>
+          <p:cNvSpPr txBox="1"/>
+          <p:nvPr/>
+        </p:nvSpPr>
+        <p:spPr>
+          <a:xfrm>
+            <a:off x="407503" y="198783"/>
+            <a:ext cx="11449879" cy="369332"/>
+          </a:xfrm>
+          <a:prstGeom prst="rect">
+            <a:avLst/>
+          </a:prstGeom>
+          <a:noFill/>
+        </p:spPr>
+        <p:txBody>
+          <a:bodyPr wrap="square" rtlCol="0">
+            <a:spAutoFit/>
+          </a:bodyPr>
+          <a:lstStyle/>
+          <a:p>
+            <a:r>
+              <a:rPr kumimoji="1" lang="ja-JP" altLang="en-US" dirty="0"/>
+              <a:t>展示物の一覧表示</a:t>
+            </a:r>
+          </a:p>
+        </p:txBody>
+      </p:sp>
+      <p:pic>
+        <p:nvPicPr>
+          <p:cNvPr id="8" name="図 7" descr="グラフィカル ユーザー インターフェイス, テキスト, アプリケーション&#10;&#10;AI 生成コンテンツは誤りを含む可能性があります。">
+            <a:extLst>
+              <a:ext uri="{FF2B5EF4-FFF2-40B4-BE49-F238E27FC236}">
+                <a16:creationId xmlns:a16="http://schemas.microsoft.com/office/drawing/2014/main" id="{A3614F29-31FA-2B55-3232-FA8CD868EC37}"/>
+              </a:ext>
+            </a:extLst>
+          </p:cNvPr>
+          <p:cNvPicPr>
+            <a:picLocks noChangeAspect="1"/>
+          </p:cNvPicPr>
+          <p:nvPr/>
+        </p:nvPicPr>
+        <p:blipFill>
+          <a:blip r:embed="rId2"/>
+          <a:stretch>
+            <a:fillRect/>
+          </a:stretch>
+        </p:blipFill>
+        <p:spPr>
+          <a:xfrm>
+            <a:off x="600762" y="1248047"/>
+            <a:ext cx="10990476" cy="4361905"/>
+          </a:xfrm>
+          <a:prstGeom prst="rect">
+            <a:avLst/>
+          </a:prstGeom>
+        </p:spPr>
+      </p:pic>
     </p:spTree>
     <p:extLst>
       <p:ext uri="{BB962C8B-B14F-4D97-AF65-F5344CB8AC3E}">
-        <p14:creationId xmlns:p14="http://schemas.microsoft.com/office/powerpoint/2010/main" val="3225395119"/>
+        <p14:creationId xmlns:p14="http://schemas.microsoft.com/office/powerpoint/2010/main" val="1949979387"/>
       </p:ext>
     </p:extLst>
   </p:cSld>
@@ -9856,6 +9918,428 @@
 </file>
 
 <file path=ppt/slides/slide37.xml><?xml version="1.0" encoding="utf-8"?>
+<p:sld xmlns:a="http://schemas.openxmlformats.org/drawingml/2006/main" xmlns:r="http://schemas.openxmlformats.org/officeDocument/2006/relationships" xmlns:p="http://schemas.openxmlformats.org/presentationml/2006/main">
+  <p:cSld>
+    <p:spTree>
+      <p:nvGrpSpPr>
+        <p:cNvPr id="1" name="">
+          <a:extLst>
+            <a:ext uri="{FF2B5EF4-FFF2-40B4-BE49-F238E27FC236}">
+              <a16:creationId xmlns:a16="http://schemas.microsoft.com/office/drawing/2014/main" id="{AC5C4B67-4B48-83AB-3639-2C195C584F8C}"/>
+            </a:ext>
+          </a:extLst>
+        </p:cNvPr>
+        <p:cNvGrpSpPr/>
+        <p:nvPr/>
+      </p:nvGrpSpPr>
+      <p:grpSpPr>
+        <a:xfrm>
+          <a:off x="0" y="0"/>
+          <a:ext cx="0" cy="0"/>
+          <a:chOff x="0" y="0"/>
+          <a:chExt cx="0" cy="0"/>
+        </a:xfrm>
+      </p:grpSpPr>
+      <p:cxnSp>
+        <p:nvCxnSpPr>
+          <p:cNvPr id="4" name="直線コネクタ 3">
+            <a:extLst>
+              <a:ext uri="{FF2B5EF4-FFF2-40B4-BE49-F238E27FC236}">
+                <a16:creationId xmlns:a16="http://schemas.microsoft.com/office/drawing/2014/main" id="{DC06991D-23A9-E320-AC46-D5A64EC8A36A}"/>
+              </a:ext>
+            </a:extLst>
+          </p:cNvPr>
+          <p:cNvCxnSpPr/>
+          <p:nvPr/>
+        </p:nvCxnSpPr>
+        <p:spPr>
+          <a:xfrm>
+            <a:off x="228600" y="755374"/>
+            <a:ext cx="11936896" cy="0"/>
+          </a:xfrm>
+          <a:prstGeom prst="line">
+            <a:avLst/>
+          </a:prstGeom>
+        </p:spPr>
+        <p:style>
+          <a:lnRef idx="2">
+            <a:schemeClr val="accent1"/>
+          </a:lnRef>
+          <a:fillRef idx="0">
+            <a:schemeClr val="accent1"/>
+          </a:fillRef>
+          <a:effectRef idx="1">
+            <a:schemeClr val="accent1"/>
+          </a:effectRef>
+          <a:fontRef idx="minor">
+            <a:schemeClr val="tx1"/>
+          </a:fontRef>
+        </p:style>
+      </p:cxnSp>
+      <p:sp>
+        <p:nvSpPr>
+          <p:cNvPr id="5" name="テキスト ボックス 4">
+            <a:extLst>
+              <a:ext uri="{FF2B5EF4-FFF2-40B4-BE49-F238E27FC236}">
+                <a16:creationId xmlns:a16="http://schemas.microsoft.com/office/drawing/2014/main" id="{92337415-9AB0-8859-8D70-21A7548493BB}"/>
+              </a:ext>
+            </a:extLst>
+          </p:cNvPr>
+          <p:cNvSpPr txBox="1"/>
+          <p:nvPr/>
+        </p:nvSpPr>
+        <p:spPr>
+          <a:xfrm>
+            <a:off x="407503" y="198783"/>
+            <a:ext cx="11449879" cy="369332"/>
+          </a:xfrm>
+          <a:prstGeom prst="rect">
+            <a:avLst/>
+          </a:prstGeom>
+          <a:noFill/>
+        </p:spPr>
+        <p:txBody>
+          <a:bodyPr wrap="square" rtlCol="0">
+            <a:spAutoFit/>
+          </a:bodyPr>
+          <a:lstStyle/>
+          <a:p>
+            <a:r>
+              <a:rPr kumimoji="1" lang="ja-JP" altLang="en-US" dirty="0"/>
+              <a:t>展示物の一覧表示：削除</a:t>
+            </a:r>
+          </a:p>
+        </p:txBody>
+      </p:sp>
+      <p:pic>
+        <p:nvPicPr>
+          <p:cNvPr id="8" name="図 7" descr="グラフィカル ユーザー インターフェイス, テキスト, アプリケーション&#10;&#10;AI 生成コンテンツは誤りを含む可能性があります。">
+            <a:extLst>
+              <a:ext uri="{FF2B5EF4-FFF2-40B4-BE49-F238E27FC236}">
+                <a16:creationId xmlns:a16="http://schemas.microsoft.com/office/drawing/2014/main" id="{B1E80ECF-DC27-FB23-4EFE-B1A7BC815E5E}"/>
+              </a:ext>
+            </a:extLst>
+          </p:cNvPr>
+          <p:cNvPicPr>
+            <a:picLocks noChangeAspect="1"/>
+          </p:cNvPicPr>
+          <p:nvPr/>
+        </p:nvPicPr>
+        <p:blipFill>
+          <a:blip r:embed="rId2"/>
+          <a:stretch>
+            <a:fillRect/>
+          </a:stretch>
+        </p:blipFill>
+        <p:spPr>
+          <a:xfrm>
+            <a:off x="600762" y="1248047"/>
+            <a:ext cx="10990476" cy="4361905"/>
+          </a:xfrm>
+          <a:prstGeom prst="rect">
+            <a:avLst/>
+          </a:prstGeom>
+        </p:spPr>
+      </p:pic>
+      <p:sp>
+        <p:nvSpPr>
+          <p:cNvPr id="2" name="楕円 1">
+            <a:extLst>
+              <a:ext uri="{FF2B5EF4-FFF2-40B4-BE49-F238E27FC236}">
+                <a16:creationId xmlns:a16="http://schemas.microsoft.com/office/drawing/2014/main" id="{BAA4C588-8398-C933-978C-AFE6FE01AD6D}"/>
+              </a:ext>
+            </a:extLst>
+          </p:cNvPr>
+          <p:cNvSpPr/>
+          <p:nvPr/>
+        </p:nvSpPr>
+        <p:spPr>
+          <a:xfrm>
+            <a:off x="9044609" y="4502426"/>
+            <a:ext cx="675861" cy="487017"/>
+          </a:xfrm>
+          <a:prstGeom prst="ellipse">
+            <a:avLst/>
+          </a:prstGeom>
+          <a:noFill/>
+          <a:ln>
+            <a:solidFill>
+              <a:srgbClr val="FF0000"/>
+            </a:solidFill>
+          </a:ln>
+        </p:spPr>
+        <p:style>
+          <a:lnRef idx="2">
+            <a:schemeClr val="accent1">
+              <a:shade val="15000"/>
+            </a:schemeClr>
+          </a:lnRef>
+          <a:fillRef idx="1">
+            <a:schemeClr val="accent1"/>
+          </a:fillRef>
+          <a:effectRef idx="0">
+            <a:schemeClr val="accent1"/>
+          </a:effectRef>
+          <a:fontRef idx="minor">
+            <a:schemeClr val="lt1"/>
+          </a:fontRef>
+        </p:style>
+        <p:txBody>
+          <a:bodyPr rtlCol="0" anchor="ctr"/>
+          <a:lstStyle/>
+          <a:p>
+            <a:pPr algn="ctr"/>
+            <a:endParaRPr kumimoji="1" lang="ja-JP" altLang="en-US" sz="1200" dirty="0">
+              <a:solidFill>
+                <a:schemeClr val="tx1"/>
+              </a:solidFill>
+            </a:endParaRPr>
+          </a:p>
+        </p:txBody>
+      </p:sp>
+      <p:sp>
+        <p:nvSpPr>
+          <p:cNvPr id="3" name="テキスト ボックス 2">
+            <a:extLst>
+              <a:ext uri="{FF2B5EF4-FFF2-40B4-BE49-F238E27FC236}">
+                <a16:creationId xmlns:a16="http://schemas.microsoft.com/office/drawing/2014/main" id="{DF8740C3-7ECD-EEF8-07CE-55C22E0D5C47}"/>
+              </a:ext>
+            </a:extLst>
+          </p:cNvPr>
+          <p:cNvSpPr txBox="1"/>
+          <p:nvPr/>
+        </p:nvSpPr>
+        <p:spPr>
+          <a:xfrm>
+            <a:off x="1202635" y="5963478"/>
+            <a:ext cx="8517835" cy="369332"/>
+          </a:xfrm>
+          <a:prstGeom prst="rect">
+            <a:avLst/>
+          </a:prstGeom>
+          <a:noFill/>
+        </p:spPr>
+        <p:txBody>
+          <a:bodyPr wrap="square" rtlCol="0">
+            <a:spAutoFit/>
+          </a:bodyPr>
+          <a:lstStyle/>
+          <a:p>
+            <a:r>
+              <a:rPr kumimoji="1" lang="ja-JP" altLang="en-US" dirty="0"/>
+              <a:t>選択した展示物の削除を行います、削除した展示物はゴミ箱に移動されます</a:t>
+            </a:r>
+          </a:p>
+        </p:txBody>
+      </p:sp>
+    </p:spTree>
+    <p:extLst>
+      <p:ext uri="{BB962C8B-B14F-4D97-AF65-F5344CB8AC3E}">
+        <p14:creationId xmlns:p14="http://schemas.microsoft.com/office/powerpoint/2010/main" val="802693188"/>
+      </p:ext>
+    </p:extLst>
+  </p:cSld>
+  <p:clrMapOvr>
+    <a:masterClrMapping/>
+  </p:clrMapOvr>
+</p:sld>
+</file>
+
+<file path=ppt/slides/slide38.xml><?xml version="1.0" encoding="utf-8"?>
+<p:sld xmlns:a="http://schemas.openxmlformats.org/drawingml/2006/main" xmlns:r="http://schemas.openxmlformats.org/officeDocument/2006/relationships" xmlns:p="http://schemas.openxmlformats.org/presentationml/2006/main">
+  <p:cSld>
+    <p:spTree>
+      <p:nvGrpSpPr>
+        <p:cNvPr id="1" name="">
+          <a:extLst>
+            <a:ext uri="{FF2B5EF4-FFF2-40B4-BE49-F238E27FC236}">
+              <a16:creationId xmlns:a16="http://schemas.microsoft.com/office/drawing/2014/main" id="{27BB6811-A9D4-23F0-0A47-74DC61B6BC54}"/>
+            </a:ext>
+          </a:extLst>
+        </p:cNvPr>
+        <p:cNvGrpSpPr/>
+        <p:nvPr/>
+      </p:nvGrpSpPr>
+      <p:grpSpPr>
+        <a:xfrm>
+          <a:off x="0" y="0"/>
+          <a:ext cx="0" cy="0"/>
+          <a:chOff x="0" y="0"/>
+          <a:chExt cx="0" cy="0"/>
+        </a:xfrm>
+      </p:grpSpPr>
+      <p:cxnSp>
+        <p:nvCxnSpPr>
+          <p:cNvPr id="4" name="直線コネクタ 3">
+            <a:extLst>
+              <a:ext uri="{FF2B5EF4-FFF2-40B4-BE49-F238E27FC236}">
+                <a16:creationId xmlns:a16="http://schemas.microsoft.com/office/drawing/2014/main" id="{5EE880DC-A0A3-0372-CB7B-FEFD60BEBE4B}"/>
+              </a:ext>
+            </a:extLst>
+          </p:cNvPr>
+          <p:cNvCxnSpPr/>
+          <p:nvPr/>
+        </p:nvCxnSpPr>
+        <p:spPr>
+          <a:xfrm>
+            <a:off x="228600" y="755374"/>
+            <a:ext cx="11936896" cy="0"/>
+          </a:xfrm>
+          <a:prstGeom prst="line">
+            <a:avLst/>
+          </a:prstGeom>
+        </p:spPr>
+        <p:style>
+          <a:lnRef idx="2">
+            <a:schemeClr val="accent1"/>
+          </a:lnRef>
+          <a:fillRef idx="0">
+            <a:schemeClr val="accent1"/>
+          </a:fillRef>
+          <a:effectRef idx="1">
+            <a:schemeClr val="accent1"/>
+          </a:effectRef>
+          <a:fontRef idx="minor">
+            <a:schemeClr val="tx1"/>
+          </a:fontRef>
+        </p:style>
+      </p:cxnSp>
+      <p:sp>
+        <p:nvSpPr>
+          <p:cNvPr id="5" name="テキスト ボックス 4">
+            <a:extLst>
+              <a:ext uri="{FF2B5EF4-FFF2-40B4-BE49-F238E27FC236}">
+                <a16:creationId xmlns:a16="http://schemas.microsoft.com/office/drawing/2014/main" id="{357FCAF3-5E07-91F6-EC27-3C628D7CB971}"/>
+              </a:ext>
+            </a:extLst>
+          </p:cNvPr>
+          <p:cNvSpPr txBox="1"/>
+          <p:nvPr/>
+        </p:nvSpPr>
+        <p:spPr>
+          <a:xfrm>
+            <a:off x="407503" y="198783"/>
+            <a:ext cx="11449879" cy="369332"/>
+          </a:xfrm>
+          <a:prstGeom prst="rect">
+            <a:avLst/>
+          </a:prstGeom>
+          <a:noFill/>
+        </p:spPr>
+        <p:txBody>
+          <a:bodyPr wrap="square" rtlCol="0">
+            <a:spAutoFit/>
+          </a:bodyPr>
+          <a:lstStyle/>
+          <a:p>
+            <a:r>
+              <a:rPr kumimoji="1" lang="ja-JP" altLang="en-US" dirty="0"/>
+              <a:t>展示物の一覧表示：ゴミ箱表示</a:t>
+            </a:r>
+          </a:p>
+        </p:txBody>
+      </p:sp>
+      <p:pic>
+        <p:nvPicPr>
+          <p:cNvPr id="7" name="図 6" descr="グラフィカル ユーザー インターフェイス, テキスト, アプリケーション, メール&#10;&#10;AI 生成コンテンツは誤りを含む可能性があります。">
+            <a:extLst>
+              <a:ext uri="{FF2B5EF4-FFF2-40B4-BE49-F238E27FC236}">
+                <a16:creationId xmlns:a16="http://schemas.microsoft.com/office/drawing/2014/main" id="{FDD06B39-DDFA-4C1C-F27E-6B9A060E7F02}"/>
+              </a:ext>
+            </a:extLst>
+          </p:cNvPr>
+          <p:cNvPicPr>
+            <a:picLocks noChangeAspect="1"/>
+          </p:cNvPicPr>
+          <p:nvPr/>
+        </p:nvPicPr>
+        <p:blipFill>
+          <a:blip r:embed="rId2"/>
+          <a:stretch>
+            <a:fillRect/>
+          </a:stretch>
+        </p:blipFill>
+        <p:spPr>
+          <a:xfrm>
+            <a:off x="503833" y="1091205"/>
+            <a:ext cx="10647619" cy="2866667"/>
+          </a:xfrm>
+          <a:prstGeom prst="rect">
+            <a:avLst/>
+          </a:prstGeom>
+        </p:spPr>
+      </p:pic>
+      <p:sp>
+        <p:nvSpPr>
+          <p:cNvPr id="9" name="テキスト ボックス 8">
+            <a:extLst>
+              <a:ext uri="{FF2B5EF4-FFF2-40B4-BE49-F238E27FC236}">
+                <a16:creationId xmlns:a16="http://schemas.microsoft.com/office/drawing/2014/main" id="{BE402A89-D8CB-148B-C4D1-E00130A80AB2}"/>
+              </a:ext>
+            </a:extLst>
+          </p:cNvPr>
+          <p:cNvSpPr txBox="1"/>
+          <p:nvPr/>
+        </p:nvSpPr>
+        <p:spPr>
+          <a:xfrm>
+            <a:off x="854765" y="4581939"/>
+            <a:ext cx="9988826" cy="923330"/>
+          </a:xfrm>
+          <a:prstGeom prst="rect">
+            <a:avLst/>
+          </a:prstGeom>
+          <a:noFill/>
+        </p:spPr>
+        <p:txBody>
+          <a:bodyPr wrap="square" rtlCol="0">
+            <a:spAutoFit/>
+          </a:bodyPr>
+          <a:lstStyle/>
+          <a:p>
+            <a:r>
+              <a:rPr kumimoji="1" lang="ja-JP" altLang="en-US" dirty="0"/>
+              <a:t>ゴミ箱に移動した展示物は</a:t>
+            </a:r>
+            <a:r>
+              <a:rPr kumimoji="1" lang="en-US" altLang="ja-JP" dirty="0"/>
+              <a:t>30</a:t>
+            </a:r>
+            <a:r>
+              <a:rPr kumimoji="1" lang="ja-JP" altLang="en-US" dirty="0"/>
+              <a:t>日で自動削除されます</a:t>
+            </a:r>
+            <a:endParaRPr kumimoji="1" lang="en-US" altLang="ja-JP" dirty="0"/>
+          </a:p>
+          <a:p>
+            <a:r>
+              <a:rPr kumimoji="1" lang="ja-JP" altLang="en-US" dirty="0"/>
+              <a:t>完全削除ボタンを押すと即時削除されます</a:t>
+            </a:r>
+            <a:endParaRPr kumimoji="1" lang="en-US" altLang="ja-JP" dirty="0"/>
+          </a:p>
+          <a:p>
+            <a:r>
+              <a:rPr kumimoji="1" lang="ja-JP" altLang="en-US" dirty="0"/>
+              <a:t>完全に削除される前でしたら、元に戻すボタンで復活できます</a:t>
+            </a:r>
+          </a:p>
+        </p:txBody>
+      </p:sp>
+    </p:spTree>
+    <p:extLst>
+      <p:ext uri="{BB962C8B-B14F-4D97-AF65-F5344CB8AC3E}">
+        <p14:creationId xmlns:p14="http://schemas.microsoft.com/office/powerpoint/2010/main" val="2125539282"/>
+      </p:ext>
+    </p:extLst>
+  </p:cSld>
+  <p:clrMapOvr>
+    <a:masterClrMapping/>
+  </p:clrMapOvr>
+</p:sld>
+</file>
+
+<file path=ppt/slides/slide39.xml><?xml version="1.0" encoding="utf-8"?>
 <p:sld xmlns:a="http://schemas.openxmlformats.org/drawingml/2006/main" xmlns:r="http://schemas.openxmlformats.org/officeDocument/2006/relationships" xmlns:p="http://schemas.openxmlformats.org/presentationml/2006/main">
   <p:cSld>
     <p:spTree>
@@ -9874,6 +10358,929 @@
       </p:grpSpPr>
       <p:sp>
         <p:nvSpPr>
+          <p:cNvPr id="2" name="タイトル 1">
+            <a:extLst>
+              <a:ext uri="{FF2B5EF4-FFF2-40B4-BE49-F238E27FC236}">
+                <a16:creationId xmlns:a16="http://schemas.microsoft.com/office/drawing/2014/main" id="{3C2C01AD-3387-2005-B8C4-00A58FE6D25A}"/>
+              </a:ext>
+            </a:extLst>
+          </p:cNvPr>
+          <p:cNvSpPr>
+            <a:spLocks noGrp="1"/>
+          </p:cNvSpPr>
+          <p:nvPr>
+            <p:ph type="title"/>
+          </p:nvPr>
+        </p:nvSpPr>
+        <p:spPr/>
+        <p:txBody>
+          <a:bodyPr/>
+          <a:lstStyle/>
+          <a:p>
+            <a:endParaRPr kumimoji="1" lang="ja-JP" altLang="en-US"/>
+          </a:p>
+        </p:txBody>
+      </p:sp>
+      <p:sp>
+        <p:nvSpPr>
+          <p:cNvPr id="3" name="コンテンツ プレースホルダー 2">
+            <a:extLst>
+              <a:ext uri="{FF2B5EF4-FFF2-40B4-BE49-F238E27FC236}">
+                <a16:creationId xmlns:a16="http://schemas.microsoft.com/office/drawing/2014/main" id="{941EF71E-6139-E2DF-A54B-E310C7715330}"/>
+              </a:ext>
+            </a:extLst>
+          </p:cNvPr>
+          <p:cNvSpPr>
+            <a:spLocks noGrp="1"/>
+          </p:cNvSpPr>
+          <p:nvPr>
+            <p:ph idx="1"/>
+          </p:nvPr>
+        </p:nvSpPr>
+        <p:spPr/>
+        <p:txBody>
+          <a:bodyPr/>
+          <a:lstStyle/>
+          <a:p>
+            <a:endParaRPr kumimoji="1" lang="ja-JP" altLang="en-US"/>
+          </a:p>
+        </p:txBody>
+      </p:sp>
+    </p:spTree>
+    <p:extLst>
+      <p:ext uri="{BB962C8B-B14F-4D97-AF65-F5344CB8AC3E}">
+        <p14:creationId xmlns:p14="http://schemas.microsoft.com/office/powerpoint/2010/main" val="3225395119"/>
+      </p:ext>
+    </p:extLst>
+  </p:cSld>
+  <p:clrMapOvr>
+    <a:masterClrMapping/>
+  </p:clrMapOvr>
+</p:sld>
+</file>
+
+<file path=ppt/slides/slide4.xml><?xml version="1.0" encoding="utf-8"?>
+<p:sld xmlns:a="http://schemas.openxmlformats.org/drawingml/2006/main" xmlns:r="http://schemas.openxmlformats.org/officeDocument/2006/relationships" xmlns:p="http://schemas.openxmlformats.org/presentationml/2006/main">
+  <p:cSld>
+    <p:spTree>
+      <p:nvGrpSpPr>
+        <p:cNvPr id="1" name="">
+          <a:extLst>
+            <a:ext uri="{FF2B5EF4-FFF2-40B4-BE49-F238E27FC236}">
+              <a16:creationId xmlns:a16="http://schemas.microsoft.com/office/drawing/2014/main" id="{3CCC5F9F-35CD-63BB-0C17-D6F0C79D02CF}"/>
+            </a:ext>
+          </a:extLst>
+        </p:cNvPr>
+        <p:cNvGrpSpPr/>
+        <p:nvPr/>
+      </p:nvGrpSpPr>
+      <p:grpSpPr>
+        <a:xfrm>
+          <a:off x="0" y="0"/>
+          <a:ext cx="0" cy="0"/>
+          <a:chOff x="0" y="0"/>
+          <a:chExt cx="0" cy="0"/>
+        </a:xfrm>
+      </p:grpSpPr>
+      <p:cxnSp>
+        <p:nvCxnSpPr>
+          <p:cNvPr id="4" name="直線コネクタ 3">
+            <a:extLst>
+              <a:ext uri="{FF2B5EF4-FFF2-40B4-BE49-F238E27FC236}">
+                <a16:creationId xmlns:a16="http://schemas.microsoft.com/office/drawing/2014/main" id="{76E1EF0D-0BBC-A313-CB1A-1814C352AD0A}"/>
+              </a:ext>
+            </a:extLst>
+          </p:cNvPr>
+          <p:cNvCxnSpPr/>
+          <p:nvPr/>
+        </p:nvCxnSpPr>
+        <p:spPr>
+          <a:xfrm>
+            <a:off x="228600" y="755374"/>
+            <a:ext cx="11936896" cy="0"/>
+          </a:xfrm>
+          <a:prstGeom prst="line">
+            <a:avLst/>
+          </a:prstGeom>
+        </p:spPr>
+        <p:style>
+          <a:lnRef idx="2">
+            <a:schemeClr val="accent1"/>
+          </a:lnRef>
+          <a:fillRef idx="0">
+            <a:schemeClr val="accent1"/>
+          </a:fillRef>
+          <a:effectRef idx="1">
+            <a:schemeClr val="accent1"/>
+          </a:effectRef>
+          <a:fontRef idx="minor">
+            <a:schemeClr val="tx1"/>
+          </a:fontRef>
+        </p:style>
+      </p:cxnSp>
+      <p:sp>
+        <p:nvSpPr>
+          <p:cNvPr id="5" name="テキスト ボックス 4">
+            <a:extLst>
+              <a:ext uri="{FF2B5EF4-FFF2-40B4-BE49-F238E27FC236}">
+                <a16:creationId xmlns:a16="http://schemas.microsoft.com/office/drawing/2014/main" id="{13BAC101-05AC-6711-8E35-FBD5FD62450A}"/>
+              </a:ext>
+            </a:extLst>
+          </p:cNvPr>
+          <p:cNvSpPr txBox="1"/>
+          <p:nvPr/>
+        </p:nvSpPr>
+        <p:spPr>
+          <a:xfrm>
+            <a:off x="407504" y="198783"/>
+            <a:ext cx="3796748" cy="369332"/>
+          </a:xfrm>
+          <a:prstGeom prst="rect">
+            <a:avLst/>
+          </a:prstGeom>
+          <a:noFill/>
+        </p:spPr>
+        <p:txBody>
+          <a:bodyPr wrap="square" rtlCol="0">
+            <a:spAutoFit/>
+          </a:bodyPr>
+          <a:lstStyle/>
+          <a:p>
+            <a:r>
+              <a:rPr kumimoji="1" lang="en-US" altLang="ja-JP" dirty="0"/>
+              <a:t>QR</a:t>
+            </a:r>
+            <a:r>
+              <a:rPr kumimoji="1" lang="ja-JP" altLang="en-US" dirty="0"/>
+              <a:t>コードリーダから展示物紹介</a:t>
+            </a:r>
+          </a:p>
+        </p:txBody>
+      </p:sp>
+      <p:sp>
+        <p:nvSpPr>
+          <p:cNvPr id="2" name="テキスト ボックス 1">
+            <a:extLst>
+              <a:ext uri="{FF2B5EF4-FFF2-40B4-BE49-F238E27FC236}">
+                <a16:creationId xmlns:a16="http://schemas.microsoft.com/office/drawing/2014/main" id="{AF1B5432-7C5B-D3B3-5264-CCC1A35AFE27}"/>
+              </a:ext>
+            </a:extLst>
+          </p:cNvPr>
+          <p:cNvSpPr txBox="1"/>
+          <p:nvPr/>
+        </p:nvSpPr>
+        <p:spPr>
+          <a:xfrm>
+            <a:off x="556592" y="942634"/>
+            <a:ext cx="1987826" cy="369332"/>
+          </a:xfrm>
+          <a:prstGeom prst="rect">
+            <a:avLst/>
+          </a:prstGeom>
+          <a:noFill/>
+        </p:spPr>
+        <p:txBody>
+          <a:bodyPr wrap="square" rtlCol="0">
+            <a:spAutoFit/>
+          </a:bodyPr>
+          <a:lstStyle/>
+          <a:p>
+            <a:r>
+              <a:rPr kumimoji="1" lang="ja-JP" altLang="en-US" dirty="0"/>
+              <a:t>画面イメージ</a:t>
+            </a:r>
+          </a:p>
+        </p:txBody>
+      </p:sp>
+      <p:pic>
+        <p:nvPicPr>
+          <p:cNvPr id="6" name="図 5" descr="図形, 正方形&#10;&#10;AI 生成コンテンツは誤りを含む可能性があります。">
+            <a:extLst>
+              <a:ext uri="{FF2B5EF4-FFF2-40B4-BE49-F238E27FC236}">
+                <a16:creationId xmlns:a16="http://schemas.microsoft.com/office/drawing/2014/main" id="{9DEC15E6-EB60-2B73-FA84-7FD3500BDC38}"/>
+              </a:ext>
+            </a:extLst>
+          </p:cNvPr>
+          <p:cNvPicPr>
+            <a:picLocks noChangeAspect="1"/>
+          </p:cNvPicPr>
+          <p:nvPr/>
+        </p:nvPicPr>
+        <p:blipFill>
+          <a:blip r:embed="rId2"/>
+          <a:stretch>
+            <a:fillRect/>
+          </a:stretch>
+        </p:blipFill>
+        <p:spPr>
+          <a:xfrm>
+            <a:off x="1397382" y="1274165"/>
+            <a:ext cx="3360695" cy="5385052"/>
+          </a:xfrm>
+          <a:prstGeom prst="rect">
+            <a:avLst/>
+          </a:prstGeom>
+        </p:spPr>
+      </p:pic>
+      <p:sp>
+        <p:nvSpPr>
+          <p:cNvPr id="7" name="テキスト ボックス 6">
+            <a:extLst>
+              <a:ext uri="{FF2B5EF4-FFF2-40B4-BE49-F238E27FC236}">
+                <a16:creationId xmlns:a16="http://schemas.microsoft.com/office/drawing/2014/main" id="{DE65383C-7EC4-89E4-ACD6-D2D67AB2B1CB}"/>
+              </a:ext>
+            </a:extLst>
+          </p:cNvPr>
+          <p:cNvSpPr txBox="1"/>
+          <p:nvPr/>
+        </p:nvSpPr>
+        <p:spPr>
+          <a:xfrm>
+            <a:off x="1550505" y="1908313"/>
+            <a:ext cx="3399122" cy="369332"/>
+          </a:xfrm>
+          <a:prstGeom prst="rect">
+            <a:avLst/>
+          </a:prstGeom>
+          <a:noFill/>
+        </p:spPr>
+        <p:txBody>
+          <a:bodyPr wrap="square" rtlCol="0">
+            <a:spAutoFit/>
+          </a:bodyPr>
+          <a:lstStyle/>
+          <a:p>
+            <a:r>
+              <a:rPr kumimoji="1" lang="en-US" altLang="ja-JP" b="1" dirty="0"/>
+              <a:t>QR</a:t>
+            </a:r>
+            <a:r>
+              <a:rPr kumimoji="1" lang="ja-JP" altLang="en-US" b="1" dirty="0"/>
+              <a:t>コードを読んでください</a:t>
+            </a:r>
+          </a:p>
+        </p:txBody>
+      </p:sp>
+      <p:pic>
+        <p:nvPicPr>
+          <p:cNvPr id="9" name="図 8">
+            <a:extLst>
+              <a:ext uri="{FF2B5EF4-FFF2-40B4-BE49-F238E27FC236}">
+                <a16:creationId xmlns:a16="http://schemas.microsoft.com/office/drawing/2014/main" id="{DA1C2295-C173-0F80-A332-C75CF2373036}"/>
+              </a:ext>
+            </a:extLst>
+          </p:cNvPr>
+          <p:cNvPicPr>
+            <a:picLocks noChangeAspect="1"/>
+          </p:cNvPicPr>
+          <p:nvPr/>
+        </p:nvPicPr>
+        <p:blipFill>
+          <a:blip r:embed="rId3"/>
+          <a:stretch>
+            <a:fillRect/>
+          </a:stretch>
+        </p:blipFill>
+        <p:spPr>
+          <a:xfrm>
+            <a:off x="2027066" y="2719716"/>
+            <a:ext cx="1978403" cy="1860640"/>
+          </a:xfrm>
+          <a:prstGeom prst="rect">
+            <a:avLst/>
+          </a:prstGeom>
+        </p:spPr>
+      </p:pic>
+      <p:pic>
+        <p:nvPicPr>
+          <p:cNvPr id="21" name="図 20" descr="図形, 正方形&#10;&#10;AI 生成コンテンツは誤りを含む可能性があります。">
+            <a:extLst>
+              <a:ext uri="{FF2B5EF4-FFF2-40B4-BE49-F238E27FC236}">
+                <a16:creationId xmlns:a16="http://schemas.microsoft.com/office/drawing/2014/main" id="{39B75BAD-1936-9281-BCAA-B50904FA8961}"/>
+              </a:ext>
+            </a:extLst>
+          </p:cNvPr>
+          <p:cNvPicPr>
+            <a:picLocks noChangeAspect="1"/>
+          </p:cNvPicPr>
+          <p:nvPr/>
+        </p:nvPicPr>
+        <p:blipFill>
+          <a:blip r:embed="rId2"/>
+          <a:stretch>
+            <a:fillRect/>
+          </a:stretch>
+        </p:blipFill>
+        <p:spPr>
+          <a:xfrm>
+            <a:off x="6588922" y="1105199"/>
+            <a:ext cx="3399123" cy="5446627"/>
+          </a:xfrm>
+          <a:prstGeom prst="rect">
+            <a:avLst/>
+          </a:prstGeom>
+        </p:spPr>
+      </p:pic>
+      <p:pic>
+        <p:nvPicPr>
+          <p:cNvPr id="23" name="図 22" descr="テーブル, 座る, ベッド, 横たわる が含まれている画像&#10;&#10;AI 生成コンテンツは誤りを含む可能性があります。">
+            <a:extLst>
+              <a:ext uri="{FF2B5EF4-FFF2-40B4-BE49-F238E27FC236}">
+                <a16:creationId xmlns:a16="http://schemas.microsoft.com/office/drawing/2014/main" id="{4C69D530-DF1B-4D97-200B-228B1799876B}"/>
+              </a:ext>
+            </a:extLst>
+          </p:cNvPr>
+          <p:cNvPicPr>
+            <a:picLocks noChangeAspect="1"/>
+          </p:cNvPicPr>
+          <p:nvPr/>
+        </p:nvPicPr>
+        <p:blipFill>
+          <a:blip r:embed="rId4"/>
+          <a:stretch>
+            <a:fillRect/>
+          </a:stretch>
+        </p:blipFill>
+        <p:spPr>
+          <a:xfrm>
+            <a:off x="7051137" y="1979610"/>
+            <a:ext cx="2232562" cy="2669962"/>
+          </a:xfrm>
+          <a:prstGeom prst="rect">
+            <a:avLst/>
+          </a:prstGeom>
+        </p:spPr>
+      </p:pic>
+      <p:sp>
+        <p:nvSpPr>
+          <p:cNvPr id="24" name="テキスト ボックス 23">
+            <a:extLst>
+              <a:ext uri="{FF2B5EF4-FFF2-40B4-BE49-F238E27FC236}">
+                <a16:creationId xmlns:a16="http://schemas.microsoft.com/office/drawing/2014/main" id="{59BCA050-EFD7-369D-2565-BD4F1F03F502}"/>
+              </a:ext>
+            </a:extLst>
+          </p:cNvPr>
+          <p:cNvSpPr txBox="1"/>
+          <p:nvPr/>
+        </p:nvSpPr>
+        <p:spPr>
+          <a:xfrm>
+            <a:off x="7589076" y="5098787"/>
+            <a:ext cx="2232562" cy="369332"/>
+          </a:xfrm>
+          <a:prstGeom prst="rect">
+            <a:avLst/>
+          </a:prstGeom>
+          <a:noFill/>
+        </p:spPr>
+        <p:txBody>
+          <a:bodyPr wrap="square" rtlCol="0">
+            <a:spAutoFit/>
+          </a:bodyPr>
+          <a:lstStyle/>
+          <a:p>
+            <a:r>
+              <a:rPr kumimoji="1" lang="ja-JP" altLang="en-US" dirty="0"/>
+              <a:t>説明文</a:t>
+            </a:r>
+          </a:p>
+        </p:txBody>
+      </p:sp>
+      <p:sp>
+        <p:nvSpPr>
+          <p:cNvPr id="26" name="テキスト ボックス 25">
+            <a:extLst>
+              <a:ext uri="{FF2B5EF4-FFF2-40B4-BE49-F238E27FC236}">
+                <a16:creationId xmlns:a16="http://schemas.microsoft.com/office/drawing/2014/main" id="{BFDCC9AA-7B59-08A1-5ADF-33AECEF9CAEE}"/>
+              </a:ext>
+            </a:extLst>
+          </p:cNvPr>
+          <p:cNvSpPr txBox="1"/>
+          <p:nvPr/>
+        </p:nvSpPr>
+        <p:spPr>
+          <a:xfrm>
+            <a:off x="8542844" y="4649572"/>
+            <a:ext cx="735495" cy="369332"/>
+          </a:xfrm>
+          <a:prstGeom prst="rect">
+            <a:avLst/>
+          </a:prstGeom>
+          <a:solidFill>
+            <a:schemeClr val="bg2"/>
+          </a:solidFill>
+          <a:ln>
+            <a:solidFill>
+              <a:schemeClr val="accent1"/>
+            </a:solidFill>
+          </a:ln>
+        </p:spPr>
+        <p:txBody>
+          <a:bodyPr wrap="square" rtlCol="0">
+            <a:spAutoFit/>
+          </a:bodyPr>
+          <a:lstStyle/>
+          <a:p>
+            <a:r>
+              <a:rPr kumimoji="1" lang="ja-JP" altLang="en-US" dirty="0">
+                <a:ln>
+                  <a:solidFill>
+                    <a:schemeClr val="accent1"/>
+                  </a:solidFill>
+                </a:ln>
+              </a:rPr>
+              <a:t>音声</a:t>
+            </a:r>
+          </a:p>
+        </p:txBody>
+      </p:sp>
+      <p:sp>
+        <p:nvSpPr>
+          <p:cNvPr id="27" name="吹き出し: 四角形 26">
+            <a:extLst>
+              <a:ext uri="{FF2B5EF4-FFF2-40B4-BE49-F238E27FC236}">
+                <a16:creationId xmlns:a16="http://schemas.microsoft.com/office/drawing/2014/main" id="{0841179F-A73D-D7A0-5850-570278C83C5F}"/>
+              </a:ext>
+            </a:extLst>
+          </p:cNvPr>
+          <p:cNvSpPr/>
+          <p:nvPr/>
+        </p:nvSpPr>
+        <p:spPr>
+          <a:xfrm>
+            <a:off x="10367064" y="3406418"/>
+            <a:ext cx="1401418" cy="677651"/>
+          </a:xfrm>
+          <a:prstGeom prst="wedgeRectCallout">
+            <a:avLst>
+              <a:gd name="adj1" fmla="val -110515"/>
+              <a:gd name="adj2" fmla="val 154902"/>
+            </a:avLst>
+          </a:prstGeom>
+          <a:noFill/>
+        </p:spPr>
+        <p:style>
+          <a:lnRef idx="2">
+            <a:schemeClr val="accent1">
+              <a:shade val="15000"/>
+            </a:schemeClr>
+          </a:lnRef>
+          <a:fillRef idx="1">
+            <a:schemeClr val="accent1"/>
+          </a:fillRef>
+          <a:effectRef idx="0">
+            <a:schemeClr val="accent1"/>
+          </a:effectRef>
+          <a:fontRef idx="minor">
+            <a:schemeClr val="lt1"/>
+          </a:fontRef>
+        </p:style>
+        <p:txBody>
+          <a:bodyPr rtlCol="0" anchor="ctr"/>
+          <a:lstStyle/>
+          <a:p>
+            <a:pPr algn="ctr"/>
+            <a:r>
+              <a:rPr kumimoji="1" lang="ja-JP" altLang="en-US" dirty="0">
+                <a:solidFill>
+                  <a:schemeClr val="tx1"/>
+                </a:solidFill>
+              </a:rPr>
+              <a:t>音声再生</a:t>
+            </a:r>
+          </a:p>
+        </p:txBody>
+      </p:sp>
+      <p:sp>
+        <p:nvSpPr>
+          <p:cNvPr id="29" name="正方形/長方形 28">
+            <a:extLst>
+              <a:ext uri="{FF2B5EF4-FFF2-40B4-BE49-F238E27FC236}">
+                <a16:creationId xmlns:a16="http://schemas.microsoft.com/office/drawing/2014/main" id="{DD0A2E3E-26E1-0F27-8377-36D5965EA359}"/>
+              </a:ext>
+            </a:extLst>
+          </p:cNvPr>
+          <p:cNvSpPr/>
+          <p:nvPr/>
+        </p:nvSpPr>
+        <p:spPr>
+          <a:xfrm>
+            <a:off x="7141267" y="5818569"/>
+            <a:ext cx="1108602" cy="369332"/>
+          </a:xfrm>
+          <a:prstGeom prst="rect">
+            <a:avLst/>
+          </a:prstGeom>
+          <a:noFill/>
+        </p:spPr>
+        <p:style>
+          <a:lnRef idx="2">
+            <a:schemeClr val="accent1">
+              <a:shade val="15000"/>
+            </a:schemeClr>
+          </a:lnRef>
+          <a:fillRef idx="1">
+            <a:schemeClr val="accent1"/>
+          </a:fillRef>
+          <a:effectRef idx="0">
+            <a:schemeClr val="accent1"/>
+          </a:effectRef>
+          <a:fontRef idx="minor">
+            <a:schemeClr val="lt1"/>
+          </a:fontRef>
+        </p:style>
+        <p:txBody>
+          <a:bodyPr rtlCol="0" anchor="ctr"/>
+          <a:lstStyle/>
+          <a:p>
+            <a:pPr algn="ctr"/>
+            <a:r>
+              <a:rPr kumimoji="1" lang="ja-JP" altLang="en-US" dirty="0">
+                <a:solidFill>
+                  <a:schemeClr val="tx1"/>
+                </a:solidFill>
+              </a:rPr>
+              <a:t>戻る</a:t>
+            </a:r>
+          </a:p>
+        </p:txBody>
+      </p:sp>
+      <p:cxnSp>
+        <p:nvCxnSpPr>
+          <p:cNvPr id="32" name="直線矢印コネクタ 31">
+            <a:extLst>
+              <a:ext uri="{FF2B5EF4-FFF2-40B4-BE49-F238E27FC236}">
+                <a16:creationId xmlns:a16="http://schemas.microsoft.com/office/drawing/2014/main" id="{9140CC7F-E329-E2D4-E91F-6249AD989646}"/>
+              </a:ext>
+            </a:extLst>
+          </p:cNvPr>
+          <p:cNvCxnSpPr>
+            <a:stCxn id="6" idx="3"/>
+            <a:endCxn id="21" idx="1"/>
+          </p:cNvCxnSpPr>
+          <p:nvPr/>
+        </p:nvCxnSpPr>
+        <p:spPr>
+          <a:xfrm flipV="1">
+            <a:off x="4758077" y="3828513"/>
+            <a:ext cx="1830845" cy="138178"/>
+          </a:xfrm>
+          <a:prstGeom prst="straightConnector1">
+            <a:avLst/>
+          </a:prstGeom>
+          <a:ln>
+            <a:tailEnd type="triangle"/>
+          </a:ln>
+        </p:spPr>
+        <p:style>
+          <a:lnRef idx="2">
+            <a:schemeClr val="accent1"/>
+          </a:lnRef>
+          <a:fillRef idx="0">
+            <a:schemeClr val="accent1"/>
+          </a:fillRef>
+          <a:effectRef idx="1">
+            <a:schemeClr val="accent1"/>
+          </a:effectRef>
+          <a:fontRef idx="minor">
+            <a:schemeClr val="tx1"/>
+          </a:fontRef>
+        </p:style>
+      </p:cxnSp>
+      <p:cxnSp>
+        <p:nvCxnSpPr>
+          <p:cNvPr id="33" name="直線矢印コネクタ 32">
+            <a:extLst>
+              <a:ext uri="{FF2B5EF4-FFF2-40B4-BE49-F238E27FC236}">
+                <a16:creationId xmlns:a16="http://schemas.microsoft.com/office/drawing/2014/main" id="{51AAC775-F688-A2A2-8DC6-0012ABBC585A}"/>
+              </a:ext>
+            </a:extLst>
+          </p:cNvPr>
+          <p:cNvCxnSpPr>
+            <a:cxnSpLocks/>
+          </p:cNvCxnSpPr>
+          <p:nvPr/>
+        </p:nvCxnSpPr>
+        <p:spPr>
+          <a:xfrm flipH="1">
+            <a:off x="4808485" y="6003235"/>
+            <a:ext cx="2332782" cy="0"/>
+          </a:xfrm>
+          <a:prstGeom prst="straightConnector1">
+            <a:avLst/>
+          </a:prstGeom>
+          <a:ln>
+            <a:tailEnd type="triangle"/>
+          </a:ln>
+        </p:spPr>
+        <p:style>
+          <a:lnRef idx="2">
+            <a:schemeClr val="accent1"/>
+          </a:lnRef>
+          <a:fillRef idx="0">
+            <a:schemeClr val="accent1"/>
+          </a:fillRef>
+          <a:effectRef idx="1">
+            <a:schemeClr val="accent1"/>
+          </a:effectRef>
+          <a:fontRef idx="minor">
+            <a:schemeClr val="tx1"/>
+          </a:fontRef>
+        </p:style>
+      </p:cxnSp>
+      <p:sp>
+        <p:nvSpPr>
+          <p:cNvPr id="36" name="正方形/長方形 35">
+            <a:extLst>
+              <a:ext uri="{FF2B5EF4-FFF2-40B4-BE49-F238E27FC236}">
+                <a16:creationId xmlns:a16="http://schemas.microsoft.com/office/drawing/2014/main" id="{61BADCF7-0A54-B2F9-D155-449E7B72FB8F}"/>
+              </a:ext>
+            </a:extLst>
+          </p:cNvPr>
+          <p:cNvSpPr/>
+          <p:nvPr/>
+        </p:nvSpPr>
+        <p:spPr>
+          <a:xfrm>
+            <a:off x="1907665" y="5915366"/>
+            <a:ext cx="2097804" cy="369332"/>
+          </a:xfrm>
+          <a:prstGeom prst="rect">
+            <a:avLst/>
+          </a:prstGeom>
+          <a:noFill/>
+        </p:spPr>
+        <p:style>
+          <a:lnRef idx="2">
+            <a:schemeClr val="accent1">
+              <a:shade val="15000"/>
+            </a:schemeClr>
+          </a:lnRef>
+          <a:fillRef idx="1">
+            <a:schemeClr val="accent1"/>
+          </a:fillRef>
+          <a:effectRef idx="0">
+            <a:schemeClr val="accent1"/>
+          </a:effectRef>
+          <a:fontRef idx="minor">
+            <a:schemeClr val="lt1"/>
+          </a:fontRef>
+        </p:style>
+        <p:txBody>
+          <a:bodyPr rtlCol="0" anchor="ctr"/>
+          <a:lstStyle/>
+          <a:p>
+            <a:pPr algn="ctr"/>
+            <a:r>
+              <a:rPr kumimoji="1" lang="ja-JP" altLang="en-US" dirty="0">
+                <a:solidFill>
+                  <a:schemeClr val="tx1"/>
+                </a:solidFill>
+              </a:rPr>
+              <a:t>トップ画面に戻る</a:t>
+            </a:r>
+          </a:p>
+        </p:txBody>
+      </p:sp>
+      <p:sp>
+        <p:nvSpPr>
+          <p:cNvPr id="3" name="テキスト ボックス 2">
+            <a:extLst>
+              <a:ext uri="{FF2B5EF4-FFF2-40B4-BE49-F238E27FC236}">
+                <a16:creationId xmlns:a16="http://schemas.microsoft.com/office/drawing/2014/main" id="{D93EAE48-9704-20BE-2E00-EBF26D19A263}"/>
+              </a:ext>
+            </a:extLst>
+          </p:cNvPr>
+          <p:cNvSpPr txBox="1"/>
+          <p:nvPr/>
+        </p:nvSpPr>
+        <p:spPr>
+          <a:xfrm>
+            <a:off x="6967330" y="1520687"/>
+            <a:ext cx="2494722" cy="369332"/>
+          </a:xfrm>
+          <a:prstGeom prst="rect">
+            <a:avLst/>
+          </a:prstGeom>
+          <a:noFill/>
+        </p:spPr>
+        <p:txBody>
+          <a:bodyPr wrap="square" rtlCol="0">
+            <a:spAutoFit/>
+          </a:bodyPr>
+          <a:lstStyle/>
+          <a:p>
+            <a:r>
+              <a:rPr kumimoji="1" lang="ja-JP" altLang="en-US" dirty="0"/>
+              <a:t>タイトル</a:t>
+            </a:r>
+          </a:p>
+        </p:txBody>
+      </p:sp>
+    </p:spTree>
+    <p:extLst>
+      <p:ext uri="{BB962C8B-B14F-4D97-AF65-F5344CB8AC3E}">
+        <p14:creationId xmlns:p14="http://schemas.microsoft.com/office/powerpoint/2010/main" val="1991612794"/>
+      </p:ext>
+    </p:extLst>
+  </p:cSld>
+  <p:clrMapOvr>
+    <a:masterClrMapping/>
+  </p:clrMapOvr>
+</p:sld>
+</file>
+
+<file path=ppt/slides/slide40.xml><?xml version="1.0" encoding="utf-8"?>
+<p:sld xmlns:a="http://schemas.openxmlformats.org/drawingml/2006/main" xmlns:r="http://schemas.openxmlformats.org/officeDocument/2006/relationships" xmlns:p="http://schemas.openxmlformats.org/presentationml/2006/main">
+  <p:cSld>
+    <p:spTree>
+      <p:nvGrpSpPr>
+        <p:cNvPr id="1" name="">
+          <a:extLst>
+            <a:ext uri="{FF2B5EF4-FFF2-40B4-BE49-F238E27FC236}">
+              <a16:creationId xmlns:a16="http://schemas.microsoft.com/office/drawing/2014/main" id="{91AB037F-9221-13C5-9B9A-693FC1B8FF1F}"/>
+            </a:ext>
+          </a:extLst>
+        </p:cNvPr>
+        <p:cNvGrpSpPr/>
+        <p:nvPr/>
+      </p:nvGrpSpPr>
+      <p:grpSpPr>
+        <a:xfrm>
+          <a:off x="0" y="0"/>
+          <a:ext cx="0" cy="0"/>
+          <a:chOff x="0" y="0"/>
+          <a:chExt cx="0" cy="0"/>
+        </a:xfrm>
+      </p:grpSpPr>
+      <p:sp>
+        <p:nvSpPr>
+          <p:cNvPr id="2" name="タイトル 1">
+            <a:extLst>
+              <a:ext uri="{FF2B5EF4-FFF2-40B4-BE49-F238E27FC236}">
+                <a16:creationId xmlns:a16="http://schemas.microsoft.com/office/drawing/2014/main" id="{6FED87BD-3BA3-760F-9DE0-55256B1D8E3F}"/>
+              </a:ext>
+            </a:extLst>
+          </p:cNvPr>
+          <p:cNvSpPr>
+            <a:spLocks noGrp="1"/>
+          </p:cNvSpPr>
+          <p:nvPr>
+            <p:ph type="title"/>
+          </p:nvPr>
+        </p:nvSpPr>
+        <p:spPr/>
+        <p:txBody>
+          <a:bodyPr/>
+          <a:lstStyle/>
+          <a:p>
+            <a:endParaRPr kumimoji="1" lang="ja-JP" altLang="en-US"/>
+          </a:p>
+        </p:txBody>
+      </p:sp>
+      <p:sp>
+        <p:nvSpPr>
+          <p:cNvPr id="3" name="コンテンツ プレースホルダー 2">
+            <a:extLst>
+              <a:ext uri="{FF2B5EF4-FFF2-40B4-BE49-F238E27FC236}">
+                <a16:creationId xmlns:a16="http://schemas.microsoft.com/office/drawing/2014/main" id="{1B13CC73-AC18-E008-D9BC-DEF72D6A2826}"/>
+              </a:ext>
+            </a:extLst>
+          </p:cNvPr>
+          <p:cNvSpPr>
+            <a:spLocks noGrp="1"/>
+          </p:cNvSpPr>
+          <p:nvPr>
+            <p:ph idx="1"/>
+          </p:nvPr>
+        </p:nvSpPr>
+        <p:spPr/>
+        <p:txBody>
+          <a:bodyPr/>
+          <a:lstStyle/>
+          <a:p>
+            <a:endParaRPr kumimoji="1" lang="ja-JP" altLang="en-US"/>
+          </a:p>
+        </p:txBody>
+      </p:sp>
+    </p:spTree>
+    <p:extLst>
+      <p:ext uri="{BB962C8B-B14F-4D97-AF65-F5344CB8AC3E}">
+        <p14:creationId xmlns:p14="http://schemas.microsoft.com/office/powerpoint/2010/main" val="1376480988"/>
+      </p:ext>
+    </p:extLst>
+  </p:cSld>
+  <p:clrMapOvr>
+    <a:masterClrMapping/>
+  </p:clrMapOvr>
+</p:sld>
+</file>
+
+<file path=ppt/slides/slide41.xml><?xml version="1.0" encoding="utf-8"?>
+<p:sld xmlns:a="http://schemas.openxmlformats.org/drawingml/2006/main" xmlns:r="http://schemas.openxmlformats.org/officeDocument/2006/relationships" xmlns:p="http://schemas.openxmlformats.org/presentationml/2006/main">
+  <p:cSld>
+    <p:spTree>
+      <p:nvGrpSpPr>
+        <p:cNvPr id="1" name="">
+          <a:extLst>
+            <a:ext uri="{FF2B5EF4-FFF2-40B4-BE49-F238E27FC236}">
+              <a16:creationId xmlns:a16="http://schemas.microsoft.com/office/drawing/2014/main" id="{BE61A229-D110-66BE-C027-285367C8008E}"/>
+            </a:ext>
+          </a:extLst>
+        </p:cNvPr>
+        <p:cNvGrpSpPr/>
+        <p:nvPr/>
+      </p:nvGrpSpPr>
+      <p:grpSpPr>
+        <a:xfrm>
+          <a:off x="0" y="0"/>
+          <a:ext cx="0" cy="0"/>
+          <a:chOff x="0" y="0"/>
+          <a:chExt cx="0" cy="0"/>
+        </a:xfrm>
+      </p:grpSpPr>
+      <p:sp>
+        <p:nvSpPr>
+          <p:cNvPr id="2" name="タイトル 1">
+            <a:extLst>
+              <a:ext uri="{FF2B5EF4-FFF2-40B4-BE49-F238E27FC236}">
+                <a16:creationId xmlns:a16="http://schemas.microsoft.com/office/drawing/2014/main" id="{19247574-D7D6-34BB-4BFE-A1D0581A95B7}"/>
+              </a:ext>
+            </a:extLst>
+          </p:cNvPr>
+          <p:cNvSpPr>
+            <a:spLocks noGrp="1"/>
+          </p:cNvSpPr>
+          <p:nvPr>
+            <p:ph type="title"/>
+          </p:nvPr>
+        </p:nvSpPr>
+        <p:spPr/>
+        <p:txBody>
+          <a:bodyPr/>
+          <a:lstStyle/>
+          <a:p>
+            <a:endParaRPr kumimoji="1" lang="ja-JP" altLang="en-US"/>
+          </a:p>
+        </p:txBody>
+      </p:sp>
+      <p:sp>
+        <p:nvSpPr>
+          <p:cNvPr id="3" name="コンテンツ プレースホルダー 2">
+            <a:extLst>
+              <a:ext uri="{FF2B5EF4-FFF2-40B4-BE49-F238E27FC236}">
+                <a16:creationId xmlns:a16="http://schemas.microsoft.com/office/drawing/2014/main" id="{11C4761D-21AC-C222-BACD-15AE2F49DB0F}"/>
+              </a:ext>
+            </a:extLst>
+          </p:cNvPr>
+          <p:cNvSpPr>
+            <a:spLocks noGrp="1"/>
+          </p:cNvSpPr>
+          <p:nvPr>
+            <p:ph idx="1"/>
+          </p:nvPr>
+        </p:nvSpPr>
+        <p:spPr/>
+        <p:txBody>
+          <a:bodyPr/>
+          <a:lstStyle/>
+          <a:p>
+            <a:endParaRPr kumimoji="1" lang="ja-JP" altLang="en-US"/>
+          </a:p>
+        </p:txBody>
+      </p:sp>
+    </p:spTree>
+    <p:extLst>
+      <p:ext uri="{BB962C8B-B14F-4D97-AF65-F5344CB8AC3E}">
+        <p14:creationId xmlns:p14="http://schemas.microsoft.com/office/powerpoint/2010/main" val="2016540611"/>
+      </p:ext>
+    </p:extLst>
+  </p:cSld>
+  <p:clrMapOvr>
+    <a:masterClrMapping/>
+  </p:clrMapOvr>
+</p:sld>
+</file>
+
+<file path=ppt/slides/slide42.xml><?xml version="1.0" encoding="utf-8"?>
+<p:sld xmlns:a="http://schemas.openxmlformats.org/drawingml/2006/main" xmlns:r="http://schemas.openxmlformats.org/officeDocument/2006/relationships" xmlns:p="http://schemas.openxmlformats.org/presentationml/2006/main">
+  <p:cSld>
+    <p:spTree>
+      <p:nvGrpSpPr>
+        <p:cNvPr id="1" name=""/>
+        <p:cNvGrpSpPr/>
+        <p:nvPr/>
+      </p:nvGrpSpPr>
+      <p:grpSpPr>
+        <a:xfrm>
+          <a:off x="0" y="0"/>
+          <a:ext cx="0" cy="0"/>
+          <a:chOff x="0" y="0"/>
+          <a:chExt cx="0" cy="0"/>
+        </a:xfrm>
+      </p:grpSpPr>
+      <p:sp>
+        <p:nvSpPr>
           <p:cNvPr id="2" name="テキスト ボックス 1">
             <a:extLst>
               <a:ext uri="{FF2B5EF4-FFF2-40B4-BE49-F238E27FC236}">
@@ -9925,7 +11332,7 @@
 </p:sld>
 </file>
 
-<file path=ppt/slides/slide38.xml><?xml version="1.0" encoding="utf-8"?>
+<file path=ppt/slides/slide43.xml><?xml version="1.0" encoding="utf-8"?>
 <p:sld xmlns:a="http://schemas.openxmlformats.org/drawingml/2006/main" xmlns:r="http://schemas.openxmlformats.org/officeDocument/2006/relationships" xmlns:p="http://schemas.openxmlformats.org/presentationml/2006/main">
   <p:cSld>
     <p:spTree>
@@ -10567,7 +11974,7 @@
 </p:sld>
 </file>
 
-<file path=ppt/slides/slide39.xml><?xml version="1.0" encoding="utf-8"?>
+<file path=ppt/slides/slide44.xml><?xml version="1.0" encoding="utf-8"?>
 <p:sld xmlns:a="http://schemas.openxmlformats.org/drawingml/2006/main" xmlns:r="http://schemas.openxmlformats.org/officeDocument/2006/relationships" xmlns:p="http://schemas.openxmlformats.org/presentationml/2006/main">
   <p:cSld>
     <p:spTree>
@@ -11287,678 +12694,7 @@
 </p:sld>
 </file>
 
-<file path=ppt/slides/slide4.xml><?xml version="1.0" encoding="utf-8"?>
-<p:sld xmlns:a="http://schemas.openxmlformats.org/drawingml/2006/main" xmlns:r="http://schemas.openxmlformats.org/officeDocument/2006/relationships" xmlns:p="http://schemas.openxmlformats.org/presentationml/2006/main">
-  <p:cSld>
-    <p:spTree>
-      <p:nvGrpSpPr>
-        <p:cNvPr id="1" name="">
-          <a:extLst>
-            <a:ext uri="{FF2B5EF4-FFF2-40B4-BE49-F238E27FC236}">
-              <a16:creationId xmlns:a16="http://schemas.microsoft.com/office/drawing/2014/main" id="{3CCC5F9F-35CD-63BB-0C17-D6F0C79D02CF}"/>
-            </a:ext>
-          </a:extLst>
-        </p:cNvPr>
-        <p:cNvGrpSpPr/>
-        <p:nvPr/>
-      </p:nvGrpSpPr>
-      <p:grpSpPr>
-        <a:xfrm>
-          <a:off x="0" y="0"/>
-          <a:ext cx="0" cy="0"/>
-          <a:chOff x="0" y="0"/>
-          <a:chExt cx="0" cy="0"/>
-        </a:xfrm>
-      </p:grpSpPr>
-      <p:cxnSp>
-        <p:nvCxnSpPr>
-          <p:cNvPr id="4" name="直線コネクタ 3">
-            <a:extLst>
-              <a:ext uri="{FF2B5EF4-FFF2-40B4-BE49-F238E27FC236}">
-                <a16:creationId xmlns:a16="http://schemas.microsoft.com/office/drawing/2014/main" id="{76E1EF0D-0BBC-A313-CB1A-1814C352AD0A}"/>
-              </a:ext>
-            </a:extLst>
-          </p:cNvPr>
-          <p:cNvCxnSpPr/>
-          <p:nvPr/>
-        </p:nvCxnSpPr>
-        <p:spPr>
-          <a:xfrm>
-            <a:off x="228600" y="755374"/>
-            <a:ext cx="11936896" cy="0"/>
-          </a:xfrm>
-          <a:prstGeom prst="line">
-            <a:avLst/>
-          </a:prstGeom>
-        </p:spPr>
-        <p:style>
-          <a:lnRef idx="2">
-            <a:schemeClr val="accent1"/>
-          </a:lnRef>
-          <a:fillRef idx="0">
-            <a:schemeClr val="accent1"/>
-          </a:fillRef>
-          <a:effectRef idx="1">
-            <a:schemeClr val="accent1"/>
-          </a:effectRef>
-          <a:fontRef idx="minor">
-            <a:schemeClr val="tx1"/>
-          </a:fontRef>
-        </p:style>
-      </p:cxnSp>
-      <p:sp>
-        <p:nvSpPr>
-          <p:cNvPr id="5" name="テキスト ボックス 4">
-            <a:extLst>
-              <a:ext uri="{FF2B5EF4-FFF2-40B4-BE49-F238E27FC236}">
-                <a16:creationId xmlns:a16="http://schemas.microsoft.com/office/drawing/2014/main" id="{13BAC101-05AC-6711-8E35-FBD5FD62450A}"/>
-              </a:ext>
-            </a:extLst>
-          </p:cNvPr>
-          <p:cNvSpPr txBox="1"/>
-          <p:nvPr/>
-        </p:nvSpPr>
-        <p:spPr>
-          <a:xfrm>
-            <a:off x="407504" y="198783"/>
-            <a:ext cx="3796748" cy="369332"/>
-          </a:xfrm>
-          <a:prstGeom prst="rect">
-            <a:avLst/>
-          </a:prstGeom>
-          <a:noFill/>
-        </p:spPr>
-        <p:txBody>
-          <a:bodyPr wrap="square" rtlCol="0">
-            <a:spAutoFit/>
-          </a:bodyPr>
-          <a:lstStyle/>
-          <a:p>
-            <a:r>
-              <a:rPr kumimoji="1" lang="en-US" altLang="ja-JP" dirty="0"/>
-              <a:t>QR</a:t>
-            </a:r>
-            <a:r>
-              <a:rPr kumimoji="1" lang="ja-JP" altLang="en-US" dirty="0"/>
-              <a:t>コードリーダから展示物紹介</a:t>
-            </a:r>
-          </a:p>
-        </p:txBody>
-      </p:sp>
-      <p:sp>
-        <p:nvSpPr>
-          <p:cNvPr id="2" name="テキスト ボックス 1">
-            <a:extLst>
-              <a:ext uri="{FF2B5EF4-FFF2-40B4-BE49-F238E27FC236}">
-                <a16:creationId xmlns:a16="http://schemas.microsoft.com/office/drawing/2014/main" id="{AF1B5432-7C5B-D3B3-5264-CCC1A35AFE27}"/>
-              </a:ext>
-            </a:extLst>
-          </p:cNvPr>
-          <p:cNvSpPr txBox="1"/>
-          <p:nvPr/>
-        </p:nvSpPr>
-        <p:spPr>
-          <a:xfrm>
-            <a:off x="556592" y="942634"/>
-            <a:ext cx="1987826" cy="369332"/>
-          </a:xfrm>
-          <a:prstGeom prst="rect">
-            <a:avLst/>
-          </a:prstGeom>
-          <a:noFill/>
-        </p:spPr>
-        <p:txBody>
-          <a:bodyPr wrap="square" rtlCol="0">
-            <a:spAutoFit/>
-          </a:bodyPr>
-          <a:lstStyle/>
-          <a:p>
-            <a:r>
-              <a:rPr kumimoji="1" lang="ja-JP" altLang="en-US" dirty="0"/>
-              <a:t>画面イメージ</a:t>
-            </a:r>
-          </a:p>
-        </p:txBody>
-      </p:sp>
-      <p:pic>
-        <p:nvPicPr>
-          <p:cNvPr id="6" name="図 5" descr="図形, 正方形&#10;&#10;AI 生成コンテンツは誤りを含む可能性があります。">
-            <a:extLst>
-              <a:ext uri="{FF2B5EF4-FFF2-40B4-BE49-F238E27FC236}">
-                <a16:creationId xmlns:a16="http://schemas.microsoft.com/office/drawing/2014/main" id="{9DEC15E6-EB60-2B73-FA84-7FD3500BDC38}"/>
-              </a:ext>
-            </a:extLst>
-          </p:cNvPr>
-          <p:cNvPicPr>
-            <a:picLocks noChangeAspect="1"/>
-          </p:cNvPicPr>
-          <p:nvPr/>
-        </p:nvPicPr>
-        <p:blipFill>
-          <a:blip r:embed="rId2"/>
-          <a:stretch>
-            <a:fillRect/>
-          </a:stretch>
-        </p:blipFill>
-        <p:spPr>
-          <a:xfrm>
-            <a:off x="1397382" y="1274165"/>
-            <a:ext cx="3360695" cy="5385052"/>
-          </a:xfrm>
-          <a:prstGeom prst="rect">
-            <a:avLst/>
-          </a:prstGeom>
-        </p:spPr>
-      </p:pic>
-      <p:sp>
-        <p:nvSpPr>
-          <p:cNvPr id="7" name="テキスト ボックス 6">
-            <a:extLst>
-              <a:ext uri="{FF2B5EF4-FFF2-40B4-BE49-F238E27FC236}">
-                <a16:creationId xmlns:a16="http://schemas.microsoft.com/office/drawing/2014/main" id="{DE65383C-7EC4-89E4-ACD6-D2D67AB2B1CB}"/>
-              </a:ext>
-            </a:extLst>
-          </p:cNvPr>
-          <p:cNvSpPr txBox="1"/>
-          <p:nvPr/>
-        </p:nvSpPr>
-        <p:spPr>
-          <a:xfrm>
-            <a:off x="1550505" y="1908313"/>
-            <a:ext cx="3399122" cy="369332"/>
-          </a:xfrm>
-          <a:prstGeom prst="rect">
-            <a:avLst/>
-          </a:prstGeom>
-          <a:noFill/>
-        </p:spPr>
-        <p:txBody>
-          <a:bodyPr wrap="square" rtlCol="0">
-            <a:spAutoFit/>
-          </a:bodyPr>
-          <a:lstStyle/>
-          <a:p>
-            <a:r>
-              <a:rPr kumimoji="1" lang="en-US" altLang="ja-JP" b="1" dirty="0"/>
-              <a:t>QR</a:t>
-            </a:r>
-            <a:r>
-              <a:rPr kumimoji="1" lang="ja-JP" altLang="en-US" b="1" dirty="0"/>
-              <a:t>コードを読んでください</a:t>
-            </a:r>
-          </a:p>
-        </p:txBody>
-      </p:sp>
-      <p:pic>
-        <p:nvPicPr>
-          <p:cNvPr id="9" name="図 8">
-            <a:extLst>
-              <a:ext uri="{FF2B5EF4-FFF2-40B4-BE49-F238E27FC236}">
-                <a16:creationId xmlns:a16="http://schemas.microsoft.com/office/drawing/2014/main" id="{DA1C2295-C173-0F80-A332-C75CF2373036}"/>
-              </a:ext>
-            </a:extLst>
-          </p:cNvPr>
-          <p:cNvPicPr>
-            <a:picLocks noChangeAspect="1"/>
-          </p:cNvPicPr>
-          <p:nvPr/>
-        </p:nvPicPr>
-        <p:blipFill>
-          <a:blip r:embed="rId3"/>
-          <a:stretch>
-            <a:fillRect/>
-          </a:stretch>
-        </p:blipFill>
-        <p:spPr>
-          <a:xfrm>
-            <a:off x="2027066" y="2719716"/>
-            <a:ext cx="1978403" cy="1860640"/>
-          </a:xfrm>
-          <a:prstGeom prst="rect">
-            <a:avLst/>
-          </a:prstGeom>
-        </p:spPr>
-      </p:pic>
-      <p:pic>
-        <p:nvPicPr>
-          <p:cNvPr id="21" name="図 20" descr="図形, 正方形&#10;&#10;AI 生成コンテンツは誤りを含む可能性があります。">
-            <a:extLst>
-              <a:ext uri="{FF2B5EF4-FFF2-40B4-BE49-F238E27FC236}">
-                <a16:creationId xmlns:a16="http://schemas.microsoft.com/office/drawing/2014/main" id="{39B75BAD-1936-9281-BCAA-B50904FA8961}"/>
-              </a:ext>
-            </a:extLst>
-          </p:cNvPr>
-          <p:cNvPicPr>
-            <a:picLocks noChangeAspect="1"/>
-          </p:cNvPicPr>
-          <p:nvPr/>
-        </p:nvPicPr>
-        <p:blipFill>
-          <a:blip r:embed="rId2"/>
-          <a:stretch>
-            <a:fillRect/>
-          </a:stretch>
-        </p:blipFill>
-        <p:spPr>
-          <a:xfrm>
-            <a:off x="6588922" y="1105199"/>
-            <a:ext cx="3399123" cy="5446627"/>
-          </a:xfrm>
-          <a:prstGeom prst="rect">
-            <a:avLst/>
-          </a:prstGeom>
-        </p:spPr>
-      </p:pic>
-      <p:pic>
-        <p:nvPicPr>
-          <p:cNvPr id="23" name="図 22" descr="テーブル, 座る, ベッド, 横たわる が含まれている画像&#10;&#10;AI 生成コンテンツは誤りを含む可能性があります。">
-            <a:extLst>
-              <a:ext uri="{FF2B5EF4-FFF2-40B4-BE49-F238E27FC236}">
-                <a16:creationId xmlns:a16="http://schemas.microsoft.com/office/drawing/2014/main" id="{4C69D530-DF1B-4D97-200B-228B1799876B}"/>
-              </a:ext>
-            </a:extLst>
-          </p:cNvPr>
-          <p:cNvPicPr>
-            <a:picLocks noChangeAspect="1"/>
-          </p:cNvPicPr>
-          <p:nvPr/>
-        </p:nvPicPr>
-        <p:blipFill>
-          <a:blip r:embed="rId4"/>
-          <a:stretch>
-            <a:fillRect/>
-          </a:stretch>
-        </p:blipFill>
-        <p:spPr>
-          <a:xfrm>
-            <a:off x="7051137" y="1979610"/>
-            <a:ext cx="2232562" cy="2669962"/>
-          </a:xfrm>
-          <a:prstGeom prst="rect">
-            <a:avLst/>
-          </a:prstGeom>
-        </p:spPr>
-      </p:pic>
-      <p:sp>
-        <p:nvSpPr>
-          <p:cNvPr id="24" name="テキスト ボックス 23">
-            <a:extLst>
-              <a:ext uri="{FF2B5EF4-FFF2-40B4-BE49-F238E27FC236}">
-                <a16:creationId xmlns:a16="http://schemas.microsoft.com/office/drawing/2014/main" id="{59BCA050-EFD7-369D-2565-BD4F1F03F502}"/>
-              </a:ext>
-            </a:extLst>
-          </p:cNvPr>
-          <p:cNvSpPr txBox="1"/>
-          <p:nvPr/>
-        </p:nvSpPr>
-        <p:spPr>
-          <a:xfrm>
-            <a:off x="7589076" y="5098787"/>
-            <a:ext cx="2232562" cy="369332"/>
-          </a:xfrm>
-          <a:prstGeom prst="rect">
-            <a:avLst/>
-          </a:prstGeom>
-          <a:noFill/>
-        </p:spPr>
-        <p:txBody>
-          <a:bodyPr wrap="square" rtlCol="0">
-            <a:spAutoFit/>
-          </a:bodyPr>
-          <a:lstStyle/>
-          <a:p>
-            <a:r>
-              <a:rPr kumimoji="1" lang="ja-JP" altLang="en-US" dirty="0"/>
-              <a:t>説明文</a:t>
-            </a:r>
-          </a:p>
-        </p:txBody>
-      </p:sp>
-      <p:sp>
-        <p:nvSpPr>
-          <p:cNvPr id="26" name="テキスト ボックス 25">
-            <a:extLst>
-              <a:ext uri="{FF2B5EF4-FFF2-40B4-BE49-F238E27FC236}">
-                <a16:creationId xmlns:a16="http://schemas.microsoft.com/office/drawing/2014/main" id="{BFDCC9AA-7B59-08A1-5ADF-33AECEF9CAEE}"/>
-              </a:ext>
-            </a:extLst>
-          </p:cNvPr>
-          <p:cNvSpPr txBox="1"/>
-          <p:nvPr/>
-        </p:nvSpPr>
-        <p:spPr>
-          <a:xfrm>
-            <a:off x="8542844" y="4649572"/>
-            <a:ext cx="735495" cy="369332"/>
-          </a:xfrm>
-          <a:prstGeom prst="rect">
-            <a:avLst/>
-          </a:prstGeom>
-          <a:solidFill>
-            <a:schemeClr val="bg2"/>
-          </a:solidFill>
-          <a:ln>
-            <a:solidFill>
-              <a:schemeClr val="accent1"/>
-            </a:solidFill>
-          </a:ln>
-        </p:spPr>
-        <p:txBody>
-          <a:bodyPr wrap="square" rtlCol="0">
-            <a:spAutoFit/>
-          </a:bodyPr>
-          <a:lstStyle/>
-          <a:p>
-            <a:r>
-              <a:rPr kumimoji="1" lang="ja-JP" altLang="en-US" dirty="0">
-                <a:ln>
-                  <a:solidFill>
-                    <a:schemeClr val="accent1"/>
-                  </a:solidFill>
-                </a:ln>
-              </a:rPr>
-              <a:t>音声</a:t>
-            </a:r>
-          </a:p>
-        </p:txBody>
-      </p:sp>
-      <p:sp>
-        <p:nvSpPr>
-          <p:cNvPr id="27" name="吹き出し: 四角形 26">
-            <a:extLst>
-              <a:ext uri="{FF2B5EF4-FFF2-40B4-BE49-F238E27FC236}">
-                <a16:creationId xmlns:a16="http://schemas.microsoft.com/office/drawing/2014/main" id="{0841179F-A73D-D7A0-5850-570278C83C5F}"/>
-              </a:ext>
-            </a:extLst>
-          </p:cNvPr>
-          <p:cNvSpPr/>
-          <p:nvPr/>
-        </p:nvSpPr>
-        <p:spPr>
-          <a:xfrm>
-            <a:off x="10367064" y="3406418"/>
-            <a:ext cx="1401418" cy="677651"/>
-          </a:xfrm>
-          <a:prstGeom prst="wedgeRectCallout">
-            <a:avLst>
-              <a:gd name="adj1" fmla="val -110515"/>
-              <a:gd name="adj2" fmla="val 154902"/>
-            </a:avLst>
-          </a:prstGeom>
-          <a:noFill/>
-        </p:spPr>
-        <p:style>
-          <a:lnRef idx="2">
-            <a:schemeClr val="accent1">
-              <a:shade val="15000"/>
-            </a:schemeClr>
-          </a:lnRef>
-          <a:fillRef idx="1">
-            <a:schemeClr val="accent1"/>
-          </a:fillRef>
-          <a:effectRef idx="0">
-            <a:schemeClr val="accent1"/>
-          </a:effectRef>
-          <a:fontRef idx="minor">
-            <a:schemeClr val="lt1"/>
-          </a:fontRef>
-        </p:style>
-        <p:txBody>
-          <a:bodyPr rtlCol="0" anchor="ctr"/>
-          <a:lstStyle/>
-          <a:p>
-            <a:pPr algn="ctr"/>
-            <a:r>
-              <a:rPr kumimoji="1" lang="ja-JP" altLang="en-US" dirty="0">
-                <a:solidFill>
-                  <a:schemeClr val="tx1"/>
-                </a:solidFill>
-              </a:rPr>
-              <a:t>音声再生</a:t>
-            </a:r>
-          </a:p>
-        </p:txBody>
-      </p:sp>
-      <p:sp>
-        <p:nvSpPr>
-          <p:cNvPr id="29" name="正方形/長方形 28">
-            <a:extLst>
-              <a:ext uri="{FF2B5EF4-FFF2-40B4-BE49-F238E27FC236}">
-                <a16:creationId xmlns:a16="http://schemas.microsoft.com/office/drawing/2014/main" id="{DD0A2E3E-26E1-0F27-8377-36D5965EA359}"/>
-              </a:ext>
-            </a:extLst>
-          </p:cNvPr>
-          <p:cNvSpPr/>
-          <p:nvPr/>
-        </p:nvSpPr>
-        <p:spPr>
-          <a:xfrm>
-            <a:off x="7141267" y="5818569"/>
-            <a:ext cx="1108602" cy="369332"/>
-          </a:xfrm>
-          <a:prstGeom prst="rect">
-            <a:avLst/>
-          </a:prstGeom>
-          <a:noFill/>
-        </p:spPr>
-        <p:style>
-          <a:lnRef idx="2">
-            <a:schemeClr val="accent1">
-              <a:shade val="15000"/>
-            </a:schemeClr>
-          </a:lnRef>
-          <a:fillRef idx="1">
-            <a:schemeClr val="accent1"/>
-          </a:fillRef>
-          <a:effectRef idx="0">
-            <a:schemeClr val="accent1"/>
-          </a:effectRef>
-          <a:fontRef idx="minor">
-            <a:schemeClr val="lt1"/>
-          </a:fontRef>
-        </p:style>
-        <p:txBody>
-          <a:bodyPr rtlCol="0" anchor="ctr"/>
-          <a:lstStyle/>
-          <a:p>
-            <a:pPr algn="ctr"/>
-            <a:r>
-              <a:rPr kumimoji="1" lang="ja-JP" altLang="en-US" dirty="0">
-                <a:solidFill>
-                  <a:schemeClr val="tx1"/>
-                </a:solidFill>
-              </a:rPr>
-              <a:t>戻る</a:t>
-            </a:r>
-          </a:p>
-        </p:txBody>
-      </p:sp>
-      <p:cxnSp>
-        <p:nvCxnSpPr>
-          <p:cNvPr id="32" name="直線矢印コネクタ 31">
-            <a:extLst>
-              <a:ext uri="{FF2B5EF4-FFF2-40B4-BE49-F238E27FC236}">
-                <a16:creationId xmlns:a16="http://schemas.microsoft.com/office/drawing/2014/main" id="{9140CC7F-E329-E2D4-E91F-6249AD989646}"/>
-              </a:ext>
-            </a:extLst>
-          </p:cNvPr>
-          <p:cNvCxnSpPr>
-            <a:stCxn id="6" idx="3"/>
-            <a:endCxn id="21" idx="1"/>
-          </p:cNvCxnSpPr>
-          <p:nvPr/>
-        </p:nvCxnSpPr>
-        <p:spPr>
-          <a:xfrm flipV="1">
-            <a:off x="4758077" y="3828513"/>
-            <a:ext cx="1830845" cy="138178"/>
-          </a:xfrm>
-          <a:prstGeom prst="straightConnector1">
-            <a:avLst/>
-          </a:prstGeom>
-          <a:ln>
-            <a:tailEnd type="triangle"/>
-          </a:ln>
-        </p:spPr>
-        <p:style>
-          <a:lnRef idx="2">
-            <a:schemeClr val="accent1"/>
-          </a:lnRef>
-          <a:fillRef idx="0">
-            <a:schemeClr val="accent1"/>
-          </a:fillRef>
-          <a:effectRef idx="1">
-            <a:schemeClr val="accent1"/>
-          </a:effectRef>
-          <a:fontRef idx="minor">
-            <a:schemeClr val="tx1"/>
-          </a:fontRef>
-        </p:style>
-      </p:cxnSp>
-      <p:cxnSp>
-        <p:nvCxnSpPr>
-          <p:cNvPr id="33" name="直線矢印コネクタ 32">
-            <a:extLst>
-              <a:ext uri="{FF2B5EF4-FFF2-40B4-BE49-F238E27FC236}">
-                <a16:creationId xmlns:a16="http://schemas.microsoft.com/office/drawing/2014/main" id="{51AAC775-F688-A2A2-8DC6-0012ABBC585A}"/>
-              </a:ext>
-            </a:extLst>
-          </p:cNvPr>
-          <p:cNvCxnSpPr>
-            <a:cxnSpLocks/>
-          </p:cNvCxnSpPr>
-          <p:nvPr/>
-        </p:nvCxnSpPr>
-        <p:spPr>
-          <a:xfrm flipH="1">
-            <a:off x="4808485" y="6003235"/>
-            <a:ext cx="2332782" cy="0"/>
-          </a:xfrm>
-          <a:prstGeom prst="straightConnector1">
-            <a:avLst/>
-          </a:prstGeom>
-          <a:ln>
-            <a:tailEnd type="triangle"/>
-          </a:ln>
-        </p:spPr>
-        <p:style>
-          <a:lnRef idx="2">
-            <a:schemeClr val="accent1"/>
-          </a:lnRef>
-          <a:fillRef idx="0">
-            <a:schemeClr val="accent1"/>
-          </a:fillRef>
-          <a:effectRef idx="1">
-            <a:schemeClr val="accent1"/>
-          </a:effectRef>
-          <a:fontRef idx="minor">
-            <a:schemeClr val="tx1"/>
-          </a:fontRef>
-        </p:style>
-      </p:cxnSp>
-      <p:sp>
-        <p:nvSpPr>
-          <p:cNvPr id="36" name="正方形/長方形 35">
-            <a:extLst>
-              <a:ext uri="{FF2B5EF4-FFF2-40B4-BE49-F238E27FC236}">
-                <a16:creationId xmlns:a16="http://schemas.microsoft.com/office/drawing/2014/main" id="{61BADCF7-0A54-B2F9-D155-449E7B72FB8F}"/>
-              </a:ext>
-            </a:extLst>
-          </p:cNvPr>
-          <p:cNvSpPr/>
-          <p:nvPr/>
-        </p:nvSpPr>
-        <p:spPr>
-          <a:xfrm>
-            <a:off x="1907665" y="5915366"/>
-            <a:ext cx="2097804" cy="369332"/>
-          </a:xfrm>
-          <a:prstGeom prst="rect">
-            <a:avLst/>
-          </a:prstGeom>
-          <a:noFill/>
-        </p:spPr>
-        <p:style>
-          <a:lnRef idx="2">
-            <a:schemeClr val="accent1">
-              <a:shade val="15000"/>
-            </a:schemeClr>
-          </a:lnRef>
-          <a:fillRef idx="1">
-            <a:schemeClr val="accent1"/>
-          </a:fillRef>
-          <a:effectRef idx="0">
-            <a:schemeClr val="accent1"/>
-          </a:effectRef>
-          <a:fontRef idx="minor">
-            <a:schemeClr val="lt1"/>
-          </a:fontRef>
-        </p:style>
-        <p:txBody>
-          <a:bodyPr rtlCol="0" anchor="ctr"/>
-          <a:lstStyle/>
-          <a:p>
-            <a:pPr algn="ctr"/>
-            <a:r>
-              <a:rPr kumimoji="1" lang="ja-JP" altLang="en-US" dirty="0">
-                <a:solidFill>
-                  <a:schemeClr val="tx1"/>
-                </a:solidFill>
-              </a:rPr>
-              <a:t>トップ画面に戻る</a:t>
-            </a:r>
-          </a:p>
-        </p:txBody>
-      </p:sp>
-      <p:sp>
-        <p:nvSpPr>
-          <p:cNvPr id="3" name="テキスト ボックス 2">
-            <a:extLst>
-              <a:ext uri="{FF2B5EF4-FFF2-40B4-BE49-F238E27FC236}">
-                <a16:creationId xmlns:a16="http://schemas.microsoft.com/office/drawing/2014/main" id="{D93EAE48-9704-20BE-2E00-EBF26D19A263}"/>
-              </a:ext>
-            </a:extLst>
-          </p:cNvPr>
-          <p:cNvSpPr txBox="1"/>
-          <p:nvPr/>
-        </p:nvSpPr>
-        <p:spPr>
-          <a:xfrm>
-            <a:off x="6967330" y="1520687"/>
-            <a:ext cx="2494722" cy="369332"/>
-          </a:xfrm>
-          <a:prstGeom prst="rect">
-            <a:avLst/>
-          </a:prstGeom>
-          <a:noFill/>
-        </p:spPr>
-        <p:txBody>
-          <a:bodyPr wrap="square" rtlCol="0">
-            <a:spAutoFit/>
-          </a:bodyPr>
-          <a:lstStyle/>
-          <a:p>
-            <a:r>
-              <a:rPr kumimoji="1" lang="ja-JP" altLang="en-US" dirty="0"/>
-              <a:t>タイトル</a:t>
-            </a:r>
-          </a:p>
-        </p:txBody>
-      </p:sp>
-    </p:spTree>
-    <p:extLst>
-      <p:ext uri="{BB962C8B-B14F-4D97-AF65-F5344CB8AC3E}">
-        <p14:creationId xmlns:p14="http://schemas.microsoft.com/office/powerpoint/2010/main" val="1991612794"/>
-      </p:ext>
-    </p:extLst>
-  </p:cSld>
-  <p:clrMapOvr>
-    <a:masterClrMapping/>
-  </p:clrMapOvr>
-</p:sld>
-</file>
-
-<file path=ppt/slides/slide40.xml><?xml version="1.0" encoding="utf-8"?>
+<file path=ppt/slides/slide45.xml><?xml version="1.0" encoding="utf-8"?>
 <p:sld xmlns:a="http://schemas.openxmlformats.org/drawingml/2006/main" xmlns:r="http://schemas.openxmlformats.org/officeDocument/2006/relationships" xmlns:p="http://schemas.openxmlformats.org/presentationml/2006/main">
   <p:cSld>
     <p:spTree>
@@ -12633,7 +13369,7 @@
 </p:sld>
 </file>
 
-<file path=ppt/slides/slide41.xml><?xml version="1.0" encoding="utf-8"?>
+<file path=ppt/slides/slide46.xml><?xml version="1.0" encoding="utf-8"?>
 <p:sld xmlns:a="http://schemas.openxmlformats.org/drawingml/2006/main" xmlns:r="http://schemas.openxmlformats.org/officeDocument/2006/relationships" xmlns:p="http://schemas.openxmlformats.org/presentationml/2006/main">
   <p:cSld>
     <p:spTree>
@@ -13207,7 +13943,7 @@
 </p:sld>
 </file>
 
-<file path=ppt/slides/slide42.xml><?xml version="1.0" encoding="utf-8"?>
+<file path=ppt/slides/slide47.xml><?xml version="1.0" encoding="utf-8"?>
 <p:sld xmlns:a="http://schemas.openxmlformats.org/drawingml/2006/main" xmlns:r="http://schemas.openxmlformats.org/officeDocument/2006/relationships" xmlns:p="http://schemas.openxmlformats.org/presentationml/2006/main">
   <p:cSld>
     <p:spTree>
@@ -13603,7 +14339,7 @@
 </p:sld>
 </file>
 
-<file path=ppt/slides/slide43.xml><?xml version="1.0" encoding="utf-8"?>
+<file path=ppt/slides/slide48.xml><?xml version="1.0" encoding="utf-8"?>
 <p:sld xmlns:a="http://schemas.openxmlformats.org/drawingml/2006/main" xmlns:r="http://schemas.openxmlformats.org/officeDocument/2006/relationships" xmlns:p="http://schemas.openxmlformats.org/presentationml/2006/main">
   <p:cSld>
     <p:spTree>
@@ -14723,7 +15459,7 @@
 </p:sld>
 </file>
 
-<file path=ppt/slides/slide44.xml><?xml version="1.0" encoding="utf-8"?>
+<file path=ppt/slides/slide49.xml><?xml version="1.0" encoding="utf-8"?>
 <p:sld xmlns:a="http://schemas.openxmlformats.org/drawingml/2006/main" xmlns:r="http://schemas.openxmlformats.org/officeDocument/2006/relationships" xmlns:p="http://schemas.openxmlformats.org/presentationml/2006/main">
   <p:cSld>
     <p:spTree>
@@ -15831,2626 +16567,6 @@
 </p:sld>
 </file>
 
-<file path=ppt/slides/slide45.xml><?xml version="1.0" encoding="utf-8"?>
-<p:sld xmlns:a="http://schemas.openxmlformats.org/drawingml/2006/main" xmlns:r="http://schemas.openxmlformats.org/officeDocument/2006/relationships" xmlns:p="http://schemas.openxmlformats.org/presentationml/2006/main">
-  <p:cSld>
-    <p:spTree>
-      <p:nvGrpSpPr>
-        <p:cNvPr id="1" name="">
-          <a:extLst>
-            <a:ext uri="{FF2B5EF4-FFF2-40B4-BE49-F238E27FC236}">
-              <a16:creationId xmlns:a16="http://schemas.microsoft.com/office/drawing/2014/main" id="{EFC811F8-422C-FD1B-A714-47C0E466623C}"/>
-            </a:ext>
-          </a:extLst>
-        </p:cNvPr>
-        <p:cNvGrpSpPr/>
-        <p:nvPr/>
-      </p:nvGrpSpPr>
-      <p:grpSpPr>
-        <a:xfrm>
-          <a:off x="0" y="0"/>
-          <a:ext cx="0" cy="0"/>
-          <a:chOff x="0" y="0"/>
-          <a:chExt cx="0" cy="0"/>
-        </a:xfrm>
-      </p:grpSpPr>
-      <p:cxnSp>
-        <p:nvCxnSpPr>
-          <p:cNvPr id="4" name="直線コネクタ 3">
-            <a:extLst>
-              <a:ext uri="{FF2B5EF4-FFF2-40B4-BE49-F238E27FC236}">
-                <a16:creationId xmlns:a16="http://schemas.microsoft.com/office/drawing/2014/main" id="{4210B2BF-1061-E6DB-EBD3-C49519853C4A}"/>
-              </a:ext>
-            </a:extLst>
-          </p:cNvPr>
-          <p:cNvCxnSpPr/>
-          <p:nvPr/>
-        </p:nvCxnSpPr>
-        <p:spPr>
-          <a:xfrm>
-            <a:off x="228600" y="755374"/>
-            <a:ext cx="11936896" cy="0"/>
-          </a:xfrm>
-          <a:prstGeom prst="line">
-            <a:avLst/>
-          </a:prstGeom>
-        </p:spPr>
-        <p:style>
-          <a:lnRef idx="2">
-            <a:schemeClr val="accent1"/>
-          </a:lnRef>
-          <a:fillRef idx="0">
-            <a:schemeClr val="accent1"/>
-          </a:fillRef>
-          <a:effectRef idx="1">
-            <a:schemeClr val="accent1"/>
-          </a:effectRef>
-          <a:fontRef idx="minor">
-            <a:schemeClr val="tx1"/>
-          </a:fontRef>
-        </p:style>
-      </p:cxnSp>
-      <p:sp>
-        <p:nvSpPr>
-          <p:cNvPr id="5" name="テキスト ボックス 4">
-            <a:extLst>
-              <a:ext uri="{FF2B5EF4-FFF2-40B4-BE49-F238E27FC236}">
-                <a16:creationId xmlns:a16="http://schemas.microsoft.com/office/drawing/2014/main" id="{43415560-8DAB-3737-658F-98E84DD3E51C}"/>
-              </a:ext>
-            </a:extLst>
-          </p:cNvPr>
-          <p:cNvSpPr txBox="1"/>
-          <p:nvPr/>
-        </p:nvSpPr>
-        <p:spPr>
-          <a:xfrm>
-            <a:off x="407504" y="198783"/>
-            <a:ext cx="3796748" cy="369332"/>
-          </a:xfrm>
-          <a:prstGeom prst="rect">
-            <a:avLst/>
-          </a:prstGeom>
-          <a:noFill/>
-        </p:spPr>
-        <p:txBody>
-          <a:bodyPr wrap="square" rtlCol="0">
-            <a:spAutoFit/>
-          </a:bodyPr>
-          <a:lstStyle/>
-          <a:p>
-            <a:r>
-              <a:rPr kumimoji="1" lang="ja-JP" altLang="en-US" dirty="0"/>
-              <a:t>修正：展示物名入力</a:t>
-            </a:r>
-          </a:p>
-        </p:txBody>
-      </p:sp>
-      <p:sp>
-        <p:nvSpPr>
-          <p:cNvPr id="2" name="正方形/長方形 1">
-            <a:extLst>
-              <a:ext uri="{FF2B5EF4-FFF2-40B4-BE49-F238E27FC236}">
-                <a16:creationId xmlns:a16="http://schemas.microsoft.com/office/drawing/2014/main" id="{3E36B698-1AC8-98C9-577F-5A604C51806C}"/>
-              </a:ext>
-            </a:extLst>
-          </p:cNvPr>
-          <p:cNvSpPr/>
-          <p:nvPr/>
-        </p:nvSpPr>
-        <p:spPr>
-          <a:xfrm>
-            <a:off x="1016277" y="1774761"/>
-            <a:ext cx="1646582" cy="369332"/>
-          </a:xfrm>
-          <a:prstGeom prst="rect">
-            <a:avLst/>
-          </a:prstGeom>
-          <a:noFill/>
-          <a:ln>
-            <a:prstDash val="dash"/>
-          </a:ln>
-        </p:spPr>
-        <p:style>
-          <a:lnRef idx="2">
-            <a:schemeClr val="accent1">
-              <a:shade val="15000"/>
-            </a:schemeClr>
-          </a:lnRef>
-          <a:fillRef idx="1">
-            <a:schemeClr val="accent1"/>
-          </a:fillRef>
-          <a:effectRef idx="0">
-            <a:schemeClr val="accent1"/>
-          </a:effectRef>
-          <a:fontRef idx="minor">
-            <a:schemeClr val="lt1"/>
-          </a:fontRef>
-        </p:style>
-        <p:txBody>
-          <a:bodyPr rtlCol="0" anchor="ctr"/>
-          <a:lstStyle/>
-          <a:p>
-            <a:pPr algn="ctr"/>
-            <a:r>
-              <a:rPr kumimoji="1" lang="ja-JP" altLang="en-US" sz="1200" dirty="0">
-                <a:solidFill>
-                  <a:schemeClr val="tx1"/>
-                </a:solidFill>
-              </a:rPr>
-              <a:t>展示物名入力欄</a:t>
-            </a:r>
-          </a:p>
-        </p:txBody>
-      </p:sp>
-      <p:sp>
-        <p:nvSpPr>
-          <p:cNvPr id="6" name="テキスト ボックス 5">
-            <a:extLst>
-              <a:ext uri="{FF2B5EF4-FFF2-40B4-BE49-F238E27FC236}">
-                <a16:creationId xmlns:a16="http://schemas.microsoft.com/office/drawing/2014/main" id="{9A385A34-EB53-07A5-E1AE-14B8C2E959D2}"/>
-              </a:ext>
-            </a:extLst>
-          </p:cNvPr>
-          <p:cNvSpPr txBox="1"/>
-          <p:nvPr/>
-        </p:nvSpPr>
-        <p:spPr>
-          <a:xfrm>
-            <a:off x="1016277" y="1249866"/>
-            <a:ext cx="3579742" cy="369332"/>
-          </a:xfrm>
-          <a:prstGeom prst="rect">
-            <a:avLst/>
-          </a:prstGeom>
-          <a:noFill/>
-        </p:spPr>
-        <p:txBody>
-          <a:bodyPr wrap="square" rtlCol="0">
-            <a:spAutoFit/>
-          </a:bodyPr>
-          <a:lstStyle/>
-          <a:p>
-            <a:r>
-              <a:rPr kumimoji="1" lang="ja-JP" altLang="en-US" dirty="0"/>
-              <a:t>展示物名入力</a:t>
-            </a:r>
-          </a:p>
-        </p:txBody>
-      </p:sp>
-      <p:sp>
-        <p:nvSpPr>
-          <p:cNvPr id="38" name="テキスト ボックス 37">
-            <a:extLst>
-              <a:ext uri="{FF2B5EF4-FFF2-40B4-BE49-F238E27FC236}">
-                <a16:creationId xmlns:a16="http://schemas.microsoft.com/office/drawing/2014/main" id="{3704FD26-5B43-330C-B601-BB9B69ACB426}"/>
-              </a:ext>
-            </a:extLst>
-          </p:cNvPr>
-          <p:cNvSpPr txBox="1"/>
-          <p:nvPr/>
-        </p:nvSpPr>
-        <p:spPr>
-          <a:xfrm>
-            <a:off x="3975652" y="252657"/>
-            <a:ext cx="7535628" cy="369332"/>
-          </a:xfrm>
-          <a:prstGeom prst="rect">
-            <a:avLst/>
-          </a:prstGeom>
-          <a:noFill/>
-        </p:spPr>
-        <p:txBody>
-          <a:bodyPr wrap="square" rtlCol="0">
-            <a:spAutoFit/>
-          </a:bodyPr>
-          <a:lstStyle/>
-          <a:p>
-            <a:r>
-              <a:rPr kumimoji="1" lang="ja-JP" altLang="en-US" dirty="0"/>
-              <a:t>凡例：点線ボックスはエディットボックス、実線ボックスはボタン</a:t>
-            </a:r>
-          </a:p>
-        </p:txBody>
-      </p:sp>
-      <p:sp>
-        <p:nvSpPr>
-          <p:cNvPr id="42" name="テキスト ボックス 41">
-            <a:extLst>
-              <a:ext uri="{FF2B5EF4-FFF2-40B4-BE49-F238E27FC236}">
-                <a16:creationId xmlns:a16="http://schemas.microsoft.com/office/drawing/2014/main" id="{E140782E-88AD-B677-FF49-C86BBDB9EF26}"/>
-              </a:ext>
-            </a:extLst>
-          </p:cNvPr>
-          <p:cNvSpPr txBox="1"/>
-          <p:nvPr/>
-        </p:nvSpPr>
-        <p:spPr>
-          <a:xfrm>
-            <a:off x="2935468" y="1774761"/>
-            <a:ext cx="1646582" cy="369332"/>
-          </a:xfrm>
-          <a:prstGeom prst="rect">
-            <a:avLst/>
-          </a:prstGeom>
-          <a:noFill/>
-        </p:spPr>
-        <p:txBody>
-          <a:bodyPr wrap="square" rtlCol="0">
-            <a:spAutoFit/>
-          </a:bodyPr>
-          <a:lstStyle/>
-          <a:p>
-            <a:r>
-              <a:rPr kumimoji="1" lang="ja-JP" altLang="en-US" dirty="0"/>
-              <a:t>日本語</a:t>
-            </a:r>
-          </a:p>
-        </p:txBody>
-      </p:sp>
-      <p:sp>
-        <p:nvSpPr>
-          <p:cNvPr id="43" name="正方形/長方形 42">
-            <a:extLst>
-              <a:ext uri="{FF2B5EF4-FFF2-40B4-BE49-F238E27FC236}">
-                <a16:creationId xmlns:a16="http://schemas.microsoft.com/office/drawing/2014/main" id="{6B98A0AF-7F22-4D1D-6540-1944940D5E8A}"/>
-              </a:ext>
-            </a:extLst>
-          </p:cNvPr>
-          <p:cNvSpPr/>
-          <p:nvPr/>
-        </p:nvSpPr>
-        <p:spPr>
-          <a:xfrm>
-            <a:off x="1016277" y="2380462"/>
-            <a:ext cx="1646582" cy="369332"/>
-          </a:xfrm>
-          <a:prstGeom prst="rect">
-            <a:avLst/>
-          </a:prstGeom>
-          <a:noFill/>
-          <a:ln>
-            <a:prstDash val="dash"/>
-          </a:ln>
-        </p:spPr>
-        <p:style>
-          <a:lnRef idx="2">
-            <a:schemeClr val="accent1">
-              <a:shade val="15000"/>
-            </a:schemeClr>
-          </a:lnRef>
-          <a:fillRef idx="1">
-            <a:schemeClr val="accent1"/>
-          </a:fillRef>
-          <a:effectRef idx="0">
-            <a:schemeClr val="accent1"/>
-          </a:effectRef>
-          <a:fontRef idx="minor">
-            <a:schemeClr val="lt1"/>
-          </a:fontRef>
-        </p:style>
-        <p:txBody>
-          <a:bodyPr rtlCol="0" anchor="ctr"/>
-          <a:lstStyle/>
-          <a:p>
-            <a:pPr algn="ctr"/>
-            <a:r>
-              <a:rPr kumimoji="1" lang="ja-JP" altLang="en-US" sz="1200" dirty="0">
-                <a:solidFill>
-                  <a:schemeClr val="tx1"/>
-                </a:solidFill>
-              </a:rPr>
-              <a:t>展示物名入力欄</a:t>
-            </a:r>
-          </a:p>
-        </p:txBody>
-      </p:sp>
-      <p:sp>
-        <p:nvSpPr>
-          <p:cNvPr id="44" name="テキスト ボックス 43">
-            <a:extLst>
-              <a:ext uri="{FF2B5EF4-FFF2-40B4-BE49-F238E27FC236}">
-                <a16:creationId xmlns:a16="http://schemas.microsoft.com/office/drawing/2014/main" id="{5F436354-DE96-D8B7-FEF5-C4DF8612CEB4}"/>
-              </a:ext>
-            </a:extLst>
-          </p:cNvPr>
-          <p:cNvSpPr txBox="1"/>
-          <p:nvPr/>
-        </p:nvSpPr>
-        <p:spPr>
-          <a:xfrm>
-            <a:off x="2935468" y="2380462"/>
-            <a:ext cx="1517262" cy="369332"/>
-          </a:xfrm>
-          <a:prstGeom prst="rect">
-            <a:avLst/>
-          </a:prstGeom>
-          <a:noFill/>
-        </p:spPr>
-        <p:txBody>
-          <a:bodyPr wrap="square" rtlCol="0">
-            <a:spAutoFit/>
-          </a:bodyPr>
-          <a:lstStyle/>
-          <a:p>
-            <a:r>
-              <a:rPr kumimoji="1" lang="ja-JP" altLang="en-US" dirty="0"/>
-              <a:t>英語</a:t>
-            </a:r>
-          </a:p>
-        </p:txBody>
-      </p:sp>
-      <p:sp>
-        <p:nvSpPr>
-          <p:cNvPr id="45" name="正方形/長方形 44">
-            <a:extLst>
-              <a:ext uri="{FF2B5EF4-FFF2-40B4-BE49-F238E27FC236}">
-                <a16:creationId xmlns:a16="http://schemas.microsoft.com/office/drawing/2014/main" id="{E9A9DDD9-BAA5-EC3C-89D4-27986E89027B}"/>
-              </a:ext>
-            </a:extLst>
-          </p:cNvPr>
-          <p:cNvSpPr/>
-          <p:nvPr/>
-        </p:nvSpPr>
-        <p:spPr>
-          <a:xfrm>
-            <a:off x="1016277" y="2986163"/>
-            <a:ext cx="1646582" cy="369332"/>
-          </a:xfrm>
-          <a:prstGeom prst="rect">
-            <a:avLst/>
-          </a:prstGeom>
-          <a:noFill/>
-          <a:ln>
-            <a:prstDash val="dash"/>
-          </a:ln>
-        </p:spPr>
-        <p:style>
-          <a:lnRef idx="2">
-            <a:schemeClr val="accent1">
-              <a:shade val="15000"/>
-            </a:schemeClr>
-          </a:lnRef>
-          <a:fillRef idx="1">
-            <a:schemeClr val="accent1"/>
-          </a:fillRef>
-          <a:effectRef idx="0">
-            <a:schemeClr val="accent1"/>
-          </a:effectRef>
-          <a:fontRef idx="minor">
-            <a:schemeClr val="lt1"/>
-          </a:fontRef>
-        </p:style>
-        <p:txBody>
-          <a:bodyPr rtlCol="0" anchor="ctr"/>
-          <a:lstStyle/>
-          <a:p>
-            <a:pPr algn="ctr"/>
-            <a:r>
-              <a:rPr kumimoji="1" lang="ja-JP" altLang="en-US" sz="1200" dirty="0">
-                <a:solidFill>
-                  <a:schemeClr val="tx1"/>
-                </a:solidFill>
-              </a:rPr>
-              <a:t>展示物名入力欄</a:t>
-            </a:r>
-          </a:p>
-        </p:txBody>
-      </p:sp>
-      <p:sp>
-        <p:nvSpPr>
-          <p:cNvPr id="46" name="テキスト ボックス 45">
-            <a:extLst>
-              <a:ext uri="{FF2B5EF4-FFF2-40B4-BE49-F238E27FC236}">
-                <a16:creationId xmlns:a16="http://schemas.microsoft.com/office/drawing/2014/main" id="{1E9E75C6-0FBA-282E-0C92-376512C0FFD2}"/>
-              </a:ext>
-            </a:extLst>
-          </p:cNvPr>
-          <p:cNvSpPr txBox="1"/>
-          <p:nvPr/>
-        </p:nvSpPr>
-        <p:spPr>
-          <a:xfrm>
-            <a:off x="2935468" y="2986163"/>
-            <a:ext cx="1517262" cy="369332"/>
-          </a:xfrm>
-          <a:prstGeom prst="rect">
-            <a:avLst/>
-          </a:prstGeom>
-          <a:noFill/>
-        </p:spPr>
-        <p:txBody>
-          <a:bodyPr wrap="square" rtlCol="0">
-            <a:spAutoFit/>
-          </a:bodyPr>
-          <a:lstStyle/>
-          <a:p>
-            <a:r>
-              <a:rPr kumimoji="1" lang="ja-JP" altLang="en-US" dirty="0"/>
-              <a:t>中国語</a:t>
-            </a:r>
-          </a:p>
-        </p:txBody>
-      </p:sp>
-      <p:sp>
-        <p:nvSpPr>
-          <p:cNvPr id="47" name="テキスト ボックス 46">
-            <a:extLst>
-              <a:ext uri="{FF2B5EF4-FFF2-40B4-BE49-F238E27FC236}">
-                <a16:creationId xmlns:a16="http://schemas.microsoft.com/office/drawing/2014/main" id="{C77D7879-18B7-627C-6CDE-DDB7119FF6BE}"/>
-              </a:ext>
-            </a:extLst>
-          </p:cNvPr>
-          <p:cNvSpPr txBox="1"/>
-          <p:nvPr/>
-        </p:nvSpPr>
-        <p:spPr>
-          <a:xfrm>
-            <a:off x="974588" y="3570407"/>
-            <a:ext cx="3921760" cy="369323"/>
-          </a:xfrm>
-          <a:prstGeom prst="rect">
-            <a:avLst/>
-          </a:prstGeom>
-          <a:noFill/>
-        </p:spPr>
-        <p:txBody>
-          <a:bodyPr wrap="square" rtlCol="0">
-            <a:spAutoFit/>
-          </a:bodyPr>
-          <a:lstStyle/>
-          <a:p>
-            <a:r>
-              <a:rPr kumimoji="1" lang="ja-JP" altLang="en-US" dirty="0"/>
-              <a:t>未使用言語は何も入れない</a:t>
-            </a:r>
-          </a:p>
-        </p:txBody>
-      </p:sp>
-      <p:sp>
-        <p:nvSpPr>
-          <p:cNvPr id="48" name="正方形/長方形 47">
-            <a:extLst>
-              <a:ext uri="{FF2B5EF4-FFF2-40B4-BE49-F238E27FC236}">
-                <a16:creationId xmlns:a16="http://schemas.microsoft.com/office/drawing/2014/main" id="{46CFDF49-96BC-D36F-97CF-2B5103BBF9CA}"/>
-              </a:ext>
-            </a:extLst>
-          </p:cNvPr>
-          <p:cNvSpPr/>
-          <p:nvPr/>
-        </p:nvSpPr>
-        <p:spPr>
-          <a:xfrm>
-            <a:off x="711201" y="1079037"/>
-            <a:ext cx="4338320" cy="3814251"/>
-          </a:xfrm>
-          <a:prstGeom prst="rect">
-            <a:avLst/>
-          </a:prstGeom>
-          <a:noFill/>
-        </p:spPr>
-        <p:style>
-          <a:lnRef idx="2">
-            <a:schemeClr val="accent1">
-              <a:shade val="15000"/>
-            </a:schemeClr>
-          </a:lnRef>
-          <a:fillRef idx="1">
-            <a:schemeClr val="accent1"/>
-          </a:fillRef>
-          <a:effectRef idx="0">
-            <a:schemeClr val="accent1"/>
-          </a:effectRef>
-          <a:fontRef idx="minor">
-            <a:schemeClr val="lt1"/>
-          </a:fontRef>
-        </p:style>
-        <p:txBody>
-          <a:bodyPr rtlCol="0" anchor="ctr"/>
-          <a:lstStyle/>
-          <a:p>
-            <a:pPr algn="ctr"/>
-            <a:endParaRPr kumimoji="1" lang="ja-JP" altLang="en-US" sz="1200" dirty="0">
-              <a:solidFill>
-                <a:schemeClr val="tx1"/>
-              </a:solidFill>
-            </a:endParaRPr>
-          </a:p>
-        </p:txBody>
-      </p:sp>
-      <p:sp>
-        <p:nvSpPr>
-          <p:cNvPr id="49" name="正方形/長方形 48">
-            <a:extLst>
-              <a:ext uri="{FF2B5EF4-FFF2-40B4-BE49-F238E27FC236}">
-                <a16:creationId xmlns:a16="http://schemas.microsoft.com/office/drawing/2014/main" id="{A404585D-781E-3C43-4F4A-EA7939121F5C}"/>
-              </a:ext>
-            </a:extLst>
-          </p:cNvPr>
-          <p:cNvSpPr/>
-          <p:nvPr/>
-        </p:nvSpPr>
-        <p:spPr>
-          <a:xfrm>
-            <a:off x="1016277" y="4267403"/>
-            <a:ext cx="834886" cy="369332"/>
-          </a:xfrm>
-          <a:prstGeom prst="rect">
-            <a:avLst/>
-          </a:prstGeom>
-          <a:noFill/>
-        </p:spPr>
-        <p:style>
-          <a:lnRef idx="2">
-            <a:schemeClr val="accent1">
-              <a:shade val="15000"/>
-            </a:schemeClr>
-          </a:lnRef>
-          <a:fillRef idx="1">
-            <a:schemeClr val="accent1"/>
-          </a:fillRef>
-          <a:effectRef idx="0">
-            <a:schemeClr val="accent1"/>
-          </a:effectRef>
-          <a:fontRef idx="minor">
-            <a:schemeClr val="lt1"/>
-          </a:fontRef>
-        </p:style>
-        <p:txBody>
-          <a:bodyPr rtlCol="0" anchor="ctr"/>
-          <a:lstStyle/>
-          <a:p>
-            <a:pPr algn="ctr"/>
-            <a:r>
-              <a:rPr kumimoji="1" lang="ja-JP" altLang="en-US" sz="1200" dirty="0">
-                <a:solidFill>
-                  <a:schemeClr val="tx1"/>
-                </a:solidFill>
-              </a:rPr>
-              <a:t>中止</a:t>
-            </a:r>
-          </a:p>
-        </p:txBody>
-      </p:sp>
-      <p:sp>
-        <p:nvSpPr>
-          <p:cNvPr id="50" name="正方形/長方形 49">
-            <a:extLst>
-              <a:ext uri="{FF2B5EF4-FFF2-40B4-BE49-F238E27FC236}">
-                <a16:creationId xmlns:a16="http://schemas.microsoft.com/office/drawing/2014/main" id="{92A6EE1A-A51D-82E9-E944-C19DCC5F2379}"/>
-              </a:ext>
-            </a:extLst>
-          </p:cNvPr>
-          <p:cNvSpPr/>
-          <p:nvPr/>
-        </p:nvSpPr>
-        <p:spPr>
-          <a:xfrm>
-            <a:off x="2156239" y="4267403"/>
-            <a:ext cx="834886" cy="369332"/>
-          </a:xfrm>
-          <a:prstGeom prst="rect">
-            <a:avLst/>
-          </a:prstGeom>
-          <a:noFill/>
-        </p:spPr>
-        <p:style>
-          <a:lnRef idx="2">
-            <a:schemeClr val="accent1">
-              <a:shade val="15000"/>
-            </a:schemeClr>
-          </a:lnRef>
-          <a:fillRef idx="1">
-            <a:schemeClr val="accent1"/>
-          </a:fillRef>
-          <a:effectRef idx="0">
-            <a:schemeClr val="accent1"/>
-          </a:effectRef>
-          <a:fontRef idx="minor">
-            <a:schemeClr val="lt1"/>
-          </a:fontRef>
-        </p:style>
-        <p:txBody>
-          <a:bodyPr rtlCol="0" anchor="ctr"/>
-          <a:lstStyle/>
-          <a:p>
-            <a:pPr algn="ctr"/>
-            <a:r>
-              <a:rPr kumimoji="1" lang="ja-JP" altLang="en-US" sz="1200" dirty="0">
-                <a:solidFill>
-                  <a:schemeClr val="tx1"/>
-                </a:solidFill>
-              </a:rPr>
-              <a:t>次へ</a:t>
-            </a:r>
-          </a:p>
-        </p:txBody>
-      </p:sp>
-      <p:sp>
-        <p:nvSpPr>
-          <p:cNvPr id="52" name="テキスト ボックス 51">
-            <a:extLst>
-              <a:ext uri="{FF2B5EF4-FFF2-40B4-BE49-F238E27FC236}">
-                <a16:creationId xmlns:a16="http://schemas.microsoft.com/office/drawing/2014/main" id="{7A1C385C-F55F-3FB8-7C8B-3AD96B862A6F}"/>
-              </a:ext>
-            </a:extLst>
-          </p:cNvPr>
-          <p:cNvSpPr txBox="1"/>
-          <p:nvPr/>
-        </p:nvSpPr>
-        <p:spPr>
-          <a:xfrm>
-            <a:off x="5675244" y="1397240"/>
-            <a:ext cx="6182138" cy="1200329"/>
-          </a:xfrm>
-          <a:prstGeom prst="rect">
-            <a:avLst/>
-          </a:prstGeom>
-          <a:noFill/>
-        </p:spPr>
-        <p:txBody>
-          <a:bodyPr wrap="square" rtlCol="0">
-            <a:spAutoFit/>
-          </a:bodyPr>
-          <a:lstStyle/>
-          <a:p>
-            <a:pPr marL="285750" indent="-285750">
-              <a:buFont typeface="Wingdings" panose="05000000000000000000" pitchFamily="2" charset="2"/>
-              <a:buChar char="l"/>
-            </a:pPr>
-            <a:r>
-              <a:rPr kumimoji="1" lang="ja-JP" altLang="en-US" dirty="0"/>
-              <a:t>中止</a:t>
-            </a:r>
-            <a:endParaRPr kumimoji="1" lang="en-US" altLang="ja-JP" dirty="0"/>
-          </a:p>
-          <a:p>
-            <a:pPr marL="742950" lvl="1" indent="-285750">
-              <a:buFont typeface="Wingdings" panose="05000000000000000000" pitchFamily="2" charset="2"/>
-              <a:buChar char="ü"/>
-            </a:pPr>
-            <a:r>
-              <a:rPr kumimoji="1" lang="ja-JP" altLang="en-US" dirty="0"/>
-              <a:t>修正トップページ</a:t>
-            </a:r>
-            <a:endParaRPr kumimoji="1" lang="en-US" altLang="ja-JP" dirty="0"/>
-          </a:p>
-          <a:p>
-            <a:pPr marL="285750" indent="-285750">
-              <a:buFont typeface="Wingdings" panose="05000000000000000000" pitchFamily="2" charset="2"/>
-              <a:buChar char="l"/>
-            </a:pPr>
-            <a:r>
-              <a:rPr kumimoji="1" lang="ja-JP" altLang="en-US" dirty="0"/>
-              <a:t>次へ</a:t>
-            </a:r>
-            <a:endParaRPr kumimoji="1" lang="en-US" altLang="ja-JP" dirty="0"/>
-          </a:p>
-          <a:p>
-            <a:pPr marL="742950" lvl="1" indent="-285750">
-              <a:buFont typeface="Wingdings" panose="05000000000000000000" pitchFamily="2" charset="2"/>
-              <a:buChar char="ü"/>
-            </a:pPr>
-            <a:r>
-              <a:rPr kumimoji="1" lang="ja-JP" altLang="en-US" dirty="0"/>
-              <a:t>画像選択ページ</a:t>
-            </a:r>
-            <a:endParaRPr kumimoji="1" lang="en-US" altLang="ja-JP" dirty="0"/>
-          </a:p>
-        </p:txBody>
-      </p:sp>
-    </p:spTree>
-    <p:extLst>
-      <p:ext uri="{BB962C8B-B14F-4D97-AF65-F5344CB8AC3E}">
-        <p14:creationId xmlns:p14="http://schemas.microsoft.com/office/powerpoint/2010/main" val="98850743"/>
-      </p:ext>
-    </p:extLst>
-  </p:cSld>
-  <p:clrMapOvr>
-    <a:masterClrMapping/>
-  </p:clrMapOvr>
-</p:sld>
-</file>
-
-<file path=ppt/slides/slide46.xml><?xml version="1.0" encoding="utf-8"?>
-<p:sld xmlns:a="http://schemas.openxmlformats.org/drawingml/2006/main" xmlns:r="http://schemas.openxmlformats.org/officeDocument/2006/relationships" xmlns:p="http://schemas.openxmlformats.org/presentationml/2006/main">
-  <p:cSld>
-    <p:spTree>
-      <p:nvGrpSpPr>
-        <p:cNvPr id="1" name="">
-          <a:extLst>
-            <a:ext uri="{FF2B5EF4-FFF2-40B4-BE49-F238E27FC236}">
-              <a16:creationId xmlns:a16="http://schemas.microsoft.com/office/drawing/2014/main" id="{DB79F67A-EF15-2696-B840-76F96B4F831F}"/>
-            </a:ext>
-          </a:extLst>
-        </p:cNvPr>
-        <p:cNvGrpSpPr/>
-        <p:nvPr/>
-      </p:nvGrpSpPr>
-      <p:grpSpPr>
-        <a:xfrm>
-          <a:off x="0" y="0"/>
-          <a:ext cx="0" cy="0"/>
-          <a:chOff x="0" y="0"/>
-          <a:chExt cx="0" cy="0"/>
-        </a:xfrm>
-      </p:grpSpPr>
-      <p:cxnSp>
-        <p:nvCxnSpPr>
-          <p:cNvPr id="4" name="直線コネクタ 3">
-            <a:extLst>
-              <a:ext uri="{FF2B5EF4-FFF2-40B4-BE49-F238E27FC236}">
-                <a16:creationId xmlns:a16="http://schemas.microsoft.com/office/drawing/2014/main" id="{A9C0C61C-8568-101D-50E0-0623D37B2258}"/>
-              </a:ext>
-            </a:extLst>
-          </p:cNvPr>
-          <p:cNvCxnSpPr/>
-          <p:nvPr/>
-        </p:nvCxnSpPr>
-        <p:spPr>
-          <a:xfrm>
-            <a:off x="228600" y="755374"/>
-            <a:ext cx="11936896" cy="0"/>
-          </a:xfrm>
-          <a:prstGeom prst="line">
-            <a:avLst/>
-          </a:prstGeom>
-        </p:spPr>
-        <p:style>
-          <a:lnRef idx="2">
-            <a:schemeClr val="accent1"/>
-          </a:lnRef>
-          <a:fillRef idx="0">
-            <a:schemeClr val="accent1"/>
-          </a:fillRef>
-          <a:effectRef idx="1">
-            <a:schemeClr val="accent1"/>
-          </a:effectRef>
-          <a:fontRef idx="minor">
-            <a:schemeClr val="tx1"/>
-          </a:fontRef>
-        </p:style>
-      </p:cxnSp>
-      <p:sp>
-        <p:nvSpPr>
-          <p:cNvPr id="5" name="テキスト ボックス 4">
-            <a:extLst>
-              <a:ext uri="{FF2B5EF4-FFF2-40B4-BE49-F238E27FC236}">
-                <a16:creationId xmlns:a16="http://schemas.microsoft.com/office/drawing/2014/main" id="{DA343C08-A8F5-EE08-F4BD-03A2E64B55AD}"/>
-              </a:ext>
-            </a:extLst>
-          </p:cNvPr>
-          <p:cNvSpPr txBox="1"/>
-          <p:nvPr/>
-        </p:nvSpPr>
-        <p:spPr>
-          <a:xfrm>
-            <a:off x="407504" y="198783"/>
-            <a:ext cx="3796748" cy="369332"/>
-          </a:xfrm>
-          <a:prstGeom prst="rect">
-            <a:avLst/>
-          </a:prstGeom>
-          <a:noFill/>
-        </p:spPr>
-        <p:txBody>
-          <a:bodyPr wrap="square" rtlCol="0">
-            <a:spAutoFit/>
-          </a:bodyPr>
-          <a:lstStyle/>
-          <a:p>
-            <a:r>
-              <a:rPr kumimoji="1" lang="ja-JP" altLang="en-US" dirty="0"/>
-              <a:t>修正：画像選択</a:t>
-            </a:r>
-          </a:p>
-        </p:txBody>
-      </p:sp>
-      <p:sp>
-        <p:nvSpPr>
-          <p:cNvPr id="6" name="テキスト ボックス 5">
-            <a:extLst>
-              <a:ext uri="{FF2B5EF4-FFF2-40B4-BE49-F238E27FC236}">
-                <a16:creationId xmlns:a16="http://schemas.microsoft.com/office/drawing/2014/main" id="{761DD57A-23B8-1CBA-34BE-86BFC8BEC0C7}"/>
-              </a:ext>
-            </a:extLst>
-          </p:cNvPr>
-          <p:cNvSpPr txBox="1"/>
-          <p:nvPr/>
-        </p:nvSpPr>
-        <p:spPr>
-          <a:xfrm>
-            <a:off x="1016277" y="1249866"/>
-            <a:ext cx="3579742" cy="369332"/>
-          </a:xfrm>
-          <a:prstGeom prst="rect">
-            <a:avLst/>
-          </a:prstGeom>
-          <a:noFill/>
-        </p:spPr>
-        <p:txBody>
-          <a:bodyPr wrap="square" rtlCol="0">
-            <a:spAutoFit/>
-          </a:bodyPr>
-          <a:lstStyle/>
-          <a:p>
-            <a:r>
-              <a:rPr kumimoji="1" lang="ja-JP" altLang="en-US" dirty="0"/>
-              <a:t>展示物画像</a:t>
-            </a:r>
-          </a:p>
-        </p:txBody>
-      </p:sp>
-      <p:sp>
-        <p:nvSpPr>
-          <p:cNvPr id="38" name="テキスト ボックス 37">
-            <a:extLst>
-              <a:ext uri="{FF2B5EF4-FFF2-40B4-BE49-F238E27FC236}">
-                <a16:creationId xmlns:a16="http://schemas.microsoft.com/office/drawing/2014/main" id="{44A8605A-DE5A-07F3-C682-C53D69979362}"/>
-              </a:ext>
-            </a:extLst>
-          </p:cNvPr>
-          <p:cNvSpPr txBox="1"/>
-          <p:nvPr/>
-        </p:nvSpPr>
-        <p:spPr>
-          <a:xfrm>
-            <a:off x="3975652" y="252657"/>
-            <a:ext cx="7535628" cy="369332"/>
-          </a:xfrm>
-          <a:prstGeom prst="rect">
-            <a:avLst/>
-          </a:prstGeom>
-          <a:noFill/>
-        </p:spPr>
-        <p:txBody>
-          <a:bodyPr wrap="square" rtlCol="0">
-            <a:spAutoFit/>
-          </a:bodyPr>
-          <a:lstStyle/>
-          <a:p>
-            <a:r>
-              <a:rPr kumimoji="1" lang="ja-JP" altLang="en-US" dirty="0"/>
-              <a:t>凡例：点線ボックスはエディットボックス、実線ボックスはボタン</a:t>
-            </a:r>
-          </a:p>
-        </p:txBody>
-      </p:sp>
-      <p:sp>
-        <p:nvSpPr>
-          <p:cNvPr id="47" name="テキスト ボックス 46">
-            <a:extLst>
-              <a:ext uri="{FF2B5EF4-FFF2-40B4-BE49-F238E27FC236}">
-                <a16:creationId xmlns:a16="http://schemas.microsoft.com/office/drawing/2014/main" id="{669AA25D-7A06-ACB9-8A76-69E1C98D4CF4}"/>
-              </a:ext>
-            </a:extLst>
-          </p:cNvPr>
-          <p:cNvSpPr txBox="1"/>
-          <p:nvPr/>
-        </p:nvSpPr>
-        <p:spPr>
-          <a:xfrm>
-            <a:off x="955814" y="4081469"/>
-            <a:ext cx="3921760" cy="369323"/>
-          </a:xfrm>
-          <a:prstGeom prst="rect">
-            <a:avLst/>
-          </a:prstGeom>
-          <a:noFill/>
-        </p:spPr>
-        <p:txBody>
-          <a:bodyPr wrap="square" rtlCol="0">
-            <a:spAutoFit/>
-          </a:bodyPr>
-          <a:lstStyle/>
-          <a:p>
-            <a:r>
-              <a:rPr kumimoji="1" lang="ja-JP" altLang="en-US" dirty="0"/>
-              <a:t>未使用言語は何も入れない</a:t>
-            </a:r>
-          </a:p>
-        </p:txBody>
-      </p:sp>
-      <p:sp>
-        <p:nvSpPr>
-          <p:cNvPr id="48" name="正方形/長方形 47">
-            <a:extLst>
-              <a:ext uri="{FF2B5EF4-FFF2-40B4-BE49-F238E27FC236}">
-                <a16:creationId xmlns:a16="http://schemas.microsoft.com/office/drawing/2014/main" id="{E276CBCF-7029-FA86-9EF9-FB061688F562}"/>
-              </a:ext>
-            </a:extLst>
-          </p:cNvPr>
-          <p:cNvSpPr/>
-          <p:nvPr/>
-        </p:nvSpPr>
-        <p:spPr>
-          <a:xfrm>
-            <a:off x="711201" y="1079037"/>
-            <a:ext cx="4338320" cy="4864563"/>
-          </a:xfrm>
-          <a:prstGeom prst="rect">
-            <a:avLst/>
-          </a:prstGeom>
-          <a:noFill/>
-        </p:spPr>
-        <p:style>
-          <a:lnRef idx="2">
-            <a:schemeClr val="accent1">
-              <a:shade val="15000"/>
-            </a:schemeClr>
-          </a:lnRef>
-          <a:fillRef idx="1">
-            <a:schemeClr val="accent1"/>
-          </a:fillRef>
-          <a:effectRef idx="0">
-            <a:schemeClr val="accent1"/>
-          </a:effectRef>
-          <a:fontRef idx="minor">
-            <a:schemeClr val="lt1"/>
-          </a:fontRef>
-        </p:style>
-        <p:txBody>
-          <a:bodyPr rtlCol="0" anchor="ctr"/>
-          <a:lstStyle/>
-          <a:p>
-            <a:pPr algn="ctr"/>
-            <a:endParaRPr kumimoji="1" lang="ja-JP" altLang="en-US" sz="1200" dirty="0">
-              <a:solidFill>
-                <a:schemeClr val="tx1"/>
-              </a:solidFill>
-            </a:endParaRPr>
-          </a:p>
-        </p:txBody>
-      </p:sp>
-      <p:sp>
-        <p:nvSpPr>
-          <p:cNvPr id="49" name="正方形/長方形 48">
-            <a:extLst>
-              <a:ext uri="{FF2B5EF4-FFF2-40B4-BE49-F238E27FC236}">
-                <a16:creationId xmlns:a16="http://schemas.microsoft.com/office/drawing/2014/main" id="{A1BB6215-4B5E-38BD-774C-B906DFC9C757}"/>
-              </a:ext>
-            </a:extLst>
-          </p:cNvPr>
-          <p:cNvSpPr/>
-          <p:nvPr/>
-        </p:nvSpPr>
-        <p:spPr>
-          <a:xfrm>
-            <a:off x="1105454" y="4871832"/>
-            <a:ext cx="834886" cy="369332"/>
-          </a:xfrm>
-          <a:prstGeom prst="rect">
-            <a:avLst/>
-          </a:prstGeom>
-          <a:noFill/>
-        </p:spPr>
-        <p:style>
-          <a:lnRef idx="2">
-            <a:schemeClr val="accent1">
-              <a:shade val="15000"/>
-            </a:schemeClr>
-          </a:lnRef>
-          <a:fillRef idx="1">
-            <a:schemeClr val="accent1"/>
-          </a:fillRef>
-          <a:effectRef idx="0">
-            <a:schemeClr val="accent1"/>
-          </a:effectRef>
-          <a:fontRef idx="minor">
-            <a:schemeClr val="lt1"/>
-          </a:fontRef>
-        </p:style>
-        <p:txBody>
-          <a:bodyPr rtlCol="0" anchor="ctr"/>
-          <a:lstStyle/>
-          <a:p>
-            <a:pPr algn="ctr"/>
-            <a:r>
-              <a:rPr kumimoji="1" lang="ja-JP" altLang="en-US" sz="1200" dirty="0">
-                <a:solidFill>
-                  <a:schemeClr val="tx1"/>
-                </a:solidFill>
-              </a:rPr>
-              <a:t>中止</a:t>
-            </a:r>
-          </a:p>
-        </p:txBody>
-      </p:sp>
-      <p:sp>
-        <p:nvSpPr>
-          <p:cNvPr id="50" name="正方形/長方形 49">
-            <a:extLst>
-              <a:ext uri="{FF2B5EF4-FFF2-40B4-BE49-F238E27FC236}">
-                <a16:creationId xmlns:a16="http://schemas.microsoft.com/office/drawing/2014/main" id="{3481D28B-F737-9EF8-72FE-5F90065DBF84}"/>
-              </a:ext>
-            </a:extLst>
-          </p:cNvPr>
-          <p:cNvSpPr/>
-          <p:nvPr/>
-        </p:nvSpPr>
-        <p:spPr>
-          <a:xfrm>
-            <a:off x="2245416" y="4871832"/>
-            <a:ext cx="834886" cy="369332"/>
-          </a:xfrm>
-          <a:prstGeom prst="rect">
-            <a:avLst/>
-          </a:prstGeom>
-          <a:noFill/>
-        </p:spPr>
-        <p:style>
-          <a:lnRef idx="2">
-            <a:schemeClr val="accent1">
-              <a:shade val="15000"/>
-            </a:schemeClr>
-          </a:lnRef>
-          <a:fillRef idx="1">
-            <a:schemeClr val="accent1"/>
-          </a:fillRef>
-          <a:effectRef idx="0">
-            <a:schemeClr val="accent1"/>
-          </a:effectRef>
-          <a:fontRef idx="minor">
-            <a:schemeClr val="lt1"/>
-          </a:fontRef>
-        </p:style>
-        <p:txBody>
-          <a:bodyPr rtlCol="0" anchor="ctr"/>
-          <a:lstStyle/>
-          <a:p>
-            <a:pPr algn="ctr"/>
-            <a:r>
-              <a:rPr kumimoji="1" lang="ja-JP" altLang="en-US" sz="1200" dirty="0">
-                <a:solidFill>
-                  <a:schemeClr val="tx1"/>
-                </a:solidFill>
-              </a:rPr>
-              <a:t>次へ</a:t>
-            </a:r>
-          </a:p>
-        </p:txBody>
-      </p:sp>
-      <p:sp>
-        <p:nvSpPr>
-          <p:cNvPr id="52" name="テキスト ボックス 51">
-            <a:extLst>
-              <a:ext uri="{FF2B5EF4-FFF2-40B4-BE49-F238E27FC236}">
-                <a16:creationId xmlns:a16="http://schemas.microsoft.com/office/drawing/2014/main" id="{A5F92EA2-03A0-73E2-8DA8-51DA50B7B255}"/>
-              </a:ext>
-            </a:extLst>
-          </p:cNvPr>
-          <p:cNvSpPr txBox="1"/>
-          <p:nvPr/>
-        </p:nvSpPr>
-        <p:spPr>
-          <a:xfrm>
-            <a:off x="5675244" y="1397240"/>
-            <a:ext cx="6182138" cy="2031325"/>
-          </a:xfrm>
-          <a:prstGeom prst="rect">
-            <a:avLst/>
-          </a:prstGeom>
-          <a:noFill/>
-        </p:spPr>
-        <p:txBody>
-          <a:bodyPr wrap="square" rtlCol="0">
-            <a:spAutoFit/>
-          </a:bodyPr>
-          <a:lstStyle/>
-          <a:p>
-            <a:pPr marL="285750" indent="-285750">
-              <a:buFont typeface="Wingdings" panose="05000000000000000000" pitchFamily="2" charset="2"/>
-              <a:buChar char="l"/>
-            </a:pPr>
-            <a:r>
-              <a:rPr kumimoji="1" lang="ja-JP" altLang="en-US" dirty="0"/>
-              <a:t>中止</a:t>
-            </a:r>
-            <a:endParaRPr kumimoji="1" lang="en-US" altLang="ja-JP" dirty="0"/>
-          </a:p>
-          <a:p>
-            <a:pPr marL="742950" lvl="1" indent="-285750">
-              <a:buFont typeface="Wingdings" panose="05000000000000000000" pitchFamily="2" charset="2"/>
-              <a:buChar char="ü"/>
-            </a:pPr>
-            <a:r>
-              <a:rPr kumimoji="1" lang="ja-JP" altLang="en-US" dirty="0"/>
-              <a:t>修正トップページ</a:t>
-            </a:r>
-            <a:endParaRPr kumimoji="1" lang="en-US" altLang="ja-JP" dirty="0"/>
-          </a:p>
-          <a:p>
-            <a:pPr marL="285750" indent="-285750">
-              <a:buFont typeface="Wingdings" panose="05000000000000000000" pitchFamily="2" charset="2"/>
-              <a:buChar char="l"/>
-            </a:pPr>
-            <a:r>
-              <a:rPr kumimoji="1" lang="ja-JP" altLang="en-US" dirty="0"/>
-              <a:t>選択</a:t>
-            </a:r>
-            <a:endParaRPr kumimoji="1" lang="en-US" altLang="ja-JP" dirty="0"/>
-          </a:p>
-          <a:p>
-            <a:pPr marL="742950" lvl="1" indent="-285750">
-              <a:buFont typeface="Wingdings" panose="05000000000000000000" pitchFamily="2" charset="2"/>
-              <a:buChar char="ü"/>
-            </a:pPr>
-            <a:r>
-              <a:rPr kumimoji="1" lang="ja-JP" altLang="en-US" dirty="0"/>
-              <a:t>ファイル名入力欄に入力されたファイルを確定</a:t>
-            </a:r>
-            <a:endParaRPr kumimoji="1" lang="en-US" altLang="ja-JP" dirty="0"/>
-          </a:p>
-          <a:p>
-            <a:pPr marL="742950" lvl="1" indent="-285750">
-              <a:buFont typeface="Wingdings" panose="05000000000000000000" pitchFamily="2" charset="2"/>
-              <a:buChar char="ü"/>
-            </a:pPr>
-            <a:r>
-              <a:rPr kumimoji="1" lang="ja-JP" altLang="en-US" dirty="0"/>
-              <a:t>確定したファイル画像が表示される</a:t>
-            </a:r>
-            <a:endParaRPr kumimoji="1" lang="en-US" altLang="ja-JP" dirty="0"/>
-          </a:p>
-          <a:p>
-            <a:pPr marL="285750" indent="-285750">
-              <a:buFont typeface="Wingdings" panose="05000000000000000000" pitchFamily="2" charset="2"/>
-              <a:buChar char="l"/>
-            </a:pPr>
-            <a:r>
-              <a:rPr kumimoji="1" lang="ja-JP" altLang="en-US" dirty="0"/>
-              <a:t>次へ</a:t>
-            </a:r>
-            <a:endParaRPr kumimoji="1" lang="en-US" altLang="ja-JP" dirty="0"/>
-          </a:p>
-          <a:p>
-            <a:pPr marL="742950" lvl="1" indent="-285750">
-              <a:buFont typeface="Wingdings" panose="05000000000000000000" pitchFamily="2" charset="2"/>
-              <a:buChar char="ü"/>
-            </a:pPr>
-            <a:r>
-              <a:rPr kumimoji="1" lang="ja-JP" altLang="en-US" dirty="0"/>
-              <a:t>説明文入力欄に移動</a:t>
-            </a:r>
-            <a:endParaRPr kumimoji="1" lang="en-US" altLang="ja-JP" dirty="0"/>
-          </a:p>
-        </p:txBody>
-      </p:sp>
-      <p:sp>
-        <p:nvSpPr>
-          <p:cNvPr id="3" name="正方形/長方形 2">
-            <a:extLst>
-              <a:ext uri="{FF2B5EF4-FFF2-40B4-BE49-F238E27FC236}">
-                <a16:creationId xmlns:a16="http://schemas.microsoft.com/office/drawing/2014/main" id="{7B5DC4DA-066A-7198-6190-F2CA23082FE4}"/>
-              </a:ext>
-            </a:extLst>
-          </p:cNvPr>
-          <p:cNvSpPr/>
-          <p:nvPr/>
-        </p:nvSpPr>
-        <p:spPr>
-          <a:xfrm>
-            <a:off x="996399" y="3581581"/>
-            <a:ext cx="2837301" cy="369332"/>
-          </a:xfrm>
-          <a:prstGeom prst="rect">
-            <a:avLst/>
-          </a:prstGeom>
-          <a:noFill/>
-          <a:ln>
-            <a:prstDash val="dash"/>
-          </a:ln>
-        </p:spPr>
-        <p:style>
-          <a:lnRef idx="2">
-            <a:schemeClr val="accent1">
-              <a:shade val="15000"/>
-            </a:schemeClr>
-          </a:lnRef>
-          <a:fillRef idx="1">
-            <a:schemeClr val="accent1"/>
-          </a:fillRef>
-          <a:effectRef idx="0">
-            <a:schemeClr val="accent1"/>
-          </a:effectRef>
-          <a:fontRef idx="minor">
-            <a:schemeClr val="lt1"/>
-          </a:fontRef>
-        </p:style>
-        <p:txBody>
-          <a:bodyPr rtlCol="0" anchor="ctr"/>
-          <a:lstStyle/>
-          <a:p>
-            <a:pPr algn="ctr"/>
-            <a:r>
-              <a:rPr kumimoji="1" lang="ja-JP" altLang="en-US" sz="1200" dirty="0">
-                <a:solidFill>
-                  <a:schemeClr val="tx1"/>
-                </a:solidFill>
-              </a:rPr>
-              <a:t>ファイル名入力欄</a:t>
-            </a:r>
-          </a:p>
-        </p:txBody>
-      </p:sp>
-      <p:sp>
-        <p:nvSpPr>
-          <p:cNvPr id="7" name="正方形/長方形 6">
-            <a:extLst>
-              <a:ext uri="{FF2B5EF4-FFF2-40B4-BE49-F238E27FC236}">
-                <a16:creationId xmlns:a16="http://schemas.microsoft.com/office/drawing/2014/main" id="{8CFB2961-AD0D-8A4E-F03D-85B82E050EE8}"/>
-              </a:ext>
-            </a:extLst>
-          </p:cNvPr>
-          <p:cNvSpPr/>
-          <p:nvPr/>
-        </p:nvSpPr>
-        <p:spPr>
-          <a:xfrm>
-            <a:off x="3977862" y="3581581"/>
-            <a:ext cx="834886" cy="369332"/>
-          </a:xfrm>
-          <a:prstGeom prst="rect">
-            <a:avLst/>
-          </a:prstGeom>
-          <a:noFill/>
-        </p:spPr>
-        <p:style>
-          <a:lnRef idx="2">
-            <a:schemeClr val="accent1">
-              <a:shade val="15000"/>
-            </a:schemeClr>
-          </a:lnRef>
-          <a:fillRef idx="1">
-            <a:schemeClr val="accent1"/>
-          </a:fillRef>
-          <a:effectRef idx="0">
-            <a:schemeClr val="accent1"/>
-          </a:effectRef>
-          <a:fontRef idx="minor">
-            <a:schemeClr val="lt1"/>
-          </a:fontRef>
-        </p:style>
-        <p:txBody>
-          <a:bodyPr rtlCol="0" anchor="ctr"/>
-          <a:lstStyle/>
-          <a:p>
-            <a:pPr algn="ctr"/>
-            <a:r>
-              <a:rPr kumimoji="1" lang="ja-JP" altLang="en-US" sz="1200" dirty="0">
-                <a:solidFill>
-                  <a:schemeClr val="tx1"/>
-                </a:solidFill>
-              </a:rPr>
-              <a:t>選択</a:t>
-            </a:r>
-          </a:p>
-        </p:txBody>
-      </p:sp>
-      <p:pic>
-        <p:nvPicPr>
-          <p:cNvPr id="8" name="図 7" descr="テーブル, 座る, ベッド, 横たわる が含まれている画像&#10;&#10;AI 生成コンテンツは誤りを含む可能性があります。">
-            <a:extLst>
-              <a:ext uri="{FF2B5EF4-FFF2-40B4-BE49-F238E27FC236}">
-                <a16:creationId xmlns:a16="http://schemas.microsoft.com/office/drawing/2014/main" id="{674ED103-3CBA-091D-699E-7DF78D905209}"/>
-              </a:ext>
-            </a:extLst>
-          </p:cNvPr>
-          <p:cNvPicPr>
-            <a:picLocks noChangeAspect="1"/>
-          </p:cNvPicPr>
-          <p:nvPr/>
-        </p:nvPicPr>
-        <p:blipFill>
-          <a:blip r:embed="rId2"/>
-          <a:stretch>
-            <a:fillRect/>
-          </a:stretch>
-        </p:blipFill>
-        <p:spPr>
-          <a:xfrm>
-            <a:off x="1252169" y="1790027"/>
-            <a:ext cx="1182758" cy="1414482"/>
-          </a:xfrm>
-          <a:prstGeom prst="rect">
-            <a:avLst/>
-          </a:prstGeom>
-        </p:spPr>
-      </p:pic>
-      <p:sp>
-        <p:nvSpPr>
-          <p:cNvPr id="9" name="吹き出し: 四角形 8">
-            <a:extLst>
-              <a:ext uri="{FF2B5EF4-FFF2-40B4-BE49-F238E27FC236}">
-                <a16:creationId xmlns:a16="http://schemas.microsoft.com/office/drawing/2014/main" id="{584426B7-1409-04CB-D612-AC71DC3AEBE4}"/>
-              </a:ext>
-            </a:extLst>
-          </p:cNvPr>
-          <p:cNvSpPr/>
-          <p:nvPr/>
-        </p:nvSpPr>
-        <p:spPr>
-          <a:xfrm>
-            <a:off x="2865424" y="1978214"/>
-            <a:ext cx="1338828" cy="619355"/>
-          </a:xfrm>
-          <a:prstGeom prst="wedgeRectCallout">
-            <a:avLst>
-              <a:gd name="adj1" fmla="val -76511"/>
-              <a:gd name="adj2" fmla="val 76942"/>
-            </a:avLst>
-          </a:prstGeom>
-          <a:noFill/>
-        </p:spPr>
-        <p:style>
-          <a:lnRef idx="2">
-            <a:schemeClr val="accent1">
-              <a:shade val="15000"/>
-            </a:schemeClr>
-          </a:lnRef>
-          <a:fillRef idx="1">
-            <a:schemeClr val="accent1"/>
-          </a:fillRef>
-          <a:effectRef idx="0">
-            <a:schemeClr val="accent1"/>
-          </a:effectRef>
-          <a:fontRef idx="minor">
-            <a:schemeClr val="lt1"/>
-          </a:fontRef>
-        </p:style>
-        <p:txBody>
-          <a:bodyPr rtlCol="0" anchor="ctr"/>
-          <a:lstStyle/>
-          <a:p>
-            <a:pPr algn="ctr"/>
-            <a:r>
-              <a:rPr kumimoji="1" lang="ja-JP" altLang="en-US" sz="1200" dirty="0">
-                <a:solidFill>
-                  <a:schemeClr val="tx1"/>
-                </a:solidFill>
-              </a:rPr>
-              <a:t>ここに画像が表示される</a:t>
-            </a:r>
-          </a:p>
-        </p:txBody>
-      </p:sp>
-    </p:spTree>
-    <p:extLst>
-      <p:ext uri="{BB962C8B-B14F-4D97-AF65-F5344CB8AC3E}">
-        <p14:creationId xmlns:p14="http://schemas.microsoft.com/office/powerpoint/2010/main" val="2182266341"/>
-      </p:ext>
-    </p:extLst>
-  </p:cSld>
-  <p:clrMapOvr>
-    <a:masterClrMapping/>
-  </p:clrMapOvr>
-</p:sld>
-</file>
-
-<file path=ppt/slides/slide47.xml><?xml version="1.0" encoding="utf-8"?>
-<p:sld xmlns:a="http://schemas.openxmlformats.org/drawingml/2006/main" xmlns:r="http://schemas.openxmlformats.org/officeDocument/2006/relationships" xmlns:p="http://schemas.openxmlformats.org/presentationml/2006/main">
-  <p:cSld>
-    <p:spTree>
-      <p:nvGrpSpPr>
-        <p:cNvPr id="1" name="">
-          <a:extLst>
-            <a:ext uri="{FF2B5EF4-FFF2-40B4-BE49-F238E27FC236}">
-              <a16:creationId xmlns:a16="http://schemas.microsoft.com/office/drawing/2014/main" id="{B1983816-7B69-41CB-ADC6-C57438869853}"/>
-            </a:ext>
-          </a:extLst>
-        </p:cNvPr>
-        <p:cNvGrpSpPr/>
-        <p:nvPr/>
-      </p:nvGrpSpPr>
-      <p:grpSpPr>
-        <a:xfrm>
-          <a:off x="0" y="0"/>
-          <a:ext cx="0" cy="0"/>
-          <a:chOff x="0" y="0"/>
-          <a:chExt cx="0" cy="0"/>
-        </a:xfrm>
-      </p:grpSpPr>
-      <p:cxnSp>
-        <p:nvCxnSpPr>
-          <p:cNvPr id="4" name="直線コネクタ 3">
-            <a:extLst>
-              <a:ext uri="{FF2B5EF4-FFF2-40B4-BE49-F238E27FC236}">
-                <a16:creationId xmlns:a16="http://schemas.microsoft.com/office/drawing/2014/main" id="{9374D7C5-EB2C-58A2-FC40-BF78243F1B5A}"/>
-              </a:ext>
-            </a:extLst>
-          </p:cNvPr>
-          <p:cNvCxnSpPr/>
-          <p:nvPr/>
-        </p:nvCxnSpPr>
-        <p:spPr>
-          <a:xfrm>
-            <a:off x="228600" y="755374"/>
-            <a:ext cx="11936896" cy="0"/>
-          </a:xfrm>
-          <a:prstGeom prst="line">
-            <a:avLst/>
-          </a:prstGeom>
-        </p:spPr>
-        <p:style>
-          <a:lnRef idx="2">
-            <a:schemeClr val="accent1"/>
-          </a:lnRef>
-          <a:fillRef idx="0">
-            <a:schemeClr val="accent1"/>
-          </a:fillRef>
-          <a:effectRef idx="1">
-            <a:schemeClr val="accent1"/>
-          </a:effectRef>
-          <a:fontRef idx="minor">
-            <a:schemeClr val="tx1"/>
-          </a:fontRef>
-        </p:style>
-      </p:cxnSp>
-      <p:sp>
-        <p:nvSpPr>
-          <p:cNvPr id="5" name="テキスト ボックス 4">
-            <a:extLst>
-              <a:ext uri="{FF2B5EF4-FFF2-40B4-BE49-F238E27FC236}">
-                <a16:creationId xmlns:a16="http://schemas.microsoft.com/office/drawing/2014/main" id="{58DEB5FA-6A0F-5C6E-73D8-0F6E00C4E59A}"/>
-              </a:ext>
-            </a:extLst>
-          </p:cNvPr>
-          <p:cNvSpPr txBox="1"/>
-          <p:nvPr/>
-        </p:nvSpPr>
-        <p:spPr>
-          <a:xfrm>
-            <a:off x="407504" y="198783"/>
-            <a:ext cx="3796748" cy="369332"/>
-          </a:xfrm>
-          <a:prstGeom prst="rect">
-            <a:avLst/>
-          </a:prstGeom>
-          <a:noFill/>
-        </p:spPr>
-        <p:txBody>
-          <a:bodyPr wrap="square" rtlCol="0">
-            <a:spAutoFit/>
-          </a:bodyPr>
-          <a:lstStyle/>
-          <a:p>
-            <a:r>
-              <a:rPr kumimoji="1" lang="ja-JP" altLang="en-US" dirty="0"/>
-              <a:t>修正：説明文入力</a:t>
-            </a:r>
-          </a:p>
-        </p:txBody>
-      </p:sp>
-      <p:sp>
-        <p:nvSpPr>
-          <p:cNvPr id="6" name="テキスト ボックス 5">
-            <a:extLst>
-              <a:ext uri="{FF2B5EF4-FFF2-40B4-BE49-F238E27FC236}">
-                <a16:creationId xmlns:a16="http://schemas.microsoft.com/office/drawing/2014/main" id="{6D926DB8-39D0-E7B8-3468-6F09A3A237A7}"/>
-              </a:ext>
-            </a:extLst>
-          </p:cNvPr>
-          <p:cNvSpPr txBox="1"/>
-          <p:nvPr/>
-        </p:nvSpPr>
-        <p:spPr>
-          <a:xfrm>
-            <a:off x="1016277" y="1249866"/>
-            <a:ext cx="3579742" cy="369332"/>
-          </a:xfrm>
-          <a:prstGeom prst="rect">
-            <a:avLst/>
-          </a:prstGeom>
-          <a:noFill/>
-        </p:spPr>
-        <p:txBody>
-          <a:bodyPr wrap="square" rtlCol="0">
-            <a:spAutoFit/>
-          </a:bodyPr>
-          <a:lstStyle/>
-          <a:p>
-            <a:r>
-              <a:rPr kumimoji="1" lang="ja-JP" altLang="en-US" dirty="0"/>
-              <a:t>説明文入力</a:t>
-            </a:r>
-          </a:p>
-        </p:txBody>
-      </p:sp>
-      <p:sp>
-        <p:nvSpPr>
-          <p:cNvPr id="38" name="テキスト ボックス 37">
-            <a:extLst>
-              <a:ext uri="{FF2B5EF4-FFF2-40B4-BE49-F238E27FC236}">
-                <a16:creationId xmlns:a16="http://schemas.microsoft.com/office/drawing/2014/main" id="{0912BEB1-7029-272E-4174-D34B9A43D7FC}"/>
-              </a:ext>
-            </a:extLst>
-          </p:cNvPr>
-          <p:cNvSpPr txBox="1"/>
-          <p:nvPr/>
-        </p:nvSpPr>
-        <p:spPr>
-          <a:xfrm>
-            <a:off x="3975652" y="252657"/>
-            <a:ext cx="7535628" cy="369332"/>
-          </a:xfrm>
-          <a:prstGeom prst="rect">
-            <a:avLst/>
-          </a:prstGeom>
-          <a:noFill/>
-        </p:spPr>
-        <p:txBody>
-          <a:bodyPr wrap="square" rtlCol="0">
-            <a:spAutoFit/>
-          </a:bodyPr>
-          <a:lstStyle/>
-          <a:p>
-            <a:r>
-              <a:rPr kumimoji="1" lang="ja-JP" altLang="en-US" dirty="0"/>
-              <a:t>凡例：点線ボックスはエディットボックス、実線ボックスはボタン</a:t>
-            </a:r>
-          </a:p>
-        </p:txBody>
-      </p:sp>
-      <p:sp>
-        <p:nvSpPr>
-          <p:cNvPr id="48" name="正方形/長方形 47">
-            <a:extLst>
-              <a:ext uri="{FF2B5EF4-FFF2-40B4-BE49-F238E27FC236}">
-                <a16:creationId xmlns:a16="http://schemas.microsoft.com/office/drawing/2014/main" id="{BF113430-CE55-EF58-569B-6E5E96794839}"/>
-              </a:ext>
-            </a:extLst>
-          </p:cNvPr>
-          <p:cNvSpPr/>
-          <p:nvPr/>
-        </p:nvSpPr>
-        <p:spPr>
-          <a:xfrm>
-            <a:off x="711201" y="1079037"/>
-            <a:ext cx="4338320" cy="4864563"/>
-          </a:xfrm>
-          <a:prstGeom prst="rect">
-            <a:avLst/>
-          </a:prstGeom>
-          <a:noFill/>
-        </p:spPr>
-        <p:style>
-          <a:lnRef idx="2">
-            <a:schemeClr val="accent1">
-              <a:shade val="15000"/>
-            </a:schemeClr>
-          </a:lnRef>
-          <a:fillRef idx="1">
-            <a:schemeClr val="accent1"/>
-          </a:fillRef>
-          <a:effectRef idx="0">
-            <a:schemeClr val="accent1"/>
-          </a:effectRef>
-          <a:fontRef idx="minor">
-            <a:schemeClr val="lt1"/>
-          </a:fontRef>
-        </p:style>
-        <p:txBody>
-          <a:bodyPr rtlCol="0" anchor="ctr"/>
-          <a:lstStyle/>
-          <a:p>
-            <a:pPr algn="ctr"/>
-            <a:endParaRPr kumimoji="1" lang="ja-JP" altLang="en-US" sz="1200" dirty="0">
-              <a:solidFill>
-                <a:schemeClr val="tx1"/>
-              </a:solidFill>
-            </a:endParaRPr>
-          </a:p>
-        </p:txBody>
-      </p:sp>
-      <p:sp>
-        <p:nvSpPr>
-          <p:cNvPr id="49" name="正方形/長方形 48">
-            <a:extLst>
-              <a:ext uri="{FF2B5EF4-FFF2-40B4-BE49-F238E27FC236}">
-                <a16:creationId xmlns:a16="http://schemas.microsoft.com/office/drawing/2014/main" id="{92601AF4-B574-5C92-5E21-176E719C261D}"/>
-              </a:ext>
-            </a:extLst>
-          </p:cNvPr>
-          <p:cNvSpPr/>
-          <p:nvPr/>
-        </p:nvSpPr>
-        <p:spPr>
-          <a:xfrm>
-            <a:off x="1016277" y="5238802"/>
-            <a:ext cx="834886" cy="369332"/>
-          </a:xfrm>
-          <a:prstGeom prst="rect">
-            <a:avLst/>
-          </a:prstGeom>
-          <a:noFill/>
-        </p:spPr>
-        <p:style>
-          <a:lnRef idx="2">
-            <a:schemeClr val="accent1">
-              <a:shade val="15000"/>
-            </a:schemeClr>
-          </a:lnRef>
-          <a:fillRef idx="1">
-            <a:schemeClr val="accent1"/>
-          </a:fillRef>
-          <a:effectRef idx="0">
-            <a:schemeClr val="accent1"/>
-          </a:effectRef>
-          <a:fontRef idx="minor">
-            <a:schemeClr val="lt1"/>
-          </a:fontRef>
-        </p:style>
-        <p:txBody>
-          <a:bodyPr rtlCol="0" anchor="ctr"/>
-          <a:lstStyle/>
-          <a:p>
-            <a:pPr algn="ctr"/>
-            <a:r>
-              <a:rPr kumimoji="1" lang="ja-JP" altLang="en-US" sz="1200" dirty="0">
-                <a:solidFill>
-                  <a:schemeClr val="tx1"/>
-                </a:solidFill>
-              </a:rPr>
-              <a:t>中止</a:t>
-            </a:r>
-          </a:p>
-        </p:txBody>
-      </p:sp>
-      <p:sp>
-        <p:nvSpPr>
-          <p:cNvPr id="50" name="正方形/長方形 49">
-            <a:extLst>
-              <a:ext uri="{FF2B5EF4-FFF2-40B4-BE49-F238E27FC236}">
-                <a16:creationId xmlns:a16="http://schemas.microsoft.com/office/drawing/2014/main" id="{553048A9-6CBD-3F33-6DAC-133CE4B82773}"/>
-              </a:ext>
-            </a:extLst>
-          </p:cNvPr>
-          <p:cNvSpPr/>
-          <p:nvPr/>
-        </p:nvSpPr>
-        <p:spPr>
-          <a:xfrm>
-            <a:off x="2156239" y="5238802"/>
-            <a:ext cx="834886" cy="369332"/>
-          </a:xfrm>
-          <a:prstGeom prst="rect">
-            <a:avLst/>
-          </a:prstGeom>
-          <a:noFill/>
-        </p:spPr>
-        <p:style>
-          <a:lnRef idx="2">
-            <a:schemeClr val="accent1">
-              <a:shade val="15000"/>
-            </a:schemeClr>
-          </a:lnRef>
-          <a:fillRef idx="1">
-            <a:schemeClr val="accent1"/>
-          </a:fillRef>
-          <a:effectRef idx="0">
-            <a:schemeClr val="accent1"/>
-          </a:effectRef>
-          <a:fontRef idx="minor">
-            <a:schemeClr val="lt1"/>
-          </a:fontRef>
-        </p:style>
-        <p:txBody>
-          <a:bodyPr rtlCol="0" anchor="ctr"/>
-          <a:lstStyle/>
-          <a:p>
-            <a:pPr algn="ctr"/>
-            <a:r>
-              <a:rPr kumimoji="1" lang="en-US" altLang="ja-JP" sz="1200" dirty="0">
-                <a:solidFill>
-                  <a:schemeClr val="tx1"/>
-                </a:solidFill>
-              </a:rPr>
-              <a:t>OK</a:t>
-            </a:r>
-          </a:p>
-        </p:txBody>
-      </p:sp>
-      <p:sp>
-        <p:nvSpPr>
-          <p:cNvPr id="52" name="テキスト ボックス 51">
-            <a:extLst>
-              <a:ext uri="{FF2B5EF4-FFF2-40B4-BE49-F238E27FC236}">
-                <a16:creationId xmlns:a16="http://schemas.microsoft.com/office/drawing/2014/main" id="{EC17538A-E700-90AF-98E7-D9BB308BDD37}"/>
-              </a:ext>
-            </a:extLst>
-          </p:cNvPr>
-          <p:cNvSpPr txBox="1"/>
-          <p:nvPr/>
-        </p:nvSpPr>
-        <p:spPr>
-          <a:xfrm>
-            <a:off x="5799372" y="1079037"/>
-            <a:ext cx="6182138" cy="923330"/>
-          </a:xfrm>
-          <a:prstGeom prst="rect">
-            <a:avLst/>
-          </a:prstGeom>
-          <a:noFill/>
-        </p:spPr>
-        <p:txBody>
-          <a:bodyPr wrap="square" rtlCol="0">
-            <a:spAutoFit/>
-          </a:bodyPr>
-          <a:lstStyle/>
-          <a:p>
-            <a:r>
-              <a:rPr kumimoji="1" lang="ja-JP" altLang="en-US" dirty="0"/>
-              <a:t>必要な言語を選択し説明文を入力する</a:t>
-            </a:r>
-            <a:endParaRPr kumimoji="1" lang="en-US" altLang="ja-JP" dirty="0"/>
-          </a:p>
-          <a:p>
-            <a:r>
-              <a:rPr kumimoji="1" lang="ja-JP" altLang="en-US" dirty="0"/>
-              <a:t>対象外の言語は未入力にしておく</a:t>
-            </a:r>
-            <a:endParaRPr kumimoji="1" lang="en-US" altLang="ja-JP" dirty="0"/>
-          </a:p>
-          <a:p>
-            <a:r>
-              <a:rPr kumimoji="1" lang="ja-JP" altLang="en-US" dirty="0"/>
-              <a:t>対象言語すべての入力が終わったら</a:t>
-            </a:r>
-            <a:r>
-              <a:rPr lang="en-US" altLang="ja-JP" dirty="0"/>
-              <a:t>OK</a:t>
-            </a:r>
-            <a:r>
-              <a:rPr lang="ja-JP" altLang="en-US" dirty="0"/>
-              <a:t>ボタン</a:t>
-            </a:r>
-            <a:endParaRPr lang="en-US" altLang="ja-JP" dirty="0"/>
-          </a:p>
-        </p:txBody>
-      </p:sp>
-      <p:sp>
-        <p:nvSpPr>
-          <p:cNvPr id="2" name="テキスト ボックス 1">
-            <a:extLst>
-              <a:ext uri="{FF2B5EF4-FFF2-40B4-BE49-F238E27FC236}">
-                <a16:creationId xmlns:a16="http://schemas.microsoft.com/office/drawing/2014/main" id="{CD51F646-82BE-BC1A-DE4C-A54EBF2DA8D3}"/>
-              </a:ext>
-            </a:extLst>
-          </p:cNvPr>
-          <p:cNvSpPr txBox="1"/>
-          <p:nvPr/>
-        </p:nvSpPr>
-        <p:spPr>
-          <a:xfrm>
-            <a:off x="1311965" y="1707154"/>
-            <a:ext cx="2663687" cy="923330"/>
-          </a:xfrm>
-          <a:prstGeom prst="rect">
-            <a:avLst/>
-          </a:prstGeom>
-          <a:noFill/>
-        </p:spPr>
-        <p:txBody>
-          <a:bodyPr wrap="square" rtlCol="0">
-            <a:spAutoFit/>
-          </a:bodyPr>
-          <a:lstStyle/>
-          <a:p>
-            <a:r>
-              <a:rPr kumimoji="1" lang="ja-JP" altLang="en-US" dirty="0"/>
-              <a:t>☑日本語</a:t>
-            </a:r>
-            <a:endParaRPr kumimoji="1" lang="en-US" altLang="ja-JP" dirty="0"/>
-          </a:p>
-          <a:p>
-            <a:r>
-              <a:rPr kumimoji="1" lang="ja-JP" altLang="en-US" dirty="0"/>
-              <a:t>　英語</a:t>
-            </a:r>
-            <a:endParaRPr kumimoji="1" lang="en-US" altLang="ja-JP" dirty="0"/>
-          </a:p>
-          <a:p>
-            <a:r>
-              <a:rPr kumimoji="1" lang="ja-JP" altLang="en-US" dirty="0"/>
-              <a:t>　中国語</a:t>
-            </a:r>
-          </a:p>
-        </p:txBody>
-      </p:sp>
-      <p:sp>
-        <p:nvSpPr>
-          <p:cNvPr id="11" name="吹き出し: 四角形 10">
-            <a:extLst>
-              <a:ext uri="{FF2B5EF4-FFF2-40B4-BE49-F238E27FC236}">
-                <a16:creationId xmlns:a16="http://schemas.microsoft.com/office/drawing/2014/main" id="{8A8BC2D5-5926-96EE-9452-3635B6C41A0B}"/>
-              </a:ext>
-            </a:extLst>
-          </p:cNvPr>
-          <p:cNvSpPr/>
-          <p:nvPr/>
-        </p:nvSpPr>
-        <p:spPr>
-          <a:xfrm>
-            <a:off x="3065561" y="1436954"/>
-            <a:ext cx="1631121" cy="923330"/>
-          </a:xfrm>
-          <a:prstGeom prst="wedgeRectCallout">
-            <a:avLst>
-              <a:gd name="adj1" fmla="val -79939"/>
-              <a:gd name="adj2" fmla="val 39895"/>
-            </a:avLst>
-          </a:prstGeom>
-          <a:noFill/>
-        </p:spPr>
-        <p:style>
-          <a:lnRef idx="2">
-            <a:schemeClr val="accent1">
-              <a:shade val="15000"/>
-            </a:schemeClr>
-          </a:lnRef>
-          <a:fillRef idx="1">
-            <a:schemeClr val="accent1"/>
-          </a:fillRef>
-          <a:effectRef idx="0">
-            <a:schemeClr val="accent1"/>
-          </a:effectRef>
-          <a:fontRef idx="minor">
-            <a:schemeClr val="lt1"/>
-          </a:fontRef>
-        </p:style>
-        <p:txBody>
-          <a:bodyPr rtlCol="0" anchor="ctr"/>
-          <a:lstStyle/>
-          <a:p>
-            <a:pPr algn="ctr"/>
-            <a:r>
-              <a:rPr kumimoji="1" lang="ja-JP" altLang="en-US" sz="1200" dirty="0">
-                <a:solidFill>
-                  <a:schemeClr val="tx1"/>
-                </a:solidFill>
-              </a:rPr>
-              <a:t>ラジオボタン形式でどれか一つを選択する</a:t>
-            </a:r>
-          </a:p>
-        </p:txBody>
-      </p:sp>
-      <p:sp>
-        <p:nvSpPr>
-          <p:cNvPr id="12" name="正方形/長方形 11">
-            <a:extLst>
-              <a:ext uri="{FF2B5EF4-FFF2-40B4-BE49-F238E27FC236}">
-                <a16:creationId xmlns:a16="http://schemas.microsoft.com/office/drawing/2014/main" id="{BD4B9F10-E5D6-2A09-8D13-AD838F194CCD}"/>
-              </a:ext>
-            </a:extLst>
-          </p:cNvPr>
-          <p:cNvSpPr/>
-          <p:nvPr/>
-        </p:nvSpPr>
-        <p:spPr>
-          <a:xfrm>
-            <a:off x="996399" y="2718200"/>
-            <a:ext cx="3784323" cy="1779517"/>
-          </a:xfrm>
-          <a:prstGeom prst="rect">
-            <a:avLst/>
-          </a:prstGeom>
-          <a:noFill/>
-          <a:ln>
-            <a:prstDash val="dash"/>
-          </a:ln>
-        </p:spPr>
-        <p:style>
-          <a:lnRef idx="2">
-            <a:schemeClr val="accent1">
-              <a:shade val="15000"/>
-            </a:schemeClr>
-          </a:lnRef>
-          <a:fillRef idx="1">
-            <a:schemeClr val="accent1"/>
-          </a:fillRef>
-          <a:effectRef idx="0">
-            <a:schemeClr val="accent1"/>
-          </a:effectRef>
-          <a:fontRef idx="minor">
-            <a:schemeClr val="lt1"/>
-          </a:fontRef>
-        </p:style>
-        <p:txBody>
-          <a:bodyPr rtlCol="0" anchor="ctr"/>
-          <a:lstStyle/>
-          <a:p>
-            <a:pPr algn="ctr"/>
-            <a:r>
-              <a:rPr kumimoji="1" lang="ja-JP" altLang="en-US" sz="1200" dirty="0">
-                <a:solidFill>
-                  <a:schemeClr val="tx1"/>
-                </a:solidFill>
-              </a:rPr>
-              <a:t>説明文入力欄</a:t>
-            </a:r>
-          </a:p>
-        </p:txBody>
-      </p:sp>
-    </p:spTree>
-    <p:extLst>
-      <p:ext uri="{BB962C8B-B14F-4D97-AF65-F5344CB8AC3E}">
-        <p14:creationId xmlns:p14="http://schemas.microsoft.com/office/powerpoint/2010/main" val="3021781207"/>
-      </p:ext>
-    </p:extLst>
-  </p:cSld>
-  <p:clrMapOvr>
-    <a:masterClrMapping/>
-  </p:clrMapOvr>
-</p:sld>
-</file>
-
-<file path=ppt/slides/slide48.xml><?xml version="1.0" encoding="utf-8"?>
-<p:sld xmlns:a="http://schemas.openxmlformats.org/drawingml/2006/main" xmlns:r="http://schemas.openxmlformats.org/officeDocument/2006/relationships" xmlns:p="http://schemas.openxmlformats.org/presentationml/2006/main">
-  <p:cSld>
-    <p:spTree>
-      <p:nvGrpSpPr>
-        <p:cNvPr id="1" name="">
-          <a:extLst>
-            <a:ext uri="{FF2B5EF4-FFF2-40B4-BE49-F238E27FC236}">
-              <a16:creationId xmlns:a16="http://schemas.microsoft.com/office/drawing/2014/main" id="{06A085EA-EE5A-3995-B30E-35F2DAE51B91}"/>
-            </a:ext>
-          </a:extLst>
-        </p:cNvPr>
-        <p:cNvGrpSpPr/>
-        <p:nvPr/>
-      </p:nvGrpSpPr>
-      <p:grpSpPr>
-        <a:xfrm>
-          <a:off x="0" y="0"/>
-          <a:ext cx="0" cy="0"/>
-          <a:chOff x="0" y="0"/>
-          <a:chExt cx="0" cy="0"/>
-        </a:xfrm>
-      </p:grpSpPr>
-      <p:cxnSp>
-        <p:nvCxnSpPr>
-          <p:cNvPr id="4" name="直線コネクタ 3">
-            <a:extLst>
-              <a:ext uri="{FF2B5EF4-FFF2-40B4-BE49-F238E27FC236}">
-                <a16:creationId xmlns:a16="http://schemas.microsoft.com/office/drawing/2014/main" id="{445B4D18-9214-71EA-A3B5-B1EFF566DC38}"/>
-              </a:ext>
-            </a:extLst>
-          </p:cNvPr>
-          <p:cNvCxnSpPr/>
-          <p:nvPr/>
-        </p:nvCxnSpPr>
-        <p:spPr>
-          <a:xfrm>
-            <a:off x="228600" y="755374"/>
-            <a:ext cx="11936896" cy="0"/>
-          </a:xfrm>
-          <a:prstGeom prst="line">
-            <a:avLst/>
-          </a:prstGeom>
-        </p:spPr>
-        <p:style>
-          <a:lnRef idx="2">
-            <a:schemeClr val="accent1"/>
-          </a:lnRef>
-          <a:fillRef idx="0">
-            <a:schemeClr val="accent1"/>
-          </a:fillRef>
-          <a:effectRef idx="1">
-            <a:schemeClr val="accent1"/>
-          </a:effectRef>
-          <a:fontRef idx="minor">
-            <a:schemeClr val="tx1"/>
-          </a:fontRef>
-        </p:style>
-      </p:cxnSp>
-      <p:sp>
-        <p:nvSpPr>
-          <p:cNvPr id="5" name="テキスト ボックス 4">
-            <a:extLst>
-              <a:ext uri="{FF2B5EF4-FFF2-40B4-BE49-F238E27FC236}">
-                <a16:creationId xmlns:a16="http://schemas.microsoft.com/office/drawing/2014/main" id="{72E1903D-28AC-1AA9-1B85-9A04AE681026}"/>
-              </a:ext>
-            </a:extLst>
-          </p:cNvPr>
-          <p:cNvSpPr txBox="1"/>
-          <p:nvPr/>
-        </p:nvSpPr>
-        <p:spPr>
-          <a:xfrm>
-            <a:off x="407504" y="198783"/>
-            <a:ext cx="4899992" cy="369332"/>
-          </a:xfrm>
-          <a:prstGeom prst="rect">
-            <a:avLst/>
-          </a:prstGeom>
-          <a:noFill/>
-        </p:spPr>
-        <p:txBody>
-          <a:bodyPr wrap="square" rtlCol="0">
-            <a:spAutoFit/>
-          </a:bodyPr>
-          <a:lstStyle/>
-          <a:p>
-            <a:r>
-              <a:rPr kumimoji="1" lang="ja-JP" altLang="en-US" dirty="0"/>
-              <a:t>アプリケーションとシステムの連携</a:t>
-            </a:r>
-          </a:p>
-        </p:txBody>
-      </p:sp>
-      <p:sp>
-        <p:nvSpPr>
-          <p:cNvPr id="3" name="正方形/長方形 2">
-            <a:extLst>
-              <a:ext uri="{FF2B5EF4-FFF2-40B4-BE49-F238E27FC236}">
-                <a16:creationId xmlns:a16="http://schemas.microsoft.com/office/drawing/2014/main" id="{3719DAAD-586F-673C-D658-7955ECB95287}"/>
-              </a:ext>
-            </a:extLst>
-          </p:cNvPr>
-          <p:cNvSpPr/>
-          <p:nvPr/>
-        </p:nvSpPr>
-        <p:spPr>
-          <a:xfrm>
-            <a:off x="2236304" y="2176392"/>
-            <a:ext cx="1818861" cy="715609"/>
-          </a:xfrm>
-          <a:prstGeom prst="rect">
-            <a:avLst/>
-          </a:prstGeom>
-          <a:noFill/>
-        </p:spPr>
-        <p:style>
-          <a:lnRef idx="2">
-            <a:schemeClr val="accent1">
-              <a:shade val="15000"/>
-            </a:schemeClr>
-          </a:lnRef>
-          <a:fillRef idx="1">
-            <a:schemeClr val="accent1"/>
-          </a:fillRef>
-          <a:effectRef idx="0">
-            <a:schemeClr val="accent1"/>
-          </a:effectRef>
-          <a:fontRef idx="minor">
-            <a:schemeClr val="lt1"/>
-          </a:fontRef>
-        </p:style>
-        <p:txBody>
-          <a:bodyPr rtlCol="0" anchor="ctr"/>
-          <a:lstStyle/>
-          <a:p>
-            <a:pPr algn="ctr"/>
-            <a:r>
-              <a:rPr kumimoji="1" lang="en-US" altLang="ja-JP" sz="1200" dirty="0">
-                <a:solidFill>
-                  <a:schemeClr val="tx1"/>
-                </a:solidFill>
-              </a:rPr>
-              <a:t>QR</a:t>
-            </a:r>
-            <a:r>
-              <a:rPr kumimoji="1" lang="ja-JP" altLang="en-US" sz="1200" dirty="0">
-                <a:solidFill>
-                  <a:schemeClr val="tx1"/>
-                </a:solidFill>
-              </a:rPr>
-              <a:t>リーダー</a:t>
-            </a:r>
-          </a:p>
-        </p:txBody>
-      </p:sp>
-      <p:pic>
-        <p:nvPicPr>
-          <p:cNvPr id="7" name="Picture 2" descr="QRコード作成【ずっと無料・無制限】／QRのススメ">
-            <a:extLst>
-              <a:ext uri="{FF2B5EF4-FFF2-40B4-BE49-F238E27FC236}">
-                <a16:creationId xmlns:a16="http://schemas.microsoft.com/office/drawing/2014/main" id="{2AF49899-83AF-13D4-E81F-C08D0295D230}"/>
-              </a:ext>
-            </a:extLst>
-          </p:cNvPr>
-          <p:cNvPicPr>
-            <a:picLocks noChangeAspect="1" noChangeArrowheads="1"/>
-          </p:cNvPicPr>
-          <p:nvPr/>
-        </p:nvPicPr>
-        <p:blipFill>
-          <a:blip r:embed="rId2">
-            <a:extLst>
-              <a:ext uri="{28A0092B-C50C-407E-A947-70E740481C1C}">
-                <a14:useLocalDpi xmlns:a14="http://schemas.microsoft.com/office/drawing/2010/main" val="0"/>
-              </a:ext>
-            </a:extLst>
-          </a:blip>
-          <a:srcRect/>
-          <a:stretch>
-            <a:fillRect/>
-          </a:stretch>
-        </p:blipFill>
-        <p:spPr bwMode="auto">
-          <a:xfrm>
-            <a:off x="920287" y="2186601"/>
-            <a:ext cx="749487" cy="705400"/>
-          </a:xfrm>
-          <a:prstGeom prst="rect">
-            <a:avLst/>
-          </a:prstGeom>
-          <a:noFill/>
-          <a:extLst>
-            <a:ext uri="{909E8E84-426E-40DD-AFC4-6F175D3DCCD1}">
-              <a14:hiddenFill xmlns:a14="http://schemas.microsoft.com/office/drawing/2010/main">
-                <a:solidFill>
-                  <a:srgbClr val="FFFFFF"/>
-                </a:solidFill>
-              </a14:hiddenFill>
-            </a:ext>
-          </a:extLst>
-        </p:spPr>
-      </p:pic>
-      <p:cxnSp>
-        <p:nvCxnSpPr>
-          <p:cNvPr id="9" name="直線矢印コネクタ 8">
-            <a:extLst>
-              <a:ext uri="{FF2B5EF4-FFF2-40B4-BE49-F238E27FC236}">
-                <a16:creationId xmlns:a16="http://schemas.microsoft.com/office/drawing/2014/main" id="{F190876D-C9FD-5149-4074-E4C48B80FE3D}"/>
-              </a:ext>
-            </a:extLst>
-          </p:cNvPr>
-          <p:cNvCxnSpPr>
-            <a:stCxn id="7" idx="3"/>
-            <a:endCxn id="3" idx="1"/>
-          </p:cNvCxnSpPr>
-          <p:nvPr/>
-        </p:nvCxnSpPr>
-        <p:spPr>
-          <a:xfrm flipV="1">
-            <a:off x="1669774" y="2534197"/>
-            <a:ext cx="566530" cy="5104"/>
-          </a:xfrm>
-          <a:prstGeom prst="straightConnector1">
-            <a:avLst/>
-          </a:prstGeom>
-          <a:ln>
-            <a:tailEnd type="triangle"/>
-          </a:ln>
-        </p:spPr>
-        <p:style>
-          <a:lnRef idx="2">
-            <a:schemeClr val="accent1"/>
-          </a:lnRef>
-          <a:fillRef idx="0">
-            <a:schemeClr val="accent1"/>
-          </a:fillRef>
-          <a:effectRef idx="1">
-            <a:schemeClr val="accent1"/>
-          </a:effectRef>
-          <a:fontRef idx="minor">
-            <a:schemeClr val="tx1"/>
-          </a:fontRef>
-        </p:style>
-      </p:cxnSp>
-      <p:cxnSp>
-        <p:nvCxnSpPr>
-          <p:cNvPr id="17" name="直線矢印コネクタ 16">
-            <a:extLst>
-              <a:ext uri="{FF2B5EF4-FFF2-40B4-BE49-F238E27FC236}">
-                <a16:creationId xmlns:a16="http://schemas.microsoft.com/office/drawing/2014/main" id="{7E0DF062-9394-EA37-7F4D-1DEB1F3390FE}"/>
-              </a:ext>
-            </a:extLst>
-          </p:cNvPr>
-          <p:cNvCxnSpPr>
-            <a:cxnSpLocks/>
-            <a:stCxn id="3" idx="3"/>
-            <a:endCxn id="22" idx="1"/>
-          </p:cNvCxnSpPr>
-          <p:nvPr/>
-        </p:nvCxnSpPr>
-        <p:spPr>
-          <a:xfrm flipV="1">
-            <a:off x="4055165" y="2534189"/>
-            <a:ext cx="2350605" cy="8"/>
-          </a:xfrm>
-          <a:prstGeom prst="straightConnector1">
-            <a:avLst/>
-          </a:prstGeom>
-          <a:ln>
-            <a:tailEnd type="triangle"/>
-          </a:ln>
-        </p:spPr>
-        <p:style>
-          <a:lnRef idx="2">
-            <a:schemeClr val="accent1"/>
-          </a:lnRef>
-          <a:fillRef idx="0">
-            <a:schemeClr val="accent1"/>
-          </a:fillRef>
-          <a:effectRef idx="1">
-            <a:schemeClr val="accent1"/>
-          </a:effectRef>
-          <a:fontRef idx="minor">
-            <a:schemeClr val="tx1"/>
-          </a:fontRef>
-        </p:style>
-      </p:cxnSp>
-      <p:sp>
-        <p:nvSpPr>
-          <p:cNvPr id="20" name="テキスト ボックス 19">
-            <a:extLst>
-              <a:ext uri="{FF2B5EF4-FFF2-40B4-BE49-F238E27FC236}">
-                <a16:creationId xmlns:a16="http://schemas.microsoft.com/office/drawing/2014/main" id="{352FD92A-ED86-42F7-DB2B-91229B9EBB91}"/>
-              </a:ext>
-            </a:extLst>
-          </p:cNvPr>
-          <p:cNvSpPr txBox="1"/>
-          <p:nvPr/>
-        </p:nvSpPr>
-        <p:spPr>
-          <a:xfrm>
-            <a:off x="4055165" y="2186601"/>
-            <a:ext cx="1107996" cy="369332"/>
-          </a:xfrm>
-          <a:prstGeom prst="rect">
-            <a:avLst/>
-          </a:prstGeom>
-          <a:noFill/>
-        </p:spPr>
-        <p:txBody>
-          <a:bodyPr wrap="none" rtlCol="0">
-            <a:spAutoFit/>
-          </a:bodyPr>
-          <a:lstStyle/>
-          <a:p>
-            <a:r>
-              <a:rPr lang="en-US" altLang="ja-JP" dirty="0"/>
-              <a:t>URL</a:t>
-            </a:r>
-            <a:r>
-              <a:rPr lang="ja-JP" altLang="en-US" dirty="0"/>
-              <a:t>通知</a:t>
-            </a:r>
-            <a:endParaRPr kumimoji="1" lang="ja-JP" altLang="en-US" dirty="0"/>
-          </a:p>
-        </p:txBody>
-      </p:sp>
-      <p:sp>
-        <p:nvSpPr>
-          <p:cNvPr id="22" name="正方形/長方形 21">
-            <a:extLst>
-              <a:ext uri="{FF2B5EF4-FFF2-40B4-BE49-F238E27FC236}">
-                <a16:creationId xmlns:a16="http://schemas.microsoft.com/office/drawing/2014/main" id="{5D8FD5A1-1216-D5EF-FBA1-D2680DAA902E}"/>
-              </a:ext>
-            </a:extLst>
-          </p:cNvPr>
-          <p:cNvSpPr/>
-          <p:nvPr/>
-        </p:nvSpPr>
-        <p:spPr>
-          <a:xfrm>
-            <a:off x="6405770" y="2176384"/>
-            <a:ext cx="1989485" cy="715609"/>
-          </a:xfrm>
-          <a:prstGeom prst="rect">
-            <a:avLst/>
-          </a:prstGeom>
-          <a:noFill/>
-        </p:spPr>
-        <p:style>
-          <a:lnRef idx="2">
-            <a:schemeClr val="accent1">
-              <a:shade val="15000"/>
-            </a:schemeClr>
-          </a:lnRef>
-          <a:fillRef idx="1">
-            <a:schemeClr val="accent1"/>
-          </a:fillRef>
-          <a:effectRef idx="0">
-            <a:schemeClr val="accent1"/>
-          </a:effectRef>
-          <a:fontRef idx="minor">
-            <a:schemeClr val="lt1"/>
-          </a:fontRef>
-        </p:style>
-        <p:txBody>
-          <a:bodyPr rtlCol="0" anchor="ctr"/>
-          <a:lstStyle/>
-          <a:p>
-            <a:pPr algn="ctr"/>
-            <a:r>
-              <a:rPr kumimoji="1" lang="en-US" altLang="ja-JP" sz="1200" dirty="0">
-                <a:solidFill>
-                  <a:schemeClr val="tx1"/>
-                </a:solidFill>
-              </a:rPr>
-              <a:t>URL</a:t>
-            </a:r>
-            <a:r>
-              <a:rPr kumimoji="1" lang="ja-JP" altLang="en-US" sz="1200" dirty="0">
-                <a:solidFill>
-                  <a:schemeClr val="tx1"/>
-                </a:solidFill>
-              </a:rPr>
-              <a:t>から表示内容を確定</a:t>
-            </a:r>
-          </a:p>
-        </p:txBody>
-      </p:sp>
-      <p:sp>
-        <p:nvSpPr>
-          <p:cNvPr id="24" name="正方形/長方形 23">
-            <a:extLst>
-              <a:ext uri="{FF2B5EF4-FFF2-40B4-BE49-F238E27FC236}">
-                <a16:creationId xmlns:a16="http://schemas.microsoft.com/office/drawing/2014/main" id="{04D2C61C-B5C0-7E01-5752-619F824F3DEF}"/>
-              </a:ext>
-            </a:extLst>
-          </p:cNvPr>
-          <p:cNvSpPr/>
-          <p:nvPr/>
-        </p:nvSpPr>
-        <p:spPr>
-          <a:xfrm>
-            <a:off x="6405770" y="3860370"/>
-            <a:ext cx="1989485" cy="715609"/>
-          </a:xfrm>
-          <a:prstGeom prst="rect">
-            <a:avLst/>
-          </a:prstGeom>
-          <a:noFill/>
-        </p:spPr>
-        <p:style>
-          <a:lnRef idx="2">
-            <a:schemeClr val="accent1">
-              <a:shade val="15000"/>
-            </a:schemeClr>
-          </a:lnRef>
-          <a:fillRef idx="1">
-            <a:schemeClr val="accent1"/>
-          </a:fillRef>
-          <a:effectRef idx="0">
-            <a:schemeClr val="accent1"/>
-          </a:effectRef>
-          <a:fontRef idx="minor">
-            <a:schemeClr val="lt1"/>
-          </a:fontRef>
-        </p:style>
-        <p:txBody>
-          <a:bodyPr rtlCol="0" anchor="ctr"/>
-          <a:lstStyle/>
-          <a:p>
-            <a:pPr algn="ctr"/>
-            <a:r>
-              <a:rPr kumimoji="1" lang="ja-JP" altLang="en-US" sz="1200" dirty="0">
-                <a:solidFill>
-                  <a:schemeClr val="tx1"/>
-                </a:solidFill>
-              </a:rPr>
-              <a:t>画面構築</a:t>
-            </a:r>
-          </a:p>
-        </p:txBody>
-      </p:sp>
-      <p:cxnSp>
-        <p:nvCxnSpPr>
-          <p:cNvPr id="25" name="直線矢印コネクタ 24">
-            <a:extLst>
-              <a:ext uri="{FF2B5EF4-FFF2-40B4-BE49-F238E27FC236}">
-                <a16:creationId xmlns:a16="http://schemas.microsoft.com/office/drawing/2014/main" id="{D7B1CFE8-B714-50BE-FC93-AD0D96FFF535}"/>
-              </a:ext>
-            </a:extLst>
-          </p:cNvPr>
-          <p:cNvCxnSpPr>
-            <a:cxnSpLocks/>
-            <a:stCxn id="22" idx="2"/>
-            <a:endCxn id="24" idx="0"/>
-          </p:cNvCxnSpPr>
-          <p:nvPr/>
-        </p:nvCxnSpPr>
-        <p:spPr>
-          <a:xfrm>
-            <a:off x="7400513" y="2891993"/>
-            <a:ext cx="0" cy="968377"/>
-          </a:xfrm>
-          <a:prstGeom prst="straightConnector1">
-            <a:avLst/>
-          </a:prstGeom>
-          <a:ln>
-            <a:tailEnd type="triangle"/>
-          </a:ln>
-        </p:spPr>
-        <p:style>
-          <a:lnRef idx="2">
-            <a:schemeClr val="accent1"/>
-          </a:lnRef>
-          <a:fillRef idx="0">
-            <a:schemeClr val="accent1"/>
-          </a:fillRef>
-          <a:effectRef idx="1">
-            <a:schemeClr val="accent1"/>
-          </a:effectRef>
-          <a:fontRef idx="minor">
-            <a:schemeClr val="tx1"/>
-          </a:fontRef>
-        </p:style>
-      </p:cxnSp>
-      <p:cxnSp>
-        <p:nvCxnSpPr>
-          <p:cNvPr id="28" name="直線矢印コネクタ 27">
-            <a:extLst>
-              <a:ext uri="{FF2B5EF4-FFF2-40B4-BE49-F238E27FC236}">
-                <a16:creationId xmlns:a16="http://schemas.microsoft.com/office/drawing/2014/main" id="{350A5490-2AB6-A694-B463-EA6A203CBCB3}"/>
-              </a:ext>
-            </a:extLst>
-          </p:cNvPr>
-          <p:cNvCxnSpPr>
-            <a:cxnSpLocks/>
-            <a:stCxn id="24" idx="1"/>
-            <a:endCxn id="31" idx="3"/>
-          </p:cNvCxnSpPr>
-          <p:nvPr/>
-        </p:nvCxnSpPr>
-        <p:spPr>
-          <a:xfrm flipH="1">
-            <a:off x="4055165" y="4218175"/>
-            <a:ext cx="2350605" cy="1"/>
-          </a:xfrm>
-          <a:prstGeom prst="straightConnector1">
-            <a:avLst/>
-          </a:prstGeom>
-          <a:ln>
-            <a:tailEnd type="triangle"/>
-          </a:ln>
-        </p:spPr>
-        <p:style>
-          <a:lnRef idx="2">
-            <a:schemeClr val="accent1"/>
-          </a:lnRef>
-          <a:fillRef idx="0">
-            <a:schemeClr val="accent1"/>
-          </a:fillRef>
-          <a:effectRef idx="1">
-            <a:schemeClr val="accent1"/>
-          </a:effectRef>
-          <a:fontRef idx="minor">
-            <a:schemeClr val="tx1"/>
-          </a:fontRef>
-        </p:style>
-      </p:cxnSp>
-      <p:sp>
-        <p:nvSpPr>
-          <p:cNvPr id="31" name="正方形/長方形 30">
-            <a:extLst>
-              <a:ext uri="{FF2B5EF4-FFF2-40B4-BE49-F238E27FC236}">
-                <a16:creationId xmlns:a16="http://schemas.microsoft.com/office/drawing/2014/main" id="{CD4CBD29-CDCC-5459-79E1-2620CEB73053}"/>
-              </a:ext>
-            </a:extLst>
-          </p:cNvPr>
-          <p:cNvSpPr/>
-          <p:nvPr/>
-        </p:nvSpPr>
-        <p:spPr>
-          <a:xfrm>
-            <a:off x="2236304" y="3860371"/>
-            <a:ext cx="1818861" cy="715609"/>
-          </a:xfrm>
-          <a:prstGeom prst="rect">
-            <a:avLst/>
-          </a:prstGeom>
-          <a:noFill/>
-        </p:spPr>
-        <p:style>
-          <a:lnRef idx="2">
-            <a:schemeClr val="accent1">
-              <a:shade val="15000"/>
-            </a:schemeClr>
-          </a:lnRef>
-          <a:fillRef idx="1">
-            <a:schemeClr val="accent1"/>
-          </a:fillRef>
-          <a:effectRef idx="0">
-            <a:schemeClr val="accent1"/>
-          </a:effectRef>
-          <a:fontRef idx="minor">
-            <a:schemeClr val="lt1"/>
-          </a:fontRef>
-        </p:style>
-        <p:txBody>
-          <a:bodyPr rtlCol="0" anchor="ctr"/>
-          <a:lstStyle/>
-          <a:p>
-            <a:pPr algn="ctr"/>
-            <a:r>
-              <a:rPr kumimoji="1" lang="ja-JP" altLang="en-US" sz="1200" dirty="0">
-                <a:solidFill>
-                  <a:schemeClr val="tx1"/>
-                </a:solidFill>
-              </a:rPr>
-              <a:t>ブラウザで画面表示</a:t>
-            </a:r>
-          </a:p>
-        </p:txBody>
-      </p:sp>
-      <p:sp>
-        <p:nvSpPr>
-          <p:cNvPr id="37" name="テキスト ボックス 36">
-            <a:extLst>
-              <a:ext uri="{FF2B5EF4-FFF2-40B4-BE49-F238E27FC236}">
-                <a16:creationId xmlns:a16="http://schemas.microsoft.com/office/drawing/2014/main" id="{609C74A2-2A19-426A-E08D-57ADA2A7CF44}"/>
-              </a:ext>
-            </a:extLst>
-          </p:cNvPr>
-          <p:cNvSpPr txBox="1"/>
-          <p:nvPr/>
-        </p:nvSpPr>
-        <p:spPr>
-          <a:xfrm>
-            <a:off x="2375452" y="1461052"/>
-            <a:ext cx="877163" cy="369332"/>
-          </a:xfrm>
-          <a:prstGeom prst="rect">
-            <a:avLst/>
-          </a:prstGeom>
-          <a:noFill/>
-        </p:spPr>
-        <p:txBody>
-          <a:bodyPr wrap="none" rtlCol="0">
-            <a:spAutoFit/>
-          </a:bodyPr>
-          <a:lstStyle/>
-          <a:p>
-            <a:r>
-              <a:rPr kumimoji="1" lang="ja-JP" altLang="en-US" dirty="0"/>
-              <a:t>アプリ</a:t>
-            </a:r>
-          </a:p>
-        </p:txBody>
-      </p:sp>
-      <p:sp>
-        <p:nvSpPr>
-          <p:cNvPr id="39" name="テキスト ボックス 38">
-            <a:extLst>
-              <a:ext uri="{FF2B5EF4-FFF2-40B4-BE49-F238E27FC236}">
-                <a16:creationId xmlns:a16="http://schemas.microsoft.com/office/drawing/2014/main" id="{D2019330-ECAC-CD3F-6FBF-27AA004C5D9C}"/>
-              </a:ext>
-            </a:extLst>
-          </p:cNvPr>
-          <p:cNvSpPr txBox="1"/>
-          <p:nvPr/>
-        </p:nvSpPr>
-        <p:spPr>
-          <a:xfrm>
-            <a:off x="6831495" y="1449248"/>
-            <a:ext cx="1107996" cy="369332"/>
-          </a:xfrm>
-          <a:prstGeom prst="rect">
-            <a:avLst/>
-          </a:prstGeom>
-          <a:noFill/>
-        </p:spPr>
-        <p:txBody>
-          <a:bodyPr wrap="none" rtlCol="0">
-            <a:spAutoFit/>
-          </a:bodyPr>
-          <a:lstStyle/>
-          <a:p>
-            <a:r>
-              <a:rPr kumimoji="1" lang="ja-JP" altLang="en-US"/>
-              <a:t>サーバー</a:t>
-            </a:r>
-            <a:endParaRPr kumimoji="1" lang="ja-JP" altLang="en-US" dirty="0"/>
-          </a:p>
-        </p:txBody>
-      </p:sp>
-    </p:spTree>
-    <p:extLst>
-      <p:ext uri="{BB962C8B-B14F-4D97-AF65-F5344CB8AC3E}">
-        <p14:creationId xmlns:p14="http://schemas.microsoft.com/office/powerpoint/2010/main" val="799319328"/>
-      </p:ext>
-    </p:extLst>
-  </p:cSld>
-  <p:clrMapOvr>
-    <a:masterClrMapping/>
-  </p:clrMapOvr>
-</p:sld>
-</file>
-
 <file path=ppt/slides/slide5.xml><?xml version="1.0" encoding="utf-8"?>
 <p:sld xmlns:a="http://schemas.openxmlformats.org/drawingml/2006/main" xmlns:r="http://schemas.openxmlformats.org/officeDocument/2006/relationships" xmlns:p="http://schemas.openxmlformats.org/presentationml/2006/main">
   <p:cSld>
@@ -18846,6 +16962,2626 @@
     <p:extLst>
       <p:ext uri="{BB962C8B-B14F-4D97-AF65-F5344CB8AC3E}">
         <p14:creationId xmlns:p14="http://schemas.microsoft.com/office/powerpoint/2010/main" val="331511944"/>
+      </p:ext>
+    </p:extLst>
+  </p:cSld>
+  <p:clrMapOvr>
+    <a:masterClrMapping/>
+  </p:clrMapOvr>
+</p:sld>
+</file>
+
+<file path=ppt/slides/slide50.xml><?xml version="1.0" encoding="utf-8"?>
+<p:sld xmlns:a="http://schemas.openxmlformats.org/drawingml/2006/main" xmlns:r="http://schemas.openxmlformats.org/officeDocument/2006/relationships" xmlns:p="http://schemas.openxmlformats.org/presentationml/2006/main">
+  <p:cSld>
+    <p:spTree>
+      <p:nvGrpSpPr>
+        <p:cNvPr id="1" name="">
+          <a:extLst>
+            <a:ext uri="{FF2B5EF4-FFF2-40B4-BE49-F238E27FC236}">
+              <a16:creationId xmlns:a16="http://schemas.microsoft.com/office/drawing/2014/main" id="{EFC811F8-422C-FD1B-A714-47C0E466623C}"/>
+            </a:ext>
+          </a:extLst>
+        </p:cNvPr>
+        <p:cNvGrpSpPr/>
+        <p:nvPr/>
+      </p:nvGrpSpPr>
+      <p:grpSpPr>
+        <a:xfrm>
+          <a:off x="0" y="0"/>
+          <a:ext cx="0" cy="0"/>
+          <a:chOff x="0" y="0"/>
+          <a:chExt cx="0" cy="0"/>
+        </a:xfrm>
+      </p:grpSpPr>
+      <p:cxnSp>
+        <p:nvCxnSpPr>
+          <p:cNvPr id="4" name="直線コネクタ 3">
+            <a:extLst>
+              <a:ext uri="{FF2B5EF4-FFF2-40B4-BE49-F238E27FC236}">
+                <a16:creationId xmlns:a16="http://schemas.microsoft.com/office/drawing/2014/main" id="{4210B2BF-1061-E6DB-EBD3-C49519853C4A}"/>
+              </a:ext>
+            </a:extLst>
+          </p:cNvPr>
+          <p:cNvCxnSpPr/>
+          <p:nvPr/>
+        </p:nvCxnSpPr>
+        <p:spPr>
+          <a:xfrm>
+            <a:off x="228600" y="755374"/>
+            <a:ext cx="11936896" cy="0"/>
+          </a:xfrm>
+          <a:prstGeom prst="line">
+            <a:avLst/>
+          </a:prstGeom>
+        </p:spPr>
+        <p:style>
+          <a:lnRef idx="2">
+            <a:schemeClr val="accent1"/>
+          </a:lnRef>
+          <a:fillRef idx="0">
+            <a:schemeClr val="accent1"/>
+          </a:fillRef>
+          <a:effectRef idx="1">
+            <a:schemeClr val="accent1"/>
+          </a:effectRef>
+          <a:fontRef idx="minor">
+            <a:schemeClr val="tx1"/>
+          </a:fontRef>
+        </p:style>
+      </p:cxnSp>
+      <p:sp>
+        <p:nvSpPr>
+          <p:cNvPr id="5" name="テキスト ボックス 4">
+            <a:extLst>
+              <a:ext uri="{FF2B5EF4-FFF2-40B4-BE49-F238E27FC236}">
+                <a16:creationId xmlns:a16="http://schemas.microsoft.com/office/drawing/2014/main" id="{43415560-8DAB-3737-658F-98E84DD3E51C}"/>
+              </a:ext>
+            </a:extLst>
+          </p:cNvPr>
+          <p:cNvSpPr txBox="1"/>
+          <p:nvPr/>
+        </p:nvSpPr>
+        <p:spPr>
+          <a:xfrm>
+            <a:off x="407504" y="198783"/>
+            <a:ext cx="3796748" cy="369332"/>
+          </a:xfrm>
+          <a:prstGeom prst="rect">
+            <a:avLst/>
+          </a:prstGeom>
+          <a:noFill/>
+        </p:spPr>
+        <p:txBody>
+          <a:bodyPr wrap="square" rtlCol="0">
+            <a:spAutoFit/>
+          </a:bodyPr>
+          <a:lstStyle/>
+          <a:p>
+            <a:r>
+              <a:rPr kumimoji="1" lang="ja-JP" altLang="en-US" dirty="0"/>
+              <a:t>修正：展示物名入力</a:t>
+            </a:r>
+          </a:p>
+        </p:txBody>
+      </p:sp>
+      <p:sp>
+        <p:nvSpPr>
+          <p:cNvPr id="2" name="正方形/長方形 1">
+            <a:extLst>
+              <a:ext uri="{FF2B5EF4-FFF2-40B4-BE49-F238E27FC236}">
+                <a16:creationId xmlns:a16="http://schemas.microsoft.com/office/drawing/2014/main" id="{3E36B698-1AC8-98C9-577F-5A604C51806C}"/>
+              </a:ext>
+            </a:extLst>
+          </p:cNvPr>
+          <p:cNvSpPr/>
+          <p:nvPr/>
+        </p:nvSpPr>
+        <p:spPr>
+          <a:xfrm>
+            <a:off x="1016277" y="1774761"/>
+            <a:ext cx="1646582" cy="369332"/>
+          </a:xfrm>
+          <a:prstGeom prst="rect">
+            <a:avLst/>
+          </a:prstGeom>
+          <a:noFill/>
+          <a:ln>
+            <a:prstDash val="dash"/>
+          </a:ln>
+        </p:spPr>
+        <p:style>
+          <a:lnRef idx="2">
+            <a:schemeClr val="accent1">
+              <a:shade val="15000"/>
+            </a:schemeClr>
+          </a:lnRef>
+          <a:fillRef idx="1">
+            <a:schemeClr val="accent1"/>
+          </a:fillRef>
+          <a:effectRef idx="0">
+            <a:schemeClr val="accent1"/>
+          </a:effectRef>
+          <a:fontRef idx="minor">
+            <a:schemeClr val="lt1"/>
+          </a:fontRef>
+        </p:style>
+        <p:txBody>
+          <a:bodyPr rtlCol="0" anchor="ctr"/>
+          <a:lstStyle/>
+          <a:p>
+            <a:pPr algn="ctr"/>
+            <a:r>
+              <a:rPr kumimoji="1" lang="ja-JP" altLang="en-US" sz="1200" dirty="0">
+                <a:solidFill>
+                  <a:schemeClr val="tx1"/>
+                </a:solidFill>
+              </a:rPr>
+              <a:t>展示物名入力欄</a:t>
+            </a:r>
+          </a:p>
+        </p:txBody>
+      </p:sp>
+      <p:sp>
+        <p:nvSpPr>
+          <p:cNvPr id="6" name="テキスト ボックス 5">
+            <a:extLst>
+              <a:ext uri="{FF2B5EF4-FFF2-40B4-BE49-F238E27FC236}">
+                <a16:creationId xmlns:a16="http://schemas.microsoft.com/office/drawing/2014/main" id="{9A385A34-EB53-07A5-E1AE-14B8C2E959D2}"/>
+              </a:ext>
+            </a:extLst>
+          </p:cNvPr>
+          <p:cNvSpPr txBox="1"/>
+          <p:nvPr/>
+        </p:nvSpPr>
+        <p:spPr>
+          <a:xfrm>
+            <a:off x="1016277" y="1249866"/>
+            <a:ext cx="3579742" cy="369332"/>
+          </a:xfrm>
+          <a:prstGeom prst="rect">
+            <a:avLst/>
+          </a:prstGeom>
+          <a:noFill/>
+        </p:spPr>
+        <p:txBody>
+          <a:bodyPr wrap="square" rtlCol="0">
+            <a:spAutoFit/>
+          </a:bodyPr>
+          <a:lstStyle/>
+          <a:p>
+            <a:r>
+              <a:rPr kumimoji="1" lang="ja-JP" altLang="en-US" dirty="0"/>
+              <a:t>展示物名入力</a:t>
+            </a:r>
+          </a:p>
+        </p:txBody>
+      </p:sp>
+      <p:sp>
+        <p:nvSpPr>
+          <p:cNvPr id="38" name="テキスト ボックス 37">
+            <a:extLst>
+              <a:ext uri="{FF2B5EF4-FFF2-40B4-BE49-F238E27FC236}">
+                <a16:creationId xmlns:a16="http://schemas.microsoft.com/office/drawing/2014/main" id="{3704FD26-5B43-330C-B601-BB9B69ACB426}"/>
+              </a:ext>
+            </a:extLst>
+          </p:cNvPr>
+          <p:cNvSpPr txBox="1"/>
+          <p:nvPr/>
+        </p:nvSpPr>
+        <p:spPr>
+          <a:xfrm>
+            <a:off x="3975652" y="252657"/>
+            <a:ext cx="7535628" cy="369332"/>
+          </a:xfrm>
+          <a:prstGeom prst="rect">
+            <a:avLst/>
+          </a:prstGeom>
+          <a:noFill/>
+        </p:spPr>
+        <p:txBody>
+          <a:bodyPr wrap="square" rtlCol="0">
+            <a:spAutoFit/>
+          </a:bodyPr>
+          <a:lstStyle/>
+          <a:p>
+            <a:r>
+              <a:rPr kumimoji="1" lang="ja-JP" altLang="en-US" dirty="0"/>
+              <a:t>凡例：点線ボックスはエディットボックス、実線ボックスはボタン</a:t>
+            </a:r>
+          </a:p>
+        </p:txBody>
+      </p:sp>
+      <p:sp>
+        <p:nvSpPr>
+          <p:cNvPr id="42" name="テキスト ボックス 41">
+            <a:extLst>
+              <a:ext uri="{FF2B5EF4-FFF2-40B4-BE49-F238E27FC236}">
+                <a16:creationId xmlns:a16="http://schemas.microsoft.com/office/drawing/2014/main" id="{E140782E-88AD-B677-FF49-C86BBDB9EF26}"/>
+              </a:ext>
+            </a:extLst>
+          </p:cNvPr>
+          <p:cNvSpPr txBox="1"/>
+          <p:nvPr/>
+        </p:nvSpPr>
+        <p:spPr>
+          <a:xfrm>
+            <a:off x="2935468" y="1774761"/>
+            <a:ext cx="1646582" cy="369332"/>
+          </a:xfrm>
+          <a:prstGeom prst="rect">
+            <a:avLst/>
+          </a:prstGeom>
+          <a:noFill/>
+        </p:spPr>
+        <p:txBody>
+          <a:bodyPr wrap="square" rtlCol="0">
+            <a:spAutoFit/>
+          </a:bodyPr>
+          <a:lstStyle/>
+          <a:p>
+            <a:r>
+              <a:rPr kumimoji="1" lang="ja-JP" altLang="en-US" dirty="0"/>
+              <a:t>日本語</a:t>
+            </a:r>
+          </a:p>
+        </p:txBody>
+      </p:sp>
+      <p:sp>
+        <p:nvSpPr>
+          <p:cNvPr id="43" name="正方形/長方形 42">
+            <a:extLst>
+              <a:ext uri="{FF2B5EF4-FFF2-40B4-BE49-F238E27FC236}">
+                <a16:creationId xmlns:a16="http://schemas.microsoft.com/office/drawing/2014/main" id="{6B98A0AF-7F22-4D1D-6540-1944940D5E8A}"/>
+              </a:ext>
+            </a:extLst>
+          </p:cNvPr>
+          <p:cNvSpPr/>
+          <p:nvPr/>
+        </p:nvSpPr>
+        <p:spPr>
+          <a:xfrm>
+            <a:off x="1016277" y="2380462"/>
+            <a:ext cx="1646582" cy="369332"/>
+          </a:xfrm>
+          <a:prstGeom prst="rect">
+            <a:avLst/>
+          </a:prstGeom>
+          <a:noFill/>
+          <a:ln>
+            <a:prstDash val="dash"/>
+          </a:ln>
+        </p:spPr>
+        <p:style>
+          <a:lnRef idx="2">
+            <a:schemeClr val="accent1">
+              <a:shade val="15000"/>
+            </a:schemeClr>
+          </a:lnRef>
+          <a:fillRef idx="1">
+            <a:schemeClr val="accent1"/>
+          </a:fillRef>
+          <a:effectRef idx="0">
+            <a:schemeClr val="accent1"/>
+          </a:effectRef>
+          <a:fontRef idx="minor">
+            <a:schemeClr val="lt1"/>
+          </a:fontRef>
+        </p:style>
+        <p:txBody>
+          <a:bodyPr rtlCol="0" anchor="ctr"/>
+          <a:lstStyle/>
+          <a:p>
+            <a:pPr algn="ctr"/>
+            <a:r>
+              <a:rPr kumimoji="1" lang="ja-JP" altLang="en-US" sz="1200" dirty="0">
+                <a:solidFill>
+                  <a:schemeClr val="tx1"/>
+                </a:solidFill>
+              </a:rPr>
+              <a:t>展示物名入力欄</a:t>
+            </a:r>
+          </a:p>
+        </p:txBody>
+      </p:sp>
+      <p:sp>
+        <p:nvSpPr>
+          <p:cNvPr id="44" name="テキスト ボックス 43">
+            <a:extLst>
+              <a:ext uri="{FF2B5EF4-FFF2-40B4-BE49-F238E27FC236}">
+                <a16:creationId xmlns:a16="http://schemas.microsoft.com/office/drawing/2014/main" id="{5F436354-DE96-D8B7-FEF5-C4DF8612CEB4}"/>
+              </a:ext>
+            </a:extLst>
+          </p:cNvPr>
+          <p:cNvSpPr txBox="1"/>
+          <p:nvPr/>
+        </p:nvSpPr>
+        <p:spPr>
+          <a:xfrm>
+            <a:off x="2935468" y="2380462"/>
+            <a:ext cx="1517262" cy="369332"/>
+          </a:xfrm>
+          <a:prstGeom prst="rect">
+            <a:avLst/>
+          </a:prstGeom>
+          <a:noFill/>
+        </p:spPr>
+        <p:txBody>
+          <a:bodyPr wrap="square" rtlCol="0">
+            <a:spAutoFit/>
+          </a:bodyPr>
+          <a:lstStyle/>
+          <a:p>
+            <a:r>
+              <a:rPr kumimoji="1" lang="ja-JP" altLang="en-US" dirty="0"/>
+              <a:t>英語</a:t>
+            </a:r>
+          </a:p>
+        </p:txBody>
+      </p:sp>
+      <p:sp>
+        <p:nvSpPr>
+          <p:cNvPr id="45" name="正方形/長方形 44">
+            <a:extLst>
+              <a:ext uri="{FF2B5EF4-FFF2-40B4-BE49-F238E27FC236}">
+                <a16:creationId xmlns:a16="http://schemas.microsoft.com/office/drawing/2014/main" id="{E9A9DDD9-BAA5-EC3C-89D4-27986E89027B}"/>
+              </a:ext>
+            </a:extLst>
+          </p:cNvPr>
+          <p:cNvSpPr/>
+          <p:nvPr/>
+        </p:nvSpPr>
+        <p:spPr>
+          <a:xfrm>
+            <a:off x="1016277" y="2986163"/>
+            <a:ext cx="1646582" cy="369332"/>
+          </a:xfrm>
+          <a:prstGeom prst="rect">
+            <a:avLst/>
+          </a:prstGeom>
+          <a:noFill/>
+          <a:ln>
+            <a:prstDash val="dash"/>
+          </a:ln>
+        </p:spPr>
+        <p:style>
+          <a:lnRef idx="2">
+            <a:schemeClr val="accent1">
+              <a:shade val="15000"/>
+            </a:schemeClr>
+          </a:lnRef>
+          <a:fillRef idx="1">
+            <a:schemeClr val="accent1"/>
+          </a:fillRef>
+          <a:effectRef idx="0">
+            <a:schemeClr val="accent1"/>
+          </a:effectRef>
+          <a:fontRef idx="minor">
+            <a:schemeClr val="lt1"/>
+          </a:fontRef>
+        </p:style>
+        <p:txBody>
+          <a:bodyPr rtlCol="0" anchor="ctr"/>
+          <a:lstStyle/>
+          <a:p>
+            <a:pPr algn="ctr"/>
+            <a:r>
+              <a:rPr kumimoji="1" lang="ja-JP" altLang="en-US" sz="1200" dirty="0">
+                <a:solidFill>
+                  <a:schemeClr val="tx1"/>
+                </a:solidFill>
+              </a:rPr>
+              <a:t>展示物名入力欄</a:t>
+            </a:r>
+          </a:p>
+        </p:txBody>
+      </p:sp>
+      <p:sp>
+        <p:nvSpPr>
+          <p:cNvPr id="46" name="テキスト ボックス 45">
+            <a:extLst>
+              <a:ext uri="{FF2B5EF4-FFF2-40B4-BE49-F238E27FC236}">
+                <a16:creationId xmlns:a16="http://schemas.microsoft.com/office/drawing/2014/main" id="{1E9E75C6-0FBA-282E-0C92-376512C0FFD2}"/>
+              </a:ext>
+            </a:extLst>
+          </p:cNvPr>
+          <p:cNvSpPr txBox="1"/>
+          <p:nvPr/>
+        </p:nvSpPr>
+        <p:spPr>
+          <a:xfrm>
+            <a:off x="2935468" y="2986163"/>
+            <a:ext cx="1517262" cy="369332"/>
+          </a:xfrm>
+          <a:prstGeom prst="rect">
+            <a:avLst/>
+          </a:prstGeom>
+          <a:noFill/>
+        </p:spPr>
+        <p:txBody>
+          <a:bodyPr wrap="square" rtlCol="0">
+            <a:spAutoFit/>
+          </a:bodyPr>
+          <a:lstStyle/>
+          <a:p>
+            <a:r>
+              <a:rPr kumimoji="1" lang="ja-JP" altLang="en-US" dirty="0"/>
+              <a:t>中国語</a:t>
+            </a:r>
+          </a:p>
+        </p:txBody>
+      </p:sp>
+      <p:sp>
+        <p:nvSpPr>
+          <p:cNvPr id="47" name="テキスト ボックス 46">
+            <a:extLst>
+              <a:ext uri="{FF2B5EF4-FFF2-40B4-BE49-F238E27FC236}">
+                <a16:creationId xmlns:a16="http://schemas.microsoft.com/office/drawing/2014/main" id="{C77D7879-18B7-627C-6CDE-DDB7119FF6BE}"/>
+              </a:ext>
+            </a:extLst>
+          </p:cNvPr>
+          <p:cNvSpPr txBox="1"/>
+          <p:nvPr/>
+        </p:nvSpPr>
+        <p:spPr>
+          <a:xfrm>
+            <a:off x="974588" y="3570407"/>
+            <a:ext cx="3921760" cy="369323"/>
+          </a:xfrm>
+          <a:prstGeom prst="rect">
+            <a:avLst/>
+          </a:prstGeom>
+          <a:noFill/>
+        </p:spPr>
+        <p:txBody>
+          <a:bodyPr wrap="square" rtlCol="0">
+            <a:spAutoFit/>
+          </a:bodyPr>
+          <a:lstStyle/>
+          <a:p>
+            <a:r>
+              <a:rPr kumimoji="1" lang="ja-JP" altLang="en-US" dirty="0"/>
+              <a:t>未使用言語は何も入れない</a:t>
+            </a:r>
+          </a:p>
+        </p:txBody>
+      </p:sp>
+      <p:sp>
+        <p:nvSpPr>
+          <p:cNvPr id="48" name="正方形/長方形 47">
+            <a:extLst>
+              <a:ext uri="{FF2B5EF4-FFF2-40B4-BE49-F238E27FC236}">
+                <a16:creationId xmlns:a16="http://schemas.microsoft.com/office/drawing/2014/main" id="{46CFDF49-96BC-D36F-97CF-2B5103BBF9CA}"/>
+              </a:ext>
+            </a:extLst>
+          </p:cNvPr>
+          <p:cNvSpPr/>
+          <p:nvPr/>
+        </p:nvSpPr>
+        <p:spPr>
+          <a:xfrm>
+            <a:off x="711201" y="1079037"/>
+            <a:ext cx="4338320" cy="3814251"/>
+          </a:xfrm>
+          <a:prstGeom prst="rect">
+            <a:avLst/>
+          </a:prstGeom>
+          <a:noFill/>
+        </p:spPr>
+        <p:style>
+          <a:lnRef idx="2">
+            <a:schemeClr val="accent1">
+              <a:shade val="15000"/>
+            </a:schemeClr>
+          </a:lnRef>
+          <a:fillRef idx="1">
+            <a:schemeClr val="accent1"/>
+          </a:fillRef>
+          <a:effectRef idx="0">
+            <a:schemeClr val="accent1"/>
+          </a:effectRef>
+          <a:fontRef idx="minor">
+            <a:schemeClr val="lt1"/>
+          </a:fontRef>
+        </p:style>
+        <p:txBody>
+          <a:bodyPr rtlCol="0" anchor="ctr"/>
+          <a:lstStyle/>
+          <a:p>
+            <a:pPr algn="ctr"/>
+            <a:endParaRPr kumimoji="1" lang="ja-JP" altLang="en-US" sz="1200" dirty="0">
+              <a:solidFill>
+                <a:schemeClr val="tx1"/>
+              </a:solidFill>
+            </a:endParaRPr>
+          </a:p>
+        </p:txBody>
+      </p:sp>
+      <p:sp>
+        <p:nvSpPr>
+          <p:cNvPr id="49" name="正方形/長方形 48">
+            <a:extLst>
+              <a:ext uri="{FF2B5EF4-FFF2-40B4-BE49-F238E27FC236}">
+                <a16:creationId xmlns:a16="http://schemas.microsoft.com/office/drawing/2014/main" id="{A404585D-781E-3C43-4F4A-EA7939121F5C}"/>
+              </a:ext>
+            </a:extLst>
+          </p:cNvPr>
+          <p:cNvSpPr/>
+          <p:nvPr/>
+        </p:nvSpPr>
+        <p:spPr>
+          <a:xfrm>
+            <a:off x="1016277" y="4267403"/>
+            <a:ext cx="834886" cy="369332"/>
+          </a:xfrm>
+          <a:prstGeom prst="rect">
+            <a:avLst/>
+          </a:prstGeom>
+          <a:noFill/>
+        </p:spPr>
+        <p:style>
+          <a:lnRef idx="2">
+            <a:schemeClr val="accent1">
+              <a:shade val="15000"/>
+            </a:schemeClr>
+          </a:lnRef>
+          <a:fillRef idx="1">
+            <a:schemeClr val="accent1"/>
+          </a:fillRef>
+          <a:effectRef idx="0">
+            <a:schemeClr val="accent1"/>
+          </a:effectRef>
+          <a:fontRef idx="minor">
+            <a:schemeClr val="lt1"/>
+          </a:fontRef>
+        </p:style>
+        <p:txBody>
+          <a:bodyPr rtlCol="0" anchor="ctr"/>
+          <a:lstStyle/>
+          <a:p>
+            <a:pPr algn="ctr"/>
+            <a:r>
+              <a:rPr kumimoji="1" lang="ja-JP" altLang="en-US" sz="1200" dirty="0">
+                <a:solidFill>
+                  <a:schemeClr val="tx1"/>
+                </a:solidFill>
+              </a:rPr>
+              <a:t>中止</a:t>
+            </a:r>
+          </a:p>
+        </p:txBody>
+      </p:sp>
+      <p:sp>
+        <p:nvSpPr>
+          <p:cNvPr id="50" name="正方形/長方形 49">
+            <a:extLst>
+              <a:ext uri="{FF2B5EF4-FFF2-40B4-BE49-F238E27FC236}">
+                <a16:creationId xmlns:a16="http://schemas.microsoft.com/office/drawing/2014/main" id="{92A6EE1A-A51D-82E9-E944-C19DCC5F2379}"/>
+              </a:ext>
+            </a:extLst>
+          </p:cNvPr>
+          <p:cNvSpPr/>
+          <p:nvPr/>
+        </p:nvSpPr>
+        <p:spPr>
+          <a:xfrm>
+            <a:off x="2156239" y="4267403"/>
+            <a:ext cx="834886" cy="369332"/>
+          </a:xfrm>
+          <a:prstGeom prst="rect">
+            <a:avLst/>
+          </a:prstGeom>
+          <a:noFill/>
+        </p:spPr>
+        <p:style>
+          <a:lnRef idx="2">
+            <a:schemeClr val="accent1">
+              <a:shade val="15000"/>
+            </a:schemeClr>
+          </a:lnRef>
+          <a:fillRef idx="1">
+            <a:schemeClr val="accent1"/>
+          </a:fillRef>
+          <a:effectRef idx="0">
+            <a:schemeClr val="accent1"/>
+          </a:effectRef>
+          <a:fontRef idx="minor">
+            <a:schemeClr val="lt1"/>
+          </a:fontRef>
+        </p:style>
+        <p:txBody>
+          <a:bodyPr rtlCol="0" anchor="ctr"/>
+          <a:lstStyle/>
+          <a:p>
+            <a:pPr algn="ctr"/>
+            <a:r>
+              <a:rPr kumimoji="1" lang="ja-JP" altLang="en-US" sz="1200" dirty="0">
+                <a:solidFill>
+                  <a:schemeClr val="tx1"/>
+                </a:solidFill>
+              </a:rPr>
+              <a:t>次へ</a:t>
+            </a:r>
+          </a:p>
+        </p:txBody>
+      </p:sp>
+      <p:sp>
+        <p:nvSpPr>
+          <p:cNvPr id="52" name="テキスト ボックス 51">
+            <a:extLst>
+              <a:ext uri="{FF2B5EF4-FFF2-40B4-BE49-F238E27FC236}">
+                <a16:creationId xmlns:a16="http://schemas.microsoft.com/office/drawing/2014/main" id="{7A1C385C-F55F-3FB8-7C8B-3AD96B862A6F}"/>
+              </a:ext>
+            </a:extLst>
+          </p:cNvPr>
+          <p:cNvSpPr txBox="1"/>
+          <p:nvPr/>
+        </p:nvSpPr>
+        <p:spPr>
+          <a:xfrm>
+            <a:off x="5675244" y="1397240"/>
+            <a:ext cx="6182138" cy="1200329"/>
+          </a:xfrm>
+          <a:prstGeom prst="rect">
+            <a:avLst/>
+          </a:prstGeom>
+          <a:noFill/>
+        </p:spPr>
+        <p:txBody>
+          <a:bodyPr wrap="square" rtlCol="0">
+            <a:spAutoFit/>
+          </a:bodyPr>
+          <a:lstStyle/>
+          <a:p>
+            <a:pPr marL="285750" indent="-285750">
+              <a:buFont typeface="Wingdings" panose="05000000000000000000" pitchFamily="2" charset="2"/>
+              <a:buChar char="l"/>
+            </a:pPr>
+            <a:r>
+              <a:rPr kumimoji="1" lang="ja-JP" altLang="en-US" dirty="0"/>
+              <a:t>中止</a:t>
+            </a:r>
+            <a:endParaRPr kumimoji="1" lang="en-US" altLang="ja-JP" dirty="0"/>
+          </a:p>
+          <a:p>
+            <a:pPr marL="742950" lvl="1" indent="-285750">
+              <a:buFont typeface="Wingdings" panose="05000000000000000000" pitchFamily="2" charset="2"/>
+              <a:buChar char="ü"/>
+            </a:pPr>
+            <a:r>
+              <a:rPr kumimoji="1" lang="ja-JP" altLang="en-US" dirty="0"/>
+              <a:t>修正トップページ</a:t>
+            </a:r>
+            <a:endParaRPr kumimoji="1" lang="en-US" altLang="ja-JP" dirty="0"/>
+          </a:p>
+          <a:p>
+            <a:pPr marL="285750" indent="-285750">
+              <a:buFont typeface="Wingdings" panose="05000000000000000000" pitchFamily="2" charset="2"/>
+              <a:buChar char="l"/>
+            </a:pPr>
+            <a:r>
+              <a:rPr kumimoji="1" lang="ja-JP" altLang="en-US" dirty="0"/>
+              <a:t>次へ</a:t>
+            </a:r>
+            <a:endParaRPr kumimoji="1" lang="en-US" altLang="ja-JP" dirty="0"/>
+          </a:p>
+          <a:p>
+            <a:pPr marL="742950" lvl="1" indent="-285750">
+              <a:buFont typeface="Wingdings" panose="05000000000000000000" pitchFamily="2" charset="2"/>
+              <a:buChar char="ü"/>
+            </a:pPr>
+            <a:r>
+              <a:rPr kumimoji="1" lang="ja-JP" altLang="en-US" dirty="0"/>
+              <a:t>画像選択ページ</a:t>
+            </a:r>
+            <a:endParaRPr kumimoji="1" lang="en-US" altLang="ja-JP" dirty="0"/>
+          </a:p>
+        </p:txBody>
+      </p:sp>
+    </p:spTree>
+    <p:extLst>
+      <p:ext uri="{BB962C8B-B14F-4D97-AF65-F5344CB8AC3E}">
+        <p14:creationId xmlns:p14="http://schemas.microsoft.com/office/powerpoint/2010/main" val="98850743"/>
+      </p:ext>
+    </p:extLst>
+  </p:cSld>
+  <p:clrMapOvr>
+    <a:masterClrMapping/>
+  </p:clrMapOvr>
+</p:sld>
+</file>
+
+<file path=ppt/slides/slide51.xml><?xml version="1.0" encoding="utf-8"?>
+<p:sld xmlns:a="http://schemas.openxmlformats.org/drawingml/2006/main" xmlns:r="http://schemas.openxmlformats.org/officeDocument/2006/relationships" xmlns:p="http://schemas.openxmlformats.org/presentationml/2006/main">
+  <p:cSld>
+    <p:spTree>
+      <p:nvGrpSpPr>
+        <p:cNvPr id="1" name="">
+          <a:extLst>
+            <a:ext uri="{FF2B5EF4-FFF2-40B4-BE49-F238E27FC236}">
+              <a16:creationId xmlns:a16="http://schemas.microsoft.com/office/drawing/2014/main" id="{DB79F67A-EF15-2696-B840-76F96B4F831F}"/>
+            </a:ext>
+          </a:extLst>
+        </p:cNvPr>
+        <p:cNvGrpSpPr/>
+        <p:nvPr/>
+      </p:nvGrpSpPr>
+      <p:grpSpPr>
+        <a:xfrm>
+          <a:off x="0" y="0"/>
+          <a:ext cx="0" cy="0"/>
+          <a:chOff x="0" y="0"/>
+          <a:chExt cx="0" cy="0"/>
+        </a:xfrm>
+      </p:grpSpPr>
+      <p:cxnSp>
+        <p:nvCxnSpPr>
+          <p:cNvPr id="4" name="直線コネクタ 3">
+            <a:extLst>
+              <a:ext uri="{FF2B5EF4-FFF2-40B4-BE49-F238E27FC236}">
+                <a16:creationId xmlns:a16="http://schemas.microsoft.com/office/drawing/2014/main" id="{A9C0C61C-8568-101D-50E0-0623D37B2258}"/>
+              </a:ext>
+            </a:extLst>
+          </p:cNvPr>
+          <p:cNvCxnSpPr/>
+          <p:nvPr/>
+        </p:nvCxnSpPr>
+        <p:spPr>
+          <a:xfrm>
+            <a:off x="228600" y="755374"/>
+            <a:ext cx="11936896" cy="0"/>
+          </a:xfrm>
+          <a:prstGeom prst="line">
+            <a:avLst/>
+          </a:prstGeom>
+        </p:spPr>
+        <p:style>
+          <a:lnRef idx="2">
+            <a:schemeClr val="accent1"/>
+          </a:lnRef>
+          <a:fillRef idx="0">
+            <a:schemeClr val="accent1"/>
+          </a:fillRef>
+          <a:effectRef idx="1">
+            <a:schemeClr val="accent1"/>
+          </a:effectRef>
+          <a:fontRef idx="minor">
+            <a:schemeClr val="tx1"/>
+          </a:fontRef>
+        </p:style>
+      </p:cxnSp>
+      <p:sp>
+        <p:nvSpPr>
+          <p:cNvPr id="5" name="テキスト ボックス 4">
+            <a:extLst>
+              <a:ext uri="{FF2B5EF4-FFF2-40B4-BE49-F238E27FC236}">
+                <a16:creationId xmlns:a16="http://schemas.microsoft.com/office/drawing/2014/main" id="{DA343C08-A8F5-EE08-F4BD-03A2E64B55AD}"/>
+              </a:ext>
+            </a:extLst>
+          </p:cNvPr>
+          <p:cNvSpPr txBox="1"/>
+          <p:nvPr/>
+        </p:nvSpPr>
+        <p:spPr>
+          <a:xfrm>
+            <a:off x="407504" y="198783"/>
+            <a:ext cx="3796748" cy="369332"/>
+          </a:xfrm>
+          <a:prstGeom prst="rect">
+            <a:avLst/>
+          </a:prstGeom>
+          <a:noFill/>
+        </p:spPr>
+        <p:txBody>
+          <a:bodyPr wrap="square" rtlCol="0">
+            <a:spAutoFit/>
+          </a:bodyPr>
+          <a:lstStyle/>
+          <a:p>
+            <a:r>
+              <a:rPr kumimoji="1" lang="ja-JP" altLang="en-US" dirty="0"/>
+              <a:t>修正：画像選択</a:t>
+            </a:r>
+          </a:p>
+        </p:txBody>
+      </p:sp>
+      <p:sp>
+        <p:nvSpPr>
+          <p:cNvPr id="6" name="テキスト ボックス 5">
+            <a:extLst>
+              <a:ext uri="{FF2B5EF4-FFF2-40B4-BE49-F238E27FC236}">
+                <a16:creationId xmlns:a16="http://schemas.microsoft.com/office/drawing/2014/main" id="{761DD57A-23B8-1CBA-34BE-86BFC8BEC0C7}"/>
+              </a:ext>
+            </a:extLst>
+          </p:cNvPr>
+          <p:cNvSpPr txBox="1"/>
+          <p:nvPr/>
+        </p:nvSpPr>
+        <p:spPr>
+          <a:xfrm>
+            <a:off x="1016277" y="1249866"/>
+            <a:ext cx="3579742" cy="369332"/>
+          </a:xfrm>
+          <a:prstGeom prst="rect">
+            <a:avLst/>
+          </a:prstGeom>
+          <a:noFill/>
+        </p:spPr>
+        <p:txBody>
+          <a:bodyPr wrap="square" rtlCol="0">
+            <a:spAutoFit/>
+          </a:bodyPr>
+          <a:lstStyle/>
+          <a:p>
+            <a:r>
+              <a:rPr kumimoji="1" lang="ja-JP" altLang="en-US" dirty="0"/>
+              <a:t>展示物画像</a:t>
+            </a:r>
+          </a:p>
+        </p:txBody>
+      </p:sp>
+      <p:sp>
+        <p:nvSpPr>
+          <p:cNvPr id="38" name="テキスト ボックス 37">
+            <a:extLst>
+              <a:ext uri="{FF2B5EF4-FFF2-40B4-BE49-F238E27FC236}">
+                <a16:creationId xmlns:a16="http://schemas.microsoft.com/office/drawing/2014/main" id="{44A8605A-DE5A-07F3-C682-C53D69979362}"/>
+              </a:ext>
+            </a:extLst>
+          </p:cNvPr>
+          <p:cNvSpPr txBox="1"/>
+          <p:nvPr/>
+        </p:nvSpPr>
+        <p:spPr>
+          <a:xfrm>
+            <a:off x="3975652" y="252657"/>
+            <a:ext cx="7535628" cy="369332"/>
+          </a:xfrm>
+          <a:prstGeom prst="rect">
+            <a:avLst/>
+          </a:prstGeom>
+          <a:noFill/>
+        </p:spPr>
+        <p:txBody>
+          <a:bodyPr wrap="square" rtlCol="0">
+            <a:spAutoFit/>
+          </a:bodyPr>
+          <a:lstStyle/>
+          <a:p>
+            <a:r>
+              <a:rPr kumimoji="1" lang="ja-JP" altLang="en-US" dirty="0"/>
+              <a:t>凡例：点線ボックスはエディットボックス、実線ボックスはボタン</a:t>
+            </a:r>
+          </a:p>
+        </p:txBody>
+      </p:sp>
+      <p:sp>
+        <p:nvSpPr>
+          <p:cNvPr id="47" name="テキスト ボックス 46">
+            <a:extLst>
+              <a:ext uri="{FF2B5EF4-FFF2-40B4-BE49-F238E27FC236}">
+                <a16:creationId xmlns:a16="http://schemas.microsoft.com/office/drawing/2014/main" id="{669AA25D-7A06-ACB9-8A76-69E1C98D4CF4}"/>
+              </a:ext>
+            </a:extLst>
+          </p:cNvPr>
+          <p:cNvSpPr txBox="1"/>
+          <p:nvPr/>
+        </p:nvSpPr>
+        <p:spPr>
+          <a:xfrm>
+            <a:off x="955814" y="4081469"/>
+            <a:ext cx="3921760" cy="369323"/>
+          </a:xfrm>
+          <a:prstGeom prst="rect">
+            <a:avLst/>
+          </a:prstGeom>
+          <a:noFill/>
+        </p:spPr>
+        <p:txBody>
+          <a:bodyPr wrap="square" rtlCol="0">
+            <a:spAutoFit/>
+          </a:bodyPr>
+          <a:lstStyle/>
+          <a:p>
+            <a:r>
+              <a:rPr kumimoji="1" lang="ja-JP" altLang="en-US" dirty="0"/>
+              <a:t>未使用言語は何も入れない</a:t>
+            </a:r>
+          </a:p>
+        </p:txBody>
+      </p:sp>
+      <p:sp>
+        <p:nvSpPr>
+          <p:cNvPr id="48" name="正方形/長方形 47">
+            <a:extLst>
+              <a:ext uri="{FF2B5EF4-FFF2-40B4-BE49-F238E27FC236}">
+                <a16:creationId xmlns:a16="http://schemas.microsoft.com/office/drawing/2014/main" id="{E276CBCF-7029-FA86-9EF9-FB061688F562}"/>
+              </a:ext>
+            </a:extLst>
+          </p:cNvPr>
+          <p:cNvSpPr/>
+          <p:nvPr/>
+        </p:nvSpPr>
+        <p:spPr>
+          <a:xfrm>
+            <a:off x="711201" y="1079037"/>
+            <a:ext cx="4338320" cy="4864563"/>
+          </a:xfrm>
+          <a:prstGeom prst="rect">
+            <a:avLst/>
+          </a:prstGeom>
+          <a:noFill/>
+        </p:spPr>
+        <p:style>
+          <a:lnRef idx="2">
+            <a:schemeClr val="accent1">
+              <a:shade val="15000"/>
+            </a:schemeClr>
+          </a:lnRef>
+          <a:fillRef idx="1">
+            <a:schemeClr val="accent1"/>
+          </a:fillRef>
+          <a:effectRef idx="0">
+            <a:schemeClr val="accent1"/>
+          </a:effectRef>
+          <a:fontRef idx="minor">
+            <a:schemeClr val="lt1"/>
+          </a:fontRef>
+        </p:style>
+        <p:txBody>
+          <a:bodyPr rtlCol="0" anchor="ctr"/>
+          <a:lstStyle/>
+          <a:p>
+            <a:pPr algn="ctr"/>
+            <a:endParaRPr kumimoji="1" lang="ja-JP" altLang="en-US" sz="1200" dirty="0">
+              <a:solidFill>
+                <a:schemeClr val="tx1"/>
+              </a:solidFill>
+            </a:endParaRPr>
+          </a:p>
+        </p:txBody>
+      </p:sp>
+      <p:sp>
+        <p:nvSpPr>
+          <p:cNvPr id="49" name="正方形/長方形 48">
+            <a:extLst>
+              <a:ext uri="{FF2B5EF4-FFF2-40B4-BE49-F238E27FC236}">
+                <a16:creationId xmlns:a16="http://schemas.microsoft.com/office/drawing/2014/main" id="{A1BB6215-4B5E-38BD-774C-B906DFC9C757}"/>
+              </a:ext>
+            </a:extLst>
+          </p:cNvPr>
+          <p:cNvSpPr/>
+          <p:nvPr/>
+        </p:nvSpPr>
+        <p:spPr>
+          <a:xfrm>
+            <a:off x="1105454" y="4871832"/>
+            <a:ext cx="834886" cy="369332"/>
+          </a:xfrm>
+          <a:prstGeom prst="rect">
+            <a:avLst/>
+          </a:prstGeom>
+          <a:noFill/>
+        </p:spPr>
+        <p:style>
+          <a:lnRef idx="2">
+            <a:schemeClr val="accent1">
+              <a:shade val="15000"/>
+            </a:schemeClr>
+          </a:lnRef>
+          <a:fillRef idx="1">
+            <a:schemeClr val="accent1"/>
+          </a:fillRef>
+          <a:effectRef idx="0">
+            <a:schemeClr val="accent1"/>
+          </a:effectRef>
+          <a:fontRef idx="minor">
+            <a:schemeClr val="lt1"/>
+          </a:fontRef>
+        </p:style>
+        <p:txBody>
+          <a:bodyPr rtlCol="0" anchor="ctr"/>
+          <a:lstStyle/>
+          <a:p>
+            <a:pPr algn="ctr"/>
+            <a:r>
+              <a:rPr kumimoji="1" lang="ja-JP" altLang="en-US" sz="1200" dirty="0">
+                <a:solidFill>
+                  <a:schemeClr val="tx1"/>
+                </a:solidFill>
+              </a:rPr>
+              <a:t>中止</a:t>
+            </a:r>
+          </a:p>
+        </p:txBody>
+      </p:sp>
+      <p:sp>
+        <p:nvSpPr>
+          <p:cNvPr id="50" name="正方形/長方形 49">
+            <a:extLst>
+              <a:ext uri="{FF2B5EF4-FFF2-40B4-BE49-F238E27FC236}">
+                <a16:creationId xmlns:a16="http://schemas.microsoft.com/office/drawing/2014/main" id="{3481D28B-F737-9EF8-72FE-5F90065DBF84}"/>
+              </a:ext>
+            </a:extLst>
+          </p:cNvPr>
+          <p:cNvSpPr/>
+          <p:nvPr/>
+        </p:nvSpPr>
+        <p:spPr>
+          <a:xfrm>
+            <a:off x="2245416" y="4871832"/>
+            <a:ext cx="834886" cy="369332"/>
+          </a:xfrm>
+          <a:prstGeom prst="rect">
+            <a:avLst/>
+          </a:prstGeom>
+          <a:noFill/>
+        </p:spPr>
+        <p:style>
+          <a:lnRef idx="2">
+            <a:schemeClr val="accent1">
+              <a:shade val="15000"/>
+            </a:schemeClr>
+          </a:lnRef>
+          <a:fillRef idx="1">
+            <a:schemeClr val="accent1"/>
+          </a:fillRef>
+          <a:effectRef idx="0">
+            <a:schemeClr val="accent1"/>
+          </a:effectRef>
+          <a:fontRef idx="minor">
+            <a:schemeClr val="lt1"/>
+          </a:fontRef>
+        </p:style>
+        <p:txBody>
+          <a:bodyPr rtlCol="0" anchor="ctr"/>
+          <a:lstStyle/>
+          <a:p>
+            <a:pPr algn="ctr"/>
+            <a:r>
+              <a:rPr kumimoji="1" lang="ja-JP" altLang="en-US" sz="1200" dirty="0">
+                <a:solidFill>
+                  <a:schemeClr val="tx1"/>
+                </a:solidFill>
+              </a:rPr>
+              <a:t>次へ</a:t>
+            </a:r>
+          </a:p>
+        </p:txBody>
+      </p:sp>
+      <p:sp>
+        <p:nvSpPr>
+          <p:cNvPr id="52" name="テキスト ボックス 51">
+            <a:extLst>
+              <a:ext uri="{FF2B5EF4-FFF2-40B4-BE49-F238E27FC236}">
+                <a16:creationId xmlns:a16="http://schemas.microsoft.com/office/drawing/2014/main" id="{A5F92EA2-03A0-73E2-8DA8-51DA50B7B255}"/>
+              </a:ext>
+            </a:extLst>
+          </p:cNvPr>
+          <p:cNvSpPr txBox="1"/>
+          <p:nvPr/>
+        </p:nvSpPr>
+        <p:spPr>
+          <a:xfrm>
+            <a:off x="5675244" y="1397240"/>
+            <a:ext cx="6182138" cy="2031325"/>
+          </a:xfrm>
+          <a:prstGeom prst="rect">
+            <a:avLst/>
+          </a:prstGeom>
+          <a:noFill/>
+        </p:spPr>
+        <p:txBody>
+          <a:bodyPr wrap="square" rtlCol="0">
+            <a:spAutoFit/>
+          </a:bodyPr>
+          <a:lstStyle/>
+          <a:p>
+            <a:pPr marL="285750" indent="-285750">
+              <a:buFont typeface="Wingdings" panose="05000000000000000000" pitchFamily="2" charset="2"/>
+              <a:buChar char="l"/>
+            </a:pPr>
+            <a:r>
+              <a:rPr kumimoji="1" lang="ja-JP" altLang="en-US" dirty="0"/>
+              <a:t>中止</a:t>
+            </a:r>
+            <a:endParaRPr kumimoji="1" lang="en-US" altLang="ja-JP" dirty="0"/>
+          </a:p>
+          <a:p>
+            <a:pPr marL="742950" lvl="1" indent="-285750">
+              <a:buFont typeface="Wingdings" panose="05000000000000000000" pitchFamily="2" charset="2"/>
+              <a:buChar char="ü"/>
+            </a:pPr>
+            <a:r>
+              <a:rPr kumimoji="1" lang="ja-JP" altLang="en-US" dirty="0"/>
+              <a:t>修正トップページ</a:t>
+            </a:r>
+            <a:endParaRPr kumimoji="1" lang="en-US" altLang="ja-JP" dirty="0"/>
+          </a:p>
+          <a:p>
+            <a:pPr marL="285750" indent="-285750">
+              <a:buFont typeface="Wingdings" panose="05000000000000000000" pitchFamily="2" charset="2"/>
+              <a:buChar char="l"/>
+            </a:pPr>
+            <a:r>
+              <a:rPr kumimoji="1" lang="ja-JP" altLang="en-US" dirty="0"/>
+              <a:t>選択</a:t>
+            </a:r>
+            <a:endParaRPr kumimoji="1" lang="en-US" altLang="ja-JP" dirty="0"/>
+          </a:p>
+          <a:p>
+            <a:pPr marL="742950" lvl="1" indent="-285750">
+              <a:buFont typeface="Wingdings" panose="05000000000000000000" pitchFamily="2" charset="2"/>
+              <a:buChar char="ü"/>
+            </a:pPr>
+            <a:r>
+              <a:rPr kumimoji="1" lang="ja-JP" altLang="en-US" dirty="0"/>
+              <a:t>ファイル名入力欄に入力されたファイルを確定</a:t>
+            </a:r>
+            <a:endParaRPr kumimoji="1" lang="en-US" altLang="ja-JP" dirty="0"/>
+          </a:p>
+          <a:p>
+            <a:pPr marL="742950" lvl="1" indent="-285750">
+              <a:buFont typeface="Wingdings" panose="05000000000000000000" pitchFamily="2" charset="2"/>
+              <a:buChar char="ü"/>
+            </a:pPr>
+            <a:r>
+              <a:rPr kumimoji="1" lang="ja-JP" altLang="en-US" dirty="0"/>
+              <a:t>確定したファイル画像が表示される</a:t>
+            </a:r>
+            <a:endParaRPr kumimoji="1" lang="en-US" altLang="ja-JP" dirty="0"/>
+          </a:p>
+          <a:p>
+            <a:pPr marL="285750" indent="-285750">
+              <a:buFont typeface="Wingdings" panose="05000000000000000000" pitchFamily="2" charset="2"/>
+              <a:buChar char="l"/>
+            </a:pPr>
+            <a:r>
+              <a:rPr kumimoji="1" lang="ja-JP" altLang="en-US" dirty="0"/>
+              <a:t>次へ</a:t>
+            </a:r>
+            <a:endParaRPr kumimoji="1" lang="en-US" altLang="ja-JP" dirty="0"/>
+          </a:p>
+          <a:p>
+            <a:pPr marL="742950" lvl="1" indent="-285750">
+              <a:buFont typeface="Wingdings" panose="05000000000000000000" pitchFamily="2" charset="2"/>
+              <a:buChar char="ü"/>
+            </a:pPr>
+            <a:r>
+              <a:rPr kumimoji="1" lang="ja-JP" altLang="en-US" dirty="0"/>
+              <a:t>説明文入力欄に移動</a:t>
+            </a:r>
+            <a:endParaRPr kumimoji="1" lang="en-US" altLang="ja-JP" dirty="0"/>
+          </a:p>
+        </p:txBody>
+      </p:sp>
+      <p:sp>
+        <p:nvSpPr>
+          <p:cNvPr id="3" name="正方形/長方形 2">
+            <a:extLst>
+              <a:ext uri="{FF2B5EF4-FFF2-40B4-BE49-F238E27FC236}">
+                <a16:creationId xmlns:a16="http://schemas.microsoft.com/office/drawing/2014/main" id="{7B5DC4DA-066A-7198-6190-F2CA23082FE4}"/>
+              </a:ext>
+            </a:extLst>
+          </p:cNvPr>
+          <p:cNvSpPr/>
+          <p:nvPr/>
+        </p:nvSpPr>
+        <p:spPr>
+          <a:xfrm>
+            <a:off x="996399" y="3581581"/>
+            <a:ext cx="2837301" cy="369332"/>
+          </a:xfrm>
+          <a:prstGeom prst="rect">
+            <a:avLst/>
+          </a:prstGeom>
+          <a:noFill/>
+          <a:ln>
+            <a:prstDash val="dash"/>
+          </a:ln>
+        </p:spPr>
+        <p:style>
+          <a:lnRef idx="2">
+            <a:schemeClr val="accent1">
+              <a:shade val="15000"/>
+            </a:schemeClr>
+          </a:lnRef>
+          <a:fillRef idx="1">
+            <a:schemeClr val="accent1"/>
+          </a:fillRef>
+          <a:effectRef idx="0">
+            <a:schemeClr val="accent1"/>
+          </a:effectRef>
+          <a:fontRef idx="minor">
+            <a:schemeClr val="lt1"/>
+          </a:fontRef>
+        </p:style>
+        <p:txBody>
+          <a:bodyPr rtlCol="0" anchor="ctr"/>
+          <a:lstStyle/>
+          <a:p>
+            <a:pPr algn="ctr"/>
+            <a:r>
+              <a:rPr kumimoji="1" lang="ja-JP" altLang="en-US" sz="1200" dirty="0">
+                <a:solidFill>
+                  <a:schemeClr val="tx1"/>
+                </a:solidFill>
+              </a:rPr>
+              <a:t>ファイル名入力欄</a:t>
+            </a:r>
+          </a:p>
+        </p:txBody>
+      </p:sp>
+      <p:sp>
+        <p:nvSpPr>
+          <p:cNvPr id="7" name="正方形/長方形 6">
+            <a:extLst>
+              <a:ext uri="{FF2B5EF4-FFF2-40B4-BE49-F238E27FC236}">
+                <a16:creationId xmlns:a16="http://schemas.microsoft.com/office/drawing/2014/main" id="{8CFB2961-AD0D-8A4E-F03D-85B82E050EE8}"/>
+              </a:ext>
+            </a:extLst>
+          </p:cNvPr>
+          <p:cNvSpPr/>
+          <p:nvPr/>
+        </p:nvSpPr>
+        <p:spPr>
+          <a:xfrm>
+            <a:off x="3977862" y="3581581"/>
+            <a:ext cx="834886" cy="369332"/>
+          </a:xfrm>
+          <a:prstGeom prst="rect">
+            <a:avLst/>
+          </a:prstGeom>
+          <a:noFill/>
+        </p:spPr>
+        <p:style>
+          <a:lnRef idx="2">
+            <a:schemeClr val="accent1">
+              <a:shade val="15000"/>
+            </a:schemeClr>
+          </a:lnRef>
+          <a:fillRef idx="1">
+            <a:schemeClr val="accent1"/>
+          </a:fillRef>
+          <a:effectRef idx="0">
+            <a:schemeClr val="accent1"/>
+          </a:effectRef>
+          <a:fontRef idx="minor">
+            <a:schemeClr val="lt1"/>
+          </a:fontRef>
+        </p:style>
+        <p:txBody>
+          <a:bodyPr rtlCol="0" anchor="ctr"/>
+          <a:lstStyle/>
+          <a:p>
+            <a:pPr algn="ctr"/>
+            <a:r>
+              <a:rPr kumimoji="1" lang="ja-JP" altLang="en-US" sz="1200" dirty="0">
+                <a:solidFill>
+                  <a:schemeClr val="tx1"/>
+                </a:solidFill>
+              </a:rPr>
+              <a:t>選択</a:t>
+            </a:r>
+          </a:p>
+        </p:txBody>
+      </p:sp>
+      <p:pic>
+        <p:nvPicPr>
+          <p:cNvPr id="8" name="図 7" descr="テーブル, 座る, ベッド, 横たわる が含まれている画像&#10;&#10;AI 生成コンテンツは誤りを含む可能性があります。">
+            <a:extLst>
+              <a:ext uri="{FF2B5EF4-FFF2-40B4-BE49-F238E27FC236}">
+                <a16:creationId xmlns:a16="http://schemas.microsoft.com/office/drawing/2014/main" id="{674ED103-3CBA-091D-699E-7DF78D905209}"/>
+              </a:ext>
+            </a:extLst>
+          </p:cNvPr>
+          <p:cNvPicPr>
+            <a:picLocks noChangeAspect="1"/>
+          </p:cNvPicPr>
+          <p:nvPr/>
+        </p:nvPicPr>
+        <p:blipFill>
+          <a:blip r:embed="rId2"/>
+          <a:stretch>
+            <a:fillRect/>
+          </a:stretch>
+        </p:blipFill>
+        <p:spPr>
+          <a:xfrm>
+            <a:off x="1252169" y="1790027"/>
+            <a:ext cx="1182758" cy="1414482"/>
+          </a:xfrm>
+          <a:prstGeom prst="rect">
+            <a:avLst/>
+          </a:prstGeom>
+        </p:spPr>
+      </p:pic>
+      <p:sp>
+        <p:nvSpPr>
+          <p:cNvPr id="9" name="吹き出し: 四角形 8">
+            <a:extLst>
+              <a:ext uri="{FF2B5EF4-FFF2-40B4-BE49-F238E27FC236}">
+                <a16:creationId xmlns:a16="http://schemas.microsoft.com/office/drawing/2014/main" id="{584426B7-1409-04CB-D612-AC71DC3AEBE4}"/>
+              </a:ext>
+            </a:extLst>
+          </p:cNvPr>
+          <p:cNvSpPr/>
+          <p:nvPr/>
+        </p:nvSpPr>
+        <p:spPr>
+          <a:xfrm>
+            <a:off x="2865424" y="1978214"/>
+            <a:ext cx="1338828" cy="619355"/>
+          </a:xfrm>
+          <a:prstGeom prst="wedgeRectCallout">
+            <a:avLst>
+              <a:gd name="adj1" fmla="val -76511"/>
+              <a:gd name="adj2" fmla="val 76942"/>
+            </a:avLst>
+          </a:prstGeom>
+          <a:noFill/>
+        </p:spPr>
+        <p:style>
+          <a:lnRef idx="2">
+            <a:schemeClr val="accent1">
+              <a:shade val="15000"/>
+            </a:schemeClr>
+          </a:lnRef>
+          <a:fillRef idx="1">
+            <a:schemeClr val="accent1"/>
+          </a:fillRef>
+          <a:effectRef idx="0">
+            <a:schemeClr val="accent1"/>
+          </a:effectRef>
+          <a:fontRef idx="minor">
+            <a:schemeClr val="lt1"/>
+          </a:fontRef>
+        </p:style>
+        <p:txBody>
+          <a:bodyPr rtlCol="0" anchor="ctr"/>
+          <a:lstStyle/>
+          <a:p>
+            <a:pPr algn="ctr"/>
+            <a:r>
+              <a:rPr kumimoji="1" lang="ja-JP" altLang="en-US" sz="1200" dirty="0">
+                <a:solidFill>
+                  <a:schemeClr val="tx1"/>
+                </a:solidFill>
+              </a:rPr>
+              <a:t>ここに画像が表示される</a:t>
+            </a:r>
+          </a:p>
+        </p:txBody>
+      </p:sp>
+    </p:spTree>
+    <p:extLst>
+      <p:ext uri="{BB962C8B-B14F-4D97-AF65-F5344CB8AC3E}">
+        <p14:creationId xmlns:p14="http://schemas.microsoft.com/office/powerpoint/2010/main" val="2182266341"/>
+      </p:ext>
+    </p:extLst>
+  </p:cSld>
+  <p:clrMapOvr>
+    <a:masterClrMapping/>
+  </p:clrMapOvr>
+</p:sld>
+</file>
+
+<file path=ppt/slides/slide52.xml><?xml version="1.0" encoding="utf-8"?>
+<p:sld xmlns:a="http://schemas.openxmlformats.org/drawingml/2006/main" xmlns:r="http://schemas.openxmlformats.org/officeDocument/2006/relationships" xmlns:p="http://schemas.openxmlformats.org/presentationml/2006/main">
+  <p:cSld>
+    <p:spTree>
+      <p:nvGrpSpPr>
+        <p:cNvPr id="1" name="">
+          <a:extLst>
+            <a:ext uri="{FF2B5EF4-FFF2-40B4-BE49-F238E27FC236}">
+              <a16:creationId xmlns:a16="http://schemas.microsoft.com/office/drawing/2014/main" id="{B1983816-7B69-41CB-ADC6-C57438869853}"/>
+            </a:ext>
+          </a:extLst>
+        </p:cNvPr>
+        <p:cNvGrpSpPr/>
+        <p:nvPr/>
+      </p:nvGrpSpPr>
+      <p:grpSpPr>
+        <a:xfrm>
+          <a:off x="0" y="0"/>
+          <a:ext cx="0" cy="0"/>
+          <a:chOff x="0" y="0"/>
+          <a:chExt cx="0" cy="0"/>
+        </a:xfrm>
+      </p:grpSpPr>
+      <p:cxnSp>
+        <p:nvCxnSpPr>
+          <p:cNvPr id="4" name="直線コネクタ 3">
+            <a:extLst>
+              <a:ext uri="{FF2B5EF4-FFF2-40B4-BE49-F238E27FC236}">
+                <a16:creationId xmlns:a16="http://schemas.microsoft.com/office/drawing/2014/main" id="{9374D7C5-EB2C-58A2-FC40-BF78243F1B5A}"/>
+              </a:ext>
+            </a:extLst>
+          </p:cNvPr>
+          <p:cNvCxnSpPr/>
+          <p:nvPr/>
+        </p:nvCxnSpPr>
+        <p:spPr>
+          <a:xfrm>
+            <a:off x="228600" y="755374"/>
+            <a:ext cx="11936896" cy="0"/>
+          </a:xfrm>
+          <a:prstGeom prst="line">
+            <a:avLst/>
+          </a:prstGeom>
+        </p:spPr>
+        <p:style>
+          <a:lnRef idx="2">
+            <a:schemeClr val="accent1"/>
+          </a:lnRef>
+          <a:fillRef idx="0">
+            <a:schemeClr val="accent1"/>
+          </a:fillRef>
+          <a:effectRef idx="1">
+            <a:schemeClr val="accent1"/>
+          </a:effectRef>
+          <a:fontRef idx="minor">
+            <a:schemeClr val="tx1"/>
+          </a:fontRef>
+        </p:style>
+      </p:cxnSp>
+      <p:sp>
+        <p:nvSpPr>
+          <p:cNvPr id="5" name="テキスト ボックス 4">
+            <a:extLst>
+              <a:ext uri="{FF2B5EF4-FFF2-40B4-BE49-F238E27FC236}">
+                <a16:creationId xmlns:a16="http://schemas.microsoft.com/office/drawing/2014/main" id="{58DEB5FA-6A0F-5C6E-73D8-0F6E00C4E59A}"/>
+              </a:ext>
+            </a:extLst>
+          </p:cNvPr>
+          <p:cNvSpPr txBox="1"/>
+          <p:nvPr/>
+        </p:nvSpPr>
+        <p:spPr>
+          <a:xfrm>
+            <a:off x="407504" y="198783"/>
+            <a:ext cx="3796748" cy="369332"/>
+          </a:xfrm>
+          <a:prstGeom prst="rect">
+            <a:avLst/>
+          </a:prstGeom>
+          <a:noFill/>
+        </p:spPr>
+        <p:txBody>
+          <a:bodyPr wrap="square" rtlCol="0">
+            <a:spAutoFit/>
+          </a:bodyPr>
+          <a:lstStyle/>
+          <a:p>
+            <a:r>
+              <a:rPr kumimoji="1" lang="ja-JP" altLang="en-US" dirty="0"/>
+              <a:t>修正：説明文入力</a:t>
+            </a:r>
+          </a:p>
+        </p:txBody>
+      </p:sp>
+      <p:sp>
+        <p:nvSpPr>
+          <p:cNvPr id="6" name="テキスト ボックス 5">
+            <a:extLst>
+              <a:ext uri="{FF2B5EF4-FFF2-40B4-BE49-F238E27FC236}">
+                <a16:creationId xmlns:a16="http://schemas.microsoft.com/office/drawing/2014/main" id="{6D926DB8-39D0-E7B8-3468-6F09A3A237A7}"/>
+              </a:ext>
+            </a:extLst>
+          </p:cNvPr>
+          <p:cNvSpPr txBox="1"/>
+          <p:nvPr/>
+        </p:nvSpPr>
+        <p:spPr>
+          <a:xfrm>
+            <a:off x="1016277" y="1249866"/>
+            <a:ext cx="3579742" cy="369332"/>
+          </a:xfrm>
+          <a:prstGeom prst="rect">
+            <a:avLst/>
+          </a:prstGeom>
+          <a:noFill/>
+        </p:spPr>
+        <p:txBody>
+          <a:bodyPr wrap="square" rtlCol="0">
+            <a:spAutoFit/>
+          </a:bodyPr>
+          <a:lstStyle/>
+          <a:p>
+            <a:r>
+              <a:rPr kumimoji="1" lang="ja-JP" altLang="en-US" dirty="0"/>
+              <a:t>説明文入力</a:t>
+            </a:r>
+          </a:p>
+        </p:txBody>
+      </p:sp>
+      <p:sp>
+        <p:nvSpPr>
+          <p:cNvPr id="38" name="テキスト ボックス 37">
+            <a:extLst>
+              <a:ext uri="{FF2B5EF4-FFF2-40B4-BE49-F238E27FC236}">
+                <a16:creationId xmlns:a16="http://schemas.microsoft.com/office/drawing/2014/main" id="{0912BEB1-7029-272E-4174-D34B9A43D7FC}"/>
+              </a:ext>
+            </a:extLst>
+          </p:cNvPr>
+          <p:cNvSpPr txBox="1"/>
+          <p:nvPr/>
+        </p:nvSpPr>
+        <p:spPr>
+          <a:xfrm>
+            <a:off x="3975652" y="252657"/>
+            <a:ext cx="7535628" cy="369332"/>
+          </a:xfrm>
+          <a:prstGeom prst="rect">
+            <a:avLst/>
+          </a:prstGeom>
+          <a:noFill/>
+        </p:spPr>
+        <p:txBody>
+          <a:bodyPr wrap="square" rtlCol="0">
+            <a:spAutoFit/>
+          </a:bodyPr>
+          <a:lstStyle/>
+          <a:p>
+            <a:r>
+              <a:rPr kumimoji="1" lang="ja-JP" altLang="en-US" dirty="0"/>
+              <a:t>凡例：点線ボックスはエディットボックス、実線ボックスはボタン</a:t>
+            </a:r>
+          </a:p>
+        </p:txBody>
+      </p:sp>
+      <p:sp>
+        <p:nvSpPr>
+          <p:cNvPr id="48" name="正方形/長方形 47">
+            <a:extLst>
+              <a:ext uri="{FF2B5EF4-FFF2-40B4-BE49-F238E27FC236}">
+                <a16:creationId xmlns:a16="http://schemas.microsoft.com/office/drawing/2014/main" id="{BF113430-CE55-EF58-569B-6E5E96794839}"/>
+              </a:ext>
+            </a:extLst>
+          </p:cNvPr>
+          <p:cNvSpPr/>
+          <p:nvPr/>
+        </p:nvSpPr>
+        <p:spPr>
+          <a:xfrm>
+            <a:off x="711201" y="1079037"/>
+            <a:ext cx="4338320" cy="4864563"/>
+          </a:xfrm>
+          <a:prstGeom prst="rect">
+            <a:avLst/>
+          </a:prstGeom>
+          <a:noFill/>
+        </p:spPr>
+        <p:style>
+          <a:lnRef idx="2">
+            <a:schemeClr val="accent1">
+              <a:shade val="15000"/>
+            </a:schemeClr>
+          </a:lnRef>
+          <a:fillRef idx="1">
+            <a:schemeClr val="accent1"/>
+          </a:fillRef>
+          <a:effectRef idx="0">
+            <a:schemeClr val="accent1"/>
+          </a:effectRef>
+          <a:fontRef idx="minor">
+            <a:schemeClr val="lt1"/>
+          </a:fontRef>
+        </p:style>
+        <p:txBody>
+          <a:bodyPr rtlCol="0" anchor="ctr"/>
+          <a:lstStyle/>
+          <a:p>
+            <a:pPr algn="ctr"/>
+            <a:endParaRPr kumimoji="1" lang="ja-JP" altLang="en-US" sz="1200" dirty="0">
+              <a:solidFill>
+                <a:schemeClr val="tx1"/>
+              </a:solidFill>
+            </a:endParaRPr>
+          </a:p>
+        </p:txBody>
+      </p:sp>
+      <p:sp>
+        <p:nvSpPr>
+          <p:cNvPr id="49" name="正方形/長方形 48">
+            <a:extLst>
+              <a:ext uri="{FF2B5EF4-FFF2-40B4-BE49-F238E27FC236}">
+                <a16:creationId xmlns:a16="http://schemas.microsoft.com/office/drawing/2014/main" id="{92601AF4-B574-5C92-5E21-176E719C261D}"/>
+              </a:ext>
+            </a:extLst>
+          </p:cNvPr>
+          <p:cNvSpPr/>
+          <p:nvPr/>
+        </p:nvSpPr>
+        <p:spPr>
+          <a:xfrm>
+            <a:off x="1016277" y="5238802"/>
+            <a:ext cx="834886" cy="369332"/>
+          </a:xfrm>
+          <a:prstGeom prst="rect">
+            <a:avLst/>
+          </a:prstGeom>
+          <a:noFill/>
+        </p:spPr>
+        <p:style>
+          <a:lnRef idx="2">
+            <a:schemeClr val="accent1">
+              <a:shade val="15000"/>
+            </a:schemeClr>
+          </a:lnRef>
+          <a:fillRef idx="1">
+            <a:schemeClr val="accent1"/>
+          </a:fillRef>
+          <a:effectRef idx="0">
+            <a:schemeClr val="accent1"/>
+          </a:effectRef>
+          <a:fontRef idx="minor">
+            <a:schemeClr val="lt1"/>
+          </a:fontRef>
+        </p:style>
+        <p:txBody>
+          <a:bodyPr rtlCol="0" anchor="ctr"/>
+          <a:lstStyle/>
+          <a:p>
+            <a:pPr algn="ctr"/>
+            <a:r>
+              <a:rPr kumimoji="1" lang="ja-JP" altLang="en-US" sz="1200" dirty="0">
+                <a:solidFill>
+                  <a:schemeClr val="tx1"/>
+                </a:solidFill>
+              </a:rPr>
+              <a:t>中止</a:t>
+            </a:r>
+          </a:p>
+        </p:txBody>
+      </p:sp>
+      <p:sp>
+        <p:nvSpPr>
+          <p:cNvPr id="50" name="正方形/長方形 49">
+            <a:extLst>
+              <a:ext uri="{FF2B5EF4-FFF2-40B4-BE49-F238E27FC236}">
+                <a16:creationId xmlns:a16="http://schemas.microsoft.com/office/drawing/2014/main" id="{553048A9-6CBD-3F33-6DAC-133CE4B82773}"/>
+              </a:ext>
+            </a:extLst>
+          </p:cNvPr>
+          <p:cNvSpPr/>
+          <p:nvPr/>
+        </p:nvSpPr>
+        <p:spPr>
+          <a:xfrm>
+            <a:off x="2156239" y="5238802"/>
+            <a:ext cx="834886" cy="369332"/>
+          </a:xfrm>
+          <a:prstGeom prst="rect">
+            <a:avLst/>
+          </a:prstGeom>
+          <a:noFill/>
+        </p:spPr>
+        <p:style>
+          <a:lnRef idx="2">
+            <a:schemeClr val="accent1">
+              <a:shade val="15000"/>
+            </a:schemeClr>
+          </a:lnRef>
+          <a:fillRef idx="1">
+            <a:schemeClr val="accent1"/>
+          </a:fillRef>
+          <a:effectRef idx="0">
+            <a:schemeClr val="accent1"/>
+          </a:effectRef>
+          <a:fontRef idx="minor">
+            <a:schemeClr val="lt1"/>
+          </a:fontRef>
+        </p:style>
+        <p:txBody>
+          <a:bodyPr rtlCol="0" anchor="ctr"/>
+          <a:lstStyle/>
+          <a:p>
+            <a:pPr algn="ctr"/>
+            <a:r>
+              <a:rPr kumimoji="1" lang="en-US" altLang="ja-JP" sz="1200" dirty="0">
+                <a:solidFill>
+                  <a:schemeClr val="tx1"/>
+                </a:solidFill>
+              </a:rPr>
+              <a:t>OK</a:t>
+            </a:r>
+          </a:p>
+        </p:txBody>
+      </p:sp>
+      <p:sp>
+        <p:nvSpPr>
+          <p:cNvPr id="52" name="テキスト ボックス 51">
+            <a:extLst>
+              <a:ext uri="{FF2B5EF4-FFF2-40B4-BE49-F238E27FC236}">
+                <a16:creationId xmlns:a16="http://schemas.microsoft.com/office/drawing/2014/main" id="{EC17538A-E700-90AF-98E7-D9BB308BDD37}"/>
+              </a:ext>
+            </a:extLst>
+          </p:cNvPr>
+          <p:cNvSpPr txBox="1"/>
+          <p:nvPr/>
+        </p:nvSpPr>
+        <p:spPr>
+          <a:xfrm>
+            <a:off x="5799372" y="1079037"/>
+            <a:ext cx="6182138" cy="923330"/>
+          </a:xfrm>
+          <a:prstGeom prst="rect">
+            <a:avLst/>
+          </a:prstGeom>
+          <a:noFill/>
+        </p:spPr>
+        <p:txBody>
+          <a:bodyPr wrap="square" rtlCol="0">
+            <a:spAutoFit/>
+          </a:bodyPr>
+          <a:lstStyle/>
+          <a:p>
+            <a:r>
+              <a:rPr kumimoji="1" lang="ja-JP" altLang="en-US" dirty="0"/>
+              <a:t>必要な言語を選択し説明文を入力する</a:t>
+            </a:r>
+            <a:endParaRPr kumimoji="1" lang="en-US" altLang="ja-JP" dirty="0"/>
+          </a:p>
+          <a:p>
+            <a:r>
+              <a:rPr kumimoji="1" lang="ja-JP" altLang="en-US" dirty="0"/>
+              <a:t>対象外の言語は未入力にしておく</a:t>
+            </a:r>
+            <a:endParaRPr kumimoji="1" lang="en-US" altLang="ja-JP" dirty="0"/>
+          </a:p>
+          <a:p>
+            <a:r>
+              <a:rPr kumimoji="1" lang="ja-JP" altLang="en-US" dirty="0"/>
+              <a:t>対象言語すべての入力が終わったら</a:t>
+            </a:r>
+            <a:r>
+              <a:rPr lang="en-US" altLang="ja-JP" dirty="0"/>
+              <a:t>OK</a:t>
+            </a:r>
+            <a:r>
+              <a:rPr lang="ja-JP" altLang="en-US" dirty="0"/>
+              <a:t>ボタン</a:t>
+            </a:r>
+            <a:endParaRPr lang="en-US" altLang="ja-JP" dirty="0"/>
+          </a:p>
+        </p:txBody>
+      </p:sp>
+      <p:sp>
+        <p:nvSpPr>
+          <p:cNvPr id="2" name="テキスト ボックス 1">
+            <a:extLst>
+              <a:ext uri="{FF2B5EF4-FFF2-40B4-BE49-F238E27FC236}">
+                <a16:creationId xmlns:a16="http://schemas.microsoft.com/office/drawing/2014/main" id="{CD51F646-82BE-BC1A-DE4C-A54EBF2DA8D3}"/>
+              </a:ext>
+            </a:extLst>
+          </p:cNvPr>
+          <p:cNvSpPr txBox="1"/>
+          <p:nvPr/>
+        </p:nvSpPr>
+        <p:spPr>
+          <a:xfrm>
+            <a:off x="1311965" y="1707154"/>
+            <a:ext cx="2663687" cy="923330"/>
+          </a:xfrm>
+          <a:prstGeom prst="rect">
+            <a:avLst/>
+          </a:prstGeom>
+          <a:noFill/>
+        </p:spPr>
+        <p:txBody>
+          <a:bodyPr wrap="square" rtlCol="0">
+            <a:spAutoFit/>
+          </a:bodyPr>
+          <a:lstStyle/>
+          <a:p>
+            <a:r>
+              <a:rPr kumimoji="1" lang="ja-JP" altLang="en-US" dirty="0"/>
+              <a:t>☑日本語</a:t>
+            </a:r>
+            <a:endParaRPr kumimoji="1" lang="en-US" altLang="ja-JP" dirty="0"/>
+          </a:p>
+          <a:p>
+            <a:r>
+              <a:rPr kumimoji="1" lang="ja-JP" altLang="en-US" dirty="0"/>
+              <a:t>　英語</a:t>
+            </a:r>
+            <a:endParaRPr kumimoji="1" lang="en-US" altLang="ja-JP" dirty="0"/>
+          </a:p>
+          <a:p>
+            <a:r>
+              <a:rPr kumimoji="1" lang="ja-JP" altLang="en-US" dirty="0"/>
+              <a:t>　中国語</a:t>
+            </a:r>
+          </a:p>
+        </p:txBody>
+      </p:sp>
+      <p:sp>
+        <p:nvSpPr>
+          <p:cNvPr id="11" name="吹き出し: 四角形 10">
+            <a:extLst>
+              <a:ext uri="{FF2B5EF4-FFF2-40B4-BE49-F238E27FC236}">
+                <a16:creationId xmlns:a16="http://schemas.microsoft.com/office/drawing/2014/main" id="{8A8BC2D5-5926-96EE-9452-3635B6C41A0B}"/>
+              </a:ext>
+            </a:extLst>
+          </p:cNvPr>
+          <p:cNvSpPr/>
+          <p:nvPr/>
+        </p:nvSpPr>
+        <p:spPr>
+          <a:xfrm>
+            <a:off x="3065561" y="1436954"/>
+            <a:ext cx="1631121" cy="923330"/>
+          </a:xfrm>
+          <a:prstGeom prst="wedgeRectCallout">
+            <a:avLst>
+              <a:gd name="adj1" fmla="val -79939"/>
+              <a:gd name="adj2" fmla="val 39895"/>
+            </a:avLst>
+          </a:prstGeom>
+          <a:noFill/>
+        </p:spPr>
+        <p:style>
+          <a:lnRef idx="2">
+            <a:schemeClr val="accent1">
+              <a:shade val="15000"/>
+            </a:schemeClr>
+          </a:lnRef>
+          <a:fillRef idx="1">
+            <a:schemeClr val="accent1"/>
+          </a:fillRef>
+          <a:effectRef idx="0">
+            <a:schemeClr val="accent1"/>
+          </a:effectRef>
+          <a:fontRef idx="minor">
+            <a:schemeClr val="lt1"/>
+          </a:fontRef>
+        </p:style>
+        <p:txBody>
+          <a:bodyPr rtlCol="0" anchor="ctr"/>
+          <a:lstStyle/>
+          <a:p>
+            <a:pPr algn="ctr"/>
+            <a:r>
+              <a:rPr kumimoji="1" lang="ja-JP" altLang="en-US" sz="1200" dirty="0">
+                <a:solidFill>
+                  <a:schemeClr val="tx1"/>
+                </a:solidFill>
+              </a:rPr>
+              <a:t>ラジオボタン形式でどれか一つを選択する</a:t>
+            </a:r>
+          </a:p>
+        </p:txBody>
+      </p:sp>
+      <p:sp>
+        <p:nvSpPr>
+          <p:cNvPr id="12" name="正方形/長方形 11">
+            <a:extLst>
+              <a:ext uri="{FF2B5EF4-FFF2-40B4-BE49-F238E27FC236}">
+                <a16:creationId xmlns:a16="http://schemas.microsoft.com/office/drawing/2014/main" id="{BD4B9F10-E5D6-2A09-8D13-AD838F194CCD}"/>
+              </a:ext>
+            </a:extLst>
+          </p:cNvPr>
+          <p:cNvSpPr/>
+          <p:nvPr/>
+        </p:nvSpPr>
+        <p:spPr>
+          <a:xfrm>
+            <a:off x="996399" y="2718200"/>
+            <a:ext cx="3784323" cy="1779517"/>
+          </a:xfrm>
+          <a:prstGeom prst="rect">
+            <a:avLst/>
+          </a:prstGeom>
+          <a:noFill/>
+          <a:ln>
+            <a:prstDash val="dash"/>
+          </a:ln>
+        </p:spPr>
+        <p:style>
+          <a:lnRef idx="2">
+            <a:schemeClr val="accent1">
+              <a:shade val="15000"/>
+            </a:schemeClr>
+          </a:lnRef>
+          <a:fillRef idx="1">
+            <a:schemeClr val="accent1"/>
+          </a:fillRef>
+          <a:effectRef idx="0">
+            <a:schemeClr val="accent1"/>
+          </a:effectRef>
+          <a:fontRef idx="minor">
+            <a:schemeClr val="lt1"/>
+          </a:fontRef>
+        </p:style>
+        <p:txBody>
+          <a:bodyPr rtlCol="0" anchor="ctr"/>
+          <a:lstStyle/>
+          <a:p>
+            <a:pPr algn="ctr"/>
+            <a:r>
+              <a:rPr kumimoji="1" lang="ja-JP" altLang="en-US" sz="1200" dirty="0">
+                <a:solidFill>
+                  <a:schemeClr val="tx1"/>
+                </a:solidFill>
+              </a:rPr>
+              <a:t>説明文入力欄</a:t>
+            </a:r>
+          </a:p>
+        </p:txBody>
+      </p:sp>
+    </p:spTree>
+    <p:extLst>
+      <p:ext uri="{BB962C8B-B14F-4D97-AF65-F5344CB8AC3E}">
+        <p14:creationId xmlns:p14="http://schemas.microsoft.com/office/powerpoint/2010/main" val="3021781207"/>
+      </p:ext>
+    </p:extLst>
+  </p:cSld>
+  <p:clrMapOvr>
+    <a:masterClrMapping/>
+  </p:clrMapOvr>
+</p:sld>
+</file>
+
+<file path=ppt/slides/slide53.xml><?xml version="1.0" encoding="utf-8"?>
+<p:sld xmlns:a="http://schemas.openxmlformats.org/drawingml/2006/main" xmlns:r="http://schemas.openxmlformats.org/officeDocument/2006/relationships" xmlns:p="http://schemas.openxmlformats.org/presentationml/2006/main">
+  <p:cSld>
+    <p:spTree>
+      <p:nvGrpSpPr>
+        <p:cNvPr id="1" name="">
+          <a:extLst>
+            <a:ext uri="{FF2B5EF4-FFF2-40B4-BE49-F238E27FC236}">
+              <a16:creationId xmlns:a16="http://schemas.microsoft.com/office/drawing/2014/main" id="{06A085EA-EE5A-3995-B30E-35F2DAE51B91}"/>
+            </a:ext>
+          </a:extLst>
+        </p:cNvPr>
+        <p:cNvGrpSpPr/>
+        <p:nvPr/>
+      </p:nvGrpSpPr>
+      <p:grpSpPr>
+        <a:xfrm>
+          <a:off x="0" y="0"/>
+          <a:ext cx="0" cy="0"/>
+          <a:chOff x="0" y="0"/>
+          <a:chExt cx="0" cy="0"/>
+        </a:xfrm>
+      </p:grpSpPr>
+      <p:cxnSp>
+        <p:nvCxnSpPr>
+          <p:cNvPr id="4" name="直線コネクタ 3">
+            <a:extLst>
+              <a:ext uri="{FF2B5EF4-FFF2-40B4-BE49-F238E27FC236}">
+                <a16:creationId xmlns:a16="http://schemas.microsoft.com/office/drawing/2014/main" id="{445B4D18-9214-71EA-A3B5-B1EFF566DC38}"/>
+              </a:ext>
+            </a:extLst>
+          </p:cNvPr>
+          <p:cNvCxnSpPr/>
+          <p:nvPr/>
+        </p:nvCxnSpPr>
+        <p:spPr>
+          <a:xfrm>
+            <a:off x="228600" y="755374"/>
+            <a:ext cx="11936896" cy="0"/>
+          </a:xfrm>
+          <a:prstGeom prst="line">
+            <a:avLst/>
+          </a:prstGeom>
+        </p:spPr>
+        <p:style>
+          <a:lnRef idx="2">
+            <a:schemeClr val="accent1"/>
+          </a:lnRef>
+          <a:fillRef idx="0">
+            <a:schemeClr val="accent1"/>
+          </a:fillRef>
+          <a:effectRef idx="1">
+            <a:schemeClr val="accent1"/>
+          </a:effectRef>
+          <a:fontRef idx="minor">
+            <a:schemeClr val="tx1"/>
+          </a:fontRef>
+        </p:style>
+      </p:cxnSp>
+      <p:sp>
+        <p:nvSpPr>
+          <p:cNvPr id="5" name="テキスト ボックス 4">
+            <a:extLst>
+              <a:ext uri="{FF2B5EF4-FFF2-40B4-BE49-F238E27FC236}">
+                <a16:creationId xmlns:a16="http://schemas.microsoft.com/office/drawing/2014/main" id="{72E1903D-28AC-1AA9-1B85-9A04AE681026}"/>
+              </a:ext>
+            </a:extLst>
+          </p:cNvPr>
+          <p:cNvSpPr txBox="1"/>
+          <p:nvPr/>
+        </p:nvSpPr>
+        <p:spPr>
+          <a:xfrm>
+            <a:off x="407504" y="198783"/>
+            <a:ext cx="4899992" cy="369332"/>
+          </a:xfrm>
+          <a:prstGeom prst="rect">
+            <a:avLst/>
+          </a:prstGeom>
+          <a:noFill/>
+        </p:spPr>
+        <p:txBody>
+          <a:bodyPr wrap="square" rtlCol="0">
+            <a:spAutoFit/>
+          </a:bodyPr>
+          <a:lstStyle/>
+          <a:p>
+            <a:r>
+              <a:rPr kumimoji="1" lang="ja-JP" altLang="en-US" dirty="0"/>
+              <a:t>アプリケーションとシステムの連携</a:t>
+            </a:r>
+          </a:p>
+        </p:txBody>
+      </p:sp>
+      <p:sp>
+        <p:nvSpPr>
+          <p:cNvPr id="3" name="正方形/長方形 2">
+            <a:extLst>
+              <a:ext uri="{FF2B5EF4-FFF2-40B4-BE49-F238E27FC236}">
+                <a16:creationId xmlns:a16="http://schemas.microsoft.com/office/drawing/2014/main" id="{3719DAAD-586F-673C-D658-7955ECB95287}"/>
+              </a:ext>
+            </a:extLst>
+          </p:cNvPr>
+          <p:cNvSpPr/>
+          <p:nvPr/>
+        </p:nvSpPr>
+        <p:spPr>
+          <a:xfrm>
+            <a:off x="2236304" y="2176392"/>
+            <a:ext cx="1818861" cy="715609"/>
+          </a:xfrm>
+          <a:prstGeom prst="rect">
+            <a:avLst/>
+          </a:prstGeom>
+          <a:noFill/>
+        </p:spPr>
+        <p:style>
+          <a:lnRef idx="2">
+            <a:schemeClr val="accent1">
+              <a:shade val="15000"/>
+            </a:schemeClr>
+          </a:lnRef>
+          <a:fillRef idx="1">
+            <a:schemeClr val="accent1"/>
+          </a:fillRef>
+          <a:effectRef idx="0">
+            <a:schemeClr val="accent1"/>
+          </a:effectRef>
+          <a:fontRef idx="minor">
+            <a:schemeClr val="lt1"/>
+          </a:fontRef>
+        </p:style>
+        <p:txBody>
+          <a:bodyPr rtlCol="0" anchor="ctr"/>
+          <a:lstStyle/>
+          <a:p>
+            <a:pPr algn="ctr"/>
+            <a:r>
+              <a:rPr kumimoji="1" lang="en-US" altLang="ja-JP" sz="1200" dirty="0">
+                <a:solidFill>
+                  <a:schemeClr val="tx1"/>
+                </a:solidFill>
+              </a:rPr>
+              <a:t>QR</a:t>
+            </a:r>
+            <a:r>
+              <a:rPr kumimoji="1" lang="ja-JP" altLang="en-US" sz="1200" dirty="0">
+                <a:solidFill>
+                  <a:schemeClr val="tx1"/>
+                </a:solidFill>
+              </a:rPr>
+              <a:t>リーダー</a:t>
+            </a:r>
+          </a:p>
+        </p:txBody>
+      </p:sp>
+      <p:pic>
+        <p:nvPicPr>
+          <p:cNvPr id="7" name="Picture 2" descr="QRコード作成【ずっと無料・無制限】／QRのススメ">
+            <a:extLst>
+              <a:ext uri="{FF2B5EF4-FFF2-40B4-BE49-F238E27FC236}">
+                <a16:creationId xmlns:a16="http://schemas.microsoft.com/office/drawing/2014/main" id="{2AF49899-83AF-13D4-E81F-C08D0295D230}"/>
+              </a:ext>
+            </a:extLst>
+          </p:cNvPr>
+          <p:cNvPicPr>
+            <a:picLocks noChangeAspect="1" noChangeArrowheads="1"/>
+          </p:cNvPicPr>
+          <p:nvPr/>
+        </p:nvPicPr>
+        <p:blipFill>
+          <a:blip r:embed="rId2">
+            <a:extLst>
+              <a:ext uri="{28A0092B-C50C-407E-A947-70E740481C1C}">
+                <a14:useLocalDpi xmlns:a14="http://schemas.microsoft.com/office/drawing/2010/main" val="0"/>
+              </a:ext>
+            </a:extLst>
+          </a:blip>
+          <a:srcRect/>
+          <a:stretch>
+            <a:fillRect/>
+          </a:stretch>
+        </p:blipFill>
+        <p:spPr bwMode="auto">
+          <a:xfrm>
+            <a:off x="920287" y="2186601"/>
+            <a:ext cx="749487" cy="705400"/>
+          </a:xfrm>
+          <a:prstGeom prst="rect">
+            <a:avLst/>
+          </a:prstGeom>
+          <a:noFill/>
+          <a:extLst>
+            <a:ext uri="{909E8E84-426E-40DD-AFC4-6F175D3DCCD1}">
+              <a14:hiddenFill xmlns:a14="http://schemas.microsoft.com/office/drawing/2010/main">
+                <a:solidFill>
+                  <a:srgbClr val="FFFFFF"/>
+                </a:solidFill>
+              </a14:hiddenFill>
+            </a:ext>
+          </a:extLst>
+        </p:spPr>
+      </p:pic>
+      <p:cxnSp>
+        <p:nvCxnSpPr>
+          <p:cNvPr id="9" name="直線矢印コネクタ 8">
+            <a:extLst>
+              <a:ext uri="{FF2B5EF4-FFF2-40B4-BE49-F238E27FC236}">
+                <a16:creationId xmlns:a16="http://schemas.microsoft.com/office/drawing/2014/main" id="{F190876D-C9FD-5149-4074-E4C48B80FE3D}"/>
+              </a:ext>
+            </a:extLst>
+          </p:cNvPr>
+          <p:cNvCxnSpPr>
+            <a:stCxn id="7" idx="3"/>
+            <a:endCxn id="3" idx="1"/>
+          </p:cNvCxnSpPr>
+          <p:nvPr/>
+        </p:nvCxnSpPr>
+        <p:spPr>
+          <a:xfrm flipV="1">
+            <a:off x="1669774" y="2534197"/>
+            <a:ext cx="566530" cy="5104"/>
+          </a:xfrm>
+          <a:prstGeom prst="straightConnector1">
+            <a:avLst/>
+          </a:prstGeom>
+          <a:ln>
+            <a:tailEnd type="triangle"/>
+          </a:ln>
+        </p:spPr>
+        <p:style>
+          <a:lnRef idx="2">
+            <a:schemeClr val="accent1"/>
+          </a:lnRef>
+          <a:fillRef idx="0">
+            <a:schemeClr val="accent1"/>
+          </a:fillRef>
+          <a:effectRef idx="1">
+            <a:schemeClr val="accent1"/>
+          </a:effectRef>
+          <a:fontRef idx="minor">
+            <a:schemeClr val="tx1"/>
+          </a:fontRef>
+        </p:style>
+      </p:cxnSp>
+      <p:cxnSp>
+        <p:nvCxnSpPr>
+          <p:cNvPr id="17" name="直線矢印コネクタ 16">
+            <a:extLst>
+              <a:ext uri="{FF2B5EF4-FFF2-40B4-BE49-F238E27FC236}">
+                <a16:creationId xmlns:a16="http://schemas.microsoft.com/office/drawing/2014/main" id="{7E0DF062-9394-EA37-7F4D-1DEB1F3390FE}"/>
+              </a:ext>
+            </a:extLst>
+          </p:cNvPr>
+          <p:cNvCxnSpPr>
+            <a:cxnSpLocks/>
+            <a:stCxn id="3" idx="3"/>
+            <a:endCxn id="22" idx="1"/>
+          </p:cNvCxnSpPr>
+          <p:nvPr/>
+        </p:nvCxnSpPr>
+        <p:spPr>
+          <a:xfrm flipV="1">
+            <a:off x="4055165" y="2534189"/>
+            <a:ext cx="2350605" cy="8"/>
+          </a:xfrm>
+          <a:prstGeom prst="straightConnector1">
+            <a:avLst/>
+          </a:prstGeom>
+          <a:ln>
+            <a:tailEnd type="triangle"/>
+          </a:ln>
+        </p:spPr>
+        <p:style>
+          <a:lnRef idx="2">
+            <a:schemeClr val="accent1"/>
+          </a:lnRef>
+          <a:fillRef idx="0">
+            <a:schemeClr val="accent1"/>
+          </a:fillRef>
+          <a:effectRef idx="1">
+            <a:schemeClr val="accent1"/>
+          </a:effectRef>
+          <a:fontRef idx="minor">
+            <a:schemeClr val="tx1"/>
+          </a:fontRef>
+        </p:style>
+      </p:cxnSp>
+      <p:sp>
+        <p:nvSpPr>
+          <p:cNvPr id="20" name="テキスト ボックス 19">
+            <a:extLst>
+              <a:ext uri="{FF2B5EF4-FFF2-40B4-BE49-F238E27FC236}">
+                <a16:creationId xmlns:a16="http://schemas.microsoft.com/office/drawing/2014/main" id="{352FD92A-ED86-42F7-DB2B-91229B9EBB91}"/>
+              </a:ext>
+            </a:extLst>
+          </p:cNvPr>
+          <p:cNvSpPr txBox="1"/>
+          <p:nvPr/>
+        </p:nvSpPr>
+        <p:spPr>
+          <a:xfrm>
+            <a:off x="4055165" y="2186601"/>
+            <a:ext cx="1107996" cy="369332"/>
+          </a:xfrm>
+          <a:prstGeom prst="rect">
+            <a:avLst/>
+          </a:prstGeom>
+          <a:noFill/>
+        </p:spPr>
+        <p:txBody>
+          <a:bodyPr wrap="none" rtlCol="0">
+            <a:spAutoFit/>
+          </a:bodyPr>
+          <a:lstStyle/>
+          <a:p>
+            <a:r>
+              <a:rPr lang="en-US" altLang="ja-JP" dirty="0"/>
+              <a:t>URL</a:t>
+            </a:r>
+            <a:r>
+              <a:rPr lang="ja-JP" altLang="en-US" dirty="0"/>
+              <a:t>通知</a:t>
+            </a:r>
+            <a:endParaRPr kumimoji="1" lang="ja-JP" altLang="en-US" dirty="0"/>
+          </a:p>
+        </p:txBody>
+      </p:sp>
+      <p:sp>
+        <p:nvSpPr>
+          <p:cNvPr id="22" name="正方形/長方形 21">
+            <a:extLst>
+              <a:ext uri="{FF2B5EF4-FFF2-40B4-BE49-F238E27FC236}">
+                <a16:creationId xmlns:a16="http://schemas.microsoft.com/office/drawing/2014/main" id="{5D8FD5A1-1216-D5EF-FBA1-D2680DAA902E}"/>
+              </a:ext>
+            </a:extLst>
+          </p:cNvPr>
+          <p:cNvSpPr/>
+          <p:nvPr/>
+        </p:nvSpPr>
+        <p:spPr>
+          <a:xfrm>
+            <a:off x="6405770" y="2176384"/>
+            <a:ext cx="1989485" cy="715609"/>
+          </a:xfrm>
+          <a:prstGeom prst="rect">
+            <a:avLst/>
+          </a:prstGeom>
+          <a:noFill/>
+        </p:spPr>
+        <p:style>
+          <a:lnRef idx="2">
+            <a:schemeClr val="accent1">
+              <a:shade val="15000"/>
+            </a:schemeClr>
+          </a:lnRef>
+          <a:fillRef idx="1">
+            <a:schemeClr val="accent1"/>
+          </a:fillRef>
+          <a:effectRef idx="0">
+            <a:schemeClr val="accent1"/>
+          </a:effectRef>
+          <a:fontRef idx="minor">
+            <a:schemeClr val="lt1"/>
+          </a:fontRef>
+        </p:style>
+        <p:txBody>
+          <a:bodyPr rtlCol="0" anchor="ctr"/>
+          <a:lstStyle/>
+          <a:p>
+            <a:pPr algn="ctr"/>
+            <a:r>
+              <a:rPr kumimoji="1" lang="en-US" altLang="ja-JP" sz="1200" dirty="0">
+                <a:solidFill>
+                  <a:schemeClr val="tx1"/>
+                </a:solidFill>
+              </a:rPr>
+              <a:t>URL</a:t>
+            </a:r>
+            <a:r>
+              <a:rPr kumimoji="1" lang="ja-JP" altLang="en-US" sz="1200" dirty="0">
+                <a:solidFill>
+                  <a:schemeClr val="tx1"/>
+                </a:solidFill>
+              </a:rPr>
+              <a:t>から表示内容を確定</a:t>
+            </a:r>
+          </a:p>
+        </p:txBody>
+      </p:sp>
+      <p:sp>
+        <p:nvSpPr>
+          <p:cNvPr id="24" name="正方形/長方形 23">
+            <a:extLst>
+              <a:ext uri="{FF2B5EF4-FFF2-40B4-BE49-F238E27FC236}">
+                <a16:creationId xmlns:a16="http://schemas.microsoft.com/office/drawing/2014/main" id="{04D2C61C-B5C0-7E01-5752-619F824F3DEF}"/>
+              </a:ext>
+            </a:extLst>
+          </p:cNvPr>
+          <p:cNvSpPr/>
+          <p:nvPr/>
+        </p:nvSpPr>
+        <p:spPr>
+          <a:xfrm>
+            <a:off x="6405770" y="3860370"/>
+            <a:ext cx="1989485" cy="715609"/>
+          </a:xfrm>
+          <a:prstGeom prst="rect">
+            <a:avLst/>
+          </a:prstGeom>
+          <a:noFill/>
+        </p:spPr>
+        <p:style>
+          <a:lnRef idx="2">
+            <a:schemeClr val="accent1">
+              <a:shade val="15000"/>
+            </a:schemeClr>
+          </a:lnRef>
+          <a:fillRef idx="1">
+            <a:schemeClr val="accent1"/>
+          </a:fillRef>
+          <a:effectRef idx="0">
+            <a:schemeClr val="accent1"/>
+          </a:effectRef>
+          <a:fontRef idx="minor">
+            <a:schemeClr val="lt1"/>
+          </a:fontRef>
+        </p:style>
+        <p:txBody>
+          <a:bodyPr rtlCol="0" anchor="ctr"/>
+          <a:lstStyle/>
+          <a:p>
+            <a:pPr algn="ctr"/>
+            <a:r>
+              <a:rPr kumimoji="1" lang="ja-JP" altLang="en-US" sz="1200" dirty="0">
+                <a:solidFill>
+                  <a:schemeClr val="tx1"/>
+                </a:solidFill>
+              </a:rPr>
+              <a:t>画面構築</a:t>
+            </a:r>
+          </a:p>
+        </p:txBody>
+      </p:sp>
+      <p:cxnSp>
+        <p:nvCxnSpPr>
+          <p:cNvPr id="25" name="直線矢印コネクタ 24">
+            <a:extLst>
+              <a:ext uri="{FF2B5EF4-FFF2-40B4-BE49-F238E27FC236}">
+                <a16:creationId xmlns:a16="http://schemas.microsoft.com/office/drawing/2014/main" id="{D7B1CFE8-B714-50BE-FC93-AD0D96FFF535}"/>
+              </a:ext>
+            </a:extLst>
+          </p:cNvPr>
+          <p:cNvCxnSpPr>
+            <a:cxnSpLocks/>
+            <a:stCxn id="22" idx="2"/>
+            <a:endCxn id="24" idx="0"/>
+          </p:cNvCxnSpPr>
+          <p:nvPr/>
+        </p:nvCxnSpPr>
+        <p:spPr>
+          <a:xfrm>
+            <a:off x="7400513" y="2891993"/>
+            <a:ext cx="0" cy="968377"/>
+          </a:xfrm>
+          <a:prstGeom prst="straightConnector1">
+            <a:avLst/>
+          </a:prstGeom>
+          <a:ln>
+            <a:tailEnd type="triangle"/>
+          </a:ln>
+        </p:spPr>
+        <p:style>
+          <a:lnRef idx="2">
+            <a:schemeClr val="accent1"/>
+          </a:lnRef>
+          <a:fillRef idx="0">
+            <a:schemeClr val="accent1"/>
+          </a:fillRef>
+          <a:effectRef idx="1">
+            <a:schemeClr val="accent1"/>
+          </a:effectRef>
+          <a:fontRef idx="minor">
+            <a:schemeClr val="tx1"/>
+          </a:fontRef>
+        </p:style>
+      </p:cxnSp>
+      <p:cxnSp>
+        <p:nvCxnSpPr>
+          <p:cNvPr id="28" name="直線矢印コネクタ 27">
+            <a:extLst>
+              <a:ext uri="{FF2B5EF4-FFF2-40B4-BE49-F238E27FC236}">
+                <a16:creationId xmlns:a16="http://schemas.microsoft.com/office/drawing/2014/main" id="{350A5490-2AB6-A694-B463-EA6A203CBCB3}"/>
+              </a:ext>
+            </a:extLst>
+          </p:cNvPr>
+          <p:cNvCxnSpPr>
+            <a:cxnSpLocks/>
+            <a:stCxn id="24" idx="1"/>
+            <a:endCxn id="31" idx="3"/>
+          </p:cNvCxnSpPr>
+          <p:nvPr/>
+        </p:nvCxnSpPr>
+        <p:spPr>
+          <a:xfrm flipH="1">
+            <a:off x="4055165" y="4218175"/>
+            <a:ext cx="2350605" cy="1"/>
+          </a:xfrm>
+          <a:prstGeom prst="straightConnector1">
+            <a:avLst/>
+          </a:prstGeom>
+          <a:ln>
+            <a:tailEnd type="triangle"/>
+          </a:ln>
+        </p:spPr>
+        <p:style>
+          <a:lnRef idx="2">
+            <a:schemeClr val="accent1"/>
+          </a:lnRef>
+          <a:fillRef idx="0">
+            <a:schemeClr val="accent1"/>
+          </a:fillRef>
+          <a:effectRef idx="1">
+            <a:schemeClr val="accent1"/>
+          </a:effectRef>
+          <a:fontRef idx="minor">
+            <a:schemeClr val="tx1"/>
+          </a:fontRef>
+        </p:style>
+      </p:cxnSp>
+      <p:sp>
+        <p:nvSpPr>
+          <p:cNvPr id="31" name="正方形/長方形 30">
+            <a:extLst>
+              <a:ext uri="{FF2B5EF4-FFF2-40B4-BE49-F238E27FC236}">
+                <a16:creationId xmlns:a16="http://schemas.microsoft.com/office/drawing/2014/main" id="{CD4CBD29-CDCC-5459-79E1-2620CEB73053}"/>
+              </a:ext>
+            </a:extLst>
+          </p:cNvPr>
+          <p:cNvSpPr/>
+          <p:nvPr/>
+        </p:nvSpPr>
+        <p:spPr>
+          <a:xfrm>
+            <a:off x="2236304" y="3860371"/>
+            <a:ext cx="1818861" cy="715609"/>
+          </a:xfrm>
+          <a:prstGeom prst="rect">
+            <a:avLst/>
+          </a:prstGeom>
+          <a:noFill/>
+        </p:spPr>
+        <p:style>
+          <a:lnRef idx="2">
+            <a:schemeClr val="accent1">
+              <a:shade val="15000"/>
+            </a:schemeClr>
+          </a:lnRef>
+          <a:fillRef idx="1">
+            <a:schemeClr val="accent1"/>
+          </a:fillRef>
+          <a:effectRef idx="0">
+            <a:schemeClr val="accent1"/>
+          </a:effectRef>
+          <a:fontRef idx="minor">
+            <a:schemeClr val="lt1"/>
+          </a:fontRef>
+        </p:style>
+        <p:txBody>
+          <a:bodyPr rtlCol="0" anchor="ctr"/>
+          <a:lstStyle/>
+          <a:p>
+            <a:pPr algn="ctr"/>
+            <a:r>
+              <a:rPr kumimoji="1" lang="ja-JP" altLang="en-US" sz="1200" dirty="0">
+                <a:solidFill>
+                  <a:schemeClr val="tx1"/>
+                </a:solidFill>
+              </a:rPr>
+              <a:t>ブラウザで画面表示</a:t>
+            </a:r>
+          </a:p>
+        </p:txBody>
+      </p:sp>
+      <p:sp>
+        <p:nvSpPr>
+          <p:cNvPr id="37" name="テキスト ボックス 36">
+            <a:extLst>
+              <a:ext uri="{FF2B5EF4-FFF2-40B4-BE49-F238E27FC236}">
+                <a16:creationId xmlns:a16="http://schemas.microsoft.com/office/drawing/2014/main" id="{609C74A2-2A19-426A-E08D-57ADA2A7CF44}"/>
+              </a:ext>
+            </a:extLst>
+          </p:cNvPr>
+          <p:cNvSpPr txBox="1"/>
+          <p:nvPr/>
+        </p:nvSpPr>
+        <p:spPr>
+          <a:xfrm>
+            <a:off x="2375452" y="1461052"/>
+            <a:ext cx="877163" cy="369332"/>
+          </a:xfrm>
+          <a:prstGeom prst="rect">
+            <a:avLst/>
+          </a:prstGeom>
+          <a:noFill/>
+        </p:spPr>
+        <p:txBody>
+          <a:bodyPr wrap="none" rtlCol="0">
+            <a:spAutoFit/>
+          </a:bodyPr>
+          <a:lstStyle/>
+          <a:p>
+            <a:r>
+              <a:rPr kumimoji="1" lang="ja-JP" altLang="en-US" dirty="0"/>
+              <a:t>アプリ</a:t>
+            </a:r>
+          </a:p>
+        </p:txBody>
+      </p:sp>
+      <p:sp>
+        <p:nvSpPr>
+          <p:cNvPr id="39" name="テキスト ボックス 38">
+            <a:extLst>
+              <a:ext uri="{FF2B5EF4-FFF2-40B4-BE49-F238E27FC236}">
+                <a16:creationId xmlns:a16="http://schemas.microsoft.com/office/drawing/2014/main" id="{D2019330-ECAC-CD3F-6FBF-27AA004C5D9C}"/>
+              </a:ext>
+            </a:extLst>
+          </p:cNvPr>
+          <p:cNvSpPr txBox="1"/>
+          <p:nvPr/>
+        </p:nvSpPr>
+        <p:spPr>
+          <a:xfrm>
+            <a:off x="6831495" y="1449248"/>
+            <a:ext cx="1107996" cy="369332"/>
+          </a:xfrm>
+          <a:prstGeom prst="rect">
+            <a:avLst/>
+          </a:prstGeom>
+          <a:noFill/>
+        </p:spPr>
+        <p:txBody>
+          <a:bodyPr wrap="none" rtlCol="0">
+            <a:spAutoFit/>
+          </a:bodyPr>
+          <a:lstStyle/>
+          <a:p>
+            <a:r>
+              <a:rPr kumimoji="1" lang="ja-JP" altLang="en-US"/>
+              <a:t>サーバー</a:t>
+            </a:r>
+            <a:endParaRPr kumimoji="1" lang="ja-JP" altLang="en-US" dirty="0"/>
+          </a:p>
+        </p:txBody>
+      </p:sp>
+    </p:spTree>
+    <p:extLst>
+      <p:ext uri="{BB962C8B-B14F-4D97-AF65-F5344CB8AC3E}">
+        <p14:creationId xmlns:p14="http://schemas.microsoft.com/office/powerpoint/2010/main" val="799319328"/>
       </p:ext>
     </p:extLst>
   </p:cSld>

--- a/展示物アプリ仕様.pptx
+++ b/展示物アプリ仕様.pptx
@@ -36,28 +36,29 @@
     <p:sldId id="316" r:id="rId30"/>
     <p:sldId id="317" r:id="rId31"/>
     <p:sldId id="318" r:id="rId32"/>
-    <p:sldId id="319" r:id="rId33"/>
-    <p:sldId id="322" r:id="rId34"/>
-    <p:sldId id="323" r:id="rId35"/>
-    <p:sldId id="324" r:id="rId36"/>
-    <p:sldId id="325" r:id="rId37"/>
-    <p:sldId id="328" r:id="rId38"/>
-    <p:sldId id="329" r:id="rId39"/>
-    <p:sldId id="321" r:id="rId40"/>
-    <p:sldId id="326" r:id="rId41"/>
-    <p:sldId id="327" r:id="rId42"/>
-    <p:sldId id="302" r:id="rId43"/>
-    <p:sldId id="268" r:id="rId44"/>
-    <p:sldId id="273" r:id="rId45"/>
-    <p:sldId id="276" r:id="rId46"/>
-    <p:sldId id="277" r:id="rId47"/>
-    <p:sldId id="284" r:id="rId48"/>
-    <p:sldId id="278" r:id="rId49"/>
-    <p:sldId id="279" r:id="rId50"/>
-    <p:sldId id="280" r:id="rId51"/>
-    <p:sldId id="281" r:id="rId52"/>
-    <p:sldId id="282" r:id="rId53"/>
-    <p:sldId id="283" r:id="rId54"/>
+    <p:sldId id="330" r:id="rId33"/>
+    <p:sldId id="319" r:id="rId34"/>
+    <p:sldId id="322" r:id="rId35"/>
+    <p:sldId id="323" r:id="rId36"/>
+    <p:sldId id="324" r:id="rId37"/>
+    <p:sldId id="325" r:id="rId38"/>
+    <p:sldId id="328" r:id="rId39"/>
+    <p:sldId id="329" r:id="rId40"/>
+    <p:sldId id="321" r:id="rId41"/>
+    <p:sldId id="326" r:id="rId42"/>
+    <p:sldId id="327" r:id="rId43"/>
+    <p:sldId id="302" r:id="rId44"/>
+    <p:sldId id="268" r:id="rId45"/>
+    <p:sldId id="273" r:id="rId46"/>
+    <p:sldId id="276" r:id="rId47"/>
+    <p:sldId id="277" r:id="rId48"/>
+    <p:sldId id="284" r:id="rId49"/>
+    <p:sldId id="278" r:id="rId50"/>
+    <p:sldId id="279" r:id="rId51"/>
+    <p:sldId id="280" r:id="rId52"/>
+    <p:sldId id="281" r:id="rId53"/>
+    <p:sldId id="282" r:id="rId54"/>
+    <p:sldId id="283" r:id="rId55"/>
   </p:sldIdLst>
   <p:sldSz cx="12192000" cy="6858000"/>
   <p:notesSz cx="7099300" cy="10234613"/>
@@ -311,7 +312,7 @@
           <a:p>
             <a:fld id="{082150A6-655A-40A4-943B-9A709E30A878}" type="datetimeFigureOut">
               <a:rPr kumimoji="1" lang="ja-JP" altLang="en-US" smtClean="0"/>
-              <a:t>2026/2/1</a:t>
+              <a:t>2026/2/4</a:t>
             </a:fld>
             <a:endParaRPr kumimoji="1" lang="ja-JP" altLang="en-US"/>
           </a:p>
@@ -541,7 +542,7 @@
           <a:p>
             <a:fld id="{082150A6-655A-40A4-943B-9A709E30A878}" type="datetimeFigureOut">
               <a:rPr kumimoji="1" lang="ja-JP" altLang="en-US" smtClean="0"/>
-              <a:t>2026/2/1</a:t>
+              <a:t>2026/2/4</a:t>
             </a:fld>
             <a:endParaRPr kumimoji="1" lang="ja-JP" altLang="en-US"/>
           </a:p>
@@ -781,7 +782,7 @@
           <a:p>
             <a:fld id="{082150A6-655A-40A4-943B-9A709E30A878}" type="datetimeFigureOut">
               <a:rPr kumimoji="1" lang="ja-JP" altLang="en-US" smtClean="0"/>
-              <a:t>2026/2/1</a:t>
+              <a:t>2026/2/4</a:t>
             </a:fld>
             <a:endParaRPr kumimoji="1" lang="ja-JP" altLang="en-US"/>
           </a:p>
@@ -1011,7 +1012,7 @@
           <a:p>
             <a:fld id="{082150A6-655A-40A4-943B-9A709E30A878}" type="datetimeFigureOut">
               <a:rPr kumimoji="1" lang="ja-JP" altLang="en-US" smtClean="0"/>
-              <a:t>2026/2/1</a:t>
+              <a:t>2026/2/4</a:t>
             </a:fld>
             <a:endParaRPr kumimoji="1" lang="ja-JP" altLang="en-US"/>
           </a:p>
@@ -1286,7 +1287,7 @@
           <a:p>
             <a:fld id="{082150A6-655A-40A4-943B-9A709E30A878}" type="datetimeFigureOut">
               <a:rPr kumimoji="1" lang="ja-JP" altLang="en-US" smtClean="0"/>
-              <a:t>2026/2/1</a:t>
+              <a:t>2026/2/4</a:t>
             </a:fld>
             <a:endParaRPr kumimoji="1" lang="ja-JP" altLang="en-US"/>
           </a:p>
@@ -1615,7 +1616,7 @@
           <a:p>
             <a:fld id="{082150A6-655A-40A4-943B-9A709E30A878}" type="datetimeFigureOut">
               <a:rPr kumimoji="1" lang="ja-JP" altLang="en-US" smtClean="0"/>
-              <a:t>2026/2/1</a:t>
+              <a:t>2026/2/4</a:t>
             </a:fld>
             <a:endParaRPr kumimoji="1" lang="ja-JP" altLang="en-US"/>
           </a:p>
@@ -2091,7 +2092,7 @@
           <a:p>
             <a:fld id="{082150A6-655A-40A4-943B-9A709E30A878}" type="datetimeFigureOut">
               <a:rPr kumimoji="1" lang="ja-JP" altLang="en-US" smtClean="0"/>
-              <a:t>2026/2/1</a:t>
+              <a:t>2026/2/4</a:t>
             </a:fld>
             <a:endParaRPr kumimoji="1" lang="ja-JP" altLang="en-US"/>
           </a:p>
@@ -2232,7 +2233,7 @@
           <a:p>
             <a:fld id="{082150A6-655A-40A4-943B-9A709E30A878}" type="datetimeFigureOut">
               <a:rPr kumimoji="1" lang="ja-JP" altLang="en-US" smtClean="0"/>
-              <a:t>2026/2/1</a:t>
+              <a:t>2026/2/4</a:t>
             </a:fld>
             <a:endParaRPr kumimoji="1" lang="ja-JP" altLang="en-US"/>
           </a:p>
@@ -2345,7 +2346,7 @@
           <a:p>
             <a:fld id="{082150A6-655A-40A4-943B-9A709E30A878}" type="datetimeFigureOut">
               <a:rPr kumimoji="1" lang="ja-JP" altLang="en-US" smtClean="0"/>
-              <a:t>2026/2/1</a:t>
+              <a:t>2026/2/4</a:t>
             </a:fld>
             <a:endParaRPr kumimoji="1" lang="ja-JP" altLang="en-US"/>
           </a:p>
@@ -2688,7 +2689,7 @@
           <a:p>
             <a:fld id="{082150A6-655A-40A4-943B-9A709E30A878}" type="datetimeFigureOut">
               <a:rPr kumimoji="1" lang="ja-JP" altLang="en-US" smtClean="0"/>
-              <a:t>2026/2/1</a:t>
+              <a:t>2026/2/4</a:t>
             </a:fld>
             <a:endParaRPr kumimoji="1" lang="ja-JP" altLang="en-US"/>
           </a:p>
@@ -2976,7 +2977,7 @@
           <a:p>
             <a:fld id="{082150A6-655A-40A4-943B-9A709E30A878}" type="datetimeFigureOut">
               <a:rPr kumimoji="1" lang="ja-JP" altLang="en-US" smtClean="0"/>
-              <a:t>2026/2/1</a:t>
+              <a:t>2026/2/4</a:t>
             </a:fld>
             <a:endParaRPr kumimoji="1" lang="ja-JP" altLang="en-US"/>
           </a:p>
@@ -3249,7 +3250,7 @@
           <a:p>
             <a:fld id="{082150A6-655A-40A4-943B-9A709E30A878}" type="datetimeFigureOut">
               <a:rPr kumimoji="1" lang="ja-JP" altLang="en-US" smtClean="0"/>
-              <a:t>2026/2/1</a:t>
+              <a:t>2026/2/4</a:t>
             </a:fld>
             <a:endParaRPr kumimoji="1" lang="ja-JP" altLang="en-US"/>
           </a:p>
@@ -8773,7 +8774,7 @@
           <a:p>
             <a:r>
               <a:rPr lang="ja-JP" altLang="en-US" dirty="0"/>
-              <a:t>展示物の管理</a:t>
+              <a:t>基本情報の編集</a:t>
             </a:r>
             <a:endParaRPr kumimoji="1" lang="ja-JP" altLang="en-US" dirty="0"/>
           </a:p>
@@ -8823,7 +8824,7 @@
         </p:nvSpPr>
         <p:spPr>
           <a:xfrm>
-            <a:off x="2544417" y="1719470"/>
+            <a:off x="1166077" y="1739348"/>
             <a:ext cx="1351722" cy="685799"/>
           </a:xfrm>
           <a:prstGeom prst="ellipse">
@@ -8867,10 +8868,10 @@
       </p:sp>
       <p:pic>
         <p:nvPicPr>
-          <p:cNvPr id="9" name="図 8" descr="グラフィカル ユーザー インターフェイス, アプリケーション&#10;&#10;AI 生成コンテンツは誤りを含む可能性があります。">
-            <a:extLst>
-              <a:ext uri="{FF2B5EF4-FFF2-40B4-BE49-F238E27FC236}">
-                <a16:creationId xmlns:a16="http://schemas.microsoft.com/office/drawing/2014/main" id="{10D464B4-AD22-2FDA-95D7-D278C107029C}"/>
+          <p:cNvPr id="7" name="図 6" descr="グラフィカル ユーザー インターフェイス, テキスト, アプリケーション, メール&#10;&#10;AI 生成コンテンツは誤りを含む可能性があります。">
+            <a:extLst>
+              <a:ext uri="{FF2B5EF4-FFF2-40B4-BE49-F238E27FC236}">
+                <a16:creationId xmlns:a16="http://schemas.microsoft.com/office/drawing/2014/main" id="{AA340546-A605-216F-5F4E-CA5E23F00D6F}"/>
               </a:ext>
             </a:extLst>
           </p:cNvPr>
@@ -8887,8 +8888,8 @@
         </p:blipFill>
         <p:spPr>
           <a:xfrm>
-            <a:off x="1508616" y="3011554"/>
-            <a:ext cx="8159042" cy="3647663"/>
+            <a:off x="5953539" y="261789"/>
+            <a:ext cx="4850650" cy="6596212"/>
           </a:xfrm>
           <a:prstGeom prst="rect">
             <a:avLst/>
@@ -8909,6 +8910,230 @@
 </file>
 
 <file path=ppt/slides/slide32.xml><?xml version="1.0" encoding="utf-8"?>
+<p:sld xmlns:a="http://schemas.openxmlformats.org/drawingml/2006/main" xmlns:r="http://schemas.openxmlformats.org/officeDocument/2006/relationships" xmlns:p="http://schemas.openxmlformats.org/presentationml/2006/main">
+  <p:cSld>
+    <p:spTree>
+      <p:nvGrpSpPr>
+        <p:cNvPr id="1" name="">
+          <a:extLst>
+            <a:ext uri="{FF2B5EF4-FFF2-40B4-BE49-F238E27FC236}">
+              <a16:creationId xmlns:a16="http://schemas.microsoft.com/office/drawing/2014/main" id="{01E1BADA-D835-02E6-ED90-18FB1C474177}"/>
+            </a:ext>
+          </a:extLst>
+        </p:cNvPr>
+        <p:cNvGrpSpPr/>
+        <p:nvPr/>
+      </p:nvGrpSpPr>
+      <p:grpSpPr>
+        <a:xfrm>
+          <a:off x="0" y="0"/>
+          <a:ext cx="0" cy="0"/>
+          <a:chOff x="0" y="0"/>
+          <a:chExt cx="0" cy="0"/>
+        </a:xfrm>
+      </p:grpSpPr>
+      <p:cxnSp>
+        <p:nvCxnSpPr>
+          <p:cNvPr id="4" name="直線コネクタ 3">
+            <a:extLst>
+              <a:ext uri="{FF2B5EF4-FFF2-40B4-BE49-F238E27FC236}">
+                <a16:creationId xmlns:a16="http://schemas.microsoft.com/office/drawing/2014/main" id="{877DCC81-53ED-66FA-A435-FA2BAA1038CD}"/>
+              </a:ext>
+            </a:extLst>
+          </p:cNvPr>
+          <p:cNvCxnSpPr/>
+          <p:nvPr/>
+        </p:nvCxnSpPr>
+        <p:spPr>
+          <a:xfrm>
+            <a:off x="228600" y="755374"/>
+            <a:ext cx="11936896" cy="0"/>
+          </a:xfrm>
+          <a:prstGeom prst="line">
+            <a:avLst/>
+          </a:prstGeom>
+        </p:spPr>
+        <p:style>
+          <a:lnRef idx="2">
+            <a:schemeClr val="accent1"/>
+          </a:lnRef>
+          <a:fillRef idx="0">
+            <a:schemeClr val="accent1"/>
+          </a:fillRef>
+          <a:effectRef idx="1">
+            <a:schemeClr val="accent1"/>
+          </a:effectRef>
+          <a:fontRef idx="minor">
+            <a:schemeClr val="tx1"/>
+          </a:fontRef>
+        </p:style>
+      </p:cxnSp>
+      <p:sp>
+        <p:nvSpPr>
+          <p:cNvPr id="5" name="テキスト ボックス 4">
+            <a:extLst>
+              <a:ext uri="{FF2B5EF4-FFF2-40B4-BE49-F238E27FC236}">
+                <a16:creationId xmlns:a16="http://schemas.microsoft.com/office/drawing/2014/main" id="{CD3DDEB1-39D4-81AF-DFDD-2FE930051460}"/>
+              </a:ext>
+            </a:extLst>
+          </p:cNvPr>
+          <p:cNvSpPr txBox="1"/>
+          <p:nvPr/>
+        </p:nvSpPr>
+        <p:spPr>
+          <a:xfrm>
+            <a:off x="407503" y="198783"/>
+            <a:ext cx="11449879" cy="369332"/>
+          </a:xfrm>
+          <a:prstGeom prst="rect">
+            <a:avLst/>
+          </a:prstGeom>
+          <a:noFill/>
+        </p:spPr>
+        <p:txBody>
+          <a:bodyPr wrap="square" rtlCol="0">
+            <a:spAutoFit/>
+          </a:bodyPr>
+          <a:lstStyle/>
+          <a:p>
+            <a:r>
+              <a:rPr lang="ja-JP" altLang="en-US" dirty="0"/>
+              <a:t>展示物の管理</a:t>
+            </a:r>
+            <a:endParaRPr kumimoji="1" lang="ja-JP" altLang="en-US" dirty="0"/>
+          </a:p>
+        </p:txBody>
+      </p:sp>
+      <p:pic>
+        <p:nvPicPr>
+          <p:cNvPr id="2" name="図 1" descr="テキスト&#10;&#10;AI 生成コンテンツは誤りを含む可能性があります。">
+            <a:extLst>
+              <a:ext uri="{FF2B5EF4-FFF2-40B4-BE49-F238E27FC236}">
+                <a16:creationId xmlns:a16="http://schemas.microsoft.com/office/drawing/2014/main" id="{B3B82338-9311-C7B9-755E-08E2383082A9}"/>
+              </a:ext>
+            </a:extLst>
+          </p:cNvPr>
+          <p:cNvPicPr>
+            <a:picLocks noChangeAspect="1"/>
+          </p:cNvPicPr>
+          <p:nvPr/>
+        </p:nvPicPr>
+        <p:blipFill>
+          <a:blip r:embed="rId2"/>
+          <a:stretch>
+            <a:fillRect/>
+          </a:stretch>
+        </p:blipFill>
+        <p:spPr>
+          <a:xfrm>
+            <a:off x="1166077" y="1242391"/>
+            <a:ext cx="4078777" cy="1282147"/>
+          </a:xfrm>
+          <a:prstGeom prst="rect">
+            <a:avLst/>
+          </a:prstGeom>
+        </p:spPr>
+      </p:pic>
+      <p:sp>
+        <p:nvSpPr>
+          <p:cNvPr id="3" name="楕円 2">
+            <a:extLst>
+              <a:ext uri="{FF2B5EF4-FFF2-40B4-BE49-F238E27FC236}">
+                <a16:creationId xmlns:a16="http://schemas.microsoft.com/office/drawing/2014/main" id="{5334C5FD-19DD-E495-6A10-8F6C0D087F37}"/>
+              </a:ext>
+            </a:extLst>
+          </p:cNvPr>
+          <p:cNvSpPr/>
+          <p:nvPr/>
+        </p:nvSpPr>
+        <p:spPr>
+          <a:xfrm>
+            <a:off x="2544417" y="1719470"/>
+            <a:ext cx="1351722" cy="685799"/>
+          </a:xfrm>
+          <a:prstGeom prst="ellipse">
+            <a:avLst/>
+          </a:prstGeom>
+          <a:noFill/>
+          <a:ln>
+            <a:solidFill>
+              <a:srgbClr val="FF0000"/>
+            </a:solidFill>
+          </a:ln>
+        </p:spPr>
+        <p:style>
+          <a:lnRef idx="2">
+            <a:schemeClr val="accent1">
+              <a:shade val="15000"/>
+            </a:schemeClr>
+          </a:lnRef>
+          <a:fillRef idx="1">
+            <a:schemeClr val="accent1"/>
+          </a:fillRef>
+          <a:effectRef idx="0">
+            <a:schemeClr val="accent1"/>
+          </a:effectRef>
+          <a:fontRef idx="minor">
+            <a:schemeClr val="lt1"/>
+          </a:fontRef>
+        </p:style>
+        <p:txBody>
+          <a:bodyPr rtlCol="0" anchor="ctr"/>
+          <a:lstStyle/>
+          <a:p>
+            <a:pPr algn="ctr"/>
+            <a:endParaRPr kumimoji="1" lang="ja-JP" altLang="en-US" sz="1200" dirty="0">
+              <a:solidFill>
+                <a:schemeClr val="tx1"/>
+              </a:solidFill>
+            </a:endParaRPr>
+          </a:p>
+        </p:txBody>
+      </p:sp>
+      <p:pic>
+        <p:nvPicPr>
+          <p:cNvPr id="9" name="図 8" descr="グラフィカル ユーザー インターフェイス, アプリケーション&#10;&#10;AI 生成コンテンツは誤りを含む可能性があります。">
+            <a:extLst>
+              <a:ext uri="{FF2B5EF4-FFF2-40B4-BE49-F238E27FC236}">
+                <a16:creationId xmlns:a16="http://schemas.microsoft.com/office/drawing/2014/main" id="{7BF818E0-170E-7B82-ADA0-A82DF0F61938}"/>
+              </a:ext>
+            </a:extLst>
+          </p:cNvPr>
+          <p:cNvPicPr>
+            <a:picLocks noChangeAspect="1"/>
+          </p:cNvPicPr>
+          <p:nvPr/>
+        </p:nvPicPr>
+        <p:blipFill>
+          <a:blip r:embed="rId3"/>
+          <a:stretch>
+            <a:fillRect/>
+          </a:stretch>
+        </p:blipFill>
+        <p:spPr>
+          <a:xfrm>
+            <a:off x="1508616" y="3011554"/>
+            <a:ext cx="8159042" cy="3647663"/>
+          </a:xfrm>
+          <a:prstGeom prst="rect">
+            <a:avLst/>
+          </a:prstGeom>
+        </p:spPr>
+      </p:pic>
+    </p:spTree>
+    <p:extLst>
+      <p:ext uri="{BB962C8B-B14F-4D97-AF65-F5344CB8AC3E}">
+        <p14:creationId xmlns:p14="http://schemas.microsoft.com/office/powerpoint/2010/main" val="3465869160"/>
+      </p:ext>
+    </p:extLst>
+  </p:cSld>
+  <p:clrMapOvr>
+    <a:masterClrMapping/>
+  </p:clrMapOvr>
+</p:sld>
+</file>
+
+<file path=ppt/slides/slide33.xml><?xml version="1.0" encoding="utf-8"?>
 <p:sld xmlns:a="http://schemas.openxmlformats.org/drawingml/2006/main" xmlns:r="http://schemas.openxmlformats.org/officeDocument/2006/relationships" xmlns:p="http://schemas.openxmlformats.org/presentationml/2006/main">
   <p:cSld>
     <p:spTree>
@@ -9131,7 +9356,7 @@
 </p:sld>
 </file>
 
-<file path=ppt/slides/slide33.xml><?xml version="1.0" encoding="utf-8"?>
+<file path=ppt/slides/slide34.xml><?xml version="1.0" encoding="utf-8"?>
 <p:sld xmlns:a="http://schemas.openxmlformats.org/drawingml/2006/main" xmlns:r="http://schemas.openxmlformats.org/officeDocument/2006/relationships" xmlns:p="http://schemas.openxmlformats.org/presentationml/2006/main">
   <p:cSld>
     <p:spTree>
@@ -9359,7 +9584,7 @@
 </p:sld>
 </file>
 
-<file path=ppt/slides/slide34.xml><?xml version="1.0" encoding="utf-8"?>
+<file path=ppt/slides/slide35.xml><?xml version="1.0" encoding="utf-8"?>
 <p:sld xmlns:a="http://schemas.openxmlformats.org/drawingml/2006/main" xmlns:r="http://schemas.openxmlformats.org/officeDocument/2006/relationships" xmlns:p="http://schemas.openxmlformats.org/presentationml/2006/main">
   <p:cSld>
     <p:spTree>
@@ -9532,7 +9757,7 @@
 </p:sld>
 </file>
 
-<file path=ppt/slides/slide35.xml><?xml version="1.0" encoding="utf-8"?>
+<file path=ppt/slides/slide36.xml><?xml version="1.0" encoding="utf-8"?>
 <p:sld xmlns:a="http://schemas.openxmlformats.org/drawingml/2006/main" xmlns:r="http://schemas.openxmlformats.org/officeDocument/2006/relationships" xmlns:p="http://schemas.openxmlformats.org/presentationml/2006/main">
   <p:cSld>
     <p:spTree>
@@ -9780,7 +10005,7 @@
 </p:sld>
 </file>
 
-<file path=ppt/slides/slide36.xml><?xml version="1.0" encoding="utf-8"?>
+<file path=ppt/slides/slide37.xml><?xml version="1.0" encoding="utf-8"?>
 <p:sld xmlns:a="http://schemas.openxmlformats.org/drawingml/2006/main" xmlns:r="http://schemas.openxmlformats.org/officeDocument/2006/relationships" xmlns:p="http://schemas.openxmlformats.org/presentationml/2006/main">
   <p:cSld>
     <p:spTree>
@@ -9917,7 +10142,7 @@
 </p:sld>
 </file>
 
-<file path=ppt/slides/slide37.xml><?xml version="1.0" encoding="utf-8"?>
+<file path=ppt/slides/slide38.xml><?xml version="1.0" encoding="utf-8"?>
 <p:sld xmlns:a="http://schemas.openxmlformats.org/drawingml/2006/main" xmlns:r="http://schemas.openxmlformats.org/officeDocument/2006/relationships" xmlns:p="http://schemas.openxmlformats.org/presentationml/2006/main">
   <p:cSld>
     <p:spTree>
@@ -10145,7 +10370,7 @@
 </p:sld>
 </file>
 
-<file path=ppt/slides/slide38.xml><?xml version="1.0" encoding="utf-8"?>
+<file path=ppt/slides/slide39.xml><?xml version="1.0" encoding="utf-8"?>
 <p:sld xmlns:a="http://schemas.openxmlformats.org/drawingml/2006/main" xmlns:r="http://schemas.openxmlformats.org/officeDocument/2006/relationships" xmlns:p="http://schemas.openxmlformats.org/presentationml/2006/main">
   <p:cSld>
     <p:spTree>
@@ -10330,86 +10555,6 @@
     <p:extLst>
       <p:ext uri="{BB962C8B-B14F-4D97-AF65-F5344CB8AC3E}">
         <p14:creationId xmlns:p14="http://schemas.microsoft.com/office/powerpoint/2010/main" val="2125539282"/>
-      </p:ext>
-    </p:extLst>
-  </p:cSld>
-  <p:clrMapOvr>
-    <a:masterClrMapping/>
-  </p:clrMapOvr>
-</p:sld>
-</file>
-
-<file path=ppt/slides/slide39.xml><?xml version="1.0" encoding="utf-8"?>
-<p:sld xmlns:a="http://schemas.openxmlformats.org/drawingml/2006/main" xmlns:r="http://schemas.openxmlformats.org/officeDocument/2006/relationships" xmlns:p="http://schemas.openxmlformats.org/presentationml/2006/main">
-  <p:cSld>
-    <p:spTree>
-      <p:nvGrpSpPr>
-        <p:cNvPr id="1" name=""/>
-        <p:cNvGrpSpPr/>
-        <p:nvPr/>
-      </p:nvGrpSpPr>
-      <p:grpSpPr>
-        <a:xfrm>
-          <a:off x="0" y="0"/>
-          <a:ext cx="0" cy="0"/>
-          <a:chOff x="0" y="0"/>
-          <a:chExt cx="0" cy="0"/>
-        </a:xfrm>
-      </p:grpSpPr>
-      <p:sp>
-        <p:nvSpPr>
-          <p:cNvPr id="2" name="タイトル 1">
-            <a:extLst>
-              <a:ext uri="{FF2B5EF4-FFF2-40B4-BE49-F238E27FC236}">
-                <a16:creationId xmlns:a16="http://schemas.microsoft.com/office/drawing/2014/main" id="{3C2C01AD-3387-2005-B8C4-00A58FE6D25A}"/>
-              </a:ext>
-            </a:extLst>
-          </p:cNvPr>
-          <p:cNvSpPr>
-            <a:spLocks noGrp="1"/>
-          </p:cNvSpPr>
-          <p:nvPr>
-            <p:ph type="title"/>
-          </p:nvPr>
-        </p:nvSpPr>
-        <p:spPr/>
-        <p:txBody>
-          <a:bodyPr/>
-          <a:lstStyle/>
-          <a:p>
-            <a:endParaRPr kumimoji="1" lang="ja-JP" altLang="en-US"/>
-          </a:p>
-        </p:txBody>
-      </p:sp>
-      <p:sp>
-        <p:nvSpPr>
-          <p:cNvPr id="3" name="コンテンツ プレースホルダー 2">
-            <a:extLst>
-              <a:ext uri="{FF2B5EF4-FFF2-40B4-BE49-F238E27FC236}">
-                <a16:creationId xmlns:a16="http://schemas.microsoft.com/office/drawing/2014/main" id="{941EF71E-6139-E2DF-A54B-E310C7715330}"/>
-              </a:ext>
-            </a:extLst>
-          </p:cNvPr>
-          <p:cNvSpPr>
-            <a:spLocks noGrp="1"/>
-          </p:cNvSpPr>
-          <p:nvPr>
-            <p:ph idx="1"/>
-          </p:nvPr>
-        </p:nvSpPr>
-        <p:spPr/>
-        <p:txBody>
-          <a:bodyPr/>
-          <a:lstStyle/>
-          <a:p>
-            <a:endParaRPr kumimoji="1" lang="ja-JP" altLang="en-US"/>
-          </a:p>
-        </p:txBody>
-      </p:sp>
-    </p:spTree>
-    <p:extLst>
-      <p:ext uri="{BB962C8B-B14F-4D97-AF65-F5344CB8AC3E}">
-        <p14:creationId xmlns:p14="http://schemas.microsoft.com/office/powerpoint/2010/main" val="3225395119"/>
       </p:ext>
     </p:extLst>
   </p:cSld>
@@ -11095,6 +11240,86 @@
   <p:cSld>
     <p:spTree>
       <p:nvGrpSpPr>
+        <p:cNvPr id="1" name=""/>
+        <p:cNvGrpSpPr/>
+        <p:nvPr/>
+      </p:nvGrpSpPr>
+      <p:grpSpPr>
+        <a:xfrm>
+          <a:off x="0" y="0"/>
+          <a:ext cx="0" cy="0"/>
+          <a:chOff x="0" y="0"/>
+          <a:chExt cx="0" cy="0"/>
+        </a:xfrm>
+      </p:grpSpPr>
+      <p:sp>
+        <p:nvSpPr>
+          <p:cNvPr id="2" name="タイトル 1">
+            <a:extLst>
+              <a:ext uri="{FF2B5EF4-FFF2-40B4-BE49-F238E27FC236}">
+                <a16:creationId xmlns:a16="http://schemas.microsoft.com/office/drawing/2014/main" id="{3C2C01AD-3387-2005-B8C4-00A58FE6D25A}"/>
+              </a:ext>
+            </a:extLst>
+          </p:cNvPr>
+          <p:cNvSpPr>
+            <a:spLocks noGrp="1"/>
+          </p:cNvSpPr>
+          <p:nvPr>
+            <p:ph type="title"/>
+          </p:nvPr>
+        </p:nvSpPr>
+        <p:spPr/>
+        <p:txBody>
+          <a:bodyPr/>
+          <a:lstStyle/>
+          <a:p>
+            <a:endParaRPr kumimoji="1" lang="ja-JP" altLang="en-US"/>
+          </a:p>
+        </p:txBody>
+      </p:sp>
+      <p:sp>
+        <p:nvSpPr>
+          <p:cNvPr id="3" name="コンテンツ プレースホルダー 2">
+            <a:extLst>
+              <a:ext uri="{FF2B5EF4-FFF2-40B4-BE49-F238E27FC236}">
+                <a16:creationId xmlns:a16="http://schemas.microsoft.com/office/drawing/2014/main" id="{941EF71E-6139-E2DF-A54B-E310C7715330}"/>
+              </a:ext>
+            </a:extLst>
+          </p:cNvPr>
+          <p:cNvSpPr>
+            <a:spLocks noGrp="1"/>
+          </p:cNvSpPr>
+          <p:nvPr>
+            <p:ph idx="1"/>
+          </p:nvPr>
+        </p:nvSpPr>
+        <p:spPr/>
+        <p:txBody>
+          <a:bodyPr/>
+          <a:lstStyle/>
+          <a:p>
+            <a:endParaRPr kumimoji="1" lang="ja-JP" altLang="en-US"/>
+          </a:p>
+        </p:txBody>
+      </p:sp>
+    </p:spTree>
+    <p:extLst>
+      <p:ext uri="{BB962C8B-B14F-4D97-AF65-F5344CB8AC3E}">
+        <p14:creationId xmlns:p14="http://schemas.microsoft.com/office/powerpoint/2010/main" val="3225395119"/>
+      </p:ext>
+    </p:extLst>
+  </p:cSld>
+  <p:clrMapOvr>
+    <a:masterClrMapping/>
+  </p:clrMapOvr>
+</p:sld>
+</file>
+
+<file path=ppt/slides/slide41.xml><?xml version="1.0" encoding="utf-8"?>
+<p:sld xmlns:a="http://schemas.openxmlformats.org/drawingml/2006/main" xmlns:r="http://schemas.openxmlformats.org/officeDocument/2006/relationships" xmlns:p="http://schemas.openxmlformats.org/presentationml/2006/main">
+  <p:cSld>
+    <p:spTree>
+      <p:nvGrpSpPr>
         <p:cNvPr id="1" name="">
           <a:extLst>
             <a:ext uri="{FF2B5EF4-FFF2-40B4-BE49-F238E27FC236}">
@@ -11176,7 +11401,7 @@
 </p:sld>
 </file>
 
-<file path=ppt/slides/slide41.xml><?xml version="1.0" encoding="utf-8"?>
+<file path=ppt/slides/slide42.xml><?xml version="1.0" encoding="utf-8"?>
 <p:sld xmlns:a="http://schemas.openxmlformats.org/drawingml/2006/main" xmlns:r="http://schemas.openxmlformats.org/officeDocument/2006/relationships" xmlns:p="http://schemas.openxmlformats.org/presentationml/2006/main">
   <p:cSld>
     <p:spTree>
@@ -11262,7 +11487,7 @@
 </p:sld>
 </file>
 
-<file path=ppt/slides/slide42.xml><?xml version="1.0" encoding="utf-8"?>
+<file path=ppt/slides/slide43.xml><?xml version="1.0" encoding="utf-8"?>
 <p:sld xmlns:a="http://schemas.openxmlformats.org/drawingml/2006/main" xmlns:r="http://schemas.openxmlformats.org/officeDocument/2006/relationships" xmlns:p="http://schemas.openxmlformats.org/presentationml/2006/main">
   <p:cSld>
     <p:spTree>
@@ -11332,7 +11557,7 @@
 </p:sld>
 </file>
 
-<file path=ppt/slides/slide43.xml><?xml version="1.0" encoding="utf-8"?>
+<file path=ppt/slides/slide44.xml><?xml version="1.0" encoding="utf-8"?>
 <p:sld xmlns:a="http://schemas.openxmlformats.org/drawingml/2006/main" xmlns:r="http://schemas.openxmlformats.org/officeDocument/2006/relationships" xmlns:p="http://schemas.openxmlformats.org/presentationml/2006/main">
   <p:cSld>
     <p:spTree>
@@ -11974,7 +12199,7 @@
 </p:sld>
 </file>
 
-<file path=ppt/slides/slide44.xml><?xml version="1.0" encoding="utf-8"?>
+<file path=ppt/slides/slide45.xml><?xml version="1.0" encoding="utf-8"?>
 <p:sld xmlns:a="http://schemas.openxmlformats.org/drawingml/2006/main" xmlns:r="http://schemas.openxmlformats.org/officeDocument/2006/relationships" xmlns:p="http://schemas.openxmlformats.org/presentationml/2006/main">
   <p:cSld>
     <p:spTree>
@@ -12694,7 +12919,7 @@
 </p:sld>
 </file>
 
-<file path=ppt/slides/slide45.xml><?xml version="1.0" encoding="utf-8"?>
+<file path=ppt/slides/slide46.xml><?xml version="1.0" encoding="utf-8"?>
 <p:sld xmlns:a="http://schemas.openxmlformats.org/drawingml/2006/main" xmlns:r="http://schemas.openxmlformats.org/officeDocument/2006/relationships" xmlns:p="http://schemas.openxmlformats.org/presentationml/2006/main">
   <p:cSld>
     <p:spTree>
@@ -13369,7 +13594,7 @@
 </p:sld>
 </file>
 
-<file path=ppt/slides/slide46.xml><?xml version="1.0" encoding="utf-8"?>
+<file path=ppt/slides/slide47.xml><?xml version="1.0" encoding="utf-8"?>
 <p:sld xmlns:a="http://schemas.openxmlformats.org/drawingml/2006/main" xmlns:r="http://schemas.openxmlformats.org/officeDocument/2006/relationships" xmlns:p="http://schemas.openxmlformats.org/presentationml/2006/main">
   <p:cSld>
     <p:spTree>
@@ -13943,7 +14168,7 @@
 </p:sld>
 </file>
 
-<file path=ppt/slides/slide47.xml><?xml version="1.0" encoding="utf-8"?>
+<file path=ppt/slides/slide48.xml><?xml version="1.0" encoding="utf-8"?>
 <p:sld xmlns:a="http://schemas.openxmlformats.org/drawingml/2006/main" xmlns:r="http://schemas.openxmlformats.org/officeDocument/2006/relationships" xmlns:p="http://schemas.openxmlformats.org/presentationml/2006/main">
   <p:cSld>
     <p:spTree>
@@ -14339,7 +14564,7 @@
 </p:sld>
 </file>
 
-<file path=ppt/slides/slide48.xml><?xml version="1.0" encoding="utf-8"?>
+<file path=ppt/slides/slide49.xml><?xml version="1.0" encoding="utf-8"?>
 <p:sld xmlns:a="http://schemas.openxmlformats.org/drawingml/2006/main" xmlns:r="http://schemas.openxmlformats.org/officeDocument/2006/relationships" xmlns:p="http://schemas.openxmlformats.org/presentationml/2006/main">
   <p:cSld>
     <p:spTree>
@@ -15459,7 +15684,411 @@
 </p:sld>
 </file>
 
-<file path=ppt/slides/slide49.xml><?xml version="1.0" encoding="utf-8"?>
+<file path=ppt/slides/slide5.xml><?xml version="1.0" encoding="utf-8"?>
+<p:sld xmlns:a="http://schemas.openxmlformats.org/drawingml/2006/main" xmlns:r="http://schemas.openxmlformats.org/officeDocument/2006/relationships" xmlns:p="http://schemas.openxmlformats.org/presentationml/2006/main">
+  <p:cSld>
+    <p:spTree>
+      <p:nvGrpSpPr>
+        <p:cNvPr id="1" name="">
+          <a:extLst>
+            <a:ext uri="{FF2B5EF4-FFF2-40B4-BE49-F238E27FC236}">
+              <a16:creationId xmlns:a16="http://schemas.microsoft.com/office/drawing/2014/main" id="{D67F9A5F-EA38-B909-CB71-06C5141C6233}"/>
+            </a:ext>
+          </a:extLst>
+        </p:cNvPr>
+        <p:cNvGrpSpPr/>
+        <p:nvPr/>
+      </p:nvGrpSpPr>
+      <p:grpSpPr>
+        <a:xfrm>
+          <a:off x="0" y="0"/>
+          <a:ext cx="0" cy="0"/>
+          <a:chOff x="0" y="0"/>
+          <a:chExt cx="0" cy="0"/>
+        </a:xfrm>
+      </p:grpSpPr>
+      <p:cxnSp>
+        <p:nvCxnSpPr>
+          <p:cNvPr id="4" name="直線コネクタ 3">
+            <a:extLst>
+              <a:ext uri="{FF2B5EF4-FFF2-40B4-BE49-F238E27FC236}">
+                <a16:creationId xmlns:a16="http://schemas.microsoft.com/office/drawing/2014/main" id="{45EF8F97-1725-EB81-70FC-BE6CE30B0F17}"/>
+              </a:ext>
+            </a:extLst>
+          </p:cNvPr>
+          <p:cNvCxnSpPr/>
+          <p:nvPr/>
+        </p:nvCxnSpPr>
+        <p:spPr>
+          <a:xfrm>
+            <a:off x="228600" y="755374"/>
+            <a:ext cx="11936896" cy="0"/>
+          </a:xfrm>
+          <a:prstGeom prst="line">
+            <a:avLst/>
+          </a:prstGeom>
+        </p:spPr>
+        <p:style>
+          <a:lnRef idx="2">
+            <a:schemeClr val="accent1"/>
+          </a:lnRef>
+          <a:fillRef idx="0">
+            <a:schemeClr val="accent1"/>
+          </a:fillRef>
+          <a:effectRef idx="1">
+            <a:schemeClr val="accent1"/>
+          </a:effectRef>
+          <a:fontRef idx="minor">
+            <a:schemeClr val="tx1"/>
+          </a:fontRef>
+        </p:style>
+      </p:cxnSp>
+      <p:sp>
+        <p:nvSpPr>
+          <p:cNvPr id="5" name="テキスト ボックス 4">
+            <a:extLst>
+              <a:ext uri="{FF2B5EF4-FFF2-40B4-BE49-F238E27FC236}">
+                <a16:creationId xmlns:a16="http://schemas.microsoft.com/office/drawing/2014/main" id="{462E6617-0187-0E9A-2D30-978B81F58C84}"/>
+              </a:ext>
+            </a:extLst>
+          </p:cNvPr>
+          <p:cNvSpPr txBox="1"/>
+          <p:nvPr/>
+        </p:nvSpPr>
+        <p:spPr>
+          <a:xfrm>
+            <a:off x="407504" y="198783"/>
+            <a:ext cx="3796748" cy="369332"/>
+          </a:xfrm>
+          <a:prstGeom prst="rect">
+            <a:avLst/>
+          </a:prstGeom>
+          <a:noFill/>
+        </p:spPr>
+        <p:txBody>
+          <a:bodyPr wrap="square" rtlCol="0">
+            <a:spAutoFit/>
+          </a:bodyPr>
+          <a:lstStyle/>
+          <a:p>
+            <a:r>
+              <a:rPr kumimoji="1" lang="ja-JP" altLang="en-US" dirty="0"/>
+              <a:t>管理機能</a:t>
+            </a:r>
+          </a:p>
+        </p:txBody>
+      </p:sp>
+      <p:sp>
+        <p:nvSpPr>
+          <p:cNvPr id="12" name="テキスト ボックス 11">
+            <a:extLst>
+              <a:ext uri="{FF2B5EF4-FFF2-40B4-BE49-F238E27FC236}">
+                <a16:creationId xmlns:a16="http://schemas.microsoft.com/office/drawing/2014/main" id="{6CE07053-07AA-8E69-8714-0078AE200A66}"/>
+              </a:ext>
+            </a:extLst>
+          </p:cNvPr>
+          <p:cNvSpPr txBox="1"/>
+          <p:nvPr/>
+        </p:nvSpPr>
+        <p:spPr>
+          <a:xfrm>
+            <a:off x="407504" y="1093304"/>
+            <a:ext cx="11261035" cy="5632311"/>
+          </a:xfrm>
+          <a:prstGeom prst="rect">
+            <a:avLst/>
+          </a:prstGeom>
+          <a:noFill/>
+        </p:spPr>
+        <p:txBody>
+          <a:bodyPr wrap="square" rtlCol="0">
+            <a:spAutoFit/>
+          </a:bodyPr>
+          <a:lstStyle/>
+          <a:p>
+            <a:pPr marL="285750" indent="-285750">
+              <a:buFont typeface="Wingdings" panose="05000000000000000000" pitchFamily="2" charset="2"/>
+              <a:buChar char="ü"/>
+            </a:pPr>
+            <a:r>
+              <a:rPr kumimoji="1" lang="ja-JP" altLang="en-US" dirty="0"/>
+              <a:t>ルート権限者＝</a:t>
+            </a:r>
+            <a:r>
+              <a:rPr kumimoji="1" lang="en-US" altLang="ja-JP" dirty="0" err="1"/>
+              <a:t>xserver</a:t>
+            </a:r>
+            <a:r>
+              <a:rPr kumimoji="1" lang="ja-JP" altLang="en-US" dirty="0"/>
+              <a:t>の契約者＝１名のみ</a:t>
+            </a:r>
+            <a:endParaRPr kumimoji="1" lang="en-US" altLang="ja-JP" dirty="0"/>
+          </a:p>
+          <a:p>
+            <a:pPr marL="800100" lvl="1" indent="-342900">
+              <a:buFont typeface="+mj-lt"/>
+              <a:buAutoNum type="arabicPeriod"/>
+            </a:pPr>
+            <a:r>
+              <a:rPr lang="en-US" altLang="ja-JP" dirty="0"/>
+              <a:t>DB</a:t>
+            </a:r>
+            <a:r>
+              <a:rPr lang="ja-JP" altLang="en-US" dirty="0"/>
+              <a:t>を直接調査できる権限</a:t>
+            </a:r>
+            <a:endParaRPr lang="en-US" altLang="ja-JP" dirty="0"/>
+          </a:p>
+          <a:p>
+            <a:pPr marL="800100" lvl="1" indent="-342900">
+              <a:buFont typeface="+mj-lt"/>
+              <a:buAutoNum type="arabicPeriod"/>
+            </a:pPr>
+            <a:r>
+              <a:rPr kumimoji="1" lang="ja-JP" altLang="en-US" dirty="0"/>
+              <a:t>入出力用のインターフェースは無し</a:t>
+            </a:r>
+            <a:r>
+              <a:rPr kumimoji="1" lang="en-US" altLang="ja-JP" dirty="0"/>
+              <a:t>=</a:t>
+            </a:r>
+            <a:r>
+              <a:rPr kumimoji="1" lang="en-US" altLang="ja-JP" dirty="0" err="1"/>
+              <a:t>xserver</a:t>
+            </a:r>
+            <a:r>
+              <a:rPr kumimoji="1" lang="ja-JP" altLang="en-US" dirty="0"/>
+              <a:t>の管理画面を利用</a:t>
+            </a:r>
+            <a:endParaRPr kumimoji="1" lang="en-US" altLang="ja-JP" dirty="0"/>
+          </a:p>
+          <a:p>
+            <a:pPr marL="800100" lvl="1" indent="-342900">
+              <a:buFont typeface="+mj-lt"/>
+              <a:buAutoNum type="arabicPeriod"/>
+            </a:pPr>
+            <a:r>
+              <a:rPr kumimoji="1" lang="ja-JP" altLang="en-US" dirty="0"/>
+              <a:t>スーパーバイザーを登録／変更／削除</a:t>
+            </a:r>
+            <a:endParaRPr kumimoji="1" lang="en-US" altLang="ja-JP" dirty="0"/>
+          </a:p>
+          <a:p>
+            <a:pPr marL="800100" lvl="1" indent="-342900">
+              <a:buFont typeface="+mj-lt"/>
+              <a:buAutoNum type="arabicPeriod"/>
+            </a:pPr>
+            <a:r>
+              <a:rPr kumimoji="1" lang="ja-JP" altLang="en-US" dirty="0"/>
+              <a:t>スーパーバイザーパスワードの強制リセット</a:t>
+            </a:r>
+            <a:endParaRPr kumimoji="1" lang="en-US" altLang="ja-JP" dirty="0"/>
+          </a:p>
+          <a:p>
+            <a:pPr marL="285750" indent="-285750">
+              <a:buFont typeface="Wingdings" panose="05000000000000000000" pitchFamily="2" charset="2"/>
+              <a:buChar char="ü"/>
+            </a:pPr>
+            <a:r>
+              <a:rPr kumimoji="1" lang="ja-JP" altLang="en-US" dirty="0"/>
+              <a:t>全体の管理者（スーパーバイザー）の定義</a:t>
+            </a:r>
+            <a:endParaRPr kumimoji="1" lang="en-US" altLang="ja-JP" dirty="0"/>
+          </a:p>
+          <a:p>
+            <a:pPr marL="800100" lvl="1" indent="-342900">
+              <a:buFont typeface="+mj-lt"/>
+              <a:buAutoNum type="arabicPeriod"/>
+            </a:pPr>
+            <a:r>
+              <a:rPr kumimoji="1" lang="ja-JP" altLang="en-US" dirty="0"/>
+              <a:t>スーパーバイザーは複数可能</a:t>
+            </a:r>
+            <a:endParaRPr kumimoji="1" lang="en-US" altLang="ja-JP" dirty="0"/>
+          </a:p>
+          <a:p>
+            <a:pPr marL="800100" lvl="1" indent="-342900">
+              <a:buFont typeface="+mj-lt"/>
+              <a:buAutoNum type="arabicPeriod"/>
+            </a:pPr>
+            <a:r>
+              <a:rPr kumimoji="1" lang="ja-JP" altLang="en-US" dirty="0"/>
+              <a:t>ルート権限者が登録できる</a:t>
+            </a:r>
+            <a:endParaRPr kumimoji="1" lang="en-US" altLang="ja-JP" dirty="0"/>
+          </a:p>
+          <a:p>
+            <a:pPr marL="800100" lvl="1" indent="-342900">
+              <a:buFont typeface="+mj-lt"/>
+              <a:buAutoNum type="arabicPeriod"/>
+            </a:pPr>
+            <a:r>
+              <a:rPr kumimoji="1" lang="ja-JP" altLang="en-US" dirty="0"/>
+              <a:t>スーパーバイザーは</a:t>
+            </a:r>
+            <a:r>
+              <a:rPr lang="en-US" altLang="ja-JP" dirty="0"/>
+              <a:t>SQL</a:t>
+            </a:r>
+            <a:r>
+              <a:rPr lang="ja-JP" altLang="en-US" dirty="0"/>
+              <a:t>を利用した</a:t>
+            </a:r>
+            <a:r>
+              <a:rPr lang="en-US" altLang="ja-JP" dirty="0"/>
+              <a:t>DB</a:t>
+            </a:r>
+            <a:r>
+              <a:rPr lang="ja-JP" altLang="en-US" dirty="0"/>
+              <a:t>管理はできない</a:t>
+            </a:r>
+            <a:endParaRPr lang="en-US" altLang="ja-JP" dirty="0"/>
+          </a:p>
+          <a:p>
+            <a:pPr marL="800100" lvl="1" indent="-342900">
+              <a:buFont typeface="+mj-lt"/>
+              <a:buAutoNum type="arabicPeriod"/>
+            </a:pPr>
+            <a:r>
+              <a:rPr kumimoji="1" lang="ja-JP" altLang="en-US" dirty="0"/>
+              <a:t>スーパーバイザーパスワードは自身で変更できる</a:t>
+            </a:r>
+            <a:endParaRPr kumimoji="1" lang="en-US" altLang="ja-JP" dirty="0"/>
+          </a:p>
+          <a:p>
+            <a:pPr marL="285750" indent="-285750">
+              <a:buFont typeface="Wingdings" panose="05000000000000000000" pitchFamily="2" charset="2"/>
+              <a:buChar char="ü"/>
+            </a:pPr>
+            <a:r>
+              <a:rPr kumimoji="1" lang="ja-JP" altLang="en-US" dirty="0"/>
+              <a:t>スーパーバイザーの権限</a:t>
+            </a:r>
+            <a:endParaRPr kumimoji="1" lang="en-US" altLang="ja-JP" dirty="0"/>
+          </a:p>
+          <a:p>
+            <a:pPr marL="800100" lvl="1" indent="-342900">
+              <a:buFont typeface="+mj-lt"/>
+              <a:buAutoNum type="arabicPeriod"/>
+            </a:pPr>
+            <a:r>
+              <a:rPr kumimoji="1" lang="ja-JP" altLang="en-US" dirty="0"/>
+              <a:t>博物館の登録／削除</a:t>
+            </a:r>
+            <a:endParaRPr kumimoji="1" lang="en-US" altLang="ja-JP" dirty="0"/>
+          </a:p>
+          <a:p>
+            <a:pPr marL="800100" lvl="1" indent="-342900">
+              <a:buFont typeface="+mj-lt"/>
+              <a:buAutoNum type="arabicPeriod"/>
+            </a:pPr>
+            <a:r>
+              <a:rPr kumimoji="1" lang="ja-JP" altLang="en-US" dirty="0"/>
+              <a:t>博物館の管理者の登録／削除</a:t>
+            </a:r>
+            <a:endParaRPr kumimoji="1" lang="en-US" altLang="ja-JP" dirty="0"/>
+          </a:p>
+          <a:p>
+            <a:pPr marL="285750" indent="-285750">
+              <a:buFont typeface="Wingdings" panose="05000000000000000000" pitchFamily="2" charset="2"/>
+              <a:buChar char="ü"/>
+            </a:pPr>
+            <a:r>
+              <a:rPr kumimoji="1" lang="ja-JP" altLang="en-US" dirty="0"/>
+              <a:t>博物館の管理者の権限</a:t>
+            </a:r>
+            <a:endParaRPr kumimoji="1" lang="en-US" altLang="ja-JP" dirty="0"/>
+          </a:p>
+          <a:p>
+            <a:pPr marL="800100" lvl="1" indent="-342900">
+              <a:buFont typeface="+mj-lt"/>
+              <a:buAutoNum type="arabicPeriod"/>
+            </a:pPr>
+            <a:r>
+              <a:rPr kumimoji="1" lang="ja-JP" altLang="en-US" dirty="0"/>
+              <a:t>展示物の登録（本展示システムから番号が提供される）</a:t>
+            </a:r>
+            <a:endParaRPr kumimoji="1" lang="en-US" altLang="ja-JP" dirty="0"/>
+          </a:p>
+          <a:p>
+            <a:pPr marL="800100" lvl="1" indent="-342900">
+              <a:buFont typeface="+mj-lt"/>
+              <a:buAutoNum type="arabicPeriod"/>
+            </a:pPr>
+            <a:r>
+              <a:rPr kumimoji="1" lang="ja-JP" altLang="en-US" dirty="0"/>
+              <a:t>以下上記番号に対して以下の情報を付加できる</a:t>
+            </a:r>
+            <a:endParaRPr kumimoji="1" lang="en-US" altLang="ja-JP" dirty="0"/>
+          </a:p>
+          <a:p>
+            <a:pPr marL="1257300" lvl="2" indent="-342900">
+              <a:buFont typeface="Arial" panose="020B0604020202020204" pitchFamily="34" charset="0"/>
+              <a:buChar char="•"/>
+            </a:pPr>
+            <a:r>
+              <a:rPr kumimoji="1" lang="ja-JP" altLang="en-US" dirty="0"/>
+              <a:t>画像／音声／文字</a:t>
+            </a:r>
+            <a:endParaRPr kumimoji="1" lang="en-US" altLang="ja-JP" dirty="0"/>
+          </a:p>
+          <a:p>
+            <a:pPr marL="1257300" lvl="2" indent="-342900">
+              <a:buFont typeface="Arial" panose="020B0604020202020204" pitchFamily="34" charset="0"/>
+              <a:buChar char="•"/>
+            </a:pPr>
+            <a:r>
+              <a:rPr kumimoji="1" lang="ja-JP" altLang="en-US" dirty="0"/>
+              <a:t>音声／文字は多国語対応</a:t>
+            </a:r>
+            <a:endParaRPr kumimoji="1" lang="en-US" altLang="ja-JP" dirty="0"/>
+          </a:p>
+          <a:p>
+            <a:pPr marL="800100" lvl="1" indent="-342900">
+              <a:buFont typeface="+mj-lt"/>
+              <a:buAutoNum type="arabicPeriod"/>
+            </a:pPr>
+            <a:r>
+              <a:rPr kumimoji="1" lang="ja-JP" altLang="en-US" dirty="0"/>
+              <a:t>登録展示物の削除</a:t>
+            </a:r>
+            <a:endParaRPr kumimoji="1" lang="en-US" altLang="ja-JP" dirty="0"/>
+          </a:p>
+          <a:p>
+            <a:pPr marL="342900" indent="-342900">
+              <a:buFont typeface="Wingdings" panose="05000000000000000000" pitchFamily="2" charset="2"/>
+              <a:buChar char="ü"/>
+            </a:pPr>
+            <a:r>
+              <a:rPr kumimoji="1" lang="ja-JP" altLang="en-US" dirty="0"/>
+              <a:t>管理画面は</a:t>
+            </a:r>
+            <a:r>
+              <a:rPr kumimoji="1" lang="en-US" altLang="ja-JP" dirty="0"/>
+              <a:t>PC</a:t>
+            </a:r>
+            <a:r>
+              <a:rPr kumimoji="1" lang="ja-JP" altLang="en-US" dirty="0"/>
+              <a:t>前提とする</a:t>
+            </a:r>
+            <a:endParaRPr kumimoji="1" lang="en-US" altLang="ja-JP" dirty="0"/>
+          </a:p>
+        </p:txBody>
+      </p:sp>
+    </p:spTree>
+    <p:extLst>
+      <p:ext uri="{BB962C8B-B14F-4D97-AF65-F5344CB8AC3E}">
+        <p14:creationId xmlns:p14="http://schemas.microsoft.com/office/powerpoint/2010/main" val="331511944"/>
+      </p:ext>
+    </p:extLst>
+  </p:cSld>
+  <p:clrMapOvr>
+    <a:masterClrMapping/>
+  </p:clrMapOvr>
+</p:sld>
+</file>
+
+<file path=ppt/slides/slide50.xml><?xml version="1.0" encoding="utf-8"?>
 <p:sld xmlns:a="http://schemas.openxmlformats.org/drawingml/2006/main" xmlns:r="http://schemas.openxmlformats.org/officeDocument/2006/relationships" xmlns:p="http://schemas.openxmlformats.org/presentationml/2006/main">
   <p:cSld>
     <p:spTree>
@@ -16567,411 +17196,7 @@
 </p:sld>
 </file>
 
-<file path=ppt/slides/slide5.xml><?xml version="1.0" encoding="utf-8"?>
-<p:sld xmlns:a="http://schemas.openxmlformats.org/drawingml/2006/main" xmlns:r="http://schemas.openxmlformats.org/officeDocument/2006/relationships" xmlns:p="http://schemas.openxmlformats.org/presentationml/2006/main">
-  <p:cSld>
-    <p:spTree>
-      <p:nvGrpSpPr>
-        <p:cNvPr id="1" name="">
-          <a:extLst>
-            <a:ext uri="{FF2B5EF4-FFF2-40B4-BE49-F238E27FC236}">
-              <a16:creationId xmlns:a16="http://schemas.microsoft.com/office/drawing/2014/main" id="{D67F9A5F-EA38-B909-CB71-06C5141C6233}"/>
-            </a:ext>
-          </a:extLst>
-        </p:cNvPr>
-        <p:cNvGrpSpPr/>
-        <p:nvPr/>
-      </p:nvGrpSpPr>
-      <p:grpSpPr>
-        <a:xfrm>
-          <a:off x="0" y="0"/>
-          <a:ext cx="0" cy="0"/>
-          <a:chOff x="0" y="0"/>
-          <a:chExt cx="0" cy="0"/>
-        </a:xfrm>
-      </p:grpSpPr>
-      <p:cxnSp>
-        <p:nvCxnSpPr>
-          <p:cNvPr id="4" name="直線コネクタ 3">
-            <a:extLst>
-              <a:ext uri="{FF2B5EF4-FFF2-40B4-BE49-F238E27FC236}">
-                <a16:creationId xmlns:a16="http://schemas.microsoft.com/office/drawing/2014/main" id="{45EF8F97-1725-EB81-70FC-BE6CE30B0F17}"/>
-              </a:ext>
-            </a:extLst>
-          </p:cNvPr>
-          <p:cNvCxnSpPr/>
-          <p:nvPr/>
-        </p:nvCxnSpPr>
-        <p:spPr>
-          <a:xfrm>
-            <a:off x="228600" y="755374"/>
-            <a:ext cx="11936896" cy="0"/>
-          </a:xfrm>
-          <a:prstGeom prst="line">
-            <a:avLst/>
-          </a:prstGeom>
-        </p:spPr>
-        <p:style>
-          <a:lnRef idx="2">
-            <a:schemeClr val="accent1"/>
-          </a:lnRef>
-          <a:fillRef idx="0">
-            <a:schemeClr val="accent1"/>
-          </a:fillRef>
-          <a:effectRef idx="1">
-            <a:schemeClr val="accent1"/>
-          </a:effectRef>
-          <a:fontRef idx="minor">
-            <a:schemeClr val="tx1"/>
-          </a:fontRef>
-        </p:style>
-      </p:cxnSp>
-      <p:sp>
-        <p:nvSpPr>
-          <p:cNvPr id="5" name="テキスト ボックス 4">
-            <a:extLst>
-              <a:ext uri="{FF2B5EF4-FFF2-40B4-BE49-F238E27FC236}">
-                <a16:creationId xmlns:a16="http://schemas.microsoft.com/office/drawing/2014/main" id="{462E6617-0187-0E9A-2D30-978B81F58C84}"/>
-              </a:ext>
-            </a:extLst>
-          </p:cNvPr>
-          <p:cNvSpPr txBox="1"/>
-          <p:nvPr/>
-        </p:nvSpPr>
-        <p:spPr>
-          <a:xfrm>
-            <a:off x="407504" y="198783"/>
-            <a:ext cx="3796748" cy="369332"/>
-          </a:xfrm>
-          <a:prstGeom prst="rect">
-            <a:avLst/>
-          </a:prstGeom>
-          <a:noFill/>
-        </p:spPr>
-        <p:txBody>
-          <a:bodyPr wrap="square" rtlCol="0">
-            <a:spAutoFit/>
-          </a:bodyPr>
-          <a:lstStyle/>
-          <a:p>
-            <a:r>
-              <a:rPr kumimoji="1" lang="ja-JP" altLang="en-US" dirty="0"/>
-              <a:t>管理機能</a:t>
-            </a:r>
-          </a:p>
-        </p:txBody>
-      </p:sp>
-      <p:sp>
-        <p:nvSpPr>
-          <p:cNvPr id="12" name="テキスト ボックス 11">
-            <a:extLst>
-              <a:ext uri="{FF2B5EF4-FFF2-40B4-BE49-F238E27FC236}">
-                <a16:creationId xmlns:a16="http://schemas.microsoft.com/office/drawing/2014/main" id="{6CE07053-07AA-8E69-8714-0078AE200A66}"/>
-              </a:ext>
-            </a:extLst>
-          </p:cNvPr>
-          <p:cNvSpPr txBox="1"/>
-          <p:nvPr/>
-        </p:nvSpPr>
-        <p:spPr>
-          <a:xfrm>
-            <a:off x="407504" y="1093304"/>
-            <a:ext cx="11261035" cy="5632311"/>
-          </a:xfrm>
-          <a:prstGeom prst="rect">
-            <a:avLst/>
-          </a:prstGeom>
-          <a:noFill/>
-        </p:spPr>
-        <p:txBody>
-          <a:bodyPr wrap="square" rtlCol="0">
-            <a:spAutoFit/>
-          </a:bodyPr>
-          <a:lstStyle/>
-          <a:p>
-            <a:pPr marL="285750" indent="-285750">
-              <a:buFont typeface="Wingdings" panose="05000000000000000000" pitchFamily="2" charset="2"/>
-              <a:buChar char="ü"/>
-            </a:pPr>
-            <a:r>
-              <a:rPr kumimoji="1" lang="ja-JP" altLang="en-US" dirty="0"/>
-              <a:t>ルート権限者＝</a:t>
-            </a:r>
-            <a:r>
-              <a:rPr kumimoji="1" lang="en-US" altLang="ja-JP" dirty="0" err="1"/>
-              <a:t>xserver</a:t>
-            </a:r>
-            <a:r>
-              <a:rPr kumimoji="1" lang="ja-JP" altLang="en-US" dirty="0"/>
-              <a:t>の契約者＝１名のみ</a:t>
-            </a:r>
-            <a:endParaRPr kumimoji="1" lang="en-US" altLang="ja-JP" dirty="0"/>
-          </a:p>
-          <a:p>
-            <a:pPr marL="800100" lvl="1" indent="-342900">
-              <a:buFont typeface="+mj-lt"/>
-              <a:buAutoNum type="arabicPeriod"/>
-            </a:pPr>
-            <a:r>
-              <a:rPr lang="en-US" altLang="ja-JP" dirty="0"/>
-              <a:t>DB</a:t>
-            </a:r>
-            <a:r>
-              <a:rPr lang="ja-JP" altLang="en-US" dirty="0"/>
-              <a:t>を直接調査できる権限</a:t>
-            </a:r>
-            <a:endParaRPr lang="en-US" altLang="ja-JP" dirty="0"/>
-          </a:p>
-          <a:p>
-            <a:pPr marL="800100" lvl="1" indent="-342900">
-              <a:buFont typeface="+mj-lt"/>
-              <a:buAutoNum type="arabicPeriod"/>
-            </a:pPr>
-            <a:r>
-              <a:rPr kumimoji="1" lang="ja-JP" altLang="en-US" dirty="0"/>
-              <a:t>入出力用のインターフェースは無し</a:t>
-            </a:r>
-            <a:r>
-              <a:rPr kumimoji="1" lang="en-US" altLang="ja-JP" dirty="0"/>
-              <a:t>=</a:t>
-            </a:r>
-            <a:r>
-              <a:rPr kumimoji="1" lang="en-US" altLang="ja-JP" dirty="0" err="1"/>
-              <a:t>xserver</a:t>
-            </a:r>
-            <a:r>
-              <a:rPr kumimoji="1" lang="ja-JP" altLang="en-US" dirty="0"/>
-              <a:t>の管理画面を利用</a:t>
-            </a:r>
-            <a:endParaRPr kumimoji="1" lang="en-US" altLang="ja-JP" dirty="0"/>
-          </a:p>
-          <a:p>
-            <a:pPr marL="800100" lvl="1" indent="-342900">
-              <a:buFont typeface="+mj-lt"/>
-              <a:buAutoNum type="arabicPeriod"/>
-            </a:pPr>
-            <a:r>
-              <a:rPr kumimoji="1" lang="ja-JP" altLang="en-US" dirty="0"/>
-              <a:t>スーパーバイザーを登録／変更／削除</a:t>
-            </a:r>
-            <a:endParaRPr kumimoji="1" lang="en-US" altLang="ja-JP" dirty="0"/>
-          </a:p>
-          <a:p>
-            <a:pPr marL="800100" lvl="1" indent="-342900">
-              <a:buFont typeface="+mj-lt"/>
-              <a:buAutoNum type="arabicPeriod"/>
-            </a:pPr>
-            <a:r>
-              <a:rPr kumimoji="1" lang="ja-JP" altLang="en-US" dirty="0"/>
-              <a:t>スーパーバイザーパスワードの強制リセット</a:t>
-            </a:r>
-            <a:endParaRPr kumimoji="1" lang="en-US" altLang="ja-JP" dirty="0"/>
-          </a:p>
-          <a:p>
-            <a:pPr marL="285750" indent="-285750">
-              <a:buFont typeface="Wingdings" panose="05000000000000000000" pitchFamily="2" charset="2"/>
-              <a:buChar char="ü"/>
-            </a:pPr>
-            <a:r>
-              <a:rPr kumimoji="1" lang="ja-JP" altLang="en-US" dirty="0"/>
-              <a:t>全体の管理者（スーパーバイザー）の定義</a:t>
-            </a:r>
-            <a:endParaRPr kumimoji="1" lang="en-US" altLang="ja-JP" dirty="0"/>
-          </a:p>
-          <a:p>
-            <a:pPr marL="800100" lvl="1" indent="-342900">
-              <a:buFont typeface="+mj-lt"/>
-              <a:buAutoNum type="arabicPeriod"/>
-            </a:pPr>
-            <a:r>
-              <a:rPr kumimoji="1" lang="ja-JP" altLang="en-US" dirty="0"/>
-              <a:t>スーパーバイザーは複数可能</a:t>
-            </a:r>
-            <a:endParaRPr kumimoji="1" lang="en-US" altLang="ja-JP" dirty="0"/>
-          </a:p>
-          <a:p>
-            <a:pPr marL="800100" lvl="1" indent="-342900">
-              <a:buFont typeface="+mj-lt"/>
-              <a:buAutoNum type="arabicPeriod"/>
-            </a:pPr>
-            <a:r>
-              <a:rPr kumimoji="1" lang="ja-JP" altLang="en-US" dirty="0"/>
-              <a:t>ルート権限者が登録できる</a:t>
-            </a:r>
-            <a:endParaRPr kumimoji="1" lang="en-US" altLang="ja-JP" dirty="0"/>
-          </a:p>
-          <a:p>
-            <a:pPr marL="800100" lvl="1" indent="-342900">
-              <a:buFont typeface="+mj-lt"/>
-              <a:buAutoNum type="arabicPeriod"/>
-            </a:pPr>
-            <a:r>
-              <a:rPr kumimoji="1" lang="ja-JP" altLang="en-US" dirty="0"/>
-              <a:t>スーパーバイザーは</a:t>
-            </a:r>
-            <a:r>
-              <a:rPr lang="en-US" altLang="ja-JP" dirty="0"/>
-              <a:t>SQL</a:t>
-            </a:r>
-            <a:r>
-              <a:rPr lang="ja-JP" altLang="en-US" dirty="0"/>
-              <a:t>を利用した</a:t>
-            </a:r>
-            <a:r>
-              <a:rPr lang="en-US" altLang="ja-JP" dirty="0"/>
-              <a:t>DB</a:t>
-            </a:r>
-            <a:r>
-              <a:rPr lang="ja-JP" altLang="en-US" dirty="0"/>
-              <a:t>管理はできない</a:t>
-            </a:r>
-            <a:endParaRPr lang="en-US" altLang="ja-JP" dirty="0"/>
-          </a:p>
-          <a:p>
-            <a:pPr marL="800100" lvl="1" indent="-342900">
-              <a:buFont typeface="+mj-lt"/>
-              <a:buAutoNum type="arabicPeriod"/>
-            </a:pPr>
-            <a:r>
-              <a:rPr kumimoji="1" lang="ja-JP" altLang="en-US" dirty="0"/>
-              <a:t>スーパーバイザーパスワードは自身で変更できる</a:t>
-            </a:r>
-            <a:endParaRPr kumimoji="1" lang="en-US" altLang="ja-JP" dirty="0"/>
-          </a:p>
-          <a:p>
-            <a:pPr marL="285750" indent="-285750">
-              <a:buFont typeface="Wingdings" panose="05000000000000000000" pitchFamily="2" charset="2"/>
-              <a:buChar char="ü"/>
-            </a:pPr>
-            <a:r>
-              <a:rPr kumimoji="1" lang="ja-JP" altLang="en-US" dirty="0"/>
-              <a:t>スーパーバイザーの権限</a:t>
-            </a:r>
-            <a:endParaRPr kumimoji="1" lang="en-US" altLang="ja-JP" dirty="0"/>
-          </a:p>
-          <a:p>
-            <a:pPr marL="800100" lvl="1" indent="-342900">
-              <a:buFont typeface="+mj-lt"/>
-              <a:buAutoNum type="arabicPeriod"/>
-            </a:pPr>
-            <a:r>
-              <a:rPr kumimoji="1" lang="ja-JP" altLang="en-US" dirty="0"/>
-              <a:t>博物館の登録／削除</a:t>
-            </a:r>
-            <a:endParaRPr kumimoji="1" lang="en-US" altLang="ja-JP" dirty="0"/>
-          </a:p>
-          <a:p>
-            <a:pPr marL="800100" lvl="1" indent="-342900">
-              <a:buFont typeface="+mj-lt"/>
-              <a:buAutoNum type="arabicPeriod"/>
-            </a:pPr>
-            <a:r>
-              <a:rPr kumimoji="1" lang="ja-JP" altLang="en-US" dirty="0"/>
-              <a:t>博物館の管理者の登録／削除</a:t>
-            </a:r>
-            <a:endParaRPr kumimoji="1" lang="en-US" altLang="ja-JP" dirty="0"/>
-          </a:p>
-          <a:p>
-            <a:pPr marL="285750" indent="-285750">
-              <a:buFont typeface="Wingdings" panose="05000000000000000000" pitchFamily="2" charset="2"/>
-              <a:buChar char="ü"/>
-            </a:pPr>
-            <a:r>
-              <a:rPr kumimoji="1" lang="ja-JP" altLang="en-US" dirty="0"/>
-              <a:t>博物館の管理者の権限</a:t>
-            </a:r>
-            <a:endParaRPr kumimoji="1" lang="en-US" altLang="ja-JP" dirty="0"/>
-          </a:p>
-          <a:p>
-            <a:pPr marL="800100" lvl="1" indent="-342900">
-              <a:buFont typeface="+mj-lt"/>
-              <a:buAutoNum type="arabicPeriod"/>
-            </a:pPr>
-            <a:r>
-              <a:rPr kumimoji="1" lang="ja-JP" altLang="en-US" dirty="0"/>
-              <a:t>展示物の登録（本展示システムから番号が提供される）</a:t>
-            </a:r>
-            <a:endParaRPr kumimoji="1" lang="en-US" altLang="ja-JP" dirty="0"/>
-          </a:p>
-          <a:p>
-            <a:pPr marL="800100" lvl="1" indent="-342900">
-              <a:buFont typeface="+mj-lt"/>
-              <a:buAutoNum type="arabicPeriod"/>
-            </a:pPr>
-            <a:r>
-              <a:rPr kumimoji="1" lang="ja-JP" altLang="en-US" dirty="0"/>
-              <a:t>以下上記番号に対して以下の情報を付加できる</a:t>
-            </a:r>
-            <a:endParaRPr kumimoji="1" lang="en-US" altLang="ja-JP" dirty="0"/>
-          </a:p>
-          <a:p>
-            <a:pPr marL="1257300" lvl="2" indent="-342900">
-              <a:buFont typeface="Arial" panose="020B0604020202020204" pitchFamily="34" charset="0"/>
-              <a:buChar char="•"/>
-            </a:pPr>
-            <a:r>
-              <a:rPr kumimoji="1" lang="ja-JP" altLang="en-US" dirty="0"/>
-              <a:t>画像／音声／文字</a:t>
-            </a:r>
-            <a:endParaRPr kumimoji="1" lang="en-US" altLang="ja-JP" dirty="0"/>
-          </a:p>
-          <a:p>
-            <a:pPr marL="1257300" lvl="2" indent="-342900">
-              <a:buFont typeface="Arial" panose="020B0604020202020204" pitchFamily="34" charset="0"/>
-              <a:buChar char="•"/>
-            </a:pPr>
-            <a:r>
-              <a:rPr kumimoji="1" lang="ja-JP" altLang="en-US" dirty="0"/>
-              <a:t>音声／文字は多国語対応</a:t>
-            </a:r>
-            <a:endParaRPr kumimoji="1" lang="en-US" altLang="ja-JP" dirty="0"/>
-          </a:p>
-          <a:p>
-            <a:pPr marL="800100" lvl="1" indent="-342900">
-              <a:buFont typeface="+mj-lt"/>
-              <a:buAutoNum type="arabicPeriod"/>
-            </a:pPr>
-            <a:r>
-              <a:rPr kumimoji="1" lang="ja-JP" altLang="en-US" dirty="0"/>
-              <a:t>登録展示物の削除</a:t>
-            </a:r>
-            <a:endParaRPr kumimoji="1" lang="en-US" altLang="ja-JP" dirty="0"/>
-          </a:p>
-          <a:p>
-            <a:pPr marL="342900" indent="-342900">
-              <a:buFont typeface="Wingdings" panose="05000000000000000000" pitchFamily="2" charset="2"/>
-              <a:buChar char="ü"/>
-            </a:pPr>
-            <a:r>
-              <a:rPr kumimoji="1" lang="ja-JP" altLang="en-US" dirty="0"/>
-              <a:t>管理画面は</a:t>
-            </a:r>
-            <a:r>
-              <a:rPr kumimoji="1" lang="en-US" altLang="ja-JP" dirty="0"/>
-              <a:t>PC</a:t>
-            </a:r>
-            <a:r>
-              <a:rPr kumimoji="1" lang="ja-JP" altLang="en-US" dirty="0"/>
-              <a:t>前提とする</a:t>
-            </a:r>
-            <a:endParaRPr kumimoji="1" lang="en-US" altLang="ja-JP" dirty="0"/>
-          </a:p>
-        </p:txBody>
-      </p:sp>
-    </p:spTree>
-    <p:extLst>
-      <p:ext uri="{BB962C8B-B14F-4D97-AF65-F5344CB8AC3E}">
-        <p14:creationId xmlns:p14="http://schemas.microsoft.com/office/powerpoint/2010/main" val="331511944"/>
-      </p:ext>
-    </p:extLst>
-  </p:cSld>
-  <p:clrMapOvr>
-    <a:masterClrMapping/>
-  </p:clrMapOvr>
-</p:sld>
-</file>
-
-<file path=ppt/slides/slide50.xml><?xml version="1.0" encoding="utf-8"?>
+<file path=ppt/slides/slide51.xml><?xml version="1.0" encoding="utf-8"?>
 <p:sld xmlns:a="http://schemas.openxmlformats.org/drawingml/2006/main" xmlns:r="http://schemas.openxmlformats.org/officeDocument/2006/relationships" xmlns:p="http://schemas.openxmlformats.org/presentationml/2006/main">
   <p:cSld>
     <p:spTree>
@@ -17691,7 +17916,7 @@
 </p:sld>
 </file>
 
-<file path=ppt/slides/slide51.xml><?xml version="1.0" encoding="utf-8"?>
+<file path=ppt/slides/slide52.xml><?xml version="1.0" encoding="utf-8"?>
 <p:sld xmlns:a="http://schemas.openxmlformats.org/drawingml/2006/main" xmlns:r="http://schemas.openxmlformats.org/officeDocument/2006/relationships" xmlns:p="http://schemas.openxmlformats.org/presentationml/2006/main">
   <p:cSld>
     <p:spTree>
@@ -18366,7 +18591,7 @@
 </p:sld>
 </file>
 
-<file path=ppt/slides/slide52.xml><?xml version="1.0" encoding="utf-8"?>
+<file path=ppt/slides/slide53.xml><?xml version="1.0" encoding="utf-8"?>
 <p:sld xmlns:a="http://schemas.openxmlformats.org/drawingml/2006/main" xmlns:r="http://schemas.openxmlformats.org/officeDocument/2006/relationships" xmlns:p="http://schemas.openxmlformats.org/presentationml/2006/main">
   <p:cSld>
     <p:spTree>
@@ -18923,7 +19148,7 @@
 </p:sld>
 </file>
 
-<file path=ppt/slides/slide53.xml><?xml version="1.0" encoding="utf-8"?>
+<file path=ppt/slides/slide54.xml><?xml version="1.0" encoding="utf-8"?>
 <p:sld xmlns:a="http://schemas.openxmlformats.org/drawingml/2006/main" xmlns:r="http://schemas.openxmlformats.org/officeDocument/2006/relationships" xmlns:p="http://schemas.openxmlformats.org/presentationml/2006/main">
   <p:cSld>
     <p:spTree>

--- a/展示物アプリ仕様.pptx
+++ b/展示物アプリ仕様.pptx
@@ -36,29 +36,31 @@
     <p:sldId id="316" r:id="rId30"/>
     <p:sldId id="317" r:id="rId31"/>
     <p:sldId id="318" r:id="rId32"/>
-    <p:sldId id="330" r:id="rId33"/>
-    <p:sldId id="319" r:id="rId34"/>
-    <p:sldId id="322" r:id="rId35"/>
-    <p:sldId id="323" r:id="rId36"/>
-    <p:sldId id="324" r:id="rId37"/>
-    <p:sldId id="325" r:id="rId38"/>
-    <p:sldId id="328" r:id="rId39"/>
-    <p:sldId id="329" r:id="rId40"/>
-    <p:sldId id="321" r:id="rId41"/>
-    <p:sldId id="326" r:id="rId42"/>
-    <p:sldId id="327" r:id="rId43"/>
-    <p:sldId id="302" r:id="rId44"/>
-    <p:sldId id="268" r:id="rId45"/>
-    <p:sldId id="273" r:id="rId46"/>
-    <p:sldId id="276" r:id="rId47"/>
-    <p:sldId id="277" r:id="rId48"/>
-    <p:sldId id="284" r:id="rId49"/>
-    <p:sldId id="278" r:id="rId50"/>
-    <p:sldId id="279" r:id="rId51"/>
-    <p:sldId id="280" r:id="rId52"/>
-    <p:sldId id="281" r:id="rId53"/>
-    <p:sldId id="282" r:id="rId54"/>
-    <p:sldId id="283" r:id="rId55"/>
+    <p:sldId id="331" r:id="rId33"/>
+    <p:sldId id="332" r:id="rId34"/>
+    <p:sldId id="319" r:id="rId35"/>
+    <p:sldId id="330" r:id="rId36"/>
+    <p:sldId id="322" r:id="rId37"/>
+    <p:sldId id="323" r:id="rId38"/>
+    <p:sldId id="324" r:id="rId39"/>
+    <p:sldId id="325" r:id="rId40"/>
+    <p:sldId id="328" r:id="rId41"/>
+    <p:sldId id="329" r:id="rId42"/>
+    <p:sldId id="321" r:id="rId43"/>
+    <p:sldId id="326" r:id="rId44"/>
+    <p:sldId id="327" r:id="rId45"/>
+    <p:sldId id="302" r:id="rId46"/>
+    <p:sldId id="268" r:id="rId47"/>
+    <p:sldId id="273" r:id="rId48"/>
+    <p:sldId id="276" r:id="rId49"/>
+    <p:sldId id="277" r:id="rId50"/>
+    <p:sldId id="284" r:id="rId51"/>
+    <p:sldId id="278" r:id="rId52"/>
+    <p:sldId id="279" r:id="rId53"/>
+    <p:sldId id="280" r:id="rId54"/>
+    <p:sldId id="281" r:id="rId55"/>
+    <p:sldId id="282" r:id="rId56"/>
+    <p:sldId id="283" r:id="rId57"/>
   </p:sldIdLst>
   <p:sldSz cx="12192000" cy="6858000"/>
   <p:notesSz cx="7099300" cy="10234613"/>
@@ -312,7 +314,7 @@
           <a:p>
             <a:fld id="{082150A6-655A-40A4-943B-9A709E30A878}" type="datetimeFigureOut">
               <a:rPr kumimoji="1" lang="ja-JP" altLang="en-US" smtClean="0"/>
-              <a:t>2026/2/4</a:t>
+              <a:t>2026/2/8</a:t>
             </a:fld>
             <a:endParaRPr kumimoji="1" lang="ja-JP" altLang="en-US"/>
           </a:p>
@@ -542,7 +544,7 @@
           <a:p>
             <a:fld id="{082150A6-655A-40A4-943B-9A709E30A878}" type="datetimeFigureOut">
               <a:rPr kumimoji="1" lang="ja-JP" altLang="en-US" smtClean="0"/>
-              <a:t>2026/2/4</a:t>
+              <a:t>2026/2/8</a:t>
             </a:fld>
             <a:endParaRPr kumimoji="1" lang="ja-JP" altLang="en-US"/>
           </a:p>
@@ -782,7 +784,7 @@
           <a:p>
             <a:fld id="{082150A6-655A-40A4-943B-9A709E30A878}" type="datetimeFigureOut">
               <a:rPr kumimoji="1" lang="ja-JP" altLang="en-US" smtClean="0"/>
-              <a:t>2026/2/4</a:t>
+              <a:t>2026/2/8</a:t>
             </a:fld>
             <a:endParaRPr kumimoji="1" lang="ja-JP" altLang="en-US"/>
           </a:p>
@@ -1012,7 +1014,7 @@
           <a:p>
             <a:fld id="{082150A6-655A-40A4-943B-9A709E30A878}" type="datetimeFigureOut">
               <a:rPr kumimoji="1" lang="ja-JP" altLang="en-US" smtClean="0"/>
-              <a:t>2026/2/4</a:t>
+              <a:t>2026/2/8</a:t>
             </a:fld>
             <a:endParaRPr kumimoji="1" lang="ja-JP" altLang="en-US"/>
           </a:p>
@@ -1287,7 +1289,7 @@
           <a:p>
             <a:fld id="{082150A6-655A-40A4-943B-9A709E30A878}" type="datetimeFigureOut">
               <a:rPr kumimoji="1" lang="ja-JP" altLang="en-US" smtClean="0"/>
-              <a:t>2026/2/4</a:t>
+              <a:t>2026/2/8</a:t>
             </a:fld>
             <a:endParaRPr kumimoji="1" lang="ja-JP" altLang="en-US"/>
           </a:p>
@@ -1616,7 +1618,7 @@
           <a:p>
             <a:fld id="{082150A6-655A-40A4-943B-9A709E30A878}" type="datetimeFigureOut">
               <a:rPr kumimoji="1" lang="ja-JP" altLang="en-US" smtClean="0"/>
-              <a:t>2026/2/4</a:t>
+              <a:t>2026/2/8</a:t>
             </a:fld>
             <a:endParaRPr kumimoji="1" lang="ja-JP" altLang="en-US"/>
           </a:p>
@@ -2092,7 +2094,7 @@
           <a:p>
             <a:fld id="{082150A6-655A-40A4-943B-9A709E30A878}" type="datetimeFigureOut">
               <a:rPr kumimoji="1" lang="ja-JP" altLang="en-US" smtClean="0"/>
-              <a:t>2026/2/4</a:t>
+              <a:t>2026/2/8</a:t>
             </a:fld>
             <a:endParaRPr kumimoji="1" lang="ja-JP" altLang="en-US"/>
           </a:p>
@@ -2233,7 +2235,7 @@
           <a:p>
             <a:fld id="{082150A6-655A-40A4-943B-9A709E30A878}" type="datetimeFigureOut">
               <a:rPr kumimoji="1" lang="ja-JP" altLang="en-US" smtClean="0"/>
-              <a:t>2026/2/4</a:t>
+              <a:t>2026/2/8</a:t>
             </a:fld>
             <a:endParaRPr kumimoji="1" lang="ja-JP" altLang="en-US"/>
           </a:p>
@@ -2346,7 +2348,7 @@
           <a:p>
             <a:fld id="{082150A6-655A-40A4-943B-9A709E30A878}" type="datetimeFigureOut">
               <a:rPr kumimoji="1" lang="ja-JP" altLang="en-US" smtClean="0"/>
-              <a:t>2026/2/4</a:t>
+              <a:t>2026/2/8</a:t>
             </a:fld>
             <a:endParaRPr kumimoji="1" lang="ja-JP" altLang="en-US"/>
           </a:p>
@@ -2689,7 +2691,7 @@
           <a:p>
             <a:fld id="{082150A6-655A-40A4-943B-9A709E30A878}" type="datetimeFigureOut">
               <a:rPr kumimoji="1" lang="ja-JP" altLang="en-US" smtClean="0"/>
-              <a:t>2026/2/4</a:t>
+              <a:t>2026/2/8</a:t>
             </a:fld>
             <a:endParaRPr kumimoji="1" lang="ja-JP" altLang="en-US"/>
           </a:p>
@@ -2977,7 +2979,7 @@
           <a:p>
             <a:fld id="{082150A6-655A-40A4-943B-9A709E30A878}" type="datetimeFigureOut">
               <a:rPr kumimoji="1" lang="ja-JP" altLang="en-US" smtClean="0"/>
-              <a:t>2026/2/4</a:t>
+              <a:t>2026/2/8</a:t>
             </a:fld>
             <a:endParaRPr kumimoji="1" lang="ja-JP" altLang="en-US"/>
           </a:p>
@@ -3250,7 +3252,7 @@
           <a:p>
             <a:fld id="{082150A6-655A-40A4-943B-9A709E30A878}" type="datetimeFigureOut">
               <a:rPr kumimoji="1" lang="ja-JP" altLang="en-US" smtClean="0"/>
-              <a:t>2026/2/4</a:t>
+              <a:t>2026/2/8</a:t>
             </a:fld>
             <a:endParaRPr kumimoji="1" lang="ja-JP" altLang="en-US"/>
           </a:p>
@@ -8802,8 +8804,8 @@
         </p:blipFill>
         <p:spPr>
           <a:xfrm>
-            <a:off x="1166077" y="1242391"/>
-            <a:ext cx="4078777" cy="1282147"/>
+            <a:off x="407502" y="1243975"/>
+            <a:ext cx="8531935" cy="2681979"/>
           </a:xfrm>
           <a:prstGeom prst="rect">
             <a:avLst/>
@@ -8824,8 +8826,8 @@
         </p:nvSpPr>
         <p:spPr>
           <a:xfrm>
-            <a:off x="1166077" y="1739348"/>
-            <a:ext cx="1351722" cy="685799"/>
+            <a:off x="487016" y="2315820"/>
+            <a:ext cx="2484783" cy="1520684"/>
           </a:xfrm>
           <a:prstGeom prst="ellipse">
             <a:avLst/>
@@ -8866,36 +8868,41 @@
           </a:p>
         </p:txBody>
       </p:sp>
-      <p:pic>
-        <p:nvPicPr>
-          <p:cNvPr id="7" name="図 6" descr="グラフィカル ユーザー インターフェイス, テキスト, アプリケーション, メール&#10;&#10;AI 生成コンテンツは誤りを含む可能性があります。">
-            <a:extLst>
-              <a:ext uri="{FF2B5EF4-FFF2-40B4-BE49-F238E27FC236}">
-                <a16:creationId xmlns:a16="http://schemas.microsoft.com/office/drawing/2014/main" id="{AA340546-A605-216F-5F4E-CA5E23F00D6F}"/>
-              </a:ext>
-            </a:extLst>
-          </p:cNvPr>
-          <p:cNvPicPr>
-            <a:picLocks noChangeAspect="1"/>
-          </p:cNvPicPr>
-          <p:nvPr/>
-        </p:nvPicPr>
-        <p:blipFill>
-          <a:blip r:embed="rId3"/>
-          <a:stretch>
-            <a:fillRect/>
-          </a:stretch>
-        </p:blipFill>
-        <p:spPr>
-          <a:xfrm>
-            <a:off x="5953539" y="261789"/>
-            <a:ext cx="4850650" cy="6596212"/>
-          </a:xfrm>
-          <a:prstGeom prst="rect">
-            <a:avLst/>
-          </a:prstGeom>
-        </p:spPr>
-      </p:pic>
+      <p:sp>
+        <p:nvSpPr>
+          <p:cNvPr id="11" name="テキスト ボックス 10">
+            <a:extLst>
+              <a:ext uri="{FF2B5EF4-FFF2-40B4-BE49-F238E27FC236}">
+                <a16:creationId xmlns:a16="http://schemas.microsoft.com/office/drawing/2014/main" id="{4DA95BF0-3B75-8198-43ED-4C502865F90B}"/>
+              </a:ext>
+            </a:extLst>
+          </p:cNvPr>
+          <p:cNvSpPr txBox="1"/>
+          <p:nvPr/>
+        </p:nvSpPr>
+        <p:spPr>
+          <a:xfrm>
+            <a:off x="834887" y="4721087"/>
+            <a:ext cx="9511748" cy="369332"/>
+          </a:xfrm>
+          <a:prstGeom prst="rect">
+            <a:avLst/>
+          </a:prstGeom>
+          <a:noFill/>
+        </p:spPr>
+        <p:txBody>
+          <a:bodyPr wrap="square" rtlCol="0">
+            <a:spAutoFit/>
+          </a:bodyPr>
+          <a:lstStyle/>
+          <a:p>
+            <a:r>
+              <a:rPr kumimoji="1" lang="ja-JP" altLang="en-US" dirty="0"/>
+              <a:t>博物館の名称や住所などの基本情報を登録する</a:t>
+            </a:r>
+          </a:p>
+        </p:txBody>
+      </p:sp>
     </p:spTree>
     <p:extLst>
       <p:ext uri="{BB962C8B-B14F-4D97-AF65-F5344CB8AC3E}">
@@ -8917,7 +8924,7 @@
         <p:cNvPr id="1" name="">
           <a:extLst>
             <a:ext uri="{FF2B5EF4-FFF2-40B4-BE49-F238E27FC236}">
-              <a16:creationId xmlns:a16="http://schemas.microsoft.com/office/drawing/2014/main" id="{01E1BADA-D835-02E6-ED90-18FB1C474177}"/>
+              <a16:creationId xmlns:a16="http://schemas.microsoft.com/office/drawing/2014/main" id="{55CE6EB0-5627-4CF0-0034-B345DBC72255}"/>
             </a:ext>
           </a:extLst>
         </p:cNvPr>
@@ -8937,7 +8944,7 @@
           <p:cNvPr id="4" name="直線コネクタ 3">
             <a:extLst>
               <a:ext uri="{FF2B5EF4-FFF2-40B4-BE49-F238E27FC236}">
-                <a16:creationId xmlns:a16="http://schemas.microsoft.com/office/drawing/2014/main" id="{877DCC81-53ED-66FA-A435-FA2BAA1038CD}"/>
+                <a16:creationId xmlns:a16="http://schemas.microsoft.com/office/drawing/2014/main" id="{AB92BD38-977F-8C89-52D8-B0C92DF5CEEC}"/>
               </a:ext>
             </a:extLst>
           </p:cNvPr>
@@ -8973,7 +8980,7 @@
           <p:cNvPr id="5" name="テキスト ボックス 4">
             <a:extLst>
               <a:ext uri="{FF2B5EF4-FFF2-40B4-BE49-F238E27FC236}">
-                <a16:creationId xmlns:a16="http://schemas.microsoft.com/office/drawing/2014/main" id="{CD3DDEB1-39D4-81AF-DFDD-2FE930051460}"/>
+                <a16:creationId xmlns:a16="http://schemas.microsoft.com/office/drawing/2014/main" id="{B2542730-E4B4-9EDF-6EEA-BAB96BD4589E}"/>
               </a:ext>
             </a:extLst>
           </p:cNvPr>
@@ -8998,7 +9005,7 @@
           <a:p>
             <a:r>
               <a:rPr lang="ja-JP" altLang="en-US" dirty="0"/>
-              <a:t>展示物の管理</a:t>
+              <a:t>基本情報の編集</a:t>
             </a:r>
             <a:endParaRPr kumimoji="1" lang="ja-JP" altLang="en-US" dirty="0"/>
           </a:p>
@@ -9006,10 +9013,10 @@
       </p:sp>
       <p:pic>
         <p:nvPicPr>
-          <p:cNvPr id="2" name="図 1" descr="テキスト&#10;&#10;AI 生成コンテンツは誤りを含む可能性があります。">
-            <a:extLst>
-              <a:ext uri="{FF2B5EF4-FFF2-40B4-BE49-F238E27FC236}">
-                <a16:creationId xmlns:a16="http://schemas.microsoft.com/office/drawing/2014/main" id="{B3B82338-9311-C7B9-755E-08E2383082A9}"/>
+          <p:cNvPr id="10" name="図 9">
+            <a:extLst>
+              <a:ext uri="{FF2B5EF4-FFF2-40B4-BE49-F238E27FC236}">
+                <a16:creationId xmlns:a16="http://schemas.microsoft.com/office/drawing/2014/main" id="{9CE91660-7BE8-5F38-EBE3-EC5E8E38BBD6}"/>
               </a:ext>
             </a:extLst>
           </p:cNvPr>
@@ -9026,8 +9033,8 @@
         </p:blipFill>
         <p:spPr>
           <a:xfrm>
-            <a:off x="1166077" y="1242391"/>
-            <a:ext cx="4078777" cy="1282147"/>
+            <a:off x="228600" y="954158"/>
+            <a:ext cx="5422062" cy="5903842"/>
           </a:xfrm>
           <a:prstGeom prst="rect">
             <a:avLst/>
@@ -9036,10 +9043,10 @@
       </p:pic>
       <p:sp>
         <p:nvSpPr>
-          <p:cNvPr id="3" name="楕円 2">
-            <a:extLst>
-              <a:ext uri="{FF2B5EF4-FFF2-40B4-BE49-F238E27FC236}">
-                <a16:creationId xmlns:a16="http://schemas.microsoft.com/office/drawing/2014/main" id="{5334C5FD-19DD-E495-6A10-8F6C0D087F37}"/>
+          <p:cNvPr id="6" name="楕円 5">
+            <a:extLst>
+              <a:ext uri="{FF2B5EF4-FFF2-40B4-BE49-F238E27FC236}">
+                <a16:creationId xmlns:a16="http://schemas.microsoft.com/office/drawing/2014/main" id="{46158393-AA0C-4578-0BAF-64E1D76A77EF}"/>
               </a:ext>
             </a:extLst>
           </p:cNvPr>
@@ -9048,8 +9055,8 @@
         </p:nvSpPr>
         <p:spPr>
           <a:xfrm>
-            <a:off x="2544417" y="1719470"/>
-            <a:ext cx="1351722" cy="685799"/>
+            <a:off x="4744278" y="1143003"/>
+            <a:ext cx="1000540" cy="655979"/>
           </a:xfrm>
           <a:prstGeom prst="ellipse">
             <a:avLst/>
@@ -9090,40 +9097,308 @@
           </a:p>
         </p:txBody>
       </p:sp>
-      <p:pic>
-        <p:nvPicPr>
-          <p:cNvPr id="9" name="図 8" descr="グラフィカル ユーザー インターフェイス, アプリケーション&#10;&#10;AI 生成コンテンツは誤りを含む可能性があります。">
-            <a:extLst>
-              <a:ext uri="{FF2B5EF4-FFF2-40B4-BE49-F238E27FC236}">
-                <a16:creationId xmlns:a16="http://schemas.microsoft.com/office/drawing/2014/main" id="{7BF818E0-170E-7B82-ADA0-A82DF0F61938}"/>
-              </a:ext>
-            </a:extLst>
-          </p:cNvPr>
-          <p:cNvPicPr>
-            <a:picLocks noChangeAspect="1"/>
-          </p:cNvPicPr>
-          <p:nvPr/>
-        </p:nvPicPr>
-        <p:blipFill>
-          <a:blip r:embed="rId3"/>
-          <a:stretch>
-            <a:fillRect/>
-          </a:stretch>
-        </p:blipFill>
-        <p:spPr>
-          <a:xfrm>
-            <a:off x="1508616" y="3011554"/>
-            <a:ext cx="8159042" cy="3647663"/>
-          </a:xfrm>
-          <a:prstGeom prst="rect">
-            <a:avLst/>
-          </a:prstGeom>
-        </p:spPr>
-      </p:pic>
+      <p:sp>
+        <p:nvSpPr>
+          <p:cNvPr id="7" name="吹き出し: 四角形 6">
+            <a:extLst>
+              <a:ext uri="{FF2B5EF4-FFF2-40B4-BE49-F238E27FC236}">
+                <a16:creationId xmlns:a16="http://schemas.microsoft.com/office/drawing/2014/main" id="{DE628E78-761A-1A62-2EBA-4B93D68FD81C}"/>
+              </a:ext>
+            </a:extLst>
+          </p:cNvPr>
+          <p:cNvSpPr/>
+          <p:nvPr/>
+        </p:nvSpPr>
+        <p:spPr>
+          <a:xfrm>
+            <a:off x="6288158" y="874646"/>
+            <a:ext cx="1364972" cy="655977"/>
+          </a:xfrm>
+          <a:prstGeom prst="wedgeRectCallout">
+            <a:avLst>
+              <a:gd name="adj1" fmla="val -90049"/>
+              <a:gd name="adj2" fmla="val 34890"/>
+            </a:avLst>
+          </a:prstGeom>
+          <a:noFill/>
+          <a:ln>
+            <a:solidFill>
+              <a:schemeClr val="tx1"/>
+            </a:solidFill>
+          </a:ln>
+        </p:spPr>
+        <p:style>
+          <a:lnRef idx="2">
+            <a:schemeClr val="accent1">
+              <a:shade val="15000"/>
+            </a:schemeClr>
+          </a:lnRef>
+          <a:fillRef idx="1">
+            <a:schemeClr val="accent1"/>
+          </a:fillRef>
+          <a:effectRef idx="0">
+            <a:schemeClr val="accent1"/>
+          </a:effectRef>
+          <a:fontRef idx="minor">
+            <a:schemeClr val="lt1"/>
+          </a:fontRef>
+        </p:style>
+        <p:txBody>
+          <a:bodyPr rtlCol="0" anchor="ctr"/>
+          <a:lstStyle/>
+          <a:p>
+            <a:pPr algn="ctr"/>
+            <a:r>
+              <a:rPr kumimoji="1" lang="ja-JP" altLang="en-US" sz="1200" dirty="0">
+                <a:solidFill>
+                  <a:schemeClr val="tx1"/>
+                </a:solidFill>
+              </a:rPr>
+              <a:t>住所から緯度経度に変換を行う</a:t>
+            </a:r>
+          </a:p>
+        </p:txBody>
+      </p:sp>
+      <p:sp>
+        <p:nvSpPr>
+          <p:cNvPr id="8" name="吹き出し: 四角形 7">
+            <a:extLst>
+              <a:ext uri="{FF2B5EF4-FFF2-40B4-BE49-F238E27FC236}">
+                <a16:creationId xmlns:a16="http://schemas.microsoft.com/office/drawing/2014/main" id="{84D81FAC-0C0F-4B1E-82B0-0FCF21FC8455}"/>
+              </a:ext>
+            </a:extLst>
+          </p:cNvPr>
+          <p:cNvSpPr/>
+          <p:nvPr/>
+        </p:nvSpPr>
+        <p:spPr>
+          <a:xfrm>
+            <a:off x="6095999" y="3250102"/>
+            <a:ext cx="2580861" cy="655977"/>
+          </a:xfrm>
+          <a:prstGeom prst="wedgeRectCallout">
+            <a:avLst>
+              <a:gd name="adj1" fmla="val -73489"/>
+              <a:gd name="adj2" fmla="val 47011"/>
+            </a:avLst>
+          </a:prstGeom>
+          <a:noFill/>
+          <a:ln>
+            <a:solidFill>
+              <a:schemeClr val="tx1"/>
+            </a:solidFill>
+          </a:ln>
+        </p:spPr>
+        <p:style>
+          <a:lnRef idx="2">
+            <a:schemeClr val="accent1">
+              <a:shade val="15000"/>
+            </a:schemeClr>
+          </a:lnRef>
+          <a:fillRef idx="1">
+            <a:schemeClr val="accent1"/>
+          </a:fillRef>
+          <a:effectRef idx="0">
+            <a:schemeClr val="accent1"/>
+          </a:effectRef>
+          <a:fontRef idx="minor">
+            <a:schemeClr val="lt1"/>
+          </a:fontRef>
+        </p:style>
+        <p:txBody>
+          <a:bodyPr rtlCol="0" anchor="ctr"/>
+          <a:lstStyle/>
+          <a:p>
+            <a:pPr algn="ctr"/>
+            <a:r>
+              <a:rPr kumimoji="1" lang="ja-JP" altLang="en-US" sz="1200" dirty="0">
+                <a:solidFill>
+                  <a:schemeClr val="tx1"/>
+                </a:solidFill>
+              </a:rPr>
+              <a:t>日本語から英語、中国語に変換</a:t>
+            </a:r>
+          </a:p>
+        </p:txBody>
+      </p:sp>
+      <p:sp>
+        <p:nvSpPr>
+          <p:cNvPr id="9" name="楕円 8">
+            <a:extLst>
+              <a:ext uri="{FF2B5EF4-FFF2-40B4-BE49-F238E27FC236}">
+                <a16:creationId xmlns:a16="http://schemas.microsoft.com/office/drawing/2014/main" id="{0CD23E81-F298-A944-72B9-802C0D2D47A3}"/>
+              </a:ext>
+            </a:extLst>
+          </p:cNvPr>
+          <p:cNvSpPr/>
+          <p:nvPr/>
+        </p:nvSpPr>
+        <p:spPr>
+          <a:xfrm>
+            <a:off x="4468600" y="3578089"/>
+            <a:ext cx="1000540" cy="655979"/>
+          </a:xfrm>
+          <a:prstGeom prst="ellipse">
+            <a:avLst/>
+          </a:prstGeom>
+          <a:noFill/>
+          <a:ln>
+            <a:solidFill>
+              <a:srgbClr val="FF0000"/>
+            </a:solidFill>
+          </a:ln>
+        </p:spPr>
+        <p:style>
+          <a:lnRef idx="2">
+            <a:schemeClr val="accent1">
+              <a:shade val="15000"/>
+            </a:schemeClr>
+          </a:lnRef>
+          <a:fillRef idx="1">
+            <a:schemeClr val="accent1"/>
+          </a:fillRef>
+          <a:effectRef idx="0">
+            <a:schemeClr val="accent1"/>
+          </a:effectRef>
+          <a:fontRef idx="minor">
+            <a:schemeClr val="lt1"/>
+          </a:fontRef>
+        </p:style>
+        <p:txBody>
+          <a:bodyPr rtlCol="0" anchor="ctr"/>
+          <a:lstStyle/>
+          <a:p>
+            <a:pPr algn="ctr"/>
+            <a:endParaRPr kumimoji="1" lang="ja-JP" altLang="en-US" sz="1200" dirty="0">
+              <a:solidFill>
+                <a:schemeClr val="tx1"/>
+              </a:solidFill>
+            </a:endParaRPr>
+          </a:p>
+        </p:txBody>
+      </p:sp>
+      <p:sp>
+        <p:nvSpPr>
+          <p:cNvPr id="11" name="楕円 10">
+            <a:extLst>
+              <a:ext uri="{FF2B5EF4-FFF2-40B4-BE49-F238E27FC236}">
+                <a16:creationId xmlns:a16="http://schemas.microsoft.com/office/drawing/2014/main" id="{BB8326C9-0F16-3FB3-2E9E-C58C430BE8BE}"/>
+              </a:ext>
+            </a:extLst>
+          </p:cNvPr>
+          <p:cNvSpPr/>
+          <p:nvPr/>
+        </p:nvSpPr>
+        <p:spPr>
+          <a:xfrm>
+            <a:off x="407503" y="6102626"/>
+            <a:ext cx="1000540" cy="655979"/>
+          </a:xfrm>
+          <a:prstGeom prst="ellipse">
+            <a:avLst/>
+          </a:prstGeom>
+          <a:noFill/>
+          <a:ln>
+            <a:solidFill>
+              <a:srgbClr val="FF0000"/>
+            </a:solidFill>
+          </a:ln>
+        </p:spPr>
+        <p:style>
+          <a:lnRef idx="2">
+            <a:schemeClr val="accent1">
+              <a:shade val="15000"/>
+            </a:schemeClr>
+          </a:lnRef>
+          <a:fillRef idx="1">
+            <a:schemeClr val="accent1"/>
+          </a:fillRef>
+          <a:effectRef idx="0">
+            <a:schemeClr val="accent1"/>
+          </a:effectRef>
+          <a:fontRef idx="minor">
+            <a:schemeClr val="lt1"/>
+          </a:fontRef>
+        </p:style>
+        <p:txBody>
+          <a:bodyPr rtlCol="0" anchor="ctr"/>
+          <a:lstStyle/>
+          <a:p>
+            <a:pPr algn="ctr"/>
+            <a:endParaRPr kumimoji="1" lang="ja-JP" altLang="en-US" sz="1200" dirty="0">
+              <a:solidFill>
+                <a:schemeClr val="tx1"/>
+              </a:solidFill>
+            </a:endParaRPr>
+          </a:p>
+        </p:txBody>
+      </p:sp>
+      <p:sp>
+        <p:nvSpPr>
+          <p:cNvPr id="12" name="吹き出し: 四角形 11">
+            <a:extLst>
+              <a:ext uri="{FF2B5EF4-FFF2-40B4-BE49-F238E27FC236}">
+                <a16:creationId xmlns:a16="http://schemas.microsoft.com/office/drawing/2014/main" id="{43DBD95F-A8CF-FC19-9DFB-9B18A54BA70B}"/>
+              </a:ext>
+            </a:extLst>
+          </p:cNvPr>
+          <p:cNvSpPr/>
+          <p:nvPr/>
+        </p:nvSpPr>
+        <p:spPr>
+          <a:xfrm>
+            <a:off x="2098119" y="5774638"/>
+            <a:ext cx="2580861" cy="655977"/>
+          </a:xfrm>
+          <a:prstGeom prst="wedgeRectCallout">
+            <a:avLst>
+              <a:gd name="adj1" fmla="val -73489"/>
+              <a:gd name="adj2" fmla="val 47011"/>
+            </a:avLst>
+          </a:prstGeom>
+          <a:noFill/>
+          <a:ln>
+            <a:solidFill>
+              <a:schemeClr val="tx1"/>
+            </a:solidFill>
+          </a:ln>
+        </p:spPr>
+        <p:style>
+          <a:lnRef idx="2">
+            <a:schemeClr val="accent1">
+              <a:shade val="15000"/>
+            </a:schemeClr>
+          </a:lnRef>
+          <a:fillRef idx="1">
+            <a:schemeClr val="accent1"/>
+          </a:fillRef>
+          <a:effectRef idx="0">
+            <a:schemeClr val="accent1"/>
+          </a:effectRef>
+          <a:fontRef idx="minor">
+            <a:schemeClr val="lt1"/>
+          </a:fontRef>
+        </p:style>
+        <p:txBody>
+          <a:bodyPr rtlCol="0" anchor="ctr"/>
+          <a:lstStyle/>
+          <a:p>
+            <a:pPr algn="ctr"/>
+            <a:r>
+              <a:rPr kumimoji="1" lang="ja-JP" altLang="en-US" sz="1200" dirty="0">
+                <a:solidFill>
+                  <a:schemeClr val="tx1"/>
+                </a:solidFill>
+              </a:rPr>
+              <a:t>保存</a:t>
+            </a:r>
+          </a:p>
+        </p:txBody>
+      </p:sp>
     </p:spTree>
     <p:extLst>
       <p:ext uri="{BB962C8B-B14F-4D97-AF65-F5344CB8AC3E}">
-        <p14:creationId xmlns:p14="http://schemas.microsoft.com/office/powerpoint/2010/main" val="3465869160"/>
+        <p14:creationId xmlns:p14="http://schemas.microsoft.com/office/powerpoint/2010/main" val="1644077409"/>
       </p:ext>
     </p:extLst>
   </p:cSld>
@@ -9134,6 +9409,235 @@
 </file>
 
 <file path=ppt/slides/slide33.xml><?xml version="1.0" encoding="utf-8"?>
+<p:sld xmlns:a="http://schemas.openxmlformats.org/drawingml/2006/main" xmlns:r="http://schemas.openxmlformats.org/officeDocument/2006/relationships" xmlns:p="http://schemas.openxmlformats.org/presentationml/2006/main">
+  <p:cSld>
+    <p:spTree>
+      <p:nvGrpSpPr>
+        <p:cNvPr id="1" name="">
+          <a:extLst>
+            <a:ext uri="{FF2B5EF4-FFF2-40B4-BE49-F238E27FC236}">
+              <a16:creationId xmlns:a16="http://schemas.microsoft.com/office/drawing/2014/main" id="{E18487E5-F282-76EF-3D1E-75248E92EA8D}"/>
+            </a:ext>
+          </a:extLst>
+        </p:cNvPr>
+        <p:cNvGrpSpPr/>
+        <p:nvPr/>
+      </p:nvGrpSpPr>
+      <p:grpSpPr>
+        <a:xfrm>
+          <a:off x="0" y="0"/>
+          <a:ext cx="0" cy="0"/>
+          <a:chOff x="0" y="0"/>
+          <a:chExt cx="0" cy="0"/>
+        </a:xfrm>
+      </p:grpSpPr>
+      <p:cxnSp>
+        <p:nvCxnSpPr>
+          <p:cNvPr id="4" name="直線コネクタ 3">
+            <a:extLst>
+              <a:ext uri="{FF2B5EF4-FFF2-40B4-BE49-F238E27FC236}">
+                <a16:creationId xmlns:a16="http://schemas.microsoft.com/office/drawing/2014/main" id="{B37F6F70-C6B9-7630-978F-784381DF6CF1}"/>
+              </a:ext>
+            </a:extLst>
+          </p:cNvPr>
+          <p:cNvCxnSpPr/>
+          <p:nvPr/>
+        </p:nvCxnSpPr>
+        <p:spPr>
+          <a:xfrm>
+            <a:off x="228600" y="755374"/>
+            <a:ext cx="11936896" cy="0"/>
+          </a:xfrm>
+          <a:prstGeom prst="line">
+            <a:avLst/>
+          </a:prstGeom>
+        </p:spPr>
+        <p:style>
+          <a:lnRef idx="2">
+            <a:schemeClr val="accent1"/>
+          </a:lnRef>
+          <a:fillRef idx="0">
+            <a:schemeClr val="accent1"/>
+          </a:fillRef>
+          <a:effectRef idx="1">
+            <a:schemeClr val="accent1"/>
+          </a:effectRef>
+          <a:fontRef idx="minor">
+            <a:schemeClr val="tx1"/>
+          </a:fontRef>
+        </p:style>
+      </p:cxnSp>
+      <p:sp>
+        <p:nvSpPr>
+          <p:cNvPr id="5" name="テキスト ボックス 4">
+            <a:extLst>
+              <a:ext uri="{FF2B5EF4-FFF2-40B4-BE49-F238E27FC236}">
+                <a16:creationId xmlns:a16="http://schemas.microsoft.com/office/drawing/2014/main" id="{B8196F7D-AE5E-FE9B-1FA1-B08F19628702}"/>
+              </a:ext>
+            </a:extLst>
+          </p:cNvPr>
+          <p:cNvSpPr txBox="1"/>
+          <p:nvPr/>
+        </p:nvSpPr>
+        <p:spPr>
+          <a:xfrm>
+            <a:off x="407503" y="198783"/>
+            <a:ext cx="11449879" cy="369332"/>
+          </a:xfrm>
+          <a:prstGeom prst="rect">
+            <a:avLst/>
+          </a:prstGeom>
+          <a:noFill/>
+        </p:spPr>
+        <p:txBody>
+          <a:bodyPr wrap="square" rtlCol="0">
+            <a:spAutoFit/>
+          </a:bodyPr>
+          <a:lstStyle/>
+          <a:p>
+            <a:r>
+              <a:rPr lang="ja-JP" altLang="en-US" dirty="0"/>
+              <a:t>展示物の管理</a:t>
+            </a:r>
+            <a:endParaRPr kumimoji="1" lang="ja-JP" altLang="en-US" dirty="0"/>
+          </a:p>
+        </p:txBody>
+      </p:sp>
+      <p:pic>
+        <p:nvPicPr>
+          <p:cNvPr id="2" name="図 1" descr="テキスト&#10;&#10;AI 生成コンテンツは誤りを含む可能性があります。">
+            <a:extLst>
+              <a:ext uri="{FF2B5EF4-FFF2-40B4-BE49-F238E27FC236}">
+                <a16:creationId xmlns:a16="http://schemas.microsoft.com/office/drawing/2014/main" id="{61AECE20-13A1-84C3-21F4-EF2AF22B4135}"/>
+              </a:ext>
+            </a:extLst>
+          </p:cNvPr>
+          <p:cNvPicPr>
+            <a:picLocks noChangeAspect="1"/>
+          </p:cNvPicPr>
+          <p:nvPr/>
+        </p:nvPicPr>
+        <p:blipFill>
+          <a:blip r:embed="rId2"/>
+          <a:stretch>
+            <a:fillRect/>
+          </a:stretch>
+        </p:blipFill>
+        <p:spPr>
+          <a:xfrm>
+            <a:off x="407502" y="1243975"/>
+            <a:ext cx="8531935" cy="2681979"/>
+          </a:xfrm>
+          <a:prstGeom prst="rect">
+            <a:avLst/>
+          </a:prstGeom>
+        </p:spPr>
+      </p:pic>
+      <p:sp>
+        <p:nvSpPr>
+          <p:cNvPr id="3" name="楕円 2">
+            <a:extLst>
+              <a:ext uri="{FF2B5EF4-FFF2-40B4-BE49-F238E27FC236}">
+                <a16:creationId xmlns:a16="http://schemas.microsoft.com/office/drawing/2014/main" id="{839A2966-3F03-4599-AB6B-F55E12E14FE8}"/>
+              </a:ext>
+            </a:extLst>
+          </p:cNvPr>
+          <p:cNvSpPr/>
+          <p:nvPr/>
+        </p:nvSpPr>
+        <p:spPr>
+          <a:xfrm>
+            <a:off x="3279912" y="2405270"/>
+            <a:ext cx="2484783" cy="1520684"/>
+          </a:xfrm>
+          <a:prstGeom prst="ellipse">
+            <a:avLst/>
+          </a:prstGeom>
+          <a:noFill/>
+          <a:ln>
+            <a:solidFill>
+              <a:srgbClr val="FF0000"/>
+            </a:solidFill>
+          </a:ln>
+        </p:spPr>
+        <p:style>
+          <a:lnRef idx="2">
+            <a:schemeClr val="accent1">
+              <a:shade val="15000"/>
+            </a:schemeClr>
+          </a:lnRef>
+          <a:fillRef idx="1">
+            <a:schemeClr val="accent1"/>
+          </a:fillRef>
+          <a:effectRef idx="0">
+            <a:schemeClr val="accent1"/>
+          </a:effectRef>
+          <a:fontRef idx="minor">
+            <a:schemeClr val="lt1"/>
+          </a:fontRef>
+        </p:style>
+        <p:txBody>
+          <a:bodyPr rtlCol="0" anchor="ctr"/>
+          <a:lstStyle/>
+          <a:p>
+            <a:pPr algn="ctr"/>
+            <a:endParaRPr kumimoji="1" lang="ja-JP" altLang="en-US" sz="1200" dirty="0">
+              <a:solidFill>
+                <a:schemeClr val="tx1"/>
+              </a:solidFill>
+            </a:endParaRPr>
+          </a:p>
+        </p:txBody>
+      </p:sp>
+      <p:sp>
+        <p:nvSpPr>
+          <p:cNvPr id="11" name="テキスト ボックス 10">
+            <a:extLst>
+              <a:ext uri="{FF2B5EF4-FFF2-40B4-BE49-F238E27FC236}">
+                <a16:creationId xmlns:a16="http://schemas.microsoft.com/office/drawing/2014/main" id="{275B5143-E491-0CB2-D906-02BE21A47137}"/>
+              </a:ext>
+            </a:extLst>
+          </p:cNvPr>
+          <p:cNvSpPr txBox="1"/>
+          <p:nvPr/>
+        </p:nvSpPr>
+        <p:spPr>
+          <a:xfrm>
+            <a:off x="834887" y="4721087"/>
+            <a:ext cx="9511748" cy="369332"/>
+          </a:xfrm>
+          <a:prstGeom prst="rect">
+            <a:avLst/>
+          </a:prstGeom>
+          <a:noFill/>
+        </p:spPr>
+        <p:txBody>
+          <a:bodyPr wrap="square" rtlCol="0">
+            <a:spAutoFit/>
+          </a:bodyPr>
+          <a:lstStyle/>
+          <a:p>
+            <a:r>
+              <a:rPr kumimoji="1" lang="ja-JP" altLang="en-US" dirty="0"/>
+              <a:t>展示物の説明や追加削除を行う</a:t>
+            </a:r>
+          </a:p>
+        </p:txBody>
+      </p:sp>
+    </p:spTree>
+    <p:extLst>
+      <p:ext uri="{BB962C8B-B14F-4D97-AF65-F5344CB8AC3E}">
+        <p14:creationId xmlns:p14="http://schemas.microsoft.com/office/powerpoint/2010/main" val="672069391"/>
+      </p:ext>
+    </p:extLst>
+  </p:cSld>
+  <p:clrMapOvr>
+    <a:masterClrMapping/>
+  </p:clrMapOvr>
+</p:sld>
+</file>
+
+<file path=ppt/slides/slide34.xml><?xml version="1.0" encoding="utf-8"?>
 <p:sld xmlns:a="http://schemas.openxmlformats.org/drawingml/2006/main" xmlns:r="http://schemas.openxmlformats.org/officeDocument/2006/relationships" xmlns:p="http://schemas.openxmlformats.org/presentationml/2006/main">
   <p:cSld>
     <p:spTree>
@@ -9156,36 +9660,6 @@
           <a:chExt cx="0" cy="0"/>
         </a:xfrm>
       </p:grpSpPr>
-      <p:pic>
-        <p:nvPicPr>
-          <p:cNvPr id="6" name="図 5">
-            <a:extLst>
-              <a:ext uri="{FF2B5EF4-FFF2-40B4-BE49-F238E27FC236}">
-                <a16:creationId xmlns:a16="http://schemas.microsoft.com/office/drawing/2014/main" id="{67E01BCD-5C2D-07EF-4B00-22C8D98E578F}"/>
-              </a:ext>
-            </a:extLst>
-          </p:cNvPr>
-          <p:cNvPicPr>
-            <a:picLocks noChangeAspect="1"/>
-          </p:cNvPicPr>
-          <p:nvPr/>
-        </p:nvPicPr>
-        <p:blipFill>
-          <a:blip r:embed="rId2"/>
-          <a:stretch>
-            <a:fillRect/>
-          </a:stretch>
-        </p:blipFill>
-        <p:spPr>
-          <a:xfrm>
-            <a:off x="248521" y="962512"/>
-            <a:ext cx="3647618" cy="1629033"/>
-          </a:xfrm>
-          <a:prstGeom prst="rect">
-            <a:avLst/>
-          </a:prstGeom>
-        </p:spPr>
-      </p:pic>
       <p:cxnSp>
         <p:nvCxnSpPr>
           <p:cNvPr id="4" name="直線コネクタ 3">
@@ -9257,92 +9731,6 @@
           </a:p>
         </p:txBody>
       </p:sp>
-      <p:sp>
-        <p:nvSpPr>
-          <p:cNvPr id="3" name="楕円 2">
-            <a:extLst>
-              <a:ext uri="{FF2B5EF4-FFF2-40B4-BE49-F238E27FC236}">
-                <a16:creationId xmlns:a16="http://schemas.microsoft.com/office/drawing/2014/main" id="{7B33E6B9-162F-A34B-1A61-E808830C3C20}"/>
-              </a:ext>
-            </a:extLst>
-          </p:cNvPr>
-          <p:cNvSpPr/>
-          <p:nvPr/>
-        </p:nvSpPr>
-        <p:spPr>
-          <a:xfrm>
-            <a:off x="2713382" y="942634"/>
-            <a:ext cx="1351722" cy="299757"/>
-          </a:xfrm>
-          <a:prstGeom prst="ellipse">
-            <a:avLst/>
-          </a:prstGeom>
-          <a:noFill/>
-          <a:ln>
-            <a:solidFill>
-              <a:srgbClr val="FF0000"/>
-            </a:solidFill>
-          </a:ln>
-        </p:spPr>
-        <p:style>
-          <a:lnRef idx="2">
-            <a:schemeClr val="accent1">
-              <a:shade val="15000"/>
-            </a:schemeClr>
-          </a:lnRef>
-          <a:fillRef idx="1">
-            <a:schemeClr val="accent1"/>
-          </a:fillRef>
-          <a:effectRef idx="0">
-            <a:schemeClr val="accent1"/>
-          </a:effectRef>
-          <a:fontRef idx="minor">
-            <a:schemeClr val="lt1"/>
-          </a:fontRef>
-        </p:style>
-        <p:txBody>
-          <a:bodyPr rtlCol="0" anchor="ctr"/>
-          <a:lstStyle/>
-          <a:p>
-            <a:pPr algn="ctr"/>
-            <a:endParaRPr kumimoji="1" lang="ja-JP" altLang="en-US" sz="1200" dirty="0">
-              <a:solidFill>
-                <a:schemeClr val="tx1"/>
-              </a:solidFill>
-            </a:endParaRPr>
-          </a:p>
-        </p:txBody>
-      </p:sp>
-      <p:pic>
-        <p:nvPicPr>
-          <p:cNvPr id="8" name="図 7" descr="グラフィカル ユーザー インターフェイス, テキスト, アプリケーション&#10;&#10;AI 生成コンテンツは誤りを含む可能性があります。">
-            <a:extLst>
-              <a:ext uri="{FF2B5EF4-FFF2-40B4-BE49-F238E27FC236}">
-                <a16:creationId xmlns:a16="http://schemas.microsoft.com/office/drawing/2014/main" id="{07641C7F-590F-9919-3527-80098D84A777}"/>
-              </a:ext>
-            </a:extLst>
-          </p:cNvPr>
-          <p:cNvPicPr>
-            <a:picLocks noChangeAspect="1"/>
-          </p:cNvPicPr>
-          <p:nvPr/>
-        </p:nvPicPr>
-        <p:blipFill>
-          <a:blip r:embed="rId3"/>
-          <a:stretch>
-            <a:fillRect/>
-          </a:stretch>
-        </p:blipFill>
-        <p:spPr>
-          <a:xfrm>
-            <a:off x="5637928" y="942633"/>
-            <a:ext cx="4977939" cy="5615609"/>
-          </a:xfrm>
-          <a:prstGeom prst="rect">
-            <a:avLst/>
-          </a:prstGeom>
-        </p:spPr>
-      </p:pic>
     </p:spTree>
     <p:extLst>
       <p:ext uri="{BB962C8B-B14F-4D97-AF65-F5344CB8AC3E}">
@@ -9356,7 +9744,200 @@
 </p:sld>
 </file>
 
-<file path=ppt/slides/slide34.xml><?xml version="1.0" encoding="utf-8"?>
+<file path=ppt/slides/slide35.xml><?xml version="1.0" encoding="utf-8"?>
+<p:sld xmlns:a="http://schemas.openxmlformats.org/drawingml/2006/main" xmlns:r="http://schemas.openxmlformats.org/officeDocument/2006/relationships" xmlns:p="http://schemas.openxmlformats.org/presentationml/2006/main">
+  <p:cSld>
+    <p:spTree>
+      <p:nvGrpSpPr>
+        <p:cNvPr id="1" name="">
+          <a:extLst>
+            <a:ext uri="{FF2B5EF4-FFF2-40B4-BE49-F238E27FC236}">
+              <a16:creationId xmlns:a16="http://schemas.microsoft.com/office/drawing/2014/main" id="{D0373DB4-381C-DC97-F961-A3AF0316642E}"/>
+            </a:ext>
+          </a:extLst>
+        </p:cNvPr>
+        <p:cNvGrpSpPr/>
+        <p:nvPr/>
+      </p:nvGrpSpPr>
+      <p:grpSpPr>
+        <a:xfrm>
+          <a:off x="0" y="0"/>
+          <a:ext cx="0" cy="0"/>
+          <a:chOff x="0" y="0"/>
+          <a:chExt cx="0" cy="0"/>
+        </a:xfrm>
+      </p:grpSpPr>
+      <p:pic>
+        <p:nvPicPr>
+          <p:cNvPr id="6" name="図 5">
+            <a:extLst>
+              <a:ext uri="{FF2B5EF4-FFF2-40B4-BE49-F238E27FC236}">
+                <a16:creationId xmlns:a16="http://schemas.microsoft.com/office/drawing/2014/main" id="{E0EA9295-3BC4-F6A0-E285-B99901C623A5}"/>
+              </a:ext>
+            </a:extLst>
+          </p:cNvPr>
+          <p:cNvPicPr>
+            <a:picLocks noChangeAspect="1"/>
+          </p:cNvPicPr>
+          <p:nvPr/>
+        </p:nvPicPr>
+        <p:blipFill>
+          <a:blip r:embed="rId2"/>
+          <a:stretch>
+            <a:fillRect/>
+          </a:stretch>
+        </p:blipFill>
+        <p:spPr>
+          <a:xfrm>
+            <a:off x="248521" y="962512"/>
+            <a:ext cx="3647618" cy="1629033"/>
+          </a:xfrm>
+          <a:prstGeom prst="rect">
+            <a:avLst/>
+          </a:prstGeom>
+        </p:spPr>
+      </p:pic>
+      <p:cxnSp>
+        <p:nvCxnSpPr>
+          <p:cNvPr id="4" name="直線コネクタ 3">
+            <a:extLst>
+              <a:ext uri="{FF2B5EF4-FFF2-40B4-BE49-F238E27FC236}">
+                <a16:creationId xmlns:a16="http://schemas.microsoft.com/office/drawing/2014/main" id="{F7F27F1B-D684-EDCA-3942-0C0984B6ECD5}"/>
+              </a:ext>
+            </a:extLst>
+          </p:cNvPr>
+          <p:cNvCxnSpPr/>
+          <p:nvPr/>
+        </p:nvCxnSpPr>
+        <p:spPr>
+          <a:xfrm>
+            <a:off x="228600" y="755374"/>
+            <a:ext cx="11936896" cy="0"/>
+          </a:xfrm>
+          <a:prstGeom prst="line">
+            <a:avLst/>
+          </a:prstGeom>
+        </p:spPr>
+        <p:style>
+          <a:lnRef idx="2">
+            <a:schemeClr val="accent1"/>
+          </a:lnRef>
+          <a:fillRef idx="0">
+            <a:schemeClr val="accent1"/>
+          </a:fillRef>
+          <a:effectRef idx="1">
+            <a:schemeClr val="accent1"/>
+          </a:effectRef>
+          <a:fontRef idx="minor">
+            <a:schemeClr val="tx1"/>
+          </a:fontRef>
+        </p:style>
+      </p:cxnSp>
+      <p:sp>
+        <p:nvSpPr>
+          <p:cNvPr id="5" name="テキスト ボックス 4">
+            <a:extLst>
+              <a:ext uri="{FF2B5EF4-FFF2-40B4-BE49-F238E27FC236}">
+                <a16:creationId xmlns:a16="http://schemas.microsoft.com/office/drawing/2014/main" id="{897913D5-3635-471E-1827-E06D38D66A1E}"/>
+              </a:ext>
+            </a:extLst>
+          </p:cNvPr>
+          <p:cNvSpPr txBox="1"/>
+          <p:nvPr/>
+        </p:nvSpPr>
+        <p:spPr>
+          <a:xfrm>
+            <a:off x="407503" y="198783"/>
+            <a:ext cx="11449879" cy="369332"/>
+          </a:xfrm>
+          <a:prstGeom prst="rect">
+            <a:avLst/>
+          </a:prstGeom>
+          <a:noFill/>
+        </p:spPr>
+        <p:txBody>
+          <a:bodyPr wrap="square" rtlCol="0">
+            <a:spAutoFit/>
+          </a:bodyPr>
+          <a:lstStyle/>
+          <a:p>
+            <a:r>
+              <a:rPr kumimoji="1" lang="ja-JP" altLang="en-US" dirty="0"/>
+              <a:t>新規展示物の登録</a:t>
+            </a:r>
+          </a:p>
+        </p:txBody>
+      </p:sp>
+      <p:sp>
+        <p:nvSpPr>
+          <p:cNvPr id="3" name="楕円 2">
+            <a:extLst>
+              <a:ext uri="{FF2B5EF4-FFF2-40B4-BE49-F238E27FC236}">
+                <a16:creationId xmlns:a16="http://schemas.microsoft.com/office/drawing/2014/main" id="{E6F1739D-A431-5233-E267-B6939A5E00B8}"/>
+              </a:ext>
+            </a:extLst>
+          </p:cNvPr>
+          <p:cNvSpPr/>
+          <p:nvPr/>
+        </p:nvSpPr>
+        <p:spPr>
+          <a:xfrm>
+            <a:off x="2713382" y="942634"/>
+            <a:ext cx="1351722" cy="299757"/>
+          </a:xfrm>
+          <a:prstGeom prst="ellipse">
+            <a:avLst/>
+          </a:prstGeom>
+          <a:noFill/>
+          <a:ln>
+            <a:solidFill>
+              <a:srgbClr val="FF0000"/>
+            </a:solidFill>
+          </a:ln>
+        </p:spPr>
+        <p:style>
+          <a:lnRef idx="2">
+            <a:schemeClr val="accent1">
+              <a:shade val="15000"/>
+            </a:schemeClr>
+          </a:lnRef>
+          <a:fillRef idx="1">
+            <a:schemeClr val="accent1"/>
+          </a:fillRef>
+          <a:effectRef idx="0">
+            <a:schemeClr val="accent1"/>
+          </a:effectRef>
+          <a:fontRef idx="minor">
+            <a:schemeClr val="lt1"/>
+          </a:fontRef>
+        </p:style>
+        <p:txBody>
+          <a:bodyPr rtlCol="0" anchor="ctr"/>
+          <a:lstStyle/>
+          <a:p>
+            <a:pPr algn="ctr"/>
+            <a:endParaRPr kumimoji="1" lang="ja-JP" altLang="en-US" sz="1200" dirty="0">
+              <a:solidFill>
+                <a:schemeClr val="tx1"/>
+              </a:solidFill>
+            </a:endParaRPr>
+          </a:p>
+        </p:txBody>
+      </p:sp>
+    </p:spTree>
+    <p:extLst>
+      <p:ext uri="{BB962C8B-B14F-4D97-AF65-F5344CB8AC3E}">
+        <p14:creationId xmlns:p14="http://schemas.microsoft.com/office/powerpoint/2010/main" val="3156457135"/>
+      </p:ext>
+    </p:extLst>
+  </p:cSld>
+  <p:clrMapOvr>
+    <a:masterClrMapping/>
+  </p:clrMapOvr>
+</p:sld>
+</file>
+
+<file path=ppt/slides/slide36.xml><?xml version="1.0" encoding="utf-8"?>
 <p:sld xmlns:a="http://schemas.openxmlformats.org/drawingml/2006/main" xmlns:r="http://schemas.openxmlformats.org/officeDocument/2006/relationships" xmlns:p="http://schemas.openxmlformats.org/presentationml/2006/main">
   <p:cSld>
     <p:spTree>
@@ -9584,7 +10165,7 @@
 </p:sld>
 </file>
 
-<file path=ppt/slides/slide35.xml><?xml version="1.0" encoding="utf-8"?>
+<file path=ppt/slides/slide37.xml><?xml version="1.0" encoding="utf-8"?>
 <p:sld xmlns:a="http://schemas.openxmlformats.org/drawingml/2006/main" xmlns:r="http://schemas.openxmlformats.org/officeDocument/2006/relationships" xmlns:p="http://schemas.openxmlformats.org/presentationml/2006/main">
   <p:cSld>
     <p:spTree>
@@ -9757,7 +10338,7 @@
 </p:sld>
 </file>
 
-<file path=ppt/slides/slide36.xml><?xml version="1.0" encoding="utf-8"?>
+<file path=ppt/slides/slide38.xml><?xml version="1.0" encoding="utf-8"?>
 <p:sld xmlns:a="http://schemas.openxmlformats.org/drawingml/2006/main" xmlns:r="http://schemas.openxmlformats.org/officeDocument/2006/relationships" xmlns:p="http://schemas.openxmlformats.org/presentationml/2006/main">
   <p:cSld>
     <p:spTree>
@@ -10005,7 +10586,7 @@
 </p:sld>
 </file>
 
-<file path=ppt/slides/slide37.xml><?xml version="1.0" encoding="utf-8"?>
+<file path=ppt/slides/slide39.xml><?xml version="1.0" encoding="utf-8"?>
 <p:sld xmlns:a="http://schemas.openxmlformats.org/drawingml/2006/main" xmlns:r="http://schemas.openxmlformats.org/officeDocument/2006/relationships" xmlns:p="http://schemas.openxmlformats.org/presentationml/2006/main">
   <p:cSld>
     <p:spTree>
@@ -10133,428 +10714,6 @@
     <p:extLst>
       <p:ext uri="{BB962C8B-B14F-4D97-AF65-F5344CB8AC3E}">
         <p14:creationId xmlns:p14="http://schemas.microsoft.com/office/powerpoint/2010/main" val="1949979387"/>
-      </p:ext>
-    </p:extLst>
-  </p:cSld>
-  <p:clrMapOvr>
-    <a:masterClrMapping/>
-  </p:clrMapOvr>
-</p:sld>
-</file>
-
-<file path=ppt/slides/slide38.xml><?xml version="1.0" encoding="utf-8"?>
-<p:sld xmlns:a="http://schemas.openxmlformats.org/drawingml/2006/main" xmlns:r="http://schemas.openxmlformats.org/officeDocument/2006/relationships" xmlns:p="http://schemas.openxmlformats.org/presentationml/2006/main">
-  <p:cSld>
-    <p:spTree>
-      <p:nvGrpSpPr>
-        <p:cNvPr id="1" name="">
-          <a:extLst>
-            <a:ext uri="{FF2B5EF4-FFF2-40B4-BE49-F238E27FC236}">
-              <a16:creationId xmlns:a16="http://schemas.microsoft.com/office/drawing/2014/main" id="{AC5C4B67-4B48-83AB-3639-2C195C584F8C}"/>
-            </a:ext>
-          </a:extLst>
-        </p:cNvPr>
-        <p:cNvGrpSpPr/>
-        <p:nvPr/>
-      </p:nvGrpSpPr>
-      <p:grpSpPr>
-        <a:xfrm>
-          <a:off x="0" y="0"/>
-          <a:ext cx="0" cy="0"/>
-          <a:chOff x="0" y="0"/>
-          <a:chExt cx="0" cy="0"/>
-        </a:xfrm>
-      </p:grpSpPr>
-      <p:cxnSp>
-        <p:nvCxnSpPr>
-          <p:cNvPr id="4" name="直線コネクタ 3">
-            <a:extLst>
-              <a:ext uri="{FF2B5EF4-FFF2-40B4-BE49-F238E27FC236}">
-                <a16:creationId xmlns:a16="http://schemas.microsoft.com/office/drawing/2014/main" id="{DC06991D-23A9-E320-AC46-D5A64EC8A36A}"/>
-              </a:ext>
-            </a:extLst>
-          </p:cNvPr>
-          <p:cNvCxnSpPr/>
-          <p:nvPr/>
-        </p:nvCxnSpPr>
-        <p:spPr>
-          <a:xfrm>
-            <a:off x="228600" y="755374"/>
-            <a:ext cx="11936896" cy="0"/>
-          </a:xfrm>
-          <a:prstGeom prst="line">
-            <a:avLst/>
-          </a:prstGeom>
-        </p:spPr>
-        <p:style>
-          <a:lnRef idx="2">
-            <a:schemeClr val="accent1"/>
-          </a:lnRef>
-          <a:fillRef idx="0">
-            <a:schemeClr val="accent1"/>
-          </a:fillRef>
-          <a:effectRef idx="1">
-            <a:schemeClr val="accent1"/>
-          </a:effectRef>
-          <a:fontRef idx="minor">
-            <a:schemeClr val="tx1"/>
-          </a:fontRef>
-        </p:style>
-      </p:cxnSp>
-      <p:sp>
-        <p:nvSpPr>
-          <p:cNvPr id="5" name="テキスト ボックス 4">
-            <a:extLst>
-              <a:ext uri="{FF2B5EF4-FFF2-40B4-BE49-F238E27FC236}">
-                <a16:creationId xmlns:a16="http://schemas.microsoft.com/office/drawing/2014/main" id="{92337415-9AB0-8859-8D70-21A7548493BB}"/>
-              </a:ext>
-            </a:extLst>
-          </p:cNvPr>
-          <p:cNvSpPr txBox="1"/>
-          <p:nvPr/>
-        </p:nvSpPr>
-        <p:spPr>
-          <a:xfrm>
-            <a:off x="407503" y="198783"/>
-            <a:ext cx="11449879" cy="369332"/>
-          </a:xfrm>
-          <a:prstGeom prst="rect">
-            <a:avLst/>
-          </a:prstGeom>
-          <a:noFill/>
-        </p:spPr>
-        <p:txBody>
-          <a:bodyPr wrap="square" rtlCol="0">
-            <a:spAutoFit/>
-          </a:bodyPr>
-          <a:lstStyle/>
-          <a:p>
-            <a:r>
-              <a:rPr kumimoji="1" lang="ja-JP" altLang="en-US" dirty="0"/>
-              <a:t>展示物の一覧表示：削除</a:t>
-            </a:r>
-          </a:p>
-        </p:txBody>
-      </p:sp>
-      <p:pic>
-        <p:nvPicPr>
-          <p:cNvPr id="8" name="図 7" descr="グラフィカル ユーザー インターフェイス, テキスト, アプリケーション&#10;&#10;AI 生成コンテンツは誤りを含む可能性があります。">
-            <a:extLst>
-              <a:ext uri="{FF2B5EF4-FFF2-40B4-BE49-F238E27FC236}">
-                <a16:creationId xmlns:a16="http://schemas.microsoft.com/office/drawing/2014/main" id="{B1E80ECF-DC27-FB23-4EFE-B1A7BC815E5E}"/>
-              </a:ext>
-            </a:extLst>
-          </p:cNvPr>
-          <p:cNvPicPr>
-            <a:picLocks noChangeAspect="1"/>
-          </p:cNvPicPr>
-          <p:nvPr/>
-        </p:nvPicPr>
-        <p:blipFill>
-          <a:blip r:embed="rId2"/>
-          <a:stretch>
-            <a:fillRect/>
-          </a:stretch>
-        </p:blipFill>
-        <p:spPr>
-          <a:xfrm>
-            <a:off x="600762" y="1248047"/>
-            <a:ext cx="10990476" cy="4361905"/>
-          </a:xfrm>
-          <a:prstGeom prst="rect">
-            <a:avLst/>
-          </a:prstGeom>
-        </p:spPr>
-      </p:pic>
-      <p:sp>
-        <p:nvSpPr>
-          <p:cNvPr id="2" name="楕円 1">
-            <a:extLst>
-              <a:ext uri="{FF2B5EF4-FFF2-40B4-BE49-F238E27FC236}">
-                <a16:creationId xmlns:a16="http://schemas.microsoft.com/office/drawing/2014/main" id="{BAA4C588-8398-C933-978C-AFE6FE01AD6D}"/>
-              </a:ext>
-            </a:extLst>
-          </p:cNvPr>
-          <p:cNvSpPr/>
-          <p:nvPr/>
-        </p:nvSpPr>
-        <p:spPr>
-          <a:xfrm>
-            <a:off x="9044609" y="4502426"/>
-            <a:ext cx="675861" cy="487017"/>
-          </a:xfrm>
-          <a:prstGeom prst="ellipse">
-            <a:avLst/>
-          </a:prstGeom>
-          <a:noFill/>
-          <a:ln>
-            <a:solidFill>
-              <a:srgbClr val="FF0000"/>
-            </a:solidFill>
-          </a:ln>
-        </p:spPr>
-        <p:style>
-          <a:lnRef idx="2">
-            <a:schemeClr val="accent1">
-              <a:shade val="15000"/>
-            </a:schemeClr>
-          </a:lnRef>
-          <a:fillRef idx="1">
-            <a:schemeClr val="accent1"/>
-          </a:fillRef>
-          <a:effectRef idx="0">
-            <a:schemeClr val="accent1"/>
-          </a:effectRef>
-          <a:fontRef idx="minor">
-            <a:schemeClr val="lt1"/>
-          </a:fontRef>
-        </p:style>
-        <p:txBody>
-          <a:bodyPr rtlCol="0" anchor="ctr"/>
-          <a:lstStyle/>
-          <a:p>
-            <a:pPr algn="ctr"/>
-            <a:endParaRPr kumimoji="1" lang="ja-JP" altLang="en-US" sz="1200" dirty="0">
-              <a:solidFill>
-                <a:schemeClr val="tx1"/>
-              </a:solidFill>
-            </a:endParaRPr>
-          </a:p>
-        </p:txBody>
-      </p:sp>
-      <p:sp>
-        <p:nvSpPr>
-          <p:cNvPr id="3" name="テキスト ボックス 2">
-            <a:extLst>
-              <a:ext uri="{FF2B5EF4-FFF2-40B4-BE49-F238E27FC236}">
-                <a16:creationId xmlns:a16="http://schemas.microsoft.com/office/drawing/2014/main" id="{DF8740C3-7ECD-EEF8-07CE-55C22E0D5C47}"/>
-              </a:ext>
-            </a:extLst>
-          </p:cNvPr>
-          <p:cNvSpPr txBox="1"/>
-          <p:nvPr/>
-        </p:nvSpPr>
-        <p:spPr>
-          <a:xfrm>
-            <a:off x="1202635" y="5963478"/>
-            <a:ext cx="8517835" cy="369332"/>
-          </a:xfrm>
-          <a:prstGeom prst="rect">
-            <a:avLst/>
-          </a:prstGeom>
-          <a:noFill/>
-        </p:spPr>
-        <p:txBody>
-          <a:bodyPr wrap="square" rtlCol="0">
-            <a:spAutoFit/>
-          </a:bodyPr>
-          <a:lstStyle/>
-          <a:p>
-            <a:r>
-              <a:rPr kumimoji="1" lang="ja-JP" altLang="en-US" dirty="0"/>
-              <a:t>選択した展示物の削除を行います、削除した展示物はゴミ箱に移動されます</a:t>
-            </a:r>
-          </a:p>
-        </p:txBody>
-      </p:sp>
-    </p:spTree>
-    <p:extLst>
-      <p:ext uri="{BB962C8B-B14F-4D97-AF65-F5344CB8AC3E}">
-        <p14:creationId xmlns:p14="http://schemas.microsoft.com/office/powerpoint/2010/main" val="802693188"/>
-      </p:ext>
-    </p:extLst>
-  </p:cSld>
-  <p:clrMapOvr>
-    <a:masterClrMapping/>
-  </p:clrMapOvr>
-</p:sld>
-</file>
-
-<file path=ppt/slides/slide39.xml><?xml version="1.0" encoding="utf-8"?>
-<p:sld xmlns:a="http://schemas.openxmlformats.org/drawingml/2006/main" xmlns:r="http://schemas.openxmlformats.org/officeDocument/2006/relationships" xmlns:p="http://schemas.openxmlformats.org/presentationml/2006/main">
-  <p:cSld>
-    <p:spTree>
-      <p:nvGrpSpPr>
-        <p:cNvPr id="1" name="">
-          <a:extLst>
-            <a:ext uri="{FF2B5EF4-FFF2-40B4-BE49-F238E27FC236}">
-              <a16:creationId xmlns:a16="http://schemas.microsoft.com/office/drawing/2014/main" id="{27BB6811-A9D4-23F0-0A47-74DC61B6BC54}"/>
-            </a:ext>
-          </a:extLst>
-        </p:cNvPr>
-        <p:cNvGrpSpPr/>
-        <p:nvPr/>
-      </p:nvGrpSpPr>
-      <p:grpSpPr>
-        <a:xfrm>
-          <a:off x="0" y="0"/>
-          <a:ext cx="0" cy="0"/>
-          <a:chOff x="0" y="0"/>
-          <a:chExt cx="0" cy="0"/>
-        </a:xfrm>
-      </p:grpSpPr>
-      <p:cxnSp>
-        <p:nvCxnSpPr>
-          <p:cNvPr id="4" name="直線コネクタ 3">
-            <a:extLst>
-              <a:ext uri="{FF2B5EF4-FFF2-40B4-BE49-F238E27FC236}">
-                <a16:creationId xmlns:a16="http://schemas.microsoft.com/office/drawing/2014/main" id="{5EE880DC-A0A3-0372-CB7B-FEFD60BEBE4B}"/>
-              </a:ext>
-            </a:extLst>
-          </p:cNvPr>
-          <p:cNvCxnSpPr/>
-          <p:nvPr/>
-        </p:nvCxnSpPr>
-        <p:spPr>
-          <a:xfrm>
-            <a:off x="228600" y="755374"/>
-            <a:ext cx="11936896" cy="0"/>
-          </a:xfrm>
-          <a:prstGeom prst="line">
-            <a:avLst/>
-          </a:prstGeom>
-        </p:spPr>
-        <p:style>
-          <a:lnRef idx="2">
-            <a:schemeClr val="accent1"/>
-          </a:lnRef>
-          <a:fillRef idx="0">
-            <a:schemeClr val="accent1"/>
-          </a:fillRef>
-          <a:effectRef idx="1">
-            <a:schemeClr val="accent1"/>
-          </a:effectRef>
-          <a:fontRef idx="minor">
-            <a:schemeClr val="tx1"/>
-          </a:fontRef>
-        </p:style>
-      </p:cxnSp>
-      <p:sp>
-        <p:nvSpPr>
-          <p:cNvPr id="5" name="テキスト ボックス 4">
-            <a:extLst>
-              <a:ext uri="{FF2B5EF4-FFF2-40B4-BE49-F238E27FC236}">
-                <a16:creationId xmlns:a16="http://schemas.microsoft.com/office/drawing/2014/main" id="{357FCAF3-5E07-91F6-EC27-3C628D7CB971}"/>
-              </a:ext>
-            </a:extLst>
-          </p:cNvPr>
-          <p:cNvSpPr txBox="1"/>
-          <p:nvPr/>
-        </p:nvSpPr>
-        <p:spPr>
-          <a:xfrm>
-            <a:off x="407503" y="198783"/>
-            <a:ext cx="11449879" cy="369332"/>
-          </a:xfrm>
-          <a:prstGeom prst="rect">
-            <a:avLst/>
-          </a:prstGeom>
-          <a:noFill/>
-        </p:spPr>
-        <p:txBody>
-          <a:bodyPr wrap="square" rtlCol="0">
-            <a:spAutoFit/>
-          </a:bodyPr>
-          <a:lstStyle/>
-          <a:p>
-            <a:r>
-              <a:rPr kumimoji="1" lang="ja-JP" altLang="en-US" dirty="0"/>
-              <a:t>展示物の一覧表示：ゴミ箱表示</a:t>
-            </a:r>
-          </a:p>
-        </p:txBody>
-      </p:sp>
-      <p:pic>
-        <p:nvPicPr>
-          <p:cNvPr id="7" name="図 6" descr="グラフィカル ユーザー インターフェイス, テキスト, アプリケーション, メール&#10;&#10;AI 生成コンテンツは誤りを含む可能性があります。">
-            <a:extLst>
-              <a:ext uri="{FF2B5EF4-FFF2-40B4-BE49-F238E27FC236}">
-                <a16:creationId xmlns:a16="http://schemas.microsoft.com/office/drawing/2014/main" id="{FDD06B39-DDFA-4C1C-F27E-6B9A060E7F02}"/>
-              </a:ext>
-            </a:extLst>
-          </p:cNvPr>
-          <p:cNvPicPr>
-            <a:picLocks noChangeAspect="1"/>
-          </p:cNvPicPr>
-          <p:nvPr/>
-        </p:nvPicPr>
-        <p:blipFill>
-          <a:blip r:embed="rId2"/>
-          <a:stretch>
-            <a:fillRect/>
-          </a:stretch>
-        </p:blipFill>
-        <p:spPr>
-          <a:xfrm>
-            <a:off x="503833" y="1091205"/>
-            <a:ext cx="10647619" cy="2866667"/>
-          </a:xfrm>
-          <a:prstGeom prst="rect">
-            <a:avLst/>
-          </a:prstGeom>
-        </p:spPr>
-      </p:pic>
-      <p:sp>
-        <p:nvSpPr>
-          <p:cNvPr id="9" name="テキスト ボックス 8">
-            <a:extLst>
-              <a:ext uri="{FF2B5EF4-FFF2-40B4-BE49-F238E27FC236}">
-                <a16:creationId xmlns:a16="http://schemas.microsoft.com/office/drawing/2014/main" id="{BE402A89-D8CB-148B-C4D1-E00130A80AB2}"/>
-              </a:ext>
-            </a:extLst>
-          </p:cNvPr>
-          <p:cNvSpPr txBox="1"/>
-          <p:nvPr/>
-        </p:nvSpPr>
-        <p:spPr>
-          <a:xfrm>
-            <a:off x="854765" y="4581939"/>
-            <a:ext cx="9988826" cy="923330"/>
-          </a:xfrm>
-          <a:prstGeom prst="rect">
-            <a:avLst/>
-          </a:prstGeom>
-          <a:noFill/>
-        </p:spPr>
-        <p:txBody>
-          <a:bodyPr wrap="square" rtlCol="0">
-            <a:spAutoFit/>
-          </a:bodyPr>
-          <a:lstStyle/>
-          <a:p>
-            <a:r>
-              <a:rPr kumimoji="1" lang="ja-JP" altLang="en-US" dirty="0"/>
-              <a:t>ゴミ箱に移動した展示物は</a:t>
-            </a:r>
-            <a:r>
-              <a:rPr kumimoji="1" lang="en-US" altLang="ja-JP" dirty="0"/>
-              <a:t>30</a:t>
-            </a:r>
-            <a:r>
-              <a:rPr kumimoji="1" lang="ja-JP" altLang="en-US" dirty="0"/>
-              <a:t>日で自動削除されます</a:t>
-            </a:r>
-            <a:endParaRPr kumimoji="1" lang="en-US" altLang="ja-JP" dirty="0"/>
-          </a:p>
-          <a:p>
-            <a:r>
-              <a:rPr kumimoji="1" lang="ja-JP" altLang="en-US" dirty="0"/>
-              <a:t>完全削除ボタンを押すと即時削除されます</a:t>
-            </a:r>
-            <a:endParaRPr kumimoji="1" lang="en-US" altLang="ja-JP" dirty="0"/>
-          </a:p>
-          <a:p>
-            <a:r>
-              <a:rPr kumimoji="1" lang="ja-JP" altLang="en-US" dirty="0"/>
-              <a:t>完全に削除される前でしたら、元に戻すボタンで復活できます</a:t>
-            </a:r>
-          </a:p>
-        </p:txBody>
-      </p:sp>
-    </p:spTree>
-    <p:extLst>
-      <p:ext uri="{BB962C8B-B14F-4D97-AF65-F5344CB8AC3E}">
-        <p14:creationId xmlns:p14="http://schemas.microsoft.com/office/powerpoint/2010/main" val="2125539282"/>
       </p:ext>
     </p:extLst>
   </p:cSld>
@@ -11240,6 +11399,428 @@
   <p:cSld>
     <p:spTree>
       <p:nvGrpSpPr>
+        <p:cNvPr id="1" name="">
+          <a:extLst>
+            <a:ext uri="{FF2B5EF4-FFF2-40B4-BE49-F238E27FC236}">
+              <a16:creationId xmlns:a16="http://schemas.microsoft.com/office/drawing/2014/main" id="{AC5C4B67-4B48-83AB-3639-2C195C584F8C}"/>
+            </a:ext>
+          </a:extLst>
+        </p:cNvPr>
+        <p:cNvGrpSpPr/>
+        <p:nvPr/>
+      </p:nvGrpSpPr>
+      <p:grpSpPr>
+        <a:xfrm>
+          <a:off x="0" y="0"/>
+          <a:ext cx="0" cy="0"/>
+          <a:chOff x="0" y="0"/>
+          <a:chExt cx="0" cy="0"/>
+        </a:xfrm>
+      </p:grpSpPr>
+      <p:cxnSp>
+        <p:nvCxnSpPr>
+          <p:cNvPr id="4" name="直線コネクタ 3">
+            <a:extLst>
+              <a:ext uri="{FF2B5EF4-FFF2-40B4-BE49-F238E27FC236}">
+                <a16:creationId xmlns:a16="http://schemas.microsoft.com/office/drawing/2014/main" id="{DC06991D-23A9-E320-AC46-D5A64EC8A36A}"/>
+              </a:ext>
+            </a:extLst>
+          </p:cNvPr>
+          <p:cNvCxnSpPr/>
+          <p:nvPr/>
+        </p:nvCxnSpPr>
+        <p:spPr>
+          <a:xfrm>
+            <a:off x="228600" y="755374"/>
+            <a:ext cx="11936896" cy="0"/>
+          </a:xfrm>
+          <a:prstGeom prst="line">
+            <a:avLst/>
+          </a:prstGeom>
+        </p:spPr>
+        <p:style>
+          <a:lnRef idx="2">
+            <a:schemeClr val="accent1"/>
+          </a:lnRef>
+          <a:fillRef idx="0">
+            <a:schemeClr val="accent1"/>
+          </a:fillRef>
+          <a:effectRef idx="1">
+            <a:schemeClr val="accent1"/>
+          </a:effectRef>
+          <a:fontRef idx="minor">
+            <a:schemeClr val="tx1"/>
+          </a:fontRef>
+        </p:style>
+      </p:cxnSp>
+      <p:sp>
+        <p:nvSpPr>
+          <p:cNvPr id="5" name="テキスト ボックス 4">
+            <a:extLst>
+              <a:ext uri="{FF2B5EF4-FFF2-40B4-BE49-F238E27FC236}">
+                <a16:creationId xmlns:a16="http://schemas.microsoft.com/office/drawing/2014/main" id="{92337415-9AB0-8859-8D70-21A7548493BB}"/>
+              </a:ext>
+            </a:extLst>
+          </p:cNvPr>
+          <p:cNvSpPr txBox="1"/>
+          <p:nvPr/>
+        </p:nvSpPr>
+        <p:spPr>
+          <a:xfrm>
+            <a:off x="407503" y="198783"/>
+            <a:ext cx="11449879" cy="369332"/>
+          </a:xfrm>
+          <a:prstGeom prst="rect">
+            <a:avLst/>
+          </a:prstGeom>
+          <a:noFill/>
+        </p:spPr>
+        <p:txBody>
+          <a:bodyPr wrap="square" rtlCol="0">
+            <a:spAutoFit/>
+          </a:bodyPr>
+          <a:lstStyle/>
+          <a:p>
+            <a:r>
+              <a:rPr kumimoji="1" lang="ja-JP" altLang="en-US" dirty="0"/>
+              <a:t>展示物の一覧表示：削除</a:t>
+            </a:r>
+          </a:p>
+        </p:txBody>
+      </p:sp>
+      <p:pic>
+        <p:nvPicPr>
+          <p:cNvPr id="8" name="図 7" descr="グラフィカル ユーザー インターフェイス, テキスト, アプリケーション&#10;&#10;AI 生成コンテンツは誤りを含む可能性があります。">
+            <a:extLst>
+              <a:ext uri="{FF2B5EF4-FFF2-40B4-BE49-F238E27FC236}">
+                <a16:creationId xmlns:a16="http://schemas.microsoft.com/office/drawing/2014/main" id="{B1E80ECF-DC27-FB23-4EFE-B1A7BC815E5E}"/>
+              </a:ext>
+            </a:extLst>
+          </p:cNvPr>
+          <p:cNvPicPr>
+            <a:picLocks noChangeAspect="1"/>
+          </p:cNvPicPr>
+          <p:nvPr/>
+        </p:nvPicPr>
+        <p:blipFill>
+          <a:blip r:embed="rId2"/>
+          <a:stretch>
+            <a:fillRect/>
+          </a:stretch>
+        </p:blipFill>
+        <p:spPr>
+          <a:xfrm>
+            <a:off x="600762" y="1248047"/>
+            <a:ext cx="10990476" cy="4361905"/>
+          </a:xfrm>
+          <a:prstGeom prst="rect">
+            <a:avLst/>
+          </a:prstGeom>
+        </p:spPr>
+      </p:pic>
+      <p:sp>
+        <p:nvSpPr>
+          <p:cNvPr id="2" name="楕円 1">
+            <a:extLst>
+              <a:ext uri="{FF2B5EF4-FFF2-40B4-BE49-F238E27FC236}">
+                <a16:creationId xmlns:a16="http://schemas.microsoft.com/office/drawing/2014/main" id="{BAA4C588-8398-C933-978C-AFE6FE01AD6D}"/>
+              </a:ext>
+            </a:extLst>
+          </p:cNvPr>
+          <p:cNvSpPr/>
+          <p:nvPr/>
+        </p:nvSpPr>
+        <p:spPr>
+          <a:xfrm>
+            <a:off x="9044609" y="4502426"/>
+            <a:ext cx="675861" cy="487017"/>
+          </a:xfrm>
+          <a:prstGeom prst="ellipse">
+            <a:avLst/>
+          </a:prstGeom>
+          <a:noFill/>
+          <a:ln>
+            <a:solidFill>
+              <a:srgbClr val="FF0000"/>
+            </a:solidFill>
+          </a:ln>
+        </p:spPr>
+        <p:style>
+          <a:lnRef idx="2">
+            <a:schemeClr val="accent1">
+              <a:shade val="15000"/>
+            </a:schemeClr>
+          </a:lnRef>
+          <a:fillRef idx="1">
+            <a:schemeClr val="accent1"/>
+          </a:fillRef>
+          <a:effectRef idx="0">
+            <a:schemeClr val="accent1"/>
+          </a:effectRef>
+          <a:fontRef idx="minor">
+            <a:schemeClr val="lt1"/>
+          </a:fontRef>
+        </p:style>
+        <p:txBody>
+          <a:bodyPr rtlCol="0" anchor="ctr"/>
+          <a:lstStyle/>
+          <a:p>
+            <a:pPr algn="ctr"/>
+            <a:endParaRPr kumimoji="1" lang="ja-JP" altLang="en-US" sz="1200" dirty="0">
+              <a:solidFill>
+                <a:schemeClr val="tx1"/>
+              </a:solidFill>
+            </a:endParaRPr>
+          </a:p>
+        </p:txBody>
+      </p:sp>
+      <p:sp>
+        <p:nvSpPr>
+          <p:cNvPr id="3" name="テキスト ボックス 2">
+            <a:extLst>
+              <a:ext uri="{FF2B5EF4-FFF2-40B4-BE49-F238E27FC236}">
+                <a16:creationId xmlns:a16="http://schemas.microsoft.com/office/drawing/2014/main" id="{DF8740C3-7ECD-EEF8-07CE-55C22E0D5C47}"/>
+              </a:ext>
+            </a:extLst>
+          </p:cNvPr>
+          <p:cNvSpPr txBox="1"/>
+          <p:nvPr/>
+        </p:nvSpPr>
+        <p:spPr>
+          <a:xfrm>
+            <a:off x="1202635" y="5963478"/>
+            <a:ext cx="8517835" cy="369332"/>
+          </a:xfrm>
+          <a:prstGeom prst="rect">
+            <a:avLst/>
+          </a:prstGeom>
+          <a:noFill/>
+        </p:spPr>
+        <p:txBody>
+          <a:bodyPr wrap="square" rtlCol="0">
+            <a:spAutoFit/>
+          </a:bodyPr>
+          <a:lstStyle/>
+          <a:p>
+            <a:r>
+              <a:rPr kumimoji="1" lang="ja-JP" altLang="en-US" dirty="0"/>
+              <a:t>選択した展示物の削除を行います、削除した展示物はゴミ箱に移動されます</a:t>
+            </a:r>
+          </a:p>
+        </p:txBody>
+      </p:sp>
+    </p:spTree>
+    <p:extLst>
+      <p:ext uri="{BB962C8B-B14F-4D97-AF65-F5344CB8AC3E}">
+        <p14:creationId xmlns:p14="http://schemas.microsoft.com/office/powerpoint/2010/main" val="802693188"/>
+      </p:ext>
+    </p:extLst>
+  </p:cSld>
+  <p:clrMapOvr>
+    <a:masterClrMapping/>
+  </p:clrMapOvr>
+</p:sld>
+</file>
+
+<file path=ppt/slides/slide41.xml><?xml version="1.0" encoding="utf-8"?>
+<p:sld xmlns:a="http://schemas.openxmlformats.org/drawingml/2006/main" xmlns:r="http://schemas.openxmlformats.org/officeDocument/2006/relationships" xmlns:p="http://schemas.openxmlformats.org/presentationml/2006/main">
+  <p:cSld>
+    <p:spTree>
+      <p:nvGrpSpPr>
+        <p:cNvPr id="1" name="">
+          <a:extLst>
+            <a:ext uri="{FF2B5EF4-FFF2-40B4-BE49-F238E27FC236}">
+              <a16:creationId xmlns:a16="http://schemas.microsoft.com/office/drawing/2014/main" id="{27BB6811-A9D4-23F0-0A47-74DC61B6BC54}"/>
+            </a:ext>
+          </a:extLst>
+        </p:cNvPr>
+        <p:cNvGrpSpPr/>
+        <p:nvPr/>
+      </p:nvGrpSpPr>
+      <p:grpSpPr>
+        <a:xfrm>
+          <a:off x="0" y="0"/>
+          <a:ext cx="0" cy="0"/>
+          <a:chOff x="0" y="0"/>
+          <a:chExt cx="0" cy="0"/>
+        </a:xfrm>
+      </p:grpSpPr>
+      <p:cxnSp>
+        <p:nvCxnSpPr>
+          <p:cNvPr id="4" name="直線コネクタ 3">
+            <a:extLst>
+              <a:ext uri="{FF2B5EF4-FFF2-40B4-BE49-F238E27FC236}">
+                <a16:creationId xmlns:a16="http://schemas.microsoft.com/office/drawing/2014/main" id="{5EE880DC-A0A3-0372-CB7B-FEFD60BEBE4B}"/>
+              </a:ext>
+            </a:extLst>
+          </p:cNvPr>
+          <p:cNvCxnSpPr/>
+          <p:nvPr/>
+        </p:nvCxnSpPr>
+        <p:spPr>
+          <a:xfrm>
+            <a:off x="228600" y="755374"/>
+            <a:ext cx="11936896" cy="0"/>
+          </a:xfrm>
+          <a:prstGeom prst="line">
+            <a:avLst/>
+          </a:prstGeom>
+        </p:spPr>
+        <p:style>
+          <a:lnRef idx="2">
+            <a:schemeClr val="accent1"/>
+          </a:lnRef>
+          <a:fillRef idx="0">
+            <a:schemeClr val="accent1"/>
+          </a:fillRef>
+          <a:effectRef idx="1">
+            <a:schemeClr val="accent1"/>
+          </a:effectRef>
+          <a:fontRef idx="minor">
+            <a:schemeClr val="tx1"/>
+          </a:fontRef>
+        </p:style>
+      </p:cxnSp>
+      <p:sp>
+        <p:nvSpPr>
+          <p:cNvPr id="5" name="テキスト ボックス 4">
+            <a:extLst>
+              <a:ext uri="{FF2B5EF4-FFF2-40B4-BE49-F238E27FC236}">
+                <a16:creationId xmlns:a16="http://schemas.microsoft.com/office/drawing/2014/main" id="{357FCAF3-5E07-91F6-EC27-3C628D7CB971}"/>
+              </a:ext>
+            </a:extLst>
+          </p:cNvPr>
+          <p:cNvSpPr txBox="1"/>
+          <p:nvPr/>
+        </p:nvSpPr>
+        <p:spPr>
+          <a:xfrm>
+            <a:off x="407503" y="198783"/>
+            <a:ext cx="11449879" cy="369332"/>
+          </a:xfrm>
+          <a:prstGeom prst="rect">
+            <a:avLst/>
+          </a:prstGeom>
+          <a:noFill/>
+        </p:spPr>
+        <p:txBody>
+          <a:bodyPr wrap="square" rtlCol="0">
+            <a:spAutoFit/>
+          </a:bodyPr>
+          <a:lstStyle/>
+          <a:p>
+            <a:r>
+              <a:rPr kumimoji="1" lang="ja-JP" altLang="en-US" dirty="0"/>
+              <a:t>展示物の一覧表示：ゴミ箱表示</a:t>
+            </a:r>
+          </a:p>
+        </p:txBody>
+      </p:sp>
+      <p:pic>
+        <p:nvPicPr>
+          <p:cNvPr id="7" name="図 6" descr="グラフィカル ユーザー インターフェイス, テキスト, アプリケーション, メール&#10;&#10;AI 生成コンテンツは誤りを含む可能性があります。">
+            <a:extLst>
+              <a:ext uri="{FF2B5EF4-FFF2-40B4-BE49-F238E27FC236}">
+                <a16:creationId xmlns:a16="http://schemas.microsoft.com/office/drawing/2014/main" id="{FDD06B39-DDFA-4C1C-F27E-6B9A060E7F02}"/>
+              </a:ext>
+            </a:extLst>
+          </p:cNvPr>
+          <p:cNvPicPr>
+            <a:picLocks noChangeAspect="1"/>
+          </p:cNvPicPr>
+          <p:nvPr/>
+        </p:nvPicPr>
+        <p:blipFill>
+          <a:blip r:embed="rId2"/>
+          <a:stretch>
+            <a:fillRect/>
+          </a:stretch>
+        </p:blipFill>
+        <p:spPr>
+          <a:xfrm>
+            <a:off x="503833" y="1091205"/>
+            <a:ext cx="10647619" cy="2866667"/>
+          </a:xfrm>
+          <a:prstGeom prst="rect">
+            <a:avLst/>
+          </a:prstGeom>
+        </p:spPr>
+      </p:pic>
+      <p:sp>
+        <p:nvSpPr>
+          <p:cNvPr id="9" name="テキスト ボックス 8">
+            <a:extLst>
+              <a:ext uri="{FF2B5EF4-FFF2-40B4-BE49-F238E27FC236}">
+                <a16:creationId xmlns:a16="http://schemas.microsoft.com/office/drawing/2014/main" id="{BE402A89-D8CB-148B-C4D1-E00130A80AB2}"/>
+              </a:ext>
+            </a:extLst>
+          </p:cNvPr>
+          <p:cNvSpPr txBox="1"/>
+          <p:nvPr/>
+        </p:nvSpPr>
+        <p:spPr>
+          <a:xfrm>
+            <a:off x="854765" y="4581939"/>
+            <a:ext cx="9988826" cy="923330"/>
+          </a:xfrm>
+          <a:prstGeom prst="rect">
+            <a:avLst/>
+          </a:prstGeom>
+          <a:noFill/>
+        </p:spPr>
+        <p:txBody>
+          <a:bodyPr wrap="square" rtlCol="0">
+            <a:spAutoFit/>
+          </a:bodyPr>
+          <a:lstStyle/>
+          <a:p>
+            <a:r>
+              <a:rPr kumimoji="1" lang="ja-JP" altLang="en-US" dirty="0"/>
+              <a:t>ゴミ箱に移動した展示物は</a:t>
+            </a:r>
+            <a:r>
+              <a:rPr kumimoji="1" lang="en-US" altLang="ja-JP" dirty="0"/>
+              <a:t>30</a:t>
+            </a:r>
+            <a:r>
+              <a:rPr kumimoji="1" lang="ja-JP" altLang="en-US" dirty="0"/>
+              <a:t>日で自動削除されます</a:t>
+            </a:r>
+            <a:endParaRPr kumimoji="1" lang="en-US" altLang="ja-JP" dirty="0"/>
+          </a:p>
+          <a:p>
+            <a:r>
+              <a:rPr kumimoji="1" lang="ja-JP" altLang="en-US" dirty="0"/>
+              <a:t>完全削除ボタンを押すと即時削除されます</a:t>
+            </a:r>
+            <a:endParaRPr kumimoji="1" lang="en-US" altLang="ja-JP" dirty="0"/>
+          </a:p>
+          <a:p>
+            <a:r>
+              <a:rPr kumimoji="1" lang="ja-JP" altLang="en-US" dirty="0"/>
+              <a:t>完全に削除される前でしたら、元に戻すボタンで復活できます</a:t>
+            </a:r>
+          </a:p>
+        </p:txBody>
+      </p:sp>
+    </p:spTree>
+    <p:extLst>
+      <p:ext uri="{BB962C8B-B14F-4D97-AF65-F5344CB8AC3E}">
+        <p14:creationId xmlns:p14="http://schemas.microsoft.com/office/powerpoint/2010/main" val="2125539282"/>
+      </p:ext>
+    </p:extLst>
+  </p:cSld>
+  <p:clrMapOvr>
+    <a:masterClrMapping/>
+  </p:clrMapOvr>
+</p:sld>
+</file>
+
+<file path=ppt/slides/slide42.xml><?xml version="1.0" encoding="utf-8"?>
+<p:sld xmlns:a="http://schemas.openxmlformats.org/drawingml/2006/main" xmlns:r="http://schemas.openxmlformats.org/officeDocument/2006/relationships" xmlns:p="http://schemas.openxmlformats.org/presentationml/2006/main">
+  <p:cSld>
+    <p:spTree>
+      <p:nvGrpSpPr>
         <p:cNvPr id="1" name=""/>
         <p:cNvGrpSpPr/>
         <p:nvPr/>
@@ -11315,7 +11896,7 @@
 </p:sld>
 </file>
 
-<file path=ppt/slides/slide41.xml><?xml version="1.0" encoding="utf-8"?>
+<file path=ppt/slides/slide43.xml><?xml version="1.0" encoding="utf-8"?>
 <p:sld xmlns:a="http://schemas.openxmlformats.org/drawingml/2006/main" xmlns:r="http://schemas.openxmlformats.org/officeDocument/2006/relationships" xmlns:p="http://schemas.openxmlformats.org/presentationml/2006/main">
   <p:cSld>
     <p:spTree>
@@ -11401,7 +11982,7 @@
 </p:sld>
 </file>
 
-<file path=ppt/slides/slide42.xml><?xml version="1.0" encoding="utf-8"?>
+<file path=ppt/slides/slide44.xml><?xml version="1.0" encoding="utf-8"?>
 <p:sld xmlns:a="http://schemas.openxmlformats.org/drawingml/2006/main" xmlns:r="http://schemas.openxmlformats.org/officeDocument/2006/relationships" xmlns:p="http://schemas.openxmlformats.org/presentationml/2006/main">
   <p:cSld>
     <p:spTree>
@@ -11487,7 +12068,7 @@
 </p:sld>
 </file>
 
-<file path=ppt/slides/slide43.xml><?xml version="1.0" encoding="utf-8"?>
+<file path=ppt/slides/slide45.xml><?xml version="1.0" encoding="utf-8"?>
 <p:sld xmlns:a="http://schemas.openxmlformats.org/drawingml/2006/main" xmlns:r="http://schemas.openxmlformats.org/officeDocument/2006/relationships" xmlns:p="http://schemas.openxmlformats.org/presentationml/2006/main">
   <p:cSld>
     <p:spTree>
@@ -11557,7 +12138,7 @@
 </p:sld>
 </file>
 
-<file path=ppt/slides/slide44.xml><?xml version="1.0" encoding="utf-8"?>
+<file path=ppt/slides/slide46.xml><?xml version="1.0" encoding="utf-8"?>
 <p:sld xmlns:a="http://schemas.openxmlformats.org/drawingml/2006/main" xmlns:r="http://schemas.openxmlformats.org/officeDocument/2006/relationships" xmlns:p="http://schemas.openxmlformats.org/presentationml/2006/main">
   <p:cSld>
     <p:spTree>
@@ -12199,7 +12780,7 @@
 </p:sld>
 </file>
 
-<file path=ppt/slides/slide45.xml><?xml version="1.0" encoding="utf-8"?>
+<file path=ppt/slides/slide47.xml><?xml version="1.0" encoding="utf-8"?>
 <p:sld xmlns:a="http://schemas.openxmlformats.org/drawingml/2006/main" xmlns:r="http://schemas.openxmlformats.org/officeDocument/2006/relationships" xmlns:p="http://schemas.openxmlformats.org/presentationml/2006/main">
   <p:cSld>
     <p:spTree>
@@ -12919,7 +13500,7 @@
 </p:sld>
 </file>
 
-<file path=ppt/slides/slide46.xml><?xml version="1.0" encoding="utf-8"?>
+<file path=ppt/slides/slide48.xml><?xml version="1.0" encoding="utf-8"?>
 <p:sld xmlns:a="http://schemas.openxmlformats.org/drawingml/2006/main" xmlns:r="http://schemas.openxmlformats.org/officeDocument/2006/relationships" xmlns:p="http://schemas.openxmlformats.org/presentationml/2006/main">
   <p:cSld>
     <p:spTree>
@@ -13594,7 +14175,7 @@
 </p:sld>
 </file>
 
-<file path=ppt/slides/slide47.xml><?xml version="1.0" encoding="utf-8"?>
+<file path=ppt/slides/slide49.xml><?xml version="1.0" encoding="utf-8"?>
 <p:sld xmlns:a="http://schemas.openxmlformats.org/drawingml/2006/main" xmlns:r="http://schemas.openxmlformats.org/officeDocument/2006/relationships" xmlns:p="http://schemas.openxmlformats.org/presentationml/2006/main">
   <p:cSld>
     <p:spTree>
@@ -14168,7 +14749,411 @@
 </p:sld>
 </file>
 
-<file path=ppt/slides/slide48.xml><?xml version="1.0" encoding="utf-8"?>
+<file path=ppt/slides/slide5.xml><?xml version="1.0" encoding="utf-8"?>
+<p:sld xmlns:a="http://schemas.openxmlformats.org/drawingml/2006/main" xmlns:r="http://schemas.openxmlformats.org/officeDocument/2006/relationships" xmlns:p="http://schemas.openxmlformats.org/presentationml/2006/main">
+  <p:cSld>
+    <p:spTree>
+      <p:nvGrpSpPr>
+        <p:cNvPr id="1" name="">
+          <a:extLst>
+            <a:ext uri="{FF2B5EF4-FFF2-40B4-BE49-F238E27FC236}">
+              <a16:creationId xmlns:a16="http://schemas.microsoft.com/office/drawing/2014/main" id="{D67F9A5F-EA38-B909-CB71-06C5141C6233}"/>
+            </a:ext>
+          </a:extLst>
+        </p:cNvPr>
+        <p:cNvGrpSpPr/>
+        <p:nvPr/>
+      </p:nvGrpSpPr>
+      <p:grpSpPr>
+        <a:xfrm>
+          <a:off x="0" y="0"/>
+          <a:ext cx="0" cy="0"/>
+          <a:chOff x="0" y="0"/>
+          <a:chExt cx="0" cy="0"/>
+        </a:xfrm>
+      </p:grpSpPr>
+      <p:cxnSp>
+        <p:nvCxnSpPr>
+          <p:cNvPr id="4" name="直線コネクタ 3">
+            <a:extLst>
+              <a:ext uri="{FF2B5EF4-FFF2-40B4-BE49-F238E27FC236}">
+                <a16:creationId xmlns:a16="http://schemas.microsoft.com/office/drawing/2014/main" id="{45EF8F97-1725-EB81-70FC-BE6CE30B0F17}"/>
+              </a:ext>
+            </a:extLst>
+          </p:cNvPr>
+          <p:cNvCxnSpPr/>
+          <p:nvPr/>
+        </p:nvCxnSpPr>
+        <p:spPr>
+          <a:xfrm>
+            <a:off x="228600" y="755374"/>
+            <a:ext cx="11936896" cy="0"/>
+          </a:xfrm>
+          <a:prstGeom prst="line">
+            <a:avLst/>
+          </a:prstGeom>
+        </p:spPr>
+        <p:style>
+          <a:lnRef idx="2">
+            <a:schemeClr val="accent1"/>
+          </a:lnRef>
+          <a:fillRef idx="0">
+            <a:schemeClr val="accent1"/>
+          </a:fillRef>
+          <a:effectRef idx="1">
+            <a:schemeClr val="accent1"/>
+          </a:effectRef>
+          <a:fontRef idx="minor">
+            <a:schemeClr val="tx1"/>
+          </a:fontRef>
+        </p:style>
+      </p:cxnSp>
+      <p:sp>
+        <p:nvSpPr>
+          <p:cNvPr id="5" name="テキスト ボックス 4">
+            <a:extLst>
+              <a:ext uri="{FF2B5EF4-FFF2-40B4-BE49-F238E27FC236}">
+                <a16:creationId xmlns:a16="http://schemas.microsoft.com/office/drawing/2014/main" id="{462E6617-0187-0E9A-2D30-978B81F58C84}"/>
+              </a:ext>
+            </a:extLst>
+          </p:cNvPr>
+          <p:cNvSpPr txBox="1"/>
+          <p:nvPr/>
+        </p:nvSpPr>
+        <p:spPr>
+          <a:xfrm>
+            <a:off x="407504" y="198783"/>
+            <a:ext cx="3796748" cy="369332"/>
+          </a:xfrm>
+          <a:prstGeom prst="rect">
+            <a:avLst/>
+          </a:prstGeom>
+          <a:noFill/>
+        </p:spPr>
+        <p:txBody>
+          <a:bodyPr wrap="square" rtlCol="0">
+            <a:spAutoFit/>
+          </a:bodyPr>
+          <a:lstStyle/>
+          <a:p>
+            <a:r>
+              <a:rPr kumimoji="1" lang="ja-JP" altLang="en-US" dirty="0"/>
+              <a:t>管理機能</a:t>
+            </a:r>
+          </a:p>
+        </p:txBody>
+      </p:sp>
+      <p:sp>
+        <p:nvSpPr>
+          <p:cNvPr id="12" name="テキスト ボックス 11">
+            <a:extLst>
+              <a:ext uri="{FF2B5EF4-FFF2-40B4-BE49-F238E27FC236}">
+                <a16:creationId xmlns:a16="http://schemas.microsoft.com/office/drawing/2014/main" id="{6CE07053-07AA-8E69-8714-0078AE200A66}"/>
+              </a:ext>
+            </a:extLst>
+          </p:cNvPr>
+          <p:cNvSpPr txBox="1"/>
+          <p:nvPr/>
+        </p:nvSpPr>
+        <p:spPr>
+          <a:xfrm>
+            <a:off x="407504" y="1093304"/>
+            <a:ext cx="11261035" cy="5632311"/>
+          </a:xfrm>
+          <a:prstGeom prst="rect">
+            <a:avLst/>
+          </a:prstGeom>
+          <a:noFill/>
+        </p:spPr>
+        <p:txBody>
+          <a:bodyPr wrap="square" rtlCol="0">
+            <a:spAutoFit/>
+          </a:bodyPr>
+          <a:lstStyle/>
+          <a:p>
+            <a:pPr marL="285750" indent="-285750">
+              <a:buFont typeface="Wingdings" panose="05000000000000000000" pitchFamily="2" charset="2"/>
+              <a:buChar char="ü"/>
+            </a:pPr>
+            <a:r>
+              <a:rPr kumimoji="1" lang="ja-JP" altLang="en-US" dirty="0"/>
+              <a:t>ルート権限者＝</a:t>
+            </a:r>
+            <a:r>
+              <a:rPr kumimoji="1" lang="en-US" altLang="ja-JP" dirty="0" err="1"/>
+              <a:t>xserver</a:t>
+            </a:r>
+            <a:r>
+              <a:rPr kumimoji="1" lang="ja-JP" altLang="en-US" dirty="0"/>
+              <a:t>の契約者＝１名のみ</a:t>
+            </a:r>
+            <a:endParaRPr kumimoji="1" lang="en-US" altLang="ja-JP" dirty="0"/>
+          </a:p>
+          <a:p>
+            <a:pPr marL="800100" lvl="1" indent="-342900">
+              <a:buFont typeface="+mj-lt"/>
+              <a:buAutoNum type="arabicPeriod"/>
+            </a:pPr>
+            <a:r>
+              <a:rPr lang="en-US" altLang="ja-JP" dirty="0"/>
+              <a:t>DB</a:t>
+            </a:r>
+            <a:r>
+              <a:rPr lang="ja-JP" altLang="en-US" dirty="0"/>
+              <a:t>を直接調査できる権限</a:t>
+            </a:r>
+            <a:endParaRPr lang="en-US" altLang="ja-JP" dirty="0"/>
+          </a:p>
+          <a:p>
+            <a:pPr marL="800100" lvl="1" indent="-342900">
+              <a:buFont typeface="+mj-lt"/>
+              <a:buAutoNum type="arabicPeriod"/>
+            </a:pPr>
+            <a:r>
+              <a:rPr kumimoji="1" lang="ja-JP" altLang="en-US" dirty="0"/>
+              <a:t>入出力用のインターフェースは無し</a:t>
+            </a:r>
+            <a:r>
+              <a:rPr kumimoji="1" lang="en-US" altLang="ja-JP" dirty="0"/>
+              <a:t>=</a:t>
+            </a:r>
+            <a:r>
+              <a:rPr kumimoji="1" lang="en-US" altLang="ja-JP" dirty="0" err="1"/>
+              <a:t>xserver</a:t>
+            </a:r>
+            <a:r>
+              <a:rPr kumimoji="1" lang="ja-JP" altLang="en-US" dirty="0"/>
+              <a:t>の管理画面を利用</a:t>
+            </a:r>
+            <a:endParaRPr kumimoji="1" lang="en-US" altLang="ja-JP" dirty="0"/>
+          </a:p>
+          <a:p>
+            <a:pPr marL="800100" lvl="1" indent="-342900">
+              <a:buFont typeface="+mj-lt"/>
+              <a:buAutoNum type="arabicPeriod"/>
+            </a:pPr>
+            <a:r>
+              <a:rPr kumimoji="1" lang="ja-JP" altLang="en-US" dirty="0"/>
+              <a:t>スーパーバイザーを登録／変更／削除</a:t>
+            </a:r>
+            <a:endParaRPr kumimoji="1" lang="en-US" altLang="ja-JP" dirty="0"/>
+          </a:p>
+          <a:p>
+            <a:pPr marL="800100" lvl="1" indent="-342900">
+              <a:buFont typeface="+mj-lt"/>
+              <a:buAutoNum type="arabicPeriod"/>
+            </a:pPr>
+            <a:r>
+              <a:rPr kumimoji="1" lang="ja-JP" altLang="en-US" dirty="0"/>
+              <a:t>スーパーバイザーパスワードの強制リセット</a:t>
+            </a:r>
+            <a:endParaRPr kumimoji="1" lang="en-US" altLang="ja-JP" dirty="0"/>
+          </a:p>
+          <a:p>
+            <a:pPr marL="285750" indent="-285750">
+              <a:buFont typeface="Wingdings" panose="05000000000000000000" pitchFamily="2" charset="2"/>
+              <a:buChar char="ü"/>
+            </a:pPr>
+            <a:r>
+              <a:rPr kumimoji="1" lang="ja-JP" altLang="en-US" dirty="0"/>
+              <a:t>全体の管理者（スーパーバイザー）の定義</a:t>
+            </a:r>
+            <a:endParaRPr kumimoji="1" lang="en-US" altLang="ja-JP" dirty="0"/>
+          </a:p>
+          <a:p>
+            <a:pPr marL="800100" lvl="1" indent="-342900">
+              <a:buFont typeface="+mj-lt"/>
+              <a:buAutoNum type="arabicPeriod"/>
+            </a:pPr>
+            <a:r>
+              <a:rPr kumimoji="1" lang="ja-JP" altLang="en-US" dirty="0"/>
+              <a:t>スーパーバイザーは複数可能</a:t>
+            </a:r>
+            <a:endParaRPr kumimoji="1" lang="en-US" altLang="ja-JP" dirty="0"/>
+          </a:p>
+          <a:p>
+            <a:pPr marL="800100" lvl="1" indent="-342900">
+              <a:buFont typeface="+mj-lt"/>
+              <a:buAutoNum type="arabicPeriod"/>
+            </a:pPr>
+            <a:r>
+              <a:rPr kumimoji="1" lang="ja-JP" altLang="en-US" dirty="0"/>
+              <a:t>ルート権限者が登録できる</a:t>
+            </a:r>
+            <a:endParaRPr kumimoji="1" lang="en-US" altLang="ja-JP" dirty="0"/>
+          </a:p>
+          <a:p>
+            <a:pPr marL="800100" lvl="1" indent="-342900">
+              <a:buFont typeface="+mj-lt"/>
+              <a:buAutoNum type="arabicPeriod"/>
+            </a:pPr>
+            <a:r>
+              <a:rPr kumimoji="1" lang="ja-JP" altLang="en-US" dirty="0"/>
+              <a:t>スーパーバイザーは</a:t>
+            </a:r>
+            <a:r>
+              <a:rPr lang="en-US" altLang="ja-JP" dirty="0"/>
+              <a:t>SQL</a:t>
+            </a:r>
+            <a:r>
+              <a:rPr lang="ja-JP" altLang="en-US" dirty="0"/>
+              <a:t>を利用した</a:t>
+            </a:r>
+            <a:r>
+              <a:rPr lang="en-US" altLang="ja-JP" dirty="0"/>
+              <a:t>DB</a:t>
+            </a:r>
+            <a:r>
+              <a:rPr lang="ja-JP" altLang="en-US" dirty="0"/>
+              <a:t>管理はできない</a:t>
+            </a:r>
+            <a:endParaRPr lang="en-US" altLang="ja-JP" dirty="0"/>
+          </a:p>
+          <a:p>
+            <a:pPr marL="800100" lvl="1" indent="-342900">
+              <a:buFont typeface="+mj-lt"/>
+              <a:buAutoNum type="arabicPeriod"/>
+            </a:pPr>
+            <a:r>
+              <a:rPr kumimoji="1" lang="ja-JP" altLang="en-US" dirty="0"/>
+              <a:t>スーパーバイザーパスワードは自身で変更できる</a:t>
+            </a:r>
+            <a:endParaRPr kumimoji="1" lang="en-US" altLang="ja-JP" dirty="0"/>
+          </a:p>
+          <a:p>
+            <a:pPr marL="285750" indent="-285750">
+              <a:buFont typeface="Wingdings" panose="05000000000000000000" pitchFamily="2" charset="2"/>
+              <a:buChar char="ü"/>
+            </a:pPr>
+            <a:r>
+              <a:rPr kumimoji="1" lang="ja-JP" altLang="en-US" dirty="0"/>
+              <a:t>スーパーバイザーの権限</a:t>
+            </a:r>
+            <a:endParaRPr kumimoji="1" lang="en-US" altLang="ja-JP" dirty="0"/>
+          </a:p>
+          <a:p>
+            <a:pPr marL="800100" lvl="1" indent="-342900">
+              <a:buFont typeface="+mj-lt"/>
+              <a:buAutoNum type="arabicPeriod"/>
+            </a:pPr>
+            <a:r>
+              <a:rPr kumimoji="1" lang="ja-JP" altLang="en-US" dirty="0"/>
+              <a:t>博物館の登録／削除</a:t>
+            </a:r>
+            <a:endParaRPr kumimoji="1" lang="en-US" altLang="ja-JP" dirty="0"/>
+          </a:p>
+          <a:p>
+            <a:pPr marL="800100" lvl="1" indent="-342900">
+              <a:buFont typeface="+mj-lt"/>
+              <a:buAutoNum type="arabicPeriod"/>
+            </a:pPr>
+            <a:r>
+              <a:rPr kumimoji="1" lang="ja-JP" altLang="en-US" dirty="0"/>
+              <a:t>博物館の管理者の登録／削除</a:t>
+            </a:r>
+            <a:endParaRPr kumimoji="1" lang="en-US" altLang="ja-JP" dirty="0"/>
+          </a:p>
+          <a:p>
+            <a:pPr marL="285750" indent="-285750">
+              <a:buFont typeface="Wingdings" panose="05000000000000000000" pitchFamily="2" charset="2"/>
+              <a:buChar char="ü"/>
+            </a:pPr>
+            <a:r>
+              <a:rPr kumimoji="1" lang="ja-JP" altLang="en-US" dirty="0"/>
+              <a:t>博物館の管理者の権限</a:t>
+            </a:r>
+            <a:endParaRPr kumimoji="1" lang="en-US" altLang="ja-JP" dirty="0"/>
+          </a:p>
+          <a:p>
+            <a:pPr marL="800100" lvl="1" indent="-342900">
+              <a:buFont typeface="+mj-lt"/>
+              <a:buAutoNum type="arabicPeriod"/>
+            </a:pPr>
+            <a:r>
+              <a:rPr kumimoji="1" lang="ja-JP" altLang="en-US" dirty="0"/>
+              <a:t>展示物の登録（本展示システムから番号が提供される）</a:t>
+            </a:r>
+            <a:endParaRPr kumimoji="1" lang="en-US" altLang="ja-JP" dirty="0"/>
+          </a:p>
+          <a:p>
+            <a:pPr marL="800100" lvl="1" indent="-342900">
+              <a:buFont typeface="+mj-lt"/>
+              <a:buAutoNum type="arabicPeriod"/>
+            </a:pPr>
+            <a:r>
+              <a:rPr kumimoji="1" lang="ja-JP" altLang="en-US" dirty="0"/>
+              <a:t>以下上記番号に対して以下の情報を付加できる</a:t>
+            </a:r>
+            <a:endParaRPr kumimoji="1" lang="en-US" altLang="ja-JP" dirty="0"/>
+          </a:p>
+          <a:p>
+            <a:pPr marL="1257300" lvl="2" indent="-342900">
+              <a:buFont typeface="Arial" panose="020B0604020202020204" pitchFamily="34" charset="0"/>
+              <a:buChar char="•"/>
+            </a:pPr>
+            <a:r>
+              <a:rPr kumimoji="1" lang="ja-JP" altLang="en-US" dirty="0"/>
+              <a:t>画像／音声／文字</a:t>
+            </a:r>
+            <a:endParaRPr kumimoji="1" lang="en-US" altLang="ja-JP" dirty="0"/>
+          </a:p>
+          <a:p>
+            <a:pPr marL="1257300" lvl="2" indent="-342900">
+              <a:buFont typeface="Arial" panose="020B0604020202020204" pitchFamily="34" charset="0"/>
+              <a:buChar char="•"/>
+            </a:pPr>
+            <a:r>
+              <a:rPr kumimoji="1" lang="ja-JP" altLang="en-US" dirty="0"/>
+              <a:t>音声／文字は多国語対応</a:t>
+            </a:r>
+            <a:endParaRPr kumimoji="1" lang="en-US" altLang="ja-JP" dirty="0"/>
+          </a:p>
+          <a:p>
+            <a:pPr marL="800100" lvl="1" indent="-342900">
+              <a:buFont typeface="+mj-lt"/>
+              <a:buAutoNum type="arabicPeriod"/>
+            </a:pPr>
+            <a:r>
+              <a:rPr kumimoji="1" lang="ja-JP" altLang="en-US" dirty="0"/>
+              <a:t>登録展示物の削除</a:t>
+            </a:r>
+            <a:endParaRPr kumimoji="1" lang="en-US" altLang="ja-JP" dirty="0"/>
+          </a:p>
+          <a:p>
+            <a:pPr marL="342900" indent="-342900">
+              <a:buFont typeface="Wingdings" panose="05000000000000000000" pitchFamily="2" charset="2"/>
+              <a:buChar char="ü"/>
+            </a:pPr>
+            <a:r>
+              <a:rPr kumimoji="1" lang="ja-JP" altLang="en-US" dirty="0"/>
+              <a:t>管理画面は</a:t>
+            </a:r>
+            <a:r>
+              <a:rPr kumimoji="1" lang="en-US" altLang="ja-JP" dirty="0"/>
+              <a:t>PC</a:t>
+            </a:r>
+            <a:r>
+              <a:rPr kumimoji="1" lang="ja-JP" altLang="en-US" dirty="0"/>
+              <a:t>前提とする</a:t>
+            </a:r>
+            <a:endParaRPr kumimoji="1" lang="en-US" altLang="ja-JP" dirty="0"/>
+          </a:p>
+        </p:txBody>
+      </p:sp>
+    </p:spTree>
+    <p:extLst>
+      <p:ext uri="{BB962C8B-B14F-4D97-AF65-F5344CB8AC3E}">
+        <p14:creationId xmlns:p14="http://schemas.microsoft.com/office/powerpoint/2010/main" val="331511944"/>
+      </p:ext>
+    </p:extLst>
+  </p:cSld>
+  <p:clrMapOvr>
+    <a:masterClrMapping/>
+  </p:clrMapOvr>
+</p:sld>
+</file>
+
+<file path=ppt/slides/slide50.xml><?xml version="1.0" encoding="utf-8"?>
 <p:sld xmlns:a="http://schemas.openxmlformats.org/drawingml/2006/main" xmlns:r="http://schemas.openxmlformats.org/officeDocument/2006/relationships" xmlns:p="http://schemas.openxmlformats.org/presentationml/2006/main">
   <p:cSld>
     <p:spTree>
@@ -14564,7 +15549,7 @@
 </p:sld>
 </file>
 
-<file path=ppt/slides/slide49.xml><?xml version="1.0" encoding="utf-8"?>
+<file path=ppt/slides/slide51.xml><?xml version="1.0" encoding="utf-8"?>
 <p:sld xmlns:a="http://schemas.openxmlformats.org/drawingml/2006/main" xmlns:r="http://schemas.openxmlformats.org/officeDocument/2006/relationships" xmlns:p="http://schemas.openxmlformats.org/presentationml/2006/main">
   <p:cSld>
     <p:spTree>
@@ -15684,411 +16669,7 @@
 </p:sld>
 </file>
 
-<file path=ppt/slides/slide5.xml><?xml version="1.0" encoding="utf-8"?>
-<p:sld xmlns:a="http://schemas.openxmlformats.org/drawingml/2006/main" xmlns:r="http://schemas.openxmlformats.org/officeDocument/2006/relationships" xmlns:p="http://schemas.openxmlformats.org/presentationml/2006/main">
-  <p:cSld>
-    <p:spTree>
-      <p:nvGrpSpPr>
-        <p:cNvPr id="1" name="">
-          <a:extLst>
-            <a:ext uri="{FF2B5EF4-FFF2-40B4-BE49-F238E27FC236}">
-              <a16:creationId xmlns:a16="http://schemas.microsoft.com/office/drawing/2014/main" id="{D67F9A5F-EA38-B909-CB71-06C5141C6233}"/>
-            </a:ext>
-          </a:extLst>
-        </p:cNvPr>
-        <p:cNvGrpSpPr/>
-        <p:nvPr/>
-      </p:nvGrpSpPr>
-      <p:grpSpPr>
-        <a:xfrm>
-          <a:off x="0" y="0"/>
-          <a:ext cx="0" cy="0"/>
-          <a:chOff x="0" y="0"/>
-          <a:chExt cx="0" cy="0"/>
-        </a:xfrm>
-      </p:grpSpPr>
-      <p:cxnSp>
-        <p:nvCxnSpPr>
-          <p:cNvPr id="4" name="直線コネクタ 3">
-            <a:extLst>
-              <a:ext uri="{FF2B5EF4-FFF2-40B4-BE49-F238E27FC236}">
-                <a16:creationId xmlns:a16="http://schemas.microsoft.com/office/drawing/2014/main" id="{45EF8F97-1725-EB81-70FC-BE6CE30B0F17}"/>
-              </a:ext>
-            </a:extLst>
-          </p:cNvPr>
-          <p:cNvCxnSpPr/>
-          <p:nvPr/>
-        </p:nvCxnSpPr>
-        <p:spPr>
-          <a:xfrm>
-            <a:off x="228600" y="755374"/>
-            <a:ext cx="11936896" cy="0"/>
-          </a:xfrm>
-          <a:prstGeom prst="line">
-            <a:avLst/>
-          </a:prstGeom>
-        </p:spPr>
-        <p:style>
-          <a:lnRef idx="2">
-            <a:schemeClr val="accent1"/>
-          </a:lnRef>
-          <a:fillRef idx="0">
-            <a:schemeClr val="accent1"/>
-          </a:fillRef>
-          <a:effectRef idx="1">
-            <a:schemeClr val="accent1"/>
-          </a:effectRef>
-          <a:fontRef idx="minor">
-            <a:schemeClr val="tx1"/>
-          </a:fontRef>
-        </p:style>
-      </p:cxnSp>
-      <p:sp>
-        <p:nvSpPr>
-          <p:cNvPr id="5" name="テキスト ボックス 4">
-            <a:extLst>
-              <a:ext uri="{FF2B5EF4-FFF2-40B4-BE49-F238E27FC236}">
-                <a16:creationId xmlns:a16="http://schemas.microsoft.com/office/drawing/2014/main" id="{462E6617-0187-0E9A-2D30-978B81F58C84}"/>
-              </a:ext>
-            </a:extLst>
-          </p:cNvPr>
-          <p:cNvSpPr txBox="1"/>
-          <p:nvPr/>
-        </p:nvSpPr>
-        <p:spPr>
-          <a:xfrm>
-            <a:off x="407504" y="198783"/>
-            <a:ext cx="3796748" cy="369332"/>
-          </a:xfrm>
-          <a:prstGeom prst="rect">
-            <a:avLst/>
-          </a:prstGeom>
-          <a:noFill/>
-        </p:spPr>
-        <p:txBody>
-          <a:bodyPr wrap="square" rtlCol="0">
-            <a:spAutoFit/>
-          </a:bodyPr>
-          <a:lstStyle/>
-          <a:p>
-            <a:r>
-              <a:rPr kumimoji="1" lang="ja-JP" altLang="en-US" dirty="0"/>
-              <a:t>管理機能</a:t>
-            </a:r>
-          </a:p>
-        </p:txBody>
-      </p:sp>
-      <p:sp>
-        <p:nvSpPr>
-          <p:cNvPr id="12" name="テキスト ボックス 11">
-            <a:extLst>
-              <a:ext uri="{FF2B5EF4-FFF2-40B4-BE49-F238E27FC236}">
-                <a16:creationId xmlns:a16="http://schemas.microsoft.com/office/drawing/2014/main" id="{6CE07053-07AA-8E69-8714-0078AE200A66}"/>
-              </a:ext>
-            </a:extLst>
-          </p:cNvPr>
-          <p:cNvSpPr txBox="1"/>
-          <p:nvPr/>
-        </p:nvSpPr>
-        <p:spPr>
-          <a:xfrm>
-            <a:off x="407504" y="1093304"/>
-            <a:ext cx="11261035" cy="5632311"/>
-          </a:xfrm>
-          <a:prstGeom prst="rect">
-            <a:avLst/>
-          </a:prstGeom>
-          <a:noFill/>
-        </p:spPr>
-        <p:txBody>
-          <a:bodyPr wrap="square" rtlCol="0">
-            <a:spAutoFit/>
-          </a:bodyPr>
-          <a:lstStyle/>
-          <a:p>
-            <a:pPr marL="285750" indent="-285750">
-              <a:buFont typeface="Wingdings" panose="05000000000000000000" pitchFamily="2" charset="2"/>
-              <a:buChar char="ü"/>
-            </a:pPr>
-            <a:r>
-              <a:rPr kumimoji="1" lang="ja-JP" altLang="en-US" dirty="0"/>
-              <a:t>ルート権限者＝</a:t>
-            </a:r>
-            <a:r>
-              <a:rPr kumimoji="1" lang="en-US" altLang="ja-JP" dirty="0" err="1"/>
-              <a:t>xserver</a:t>
-            </a:r>
-            <a:r>
-              <a:rPr kumimoji="1" lang="ja-JP" altLang="en-US" dirty="0"/>
-              <a:t>の契約者＝１名のみ</a:t>
-            </a:r>
-            <a:endParaRPr kumimoji="1" lang="en-US" altLang="ja-JP" dirty="0"/>
-          </a:p>
-          <a:p>
-            <a:pPr marL="800100" lvl="1" indent="-342900">
-              <a:buFont typeface="+mj-lt"/>
-              <a:buAutoNum type="arabicPeriod"/>
-            </a:pPr>
-            <a:r>
-              <a:rPr lang="en-US" altLang="ja-JP" dirty="0"/>
-              <a:t>DB</a:t>
-            </a:r>
-            <a:r>
-              <a:rPr lang="ja-JP" altLang="en-US" dirty="0"/>
-              <a:t>を直接調査できる権限</a:t>
-            </a:r>
-            <a:endParaRPr lang="en-US" altLang="ja-JP" dirty="0"/>
-          </a:p>
-          <a:p>
-            <a:pPr marL="800100" lvl="1" indent="-342900">
-              <a:buFont typeface="+mj-lt"/>
-              <a:buAutoNum type="arabicPeriod"/>
-            </a:pPr>
-            <a:r>
-              <a:rPr kumimoji="1" lang="ja-JP" altLang="en-US" dirty="0"/>
-              <a:t>入出力用のインターフェースは無し</a:t>
-            </a:r>
-            <a:r>
-              <a:rPr kumimoji="1" lang="en-US" altLang="ja-JP" dirty="0"/>
-              <a:t>=</a:t>
-            </a:r>
-            <a:r>
-              <a:rPr kumimoji="1" lang="en-US" altLang="ja-JP" dirty="0" err="1"/>
-              <a:t>xserver</a:t>
-            </a:r>
-            <a:r>
-              <a:rPr kumimoji="1" lang="ja-JP" altLang="en-US" dirty="0"/>
-              <a:t>の管理画面を利用</a:t>
-            </a:r>
-            <a:endParaRPr kumimoji="1" lang="en-US" altLang="ja-JP" dirty="0"/>
-          </a:p>
-          <a:p>
-            <a:pPr marL="800100" lvl="1" indent="-342900">
-              <a:buFont typeface="+mj-lt"/>
-              <a:buAutoNum type="arabicPeriod"/>
-            </a:pPr>
-            <a:r>
-              <a:rPr kumimoji="1" lang="ja-JP" altLang="en-US" dirty="0"/>
-              <a:t>スーパーバイザーを登録／変更／削除</a:t>
-            </a:r>
-            <a:endParaRPr kumimoji="1" lang="en-US" altLang="ja-JP" dirty="0"/>
-          </a:p>
-          <a:p>
-            <a:pPr marL="800100" lvl="1" indent="-342900">
-              <a:buFont typeface="+mj-lt"/>
-              <a:buAutoNum type="arabicPeriod"/>
-            </a:pPr>
-            <a:r>
-              <a:rPr kumimoji="1" lang="ja-JP" altLang="en-US" dirty="0"/>
-              <a:t>スーパーバイザーパスワードの強制リセット</a:t>
-            </a:r>
-            <a:endParaRPr kumimoji="1" lang="en-US" altLang="ja-JP" dirty="0"/>
-          </a:p>
-          <a:p>
-            <a:pPr marL="285750" indent="-285750">
-              <a:buFont typeface="Wingdings" panose="05000000000000000000" pitchFamily="2" charset="2"/>
-              <a:buChar char="ü"/>
-            </a:pPr>
-            <a:r>
-              <a:rPr kumimoji="1" lang="ja-JP" altLang="en-US" dirty="0"/>
-              <a:t>全体の管理者（スーパーバイザー）の定義</a:t>
-            </a:r>
-            <a:endParaRPr kumimoji="1" lang="en-US" altLang="ja-JP" dirty="0"/>
-          </a:p>
-          <a:p>
-            <a:pPr marL="800100" lvl="1" indent="-342900">
-              <a:buFont typeface="+mj-lt"/>
-              <a:buAutoNum type="arabicPeriod"/>
-            </a:pPr>
-            <a:r>
-              <a:rPr kumimoji="1" lang="ja-JP" altLang="en-US" dirty="0"/>
-              <a:t>スーパーバイザーは複数可能</a:t>
-            </a:r>
-            <a:endParaRPr kumimoji="1" lang="en-US" altLang="ja-JP" dirty="0"/>
-          </a:p>
-          <a:p>
-            <a:pPr marL="800100" lvl="1" indent="-342900">
-              <a:buFont typeface="+mj-lt"/>
-              <a:buAutoNum type="arabicPeriod"/>
-            </a:pPr>
-            <a:r>
-              <a:rPr kumimoji="1" lang="ja-JP" altLang="en-US" dirty="0"/>
-              <a:t>ルート権限者が登録できる</a:t>
-            </a:r>
-            <a:endParaRPr kumimoji="1" lang="en-US" altLang="ja-JP" dirty="0"/>
-          </a:p>
-          <a:p>
-            <a:pPr marL="800100" lvl="1" indent="-342900">
-              <a:buFont typeface="+mj-lt"/>
-              <a:buAutoNum type="arabicPeriod"/>
-            </a:pPr>
-            <a:r>
-              <a:rPr kumimoji="1" lang="ja-JP" altLang="en-US" dirty="0"/>
-              <a:t>スーパーバイザーは</a:t>
-            </a:r>
-            <a:r>
-              <a:rPr lang="en-US" altLang="ja-JP" dirty="0"/>
-              <a:t>SQL</a:t>
-            </a:r>
-            <a:r>
-              <a:rPr lang="ja-JP" altLang="en-US" dirty="0"/>
-              <a:t>を利用した</a:t>
-            </a:r>
-            <a:r>
-              <a:rPr lang="en-US" altLang="ja-JP" dirty="0"/>
-              <a:t>DB</a:t>
-            </a:r>
-            <a:r>
-              <a:rPr lang="ja-JP" altLang="en-US" dirty="0"/>
-              <a:t>管理はできない</a:t>
-            </a:r>
-            <a:endParaRPr lang="en-US" altLang="ja-JP" dirty="0"/>
-          </a:p>
-          <a:p>
-            <a:pPr marL="800100" lvl="1" indent="-342900">
-              <a:buFont typeface="+mj-lt"/>
-              <a:buAutoNum type="arabicPeriod"/>
-            </a:pPr>
-            <a:r>
-              <a:rPr kumimoji="1" lang="ja-JP" altLang="en-US" dirty="0"/>
-              <a:t>スーパーバイザーパスワードは自身で変更できる</a:t>
-            </a:r>
-            <a:endParaRPr kumimoji="1" lang="en-US" altLang="ja-JP" dirty="0"/>
-          </a:p>
-          <a:p>
-            <a:pPr marL="285750" indent="-285750">
-              <a:buFont typeface="Wingdings" panose="05000000000000000000" pitchFamily="2" charset="2"/>
-              <a:buChar char="ü"/>
-            </a:pPr>
-            <a:r>
-              <a:rPr kumimoji="1" lang="ja-JP" altLang="en-US" dirty="0"/>
-              <a:t>スーパーバイザーの権限</a:t>
-            </a:r>
-            <a:endParaRPr kumimoji="1" lang="en-US" altLang="ja-JP" dirty="0"/>
-          </a:p>
-          <a:p>
-            <a:pPr marL="800100" lvl="1" indent="-342900">
-              <a:buFont typeface="+mj-lt"/>
-              <a:buAutoNum type="arabicPeriod"/>
-            </a:pPr>
-            <a:r>
-              <a:rPr kumimoji="1" lang="ja-JP" altLang="en-US" dirty="0"/>
-              <a:t>博物館の登録／削除</a:t>
-            </a:r>
-            <a:endParaRPr kumimoji="1" lang="en-US" altLang="ja-JP" dirty="0"/>
-          </a:p>
-          <a:p>
-            <a:pPr marL="800100" lvl="1" indent="-342900">
-              <a:buFont typeface="+mj-lt"/>
-              <a:buAutoNum type="arabicPeriod"/>
-            </a:pPr>
-            <a:r>
-              <a:rPr kumimoji="1" lang="ja-JP" altLang="en-US" dirty="0"/>
-              <a:t>博物館の管理者の登録／削除</a:t>
-            </a:r>
-            <a:endParaRPr kumimoji="1" lang="en-US" altLang="ja-JP" dirty="0"/>
-          </a:p>
-          <a:p>
-            <a:pPr marL="285750" indent="-285750">
-              <a:buFont typeface="Wingdings" panose="05000000000000000000" pitchFamily="2" charset="2"/>
-              <a:buChar char="ü"/>
-            </a:pPr>
-            <a:r>
-              <a:rPr kumimoji="1" lang="ja-JP" altLang="en-US" dirty="0"/>
-              <a:t>博物館の管理者の権限</a:t>
-            </a:r>
-            <a:endParaRPr kumimoji="1" lang="en-US" altLang="ja-JP" dirty="0"/>
-          </a:p>
-          <a:p>
-            <a:pPr marL="800100" lvl="1" indent="-342900">
-              <a:buFont typeface="+mj-lt"/>
-              <a:buAutoNum type="arabicPeriod"/>
-            </a:pPr>
-            <a:r>
-              <a:rPr kumimoji="1" lang="ja-JP" altLang="en-US" dirty="0"/>
-              <a:t>展示物の登録（本展示システムから番号が提供される）</a:t>
-            </a:r>
-            <a:endParaRPr kumimoji="1" lang="en-US" altLang="ja-JP" dirty="0"/>
-          </a:p>
-          <a:p>
-            <a:pPr marL="800100" lvl="1" indent="-342900">
-              <a:buFont typeface="+mj-lt"/>
-              <a:buAutoNum type="arabicPeriod"/>
-            </a:pPr>
-            <a:r>
-              <a:rPr kumimoji="1" lang="ja-JP" altLang="en-US" dirty="0"/>
-              <a:t>以下上記番号に対して以下の情報を付加できる</a:t>
-            </a:r>
-            <a:endParaRPr kumimoji="1" lang="en-US" altLang="ja-JP" dirty="0"/>
-          </a:p>
-          <a:p>
-            <a:pPr marL="1257300" lvl="2" indent="-342900">
-              <a:buFont typeface="Arial" panose="020B0604020202020204" pitchFamily="34" charset="0"/>
-              <a:buChar char="•"/>
-            </a:pPr>
-            <a:r>
-              <a:rPr kumimoji="1" lang="ja-JP" altLang="en-US" dirty="0"/>
-              <a:t>画像／音声／文字</a:t>
-            </a:r>
-            <a:endParaRPr kumimoji="1" lang="en-US" altLang="ja-JP" dirty="0"/>
-          </a:p>
-          <a:p>
-            <a:pPr marL="1257300" lvl="2" indent="-342900">
-              <a:buFont typeface="Arial" panose="020B0604020202020204" pitchFamily="34" charset="0"/>
-              <a:buChar char="•"/>
-            </a:pPr>
-            <a:r>
-              <a:rPr kumimoji="1" lang="ja-JP" altLang="en-US" dirty="0"/>
-              <a:t>音声／文字は多国語対応</a:t>
-            </a:r>
-            <a:endParaRPr kumimoji="1" lang="en-US" altLang="ja-JP" dirty="0"/>
-          </a:p>
-          <a:p>
-            <a:pPr marL="800100" lvl="1" indent="-342900">
-              <a:buFont typeface="+mj-lt"/>
-              <a:buAutoNum type="arabicPeriod"/>
-            </a:pPr>
-            <a:r>
-              <a:rPr kumimoji="1" lang="ja-JP" altLang="en-US" dirty="0"/>
-              <a:t>登録展示物の削除</a:t>
-            </a:r>
-            <a:endParaRPr kumimoji="1" lang="en-US" altLang="ja-JP" dirty="0"/>
-          </a:p>
-          <a:p>
-            <a:pPr marL="342900" indent="-342900">
-              <a:buFont typeface="Wingdings" panose="05000000000000000000" pitchFamily="2" charset="2"/>
-              <a:buChar char="ü"/>
-            </a:pPr>
-            <a:r>
-              <a:rPr kumimoji="1" lang="ja-JP" altLang="en-US" dirty="0"/>
-              <a:t>管理画面は</a:t>
-            </a:r>
-            <a:r>
-              <a:rPr kumimoji="1" lang="en-US" altLang="ja-JP" dirty="0"/>
-              <a:t>PC</a:t>
-            </a:r>
-            <a:r>
-              <a:rPr kumimoji="1" lang="ja-JP" altLang="en-US" dirty="0"/>
-              <a:t>前提とする</a:t>
-            </a:r>
-            <a:endParaRPr kumimoji="1" lang="en-US" altLang="ja-JP" dirty="0"/>
-          </a:p>
-        </p:txBody>
-      </p:sp>
-    </p:spTree>
-    <p:extLst>
-      <p:ext uri="{BB962C8B-B14F-4D97-AF65-F5344CB8AC3E}">
-        <p14:creationId xmlns:p14="http://schemas.microsoft.com/office/powerpoint/2010/main" val="331511944"/>
-      </p:ext>
-    </p:extLst>
-  </p:cSld>
-  <p:clrMapOvr>
-    <a:masterClrMapping/>
-  </p:clrMapOvr>
-</p:sld>
-</file>
-
-<file path=ppt/slides/slide50.xml><?xml version="1.0" encoding="utf-8"?>
+<file path=ppt/slides/slide52.xml><?xml version="1.0" encoding="utf-8"?>
 <p:sld xmlns:a="http://schemas.openxmlformats.org/drawingml/2006/main" xmlns:r="http://schemas.openxmlformats.org/officeDocument/2006/relationships" xmlns:p="http://schemas.openxmlformats.org/presentationml/2006/main">
   <p:cSld>
     <p:spTree>
@@ -17196,7 +17777,7 @@
 </p:sld>
 </file>
 
-<file path=ppt/slides/slide51.xml><?xml version="1.0" encoding="utf-8"?>
+<file path=ppt/slides/slide53.xml><?xml version="1.0" encoding="utf-8"?>
 <p:sld xmlns:a="http://schemas.openxmlformats.org/drawingml/2006/main" xmlns:r="http://schemas.openxmlformats.org/officeDocument/2006/relationships" xmlns:p="http://schemas.openxmlformats.org/presentationml/2006/main">
   <p:cSld>
     <p:spTree>
@@ -17916,7 +18497,7 @@
 </p:sld>
 </file>
 
-<file path=ppt/slides/slide52.xml><?xml version="1.0" encoding="utf-8"?>
+<file path=ppt/slides/slide54.xml><?xml version="1.0" encoding="utf-8"?>
 <p:sld xmlns:a="http://schemas.openxmlformats.org/drawingml/2006/main" xmlns:r="http://schemas.openxmlformats.org/officeDocument/2006/relationships" xmlns:p="http://schemas.openxmlformats.org/presentationml/2006/main">
   <p:cSld>
     <p:spTree>
@@ -18591,7 +19172,7 @@
 </p:sld>
 </file>
 
-<file path=ppt/slides/slide53.xml><?xml version="1.0" encoding="utf-8"?>
+<file path=ppt/slides/slide55.xml><?xml version="1.0" encoding="utf-8"?>
 <p:sld xmlns:a="http://schemas.openxmlformats.org/drawingml/2006/main" xmlns:r="http://schemas.openxmlformats.org/officeDocument/2006/relationships" xmlns:p="http://schemas.openxmlformats.org/presentationml/2006/main">
   <p:cSld>
     <p:spTree>
@@ -19148,7 +19729,7 @@
 </p:sld>
 </file>
 
-<file path=ppt/slides/slide54.xml><?xml version="1.0" encoding="utf-8"?>
+<file path=ppt/slides/slide56.xml><?xml version="1.0" encoding="utf-8"?>
 <p:sld xmlns:a="http://schemas.openxmlformats.org/drawingml/2006/main" xmlns:r="http://schemas.openxmlformats.org/officeDocument/2006/relationships" xmlns:p="http://schemas.openxmlformats.org/presentationml/2006/main">
   <p:cSld>
     <p:spTree>

--- a/展示物アプリ仕様.pptx
+++ b/展示物アプリ仕様.pptx
@@ -17,50 +17,52 @@
     <p:sldId id="297" r:id="rId11"/>
     <p:sldId id="298" r:id="rId12"/>
     <p:sldId id="299" r:id="rId13"/>
-    <p:sldId id="300" r:id="rId14"/>
-    <p:sldId id="301" r:id="rId15"/>
-    <p:sldId id="320" r:id="rId16"/>
-    <p:sldId id="303" r:id="rId17"/>
-    <p:sldId id="307" r:id="rId18"/>
-    <p:sldId id="308" r:id="rId19"/>
-    <p:sldId id="304" r:id="rId20"/>
-    <p:sldId id="305" r:id="rId21"/>
-    <p:sldId id="306" r:id="rId22"/>
-    <p:sldId id="309" r:id="rId23"/>
-    <p:sldId id="310" r:id="rId24"/>
-    <p:sldId id="311" r:id="rId25"/>
-    <p:sldId id="313" r:id="rId26"/>
-    <p:sldId id="312" r:id="rId27"/>
-    <p:sldId id="314" r:id="rId28"/>
-    <p:sldId id="315" r:id="rId29"/>
-    <p:sldId id="316" r:id="rId30"/>
-    <p:sldId id="317" r:id="rId31"/>
-    <p:sldId id="318" r:id="rId32"/>
-    <p:sldId id="331" r:id="rId33"/>
-    <p:sldId id="332" r:id="rId34"/>
-    <p:sldId id="319" r:id="rId35"/>
-    <p:sldId id="330" r:id="rId36"/>
-    <p:sldId id="322" r:id="rId37"/>
-    <p:sldId id="323" r:id="rId38"/>
-    <p:sldId id="324" r:id="rId39"/>
-    <p:sldId id="325" r:id="rId40"/>
-    <p:sldId id="328" r:id="rId41"/>
-    <p:sldId id="329" r:id="rId42"/>
-    <p:sldId id="321" r:id="rId43"/>
-    <p:sldId id="326" r:id="rId44"/>
-    <p:sldId id="327" r:id="rId45"/>
-    <p:sldId id="302" r:id="rId46"/>
-    <p:sldId id="268" r:id="rId47"/>
-    <p:sldId id="273" r:id="rId48"/>
-    <p:sldId id="276" r:id="rId49"/>
-    <p:sldId id="277" r:id="rId50"/>
-    <p:sldId id="284" r:id="rId51"/>
-    <p:sldId id="278" r:id="rId52"/>
-    <p:sldId id="279" r:id="rId53"/>
-    <p:sldId id="280" r:id="rId54"/>
-    <p:sldId id="281" r:id="rId55"/>
-    <p:sldId id="282" r:id="rId56"/>
-    <p:sldId id="283" r:id="rId57"/>
+    <p:sldId id="333" r:id="rId14"/>
+    <p:sldId id="300" r:id="rId15"/>
+    <p:sldId id="301" r:id="rId16"/>
+    <p:sldId id="320" r:id="rId17"/>
+    <p:sldId id="303" r:id="rId18"/>
+    <p:sldId id="307" r:id="rId19"/>
+    <p:sldId id="308" r:id="rId20"/>
+    <p:sldId id="304" r:id="rId21"/>
+    <p:sldId id="305" r:id="rId22"/>
+    <p:sldId id="306" r:id="rId23"/>
+    <p:sldId id="309" r:id="rId24"/>
+    <p:sldId id="310" r:id="rId25"/>
+    <p:sldId id="311" r:id="rId26"/>
+    <p:sldId id="313" r:id="rId27"/>
+    <p:sldId id="312" r:id="rId28"/>
+    <p:sldId id="314" r:id="rId29"/>
+    <p:sldId id="315" r:id="rId30"/>
+    <p:sldId id="316" r:id="rId31"/>
+    <p:sldId id="317" r:id="rId32"/>
+    <p:sldId id="318" r:id="rId33"/>
+    <p:sldId id="331" r:id="rId34"/>
+    <p:sldId id="332" r:id="rId35"/>
+    <p:sldId id="319" r:id="rId36"/>
+    <p:sldId id="330" r:id="rId37"/>
+    <p:sldId id="334" r:id="rId38"/>
+    <p:sldId id="322" r:id="rId39"/>
+    <p:sldId id="323" r:id="rId40"/>
+    <p:sldId id="324" r:id="rId41"/>
+    <p:sldId id="325" r:id="rId42"/>
+    <p:sldId id="328" r:id="rId43"/>
+    <p:sldId id="329" r:id="rId44"/>
+    <p:sldId id="321" r:id="rId45"/>
+    <p:sldId id="326" r:id="rId46"/>
+    <p:sldId id="327" r:id="rId47"/>
+    <p:sldId id="302" r:id="rId48"/>
+    <p:sldId id="268" r:id="rId49"/>
+    <p:sldId id="273" r:id="rId50"/>
+    <p:sldId id="276" r:id="rId51"/>
+    <p:sldId id="277" r:id="rId52"/>
+    <p:sldId id="284" r:id="rId53"/>
+    <p:sldId id="278" r:id="rId54"/>
+    <p:sldId id="279" r:id="rId55"/>
+    <p:sldId id="280" r:id="rId56"/>
+    <p:sldId id="281" r:id="rId57"/>
+    <p:sldId id="282" r:id="rId58"/>
+    <p:sldId id="283" r:id="rId59"/>
   </p:sldIdLst>
   <p:sldSz cx="12192000" cy="6858000"/>
   <p:notesSz cx="7099300" cy="10234613"/>
@@ -314,7 +316,7 @@
           <a:p>
             <a:fld id="{082150A6-655A-40A4-943B-9A709E30A878}" type="datetimeFigureOut">
               <a:rPr kumimoji="1" lang="ja-JP" altLang="en-US" smtClean="0"/>
-              <a:t>2026/2/8</a:t>
+              <a:t>2026/2/9</a:t>
             </a:fld>
             <a:endParaRPr kumimoji="1" lang="ja-JP" altLang="en-US"/>
           </a:p>
@@ -544,7 +546,7 @@
           <a:p>
             <a:fld id="{082150A6-655A-40A4-943B-9A709E30A878}" type="datetimeFigureOut">
               <a:rPr kumimoji="1" lang="ja-JP" altLang="en-US" smtClean="0"/>
-              <a:t>2026/2/8</a:t>
+              <a:t>2026/2/9</a:t>
             </a:fld>
             <a:endParaRPr kumimoji="1" lang="ja-JP" altLang="en-US"/>
           </a:p>
@@ -784,7 +786,7 @@
           <a:p>
             <a:fld id="{082150A6-655A-40A4-943B-9A709E30A878}" type="datetimeFigureOut">
               <a:rPr kumimoji="1" lang="ja-JP" altLang="en-US" smtClean="0"/>
-              <a:t>2026/2/8</a:t>
+              <a:t>2026/2/9</a:t>
             </a:fld>
             <a:endParaRPr kumimoji="1" lang="ja-JP" altLang="en-US"/>
           </a:p>
@@ -1014,7 +1016,7 @@
           <a:p>
             <a:fld id="{082150A6-655A-40A4-943B-9A709E30A878}" type="datetimeFigureOut">
               <a:rPr kumimoji="1" lang="ja-JP" altLang="en-US" smtClean="0"/>
-              <a:t>2026/2/8</a:t>
+              <a:t>2026/2/9</a:t>
             </a:fld>
             <a:endParaRPr kumimoji="1" lang="ja-JP" altLang="en-US"/>
           </a:p>
@@ -1289,7 +1291,7 @@
           <a:p>
             <a:fld id="{082150A6-655A-40A4-943B-9A709E30A878}" type="datetimeFigureOut">
               <a:rPr kumimoji="1" lang="ja-JP" altLang="en-US" smtClean="0"/>
-              <a:t>2026/2/8</a:t>
+              <a:t>2026/2/9</a:t>
             </a:fld>
             <a:endParaRPr kumimoji="1" lang="ja-JP" altLang="en-US"/>
           </a:p>
@@ -1618,7 +1620,7 @@
           <a:p>
             <a:fld id="{082150A6-655A-40A4-943B-9A709E30A878}" type="datetimeFigureOut">
               <a:rPr kumimoji="1" lang="ja-JP" altLang="en-US" smtClean="0"/>
-              <a:t>2026/2/8</a:t>
+              <a:t>2026/2/9</a:t>
             </a:fld>
             <a:endParaRPr kumimoji="1" lang="ja-JP" altLang="en-US"/>
           </a:p>
@@ -2094,7 +2096,7 @@
           <a:p>
             <a:fld id="{082150A6-655A-40A4-943B-9A709E30A878}" type="datetimeFigureOut">
               <a:rPr kumimoji="1" lang="ja-JP" altLang="en-US" smtClean="0"/>
-              <a:t>2026/2/8</a:t>
+              <a:t>2026/2/9</a:t>
             </a:fld>
             <a:endParaRPr kumimoji="1" lang="ja-JP" altLang="en-US"/>
           </a:p>
@@ -2235,7 +2237,7 @@
           <a:p>
             <a:fld id="{082150A6-655A-40A4-943B-9A709E30A878}" type="datetimeFigureOut">
               <a:rPr kumimoji="1" lang="ja-JP" altLang="en-US" smtClean="0"/>
-              <a:t>2026/2/8</a:t>
+              <a:t>2026/2/9</a:t>
             </a:fld>
             <a:endParaRPr kumimoji="1" lang="ja-JP" altLang="en-US"/>
           </a:p>
@@ -2348,7 +2350,7 @@
           <a:p>
             <a:fld id="{082150A6-655A-40A4-943B-9A709E30A878}" type="datetimeFigureOut">
               <a:rPr kumimoji="1" lang="ja-JP" altLang="en-US" smtClean="0"/>
-              <a:t>2026/2/8</a:t>
+              <a:t>2026/2/9</a:t>
             </a:fld>
             <a:endParaRPr kumimoji="1" lang="ja-JP" altLang="en-US"/>
           </a:p>
@@ -2691,7 +2693,7 @@
           <a:p>
             <a:fld id="{082150A6-655A-40A4-943B-9A709E30A878}" type="datetimeFigureOut">
               <a:rPr kumimoji="1" lang="ja-JP" altLang="en-US" smtClean="0"/>
-              <a:t>2026/2/8</a:t>
+              <a:t>2026/2/9</a:t>
             </a:fld>
             <a:endParaRPr kumimoji="1" lang="ja-JP" altLang="en-US"/>
           </a:p>
@@ -2979,7 +2981,7 @@
           <a:p>
             <a:fld id="{082150A6-655A-40A4-943B-9A709E30A878}" type="datetimeFigureOut">
               <a:rPr kumimoji="1" lang="ja-JP" altLang="en-US" smtClean="0"/>
-              <a:t>2026/2/8</a:t>
+              <a:t>2026/2/9</a:t>
             </a:fld>
             <a:endParaRPr kumimoji="1" lang="ja-JP" altLang="en-US"/>
           </a:p>
@@ -3252,7 +3254,7 @@
           <a:p>
             <a:fld id="{082150A6-655A-40A4-943B-9A709E30A878}" type="datetimeFigureOut">
               <a:rPr kumimoji="1" lang="ja-JP" altLang="en-US" smtClean="0"/>
-              <a:t>2026/2/8</a:t>
+              <a:t>2026/2/9</a:t>
             </a:fld>
             <a:endParaRPr kumimoji="1" lang="ja-JP" altLang="en-US"/>
           </a:p>
@@ -4487,6 +4489,268 @@
         <p:cNvPr id="1" name="">
           <a:extLst>
             <a:ext uri="{FF2B5EF4-FFF2-40B4-BE49-F238E27FC236}">
+              <a16:creationId xmlns:a16="http://schemas.microsoft.com/office/drawing/2014/main" id="{0D2217E2-65B4-6608-274A-F954DB5AA112}"/>
+            </a:ext>
+          </a:extLst>
+        </p:cNvPr>
+        <p:cNvGrpSpPr/>
+        <p:nvPr/>
+      </p:nvGrpSpPr>
+      <p:grpSpPr>
+        <a:xfrm>
+          <a:off x="0" y="0"/>
+          <a:ext cx="0" cy="0"/>
+          <a:chOff x="0" y="0"/>
+          <a:chExt cx="0" cy="0"/>
+        </a:xfrm>
+      </p:grpSpPr>
+      <p:cxnSp>
+        <p:nvCxnSpPr>
+          <p:cNvPr id="4" name="直線コネクタ 3">
+            <a:extLst>
+              <a:ext uri="{FF2B5EF4-FFF2-40B4-BE49-F238E27FC236}">
+                <a16:creationId xmlns:a16="http://schemas.microsoft.com/office/drawing/2014/main" id="{C7015472-4F65-554A-BE31-291CC0553DDE}"/>
+              </a:ext>
+            </a:extLst>
+          </p:cNvPr>
+          <p:cNvCxnSpPr/>
+          <p:nvPr/>
+        </p:nvCxnSpPr>
+        <p:spPr>
+          <a:xfrm>
+            <a:off x="228600" y="755374"/>
+            <a:ext cx="11936896" cy="0"/>
+          </a:xfrm>
+          <a:prstGeom prst="line">
+            <a:avLst/>
+          </a:prstGeom>
+        </p:spPr>
+        <p:style>
+          <a:lnRef idx="2">
+            <a:schemeClr val="accent1"/>
+          </a:lnRef>
+          <a:fillRef idx="0">
+            <a:schemeClr val="accent1"/>
+          </a:fillRef>
+          <a:effectRef idx="1">
+            <a:schemeClr val="accent1"/>
+          </a:effectRef>
+          <a:fontRef idx="minor">
+            <a:schemeClr val="tx1"/>
+          </a:fontRef>
+        </p:style>
+      </p:cxnSp>
+      <p:sp>
+        <p:nvSpPr>
+          <p:cNvPr id="5" name="テキスト ボックス 4">
+            <a:extLst>
+              <a:ext uri="{FF2B5EF4-FFF2-40B4-BE49-F238E27FC236}">
+                <a16:creationId xmlns:a16="http://schemas.microsoft.com/office/drawing/2014/main" id="{5D65CB9B-D8B8-1C5D-1244-4C8057146B34}"/>
+              </a:ext>
+            </a:extLst>
+          </p:cNvPr>
+          <p:cNvSpPr txBox="1"/>
+          <p:nvPr/>
+        </p:nvSpPr>
+        <p:spPr>
+          <a:xfrm>
+            <a:off x="407503" y="198783"/>
+            <a:ext cx="11449879" cy="369332"/>
+          </a:xfrm>
+          <a:prstGeom prst="rect">
+            <a:avLst/>
+          </a:prstGeom>
+          <a:noFill/>
+        </p:spPr>
+        <p:txBody>
+          <a:bodyPr wrap="square" rtlCol="0">
+            <a:spAutoFit/>
+          </a:bodyPr>
+          <a:lstStyle/>
+          <a:p>
+            <a:r>
+              <a:rPr lang="ja-JP" altLang="en-US" dirty="0"/>
+              <a:t>パスワードを忘れた際</a:t>
+            </a:r>
+            <a:endParaRPr kumimoji="1" lang="ja-JP" altLang="en-US" dirty="0"/>
+          </a:p>
+        </p:txBody>
+      </p:sp>
+      <p:sp>
+        <p:nvSpPr>
+          <p:cNvPr id="8" name="テキスト ボックス 7">
+            <a:extLst>
+              <a:ext uri="{FF2B5EF4-FFF2-40B4-BE49-F238E27FC236}">
+                <a16:creationId xmlns:a16="http://schemas.microsoft.com/office/drawing/2014/main" id="{00373865-CF5C-E5B8-E934-48021BEDC8B2}"/>
+              </a:ext>
+            </a:extLst>
+          </p:cNvPr>
+          <p:cNvSpPr txBox="1"/>
+          <p:nvPr/>
+        </p:nvSpPr>
+        <p:spPr>
+          <a:xfrm>
+            <a:off x="407503" y="1033669"/>
+            <a:ext cx="5161722" cy="369332"/>
+          </a:xfrm>
+          <a:prstGeom prst="rect">
+            <a:avLst/>
+          </a:prstGeom>
+          <a:noFill/>
+        </p:spPr>
+        <p:txBody>
+          <a:bodyPr wrap="square" rtlCol="0">
+            <a:spAutoFit/>
+          </a:bodyPr>
+          <a:lstStyle/>
+          <a:p>
+            <a:r>
+              <a:rPr kumimoji="1" lang="ja-JP" altLang="en-US" dirty="0"/>
+              <a:t>メールに記載された</a:t>
+            </a:r>
+            <a:r>
+              <a:rPr kumimoji="1" lang="en-US" altLang="ja-JP" dirty="0"/>
+              <a:t>URL</a:t>
+            </a:r>
+            <a:r>
+              <a:rPr kumimoji="1" lang="ja-JP" altLang="en-US" dirty="0"/>
+              <a:t>をクリックする</a:t>
+            </a:r>
+          </a:p>
+        </p:txBody>
+      </p:sp>
+      <p:pic>
+        <p:nvPicPr>
+          <p:cNvPr id="16" name="図 15" descr="グラフィカル ユーザー インターフェイス, テキスト, アプリケーション, チャットまたはテキスト メッセージ&#10;&#10;AI 生成コンテンツは誤りを含む可能性があります。">
+            <a:extLst>
+              <a:ext uri="{FF2B5EF4-FFF2-40B4-BE49-F238E27FC236}">
+                <a16:creationId xmlns:a16="http://schemas.microsoft.com/office/drawing/2014/main" id="{8AD5CFE3-0C40-8D0A-9F14-32CCA80719A4}"/>
+              </a:ext>
+            </a:extLst>
+          </p:cNvPr>
+          <p:cNvPicPr>
+            <a:picLocks noChangeAspect="1"/>
+          </p:cNvPicPr>
+          <p:nvPr/>
+        </p:nvPicPr>
+        <p:blipFill>
+          <a:blip r:embed="rId2"/>
+          <a:stretch>
+            <a:fillRect/>
+          </a:stretch>
+        </p:blipFill>
+        <p:spPr>
+          <a:xfrm>
+            <a:off x="1054433" y="1597863"/>
+            <a:ext cx="4219048" cy="4504762"/>
+          </a:xfrm>
+          <a:prstGeom prst="rect">
+            <a:avLst/>
+          </a:prstGeom>
+        </p:spPr>
+      </p:pic>
+      <p:sp>
+        <p:nvSpPr>
+          <p:cNvPr id="19" name="矢印: 右 18">
+            <a:extLst>
+              <a:ext uri="{FF2B5EF4-FFF2-40B4-BE49-F238E27FC236}">
+                <a16:creationId xmlns:a16="http://schemas.microsoft.com/office/drawing/2014/main" id="{A269E79B-CD53-FAA2-4972-A8C6A0B7354A}"/>
+              </a:ext>
+            </a:extLst>
+          </p:cNvPr>
+          <p:cNvSpPr/>
+          <p:nvPr/>
+        </p:nvSpPr>
+        <p:spPr>
+          <a:xfrm>
+            <a:off x="5804452" y="3230217"/>
+            <a:ext cx="546652" cy="894522"/>
+          </a:xfrm>
+          <a:prstGeom prst="rightArrow">
+            <a:avLst/>
+          </a:prstGeom>
+          <a:noFill/>
+        </p:spPr>
+        <p:style>
+          <a:lnRef idx="2">
+            <a:schemeClr val="accent1">
+              <a:shade val="15000"/>
+            </a:schemeClr>
+          </a:lnRef>
+          <a:fillRef idx="1">
+            <a:schemeClr val="accent1"/>
+          </a:fillRef>
+          <a:effectRef idx="0">
+            <a:schemeClr val="accent1"/>
+          </a:effectRef>
+          <a:fontRef idx="minor">
+            <a:schemeClr val="lt1"/>
+          </a:fontRef>
+        </p:style>
+        <p:txBody>
+          <a:bodyPr rtlCol="0" anchor="ctr"/>
+          <a:lstStyle/>
+          <a:p>
+            <a:pPr algn="ctr"/>
+            <a:endParaRPr kumimoji="1" lang="ja-JP" altLang="en-US" sz="1200" dirty="0">
+              <a:solidFill>
+                <a:schemeClr val="tx1"/>
+              </a:solidFill>
+            </a:endParaRPr>
+          </a:p>
+        </p:txBody>
+      </p:sp>
+      <p:pic>
+        <p:nvPicPr>
+          <p:cNvPr id="3" name="図 2">
+            <a:extLst>
+              <a:ext uri="{FF2B5EF4-FFF2-40B4-BE49-F238E27FC236}">
+                <a16:creationId xmlns:a16="http://schemas.microsoft.com/office/drawing/2014/main" id="{2425F23E-6C1C-C144-AE6F-7CF964F338D8}"/>
+              </a:ext>
+            </a:extLst>
+          </p:cNvPr>
+          <p:cNvPicPr>
+            <a:picLocks noChangeAspect="1"/>
+          </p:cNvPicPr>
+          <p:nvPr/>
+        </p:nvPicPr>
+        <p:blipFill>
+          <a:blip r:embed="rId3"/>
+          <a:stretch>
+            <a:fillRect/>
+          </a:stretch>
+        </p:blipFill>
+        <p:spPr>
+          <a:xfrm>
+            <a:off x="7081061" y="864530"/>
+            <a:ext cx="4152381" cy="5238095"/>
+          </a:xfrm>
+          <a:prstGeom prst="rect">
+            <a:avLst/>
+          </a:prstGeom>
+        </p:spPr>
+      </p:pic>
+    </p:spTree>
+    <p:extLst>
+      <p:ext uri="{BB962C8B-B14F-4D97-AF65-F5344CB8AC3E}">
+        <p14:creationId xmlns:p14="http://schemas.microsoft.com/office/powerpoint/2010/main" val="4021810870"/>
+      </p:ext>
+    </p:extLst>
+  </p:cSld>
+  <p:clrMapOvr>
+    <a:masterClrMapping/>
+  </p:clrMapOvr>
+</p:sld>
+</file>
+
+<file path=ppt/slides/slide14.xml><?xml version="1.0" encoding="utf-8"?>
+<p:sld xmlns:a="http://schemas.openxmlformats.org/drawingml/2006/main" xmlns:r="http://schemas.openxmlformats.org/officeDocument/2006/relationships" xmlns:p="http://schemas.openxmlformats.org/presentationml/2006/main">
+  <p:cSld>
+    <p:spTree>
+      <p:nvGrpSpPr>
+        <p:cNvPr id="1" name="">
+          <a:extLst>
+            <a:ext uri="{FF2B5EF4-FFF2-40B4-BE49-F238E27FC236}">
               <a16:creationId xmlns:a16="http://schemas.microsoft.com/office/drawing/2014/main" id="{6E998B16-C5FE-E1B9-6871-B27E52A5153F}"/>
             </a:ext>
           </a:extLst>
@@ -4617,7 +4881,7 @@
 </p:sld>
 </file>
 
-<file path=ppt/slides/slide14.xml><?xml version="1.0" encoding="utf-8"?>
+<file path=ppt/slides/slide15.xml><?xml version="1.0" encoding="utf-8"?>
 <p:sld xmlns:a="http://schemas.openxmlformats.org/drawingml/2006/main" xmlns:r="http://schemas.openxmlformats.org/officeDocument/2006/relationships" xmlns:p="http://schemas.openxmlformats.org/presentationml/2006/main">
   <p:cSld>
     <p:spTree>
@@ -4755,7 +5019,7 @@
 </p:sld>
 </file>
 
-<file path=ppt/slides/slide15.xml><?xml version="1.0" encoding="utf-8"?>
+<file path=ppt/slides/slide16.xml><?xml version="1.0" encoding="utf-8"?>
 <p:sld xmlns:a="http://schemas.openxmlformats.org/drawingml/2006/main" xmlns:r="http://schemas.openxmlformats.org/officeDocument/2006/relationships" xmlns:p="http://schemas.openxmlformats.org/presentationml/2006/main">
   <p:cSld>
     <p:spTree>
@@ -4893,7 +5157,7 @@
 </p:sld>
 </file>
 
-<file path=ppt/slides/slide16.xml><?xml version="1.0" encoding="utf-8"?>
+<file path=ppt/slides/slide17.xml><?xml version="1.0" encoding="utf-8"?>
 <p:sld xmlns:a="http://schemas.openxmlformats.org/drawingml/2006/main" xmlns:r="http://schemas.openxmlformats.org/officeDocument/2006/relationships" xmlns:p="http://schemas.openxmlformats.org/presentationml/2006/main">
   <p:cSld>
     <p:spTree>
@@ -5031,7 +5295,7 @@
 </p:sld>
 </file>
 
-<file path=ppt/slides/slide17.xml><?xml version="1.0" encoding="utf-8"?>
+<file path=ppt/slides/slide18.xml><?xml version="1.0" encoding="utf-8"?>
 <p:sld xmlns:a="http://schemas.openxmlformats.org/drawingml/2006/main" xmlns:r="http://schemas.openxmlformats.org/officeDocument/2006/relationships" xmlns:p="http://schemas.openxmlformats.org/presentationml/2006/main">
   <p:cSld>
     <p:spTree>
@@ -5219,7 +5483,7 @@
 </p:sld>
 </file>
 
-<file path=ppt/slides/slide18.xml><?xml version="1.0" encoding="utf-8"?>
+<file path=ppt/slides/slide19.xml><?xml version="1.0" encoding="utf-8"?>
 <p:sld xmlns:a="http://schemas.openxmlformats.org/drawingml/2006/main" xmlns:r="http://schemas.openxmlformats.org/officeDocument/2006/relationships" xmlns:p="http://schemas.openxmlformats.org/presentationml/2006/main">
   <p:cSld>
     <p:spTree>
@@ -5383,304 +5647,6 @@
     <p:extLst>
       <p:ext uri="{BB962C8B-B14F-4D97-AF65-F5344CB8AC3E}">
         <p14:creationId xmlns:p14="http://schemas.microsoft.com/office/powerpoint/2010/main" val="4066768440"/>
-      </p:ext>
-    </p:extLst>
-  </p:cSld>
-  <p:clrMapOvr>
-    <a:masterClrMapping/>
-  </p:clrMapOvr>
-</p:sld>
-</file>
-
-<file path=ppt/slides/slide19.xml><?xml version="1.0" encoding="utf-8"?>
-<p:sld xmlns:a="http://schemas.openxmlformats.org/drawingml/2006/main" xmlns:r="http://schemas.openxmlformats.org/officeDocument/2006/relationships" xmlns:p="http://schemas.openxmlformats.org/presentationml/2006/main">
-  <p:cSld>
-    <p:spTree>
-      <p:nvGrpSpPr>
-        <p:cNvPr id="1" name="">
-          <a:extLst>
-            <a:ext uri="{FF2B5EF4-FFF2-40B4-BE49-F238E27FC236}">
-              <a16:creationId xmlns:a16="http://schemas.microsoft.com/office/drawing/2014/main" id="{A3FA11F1-F304-40E8-6A7B-3E6513CC6788}"/>
-            </a:ext>
-          </a:extLst>
-        </p:cNvPr>
-        <p:cNvGrpSpPr/>
-        <p:nvPr/>
-      </p:nvGrpSpPr>
-      <p:grpSpPr>
-        <a:xfrm>
-          <a:off x="0" y="0"/>
-          <a:ext cx="0" cy="0"/>
-          <a:chOff x="0" y="0"/>
-          <a:chExt cx="0" cy="0"/>
-        </a:xfrm>
-      </p:grpSpPr>
-      <p:cxnSp>
-        <p:nvCxnSpPr>
-          <p:cNvPr id="4" name="直線コネクタ 3">
-            <a:extLst>
-              <a:ext uri="{FF2B5EF4-FFF2-40B4-BE49-F238E27FC236}">
-                <a16:creationId xmlns:a16="http://schemas.microsoft.com/office/drawing/2014/main" id="{860D0F2E-1A7D-95F4-3AF6-0B4903C286B3}"/>
-              </a:ext>
-            </a:extLst>
-          </p:cNvPr>
-          <p:cNvCxnSpPr/>
-          <p:nvPr/>
-        </p:nvCxnSpPr>
-        <p:spPr>
-          <a:xfrm>
-            <a:off x="228600" y="755374"/>
-            <a:ext cx="11936896" cy="0"/>
-          </a:xfrm>
-          <a:prstGeom prst="line">
-            <a:avLst/>
-          </a:prstGeom>
-        </p:spPr>
-        <p:style>
-          <a:lnRef idx="2">
-            <a:schemeClr val="accent1"/>
-          </a:lnRef>
-          <a:fillRef idx="0">
-            <a:schemeClr val="accent1"/>
-          </a:fillRef>
-          <a:effectRef idx="1">
-            <a:schemeClr val="accent1"/>
-          </a:effectRef>
-          <a:fontRef idx="minor">
-            <a:schemeClr val="tx1"/>
-          </a:fontRef>
-        </p:style>
-      </p:cxnSp>
-      <p:sp>
-        <p:nvSpPr>
-          <p:cNvPr id="5" name="テキスト ボックス 4">
-            <a:extLst>
-              <a:ext uri="{FF2B5EF4-FFF2-40B4-BE49-F238E27FC236}">
-                <a16:creationId xmlns:a16="http://schemas.microsoft.com/office/drawing/2014/main" id="{2D5CA193-749A-2C4C-8C52-6F235F0DF838}"/>
-              </a:ext>
-            </a:extLst>
-          </p:cNvPr>
-          <p:cNvSpPr txBox="1"/>
-          <p:nvPr/>
-        </p:nvSpPr>
-        <p:spPr>
-          <a:xfrm>
-            <a:off x="407503" y="198783"/>
-            <a:ext cx="11449879" cy="369332"/>
-          </a:xfrm>
-          <a:prstGeom prst="rect">
-            <a:avLst/>
-          </a:prstGeom>
-          <a:noFill/>
-        </p:spPr>
-        <p:txBody>
-          <a:bodyPr wrap="square" rtlCol="0">
-            <a:spAutoFit/>
-          </a:bodyPr>
-          <a:lstStyle/>
-          <a:p>
-            <a:r>
-              <a:rPr lang="ja-JP" altLang="en-US" dirty="0"/>
-              <a:t>スーパーバイザー：博物館の削除</a:t>
-            </a:r>
-            <a:endParaRPr kumimoji="1" lang="ja-JP" altLang="en-US" dirty="0"/>
-          </a:p>
-        </p:txBody>
-      </p:sp>
-      <p:pic>
-        <p:nvPicPr>
-          <p:cNvPr id="10" name="図 9" descr="グラフィカル ユーザー インターフェイス, アプリケーション&#10;&#10;AI 生成コンテンツは誤りを含む可能性があります。">
-            <a:extLst>
-              <a:ext uri="{FF2B5EF4-FFF2-40B4-BE49-F238E27FC236}">
-                <a16:creationId xmlns:a16="http://schemas.microsoft.com/office/drawing/2014/main" id="{BE42CBEB-3762-9CB8-8758-DF6F6D196AE7}"/>
-              </a:ext>
-            </a:extLst>
-          </p:cNvPr>
-          <p:cNvPicPr>
-            <a:picLocks noChangeAspect="1"/>
-          </p:cNvPicPr>
-          <p:nvPr/>
-        </p:nvPicPr>
-        <p:blipFill>
-          <a:blip r:embed="rId2"/>
-          <a:stretch>
-            <a:fillRect/>
-          </a:stretch>
-        </p:blipFill>
-        <p:spPr>
-          <a:xfrm>
-            <a:off x="1394789" y="1149042"/>
-            <a:ext cx="8657143" cy="3923809"/>
-          </a:xfrm>
-          <a:prstGeom prst="rect">
-            <a:avLst/>
-          </a:prstGeom>
-        </p:spPr>
-      </p:pic>
-      <p:sp>
-        <p:nvSpPr>
-          <p:cNvPr id="2" name="楕円 1">
-            <a:extLst>
-              <a:ext uri="{FF2B5EF4-FFF2-40B4-BE49-F238E27FC236}">
-                <a16:creationId xmlns:a16="http://schemas.microsoft.com/office/drawing/2014/main" id="{6C4EE685-B4B1-7141-4B68-30A0300D52C4}"/>
-              </a:ext>
-            </a:extLst>
-          </p:cNvPr>
-          <p:cNvSpPr/>
-          <p:nvPr/>
-        </p:nvSpPr>
-        <p:spPr>
-          <a:xfrm>
-            <a:off x="8706678" y="4084984"/>
-            <a:ext cx="636106" cy="427382"/>
-          </a:xfrm>
-          <a:prstGeom prst="ellipse">
-            <a:avLst/>
-          </a:prstGeom>
-          <a:noFill/>
-          <a:ln>
-            <a:solidFill>
-              <a:srgbClr val="FF0000"/>
-            </a:solidFill>
-          </a:ln>
-        </p:spPr>
-        <p:style>
-          <a:lnRef idx="2">
-            <a:schemeClr val="accent1">
-              <a:shade val="15000"/>
-            </a:schemeClr>
-          </a:lnRef>
-          <a:fillRef idx="1">
-            <a:schemeClr val="accent1"/>
-          </a:fillRef>
-          <a:effectRef idx="0">
-            <a:schemeClr val="accent1"/>
-          </a:effectRef>
-          <a:fontRef idx="minor">
-            <a:schemeClr val="lt1"/>
-          </a:fontRef>
-        </p:style>
-        <p:txBody>
-          <a:bodyPr rtlCol="0" anchor="ctr"/>
-          <a:lstStyle/>
-          <a:p>
-            <a:pPr algn="ctr"/>
-            <a:endParaRPr kumimoji="1" lang="ja-JP" altLang="en-US" sz="1200" dirty="0">
-              <a:solidFill>
-                <a:schemeClr val="tx1"/>
-              </a:solidFill>
-            </a:endParaRPr>
-          </a:p>
-        </p:txBody>
-      </p:sp>
-      <p:sp>
-        <p:nvSpPr>
-          <p:cNvPr id="3" name="テキスト ボックス 2">
-            <a:extLst>
-              <a:ext uri="{FF2B5EF4-FFF2-40B4-BE49-F238E27FC236}">
-                <a16:creationId xmlns:a16="http://schemas.microsoft.com/office/drawing/2014/main" id="{AA33D95B-3242-6B5C-52E3-688FFAD96F33}"/>
-              </a:ext>
-            </a:extLst>
-          </p:cNvPr>
-          <p:cNvSpPr txBox="1"/>
-          <p:nvPr/>
-        </p:nvSpPr>
-        <p:spPr>
-          <a:xfrm>
-            <a:off x="5928692" y="5917960"/>
-            <a:ext cx="6828183" cy="369332"/>
-          </a:xfrm>
-          <a:prstGeom prst="rect">
-            <a:avLst/>
-          </a:prstGeom>
-          <a:noFill/>
-        </p:spPr>
-        <p:txBody>
-          <a:bodyPr wrap="square" rtlCol="0">
-            <a:spAutoFit/>
-          </a:bodyPr>
-          <a:lstStyle/>
-          <a:p>
-            <a:r>
-              <a:rPr kumimoji="1" lang="ja-JP" altLang="en-US" dirty="0"/>
-              <a:t>削除ボタンで対象の博物館がゴミ箱に移動する</a:t>
-            </a:r>
-          </a:p>
-        </p:txBody>
-      </p:sp>
-      <p:pic>
-        <p:nvPicPr>
-          <p:cNvPr id="7" name="図 6" descr="グラフィカル ユーザー インターフェイス, テキスト, アプリケーション, チャットまたはテキスト メッセージ&#10;&#10;AI 生成コンテンツは誤りを含む可能性があります。">
-            <a:extLst>
-              <a:ext uri="{FF2B5EF4-FFF2-40B4-BE49-F238E27FC236}">
-                <a16:creationId xmlns:a16="http://schemas.microsoft.com/office/drawing/2014/main" id="{87AEB6B3-EAB0-68A0-6E63-B80C1DDD1D8F}"/>
-              </a:ext>
-            </a:extLst>
-          </p:cNvPr>
-          <p:cNvPicPr>
-            <a:picLocks noChangeAspect="1"/>
-          </p:cNvPicPr>
-          <p:nvPr/>
-        </p:nvPicPr>
-        <p:blipFill>
-          <a:blip r:embed="rId3"/>
-          <a:stretch>
-            <a:fillRect/>
-          </a:stretch>
-        </p:blipFill>
-        <p:spPr>
-          <a:xfrm>
-            <a:off x="1113183" y="5388340"/>
-            <a:ext cx="4295238" cy="1428571"/>
-          </a:xfrm>
-          <a:prstGeom prst="rect">
-            <a:avLst/>
-          </a:prstGeom>
-        </p:spPr>
-      </p:pic>
-      <p:cxnSp>
-        <p:nvCxnSpPr>
-          <p:cNvPr id="9" name="直線矢印コネクタ 8">
-            <a:extLst>
-              <a:ext uri="{FF2B5EF4-FFF2-40B4-BE49-F238E27FC236}">
-                <a16:creationId xmlns:a16="http://schemas.microsoft.com/office/drawing/2014/main" id="{9F27DFB3-2277-5004-C330-023F246723B6}"/>
-              </a:ext>
-            </a:extLst>
-          </p:cNvPr>
-          <p:cNvCxnSpPr/>
-          <p:nvPr/>
-        </p:nvCxnSpPr>
-        <p:spPr>
-          <a:xfrm flipH="1">
-            <a:off x="5723360" y="4512366"/>
-            <a:ext cx="3102588" cy="1093304"/>
-          </a:xfrm>
-          <a:prstGeom prst="straightConnector1">
-            <a:avLst/>
-          </a:prstGeom>
-          <a:ln>
-            <a:tailEnd type="triangle"/>
-          </a:ln>
-        </p:spPr>
-        <p:style>
-          <a:lnRef idx="2">
-            <a:schemeClr val="accent1"/>
-          </a:lnRef>
-          <a:fillRef idx="0">
-            <a:schemeClr val="accent1"/>
-          </a:fillRef>
-          <a:effectRef idx="1">
-            <a:schemeClr val="accent1"/>
-          </a:effectRef>
-          <a:fontRef idx="minor">
-            <a:schemeClr val="tx1"/>
-          </a:fontRef>
-        </p:style>
-      </p:cxnSp>
-    </p:spTree>
-    <p:extLst>
-      <p:ext uri="{BB962C8B-B14F-4D97-AF65-F5344CB8AC3E}">
-        <p14:creationId xmlns:p14="http://schemas.microsoft.com/office/powerpoint/2010/main" val="3127086336"/>
       </p:ext>
     </p:extLst>
   </p:cSld>
@@ -6094,6 +6060,304 @@
         <p:cNvPr id="1" name="">
           <a:extLst>
             <a:ext uri="{FF2B5EF4-FFF2-40B4-BE49-F238E27FC236}">
+              <a16:creationId xmlns:a16="http://schemas.microsoft.com/office/drawing/2014/main" id="{A3FA11F1-F304-40E8-6A7B-3E6513CC6788}"/>
+            </a:ext>
+          </a:extLst>
+        </p:cNvPr>
+        <p:cNvGrpSpPr/>
+        <p:nvPr/>
+      </p:nvGrpSpPr>
+      <p:grpSpPr>
+        <a:xfrm>
+          <a:off x="0" y="0"/>
+          <a:ext cx="0" cy="0"/>
+          <a:chOff x="0" y="0"/>
+          <a:chExt cx="0" cy="0"/>
+        </a:xfrm>
+      </p:grpSpPr>
+      <p:cxnSp>
+        <p:nvCxnSpPr>
+          <p:cNvPr id="4" name="直線コネクタ 3">
+            <a:extLst>
+              <a:ext uri="{FF2B5EF4-FFF2-40B4-BE49-F238E27FC236}">
+                <a16:creationId xmlns:a16="http://schemas.microsoft.com/office/drawing/2014/main" id="{860D0F2E-1A7D-95F4-3AF6-0B4903C286B3}"/>
+              </a:ext>
+            </a:extLst>
+          </p:cNvPr>
+          <p:cNvCxnSpPr/>
+          <p:nvPr/>
+        </p:nvCxnSpPr>
+        <p:spPr>
+          <a:xfrm>
+            <a:off x="228600" y="755374"/>
+            <a:ext cx="11936896" cy="0"/>
+          </a:xfrm>
+          <a:prstGeom prst="line">
+            <a:avLst/>
+          </a:prstGeom>
+        </p:spPr>
+        <p:style>
+          <a:lnRef idx="2">
+            <a:schemeClr val="accent1"/>
+          </a:lnRef>
+          <a:fillRef idx="0">
+            <a:schemeClr val="accent1"/>
+          </a:fillRef>
+          <a:effectRef idx="1">
+            <a:schemeClr val="accent1"/>
+          </a:effectRef>
+          <a:fontRef idx="minor">
+            <a:schemeClr val="tx1"/>
+          </a:fontRef>
+        </p:style>
+      </p:cxnSp>
+      <p:sp>
+        <p:nvSpPr>
+          <p:cNvPr id="5" name="テキスト ボックス 4">
+            <a:extLst>
+              <a:ext uri="{FF2B5EF4-FFF2-40B4-BE49-F238E27FC236}">
+                <a16:creationId xmlns:a16="http://schemas.microsoft.com/office/drawing/2014/main" id="{2D5CA193-749A-2C4C-8C52-6F235F0DF838}"/>
+              </a:ext>
+            </a:extLst>
+          </p:cNvPr>
+          <p:cNvSpPr txBox="1"/>
+          <p:nvPr/>
+        </p:nvSpPr>
+        <p:spPr>
+          <a:xfrm>
+            <a:off x="407503" y="198783"/>
+            <a:ext cx="11449879" cy="369332"/>
+          </a:xfrm>
+          <a:prstGeom prst="rect">
+            <a:avLst/>
+          </a:prstGeom>
+          <a:noFill/>
+        </p:spPr>
+        <p:txBody>
+          <a:bodyPr wrap="square" rtlCol="0">
+            <a:spAutoFit/>
+          </a:bodyPr>
+          <a:lstStyle/>
+          <a:p>
+            <a:r>
+              <a:rPr lang="ja-JP" altLang="en-US" dirty="0"/>
+              <a:t>スーパーバイザー：博物館の削除</a:t>
+            </a:r>
+            <a:endParaRPr kumimoji="1" lang="ja-JP" altLang="en-US" dirty="0"/>
+          </a:p>
+        </p:txBody>
+      </p:sp>
+      <p:pic>
+        <p:nvPicPr>
+          <p:cNvPr id="10" name="図 9" descr="グラフィカル ユーザー インターフェイス, アプリケーション&#10;&#10;AI 生成コンテンツは誤りを含む可能性があります。">
+            <a:extLst>
+              <a:ext uri="{FF2B5EF4-FFF2-40B4-BE49-F238E27FC236}">
+                <a16:creationId xmlns:a16="http://schemas.microsoft.com/office/drawing/2014/main" id="{BE42CBEB-3762-9CB8-8758-DF6F6D196AE7}"/>
+              </a:ext>
+            </a:extLst>
+          </p:cNvPr>
+          <p:cNvPicPr>
+            <a:picLocks noChangeAspect="1"/>
+          </p:cNvPicPr>
+          <p:nvPr/>
+        </p:nvPicPr>
+        <p:blipFill>
+          <a:blip r:embed="rId2"/>
+          <a:stretch>
+            <a:fillRect/>
+          </a:stretch>
+        </p:blipFill>
+        <p:spPr>
+          <a:xfrm>
+            <a:off x="1394789" y="1149042"/>
+            <a:ext cx="8657143" cy="3923809"/>
+          </a:xfrm>
+          <a:prstGeom prst="rect">
+            <a:avLst/>
+          </a:prstGeom>
+        </p:spPr>
+      </p:pic>
+      <p:sp>
+        <p:nvSpPr>
+          <p:cNvPr id="2" name="楕円 1">
+            <a:extLst>
+              <a:ext uri="{FF2B5EF4-FFF2-40B4-BE49-F238E27FC236}">
+                <a16:creationId xmlns:a16="http://schemas.microsoft.com/office/drawing/2014/main" id="{6C4EE685-B4B1-7141-4B68-30A0300D52C4}"/>
+              </a:ext>
+            </a:extLst>
+          </p:cNvPr>
+          <p:cNvSpPr/>
+          <p:nvPr/>
+        </p:nvSpPr>
+        <p:spPr>
+          <a:xfrm>
+            <a:off x="8706678" y="4084984"/>
+            <a:ext cx="636106" cy="427382"/>
+          </a:xfrm>
+          <a:prstGeom prst="ellipse">
+            <a:avLst/>
+          </a:prstGeom>
+          <a:noFill/>
+          <a:ln>
+            <a:solidFill>
+              <a:srgbClr val="FF0000"/>
+            </a:solidFill>
+          </a:ln>
+        </p:spPr>
+        <p:style>
+          <a:lnRef idx="2">
+            <a:schemeClr val="accent1">
+              <a:shade val="15000"/>
+            </a:schemeClr>
+          </a:lnRef>
+          <a:fillRef idx="1">
+            <a:schemeClr val="accent1"/>
+          </a:fillRef>
+          <a:effectRef idx="0">
+            <a:schemeClr val="accent1"/>
+          </a:effectRef>
+          <a:fontRef idx="minor">
+            <a:schemeClr val="lt1"/>
+          </a:fontRef>
+        </p:style>
+        <p:txBody>
+          <a:bodyPr rtlCol="0" anchor="ctr"/>
+          <a:lstStyle/>
+          <a:p>
+            <a:pPr algn="ctr"/>
+            <a:endParaRPr kumimoji="1" lang="ja-JP" altLang="en-US" sz="1200" dirty="0">
+              <a:solidFill>
+                <a:schemeClr val="tx1"/>
+              </a:solidFill>
+            </a:endParaRPr>
+          </a:p>
+        </p:txBody>
+      </p:sp>
+      <p:sp>
+        <p:nvSpPr>
+          <p:cNvPr id="3" name="テキスト ボックス 2">
+            <a:extLst>
+              <a:ext uri="{FF2B5EF4-FFF2-40B4-BE49-F238E27FC236}">
+                <a16:creationId xmlns:a16="http://schemas.microsoft.com/office/drawing/2014/main" id="{AA33D95B-3242-6B5C-52E3-688FFAD96F33}"/>
+              </a:ext>
+            </a:extLst>
+          </p:cNvPr>
+          <p:cNvSpPr txBox="1"/>
+          <p:nvPr/>
+        </p:nvSpPr>
+        <p:spPr>
+          <a:xfrm>
+            <a:off x="5928692" y="5917960"/>
+            <a:ext cx="6828183" cy="369332"/>
+          </a:xfrm>
+          <a:prstGeom prst="rect">
+            <a:avLst/>
+          </a:prstGeom>
+          <a:noFill/>
+        </p:spPr>
+        <p:txBody>
+          <a:bodyPr wrap="square" rtlCol="0">
+            <a:spAutoFit/>
+          </a:bodyPr>
+          <a:lstStyle/>
+          <a:p>
+            <a:r>
+              <a:rPr kumimoji="1" lang="ja-JP" altLang="en-US" dirty="0"/>
+              <a:t>削除ボタンで対象の博物館がゴミ箱に移動する</a:t>
+            </a:r>
+          </a:p>
+        </p:txBody>
+      </p:sp>
+      <p:pic>
+        <p:nvPicPr>
+          <p:cNvPr id="7" name="図 6" descr="グラフィカル ユーザー インターフェイス, テキスト, アプリケーション, チャットまたはテキスト メッセージ&#10;&#10;AI 生成コンテンツは誤りを含む可能性があります。">
+            <a:extLst>
+              <a:ext uri="{FF2B5EF4-FFF2-40B4-BE49-F238E27FC236}">
+                <a16:creationId xmlns:a16="http://schemas.microsoft.com/office/drawing/2014/main" id="{87AEB6B3-EAB0-68A0-6E63-B80C1DDD1D8F}"/>
+              </a:ext>
+            </a:extLst>
+          </p:cNvPr>
+          <p:cNvPicPr>
+            <a:picLocks noChangeAspect="1"/>
+          </p:cNvPicPr>
+          <p:nvPr/>
+        </p:nvPicPr>
+        <p:blipFill>
+          <a:blip r:embed="rId3"/>
+          <a:stretch>
+            <a:fillRect/>
+          </a:stretch>
+        </p:blipFill>
+        <p:spPr>
+          <a:xfrm>
+            <a:off x="1113183" y="5388340"/>
+            <a:ext cx="4295238" cy="1428571"/>
+          </a:xfrm>
+          <a:prstGeom prst="rect">
+            <a:avLst/>
+          </a:prstGeom>
+        </p:spPr>
+      </p:pic>
+      <p:cxnSp>
+        <p:nvCxnSpPr>
+          <p:cNvPr id="9" name="直線矢印コネクタ 8">
+            <a:extLst>
+              <a:ext uri="{FF2B5EF4-FFF2-40B4-BE49-F238E27FC236}">
+                <a16:creationId xmlns:a16="http://schemas.microsoft.com/office/drawing/2014/main" id="{9F27DFB3-2277-5004-C330-023F246723B6}"/>
+              </a:ext>
+            </a:extLst>
+          </p:cNvPr>
+          <p:cNvCxnSpPr/>
+          <p:nvPr/>
+        </p:nvCxnSpPr>
+        <p:spPr>
+          <a:xfrm flipH="1">
+            <a:off x="5723360" y="4512366"/>
+            <a:ext cx="3102588" cy="1093304"/>
+          </a:xfrm>
+          <a:prstGeom prst="straightConnector1">
+            <a:avLst/>
+          </a:prstGeom>
+          <a:ln>
+            <a:tailEnd type="triangle"/>
+          </a:ln>
+        </p:spPr>
+        <p:style>
+          <a:lnRef idx="2">
+            <a:schemeClr val="accent1"/>
+          </a:lnRef>
+          <a:fillRef idx="0">
+            <a:schemeClr val="accent1"/>
+          </a:fillRef>
+          <a:effectRef idx="1">
+            <a:schemeClr val="accent1"/>
+          </a:effectRef>
+          <a:fontRef idx="minor">
+            <a:schemeClr val="tx1"/>
+          </a:fontRef>
+        </p:style>
+      </p:cxnSp>
+    </p:spTree>
+    <p:extLst>
+      <p:ext uri="{BB962C8B-B14F-4D97-AF65-F5344CB8AC3E}">
+        <p14:creationId xmlns:p14="http://schemas.microsoft.com/office/powerpoint/2010/main" val="3127086336"/>
+      </p:ext>
+    </p:extLst>
+  </p:cSld>
+  <p:clrMapOvr>
+    <a:masterClrMapping/>
+  </p:clrMapOvr>
+</p:sld>
+</file>
+
+<file path=ppt/slides/slide21.xml><?xml version="1.0" encoding="utf-8"?>
+<p:sld xmlns:a="http://schemas.openxmlformats.org/drawingml/2006/main" xmlns:r="http://schemas.openxmlformats.org/officeDocument/2006/relationships" xmlns:p="http://schemas.openxmlformats.org/presentationml/2006/main">
+  <p:cSld>
+    <p:spTree>
+      <p:nvGrpSpPr>
+        <p:cNvPr id="1" name="">
+          <a:extLst>
+            <a:ext uri="{FF2B5EF4-FFF2-40B4-BE49-F238E27FC236}">
               <a16:creationId xmlns:a16="http://schemas.microsoft.com/office/drawing/2014/main" id="{9E2498A7-FF46-A37A-5C55-AD914A884374}"/>
             </a:ext>
           </a:extLst>
@@ -6224,7 +6488,7 @@
 </p:sld>
 </file>
 
-<file path=ppt/slides/slide21.xml><?xml version="1.0" encoding="utf-8"?>
+<file path=ppt/slides/slide22.xml><?xml version="1.0" encoding="utf-8"?>
 <p:sld xmlns:a="http://schemas.openxmlformats.org/drawingml/2006/main" xmlns:r="http://schemas.openxmlformats.org/officeDocument/2006/relationships" xmlns:p="http://schemas.openxmlformats.org/presentationml/2006/main">
   <p:cSld>
     <p:spTree>
@@ -6419,7 +6683,7 @@
 </p:sld>
 </file>
 
-<file path=ppt/slides/slide22.xml><?xml version="1.0" encoding="utf-8"?>
+<file path=ppt/slides/slide23.xml><?xml version="1.0" encoding="utf-8"?>
 <p:sld xmlns:a="http://schemas.openxmlformats.org/drawingml/2006/main" xmlns:r="http://schemas.openxmlformats.org/officeDocument/2006/relationships" xmlns:p="http://schemas.openxmlformats.org/presentationml/2006/main">
   <p:cSld>
     <p:spTree>
@@ -6630,7 +6894,7 @@
 </p:sld>
 </file>
 
-<file path=ppt/slides/slide23.xml><?xml version="1.0" encoding="utf-8"?>
+<file path=ppt/slides/slide24.xml><?xml version="1.0" encoding="utf-8"?>
 <p:sld xmlns:a="http://schemas.openxmlformats.org/drawingml/2006/main" xmlns:r="http://schemas.openxmlformats.org/officeDocument/2006/relationships" xmlns:p="http://schemas.openxmlformats.org/presentationml/2006/main">
   <p:cSld>
     <p:spTree>
@@ -6768,7 +7032,7 @@
 </p:sld>
 </file>
 
-<file path=ppt/slides/slide24.xml><?xml version="1.0" encoding="utf-8"?>
+<file path=ppt/slides/slide25.xml><?xml version="1.0" encoding="utf-8"?>
 <p:sld xmlns:a="http://schemas.openxmlformats.org/drawingml/2006/main" xmlns:r="http://schemas.openxmlformats.org/officeDocument/2006/relationships" xmlns:p="http://schemas.openxmlformats.org/presentationml/2006/main">
   <p:cSld>
     <p:spTree>
@@ -6906,7 +7170,7 @@
 </p:sld>
 </file>
 
-<file path=ppt/slides/slide25.xml><?xml version="1.0" encoding="utf-8"?>
+<file path=ppt/slides/slide26.xml><?xml version="1.0" encoding="utf-8"?>
 <p:sld xmlns:a="http://schemas.openxmlformats.org/drawingml/2006/main" xmlns:r="http://schemas.openxmlformats.org/officeDocument/2006/relationships" xmlns:p="http://schemas.openxmlformats.org/presentationml/2006/main">
   <p:cSld>
     <p:spTree>
@@ -7044,7 +7308,7 @@
 </p:sld>
 </file>
 
-<file path=ppt/slides/slide26.xml><?xml version="1.0" encoding="utf-8"?>
+<file path=ppt/slides/slide27.xml><?xml version="1.0" encoding="utf-8"?>
 <p:sld xmlns:a="http://schemas.openxmlformats.org/drawingml/2006/main" xmlns:r="http://schemas.openxmlformats.org/officeDocument/2006/relationships" xmlns:p="http://schemas.openxmlformats.org/presentationml/2006/main">
   <p:cSld>
     <p:spTree>
@@ -7268,7 +7532,7 @@
 </p:sld>
 </file>
 
-<file path=ppt/slides/slide27.xml><?xml version="1.0" encoding="utf-8"?>
+<file path=ppt/slides/slide28.xml><?xml version="1.0" encoding="utf-8"?>
 <p:sld xmlns:a="http://schemas.openxmlformats.org/drawingml/2006/main" xmlns:r="http://schemas.openxmlformats.org/officeDocument/2006/relationships" xmlns:p="http://schemas.openxmlformats.org/presentationml/2006/main">
   <p:cSld>
     <p:spTree>
@@ -7436,7 +7700,7 @@
 </p:sld>
 </file>
 
-<file path=ppt/slides/slide28.xml><?xml version="1.0" encoding="utf-8"?>
+<file path=ppt/slides/slide29.xml><?xml version="1.0" encoding="utf-8"?>
 <p:sld xmlns:a="http://schemas.openxmlformats.org/drawingml/2006/main" xmlns:r="http://schemas.openxmlformats.org/officeDocument/2006/relationships" xmlns:p="http://schemas.openxmlformats.org/presentationml/2006/main">
   <p:cSld>
     <p:spTree>
@@ -7608,174 +7872,6 @@
     <p:extLst>
       <p:ext uri="{BB962C8B-B14F-4D97-AF65-F5344CB8AC3E}">
         <p14:creationId xmlns:p14="http://schemas.microsoft.com/office/powerpoint/2010/main" val="632783655"/>
-      </p:ext>
-    </p:extLst>
-  </p:cSld>
-  <p:clrMapOvr>
-    <a:masterClrMapping/>
-  </p:clrMapOvr>
-</p:sld>
-</file>
-
-<file path=ppt/slides/slide29.xml><?xml version="1.0" encoding="utf-8"?>
-<p:sld xmlns:a="http://schemas.openxmlformats.org/drawingml/2006/main" xmlns:r="http://schemas.openxmlformats.org/officeDocument/2006/relationships" xmlns:p="http://schemas.openxmlformats.org/presentationml/2006/main">
-  <p:cSld>
-    <p:spTree>
-      <p:nvGrpSpPr>
-        <p:cNvPr id="1" name="">
-          <a:extLst>
-            <a:ext uri="{FF2B5EF4-FFF2-40B4-BE49-F238E27FC236}">
-              <a16:creationId xmlns:a16="http://schemas.microsoft.com/office/drawing/2014/main" id="{4FC77037-DFF9-10BC-00C5-18E8D1CB7F33}"/>
-            </a:ext>
-          </a:extLst>
-        </p:cNvPr>
-        <p:cNvGrpSpPr/>
-        <p:nvPr/>
-      </p:nvGrpSpPr>
-      <p:grpSpPr>
-        <a:xfrm>
-          <a:off x="0" y="0"/>
-          <a:ext cx="0" cy="0"/>
-          <a:chOff x="0" y="0"/>
-          <a:chExt cx="0" cy="0"/>
-        </a:xfrm>
-      </p:grpSpPr>
-      <p:cxnSp>
-        <p:nvCxnSpPr>
-          <p:cNvPr id="4" name="直線コネクタ 3">
-            <a:extLst>
-              <a:ext uri="{FF2B5EF4-FFF2-40B4-BE49-F238E27FC236}">
-                <a16:creationId xmlns:a16="http://schemas.microsoft.com/office/drawing/2014/main" id="{9B07F59D-7BDF-7FE1-9682-BB823882C31B}"/>
-              </a:ext>
-            </a:extLst>
-          </p:cNvPr>
-          <p:cNvCxnSpPr/>
-          <p:nvPr/>
-        </p:nvCxnSpPr>
-        <p:spPr>
-          <a:xfrm>
-            <a:off x="228600" y="755374"/>
-            <a:ext cx="11936896" cy="0"/>
-          </a:xfrm>
-          <a:prstGeom prst="line">
-            <a:avLst/>
-          </a:prstGeom>
-        </p:spPr>
-        <p:style>
-          <a:lnRef idx="2">
-            <a:schemeClr val="accent1"/>
-          </a:lnRef>
-          <a:fillRef idx="0">
-            <a:schemeClr val="accent1"/>
-          </a:fillRef>
-          <a:effectRef idx="1">
-            <a:schemeClr val="accent1"/>
-          </a:effectRef>
-          <a:fontRef idx="minor">
-            <a:schemeClr val="tx1"/>
-          </a:fontRef>
-        </p:style>
-      </p:cxnSp>
-      <p:sp>
-        <p:nvSpPr>
-          <p:cNvPr id="5" name="テキスト ボックス 4">
-            <a:extLst>
-              <a:ext uri="{FF2B5EF4-FFF2-40B4-BE49-F238E27FC236}">
-                <a16:creationId xmlns:a16="http://schemas.microsoft.com/office/drawing/2014/main" id="{FE7794BD-2A13-F37F-CCE1-BD4837A43E8A}"/>
-              </a:ext>
-            </a:extLst>
-          </p:cNvPr>
-          <p:cNvSpPr txBox="1"/>
-          <p:nvPr/>
-        </p:nvSpPr>
-        <p:spPr>
-          <a:xfrm>
-            <a:off x="407503" y="198783"/>
-            <a:ext cx="11449879" cy="369332"/>
-          </a:xfrm>
-          <a:prstGeom prst="rect">
-            <a:avLst/>
-          </a:prstGeom>
-          <a:noFill/>
-        </p:spPr>
-        <p:txBody>
-          <a:bodyPr wrap="square" rtlCol="0">
-            <a:spAutoFit/>
-          </a:bodyPr>
-          <a:lstStyle/>
-          <a:p>
-            <a:r>
-              <a:rPr lang="ja-JP" altLang="en-US" dirty="0"/>
-              <a:t>博物館編集者：担当博物館一覧</a:t>
-            </a:r>
-            <a:endParaRPr kumimoji="1" lang="ja-JP" altLang="en-US" dirty="0"/>
-          </a:p>
-        </p:txBody>
-      </p:sp>
-      <p:pic>
-        <p:nvPicPr>
-          <p:cNvPr id="3" name="図 2" descr="グラフィカル ユーザー インターフェイス, テキスト, アプリケーション, チャットまたはテキスト メッセージ&#10;&#10;AI 生成コンテンツは誤りを含む可能性があります。">
-            <a:extLst>
-              <a:ext uri="{FF2B5EF4-FFF2-40B4-BE49-F238E27FC236}">
-                <a16:creationId xmlns:a16="http://schemas.microsoft.com/office/drawing/2014/main" id="{62EFCFCC-95F8-AFD5-AB3F-422EB449AACA}"/>
-              </a:ext>
-            </a:extLst>
-          </p:cNvPr>
-          <p:cNvPicPr>
-            <a:picLocks noChangeAspect="1"/>
-          </p:cNvPicPr>
-          <p:nvPr/>
-        </p:nvPicPr>
-        <p:blipFill>
-          <a:blip r:embed="rId2"/>
-          <a:stretch>
-            <a:fillRect/>
-          </a:stretch>
-        </p:blipFill>
-        <p:spPr>
-          <a:xfrm>
-            <a:off x="6982278" y="1126673"/>
-            <a:ext cx="3952381" cy="3809524"/>
-          </a:xfrm>
-          <a:prstGeom prst="rect">
-            <a:avLst/>
-          </a:prstGeom>
-        </p:spPr>
-      </p:pic>
-      <p:pic>
-        <p:nvPicPr>
-          <p:cNvPr id="7" name="図 6" descr="グラフィカル ユーザー インターフェイス, テキスト, アプリケーション, チャットまたはテキスト メッセージ&#10;&#10;AI 生成コンテンツは誤りを含む可能性があります。">
-            <a:extLst>
-              <a:ext uri="{FF2B5EF4-FFF2-40B4-BE49-F238E27FC236}">
-                <a16:creationId xmlns:a16="http://schemas.microsoft.com/office/drawing/2014/main" id="{B72B316E-BC17-C8C4-BD42-1853E10107EB}"/>
-              </a:ext>
-            </a:extLst>
-          </p:cNvPr>
-          <p:cNvPicPr>
-            <a:picLocks noChangeAspect="1"/>
-          </p:cNvPicPr>
-          <p:nvPr/>
-        </p:nvPicPr>
-        <p:blipFill>
-          <a:blip r:embed="rId3"/>
-          <a:stretch>
-            <a:fillRect/>
-          </a:stretch>
-        </p:blipFill>
-        <p:spPr>
-          <a:xfrm>
-            <a:off x="880068" y="1164768"/>
-            <a:ext cx="3971429" cy="3771429"/>
-          </a:xfrm>
-          <a:prstGeom prst="rect">
-            <a:avLst/>
-          </a:prstGeom>
-        </p:spPr>
-      </p:pic>
-    </p:spTree>
-    <p:extLst>
-      <p:ext uri="{BB962C8B-B14F-4D97-AF65-F5344CB8AC3E}">
-        <p14:creationId xmlns:p14="http://schemas.microsoft.com/office/powerpoint/2010/main" val="3809674116"/>
       </p:ext>
     </p:extLst>
   </p:cSld>
@@ -8522,6 +8618,174 @@
         <p:cNvPr id="1" name="">
           <a:extLst>
             <a:ext uri="{FF2B5EF4-FFF2-40B4-BE49-F238E27FC236}">
+              <a16:creationId xmlns:a16="http://schemas.microsoft.com/office/drawing/2014/main" id="{4FC77037-DFF9-10BC-00C5-18E8D1CB7F33}"/>
+            </a:ext>
+          </a:extLst>
+        </p:cNvPr>
+        <p:cNvGrpSpPr/>
+        <p:nvPr/>
+      </p:nvGrpSpPr>
+      <p:grpSpPr>
+        <a:xfrm>
+          <a:off x="0" y="0"/>
+          <a:ext cx="0" cy="0"/>
+          <a:chOff x="0" y="0"/>
+          <a:chExt cx="0" cy="0"/>
+        </a:xfrm>
+      </p:grpSpPr>
+      <p:cxnSp>
+        <p:nvCxnSpPr>
+          <p:cNvPr id="4" name="直線コネクタ 3">
+            <a:extLst>
+              <a:ext uri="{FF2B5EF4-FFF2-40B4-BE49-F238E27FC236}">
+                <a16:creationId xmlns:a16="http://schemas.microsoft.com/office/drawing/2014/main" id="{9B07F59D-7BDF-7FE1-9682-BB823882C31B}"/>
+              </a:ext>
+            </a:extLst>
+          </p:cNvPr>
+          <p:cNvCxnSpPr/>
+          <p:nvPr/>
+        </p:nvCxnSpPr>
+        <p:spPr>
+          <a:xfrm>
+            <a:off x="228600" y="755374"/>
+            <a:ext cx="11936896" cy="0"/>
+          </a:xfrm>
+          <a:prstGeom prst="line">
+            <a:avLst/>
+          </a:prstGeom>
+        </p:spPr>
+        <p:style>
+          <a:lnRef idx="2">
+            <a:schemeClr val="accent1"/>
+          </a:lnRef>
+          <a:fillRef idx="0">
+            <a:schemeClr val="accent1"/>
+          </a:fillRef>
+          <a:effectRef idx="1">
+            <a:schemeClr val="accent1"/>
+          </a:effectRef>
+          <a:fontRef idx="minor">
+            <a:schemeClr val="tx1"/>
+          </a:fontRef>
+        </p:style>
+      </p:cxnSp>
+      <p:sp>
+        <p:nvSpPr>
+          <p:cNvPr id="5" name="テキスト ボックス 4">
+            <a:extLst>
+              <a:ext uri="{FF2B5EF4-FFF2-40B4-BE49-F238E27FC236}">
+                <a16:creationId xmlns:a16="http://schemas.microsoft.com/office/drawing/2014/main" id="{FE7794BD-2A13-F37F-CCE1-BD4837A43E8A}"/>
+              </a:ext>
+            </a:extLst>
+          </p:cNvPr>
+          <p:cNvSpPr txBox="1"/>
+          <p:nvPr/>
+        </p:nvSpPr>
+        <p:spPr>
+          <a:xfrm>
+            <a:off x="407503" y="198783"/>
+            <a:ext cx="11449879" cy="369332"/>
+          </a:xfrm>
+          <a:prstGeom prst="rect">
+            <a:avLst/>
+          </a:prstGeom>
+          <a:noFill/>
+        </p:spPr>
+        <p:txBody>
+          <a:bodyPr wrap="square" rtlCol="0">
+            <a:spAutoFit/>
+          </a:bodyPr>
+          <a:lstStyle/>
+          <a:p>
+            <a:r>
+              <a:rPr lang="ja-JP" altLang="en-US" dirty="0"/>
+              <a:t>博物館編集者：担当博物館一覧</a:t>
+            </a:r>
+            <a:endParaRPr kumimoji="1" lang="ja-JP" altLang="en-US" dirty="0"/>
+          </a:p>
+        </p:txBody>
+      </p:sp>
+      <p:pic>
+        <p:nvPicPr>
+          <p:cNvPr id="3" name="図 2" descr="グラフィカル ユーザー インターフェイス, テキスト, アプリケーション, チャットまたはテキスト メッセージ&#10;&#10;AI 生成コンテンツは誤りを含む可能性があります。">
+            <a:extLst>
+              <a:ext uri="{FF2B5EF4-FFF2-40B4-BE49-F238E27FC236}">
+                <a16:creationId xmlns:a16="http://schemas.microsoft.com/office/drawing/2014/main" id="{62EFCFCC-95F8-AFD5-AB3F-422EB449AACA}"/>
+              </a:ext>
+            </a:extLst>
+          </p:cNvPr>
+          <p:cNvPicPr>
+            <a:picLocks noChangeAspect="1"/>
+          </p:cNvPicPr>
+          <p:nvPr/>
+        </p:nvPicPr>
+        <p:blipFill>
+          <a:blip r:embed="rId2"/>
+          <a:stretch>
+            <a:fillRect/>
+          </a:stretch>
+        </p:blipFill>
+        <p:spPr>
+          <a:xfrm>
+            <a:off x="6982278" y="1126673"/>
+            <a:ext cx="3952381" cy="3809524"/>
+          </a:xfrm>
+          <a:prstGeom prst="rect">
+            <a:avLst/>
+          </a:prstGeom>
+        </p:spPr>
+      </p:pic>
+      <p:pic>
+        <p:nvPicPr>
+          <p:cNvPr id="7" name="図 6" descr="グラフィカル ユーザー インターフェイス, テキスト, アプリケーション, チャットまたはテキスト メッセージ&#10;&#10;AI 生成コンテンツは誤りを含む可能性があります。">
+            <a:extLst>
+              <a:ext uri="{FF2B5EF4-FFF2-40B4-BE49-F238E27FC236}">
+                <a16:creationId xmlns:a16="http://schemas.microsoft.com/office/drawing/2014/main" id="{B72B316E-BC17-C8C4-BD42-1853E10107EB}"/>
+              </a:ext>
+            </a:extLst>
+          </p:cNvPr>
+          <p:cNvPicPr>
+            <a:picLocks noChangeAspect="1"/>
+          </p:cNvPicPr>
+          <p:nvPr/>
+        </p:nvPicPr>
+        <p:blipFill>
+          <a:blip r:embed="rId3"/>
+          <a:stretch>
+            <a:fillRect/>
+          </a:stretch>
+        </p:blipFill>
+        <p:spPr>
+          <a:xfrm>
+            <a:off x="880068" y="1164768"/>
+            <a:ext cx="3971429" cy="3771429"/>
+          </a:xfrm>
+          <a:prstGeom prst="rect">
+            <a:avLst/>
+          </a:prstGeom>
+        </p:spPr>
+      </p:pic>
+    </p:spTree>
+    <p:extLst>
+      <p:ext uri="{BB962C8B-B14F-4D97-AF65-F5344CB8AC3E}">
+        <p14:creationId xmlns:p14="http://schemas.microsoft.com/office/powerpoint/2010/main" val="3809674116"/>
+      </p:ext>
+    </p:extLst>
+  </p:cSld>
+  <p:clrMapOvr>
+    <a:masterClrMapping/>
+  </p:clrMapOvr>
+</p:sld>
+</file>
+
+<file path=ppt/slides/slide31.xml><?xml version="1.0" encoding="utf-8"?>
+<p:sld xmlns:a="http://schemas.openxmlformats.org/drawingml/2006/main" xmlns:r="http://schemas.openxmlformats.org/officeDocument/2006/relationships" xmlns:p="http://schemas.openxmlformats.org/presentationml/2006/main">
+  <p:cSld>
+    <p:spTree>
+      <p:nvGrpSpPr>
+        <p:cNvPr id="1" name="">
+          <a:extLst>
+            <a:ext uri="{FF2B5EF4-FFF2-40B4-BE49-F238E27FC236}">
               <a16:creationId xmlns:a16="http://schemas.microsoft.com/office/drawing/2014/main" id="{65BEB65E-1DB5-9BC3-361B-0A520669F0B5}"/>
             </a:ext>
           </a:extLst>
@@ -8687,7 +8951,7 @@
 </p:sld>
 </file>
 
-<file path=ppt/slides/slide31.xml><?xml version="1.0" encoding="utf-8"?>
+<file path=ppt/slides/slide32.xml><?xml version="1.0" encoding="utf-8"?>
 <p:sld xmlns:a="http://schemas.openxmlformats.org/drawingml/2006/main" xmlns:r="http://schemas.openxmlformats.org/officeDocument/2006/relationships" xmlns:p="http://schemas.openxmlformats.org/presentationml/2006/main">
   <p:cSld>
     <p:spTree>
@@ -8916,7 +9180,7 @@
 </p:sld>
 </file>
 
-<file path=ppt/slides/slide32.xml><?xml version="1.0" encoding="utf-8"?>
+<file path=ppt/slides/slide33.xml><?xml version="1.0" encoding="utf-8"?>
 <p:sld xmlns:a="http://schemas.openxmlformats.org/drawingml/2006/main" xmlns:r="http://schemas.openxmlformats.org/officeDocument/2006/relationships" xmlns:p="http://schemas.openxmlformats.org/presentationml/2006/main">
   <p:cSld>
     <p:spTree>
@@ -9408,7 +9672,7 @@
 </p:sld>
 </file>
 
-<file path=ppt/slides/slide33.xml><?xml version="1.0" encoding="utf-8"?>
+<file path=ppt/slides/slide34.xml><?xml version="1.0" encoding="utf-8"?>
 <p:sld xmlns:a="http://schemas.openxmlformats.org/drawingml/2006/main" xmlns:r="http://schemas.openxmlformats.org/officeDocument/2006/relationships" xmlns:p="http://schemas.openxmlformats.org/presentationml/2006/main">
   <p:cSld>
     <p:spTree>
@@ -9637,7 +9901,7 @@
 </p:sld>
 </file>
 
-<file path=ppt/slides/slide34.xml><?xml version="1.0" encoding="utf-8"?>
+<file path=ppt/slides/slide35.xml><?xml version="1.0" encoding="utf-8"?>
 <p:sld xmlns:a="http://schemas.openxmlformats.org/drawingml/2006/main" xmlns:r="http://schemas.openxmlformats.org/officeDocument/2006/relationships" xmlns:p="http://schemas.openxmlformats.org/presentationml/2006/main">
   <p:cSld>
     <p:spTree>
@@ -9726,7 +9990,72 @@
           <a:p>
             <a:r>
               <a:rPr kumimoji="1" lang="ja-JP" altLang="en-US" dirty="0"/>
-              <a:t>新規展示物の登録</a:t>
+              <a:t>新規展示物の管理</a:t>
+            </a:r>
+          </a:p>
+        </p:txBody>
+      </p:sp>
+      <p:pic>
+        <p:nvPicPr>
+          <p:cNvPr id="3" name="図 2">
+            <a:extLst>
+              <a:ext uri="{FF2B5EF4-FFF2-40B4-BE49-F238E27FC236}">
+                <a16:creationId xmlns:a16="http://schemas.microsoft.com/office/drawing/2014/main" id="{612A1F4C-AC79-77B2-253C-3EF57DF6D815}"/>
+              </a:ext>
+            </a:extLst>
+          </p:cNvPr>
+          <p:cNvPicPr>
+            <a:picLocks noChangeAspect="1"/>
+          </p:cNvPicPr>
+          <p:nvPr/>
+        </p:nvPicPr>
+        <p:blipFill>
+          <a:blip r:embed="rId2"/>
+          <a:stretch>
+            <a:fillRect/>
+          </a:stretch>
+        </p:blipFill>
+        <p:spPr>
+          <a:xfrm>
+            <a:off x="407503" y="2024502"/>
+            <a:ext cx="8874755" cy="4363744"/>
+          </a:xfrm>
+          <a:prstGeom prst="rect">
+            <a:avLst/>
+          </a:prstGeom>
+        </p:spPr>
+      </p:pic>
+      <p:sp>
+        <p:nvSpPr>
+          <p:cNvPr id="6" name="テキスト ボックス 5">
+            <a:extLst>
+              <a:ext uri="{FF2B5EF4-FFF2-40B4-BE49-F238E27FC236}">
+                <a16:creationId xmlns:a16="http://schemas.microsoft.com/office/drawing/2014/main" id="{517957A3-1180-78B3-7013-511B5132375E}"/>
+              </a:ext>
+            </a:extLst>
+          </p:cNvPr>
+          <p:cNvSpPr txBox="1"/>
+          <p:nvPr/>
+        </p:nvSpPr>
+        <p:spPr>
+          <a:xfrm>
+            <a:off x="407503" y="944217"/>
+            <a:ext cx="10634871" cy="369332"/>
+          </a:xfrm>
+          <a:prstGeom prst="rect">
+            <a:avLst/>
+          </a:prstGeom>
+          <a:noFill/>
+        </p:spPr>
+        <p:txBody>
+          <a:bodyPr wrap="square" rtlCol="0">
+            <a:spAutoFit/>
+          </a:bodyPr>
+          <a:lstStyle/>
+          <a:p>
+            <a:r>
+              <a:rPr kumimoji="1" lang="ja-JP" altLang="en-US" dirty="0"/>
+              <a:t>登録済み展示物の一覧を見ることができる</a:t>
             </a:r>
           </a:p>
         </p:txBody>
@@ -9744,7 +10073,7 @@
 </p:sld>
 </file>
 
-<file path=ppt/slides/slide35.xml><?xml version="1.0" encoding="utf-8"?>
+<file path=ppt/slides/slide36.xml><?xml version="1.0" encoding="utf-8"?>
 <p:sld xmlns:a="http://schemas.openxmlformats.org/drawingml/2006/main" xmlns:r="http://schemas.openxmlformats.org/officeDocument/2006/relationships" xmlns:p="http://schemas.openxmlformats.org/presentationml/2006/main">
   <p:cSld>
     <p:spTree>
@@ -9767,12 +10096,83 @@
           <a:chExt cx="0" cy="0"/>
         </a:xfrm>
       </p:grpSpPr>
+      <p:cxnSp>
+        <p:nvCxnSpPr>
+          <p:cNvPr id="4" name="直線コネクタ 3">
+            <a:extLst>
+              <a:ext uri="{FF2B5EF4-FFF2-40B4-BE49-F238E27FC236}">
+                <a16:creationId xmlns:a16="http://schemas.microsoft.com/office/drawing/2014/main" id="{F7F27F1B-D684-EDCA-3942-0C0984B6ECD5}"/>
+              </a:ext>
+            </a:extLst>
+          </p:cNvPr>
+          <p:cNvCxnSpPr/>
+          <p:nvPr/>
+        </p:nvCxnSpPr>
+        <p:spPr>
+          <a:xfrm>
+            <a:off x="228600" y="755374"/>
+            <a:ext cx="11936896" cy="0"/>
+          </a:xfrm>
+          <a:prstGeom prst="line">
+            <a:avLst/>
+          </a:prstGeom>
+        </p:spPr>
+        <p:style>
+          <a:lnRef idx="2">
+            <a:schemeClr val="accent1"/>
+          </a:lnRef>
+          <a:fillRef idx="0">
+            <a:schemeClr val="accent1"/>
+          </a:fillRef>
+          <a:effectRef idx="1">
+            <a:schemeClr val="accent1"/>
+          </a:effectRef>
+          <a:fontRef idx="minor">
+            <a:schemeClr val="tx1"/>
+          </a:fontRef>
+        </p:style>
+      </p:cxnSp>
+      <p:sp>
+        <p:nvSpPr>
+          <p:cNvPr id="5" name="テキスト ボックス 4">
+            <a:extLst>
+              <a:ext uri="{FF2B5EF4-FFF2-40B4-BE49-F238E27FC236}">
+                <a16:creationId xmlns:a16="http://schemas.microsoft.com/office/drawing/2014/main" id="{897913D5-3635-471E-1827-E06D38D66A1E}"/>
+              </a:ext>
+            </a:extLst>
+          </p:cNvPr>
+          <p:cNvSpPr txBox="1"/>
+          <p:nvPr/>
+        </p:nvSpPr>
+        <p:spPr>
+          <a:xfrm>
+            <a:off x="407503" y="198783"/>
+            <a:ext cx="11449879" cy="369332"/>
+          </a:xfrm>
+          <a:prstGeom prst="rect">
+            <a:avLst/>
+          </a:prstGeom>
+          <a:noFill/>
+        </p:spPr>
+        <p:txBody>
+          <a:bodyPr wrap="square" rtlCol="0">
+            <a:spAutoFit/>
+          </a:bodyPr>
+          <a:lstStyle/>
+          <a:p>
+            <a:r>
+              <a:rPr kumimoji="1" lang="ja-JP" altLang="en-US" dirty="0"/>
+              <a:t>新規展示物の登録</a:t>
+            </a:r>
+          </a:p>
+        </p:txBody>
+      </p:sp>
       <p:pic>
         <p:nvPicPr>
-          <p:cNvPr id="6" name="図 5">
-            <a:extLst>
-              <a:ext uri="{FF2B5EF4-FFF2-40B4-BE49-F238E27FC236}">
-                <a16:creationId xmlns:a16="http://schemas.microsoft.com/office/drawing/2014/main" id="{E0EA9295-3BC4-F6A0-E285-B99901C623A5}"/>
+          <p:cNvPr id="9" name="図 8">
+            <a:extLst>
+              <a:ext uri="{FF2B5EF4-FFF2-40B4-BE49-F238E27FC236}">
+                <a16:creationId xmlns:a16="http://schemas.microsoft.com/office/drawing/2014/main" id="{8A029BCB-148F-5142-57A1-473B2C5DFC24}"/>
               </a:ext>
             </a:extLst>
           </p:cNvPr>
@@ -9789,91 +10189,50 @@
         </p:blipFill>
         <p:spPr>
           <a:xfrm>
-            <a:off x="248521" y="962512"/>
-            <a:ext cx="3647618" cy="1629033"/>
+            <a:off x="5743064" y="568115"/>
+            <a:ext cx="6114318" cy="6289885"/>
           </a:xfrm>
           <a:prstGeom prst="rect">
             <a:avLst/>
           </a:prstGeom>
         </p:spPr>
       </p:pic>
-      <p:cxnSp>
-        <p:nvCxnSpPr>
-          <p:cNvPr id="4" name="直線コネクタ 3">
-            <a:extLst>
-              <a:ext uri="{FF2B5EF4-FFF2-40B4-BE49-F238E27FC236}">
-                <a16:creationId xmlns:a16="http://schemas.microsoft.com/office/drawing/2014/main" id="{F7F27F1B-D684-EDCA-3942-0C0984B6ECD5}"/>
-              </a:ext>
-            </a:extLst>
-          </p:cNvPr>
-          <p:cNvCxnSpPr/>
-          <p:nvPr/>
-        </p:nvCxnSpPr>
-        <p:spPr>
-          <a:xfrm>
-            <a:off x="228600" y="755374"/>
-            <a:ext cx="11936896" cy="0"/>
-          </a:xfrm>
-          <a:prstGeom prst="line">
-            <a:avLst/>
-          </a:prstGeom>
-        </p:spPr>
-        <p:style>
-          <a:lnRef idx="2">
-            <a:schemeClr val="accent1"/>
-          </a:lnRef>
-          <a:fillRef idx="0">
-            <a:schemeClr val="accent1"/>
-          </a:fillRef>
-          <a:effectRef idx="1">
-            <a:schemeClr val="accent1"/>
-          </a:effectRef>
-          <a:fontRef idx="minor">
-            <a:schemeClr val="tx1"/>
-          </a:fontRef>
-        </p:style>
-      </p:cxnSp>
-      <p:sp>
-        <p:nvSpPr>
-          <p:cNvPr id="5" name="テキスト ボックス 4">
-            <a:extLst>
-              <a:ext uri="{FF2B5EF4-FFF2-40B4-BE49-F238E27FC236}">
-                <a16:creationId xmlns:a16="http://schemas.microsoft.com/office/drawing/2014/main" id="{897913D5-3635-471E-1827-E06D38D66A1E}"/>
-              </a:ext>
-            </a:extLst>
-          </p:cNvPr>
-          <p:cNvSpPr txBox="1"/>
-          <p:nvPr/>
-        </p:nvSpPr>
-        <p:spPr>
-          <a:xfrm>
-            <a:off x="407503" y="198783"/>
-            <a:ext cx="11449879" cy="369332"/>
-          </a:xfrm>
-          <a:prstGeom prst="rect">
-            <a:avLst/>
-          </a:prstGeom>
-          <a:noFill/>
-        </p:spPr>
-        <p:txBody>
-          <a:bodyPr wrap="square" rtlCol="0">
-            <a:spAutoFit/>
-          </a:bodyPr>
-          <a:lstStyle/>
-          <a:p>
-            <a:r>
-              <a:rPr kumimoji="1" lang="ja-JP" altLang="en-US" dirty="0"/>
-              <a:t>新規展示物の登録</a:t>
-            </a:r>
-          </a:p>
-        </p:txBody>
-      </p:sp>
-      <p:sp>
-        <p:nvSpPr>
-          <p:cNvPr id="3" name="楕円 2">
-            <a:extLst>
-              <a:ext uri="{FF2B5EF4-FFF2-40B4-BE49-F238E27FC236}">
-                <a16:creationId xmlns:a16="http://schemas.microsoft.com/office/drawing/2014/main" id="{E6F1739D-A431-5233-E267-B6939A5E00B8}"/>
+      <p:pic>
+        <p:nvPicPr>
+          <p:cNvPr id="10" name="図 9">
+            <a:extLst>
+              <a:ext uri="{FF2B5EF4-FFF2-40B4-BE49-F238E27FC236}">
+                <a16:creationId xmlns:a16="http://schemas.microsoft.com/office/drawing/2014/main" id="{0409A4C7-0F0D-220C-091D-0398B73A4E98}"/>
+              </a:ext>
+            </a:extLst>
+          </p:cNvPr>
+          <p:cNvPicPr>
+            <a:picLocks noChangeAspect="1"/>
+          </p:cNvPicPr>
+          <p:nvPr/>
+        </p:nvPicPr>
+        <p:blipFill>
+          <a:blip r:embed="rId3"/>
+          <a:stretch>
+            <a:fillRect/>
+          </a:stretch>
+        </p:blipFill>
+        <p:spPr>
+          <a:xfrm>
+            <a:off x="193347" y="2424401"/>
+            <a:ext cx="5241603" cy="2577312"/>
+          </a:xfrm>
+          <a:prstGeom prst="rect">
+            <a:avLst/>
+          </a:prstGeom>
+        </p:spPr>
+      </p:pic>
+      <p:sp>
+        <p:nvSpPr>
+          <p:cNvPr id="11" name="楕円 10">
+            <a:extLst>
+              <a:ext uri="{FF2B5EF4-FFF2-40B4-BE49-F238E27FC236}">
+                <a16:creationId xmlns:a16="http://schemas.microsoft.com/office/drawing/2014/main" id="{B1D19712-3C76-1C2A-567D-E3A133221831}"/>
               </a:ext>
             </a:extLst>
           </p:cNvPr>
@@ -9882,8 +10241,8 @@
         </p:nvSpPr>
         <p:spPr>
           <a:xfrm>
-            <a:off x="2713382" y="942634"/>
-            <a:ext cx="1351722" cy="299757"/>
+            <a:off x="4470853" y="2237141"/>
+            <a:ext cx="1035425" cy="546652"/>
           </a:xfrm>
           <a:prstGeom prst="ellipse">
             <a:avLst/>
@@ -9921,6 +10280,41 @@
                 <a:schemeClr val="tx1"/>
               </a:solidFill>
             </a:endParaRPr>
+          </a:p>
+        </p:txBody>
+      </p:sp>
+      <p:sp>
+        <p:nvSpPr>
+          <p:cNvPr id="12" name="テキスト ボックス 11">
+            <a:extLst>
+              <a:ext uri="{FF2B5EF4-FFF2-40B4-BE49-F238E27FC236}">
+                <a16:creationId xmlns:a16="http://schemas.microsoft.com/office/drawing/2014/main" id="{08037986-6E61-C85E-62C8-12765687C321}"/>
+              </a:ext>
+            </a:extLst>
+          </p:cNvPr>
+          <p:cNvSpPr txBox="1"/>
+          <p:nvPr/>
+        </p:nvSpPr>
+        <p:spPr>
+          <a:xfrm>
+            <a:off x="407503" y="964096"/>
+            <a:ext cx="3906080" cy="369332"/>
+          </a:xfrm>
+          <a:prstGeom prst="rect">
+            <a:avLst/>
+          </a:prstGeom>
+          <a:noFill/>
+        </p:spPr>
+        <p:txBody>
+          <a:bodyPr wrap="square" rtlCol="0">
+            <a:spAutoFit/>
+          </a:bodyPr>
+          <a:lstStyle/>
+          <a:p>
+            <a:r>
+              <a:rPr kumimoji="1" lang="ja-JP" altLang="en-US" dirty="0"/>
+              <a:t>新規登録ボタン</a:t>
+            </a:r>
           </a:p>
         </p:txBody>
       </p:sp>
@@ -9937,7 +10331,265 @@
 </p:sld>
 </file>
 
-<file path=ppt/slides/slide36.xml><?xml version="1.0" encoding="utf-8"?>
+<file path=ppt/slides/slide37.xml><?xml version="1.0" encoding="utf-8"?>
+<p:sld xmlns:a="http://schemas.openxmlformats.org/drawingml/2006/main" xmlns:r="http://schemas.openxmlformats.org/officeDocument/2006/relationships" xmlns:p="http://schemas.openxmlformats.org/presentationml/2006/main">
+  <p:cSld>
+    <p:spTree>
+      <p:nvGrpSpPr>
+        <p:cNvPr id="1" name="">
+          <a:extLst>
+            <a:ext uri="{FF2B5EF4-FFF2-40B4-BE49-F238E27FC236}">
+              <a16:creationId xmlns:a16="http://schemas.microsoft.com/office/drawing/2014/main" id="{86368F88-46BE-07D8-2D1B-E23711BBD83D}"/>
+            </a:ext>
+          </a:extLst>
+        </p:cNvPr>
+        <p:cNvGrpSpPr/>
+        <p:nvPr/>
+      </p:nvGrpSpPr>
+      <p:grpSpPr>
+        <a:xfrm>
+          <a:off x="0" y="0"/>
+          <a:ext cx="0" cy="0"/>
+          <a:chOff x="0" y="0"/>
+          <a:chExt cx="0" cy="0"/>
+        </a:xfrm>
+      </p:grpSpPr>
+      <p:cxnSp>
+        <p:nvCxnSpPr>
+          <p:cNvPr id="4" name="直線コネクタ 3">
+            <a:extLst>
+              <a:ext uri="{FF2B5EF4-FFF2-40B4-BE49-F238E27FC236}">
+                <a16:creationId xmlns:a16="http://schemas.microsoft.com/office/drawing/2014/main" id="{CD8F2490-6F93-1EC2-46EB-6734CB5AB70B}"/>
+              </a:ext>
+            </a:extLst>
+          </p:cNvPr>
+          <p:cNvCxnSpPr/>
+          <p:nvPr/>
+        </p:nvCxnSpPr>
+        <p:spPr>
+          <a:xfrm>
+            <a:off x="228600" y="755374"/>
+            <a:ext cx="11936896" cy="0"/>
+          </a:xfrm>
+          <a:prstGeom prst="line">
+            <a:avLst/>
+          </a:prstGeom>
+        </p:spPr>
+        <p:style>
+          <a:lnRef idx="2">
+            <a:schemeClr val="accent1"/>
+          </a:lnRef>
+          <a:fillRef idx="0">
+            <a:schemeClr val="accent1"/>
+          </a:fillRef>
+          <a:effectRef idx="1">
+            <a:schemeClr val="accent1"/>
+          </a:effectRef>
+          <a:fontRef idx="minor">
+            <a:schemeClr val="tx1"/>
+          </a:fontRef>
+        </p:style>
+      </p:cxnSp>
+      <p:sp>
+        <p:nvSpPr>
+          <p:cNvPr id="5" name="テキスト ボックス 4">
+            <a:extLst>
+              <a:ext uri="{FF2B5EF4-FFF2-40B4-BE49-F238E27FC236}">
+                <a16:creationId xmlns:a16="http://schemas.microsoft.com/office/drawing/2014/main" id="{F1579A4B-C822-812D-2166-52C89B846EFB}"/>
+              </a:ext>
+            </a:extLst>
+          </p:cNvPr>
+          <p:cNvSpPr txBox="1"/>
+          <p:nvPr/>
+        </p:nvSpPr>
+        <p:spPr>
+          <a:xfrm>
+            <a:off x="407503" y="198783"/>
+            <a:ext cx="11449879" cy="369332"/>
+          </a:xfrm>
+          <a:prstGeom prst="rect">
+            <a:avLst/>
+          </a:prstGeom>
+          <a:noFill/>
+        </p:spPr>
+        <p:txBody>
+          <a:bodyPr wrap="square" rtlCol="0">
+            <a:spAutoFit/>
+          </a:bodyPr>
+          <a:lstStyle/>
+          <a:p>
+            <a:r>
+              <a:rPr kumimoji="1" lang="ja-JP" altLang="en-US" dirty="0"/>
+              <a:t>新規展示物の修正</a:t>
+            </a:r>
+          </a:p>
+        </p:txBody>
+      </p:sp>
+      <p:pic>
+        <p:nvPicPr>
+          <p:cNvPr id="9" name="図 8">
+            <a:extLst>
+              <a:ext uri="{FF2B5EF4-FFF2-40B4-BE49-F238E27FC236}">
+                <a16:creationId xmlns:a16="http://schemas.microsoft.com/office/drawing/2014/main" id="{F2683245-238C-EAF8-6917-D454F4F6C592}"/>
+              </a:ext>
+            </a:extLst>
+          </p:cNvPr>
+          <p:cNvPicPr>
+            <a:picLocks noChangeAspect="1"/>
+          </p:cNvPicPr>
+          <p:nvPr/>
+        </p:nvPicPr>
+        <p:blipFill>
+          <a:blip r:embed="rId2"/>
+          <a:stretch>
+            <a:fillRect/>
+          </a:stretch>
+        </p:blipFill>
+        <p:spPr>
+          <a:xfrm>
+            <a:off x="5743064" y="568115"/>
+            <a:ext cx="6114318" cy="6289885"/>
+          </a:xfrm>
+          <a:prstGeom prst="rect">
+            <a:avLst/>
+          </a:prstGeom>
+        </p:spPr>
+      </p:pic>
+      <p:pic>
+        <p:nvPicPr>
+          <p:cNvPr id="10" name="図 9">
+            <a:extLst>
+              <a:ext uri="{FF2B5EF4-FFF2-40B4-BE49-F238E27FC236}">
+                <a16:creationId xmlns:a16="http://schemas.microsoft.com/office/drawing/2014/main" id="{A177F61A-E74C-D666-FE64-5FB34E7FD252}"/>
+              </a:ext>
+            </a:extLst>
+          </p:cNvPr>
+          <p:cNvPicPr>
+            <a:picLocks noChangeAspect="1"/>
+          </p:cNvPicPr>
+          <p:nvPr/>
+        </p:nvPicPr>
+        <p:blipFill>
+          <a:blip r:embed="rId3"/>
+          <a:stretch>
+            <a:fillRect/>
+          </a:stretch>
+        </p:blipFill>
+        <p:spPr>
+          <a:xfrm>
+            <a:off x="193347" y="2424401"/>
+            <a:ext cx="5241603" cy="2577312"/>
+          </a:xfrm>
+          <a:prstGeom prst="rect">
+            <a:avLst/>
+          </a:prstGeom>
+        </p:spPr>
+      </p:pic>
+      <p:sp>
+        <p:nvSpPr>
+          <p:cNvPr id="11" name="楕円 10">
+            <a:extLst>
+              <a:ext uri="{FF2B5EF4-FFF2-40B4-BE49-F238E27FC236}">
+                <a16:creationId xmlns:a16="http://schemas.microsoft.com/office/drawing/2014/main" id="{FDA49159-E62A-57D0-F853-712E453409F0}"/>
+              </a:ext>
+            </a:extLst>
+          </p:cNvPr>
+          <p:cNvSpPr/>
+          <p:nvPr/>
+        </p:nvSpPr>
+        <p:spPr>
+          <a:xfrm>
+            <a:off x="4113046" y="3787645"/>
+            <a:ext cx="498712" cy="546652"/>
+          </a:xfrm>
+          <a:prstGeom prst="ellipse">
+            <a:avLst/>
+          </a:prstGeom>
+          <a:noFill/>
+          <a:ln>
+            <a:solidFill>
+              <a:srgbClr val="FF0000"/>
+            </a:solidFill>
+          </a:ln>
+        </p:spPr>
+        <p:style>
+          <a:lnRef idx="2">
+            <a:schemeClr val="accent1">
+              <a:shade val="15000"/>
+            </a:schemeClr>
+          </a:lnRef>
+          <a:fillRef idx="1">
+            <a:schemeClr val="accent1"/>
+          </a:fillRef>
+          <a:effectRef idx="0">
+            <a:schemeClr val="accent1"/>
+          </a:effectRef>
+          <a:fontRef idx="minor">
+            <a:schemeClr val="lt1"/>
+          </a:fontRef>
+        </p:style>
+        <p:txBody>
+          <a:bodyPr rtlCol="0" anchor="ctr"/>
+          <a:lstStyle/>
+          <a:p>
+            <a:pPr algn="ctr"/>
+            <a:endParaRPr kumimoji="1" lang="ja-JP" altLang="en-US" sz="1200" dirty="0">
+              <a:solidFill>
+                <a:schemeClr val="tx1"/>
+              </a:solidFill>
+            </a:endParaRPr>
+          </a:p>
+        </p:txBody>
+      </p:sp>
+      <p:sp>
+        <p:nvSpPr>
+          <p:cNvPr id="12" name="テキスト ボックス 11">
+            <a:extLst>
+              <a:ext uri="{FF2B5EF4-FFF2-40B4-BE49-F238E27FC236}">
+                <a16:creationId xmlns:a16="http://schemas.microsoft.com/office/drawing/2014/main" id="{84A214E4-D806-BB1F-C7F5-43F72B55260E}"/>
+              </a:ext>
+            </a:extLst>
+          </p:cNvPr>
+          <p:cNvSpPr txBox="1"/>
+          <p:nvPr/>
+        </p:nvSpPr>
+        <p:spPr>
+          <a:xfrm>
+            <a:off x="407503" y="964096"/>
+            <a:ext cx="3906080" cy="369332"/>
+          </a:xfrm>
+          <a:prstGeom prst="rect">
+            <a:avLst/>
+          </a:prstGeom>
+          <a:noFill/>
+        </p:spPr>
+        <p:txBody>
+          <a:bodyPr wrap="square" rtlCol="0">
+            <a:spAutoFit/>
+          </a:bodyPr>
+          <a:lstStyle/>
+          <a:p>
+            <a:r>
+              <a:rPr kumimoji="1" lang="ja-JP" altLang="en-US" dirty="0"/>
+              <a:t>登録した展示物の収支絵</a:t>
+            </a:r>
+          </a:p>
+        </p:txBody>
+      </p:sp>
+    </p:spTree>
+    <p:extLst>
+      <p:ext uri="{BB962C8B-B14F-4D97-AF65-F5344CB8AC3E}">
+        <p14:creationId xmlns:p14="http://schemas.microsoft.com/office/powerpoint/2010/main" val="3430118755"/>
+      </p:ext>
+    </p:extLst>
+  </p:cSld>
+  <p:clrMapOvr>
+    <a:masterClrMapping/>
+  </p:clrMapOvr>
+</p:sld>
+</file>
+
+<file path=ppt/slides/slide38.xml><?xml version="1.0" encoding="utf-8"?>
 <p:sld xmlns:a="http://schemas.openxmlformats.org/drawingml/2006/main" xmlns:r="http://schemas.openxmlformats.org/officeDocument/2006/relationships" xmlns:p="http://schemas.openxmlformats.org/presentationml/2006/main">
   <p:cSld>
     <p:spTree>
@@ -10031,12 +10683,47 @@
           </a:p>
         </p:txBody>
       </p:sp>
+      <p:sp>
+        <p:nvSpPr>
+          <p:cNvPr id="11" name="テキスト ボックス 10">
+            <a:extLst>
+              <a:ext uri="{FF2B5EF4-FFF2-40B4-BE49-F238E27FC236}">
+                <a16:creationId xmlns:a16="http://schemas.microsoft.com/office/drawing/2014/main" id="{F40E5511-E20A-8347-C2F5-AC4DF613B7AB}"/>
+              </a:ext>
+            </a:extLst>
+          </p:cNvPr>
+          <p:cNvSpPr txBox="1"/>
+          <p:nvPr/>
+        </p:nvSpPr>
+        <p:spPr>
+          <a:xfrm>
+            <a:off x="1311965" y="4329282"/>
+            <a:ext cx="8875644" cy="369332"/>
+          </a:xfrm>
+          <a:prstGeom prst="rect">
+            <a:avLst/>
+          </a:prstGeom>
+          <a:noFill/>
+        </p:spPr>
+        <p:txBody>
+          <a:bodyPr wrap="square" rtlCol="0">
+            <a:spAutoFit/>
+          </a:bodyPr>
+          <a:lstStyle/>
+          <a:p>
+            <a:r>
+              <a:rPr kumimoji="1" lang="ja-JP" altLang="en-US" dirty="0"/>
+              <a:t>「日本語を入力し、入力の言語を一括生成」で多言語を自動生成します</a:t>
+            </a:r>
+          </a:p>
+        </p:txBody>
+      </p:sp>
       <p:pic>
         <p:nvPicPr>
-          <p:cNvPr id="10" name="図 9" descr="グラフィカル ユーザー インターフェイス, テキスト, アプリケーション, メール&#10;&#10;AI 生成コンテンツは誤りを含む可能性があります。">
-            <a:extLst>
-              <a:ext uri="{FF2B5EF4-FFF2-40B4-BE49-F238E27FC236}">
-                <a16:creationId xmlns:a16="http://schemas.microsoft.com/office/drawing/2014/main" id="{9DE2B3C1-315B-6F64-E265-C2A900812F72}"/>
+          <p:cNvPr id="3" name="図 2">
+            <a:extLst>
+              <a:ext uri="{FF2B5EF4-FFF2-40B4-BE49-F238E27FC236}">
+                <a16:creationId xmlns:a16="http://schemas.microsoft.com/office/drawing/2014/main" id="{E3F0A54F-FDB5-4B87-CDF5-AE84AAA17BF3}"/>
               </a:ext>
             </a:extLst>
           </p:cNvPr>
@@ -10053,8 +10740,8 @@
         </p:blipFill>
         <p:spPr>
           <a:xfrm>
-            <a:off x="228600" y="942634"/>
-            <a:ext cx="8273939" cy="4541673"/>
+            <a:off x="1057956" y="2214850"/>
+            <a:ext cx="7571428" cy="1295238"/>
           </a:xfrm>
           <a:prstGeom prst="rect">
             <a:avLst/>
@@ -10063,41 +10750,6 @@
       </p:pic>
       <p:sp>
         <p:nvSpPr>
-          <p:cNvPr id="11" name="テキスト ボックス 10">
-            <a:extLst>
-              <a:ext uri="{FF2B5EF4-FFF2-40B4-BE49-F238E27FC236}">
-                <a16:creationId xmlns:a16="http://schemas.microsoft.com/office/drawing/2014/main" id="{F40E5511-E20A-8347-C2F5-AC4DF613B7AB}"/>
-              </a:ext>
-            </a:extLst>
-          </p:cNvPr>
-          <p:cNvSpPr txBox="1"/>
-          <p:nvPr/>
-        </p:nvSpPr>
-        <p:spPr>
-          <a:xfrm>
-            <a:off x="824948" y="5730700"/>
-            <a:ext cx="8875644" cy="369332"/>
-          </a:xfrm>
-          <a:prstGeom prst="rect">
-            <a:avLst/>
-          </a:prstGeom>
-          <a:noFill/>
-        </p:spPr>
-        <p:txBody>
-          <a:bodyPr wrap="square" rtlCol="0">
-            <a:spAutoFit/>
-          </a:bodyPr>
-          <a:lstStyle/>
-          <a:p>
-            <a:r>
-              <a:rPr kumimoji="1" lang="ja-JP" altLang="en-US" dirty="0"/>
-              <a:t>「日本語を入力し、入力の言語を一括生成」で多言語を自動生成します</a:t>
-            </a:r>
-          </a:p>
-        </p:txBody>
-      </p:sp>
-      <p:sp>
-        <p:nvSpPr>
           <p:cNvPr id="12" name="楕円 11">
             <a:extLst>
               <a:ext uri="{FF2B5EF4-FFF2-40B4-BE49-F238E27FC236}">
@@ -10110,7 +10762,7 @@
         </p:nvSpPr>
         <p:spPr>
           <a:xfrm>
-            <a:off x="6096000" y="1709530"/>
+            <a:off x="6523383" y="2697968"/>
             <a:ext cx="2406539" cy="715618"/>
           </a:xfrm>
           <a:prstGeom prst="ellipse">
@@ -10165,7 +10817,7 @@
 </p:sld>
 </file>
 
-<file path=ppt/slides/slide37.xml><?xml version="1.0" encoding="utf-8"?>
+<file path=ppt/slides/slide39.xml><?xml version="1.0" encoding="utf-8"?>
 <p:sld xmlns:a="http://schemas.openxmlformats.org/drawingml/2006/main" xmlns:r="http://schemas.openxmlformats.org/officeDocument/2006/relationships" xmlns:p="http://schemas.openxmlformats.org/presentationml/2006/main">
   <p:cSld>
     <p:spTree>
@@ -10329,391 +10981,6 @@
     <p:extLst>
       <p:ext uri="{BB962C8B-B14F-4D97-AF65-F5344CB8AC3E}">
         <p14:creationId xmlns:p14="http://schemas.microsoft.com/office/powerpoint/2010/main" val="2103843394"/>
-      </p:ext>
-    </p:extLst>
-  </p:cSld>
-  <p:clrMapOvr>
-    <a:masterClrMapping/>
-  </p:clrMapOvr>
-</p:sld>
-</file>
-
-<file path=ppt/slides/slide38.xml><?xml version="1.0" encoding="utf-8"?>
-<p:sld xmlns:a="http://schemas.openxmlformats.org/drawingml/2006/main" xmlns:r="http://schemas.openxmlformats.org/officeDocument/2006/relationships" xmlns:p="http://schemas.openxmlformats.org/presentationml/2006/main">
-  <p:cSld>
-    <p:spTree>
-      <p:nvGrpSpPr>
-        <p:cNvPr id="1" name="">
-          <a:extLst>
-            <a:ext uri="{FF2B5EF4-FFF2-40B4-BE49-F238E27FC236}">
-              <a16:creationId xmlns:a16="http://schemas.microsoft.com/office/drawing/2014/main" id="{90AC8433-8AD1-79F7-E1E4-295FB5C85D23}"/>
-            </a:ext>
-          </a:extLst>
-        </p:cNvPr>
-        <p:cNvGrpSpPr/>
-        <p:nvPr/>
-      </p:nvGrpSpPr>
-      <p:grpSpPr>
-        <a:xfrm>
-          <a:off x="0" y="0"/>
-          <a:ext cx="0" cy="0"/>
-          <a:chOff x="0" y="0"/>
-          <a:chExt cx="0" cy="0"/>
-        </a:xfrm>
-      </p:grpSpPr>
-      <p:cxnSp>
-        <p:nvCxnSpPr>
-          <p:cNvPr id="4" name="直線コネクタ 3">
-            <a:extLst>
-              <a:ext uri="{FF2B5EF4-FFF2-40B4-BE49-F238E27FC236}">
-                <a16:creationId xmlns:a16="http://schemas.microsoft.com/office/drawing/2014/main" id="{1D20F45F-9A44-6202-99DD-BB1F7B7D058E}"/>
-              </a:ext>
-            </a:extLst>
-          </p:cNvPr>
-          <p:cNvCxnSpPr/>
-          <p:nvPr/>
-        </p:nvCxnSpPr>
-        <p:spPr>
-          <a:xfrm>
-            <a:off x="228600" y="755374"/>
-            <a:ext cx="11936896" cy="0"/>
-          </a:xfrm>
-          <a:prstGeom prst="line">
-            <a:avLst/>
-          </a:prstGeom>
-        </p:spPr>
-        <p:style>
-          <a:lnRef idx="2">
-            <a:schemeClr val="accent1"/>
-          </a:lnRef>
-          <a:fillRef idx="0">
-            <a:schemeClr val="accent1"/>
-          </a:fillRef>
-          <a:effectRef idx="1">
-            <a:schemeClr val="accent1"/>
-          </a:effectRef>
-          <a:fontRef idx="minor">
-            <a:schemeClr val="tx1"/>
-          </a:fontRef>
-        </p:style>
-      </p:cxnSp>
-      <p:sp>
-        <p:nvSpPr>
-          <p:cNvPr id="5" name="テキスト ボックス 4">
-            <a:extLst>
-              <a:ext uri="{FF2B5EF4-FFF2-40B4-BE49-F238E27FC236}">
-                <a16:creationId xmlns:a16="http://schemas.microsoft.com/office/drawing/2014/main" id="{61FE3CF3-D4F0-CF54-2A90-FFCAF8C7C379}"/>
-              </a:ext>
-            </a:extLst>
-          </p:cNvPr>
-          <p:cNvSpPr txBox="1"/>
-          <p:nvPr/>
-        </p:nvSpPr>
-        <p:spPr>
-          <a:xfrm>
-            <a:off x="407503" y="198783"/>
-            <a:ext cx="11449879" cy="369332"/>
-          </a:xfrm>
-          <a:prstGeom prst="rect">
-            <a:avLst/>
-          </a:prstGeom>
-          <a:noFill/>
-        </p:spPr>
-        <p:txBody>
-          <a:bodyPr wrap="square" rtlCol="0">
-            <a:spAutoFit/>
-          </a:bodyPr>
-          <a:lstStyle/>
-          <a:p>
-            <a:r>
-              <a:rPr kumimoji="1" lang="ja-JP" altLang="en-US" dirty="0"/>
-              <a:t>新規展示物の登録：</a:t>
-            </a:r>
-            <a:r>
-              <a:rPr kumimoji="1" lang="en-US" altLang="ja-JP" dirty="0"/>
-              <a:t>TTS</a:t>
-            </a:r>
-            <a:r>
-              <a:rPr kumimoji="1" lang="ja-JP" altLang="en-US" dirty="0"/>
-              <a:t>の確認</a:t>
-            </a:r>
-          </a:p>
-        </p:txBody>
-      </p:sp>
-      <p:pic>
-        <p:nvPicPr>
-          <p:cNvPr id="3" name="図 2" descr="グラフィカル ユーザー インターフェイス, テキスト, アプリケーション, メール&#10;&#10;AI 生成コンテンツは誤りを含む可能性があります。">
-            <a:extLst>
-              <a:ext uri="{FF2B5EF4-FFF2-40B4-BE49-F238E27FC236}">
-                <a16:creationId xmlns:a16="http://schemas.microsoft.com/office/drawing/2014/main" id="{C27BD28D-A1E8-4930-E7B2-D2E14BA9ED68}"/>
-              </a:ext>
-            </a:extLst>
-          </p:cNvPr>
-          <p:cNvPicPr>
-            <a:picLocks noChangeAspect="1"/>
-          </p:cNvPicPr>
-          <p:nvPr/>
-        </p:nvPicPr>
-        <p:blipFill>
-          <a:blip r:embed="rId2"/>
-          <a:stretch>
-            <a:fillRect/>
-          </a:stretch>
-        </p:blipFill>
-        <p:spPr>
-          <a:xfrm>
-            <a:off x="499372" y="878821"/>
-            <a:ext cx="8847619" cy="4847619"/>
-          </a:xfrm>
-          <a:prstGeom prst="rect">
-            <a:avLst/>
-          </a:prstGeom>
-        </p:spPr>
-      </p:pic>
-      <p:sp>
-        <p:nvSpPr>
-          <p:cNvPr id="6" name="テキスト ボックス 5">
-            <a:extLst>
-              <a:ext uri="{FF2B5EF4-FFF2-40B4-BE49-F238E27FC236}">
-                <a16:creationId xmlns:a16="http://schemas.microsoft.com/office/drawing/2014/main" id="{2E5E6639-43B4-8A73-B610-9C80815CCC45}"/>
-              </a:ext>
-            </a:extLst>
-          </p:cNvPr>
-          <p:cNvSpPr txBox="1"/>
-          <p:nvPr/>
-        </p:nvSpPr>
-        <p:spPr>
-          <a:xfrm>
-            <a:off x="725557" y="5609847"/>
-            <a:ext cx="8621434" cy="369332"/>
-          </a:xfrm>
-          <a:prstGeom prst="rect">
-            <a:avLst/>
-          </a:prstGeom>
-          <a:noFill/>
-        </p:spPr>
-        <p:txBody>
-          <a:bodyPr wrap="square" rtlCol="0">
-            <a:spAutoFit/>
-          </a:bodyPr>
-          <a:lstStyle/>
-          <a:p>
-            <a:r>
-              <a:rPr lang="en-US" altLang="ja-JP" dirty="0"/>
-              <a:t>Play Voice</a:t>
-            </a:r>
-            <a:r>
-              <a:rPr lang="ja-JP" altLang="en-US" dirty="0"/>
-              <a:t>ボタンで</a:t>
-            </a:r>
-            <a:r>
-              <a:rPr lang="en-US" altLang="ja-JP" dirty="0"/>
-              <a:t>TTS</a:t>
-            </a:r>
-            <a:r>
-              <a:rPr lang="ja-JP" altLang="en-US" dirty="0"/>
-              <a:t>による音声確認を行うことが可能です</a:t>
-            </a:r>
-          </a:p>
-        </p:txBody>
-      </p:sp>
-      <p:sp>
-        <p:nvSpPr>
-          <p:cNvPr id="2" name="楕円 1">
-            <a:extLst>
-              <a:ext uri="{FF2B5EF4-FFF2-40B4-BE49-F238E27FC236}">
-                <a16:creationId xmlns:a16="http://schemas.microsoft.com/office/drawing/2014/main" id="{E2DCF63B-7F12-2E22-1D12-75002EDEA13A}"/>
-              </a:ext>
-            </a:extLst>
-          </p:cNvPr>
-          <p:cNvSpPr/>
-          <p:nvPr/>
-        </p:nvSpPr>
-        <p:spPr>
-          <a:xfrm>
-            <a:off x="636105" y="4731026"/>
-            <a:ext cx="1898374" cy="487014"/>
-          </a:xfrm>
-          <a:prstGeom prst="ellipse">
-            <a:avLst/>
-          </a:prstGeom>
-          <a:noFill/>
-          <a:ln>
-            <a:solidFill>
-              <a:srgbClr val="FF0000"/>
-            </a:solidFill>
-          </a:ln>
-        </p:spPr>
-        <p:style>
-          <a:lnRef idx="2">
-            <a:schemeClr val="accent1">
-              <a:shade val="15000"/>
-            </a:schemeClr>
-          </a:lnRef>
-          <a:fillRef idx="1">
-            <a:schemeClr val="accent1"/>
-          </a:fillRef>
-          <a:effectRef idx="0">
-            <a:schemeClr val="accent1"/>
-          </a:effectRef>
-          <a:fontRef idx="minor">
-            <a:schemeClr val="lt1"/>
-          </a:fontRef>
-        </p:style>
-        <p:txBody>
-          <a:bodyPr rtlCol="0" anchor="ctr"/>
-          <a:lstStyle/>
-          <a:p>
-            <a:pPr algn="ctr"/>
-            <a:endParaRPr kumimoji="1" lang="ja-JP" altLang="en-US" sz="1200" dirty="0">
-              <a:solidFill>
-                <a:schemeClr val="tx1"/>
-              </a:solidFill>
-            </a:endParaRPr>
-          </a:p>
-        </p:txBody>
-      </p:sp>
-    </p:spTree>
-    <p:extLst>
-      <p:ext uri="{BB962C8B-B14F-4D97-AF65-F5344CB8AC3E}">
-        <p14:creationId xmlns:p14="http://schemas.microsoft.com/office/powerpoint/2010/main" val="686056928"/>
-      </p:ext>
-    </p:extLst>
-  </p:cSld>
-  <p:clrMapOvr>
-    <a:masterClrMapping/>
-  </p:clrMapOvr>
-</p:sld>
-</file>
-
-<file path=ppt/slides/slide39.xml><?xml version="1.0" encoding="utf-8"?>
-<p:sld xmlns:a="http://schemas.openxmlformats.org/drawingml/2006/main" xmlns:r="http://schemas.openxmlformats.org/officeDocument/2006/relationships" xmlns:p="http://schemas.openxmlformats.org/presentationml/2006/main">
-  <p:cSld>
-    <p:spTree>
-      <p:nvGrpSpPr>
-        <p:cNvPr id="1" name="">
-          <a:extLst>
-            <a:ext uri="{FF2B5EF4-FFF2-40B4-BE49-F238E27FC236}">
-              <a16:creationId xmlns:a16="http://schemas.microsoft.com/office/drawing/2014/main" id="{24EB1A2B-208C-000F-7C1D-A52F3900C86B}"/>
-            </a:ext>
-          </a:extLst>
-        </p:cNvPr>
-        <p:cNvGrpSpPr/>
-        <p:nvPr/>
-      </p:nvGrpSpPr>
-      <p:grpSpPr>
-        <a:xfrm>
-          <a:off x="0" y="0"/>
-          <a:ext cx="0" cy="0"/>
-          <a:chOff x="0" y="0"/>
-          <a:chExt cx="0" cy="0"/>
-        </a:xfrm>
-      </p:grpSpPr>
-      <p:cxnSp>
-        <p:nvCxnSpPr>
-          <p:cNvPr id="4" name="直線コネクタ 3">
-            <a:extLst>
-              <a:ext uri="{FF2B5EF4-FFF2-40B4-BE49-F238E27FC236}">
-                <a16:creationId xmlns:a16="http://schemas.microsoft.com/office/drawing/2014/main" id="{238ED8A7-8878-776B-6185-B3EC9114C4D9}"/>
-              </a:ext>
-            </a:extLst>
-          </p:cNvPr>
-          <p:cNvCxnSpPr/>
-          <p:nvPr/>
-        </p:nvCxnSpPr>
-        <p:spPr>
-          <a:xfrm>
-            <a:off x="228600" y="755374"/>
-            <a:ext cx="11936896" cy="0"/>
-          </a:xfrm>
-          <a:prstGeom prst="line">
-            <a:avLst/>
-          </a:prstGeom>
-        </p:spPr>
-        <p:style>
-          <a:lnRef idx="2">
-            <a:schemeClr val="accent1"/>
-          </a:lnRef>
-          <a:fillRef idx="0">
-            <a:schemeClr val="accent1"/>
-          </a:fillRef>
-          <a:effectRef idx="1">
-            <a:schemeClr val="accent1"/>
-          </a:effectRef>
-          <a:fontRef idx="minor">
-            <a:schemeClr val="tx1"/>
-          </a:fontRef>
-        </p:style>
-      </p:cxnSp>
-      <p:sp>
-        <p:nvSpPr>
-          <p:cNvPr id="5" name="テキスト ボックス 4">
-            <a:extLst>
-              <a:ext uri="{FF2B5EF4-FFF2-40B4-BE49-F238E27FC236}">
-                <a16:creationId xmlns:a16="http://schemas.microsoft.com/office/drawing/2014/main" id="{1AB5138C-4259-BE46-0843-423BF9756BB9}"/>
-              </a:ext>
-            </a:extLst>
-          </p:cNvPr>
-          <p:cNvSpPr txBox="1"/>
-          <p:nvPr/>
-        </p:nvSpPr>
-        <p:spPr>
-          <a:xfrm>
-            <a:off x="407503" y="198783"/>
-            <a:ext cx="11449879" cy="369332"/>
-          </a:xfrm>
-          <a:prstGeom prst="rect">
-            <a:avLst/>
-          </a:prstGeom>
-          <a:noFill/>
-        </p:spPr>
-        <p:txBody>
-          <a:bodyPr wrap="square" rtlCol="0">
-            <a:spAutoFit/>
-          </a:bodyPr>
-          <a:lstStyle/>
-          <a:p>
-            <a:r>
-              <a:rPr kumimoji="1" lang="ja-JP" altLang="en-US" dirty="0"/>
-              <a:t>展示物の一覧表示</a:t>
-            </a:r>
-          </a:p>
-        </p:txBody>
-      </p:sp>
-      <p:pic>
-        <p:nvPicPr>
-          <p:cNvPr id="8" name="図 7" descr="グラフィカル ユーザー インターフェイス, テキスト, アプリケーション&#10;&#10;AI 生成コンテンツは誤りを含む可能性があります。">
-            <a:extLst>
-              <a:ext uri="{FF2B5EF4-FFF2-40B4-BE49-F238E27FC236}">
-                <a16:creationId xmlns:a16="http://schemas.microsoft.com/office/drawing/2014/main" id="{A3614F29-31FA-2B55-3232-FA8CD868EC37}"/>
-              </a:ext>
-            </a:extLst>
-          </p:cNvPr>
-          <p:cNvPicPr>
-            <a:picLocks noChangeAspect="1"/>
-          </p:cNvPicPr>
-          <p:nvPr/>
-        </p:nvPicPr>
-        <p:blipFill>
-          <a:blip r:embed="rId2"/>
-          <a:stretch>
-            <a:fillRect/>
-          </a:stretch>
-        </p:blipFill>
-        <p:spPr>
-          <a:xfrm>
-            <a:off x="600762" y="1248047"/>
-            <a:ext cx="10990476" cy="4361905"/>
-          </a:xfrm>
-          <a:prstGeom prst="rect">
-            <a:avLst/>
-          </a:prstGeom>
-        </p:spPr>
-      </p:pic>
-    </p:spTree>
-    <p:extLst>
-      <p:ext uri="{BB962C8B-B14F-4D97-AF65-F5344CB8AC3E}">
-        <p14:creationId xmlns:p14="http://schemas.microsoft.com/office/powerpoint/2010/main" val="1949979387"/>
       </p:ext>
     </p:extLst>
   </p:cSld>
@@ -11402,6 +11669,391 @@
         <p:cNvPr id="1" name="">
           <a:extLst>
             <a:ext uri="{FF2B5EF4-FFF2-40B4-BE49-F238E27FC236}">
+              <a16:creationId xmlns:a16="http://schemas.microsoft.com/office/drawing/2014/main" id="{90AC8433-8AD1-79F7-E1E4-295FB5C85D23}"/>
+            </a:ext>
+          </a:extLst>
+        </p:cNvPr>
+        <p:cNvGrpSpPr/>
+        <p:nvPr/>
+      </p:nvGrpSpPr>
+      <p:grpSpPr>
+        <a:xfrm>
+          <a:off x="0" y="0"/>
+          <a:ext cx="0" cy="0"/>
+          <a:chOff x="0" y="0"/>
+          <a:chExt cx="0" cy="0"/>
+        </a:xfrm>
+      </p:grpSpPr>
+      <p:cxnSp>
+        <p:nvCxnSpPr>
+          <p:cNvPr id="4" name="直線コネクタ 3">
+            <a:extLst>
+              <a:ext uri="{FF2B5EF4-FFF2-40B4-BE49-F238E27FC236}">
+                <a16:creationId xmlns:a16="http://schemas.microsoft.com/office/drawing/2014/main" id="{1D20F45F-9A44-6202-99DD-BB1F7B7D058E}"/>
+              </a:ext>
+            </a:extLst>
+          </p:cNvPr>
+          <p:cNvCxnSpPr/>
+          <p:nvPr/>
+        </p:nvCxnSpPr>
+        <p:spPr>
+          <a:xfrm>
+            <a:off x="228600" y="755374"/>
+            <a:ext cx="11936896" cy="0"/>
+          </a:xfrm>
+          <a:prstGeom prst="line">
+            <a:avLst/>
+          </a:prstGeom>
+        </p:spPr>
+        <p:style>
+          <a:lnRef idx="2">
+            <a:schemeClr val="accent1"/>
+          </a:lnRef>
+          <a:fillRef idx="0">
+            <a:schemeClr val="accent1"/>
+          </a:fillRef>
+          <a:effectRef idx="1">
+            <a:schemeClr val="accent1"/>
+          </a:effectRef>
+          <a:fontRef idx="minor">
+            <a:schemeClr val="tx1"/>
+          </a:fontRef>
+        </p:style>
+      </p:cxnSp>
+      <p:sp>
+        <p:nvSpPr>
+          <p:cNvPr id="5" name="テキスト ボックス 4">
+            <a:extLst>
+              <a:ext uri="{FF2B5EF4-FFF2-40B4-BE49-F238E27FC236}">
+                <a16:creationId xmlns:a16="http://schemas.microsoft.com/office/drawing/2014/main" id="{61FE3CF3-D4F0-CF54-2A90-FFCAF8C7C379}"/>
+              </a:ext>
+            </a:extLst>
+          </p:cNvPr>
+          <p:cNvSpPr txBox="1"/>
+          <p:nvPr/>
+        </p:nvSpPr>
+        <p:spPr>
+          <a:xfrm>
+            <a:off x="407503" y="198783"/>
+            <a:ext cx="11449879" cy="369332"/>
+          </a:xfrm>
+          <a:prstGeom prst="rect">
+            <a:avLst/>
+          </a:prstGeom>
+          <a:noFill/>
+        </p:spPr>
+        <p:txBody>
+          <a:bodyPr wrap="square" rtlCol="0">
+            <a:spAutoFit/>
+          </a:bodyPr>
+          <a:lstStyle/>
+          <a:p>
+            <a:r>
+              <a:rPr kumimoji="1" lang="ja-JP" altLang="en-US" dirty="0"/>
+              <a:t>新規展示物の登録：</a:t>
+            </a:r>
+            <a:r>
+              <a:rPr kumimoji="1" lang="en-US" altLang="ja-JP" dirty="0"/>
+              <a:t>TTS</a:t>
+            </a:r>
+            <a:r>
+              <a:rPr kumimoji="1" lang="ja-JP" altLang="en-US" dirty="0"/>
+              <a:t>の確認</a:t>
+            </a:r>
+          </a:p>
+        </p:txBody>
+      </p:sp>
+      <p:pic>
+        <p:nvPicPr>
+          <p:cNvPr id="3" name="図 2" descr="グラフィカル ユーザー インターフェイス, テキスト, アプリケーション, メール&#10;&#10;AI 生成コンテンツは誤りを含む可能性があります。">
+            <a:extLst>
+              <a:ext uri="{FF2B5EF4-FFF2-40B4-BE49-F238E27FC236}">
+                <a16:creationId xmlns:a16="http://schemas.microsoft.com/office/drawing/2014/main" id="{C27BD28D-A1E8-4930-E7B2-D2E14BA9ED68}"/>
+              </a:ext>
+            </a:extLst>
+          </p:cNvPr>
+          <p:cNvPicPr>
+            <a:picLocks noChangeAspect="1"/>
+          </p:cNvPicPr>
+          <p:nvPr/>
+        </p:nvPicPr>
+        <p:blipFill>
+          <a:blip r:embed="rId2"/>
+          <a:stretch>
+            <a:fillRect/>
+          </a:stretch>
+        </p:blipFill>
+        <p:spPr>
+          <a:xfrm>
+            <a:off x="499372" y="878821"/>
+            <a:ext cx="8847619" cy="4847619"/>
+          </a:xfrm>
+          <a:prstGeom prst="rect">
+            <a:avLst/>
+          </a:prstGeom>
+        </p:spPr>
+      </p:pic>
+      <p:sp>
+        <p:nvSpPr>
+          <p:cNvPr id="6" name="テキスト ボックス 5">
+            <a:extLst>
+              <a:ext uri="{FF2B5EF4-FFF2-40B4-BE49-F238E27FC236}">
+                <a16:creationId xmlns:a16="http://schemas.microsoft.com/office/drawing/2014/main" id="{2E5E6639-43B4-8A73-B610-9C80815CCC45}"/>
+              </a:ext>
+            </a:extLst>
+          </p:cNvPr>
+          <p:cNvSpPr txBox="1"/>
+          <p:nvPr/>
+        </p:nvSpPr>
+        <p:spPr>
+          <a:xfrm>
+            <a:off x="725557" y="5609847"/>
+            <a:ext cx="8621434" cy="369332"/>
+          </a:xfrm>
+          <a:prstGeom prst="rect">
+            <a:avLst/>
+          </a:prstGeom>
+          <a:noFill/>
+        </p:spPr>
+        <p:txBody>
+          <a:bodyPr wrap="square" rtlCol="0">
+            <a:spAutoFit/>
+          </a:bodyPr>
+          <a:lstStyle/>
+          <a:p>
+            <a:r>
+              <a:rPr lang="en-US" altLang="ja-JP" dirty="0"/>
+              <a:t>Play Voice</a:t>
+            </a:r>
+            <a:r>
+              <a:rPr lang="ja-JP" altLang="en-US" dirty="0"/>
+              <a:t>ボタンで</a:t>
+            </a:r>
+            <a:r>
+              <a:rPr lang="en-US" altLang="ja-JP" dirty="0"/>
+              <a:t>TTS</a:t>
+            </a:r>
+            <a:r>
+              <a:rPr lang="ja-JP" altLang="en-US" dirty="0"/>
+              <a:t>による音声確認を行うことが可能です</a:t>
+            </a:r>
+          </a:p>
+        </p:txBody>
+      </p:sp>
+      <p:sp>
+        <p:nvSpPr>
+          <p:cNvPr id="2" name="楕円 1">
+            <a:extLst>
+              <a:ext uri="{FF2B5EF4-FFF2-40B4-BE49-F238E27FC236}">
+                <a16:creationId xmlns:a16="http://schemas.microsoft.com/office/drawing/2014/main" id="{E2DCF63B-7F12-2E22-1D12-75002EDEA13A}"/>
+              </a:ext>
+            </a:extLst>
+          </p:cNvPr>
+          <p:cNvSpPr/>
+          <p:nvPr/>
+        </p:nvSpPr>
+        <p:spPr>
+          <a:xfrm>
+            <a:off x="636105" y="4731026"/>
+            <a:ext cx="1898374" cy="487014"/>
+          </a:xfrm>
+          <a:prstGeom prst="ellipse">
+            <a:avLst/>
+          </a:prstGeom>
+          <a:noFill/>
+          <a:ln>
+            <a:solidFill>
+              <a:srgbClr val="FF0000"/>
+            </a:solidFill>
+          </a:ln>
+        </p:spPr>
+        <p:style>
+          <a:lnRef idx="2">
+            <a:schemeClr val="accent1">
+              <a:shade val="15000"/>
+            </a:schemeClr>
+          </a:lnRef>
+          <a:fillRef idx="1">
+            <a:schemeClr val="accent1"/>
+          </a:fillRef>
+          <a:effectRef idx="0">
+            <a:schemeClr val="accent1"/>
+          </a:effectRef>
+          <a:fontRef idx="minor">
+            <a:schemeClr val="lt1"/>
+          </a:fontRef>
+        </p:style>
+        <p:txBody>
+          <a:bodyPr rtlCol="0" anchor="ctr"/>
+          <a:lstStyle/>
+          <a:p>
+            <a:pPr algn="ctr"/>
+            <a:endParaRPr kumimoji="1" lang="ja-JP" altLang="en-US" sz="1200" dirty="0">
+              <a:solidFill>
+                <a:schemeClr val="tx1"/>
+              </a:solidFill>
+            </a:endParaRPr>
+          </a:p>
+        </p:txBody>
+      </p:sp>
+    </p:spTree>
+    <p:extLst>
+      <p:ext uri="{BB962C8B-B14F-4D97-AF65-F5344CB8AC3E}">
+        <p14:creationId xmlns:p14="http://schemas.microsoft.com/office/powerpoint/2010/main" val="686056928"/>
+      </p:ext>
+    </p:extLst>
+  </p:cSld>
+  <p:clrMapOvr>
+    <a:masterClrMapping/>
+  </p:clrMapOvr>
+</p:sld>
+</file>
+
+<file path=ppt/slides/slide41.xml><?xml version="1.0" encoding="utf-8"?>
+<p:sld xmlns:a="http://schemas.openxmlformats.org/drawingml/2006/main" xmlns:r="http://schemas.openxmlformats.org/officeDocument/2006/relationships" xmlns:p="http://schemas.openxmlformats.org/presentationml/2006/main">
+  <p:cSld>
+    <p:spTree>
+      <p:nvGrpSpPr>
+        <p:cNvPr id="1" name="">
+          <a:extLst>
+            <a:ext uri="{FF2B5EF4-FFF2-40B4-BE49-F238E27FC236}">
+              <a16:creationId xmlns:a16="http://schemas.microsoft.com/office/drawing/2014/main" id="{24EB1A2B-208C-000F-7C1D-A52F3900C86B}"/>
+            </a:ext>
+          </a:extLst>
+        </p:cNvPr>
+        <p:cNvGrpSpPr/>
+        <p:nvPr/>
+      </p:nvGrpSpPr>
+      <p:grpSpPr>
+        <a:xfrm>
+          <a:off x="0" y="0"/>
+          <a:ext cx="0" cy="0"/>
+          <a:chOff x="0" y="0"/>
+          <a:chExt cx="0" cy="0"/>
+        </a:xfrm>
+      </p:grpSpPr>
+      <p:cxnSp>
+        <p:nvCxnSpPr>
+          <p:cNvPr id="4" name="直線コネクタ 3">
+            <a:extLst>
+              <a:ext uri="{FF2B5EF4-FFF2-40B4-BE49-F238E27FC236}">
+                <a16:creationId xmlns:a16="http://schemas.microsoft.com/office/drawing/2014/main" id="{238ED8A7-8878-776B-6185-B3EC9114C4D9}"/>
+              </a:ext>
+            </a:extLst>
+          </p:cNvPr>
+          <p:cNvCxnSpPr/>
+          <p:nvPr/>
+        </p:nvCxnSpPr>
+        <p:spPr>
+          <a:xfrm>
+            <a:off x="228600" y="755374"/>
+            <a:ext cx="11936896" cy="0"/>
+          </a:xfrm>
+          <a:prstGeom prst="line">
+            <a:avLst/>
+          </a:prstGeom>
+        </p:spPr>
+        <p:style>
+          <a:lnRef idx="2">
+            <a:schemeClr val="accent1"/>
+          </a:lnRef>
+          <a:fillRef idx="0">
+            <a:schemeClr val="accent1"/>
+          </a:fillRef>
+          <a:effectRef idx="1">
+            <a:schemeClr val="accent1"/>
+          </a:effectRef>
+          <a:fontRef idx="minor">
+            <a:schemeClr val="tx1"/>
+          </a:fontRef>
+        </p:style>
+      </p:cxnSp>
+      <p:sp>
+        <p:nvSpPr>
+          <p:cNvPr id="5" name="テキスト ボックス 4">
+            <a:extLst>
+              <a:ext uri="{FF2B5EF4-FFF2-40B4-BE49-F238E27FC236}">
+                <a16:creationId xmlns:a16="http://schemas.microsoft.com/office/drawing/2014/main" id="{1AB5138C-4259-BE46-0843-423BF9756BB9}"/>
+              </a:ext>
+            </a:extLst>
+          </p:cNvPr>
+          <p:cNvSpPr txBox="1"/>
+          <p:nvPr/>
+        </p:nvSpPr>
+        <p:spPr>
+          <a:xfrm>
+            <a:off x="407503" y="198783"/>
+            <a:ext cx="11449879" cy="369332"/>
+          </a:xfrm>
+          <a:prstGeom prst="rect">
+            <a:avLst/>
+          </a:prstGeom>
+          <a:noFill/>
+        </p:spPr>
+        <p:txBody>
+          <a:bodyPr wrap="square" rtlCol="0">
+            <a:spAutoFit/>
+          </a:bodyPr>
+          <a:lstStyle/>
+          <a:p>
+            <a:r>
+              <a:rPr kumimoji="1" lang="ja-JP" altLang="en-US" dirty="0"/>
+              <a:t>展示物の一覧表示</a:t>
+            </a:r>
+          </a:p>
+        </p:txBody>
+      </p:sp>
+      <p:pic>
+        <p:nvPicPr>
+          <p:cNvPr id="2" name="図 1">
+            <a:extLst>
+              <a:ext uri="{FF2B5EF4-FFF2-40B4-BE49-F238E27FC236}">
+                <a16:creationId xmlns:a16="http://schemas.microsoft.com/office/drawing/2014/main" id="{D86A03C4-9ED3-5F13-C77F-6CA23E61E4BE}"/>
+              </a:ext>
+            </a:extLst>
+          </p:cNvPr>
+          <p:cNvPicPr>
+            <a:picLocks noChangeAspect="1"/>
+          </p:cNvPicPr>
+          <p:nvPr/>
+        </p:nvPicPr>
+        <p:blipFill>
+          <a:blip r:embed="rId2"/>
+          <a:stretch>
+            <a:fillRect/>
+          </a:stretch>
+        </p:blipFill>
+        <p:spPr>
+          <a:xfrm>
+            <a:off x="1480929" y="1368519"/>
+            <a:ext cx="8874755" cy="4363744"/>
+          </a:xfrm>
+          <a:prstGeom prst="rect">
+            <a:avLst/>
+          </a:prstGeom>
+        </p:spPr>
+      </p:pic>
+    </p:spTree>
+    <p:extLst>
+      <p:ext uri="{BB962C8B-B14F-4D97-AF65-F5344CB8AC3E}">
+        <p14:creationId xmlns:p14="http://schemas.microsoft.com/office/powerpoint/2010/main" val="1949979387"/>
+      </p:ext>
+    </p:extLst>
+  </p:cSld>
+  <p:clrMapOvr>
+    <a:masterClrMapping/>
+  </p:clrMapOvr>
+</p:sld>
+</file>
+
+<file path=ppt/slides/slide42.xml><?xml version="1.0" encoding="utf-8"?>
+<p:sld xmlns:a="http://schemas.openxmlformats.org/drawingml/2006/main" xmlns:r="http://schemas.openxmlformats.org/officeDocument/2006/relationships" xmlns:p="http://schemas.openxmlformats.org/presentationml/2006/main">
+  <p:cSld>
+    <p:spTree>
+      <p:nvGrpSpPr>
+        <p:cNvPr id="1" name="">
+          <a:extLst>
+            <a:ext uri="{FF2B5EF4-FFF2-40B4-BE49-F238E27FC236}">
               <a16:creationId xmlns:a16="http://schemas.microsoft.com/office/drawing/2014/main" id="{AC5C4B67-4B48-83AB-3639-2C195C584F8C}"/>
             </a:ext>
           </a:extLst>
@@ -11488,12 +12140,47 @@
           </a:p>
         </p:txBody>
       </p:sp>
+      <p:sp>
+        <p:nvSpPr>
+          <p:cNvPr id="3" name="テキスト ボックス 2">
+            <a:extLst>
+              <a:ext uri="{FF2B5EF4-FFF2-40B4-BE49-F238E27FC236}">
+                <a16:creationId xmlns:a16="http://schemas.microsoft.com/office/drawing/2014/main" id="{DF8740C3-7ECD-EEF8-07CE-55C22E0D5C47}"/>
+              </a:ext>
+            </a:extLst>
+          </p:cNvPr>
+          <p:cNvSpPr txBox="1"/>
+          <p:nvPr/>
+        </p:nvSpPr>
+        <p:spPr>
+          <a:xfrm>
+            <a:off x="1202635" y="5963478"/>
+            <a:ext cx="8517835" cy="369332"/>
+          </a:xfrm>
+          <a:prstGeom prst="rect">
+            <a:avLst/>
+          </a:prstGeom>
+          <a:noFill/>
+        </p:spPr>
+        <p:txBody>
+          <a:bodyPr wrap="square" rtlCol="0">
+            <a:spAutoFit/>
+          </a:bodyPr>
+          <a:lstStyle/>
+          <a:p>
+            <a:r>
+              <a:rPr kumimoji="1" lang="ja-JP" altLang="en-US" dirty="0"/>
+              <a:t>選択した展示物の削除を行います、削除した展示物はゴミ箱に移動されます</a:t>
+            </a:r>
+          </a:p>
+        </p:txBody>
+      </p:sp>
       <p:pic>
         <p:nvPicPr>
-          <p:cNvPr id="8" name="図 7" descr="グラフィカル ユーザー インターフェイス, テキスト, アプリケーション&#10;&#10;AI 生成コンテンツは誤りを含む可能性があります。">
-            <a:extLst>
-              <a:ext uri="{FF2B5EF4-FFF2-40B4-BE49-F238E27FC236}">
-                <a16:creationId xmlns:a16="http://schemas.microsoft.com/office/drawing/2014/main" id="{B1E80ECF-DC27-FB23-4EFE-B1A7BC815E5E}"/>
+          <p:cNvPr id="6" name="図 5">
+            <a:extLst>
+              <a:ext uri="{FF2B5EF4-FFF2-40B4-BE49-F238E27FC236}">
+                <a16:creationId xmlns:a16="http://schemas.microsoft.com/office/drawing/2014/main" id="{C2F65628-FDF2-ED2F-ADEC-60A4FCB242D2}"/>
               </a:ext>
             </a:extLst>
           </p:cNvPr>
@@ -11510,8 +12197,8 @@
         </p:blipFill>
         <p:spPr>
           <a:xfrm>
-            <a:off x="600762" y="1248047"/>
-            <a:ext cx="10990476" cy="4361905"/>
+            <a:off x="1024174" y="942634"/>
+            <a:ext cx="8874755" cy="4363744"/>
           </a:xfrm>
           <a:prstGeom prst="rect">
             <a:avLst/>
@@ -11532,7 +12219,7 @@
         </p:nvSpPr>
         <p:spPr>
           <a:xfrm>
-            <a:off x="9044609" y="4502426"/>
+            <a:off x="8378688" y="3429000"/>
             <a:ext cx="675861" cy="487017"/>
           </a:xfrm>
           <a:prstGeom prst="ellipse">
@@ -11571,41 +12258,6 @@
                 <a:schemeClr val="tx1"/>
               </a:solidFill>
             </a:endParaRPr>
-          </a:p>
-        </p:txBody>
-      </p:sp>
-      <p:sp>
-        <p:nvSpPr>
-          <p:cNvPr id="3" name="テキスト ボックス 2">
-            <a:extLst>
-              <a:ext uri="{FF2B5EF4-FFF2-40B4-BE49-F238E27FC236}">
-                <a16:creationId xmlns:a16="http://schemas.microsoft.com/office/drawing/2014/main" id="{DF8740C3-7ECD-EEF8-07CE-55C22E0D5C47}"/>
-              </a:ext>
-            </a:extLst>
-          </p:cNvPr>
-          <p:cNvSpPr txBox="1"/>
-          <p:nvPr/>
-        </p:nvSpPr>
-        <p:spPr>
-          <a:xfrm>
-            <a:off x="1202635" y="5963478"/>
-            <a:ext cx="8517835" cy="369332"/>
-          </a:xfrm>
-          <a:prstGeom prst="rect">
-            <a:avLst/>
-          </a:prstGeom>
-          <a:noFill/>
-        </p:spPr>
-        <p:txBody>
-          <a:bodyPr wrap="square" rtlCol="0">
-            <a:spAutoFit/>
-          </a:bodyPr>
-          <a:lstStyle/>
-          <a:p>
-            <a:r>
-              <a:rPr kumimoji="1" lang="ja-JP" altLang="en-US" dirty="0"/>
-              <a:t>選択した展示物の削除を行います、削除した展示物はゴミ箱に移動されます</a:t>
-            </a:r>
           </a:p>
         </p:txBody>
       </p:sp>
@@ -11622,7 +12274,7 @@
 </p:sld>
 </file>
 
-<file path=ppt/slides/slide41.xml><?xml version="1.0" encoding="utf-8"?>
+<file path=ppt/slides/slide43.xml><?xml version="1.0" encoding="utf-8"?>
 <p:sld xmlns:a="http://schemas.openxmlformats.org/drawingml/2006/main" xmlns:r="http://schemas.openxmlformats.org/officeDocument/2006/relationships" xmlns:p="http://schemas.openxmlformats.org/presentationml/2006/main">
   <p:cSld>
     <p:spTree>
@@ -11816,7 +12468,7 @@
 </p:sld>
 </file>
 
-<file path=ppt/slides/slide42.xml><?xml version="1.0" encoding="utf-8"?>
+<file path=ppt/slides/slide44.xml><?xml version="1.0" encoding="utf-8"?>
 <p:sld xmlns:a="http://schemas.openxmlformats.org/drawingml/2006/main" xmlns:r="http://schemas.openxmlformats.org/officeDocument/2006/relationships" xmlns:p="http://schemas.openxmlformats.org/presentationml/2006/main">
   <p:cSld>
     <p:spTree>
@@ -11896,7 +12548,7 @@
 </p:sld>
 </file>
 
-<file path=ppt/slides/slide43.xml><?xml version="1.0" encoding="utf-8"?>
+<file path=ppt/slides/slide45.xml><?xml version="1.0" encoding="utf-8"?>
 <p:sld xmlns:a="http://schemas.openxmlformats.org/drawingml/2006/main" xmlns:r="http://schemas.openxmlformats.org/officeDocument/2006/relationships" xmlns:p="http://schemas.openxmlformats.org/presentationml/2006/main">
   <p:cSld>
     <p:spTree>
@@ -11982,7 +12634,7 @@
 </p:sld>
 </file>
 
-<file path=ppt/slides/slide44.xml><?xml version="1.0" encoding="utf-8"?>
+<file path=ppt/slides/slide46.xml><?xml version="1.0" encoding="utf-8"?>
 <p:sld xmlns:a="http://schemas.openxmlformats.org/drawingml/2006/main" xmlns:r="http://schemas.openxmlformats.org/officeDocument/2006/relationships" xmlns:p="http://schemas.openxmlformats.org/presentationml/2006/main">
   <p:cSld>
     <p:spTree>
@@ -12068,7 +12720,7 @@
 </p:sld>
 </file>
 
-<file path=ppt/slides/slide45.xml><?xml version="1.0" encoding="utf-8"?>
+<file path=ppt/slides/slide47.xml><?xml version="1.0" encoding="utf-8"?>
 <p:sld xmlns:a="http://schemas.openxmlformats.org/drawingml/2006/main" xmlns:r="http://schemas.openxmlformats.org/officeDocument/2006/relationships" xmlns:p="http://schemas.openxmlformats.org/presentationml/2006/main">
   <p:cSld>
     <p:spTree>
@@ -12138,7 +12790,7 @@
 </p:sld>
 </file>
 
-<file path=ppt/slides/slide46.xml><?xml version="1.0" encoding="utf-8"?>
+<file path=ppt/slides/slide48.xml><?xml version="1.0" encoding="utf-8"?>
 <p:sld xmlns:a="http://schemas.openxmlformats.org/drawingml/2006/main" xmlns:r="http://schemas.openxmlformats.org/officeDocument/2006/relationships" xmlns:p="http://schemas.openxmlformats.org/presentationml/2006/main">
   <p:cSld>
     <p:spTree>
@@ -12780,7 +13432,7 @@
 </p:sld>
 </file>
 
-<file path=ppt/slides/slide47.xml><?xml version="1.0" encoding="utf-8"?>
+<file path=ppt/slides/slide49.xml><?xml version="1.0" encoding="utf-8"?>
 <p:sld xmlns:a="http://schemas.openxmlformats.org/drawingml/2006/main" xmlns:r="http://schemas.openxmlformats.org/officeDocument/2006/relationships" xmlns:p="http://schemas.openxmlformats.org/presentationml/2006/main">
   <p:cSld>
     <p:spTree>
@@ -13491,1255 +14143,6 @@
     <p:extLst>
       <p:ext uri="{BB962C8B-B14F-4D97-AF65-F5344CB8AC3E}">
         <p14:creationId xmlns:p14="http://schemas.microsoft.com/office/powerpoint/2010/main" val="385503910"/>
-      </p:ext>
-    </p:extLst>
-  </p:cSld>
-  <p:clrMapOvr>
-    <a:masterClrMapping/>
-  </p:clrMapOvr>
-</p:sld>
-</file>
-
-<file path=ppt/slides/slide48.xml><?xml version="1.0" encoding="utf-8"?>
-<p:sld xmlns:a="http://schemas.openxmlformats.org/drawingml/2006/main" xmlns:r="http://schemas.openxmlformats.org/officeDocument/2006/relationships" xmlns:p="http://schemas.openxmlformats.org/presentationml/2006/main">
-  <p:cSld>
-    <p:spTree>
-      <p:nvGrpSpPr>
-        <p:cNvPr id="1" name="">
-          <a:extLst>
-            <a:ext uri="{FF2B5EF4-FFF2-40B4-BE49-F238E27FC236}">
-              <a16:creationId xmlns:a16="http://schemas.microsoft.com/office/drawing/2014/main" id="{08E8B57B-A83B-6FE9-85D0-118E96EAF378}"/>
-            </a:ext>
-          </a:extLst>
-        </p:cNvPr>
-        <p:cNvGrpSpPr/>
-        <p:nvPr/>
-      </p:nvGrpSpPr>
-      <p:grpSpPr>
-        <a:xfrm>
-          <a:off x="0" y="0"/>
-          <a:ext cx="0" cy="0"/>
-          <a:chOff x="0" y="0"/>
-          <a:chExt cx="0" cy="0"/>
-        </a:xfrm>
-      </p:grpSpPr>
-      <p:cxnSp>
-        <p:nvCxnSpPr>
-          <p:cNvPr id="4" name="直線コネクタ 3">
-            <a:extLst>
-              <a:ext uri="{FF2B5EF4-FFF2-40B4-BE49-F238E27FC236}">
-                <a16:creationId xmlns:a16="http://schemas.microsoft.com/office/drawing/2014/main" id="{E69C66A3-D42F-DC3D-F0EA-88DEFBE324F2}"/>
-              </a:ext>
-            </a:extLst>
-          </p:cNvPr>
-          <p:cNvCxnSpPr/>
-          <p:nvPr/>
-        </p:nvCxnSpPr>
-        <p:spPr>
-          <a:xfrm>
-            <a:off x="228600" y="755374"/>
-            <a:ext cx="11936896" cy="0"/>
-          </a:xfrm>
-          <a:prstGeom prst="line">
-            <a:avLst/>
-          </a:prstGeom>
-        </p:spPr>
-        <p:style>
-          <a:lnRef idx="2">
-            <a:schemeClr val="accent1"/>
-          </a:lnRef>
-          <a:fillRef idx="0">
-            <a:schemeClr val="accent1"/>
-          </a:fillRef>
-          <a:effectRef idx="1">
-            <a:schemeClr val="accent1"/>
-          </a:effectRef>
-          <a:fontRef idx="minor">
-            <a:schemeClr val="tx1"/>
-          </a:fontRef>
-        </p:style>
-      </p:cxnSp>
-      <p:sp>
-        <p:nvSpPr>
-          <p:cNvPr id="5" name="テキスト ボックス 4">
-            <a:extLst>
-              <a:ext uri="{FF2B5EF4-FFF2-40B4-BE49-F238E27FC236}">
-                <a16:creationId xmlns:a16="http://schemas.microsoft.com/office/drawing/2014/main" id="{D5AAF2F7-4F62-2CC3-459B-C7374129ACA2}"/>
-              </a:ext>
-            </a:extLst>
-          </p:cNvPr>
-          <p:cNvSpPr txBox="1"/>
-          <p:nvPr/>
-        </p:nvSpPr>
-        <p:spPr>
-          <a:xfrm>
-            <a:off x="407504" y="198783"/>
-            <a:ext cx="3796748" cy="369332"/>
-          </a:xfrm>
-          <a:prstGeom prst="rect">
-            <a:avLst/>
-          </a:prstGeom>
-          <a:noFill/>
-        </p:spPr>
-        <p:txBody>
-          <a:bodyPr wrap="square" rtlCol="0">
-            <a:spAutoFit/>
-          </a:bodyPr>
-          <a:lstStyle/>
-          <a:p>
-            <a:r>
-              <a:rPr kumimoji="1" lang="ja-JP" altLang="en-US" dirty="0"/>
-              <a:t>画像選択</a:t>
-            </a:r>
-          </a:p>
-        </p:txBody>
-      </p:sp>
-      <p:sp>
-        <p:nvSpPr>
-          <p:cNvPr id="6" name="テキスト ボックス 5">
-            <a:extLst>
-              <a:ext uri="{FF2B5EF4-FFF2-40B4-BE49-F238E27FC236}">
-                <a16:creationId xmlns:a16="http://schemas.microsoft.com/office/drawing/2014/main" id="{2B881359-0531-32C6-B3AA-E59429611D72}"/>
-              </a:ext>
-            </a:extLst>
-          </p:cNvPr>
-          <p:cNvSpPr txBox="1"/>
-          <p:nvPr/>
-        </p:nvSpPr>
-        <p:spPr>
-          <a:xfrm>
-            <a:off x="1016277" y="1249866"/>
-            <a:ext cx="3579742" cy="369332"/>
-          </a:xfrm>
-          <a:prstGeom prst="rect">
-            <a:avLst/>
-          </a:prstGeom>
-          <a:noFill/>
-        </p:spPr>
-        <p:txBody>
-          <a:bodyPr wrap="square" rtlCol="0">
-            <a:spAutoFit/>
-          </a:bodyPr>
-          <a:lstStyle/>
-          <a:p>
-            <a:r>
-              <a:rPr kumimoji="1" lang="ja-JP" altLang="en-US" dirty="0"/>
-              <a:t>展示物画像</a:t>
-            </a:r>
-          </a:p>
-        </p:txBody>
-      </p:sp>
-      <p:sp>
-        <p:nvSpPr>
-          <p:cNvPr id="38" name="テキスト ボックス 37">
-            <a:extLst>
-              <a:ext uri="{FF2B5EF4-FFF2-40B4-BE49-F238E27FC236}">
-                <a16:creationId xmlns:a16="http://schemas.microsoft.com/office/drawing/2014/main" id="{F2044197-8805-B179-E226-3AEE652B2C56}"/>
-              </a:ext>
-            </a:extLst>
-          </p:cNvPr>
-          <p:cNvSpPr txBox="1"/>
-          <p:nvPr/>
-        </p:nvSpPr>
-        <p:spPr>
-          <a:xfrm>
-            <a:off x="3975652" y="252657"/>
-            <a:ext cx="7535628" cy="369332"/>
-          </a:xfrm>
-          <a:prstGeom prst="rect">
-            <a:avLst/>
-          </a:prstGeom>
-          <a:noFill/>
-        </p:spPr>
-        <p:txBody>
-          <a:bodyPr wrap="square" rtlCol="0">
-            <a:spAutoFit/>
-          </a:bodyPr>
-          <a:lstStyle/>
-          <a:p>
-            <a:r>
-              <a:rPr kumimoji="1" lang="ja-JP" altLang="en-US" dirty="0"/>
-              <a:t>凡例：点線ボックスはエディットボックス、実線ボックスはボタン</a:t>
-            </a:r>
-          </a:p>
-        </p:txBody>
-      </p:sp>
-      <p:sp>
-        <p:nvSpPr>
-          <p:cNvPr id="47" name="テキスト ボックス 46">
-            <a:extLst>
-              <a:ext uri="{FF2B5EF4-FFF2-40B4-BE49-F238E27FC236}">
-                <a16:creationId xmlns:a16="http://schemas.microsoft.com/office/drawing/2014/main" id="{CE7B9F20-D31F-36F1-8124-C040F776DE5E}"/>
-              </a:ext>
-            </a:extLst>
-          </p:cNvPr>
-          <p:cNvSpPr txBox="1"/>
-          <p:nvPr/>
-        </p:nvSpPr>
-        <p:spPr>
-          <a:xfrm>
-            <a:off x="955814" y="4081469"/>
-            <a:ext cx="3921760" cy="369323"/>
-          </a:xfrm>
-          <a:prstGeom prst="rect">
-            <a:avLst/>
-          </a:prstGeom>
-          <a:noFill/>
-        </p:spPr>
-        <p:txBody>
-          <a:bodyPr wrap="square" rtlCol="0">
-            <a:spAutoFit/>
-          </a:bodyPr>
-          <a:lstStyle/>
-          <a:p>
-            <a:r>
-              <a:rPr kumimoji="1" lang="ja-JP" altLang="en-US" dirty="0"/>
-              <a:t>未使用言語は何も入れない</a:t>
-            </a:r>
-          </a:p>
-        </p:txBody>
-      </p:sp>
-      <p:sp>
-        <p:nvSpPr>
-          <p:cNvPr id="48" name="正方形/長方形 47">
-            <a:extLst>
-              <a:ext uri="{FF2B5EF4-FFF2-40B4-BE49-F238E27FC236}">
-                <a16:creationId xmlns:a16="http://schemas.microsoft.com/office/drawing/2014/main" id="{6AD5405E-91AE-A128-1E55-99BE8588FFF0}"/>
-              </a:ext>
-            </a:extLst>
-          </p:cNvPr>
-          <p:cNvSpPr/>
-          <p:nvPr/>
-        </p:nvSpPr>
-        <p:spPr>
-          <a:xfrm>
-            <a:off x="711201" y="1079037"/>
-            <a:ext cx="4338320" cy="4864563"/>
-          </a:xfrm>
-          <a:prstGeom prst="rect">
-            <a:avLst/>
-          </a:prstGeom>
-          <a:noFill/>
-        </p:spPr>
-        <p:style>
-          <a:lnRef idx="2">
-            <a:schemeClr val="accent1">
-              <a:shade val="15000"/>
-            </a:schemeClr>
-          </a:lnRef>
-          <a:fillRef idx="1">
-            <a:schemeClr val="accent1"/>
-          </a:fillRef>
-          <a:effectRef idx="0">
-            <a:schemeClr val="accent1"/>
-          </a:effectRef>
-          <a:fontRef idx="minor">
-            <a:schemeClr val="lt1"/>
-          </a:fontRef>
-        </p:style>
-        <p:txBody>
-          <a:bodyPr rtlCol="0" anchor="ctr"/>
-          <a:lstStyle/>
-          <a:p>
-            <a:pPr algn="ctr"/>
-            <a:endParaRPr kumimoji="1" lang="ja-JP" altLang="en-US" sz="1200" dirty="0">
-              <a:solidFill>
-                <a:schemeClr val="tx1"/>
-              </a:solidFill>
-            </a:endParaRPr>
-          </a:p>
-        </p:txBody>
-      </p:sp>
-      <p:sp>
-        <p:nvSpPr>
-          <p:cNvPr id="49" name="正方形/長方形 48">
-            <a:extLst>
-              <a:ext uri="{FF2B5EF4-FFF2-40B4-BE49-F238E27FC236}">
-                <a16:creationId xmlns:a16="http://schemas.microsoft.com/office/drawing/2014/main" id="{7E05DCFB-D9D7-FEC2-2538-F47396526976}"/>
-              </a:ext>
-            </a:extLst>
-          </p:cNvPr>
-          <p:cNvSpPr/>
-          <p:nvPr/>
-        </p:nvSpPr>
-        <p:spPr>
-          <a:xfrm>
-            <a:off x="1105454" y="4871832"/>
-            <a:ext cx="834886" cy="369332"/>
-          </a:xfrm>
-          <a:prstGeom prst="rect">
-            <a:avLst/>
-          </a:prstGeom>
-          <a:noFill/>
-        </p:spPr>
-        <p:style>
-          <a:lnRef idx="2">
-            <a:schemeClr val="accent1">
-              <a:shade val="15000"/>
-            </a:schemeClr>
-          </a:lnRef>
-          <a:fillRef idx="1">
-            <a:schemeClr val="accent1"/>
-          </a:fillRef>
-          <a:effectRef idx="0">
-            <a:schemeClr val="accent1"/>
-          </a:effectRef>
-          <a:fontRef idx="minor">
-            <a:schemeClr val="lt1"/>
-          </a:fontRef>
-        </p:style>
-        <p:txBody>
-          <a:bodyPr rtlCol="0" anchor="ctr"/>
-          <a:lstStyle/>
-          <a:p>
-            <a:pPr algn="ctr"/>
-            <a:r>
-              <a:rPr kumimoji="1" lang="ja-JP" altLang="en-US" sz="1200" dirty="0">
-                <a:solidFill>
-                  <a:schemeClr val="tx1"/>
-                </a:solidFill>
-              </a:rPr>
-              <a:t>中止</a:t>
-            </a:r>
-          </a:p>
-        </p:txBody>
-      </p:sp>
-      <p:sp>
-        <p:nvSpPr>
-          <p:cNvPr id="50" name="正方形/長方形 49">
-            <a:extLst>
-              <a:ext uri="{FF2B5EF4-FFF2-40B4-BE49-F238E27FC236}">
-                <a16:creationId xmlns:a16="http://schemas.microsoft.com/office/drawing/2014/main" id="{2D2D8610-B8BA-4C89-5E74-BA8B98BD9A23}"/>
-              </a:ext>
-            </a:extLst>
-          </p:cNvPr>
-          <p:cNvSpPr/>
-          <p:nvPr/>
-        </p:nvSpPr>
-        <p:spPr>
-          <a:xfrm>
-            <a:off x="2245416" y="4871832"/>
-            <a:ext cx="834886" cy="369332"/>
-          </a:xfrm>
-          <a:prstGeom prst="rect">
-            <a:avLst/>
-          </a:prstGeom>
-          <a:noFill/>
-        </p:spPr>
-        <p:style>
-          <a:lnRef idx="2">
-            <a:schemeClr val="accent1">
-              <a:shade val="15000"/>
-            </a:schemeClr>
-          </a:lnRef>
-          <a:fillRef idx="1">
-            <a:schemeClr val="accent1"/>
-          </a:fillRef>
-          <a:effectRef idx="0">
-            <a:schemeClr val="accent1"/>
-          </a:effectRef>
-          <a:fontRef idx="minor">
-            <a:schemeClr val="lt1"/>
-          </a:fontRef>
-        </p:style>
-        <p:txBody>
-          <a:bodyPr rtlCol="0" anchor="ctr"/>
-          <a:lstStyle/>
-          <a:p>
-            <a:pPr algn="ctr"/>
-            <a:r>
-              <a:rPr kumimoji="1" lang="ja-JP" altLang="en-US" sz="1200" dirty="0">
-                <a:solidFill>
-                  <a:schemeClr val="tx1"/>
-                </a:solidFill>
-              </a:rPr>
-              <a:t>次へ</a:t>
-            </a:r>
-          </a:p>
-        </p:txBody>
-      </p:sp>
-      <p:sp>
-        <p:nvSpPr>
-          <p:cNvPr id="52" name="テキスト ボックス 51">
-            <a:extLst>
-              <a:ext uri="{FF2B5EF4-FFF2-40B4-BE49-F238E27FC236}">
-                <a16:creationId xmlns:a16="http://schemas.microsoft.com/office/drawing/2014/main" id="{AAB5170A-E280-79F9-2555-588E1A3D5BB7}"/>
-              </a:ext>
-            </a:extLst>
-          </p:cNvPr>
-          <p:cNvSpPr txBox="1"/>
-          <p:nvPr/>
-        </p:nvSpPr>
-        <p:spPr>
-          <a:xfrm>
-            <a:off x="5675244" y="1397240"/>
-            <a:ext cx="6182138" cy="2031325"/>
-          </a:xfrm>
-          <a:prstGeom prst="rect">
-            <a:avLst/>
-          </a:prstGeom>
-          <a:noFill/>
-        </p:spPr>
-        <p:txBody>
-          <a:bodyPr wrap="square" rtlCol="0">
-            <a:spAutoFit/>
-          </a:bodyPr>
-          <a:lstStyle/>
-          <a:p>
-            <a:pPr marL="285750" indent="-285750">
-              <a:buFont typeface="Wingdings" panose="05000000000000000000" pitchFamily="2" charset="2"/>
-              <a:buChar char="l"/>
-            </a:pPr>
-            <a:r>
-              <a:rPr kumimoji="1" lang="ja-JP" altLang="en-US" dirty="0"/>
-              <a:t>中止</a:t>
-            </a:r>
-            <a:endParaRPr kumimoji="1" lang="en-US" altLang="ja-JP" dirty="0"/>
-          </a:p>
-          <a:p>
-            <a:pPr marL="742950" lvl="1" indent="-285750">
-              <a:buFont typeface="Wingdings" panose="05000000000000000000" pitchFamily="2" charset="2"/>
-              <a:buChar char="ü"/>
-            </a:pPr>
-            <a:r>
-              <a:rPr kumimoji="1" lang="ja-JP" altLang="en-US" dirty="0"/>
-              <a:t>博物館トップページ</a:t>
-            </a:r>
-            <a:endParaRPr kumimoji="1" lang="en-US" altLang="ja-JP" dirty="0"/>
-          </a:p>
-          <a:p>
-            <a:pPr marL="285750" indent="-285750">
-              <a:buFont typeface="Wingdings" panose="05000000000000000000" pitchFamily="2" charset="2"/>
-              <a:buChar char="l"/>
-            </a:pPr>
-            <a:r>
-              <a:rPr kumimoji="1" lang="ja-JP" altLang="en-US" dirty="0"/>
-              <a:t>選択</a:t>
-            </a:r>
-            <a:endParaRPr kumimoji="1" lang="en-US" altLang="ja-JP" dirty="0"/>
-          </a:p>
-          <a:p>
-            <a:pPr marL="742950" lvl="1" indent="-285750">
-              <a:buFont typeface="Wingdings" panose="05000000000000000000" pitchFamily="2" charset="2"/>
-              <a:buChar char="ü"/>
-            </a:pPr>
-            <a:r>
-              <a:rPr kumimoji="1" lang="ja-JP" altLang="en-US" dirty="0"/>
-              <a:t>ファイル名入力欄に入力されたファイルを確定</a:t>
-            </a:r>
-            <a:endParaRPr kumimoji="1" lang="en-US" altLang="ja-JP" dirty="0"/>
-          </a:p>
-          <a:p>
-            <a:pPr marL="742950" lvl="1" indent="-285750">
-              <a:buFont typeface="Wingdings" panose="05000000000000000000" pitchFamily="2" charset="2"/>
-              <a:buChar char="ü"/>
-            </a:pPr>
-            <a:r>
-              <a:rPr kumimoji="1" lang="ja-JP" altLang="en-US" dirty="0"/>
-              <a:t>確定したファイル画像が表示される</a:t>
-            </a:r>
-            <a:endParaRPr kumimoji="1" lang="en-US" altLang="ja-JP" dirty="0"/>
-          </a:p>
-          <a:p>
-            <a:pPr marL="285750" indent="-285750">
-              <a:buFont typeface="Wingdings" panose="05000000000000000000" pitchFamily="2" charset="2"/>
-              <a:buChar char="l"/>
-            </a:pPr>
-            <a:r>
-              <a:rPr kumimoji="1" lang="ja-JP" altLang="en-US" dirty="0"/>
-              <a:t>次へ</a:t>
-            </a:r>
-            <a:endParaRPr kumimoji="1" lang="en-US" altLang="ja-JP" dirty="0"/>
-          </a:p>
-          <a:p>
-            <a:pPr marL="742950" lvl="1" indent="-285750">
-              <a:buFont typeface="Wingdings" panose="05000000000000000000" pitchFamily="2" charset="2"/>
-              <a:buChar char="ü"/>
-            </a:pPr>
-            <a:r>
-              <a:rPr kumimoji="1" lang="ja-JP" altLang="en-US" dirty="0"/>
-              <a:t>説明文入力欄に移動</a:t>
-            </a:r>
-            <a:endParaRPr kumimoji="1" lang="en-US" altLang="ja-JP" dirty="0"/>
-          </a:p>
-        </p:txBody>
-      </p:sp>
-      <p:sp>
-        <p:nvSpPr>
-          <p:cNvPr id="3" name="正方形/長方形 2">
-            <a:extLst>
-              <a:ext uri="{FF2B5EF4-FFF2-40B4-BE49-F238E27FC236}">
-                <a16:creationId xmlns:a16="http://schemas.microsoft.com/office/drawing/2014/main" id="{59B7AB63-01C3-6642-9F55-636B9ED39917}"/>
-              </a:ext>
-            </a:extLst>
-          </p:cNvPr>
-          <p:cNvSpPr/>
-          <p:nvPr/>
-        </p:nvSpPr>
-        <p:spPr>
-          <a:xfrm>
-            <a:off x="996399" y="3581581"/>
-            <a:ext cx="2837301" cy="369332"/>
-          </a:xfrm>
-          <a:prstGeom prst="rect">
-            <a:avLst/>
-          </a:prstGeom>
-          <a:noFill/>
-          <a:ln>
-            <a:prstDash val="dash"/>
-          </a:ln>
-        </p:spPr>
-        <p:style>
-          <a:lnRef idx="2">
-            <a:schemeClr val="accent1">
-              <a:shade val="15000"/>
-            </a:schemeClr>
-          </a:lnRef>
-          <a:fillRef idx="1">
-            <a:schemeClr val="accent1"/>
-          </a:fillRef>
-          <a:effectRef idx="0">
-            <a:schemeClr val="accent1"/>
-          </a:effectRef>
-          <a:fontRef idx="minor">
-            <a:schemeClr val="lt1"/>
-          </a:fontRef>
-        </p:style>
-        <p:txBody>
-          <a:bodyPr rtlCol="0" anchor="ctr"/>
-          <a:lstStyle/>
-          <a:p>
-            <a:pPr algn="ctr"/>
-            <a:r>
-              <a:rPr kumimoji="1" lang="ja-JP" altLang="en-US" sz="1200" dirty="0">
-                <a:solidFill>
-                  <a:schemeClr val="tx1"/>
-                </a:solidFill>
-              </a:rPr>
-              <a:t>ファイル名入力欄</a:t>
-            </a:r>
-          </a:p>
-        </p:txBody>
-      </p:sp>
-      <p:sp>
-        <p:nvSpPr>
-          <p:cNvPr id="7" name="正方形/長方形 6">
-            <a:extLst>
-              <a:ext uri="{FF2B5EF4-FFF2-40B4-BE49-F238E27FC236}">
-                <a16:creationId xmlns:a16="http://schemas.microsoft.com/office/drawing/2014/main" id="{5A0164DA-87C5-C575-9190-9009AC81A1E9}"/>
-              </a:ext>
-            </a:extLst>
-          </p:cNvPr>
-          <p:cNvSpPr/>
-          <p:nvPr/>
-        </p:nvSpPr>
-        <p:spPr>
-          <a:xfrm>
-            <a:off x="3977862" y="3581581"/>
-            <a:ext cx="834886" cy="369332"/>
-          </a:xfrm>
-          <a:prstGeom prst="rect">
-            <a:avLst/>
-          </a:prstGeom>
-          <a:noFill/>
-        </p:spPr>
-        <p:style>
-          <a:lnRef idx="2">
-            <a:schemeClr val="accent1">
-              <a:shade val="15000"/>
-            </a:schemeClr>
-          </a:lnRef>
-          <a:fillRef idx="1">
-            <a:schemeClr val="accent1"/>
-          </a:fillRef>
-          <a:effectRef idx="0">
-            <a:schemeClr val="accent1"/>
-          </a:effectRef>
-          <a:fontRef idx="minor">
-            <a:schemeClr val="lt1"/>
-          </a:fontRef>
-        </p:style>
-        <p:txBody>
-          <a:bodyPr rtlCol="0" anchor="ctr"/>
-          <a:lstStyle/>
-          <a:p>
-            <a:pPr algn="ctr"/>
-            <a:r>
-              <a:rPr kumimoji="1" lang="ja-JP" altLang="en-US" sz="1200" dirty="0">
-                <a:solidFill>
-                  <a:schemeClr val="tx1"/>
-                </a:solidFill>
-              </a:rPr>
-              <a:t>選択</a:t>
-            </a:r>
-          </a:p>
-        </p:txBody>
-      </p:sp>
-      <p:pic>
-        <p:nvPicPr>
-          <p:cNvPr id="8" name="図 7" descr="テーブル, 座る, ベッド, 横たわる が含まれている画像&#10;&#10;AI 生成コンテンツは誤りを含む可能性があります。">
-            <a:extLst>
-              <a:ext uri="{FF2B5EF4-FFF2-40B4-BE49-F238E27FC236}">
-                <a16:creationId xmlns:a16="http://schemas.microsoft.com/office/drawing/2014/main" id="{D07F746D-3850-ADB7-BC9F-7D93127A543A}"/>
-              </a:ext>
-            </a:extLst>
-          </p:cNvPr>
-          <p:cNvPicPr>
-            <a:picLocks noChangeAspect="1"/>
-          </p:cNvPicPr>
-          <p:nvPr/>
-        </p:nvPicPr>
-        <p:blipFill>
-          <a:blip r:embed="rId2"/>
-          <a:stretch>
-            <a:fillRect/>
-          </a:stretch>
-        </p:blipFill>
-        <p:spPr>
-          <a:xfrm>
-            <a:off x="1252169" y="1790027"/>
-            <a:ext cx="1182758" cy="1414482"/>
-          </a:xfrm>
-          <a:prstGeom prst="rect">
-            <a:avLst/>
-          </a:prstGeom>
-        </p:spPr>
-      </p:pic>
-      <p:sp>
-        <p:nvSpPr>
-          <p:cNvPr id="9" name="吹き出し: 四角形 8">
-            <a:extLst>
-              <a:ext uri="{FF2B5EF4-FFF2-40B4-BE49-F238E27FC236}">
-                <a16:creationId xmlns:a16="http://schemas.microsoft.com/office/drawing/2014/main" id="{7A306097-EF4F-F7F6-86D2-BF666153EFB8}"/>
-              </a:ext>
-            </a:extLst>
-          </p:cNvPr>
-          <p:cNvSpPr/>
-          <p:nvPr/>
-        </p:nvSpPr>
-        <p:spPr>
-          <a:xfrm>
-            <a:off x="2865424" y="1978214"/>
-            <a:ext cx="1338828" cy="619355"/>
-          </a:xfrm>
-          <a:prstGeom prst="wedgeRectCallout">
-            <a:avLst>
-              <a:gd name="adj1" fmla="val -76511"/>
-              <a:gd name="adj2" fmla="val 76942"/>
-            </a:avLst>
-          </a:prstGeom>
-          <a:noFill/>
-        </p:spPr>
-        <p:style>
-          <a:lnRef idx="2">
-            <a:schemeClr val="accent1">
-              <a:shade val="15000"/>
-            </a:schemeClr>
-          </a:lnRef>
-          <a:fillRef idx="1">
-            <a:schemeClr val="accent1"/>
-          </a:fillRef>
-          <a:effectRef idx="0">
-            <a:schemeClr val="accent1"/>
-          </a:effectRef>
-          <a:fontRef idx="minor">
-            <a:schemeClr val="lt1"/>
-          </a:fontRef>
-        </p:style>
-        <p:txBody>
-          <a:bodyPr rtlCol="0" anchor="ctr"/>
-          <a:lstStyle/>
-          <a:p>
-            <a:pPr algn="ctr"/>
-            <a:r>
-              <a:rPr kumimoji="1" lang="ja-JP" altLang="en-US" sz="1200" dirty="0">
-                <a:solidFill>
-                  <a:schemeClr val="tx1"/>
-                </a:solidFill>
-              </a:rPr>
-              <a:t>ここに画像が表示される</a:t>
-            </a:r>
-          </a:p>
-        </p:txBody>
-      </p:sp>
-    </p:spTree>
-    <p:extLst>
-      <p:ext uri="{BB962C8B-B14F-4D97-AF65-F5344CB8AC3E}">
-        <p14:creationId xmlns:p14="http://schemas.microsoft.com/office/powerpoint/2010/main" val="1352568908"/>
-      </p:ext>
-    </p:extLst>
-  </p:cSld>
-  <p:clrMapOvr>
-    <a:masterClrMapping/>
-  </p:clrMapOvr>
-</p:sld>
-</file>
-
-<file path=ppt/slides/slide49.xml><?xml version="1.0" encoding="utf-8"?>
-<p:sld xmlns:a="http://schemas.openxmlformats.org/drawingml/2006/main" xmlns:r="http://schemas.openxmlformats.org/officeDocument/2006/relationships" xmlns:p="http://schemas.openxmlformats.org/presentationml/2006/main">
-  <p:cSld>
-    <p:spTree>
-      <p:nvGrpSpPr>
-        <p:cNvPr id="1" name="">
-          <a:extLst>
-            <a:ext uri="{FF2B5EF4-FFF2-40B4-BE49-F238E27FC236}">
-              <a16:creationId xmlns:a16="http://schemas.microsoft.com/office/drawing/2014/main" id="{C411BB75-2A7A-0598-E9F2-03E766AE40A9}"/>
-            </a:ext>
-          </a:extLst>
-        </p:cNvPr>
-        <p:cNvGrpSpPr/>
-        <p:nvPr/>
-      </p:nvGrpSpPr>
-      <p:grpSpPr>
-        <a:xfrm>
-          <a:off x="0" y="0"/>
-          <a:ext cx="0" cy="0"/>
-          <a:chOff x="0" y="0"/>
-          <a:chExt cx="0" cy="0"/>
-        </a:xfrm>
-      </p:grpSpPr>
-      <p:cxnSp>
-        <p:nvCxnSpPr>
-          <p:cNvPr id="4" name="直線コネクタ 3">
-            <a:extLst>
-              <a:ext uri="{FF2B5EF4-FFF2-40B4-BE49-F238E27FC236}">
-                <a16:creationId xmlns:a16="http://schemas.microsoft.com/office/drawing/2014/main" id="{F2FFAF25-C28C-AC81-BD85-6C3BE05A7CA9}"/>
-              </a:ext>
-            </a:extLst>
-          </p:cNvPr>
-          <p:cNvCxnSpPr/>
-          <p:nvPr/>
-        </p:nvCxnSpPr>
-        <p:spPr>
-          <a:xfrm>
-            <a:off x="228600" y="755374"/>
-            <a:ext cx="11936896" cy="0"/>
-          </a:xfrm>
-          <a:prstGeom prst="line">
-            <a:avLst/>
-          </a:prstGeom>
-        </p:spPr>
-        <p:style>
-          <a:lnRef idx="2">
-            <a:schemeClr val="accent1"/>
-          </a:lnRef>
-          <a:fillRef idx="0">
-            <a:schemeClr val="accent1"/>
-          </a:fillRef>
-          <a:effectRef idx="1">
-            <a:schemeClr val="accent1"/>
-          </a:effectRef>
-          <a:fontRef idx="minor">
-            <a:schemeClr val="tx1"/>
-          </a:fontRef>
-        </p:style>
-      </p:cxnSp>
-      <p:sp>
-        <p:nvSpPr>
-          <p:cNvPr id="5" name="テキスト ボックス 4">
-            <a:extLst>
-              <a:ext uri="{FF2B5EF4-FFF2-40B4-BE49-F238E27FC236}">
-                <a16:creationId xmlns:a16="http://schemas.microsoft.com/office/drawing/2014/main" id="{16BDD0BB-DFBF-14C7-C13A-BAF835B19A4D}"/>
-              </a:ext>
-            </a:extLst>
-          </p:cNvPr>
-          <p:cNvSpPr txBox="1"/>
-          <p:nvPr/>
-        </p:nvSpPr>
-        <p:spPr>
-          <a:xfrm>
-            <a:off x="407504" y="198783"/>
-            <a:ext cx="3796748" cy="369332"/>
-          </a:xfrm>
-          <a:prstGeom prst="rect">
-            <a:avLst/>
-          </a:prstGeom>
-          <a:noFill/>
-        </p:spPr>
-        <p:txBody>
-          <a:bodyPr wrap="square" rtlCol="0">
-            <a:spAutoFit/>
-          </a:bodyPr>
-          <a:lstStyle/>
-          <a:p>
-            <a:r>
-              <a:rPr kumimoji="1" lang="ja-JP" altLang="en-US" dirty="0"/>
-              <a:t>説明文入力</a:t>
-            </a:r>
-          </a:p>
-        </p:txBody>
-      </p:sp>
-      <p:sp>
-        <p:nvSpPr>
-          <p:cNvPr id="6" name="テキスト ボックス 5">
-            <a:extLst>
-              <a:ext uri="{FF2B5EF4-FFF2-40B4-BE49-F238E27FC236}">
-                <a16:creationId xmlns:a16="http://schemas.microsoft.com/office/drawing/2014/main" id="{B28A6D16-AAC1-BCD0-8F25-C2C95ED42BD4}"/>
-              </a:ext>
-            </a:extLst>
-          </p:cNvPr>
-          <p:cNvSpPr txBox="1"/>
-          <p:nvPr/>
-        </p:nvSpPr>
-        <p:spPr>
-          <a:xfrm>
-            <a:off x="1016277" y="1249866"/>
-            <a:ext cx="3579742" cy="369332"/>
-          </a:xfrm>
-          <a:prstGeom prst="rect">
-            <a:avLst/>
-          </a:prstGeom>
-          <a:noFill/>
-        </p:spPr>
-        <p:txBody>
-          <a:bodyPr wrap="square" rtlCol="0">
-            <a:spAutoFit/>
-          </a:bodyPr>
-          <a:lstStyle/>
-          <a:p>
-            <a:r>
-              <a:rPr kumimoji="1" lang="ja-JP" altLang="en-US" dirty="0"/>
-              <a:t>説明文入力</a:t>
-            </a:r>
-          </a:p>
-        </p:txBody>
-      </p:sp>
-      <p:sp>
-        <p:nvSpPr>
-          <p:cNvPr id="38" name="テキスト ボックス 37">
-            <a:extLst>
-              <a:ext uri="{FF2B5EF4-FFF2-40B4-BE49-F238E27FC236}">
-                <a16:creationId xmlns:a16="http://schemas.microsoft.com/office/drawing/2014/main" id="{228A275B-C4F8-F49D-6245-271D668A7D10}"/>
-              </a:ext>
-            </a:extLst>
-          </p:cNvPr>
-          <p:cNvSpPr txBox="1"/>
-          <p:nvPr/>
-        </p:nvSpPr>
-        <p:spPr>
-          <a:xfrm>
-            <a:off x="3975652" y="252657"/>
-            <a:ext cx="7535628" cy="369332"/>
-          </a:xfrm>
-          <a:prstGeom prst="rect">
-            <a:avLst/>
-          </a:prstGeom>
-          <a:noFill/>
-        </p:spPr>
-        <p:txBody>
-          <a:bodyPr wrap="square" rtlCol="0">
-            <a:spAutoFit/>
-          </a:bodyPr>
-          <a:lstStyle/>
-          <a:p>
-            <a:r>
-              <a:rPr kumimoji="1" lang="ja-JP" altLang="en-US" dirty="0"/>
-              <a:t>凡例：点線ボックスはエディットボックス、実線ボックスはボタン</a:t>
-            </a:r>
-          </a:p>
-        </p:txBody>
-      </p:sp>
-      <p:sp>
-        <p:nvSpPr>
-          <p:cNvPr id="48" name="正方形/長方形 47">
-            <a:extLst>
-              <a:ext uri="{FF2B5EF4-FFF2-40B4-BE49-F238E27FC236}">
-                <a16:creationId xmlns:a16="http://schemas.microsoft.com/office/drawing/2014/main" id="{79D33ADF-17BE-9523-BCF4-679DB84F22E2}"/>
-              </a:ext>
-            </a:extLst>
-          </p:cNvPr>
-          <p:cNvSpPr/>
-          <p:nvPr/>
-        </p:nvSpPr>
-        <p:spPr>
-          <a:xfrm>
-            <a:off x="711201" y="1079037"/>
-            <a:ext cx="4338320" cy="4864563"/>
-          </a:xfrm>
-          <a:prstGeom prst="rect">
-            <a:avLst/>
-          </a:prstGeom>
-          <a:noFill/>
-        </p:spPr>
-        <p:style>
-          <a:lnRef idx="2">
-            <a:schemeClr val="accent1">
-              <a:shade val="15000"/>
-            </a:schemeClr>
-          </a:lnRef>
-          <a:fillRef idx="1">
-            <a:schemeClr val="accent1"/>
-          </a:fillRef>
-          <a:effectRef idx="0">
-            <a:schemeClr val="accent1"/>
-          </a:effectRef>
-          <a:fontRef idx="minor">
-            <a:schemeClr val="lt1"/>
-          </a:fontRef>
-        </p:style>
-        <p:txBody>
-          <a:bodyPr rtlCol="0" anchor="ctr"/>
-          <a:lstStyle/>
-          <a:p>
-            <a:pPr algn="ctr"/>
-            <a:endParaRPr kumimoji="1" lang="ja-JP" altLang="en-US" sz="1200" dirty="0">
-              <a:solidFill>
-                <a:schemeClr val="tx1"/>
-              </a:solidFill>
-            </a:endParaRPr>
-          </a:p>
-        </p:txBody>
-      </p:sp>
-      <p:sp>
-        <p:nvSpPr>
-          <p:cNvPr id="49" name="正方形/長方形 48">
-            <a:extLst>
-              <a:ext uri="{FF2B5EF4-FFF2-40B4-BE49-F238E27FC236}">
-                <a16:creationId xmlns:a16="http://schemas.microsoft.com/office/drawing/2014/main" id="{ECE3B968-0A70-3F5E-EE44-9E488D4210DB}"/>
-              </a:ext>
-            </a:extLst>
-          </p:cNvPr>
-          <p:cNvSpPr/>
-          <p:nvPr/>
-        </p:nvSpPr>
-        <p:spPr>
-          <a:xfrm>
-            <a:off x="1016277" y="5238802"/>
-            <a:ext cx="834886" cy="369332"/>
-          </a:xfrm>
-          <a:prstGeom prst="rect">
-            <a:avLst/>
-          </a:prstGeom>
-          <a:noFill/>
-        </p:spPr>
-        <p:style>
-          <a:lnRef idx="2">
-            <a:schemeClr val="accent1">
-              <a:shade val="15000"/>
-            </a:schemeClr>
-          </a:lnRef>
-          <a:fillRef idx="1">
-            <a:schemeClr val="accent1"/>
-          </a:fillRef>
-          <a:effectRef idx="0">
-            <a:schemeClr val="accent1"/>
-          </a:effectRef>
-          <a:fontRef idx="minor">
-            <a:schemeClr val="lt1"/>
-          </a:fontRef>
-        </p:style>
-        <p:txBody>
-          <a:bodyPr rtlCol="0" anchor="ctr"/>
-          <a:lstStyle/>
-          <a:p>
-            <a:pPr algn="ctr"/>
-            <a:r>
-              <a:rPr kumimoji="1" lang="ja-JP" altLang="en-US" sz="1200" dirty="0">
-                <a:solidFill>
-                  <a:schemeClr val="tx1"/>
-                </a:solidFill>
-              </a:rPr>
-              <a:t>中止</a:t>
-            </a:r>
-          </a:p>
-        </p:txBody>
-      </p:sp>
-      <p:sp>
-        <p:nvSpPr>
-          <p:cNvPr id="50" name="正方形/長方形 49">
-            <a:extLst>
-              <a:ext uri="{FF2B5EF4-FFF2-40B4-BE49-F238E27FC236}">
-                <a16:creationId xmlns:a16="http://schemas.microsoft.com/office/drawing/2014/main" id="{5FF1BC8E-1C3C-C2A7-22D7-75139E738B40}"/>
-              </a:ext>
-            </a:extLst>
-          </p:cNvPr>
-          <p:cNvSpPr/>
-          <p:nvPr/>
-        </p:nvSpPr>
-        <p:spPr>
-          <a:xfrm>
-            <a:off x="2156238" y="5238802"/>
-            <a:ext cx="1710083" cy="369332"/>
-          </a:xfrm>
-          <a:prstGeom prst="rect">
-            <a:avLst/>
-          </a:prstGeom>
-          <a:noFill/>
-        </p:spPr>
-        <p:style>
-          <a:lnRef idx="2">
-            <a:schemeClr val="accent1">
-              <a:shade val="15000"/>
-            </a:schemeClr>
-          </a:lnRef>
-          <a:fillRef idx="1">
-            <a:schemeClr val="accent1"/>
-          </a:fillRef>
-          <a:effectRef idx="0">
-            <a:schemeClr val="accent1"/>
-          </a:effectRef>
-          <a:fontRef idx="minor">
-            <a:schemeClr val="lt1"/>
-          </a:fontRef>
-        </p:style>
-        <p:txBody>
-          <a:bodyPr rtlCol="0" anchor="ctr"/>
-          <a:lstStyle/>
-          <a:p>
-            <a:pPr algn="ctr"/>
-            <a:r>
-              <a:rPr kumimoji="1" lang="en-US" altLang="ja-JP" sz="1200" dirty="0">
-                <a:solidFill>
-                  <a:schemeClr val="tx1"/>
-                </a:solidFill>
-              </a:rPr>
-              <a:t>QR</a:t>
-            </a:r>
-            <a:r>
-              <a:rPr kumimoji="1" lang="ja-JP" altLang="en-US" sz="1200" dirty="0">
-                <a:solidFill>
-                  <a:schemeClr val="tx1"/>
-                </a:solidFill>
-              </a:rPr>
-              <a:t>コード発行</a:t>
-            </a:r>
-            <a:endParaRPr kumimoji="1" lang="en-US" altLang="ja-JP" sz="1200" dirty="0">
-              <a:solidFill>
-                <a:schemeClr val="tx1"/>
-              </a:solidFill>
-            </a:endParaRPr>
-          </a:p>
-        </p:txBody>
-      </p:sp>
-      <p:sp>
-        <p:nvSpPr>
-          <p:cNvPr id="52" name="テキスト ボックス 51">
-            <a:extLst>
-              <a:ext uri="{FF2B5EF4-FFF2-40B4-BE49-F238E27FC236}">
-                <a16:creationId xmlns:a16="http://schemas.microsoft.com/office/drawing/2014/main" id="{E138355C-BFEC-A722-C897-F05429C65386}"/>
-              </a:ext>
-            </a:extLst>
-          </p:cNvPr>
-          <p:cNvSpPr txBox="1"/>
-          <p:nvPr/>
-        </p:nvSpPr>
-        <p:spPr>
-          <a:xfrm>
-            <a:off x="5799372" y="1079037"/>
-            <a:ext cx="6182138" cy="923330"/>
-          </a:xfrm>
-          <a:prstGeom prst="rect">
-            <a:avLst/>
-          </a:prstGeom>
-          <a:noFill/>
-        </p:spPr>
-        <p:txBody>
-          <a:bodyPr wrap="square" rtlCol="0">
-            <a:spAutoFit/>
-          </a:bodyPr>
-          <a:lstStyle/>
-          <a:p>
-            <a:r>
-              <a:rPr kumimoji="1" lang="ja-JP" altLang="en-US" dirty="0"/>
-              <a:t>必要な言語を選択し説明文を入力する</a:t>
-            </a:r>
-            <a:endParaRPr kumimoji="1" lang="en-US" altLang="ja-JP" dirty="0"/>
-          </a:p>
-          <a:p>
-            <a:r>
-              <a:rPr kumimoji="1" lang="ja-JP" altLang="en-US" dirty="0"/>
-              <a:t>対象外の言語は未入力にしておく</a:t>
-            </a:r>
-            <a:endParaRPr kumimoji="1" lang="en-US" altLang="ja-JP" dirty="0"/>
-          </a:p>
-          <a:p>
-            <a:r>
-              <a:rPr kumimoji="1" lang="ja-JP" altLang="en-US" dirty="0"/>
-              <a:t>対象言語すべての入力が終わったら</a:t>
-            </a:r>
-            <a:r>
-              <a:rPr kumimoji="1" lang="en-US" altLang="ja-JP" dirty="0"/>
-              <a:t>QR</a:t>
-            </a:r>
-            <a:r>
-              <a:rPr kumimoji="1" lang="ja-JP" altLang="en-US" dirty="0"/>
-              <a:t>コード発行</a:t>
-            </a:r>
-            <a:r>
-              <a:rPr lang="ja-JP" altLang="en-US" dirty="0"/>
-              <a:t>ボタン</a:t>
-            </a:r>
-            <a:endParaRPr lang="en-US" altLang="ja-JP" dirty="0"/>
-          </a:p>
-        </p:txBody>
-      </p:sp>
-      <p:sp>
-        <p:nvSpPr>
-          <p:cNvPr id="2" name="テキスト ボックス 1">
-            <a:extLst>
-              <a:ext uri="{FF2B5EF4-FFF2-40B4-BE49-F238E27FC236}">
-                <a16:creationId xmlns:a16="http://schemas.microsoft.com/office/drawing/2014/main" id="{47E01FA7-41F2-3F87-5B89-6AE0CDFD9EF9}"/>
-              </a:ext>
-            </a:extLst>
-          </p:cNvPr>
-          <p:cNvSpPr txBox="1"/>
-          <p:nvPr/>
-        </p:nvSpPr>
-        <p:spPr>
-          <a:xfrm>
-            <a:off x="1311965" y="1707154"/>
-            <a:ext cx="2663687" cy="923330"/>
-          </a:xfrm>
-          <a:prstGeom prst="rect">
-            <a:avLst/>
-          </a:prstGeom>
-          <a:noFill/>
-        </p:spPr>
-        <p:txBody>
-          <a:bodyPr wrap="square" rtlCol="0">
-            <a:spAutoFit/>
-          </a:bodyPr>
-          <a:lstStyle/>
-          <a:p>
-            <a:r>
-              <a:rPr kumimoji="1" lang="ja-JP" altLang="en-US" dirty="0"/>
-              <a:t>☑日本語</a:t>
-            </a:r>
-            <a:endParaRPr kumimoji="1" lang="en-US" altLang="ja-JP" dirty="0"/>
-          </a:p>
-          <a:p>
-            <a:r>
-              <a:rPr kumimoji="1" lang="ja-JP" altLang="en-US" dirty="0"/>
-              <a:t>　英語</a:t>
-            </a:r>
-            <a:endParaRPr kumimoji="1" lang="en-US" altLang="ja-JP" dirty="0"/>
-          </a:p>
-          <a:p>
-            <a:r>
-              <a:rPr kumimoji="1" lang="ja-JP" altLang="en-US" dirty="0"/>
-              <a:t>　中国語</a:t>
-            </a:r>
-          </a:p>
-        </p:txBody>
-      </p:sp>
-      <p:sp>
-        <p:nvSpPr>
-          <p:cNvPr id="11" name="吹き出し: 四角形 10">
-            <a:extLst>
-              <a:ext uri="{FF2B5EF4-FFF2-40B4-BE49-F238E27FC236}">
-                <a16:creationId xmlns:a16="http://schemas.microsoft.com/office/drawing/2014/main" id="{1155DFB3-9B98-2B89-464A-FF87979A0E96}"/>
-              </a:ext>
-            </a:extLst>
-          </p:cNvPr>
-          <p:cNvSpPr/>
-          <p:nvPr/>
-        </p:nvSpPr>
-        <p:spPr>
-          <a:xfrm>
-            <a:off x="3065561" y="1436954"/>
-            <a:ext cx="1631121" cy="923330"/>
-          </a:xfrm>
-          <a:prstGeom prst="wedgeRectCallout">
-            <a:avLst>
-              <a:gd name="adj1" fmla="val -79939"/>
-              <a:gd name="adj2" fmla="val 39895"/>
-            </a:avLst>
-          </a:prstGeom>
-          <a:noFill/>
-        </p:spPr>
-        <p:style>
-          <a:lnRef idx="2">
-            <a:schemeClr val="accent1">
-              <a:shade val="15000"/>
-            </a:schemeClr>
-          </a:lnRef>
-          <a:fillRef idx="1">
-            <a:schemeClr val="accent1"/>
-          </a:fillRef>
-          <a:effectRef idx="0">
-            <a:schemeClr val="accent1"/>
-          </a:effectRef>
-          <a:fontRef idx="minor">
-            <a:schemeClr val="lt1"/>
-          </a:fontRef>
-        </p:style>
-        <p:txBody>
-          <a:bodyPr rtlCol="0" anchor="ctr"/>
-          <a:lstStyle/>
-          <a:p>
-            <a:pPr algn="ctr"/>
-            <a:r>
-              <a:rPr kumimoji="1" lang="ja-JP" altLang="en-US" sz="1200" dirty="0">
-                <a:solidFill>
-                  <a:schemeClr val="tx1"/>
-                </a:solidFill>
-              </a:rPr>
-              <a:t>ラジオボタン形式でどれか一つを選択する</a:t>
-            </a:r>
-          </a:p>
-        </p:txBody>
-      </p:sp>
-      <p:sp>
-        <p:nvSpPr>
-          <p:cNvPr id="12" name="正方形/長方形 11">
-            <a:extLst>
-              <a:ext uri="{FF2B5EF4-FFF2-40B4-BE49-F238E27FC236}">
-                <a16:creationId xmlns:a16="http://schemas.microsoft.com/office/drawing/2014/main" id="{DCD3DDE2-3362-5D6B-AEA8-BD97CD51D71E}"/>
-              </a:ext>
-            </a:extLst>
-          </p:cNvPr>
-          <p:cNvSpPr/>
-          <p:nvPr/>
-        </p:nvSpPr>
-        <p:spPr>
-          <a:xfrm>
-            <a:off x="996399" y="2718200"/>
-            <a:ext cx="3784323" cy="1779517"/>
-          </a:xfrm>
-          <a:prstGeom prst="rect">
-            <a:avLst/>
-          </a:prstGeom>
-          <a:noFill/>
-          <a:ln>
-            <a:prstDash val="dash"/>
-          </a:ln>
-        </p:spPr>
-        <p:style>
-          <a:lnRef idx="2">
-            <a:schemeClr val="accent1">
-              <a:shade val="15000"/>
-            </a:schemeClr>
-          </a:lnRef>
-          <a:fillRef idx="1">
-            <a:schemeClr val="accent1"/>
-          </a:fillRef>
-          <a:effectRef idx="0">
-            <a:schemeClr val="accent1"/>
-          </a:effectRef>
-          <a:fontRef idx="minor">
-            <a:schemeClr val="lt1"/>
-          </a:fontRef>
-        </p:style>
-        <p:txBody>
-          <a:bodyPr rtlCol="0" anchor="ctr"/>
-          <a:lstStyle/>
-          <a:p>
-            <a:pPr algn="ctr"/>
-            <a:r>
-              <a:rPr kumimoji="1" lang="ja-JP" altLang="en-US" sz="1200" dirty="0">
-                <a:solidFill>
-                  <a:schemeClr val="tx1"/>
-                </a:solidFill>
-              </a:rPr>
-              <a:t>説明文入力欄</a:t>
-            </a:r>
-          </a:p>
-        </p:txBody>
-      </p:sp>
-    </p:spTree>
-    <p:extLst>
-      <p:ext uri="{BB962C8B-B14F-4D97-AF65-F5344CB8AC3E}">
-        <p14:creationId xmlns:p14="http://schemas.microsoft.com/office/powerpoint/2010/main" val="4012597490"/>
       </p:ext>
     </p:extLst>
   </p:cSld>
@@ -15161,6 +14564,1255 @@
         <p:cNvPr id="1" name="">
           <a:extLst>
             <a:ext uri="{FF2B5EF4-FFF2-40B4-BE49-F238E27FC236}">
+              <a16:creationId xmlns:a16="http://schemas.microsoft.com/office/drawing/2014/main" id="{08E8B57B-A83B-6FE9-85D0-118E96EAF378}"/>
+            </a:ext>
+          </a:extLst>
+        </p:cNvPr>
+        <p:cNvGrpSpPr/>
+        <p:nvPr/>
+      </p:nvGrpSpPr>
+      <p:grpSpPr>
+        <a:xfrm>
+          <a:off x="0" y="0"/>
+          <a:ext cx="0" cy="0"/>
+          <a:chOff x="0" y="0"/>
+          <a:chExt cx="0" cy="0"/>
+        </a:xfrm>
+      </p:grpSpPr>
+      <p:cxnSp>
+        <p:nvCxnSpPr>
+          <p:cNvPr id="4" name="直線コネクタ 3">
+            <a:extLst>
+              <a:ext uri="{FF2B5EF4-FFF2-40B4-BE49-F238E27FC236}">
+                <a16:creationId xmlns:a16="http://schemas.microsoft.com/office/drawing/2014/main" id="{E69C66A3-D42F-DC3D-F0EA-88DEFBE324F2}"/>
+              </a:ext>
+            </a:extLst>
+          </p:cNvPr>
+          <p:cNvCxnSpPr/>
+          <p:nvPr/>
+        </p:nvCxnSpPr>
+        <p:spPr>
+          <a:xfrm>
+            <a:off x="228600" y="755374"/>
+            <a:ext cx="11936896" cy="0"/>
+          </a:xfrm>
+          <a:prstGeom prst="line">
+            <a:avLst/>
+          </a:prstGeom>
+        </p:spPr>
+        <p:style>
+          <a:lnRef idx="2">
+            <a:schemeClr val="accent1"/>
+          </a:lnRef>
+          <a:fillRef idx="0">
+            <a:schemeClr val="accent1"/>
+          </a:fillRef>
+          <a:effectRef idx="1">
+            <a:schemeClr val="accent1"/>
+          </a:effectRef>
+          <a:fontRef idx="minor">
+            <a:schemeClr val="tx1"/>
+          </a:fontRef>
+        </p:style>
+      </p:cxnSp>
+      <p:sp>
+        <p:nvSpPr>
+          <p:cNvPr id="5" name="テキスト ボックス 4">
+            <a:extLst>
+              <a:ext uri="{FF2B5EF4-FFF2-40B4-BE49-F238E27FC236}">
+                <a16:creationId xmlns:a16="http://schemas.microsoft.com/office/drawing/2014/main" id="{D5AAF2F7-4F62-2CC3-459B-C7374129ACA2}"/>
+              </a:ext>
+            </a:extLst>
+          </p:cNvPr>
+          <p:cNvSpPr txBox="1"/>
+          <p:nvPr/>
+        </p:nvSpPr>
+        <p:spPr>
+          <a:xfrm>
+            <a:off x="407504" y="198783"/>
+            <a:ext cx="3796748" cy="369332"/>
+          </a:xfrm>
+          <a:prstGeom prst="rect">
+            <a:avLst/>
+          </a:prstGeom>
+          <a:noFill/>
+        </p:spPr>
+        <p:txBody>
+          <a:bodyPr wrap="square" rtlCol="0">
+            <a:spAutoFit/>
+          </a:bodyPr>
+          <a:lstStyle/>
+          <a:p>
+            <a:r>
+              <a:rPr kumimoji="1" lang="ja-JP" altLang="en-US" dirty="0"/>
+              <a:t>画像選択</a:t>
+            </a:r>
+          </a:p>
+        </p:txBody>
+      </p:sp>
+      <p:sp>
+        <p:nvSpPr>
+          <p:cNvPr id="6" name="テキスト ボックス 5">
+            <a:extLst>
+              <a:ext uri="{FF2B5EF4-FFF2-40B4-BE49-F238E27FC236}">
+                <a16:creationId xmlns:a16="http://schemas.microsoft.com/office/drawing/2014/main" id="{2B881359-0531-32C6-B3AA-E59429611D72}"/>
+              </a:ext>
+            </a:extLst>
+          </p:cNvPr>
+          <p:cNvSpPr txBox="1"/>
+          <p:nvPr/>
+        </p:nvSpPr>
+        <p:spPr>
+          <a:xfrm>
+            <a:off x="1016277" y="1249866"/>
+            <a:ext cx="3579742" cy="369332"/>
+          </a:xfrm>
+          <a:prstGeom prst="rect">
+            <a:avLst/>
+          </a:prstGeom>
+          <a:noFill/>
+        </p:spPr>
+        <p:txBody>
+          <a:bodyPr wrap="square" rtlCol="0">
+            <a:spAutoFit/>
+          </a:bodyPr>
+          <a:lstStyle/>
+          <a:p>
+            <a:r>
+              <a:rPr kumimoji="1" lang="ja-JP" altLang="en-US" dirty="0"/>
+              <a:t>展示物画像</a:t>
+            </a:r>
+          </a:p>
+        </p:txBody>
+      </p:sp>
+      <p:sp>
+        <p:nvSpPr>
+          <p:cNvPr id="38" name="テキスト ボックス 37">
+            <a:extLst>
+              <a:ext uri="{FF2B5EF4-FFF2-40B4-BE49-F238E27FC236}">
+                <a16:creationId xmlns:a16="http://schemas.microsoft.com/office/drawing/2014/main" id="{F2044197-8805-B179-E226-3AEE652B2C56}"/>
+              </a:ext>
+            </a:extLst>
+          </p:cNvPr>
+          <p:cNvSpPr txBox="1"/>
+          <p:nvPr/>
+        </p:nvSpPr>
+        <p:spPr>
+          <a:xfrm>
+            <a:off x="3975652" y="252657"/>
+            <a:ext cx="7535628" cy="369332"/>
+          </a:xfrm>
+          <a:prstGeom prst="rect">
+            <a:avLst/>
+          </a:prstGeom>
+          <a:noFill/>
+        </p:spPr>
+        <p:txBody>
+          <a:bodyPr wrap="square" rtlCol="0">
+            <a:spAutoFit/>
+          </a:bodyPr>
+          <a:lstStyle/>
+          <a:p>
+            <a:r>
+              <a:rPr kumimoji="1" lang="ja-JP" altLang="en-US" dirty="0"/>
+              <a:t>凡例：点線ボックスはエディットボックス、実線ボックスはボタン</a:t>
+            </a:r>
+          </a:p>
+        </p:txBody>
+      </p:sp>
+      <p:sp>
+        <p:nvSpPr>
+          <p:cNvPr id="47" name="テキスト ボックス 46">
+            <a:extLst>
+              <a:ext uri="{FF2B5EF4-FFF2-40B4-BE49-F238E27FC236}">
+                <a16:creationId xmlns:a16="http://schemas.microsoft.com/office/drawing/2014/main" id="{CE7B9F20-D31F-36F1-8124-C040F776DE5E}"/>
+              </a:ext>
+            </a:extLst>
+          </p:cNvPr>
+          <p:cNvSpPr txBox="1"/>
+          <p:nvPr/>
+        </p:nvSpPr>
+        <p:spPr>
+          <a:xfrm>
+            <a:off x="955814" y="4081469"/>
+            <a:ext cx="3921760" cy="369323"/>
+          </a:xfrm>
+          <a:prstGeom prst="rect">
+            <a:avLst/>
+          </a:prstGeom>
+          <a:noFill/>
+        </p:spPr>
+        <p:txBody>
+          <a:bodyPr wrap="square" rtlCol="0">
+            <a:spAutoFit/>
+          </a:bodyPr>
+          <a:lstStyle/>
+          <a:p>
+            <a:r>
+              <a:rPr kumimoji="1" lang="ja-JP" altLang="en-US" dirty="0"/>
+              <a:t>未使用言語は何も入れない</a:t>
+            </a:r>
+          </a:p>
+        </p:txBody>
+      </p:sp>
+      <p:sp>
+        <p:nvSpPr>
+          <p:cNvPr id="48" name="正方形/長方形 47">
+            <a:extLst>
+              <a:ext uri="{FF2B5EF4-FFF2-40B4-BE49-F238E27FC236}">
+                <a16:creationId xmlns:a16="http://schemas.microsoft.com/office/drawing/2014/main" id="{6AD5405E-91AE-A128-1E55-99BE8588FFF0}"/>
+              </a:ext>
+            </a:extLst>
+          </p:cNvPr>
+          <p:cNvSpPr/>
+          <p:nvPr/>
+        </p:nvSpPr>
+        <p:spPr>
+          <a:xfrm>
+            <a:off x="711201" y="1079037"/>
+            <a:ext cx="4338320" cy="4864563"/>
+          </a:xfrm>
+          <a:prstGeom prst="rect">
+            <a:avLst/>
+          </a:prstGeom>
+          <a:noFill/>
+        </p:spPr>
+        <p:style>
+          <a:lnRef idx="2">
+            <a:schemeClr val="accent1">
+              <a:shade val="15000"/>
+            </a:schemeClr>
+          </a:lnRef>
+          <a:fillRef idx="1">
+            <a:schemeClr val="accent1"/>
+          </a:fillRef>
+          <a:effectRef idx="0">
+            <a:schemeClr val="accent1"/>
+          </a:effectRef>
+          <a:fontRef idx="minor">
+            <a:schemeClr val="lt1"/>
+          </a:fontRef>
+        </p:style>
+        <p:txBody>
+          <a:bodyPr rtlCol="0" anchor="ctr"/>
+          <a:lstStyle/>
+          <a:p>
+            <a:pPr algn="ctr"/>
+            <a:endParaRPr kumimoji="1" lang="ja-JP" altLang="en-US" sz="1200" dirty="0">
+              <a:solidFill>
+                <a:schemeClr val="tx1"/>
+              </a:solidFill>
+            </a:endParaRPr>
+          </a:p>
+        </p:txBody>
+      </p:sp>
+      <p:sp>
+        <p:nvSpPr>
+          <p:cNvPr id="49" name="正方形/長方形 48">
+            <a:extLst>
+              <a:ext uri="{FF2B5EF4-FFF2-40B4-BE49-F238E27FC236}">
+                <a16:creationId xmlns:a16="http://schemas.microsoft.com/office/drawing/2014/main" id="{7E05DCFB-D9D7-FEC2-2538-F47396526976}"/>
+              </a:ext>
+            </a:extLst>
+          </p:cNvPr>
+          <p:cNvSpPr/>
+          <p:nvPr/>
+        </p:nvSpPr>
+        <p:spPr>
+          <a:xfrm>
+            <a:off x="1105454" y="4871832"/>
+            <a:ext cx="834886" cy="369332"/>
+          </a:xfrm>
+          <a:prstGeom prst="rect">
+            <a:avLst/>
+          </a:prstGeom>
+          <a:noFill/>
+        </p:spPr>
+        <p:style>
+          <a:lnRef idx="2">
+            <a:schemeClr val="accent1">
+              <a:shade val="15000"/>
+            </a:schemeClr>
+          </a:lnRef>
+          <a:fillRef idx="1">
+            <a:schemeClr val="accent1"/>
+          </a:fillRef>
+          <a:effectRef idx="0">
+            <a:schemeClr val="accent1"/>
+          </a:effectRef>
+          <a:fontRef idx="minor">
+            <a:schemeClr val="lt1"/>
+          </a:fontRef>
+        </p:style>
+        <p:txBody>
+          <a:bodyPr rtlCol="0" anchor="ctr"/>
+          <a:lstStyle/>
+          <a:p>
+            <a:pPr algn="ctr"/>
+            <a:r>
+              <a:rPr kumimoji="1" lang="ja-JP" altLang="en-US" sz="1200" dirty="0">
+                <a:solidFill>
+                  <a:schemeClr val="tx1"/>
+                </a:solidFill>
+              </a:rPr>
+              <a:t>中止</a:t>
+            </a:r>
+          </a:p>
+        </p:txBody>
+      </p:sp>
+      <p:sp>
+        <p:nvSpPr>
+          <p:cNvPr id="50" name="正方形/長方形 49">
+            <a:extLst>
+              <a:ext uri="{FF2B5EF4-FFF2-40B4-BE49-F238E27FC236}">
+                <a16:creationId xmlns:a16="http://schemas.microsoft.com/office/drawing/2014/main" id="{2D2D8610-B8BA-4C89-5E74-BA8B98BD9A23}"/>
+              </a:ext>
+            </a:extLst>
+          </p:cNvPr>
+          <p:cNvSpPr/>
+          <p:nvPr/>
+        </p:nvSpPr>
+        <p:spPr>
+          <a:xfrm>
+            <a:off x="2245416" y="4871832"/>
+            <a:ext cx="834886" cy="369332"/>
+          </a:xfrm>
+          <a:prstGeom prst="rect">
+            <a:avLst/>
+          </a:prstGeom>
+          <a:noFill/>
+        </p:spPr>
+        <p:style>
+          <a:lnRef idx="2">
+            <a:schemeClr val="accent1">
+              <a:shade val="15000"/>
+            </a:schemeClr>
+          </a:lnRef>
+          <a:fillRef idx="1">
+            <a:schemeClr val="accent1"/>
+          </a:fillRef>
+          <a:effectRef idx="0">
+            <a:schemeClr val="accent1"/>
+          </a:effectRef>
+          <a:fontRef idx="minor">
+            <a:schemeClr val="lt1"/>
+          </a:fontRef>
+        </p:style>
+        <p:txBody>
+          <a:bodyPr rtlCol="0" anchor="ctr"/>
+          <a:lstStyle/>
+          <a:p>
+            <a:pPr algn="ctr"/>
+            <a:r>
+              <a:rPr kumimoji="1" lang="ja-JP" altLang="en-US" sz="1200" dirty="0">
+                <a:solidFill>
+                  <a:schemeClr val="tx1"/>
+                </a:solidFill>
+              </a:rPr>
+              <a:t>次へ</a:t>
+            </a:r>
+          </a:p>
+        </p:txBody>
+      </p:sp>
+      <p:sp>
+        <p:nvSpPr>
+          <p:cNvPr id="52" name="テキスト ボックス 51">
+            <a:extLst>
+              <a:ext uri="{FF2B5EF4-FFF2-40B4-BE49-F238E27FC236}">
+                <a16:creationId xmlns:a16="http://schemas.microsoft.com/office/drawing/2014/main" id="{AAB5170A-E280-79F9-2555-588E1A3D5BB7}"/>
+              </a:ext>
+            </a:extLst>
+          </p:cNvPr>
+          <p:cNvSpPr txBox="1"/>
+          <p:nvPr/>
+        </p:nvSpPr>
+        <p:spPr>
+          <a:xfrm>
+            <a:off x="5675244" y="1397240"/>
+            <a:ext cx="6182138" cy="2031325"/>
+          </a:xfrm>
+          <a:prstGeom prst="rect">
+            <a:avLst/>
+          </a:prstGeom>
+          <a:noFill/>
+        </p:spPr>
+        <p:txBody>
+          <a:bodyPr wrap="square" rtlCol="0">
+            <a:spAutoFit/>
+          </a:bodyPr>
+          <a:lstStyle/>
+          <a:p>
+            <a:pPr marL="285750" indent="-285750">
+              <a:buFont typeface="Wingdings" panose="05000000000000000000" pitchFamily="2" charset="2"/>
+              <a:buChar char="l"/>
+            </a:pPr>
+            <a:r>
+              <a:rPr kumimoji="1" lang="ja-JP" altLang="en-US" dirty="0"/>
+              <a:t>中止</a:t>
+            </a:r>
+            <a:endParaRPr kumimoji="1" lang="en-US" altLang="ja-JP" dirty="0"/>
+          </a:p>
+          <a:p>
+            <a:pPr marL="742950" lvl="1" indent="-285750">
+              <a:buFont typeface="Wingdings" panose="05000000000000000000" pitchFamily="2" charset="2"/>
+              <a:buChar char="ü"/>
+            </a:pPr>
+            <a:r>
+              <a:rPr kumimoji="1" lang="ja-JP" altLang="en-US" dirty="0"/>
+              <a:t>博物館トップページ</a:t>
+            </a:r>
+            <a:endParaRPr kumimoji="1" lang="en-US" altLang="ja-JP" dirty="0"/>
+          </a:p>
+          <a:p>
+            <a:pPr marL="285750" indent="-285750">
+              <a:buFont typeface="Wingdings" panose="05000000000000000000" pitchFamily="2" charset="2"/>
+              <a:buChar char="l"/>
+            </a:pPr>
+            <a:r>
+              <a:rPr kumimoji="1" lang="ja-JP" altLang="en-US" dirty="0"/>
+              <a:t>選択</a:t>
+            </a:r>
+            <a:endParaRPr kumimoji="1" lang="en-US" altLang="ja-JP" dirty="0"/>
+          </a:p>
+          <a:p>
+            <a:pPr marL="742950" lvl="1" indent="-285750">
+              <a:buFont typeface="Wingdings" panose="05000000000000000000" pitchFamily="2" charset="2"/>
+              <a:buChar char="ü"/>
+            </a:pPr>
+            <a:r>
+              <a:rPr kumimoji="1" lang="ja-JP" altLang="en-US" dirty="0"/>
+              <a:t>ファイル名入力欄に入力されたファイルを確定</a:t>
+            </a:r>
+            <a:endParaRPr kumimoji="1" lang="en-US" altLang="ja-JP" dirty="0"/>
+          </a:p>
+          <a:p>
+            <a:pPr marL="742950" lvl="1" indent="-285750">
+              <a:buFont typeface="Wingdings" panose="05000000000000000000" pitchFamily="2" charset="2"/>
+              <a:buChar char="ü"/>
+            </a:pPr>
+            <a:r>
+              <a:rPr kumimoji="1" lang="ja-JP" altLang="en-US" dirty="0"/>
+              <a:t>確定したファイル画像が表示される</a:t>
+            </a:r>
+            <a:endParaRPr kumimoji="1" lang="en-US" altLang="ja-JP" dirty="0"/>
+          </a:p>
+          <a:p>
+            <a:pPr marL="285750" indent="-285750">
+              <a:buFont typeface="Wingdings" panose="05000000000000000000" pitchFamily="2" charset="2"/>
+              <a:buChar char="l"/>
+            </a:pPr>
+            <a:r>
+              <a:rPr kumimoji="1" lang="ja-JP" altLang="en-US" dirty="0"/>
+              <a:t>次へ</a:t>
+            </a:r>
+            <a:endParaRPr kumimoji="1" lang="en-US" altLang="ja-JP" dirty="0"/>
+          </a:p>
+          <a:p>
+            <a:pPr marL="742950" lvl="1" indent="-285750">
+              <a:buFont typeface="Wingdings" panose="05000000000000000000" pitchFamily="2" charset="2"/>
+              <a:buChar char="ü"/>
+            </a:pPr>
+            <a:r>
+              <a:rPr kumimoji="1" lang="ja-JP" altLang="en-US" dirty="0"/>
+              <a:t>説明文入力欄に移動</a:t>
+            </a:r>
+            <a:endParaRPr kumimoji="1" lang="en-US" altLang="ja-JP" dirty="0"/>
+          </a:p>
+        </p:txBody>
+      </p:sp>
+      <p:sp>
+        <p:nvSpPr>
+          <p:cNvPr id="3" name="正方形/長方形 2">
+            <a:extLst>
+              <a:ext uri="{FF2B5EF4-FFF2-40B4-BE49-F238E27FC236}">
+                <a16:creationId xmlns:a16="http://schemas.microsoft.com/office/drawing/2014/main" id="{59B7AB63-01C3-6642-9F55-636B9ED39917}"/>
+              </a:ext>
+            </a:extLst>
+          </p:cNvPr>
+          <p:cNvSpPr/>
+          <p:nvPr/>
+        </p:nvSpPr>
+        <p:spPr>
+          <a:xfrm>
+            <a:off x="996399" y="3581581"/>
+            <a:ext cx="2837301" cy="369332"/>
+          </a:xfrm>
+          <a:prstGeom prst="rect">
+            <a:avLst/>
+          </a:prstGeom>
+          <a:noFill/>
+          <a:ln>
+            <a:prstDash val="dash"/>
+          </a:ln>
+        </p:spPr>
+        <p:style>
+          <a:lnRef idx="2">
+            <a:schemeClr val="accent1">
+              <a:shade val="15000"/>
+            </a:schemeClr>
+          </a:lnRef>
+          <a:fillRef idx="1">
+            <a:schemeClr val="accent1"/>
+          </a:fillRef>
+          <a:effectRef idx="0">
+            <a:schemeClr val="accent1"/>
+          </a:effectRef>
+          <a:fontRef idx="minor">
+            <a:schemeClr val="lt1"/>
+          </a:fontRef>
+        </p:style>
+        <p:txBody>
+          <a:bodyPr rtlCol="0" anchor="ctr"/>
+          <a:lstStyle/>
+          <a:p>
+            <a:pPr algn="ctr"/>
+            <a:r>
+              <a:rPr kumimoji="1" lang="ja-JP" altLang="en-US" sz="1200" dirty="0">
+                <a:solidFill>
+                  <a:schemeClr val="tx1"/>
+                </a:solidFill>
+              </a:rPr>
+              <a:t>ファイル名入力欄</a:t>
+            </a:r>
+          </a:p>
+        </p:txBody>
+      </p:sp>
+      <p:sp>
+        <p:nvSpPr>
+          <p:cNvPr id="7" name="正方形/長方形 6">
+            <a:extLst>
+              <a:ext uri="{FF2B5EF4-FFF2-40B4-BE49-F238E27FC236}">
+                <a16:creationId xmlns:a16="http://schemas.microsoft.com/office/drawing/2014/main" id="{5A0164DA-87C5-C575-9190-9009AC81A1E9}"/>
+              </a:ext>
+            </a:extLst>
+          </p:cNvPr>
+          <p:cNvSpPr/>
+          <p:nvPr/>
+        </p:nvSpPr>
+        <p:spPr>
+          <a:xfrm>
+            <a:off x="3977862" y="3581581"/>
+            <a:ext cx="834886" cy="369332"/>
+          </a:xfrm>
+          <a:prstGeom prst="rect">
+            <a:avLst/>
+          </a:prstGeom>
+          <a:noFill/>
+        </p:spPr>
+        <p:style>
+          <a:lnRef idx="2">
+            <a:schemeClr val="accent1">
+              <a:shade val="15000"/>
+            </a:schemeClr>
+          </a:lnRef>
+          <a:fillRef idx="1">
+            <a:schemeClr val="accent1"/>
+          </a:fillRef>
+          <a:effectRef idx="0">
+            <a:schemeClr val="accent1"/>
+          </a:effectRef>
+          <a:fontRef idx="minor">
+            <a:schemeClr val="lt1"/>
+          </a:fontRef>
+        </p:style>
+        <p:txBody>
+          <a:bodyPr rtlCol="0" anchor="ctr"/>
+          <a:lstStyle/>
+          <a:p>
+            <a:pPr algn="ctr"/>
+            <a:r>
+              <a:rPr kumimoji="1" lang="ja-JP" altLang="en-US" sz="1200" dirty="0">
+                <a:solidFill>
+                  <a:schemeClr val="tx1"/>
+                </a:solidFill>
+              </a:rPr>
+              <a:t>選択</a:t>
+            </a:r>
+          </a:p>
+        </p:txBody>
+      </p:sp>
+      <p:pic>
+        <p:nvPicPr>
+          <p:cNvPr id="8" name="図 7" descr="テーブル, 座る, ベッド, 横たわる が含まれている画像&#10;&#10;AI 生成コンテンツは誤りを含む可能性があります。">
+            <a:extLst>
+              <a:ext uri="{FF2B5EF4-FFF2-40B4-BE49-F238E27FC236}">
+                <a16:creationId xmlns:a16="http://schemas.microsoft.com/office/drawing/2014/main" id="{D07F746D-3850-ADB7-BC9F-7D93127A543A}"/>
+              </a:ext>
+            </a:extLst>
+          </p:cNvPr>
+          <p:cNvPicPr>
+            <a:picLocks noChangeAspect="1"/>
+          </p:cNvPicPr>
+          <p:nvPr/>
+        </p:nvPicPr>
+        <p:blipFill>
+          <a:blip r:embed="rId2"/>
+          <a:stretch>
+            <a:fillRect/>
+          </a:stretch>
+        </p:blipFill>
+        <p:spPr>
+          <a:xfrm>
+            <a:off x="1252169" y="1790027"/>
+            <a:ext cx="1182758" cy="1414482"/>
+          </a:xfrm>
+          <a:prstGeom prst="rect">
+            <a:avLst/>
+          </a:prstGeom>
+        </p:spPr>
+      </p:pic>
+      <p:sp>
+        <p:nvSpPr>
+          <p:cNvPr id="9" name="吹き出し: 四角形 8">
+            <a:extLst>
+              <a:ext uri="{FF2B5EF4-FFF2-40B4-BE49-F238E27FC236}">
+                <a16:creationId xmlns:a16="http://schemas.microsoft.com/office/drawing/2014/main" id="{7A306097-EF4F-F7F6-86D2-BF666153EFB8}"/>
+              </a:ext>
+            </a:extLst>
+          </p:cNvPr>
+          <p:cNvSpPr/>
+          <p:nvPr/>
+        </p:nvSpPr>
+        <p:spPr>
+          <a:xfrm>
+            <a:off x="2865424" y="1978214"/>
+            <a:ext cx="1338828" cy="619355"/>
+          </a:xfrm>
+          <a:prstGeom prst="wedgeRectCallout">
+            <a:avLst>
+              <a:gd name="adj1" fmla="val -76511"/>
+              <a:gd name="adj2" fmla="val 76942"/>
+            </a:avLst>
+          </a:prstGeom>
+          <a:noFill/>
+        </p:spPr>
+        <p:style>
+          <a:lnRef idx="2">
+            <a:schemeClr val="accent1">
+              <a:shade val="15000"/>
+            </a:schemeClr>
+          </a:lnRef>
+          <a:fillRef idx="1">
+            <a:schemeClr val="accent1"/>
+          </a:fillRef>
+          <a:effectRef idx="0">
+            <a:schemeClr val="accent1"/>
+          </a:effectRef>
+          <a:fontRef idx="minor">
+            <a:schemeClr val="lt1"/>
+          </a:fontRef>
+        </p:style>
+        <p:txBody>
+          <a:bodyPr rtlCol="0" anchor="ctr"/>
+          <a:lstStyle/>
+          <a:p>
+            <a:pPr algn="ctr"/>
+            <a:r>
+              <a:rPr kumimoji="1" lang="ja-JP" altLang="en-US" sz="1200" dirty="0">
+                <a:solidFill>
+                  <a:schemeClr val="tx1"/>
+                </a:solidFill>
+              </a:rPr>
+              <a:t>ここに画像が表示される</a:t>
+            </a:r>
+          </a:p>
+        </p:txBody>
+      </p:sp>
+    </p:spTree>
+    <p:extLst>
+      <p:ext uri="{BB962C8B-B14F-4D97-AF65-F5344CB8AC3E}">
+        <p14:creationId xmlns:p14="http://schemas.microsoft.com/office/powerpoint/2010/main" val="1352568908"/>
+      </p:ext>
+    </p:extLst>
+  </p:cSld>
+  <p:clrMapOvr>
+    <a:masterClrMapping/>
+  </p:clrMapOvr>
+</p:sld>
+</file>
+
+<file path=ppt/slides/slide51.xml><?xml version="1.0" encoding="utf-8"?>
+<p:sld xmlns:a="http://schemas.openxmlformats.org/drawingml/2006/main" xmlns:r="http://schemas.openxmlformats.org/officeDocument/2006/relationships" xmlns:p="http://schemas.openxmlformats.org/presentationml/2006/main">
+  <p:cSld>
+    <p:spTree>
+      <p:nvGrpSpPr>
+        <p:cNvPr id="1" name="">
+          <a:extLst>
+            <a:ext uri="{FF2B5EF4-FFF2-40B4-BE49-F238E27FC236}">
+              <a16:creationId xmlns:a16="http://schemas.microsoft.com/office/drawing/2014/main" id="{C411BB75-2A7A-0598-E9F2-03E766AE40A9}"/>
+            </a:ext>
+          </a:extLst>
+        </p:cNvPr>
+        <p:cNvGrpSpPr/>
+        <p:nvPr/>
+      </p:nvGrpSpPr>
+      <p:grpSpPr>
+        <a:xfrm>
+          <a:off x="0" y="0"/>
+          <a:ext cx="0" cy="0"/>
+          <a:chOff x="0" y="0"/>
+          <a:chExt cx="0" cy="0"/>
+        </a:xfrm>
+      </p:grpSpPr>
+      <p:cxnSp>
+        <p:nvCxnSpPr>
+          <p:cNvPr id="4" name="直線コネクタ 3">
+            <a:extLst>
+              <a:ext uri="{FF2B5EF4-FFF2-40B4-BE49-F238E27FC236}">
+                <a16:creationId xmlns:a16="http://schemas.microsoft.com/office/drawing/2014/main" id="{F2FFAF25-C28C-AC81-BD85-6C3BE05A7CA9}"/>
+              </a:ext>
+            </a:extLst>
+          </p:cNvPr>
+          <p:cNvCxnSpPr/>
+          <p:nvPr/>
+        </p:nvCxnSpPr>
+        <p:spPr>
+          <a:xfrm>
+            <a:off x="228600" y="755374"/>
+            <a:ext cx="11936896" cy="0"/>
+          </a:xfrm>
+          <a:prstGeom prst="line">
+            <a:avLst/>
+          </a:prstGeom>
+        </p:spPr>
+        <p:style>
+          <a:lnRef idx="2">
+            <a:schemeClr val="accent1"/>
+          </a:lnRef>
+          <a:fillRef idx="0">
+            <a:schemeClr val="accent1"/>
+          </a:fillRef>
+          <a:effectRef idx="1">
+            <a:schemeClr val="accent1"/>
+          </a:effectRef>
+          <a:fontRef idx="minor">
+            <a:schemeClr val="tx1"/>
+          </a:fontRef>
+        </p:style>
+      </p:cxnSp>
+      <p:sp>
+        <p:nvSpPr>
+          <p:cNvPr id="5" name="テキスト ボックス 4">
+            <a:extLst>
+              <a:ext uri="{FF2B5EF4-FFF2-40B4-BE49-F238E27FC236}">
+                <a16:creationId xmlns:a16="http://schemas.microsoft.com/office/drawing/2014/main" id="{16BDD0BB-DFBF-14C7-C13A-BAF835B19A4D}"/>
+              </a:ext>
+            </a:extLst>
+          </p:cNvPr>
+          <p:cNvSpPr txBox="1"/>
+          <p:nvPr/>
+        </p:nvSpPr>
+        <p:spPr>
+          <a:xfrm>
+            <a:off x="407504" y="198783"/>
+            <a:ext cx="3796748" cy="369332"/>
+          </a:xfrm>
+          <a:prstGeom prst="rect">
+            <a:avLst/>
+          </a:prstGeom>
+          <a:noFill/>
+        </p:spPr>
+        <p:txBody>
+          <a:bodyPr wrap="square" rtlCol="0">
+            <a:spAutoFit/>
+          </a:bodyPr>
+          <a:lstStyle/>
+          <a:p>
+            <a:r>
+              <a:rPr kumimoji="1" lang="ja-JP" altLang="en-US" dirty="0"/>
+              <a:t>説明文入力</a:t>
+            </a:r>
+          </a:p>
+        </p:txBody>
+      </p:sp>
+      <p:sp>
+        <p:nvSpPr>
+          <p:cNvPr id="6" name="テキスト ボックス 5">
+            <a:extLst>
+              <a:ext uri="{FF2B5EF4-FFF2-40B4-BE49-F238E27FC236}">
+                <a16:creationId xmlns:a16="http://schemas.microsoft.com/office/drawing/2014/main" id="{B28A6D16-AAC1-BCD0-8F25-C2C95ED42BD4}"/>
+              </a:ext>
+            </a:extLst>
+          </p:cNvPr>
+          <p:cNvSpPr txBox="1"/>
+          <p:nvPr/>
+        </p:nvSpPr>
+        <p:spPr>
+          <a:xfrm>
+            <a:off x="1016277" y="1249866"/>
+            <a:ext cx="3579742" cy="369332"/>
+          </a:xfrm>
+          <a:prstGeom prst="rect">
+            <a:avLst/>
+          </a:prstGeom>
+          <a:noFill/>
+        </p:spPr>
+        <p:txBody>
+          <a:bodyPr wrap="square" rtlCol="0">
+            <a:spAutoFit/>
+          </a:bodyPr>
+          <a:lstStyle/>
+          <a:p>
+            <a:r>
+              <a:rPr kumimoji="1" lang="ja-JP" altLang="en-US" dirty="0"/>
+              <a:t>説明文入力</a:t>
+            </a:r>
+          </a:p>
+        </p:txBody>
+      </p:sp>
+      <p:sp>
+        <p:nvSpPr>
+          <p:cNvPr id="38" name="テキスト ボックス 37">
+            <a:extLst>
+              <a:ext uri="{FF2B5EF4-FFF2-40B4-BE49-F238E27FC236}">
+                <a16:creationId xmlns:a16="http://schemas.microsoft.com/office/drawing/2014/main" id="{228A275B-C4F8-F49D-6245-271D668A7D10}"/>
+              </a:ext>
+            </a:extLst>
+          </p:cNvPr>
+          <p:cNvSpPr txBox="1"/>
+          <p:nvPr/>
+        </p:nvSpPr>
+        <p:spPr>
+          <a:xfrm>
+            <a:off x="3975652" y="252657"/>
+            <a:ext cx="7535628" cy="369332"/>
+          </a:xfrm>
+          <a:prstGeom prst="rect">
+            <a:avLst/>
+          </a:prstGeom>
+          <a:noFill/>
+        </p:spPr>
+        <p:txBody>
+          <a:bodyPr wrap="square" rtlCol="0">
+            <a:spAutoFit/>
+          </a:bodyPr>
+          <a:lstStyle/>
+          <a:p>
+            <a:r>
+              <a:rPr kumimoji="1" lang="ja-JP" altLang="en-US" dirty="0"/>
+              <a:t>凡例：点線ボックスはエディットボックス、実線ボックスはボタン</a:t>
+            </a:r>
+          </a:p>
+        </p:txBody>
+      </p:sp>
+      <p:sp>
+        <p:nvSpPr>
+          <p:cNvPr id="48" name="正方形/長方形 47">
+            <a:extLst>
+              <a:ext uri="{FF2B5EF4-FFF2-40B4-BE49-F238E27FC236}">
+                <a16:creationId xmlns:a16="http://schemas.microsoft.com/office/drawing/2014/main" id="{79D33ADF-17BE-9523-BCF4-679DB84F22E2}"/>
+              </a:ext>
+            </a:extLst>
+          </p:cNvPr>
+          <p:cNvSpPr/>
+          <p:nvPr/>
+        </p:nvSpPr>
+        <p:spPr>
+          <a:xfrm>
+            <a:off x="711201" y="1079037"/>
+            <a:ext cx="4338320" cy="4864563"/>
+          </a:xfrm>
+          <a:prstGeom prst="rect">
+            <a:avLst/>
+          </a:prstGeom>
+          <a:noFill/>
+        </p:spPr>
+        <p:style>
+          <a:lnRef idx="2">
+            <a:schemeClr val="accent1">
+              <a:shade val="15000"/>
+            </a:schemeClr>
+          </a:lnRef>
+          <a:fillRef idx="1">
+            <a:schemeClr val="accent1"/>
+          </a:fillRef>
+          <a:effectRef idx="0">
+            <a:schemeClr val="accent1"/>
+          </a:effectRef>
+          <a:fontRef idx="minor">
+            <a:schemeClr val="lt1"/>
+          </a:fontRef>
+        </p:style>
+        <p:txBody>
+          <a:bodyPr rtlCol="0" anchor="ctr"/>
+          <a:lstStyle/>
+          <a:p>
+            <a:pPr algn="ctr"/>
+            <a:endParaRPr kumimoji="1" lang="ja-JP" altLang="en-US" sz="1200" dirty="0">
+              <a:solidFill>
+                <a:schemeClr val="tx1"/>
+              </a:solidFill>
+            </a:endParaRPr>
+          </a:p>
+        </p:txBody>
+      </p:sp>
+      <p:sp>
+        <p:nvSpPr>
+          <p:cNvPr id="49" name="正方形/長方形 48">
+            <a:extLst>
+              <a:ext uri="{FF2B5EF4-FFF2-40B4-BE49-F238E27FC236}">
+                <a16:creationId xmlns:a16="http://schemas.microsoft.com/office/drawing/2014/main" id="{ECE3B968-0A70-3F5E-EE44-9E488D4210DB}"/>
+              </a:ext>
+            </a:extLst>
+          </p:cNvPr>
+          <p:cNvSpPr/>
+          <p:nvPr/>
+        </p:nvSpPr>
+        <p:spPr>
+          <a:xfrm>
+            <a:off x="1016277" y="5238802"/>
+            <a:ext cx="834886" cy="369332"/>
+          </a:xfrm>
+          <a:prstGeom prst="rect">
+            <a:avLst/>
+          </a:prstGeom>
+          <a:noFill/>
+        </p:spPr>
+        <p:style>
+          <a:lnRef idx="2">
+            <a:schemeClr val="accent1">
+              <a:shade val="15000"/>
+            </a:schemeClr>
+          </a:lnRef>
+          <a:fillRef idx="1">
+            <a:schemeClr val="accent1"/>
+          </a:fillRef>
+          <a:effectRef idx="0">
+            <a:schemeClr val="accent1"/>
+          </a:effectRef>
+          <a:fontRef idx="minor">
+            <a:schemeClr val="lt1"/>
+          </a:fontRef>
+        </p:style>
+        <p:txBody>
+          <a:bodyPr rtlCol="0" anchor="ctr"/>
+          <a:lstStyle/>
+          <a:p>
+            <a:pPr algn="ctr"/>
+            <a:r>
+              <a:rPr kumimoji="1" lang="ja-JP" altLang="en-US" sz="1200" dirty="0">
+                <a:solidFill>
+                  <a:schemeClr val="tx1"/>
+                </a:solidFill>
+              </a:rPr>
+              <a:t>中止</a:t>
+            </a:r>
+          </a:p>
+        </p:txBody>
+      </p:sp>
+      <p:sp>
+        <p:nvSpPr>
+          <p:cNvPr id="50" name="正方形/長方形 49">
+            <a:extLst>
+              <a:ext uri="{FF2B5EF4-FFF2-40B4-BE49-F238E27FC236}">
+                <a16:creationId xmlns:a16="http://schemas.microsoft.com/office/drawing/2014/main" id="{5FF1BC8E-1C3C-C2A7-22D7-75139E738B40}"/>
+              </a:ext>
+            </a:extLst>
+          </p:cNvPr>
+          <p:cNvSpPr/>
+          <p:nvPr/>
+        </p:nvSpPr>
+        <p:spPr>
+          <a:xfrm>
+            <a:off x="2156238" y="5238802"/>
+            <a:ext cx="1710083" cy="369332"/>
+          </a:xfrm>
+          <a:prstGeom prst="rect">
+            <a:avLst/>
+          </a:prstGeom>
+          <a:noFill/>
+        </p:spPr>
+        <p:style>
+          <a:lnRef idx="2">
+            <a:schemeClr val="accent1">
+              <a:shade val="15000"/>
+            </a:schemeClr>
+          </a:lnRef>
+          <a:fillRef idx="1">
+            <a:schemeClr val="accent1"/>
+          </a:fillRef>
+          <a:effectRef idx="0">
+            <a:schemeClr val="accent1"/>
+          </a:effectRef>
+          <a:fontRef idx="minor">
+            <a:schemeClr val="lt1"/>
+          </a:fontRef>
+        </p:style>
+        <p:txBody>
+          <a:bodyPr rtlCol="0" anchor="ctr"/>
+          <a:lstStyle/>
+          <a:p>
+            <a:pPr algn="ctr"/>
+            <a:r>
+              <a:rPr kumimoji="1" lang="en-US" altLang="ja-JP" sz="1200" dirty="0">
+                <a:solidFill>
+                  <a:schemeClr val="tx1"/>
+                </a:solidFill>
+              </a:rPr>
+              <a:t>QR</a:t>
+            </a:r>
+            <a:r>
+              <a:rPr kumimoji="1" lang="ja-JP" altLang="en-US" sz="1200" dirty="0">
+                <a:solidFill>
+                  <a:schemeClr val="tx1"/>
+                </a:solidFill>
+              </a:rPr>
+              <a:t>コード発行</a:t>
+            </a:r>
+            <a:endParaRPr kumimoji="1" lang="en-US" altLang="ja-JP" sz="1200" dirty="0">
+              <a:solidFill>
+                <a:schemeClr val="tx1"/>
+              </a:solidFill>
+            </a:endParaRPr>
+          </a:p>
+        </p:txBody>
+      </p:sp>
+      <p:sp>
+        <p:nvSpPr>
+          <p:cNvPr id="52" name="テキスト ボックス 51">
+            <a:extLst>
+              <a:ext uri="{FF2B5EF4-FFF2-40B4-BE49-F238E27FC236}">
+                <a16:creationId xmlns:a16="http://schemas.microsoft.com/office/drawing/2014/main" id="{E138355C-BFEC-A722-C897-F05429C65386}"/>
+              </a:ext>
+            </a:extLst>
+          </p:cNvPr>
+          <p:cNvSpPr txBox="1"/>
+          <p:nvPr/>
+        </p:nvSpPr>
+        <p:spPr>
+          <a:xfrm>
+            <a:off x="5799372" y="1079037"/>
+            <a:ext cx="6182138" cy="923330"/>
+          </a:xfrm>
+          <a:prstGeom prst="rect">
+            <a:avLst/>
+          </a:prstGeom>
+          <a:noFill/>
+        </p:spPr>
+        <p:txBody>
+          <a:bodyPr wrap="square" rtlCol="0">
+            <a:spAutoFit/>
+          </a:bodyPr>
+          <a:lstStyle/>
+          <a:p>
+            <a:r>
+              <a:rPr kumimoji="1" lang="ja-JP" altLang="en-US" dirty="0"/>
+              <a:t>必要な言語を選択し説明文を入力する</a:t>
+            </a:r>
+            <a:endParaRPr kumimoji="1" lang="en-US" altLang="ja-JP" dirty="0"/>
+          </a:p>
+          <a:p>
+            <a:r>
+              <a:rPr kumimoji="1" lang="ja-JP" altLang="en-US" dirty="0"/>
+              <a:t>対象外の言語は未入力にしておく</a:t>
+            </a:r>
+            <a:endParaRPr kumimoji="1" lang="en-US" altLang="ja-JP" dirty="0"/>
+          </a:p>
+          <a:p>
+            <a:r>
+              <a:rPr kumimoji="1" lang="ja-JP" altLang="en-US" dirty="0"/>
+              <a:t>対象言語すべての入力が終わったら</a:t>
+            </a:r>
+            <a:r>
+              <a:rPr kumimoji="1" lang="en-US" altLang="ja-JP" dirty="0"/>
+              <a:t>QR</a:t>
+            </a:r>
+            <a:r>
+              <a:rPr kumimoji="1" lang="ja-JP" altLang="en-US" dirty="0"/>
+              <a:t>コード発行</a:t>
+            </a:r>
+            <a:r>
+              <a:rPr lang="ja-JP" altLang="en-US" dirty="0"/>
+              <a:t>ボタン</a:t>
+            </a:r>
+            <a:endParaRPr lang="en-US" altLang="ja-JP" dirty="0"/>
+          </a:p>
+        </p:txBody>
+      </p:sp>
+      <p:sp>
+        <p:nvSpPr>
+          <p:cNvPr id="2" name="テキスト ボックス 1">
+            <a:extLst>
+              <a:ext uri="{FF2B5EF4-FFF2-40B4-BE49-F238E27FC236}">
+                <a16:creationId xmlns:a16="http://schemas.microsoft.com/office/drawing/2014/main" id="{47E01FA7-41F2-3F87-5B89-6AE0CDFD9EF9}"/>
+              </a:ext>
+            </a:extLst>
+          </p:cNvPr>
+          <p:cNvSpPr txBox="1"/>
+          <p:nvPr/>
+        </p:nvSpPr>
+        <p:spPr>
+          <a:xfrm>
+            <a:off x="1311965" y="1707154"/>
+            <a:ext cx="2663687" cy="923330"/>
+          </a:xfrm>
+          <a:prstGeom prst="rect">
+            <a:avLst/>
+          </a:prstGeom>
+          <a:noFill/>
+        </p:spPr>
+        <p:txBody>
+          <a:bodyPr wrap="square" rtlCol="0">
+            <a:spAutoFit/>
+          </a:bodyPr>
+          <a:lstStyle/>
+          <a:p>
+            <a:r>
+              <a:rPr kumimoji="1" lang="ja-JP" altLang="en-US" dirty="0"/>
+              <a:t>☑日本語</a:t>
+            </a:r>
+            <a:endParaRPr kumimoji="1" lang="en-US" altLang="ja-JP" dirty="0"/>
+          </a:p>
+          <a:p>
+            <a:r>
+              <a:rPr kumimoji="1" lang="ja-JP" altLang="en-US" dirty="0"/>
+              <a:t>　英語</a:t>
+            </a:r>
+            <a:endParaRPr kumimoji="1" lang="en-US" altLang="ja-JP" dirty="0"/>
+          </a:p>
+          <a:p>
+            <a:r>
+              <a:rPr kumimoji="1" lang="ja-JP" altLang="en-US" dirty="0"/>
+              <a:t>　中国語</a:t>
+            </a:r>
+          </a:p>
+        </p:txBody>
+      </p:sp>
+      <p:sp>
+        <p:nvSpPr>
+          <p:cNvPr id="11" name="吹き出し: 四角形 10">
+            <a:extLst>
+              <a:ext uri="{FF2B5EF4-FFF2-40B4-BE49-F238E27FC236}">
+                <a16:creationId xmlns:a16="http://schemas.microsoft.com/office/drawing/2014/main" id="{1155DFB3-9B98-2B89-464A-FF87979A0E96}"/>
+              </a:ext>
+            </a:extLst>
+          </p:cNvPr>
+          <p:cNvSpPr/>
+          <p:nvPr/>
+        </p:nvSpPr>
+        <p:spPr>
+          <a:xfrm>
+            <a:off x="3065561" y="1436954"/>
+            <a:ext cx="1631121" cy="923330"/>
+          </a:xfrm>
+          <a:prstGeom prst="wedgeRectCallout">
+            <a:avLst>
+              <a:gd name="adj1" fmla="val -79939"/>
+              <a:gd name="adj2" fmla="val 39895"/>
+            </a:avLst>
+          </a:prstGeom>
+          <a:noFill/>
+        </p:spPr>
+        <p:style>
+          <a:lnRef idx="2">
+            <a:schemeClr val="accent1">
+              <a:shade val="15000"/>
+            </a:schemeClr>
+          </a:lnRef>
+          <a:fillRef idx="1">
+            <a:schemeClr val="accent1"/>
+          </a:fillRef>
+          <a:effectRef idx="0">
+            <a:schemeClr val="accent1"/>
+          </a:effectRef>
+          <a:fontRef idx="minor">
+            <a:schemeClr val="lt1"/>
+          </a:fontRef>
+        </p:style>
+        <p:txBody>
+          <a:bodyPr rtlCol="0" anchor="ctr"/>
+          <a:lstStyle/>
+          <a:p>
+            <a:pPr algn="ctr"/>
+            <a:r>
+              <a:rPr kumimoji="1" lang="ja-JP" altLang="en-US" sz="1200" dirty="0">
+                <a:solidFill>
+                  <a:schemeClr val="tx1"/>
+                </a:solidFill>
+              </a:rPr>
+              <a:t>ラジオボタン形式でどれか一つを選択する</a:t>
+            </a:r>
+          </a:p>
+        </p:txBody>
+      </p:sp>
+      <p:sp>
+        <p:nvSpPr>
+          <p:cNvPr id="12" name="正方形/長方形 11">
+            <a:extLst>
+              <a:ext uri="{FF2B5EF4-FFF2-40B4-BE49-F238E27FC236}">
+                <a16:creationId xmlns:a16="http://schemas.microsoft.com/office/drawing/2014/main" id="{DCD3DDE2-3362-5D6B-AEA8-BD97CD51D71E}"/>
+              </a:ext>
+            </a:extLst>
+          </p:cNvPr>
+          <p:cNvSpPr/>
+          <p:nvPr/>
+        </p:nvSpPr>
+        <p:spPr>
+          <a:xfrm>
+            <a:off x="996399" y="2718200"/>
+            <a:ext cx="3784323" cy="1779517"/>
+          </a:xfrm>
+          <a:prstGeom prst="rect">
+            <a:avLst/>
+          </a:prstGeom>
+          <a:noFill/>
+          <a:ln>
+            <a:prstDash val="dash"/>
+          </a:ln>
+        </p:spPr>
+        <p:style>
+          <a:lnRef idx="2">
+            <a:schemeClr val="accent1">
+              <a:shade val="15000"/>
+            </a:schemeClr>
+          </a:lnRef>
+          <a:fillRef idx="1">
+            <a:schemeClr val="accent1"/>
+          </a:fillRef>
+          <a:effectRef idx="0">
+            <a:schemeClr val="accent1"/>
+          </a:effectRef>
+          <a:fontRef idx="minor">
+            <a:schemeClr val="lt1"/>
+          </a:fontRef>
+        </p:style>
+        <p:txBody>
+          <a:bodyPr rtlCol="0" anchor="ctr"/>
+          <a:lstStyle/>
+          <a:p>
+            <a:pPr algn="ctr"/>
+            <a:r>
+              <a:rPr kumimoji="1" lang="ja-JP" altLang="en-US" sz="1200" dirty="0">
+                <a:solidFill>
+                  <a:schemeClr val="tx1"/>
+                </a:solidFill>
+              </a:rPr>
+              <a:t>説明文入力欄</a:t>
+            </a:r>
+          </a:p>
+        </p:txBody>
+      </p:sp>
+    </p:spTree>
+    <p:extLst>
+      <p:ext uri="{BB962C8B-B14F-4D97-AF65-F5344CB8AC3E}">
+        <p14:creationId xmlns:p14="http://schemas.microsoft.com/office/powerpoint/2010/main" val="4012597490"/>
+      </p:ext>
+    </p:extLst>
+  </p:cSld>
+  <p:clrMapOvr>
+    <a:masterClrMapping/>
+  </p:clrMapOvr>
+</p:sld>
+</file>
+
+<file path=ppt/slides/slide52.xml><?xml version="1.0" encoding="utf-8"?>
+<p:sld xmlns:a="http://schemas.openxmlformats.org/drawingml/2006/main" xmlns:r="http://schemas.openxmlformats.org/officeDocument/2006/relationships" xmlns:p="http://schemas.openxmlformats.org/presentationml/2006/main">
+  <p:cSld>
+    <p:spTree>
+      <p:nvGrpSpPr>
+        <p:cNvPr id="1" name="">
+          <a:extLst>
+            <a:ext uri="{FF2B5EF4-FFF2-40B4-BE49-F238E27FC236}">
               <a16:creationId xmlns:a16="http://schemas.microsoft.com/office/drawing/2014/main" id="{3D6786D1-9B20-E25E-C892-783C38B99205}"/>
             </a:ext>
           </a:extLst>
@@ -15549,7 +16201,7 @@
 </p:sld>
 </file>
 
-<file path=ppt/slides/slide51.xml><?xml version="1.0" encoding="utf-8"?>
+<file path=ppt/slides/slide53.xml><?xml version="1.0" encoding="utf-8"?>
 <p:sld xmlns:a="http://schemas.openxmlformats.org/drawingml/2006/main" xmlns:r="http://schemas.openxmlformats.org/officeDocument/2006/relationships" xmlns:p="http://schemas.openxmlformats.org/presentationml/2006/main">
   <p:cSld>
     <p:spTree>
@@ -16669,7 +17321,7 @@
 </p:sld>
 </file>
 
-<file path=ppt/slides/slide52.xml><?xml version="1.0" encoding="utf-8"?>
+<file path=ppt/slides/slide54.xml><?xml version="1.0" encoding="utf-8"?>
 <p:sld xmlns:a="http://schemas.openxmlformats.org/drawingml/2006/main" xmlns:r="http://schemas.openxmlformats.org/officeDocument/2006/relationships" xmlns:p="http://schemas.openxmlformats.org/presentationml/2006/main">
   <p:cSld>
     <p:spTree>
@@ -17777,7 +18429,7 @@
 </p:sld>
 </file>
 
-<file path=ppt/slides/slide53.xml><?xml version="1.0" encoding="utf-8"?>
+<file path=ppt/slides/slide55.xml><?xml version="1.0" encoding="utf-8"?>
 <p:sld xmlns:a="http://schemas.openxmlformats.org/drawingml/2006/main" xmlns:r="http://schemas.openxmlformats.org/officeDocument/2006/relationships" xmlns:p="http://schemas.openxmlformats.org/presentationml/2006/main">
   <p:cSld>
     <p:spTree>
@@ -18497,7 +19149,7 @@
 </p:sld>
 </file>
 
-<file path=ppt/slides/slide54.xml><?xml version="1.0" encoding="utf-8"?>
+<file path=ppt/slides/slide56.xml><?xml version="1.0" encoding="utf-8"?>
 <p:sld xmlns:a="http://schemas.openxmlformats.org/drawingml/2006/main" xmlns:r="http://schemas.openxmlformats.org/officeDocument/2006/relationships" xmlns:p="http://schemas.openxmlformats.org/presentationml/2006/main">
   <p:cSld>
     <p:spTree>
@@ -19172,7 +19824,7 @@
 </p:sld>
 </file>
 
-<file path=ppt/slides/slide55.xml><?xml version="1.0" encoding="utf-8"?>
+<file path=ppt/slides/slide57.xml><?xml version="1.0" encoding="utf-8"?>
 <p:sld xmlns:a="http://schemas.openxmlformats.org/drawingml/2006/main" xmlns:r="http://schemas.openxmlformats.org/officeDocument/2006/relationships" xmlns:p="http://schemas.openxmlformats.org/presentationml/2006/main">
   <p:cSld>
     <p:spTree>
@@ -19729,7 +20381,7 @@
 </p:sld>
 </file>
 
-<file path=ppt/slides/slide56.xml><?xml version="1.0" encoding="utf-8"?>
+<file path=ppt/slides/slide58.xml><?xml version="1.0" encoding="utf-8"?>
 <p:sld xmlns:a="http://schemas.openxmlformats.org/drawingml/2006/main" xmlns:r="http://schemas.openxmlformats.org/officeDocument/2006/relationships" xmlns:p="http://schemas.openxmlformats.org/presentationml/2006/main">
   <p:cSld>
     <p:spTree>
@@ -21610,7 +22262,7 @@
         </p:nvSpPr>
         <p:spPr>
           <a:xfrm>
-            <a:off x="1630017" y="4810206"/>
+            <a:off x="2035053" y="5426591"/>
             <a:ext cx="765713" cy="328160"/>
           </a:xfrm>
           <a:prstGeom prst="downArrow">
@@ -21661,7 +22313,7 @@
         </p:nvSpPr>
         <p:spPr>
           <a:xfrm>
-            <a:off x="1232452" y="5408723"/>
+            <a:off x="1016649" y="5837652"/>
             <a:ext cx="2464904" cy="369332"/>
           </a:xfrm>
           <a:prstGeom prst="rect">
@@ -21821,10 +22473,10 @@
       </p:sp>
       <p:pic>
         <p:nvPicPr>
-          <p:cNvPr id="24" name="図 23" descr="グラフィカル ユーザー インターフェイス, テキスト, アプリケーション, チャットまたはテキスト メッセージ&#10;&#10;AI 生成コンテンツは誤りを含む可能性があります。">
-            <a:extLst>
-              <a:ext uri="{FF2B5EF4-FFF2-40B4-BE49-F238E27FC236}">
-                <a16:creationId xmlns:a16="http://schemas.microsoft.com/office/drawing/2014/main" id="{1FE414C8-791E-0B95-2898-8C5E59548A2C}"/>
+          <p:cNvPr id="26" name="図 25" descr="グラフィカル ユーザー インターフェイス, テキスト, アプリケーション, チャットまたはテキスト メッセージ&#10;&#10;AI 生成コンテンツは誤りを含む可能性があります。">
+            <a:extLst>
+              <a:ext uri="{FF2B5EF4-FFF2-40B4-BE49-F238E27FC236}">
+                <a16:creationId xmlns:a16="http://schemas.microsoft.com/office/drawing/2014/main" id="{EC1CFB5D-EB45-7C3F-C58E-F5AF255EB08D}"/>
               </a:ext>
             </a:extLst>
           </p:cNvPr>
@@ -21841,20 +22493,64 @@
         </p:blipFill>
         <p:spPr>
           <a:xfrm>
-            <a:off x="632659" y="1123588"/>
-            <a:ext cx="3655811" cy="3542385"/>
+            <a:off x="6270145" y="1123588"/>
+            <a:ext cx="4104762" cy="3933333"/>
           </a:xfrm>
           <a:prstGeom prst="rect">
             <a:avLst/>
           </a:prstGeom>
         </p:spPr>
       </p:pic>
+      <p:sp>
+        <p:nvSpPr>
+          <p:cNvPr id="27" name="テキスト ボックス 26">
+            <a:extLst>
+              <a:ext uri="{FF2B5EF4-FFF2-40B4-BE49-F238E27FC236}">
+                <a16:creationId xmlns:a16="http://schemas.microsoft.com/office/drawing/2014/main" id="{4EA18623-636A-AF50-9618-6EAF4266B329}"/>
+              </a:ext>
+            </a:extLst>
+          </p:cNvPr>
+          <p:cNvSpPr txBox="1"/>
+          <p:nvPr/>
+        </p:nvSpPr>
+        <p:spPr>
+          <a:xfrm>
+            <a:off x="1781857" y="6289885"/>
+            <a:ext cx="4025348" cy="369332"/>
+          </a:xfrm>
+          <a:prstGeom prst="rect">
+            <a:avLst/>
+          </a:prstGeom>
+          <a:noFill/>
+        </p:spPr>
+        <p:txBody>
+          <a:bodyPr wrap="square" rtlCol="0">
+            <a:spAutoFit/>
+          </a:bodyPr>
+          <a:lstStyle/>
+          <a:p>
+            <a:r>
+              <a:rPr kumimoji="1" lang="en-US" altLang="ja-JP" dirty="0"/>
+              <a:t>※</a:t>
+            </a:r>
+            <a:r>
+              <a:rPr kumimoji="1" lang="ja-JP" altLang="en-US" dirty="0"/>
+              <a:t>初期パスワードは</a:t>
+            </a:r>
+            <a:r>
+              <a:rPr kumimoji="1" lang="en-US" altLang="ja-JP" dirty="0" err="1"/>
+              <a:t>museum_pass</a:t>
+            </a:r>
+            <a:endParaRPr kumimoji="1" lang="ja-JP" altLang="en-US" dirty="0"/>
+          </a:p>
+        </p:txBody>
+      </p:sp>
       <p:pic>
         <p:nvPicPr>
-          <p:cNvPr id="26" name="図 25" descr="グラフィカル ユーザー インターフェイス, テキスト, アプリケーション, チャットまたはテキスト メッセージ&#10;&#10;AI 生成コンテンツは誤りを含む可能性があります。">
-            <a:extLst>
-              <a:ext uri="{FF2B5EF4-FFF2-40B4-BE49-F238E27FC236}">
-                <a16:creationId xmlns:a16="http://schemas.microsoft.com/office/drawing/2014/main" id="{EC1CFB5D-EB45-7C3F-C58E-F5AF255EB08D}"/>
+          <p:cNvPr id="3" name="図 2">
+            <a:extLst>
+              <a:ext uri="{FF2B5EF4-FFF2-40B4-BE49-F238E27FC236}">
+                <a16:creationId xmlns:a16="http://schemas.microsoft.com/office/drawing/2014/main" id="{57A23556-6241-B44B-32FC-8104EEA643DF}"/>
               </a:ext>
             </a:extLst>
           </p:cNvPr>
@@ -21871,58 +22567,14 @@
         </p:blipFill>
         <p:spPr>
           <a:xfrm>
-            <a:off x="6270145" y="1123588"/>
-            <a:ext cx="4104762" cy="3933333"/>
+            <a:off x="800847" y="834530"/>
+            <a:ext cx="3524885" cy="4509160"/>
           </a:xfrm>
           <a:prstGeom prst="rect">
             <a:avLst/>
           </a:prstGeom>
         </p:spPr>
       </p:pic>
-      <p:sp>
-        <p:nvSpPr>
-          <p:cNvPr id="27" name="テキスト ボックス 26">
-            <a:extLst>
-              <a:ext uri="{FF2B5EF4-FFF2-40B4-BE49-F238E27FC236}">
-                <a16:creationId xmlns:a16="http://schemas.microsoft.com/office/drawing/2014/main" id="{4EA18623-636A-AF50-9618-6EAF4266B329}"/>
-              </a:ext>
-            </a:extLst>
-          </p:cNvPr>
-          <p:cNvSpPr txBox="1"/>
-          <p:nvPr/>
-        </p:nvSpPr>
-        <p:spPr>
-          <a:xfrm>
-            <a:off x="1808922" y="6192078"/>
-            <a:ext cx="4025348" cy="369332"/>
-          </a:xfrm>
-          <a:prstGeom prst="rect">
-            <a:avLst/>
-          </a:prstGeom>
-          <a:noFill/>
-        </p:spPr>
-        <p:txBody>
-          <a:bodyPr wrap="square" rtlCol="0">
-            <a:spAutoFit/>
-          </a:bodyPr>
-          <a:lstStyle/>
-          <a:p>
-            <a:r>
-              <a:rPr kumimoji="1" lang="en-US" altLang="ja-JP" dirty="0"/>
-              <a:t>※</a:t>
-            </a:r>
-            <a:r>
-              <a:rPr kumimoji="1" lang="ja-JP" altLang="en-US" dirty="0"/>
-              <a:t>初期パスワードは</a:t>
-            </a:r>
-            <a:r>
-              <a:rPr kumimoji="1" lang="en-US" altLang="ja-JP" dirty="0" err="1"/>
-              <a:t>museum_pass</a:t>
-            </a:r>
-            <a:endParaRPr kumimoji="1" lang="ja-JP" altLang="en-US" dirty="0"/>
-          </a:p>
-        </p:txBody>
-      </p:sp>
     </p:spTree>
     <p:extLst>
       <p:ext uri="{BB962C8B-B14F-4D97-AF65-F5344CB8AC3E}">

--- a/展示物アプリ仕様.pptx
+++ b/展示物アプリ仕様.pptx
@@ -48,21 +48,23 @@
     <p:sldId id="325" r:id="rId42"/>
     <p:sldId id="328" r:id="rId43"/>
     <p:sldId id="329" r:id="rId44"/>
-    <p:sldId id="321" r:id="rId45"/>
-    <p:sldId id="326" r:id="rId46"/>
-    <p:sldId id="327" r:id="rId47"/>
-    <p:sldId id="302" r:id="rId48"/>
-    <p:sldId id="268" r:id="rId49"/>
-    <p:sldId id="273" r:id="rId50"/>
-    <p:sldId id="276" r:id="rId51"/>
-    <p:sldId id="277" r:id="rId52"/>
-    <p:sldId id="284" r:id="rId53"/>
-    <p:sldId id="278" r:id="rId54"/>
-    <p:sldId id="279" r:id="rId55"/>
-    <p:sldId id="280" r:id="rId56"/>
-    <p:sldId id="281" r:id="rId57"/>
-    <p:sldId id="282" r:id="rId58"/>
-    <p:sldId id="283" r:id="rId59"/>
+    <p:sldId id="335" r:id="rId45"/>
+    <p:sldId id="336" r:id="rId46"/>
+    <p:sldId id="321" r:id="rId47"/>
+    <p:sldId id="326" r:id="rId48"/>
+    <p:sldId id="327" r:id="rId49"/>
+    <p:sldId id="302" r:id="rId50"/>
+    <p:sldId id="268" r:id="rId51"/>
+    <p:sldId id="273" r:id="rId52"/>
+    <p:sldId id="276" r:id="rId53"/>
+    <p:sldId id="277" r:id="rId54"/>
+    <p:sldId id="284" r:id="rId55"/>
+    <p:sldId id="278" r:id="rId56"/>
+    <p:sldId id="279" r:id="rId57"/>
+    <p:sldId id="280" r:id="rId58"/>
+    <p:sldId id="281" r:id="rId59"/>
+    <p:sldId id="282" r:id="rId60"/>
+    <p:sldId id="283" r:id="rId61"/>
   </p:sldIdLst>
   <p:sldSz cx="12192000" cy="6858000"/>
   <p:notesSz cx="7099300" cy="10234613"/>
@@ -12473,6 +12475,280 @@
   <p:cSld>
     <p:spTree>
       <p:nvGrpSpPr>
+        <p:cNvPr id="1" name="">
+          <a:extLst>
+            <a:ext uri="{FF2B5EF4-FFF2-40B4-BE49-F238E27FC236}">
+              <a16:creationId xmlns:a16="http://schemas.microsoft.com/office/drawing/2014/main" id="{C489FFBE-05BE-3D70-A8E9-2B6B9490602A}"/>
+            </a:ext>
+          </a:extLst>
+        </p:cNvPr>
+        <p:cNvGrpSpPr/>
+        <p:nvPr/>
+      </p:nvGrpSpPr>
+      <p:grpSpPr>
+        <a:xfrm>
+          <a:off x="0" y="0"/>
+          <a:ext cx="0" cy="0"/>
+          <a:chOff x="0" y="0"/>
+          <a:chExt cx="0" cy="0"/>
+        </a:xfrm>
+      </p:grpSpPr>
+      <p:cxnSp>
+        <p:nvCxnSpPr>
+          <p:cNvPr id="4" name="直線コネクタ 3">
+            <a:extLst>
+              <a:ext uri="{FF2B5EF4-FFF2-40B4-BE49-F238E27FC236}">
+                <a16:creationId xmlns:a16="http://schemas.microsoft.com/office/drawing/2014/main" id="{C0641506-448A-61FD-4AC2-37E4D26DD9ED}"/>
+              </a:ext>
+            </a:extLst>
+          </p:cNvPr>
+          <p:cNvCxnSpPr/>
+          <p:nvPr/>
+        </p:nvCxnSpPr>
+        <p:spPr>
+          <a:xfrm>
+            <a:off x="228600" y="755374"/>
+            <a:ext cx="11936896" cy="0"/>
+          </a:xfrm>
+          <a:prstGeom prst="line">
+            <a:avLst/>
+          </a:prstGeom>
+        </p:spPr>
+        <p:style>
+          <a:lnRef idx="2">
+            <a:schemeClr val="accent1"/>
+          </a:lnRef>
+          <a:fillRef idx="0">
+            <a:schemeClr val="accent1"/>
+          </a:fillRef>
+          <a:effectRef idx="1">
+            <a:schemeClr val="accent1"/>
+          </a:effectRef>
+          <a:fontRef idx="minor">
+            <a:schemeClr val="tx1"/>
+          </a:fontRef>
+        </p:style>
+      </p:cxnSp>
+      <p:sp>
+        <p:nvSpPr>
+          <p:cNvPr id="5" name="テキスト ボックス 4">
+            <a:extLst>
+              <a:ext uri="{FF2B5EF4-FFF2-40B4-BE49-F238E27FC236}">
+                <a16:creationId xmlns:a16="http://schemas.microsoft.com/office/drawing/2014/main" id="{3F4882D6-8E19-D257-5CCE-B16061323D86}"/>
+              </a:ext>
+            </a:extLst>
+          </p:cNvPr>
+          <p:cNvSpPr txBox="1"/>
+          <p:nvPr/>
+        </p:nvSpPr>
+        <p:spPr>
+          <a:xfrm>
+            <a:off x="407503" y="198783"/>
+            <a:ext cx="11449879" cy="369332"/>
+          </a:xfrm>
+          <a:prstGeom prst="rect">
+            <a:avLst/>
+          </a:prstGeom>
+          <a:noFill/>
+        </p:spPr>
+        <p:txBody>
+          <a:bodyPr wrap="square" rtlCol="0">
+            <a:spAutoFit/>
+          </a:bodyPr>
+          <a:lstStyle/>
+          <a:p>
+            <a:r>
+              <a:rPr kumimoji="1" lang="ja-JP" altLang="en-US" dirty="0"/>
+              <a:t>アプリケーション：トップページ</a:t>
+            </a:r>
+          </a:p>
+        </p:txBody>
+      </p:sp>
+      <p:pic>
+        <p:nvPicPr>
+          <p:cNvPr id="3" name="図 2">
+            <a:extLst>
+              <a:ext uri="{FF2B5EF4-FFF2-40B4-BE49-F238E27FC236}">
+                <a16:creationId xmlns:a16="http://schemas.microsoft.com/office/drawing/2014/main" id="{AFB82411-D94F-0205-7086-43FFB70726F8}"/>
+              </a:ext>
+            </a:extLst>
+          </p:cNvPr>
+          <p:cNvPicPr>
+            <a:picLocks noChangeAspect="1"/>
+          </p:cNvPicPr>
+          <p:nvPr/>
+        </p:nvPicPr>
+        <p:blipFill>
+          <a:blip r:embed="rId2"/>
+          <a:stretch>
+            <a:fillRect/>
+          </a:stretch>
+        </p:blipFill>
+        <p:spPr>
+          <a:xfrm>
+            <a:off x="1800413" y="755374"/>
+            <a:ext cx="4629900" cy="6013174"/>
+          </a:xfrm>
+          <a:prstGeom prst="rect">
+            <a:avLst/>
+          </a:prstGeom>
+        </p:spPr>
+      </p:pic>
+    </p:spTree>
+    <p:extLst>
+      <p:ext uri="{BB962C8B-B14F-4D97-AF65-F5344CB8AC3E}">
+        <p14:creationId xmlns:p14="http://schemas.microsoft.com/office/powerpoint/2010/main" val="1129801031"/>
+      </p:ext>
+    </p:extLst>
+  </p:cSld>
+  <p:clrMapOvr>
+    <a:masterClrMapping/>
+  </p:clrMapOvr>
+</p:sld>
+</file>
+
+<file path=ppt/slides/slide45.xml><?xml version="1.0" encoding="utf-8"?>
+<p:sld xmlns:a="http://schemas.openxmlformats.org/drawingml/2006/main" xmlns:r="http://schemas.openxmlformats.org/officeDocument/2006/relationships" xmlns:p="http://schemas.openxmlformats.org/presentationml/2006/main">
+  <p:cSld>
+    <p:spTree>
+      <p:nvGrpSpPr>
+        <p:cNvPr id="1" name="">
+          <a:extLst>
+            <a:ext uri="{FF2B5EF4-FFF2-40B4-BE49-F238E27FC236}">
+              <a16:creationId xmlns:a16="http://schemas.microsoft.com/office/drawing/2014/main" id="{D091B5A8-9ED5-C1F0-603A-33AB66CB2C00}"/>
+            </a:ext>
+          </a:extLst>
+        </p:cNvPr>
+        <p:cNvGrpSpPr/>
+        <p:nvPr/>
+      </p:nvGrpSpPr>
+      <p:grpSpPr>
+        <a:xfrm>
+          <a:off x="0" y="0"/>
+          <a:ext cx="0" cy="0"/>
+          <a:chOff x="0" y="0"/>
+          <a:chExt cx="0" cy="0"/>
+        </a:xfrm>
+      </p:grpSpPr>
+      <p:cxnSp>
+        <p:nvCxnSpPr>
+          <p:cNvPr id="4" name="直線コネクタ 3">
+            <a:extLst>
+              <a:ext uri="{FF2B5EF4-FFF2-40B4-BE49-F238E27FC236}">
+                <a16:creationId xmlns:a16="http://schemas.microsoft.com/office/drawing/2014/main" id="{5DBE91DE-3BF2-910A-9FCD-E8DC237B740F}"/>
+              </a:ext>
+            </a:extLst>
+          </p:cNvPr>
+          <p:cNvCxnSpPr/>
+          <p:nvPr/>
+        </p:nvCxnSpPr>
+        <p:spPr>
+          <a:xfrm>
+            <a:off x="228600" y="755374"/>
+            <a:ext cx="11936896" cy="0"/>
+          </a:xfrm>
+          <a:prstGeom prst="line">
+            <a:avLst/>
+          </a:prstGeom>
+        </p:spPr>
+        <p:style>
+          <a:lnRef idx="2">
+            <a:schemeClr val="accent1"/>
+          </a:lnRef>
+          <a:fillRef idx="0">
+            <a:schemeClr val="accent1"/>
+          </a:fillRef>
+          <a:effectRef idx="1">
+            <a:schemeClr val="accent1"/>
+          </a:effectRef>
+          <a:fontRef idx="minor">
+            <a:schemeClr val="tx1"/>
+          </a:fontRef>
+        </p:style>
+      </p:cxnSp>
+      <p:sp>
+        <p:nvSpPr>
+          <p:cNvPr id="5" name="テキスト ボックス 4">
+            <a:extLst>
+              <a:ext uri="{FF2B5EF4-FFF2-40B4-BE49-F238E27FC236}">
+                <a16:creationId xmlns:a16="http://schemas.microsoft.com/office/drawing/2014/main" id="{80AAE5E0-8D18-29EB-5350-AAB1F55512A5}"/>
+              </a:ext>
+            </a:extLst>
+          </p:cNvPr>
+          <p:cNvSpPr txBox="1"/>
+          <p:nvPr/>
+        </p:nvSpPr>
+        <p:spPr>
+          <a:xfrm>
+            <a:off x="407503" y="198783"/>
+            <a:ext cx="11449879" cy="369332"/>
+          </a:xfrm>
+          <a:prstGeom prst="rect">
+            <a:avLst/>
+          </a:prstGeom>
+          <a:noFill/>
+        </p:spPr>
+        <p:txBody>
+          <a:bodyPr wrap="square" rtlCol="0">
+            <a:spAutoFit/>
+          </a:bodyPr>
+          <a:lstStyle/>
+          <a:p>
+            <a:r>
+              <a:rPr kumimoji="1" lang="ja-JP" altLang="en-US" dirty="0"/>
+              <a:t>アプリケーション：選択した博物館がリニューアル中</a:t>
+            </a:r>
+          </a:p>
+        </p:txBody>
+      </p:sp>
+      <p:pic>
+        <p:nvPicPr>
+          <p:cNvPr id="6" name="図 5">
+            <a:extLst>
+              <a:ext uri="{FF2B5EF4-FFF2-40B4-BE49-F238E27FC236}">
+                <a16:creationId xmlns:a16="http://schemas.microsoft.com/office/drawing/2014/main" id="{925C78B8-99EB-03BE-ADC3-5F4E854DE3D1}"/>
+              </a:ext>
+            </a:extLst>
+          </p:cNvPr>
+          <p:cNvPicPr>
+            <a:picLocks noChangeAspect="1"/>
+          </p:cNvPicPr>
+          <p:nvPr/>
+        </p:nvPicPr>
+        <p:blipFill>
+          <a:blip r:embed="rId2"/>
+          <a:stretch>
+            <a:fillRect/>
+          </a:stretch>
+        </p:blipFill>
+        <p:spPr>
+          <a:xfrm>
+            <a:off x="1603856" y="755374"/>
+            <a:ext cx="5485714" cy="5923809"/>
+          </a:xfrm>
+          <a:prstGeom prst="rect">
+            <a:avLst/>
+          </a:prstGeom>
+        </p:spPr>
+      </p:pic>
+    </p:spTree>
+    <p:extLst>
+      <p:ext uri="{BB962C8B-B14F-4D97-AF65-F5344CB8AC3E}">
+        <p14:creationId xmlns:p14="http://schemas.microsoft.com/office/powerpoint/2010/main" val="3553861614"/>
+      </p:ext>
+    </p:extLst>
+  </p:cSld>
+  <p:clrMapOvr>
+    <a:masterClrMapping/>
+  </p:clrMapOvr>
+</p:sld>
+</file>
+
+<file path=ppt/slides/slide46.xml><?xml version="1.0" encoding="utf-8"?>
+<p:sld xmlns:a="http://schemas.openxmlformats.org/drawingml/2006/main" xmlns:r="http://schemas.openxmlformats.org/officeDocument/2006/relationships" xmlns:p="http://schemas.openxmlformats.org/presentationml/2006/main">
+  <p:cSld>
+    <p:spTree>
+      <p:nvGrpSpPr>
         <p:cNvPr id="1" name=""/>
         <p:cNvGrpSpPr/>
         <p:nvPr/>
@@ -12548,7 +12824,7 @@
 </p:sld>
 </file>
 
-<file path=ppt/slides/slide45.xml><?xml version="1.0" encoding="utf-8"?>
+<file path=ppt/slides/slide47.xml><?xml version="1.0" encoding="utf-8"?>
 <p:sld xmlns:a="http://schemas.openxmlformats.org/drawingml/2006/main" xmlns:r="http://schemas.openxmlformats.org/officeDocument/2006/relationships" xmlns:p="http://schemas.openxmlformats.org/presentationml/2006/main">
   <p:cSld>
     <p:spTree>
@@ -12634,7 +12910,7 @@
 </p:sld>
 </file>
 
-<file path=ppt/slides/slide46.xml><?xml version="1.0" encoding="utf-8"?>
+<file path=ppt/slides/slide48.xml><?xml version="1.0" encoding="utf-8"?>
 <p:sld xmlns:a="http://schemas.openxmlformats.org/drawingml/2006/main" xmlns:r="http://schemas.openxmlformats.org/officeDocument/2006/relationships" xmlns:p="http://schemas.openxmlformats.org/presentationml/2006/main">
   <p:cSld>
     <p:spTree>
@@ -12720,7 +12996,7 @@
 </p:sld>
 </file>
 
-<file path=ppt/slides/slide47.xml><?xml version="1.0" encoding="utf-8"?>
+<file path=ppt/slides/slide49.xml><?xml version="1.0" encoding="utf-8"?>
 <p:sld xmlns:a="http://schemas.openxmlformats.org/drawingml/2006/main" xmlns:r="http://schemas.openxmlformats.org/officeDocument/2006/relationships" xmlns:p="http://schemas.openxmlformats.org/presentationml/2006/main">
   <p:cSld>
     <p:spTree>
@@ -12790,7 +13066,411 @@
 </p:sld>
 </file>
 
-<file path=ppt/slides/slide48.xml><?xml version="1.0" encoding="utf-8"?>
+<file path=ppt/slides/slide5.xml><?xml version="1.0" encoding="utf-8"?>
+<p:sld xmlns:a="http://schemas.openxmlformats.org/drawingml/2006/main" xmlns:r="http://schemas.openxmlformats.org/officeDocument/2006/relationships" xmlns:p="http://schemas.openxmlformats.org/presentationml/2006/main">
+  <p:cSld>
+    <p:spTree>
+      <p:nvGrpSpPr>
+        <p:cNvPr id="1" name="">
+          <a:extLst>
+            <a:ext uri="{FF2B5EF4-FFF2-40B4-BE49-F238E27FC236}">
+              <a16:creationId xmlns:a16="http://schemas.microsoft.com/office/drawing/2014/main" id="{D67F9A5F-EA38-B909-CB71-06C5141C6233}"/>
+            </a:ext>
+          </a:extLst>
+        </p:cNvPr>
+        <p:cNvGrpSpPr/>
+        <p:nvPr/>
+      </p:nvGrpSpPr>
+      <p:grpSpPr>
+        <a:xfrm>
+          <a:off x="0" y="0"/>
+          <a:ext cx="0" cy="0"/>
+          <a:chOff x="0" y="0"/>
+          <a:chExt cx="0" cy="0"/>
+        </a:xfrm>
+      </p:grpSpPr>
+      <p:cxnSp>
+        <p:nvCxnSpPr>
+          <p:cNvPr id="4" name="直線コネクタ 3">
+            <a:extLst>
+              <a:ext uri="{FF2B5EF4-FFF2-40B4-BE49-F238E27FC236}">
+                <a16:creationId xmlns:a16="http://schemas.microsoft.com/office/drawing/2014/main" id="{45EF8F97-1725-EB81-70FC-BE6CE30B0F17}"/>
+              </a:ext>
+            </a:extLst>
+          </p:cNvPr>
+          <p:cNvCxnSpPr/>
+          <p:nvPr/>
+        </p:nvCxnSpPr>
+        <p:spPr>
+          <a:xfrm>
+            <a:off x="228600" y="755374"/>
+            <a:ext cx="11936896" cy="0"/>
+          </a:xfrm>
+          <a:prstGeom prst="line">
+            <a:avLst/>
+          </a:prstGeom>
+        </p:spPr>
+        <p:style>
+          <a:lnRef idx="2">
+            <a:schemeClr val="accent1"/>
+          </a:lnRef>
+          <a:fillRef idx="0">
+            <a:schemeClr val="accent1"/>
+          </a:fillRef>
+          <a:effectRef idx="1">
+            <a:schemeClr val="accent1"/>
+          </a:effectRef>
+          <a:fontRef idx="minor">
+            <a:schemeClr val="tx1"/>
+          </a:fontRef>
+        </p:style>
+      </p:cxnSp>
+      <p:sp>
+        <p:nvSpPr>
+          <p:cNvPr id="5" name="テキスト ボックス 4">
+            <a:extLst>
+              <a:ext uri="{FF2B5EF4-FFF2-40B4-BE49-F238E27FC236}">
+                <a16:creationId xmlns:a16="http://schemas.microsoft.com/office/drawing/2014/main" id="{462E6617-0187-0E9A-2D30-978B81F58C84}"/>
+              </a:ext>
+            </a:extLst>
+          </p:cNvPr>
+          <p:cNvSpPr txBox="1"/>
+          <p:nvPr/>
+        </p:nvSpPr>
+        <p:spPr>
+          <a:xfrm>
+            <a:off x="407504" y="198783"/>
+            <a:ext cx="3796748" cy="369332"/>
+          </a:xfrm>
+          <a:prstGeom prst="rect">
+            <a:avLst/>
+          </a:prstGeom>
+          <a:noFill/>
+        </p:spPr>
+        <p:txBody>
+          <a:bodyPr wrap="square" rtlCol="0">
+            <a:spAutoFit/>
+          </a:bodyPr>
+          <a:lstStyle/>
+          <a:p>
+            <a:r>
+              <a:rPr kumimoji="1" lang="ja-JP" altLang="en-US" dirty="0"/>
+              <a:t>管理機能</a:t>
+            </a:r>
+          </a:p>
+        </p:txBody>
+      </p:sp>
+      <p:sp>
+        <p:nvSpPr>
+          <p:cNvPr id="12" name="テキスト ボックス 11">
+            <a:extLst>
+              <a:ext uri="{FF2B5EF4-FFF2-40B4-BE49-F238E27FC236}">
+                <a16:creationId xmlns:a16="http://schemas.microsoft.com/office/drawing/2014/main" id="{6CE07053-07AA-8E69-8714-0078AE200A66}"/>
+              </a:ext>
+            </a:extLst>
+          </p:cNvPr>
+          <p:cNvSpPr txBox="1"/>
+          <p:nvPr/>
+        </p:nvSpPr>
+        <p:spPr>
+          <a:xfrm>
+            <a:off x="407504" y="1093304"/>
+            <a:ext cx="11261035" cy="5632311"/>
+          </a:xfrm>
+          <a:prstGeom prst="rect">
+            <a:avLst/>
+          </a:prstGeom>
+          <a:noFill/>
+        </p:spPr>
+        <p:txBody>
+          <a:bodyPr wrap="square" rtlCol="0">
+            <a:spAutoFit/>
+          </a:bodyPr>
+          <a:lstStyle/>
+          <a:p>
+            <a:pPr marL="285750" indent="-285750">
+              <a:buFont typeface="Wingdings" panose="05000000000000000000" pitchFamily="2" charset="2"/>
+              <a:buChar char="ü"/>
+            </a:pPr>
+            <a:r>
+              <a:rPr kumimoji="1" lang="ja-JP" altLang="en-US" dirty="0"/>
+              <a:t>ルート権限者＝</a:t>
+            </a:r>
+            <a:r>
+              <a:rPr kumimoji="1" lang="en-US" altLang="ja-JP" dirty="0" err="1"/>
+              <a:t>xserver</a:t>
+            </a:r>
+            <a:r>
+              <a:rPr kumimoji="1" lang="ja-JP" altLang="en-US" dirty="0"/>
+              <a:t>の契約者＝１名のみ</a:t>
+            </a:r>
+            <a:endParaRPr kumimoji="1" lang="en-US" altLang="ja-JP" dirty="0"/>
+          </a:p>
+          <a:p>
+            <a:pPr marL="800100" lvl="1" indent="-342900">
+              <a:buFont typeface="+mj-lt"/>
+              <a:buAutoNum type="arabicPeriod"/>
+            </a:pPr>
+            <a:r>
+              <a:rPr lang="en-US" altLang="ja-JP" dirty="0"/>
+              <a:t>DB</a:t>
+            </a:r>
+            <a:r>
+              <a:rPr lang="ja-JP" altLang="en-US" dirty="0"/>
+              <a:t>を直接調査できる権限</a:t>
+            </a:r>
+            <a:endParaRPr lang="en-US" altLang="ja-JP" dirty="0"/>
+          </a:p>
+          <a:p>
+            <a:pPr marL="800100" lvl="1" indent="-342900">
+              <a:buFont typeface="+mj-lt"/>
+              <a:buAutoNum type="arabicPeriod"/>
+            </a:pPr>
+            <a:r>
+              <a:rPr kumimoji="1" lang="ja-JP" altLang="en-US" dirty="0"/>
+              <a:t>入出力用のインターフェースは無し</a:t>
+            </a:r>
+            <a:r>
+              <a:rPr kumimoji="1" lang="en-US" altLang="ja-JP" dirty="0"/>
+              <a:t>=</a:t>
+            </a:r>
+            <a:r>
+              <a:rPr kumimoji="1" lang="en-US" altLang="ja-JP" dirty="0" err="1"/>
+              <a:t>xserver</a:t>
+            </a:r>
+            <a:r>
+              <a:rPr kumimoji="1" lang="ja-JP" altLang="en-US" dirty="0"/>
+              <a:t>の管理画面を利用</a:t>
+            </a:r>
+            <a:endParaRPr kumimoji="1" lang="en-US" altLang="ja-JP" dirty="0"/>
+          </a:p>
+          <a:p>
+            <a:pPr marL="800100" lvl="1" indent="-342900">
+              <a:buFont typeface="+mj-lt"/>
+              <a:buAutoNum type="arabicPeriod"/>
+            </a:pPr>
+            <a:r>
+              <a:rPr kumimoji="1" lang="ja-JP" altLang="en-US" dirty="0"/>
+              <a:t>スーパーバイザーを登録／変更／削除</a:t>
+            </a:r>
+            <a:endParaRPr kumimoji="1" lang="en-US" altLang="ja-JP" dirty="0"/>
+          </a:p>
+          <a:p>
+            <a:pPr marL="800100" lvl="1" indent="-342900">
+              <a:buFont typeface="+mj-lt"/>
+              <a:buAutoNum type="arabicPeriod"/>
+            </a:pPr>
+            <a:r>
+              <a:rPr kumimoji="1" lang="ja-JP" altLang="en-US" dirty="0"/>
+              <a:t>スーパーバイザーパスワードの強制リセット</a:t>
+            </a:r>
+            <a:endParaRPr kumimoji="1" lang="en-US" altLang="ja-JP" dirty="0"/>
+          </a:p>
+          <a:p>
+            <a:pPr marL="285750" indent="-285750">
+              <a:buFont typeface="Wingdings" panose="05000000000000000000" pitchFamily="2" charset="2"/>
+              <a:buChar char="ü"/>
+            </a:pPr>
+            <a:r>
+              <a:rPr kumimoji="1" lang="ja-JP" altLang="en-US" dirty="0"/>
+              <a:t>全体の管理者（スーパーバイザー）の定義</a:t>
+            </a:r>
+            <a:endParaRPr kumimoji="1" lang="en-US" altLang="ja-JP" dirty="0"/>
+          </a:p>
+          <a:p>
+            <a:pPr marL="800100" lvl="1" indent="-342900">
+              <a:buFont typeface="+mj-lt"/>
+              <a:buAutoNum type="arabicPeriod"/>
+            </a:pPr>
+            <a:r>
+              <a:rPr kumimoji="1" lang="ja-JP" altLang="en-US" dirty="0"/>
+              <a:t>スーパーバイザーは複数可能</a:t>
+            </a:r>
+            <a:endParaRPr kumimoji="1" lang="en-US" altLang="ja-JP" dirty="0"/>
+          </a:p>
+          <a:p>
+            <a:pPr marL="800100" lvl="1" indent="-342900">
+              <a:buFont typeface="+mj-lt"/>
+              <a:buAutoNum type="arabicPeriod"/>
+            </a:pPr>
+            <a:r>
+              <a:rPr kumimoji="1" lang="ja-JP" altLang="en-US" dirty="0"/>
+              <a:t>ルート権限者が登録できる</a:t>
+            </a:r>
+            <a:endParaRPr kumimoji="1" lang="en-US" altLang="ja-JP" dirty="0"/>
+          </a:p>
+          <a:p>
+            <a:pPr marL="800100" lvl="1" indent="-342900">
+              <a:buFont typeface="+mj-lt"/>
+              <a:buAutoNum type="arabicPeriod"/>
+            </a:pPr>
+            <a:r>
+              <a:rPr kumimoji="1" lang="ja-JP" altLang="en-US" dirty="0"/>
+              <a:t>スーパーバイザーは</a:t>
+            </a:r>
+            <a:r>
+              <a:rPr lang="en-US" altLang="ja-JP" dirty="0"/>
+              <a:t>SQL</a:t>
+            </a:r>
+            <a:r>
+              <a:rPr lang="ja-JP" altLang="en-US" dirty="0"/>
+              <a:t>を利用した</a:t>
+            </a:r>
+            <a:r>
+              <a:rPr lang="en-US" altLang="ja-JP" dirty="0"/>
+              <a:t>DB</a:t>
+            </a:r>
+            <a:r>
+              <a:rPr lang="ja-JP" altLang="en-US" dirty="0"/>
+              <a:t>管理はできない</a:t>
+            </a:r>
+            <a:endParaRPr lang="en-US" altLang="ja-JP" dirty="0"/>
+          </a:p>
+          <a:p>
+            <a:pPr marL="800100" lvl="1" indent="-342900">
+              <a:buFont typeface="+mj-lt"/>
+              <a:buAutoNum type="arabicPeriod"/>
+            </a:pPr>
+            <a:r>
+              <a:rPr kumimoji="1" lang="ja-JP" altLang="en-US" dirty="0"/>
+              <a:t>スーパーバイザーパスワードは自身で変更できる</a:t>
+            </a:r>
+            <a:endParaRPr kumimoji="1" lang="en-US" altLang="ja-JP" dirty="0"/>
+          </a:p>
+          <a:p>
+            <a:pPr marL="285750" indent="-285750">
+              <a:buFont typeface="Wingdings" panose="05000000000000000000" pitchFamily="2" charset="2"/>
+              <a:buChar char="ü"/>
+            </a:pPr>
+            <a:r>
+              <a:rPr kumimoji="1" lang="ja-JP" altLang="en-US" dirty="0"/>
+              <a:t>スーパーバイザーの権限</a:t>
+            </a:r>
+            <a:endParaRPr kumimoji="1" lang="en-US" altLang="ja-JP" dirty="0"/>
+          </a:p>
+          <a:p>
+            <a:pPr marL="800100" lvl="1" indent="-342900">
+              <a:buFont typeface="+mj-lt"/>
+              <a:buAutoNum type="arabicPeriod"/>
+            </a:pPr>
+            <a:r>
+              <a:rPr kumimoji="1" lang="ja-JP" altLang="en-US" dirty="0"/>
+              <a:t>博物館の登録／削除</a:t>
+            </a:r>
+            <a:endParaRPr kumimoji="1" lang="en-US" altLang="ja-JP" dirty="0"/>
+          </a:p>
+          <a:p>
+            <a:pPr marL="800100" lvl="1" indent="-342900">
+              <a:buFont typeface="+mj-lt"/>
+              <a:buAutoNum type="arabicPeriod"/>
+            </a:pPr>
+            <a:r>
+              <a:rPr kumimoji="1" lang="ja-JP" altLang="en-US" dirty="0"/>
+              <a:t>博物館の管理者の登録／削除</a:t>
+            </a:r>
+            <a:endParaRPr kumimoji="1" lang="en-US" altLang="ja-JP" dirty="0"/>
+          </a:p>
+          <a:p>
+            <a:pPr marL="285750" indent="-285750">
+              <a:buFont typeface="Wingdings" panose="05000000000000000000" pitchFamily="2" charset="2"/>
+              <a:buChar char="ü"/>
+            </a:pPr>
+            <a:r>
+              <a:rPr kumimoji="1" lang="ja-JP" altLang="en-US" dirty="0"/>
+              <a:t>博物館の管理者の権限</a:t>
+            </a:r>
+            <a:endParaRPr kumimoji="1" lang="en-US" altLang="ja-JP" dirty="0"/>
+          </a:p>
+          <a:p>
+            <a:pPr marL="800100" lvl="1" indent="-342900">
+              <a:buFont typeface="+mj-lt"/>
+              <a:buAutoNum type="arabicPeriod"/>
+            </a:pPr>
+            <a:r>
+              <a:rPr kumimoji="1" lang="ja-JP" altLang="en-US" dirty="0"/>
+              <a:t>展示物の登録（本展示システムから番号が提供される）</a:t>
+            </a:r>
+            <a:endParaRPr kumimoji="1" lang="en-US" altLang="ja-JP" dirty="0"/>
+          </a:p>
+          <a:p>
+            <a:pPr marL="800100" lvl="1" indent="-342900">
+              <a:buFont typeface="+mj-lt"/>
+              <a:buAutoNum type="arabicPeriod"/>
+            </a:pPr>
+            <a:r>
+              <a:rPr kumimoji="1" lang="ja-JP" altLang="en-US" dirty="0"/>
+              <a:t>以下上記番号に対して以下の情報を付加できる</a:t>
+            </a:r>
+            <a:endParaRPr kumimoji="1" lang="en-US" altLang="ja-JP" dirty="0"/>
+          </a:p>
+          <a:p>
+            <a:pPr marL="1257300" lvl="2" indent="-342900">
+              <a:buFont typeface="Arial" panose="020B0604020202020204" pitchFamily="34" charset="0"/>
+              <a:buChar char="•"/>
+            </a:pPr>
+            <a:r>
+              <a:rPr kumimoji="1" lang="ja-JP" altLang="en-US" dirty="0"/>
+              <a:t>画像／音声／文字</a:t>
+            </a:r>
+            <a:endParaRPr kumimoji="1" lang="en-US" altLang="ja-JP" dirty="0"/>
+          </a:p>
+          <a:p>
+            <a:pPr marL="1257300" lvl="2" indent="-342900">
+              <a:buFont typeface="Arial" panose="020B0604020202020204" pitchFamily="34" charset="0"/>
+              <a:buChar char="•"/>
+            </a:pPr>
+            <a:r>
+              <a:rPr kumimoji="1" lang="ja-JP" altLang="en-US" dirty="0"/>
+              <a:t>音声／文字は多国語対応</a:t>
+            </a:r>
+            <a:endParaRPr kumimoji="1" lang="en-US" altLang="ja-JP" dirty="0"/>
+          </a:p>
+          <a:p>
+            <a:pPr marL="800100" lvl="1" indent="-342900">
+              <a:buFont typeface="+mj-lt"/>
+              <a:buAutoNum type="arabicPeriod"/>
+            </a:pPr>
+            <a:r>
+              <a:rPr kumimoji="1" lang="ja-JP" altLang="en-US" dirty="0"/>
+              <a:t>登録展示物の削除</a:t>
+            </a:r>
+            <a:endParaRPr kumimoji="1" lang="en-US" altLang="ja-JP" dirty="0"/>
+          </a:p>
+          <a:p>
+            <a:pPr marL="342900" indent="-342900">
+              <a:buFont typeface="Wingdings" panose="05000000000000000000" pitchFamily="2" charset="2"/>
+              <a:buChar char="ü"/>
+            </a:pPr>
+            <a:r>
+              <a:rPr kumimoji="1" lang="ja-JP" altLang="en-US" dirty="0"/>
+              <a:t>管理画面は</a:t>
+            </a:r>
+            <a:r>
+              <a:rPr kumimoji="1" lang="en-US" altLang="ja-JP" dirty="0"/>
+              <a:t>PC</a:t>
+            </a:r>
+            <a:r>
+              <a:rPr kumimoji="1" lang="ja-JP" altLang="en-US" dirty="0"/>
+              <a:t>前提とする</a:t>
+            </a:r>
+            <a:endParaRPr kumimoji="1" lang="en-US" altLang="ja-JP" dirty="0"/>
+          </a:p>
+        </p:txBody>
+      </p:sp>
+    </p:spTree>
+    <p:extLst>
+      <p:ext uri="{BB962C8B-B14F-4D97-AF65-F5344CB8AC3E}">
+        <p14:creationId xmlns:p14="http://schemas.microsoft.com/office/powerpoint/2010/main" val="331511944"/>
+      </p:ext>
+    </p:extLst>
+  </p:cSld>
+  <p:clrMapOvr>
+    <a:masterClrMapping/>
+  </p:clrMapOvr>
+</p:sld>
+</file>
+
+<file path=ppt/slides/slide50.xml><?xml version="1.0" encoding="utf-8"?>
 <p:sld xmlns:a="http://schemas.openxmlformats.org/drawingml/2006/main" xmlns:r="http://schemas.openxmlformats.org/officeDocument/2006/relationships" xmlns:p="http://schemas.openxmlformats.org/presentationml/2006/main">
   <p:cSld>
     <p:spTree>
@@ -13432,7 +14112,7 @@
 </p:sld>
 </file>
 
-<file path=ppt/slides/slide49.xml><?xml version="1.0" encoding="utf-8"?>
+<file path=ppt/slides/slide51.xml><?xml version="1.0" encoding="utf-8"?>
 <p:sld xmlns:a="http://schemas.openxmlformats.org/drawingml/2006/main" xmlns:r="http://schemas.openxmlformats.org/officeDocument/2006/relationships" xmlns:p="http://schemas.openxmlformats.org/presentationml/2006/main">
   <p:cSld>
     <p:spTree>
@@ -14152,411 +14832,7 @@
 </p:sld>
 </file>
 
-<file path=ppt/slides/slide5.xml><?xml version="1.0" encoding="utf-8"?>
-<p:sld xmlns:a="http://schemas.openxmlformats.org/drawingml/2006/main" xmlns:r="http://schemas.openxmlformats.org/officeDocument/2006/relationships" xmlns:p="http://schemas.openxmlformats.org/presentationml/2006/main">
-  <p:cSld>
-    <p:spTree>
-      <p:nvGrpSpPr>
-        <p:cNvPr id="1" name="">
-          <a:extLst>
-            <a:ext uri="{FF2B5EF4-FFF2-40B4-BE49-F238E27FC236}">
-              <a16:creationId xmlns:a16="http://schemas.microsoft.com/office/drawing/2014/main" id="{D67F9A5F-EA38-B909-CB71-06C5141C6233}"/>
-            </a:ext>
-          </a:extLst>
-        </p:cNvPr>
-        <p:cNvGrpSpPr/>
-        <p:nvPr/>
-      </p:nvGrpSpPr>
-      <p:grpSpPr>
-        <a:xfrm>
-          <a:off x="0" y="0"/>
-          <a:ext cx="0" cy="0"/>
-          <a:chOff x="0" y="0"/>
-          <a:chExt cx="0" cy="0"/>
-        </a:xfrm>
-      </p:grpSpPr>
-      <p:cxnSp>
-        <p:nvCxnSpPr>
-          <p:cNvPr id="4" name="直線コネクタ 3">
-            <a:extLst>
-              <a:ext uri="{FF2B5EF4-FFF2-40B4-BE49-F238E27FC236}">
-                <a16:creationId xmlns:a16="http://schemas.microsoft.com/office/drawing/2014/main" id="{45EF8F97-1725-EB81-70FC-BE6CE30B0F17}"/>
-              </a:ext>
-            </a:extLst>
-          </p:cNvPr>
-          <p:cNvCxnSpPr/>
-          <p:nvPr/>
-        </p:nvCxnSpPr>
-        <p:spPr>
-          <a:xfrm>
-            <a:off x="228600" y="755374"/>
-            <a:ext cx="11936896" cy="0"/>
-          </a:xfrm>
-          <a:prstGeom prst="line">
-            <a:avLst/>
-          </a:prstGeom>
-        </p:spPr>
-        <p:style>
-          <a:lnRef idx="2">
-            <a:schemeClr val="accent1"/>
-          </a:lnRef>
-          <a:fillRef idx="0">
-            <a:schemeClr val="accent1"/>
-          </a:fillRef>
-          <a:effectRef idx="1">
-            <a:schemeClr val="accent1"/>
-          </a:effectRef>
-          <a:fontRef idx="minor">
-            <a:schemeClr val="tx1"/>
-          </a:fontRef>
-        </p:style>
-      </p:cxnSp>
-      <p:sp>
-        <p:nvSpPr>
-          <p:cNvPr id="5" name="テキスト ボックス 4">
-            <a:extLst>
-              <a:ext uri="{FF2B5EF4-FFF2-40B4-BE49-F238E27FC236}">
-                <a16:creationId xmlns:a16="http://schemas.microsoft.com/office/drawing/2014/main" id="{462E6617-0187-0E9A-2D30-978B81F58C84}"/>
-              </a:ext>
-            </a:extLst>
-          </p:cNvPr>
-          <p:cNvSpPr txBox="1"/>
-          <p:nvPr/>
-        </p:nvSpPr>
-        <p:spPr>
-          <a:xfrm>
-            <a:off x="407504" y="198783"/>
-            <a:ext cx="3796748" cy="369332"/>
-          </a:xfrm>
-          <a:prstGeom prst="rect">
-            <a:avLst/>
-          </a:prstGeom>
-          <a:noFill/>
-        </p:spPr>
-        <p:txBody>
-          <a:bodyPr wrap="square" rtlCol="0">
-            <a:spAutoFit/>
-          </a:bodyPr>
-          <a:lstStyle/>
-          <a:p>
-            <a:r>
-              <a:rPr kumimoji="1" lang="ja-JP" altLang="en-US" dirty="0"/>
-              <a:t>管理機能</a:t>
-            </a:r>
-          </a:p>
-        </p:txBody>
-      </p:sp>
-      <p:sp>
-        <p:nvSpPr>
-          <p:cNvPr id="12" name="テキスト ボックス 11">
-            <a:extLst>
-              <a:ext uri="{FF2B5EF4-FFF2-40B4-BE49-F238E27FC236}">
-                <a16:creationId xmlns:a16="http://schemas.microsoft.com/office/drawing/2014/main" id="{6CE07053-07AA-8E69-8714-0078AE200A66}"/>
-              </a:ext>
-            </a:extLst>
-          </p:cNvPr>
-          <p:cNvSpPr txBox="1"/>
-          <p:nvPr/>
-        </p:nvSpPr>
-        <p:spPr>
-          <a:xfrm>
-            <a:off x="407504" y="1093304"/>
-            <a:ext cx="11261035" cy="5632311"/>
-          </a:xfrm>
-          <a:prstGeom prst="rect">
-            <a:avLst/>
-          </a:prstGeom>
-          <a:noFill/>
-        </p:spPr>
-        <p:txBody>
-          <a:bodyPr wrap="square" rtlCol="0">
-            <a:spAutoFit/>
-          </a:bodyPr>
-          <a:lstStyle/>
-          <a:p>
-            <a:pPr marL="285750" indent="-285750">
-              <a:buFont typeface="Wingdings" panose="05000000000000000000" pitchFamily="2" charset="2"/>
-              <a:buChar char="ü"/>
-            </a:pPr>
-            <a:r>
-              <a:rPr kumimoji="1" lang="ja-JP" altLang="en-US" dirty="0"/>
-              <a:t>ルート権限者＝</a:t>
-            </a:r>
-            <a:r>
-              <a:rPr kumimoji="1" lang="en-US" altLang="ja-JP" dirty="0" err="1"/>
-              <a:t>xserver</a:t>
-            </a:r>
-            <a:r>
-              <a:rPr kumimoji="1" lang="ja-JP" altLang="en-US" dirty="0"/>
-              <a:t>の契約者＝１名のみ</a:t>
-            </a:r>
-            <a:endParaRPr kumimoji="1" lang="en-US" altLang="ja-JP" dirty="0"/>
-          </a:p>
-          <a:p>
-            <a:pPr marL="800100" lvl="1" indent="-342900">
-              <a:buFont typeface="+mj-lt"/>
-              <a:buAutoNum type="arabicPeriod"/>
-            </a:pPr>
-            <a:r>
-              <a:rPr lang="en-US" altLang="ja-JP" dirty="0"/>
-              <a:t>DB</a:t>
-            </a:r>
-            <a:r>
-              <a:rPr lang="ja-JP" altLang="en-US" dirty="0"/>
-              <a:t>を直接調査できる権限</a:t>
-            </a:r>
-            <a:endParaRPr lang="en-US" altLang="ja-JP" dirty="0"/>
-          </a:p>
-          <a:p>
-            <a:pPr marL="800100" lvl="1" indent="-342900">
-              <a:buFont typeface="+mj-lt"/>
-              <a:buAutoNum type="arabicPeriod"/>
-            </a:pPr>
-            <a:r>
-              <a:rPr kumimoji="1" lang="ja-JP" altLang="en-US" dirty="0"/>
-              <a:t>入出力用のインターフェースは無し</a:t>
-            </a:r>
-            <a:r>
-              <a:rPr kumimoji="1" lang="en-US" altLang="ja-JP" dirty="0"/>
-              <a:t>=</a:t>
-            </a:r>
-            <a:r>
-              <a:rPr kumimoji="1" lang="en-US" altLang="ja-JP" dirty="0" err="1"/>
-              <a:t>xserver</a:t>
-            </a:r>
-            <a:r>
-              <a:rPr kumimoji="1" lang="ja-JP" altLang="en-US" dirty="0"/>
-              <a:t>の管理画面を利用</a:t>
-            </a:r>
-            <a:endParaRPr kumimoji="1" lang="en-US" altLang="ja-JP" dirty="0"/>
-          </a:p>
-          <a:p>
-            <a:pPr marL="800100" lvl="1" indent="-342900">
-              <a:buFont typeface="+mj-lt"/>
-              <a:buAutoNum type="arabicPeriod"/>
-            </a:pPr>
-            <a:r>
-              <a:rPr kumimoji="1" lang="ja-JP" altLang="en-US" dirty="0"/>
-              <a:t>スーパーバイザーを登録／変更／削除</a:t>
-            </a:r>
-            <a:endParaRPr kumimoji="1" lang="en-US" altLang="ja-JP" dirty="0"/>
-          </a:p>
-          <a:p>
-            <a:pPr marL="800100" lvl="1" indent="-342900">
-              <a:buFont typeface="+mj-lt"/>
-              <a:buAutoNum type="arabicPeriod"/>
-            </a:pPr>
-            <a:r>
-              <a:rPr kumimoji="1" lang="ja-JP" altLang="en-US" dirty="0"/>
-              <a:t>スーパーバイザーパスワードの強制リセット</a:t>
-            </a:r>
-            <a:endParaRPr kumimoji="1" lang="en-US" altLang="ja-JP" dirty="0"/>
-          </a:p>
-          <a:p>
-            <a:pPr marL="285750" indent="-285750">
-              <a:buFont typeface="Wingdings" panose="05000000000000000000" pitchFamily="2" charset="2"/>
-              <a:buChar char="ü"/>
-            </a:pPr>
-            <a:r>
-              <a:rPr kumimoji="1" lang="ja-JP" altLang="en-US" dirty="0"/>
-              <a:t>全体の管理者（スーパーバイザー）の定義</a:t>
-            </a:r>
-            <a:endParaRPr kumimoji="1" lang="en-US" altLang="ja-JP" dirty="0"/>
-          </a:p>
-          <a:p>
-            <a:pPr marL="800100" lvl="1" indent="-342900">
-              <a:buFont typeface="+mj-lt"/>
-              <a:buAutoNum type="arabicPeriod"/>
-            </a:pPr>
-            <a:r>
-              <a:rPr kumimoji="1" lang="ja-JP" altLang="en-US" dirty="0"/>
-              <a:t>スーパーバイザーは複数可能</a:t>
-            </a:r>
-            <a:endParaRPr kumimoji="1" lang="en-US" altLang="ja-JP" dirty="0"/>
-          </a:p>
-          <a:p>
-            <a:pPr marL="800100" lvl="1" indent="-342900">
-              <a:buFont typeface="+mj-lt"/>
-              <a:buAutoNum type="arabicPeriod"/>
-            </a:pPr>
-            <a:r>
-              <a:rPr kumimoji="1" lang="ja-JP" altLang="en-US" dirty="0"/>
-              <a:t>ルート権限者が登録できる</a:t>
-            </a:r>
-            <a:endParaRPr kumimoji="1" lang="en-US" altLang="ja-JP" dirty="0"/>
-          </a:p>
-          <a:p>
-            <a:pPr marL="800100" lvl="1" indent="-342900">
-              <a:buFont typeface="+mj-lt"/>
-              <a:buAutoNum type="arabicPeriod"/>
-            </a:pPr>
-            <a:r>
-              <a:rPr kumimoji="1" lang="ja-JP" altLang="en-US" dirty="0"/>
-              <a:t>スーパーバイザーは</a:t>
-            </a:r>
-            <a:r>
-              <a:rPr lang="en-US" altLang="ja-JP" dirty="0"/>
-              <a:t>SQL</a:t>
-            </a:r>
-            <a:r>
-              <a:rPr lang="ja-JP" altLang="en-US" dirty="0"/>
-              <a:t>を利用した</a:t>
-            </a:r>
-            <a:r>
-              <a:rPr lang="en-US" altLang="ja-JP" dirty="0"/>
-              <a:t>DB</a:t>
-            </a:r>
-            <a:r>
-              <a:rPr lang="ja-JP" altLang="en-US" dirty="0"/>
-              <a:t>管理はできない</a:t>
-            </a:r>
-            <a:endParaRPr lang="en-US" altLang="ja-JP" dirty="0"/>
-          </a:p>
-          <a:p>
-            <a:pPr marL="800100" lvl="1" indent="-342900">
-              <a:buFont typeface="+mj-lt"/>
-              <a:buAutoNum type="arabicPeriod"/>
-            </a:pPr>
-            <a:r>
-              <a:rPr kumimoji="1" lang="ja-JP" altLang="en-US" dirty="0"/>
-              <a:t>スーパーバイザーパスワードは自身で変更できる</a:t>
-            </a:r>
-            <a:endParaRPr kumimoji="1" lang="en-US" altLang="ja-JP" dirty="0"/>
-          </a:p>
-          <a:p>
-            <a:pPr marL="285750" indent="-285750">
-              <a:buFont typeface="Wingdings" panose="05000000000000000000" pitchFamily="2" charset="2"/>
-              <a:buChar char="ü"/>
-            </a:pPr>
-            <a:r>
-              <a:rPr kumimoji="1" lang="ja-JP" altLang="en-US" dirty="0"/>
-              <a:t>スーパーバイザーの権限</a:t>
-            </a:r>
-            <a:endParaRPr kumimoji="1" lang="en-US" altLang="ja-JP" dirty="0"/>
-          </a:p>
-          <a:p>
-            <a:pPr marL="800100" lvl="1" indent="-342900">
-              <a:buFont typeface="+mj-lt"/>
-              <a:buAutoNum type="arabicPeriod"/>
-            </a:pPr>
-            <a:r>
-              <a:rPr kumimoji="1" lang="ja-JP" altLang="en-US" dirty="0"/>
-              <a:t>博物館の登録／削除</a:t>
-            </a:r>
-            <a:endParaRPr kumimoji="1" lang="en-US" altLang="ja-JP" dirty="0"/>
-          </a:p>
-          <a:p>
-            <a:pPr marL="800100" lvl="1" indent="-342900">
-              <a:buFont typeface="+mj-lt"/>
-              <a:buAutoNum type="arabicPeriod"/>
-            </a:pPr>
-            <a:r>
-              <a:rPr kumimoji="1" lang="ja-JP" altLang="en-US" dirty="0"/>
-              <a:t>博物館の管理者の登録／削除</a:t>
-            </a:r>
-            <a:endParaRPr kumimoji="1" lang="en-US" altLang="ja-JP" dirty="0"/>
-          </a:p>
-          <a:p>
-            <a:pPr marL="285750" indent="-285750">
-              <a:buFont typeface="Wingdings" panose="05000000000000000000" pitchFamily="2" charset="2"/>
-              <a:buChar char="ü"/>
-            </a:pPr>
-            <a:r>
-              <a:rPr kumimoji="1" lang="ja-JP" altLang="en-US" dirty="0"/>
-              <a:t>博物館の管理者の権限</a:t>
-            </a:r>
-            <a:endParaRPr kumimoji="1" lang="en-US" altLang="ja-JP" dirty="0"/>
-          </a:p>
-          <a:p>
-            <a:pPr marL="800100" lvl="1" indent="-342900">
-              <a:buFont typeface="+mj-lt"/>
-              <a:buAutoNum type="arabicPeriod"/>
-            </a:pPr>
-            <a:r>
-              <a:rPr kumimoji="1" lang="ja-JP" altLang="en-US" dirty="0"/>
-              <a:t>展示物の登録（本展示システムから番号が提供される）</a:t>
-            </a:r>
-            <a:endParaRPr kumimoji="1" lang="en-US" altLang="ja-JP" dirty="0"/>
-          </a:p>
-          <a:p>
-            <a:pPr marL="800100" lvl="1" indent="-342900">
-              <a:buFont typeface="+mj-lt"/>
-              <a:buAutoNum type="arabicPeriod"/>
-            </a:pPr>
-            <a:r>
-              <a:rPr kumimoji="1" lang="ja-JP" altLang="en-US" dirty="0"/>
-              <a:t>以下上記番号に対して以下の情報を付加できる</a:t>
-            </a:r>
-            <a:endParaRPr kumimoji="1" lang="en-US" altLang="ja-JP" dirty="0"/>
-          </a:p>
-          <a:p>
-            <a:pPr marL="1257300" lvl="2" indent="-342900">
-              <a:buFont typeface="Arial" panose="020B0604020202020204" pitchFamily="34" charset="0"/>
-              <a:buChar char="•"/>
-            </a:pPr>
-            <a:r>
-              <a:rPr kumimoji="1" lang="ja-JP" altLang="en-US" dirty="0"/>
-              <a:t>画像／音声／文字</a:t>
-            </a:r>
-            <a:endParaRPr kumimoji="1" lang="en-US" altLang="ja-JP" dirty="0"/>
-          </a:p>
-          <a:p>
-            <a:pPr marL="1257300" lvl="2" indent="-342900">
-              <a:buFont typeface="Arial" panose="020B0604020202020204" pitchFamily="34" charset="0"/>
-              <a:buChar char="•"/>
-            </a:pPr>
-            <a:r>
-              <a:rPr kumimoji="1" lang="ja-JP" altLang="en-US" dirty="0"/>
-              <a:t>音声／文字は多国語対応</a:t>
-            </a:r>
-            <a:endParaRPr kumimoji="1" lang="en-US" altLang="ja-JP" dirty="0"/>
-          </a:p>
-          <a:p>
-            <a:pPr marL="800100" lvl="1" indent="-342900">
-              <a:buFont typeface="+mj-lt"/>
-              <a:buAutoNum type="arabicPeriod"/>
-            </a:pPr>
-            <a:r>
-              <a:rPr kumimoji="1" lang="ja-JP" altLang="en-US" dirty="0"/>
-              <a:t>登録展示物の削除</a:t>
-            </a:r>
-            <a:endParaRPr kumimoji="1" lang="en-US" altLang="ja-JP" dirty="0"/>
-          </a:p>
-          <a:p>
-            <a:pPr marL="342900" indent="-342900">
-              <a:buFont typeface="Wingdings" panose="05000000000000000000" pitchFamily="2" charset="2"/>
-              <a:buChar char="ü"/>
-            </a:pPr>
-            <a:r>
-              <a:rPr kumimoji="1" lang="ja-JP" altLang="en-US" dirty="0"/>
-              <a:t>管理画面は</a:t>
-            </a:r>
-            <a:r>
-              <a:rPr kumimoji="1" lang="en-US" altLang="ja-JP" dirty="0"/>
-              <a:t>PC</a:t>
-            </a:r>
-            <a:r>
-              <a:rPr kumimoji="1" lang="ja-JP" altLang="en-US" dirty="0"/>
-              <a:t>前提とする</a:t>
-            </a:r>
-            <a:endParaRPr kumimoji="1" lang="en-US" altLang="ja-JP" dirty="0"/>
-          </a:p>
-        </p:txBody>
-      </p:sp>
-    </p:spTree>
-    <p:extLst>
-      <p:ext uri="{BB962C8B-B14F-4D97-AF65-F5344CB8AC3E}">
-        <p14:creationId xmlns:p14="http://schemas.microsoft.com/office/powerpoint/2010/main" val="331511944"/>
-      </p:ext>
-    </p:extLst>
-  </p:cSld>
-  <p:clrMapOvr>
-    <a:masterClrMapping/>
-  </p:clrMapOvr>
-</p:sld>
-</file>
-
-<file path=ppt/slides/slide50.xml><?xml version="1.0" encoding="utf-8"?>
+<file path=ppt/slides/slide52.xml><?xml version="1.0" encoding="utf-8"?>
 <p:sld xmlns:a="http://schemas.openxmlformats.org/drawingml/2006/main" xmlns:r="http://schemas.openxmlformats.org/officeDocument/2006/relationships" xmlns:p="http://schemas.openxmlformats.org/presentationml/2006/main">
   <p:cSld>
     <p:spTree>
@@ -15231,7 +15507,7 @@
 </p:sld>
 </file>
 
-<file path=ppt/slides/slide51.xml><?xml version="1.0" encoding="utf-8"?>
+<file path=ppt/slides/slide53.xml><?xml version="1.0" encoding="utf-8"?>
 <p:sld xmlns:a="http://schemas.openxmlformats.org/drawingml/2006/main" xmlns:r="http://schemas.openxmlformats.org/officeDocument/2006/relationships" xmlns:p="http://schemas.openxmlformats.org/presentationml/2006/main">
   <p:cSld>
     <p:spTree>
@@ -15805,7 +16081,7 @@
 </p:sld>
 </file>
 
-<file path=ppt/slides/slide52.xml><?xml version="1.0" encoding="utf-8"?>
+<file path=ppt/slides/slide54.xml><?xml version="1.0" encoding="utf-8"?>
 <p:sld xmlns:a="http://schemas.openxmlformats.org/drawingml/2006/main" xmlns:r="http://schemas.openxmlformats.org/officeDocument/2006/relationships" xmlns:p="http://schemas.openxmlformats.org/presentationml/2006/main">
   <p:cSld>
     <p:spTree>
@@ -16201,7 +16477,7 @@
 </p:sld>
 </file>
 
-<file path=ppt/slides/slide53.xml><?xml version="1.0" encoding="utf-8"?>
+<file path=ppt/slides/slide55.xml><?xml version="1.0" encoding="utf-8"?>
 <p:sld xmlns:a="http://schemas.openxmlformats.org/drawingml/2006/main" xmlns:r="http://schemas.openxmlformats.org/officeDocument/2006/relationships" xmlns:p="http://schemas.openxmlformats.org/presentationml/2006/main">
   <p:cSld>
     <p:spTree>
@@ -17321,7 +17597,7 @@
 </p:sld>
 </file>
 
-<file path=ppt/slides/slide54.xml><?xml version="1.0" encoding="utf-8"?>
+<file path=ppt/slides/slide56.xml><?xml version="1.0" encoding="utf-8"?>
 <p:sld xmlns:a="http://schemas.openxmlformats.org/drawingml/2006/main" xmlns:r="http://schemas.openxmlformats.org/officeDocument/2006/relationships" xmlns:p="http://schemas.openxmlformats.org/presentationml/2006/main">
   <p:cSld>
     <p:spTree>
@@ -18429,7 +18705,7 @@
 </p:sld>
 </file>
 
-<file path=ppt/slides/slide55.xml><?xml version="1.0" encoding="utf-8"?>
+<file path=ppt/slides/slide57.xml><?xml version="1.0" encoding="utf-8"?>
 <p:sld xmlns:a="http://schemas.openxmlformats.org/drawingml/2006/main" xmlns:r="http://schemas.openxmlformats.org/officeDocument/2006/relationships" xmlns:p="http://schemas.openxmlformats.org/presentationml/2006/main">
   <p:cSld>
     <p:spTree>
@@ -19149,7 +19425,7 @@
 </p:sld>
 </file>
 
-<file path=ppt/slides/slide56.xml><?xml version="1.0" encoding="utf-8"?>
+<file path=ppt/slides/slide58.xml><?xml version="1.0" encoding="utf-8"?>
 <p:sld xmlns:a="http://schemas.openxmlformats.org/drawingml/2006/main" xmlns:r="http://schemas.openxmlformats.org/officeDocument/2006/relationships" xmlns:p="http://schemas.openxmlformats.org/presentationml/2006/main">
   <p:cSld>
     <p:spTree>
@@ -19824,7 +20100,7 @@
 </p:sld>
 </file>
 
-<file path=ppt/slides/slide57.xml><?xml version="1.0" encoding="utf-8"?>
+<file path=ppt/slides/slide59.xml><?xml version="1.0" encoding="utf-8"?>
 <p:sld xmlns:a="http://schemas.openxmlformats.org/drawingml/2006/main" xmlns:r="http://schemas.openxmlformats.org/officeDocument/2006/relationships" xmlns:p="http://schemas.openxmlformats.org/presentationml/2006/main">
   <p:cSld>
     <p:spTree>
@@ -20372,674 +20648,6 @@
     <p:extLst>
       <p:ext uri="{BB962C8B-B14F-4D97-AF65-F5344CB8AC3E}">
         <p14:creationId xmlns:p14="http://schemas.microsoft.com/office/powerpoint/2010/main" val="3021781207"/>
-      </p:ext>
-    </p:extLst>
-  </p:cSld>
-  <p:clrMapOvr>
-    <a:masterClrMapping/>
-  </p:clrMapOvr>
-</p:sld>
-</file>
-
-<file path=ppt/slides/slide58.xml><?xml version="1.0" encoding="utf-8"?>
-<p:sld xmlns:a="http://schemas.openxmlformats.org/drawingml/2006/main" xmlns:r="http://schemas.openxmlformats.org/officeDocument/2006/relationships" xmlns:p="http://schemas.openxmlformats.org/presentationml/2006/main">
-  <p:cSld>
-    <p:spTree>
-      <p:nvGrpSpPr>
-        <p:cNvPr id="1" name="">
-          <a:extLst>
-            <a:ext uri="{FF2B5EF4-FFF2-40B4-BE49-F238E27FC236}">
-              <a16:creationId xmlns:a16="http://schemas.microsoft.com/office/drawing/2014/main" id="{06A085EA-EE5A-3995-B30E-35F2DAE51B91}"/>
-            </a:ext>
-          </a:extLst>
-        </p:cNvPr>
-        <p:cNvGrpSpPr/>
-        <p:nvPr/>
-      </p:nvGrpSpPr>
-      <p:grpSpPr>
-        <a:xfrm>
-          <a:off x="0" y="0"/>
-          <a:ext cx="0" cy="0"/>
-          <a:chOff x="0" y="0"/>
-          <a:chExt cx="0" cy="0"/>
-        </a:xfrm>
-      </p:grpSpPr>
-      <p:cxnSp>
-        <p:nvCxnSpPr>
-          <p:cNvPr id="4" name="直線コネクタ 3">
-            <a:extLst>
-              <a:ext uri="{FF2B5EF4-FFF2-40B4-BE49-F238E27FC236}">
-                <a16:creationId xmlns:a16="http://schemas.microsoft.com/office/drawing/2014/main" id="{445B4D18-9214-71EA-A3B5-B1EFF566DC38}"/>
-              </a:ext>
-            </a:extLst>
-          </p:cNvPr>
-          <p:cNvCxnSpPr/>
-          <p:nvPr/>
-        </p:nvCxnSpPr>
-        <p:spPr>
-          <a:xfrm>
-            <a:off x="228600" y="755374"/>
-            <a:ext cx="11936896" cy="0"/>
-          </a:xfrm>
-          <a:prstGeom prst="line">
-            <a:avLst/>
-          </a:prstGeom>
-        </p:spPr>
-        <p:style>
-          <a:lnRef idx="2">
-            <a:schemeClr val="accent1"/>
-          </a:lnRef>
-          <a:fillRef idx="0">
-            <a:schemeClr val="accent1"/>
-          </a:fillRef>
-          <a:effectRef idx="1">
-            <a:schemeClr val="accent1"/>
-          </a:effectRef>
-          <a:fontRef idx="minor">
-            <a:schemeClr val="tx1"/>
-          </a:fontRef>
-        </p:style>
-      </p:cxnSp>
-      <p:sp>
-        <p:nvSpPr>
-          <p:cNvPr id="5" name="テキスト ボックス 4">
-            <a:extLst>
-              <a:ext uri="{FF2B5EF4-FFF2-40B4-BE49-F238E27FC236}">
-                <a16:creationId xmlns:a16="http://schemas.microsoft.com/office/drawing/2014/main" id="{72E1903D-28AC-1AA9-1B85-9A04AE681026}"/>
-              </a:ext>
-            </a:extLst>
-          </p:cNvPr>
-          <p:cNvSpPr txBox="1"/>
-          <p:nvPr/>
-        </p:nvSpPr>
-        <p:spPr>
-          <a:xfrm>
-            <a:off x="407504" y="198783"/>
-            <a:ext cx="4899992" cy="369332"/>
-          </a:xfrm>
-          <a:prstGeom prst="rect">
-            <a:avLst/>
-          </a:prstGeom>
-          <a:noFill/>
-        </p:spPr>
-        <p:txBody>
-          <a:bodyPr wrap="square" rtlCol="0">
-            <a:spAutoFit/>
-          </a:bodyPr>
-          <a:lstStyle/>
-          <a:p>
-            <a:r>
-              <a:rPr kumimoji="1" lang="ja-JP" altLang="en-US" dirty="0"/>
-              <a:t>アプリケーションとシステムの連携</a:t>
-            </a:r>
-          </a:p>
-        </p:txBody>
-      </p:sp>
-      <p:sp>
-        <p:nvSpPr>
-          <p:cNvPr id="3" name="正方形/長方形 2">
-            <a:extLst>
-              <a:ext uri="{FF2B5EF4-FFF2-40B4-BE49-F238E27FC236}">
-                <a16:creationId xmlns:a16="http://schemas.microsoft.com/office/drawing/2014/main" id="{3719DAAD-586F-673C-D658-7955ECB95287}"/>
-              </a:ext>
-            </a:extLst>
-          </p:cNvPr>
-          <p:cNvSpPr/>
-          <p:nvPr/>
-        </p:nvSpPr>
-        <p:spPr>
-          <a:xfrm>
-            <a:off x="2236304" y="2176392"/>
-            <a:ext cx="1818861" cy="715609"/>
-          </a:xfrm>
-          <a:prstGeom prst="rect">
-            <a:avLst/>
-          </a:prstGeom>
-          <a:noFill/>
-        </p:spPr>
-        <p:style>
-          <a:lnRef idx="2">
-            <a:schemeClr val="accent1">
-              <a:shade val="15000"/>
-            </a:schemeClr>
-          </a:lnRef>
-          <a:fillRef idx="1">
-            <a:schemeClr val="accent1"/>
-          </a:fillRef>
-          <a:effectRef idx="0">
-            <a:schemeClr val="accent1"/>
-          </a:effectRef>
-          <a:fontRef idx="minor">
-            <a:schemeClr val="lt1"/>
-          </a:fontRef>
-        </p:style>
-        <p:txBody>
-          <a:bodyPr rtlCol="0" anchor="ctr"/>
-          <a:lstStyle/>
-          <a:p>
-            <a:pPr algn="ctr"/>
-            <a:r>
-              <a:rPr kumimoji="1" lang="en-US" altLang="ja-JP" sz="1200" dirty="0">
-                <a:solidFill>
-                  <a:schemeClr val="tx1"/>
-                </a:solidFill>
-              </a:rPr>
-              <a:t>QR</a:t>
-            </a:r>
-            <a:r>
-              <a:rPr kumimoji="1" lang="ja-JP" altLang="en-US" sz="1200" dirty="0">
-                <a:solidFill>
-                  <a:schemeClr val="tx1"/>
-                </a:solidFill>
-              </a:rPr>
-              <a:t>リーダー</a:t>
-            </a:r>
-          </a:p>
-        </p:txBody>
-      </p:sp>
-      <p:pic>
-        <p:nvPicPr>
-          <p:cNvPr id="7" name="Picture 2" descr="QRコード作成【ずっと無料・無制限】／QRのススメ">
-            <a:extLst>
-              <a:ext uri="{FF2B5EF4-FFF2-40B4-BE49-F238E27FC236}">
-                <a16:creationId xmlns:a16="http://schemas.microsoft.com/office/drawing/2014/main" id="{2AF49899-83AF-13D4-E81F-C08D0295D230}"/>
-              </a:ext>
-            </a:extLst>
-          </p:cNvPr>
-          <p:cNvPicPr>
-            <a:picLocks noChangeAspect="1" noChangeArrowheads="1"/>
-          </p:cNvPicPr>
-          <p:nvPr/>
-        </p:nvPicPr>
-        <p:blipFill>
-          <a:blip r:embed="rId2">
-            <a:extLst>
-              <a:ext uri="{28A0092B-C50C-407E-A947-70E740481C1C}">
-                <a14:useLocalDpi xmlns:a14="http://schemas.microsoft.com/office/drawing/2010/main" val="0"/>
-              </a:ext>
-            </a:extLst>
-          </a:blip>
-          <a:srcRect/>
-          <a:stretch>
-            <a:fillRect/>
-          </a:stretch>
-        </p:blipFill>
-        <p:spPr bwMode="auto">
-          <a:xfrm>
-            <a:off x="920287" y="2186601"/>
-            <a:ext cx="749487" cy="705400"/>
-          </a:xfrm>
-          <a:prstGeom prst="rect">
-            <a:avLst/>
-          </a:prstGeom>
-          <a:noFill/>
-          <a:extLst>
-            <a:ext uri="{909E8E84-426E-40DD-AFC4-6F175D3DCCD1}">
-              <a14:hiddenFill xmlns:a14="http://schemas.microsoft.com/office/drawing/2010/main">
-                <a:solidFill>
-                  <a:srgbClr val="FFFFFF"/>
-                </a:solidFill>
-              </a14:hiddenFill>
-            </a:ext>
-          </a:extLst>
-        </p:spPr>
-      </p:pic>
-      <p:cxnSp>
-        <p:nvCxnSpPr>
-          <p:cNvPr id="9" name="直線矢印コネクタ 8">
-            <a:extLst>
-              <a:ext uri="{FF2B5EF4-FFF2-40B4-BE49-F238E27FC236}">
-                <a16:creationId xmlns:a16="http://schemas.microsoft.com/office/drawing/2014/main" id="{F190876D-C9FD-5149-4074-E4C48B80FE3D}"/>
-              </a:ext>
-            </a:extLst>
-          </p:cNvPr>
-          <p:cNvCxnSpPr>
-            <a:stCxn id="7" idx="3"/>
-            <a:endCxn id="3" idx="1"/>
-          </p:cNvCxnSpPr>
-          <p:nvPr/>
-        </p:nvCxnSpPr>
-        <p:spPr>
-          <a:xfrm flipV="1">
-            <a:off x="1669774" y="2534197"/>
-            <a:ext cx="566530" cy="5104"/>
-          </a:xfrm>
-          <a:prstGeom prst="straightConnector1">
-            <a:avLst/>
-          </a:prstGeom>
-          <a:ln>
-            <a:tailEnd type="triangle"/>
-          </a:ln>
-        </p:spPr>
-        <p:style>
-          <a:lnRef idx="2">
-            <a:schemeClr val="accent1"/>
-          </a:lnRef>
-          <a:fillRef idx="0">
-            <a:schemeClr val="accent1"/>
-          </a:fillRef>
-          <a:effectRef idx="1">
-            <a:schemeClr val="accent1"/>
-          </a:effectRef>
-          <a:fontRef idx="minor">
-            <a:schemeClr val="tx1"/>
-          </a:fontRef>
-        </p:style>
-      </p:cxnSp>
-      <p:cxnSp>
-        <p:nvCxnSpPr>
-          <p:cNvPr id="17" name="直線矢印コネクタ 16">
-            <a:extLst>
-              <a:ext uri="{FF2B5EF4-FFF2-40B4-BE49-F238E27FC236}">
-                <a16:creationId xmlns:a16="http://schemas.microsoft.com/office/drawing/2014/main" id="{7E0DF062-9394-EA37-7F4D-1DEB1F3390FE}"/>
-              </a:ext>
-            </a:extLst>
-          </p:cNvPr>
-          <p:cNvCxnSpPr>
-            <a:cxnSpLocks/>
-            <a:stCxn id="3" idx="3"/>
-            <a:endCxn id="22" idx="1"/>
-          </p:cNvCxnSpPr>
-          <p:nvPr/>
-        </p:nvCxnSpPr>
-        <p:spPr>
-          <a:xfrm flipV="1">
-            <a:off x="4055165" y="2534189"/>
-            <a:ext cx="2350605" cy="8"/>
-          </a:xfrm>
-          <a:prstGeom prst="straightConnector1">
-            <a:avLst/>
-          </a:prstGeom>
-          <a:ln>
-            <a:tailEnd type="triangle"/>
-          </a:ln>
-        </p:spPr>
-        <p:style>
-          <a:lnRef idx="2">
-            <a:schemeClr val="accent1"/>
-          </a:lnRef>
-          <a:fillRef idx="0">
-            <a:schemeClr val="accent1"/>
-          </a:fillRef>
-          <a:effectRef idx="1">
-            <a:schemeClr val="accent1"/>
-          </a:effectRef>
-          <a:fontRef idx="minor">
-            <a:schemeClr val="tx1"/>
-          </a:fontRef>
-        </p:style>
-      </p:cxnSp>
-      <p:sp>
-        <p:nvSpPr>
-          <p:cNvPr id="20" name="テキスト ボックス 19">
-            <a:extLst>
-              <a:ext uri="{FF2B5EF4-FFF2-40B4-BE49-F238E27FC236}">
-                <a16:creationId xmlns:a16="http://schemas.microsoft.com/office/drawing/2014/main" id="{352FD92A-ED86-42F7-DB2B-91229B9EBB91}"/>
-              </a:ext>
-            </a:extLst>
-          </p:cNvPr>
-          <p:cNvSpPr txBox="1"/>
-          <p:nvPr/>
-        </p:nvSpPr>
-        <p:spPr>
-          <a:xfrm>
-            <a:off x="4055165" y="2186601"/>
-            <a:ext cx="1107996" cy="369332"/>
-          </a:xfrm>
-          <a:prstGeom prst="rect">
-            <a:avLst/>
-          </a:prstGeom>
-          <a:noFill/>
-        </p:spPr>
-        <p:txBody>
-          <a:bodyPr wrap="none" rtlCol="0">
-            <a:spAutoFit/>
-          </a:bodyPr>
-          <a:lstStyle/>
-          <a:p>
-            <a:r>
-              <a:rPr lang="en-US" altLang="ja-JP" dirty="0"/>
-              <a:t>URL</a:t>
-            </a:r>
-            <a:r>
-              <a:rPr lang="ja-JP" altLang="en-US" dirty="0"/>
-              <a:t>通知</a:t>
-            </a:r>
-            <a:endParaRPr kumimoji="1" lang="ja-JP" altLang="en-US" dirty="0"/>
-          </a:p>
-        </p:txBody>
-      </p:sp>
-      <p:sp>
-        <p:nvSpPr>
-          <p:cNvPr id="22" name="正方形/長方形 21">
-            <a:extLst>
-              <a:ext uri="{FF2B5EF4-FFF2-40B4-BE49-F238E27FC236}">
-                <a16:creationId xmlns:a16="http://schemas.microsoft.com/office/drawing/2014/main" id="{5D8FD5A1-1216-D5EF-FBA1-D2680DAA902E}"/>
-              </a:ext>
-            </a:extLst>
-          </p:cNvPr>
-          <p:cNvSpPr/>
-          <p:nvPr/>
-        </p:nvSpPr>
-        <p:spPr>
-          <a:xfrm>
-            <a:off x="6405770" y="2176384"/>
-            <a:ext cx="1989485" cy="715609"/>
-          </a:xfrm>
-          <a:prstGeom prst="rect">
-            <a:avLst/>
-          </a:prstGeom>
-          <a:noFill/>
-        </p:spPr>
-        <p:style>
-          <a:lnRef idx="2">
-            <a:schemeClr val="accent1">
-              <a:shade val="15000"/>
-            </a:schemeClr>
-          </a:lnRef>
-          <a:fillRef idx="1">
-            <a:schemeClr val="accent1"/>
-          </a:fillRef>
-          <a:effectRef idx="0">
-            <a:schemeClr val="accent1"/>
-          </a:effectRef>
-          <a:fontRef idx="minor">
-            <a:schemeClr val="lt1"/>
-          </a:fontRef>
-        </p:style>
-        <p:txBody>
-          <a:bodyPr rtlCol="0" anchor="ctr"/>
-          <a:lstStyle/>
-          <a:p>
-            <a:pPr algn="ctr"/>
-            <a:r>
-              <a:rPr kumimoji="1" lang="en-US" altLang="ja-JP" sz="1200" dirty="0">
-                <a:solidFill>
-                  <a:schemeClr val="tx1"/>
-                </a:solidFill>
-              </a:rPr>
-              <a:t>URL</a:t>
-            </a:r>
-            <a:r>
-              <a:rPr kumimoji="1" lang="ja-JP" altLang="en-US" sz="1200" dirty="0">
-                <a:solidFill>
-                  <a:schemeClr val="tx1"/>
-                </a:solidFill>
-              </a:rPr>
-              <a:t>から表示内容を確定</a:t>
-            </a:r>
-          </a:p>
-        </p:txBody>
-      </p:sp>
-      <p:sp>
-        <p:nvSpPr>
-          <p:cNvPr id="24" name="正方形/長方形 23">
-            <a:extLst>
-              <a:ext uri="{FF2B5EF4-FFF2-40B4-BE49-F238E27FC236}">
-                <a16:creationId xmlns:a16="http://schemas.microsoft.com/office/drawing/2014/main" id="{04D2C61C-B5C0-7E01-5752-619F824F3DEF}"/>
-              </a:ext>
-            </a:extLst>
-          </p:cNvPr>
-          <p:cNvSpPr/>
-          <p:nvPr/>
-        </p:nvSpPr>
-        <p:spPr>
-          <a:xfrm>
-            <a:off x="6405770" y="3860370"/>
-            <a:ext cx="1989485" cy="715609"/>
-          </a:xfrm>
-          <a:prstGeom prst="rect">
-            <a:avLst/>
-          </a:prstGeom>
-          <a:noFill/>
-        </p:spPr>
-        <p:style>
-          <a:lnRef idx="2">
-            <a:schemeClr val="accent1">
-              <a:shade val="15000"/>
-            </a:schemeClr>
-          </a:lnRef>
-          <a:fillRef idx="1">
-            <a:schemeClr val="accent1"/>
-          </a:fillRef>
-          <a:effectRef idx="0">
-            <a:schemeClr val="accent1"/>
-          </a:effectRef>
-          <a:fontRef idx="minor">
-            <a:schemeClr val="lt1"/>
-          </a:fontRef>
-        </p:style>
-        <p:txBody>
-          <a:bodyPr rtlCol="0" anchor="ctr"/>
-          <a:lstStyle/>
-          <a:p>
-            <a:pPr algn="ctr"/>
-            <a:r>
-              <a:rPr kumimoji="1" lang="ja-JP" altLang="en-US" sz="1200" dirty="0">
-                <a:solidFill>
-                  <a:schemeClr val="tx1"/>
-                </a:solidFill>
-              </a:rPr>
-              <a:t>画面構築</a:t>
-            </a:r>
-          </a:p>
-        </p:txBody>
-      </p:sp>
-      <p:cxnSp>
-        <p:nvCxnSpPr>
-          <p:cNvPr id="25" name="直線矢印コネクタ 24">
-            <a:extLst>
-              <a:ext uri="{FF2B5EF4-FFF2-40B4-BE49-F238E27FC236}">
-                <a16:creationId xmlns:a16="http://schemas.microsoft.com/office/drawing/2014/main" id="{D7B1CFE8-B714-50BE-FC93-AD0D96FFF535}"/>
-              </a:ext>
-            </a:extLst>
-          </p:cNvPr>
-          <p:cNvCxnSpPr>
-            <a:cxnSpLocks/>
-            <a:stCxn id="22" idx="2"/>
-            <a:endCxn id="24" idx="0"/>
-          </p:cNvCxnSpPr>
-          <p:nvPr/>
-        </p:nvCxnSpPr>
-        <p:spPr>
-          <a:xfrm>
-            <a:off x="7400513" y="2891993"/>
-            <a:ext cx="0" cy="968377"/>
-          </a:xfrm>
-          <a:prstGeom prst="straightConnector1">
-            <a:avLst/>
-          </a:prstGeom>
-          <a:ln>
-            <a:tailEnd type="triangle"/>
-          </a:ln>
-        </p:spPr>
-        <p:style>
-          <a:lnRef idx="2">
-            <a:schemeClr val="accent1"/>
-          </a:lnRef>
-          <a:fillRef idx="0">
-            <a:schemeClr val="accent1"/>
-          </a:fillRef>
-          <a:effectRef idx="1">
-            <a:schemeClr val="accent1"/>
-          </a:effectRef>
-          <a:fontRef idx="minor">
-            <a:schemeClr val="tx1"/>
-          </a:fontRef>
-        </p:style>
-      </p:cxnSp>
-      <p:cxnSp>
-        <p:nvCxnSpPr>
-          <p:cNvPr id="28" name="直線矢印コネクタ 27">
-            <a:extLst>
-              <a:ext uri="{FF2B5EF4-FFF2-40B4-BE49-F238E27FC236}">
-                <a16:creationId xmlns:a16="http://schemas.microsoft.com/office/drawing/2014/main" id="{350A5490-2AB6-A694-B463-EA6A203CBCB3}"/>
-              </a:ext>
-            </a:extLst>
-          </p:cNvPr>
-          <p:cNvCxnSpPr>
-            <a:cxnSpLocks/>
-            <a:stCxn id="24" idx="1"/>
-            <a:endCxn id="31" idx="3"/>
-          </p:cNvCxnSpPr>
-          <p:nvPr/>
-        </p:nvCxnSpPr>
-        <p:spPr>
-          <a:xfrm flipH="1">
-            <a:off x="4055165" y="4218175"/>
-            <a:ext cx="2350605" cy="1"/>
-          </a:xfrm>
-          <a:prstGeom prst="straightConnector1">
-            <a:avLst/>
-          </a:prstGeom>
-          <a:ln>
-            <a:tailEnd type="triangle"/>
-          </a:ln>
-        </p:spPr>
-        <p:style>
-          <a:lnRef idx="2">
-            <a:schemeClr val="accent1"/>
-          </a:lnRef>
-          <a:fillRef idx="0">
-            <a:schemeClr val="accent1"/>
-          </a:fillRef>
-          <a:effectRef idx="1">
-            <a:schemeClr val="accent1"/>
-          </a:effectRef>
-          <a:fontRef idx="minor">
-            <a:schemeClr val="tx1"/>
-          </a:fontRef>
-        </p:style>
-      </p:cxnSp>
-      <p:sp>
-        <p:nvSpPr>
-          <p:cNvPr id="31" name="正方形/長方形 30">
-            <a:extLst>
-              <a:ext uri="{FF2B5EF4-FFF2-40B4-BE49-F238E27FC236}">
-                <a16:creationId xmlns:a16="http://schemas.microsoft.com/office/drawing/2014/main" id="{CD4CBD29-CDCC-5459-79E1-2620CEB73053}"/>
-              </a:ext>
-            </a:extLst>
-          </p:cNvPr>
-          <p:cNvSpPr/>
-          <p:nvPr/>
-        </p:nvSpPr>
-        <p:spPr>
-          <a:xfrm>
-            <a:off x="2236304" y="3860371"/>
-            <a:ext cx="1818861" cy="715609"/>
-          </a:xfrm>
-          <a:prstGeom prst="rect">
-            <a:avLst/>
-          </a:prstGeom>
-          <a:noFill/>
-        </p:spPr>
-        <p:style>
-          <a:lnRef idx="2">
-            <a:schemeClr val="accent1">
-              <a:shade val="15000"/>
-            </a:schemeClr>
-          </a:lnRef>
-          <a:fillRef idx="1">
-            <a:schemeClr val="accent1"/>
-          </a:fillRef>
-          <a:effectRef idx="0">
-            <a:schemeClr val="accent1"/>
-          </a:effectRef>
-          <a:fontRef idx="minor">
-            <a:schemeClr val="lt1"/>
-          </a:fontRef>
-        </p:style>
-        <p:txBody>
-          <a:bodyPr rtlCol="0" anchor="ctr"/>
-          <a:lstStyle/>
-          <a:p>
-            <a:pPr algn="ctr"/>
-            <a:r>
-              <a:rPr kumimoji="1" lang="ja-JP" altLang="en-US" sz="1200" dirty="0">
-                <a:solidFill>
-                  <a:schemeClr val="tx1"/>
-                </a:solidFill>
-              </a:rPr>
-              <a:t>ブラウザで画面表示</a:t>
-            </a:r>
-          </a:p>
-        </p:txBody>
-      </p:sp>
-      <p:sp>
-        <p:nvSpPr>
-          <p:cNvPr id="37" name="テキスト ボックス 36">
-            <a:extLst>
-              <a:ext uri="{FF2B5EF4-FFF2-40B4-BE49-F238E27FC236}">
-                <a16:creationId xmlns:a16="http://schemas.microsoft.com/office/drawing/2014/main" id="{609C74A2-2A19-426A-E08D-57ADA2A7CF44}"/>
-              </a:ext>
-            </a:extLst>
-          </p:cNvPr>
-          <p:cNvSpPr txBox="1"/>
-          <p:nvPr/>
-        </p:nvSpPr>
-        <p:spPr>
-          <a:xfrm>
-            <a:off x="2375452" y="1461052"/>
-            <a:ext cx="877163" cy="369332"/>
-          </a:xfrm>
-          <a:prstGeom prst="rect">
-            <a:avLst/>
-          </a:prstGeom>
-          <a:noFill/>
-        </p:spPr>
-        <p:txBody>
-          <a:bodyPr wrap="none" rtlCol="0">
-            <a:spAutoFit/>
-          </a:bodyPr>
-          <a:lstStyle/>
-          <a:p>
-            <a:r>
-              <a:rPr kumimoji="1" lang="ja-JP" altLang="en-US" dirty="0"/>
-              <a:t>アプリ</a:t>
-            </a:r>
-          </a:p>
-        </p:txBody>
-      </p:sp>
-      <p:sp>
-        <p:nvSpPr>
-          <p:cNvPr id="39" name="テキスト ボックス 38">
-            <a:extLst>
-              <a:ext uri="{FF2B5EF4-FFF2-40B4-BE49-F238E27FC236}">
-                <a16:creationId xmlns:a16="http://schemas.microsoft.com/office/drawing/2014/main" id="{D2019330-ECAC-CD3F-6FBF-27AA004C5D9C}"/>
-              </a:ext>
-            </a:extLst>
-          </p:cNvPr>
-          <p:cNvSpPr txBox="1"/>
-          <p:nvPr/>
-        </p:nvSpPr>
-        <p:spPr>
-          <a:xfrm>
-            <a:off x="6831495" y="1449248"/>
-            <a:ext cx="1107996" cy="369332"/>
-          </a:xfrm>
-          <a:prstGeom prst="rect">
-            <a:avLst/>
-          </a:prstGeom>
-          <a:noFill/>
-        </p:spPr>
-        <p:txBody>
-          <a:bodyPr wrap="none" rtlCol="0">
-            <a:spAutoFit/>
-          </a:bodyPr>
-          <a:lstStyle/>
-          <a:p>
-            <a:r>
-              <a:rPr kumimoji="1" lang="ja-JP" altLang="en-US"/>
-              <a:t>サーバー</a:t>
-            </a:r>
-            <a:endParaRPr kumimoji="1" lang="ja-JP" altLang="en-US" dirty="0"/>
-          </a:p>
-        </p:txBody>
-      </p:sp>
-    </p:spTree>
-    <p:extLst>
-      <p:ext uri="{BB962C8B-B14F-4D97-AF65-F5344CB8AC3E}">
-        <p14:creationId xmlns:p14="http://schemas.microsoft.com/office/powerpoint/2010/main" val="799319328"/>
       </p:ext>
     </p:extLst>
   </p:cSld>
@@ -21968,6 +21576,674 @@
     <p:extLst>
       <p:ext uri="{BB962C8B-B14F-4D97-AF65-F5344CB8AC3E}">
         <p14:creationId xmlns:p14="http://schemas.microsoft.com/office/powerpoint/2010/main" val="1570879808"/>
+      </p:ext>
+    </p:extLst>
+  </p:cSld>
+  <p:clrMapOvr>
+    <a:masterClrMapping/>
+  </p:clrMapOvr>
+</p:sld>
+</file>
+
+<file path=ppt/slides/slide60.xml><?xml version="1.0" encoding="utf-8"?>
+<p:sld xmlns:a="http://schemas.openxmlformats.org/drawingml/2006/main" xmlns:r="http://schemas.openxmlformats.org/officeDocument/2006/relationships" xmlns:p="http://schemas.openxmlformats.org/presentationml/2006/main">
+  <p:cSld>
+    <p:spTree>
+      <p:nvGrpSpPr>
+        <p:cNvPr id="1" name="">
+          <a:extLst>
+            <a:ext uri="{FF2B5EF4-FFF2-40B4-BE49-F238E27FC236}">
+              <a16:creationId xmlns:a16="http://schemas.microsoft.com/office/drawing/2014/main" id="{06A085EA-EE5A-3995-B30E-35F2DAE51B91}"/>
+            </a:ext>
+          </a:extLst>
+        </p:cNvPr>
+        <p:cNvGrpSpPr/>
+        <p:nvPr/>
+      </p:nvGrpSpPr>
+      <p:grpSpPr>
+        <a:xfrm>
+          <a:off x="0" y="0"/>
+          <a:ext cx="0" cy="0"/>
+          <a:chOff x="0" y="0"/>
+          <a:chExt cx="0" cy="0"/>
+        </a:xfrm>
+      </p:grpSpPr>
+      <p:cxnSp>
+        <p:nvCxnSpPr>
+          <p:cNvPr id="4" name="直線コネクタ 3">
+            <a:extLst>
+              <a:ext uri="{FF2B5EF4-FFF2-40B4-BE49-F238E27FC236}">
+                <a16:creationId xmlns:a16="http://schemas.microsoft.com/office/drawing/2014/main" id="{445B4D18-9214-71EA-A3B5-B1EFF566DC38}"/>
+              </a:ext>
+            </a:extLst>
+          </p:cNvPr>
+          <p:cNvCxnSpPr/>
+          <p:nvPr/>
+        </p:nvCxnSpPr>
+        <p:spPr>
+          <a:xfrm>
+            <a:off x="228600" y="755374"/>
+            <a:ext cx="11936896" cy="0"/>
+          </a:xfrm>
+          <a:prstGeom prst="line">
+            <a:avLst/>
+          </a:prstGeom>
+        </p:spPr>
+        <p:style>
+          <a:lnRef idx="2">
+            <a:schemeClr val="accent1"/>
+          </a:lnRef>
+          <a:fillRef idx="0">
+            <a:schemeClr val="accent1"/>
+          </a:fillRef>
+          <a:effectRef idx="1">
+            <a:schemeClr val="accent1"/>
+          </a:effectRef>
+          <a:fontRef idx="minor">
+            <a:schemeClr val="tx1"/>
+          </a:fontRef>
+        </p:style>
+      </p:cxnSp>
+      <p:sp>
+        <p:nvSpPr>
+          <p:cNvPr id="5" name="テキスト ボックス 4">
+            <a:extLst>
+              <a:ext uri="{FF2B5EF4-FFF2-40B4-BE49-F238E27FC236}">
+                <a16:creationId xmlns:a16="http://schemas.microsoft.com/office/drawing/2014/main" id="{72E1903D-28AC-1AA9-1B85-9A04AE681026}"/>
+              </a:ext>
+            </a:extLst>
+          </p:cNvPr>
+          <p:cNvSpPr txBox="1"/>
+          <p:nvPr/>
+        </p:nvSpPr>
+        <p:spPr>
+          <a:xfrm>
+            <a:off x="407504" y="198783"/>
+            <a:ext cx="4899992" cy="369332"/>
+          </a:xfrm>
+          <a:prstGeom prst="rect">
+            <a:avLst/>
+          </a:prstGeom>
+          <a:noFill/>
+        </p:spPr>
+        <p:txBody>
+          <a:bodyPr wrap="square" rtlCol="0">
+            <a:spAutoFit/>
+          </a:bodyPr>
+          <a:lstStyle/>
+          <a:p>
+            <a:r>
+              <a:rPr kumimoji="1" lang="ja-JP" altLang="en-US" dirty="0"/>
+              <a:t>アプリケーションとシステムの連携</a:t>
+            </a:r>
+          </a:p>
+        </p:txBody>
+      </p:sp>
+      <p:sp>
+        <p:nvSpPr>
+          <p:cNvPr id="3" name="正方形/長方形 2">
+            <a:extLst>
+              <a:ext uri="{FF2B5EF4-FFF2-40B4-BE49-F238E27FC236}">
+                <a16:creationId xmlns:a16="http://schemas.microsoft.com/office/drawing/2014/main" id="{3719DAAD-586F-673C-D658-7955ECB95287}"/>
+              </a:ext>
+            </a:extLst>
+          </p:cNvPr>
+          <p:cNvSpPr/>
+          <p:nvPr/>
+        </p:nvSpPr>
+        <p:spPr>
+          <a:xfrm>
+            <a:off x="2236304" y="2176392"/>
+            <a:ext cx="1818861" cy="715609"/>
+          </a:xfrm>
+          <a:prstGeom prst="rect">
+            <a:avLst/>
+          </a:prstGeom>
+          <a:noFill/>
+        </p:spPr>
+        <p:style>
+          <a:lnRef idx="2">
+            <a:schemeClr val="accent1">
+              <a:shade val="15000"/>
+            </a:schemeClr>
+          </a:lnRef>
+          <a:fillRef idx="1">
+            <a:schemeClr val="accent1"/>
+          </a:fillRef>
+          <a:effectRef idx="0">
+            <a:schemeClr val="accent1"/>
+          </a:effectRef>
+          <a:fontRef idx="minor">
+            <a:schemeClr val="lt1"/>
+          </a:fontRef>
+        </p:style>
+        <p:txBody>
+          <a:bodyPr rtlCol="0" anchor="ctr"/>
+          <a:lstStyle/>
+          <a:p>
+            <a:pPr algn="ctr"/>
+            <a:r>
+              <a:rPr kumimoji="1" lang="en-US" altLang="ja-JP" sz="1200" dirty="0">
+                <a:solidFill>
+                  <a:schemeClr val="tx1"/>
+                </a:solidFill>
+              </a:rPr>
+              <a:t>QR</a:t>
+            </a:r>
+            <a:r>
+              <a:rPr kumimoji="1" lang="ja-JP" altLang="en-US" sz="1200" dirty="0">
+                <a:solidFill>
+                  <a:schemeClr val="tx1"/>
+                </a:solidFill>
+              </a:rPr>
+              <a:t>リーダー</a:t>
+            </a:r>
+          </a:p>
+        </p:txBody>
+      </p:sp>
+      <p:pic>
+        <p:nvPicPr>
+          <p:cNvPr id="7" name="Picture 2" descr="QRコード作成【ずっと無料・無制限】／QRのススメ">
+            <a:extLst>
+              <a:ext uri="{FF2B5EF4-FFF2-40B4-BE49-F238E27FC236}">
+                <a16:creationId xmlns:a16="http://schemas.microsoft.com/office/drawing/2014/main" id="{2AF49899-83AF-13D4-E81F-C08D0295D230}"/>
+              </a:ext>
+            </a:extLst>
+          </p:cNvPr>
+          <p:cNvPicPr>
+            <a:picLocks noChangeAspect="1" noChangeArrowheads="1"/>
+          </p:cNvPicPr>
+          <p:nvPr/>
+        </p:nvPicPr>
+        <p:blipFill>
+          <a:blip r:embed="rId2">
+            <a:extLst>
+              <a:ext uri="{28A0092B-C50C-407E-A947-70E740481C1C}">
+                <a14:useLocalDpi xmlns:a14="http://schemas.microsoft.com/office/drawing/2010/main" val="0"/>
+              </a:ext>
+            </a:extLst>
+          </a:blip>
+          <a:srcRect/>
+          <a:stretch>
+            <a:fillRect/>
+          </a:stretch>
+        </p:blipFill>
+        <p:spPr bwMode="auto">
+          <a:xfrm>
+            <a:off x="920287" y="2186601"/>
+            <a:ext cx="749487" cy="705400"/>
+          </a:xfrm>
+          <a:prstGeom prst="rect">
+            <a:avLst/>
+          </a:prstGeom>
+          <a:noFill/>
+          <a:extLst>
+            <a:ext uri="{909E8E84-426E-40DD-AFC4-6F175D3DCCD1}">
+              <a14:hiddenFill xmlns:a14="http://schemas.microsoft.com/office/drawing/2010/main">
+                <a:solidFill>
+                  <a:srgbClr val="FFFFFF"/>
+                </a:solidFill>
+              </a14:hiddenFill>
+            </a:ext>
+          </a:extLst>
+        </p:spPr>
+      </p:pic>
+      <p:cxnSp>
+        <p:nvCxnSpPr>
+          <p:cNvPr id="9" name="直線矢印コネクタ 8">
+            <a:extLst>
+              <a:ext uri="{FF2B5EF4-FFF2-40B4-BE49-F238E27FC236}">
+                <a16:creationId xmlns:a16="http://schemas.microsoft.com/office/drawing/2014/main" id="{F190876D-C9FD-5149-4074-E4C48B80FE3D}"/>
+              </a:ext>
+            </a:extLst>
+          </p:cNvPr>
+          <p:cNvCxnSpPr>
+            <a:stCxn id="7" idx="3"/>
+            <a:endCxn id="3" idx="1"/>
+          </p:cNvCxnSpPr>
+          <p:nvPr/>
+        </p:nvCxnSpPr>
+        <p:spPr>
+          <a:xfrm flipV="1">
+            <a:off x="1669774" y="2534197"/>
+            <a:ext cx="566530" cy="5104"/>
+          </a:xfrm>
+          <a:prstGeom prst="straightConnector1">
+            <a:avLst/>
+          </a:prstGeom>
+          <a:ln>
+            <a:tailEnd type="triangle"/>
+          </a:ln>
+        </p:spPr>
+        <p:style>
+          <a:lnRef idx="2">
+            <a:schemeClr val="accent1"/>
+          </a:lnRef>
+          <a:fillRef idx="0">
+            <a:schemeClr val="accent1"/>
+          </a:fillRef>
+          <a:effectRef idx="1">
+            <a:schemeClr val="accent1"/>
+          </a:effectRef>
+          <a:fontRef idx="minor">
+            <a:schemeClr val="tx1"/>
+          </a:fontRef>
+        </p:style>
+      </p:cxnSp>
+      <p:cxnSp>
+        <p:nvCxnSpPr>
+          <p:cNvPr id="17" name="直線矢印コネクタ 16">
+            <a:extLst>
+              <a:ext uri="{FF2B5EF4-FFF2-40B4-BE49-F238E27FC236}">
+                <a16:creationId xmlns:a16="http://schemas.microsoft.com/office/drawing/2014/main" id="{7E0DF062-9394-EA37-7F4D-1DEB1F3390FE}"/>
+              </a:ext>
+            </a:extLst>
+          </p:cNvPr>
+          <p:cNvCxnSpPr>
+            <a:cxnSpLocks/>
+            <a:stCxn id="3" idx="3"/>
+            <a:endCxn id="22" idx="1"/>
+          </p:cNvCxnSpPr>
+          <p:nvPr/>
+        </p:nvCxnSpPr>
+        <p:spPr>
+          <a:xfrm flipV="1">
+            <a:off x="4055165" y="2534189"/>
+            <a:ext cx="2350605" cy="8"/>
+          </a:xfrm>
+          <a:prstGeom prst="straightConnector1">
+            <a:avLst/>
+          </a:prstGeom>
+          <a:ln>
+            <a:tailEnd type="triangle"/>
+          </a:ln>
+        </p:spPr>
+        <p:style>
+          <a:lnRef idx="2">
+            <a:schemeClr val="accent1"/>
+          </a:lnRef>
+          <a:fillRef idx="0">
+            <a:schemeClr val="accent1"/>
+          </a:fillRef>
+          <a:effectRef idx="1">
+            <a:schemeClr val="accent1"/>
+          </a:effectRef>
+          <a:fontRef idx="minor">
+            <a:schemeClr val="tx1"/>
+          </a:fontRef>
+        </p:style>
+      </p:cxnSp>
+      <p:sp>
+        <p:nvSpPr>
+          <p:cNvPr id="20" name="テキスト ボックス 19">
+            <a:extLst>
+              <a:ext uri="{FF2B5EF4-FFF2-40B4-BE49-F238E27FC236}">
+                <a16:creationId xmlns:a16="http://schemas.microsoft.com/office/drawing/2014/main" id="{352FD92A-ED86-42F7-DB2B-91229B9EBB91}"/>
+              </a:ext>
+            </a:extLst>
+          </p:cNvPr>
+          <p:cNvSpPr txBox="1"/>
+          <p:nvPr/>
+        </p:nvSpPr>
+        <p:spPr>
+          <a:xfrm>
+            <a:off x="4055165" y="2186601"/>
+            <a:ext cx="1107996" cy="369332"/>
+          </a:xfrm>
+          <a:prstGeom prst="rect">
+            <a:avLst/>
+          </a:prstGeom>
+          <a:noFill/>
+        </p:spPr>
+        <p:txBody>
+          <a:bodyPr wrap="none" rtlCol="0">
+            <a:spAutoFit/>
+          </a:bodyPr>
+          <a:lstStyle/>
+          <a:p>
+            <a:r>
+              <a:rPr lang="en-US" altLang="ja-JP" dirty="0"/>
+              <a:t>URL</a:t>
+            </a:r>
+            <a:r>
+              <a:rPr lang="ja-JP" altLang="en-US" dirty="0"/>
+              <a:t>通知</a:t>
+            </a:r>
+            <a:endParaRPr kumimoji="1" lang="ja-JP" altLang="en-US" dirty="0"/>
+          </a:p>
+        </p:txBody>
+      </p:sp>
+      <p:sp>
+        <p:nvSpPr>
+          <p:cNvPr id="22" name="正方形/長方形 21">
+            <a:extLst>
+              <a:ext uri="{FF2B5EF4-FFF2-40B4-BE49-F238E27FC236}">
+                <a16:creationId xmlns:a16="http://schemas.microsoft.com/office/drawing/2014/main" id="{5D8FD5A1-1216-D5EF-FBA1-D2680DAA902E}"/>
+              </a:ext>
+            </a:extLst>
+          </p:cNvPr>
+          <p:cNvSpPr/>
+          <p:nvPr/>
+        </p:nvSpPr>
+        <p:spPr>
+          <a:xfrm>
+            <a:off x="6405770" y="2176384"/>
+            <a:ext cx="1989485" cy="715609"/>
+          </a:xfrm>
+          <a:prstGeom prst="rect">
+            <a:avLst/>
+          </a:prstGeom>
+          <a:noFill/>
+        </p:spPr>
+        <p:style>
+          <a:lnRef idx="2">
+            <a:schemeClr val="accent1">
+              <a:shade val="15000"/>
+            </a:schemeClr>
+          </a:lnRef>
+          <a:fillRef idx="1">
+            <a:schemeClr val="accent1"/>
+          </a:fillRef>
+          <a:effectRef idx="0">
+            <a:schemeClr val="accent1"/>
+          </a:effectRef>
+          <a:fontRef idx="minor">
+            <a:schemeClr val="lt1"/>
+          </a:fontRef>
+        </p:style>
+        <p:txBody>
+          <a:bodyPr rtlCol="0" anchor="ctr"/>
+          <a:lstStyle/>
+          <a:p>
+            <a:pPr algn="ctr"/>
+            <a:r>
+              <a:rPr kumimoji="1" lang="en-US" altLang="ja-JP" sz="1200" dirty="0">
+                <a:solidFill>
+                  <a:schemeClr val="tx1"/>
+                </a:solidFill>
+              </a:rPr>
+              <a:t>URL</a:t>
+            </a:r>
+            <a:r>
+              <a:rPr kumimoji="1" lang="ja-JP" altLang="en-US" sz="1200" dirty="0">
+                <a:solidFill>
+                  <a:schemeClr val="tx1"/>
+                </a:solidFill>
+              </a:rPr>
+              <a:t>から表示内容を確定</a:t>
+            </a:r>
+          </a:p>
+        </p:txBody>
+      </p:sp>
+      <p:sp>
+        <p:nvSpPr>
+          <p:cNvPr id="24" name="正方形/長方形 23">
+            <a:extLst>
+              <a:ext uri="{FF2B5EF4-FFF2-40B4-BE49-F238E27FC236}">
+                <a16:creationId xmlns:a16="http://schemas.microsoft.com/office/drawing/2014/main" id="{04D2C61C-B5C0-7E01-5752-619F824F3DEF}"/>
+              </a:ext>
+            </a:extLst>
+          </p:cNvPr>
+          <p:cNvSpPr/>
+          <p:nvPr/>
+        </p:nvSpPr>
+        <p:spPr>
+          <a:xfrm>
+            <a:off x="6405770" y="3860370"/>
+            <a:ext cx="1989485" cy="715609"/>
+          </a:xfrm>
+          <a:prstGeom prst="rect">
+            <a:avLst/>
+          </a:prstGeom>
+          <a:noFill/>
+        </p:spPr>
+        <p:style>
+          <a:lnRef idx="2">
+            <a:schemeClr val="accent1">
+              <a:shade val="15000"/>
+            </a:schemeClr>
+          </a:lnRef>
+          <a:fillRef idx="1">
+            <a:schemeClr val="accent1"/>
+          </a:fillRef>
+          <a:effectRef idx="0">
+            <a:schemeClr val="accent1"/>
+          </a:effectRef>
+          <a:fontRef idx="minor">
+            <a:schemeClr val="lt1"/>
+          </a:fontRef>
+        </p:style>
+        <p:txBody>
+          <a:bodyPr rtlCol="0" anchor="ctr"/>
+          <a:lstStyle/>
+          <a:p>
+            <a:pPr algn="ctr"/>
+            <a:r>
+              <a:rPr kumimoji="1" lang="ja-JP" altLang="en-US" sz="1200" dirty="0">
+                <a:solidFill>
+                  <a:schemeClr val="tx1"/>
+                </a:solidFill>
+              </a:rPr>
+              <a:t>画面構築</a:t>
+            </a:r>
+          </a:p>
+        </p:txBody>
+      </p:sp>
+      <p:cxnSp>
+        <p:nvCxnSpPr>
+          <p:cNvPr id="25" name="直線矢印コネクタ 24">
+            <a:extLst>
+              <a:ext uri="{FF2B5EF4-FFF2-40B4-BE49-F238E27FC236}">
+                <a16:creationId xmlns:a16="http://schemas.microsoft.com/office/drawing/2014/main" id="{D7B1CFE8-B714-50BE-FC93-AD0D96FFF535}"/>
+              </a:ext>
+            </a:extLst>
+          </p:cNvPr>
+          <p:cNvCxnSpPr>
+            <a:cxnSpLocks/>
+            <a:stCxn id="22" idx="2"/>
+            <a:endCxn id="24" idx="0"/>
+          </p:cNvCxnSpPr>
+          <p:nvPr/>
+        </p:nvCxnSpPr>
+        <p:spPr>
+          <a:xfrm>
+            <a:off x="7400513" y="2891993"/>
+            <a:ext cx="0" cy="968377"/>
+          </a:xfrm>
+          <a:prstGeom prst="straightConnector1">
+            <a:avLst/>
+          </a:prstGeom>
+          <a:ln>
+            <a:tailEnd type="triangle"/>
+          </a:ln>
+        </p:spPr>
+        <p:style>
+          <a:lnRef idx="2">
+            <a:schemeClr val="accent1"/>
+          </a:lnRef>
+          <a:fillRef idx="0">
+            <a:schemeClr val="accent1"/>
+          </a:fillRef>
+          <a:effectRef idx="1">
+            <a:schemeClr val="accent1"/>
+          </a:effectRef>
+          <a:fontRef idx="minor">
+            <a:schemeClr val="tx1"/>
+          </a:fontRef>
+        </p:style>
+      </p:cxnSp>
+      <p:cxnSp>
+        <p:nvCxnSpPr>
+          <p:cNvPr id="28" name="直線矢印コネクタ 27">
+            <a:extLst>
+              <a:ext uri="{FF2B5EF4-FFF2-40B4-BE49-F238E27FC236}">
+                <a16:creationId xmlns:a16="http://schemas.microsoft.com/office/drawing/2014/main" id="{350A5490-2AB6-A694-B463-EA6A203CBCB3}"/>
+              </a:ext>
+            </a:extLst>
+          </p:cNvPr>
+          <p:cNvCxnSpPr>
+            <a:cxnSpLocks/>
+            <a:stCxn id="24" idx="1"/>
+            <a:endCxn id="31" idx="3"/>
+          </p:cNvCxnSpPr>
+          <p:nvPr/>
+        </p:nvCxnSpPr>
+        <p:spPr>
+          <a:xfrm flipH="1">
+            <a:off x="4055165" y="4218175"/>
+            <a:ext cx="2350605" cy="1"/>
+          </a:xfrm>
+          <a:prstGeom prst="straightConnector1">
+            <a:avLst/>
+          </a:prstGeom>
+          <a:ln>
+            <a:tailEnd type="triangle"/>
+          </a:ln>
+        </p:spPr>
+        <p:style>
+          <a:lnRef idx="2">
+            <a:schemeClr val="accent1"/>
+          </a:lnRef>
+          <a:fillRef idx="0">
+            <a:schemeClr val="accent1"/>
+          </a:fillRef>
+          <a:effectRef idx="1">
+            <a:schemeClr val="accent1"/>
+          </a:effectRef>
+          <a:fontRef idx="minor">
+            <a:schemeClr val="tx1"/>
+          </a:fontRef>
+        </p:style>
+      </p:cxnSp>
+      <p:sp>
+        <p:nvSpPr>
+          <p:cNvPr id="31" name="正方形/長方形 30">
+            <a:extLst>
+              <a:ext uri="{FF2B5EF4-FFF2-40B4-BE49-F238E27FC236}">
+                <a16:creationId xmlns:a16="http://schemas.microsoft.com/office/drawing/2014/main" id="{CD4CBD29-CDCC-5459-79E1-2620CEB73053}"/>
+              </a:ext>
+            </a:extLst>
+          </p:cNvPr>
+          <p:cNvSpPr/>
+          <p:nvPr/>
+        </p:nvSpPr>
+        <p:spPr>
+          <a:xfrm>
+            <a:off x="2236304" y="3860371"/>
+            <a:ext cx="1818861" cy="715609"/>
+          </a:xfrm>
+          <a:prstGeom prst="rect">
+            <a:avLst/>
+          </a:prstGeom>
+          <a:noFill/>
+        </p:spPr>
+        <p:style>
+          <a:lnRef idx="2">
+            <a:schemeClr val="accent1">
+              <a:shade val="15000"/>
+            </a:schemeClr>
+          </a:lnRef>
+          <a:fillRef idx="1">
+            <a:schemeClr val="accent1"/>
+          </a:fillRef>
+          <a:effectRef idx="0">
+            <a:schemeClr val="accent1"/>
+          </a:effectRef>
+          <a:fontRef idx="minor">
+            <a:schemeClr val="lt1"/>
+          </a:fontRef>
+        </p:style>
+        <p:txBody>
+          <a:bodyPr rtlCol="0" anchor="ctr"/>
+          <a:lstStyle/>
+          <a:p>
+            <a:pPr algn="ctr"/>
+            <a:r>
+              <a:rPr kumimoji="1" lang="ja-JP" altLang="en-US" sz="1200" dirty="0">
+                <a:solidFill>
+                  <a:schemeClr val="tx1"/>
+                </a:solidFill>
+              </a:rPr>
+              <a:t>ブラウザで画面表示</a:t>
+            </a:r>
+          </a:p>
+        </p:txBody>
+      </p:sp>
+      <p:sp>
+        <p:nvSpPr>
+          <p:cNvPr id="37" name="テキスト ボックス 36">
+            <a:extLst>
+              <a:ext uri="{FF2B5EF4-FFF2-40B4-BE49-F238E27FC236}">
+                <a16:creationId xmlns:a16="http://schemas.microsoft.com/office/drawing/2014/main" id="{609C74A2-2A19-426A-E08D-57ADA2A7CF44}"/>
+              </a:ext>
+            </a:extLst>
+          </p:cNvPr>
+          <p:cNvSpPr txBox="1"/>
+          <p:nvPr/>
+        </p:nvSpPr>
+        <p:spPr>
+          <a:xfrm>
+            <a:off x="2375452" y="1461052"/>
+            <a:ext cx="877163" cy="369332"/>
+          </a:xfrm>
+          <a:prstGeom prst="rect">
+            <a:avLst/>
+          </a:prstGeom>
+          <a:noFill/>
+        </p:spPr>
+        <p:txBody>
+          <a:bodyPr wrap="none" rtlCol="0">
+            <a:spAutoFit/>
+          </a:bodyPr>
+          <a:lstStyle/>
+          <a:p>
+            <a:r>
+              <a:rPr kumimoji="1" lang="ja-JP" altLang="en-US" dirty="0"/>
+              <a:t>アプリ</a:t>
+            </a:r>
+          </a:p>
+        </p:txBody>
+      </p:sp>
+      <p:sp>
+        <p:nvSpPr>
+          <p:cNvPr id="39" name="テキスト ボックス 38">
+            <a:extLst>
+              <a:ext uri="{FF2B5EF4-FFF2-40B4-BE49-F238E27FC236}">
+                <a16:creationId xmlns:a16="http://schemas.microsoft.com/office/drawing/2014/main" id="{D2019330-ECAC-CD3F-6FBF-27AA004C5D9C}"/>
+              </a:ext>
+            </a:extLst>
+          </p:cNvPr>
+          <p:cNvSpPr txBox="1"/>
+          <p:nvPr/>
+        </p:nvSpPr>
+        <p:spPr>
+          <a:xfrm>
+            <a:off x="6831495" y="1449248"/>
+            <a:ext cx="1107996" cy="369332"/>
+          </a:xfrm>
+          <a:prstGeom prst="rect">
+            <a:avLst/>
+          </a:prstGeom>
+          <a:noFill/>
+        </p:spPr>
+        <p:txBody>
+          <a:bodyPr wrap="none" rtlCol="0">
+            <a:spAutoFit/>
+          </a:bodyPr>
+          <a:lstStyle/>
+          <a:p>
+            <a:r>
+              <a:rPr kumimoji="1" lang="ja-JP" altLang="en-US"/>
+              <a:t>サーバー</a:t>
+            </a:r>
+            <a:endParaRPr kumimoji="1" lang="ja-JP" altLang="en-US" dirty="0"/>
+          </a:p>
+        </p:txBody>
+      </p:sp>
+    </p:spTree>
+    <p:extLst>
+      <p:ext uri="{BB962C8B-B14F-4D97-AF65-F5344CB8AC3E}">
+        <p14:creationId xmlns:p14="http://schemas.microsoft.com/office/powerpoint/2010/main" val="799319328"/>
       </p:ext>
     </p:extLst>
   </p:cSld>

--- a/展示物アプリ仕様.pptx
+++ b/展示物アプリ仕様.pptx
@@ -50,21 +50,24 @@
     <p:sldId id="329" r:id="rId44"/>
     <p:sldId id="335" r:id="rId45"/>
     <p:sldId id="336" r:id="rId46"/>
-    <p:sldId id="321" r:id="rId47"/>
-    <p:sldId id="326" r:id="rId48"/>
-    <p:sldId id="327" r:id="rId49"/>
-    <p:sldId id="302" r:id="rId50"/>
-    <p:sldId id="268" r:id="rId51"/>
-    <p:sldId id="273" r:id="rId52"/>
-    <p:sldId id="276" r:id="rId53"/>
-    <p:sldId id="277" r:id="rId54"/>
-    <p:sldId id="284" r:id="rId55"/>
-    <p:sldId id="278" r:id="rId56"/>
-    <p:sldId id="279" r:id="rId57"/>
-    <p:sldId id="280" r:id="rId58"/>
-    <p:sldId id="281" r:id="rId59"/>
-    <p:sldId id="282" r:id="rId60"/>
-    <p:sldId id="283" r:id="rId61"/>
+    <p:sldId id="337" r:id="rId47"/>
+    <p:sldId id="338" r:id="rId48"/>
+    <p:sldId id="339" r:id="rId49"/>
+    <p:sldId id="321" r:id="rId50"/>
+    <p:sldId id="326" r:id="rId51"/>
+    <p:sldId id="327" r:id="rId52"/>
+    <p:sldId id="302" r:id="rId53"/>
+    <p:sldId id="268" r:id="rId54"/>
+    <p:sldId id="273" r:id="rId55"/>
+    <p:sldId id="276" r:id="rId56"/>
+    <p:sldId id="277" r:id="rId57"/>
+    <p:sldId id="284" r:id="rId58"/>
+    <p:sldId id="278" r:id="rId59"/>
+    <p:sldId id="279" r:id="rId60"/>
+    <p:sldId id="280" r:id="rId61"/>
+    <p:sldId id="281" r:id="rId62"/>
+    <p:sldId id="282" r:id="rId63"/>
+    <p:sldId id="283" r:id="rId64"/>
   </p:sldIdLst>
   <p:sldSz cx="12192000" cy="6858000"/>
   <p:notesSz cx="7099300" cy="10234613"/>
@@ -318,7 +321,7 @@
           <a:p>
             <a:fld id="{082150A6-655A-40A4-943B-9A709E30A878}" type="datetimeFigureOut">
               <a:rPr kumimoji="1" lang="ja-JP" altLang="en-US" smtClean="0"/>
-              <a:t>2026/2/9</a:t>
+              <a:t>2026/2/10</a:t>
             </a:fld>
             <a:endParaRPr kumimoji="1" lang="ja-JP" altLang="en-US"/>
           </a:p>
@@ -548,7 +551,7 @@
           <a:p>
             <a:fld id="{082150A6-655A-40A4-943B-9A709E30A878}" type="datetimeFigureOut">
               <a:rPr kumimoji="1" lang="ja-JP" altLang="en-US" smtClean="0"/>
-              <a:t>2026/2/9</a:t>
+              <a:t>2026/2/10</a:t>
             </a:fld>
             <a:endParaRPr kumimoji="1" lang="ja-JP" altLang="en-US"/>
           </a:p>
@@ -788,7 +791,7 @@
           <a:p>
             <a:fld id="{082150A6-655A-40A4-943B-9A709E30A878}" type="datetimeFigureOut">
               <a:rPr kumimoji="1" lang="ja-JP" altLang="en-US" smtClean="0"/>
-              <a:t>2026/2/9</a:t>
+              <a:t>2026/2/10</a:t>
             </a:fld>
             <a:endParaRPr kumimoji="1" lang="ja-JP" altLang="en-US"/>
           </a:p>
@@ -1018,7 +1021,7 @@
           <a:p>
             <a:fld id="{082150A6-655A-40A4-943B-9A709E30A878}" type="datetimeFigureOut">
               <a:rPr kumimoji="1" lang="ja-JP" altLang="en-US" smtClean="0"/>
-              <a:t>2026/2/9</a:t>
+              <a:t>2026/2/10</a:t>
             </a:fld>
             <a:endParaRPr kumimoji="1" lang="ja-JP" altLang="en-US"/>
           </a:p>
@@ -1293,7 +1296,7 @@
           <a:p>
             <a:fld id="{082150A6-655A-40A4-943B-9A709E30A878}" type="datetimeFigureOut">
               <a:rPr kumimoji="1" lang="ja-JP" altLang="en-US" smtClean="0"/>
-              <a:t>2026/2/9</a:t>
+              <a:t>2026/2/10</a:t>
             </a:fld>
             <a:endParaRPr kumimoji="1" lang="ja-JP" altLang="en-US"/>
           </a:p>
@@ -1622,7 +1625,7 @@
           <a:p>
             <a:fld id="{082150A6-655A-40A4-943B-9A709E30A878}" type="datetimeFigureOut">
               <a:rPr kumimoji="1" lang="ja-JP" altLang="en-US" smtClean="0"/>
-              <a:t>2026/2/9</a:t>
+              <a:t>2026/2/10</a:t>
             </a:fld>
             <a:endParaRPr kumimoji="1" lang="ja-JP" altLang="en-US"/>
           </a:p>
@@ -2098,7 +2101,7 @@
           <a:p>
             <a:fld id="{082150A6-655A-40A4-943B-9A709E30A878}" type="datetimeFigureOut">
               <a:rPr kumimoji="1" lang="ja-JP" altLang="en-US" smtClean="0"/>
-              <a:t>2026/2/9</a:t>
+              <a:t>2026/2/10</a:t>
             </a:fld>
             <a:endParaRPr kumimoji="1" lang="ja-JP" altLang="en-US"/>
           </a:p>
@@ -2239,7 +2242,7 @@
           <a:p>
             <a:fld id="{082150A6-655A-40A4-943B-9A709E30A878}" type="datetimeFigureOut">
               <a:rPr kumimoji="1" lang="ja-JP" altLang="en-US" smtClean="0"/>
-              <a:t>2026/2/9</a:t>
+              <a:t>2026/2/10</a:t>
             </a:fld>
             <a:endParaRPr kumimoji="1" lang="ja-JP" altLang="en-US"/>
           </a:p>
@@ -2352,7 +2355,7 @@
           <a:p>
             <a:fld id="{082150A6-655A-40A4-943B-9A709E30A878}" type="datetimeFigureOut">
               <a:rPr kumimoji="1" lang="ja-JP" altLang="en-US" smtClean="0"/>
-              <a:t>2026/2/9</a:t>
+              <a:t>2026/2/10</a:t>
             </a:fld>
             <a:endParaRPr kumimoji="1" lang="ja-JP" altLang="en-US"/>
           </a:p>
@@ -2695,7 +2698,7 @@
           <a:p>
             <a:fld id="{082150A6-655A-40A4-943B-9A709E30A878}" type="datetimeFigureOut">
               <a:rPr kumimoji="1" lang="ja-JP" altLang="en-US" smtClean="0"/>
-              <a:t>2026/2/9</a:t>
+              <a:t>2026/2/10</a:t>
             </a:fld>
             <a:endParaRPr kumimoji="1" lang="ja-JP" altLang="en-US"/>
           </a:p>
@@ -2983,7 +2986,7 @@
           <a:p>
             <a:fld id="{082150A6-655A-40A4-943B-9A709E30A878}" type="datetimeFigureOut">
               <a:rPr kumimoji="1" lang="ja-JP" altLang="en-US" smtClean="0"/>
-              <a:t>2026/2/9</a:t>
+              <a:t>2026/2/10</a:t>
             </a:fld>
             <a:endParaRPr kumimoji="1" lang="ja-JP" altLang="en-US"/>
           </a:p>
@@ -3256,7 +3259,7 @@
           <a:p>
             <a:fld id="{082150A6-655A-40A4-943B-9A709E30A878}" type="datetimeFigureOut">
               <a:rPr kumimoji="1" lang="ja-JP" altLang="en-US" smtClean="0"/>
-              <a:t>2026/2/9</a:t>
+              <a:t>2026/2/10</a:t>
             </a:fld>
             <a:endParaRPr kumimoji="1" lang="ja-JP" altLang="en-US"/>
           </a:p>
@@ -12749,7 +12752,13 @@
   <p:cSld>
     <p:spTree>
       <p:nvGrpSpPr>
-        <p:cNvPr id="1" name=""/>
+        <p:cNvPr id="1" name="">
+          <a:extLst>
+            <a:ext uri="{FF2B5EF4-FFF2-40B4-BE49-F238E27FC236}">
+              <a16:creationId xmlns:a16="http://schemas.microsoft.com/office/drawing/2014/main" id="{AA5871A9-A057-7463-E225-B11875A6A4E3}"/>
+            </a:ext>
+          </a:extLst>
+        </p:cNvPr>
         <p:cNvGrpSpPr/>
         <p:nvPr/>
       </p:nvGrpSpPr>
@@ -12761,60 +12770,253 @@
           <a:chExt cx="0" cy="0"/>
         </a:xfrm>
       </p:grpSpPr>
-      <p:sp>
-        <p:nvSpPr>
-          <p:cNvPr id="2" name="タイトル 1">
-            <a:extLst>
-              <a:ext uri="{FF2B5EF4-FFF2-40B4-BE49-F238E27FC236}">
-                <a16:creationId xmlns:a16="http://schemas.microsoft.com/office/drawing/2014/main" id="{3C2C01AD-3387-2005-B8C4-00A58FE6D25A}"/>
-              </a:ext>
-            </a:extLst>
-          </p:cNvPr>
-          <p:cNvSpPr>
-            <a:spLocks noGrp="1"/>
-          </p:cNvSpPr>
-          <p:nvPr>
-            <p:ph type="title"/>
-          </p:nvPr>
-        </p:nvSpPr>
-        <p:spPr/>
-        <p:txBody>
-          <a:bodyPr/>
-          <a:lstStyle/>
-          <a:p>
-            <a:endParaRPr kumimoji="1" lang="ja-JP" altLang="en-US"/>
-          </a:p>
-        </p:txBody>
-      </p:sp>
-      <p:sp>
-        <p:nvSpPr>
-          <p:cNvPr id="3" name="コンテンツ プレースホルダー 2">
-            <a:extLst>
-              <a:ext uri="{FF2B5EF4-FFF2-40B4-BE49-F238E27FC236}">
-                <a16:creationId xmlns:a16="http://schemas.microsoft.com/office/drawing/2014/main" id="{941EF71E-6139-E2DF-A54B-E310C7715330}"/>
-              </a:ext>
-            </a:extLst>
-          </p:cNvPr>
-          <p:cNvSpPr>
-            <a:spLocks noGrp="1"/>
-          </p:cNvSpPr>
-          <p:nvPr>
-            <p:ph idx="1"/>
-          </p:nvPr>
-        </p:nvSpPr>
-        <p:spPr/>
-        <p:txBody>
-          <a:bodyPr/>
-          <a:lstStyle/>
-          <a:p>
-            <a:endParaRPr kumimoji="1" lang="ja-JP" altLang="en-US"/>
+      <p:cxnSp>
+        <p:nvCxnSpPr>
+          <p:cNvPr id="4" name="直線コネクタ 3">
+            <a:extLst>
+              <a:ext uri="{FF2B5EF4-FFF2-40B4-BE49-F238E27FC236}">
+                <a16:creationId xmlns:a16="http://schemas.microsoft.com/office/drawing/2014/main" id="{A1BFECD2-DE03-4830-6273-F51FA706DC02}"/>
+              </a:ext>
+            </a:extLst>
+          </p:cNvPr>
+          <p:cNvCxnSpPr/>
+          <p:nvPr/>
+        </p:nvCxnSpPr>
+        <p:spPr>
+          <a:xfrm>
+            <a:off x="228600" y="755374"/>
+            <a:ext cx="11936896" cy="0"/>
+          </a:xfrm>
+          <a:prstGeom prst="line">
+            <a:avLst/>
+          </a:prstGeom>
+        </p:spPr>
+        <p:style>
+          <a:lnRef idx="2">
+            <a:schemeClr val="accent1"/>
+          </a:lnRef>
+          <a:fillRef idx="0">
+            <a:schemeClr val="accent1"/>
+          </a:fillRef>
+          <a:effectRef idx="1">
+            <a:schemeClr val="accent1"/>
+          </a:effectRef>
+          <a:fontRef idx="minor">
+            <a:schemeClr val="tx1"/>
+          </a:fontRef>
+        </p:style>
+      </p:cxnSp>
+      <p:sp>
+        <p:nvSpPr>
+          <p:cNvPr id="5" name="テキスト ボックス 4">
+            <a:extLst>
+              <a:ext uri="{FF2B5EF4-FFF2-40B4-BE49-F238E27FC236}">
+                <a16:creationId xmlns:a16="http://schemas.microsoft.com/office/drawing/2014/main" id="{EFDC2C59-2227-9A57-F9B0-D221146AA2D2}"/>
+              </a:ext>
+            </a:extLst>
+          </p:cNvPr>
+          <p:cNvSpPr txBox="1"/>
+          <p:nvPr/>
+        </p:nvSpPr>
+        <p:spPr>
+          <a:xfrm>
+            <a:off x="407503" y="198783"/>
+            <a:ext cx="11449879" cy="369332"/>
+          </a:xfrm>
+          <a:prstGeom prst="rect">
+            <a:avLst/>
+          </a:prstGeom>
+          <a:noFill/>
+        </p:spPr>
+        <p:txBody>
+          <a:bodyPr wrap="square" rtlCol="0">
+            <a:spAutoFit/>
+          </a:bodyPr>
+          <a:lstStyle/>
+          <a:p>
+            <a:r>
+              <a:rPr kumimoji="1" lang="ja-JP" altLang="en-US" dirty="0"/>
+              <a:t>アプリケーション：博物館トップ→博物館情報</a:t>
+            </a:r>
+          </a:p>
+        </p:txBody>
+      </p:sp>
+      <p:pic>
+        <p:nvPicPr>
+          <p:cNvPr id="3" name="図 2">
+            <a:extLst>
+              <a:ext uri="{FF2B5EF4-FFF2-40B4-BE49-F238E27FC236}">
+                <a16:creationId xmlns:a16="http://schemas.microsoft.com/office/drawing/2014/main" id="{7AB7B804-655B-BE24-50D8-D55717BECE73}"/>
+              </a:ext>
+            </a:extLst>
+          </p:cNvPr>
+          <p:cNvPicPr>
+            <a:picLocks noChangeAspect="1"/>
+          </p:cNvPicPr>
+          <p:nvPr/>
+        </p:nvPicPr>
+        <p:blipFill>
+          <a:blip r:embed="rId2"/>
+          <a:stretch>
+            <a:fillRect/>
+          </a:stretch>
+        </p:blipFill>
+        <p:spPr>
+          <a:xfrm>
+            <a:off x="1500809" y="838896"/>
+            <a:ext cx="4362982" cy="5647248"/>
+          </a:xfrm>
+          <a:prstGeom prst="rect">
+            <a:avLst/>
+          </a:prstGeom>
+        </p:spPr>
+      </p:pic>
+      <p:sp>
+        <p:nvSpPr>
+          <p:cNvPr id="7" name="楕円 6">
+            <a:extLst>
+              <a:ext uri="{FF2B5EF4-FFF2-40B4-BE49-F238E27FC236}">
+                <a16:creationId xmlns:a16="http://schemas.microsoft.com/office/drawing/2014/main" id="{1BD7A1EB-6DCC-F6F4-FABF-F1A7D4E4C0F8}"/>
+              </a:ext>
+            </a:extLst>
+          </p:cNvPr>
+          <p:cNvSpPr/>
+          <p:nvPr/>
+        </p:nvSpPr>
+        <p:spPr>
+          <a:xfrm>
+            <a:off x="5237922" y="838896"/>
+            <a:ext cx="625869" cy="363738"/>
+          </a:xfrm>
+          <a:prstGeom prst="ellipse">
+            <a:avLst/>
+          </a:prstGeom>
+          <a:noFill/>
+          <a:ln>
+            <a:solidFill>
+              <a:srgbClr val="FF0000"/>
+            </a:solidFill>
+          </a:ln>
+        </p:spPr>
+        <p:style>
+          <a:lnRef idx="2">
+            <a:schemeClr val="accent1">
+              <a:shade val="15000"/>
+            </a:schemeClr>
+          </a:lnRef>
+          <a:fillRef idx="1">
+            <a:schemeClr val="accent1"/>
+          </a:fillRef>
+          <a:effectRef idx="0">
+            <a:schemeClr val="accent1"/>
+          </a:effectRef>
+          <a:fontRef idx="minor">
+            <a:schemeClr val="lt1"/>
+          </a:fontRef>
+        </p:style>
+        <p:txBody>
+          <a:bodyPr rtlCol="0" anchor="ctr"/>
+          <a:lstStyle/>
+          <a:p>
+            <a:pPr algn="ctr"/>
+            <a:endParaRPr kumimoji="1" lang="ja-JP" altLang="en-US" sz="1200" dirty="0">
+              <a:solidFill>
+                <a:schemeClr val="tx1"/>
+              </a:solidFill>
+            </a:endParaRPr>
+          </a:p>
+        </p:txBody>
+      </p:sp>
+      <p:pic>
+        <p:nvPicPr>
+          <p:cNvPr id="9" name="図 8">
+            <a:extLst>
+              <a:ext uri="{FF2B5EF4-FFF2-40B4-BE49-F238E27FC236}">
+                <a16:creationId xmlns:a16="http://schemas.microsoft.com/office/drawing/2014/main" id="{87996F18-CFDA-8102-93DA-739AC1F716A3}"/>
+              </a:ext>
+            </a:extLst>
+          </p:cNvPr>
+          <p:cNvPicPr>
+            <a:picLocks noChangeAspect="1"/>
+          </p:cNvPicPr>
+          <p:nvPr/>
+        </p:nvPicPr>
+        <p:blipFill>
+          <a:blip r:embed="rId3"/>
+          <a:stretch>
+            <a:fillRect/>
+          </a:stretch>
+        </p:blipFill>
+        <p:spPr>
+          <a:xfrm>
+            <a:off x="7105924" y="1057573"/>
+            <a:ext cx="4380952" cy="5428571"/>
+          </a:xfrm>
+          <a:prstGeom prst="rect">
+            <a:avLst/>
+          </a:prstGeom>
+        </p:spPr>
+      </p:pic>
+      <p:sp>
+        <p:nvSpPr>
+          <p:cNvPr id="10" name="矢印: 右 9">
+            <a:extLst>
+              <a:ext uri="{FF2B5EF4-FFF2-40B4-BE49-F238E27FC236}">
+                <a16:creationId xmlns:a16="http://schemas.microsoft.com/office/drawing/2014/main" id="{E6A1CF07-9963-CF6B-C89F-3E80D23A817E}"/>
+              </a:ext>
+            </a:extLst>
+          </p:cNvPr>
+          <p:cNvSpPr/>
+          <p:nvPr/>
+        </p:nvSpPr>
+        <p:spPr>
+          <a:xfrm>
+            <a:off x="6094322" y="859738"/>
+            <a:ext cx="452230" cy="715614"/>
+          </a:xfrm>
+          <a:prstGeom prst="rightArrow">
+            <a:avLst/>
+          </a:prstGeom>
+          <a:noFill/>
+          <a:ln>
+            <a:solidFill>
+              <a:schemeClr val="tx1"/>
+            </a:solidFill>
+          </a:ln>
+        </p:spPr>
+        <p:style>
+          <a:lnRef idx="2">
+            <a:schemeClr val="accent1">
+              <a:shade val="15000"/>
+            </a:schemeClr>
+          </a:lnRef>
+          <a:fillRef idx="1">
+            <a:schemeClr val="accent1"/>
+          </a:fillRef>
+          <a:effectRef idx="0">
+            <a:schemeClr val="accent1"/>
+          </a:effectRef>
+          <a:fontRef idx="minor">
+            <a:schemeClr val="lt1"/>
+          </a:fontRef>
+        </p:style>
+        <p:txBody>
+          <a:bodyPr rtlCol="0" anchor="ctr"/>
+          <a:lstStyle/>
+          <a:p>
+            <a:pPr algn="ctr"/>
+            <a:endParaRPr kumimoji="1" lang="ja-JP" altLang="en-US" sz="1200" dirty="0">
+              <a:solidFill>
+                <a:schemeClr val="tx1"/>
+              </a:solidFill>
+            </a:endParaRPr>
           </a:p>
         </p:txBody>
       </p:sp>
     </p:spTree>
     <p:extLst>
       <p:ext uri="{BB962C8B-B14F-4D97-AF65-F5344CB8AC3E}">
-        <p14:creationId xmlns:p14="http://schemas.microsoft.com/office/powerpoint/2010/main" val="3225395119"/>
+        <p14:creationId xmlns:p14="http://schemas.microsoft.com/office/powerpoint/2010/main" val="3653428031"/>
       </p:ext>
     </p:extLst>
   </p:cSld>
@@ -12832,7 +13034,7 @@
         <p:cNvPr id="1" name="">
           <a:extLst>
             <a:ext uri="{FF2B5EF4-FFF2-40B4-BE49-F238E27FC236}">
-              <a16:creationId xmlns:a16="http://schemas.microsoft.com/office/drawing/2014/main" id="{91AB037F-9221-13C5-9B9A-693FC1B8FF1F}"/>
+              <a16:creationId xmlns:a16="http://schemas.microsoft.com/office/drawing/2014/main" id="{EE41F342-51A9-CE3C-6EAB-9772E104463A}"/>
             </a:ext>
           </a:extLst>
         </p:cNvPr>
@@ -12847,60 +13049,253 @@
           <a:chExt cx="0" cy="0"/>
         </a:xfrm>
       </p:grpSpPr>
-      <p:sp>
-        <p:nvSpPr>
-          <p:cNvPr id="2" name="タイトル 1">
-            <a:extLst>
-              <a:ext uri="{FF2B5EF4-FFF2-40B4-BE49-F238E27FC236}">
-                <a16:creationId xmlns:a16="http://schemas.microsoft.com/office/drawing/2014/main" id="{6FED87BD-3BA3-760F-9DE0-55256B1D8E3F}"/>
-              </a:ext>
-            </a:extLst>
-          </p:cNvPr>
-          <p:cNvSpPr>
-            <a:spLocks noGrp="1"/>
-          </p:cNvSpPr>
-          <p:nvPr>
-            <p:ph type="title"/>
-          </p:nvPr>
-        </p:nvSpPr>
-        <p:spPr/>
-        <p:txBody>
-          <a:bodyPr/>
-          <a:lstStyle/>
-          <a:p>
-            <a:endParaRPr kumimoji="1" lang="ja-JP" altLang="en-US"/>
-          </a:p>
-        </p:txBody>
-      </p:sp>
-      <p:sp>
-        <p:nvSpPr>
-          <p:cNvPr id="3" name="コンテンツ プレースホルダー 2">
-            <a:extLst>
-              <a:ext uri="{FF2B5EF4-FFF2-40B4-BE49-F238E27FC236}">
-                <a16:creationId xmlns:a16="http://schemas.microsoft.com/office/drawing/2014/main" id="{1B13CC73-AC18-E008-D9BC-DEF72D6A2826}"/>
-              </a:ext>
-            </a:extLst>
-          </p:cNvPr>
-          <p:cNvSpPr>
-            <a:spLocks noGrp="1"/>
-          </p:cNvSpPr>
-          <p:nvPr>
-            <p:ph idx="1"/>
-          </p:nvPr>
-        </p:nvSpPr>
-        <p:spPr/>
-        <p:txBody>
-          <a:bodyPr/>
-          <a:lstStyle/>
-          <a:p>
-            <a:endParaRPr kumimoji="1" lang="ja-JP" altLang="en-US"/>
-          </a:p>
-        </p:txBody>
-      </p:sp>
+      <p:cxnSp>
+        <p:nvCxnSpPr>
+          <p:cNvPr id="4" name="直線コネクタ 3">
+            <a:extLst>
+              <a:ext uri="{FF2B5EF4-FFF2-40B4-BE49-F238E27FC236}">
+                <a16:creationId xmlns:a16="http://schemas.microsoft.com/office/drawing/2014/main" id="{1EC6228A-0121-FC07-B789-0C65533230F9}"/>
+              </a:ext>
+            </a:extLst>
+          </p:cNvPr>
+          <p:cNvCxnSpPr/>
+          <p:nvPr/>
+        </p:nvCxnSpPr>
+        <p:spPr>
+          <a:xfrm>
+            <a:off x="228600" y="755374"/>
+            <a:ext cx="11936896" cy="0"/>
+          </a:xfrm>
+          <a:prstGeom prst="line">
+            <a:avLst/>
+          </a:prstGeom>
+        </p:spPr>
+        <p:style>
+          <a:lnRef idx="2">
+            <a:schemeClr val="accent1"/>
+          </a:lnRef>
+          <a:fillRef idx="0">
+            <a:schemeClr val="accent1"/>
+          </a:fillRef>
+          <a:effectRef idx="1">
+            <a:schemeClr val="accent1"/>
+          </a:effectRef>
+          <a:fontRef idx="minor">
+            <a:schemeClr val="tx1"/>
+          </a:fontRef>
+        </p:style>
+      </p:cxnSp>
+      <p:sp>
+        <p:nvSpPr>
+          <p:cNvPr id="5" name="テキスト ボックス 4">
+            <a:extLst>
+              <a:ext uri="{FF2B5EF4-FFF2-40B4-BE49-F238E27FC236}">
+                <a16:creationId xmlns:a16="http://schemas.microsoft.com/office/drawing/2014/main" id="{144EF42F-65C8-2480-C5C4-56A8D232D669}"/>
+              </a:ext>
+            </a:extLst>
+          </p:cNvPr>
+          <p:cNvSpPr txBox="1"/>
+          <p:nvPr/>
+        </p:nvSpPr>
+        <p:spPr>
+          <a:xfrm>
+            <a:off x="407503" y="198783"/>
+            <a:ext cx="11449879" cy="369332"/>
+          </a:xfrm>
+          <a:prstGeom prst="rect">
+            <a:avLst/>
+          </a:prstGeom>
+          <a:noFill/>
+        </p:spPr>
+        <p:txBody>
+          <a:bodyPr wrap="square" rtlCol="0">
+            <a:spAutoFit/>
+          </a:bodyPr>
+          <a:lstStyle/>
+          <a:p>
+            <a:r>
+              <a:rPr kumimoji="1" lang="ja-JP" altLang="en-US" dirty="0"/>
+              <a:t>アプリケーション：博物館トップ→展示物選択</a:t>
+            </a:r>
+          </a:p>
+        </p:txBody>
+      </p:sp>
+      <p:pic>
+        <p:nvPicPr>
+          <p:cNvPr id="3" name="図 2">
+            <a:extLst>
+              <a:ext uri="{FF2B5EF4-FFF2-40B4-BE49-F238E27FC236}">
+                <a16:creationId xmlns:a16="http://schemas.microsoft.com/office/drawing/2014/main" id="{0F1C8209-AE9A-A898-A43C-97009203A338}"/>
+              </a:ext>
+            </a:extLst>
+          </p:cNvPr>
+          <p:cNvPicPr>
+            <a:picLocks noChangeAspect="1"/>
+          </p:cNvPicPr>
+          <p:nvPr/>
+        </p:nvPicPr>
+        <p:blipFill>
+          <a:blip r:embed="rId2"/>
+          <a:stretch>
+            <a:fillRect/>
+          </a:stretch>
+        </p:blipFill>
+        <p:spPr>
+          <a:xfrm>
+            <a:off x="1500809" y="838896"/>
+            <a:ext cx="4362982" cy="5647248"/>
+          </a:xfrm>
+          <a:prstGeom prst="rect">
+            <a:avLst/>
+          </a:prstGeom>
+        </p:spPr>
+      </p:pic>
+      <p:sp>
+        <p:nvSpPr>
+          <p:cNvPr id="7" name="楕円 6">
+            <a:extLst>
+              <a:ext uri="{FF2B5EF4-FFF2-40B4-BE49-F238E27FC236}">
+                <a16:creationId xmlns:a16="http://schemas.microsoft.com/office/drawing/2014/main" id="{46D1F6D7-C24A-7B79-E8C3-E3907466631B}"/>
+              </a:ext>
+            </a:extLst>
+          </p:cNvPr>
+          <p:cNvSpPr/>
+          <p:nvPr/>
+        </p:nvSpPr>
+        <p:spPr>
+          <a:xfrm>
+            <a:off x="1580322" y="1669774"/>
+            <a:ext cx="3081130" cy="725556"/>
+          </a:xfrm>
+          <a:prstGeom prst="ellipse">
+            <a:avLst/>
+          </a:prstGeom>
+          <a:noFill/>
+          <a:ln>
+            <a:solidFill>
+              <a:srgbClr val="FF0000"/>
+            </a:solidFill>
+          </a:ln>
+        </p:spPr>
+        <p:style>
+          <a:lnRef idx="2">
+            <a:schemeClr val="accent1">
+              <a:shade val="15000"/>
+            </a:schemeClr>
+          </a:lnRef>
+          <a:fillRef idx="1">
+            <a:schemeClr val="accent1"/>
+          </a:fillRef>
+          <a:effectRef idx="0">
+            <a:schemeClr val="accent1"/>
+          </a:effectRef>
+          <a:fontRef idx="minor">
+            <a:schemeClr val="lt1"/>
+          </a:fontRef>
+        </p:style>
+        <p:txBody>
+          <a:bodyPr rtlCol="0" anchor="ctr"/>
+          <a:lstStyle/>
+          <a:p>
+            <a:pPr algn="ctr"/>
+            <a:endParaRPr kumimoji="1" lang="ja-JP" altLang="en-US" sz="1200" dirty="0">
+              <a:solidFill>
+                <a:schemeClr val="tx1"/>
+              </a:solidFill>
+            </a:endParaRPr>
+          </a:p>
+        </p:txBody>
+      </p:sp>
+      <p:sp>
+        <p:nvSpPr>
+          <p:cNvPr id="10" name="矢印: 右 9">
+            <a:extLst>
+              <a:ext uri="{FF2B5EF4-FFF2-40B4-BE49-F238E27FC236}">
+                <a16:creationId xmlns:a16="http://schemas.microsoft.com/office/drawing/2014/main" id="{6AB584E0-2C7B-EC18-4E48-AFAED8639176}"/>
+              </a:ext>
+            </a:extLst>
+          </p:cNvPr>
+          <p:cNvSpPr/>
+          <p:nvPr/>
+        </p:nvSpPr>
+        <p:spPr>
+          <a:xfrm>
+            <a:off x="6094322" y="859738"/>
+            <a:ext cx="452230" cy="715614"/>
+          </a:xfrm>
+          <a:prstGeom prst="rightArrow">
+            <a:avLst/>
+          </a:prstGeom>
+          <a:noFill/>
+          <a:ln>
+            <a:solidFill>
+              <a:schemeClr val="tx1"/>
+            </a:solidFill>
+          </a:ln>
+        </p:spPr>
+        <p:style>
+          <a:lnRef idx="2">
+            <a:schemeClr val="accent1">
+              <a:shade val="15000"/>
+            </a:schemeClr>
+          </a:lnRef>
+          <a:fillRef idx="1">
+            <a:schemeClr val="accent1"/>
+          </a:fillRef>
+          <a:effectRef idx="0">
+            <a:schemeClr val="accent1"/>
+          </a:effectRef>
+          <a:fontRef idx="minor">
+            <a:schemeClr val="lt1"/>
+          </a:fontRef>
+        </p:style>
+        <p:txBody>
+          <a:bodyPr rtlCol="0" anchor="ctr"/>
+          <a:lstStyle/>
+          <a:p>
+            <a:pPr algn="ctr"/>
+            <a:endParaRPr kumimoji="1" lang="ja-JP" altLang="en-US" sz="1200" dirty="0">
+              <a:solidFill>
+                <a:schemeClr val="tx1"/>
+              </a:solidFill>
+            </a:endParaRPr>
+          </a:p>
+        </p:txBody>
+      </p:sp>
+      <p:pic>
+        <p:nvPicPr>
+          <p:cNvPr id="6" name="図 5">
+            <a:extLst>
+              <a:ext uri="{FF2B5EF4-FFF2-40B4-BE49-F238E27FC236}">
+                <a16:creationId xmlns:a16="http://schemas.microsoft.com/office/drawing/2014/main" id="{8605DB9A-CC48-CA8C-90EC-44166C12B81A}"/>
+              </a:ext>
+            </a:extLst>
+          </p:cNvPr>
+          <p:cNvPicPr>
+            <a:picLocks noChangeAspect="1"/>
+          </p:cNvPicPr>
+          <p:nvPr/>
+        </p:nvPicPr>
+        <p:blipFill>
+          <a:blip r:embed="rId3"/>
+          <a:stretch>
+            <a:fillRect/>
+          </a:stretch>
+        </p:blipFill>
+        <p:spPr>
+          <a:xfrm>
+            <a:off x="7384775" y="655641"/>
+            <a:ext cx="4008438" cy="6202358"/>
+          </a:xfrm>
+          <a:prstGeom prst="rect">
+            <a:avLst/>
+          </a:prstGeom>
+        </p:spPr>
+      </p:pic>
     </p:spTree>
     <p:extLst>
       <p:ext uri="{BB962C8B-B14F-4D97-AF65-F5344CB8AC3E}">
-        <p14:creationId xmlns:p14="http://schemas.microsoft.com/office/powerpoint/2010/main" val="1376480988"/>
+        <p14:creationId xmlns:p14="http://schemas.microsoft.com/office/powerpoint/2010/main" val="1297029802"/>
       </p:ext>
     </p:extLst>
   </p:cSld>
@@ -12918,7 +13313,7 @@
         <p:cNvPr id="1" name="">
           <a:extLst>
             <a:ext uri="{FF2B5EF4-FFF2-40B4-BE49-F238E27FC236}">
-              <a16:creationId xmlns:a16="http://schemas.microsoft.com/office/drawing/2014/main" id="{BE61A229-D110-66BE-C027-285367C8008E}"/>
+              <a16:creationId xmlns:a16="http://schemas.microsoft.com/office/drawing/2014/main" id="{B46E6A68-F530-7FAD-ACBA-EA86564D8A57}"/>
             </a:ext>
           </a:extLst>
         </p:cNvPr>
@@ -12933,60 +13328,423 @@
           <a:chExt cx="0" cy="0"/>
         </a:xfrm>
       </p:grpSpPr>
-      <p:sp>
-        <p:nvSpPr>
-          <p:cNvPr id="2" name="タイトル 1">
-            <a:extLst>
-              <a:ext uri="{FF2B5EF4-FFF2-40B4-BE49-F238E27FC236}">
-                <a16:creationId xmlns:a16="http://schemas.microsoft.com/office/drawing/2014/main" id="{19247574-D7D6-34BB-4BFE-A1D0581A95B7}"/>
-              </a:ext>
-            </a:extLst>
-          </p:cNvPr>
-          <p:cNvSpPr>
-            <a:spLocks noGrp="1"/>
-          </p:cNvSpPr>
-          <p:nvPr>
-            <p:ph type="title"/>
-          </p:nvPr>
-        </p:nvSpPr>
-        <p:spPr/>
-        <p:txBody>
-          <a:bodyPr/>
-          <a:lstStyle/>
-          <a:p>
-            <a:endParaRPr kumimoji="1" lang="ja-JP" altLang="en-US"/>
-          </a:p>
-        </p:txBody>
-      </p:sp>
-      <p:sp>
-        <p:nvSpPr>
-          <p:cNvPr id="3" name="コンテンツ プレースホルダー 2">
-            <a:extLst>
-              <a:ext uri="{FF2B5EF4-FFF2-40B4-BE49-F238E27FC236}">
-                <a16:creationId xmlns:a16="http://schemas.microsoft.com/office/drawing/2014/main" id="{11C4761D-21AC-C222-BACD-15AE2F49DB0F}"/>
-              </a:ext>
-            </a:extLst>
-          </p:cNvPr>
-          <p:cNvSpPr>
-            <a:spLocks noGrp="1"/>
-          </p:cNvSpPr>
-          <p:nvPr>
-            <p:ph idx="1"/>
-          </p:nvPr>
-        </p:nvSpPr>
-        <p:spPr/>
-        <p:txBody>
-          <a:bodyPr/>
-          <a:lstStyle/>
-          <a:p>
-            <a:endParaRPr kumimoji="1" lang="ja-JP" altLang="en-US"/>
+      <p:cxnSp>
+        <p:nvCxnSpPr>
+          <p:cNvPr id="4" name="直線コネクタ 3">
+            <a:extLst>
+              <a:ext uri="{FF2B5EF4-FFF2-40B4-BE49-F238E27FC236}">
+                <a16:creationId xmlns:a16="http://schemas.microsoft.com/office/drawing/2014/main" id="{1B4B29F2-D90B-D61E-5E67-DBAF1F22BC57}"/>
+              </a:ext>
+            </a:extLst>
+          </p:cNvPr>
+          <p:cNvCxnSpPr/>
+          <p:nvPr/>
+        </p:nvCxnSpPr>
+        <p:spPr>
+          <a:xfrm>
+            <a:off x="228600" y="755374"/>
+            <a:ext cx="11936896" cy="0"/>
+          </a:xfrm>
+          <a:prstGeom prst="line">
+            <a:avLst/>
+          </a:prstGeom>
+        </p:spPr>
+        <p:style>
+          <a:lnRef idx="2">
+            <a:schemeClr val="accent1"/>
+          </a:lnRef>
+          <a:fillRef idx="0">
+            <a:schemeClr val="accent1"/>
+          </a:fillRef>
+          <a:effectRef idx="1">
+            <a:schemeClr val="accent1"/>
+          </a:effectRef>
+          <a:fontRef idx="minor">
+            <a:schemeClr val="tx1"/>
+          </a:fontRef>
+        </p:style>
+      </p:cxnSp>
+      <p:sp>
+        <p:nvSpPr>
+          <p:cNvPr id="5" name="テキスト ボックス 4">
+            <a:extLst>
+              <a:ext uri="{FF2B5EF4-FFF2-40B4-BE49-F238E27FC236}">
+                <a16:creationId xmlns:a16="http://schemas.microsoft.com/office/drawing/2014/main" id="{7EAF923A-63D3-09DF-62F0-2CE27342898C}"/>
+              </a:ext>
+            </a:extLst>
+          </p:cNvPr>
+          <p:cNvSpPr txBox="1"/>
+          <p:nvPr/>
+        </p:nvSpPr>
+        <p:spPr>
+          <a:xfrm>
+            <a:off x="407503" y="198783"/>
+            <a:ext cx="11449879" cy="369332"/>
+          </a:xfrm>
+          <a:prstGeom prst="rect">
+            <a:avLst/>
+          </a:prstGeom>
+          <a:noFill/>
+        </p:spPr>
+        <p:txBody>
+          <a:bodyPr wrap="square" rtlCol="0">
+            <a:spAutoFit/>
+          </a:bodyPr>
+          <a:lstStyle/>
+          <a:p>
+            <a:r>
+              <a:rPr kumimoji="1" lang="ja-JP" altLang="en-US" dirty="0"/>
+              <a:t>アプリケーション：展示物表示</a:t>
+            </a:r>
+          </a:p>
+        </p:txBody>
+      </p:sp>
+      <p:pic>
+        <p:nvPicPr>
+          <p:cNvPr id="6" name="図 5">
+            <a:extLst>
+              <a:ext uri="{FF2B5EF4-FFF2-40B4-BE49-F238E27FC236}">
+                <a16:creationId xmlns:a16="http://schemas.microsoft.com/office/drawing/2014/main" id="{32DCBFFD-BE38-8E47-86B4-BC5FE753EC35}"/>
+              </a:ext>
+            </a:extLst>
+          </p:cNvPr>
+          <p:cNvPicPr>
+            <a:picLocks noChangeAspect="1"/>
+          </p:cNvPicPr>
+          <p:nvPr/>
+        </p:nvPicPr>
+        <p:blipFill>
+          <a:blip r:embed="rId2"/>
+          <a:stretch>
+            <a:fillRect/>
+          </a:stretch>
+        </p:blipFill>
+        <p:spPr>
+          <a:xfrm>
+            <a:off x="4203403" y="1053548"/>
+            <a:ext cx="3622812" cy="5605669"/>
+          </a:xfrm>
+          <a:prstGeom prst="rect">
+            <a:avLst/>
+          </a:prstGeom>
+        </p:spPr>
+      </p:pic>
+      <p:sp>
+        <p:nvSpPr>
+          <p:cNvPr id="7" name="楕円 6">
+            <a:extLst>
+              <a:ext uri="{FF2B5EF4-FFF2-40B4-BE49-F238E27FC236}">
+                <a16:creationId xmlns:a16="http://schemas.microsoft.com/office/drawing/2014/main" id="{4DC6F838-41A9-9EF5-77FD-5A8A024A308B}"/>
+              </a:ext>
+            </a:extLst>
+          </p:cNvPr>
+          <p:cNvSpPr/>
+          <p:nvPr/>
+        </p:nvSpPr>
+        <p:spPr>
+          <a:xfrm>
+            <a:off x="4871809" y="3642690"/>
+            <a:ext cx="1143000" cy="427383"/>
+          </a:xfrm>
+          <a:prstGeom prst="ellipse">
+            <a:avLst/>
+          </a:prstGeom>
+          <a:noFill/>
+          <a:ln>
+            <a:solidFill>
+              <a:srgbClr val="FF0000"/>
+            </a:solidFill>
+          </a:ln>
+        </p:spPr>
+        <p:style>
+          <a:lnRef idx="2">
+            <a:schemeClr val="accent1">
+              <a:shade val="15000"/>
+            </a:schemeClr>
+          </a:lnRef>
+          <a:fillRef idx="1">
+            <a:schemeClr val="accent1"/>
+          </a:fillRef>
+          <a:effectRef idx="0">
+            <a:schemeClr val="accent1"/>
+          </a:effectRef>
+          <a:fontRef idx="minor">
+            <a:schemeClr val="lt1"/>
+          </a:fontRef>
+        </p:style>
+        <p:txBody>
+          <a:bodyPr rtlCol="0" anchor="ctr"/>
+          <a:lstStyle/>
+          <a:p>
+            <a:pPr algn="ctr"/>
+            <a:endParaRPr kumimoji="1" lang="ja-JP" altLang="en-US" sz="1200" dirty="0">
+              <a:solidFill>
+                <a:schemeClr val="tx1"/>
+              </a:solidFill>
+            </a:endParaRPr>
+          </a:p>
+        </p:txBody>
+      </p:sp>
+      <p:sp>
+        <p:nvSpPr>
+          <p:cNvPr id="2" name="吹き出し: 四角形 1">
+            <a:extLst>
+              <a:ext uri="{FF2B5EF4-FFF2-40B4-BE49-F238E27FC236}">
+                <a16:creationId xmlns:a16="http://schemas.microsoft.com/office/drawing/2014/main" id="{C6E1EE47-BEF1-E463-296B-035F02CA4D29}"/>
+              </a:ext>
+            </a:extLst>
+          </p:cNvPr>
+          <p:cNvSpPr/>
+          <p:nvPr/>
+        </p:nvSpPr>
+        <p:spPr>
+          <a:xfrm>
+            <a:off x="2027583" y="3185492"/>
+            <a:ext cx="1540566" cy="487015"/>
+          </a:xfrm>
+          <a:prstGeom prst="wedgeRectCallout">
+            <a:avLst>
+              <a:gd name="adj1" fmla="val 115122"/>
+              <a:gd name="adj2" fmla="val 85990"/>
+            </a:avLst>
+          </a:prstGeom>
+          <a:noFill/>
+          <a:ln>
+            <a:solidFill>
+              <a:schemeClr val="tx1"/>
+            </a:solidFill>
+          </a:ln>
+        </p:spPr>
+        <p:style>
+          <a:lnRef idx="2">
+            <a:schemeClr val="accent1">
+              <a:shade val="15000"/>
+            </a:schemeClr>
+          </a:lnRef>
+          <a:fillRef idx="1">
+            <a:schemeClr val="accent1"/>
+          </a:fillRef>
+          <a:effectRef idx="0">
+            <a:schemeClr val="accent1"/>
+          </a:effectRef>
+          <a:fontRef idx="minor">
+            <a:schemeClr val="lt1"/>
+          </a:fontRef>
+        </p:style>
+        <p:txBody>
+          <a:bodyPr rtlCol="0" anchor="ctr"/>
+          <a:lstStyle/>
+          <a:p>
+            <a:pPr algn="ctr"/>
+            <a:r>
+              <a:rPr kumimoji="1" lang="ja-JP" altLang="en-US" sz="1200" dirty="0">
+                <a:solidFill>
+                  <a:schemeClr val="tx1"/>
+                </a:solidFill>
+              </a:rPr>
+              <a:t>言語選択</a:t>
+            </a:r>
+          </a:p>
+        </p:txBody>
+      </p:sp>
+      <p:sp>
+        <p:nvSpPr>
+          <p:cNvPr id="8" name="吹き出し: 四角形 7">
+            <a:extLst>
+              <a:ext uri="{FF2B5EF4-FFF2-40B4-BE49-F238E27FC236}">
+                <a16:creationId xmlns:a16="http://schemas.microsoft.com/office/drawing/2014/main" id="{2531BECD-DE0B-E5B5-069F-FE3E903F8702}"/>
+              </a:ext>
+            </a:extLst>
+          </p:cNvPr>
+          <p:cNvSpPr/>
+          <p:nvPr/>
+        </p:nvSpPr>
+        <p:spPr>
+          <a:xfrm>
+            <a:off x="1574927" y="4272171"/>
+            <a:ext cx="1540566" cy="487015"/>
+          </a:xfrm>
+          <a:prstGeom prst="wedgeRectCallout">
+            <a:avLst>
+              <a:gd name="adj1" fmla="val 118993"/>
+              <a:gd name="adj2" fmla="val 28847"/>
+            </a:avLst>
+          </a:prstGeom>
+          <a:noFill/>
+          <a:ln>
+            <a:solidFill>
+              <a:schemeClr val="tx1"/>
+            </a:solidFill>
+          </a:ln>
+        </p:spPr>
+        <p:style>
+          <a:lnRef idx="2">
+            <a:schemeClr val="accent1">
+              <a:shade val="15000"/>
+            </a:schemeClr>
+          </a:lnRef>
+          <a:fillRef idx="1">
+            <a:schemeClr val="accent1"/>
+          </a:fillRef>
+          <a:effectRef idx="0">
+            <a:schemeClr val="accent1"/>
+          </a:effectRef>
+          <a:fontRef idx="minor">
+            <a:schemeClr val="lt1"/>
+          </a:fontRef>
+        </p:style>
+        <p:txBody>
+          <a:bodyPr rtlCol="0" anchor="ctr"/>
+          <a:lstStyle/>
+          <a:p>
+            <a:pPr algn="ctr"/>
+            <a:r>
+              <a:rPr kumimoji="1" lang="ja-JP" altLang="en-US" sz="1200" dirty="0">
+                <a:solidFill>
+                  <a:schemeClr val="tx1"/>
+                </a:solidFill>
+              </a:rPr>
+              <a:t>音声再生</a:t>
+            </a:r>
+          </a:p>
+        </p:txBody>
+      </p:sp>
+      <p:sp>
+        <p:nvSpPr>
+          <p:cNvPr id="9" name="吹き出し: 四角形 8">
+            <a:extLst>
+              <a:ext uri="{FF2B5EF4-FFF2-40B4-BE49-F238E27FC236}">
+                <a16:creationId xmlns:a16="http://schemas.microsoft.com/office/drawing/2014/main" id="{E0D6BF0A-06D5-DC93-FD84-DE7E8EF504A0}"/>
+              </a:ext>
+            </a:extLst>
+          </p:cNvPr>
+          <p:cNvSpPr/>
+          <p:nvPr/>
+        </p:nvSpPr>
+        <p:spPr>
+          <a:xfrm>
+            <a:off x="8506196" y="4272171"/>
+            <a:ext cx="1540566" cy="487015"/>
+          </a:xfrm>
+          <a:prstGeom prst="wedgeRectCallout">
+            <a:avLst>
+              <a:gd name="adj1" fmla="val -93265"/>
+              <a:gd name="adj2" fmla="val 134970"/>
+            </a:avLst>
+          </a:prstGeom>
+          <a:noFill/>
+          <a:ln>
+            <a:solidFill>
+              <a:schemeClr val="tx1"/>
+            </a:solidFill>
+          </a:ln>
+        </p:spPr>
+        <p:style>
+          <a:lnRef idx="2">
+            <a:schemeClr val="accent1">
+              <a:shade val="15000"/>
+            </a:schemeClr>
+          </a:lnRef>
+          <a:fillRef idx="1">
+            <a:schemeClr val="accent1"/>
+          </a:fillRef>
+          <a:effectRef idx="0">
+            <a:schemeClr val="accent1"/>
+          </a:effectRef>
+          <a:fontRef idx="minor">
+            <a:schemeClr val="lt1"/>
+          </a:fontRef>
+        </p:style>
+        <p:txBody>
+          <a:bodyPr rtlCol="0" anchor="ctr"/>
+          <a:lstStyle/>
+          <a:p>
+            <a:pPr algn="ctr"/>
+            <a:r>
+              <a:rPr kumimoji="1" lang="ja-JP" altLang="en-US" sz="1200" dirty="0">
+                <a:solidFill>
+                  <a:schemeClr val="tx1"/>
+                </a:solidFill>
+              </a:rPr>
+              <a:t>展示物説明</a:t>
+            </a:r>
+          </a:p>
+        </p:txBody>
+      </p:sp>
+      <p:sp>
+        <p:nvSpPr>
+          <p:cNvPr id="11" name="吹き出し: 四角形 10">
+            <a:extLst>
+              <a:ext uri="{FF2B5EF4-FFF2-40B4-BE49-F238E27FC236}">
+                <a16:creationId xmlns:a16="http://schemas.microsoft.com/office/drawing/2014/main" id="{761CFB97-5B6F-435D-6791-380A11E7E15F}"/>
+              </a:ext>
+            </a:extLst>
+          </p:cNvPr>
+          <p:cNvSpPr/>
+          <p:nvPr/>
+        </p:nvSpPr>
+        <p:spPr>
+          <a:xfrm>
+            <a:off x="9036283" y="5428423"/>
+            <a:ext cx="1540566" cy="487015"/>
+          </a:xfrm>
+          <a:prstGeom prst="wedgeRectCallout">
+            <a:avLst>
+              <a:gd name="adj1" fmla="val -204878"/>
+              <a:gd name="adj2" fmla="val 159460"/>
+            </a:avLst>
+          </a:prstGeom>
+          <a:noFill/>
+          <a:ln>
+            <a:solidFill>
+              <a:schemeClr val="tx1"/>
+            </a:solidFill>
+          </a:ln>
+        </p:spPr>
+        <p:style>
+          <a:lnRef idx="2">
+            <a:schemeClr val="accent1">
+              <a:shade val="15000"/>
+            </a:schemeClr>
+          </a:lnRef>
+          <a:fillRef idx="1">
+            <a:schemeClr val="accent1"/>
+          </a:fillRef>
+          <a:effectRef idx="0">
+            <a:schemeClr val="accent1"/>
+          </a:effectRef>
+          <a:fontRef idx="minor">
+            <a:schemeClr val="lt1"/>
+          </a:fontRef>
+        </p:style>
+        <p:txBody>
+          <a:bodyPr rtlCol="0" anchor="ctr"/>
+          <a:lstStyle/>
+          <a:p>
+            <a:pPr algn="ctr"/>
+            <a:r>
+              <a:rPr kumimoji="1" lang="en-US" altLang="ja-JP" sz="1200" dirty="0">
+                <a:solidFill>
+                  <a:schemeClr val="tx1"/>
+                </a:solidFill>
+              </a:rPr>
+              <a:t>QR</a:t>
+            </a:r>
+            <a:r>
+              <a:rPr kumimoji="1" lang="ja-JP" altLang="en-US" sz="1200" dirty="0">
+                <a:solidFill>
+                  <a:schemeClr val="tx1"/>
+                </a:solidFill>
+              </a:rPr>
+              <a:t>コードリーダー</a:t>
+            </a:r>
           </a:p>
         </p:txBody>
       </p:sp>
     </p:spTree>
     <p:extLst>
       <p:ext uri="{BB962C8B-B14F-4D97-AF65-F5344CB8AC3E}">
-        <p14:creationId xmlns:p14="http://schemas.microsoft.com/office/powerpoint/2010/main" val="2016540611"/>
+        <p14:creationId xmlns:p14="http://schemas.microsoft.com/office/powerpoint/2010/main" val="3301199298"/>
       </p:ext>
     </p:extLst>
   </p:cSld>
@@ -13015,48 +13773,58 @@
       </p:grpSpPr>
       <p:sp>
         <p:nvSpPr>
-          <p:cNvPr id="2" name="テキスト ボックス 1">
-            <a:extLst>
-              <a:ext uri="{FF2B5EF4-FFF2-40B4-BE49-F238E27FC236}">
-                <a16:creationId xmlns:a16="http://schemas.microsoft.com/office/drawing/2014/main" id="{31CF92C8-C0C5-301D-9E07-6A59D2545225}"/>
-              </a:ext>
-            </a:extLst>
-          </p:cNvPr>
-          <p:cNvSpPr txBox="1"/>
-          <p:nvPr/>
-        </p:nvSpPr>
-        <p:spPr>
-          <a:xfrm>
-            <a:off x="1699591" y="2117035"/>
-            <a:ext cx="8676861" cy="923330"/>
-          </a:xfrm>
-          <a:prstGeom prst="rect">
-            <a:avLst/>
-          </a:prstGeom>
-          <a:noFill/>
-        </p:spPr>
-        <p:txBody>
-          <a:bodyPr wrap="square" rtlCol="0">
-            <a:spAutoFit/>
-          </a:bodyPr>
-          <a:lstStyle/>
-          <a:p>
-            <a:r>
-              <a:rPr kumimoji="1" lang="ja-JP" altLang="en-US" sz="5400" dirty="0"/>
-              <a:t>以降の</a:t>
-            </a:r>
-            <a:r>
-              <a:rPr kumimoji="1" lang="ja-JP" altLang="en-US" sz="5400"/>
-              <a:t>ページは要検討</a:t>
-            </a:r>
-            <a:endParaRPr kumimoji="1" lang="ja-JP" altLang="en-US" sz="5400" dirty="0"/>
+          <p:cNvPr id="2" name="タイトル 1">
+            <a:extLst>
+              <a:ext uri="{FF2B5EF4-FFF2-40B4-BE49-F238E27FC236}">
+                <a16:creationId xmlns:a16="http://schemas.microsoft.com/office/drawing/2014/main" id="{3C2C01AD-3387-2005-B8C4-00A58FE6D25A}"/>
+              </a:ext>
+            </a:extLst>
+          </p:cNvPr>
+          <p:cNvSpPr>
+            <a:spLocks noGrp="1"/>
+          </p:cNvSpPr>
+          <p:nvPr>
+            <p:ph type="title"/>
+          </p:nvPr>
+        </p:nvSpPr>
+        <p:spPr/>
+        <p:txBody>
+          <a:bodyPr/>
+          <a:lstStyle/>
+          <a:p>
+            <a:endParaRPr kumimoji="1" lang="ja-JP" altLang="en-US"/>
+          </a:p>
+        </p:txBody>
+      </p:sp>
+      <p:sp>
+        <p:nvSpPr>
+          <p:cNvPr id="3" name="コンテンツ プレースホルダー 2">
+            <a:extLst>
+              <a:ext uri="{FF2B5EF4-FFF2-40B4-BE49-F238E27FC236}">
+                <a16:creationId xmlns:a16="http://schemas.microsoft.com/office/drawing/2014/main" id="{941EF71E-6139-E2DF-A54B-E310C7715330}"/>
+              </a:ext>
+            </a:extLst>
+          </p:cNvPr>
+          <p:cNvSpPr>
+            <a:spLocks noGrp="1"/>
+          </p:cNvSpPr>
+          <p:nvPr>
+            <p:ph idx="1"/>
+          </p:nvPr>
+        </p:nvSpPr>
+        <p:spPr/>
+        <p:txBody>
+          <a:bodyPr/>
+          <a:lstStyle/>
+          <a:p>
+            <a:endParaRPr kumimoji="1" lang="ja-JP" altLang="en-US"/>
           </a:p>
         </p:txBody>
       </p:sp>
     </p:spTree>
     <p:extLst>
       <p:ext uri="{BB962C8B-B14F-4D97-AF65-F5344CB8AC3E}">
-        <p14:creationId xmlns:p14="http://schemas.microsoft.com/office/powerpoint/2010/main" val="1252392163"/>
+        <p14:creationId xmlns:p14="http://schemas.microsoft.com/office/powerpoint/2010/main" val="3225395119"/>
       </p:ext>
     </p:extLst>
   </p:cSld>
@@ -13471,6 +14239,248 @@
 </file>
 
 <file path=ppt/slides/slide50.xml><?xml version="1.0" encoding="utf-8"?>
+<p:sld xmlns:a="http://schemas.openxmlformats.org/drawingml/2006/main" xmlns:r="http://schemas.openxmlformats.org/officeDocument/2006/relationships" xmlns:p="http://schemas.openxmlformats.org/presentationml/2006/main">
+  <p:cSld>
+    <p:spTree>
+      <p:nvGrpSpPr>
+        <p:cNvPr id="1" name="">
+          <a:extLst>
+            <a:ext uri="{FF2B5EF4-FFF2-40B4-BE49-F238E27FC236}">
+              <a16:creationId xmlns:a16="http://schemas.microsoft.com/office/drawing/2014/main" id="{91AB037F-9221-13C5-9B9A-693FC1B8FF1F}"/>
+            </a:ext>
+          </a:extLst>
+        </p:cNvPr>
+        <p:cNvGrpSpPr/>
+        <p:nvPr/>
+      </p:nvGrpSpPr>
+      <p:grpSpPr>
+        <a:xfrm>
+          <a:off x="0" y="0"/>
+          <a:ext cx="0" cy="0"/>
+          <a:chOff x="0" y="0"/>
+          <a:chExt cx="0" cy="0"/>
+        </a:xfrm>
+      </p:grpSpPr>
+      <p:sp>
+        <p:nvSpPr>
+          <p:cNvPr id="2" name="タイトル 1">
+            <a:extLst>
+              <a:ext uri="{FF2B5EF4-FFF2-40B4-BE49-F238E27FC236}">
+                <a16:creationId xmlns:a16="http://schemas.microsoft.com/office/drawing/2014/main" id="{6FED87BD-3BA3-760F-9DE0-55256B1D8E3F}"/>
+              </a:ext>
+            </a:extLst>
+          </p:cNvPr>
+          <p:cNvSpPr>
+            <a:spLocks noGrp="1"/>
+          </p:cNvSpPr>
+          <p:nvPr>
+            <p:ph type="title"/>
+          </p:nvPr>
+        </p:nvSpPr>
+        <p:spPr/>
+        <p:txBody>
+          <a:bodyPr/>
+          <a:lstStyle/>
+          <a:p>
+            <a:endParaRPr kumimoji="1" lang="ja-JP" altLang="en-US"/>
+          </a:p>
+        </p:txBody>
+      </p:sp>
+      <p:sp>
+        <p:nvSpPr>
+          <p:cNvPr id="3" name="コンテンツ プレースホルダー 2">
+            <a:extLst>
+              <a:ext uri="{FF2B5EF4-FFF2-40B4-BE49-F238E27FC236}">
+                <a16:creationId xmlns:a16="http://schemas.microsoft.com/office/drawing/2014/main" id="{1B13CC73-AC18-E008-D9BC-DEF72D6A2826}"/>
+              </a:ext>
+            </a:extLst>
+          </p:cNvPr>
+          <p:cNvSpPr>
+            <a:spLocks noGrp="1"/>
+          </p:cNvSpPr>
+          <p:nvPr>
+            <p:ph idx="1"/>
+          </p:nvPr>
+        </p:nvSpPr>
+        <p:spPr/>
+        <p:txBody>
+          <a:bodyPr/>
+          <a:lstStyle/>
+          <a:p>
+            <a:endParaRPr kumimoji="1" lang="ja-JP" altLang="en-US"/>
+          </a:p>
+        </p:txBody>
+      </p:sp>
+    </p:spTree>
+    <p:extLst>
+      <p:ext uri="{BB962C8B-B14F-4D97-AF65-F5344CB8AC3E}">
+        <p14:creationId xmlns:p14="http://schemas.microsoft.com/office/powerpoint/2010/main" val="1376480988"/>
+      </p:ext>
+    </p:extLst>
+  </p:cSld>
+  <p:clrMapOvr>
+    <a:masterClrMapping/>
+  </p:clrMapOvr>
+</p:sld>
+</file>
+
+<file path=ppt/slides/slide51.xml><?xml version="1.0" encoding="utf-8"?>
+<p:sld xmlns:a="http://schemas.openxmlformats.org/drawingml/2006/main" xmlns:r="http://schemas.openxmlformats.org/officeDocument/2006/relationships" xmlns:p="http://schemas.openxmlformats.org/presentationml/2006/main">
+  <p:cSld>
+    <p:spTree>
+      <p:nvGrpSpPr>
+        <p:cNvPr id="1" name="">
+          <a:extLst>
+            <a:ext uri="{FF2B5EF4-FFF2-40B4-BE49-F238E27FC236}">
+              <a16:creationId xmlns:a16="http://schemas.microsoft.com/office/drawing/2014/main" id="{BE61A229-D110-66BE-C027-285367C8008E}"/>
+            </a:ext>
+          </a:extLst>
+        </p:cNvPr>
+        <p:cNvGrpSpPr/>
+        <p:nvPr/>
+      </p:nvGrpSpPr>
+      <p:grpSpPr>
+        <a:xfrm>
+          <a:off x="0" y="0"/>
+          <a:ext cx="0" cy="0"/>
+          <a:chOff x="0" y="0"/>
+          <a:chExt cx="0" cy="0"/>
+        </a:xfrm>
+      </p:grpSpPr>
+      <p:sp>
+        <p:nvSpPr>
+          <p:cNvPr id="2" name="タイトル 1">
+            <a:extLst>
+              <a:ext uri="{FF2B5EF4-FFF2-40B4-BE49-F238E27FC236}">
+                <a16:creationId xmlns:a16="http://schemas.microsoft.com/office/drawing/2014/main" id="{19247574-D7D6-34BB-4BFE-A1D0581A95B7}"/>
+              </a:ext>
+            </a:extLst>
+          </p:cNvPr>
+          <p:cNvSpPr>
+            <a:spLocks noGrp="1"/>
+          </p:cNvSpPr>
+          <p:nvPr>
+            <p:ph type="title"/>
+          </p:nvPr>
+        </p:nvSpPr>
+        <p:spPr/>
+        <p:txBody>
+          <a:bodyPr/>
+          <a:lstStyle/>
+          <a:p>
+            <a:endParaRPr kumimoji="1" lang="ja-JP" altLang="en-US"/>
+          </a:p>
+        </p:txBody>
+      </p:sp>
+      <p:sp>
+        <p:nvSpPr>
+          <p:cNvPr id="3" name="コンテンツ プレースホルダー 2">
+            <a:extLst>
+              <a:ext uri="{FF2B5EF4-FFF2-40B4-BE49-F238E27FC236}">
+                <a16:creationId xmlns:a16="http://schemas.microsoft.com/office/drawing/2014/main" id="{11C4761D-21AC-C222-BACD-15AE2F49DB0F}"/>
+              </a:ext>
+            </a:extLst>
+          </p:cNvPr>
+          <p:cNvSpPr>
+            <a:spLocks noGrp="1"/>
+          </p:cNvSpPr>
+          <p:nvPr>
+            <p:ph idx="1"/>
+          </p:nvPr>
+        </p:nvSpPr>
+        <p:spPr/>
+        <p:txBody>
+          <a:bodyPr/>
+          <a:lstStyle/>
+          <a:p>
+            <a:endParaRPr kumimoji="1" lang="ja-JP" altLang="en-US"/>
+          </a:p>
+        </p:txBody>
+      </p:sp>
+    </p:spTree>
+    <p:extLst>
+      <p:ext uri="{BB962C8B-B14F-4D97-AF65-F5344CB8AC3E}">
+        <p14:creationId xmlns:p14="http://schemas.microsoft.com/office/powerpoint/2010/main" val="2016540611"/>
+      </p:ext>
+    </p:extLst>
+  </p:cSld>
+  <p:clrMapOvr>
+    <a:masterClrMapping/>
+  </p:clrMapOvr>
+</p:sld>
+</file>
+
+<file path=ppt/slides/slide52.xml><?xml version="1.0" encoding="utf-8"?>
+<p:sld xmlns:a="http://schemas.openxmlformats.org/drawingml/2006/main" xmlns:r="http://schemas.openxmlformats.org/officeDocument/2006/relationships" xmlns:p="http://schemas.openxmlformats.org/presentationml/2006/main">
+  <p:cSld>
+    <p:spTree>
+      <p:nvGrpSpPr>
+        <p:cNvPr id="1" name=""/>
+        <p:cNvGrpSpPr/>
+        <p:nvPr/>
+      </p:nvGrpSpPr>
+      <p:grpSpPr>
+        <a:xfrm>
+          <a:off x="0" y="0"/>
+          <a:ext cx="0" cy="0"/>
+          <a:chOff x="0" y="0"/>
+          <a:chExt cx="0" cy="0"/>
+        </a:xfrm>
+      </p:grpSpPr>
+      <p:sp>
+        <p:nvSpPr>
+          <p:cNvPr id="2" name="テキスト ボックス 1">
+            <a:extLst>
+              <a:ext uri="{FF2B5EF4-FFF2-40B4-BE49-F238E27FC236}">
+                <a16:creationId xmlns:a16="http://schemas.microsoft.com/office/drawing/2014/main" id="{31CF92C8-C0C5-301D-9E07-6A59D2545225}"/>
+              </a:ext>
+            </a:extLst>
+          </p:cNvPr>
+          <p:cNvSpPr txBox="1"/>
+          <p:nvPr/>
+        </p:nvSpPr>
+        <p:spPr>
+          <a:xfrm>
+            <a:off x="1699591" y="2117035"/>
+            <a:ext cx="8676861" cy="923330"/>
+          </a:xfrm>
+          <a:prstGeom prst="rect">
+            <a:avLst/>
+          </a:prstGeom>
+          <a:noFill/>
+        </p:spPr>
+        <p:txBody>
+          <a:bodyPr wrap="square" rtlCol="0">
+            <a:spAutoFit/>
+          </a:bodyPr>
+          <a:lstStyle/>
+          <a:p>
+            <a:r>
+              <a:rPr kumimoji="1" lang="ja-JP" altLang="en-US" sz="5400" dirty="0"/>
+              <a:t>以降の</a:t>
+            </a:r>
+            <a:r>
+              <a:rPr kumimoji="1" lang="ja-JP" altLang="en-US" sz="5400"/>
+              <a:t>ページは要検討</a:t>
+            </a:r>
+            <a:endParaRPr kumimoji="1" lang="ja-JP" altLang="en-US" sz="5400" dirty="0"/>
+          </a:p>
+        </p:txBody>
+      </p:sp>
+    </p:spTree>
+    <p:extLst>
+      <p:ext uri="{BB962C8B-B14F-4D97-AF65-F5344CB8AC3E}">
+        <p14:creationId xmlns:p14="http://schemas.microsoft.com/office/powerpoint/2010/main" val="1252392163"/>
+      </p:ext>
+    </p:extLst>
+  </p:cSld>
+  <p:clrMapOvr>
+    <a:masterClrMapping/>
+  </p:clrMapOvr>
+</p:sld>
+</file>
+
+<file path=ppt/slides/slide53.xml><?xml version="1.0" encoding="utf-8"?>
 <p:sld xmlns:a="http://schemas.openxmlformats.org/drawingml/2006/main" xmlns:r="http://schemas.openxmlformats.org/officeDocument/2006/relationships" xmlns:p="http://schemas.openxmlformats.org/presentationml/2006/main">
   <p:cSld>
     <p:spTree>
@@ -14112,7 +15122,7 @@
 </p:sld>
 </file>
 
-<file path=ppt/slides/slide51.xml><?xml version="1.0" encoding="utf-8"?>
+<file path=ppt/slides/slide54.xml><?xml version="1.0" encoding="utf-8"?>
 <p:sld xmlns:a="http://schemas.openxmlformats.org/drawingml/2006/main" xmlns:r="http://schemas.openxmlformats.org/officeDocument/2006/relationships" xmlns:p="http://schemas.openxmlformats.org/presentationml/2006/main">
   <p:cSld>
     <p:spTree>
@@ -14832,7 +15842,7 @@
 </p:sld>
 </file>
 
-<file path=ppt/slides/slide52.xml><?xml version="1.0" encoding="utf-8"?>
+<file path=ppt/slides/slide55.xml><?xml version="1.0" encoding="utf-8"?>
 <p:sld xmlns:a="http://schemas.openxmlformats.org/drawingml/2006/main" xmlns:r="http://schemas.openxmlformats.org/officeDocument/2006/relationships" xmlns:p="http://schemas.openxmlformats.org/presentationml/2006/main">
   <p:cSld>
     <p:spTree>
@@ -15507,7 +16517,7 @@
 </p:sld>
 </file>
 
-<file path=ppt/slides/slide53.xml><?xml version="1.0" encoding="utf-8"?>
+<file path=ppt/slides/slide56.xml><?xml version="1.0" encoding="utf-8"?>
 <p:sld xmlns:a="http://schemas.openxmlformats.org/drawingml/2006/main" xmlns:r="http://schemas.openxmlformats.org/officeDocument/2006/relationships" xmlns:p="http://schemas.openxmlformats.org/presentationml/2006/main">
   <p:cSld>
     <p:spTree>
@@ -16081,7 +17091,7 @@
 </p:sld>
 </file>
 
-<file path=ppt/slides/slide54.xml><?xml version="1.0" encoding="utf-8"?>
+<file path=ppt/slides/slide57.xml><?xml version="1.0" encoding="utf-8"?>
 <p:sld xmlns:a="http://schemas.openxmlformats.org/drawingml/2006/main" xmlns:r="http://schemas.openxmlformats.org/officeDocument/2006/relationships" xmlns:p="http://schemas.openxmlformats.org/presentationml/2006/main">
   <p:cSld>
     <p:spTree>
@@ -16477,7 +17487,7 @@
 </p:sld>
 </file>
 
-<file path=ppt/slides/slide55.xml><?xml version="1.0" encoding="utf-8"?>
+<file path=ppt/slides/slide58.xml><?xml version="1.0" encoding="utf-8"?>
 <p:sld xmlns:a="http://schemas.openxmlformats.org/drawingml/2006/main" xmlns:r="http://schemas.openxmlformats.org/officeDocument/2006/relationships" xmlns:p="http://schemas.openxmlformats.org/presentationml/2006/main">
   <p:cSld>
     <p:spTree>
@@ -17597,7 +18607,7 @@
 </p:sld>
 </file>
 
-<file path=ppt/slides/slide56.xml><?xml version="1.0" encoding="utf-8"?>
+<file path=ppt/slides/slide59.xml><?xml version="1.0" encoding="utf-8"?>
 <p:sld xmlns:a="http://schemas.openxmlformats.org/drawingml/2006/main" xmlns:r="http://schemas.openxmlformats.org/officeDocument/2006/relationships" xmlns:p="http://schemas.openxmlformats.org/presentationml/2006/main">
   <p:cSld>
     <p:spTree>
@@ -18705,1958 +19715,6 @@
 </p:sld>
 </file>
 
-<file path=ppt/slides/slide57.xml><?xml version="1.0" encoding="utf-8"?>
-<p:sld xmlns:a="http://schemas.openxmlformats.org/drawingml/2006/main" xmlns:r="http://schemas.openxmlformats.org/officeDocument/2006/relationships" xmlns:p="http://schemas.openxmlformats.org/presentationml/2006/main">
-  <p:cSld>
-    <p:spTree>
-      <p:nvGrpSpPr>
-        <p:cNvPr id="1" name="">
-          <a:extLst>
-            <a:ext uri="{FF2B5EF4-FFF2-40B4-BE49-F238E27FC236}">
-              <a16:creationId xmlns:a16="http://schemas.microsoft.com/office/drawing/2014/main" id="{EFC811F8-422C-FD1B-A714-47C0E466623C}"/>
-            </a:ext>
-          </a:extLst>
-        </p:cNvPr>
-        <p:cNvGrpSpPr/>
-        <p:nvPr/>
-      </p:nvGrpSpPr>
-      <p:grpSpPr>
-        <a:xfrm>
-          <a:off x="0" y="0"/>
-          <a:ext cx="0" cy="0"/>
-          <a:chOff x="0" y="0"/>
-          <a:chExt cx="0" cy="0"/>
-        </a:xfrm>
-      </p:grpSpPr>
-      <p:cxnSp>
-        <p:nvCxnSpPr>
-          <p:cNvPr id="4" name="直線コネクタ 3">
-            <a:extLst>
-              <a:ext uri="{FF2B5EF4-FFF2-40B4-BE49-F238E27FC236}">
-                <a16:creationId xmlns:a16="http://schemas.microsoft.com/office/drawing/2014/main" id="{4210B2BF-1061-E6DB-EBD3-C49519853C4A}"/>
-              </a:ext>
-            </a:extLst>
-          </p:cNvPr>
-          <p:cNvCxnSpPr/>
-          <p:nvPr/>
-        </p:nvCxnSpPr>
-        <p:spPr>
-          <a:xfrm>
-            <a:off x="228600" y="755374"/>
-            <a:ext cx="11936896" cy="0"/>
-          </a:xfrm>
-          <a:prstGeom prst="line">
-            <a:avLst/>
-          </a:prstGeom>
-        </p:spPr>
-        <p:style>
-          <a:lnRef idx="2">
-            <a:schemeClr val="accent1"/>
-          </a:lnRef>
-          <a:fillRef idx="0">
-            <a:schemeClr val="accent1"/>
-          </a:fillRef>
-          <a:effectRef idx="1">
-            <a:schemeClr val="accent1"/>
-          </a:effectRef>
-          <a:fontRef idx="minor">
-            <a:schemeClr val="tx1"/>
-          </a:fontRef>
-        </p:style>
-      </p:cxnSp>
-      <p:sp>
-        <p:nvSpPr>
-          <p:cNvPr id="5" name="テキスト ボックス 4">
-            <a:extLst>
-              <a:ext uri="{FF2B5EF4-FFF2-40B4-BE49-F238E27FC236}">
-                <a16:creationId xmlns:a16="http://schemas.microsoft.com/office/drawing/2014/main" id="{43415560-8DAB-3737-658F-98E84DD3E51C}"/>
-              </a:ext>
-            </a:extLst>
-          </p:cNvPr>
-          <p:cNvSpPr txBox="1"/>
-          <p:nvPr/>
-        </p:nvSpPr>
-        <p:spPr>
-          <a:xfrm>
-            <a:off x="407504" y="198783"/>
-            <a:ext cx="3796748" cy="369332"/>
-          </a:xfrm>
-          <a:prstGeom prst="rect">
-            <a:avLst/>
-          </a:prstGeom>
-          <a:noFill/>
-        </p:spPr>
-        <p:txBody>
-          <a:bodyPr wrap="square" rtlCol="0">
-            <a:spAutoFit/>
-          </a:bodyPr>
-          <a:lstStyle/>
-          <a:p>
-            <a:r>
-              <a:rPr kumimoji="1" lang="ja-JP" altLang="en-US" dirty="0"/>
-              <a:t>修正：展示物名入力</a:t>
-            </a:r>
-          </a:p>
-        </p:txBody>
-      </p:sp>
-      <p:sp>
-        <p:nvSpPr>
-          <p:cNvPr id="2" name="正方形/長方形 1">
-            <a:extLst>
-              <a:ext uri="{FF2B5EF4-FFF2-40B4-BE49-F238E27FC236}">
-                <a16:creationId xmlns:a16="http://schemas.microsoft.com/office/drawing/2014/main" id="{3E36B698-1AC8-98C9-577F-5A604C51806C}"/>
-              </a:ext>
-            </a:extLst>
-          </p:cNvPr>
-          <p:cNvSpPr/>
-          <p:nvPr/>
-        </p:nvSpPr>
-        <p:spPr>
-          <a:xfrm>
-            <a:off x="1016277" y="1774761"/>
-            <a:ext cx="1646582" cy="369332"/>
-          </a:xfrm>
-          <a:prstGeom prst="rect">
-            <a:avLst/>
-          </a:prstGeom>
-          <a:noFill/>
-          <a:ln>
-            <a:prstDash val="dash"/>
-          </a:ln>
-        </p:spPr>
-        <p:style>
-          <a:lnRef idx="2">
-            <a:schemeClr val="accent1">
-              <a:shade val="15000"/>
-            </a:schemeClr>
-          </a:lnRef>
-          <a:fillRef idx="1">
-            <a:schemeClr val="accent1"/>
-          </a:fillRef>
-          <a:effectRef idx="0">
-            <a:schemeClr val="accent1"/>
-          </a:effectRef>
-          <a:fontRef idx="minor">
-            <a:schemeClr val="lt1"/>
-          </a:fontRef>
-        </p:style>
-        <p:txBody>
-          <a:bodyPr rtlCol="0" anchor="ctr"/>
-          <a:lstStyle/>
-          <a:p>
-            <a:pPr algn="ctr"/>
-            <a:r>
-              <a:rPr kumimoji="1" lang="ja-JP" altLang="en-US" sz="1200" dirty="0">
-                <a:solidFill>
-                  <a:schemeClr val="tx1"/>
-                </a:solidFill>
-              </a:rPr>
-              <a:t>展示物名入力欄</a:t>
-            </a:r>
-          </a:p>
-        </p:txBody>
-      </p:sp>
-      <p:sp>
-        <p:nvSpPr>
-          <p:cNvPr id="6" name="テキスト ボックス 5">
-            <a:extLst>
-              <a:ext uri="{FF2B5EF4-FFF2-40B4-BE49-F238E27FC236}">
-                <a16:creationId xmlns:a16="http://schemas.microsoft.com/office/drawing/2014/main" id="{9A385A34-EB53-07A5-E1AE-14B8C2E959D2}"/>
-              </a:ext>
-            </a:extLst>
-          </p:cNvPr>
-          <p:cNvSpPr txBox="1"/>
-          <p:nvPr/>
-        </p:nvSpPr>
-        <p:spPr>
-          <a:xfrm>
-            <a:off x="1016277" y="1249866"/>
-            <a:ext cx="3579742" cy="369332"/>
-          </a:xfrm>
-          <a:prstGeom prst="rect">
-            <a:avLst/>
-          </a:prstGeom>
-          <a:noFill/>
-        </p:spPr>
-        <p:txBody>
-          <a:bodyPr wrap="square" rtlCol="0">
-            <a:spAutoFit/>
-          </a:bodyPr>
-          <a:lstStyle/>
-          <a:p>
-            <a:r>
-              <a:rPr kumimoji="1" lang="ja-JP" altLang="en-US" dirty="0"/>
-              <a:t>展示物名入力</a:t>
-            </a:r>
-          </a:p>
-        </p:txBody>
-      </p:sp>
-      <p:sp>
-        <p:nvSpPr>
-          <p:cNvPr id="38" name="テキスト ボックス 37">
-            <a:extLst>
-              <a:ext uri="{FF2B5EF4-FFF2-40B4-BE49-F238E27FC236}">
-                <a16:creationId xmlns:a16="http://schemas.microsoft.com/office/drawing/2014/main" id="{3704FD26-5B43-330C-B601-BB9B69ACB426}"/>
-              </a:ext>
-            </a:extLst>
-          </p:cNvPr>
-          <p:cNvSpPr txBox="1"/>
-          <p:nvPr/>
-        </p:nvSpPr>
-        <p:spPr>
-          <a:xfrm>
-            <a:off x="3975652" y="252657"/>
-            <a:ext cx="7535628" cy="369332"/>
-          </a:xfrm>
-          <a:prstGeom prst="rect">
-            <a:avLst/>
-          </a:prstGeom>
-          <a:noFill/>
-        </p:spPr>
-        <p:txBody>
-          <a:bodyPr wrap="square" rtlCol="0">
-            <a:spAutoFit/>
-          </a:bodyPr>
-          <a:lstStyle/>
-          <a:p>
-            <a:r>
-              <a:rPr kumimoji="1" lang="ja-JP" altLang="en-US" dirty="0"/>
-              <a:t>凡例：点線ボックスはエディットボックス、実線ボックスはボタン</a:t>
-            </a:r>
-          </a:p>
-        </p:txBody>
-      </p:sp>
-      <p:sp>
-        <p:nvSpPr>
-          <p:cNvPr id="42" name="テキスト ボックス 41">
-            <a:extLst>
-              <a:ext uri="{FF2B5EF4-FFF2-40B4-BE49-F238E27FC236}">
-                <a16:creationId xmlns:a16="http://schemas.microsoft.com/office/drawing/2014/main" id="{E140782E-88AD-B677-FF49-C86BBDB9EF26}"/>
-              </a:ext>
-            </a:extLst>
-          </p:cNvPr>
-          <p:cNvSpPr txBox="1"/>
-          <p:nvPr/>
-        </p:nvSpPr>
-        <p:spPr>
-          <a:xfrm>
-            <a:off x="2935468" y="1774761"/>
-            <a:ext cx="1646582" cy="369332"/>
-          </a:xfrm>
-          <a:prstGeom prst="rect">
-            <a:avLst/>
-          </a:prstGeom>
-          <a:noFill/>
-        </p:spPr>
-        <p:txBody>
-          <a:bodyPr wrap="square" rtlCol="0">
-            <a:spAutoFit/>
-          </a:bodyPr>
-          <a:lstStyle/>
-          <a:p>
-            <a:r>
-              <a:rPr kumimoji="1" lang="ja-JP" altLang="en-US" dirty="0"/>
-              <a:t>日本語</a:t>
-            </a:r>
-          </a:p>
-        </p:txBody>
-      </p:sp>
-      <p:sp>
-        <p:nvSpPr>
-          <p:cNvPr id="43" name="正方形/長方形 42">
-            <a:extLst>
-              <a:ext uri="{FF2B5EF4-FFF2-40B4-BE49-F238E27FC236}">
-                <a16:creationId xmlns:a16="http://schemas.microsoft.com/office/drawing/2014/main" id="{6B98A0AF-7F22-4D1D-6540-1944940D5E8A}"/>
-              </a:ext>
-            </a:extLst>
-          </p:cNvPr>
-          <p:cNvSpPr/>
-          <p:nvPr/>
-        </p:nvSpPr>
-        <p:spPr>
-          <a:xfrm>
-            <a:off x="1016277" y="2380462"/>
-            <a:ext cx="1646582" cy="369332"/>
-          </a:xfrm>
-          <a:prstGeom prst="rect">
-            <a:avLst/>
-          </a:prstGeom>
-          <a:noFill/>
-          <a:ln>
-            <a:prstDash val="dash"/>
-          </a:ln>
-        </p:spPr>
-        <p:style>
-          <a:lnRef idx="2">
-            <a:schemeClr val="accent1">
-              <a:shade val="15000"/>
-            </a:schemeClr>
-          </a:lnRef>
-          <a:fillRef idx="1">
-            <a:schemeClr val="accent1"/>
-          </a:fillRef>
-          <a:effectRef idx="0">
-            <a:schemeClr val="accent1"/>
-          </a:effectRef>
-          <a:fontRef idx="minor">
-            <a:schemeClr val="lt1"/>
-          </a:fontRef>
-        </p:style>
-        <p:txBody>
-          <a:bodyPr rtlCol="0" anchor="ctr"/>
-          <a:lstStyle/>
-          <a:p>
-            <a:pPr algn="ctr"/>
-            <a:r>
-              <a:rPr kumimoji="1" lang="ja-JP" altLang="en-US" sz="1200" dirty="0">
-                <a:solidFill>
-                  <a:schemeClr val="tx1"/>
-                </a:solidFill>
-              </a:rPr>
-              <a:t>展示物名入力欄</a:t>
-            </a:r>
-          </a:p>
-        </p:txBody>
-      </p:sp>
-      <p:sp>
-        <p:nvSpPr>
-          <p:cNvPr id="44" name="テキスト ボックス 43">
-            <a:extLst>
-              <a:ext uri="{FF2B5EF4-FFF2-40B4-BE49-F238E27FC236}">
-                <a16:creationId xmlns:a16="http://schemas.microsoft.com/office/drawing/2014/main" id="{5F436354-DE96-D8B7-FEF5-C4DF8612CEB4}"/>
-              </a:ext>
-            </a:extLst>
-          </p:cNvPr>
-          <p:cNvSpPr txBox="1"/>
-          <p:nvPr/>
-        </p:nvSpPr>
-        <p:spPr>
-          <a:xfrm>
-            <a:off x="2935468" y="2380462"/>
-            <a:ext cx="1517262" cy="369332"/>
-          </a:xfrm>
-          <a:prstGeom prst="rect">
-            <a:avLst/>
-          </a:prstGeom>
-          <a:noFill/>
-        </p:spPr>
-        <p:txBody>
-          <a:bodyPr wrap="square" rtlCol="0">
-            <a:spAutoFit/>
-          </a:bodyPr>
-          <a:lstStyle/>
-          <a:p>
-            <a:r>
-              <a:rPr kumimoji="1" lang="ja-JP" altLang="en-US" dirty="0"/>
-              <a:t>英語</a:t>
-            </a:r>
-          </a:p>
-        </p:txBody>
-      </p:sp>
-      <p:sp>
-        <p:nvSpPr>
-          <p:cNvPr id="45" name="正方形/長方形 44">
-            <a:extLst>
-              <a:ext uri="{FF2B5EF4-FFF2-40B4-BE49-F238E27FC236}">
-                <a16:creationId xmlns:a16="http://schemas.microsoft.com/office/drawing/2014/main" id="{E9A9DDD9-BAA5-EC3C-89D4-27986E89027B}"/>
-              </a:ext>
-            </a:extLst>
-          </p:cNvPr>
-          <p:cNvSpPr/>
-          <p:nvPr/>
-        </p:nvSpPr>
-        <p:spPr>
-          <a:xfrm>
-            <a:off x="1016277" y="2986163"/>
-            <a:ext cx="1646582" cy="369332"/>
-          </a:xfrm>
-          <a:prstGeom prst="rect">
-            <a:avLst/>
-          </a:prstGeom>
-          <a:noFill/>
-          <a:ln>
-            <a:prstDash val="dash"/>
-          </a:ln>
-        </p:spPr>
-        <p:style>
-          <a:lnRef idx="2">
-            <a:schemeClr val="accent1">
-              <a:shade val="15000"/>
-            </a:schemeClr>
-          </a:lnRef>
-          <a:fillRef idx="1">
-            <a:schemeClr val="accent1"/>
-          </a:fillRef>
-          <a:effectRef idx="0">
-            <a:schemeClr val="accent1"/>
-          </a:effectRef>
-          <a:fontRef idx="minor">
-            <a:schemeClr val="lt1"/>
-          </a:fontRef>
-        </p:style>
-        <p:txBody>
-          <a:bodyPr rtlCol="0" anchor="ctr"/>
-          <a:lstStyle/>
-          <a:p>
-            <a:pPr algn="ctr"/>
-            <a:r>
-              <a:rPr kumimoji="1" lang="ja-JP" altLang="en-US" sz="1200" dirty="0">
-                <a:solidFill>
-                  <a:schemeClr val="tx1"/>
-                </a:solidFill>
-              </a:rPr>
-              <a:t>展示物名入力欄</a:t>
-            </a:r>
-          </a:p>
-        </p:txBody>
-      </p:sp>
-      <p:sp>
-        <p:nvSpPr>
-          <p:cNvPr id="46" name="テキスト ボックス 45">
-            <a:extLst>
-              <a:ext uri="{FF2B5EF4-FFF2-40B4-BE49-F238E27FC236}">
-                <a16:creationId xmlns:a16="http://schemas.microsoft.com/office/drawing/2014/main" id="{1E9E75C6-0FBA-282E-0C92-376512C0FFD2}"/>
-              </a:ext>
-            </a:extLst>
-          </p:cNvPr>
-          <p:cNvSpPr txBox="1"/>
-          <p:nvPr/>
-        </p:nvSpPr>
-        <p:spPr>
-          <a:xfrm>
-            <a:off x="2935468" y="2986163"/>
-            <a:ext cx="1517262" cy="369332"/>
-          </a:xfrm>
-          <a:prstGeom prst="rect">
-            <a:avLst/>
-          </a:prstGeom>
-          <a:noFill/>
-        </p:spPr>
-        <p:txBody>
-          <a:bodyPr wrap="square" rtlCol="0">
-            <a:spAutoFit/>
-          </a:bodyPr>
-          <a:lstStyle/>
-          <a:p>
-            <a:r>
-              <a:rPr kumimoji="1" lang="ja-JP" altLang="en-US" dirty="0"/>
-              <a:t>中国語</a:t>
-            </a:r>
-          </a:p>
-        </p:txBody>
-      </p:sp>
-      <p:sp>
-        <p:nvSpPr>
-          <p:cNvPr id="47" name="テキスト ボックス 46">
-            <a:extLst>
-              <a:ext uri="{FF2B5EF4-FFF2-40B4-BE49-F238E27FC236}">
-                <a16:creationId xmlns:a16="http://schemas.microsoft.com/office/drawing/2014/main" id="{C77D7879-18B7-627C-6CDE-DDB7119FF6BE}"/>
-              </a:ext>
-            </a:extLst>
-          </p:cNvPr>
-          <p:cNvSpPr txBox="1"/>
-          <p:nvPr/>
-        </p:nvSpPr>
-        <p:spPr>
-          <a:xfrm>
-            <a:off x="974588" y="3570407"/>
-            <a:ext cx="3921760" cy="369323"/>
-          </a:xfrm>
-          <a:prstGeom prst="rect">
-            <a:avLst/>
-          </a:prstGeom>
-          <a:noFill/>
-        </p:spPr>
-        <p:txBody>
-          <a:bodyPr wrap="square" rtlCol="0">
-            <a:spAutoFit/>
-          </a:bodyPr>
-          <a:lstStyle/>
-          <a:p>
-            <a:r>
-              <a:rPr kumimoji="1" lang="ja-JP" altLang="en-US" dirty="0"/>
-              <a:t>未使用言語は何も入れない</a:t>
-            </a:r>
-          </a:p>
-        </p:txBody>
-      </p:sp>
-      <p:sp>
-        <p:nvSpPr>
-          <p:cNvPr id="48" name="正方形/長方形 47">
-            <a:extLst>
-              <a:ext uri="{FF2B5EF4-FFF2-40B4-BE49-F238E27FC236}">
-                <a16:creationId xmlns:a16="http://schemas.microsoft.com/office/drawing/2014/main" id="{46CFDF49-96BC-D36F-97CF-2B5103BBF9CA}"/>
-              </a:ext>
-            </a:extLst>
-          </p:cNvPr>
-          <p:cNvSpPr/>
-          <p:nvPr/>
-        </p:nvSpPr>
-        <p:spPr>
-          <a:xfrm>
-            <a:off x="711201" y="1079037"/>
-            <a:ext cx="4338320" cy="3814251"/>
-          </a:xfrm>
-          <a:prstGeom prst="rect">
-            <a:avLst/>
-          </a:prstGeom>
-          <a:noFill/>
-        </p:spPr>
-        <p:style>
-          <a:lnRef idx="2">
-            <a:schemeClr val="accent1">
-              <a:shade val="15000"/>
-            </a:schemeClr>
-          </a:lnRef>
-          <a:fillRef idx="1">
-            <a:schemeClr val="accent1"/>
-          </a:fillRef>
-          <a:effectRef idx="0">
-            <a:schemeClr val="accent1"/>
-          </a:effectRef>
-          <a:fontRef idx="minor">
-            <a:schemeClr val="lt1"/>
-          </a:fontRef>
-        </p:style>
-        <p:txBody>
-          <a:bodyPr rtlCol="0" anchor="ctr"/>
-          <a:lstStyle/>
-          <a:p>
-            <a:pPr algn="ctr"/>
-            <a:endParaRPr kumimoji="1" lang="ja-JP" altLang="en-US" sz="1200" dirty="0">
-              <a:solidFill>
-                <a:schemeClr val="tx1"/>
-              </a:solidFill>
-            </a:endParaRPr>
-          </a:p>
-        </p:txBody>
-      </p:sp>
-      <p:sp>
-        <p:nvSpPr>
-          <p:cNvPr id="49" name="正方形/長方形 48">
-            <a:extLst>
-              <a:ext uri="{FF2B5EF4-FFF2-40B4-BE49-F238E27FC236}">
-                <a16:creationId xmlns:a16="http://schemas.microsoft.com/office/drawing/2014/main" id="{A404585D-781E-3C43-4F4A-EA7939121F5C}"/>
-              </a:ext>
-            </a:extLst>
-          </p:cNvPr>
-          <p:cNvSpPr/>
-          <p:nvPr/>
-        </p:nvSpPr>
-        <p:spPr>
-          <a:xfrm>
-            <a:off x="1016277" y="4267403"/>
-            <a:ext cx="834886" cy="369332"/>
-          </a:xfrm>
-          <a:prstGeom prst="rect">
-            <a:avLst/>
-          </a:prstGeom>
-          <a:noFill/>
-        </p:spPr>
-        <p:style>
-          <a:lnRef idx="2">
-            <a:schemeClr val="accent1">
-              <a:shade val="15000"/>
-            </a:schemeClr>
-          </a:lnRef>
-          <a:fillRef idx="1">
-            <a:schemeClr val="accent1"/>
-          </a:fillRef>
-          <a:effectRef idx="0">
-            <a:schemeClr val="accent1"/>
-          </a:effectRef>
-          <a:fontRef idx="minor">
-            <a:schemeClr val="lt1"/>
-          </a:fontRef>
-        </p:style>
-        <p:txBody>
-          <a:bodyPr rtlCol="0" anchor="ctr"/>
-          <a:lstStyle/>
-          <a:p>
-            <a:pPr algn="ctr"/>
-            <a:r>
-              <a:rPr kumimoji="1" lang="ja-JP" altLang="en-US" sz="1200" dirty="0">
-                <a:solidFill>
-                  <a:schemeClr val="tx1"/>
-                </a:solidFill>
-              </a:rPr>
-              <a:t>中止</a:t>
-            </a:r>
-          </a:p>
-        </p:txBody>
-      </p:sp>
-      <p:sp>
-        <p:nvSpPr>
-          <p:cNvPr id="50" name="正方形/長方形 49">
-            <a:extLst>
-              <a:ext uri="{FF2B5EF4-FFF2-40B4-BE49-F238E27FC236}">
-                <a16:creationId xmlns:a16="http://schemas.microsoft.com/office/drawing/2014/main" id="{92A6EE1A-A51D-82E9-E944-C19DCC5F2379}"/>
-              </a:ext>
-            </a:extLst>
-          </p:cNvPr>
-          <p:cNvSpPr/>
-          <p:nvPr/>
-        </p:nvSpPr>
-        <p:spPr>
-          <a:xfrm>
-            <a:off x="2156239" y="4267403"/>
-            <a:ext cx="834886" cy="369332"/>
-          </a:xfrm>
-          <a:prstGeom prst="rect">
-            <a:avLst/>
-          </a:prstGeom>
-          <a:noFill/>
-        </p:spPr>
-        <p:style>
-          <a:lnRef idx="2">
-            <a:schemeClr val="accent1">
-              <a:shade val="15000"/>
-            </a:schemeClr>
-          </a:lnRef>
-          <a:fillRef idx="1">
-            <a:schemeClr val="accent1"/>
-          </a:fillRef>
-          <a:effectRef idx="0">
-            <a:schemeClr val="accent1"/>
-          </a:effectRef>
-          <a:fontRef idx="minor">
-            <a:schemeClr val="lt1"/>
-          </a:fontRef>
-        </p:style>
-        <p:txBody>
-          <a:bodyPr rtlCol="0" anchor="ctr"/>
-          <a:lstStyle/>
-          <a:p>
-            <a:pPr algn="ctr"/>
-            <a:r>
-              <a:rPr kumimoji="1" lang="ja-JP" altLang="en-US" sz="1200" dirty="0">
-                <a:solidFill>
-                  <a:schemeClr val="tx1"/>
-                </a:solidFill>
-              </a:rPr>
-              <a:t>次へ</a:t>
-            </a:r>
-          </a:p>
-        </p:txBody>
-      </p:sp>
-      <p:sp>
-        <p:nvSpPr>
-          <p:cNvPr id="52" name="テキスト ボックス 51">
-            <a:extLst>
-              <a:ext uri="{FF2B5EF4-FFF2-40B4-BE49-F238E27FC236}">
-                <a16:creationId xmlns:a16="http://schemas.microsoft.com/office/drawing/2014/main" id="{7A1C385C-F55F-3FB8-7C8B-3AD96B862A6F}"/>
-              </a:ext>
-            </a:extLst>
-          </p:cNvPr>
-          <p:cNvSpPr txBox="1"/>
-          <p:nvPr/>
-        </p:nvSpPr>
-        <p:spPr>
-          <a:xfrm>
-            <a:off x="5675244" y="1397240"/>
-            <a:ext cx="6182138" cy="1200329"/>
-          </a:xfrm>
-          <a:prstGeom prst="rect">
-            <a:avLst/>
-          </a:prstGeom>
-          <a:noFill/>
-        </p:spPr>
-        <p:txBody>
-          <a:bodyPr wrap="square" rtlCol="0">
-            <a:spAutoFit/>
-          </a:bodyPr>
-          <a:lstStyle/>
-          <a:p>
-            <a:pPr marL="285750" indent="-285750">
-              <a:buFont typeface="Wingdings" panose="05000000000000000000" pitchFamily="2" charset="2"/>
-              <a:buChar char="l"/>
-            </a:pPr>
-            <a:r>
-              <a:rPr kumimoji="1" lang="ja-JP" altLang="en-US" dirty="0"/>
-              <a:t>中止</a:t>
-            </a:r>
-            <a:endParaRPr kumimoji="1" lang="en-US" altLang="ja-JP" dirty="0"/>
-          </a:p>
-          <a:p>
-            <a:pPr marL="742950" lvl="1" indent="-285750">
-              <a:buFont typeface="Wingdings" panose="05000000000000000000" pitchFamily="2" charset="2"/>
-              <a:buChar char="ü"/>
-            </a:pPr>
-            <a:r>
-              <a:rPr kumimoji="1" lang="ja-JP" altLang="en-US" dirty="0"/>
-              <a:t>修正トップページ</a:t>
-            </a:r>
-            <a:endParaRPr kumimoji="1" lang="en-US" altLang="ja-JP" dirty="0"/>
-          </a:p>
-          <a:p>
-            <a:pPr marL="285750" indent="-285750">
-              <a:buFont typeface="Wingdings" panose="05000000000000000000" pitchFamily="2" charset="2"/>
-              <a:buChar char="l"/>
-            </a:pPr>
-            <a:r>
-              <a:rPr kumimoji="1" lang="ja-JP" altLang="en-US" dirty="0"/>
-              <a:t>次へ</a:t>
-            </a:r>
-            <a:endParaRPr kumimoji="1" lang="en-US" altLang="ja-JP" dirty="0"/>
-          </a:p>
-          <a:p>
-            <a:pPr marL="742950" lvl="1" indent="-285750">
-              <a:buFont typeface="Wingdings" panose="05000000000000000000" pitchFamily="2" charset="2"/>
-              <a:buChar char="ü"/>
-            </a:pPr>
-            <a:r>
-              <a:rPr kumimoji="1" lang="ja-JP" altLang="en-US" dirty="0"/>
-              <a:t>画像選択ページ</a:t>
-            </a:r>
-            <a:endParaRPr kumimoji="1" lang="en-US" altLang="ja-JP" dirty="0"/>
-          </a:p>
-        </p:txBody>
-      </p:sp>
-    </p:spTree>
-    <p:extLst>
-      <p:ext uri="{BB962C8B-B14F-4D97-AF65-F5344CB8AC3E}">
-        <p14:creationId xmlns:p14="http://schemas.microsoft.com/office/powerpoint/2010/main" val="98850743"/>
-      </p:ext>
-    </p:extLst>
-  </p:cSld>
-  <p:clrMapOvr>
-    <a:masterClrMapping/>
-  </p:clrMapOvr>
-</p:sld>
-</file>
-
-<file path=ppt/slides/slide58.xml><?xml version="1.0" encoding="utf-8"?>
-<p:sld xmlns:a="http://schemas.openxmlformats.org/drawingml/2006/main" xmlns:r="http://schemas.openxmlformats.org/officeDocument/2006/relationships" xmlns:p="http://schemas.openxmlformats.org/presentationml/2006/main">
-  <p:cSld>
-    <p:spTree>
-      <p:nvGrpSpPr>
-        <p:cNvPr id="1" name="">
-          <a:extLst>
-            <a:ext uri="{FF2B5EF4-FFF2-40B4-BE49-F238E27FC236}">
-              <a16:creationId xmlns:a16="http://schemas.microsoft.com/office/drawing/2014/main" id="{DB79F67A-EF15-2696-B840-76F96B4F831F}"/>
-            </a:ext>
-          </a:extLst>
-        </p:cNvPr>
-        <p:cNvGrpSpPr/>
-        <p:nvPr/>
-      </p:nvGrpSpPr>
-      <p:grpSpPr>
-        <a:xfrm>
-          <a:off x="0" y="0"/>
-          <a:ext cx="0" cy="0"/>
-          <a:chOff x="0" y="0"/>
-          <a:chExt cx="0" cy="0"/>
-        </a:xfrm>
-      </p:grpSpPr>
-      <p:cxnSp>
-        <p:nvCxnSpPr>
-          <p:cNvPr id="4" name="直線コネクタ 3">
-            <a:extLst>
-              <a:ext uri="{FF2B5EF4-FFF2-40B4-BE49-F238E27FC236}">
-                <a16:creationId xmlns:a16="http://schemas.microsoft.com/office/drawing/2014/main" id="{A9C0C61C-8568-101D-50E0-0623D37B2258}"/>
-              </a:ext>
-            </a:extLst>
-          </p:cNvPr>
-          <p:cNvCxnSpPr/>
-          <p:nvPr/>
-        </p:nvCxnSpPr>
-        <p:spPr>
-          <a:xfrm>
-            <a:off x="228600" y="755374"/>
-            <a:ext cx="11936896" cy="0"/>
-          </a:xfrm>
-          <a:prstGeom prst="line">
-            <a:avLst/>
-          </a:prstGeom>
-        </p:spPr>
-        <p:style>
-          <a:lnRef idx="2">
-            <a:schemeClr val="accent1"/>
-          </a:lnRef>
-          <a:fillRef idx="0">
-            <a:schemeClr val="accent1"/>
-          </a:fillRef>
-          <a:effectRef idx="1">
-            <a:schemeClr val="accent1"/>
-          </a:effectRef>
-          <a:fontRef idx="minor">
-            <a:schemeClr val="tx1"/>
-          </a:fontRef>
-        </p:style>
-      </p:cxnSp>
-      <p:sp>
-        <p:nvSpPr>
-          <p:cNvPr id="5" name="テキスト ボックス 4">
-            <a:extLst>
-              <a:ext uri="{FF2B5EF4-FFF2-40B4-BE49-F238E27FC236}">
-                <a16:creationId xmlns:a16="http://schemas.microsoft.com/office/drawing/2014/main" id="{DA343C08-A8F5-EE08-F4BD-03A2E64B55AD}"/>
-              </a:ext>
-            </a:extLst>
-          </p:cNvPr>
-          <p:cNvSpPr txBox="1"/>
-          <p:nvPr/>
-        </p:nvSpPr>
-        <p:spPr>
-          <a:xfrm>
-            <a:off x="407504" y="198783"/>
-            <a:ext cx="3796748" cy="369332"/>
-          </a:xfrm>
-          <a:prstGeom prst="rect">
-            <a:avLst/>
-          </a:prstGeom>
-          <a:noFill/>
-        </p:spPr>
-        <p:txBody>
-          <a:bodyPr wrap="square" rtlCol="0">
-            <a:spAutoFit/>
-          </a:bodyPr>
-          <a:lstStyle/>
-          <a:p>
-            <a:r>
-              <a:rPr kumimoji="1" lang="ja-JP" altLang="en-US" dirty="0"/>
-              <a:t>修正：画像選択</a:t>
-            </a:r>
-          </a:p>
-        </p:txBody>
-      </p:sp>
-      <p:sp>
-        <p:nvSpPr>
-          <p:cNvPr id="6" name="テキスト ボックス 5">
-            <a:extLst>
-              <a:ext uri="{FF2B5EF4-FFF2-40B4-BE49-F238E27FC236}">
-                <a16:creationId xmlns:a16="http://schemas.microsoft.com/office/drawing/2014/main" id="{761DD57A-23B8-1CBA-34BE-86BFC8BEC0C7}"/>
-              </a:ext>
-            </a:extLst>
-          </p:cNvPr>
-          <p:cNvSpPr txBox="1"/>
-          <p:nvPr/>
-        </p:nvSpPr>
-        <p:spPr>
-          <a:xfrm>
-            <a:off x="1016277" y="1249866"/>
-            <a:ext cx="3579742" cy="369332"/>
-          </a:xfrm>
-          <a:prstGeom prst="rect">
-            <a:avLst/>
-          </a:prstGeom>
-          <a:noFill/>
-        </p:spPr>
-        <p:txBody>
-          <a:bodyPr wrap="square" rtlCol="0">
-            <a:spAutoFit/>
-          </a:bodyPr>
-          <a:lstStyle/>
-          <a:p>
-            <a:r>
-              <a:rPr kumimoji="1" lang="ja-JP" altLang="en-US" dirty="0"/>
-              <a:t>展示物画像</a:t>
-            </a:r>
-          </a:p>
-        </p:txBody>
-      </p:sp>
-      <p:sp>
-        <p:nvSpPr>
-          <p:cNvPr id="38" name="テキスト ボックス 37">
-            <a:extLst>
-              <a:ext uri="{FF2B5EF4-FFF2-40B4-BE49-F238E27FC236}">
-                <a16:creationId xmlns:a16="http://schemas.microsoft.com/office/drawing/2014/main" id="{44A8605A-DE5A-07F3-C682-C53D69979362}"/>
-              </a:ext>
-            </a:extLst>
-          </p:cNvPr>
-          <p:cNvSpPr txBox="1"/>
-          <p:nvPr/>
-        </p:nvSpPr>
-        <p:spPr>
-          <a:xfrm>
-            <a:off x="3975652" y="252657"/>
-            <a:ext cx="7535628" cy="369332"/>
-          </a:xfrm>
-          <a:prstGeom prst="rect">
-            <a:avLst/>
-          </a:prstGeom>
-          <a:noFill/>
-        </p:spPr>
-        <p:txBody>
-          <a:bodyPr wrap="square" rtlCol="0">
-            <a:spAutoFit/>
-          </a:bodyPr>
-          <a:lstStyle/>
-          <a:p>
-            <a:r>
-              <a:rPr kumimoji="1" lang="ja-JP" altLang="en-US" dirty="0"/>
-              <a:t>凡例：点線ボックスはエディットボックス、実線ボックスはボタン</a:t>
-            </a:r>
-          </a:p>
-        </p:txBody>
-      </p:sp>
-      <p:sp>
-        <p:nvSpPr>
-          <p:cNvPr id="47" name="テキスト ボックス 46">
-            <a:extLst>
-              <a:ext uri="{FF2B5EF4-FFF2-40B4-BE49-F238E27FC236}">
-                <a16:creationId xmlns:a16="http://schemas.microsoft.com/office/drawing/2014/main" id="{669AA25D-7A06-ACB9-8A76-69E1C98D4CF4}"/>
-              </a:ext>
-            </a:extLst>
-          </p:cNvPr>
-          <p:cNvSpPr txBox="1"/>
-          <p:nvPr/>
-        </p:nvSpPr>
-        <p:spPr>
-          <a:xfrm>
-            <a:off x="955814" y="4081469"/>
-            <a:ext cx="3921760" cy="369323"/>
-          </a:xfrm>
-          <a:prstGeom prst="rect">
-            <a:avLst/>
-          </a:prstGeom>
-          <a:noFill/>
-        </p:spPr>
-        <p:txBody>
-          <a:bodyPr wrap="square" rtlCol="0">
-            <a:spAutoFit/>
-          </a:bodyPr>
-          <a:lstStyle/>
-          <a:p>
-            <a:r>
-              <a:rPr kumimoji="1" lang="ja-JP" altLang="en-US" dirty="0"/>
-              <a:t>未使用言語は何も入れない</a:t>
-            </a:r>
-          </a:p>
-        </p:txBody>
-      </p:sp>
-      <p:sp>
-        <p:nvSpPr>
-          <p:cNvPr id="48" name="正方形/長方形 47">
-            <a:extLst>
-              <a:ext uri="{FF2B5EF4-FFF2-40B4-BE49-F238E27FC236}">
-                <a16:creationId xmlns:a16="http://schemas.microsoft.com/office/drawing/2014/main" id="{E276CBCF-7029-FA86-9EF9-FB061688F562}"/>
-              </a:ext>
-            </a:extLst>
-          </p:cNvPr>
-          <p:cNvSpPr/>
-          <p:nvPr/>
-        </p:nvSpPr>
-        <p:spPr>
-          <a:xfrm>
-            <a:off x="711201" y="1079037"/>
-            <a:ext cx="4338320" cy="4864563"/>
-          </a:xfrm>
-          <a:prstGeom prst="rect">
-            <a:avLst/>
-          </a:prstGeom>
-          <a:noFill/>
-        </p:spPr>
-        <p:style>
-          <a:lnRef idx="2">
-            <a:schemeClr val="accent1">
-              <a:shade val="15000"/>
-            </a:schemeClr>
-          </a:lnRef>
-          <a:fillRef idx="1">
-            <a:schemeClr val="accent1"/>
-          </a:fillRef>
-          <a:effectRef idx="0">
-            <a:schemeClr val="accent1"/>
-          </a:effectRef>
-          <a:fontRef idx="minor">
-            <a:schemeClr val="lt1"/>
-          </a:fontRef>
-        </p:style>
-        <p:txBody>
-          <a:bodyPr rtlCol="0" anchor="ctr"/>
-          <a:lstStyle/>
-          <a:p>
-            <a:pPr algn="ctr"/>
-            <a:endParaRPr kumimoji="1" lang="ja-JP" altLang="en-US" sz="1200" dirty="0">
-              <a:solidFill>
-                <a:schemeClr val="tx1"/>
-              </a:solidFill>
-            </a:endParaRPr>
-          </a:p>
-        </p:txBody>
-      </p:sp>
-      <p:sp>
-        <p:nvSpPr>
-          <p:cNvPr id="49" name="正方形/長方形 48">
-            <a:extLst>
-              <a:ext uri="{FF2B5EF4-FFF2-40B4-BE49-F238E27FC236}">
-                <a16:creationId xmlns:a16="http://schemas.microsoft.com/office/drawing/2014/main" id="{A1BB6215-4B5E-38BD-774C-B906DFC9C757}"/>
-              </a:ext>
-            </a:extLst>
-          </p:cNvPr>
-          <p:cNvSpPr/>
-          <p:nvPr/>
-        </p:nvSpPr>
-        <p:spPr>
-          <a:xfrm>
-            <a:off x="1105454" y="4871832"/>
-            <a:ext cx="834886" cy="369332"/>
-          </a:xfrm>
-          <a:prstGeom prst="rect">
-            <a:avLst/>
-          </a:prstGeom>
-          <a:noFill/>
-        </p:spPr>
-        <p:style>
-          <a:lnRef idx="2">
-            <a:schemeClr val="accent1">
-              <a:shade val="15000"/>
-            </a:schemeClr>
-          </a:lnRef>
-          <a:fillRef idx="1">
-            <a:schemeClr val="accent1"/>
-          </a:fillRef>
-          <a:effectRef idx="0">
-            <a:schemeClr val="accent1"/>
-          </a:effectRef>
-          <a:fontRef idx="minor">
-            <a:schemeClr val="lt1"/>
-          </a:fontRef>
-        </p:style>
-        <p:txBody>
-          <a:bodyPr rtlCol="0" anchor="ctr"/>
-          <a:lstStyle/>
-          <a:p>
-            <a:pPr algn="ctr"/>
-            <a:r>
-              <a:rPr kumimoji="1" lang="ja-JP" altLang="en-US" sz="1200" dirty="0">
-                <a:solidFill>
-                  <a:schemeClr val="tx1"/>
-                </a:solidFill>
-              </a:rPr>
-              <a:t>中止</a:t>
-            </a:r>
-          </a:p>
-        </p:txBody>
-      </p:sp>
-      <p:sp>
-        <p:nvSpPr>
-          <p:cNvPr id="50" name="正方形/長方形 49">
-            <a:extLst>
-              <a:ext uri="{FF2B5EF4-FFF2-40B4-BE49-F238E27FC236}">
-                <a16:creationId xmlns:a16="http://schemas.microsoft.com/office/drawing/2014/main" id="{3481D28B-F737-9EF8-72FE-5F90065DBF84}"/>
-              </a:ext>
-            </a:extLst>
-          </p:cNvPr>
-          <p:cNvSpPr/>
-          <p:nvPr/>
-        </p:nvSpPr>
-        <p:spPr>
-          <a:xfrm>
-            <a:off x="2245416" y="4871832"/>
-            <a:ext cx="834886" cy="369332"/>
-          </a:xfrm>
-          <a:prstGeom prst="rect">
-            <a:avLst/>
-          </a:prstGeom>
-          <a:noFill/>
-        </p:spPr>
-        <p:style>
-          <a:lnRef idx="2">
-            <a:schemeClr val="accent1">
-              <a:shade val="15000"/>
-            </a:schemeClr>
-          </a:lnRef>
-          <a:fillRef idx="1">
-            <a:schemeClr val="accent1"/>
-          </a:fillRef>
-          <a:effectRef idx="0">
-            <a:schemeClr val="accent1"/>
-          </a:effectRef>
-          <a:fontRef idx="minor">
-            <a:schemeClr val="lt1"/>
-          </a:fontRef>
-        </p:style>
-        <p:txBody>
-          <a:bodyPr rtlCol="0" anchor="ctr"/>
-          <a:lstStyle/>
-          <a:p>
-            <a:pPr algn="ctr"/>
-            <a:r>
-              <a:rPr kumimoji="1" lang="ja-JP" altLang="en-US" sz="1200" dirty="0">
-                <a:solidFill>
-                  <a:schemeClr val="tx1"/>
-                </a:solidFill>
-              </a:rPr>
-              <a:t>次へ</a:t>
-            </a:r>
-          </a:p>
-        </p:txBody>
-      </p:sp>
-      <p:sp>
-        <p:nvSpPr>
-          <p:cNvPr id="52" name="テキスト ボックス 51">
-            <a:extLst>
-              <a:ext uri="{FF2B5EF4-FFF2-40B4-BE49-F238E27FC236}">
-                <a16:creationId xmlns:a16="http://schemas.microsoft.com/office/drawing/2014/main" id="{A5F92EA2-03A0-73E2-8DA8-51DA50B7B255}"/>
-              </a:ext>
-            </a:extLst>
-          </p:cNvPr>
-          <p:cNvSpPr txBox="1"/>
-          <p:nvPr/>
-        </p:nvSpPr>
-        <p:spPr>
-          <a:xfrm>
-            <a:off x="5675244" y="1397240"/>
-            <a:ext cx="6182138" cy="2031325"/>
-          </a:xfrm>
-          <a:prstGeom prst="rect">
-            <a:avLst/>
-          </a:prstGeom>
-          <a:noFill/>
-        </p:spPr>
-        <p:txBody>
-          <a:bodyPr wrap="square" rtlCol="0">
-            <a:spAutoFit/>
-          </a:bodyPr>
-          <a:lstStyle/>
-          <a:p>
-            <a:pPr marL="285750" indent="-285750">
-              <a:buFont typeface="Wingdings" panose="05000000000000000000" pitchFamily="2" charset="2"/>
-              <a:buChar char="l"/>
-            </a:pPr>
-            <a:r>
-              <a:rPr kumimoji="1" lang="ja-JP" altLang="en-US" dirty="0"/>
-              <a:t>中止</a:t>
-            </a:r>
-            <a:endParaRPr kumimoji="1" lang="en-US" altLang="ja-JP" dirty="0"/>
-          </a:p>
-          <a:p>
-            <a:pPr marL="742950" lvl="1" indent="-285750">
-              <a:buFont typeface="Wingdings" panose="05000000000000000000" pitchFamily="2" charset="2"/>
-              <a:buChar char="ü"/>
-            </a:pPr>
-            <a:r>
-              <a:rPr kumimoji="1" lang="ja-JP" altLang="en-US" dirty="0"/>
-              <a:t>修正トップページ</a:t>
-            </a:r>
-            <a:endParaRPr kumimoji="1" lang="en-US" altLang="ja-JP" dirty="0"/>
-          </a:p>
-          <a:p>
-            <a:pPr marL="285750" indent="-285750">
-              <a:buFont typeface="Wingdings" panose="05000000000000000000" pitchFamily="2" charset="2"/>
-              <a:buChar char="l"/>
-            </a:pPr>
-            <a:r>
-              <a:rPr kumimoji="1" lang="ja-JP" altLang="en-US" dirty="0"/>
-              <a:t>選択</a:t>
-            </a:r>
-            <a:endParaRPr kumimoji="1" lang="en-US" altLang="ja-JP" dirty="0"/>
-          </a:p>
-          <a:p>
-            <a:pPr marL="742950" lvl="1" indent="-285750">
-              <a:buFont typeface="Wingdings" panose="05000000000000000000" pitchFamily="2" charset="2"/>
-              <a:buChar char="ü"/>
-            </a:pPr>
-            <a:r>
-              <a:rPr kumimoji="1" lang="ja-JP" altLang="en-US" dirty="0"/>
-              <a:t>ファイル名入力欄に入力されたファイルを確定</a:t>
-            </a:r>
-            <a:endParaRPr kumimoji="1" lang="en-US" altLang="ja-JP" dirty="0"/>
-          </a:p>
-          <a:p>
-            <a:pPr marL="742950" lvl="1" indent="-285750">
-              <a:buFont typeface="Wingdings" panose="05000000000000000000" pitchFamily="2" charset="2"/>
-              <a:buChar char="ü"/>
-            </a:pPr>
-            <a:r>
-              <a:rPr kumimoji="1" lang="ja-JP" altLang="en-US" dirty="0"/>
-              <a:t>確定したファイル画像が表示される</a:t>
-            </a:r>
-            <a:endParaRPr kumimoji="1" lang="en-US" altLang="ja-JP" dirty="0"/>
-          </a:p>
-          <a:p>
-            <a:pPr marL="285750" indent="-285750">
-              <a:buFont typeface="Wingdings" panose="05000000000000000000" pitchFamily="2" charset="2"/>
-              <a:buChar char="l"/>
-            </a:pPr>
-            <a:r>
-              <a:rPr kumimoji="1" lang="ja-JP" altLang="en-US" dirty="0"/>
-              <a:t>次へ</a:t>
-            </a:r>
-            <a:endParaRPr kumimoji="1" lang="en-US" altLang="ja-JP" dirty="0"/>
-          </a:p>
-          <a:p>
-            <a:pPr marL="742950" lvl="1" indent="-285750">
-              <a:buFont typeface="Wingdings" panose="05000000000000000000" pitchFamily="2" charset="2"/>
-              <a:buChar char="ü"/>
-            </a:pPr>
-            <a:r>
-              <a:rPr kumimoji="1" lang="ja-JP" altLang="en-US" dirty="0"/>
-              <a:t>説明文入力欄に移動</a:t>
-            </a:r>
-            <a:endParaRPr kumimoji="1" lang="en-US" altLang="ja-JP" dirty="0"/>
-          </a:p>
-        </p:txBody>
-      </p:sp>
-      <p:sp>
-        <p:nvSpPr>
-          <p:cNvPr id="3" name="正方形/長方形 2">
-            <a:extLst>
-              <a:ext uri="{FF2B5EF4-FFF2-40B4-BE49-F238E27FC236}">
-                <a16:creationId xmlns:a16="http://schemas.microsoft.com/office/drawing/2014/main" id="{7B5DC4DA-066A-7198-6190-F2CA23082FE4}"/>
-              </a:ext>
-            </a:extLst>
-          </p:cNvPr>
-          <p:cNvSpPr/>
-          <p:nvPr/>
-        </p:nvSpPr>
-        <p:spPr>
-          <a:xfrm>
-            <a:off x="996399" y="3581581"/>
-            <a:ext cx="2837301" cy="369332"/>
-          </a:xfrm>
-          <a:prstGeom prst="rect">
-            <a:avLst/>
-          </a:prstGeom>
-          <a:noFill/>
-          <a:ln>
-            <a:prstDash val="dash"/>
-          </a:ln>
-        </p:spPr>
-        <p:style>
-          <a:lnRef idx="2">
-            <a:schemeClr val="accent1">
-              <a:shade val="15000"/>
-            </a:schemeClr>
-          </a:lnRef>
-          <a:fillRef idx="1">
-            <a:schemeClr val="accent1"/>
-          </a:fillRef>
-          <a:effectRef idx="0">
-            <a:schemeClr val="accent1"/>
-          </a:effectRef>
-          <a:fontRef idx="minor">
-            <a:schemeClr val="lt1"/>
-          </a:fontRef>
-        </p:style>
-        <p:txBody>
-          <a:bodyPr rtlCol="0" anchor="ctr"/>
-          <a:lstStyle/>
-          <a:p>
-            <a:pPr algn="ctr"/>
-            <a:r>
-              <a:rPr kumimoji="1" lang="ja-JP" altLang="en-US" sz="1200" dirty="0">
-                <a:solidFill>
-                  <a:schemeClr val="tx1"/>
-                </a:solidFill>
-              </a:rPr>
-              <a:t>ファイル名入力欄</a:t>
-            </a:r>
-          </a:p>
-        </p:txBody>
-      </p:sp>
-      <p:sp>
-        <p:nvSpPr>
-          <p:cNvPr id="7" name="正方形/長方形 6">
-            <a:extLst>
-              <a:ext uri="{FF2B5EF4-FFF2-40B4-BE49-F238E27FC236}">
-                <a16:creationId xmlns:a16="http://schemas.microsoft.com/office/drawing/2014/main" id="{8CFB2961-AD0D-8A4E-F03D-85B82E050EE8}"/>
-              </a:ext>
-            </a:extLst>
-          </p:cNvPr>
-          <p:cNvSpPr/>
-          <p:nvPr/>
-        </p:nvSpPr>
-        <p:spPr>
-          <a:xfrm>
-            <a:off x="3977862" y="3581581"/>
-            <a:ext cx="834886" cy="369332"/>
-          </a:xfrm>
-          <a:prstGeom prst="rect">
-            <a:avLst/>
-          </a:prstGeom>
-          <a:noFill/>
-        </p:spPr>
-        <p:style>
-          <a:lnRef idx="2">
-            <a:schemeClr val="accent1">
-              <a:shade val="15000"/>
-            </a:schemeClr>
-          </a:lnRef>
-          <a:fillRef idx="1">
-            <a:schemeClr val="accent1"/>
-          </a:fillRef>
-          <a:effectRef idx="0">
-            <a:schemeClr val="accent1"/>
-          </a:effectRef>
-          <a:fontRef idx="minor">
-            <a:schemeClr val="lt1"/>
-          </a:fontRef>
-        </p:style>
-        <p:txBody>
-          <a:bodyPr rtlCol="0" anchor="ctr"/>
-          <a:lstStyle/>
-          <a:p>
-            <a:pPr algn="ctr"/>
-            <a:r>
-              <a:rPr kumimoji="1" lang="ja-JP" altLang="en-US" sz="1200" dirty="0">
-                <a:solidFill>
-                  <a:schemeClr val="tx1"/>
-                </a:solidFill>
-              </a:rPr>
-              <a:t>選択</a:t>
-            </a:r>
-          </a:p>
-        </p:txBody>
-      </p:sp>
-      <p:pic>
-        <p:nvPicPr>
-          <p:cNvPr id="8" name="図 7" descr="テーブル, 座る, ベッド, 横たわる が含まれている画像&#10;&#10;AI 生成コンテンツは誤りを含む可能性があります。">
-            <a:extLst>
-              <a:ext uri="{FF2B5EF4-FFF2-40B4-BE49-F238E27FC236}">
-                <a16:creationId xmlns:a16="http://schemas.microsoft.com/office/drawing/2014/main" id="{674ED103-3CBA-091D-699E-7DF78D905209}"/>
-              </a:ext>
-            </a:extLst>
-          </p:cNvPr>
-          <p:cNvPicPr>
-            <a:picLocks noChangeAspect="1"/>
-          </p:cNvPicPr>
-          <p:nvPr/>
-        </p:nvPicPr>
-        <p:blipFill>
-          <a:blip r:embed="rId2"/>
-          <a:stretch>
-            <a:fillRect/>
-          </a:stretch>
-        </p:blipFill>
-        <p:spPr>
-          <a:xfrm>
-            <a:off x="1252169" y="1790027"/>
-            <a:ext cx="1182758" cy="1414482"/>
-          </a:xfrm>
-          <a:prstGeom prst="rect">
-            <a:avLst/>
-          </a:prstGeom>
-        </p:spPr>
-      </p:pic>
-      <p:sp>
-        <p:nvSpPr>
-          <p:cNvPr id="9" name="吹き出し: 四角形 8">
-            <a:extLst>
-              <a:ext uri="{FF2B5EF4-FFF2-40B4-BE49-F238E27FC236}">
-                <a16:creationId xmlns:a16="http://schemas.microsoft.com/office/drawing/2014/main" id="{584426B7-1409-04CB-D612-AC71DC3AEBE4}"/>
-              </a:ext>
-            </a:extLst>
-          </p:cNvPr>
-          <p:cNvSpPr/>
-          <p:nvPr/>
-        </p:nvSpPr>
-        <p:spPr>
-          <a:xfrm>
-            <a:off x="2865424" y="1978214"/>
-            <a:ext cx="1338828" cy="619355"/>
-          </a:xfrm>
-          <a:prstGeom prst="wedgeRectCallout">
-            <a:avLst>
-              <a:gd name="adj1" fmla="val -76511"/>
-              <a:gd name="adj2" fmla="val 76942"/>
-            </a:avLst>
-          </a:prstGeom>
-          <a:noFill/>
-        </p:spPr>
-        <p:style>
-          <a:lnRef idx="2">
-            <a:schemeClr val="accent1">
-              <a:shade val="15000"/>
-            </a:schemeClr>
-          </a:lnRef>
-          <a:fillRef idx="1">
-            <a:schemeClr val="accent1"/>
-          </a:fillRef>
-          <a:effectRef idx="0">
-            <a:schemeClr val="accent1"/>
-          </a:effectRef>
-          <a:fontRef idx="minor">
-            <a:schemeClr val="lt1"/>
-          </a:fontRef>
-        </p:style>
-        <p:txBody>
-          <a:bodyPr rtlCol="0" anchor="ctr"/>
-          <a:lstStyle/>
-          <a:p>
-            <a:pPr algn="ctr"/>
-            <a:r>
-              <a:rPr kumimoji="1" lang="ja-JP" altLang="en-US" sz="1200" dirty="0">
-                <a:solidFill>
-                  <a:schemeClr val="tx1"/>
-                </a:solidFill>
-              </a:rPr>
-              <a:t>ここに画像が表示される</a:t>
-            </a:r>
-          </a:p>
-        </p:txBody>
-      </p:sp>
-    </p:spTree>
-    <p:extLst>
-      <p:ext uri="{BB962C8B-B14F-4D97-AF65-F5344CB8AC3E}">
-        <p14:creationId xmlns:p14="http://schemas.microsoft.com/office/powerpoint/2010/main" val="2182266341"/>
-      </p:ext>
-    </p:extLst>
-  </p:cSld>
-  <p:clrMapOvr>
-    <a:masterClrMapping/>
-  </p:clrMapOvr>
-</p:sld>
-</file>
-
-<file path=ppt/slides/slide59.xml><?xml version="1.0" encoding="utf-8"?>
-<p:sld xmlns:a="http://schemas.openxmlformats.org/drawingml/2006/main" xmlns:r="http://schemas.openxmlformats.org/officeDocument/2006/relationships" xmlns:p="http://schemas.openxmlformats.org/presentationml/2006/main">
-  <p:cSld>
-    <p:spTree>
-      <p:nvGrpSpPr>
-        <p:cNvPr id="1" name="">
-          <a:extLst>
-            <a:ext uri="{FF2B5EF4-FFF2-40B4-BE49-F238E27FC236}">
-              <a16:creationId xmlns:a16="http://schemas.microsoft.com/office/drawing/2014/main" id="{B1983816-7B69-41CB-ADC6-C57438869853}"/>
-            </a:ext>
-          </a:extLst>
-        </p:cNvPr>
-        <p:cNvGrpSpPr/>
-        <p:nvPr/>
-      </p:nvGrpSpPr>
-      <p:grpSpPr>
-        <a:xfrm>
-          <a:off x="0" y="0"/>
-          <a:ext cx="0" cy="0"/>
-          <a:chOff x="0" y="0"/>
-          <a:chExt cx="0" cy="0"/>
-        </a:xfrm>
-      </p:grpSpPr>
-      <p:cxnSp>
-        <p:nvCxnSpPr>
-          <p:cNvPr id="4" name="直線コネクタ 3">
-            <a:extLst>
-              <a:ext uri="{FF2B5EF4-FFF2-40B4-BE49-F238E27FC236}">
-                <a16:creationId xmlns:a16="http://schemas.microsoft.com/office/drawing/2014/main" id="{9374D7C5-EB2C-58A2-FC40-BF78243F1B5A}"/>
-              </a:ext>
-            </a:extLst>
-          </p:cNvPr>
-          <p:cNvCxnSpPr/>
-          <p:nvPr/>
-        </p:nvCxnSpPr>
-        <p:spPr>
-          <a:xfrm>
-            <a:off x="228600" y="755374"/>
-            <a:ext cx="11936896" cy="0"/>
-          </a:xfrm>
-          <a:prstGeom prst="line">
-            <a:avLst/>
-          </a:prstGeom>
-        </p:spPr>
-        <p:style>
-          <a:lnRef idx="2">
-            <a:schemeClr val="accent1"/>
-          </a:lnRef>
-          <a:fillRef idx="0">
-            <a:schemeClr val="accent1"/>
-          </a:fillRef>
-          <a:effectRef idx="1">
-            <a:schemeClr val="accent1"/>
-          </a:effectRef>
-          <a:fontRef idx="minor">
-            <a:schemeClr val="tx1"/>
-          </a:fontRef>
-        </p:style>
-      </p:cxnSp>
-      <p:sp>
-        <p:nvSpPr>
-          <p:cNvPr id="5" name="テキスト ボックス 4">
-            <a:extLst>
-              <a:ext uri="{FF2B5EF4-FFF2-40B4-BE49-F238E27FC236}">
-                <a16:creationId xmlns:a16="http://schemas.microsoft.com/office/drawing/2014/main" id="{58DEB5FA-6A0F-5C6E-73D8-0F6E00C4E59A}"/>
-              </a:ext>
-            </a:extLst>
-          </p:cNvPr>
-          <p:cNvSpPr txBox="1"/>
-          <p:nvPr/>
-        </p:nvSpPr>
-        <p:spPr>
-          <a:xfrm>
-            <a:off x="407504" y="198783"/>
-            <a:ext cx="3796748" cy="369332"/>
-          </a:xfrm>
-          <a:prstGeom prst="rect">
-            <a:avLst/>
-          </a:prstGeom>
-          <a:noFill/>
-        </p:spPr>
-        <p:txBody>
-          <a:bodyPr wrap="square" rtlCol="0">
-            <a:spAutoFit/>
-          </a:bodyPr>
-          <a:lstStyle/>
-          <a:p>
-            <a:r>
-              <a:rPr kumimoji="1" lang="ja-JP" altLang="en-US" dirty="0"/>
-              <a:t>修正：説明文入力</a:t>
-            </a:r>
-          </a:p>
-        </p:txBody>
-      </p:sp>
-      <p:sp>
-        <p:nvSpPr>
-          <p:cNvPr id="6" name="テキスト ボックス 5">
-            <a:extLst>
-              <a:ext uri="{FF2B5EF4-FFF2-40B4-BE49-F238E27FC236}">
-                <a16:creationId xmlns:a16="http://schemas.microsoft.com/office/drawing/2014/main" id="{6D926DB8-39D0-E7B8-3468-6F09A3A237A7}"/>
-              </a:ext>
-            </a:extLst>
-          </p:cNvPr>
-          <p:cNvSpPr txBox="1"/>
-          <p:nvPr/>
-        </p:nvSpPr>
-        <p:spPr>
-          <a:xfrm>
-            <a:off x="1016277" y="1249866"/>
-            <a:ext cx="3579742" cy="369332"/>
-          </a:xfrm>
-          <a:prstGeom prst="rect">
-            <a:avLst/>
-          </a:prstGeom>
-          <a:noFill/>
-        </p:spPr>
-        <p:txBody>
-          <a:bodyPr wrap="square" rtlCol="0">
-            <a:spAutoFit/>
-          </a:bodyPr>
-          <a:lstStyle/>
-          <a:p>
-            <a:r>
-              <a:rPr kumimoji="1" lang="ja-JP" altLang="en-US" dirty="0"/>
-              <a:t>説明文入力</a:t>
-            </a:r>
-          </a:p>
-        </p:txBody>
-      </p:sp>
-      <p:sp>
-        <p:nvSpPr>
-          <p:cNvPr id="38" name="テキスト ボックス 37">
-            <a:extLst>
-              <a:ext uri="{FF2B5EF4-FFF2-40B4-BE49-F238E27FC236}">
-                <a16:creationId xmlns:a16="http://schemas.microsoft.com/office/drawing/2014/main" id="{0912BEB1-7029-272E-4174-D34B9A43D7FC}"/>
-              </a:ext>
-            </a:extLst>
-          </p:cNvPr>
-          <p:cNvSpPr txBox="1"/>
-          <p:nvPr/>
-        </p:nvSpPr>
-        <p:spPr>
-          <a:xfrm>
-            <a:off x="3975652" y="252657"/>
-            <a:ext cx="7535628" cy="369332"/>
-          </a:xfrm>
-          <a:prstGeom prst="rect">
-            <a:avLst/>
-          </a:prstGeom>
-          <a:noFill/>
-        </p:spPr>
-        <p:txBody>
-          <a:bodyPr wrap="square" rtlCol="0">
-            <a:spAutoFit/>
-          </a:bodyPr>
-          <a:lstStyle/>
-          <a:p>
-            <a:r>
-              <a:rPr kumimoji="1" lang="ja-JP" altLang="en-US" dirty="0"/>
-              <a:t>凡例：点線ボックスはエディットボックス、実線ボックスはボタン</a:t>
-            </a:r>
-          </a:p>
-        </p:txBody>
-      </p:sp>
-      <p:sp>
-        <p:nvSpPr>
-          <p:cNvPr id="48" name="正方形/長方形 47">
-            <a:extLst>
-              <a:ext uri="{FF2B5EF4-FFF2-40B4-BE49-F238E27FC236}">
-                <a16:creationId xmlns:a16="http://schemas.microsoft.com/office/drawing/2014/main" id="{BF113430-CE55-EF58-569B-6E5E96794839}"/>
-              </a:ext>
-            </a:extLst>
-          </p:cNvPr>
-          <p:cNvSpPr/>
-          <p:nvPr/>
-        </p:nvSpPr>
-        <p:spPr>
-          <a:xfrm>
-            <a:off x="711201" y="1079037"/>
-            <a:ext cx="4338320" cy="4864563"/>
-          </a:xfrm>
-          <a:prstGeom prst="rect">
-            <a:avLst/>
-          </a:prstGeom>
-          <a:noFill/>
-        </p:spPr>
-        <p:style>
-          <a:lnRef idx="2">
-            <a:schemeClr val="accent1">
-              <a:shade val="15000"/>
-            </a:schemeClr>
-          </a:lnRef>
-          <a:fillRef idx="1">
-            <a:schemeClr val="accent1"/>
-          </a:fillRef>
-          <a:effectRef idx="0">
-            <a:schemeClr val="accent1"/>
-          </a:effectRef>
-          <a:fontRef idx="minor">
-            <a:schemeClr val="lt1"/>
-          </a:fontRef>
-        </p:style>
-        <p:txBody>
-          <a:bodyPr rtlCol="0" anchor="ctr"/>
-          <a:lstStyle/>
-          <a:p>
-            <a:pPr algn="ctr"/>
-            <a:endParaRPr kumimoji="1" lang="ja-JP" altLang="en-US" sz="1200" dirty="0">
-              <a:solidFill>
-                <a:schemeClr val="tx1"/>
-              </a:solidFill>
-            </a:endParaRPr>
-          </a:p>
-        </p:txBody>
-      </p:sp>
-      <p:sp>
-        <p:nvSpPr>
-          <p:cNvPr id="49" name="正方形/長方形 48">
-            <a:extLst>
-              <a:ext uri="{FF2B5EF4-FFF2-40B4-BE49-F238E27FC236}">
-                <a16:creationId xmlns:a16="http://schemas.microsoft.com/office/drawing/2014/main" id="{92601AF4-B574-5C92-5E21-176E719C261D}"/>
-              </a:ext>
-            </a:extLst>
-          </p:cNvPr>
-          <p:cNvSpPr/>
-          <p:nvPr/>
-        </p:nvSpPr>
-        <p:spPr>
-          <a:xfrm>
-            <a:off x="1016277" y="5238802"/>
-            <a:ext cx="834886" cy="369332"/>
-          </a:xfrm>
-          <a:prstGeom prst="rect">
-            <a:avLst/>
-          </a:prstGeom>
-          <a:noFill/>
-        </p:spPr>
-        <p:style>
-          <a:lnRef idx="2">
-            <a:schemeClr val="accent1">
-              <a:shade val="15000"/>
-            </a:schemeClr>
-          </a:lnRef>
-          <a:fillRef idx="1">
-            <a:schemeClr val="accent1"/>
-          </a:fillRef>
-          <a:effectRef idx="0">
-            <a:schemeClr val="accent1"/>
-          </a:effectRef>
-          <a:fontRef idx="minor">
-            <a:schemeClr val="lt1"/>
-          </a:fontRef>
-        </p:style>
-        <p:txBody>
-          <a:bodyPr rtlCol="0" anchor="ctr"/>
-          <a:lstStyle/>
-          <a:p>
-            <a:pPr algn="ctr"/>
-            <a:r>
-              <a:rPr kumimoji="1" lang="ja-JP" altLang="en-US" sz="1200" dirty="0">
-                <a:solidFill>
-                  <a:schemeClr val="tx1"/>
-                </a:solidFill>
-              </a:rPr>
-              <a:t>中止</a:t>
-            </a:r>
-          </a:p>
-        </p:txBody>
-      </p:sp>
-      <p:sp>
-        <p:nvSpPr>
-          <p:cNvPr id="50" name="正方形/長方形 49">
-            <a:extLst>
-              <a:ext uri="{FF2B5EF4-FFF2-40B4-BE49-F238E27FC236}">
-                <a16:creationId xmlns:a16="http://schemas.microsoft.com/office/drawing/2014/main" id="{553048A9-6CBD-3F33-6DAC-133CE4B82773}"/>
-              </a:ext>
-            </a:extLst>
-          </p:cNvPr>
-          <p:cNvSpPr/>
-          <p:nvPr/>
-        </p:nvSpPr>
-        <p:spPr>
-          <a:xfrm>
-            <a:off x="2156239" y="5238802"/>
-            <a:ext cx="834886" cy="369332"/>
-          </a:xfrm>
-          <a:prstGeom prst="rect">
-            <a:avLst/>
-          </a:prstGeom>
-          <a:noFill/>
-        </p:spPr>
-        <p:style>
-          <a:lnRef idx="2">
-            <a:schemeClr val="accent1">
-              <a:shade val="15000"/>
-            </a:schemeClr>
-          </a:lnRef>
-          <a:fillRef idx="1">
-            <a:schemeClr val="accent1"/>
-          </a:fillRef>
-          <a:effectRef idx="0">
-            <a:schemeClr val="accent1"/>
-          </a:effectRef>
-          <a:fontRef idx="minor">
-            <a:schemeClr val="lt1"/>
-          </a:fontRef>
-        </p:style>
-        <p:txBody>
-          <a:bodyPr rtlCol="0" anchor="ctr"/>
-          <a:lstStyle/>
-          <a:p>
-            <a:pPr algn="ctr"/>
-            <a:r>
-              <a:rPr kumimoji="1" lang="en-US" altLang="ja-JP" sz="1200" dirty="0">
-                <a:solidFill>
-                  <a:schemeClr val="tx1"/>
-                </a:solidFill>
-              </a:rPr>
-              <a:t>OK</a:t>
-            </a:r>
-          </a:p>
-        </p:txBody>
-      </p:sp>
-      <p:sp>
-        <p:nvSpPr>
-          <p:cNvPr id="52" name="テキスト ボックス 51">
-            <a:extLst>
-              <a:ext uri="{FF2B5EF4-FFF2-40B4-BE49-F238E27FC236}">
-                <a16:creationId xmlns:a16="http://schemas.microsoft.com/office/drawing/2014/main" id="{EC17538A-E700-90AF-98E7-D9BB308BDD37}"/>
-              </a:ext>
-            </a:extLst>
-          </p:cNvPr>
-          <p:cNvSpPr txBox="1"/>
-          <p:nvPr/>
-        </p:nvSpPr>
-        <p:spPr>
-          <a:xfrm>
-            <a:off x="5799372" y="1079037"/>
-            <a:ext cx="6182138" cy="923330"/>
-          </a:xfrm>
-          <a:prstGeom prst="rect">
-            <a:avLst/>
-          </a:prstGeom>
-          <a:noFill/>
-        </p:spPr>
-        <p:txBody>
-          <a:bodyPr wrap="square" rtlCol="0">
-            <a:spAutoFit/>
-          </a:bodyPr>
-          <a:lstStyle/>
-          <a:p>
-            <a:r>
-              <a:rPr kumimoji="1" lang="ja-JP" altLang="en-US" dirty="0"/>
-              <a:t>必要な言語を選択し説明文を入力する</a:t>
-            </a:r>
-            <a:endParaRPr kumimoji="1" lang="en-US" altLang="ja-JP" dirty="0"/>
-          </a:p>
-          <a:p>
-            <a:r>
-              <a:rPr kumimoji="1" lang="ja-JP" altLang="en-US" dirty="0"/>
-              <a:t>対象外の言語は未入力にしておく</a:t>
-            </a:r>
-            <a:endParaRPr kumimoji="1" lang="en-US" altLang="ja-JP" dirty="0"/>
-          </a:p>
-          <a:p>
-            <a:r>
-              <a:rPr kumimoji="1" lang="ja-JP" altLang="en-US" dirty="0"/>
-              <a:t>対象言語すべての入力が終わったら</a:t>
-            </a:r>
-            <a:r>
-              <a:rPr lang="en-US" altLang="ja-JP" dirty="0"/>
-              <a:t>OK</a:t>
-            </a:r>
-            <a:r>
-              <a:rPr lang="ja-JP" altLang="en-US" dirty="0"/>
-              <a:t>ボタン</a:t>
-            </a:r>
-            <a:endParaRPr lang="en-US" altLang="ja-JP" dirty="0"/>
-          </a:p>
-        </p:txBody>
-      </p:sp>
-      <p:sp>
-        <p:nvSpPr>
-          <p:cNvPr id="2" name="テキスト ボックス 1">
-            <a:extLst>
-              <a:ext uri="{FF2B5EF4-FFF2-40B4-BE49-F238E27FC236}">
-                <a16:creationId xmlns:a16="http://schemas.microsoft.com/office/drawing/2014/main" id="{CD51F646-82BE-BC1A-DE4C-A54EBF2DA8D3}"/>
-              </a:ext>
-            </a:extLst>
-          </p:cNvPr>
-          <p:cNvSpPr txBox="1"/>
-          <p:nvPr/>
-        </p:nvSpPr>
-        <p:spPr>
-          <a:xfrm>
-            <a:off x="1311965" y="1707154"/>
-            <a:ext cx="2663687" cy="923330"/>
-          </a:xfrm>
-          <a:prstGeom prst="rect">
-            <a:avLst/>
-          </a:prstGeom>
-          <a:noFill/>
-        </p:spPr>
-        <p:txBody>
-          <a:bodyPr wrap="square" rtlCol="0">
-            <a:spAutoFit/>
-          </a:bodyPr>
-          <a:lstStyle/>
-          <a:p>
-            <a:r>
-              <a:rPr kumimoji="1" lang="ja-JP" altLang="en-US" dirty="0"/>
-              <a:t>☑日本語</a:t>
-            </a:r>
-            <a:endParaRPr kumimoji="1" lang="en-US" altLang="ja-JP" dirty="0"/>
-          </a:p>
-          <a:p>
-            <a:r>
-              <a:rPr kumimoji="1" lang="ja-JP" altLang="en-US" dirty="0"/>
-              <a:t>　英語</a:t>
-            </a:r>
-            <a:endParaRPr kumimoji="1" lang="en-US" altLang="ja-JP" dirty="0"/>
-          </a:p>
-          <a:p>
-            <a:r>
-              <a:rPr kumimoji="1" lang="ja-JP" altLang="en-US" dirty="0"/>
-              <a:t>　中国語</a:t>
-            </a:r>
-          </a:p>
-        </p:txBody>
-      </p:sp>
-      <p:sp>
-        <p:nvSpPr>
-          <p:cNvPr id="11" name="吹き出し: 四角形 10">
-            <a:extLst>
-              <a:ext uri="{FF2B5EF4-FFF2-40B4-BE49-F238E27FC236}">
-                <a16:creationId xmlns:a16="http://schemas.microsoft.com/office/drawing/2014/main" id="{8A8BC2D5-5926-96EE-9452-3635B6C41A0B}"/>
-              </a:ext>
-            </a:extLst>
-          </p:cNvPr>
-          <p:cNvSpPr/>
-          <p:nvPr/>
-        </p:nvSpPr>
-        <p:spPr>
-          <a:xfrm>
-            <a:off x="3065561" y="1436954"/>
-            <a:ext cx="1631121" cy="923330"/>
-          </a:xfrm>
-          <a:prstGeom prst="wedgeRectCallout">
-            <a:avLst>
-              <a:gd name="adj1" fmla="val -79939"/>
-              <a:gd name="adj2" fmla="val 39895"/>
-            </a:avLst>
-          </a:prstGeom>
-          <a:noFill/>
-        </p:spPr>
-        <p:style>
-          <a:lnRef idx="2">
-            <a:schemeClr val="accent1">
-              <a:shade val="15000"/>
-            </a:schemeClr>
-          </a:lnRef>
-          <a:fillRef idx="1">
-            <a:schemeClr val="accent1"/>
-          </a:fillRef>
-          <a:effectRef idx="0">
-            <a:schemeClr val="accent1"/>
-          </a:effectRef>
-          <a:fontRef idx="minor">
-            <a:schemeClr val="lt1"/>
-          </a:fontRef>
-        </p:style>
-        <p:txBody>
-          <a:bodyPr rtlCol="0" anchor="ctr"/>
-          <a:lstStyle/>
-          <a:p>
-            <a:pPr algn="ctr"/>
-            <a:r>
-              <a:rPr kumimoji="1" lang="ja-JP" altLang="en-US" sz="1200" dirty="0">
-                <a:solidFill>
-                  <a:schemeClr val="tx1"/>
-                </a:solidFill>
-              </a:rPr>
-              <a:t>ラジオボタン形式でどれか一つを選択する</a:t>
-            </a:r>
-          </a:p>
-        </p:txBody>
-      </p:sp>
-      <p:sp>
-        <p:nvSpPr>
-          <p:cNvPr id="12" name="正方形/長方形 11">
-            <a:extLst>
-              <a:ext uri="{FF2B5EF4-FFF2-40B4-BE49-F238E27FC236}">
-                <a16:creationId xmlns:a16="http://schemas.microsoft.com/office/drawing/2014/main" id="{BD4B9F10-E5D6-2A09-8D13-AD838F194CCD}"/>
-              </a:ext>
-            </a:extLst>
-          </p:cNvPr>
-          <p:cNvSpPr/>
-          <p:nvPr/>
-        </p:nvSpPr>
-        <p:spPr>
-          <a:xfrm>
-            <a:off x="996399" y="2718200"/>
-            <a:ext cx="3784323" cy="1779517"/>
-          </a:xfrm>
-          <a:prstGeom prst="rect">
-            <a:avLst/>
-          </a:prstGeom>
-          <a:noFill/>
-          <a:ln>
-            <a:prstDash val="dash"/>
-          </a:ln>
-        </p:spPr>
-        <p:style>
-          <a:lnRef idx="2">
-            <a:schemeClr val="accent1">
-              <a:shade val="15000"/>
-            </a:schemeClr>
-          </a:lnRef>
-          <a:fillRef idx="1">
-            <a:schemeClr val="accent1"/>
-          </a:fillRef>
-          <a:effectRef idx="0">
-            <a:schemeClr val="accent1"/>
-          </a:effectRef>
-          <a:fontRef idx="minor">
-            <a:schemeClr val="lt1"/>
-          </a:fontRef>
-        </p:style>
-        <p:txBody>
-          <a:bodyPr rtlCol="0" anchor="ctr"/>
-          <a:lstStyle/>
-          <a:p>
-            <a:pPr algn="ctr"/>
-            <a:r>
-              <a:rPr kumimoji="1" lang="ja-JP" altLang="en-US" sz="1200" dirty="0">
-                <a:solidFill>
-                  <a:schemeClr val="tx1"/>
-                </a:solidFill>
-              </a:rPr>
-              <a:t>説明文入力欄</a:t>
-            </a:r>
-          </a:p>
-        </p:txBody>
-      </p:sp>
-    </p:spTree>
-    <p:extLst>
-      <p:ext uri="{BB962C8B-B14F-4D97-AF65-F5344CB8AC3E}">
-        <p14:creationId xmlns:p14="http://schemas.microsoft.com/office/powerpoint/2010/main" val="3021781207"/>
-      </p:ext>
-    </p:extLst>
-  </p:cSld>
-  <p:clrMapOvr>
-    <a:masterClrMapping/>
-  </p:clrMapOvr>
-</p:sld>
-</file>
-
 <file path=ppt/slides/slide6.xml><?xml version="1.0" encoding="utf-8"?>
 <p:sld xmlns:a="http://schemas.openxmlformats.org/drawingml/2006/main" xmlns:r="http://schemas.openxmlformats.org/officeDocument/2006/relationships" xmlns:p="http://schemas.openxmlformats.org/presentationml/2006/main">
   <p:cSld>
@@ -21586,6 +20644,1958 @@
 </file>
 
 <file path=ppt/slides/slide60.xml><?xml version="1.0" encoding="utf-8"?>
+<p:sld xmlns:a="http://schemas.openxmlformats.org/drawingml/2006/main" xmlns:r="http://schemas.openxmlformats.org/officeDocument/2006/relationships" xmlns:p="http://schemas.openxmlformats.org/presentationml/2006/main">
+  <p:cSld>
+    <p:spTree>
+      <p:nvGrpSpPr>
+        <p:cNvPr id="1" name="">
+          <a:extLst>
+            <a:ext uri="{FF2B5EF4-FFF2-40B4-BE49-F238E27FC236}">
+              <a16:creationId xmlns:a16="http://schemas.microsoft.com/office/drawing/2014/main" id="{EFC811F8-422C-FD1B-A714-47C0E466623C}"/>
+            </a:ext>
+          </a:extLst>
+        </p:cNvPr>
+        <p:cNvGrpSpPr/>
+        <p:nvPr/>
+      </p:nvGrpSpPr>
+      <p:grpSpPr>
+        <a:xfrm>
+          <a:off x="0" y="0"/>
+          <a:ext cx="0" cy="0"/>
+          <a:chOff x="0" y="0"/>
+          <a:chExt cx="0" cy="0"/>
+        </a:xfrm>
+      </p:grpSpPr>
+      <p:cxnSp>
+        <p:nvCxnSpPr>
+          <p:cNvPr id="4" name="直線コネクタ 3">
+            <a:extLst>
+              <a:ext uri="{FF2B5EF4-FFF2-40B4-BE49-F238E27FC236}">
+                <a16:creationId xmlns:a16="http://schemas.microsoft.com/office/drawing/2014/main" id="{4210B2BF-1061-E6DB-EBD3-C49519853C4A}"/>
+              </a:ext>
+            </a:extLst>
+          </p:cNvPr>
+          <p:cNvCxnSpPr/>
+          <p:nvPr/>
+        </p:nvCxnSpPr>
+        <p:spPr>
+          <a:xfrm>
+            <a:off x="228600" y="755374"/>
+            <a:ext cx="11936896" cy="0"/>
+          </a:xfrm>
+          <a:prstGeom prst="line">
+            <a:avLst/>
+          </a:prstGeom>
+        </p:spPr>
+        <p:style>
+          <a:lnRef idx="2">
+            <a:schemeClr val="accent1"/>
+          </a:lnRef>
+          <a:fillRef idx="0">
+            <a:schemeClr val="accent1"/>
+          </a:fillRef>
+          <a:effectRef idx="1">
+            <a:schemeClr val="accent1"/>
+          </a:effectRef>
+          <a:fontRef idx="minor">
+            <a:schemeClr val="tx1"/>
+          </a:fontRef>
+        </p:style>
+      </p:cxnSp>
+      <p:sp>
+        <p:nvSpPr>
+          <p:cNvPr id="5" name="テキスト ボックス 4">
+            <a:extLst>
+              <a:ext uri="{FF2B5EF4-FFF2-40B4-BE49-F238E27FC236}">
+                <a16:creationId xmlns:a16="http://schemas.microsoft.com/office/drawing/2014/main" id="{43415560-8DAB-3737-658F-98E84DD3E51C}"/>
+              </a:ext>
+            </a:extLst>
+          </p:cNvPr>
+          <p:cNvSpPr txBox="1"/>
+          <p:nvPr/>
+        </p:nvSpPr>
+        <p:spPr>
+          <a:xfrm>
+            <a:off x="407504" y="198783"/>
+            <a:ext cx="3796748" cy="369332"/>
+          </a:xfrm>
+          <a:prstGeom prst="rect">
+            <a:avLst/>
+          </a:prstGeom>
+          <a:noFill/>
+        </p:spPr>
+        <p:txBody>
+          <a:bodyPr wrap="square" rtlCol="0">
+            <a:spAutoFit/>
+          </a:bodyPr>
+          <a:lstStyle/>
+          <a:p>
+            <a:r>
+              <a:rPr kumimoji="1" lang="ja-JP" altLang="en-US" dirty="0"/>
+              <a:t>修正：展示物名入力</a:t>
+            </a:r>
+          </a:p>
+        </p:txBody>
+      </p:sp>
+      <p:sp>
+        <p:nvSpPr>
+          <p:cNvPr id="2" name="正方形/長方形 1">
+            <a:extLst>
+              <a:ext uri="{FF2B5EF4-FFF2-40B4-BE49-F238E27FC236}">
+                <a16:creationId xmlns:a16="http://schemas.microsoft.com/office/drawing/2014/main" id="{3E36B698-1AC8-98C9-577F-5A604C51806C}"/>
+              </a:ext>
+            </a:extLst>
+          </p:cNvPr>
+          <p:cNvSpPr/>
+          <p:nvPr/>
+        </p:nvSpPr>
+        <p:spPr>
+          <a:xfrm>
+            <a:off x="1016277" y="1774761"/>
+            <a:ext cx="1646582" cy="369332"/>
+          </a:xfrm>
+          <a:prstGeom prst="rect">
+            <a:avLst/>
+          </a:prstGeom>
+          <a:noFill/>
+          <a:ln>
+            <a:prstDash val="dash"/>
+          </a:ln>
+        </p:spPr>
+        <p:style>
+          <a:lnRef idx="2">
+            <a:schemeClr val="accent1">
+              <a:shade val="15000"/>
+            </a:schemeClr>
+          </a:lnRef>
+          <a:fillRef idx="1">
+            <a:schemeClr val="accent1"/>
+          </a:fillRef>
+          <a:effectRef idx="0">
+            <a:schemeClr val="accent1"/>
+          </a:effectRef>
+          <a:fontRef idx="minor">
+            <a:schemeClr val="lt1"/>
+          </a:fontRef>
+        </p:style>
+        <p:txBody>
+          <a:bodyPr rtlCol="0" anchor="ctr"/>
+          <a:lstStyle/>
+          <a:p>
+            <a:pPr algn="ctr"/>
+            <a:r>
+              <a:rPr kumimoji="1" lang="ja-JP" altLang="en-US" sz="1200" dirty="0">
+                <a:solidFill>
+                  <a:schemeClr val="tx1"/>
+                </a:solidFill>
+              </a:rPr>
+              <a:t>展示物名入力欄</a:t>
+            </a:r>
+          </a:p>
+        </p:txBody>
+      </p:sp>
+      <p:sp>
+        <p:nvSpPr>
+          <p:cNvPr id="6" name="テキスト ボックス 5">
+            <a:extLst>
+              <a:ext uri="{FF2B5EF4-FFF2-40B4-BE49-F238E27FC236}">
+                <a16:creationId xmlns:a16="http://schemas.microsoft.com/office/drawing/2014/main" id="{9A385A34-EB53-07A5-E1AE-14B8C2E959D2}"/>
+              </a:ext>
+            </a:extLst>
+          </p:cNvPr>
+          <p:cNvSpPr txBox="1"/>
+          <p:nvPr/>
+        </p:nvSpPr>
+        <p:spPr>
+          <a:xfrm>
+            <a:off x="1016277" y="1249866"/>
+            <a:ext cx="3579742" cy="369332"/>
+          </a:xfrm>
+          <a:prstGeom prst="rect">
+            <a:avLst/>
+          </a:prstGeom>
+          <a:noFill/>
+        </p:spPr>
+        <p:txBody>
+          <a:bodyPr wrap="square" rtlCol="0">
+            <a:spAutoFit/>
+          </a:bodyPr>
+          <a:lstStyle/>
+          <a:p>
+            <a:r>
+              <a:rPr kumimoji="1" lang="ja-JP" altLang="en-US" dirty="0"/>
+              <a:t>展示物名入力</a:t>
+            </a:r>
+          </a:p>
+        </p:txBody>
+      </p:sp>
+      <p:sp>
+        <p:nvSpPr>
+          <p:cNvPr id="38" name="テキスト ボックス 37">
+            <a:extLst>
+              <a:ext uri="{FF2B5EF4-FFF2-40B4-BE49-F238E27FC236}">
+                <a16:creationId xmlns:a16="http://schemas.microsoft.com/office/drawing/2014/main" id="{3704FD26-5B43-330C-B601-BB9B69ACB426}"/>
+              </a:ext>
+            </a:extLst>
+          </p:cNvPr>
+          <p:cNvSpPr txBox="1"/>
+          <p:nvPr/>
+        </p:nvSpPr>
+        <p:spPr>
+          <a:xfrm>
+            <a:off x="3975652" y="252657"/>
+            <a:ext cx="7535628" cy="369332"/>
+          </a:xfrm>
+          <a:prstGeom prst="rect">
+            <a:avLst/>
+          </a:prstGeom>
+          <a:noFill/>
+        </p:spPr>
+        <p:txBody>
+          <a:bodyPr wrap="square" rtlCol="0">
+            <a:spAutoFit/>
+          </a:bodyPr>
+          <a:lstStyle/>
+          <a:p>
+            <a:r>
+              <a:rPr kumimoji="1" lang="ja-JP" altLang="en-US" dirty="0"/>
+              <a:t>凡例：点線ボックスはエディットボックス、実線ボックスはボタン</a:t>
+            </a:r>
+          </a:p>
+        </p:txBody>
+      </p:sp>
+      <p:sp>
+        <p:nvSpPr>
+          <p:cNvPr id="42" name="テキスト ボックス 41">
+            <a:extLst>
+              <a:ext uri="{FF2B5EF4-FFF2-40B4-BE49-F238E27FC236}">
+                <a16:creationId xmlns:a16="http://schemas.microsoft.com/office/drawing/2014/main" id="{E140782E-88AD-B677-FF49-C86BBDB9EF26}"/>
+              </a:ext>
+            </a:extLst>
+          </p:cNvPr>
+          <p:cNvSpPr txBox="1"/>
+          <p:nvPr/>
+        </p:nvSpPr>
+        <p:spPr>
+          <a:xfrm>
+            <a:off x="2935468" y="1774761"/>
+            <a:ext cx="1646582" cy="369332"/>
+          </a:xfrm>
+          <a:prstGeom prst="rect">
+            <a:avLst/>
+          </a:prstGeom>
+          <a:noFill/>
+        </p:spPr>
+        <p:txBody>
+          <a:bodyPr wrap="square" rtlCol="0">
+            <a:spAutoFit/>
+          </a:bodyPr>
+          <a:lstStyle/>
+          <a:p>
+            <a:r>
+              <a:rPr kumimoji="1" lang="ja-JP" altLang="en-US" dirty="0"/>
+              <a:t>日本語</a:t>
+            </a:r>
+          </a:p>
+        </p:txBody>
+      </p:sp>
+      <p:sp>
+        <p:nvSpPr>
+          <p:cNvPr id="43" name="正方形/長方形 42">
+            <a:extLst>
+              <a:ext uri="{FF2B5EF4-FFF2-40B4-BE49-F238E27FC236}">
+                <a16:creationId xmlns:a16="http://schemas.microsoft.com/office/drawing/2014/main" id="{6B98A0AF-7F22-4D1D-6540-1944940D5E8A}"/>
+              </a:ext>
+            </a:extLst>
+          </p:cNvPr>
+          <p:cNvSpPr/>
+          <p:nvPr/>
+        </p:nvSpPr>
+        <p:spPr>
+          <a:xfrm>
+            <a:off x="1016277" y="2380462"/>
+            <a:ext cx="1646582" cy="369332"/>
+          </a:xfrm>
+          <a:prstGeom prst="rect">
+            <a:avLst/>
+          </a:prstGeom>
+          <a:noFill/>
+          <a:ln>
+            <a:prstDash val="dash"/>
+          </a:ln>
+        </p:spPr>
+        <p:style>
+          <a:lnRef idx="2">
+            <a:schemeClr val="accent1">
+              <a:shade val="15000"/>
+            </a:schemeClr>
+          </a:lnRef>
+          <a:fillRef idx="1">
+            <a:schemeClr val="accent1"/>
+          </a:fillRef>
+          <a:effectRef idx="0">
+            <a:schemeClr val="accent1"/>
+          </a:effectRef>
+          <a:fontRef idx="minor">
+            <a:schemeClr val="lt1"/>
+          </a:fontRef>
+        </p:style>
+        <p:txBody>
+          <a:bodyPr rtlCol="0" anchor="ctr"/>
+          <a:lstStyle/>
+          <a:p>
+            <a:pPr algn="ctr"/>
+            <a:r>
+              <a:rPr kumimoji="1" lang="ja-JP" altLang="en-US" sz="1200" dirty="0">
+                <a:solidFill>
+                  <a:schemeClr val="tx1"/>
+                </a:solidFill>
+              </a:rPr>
+              <a:t>展示物名入力欄</a:t>
+            </a:r>
+          </a:p>
+        </p:txBody>
+      </p:sp>
+      <p:sp>
+        <p:nvSpPr>
+          <p:cNvPr id="44" name="テキスト ボックス 43">
+            <a:extLst>
+              <a:ext uri="{FF2B5EF4-FFF2-40B4-BE49-F238E27FC236}">
+                <a16:creationId xmlns:a16="http://schemas.microsoft.com/office/drawing/2014/main" id="{5F436354-DE96-D8B7-FEF5-C4DF8612CEB4}"/>
+              </a:ext>
+            </a:extLst>
+          </p:cNvPr>
+          <p:cNvSpPr txBox="1"/>
+          <p:nvPr/>
+        </p:nvSpPr>
+        <p:spPr>
+          <a:xfrm>
+            <a:off x="2935468" y="2380462"/>
+            <a:ext cx="1517262" cy="369332"/>
+          </a:xfrm>
+          <a:prstGeom prst="rect">
+            <a:avLst/>
+          </a:prstGeom>
+          <a:noFill/>
+        </p:spPr>
+        <p:txBody>
+          <a:bodyPr wrap="square" rtlCol="0">
+            <a:spAutoFit/>
+          </a:bodyPr>
+          <a:lstStyle/>
+          <a:p>
+            <a:r>
+              <a:rPr kumimoji="1" lang="ja-JP" altLang="en-US" dirty="0"/>
+              <a:t>英語</a:t>
+            </a:r>
+          </a:p>
+        </p:txBody>
+      </p:sp>
+      <p:sp>
+        <p:nvSpPr>
+          <p:cNvPr id="45" name="正方形/長方形 44">
+            <a:extLst>
+              <a:ext uri="{FF2B5EF4-FFF2-40B4-BE49-F238E27FC236}">
+                <a16:creationId xmlns:a16="http://schemas.microsoft.com/office/drawing/2014/main" id="{E9A9DDD9-BAA5-EC3C-89D4-27986E89027B}"/>
+              </a:ext>
+            </a:extLst>
+          </p:cNvPr>
+          <p:cNvSpPr/>
+          <p:nvPr/>
+        </p:nvSpPr>
+        <p:spPr>
+          <a:xfrm>
+            <a:off x="1016277" y="2986163"/>
+            <a:ext cx="1646582" cy="369332"/>
+          </a:xfrm>
+          <a:prstGeom prst="rect">
+            <a:avLst/>
+          </a:prstGeom>
+          <a:noFill/>
+          <a:ln>
+            <a:prstDash val="dash"/>
+          </a:ln>
+        </p:spPr>
+        <p:style>
+          <a:lnRef idx="2">
+            <a:schemeClr val="accent1">
+              <a:shade val="15000"/>
+            </a:schemeClr>
+          </a:lnRef>
+          <a:fillRef idx="1">
+            <a:schemeClr val="accent1"/>
+          </a:fillRef>
+          <a:effectRef idx="0">
+            <a:schemeClr val="accent1"/>
+          </a:effectRef>
+          <a:fontRef idx="minor">
+            <a:schemeClr val="lt1"/>
+          </a:fontRef>
+        </p:style>
+        <p:txBody>
+          <a:bodyPr rtlCol="0" anchor="ctr"/>
+          <a:lstStyle/>
+          <a:p>
+            <a:pPr algn="ctr"/>
+            <a:r>
+              <a:rPr kumimoji="1" lang="ja-JP" altLang="en-US" sz="1200" dirty="0">
+                <a:solidFill>
+                  <a:schemeClr val="tx1"/>
+                </a:solidFill>
+              </a:rPr>
+              <a:t>展示物名入力欄</a:t>
+            </a:r>
+          </a:p>
+        </p:txBody>
+      </p:sp>
+      <p:sp>
+        <p:nvSpPr>
+          <p:cNvPr id="46" name="テキスト ボックス 45">
+            <a:extLst>
+              <a:ext uri="{FF2B5EF4-FFF2-40B4-BE49-F238E27FC236}">
+                <a16:creationId xmlns:a16="http://schemas.microsoft.com/office/drawing/2014/main" id="{1E9E75C6-0FBA-282E-0C92-376512C0FFD2}"/>
+              </a:ext>
+            </a:extLst>
+          </p:cNvPr>
+          <p:cNvSpPr txBox="1"/>
+          <p:nvPr/>
+        </p:nvSpPr>
+        <p:spPr>
+          <a:xfrm>
+            <a:off x="2935468" y="2986163"/>
+            <a:ext cx="1517262" cy="369332"/>
+          </a:xfrm>
+          <a:prstGeom prst="rect">
+            <a:avLst/>
+          </a:prstGeom>
+          <a:noFill/>
+        </p:spPr>
+        <p:txBody>
+          <a:bodyPr wrap="square" rtlCol="0">
+            <a:spAutoFit/>
+          </a:bodyPr>
+          <a:lstStyle/>
+          <a:p>
+            <a:r>
+              <a:rPr kumimoji="1" lang="ja-JP" altLang="en-US" dirty="0"/>
+              <a:t>中国語</a:t>
+            </a:r>
+          </a:p>
+        </p:txBody>
+      </p:sp>
+      <p:sp>
+        <p:nvSpPr>
+          <p:cNvPr id="47" name="テキスト ボックス 46">
+            <a:extLst>
+              <a:ext uri="{FF2B5EF4-FFF2-40B4-BE49-F238E27FC236}">
+                <a16:creationId xmlns:a16="http://schemas.microsoft.com/office/drawing/2014/main" id="{C77D7879-18B7-627C-6CDE-DDB7119FF6BE}"/>
+              </a:ext>
+            </a:extLst>
+          </p:cNvPr>
+          <p:cNvSpPr txBox="1"/>
+          <p:nvPr/>
+        </p:nvSpPr>
+        <p:spPr>
+          <a:xfrm>
+            <a:off x="974588" y="3570407"/>
+            <a:ext cx="3921760" cy="369323"/>
+          </a:xfrm>
+          <a:prstGeom prst="rect">
+            <a:avLst/>
+          </a:prstGeom>
+          <a:noFill/>
+        </p:spPr>
+        <p:txBody>
+          <a:bodyPr wrap="square" rtlCol="0">
+            <a:spAutoFit/>
+          </a:bodyPr>
+          <a:lstStyle/>
+          <a:p>
+            <a:r>
+              <a:rPr kumimoji="1" lang="ja-JP" altLang="en-US" dirty="0"/>
+              <a:t>未使用言語は何も入れない</a:t>
+            </a:r>
+          </a:p>
+        </p:txBody>
+      </p:sp>
+      <p:sp>
+        <p:nvSpPr>
+          <p:cNvPr id="48" name="正方形/長方形 47">
+            <a:extLst>
+              <a:ext uri="{FF2B5EF4-FFF2-40B4-BE49-F238E27FC236}">
+                <a16:creationId xmlns:a16="http://schemas.microsoft.com/office/drawing/2014/main" id="{46CFDF49-96BC-D36F-97CF-2B5103BBF9CA}"/>
+              </a:ext>
+            </a:extLst>
+          </p:cNvPr>
+          <p:cNvSpPr/>
+          <p:nvPr/>
+        </p:nvSpPr>
+        <p:spPr>
+          <a:xfrm>
+            <a:off x="711201" y="1079037"/>
+            <a:ext cx="4338320" cy="3814251"/>
+          </a:xfrm>
+          <a:prstGeom prst="rect">
+            <a:avLst/>
+          </a:prstGeom>
+          <a:noFill/>
+        </p:spPr>
+        <p:style>
+          <a:lnRef idx="2">
+            <a:schemeClr val="accent1">
+              <a:shade val="15000"/>
+            </a:schemeClr>
+          </a:lnRef>
+          <a:fillRef idx="1">
+            <a:schemeClr val="accent1"/>
+          </a:fillRef>
+          <a:effectRef idx="0">
+            <a:schemeClr val="accent1"/>
+          </a:effectRef>
+          <a:fontRef idx="minor">
+            <a:schemeClr val="lt1"/>
+          </a:fontRef>
+        </p:style>
+        <p:txBody>
+          <a:bodyPr rtlCol="0" anchor="ctr"/>
+          <a:lstStyle/>
+          <a:p>
+            <a:pPr algn="ctr"/>
+            <a:endParaRPr kumimoji="1" lang="ja-JP" altLang="en-US" sz="1200" dirty="0">
+              <a:solidFill>
+                <a:schemeClr val="tx1"/>
+              </a:solidFill>
+            </a:endParaRPr>
+          </a:p>
+        </p:txBody>
+      </p:sp>
+      <p:sp>
+        <p:nvSpPr>
+          <p:cNvPr id="49" name="正方形/長方形 48">
+            <a:extLst>
+              <a:ext uri="{FF2B5EF4-FFF2-40B4-BE49-F238E27FC236}">
+                <a16:creationId xmlns:a16="http://schemas.microsoft.com/office/drawing/2014/main" id="{A404585D-781E-3C43-4F4A-EA7939121F5C}"/>
+              </a:ext>
+            </a:extLst>
+          </p:cNvPr>
+          <p:cNvSpPr/>
+          <p:nvPr/>
+        </p:nvSpPr>
+        <p:spPr>
+          <a:xfrm>
+            <a:off x="1016277" y="4267403"/>
+            <a:ext cx="834886" cy="369332"/>
+          </a:xfrm>
+          <a:prstGeom prst="rect">
+            <a:avLst/>
+          </a:prstGeom>
+          <a:noFill/>
+        </p:spPr>
+        <p:style>
+          <a:lnRef idx="2">
+            <a:schemeClr val="accent1">
+              <a:shade val="15000"/>
+            </a:schemeClr>
+          </a:lnRef>
+          <a:fillRef idx="1">
+            <a:schemeClr val="accent1"/>
+          </a:fillRef>
+          <a:effectRef idx="0">
+            <a:schemeClr val="accent1"/>
+          </a:effectRef>
+          <a:fontRef idx="minor">
+            <a:schemeClr val="lt1"/>
+          </a:fontRef>
+        </p:style>
+        <p:txBody>
+          <a:bodyPr rtlCol="0" anchor="ctr"/>
+          <a:lstStyle/>
+          <a:p>
+            <a:pPr algn="ctr"/>
+            <a:r>
+              <a:rPr kumimoji="1" lang="ja-JP" altLang="en-US" sz="1200" dirty="0">
+                <a:solidFill>
+                  <a:schemeClr val="tx1"/>
+                </a:solidFill>
+              </a:rPr>
+              <a:t>中止</a:t>
+            </a:r>
+          </a:p>
+        </p:txBody>
+      </p:sp>
+      <p:sp>
+        <p:nvSpPr>
+          <p:cNvPr id="50" name="正方形/長方形 49">
+            <a:extLst>
+              <a:ext uri="{FF2B5EF4-FFF2-40B4-BE49-F238E27FC236}">
+                <a16:creationId xmlns:a16="http://schemas.microsoft.com/office/drawing/2014/main" id="{92A6EE1A-A51D-82E9-E944-C19DCC5F2379}"/>
+              </a:ext>
+            </a:extLst>
+          </p:cNvPr>
+          <p:cNvSpPr/>
+          <p:nvPr/>
+        </p:nvSpPr>
+        <p:spPr>
+          <a:xfrm>
+            <a:off x="2156239" y="4267403"/>
+            <a:ext cx="834886" cy="369332"/>
+          </a:xfrm>
+          <a:prstGeom prst="rect">
+            <a:avLst/>
+          </a:prstGeom>
+          <a:noFill/>
+        </p:spPr>
+        <p:style>
+          <a:lnRef idx="2">
+            <a:schemeClr val="accent1">
+              <a:shade val="15000"/>
+            </a:schemeClr>
+          </a:lnRef>
+          <a:fillRef idx="1">
+            <a:schemeClr val="accent1"/>
+          </a:fillRef>
+          <a:effectRef idx="0">
+            <a:schemeClr val="accent1"/>
+          </a:effectRef>
+          <a:fontRef idx="minor">
+            <a:schemeClr val="lt1"/>
+          </a:fontRef>
+        </p:style>
+        <p:txBody>
+          <a:bodyPr rtlCol="0" anchor="ctr"/>
+          <a:lstStyle/>
+          <a:p>
+            <a:pPr algn="ctr"/>
+            <a:r>
+              <a:rPr kumimoji="1" lang="ja-JP" altLang="en-US" sz="1200" dirty="0">
+                <a:solidFill>
+                  <a:schemeClr val="tx1"/>
+                </a:solidFill>
+              </a:rPr>
+              <a:t>次へ</a:t>
+            </a:r>
+          </a:p>
+        </p:txBody>
+      </p:sp>
+      <p:sp>
+        <p:nvSpPr>
+          <p:cNvPr id="52" name="テキスト ボックス 51">
+            <a:extLst>
+              <a:ext uri="{FF2B5EF4-FFF2-40B4-BE49-F238E27FC236}">
+                <a16:creationId xmlns:a16="http://schemas.microsoft.com/office/drawing/2014/main" id="{7A1C385C-F55F-3FB8-7C8B-3AD96B862A6F}"/>
+              </a:ext>
+            </a:extLst>
+          </p:cNvPr>
+          <p:cNvSpPr txBox="1"/>
+          <p:nvPr/>
+        </p:nvSpPr>
+        <p:spPr>
+          <a:xfrm>
+            <a:off x="5675244" y="1397240"/>
+            <a:ext cx="6182138" cy="1200329"/>
+          </a:xfrm>
+          <a:prstGeom prst="rect">
+            <a:avLst/>
+          </a:prstGeom>
+          <a:noFill/>
+        </p:spPr>
+        <p:txBody>
+          <a:bodyPr wrap="square" rtlCol="0">
+            <a:spAutoFit/>
+          </a:bodyPr>
+          <a:lstStyle/>
+          <a:p>
+            <a:pPr marL="285750" indent="-285750">
+              <a:buFont typeface="Wingdings" panose="05000000000000000000" pitchFamily="2" charset="2"/>
+              <a:buChar char="l"/>
+            </a:pPr>
+            <a:r>
+              <a:rPr kumimoji="1" lang="ja-JP" altLang="en-US" dirty="0"/>
+              <a:t>中止</a:t>
+            </a:r>
+            <a:endParaRPr kumimoji="1" lang="en-US" altLang="ja-JP" dirty="0"/>
+          </a:p>
+          <a:p>
+            <a:pPr marL="742950" lvl="1" indent="-285750">
+              <a:buFont typeface="Wingdings" panose="05000000000000000000" pitchFamily="2" charset="2"/>
+              <a:buChar char="ü"/>
+            </a:pPr>
+            <a:r>
+              <a:rPr kumimoji="1" lang="ja-JP" altLang="en-US" dirty="0"/>
+              <a:t>修正トップページ</a:t>
+            </a:r>
+            <a:endParaRPr kumimoji="1" lang="en-US" altLang="ja-JP" dirty="0"/>
+          </a:p>
+          <a:p>
+            <a:pPr marL="285750" indent="-285750">
+              <a:buFont typeface="Wingdings" panose="05000000000000000000" pitchFamily="2" charset="2"/>
+              <a:buChar char="l"/>
+            </a:pPr>
+            <a:r>
+              <a:rPr kumimoji="1" lang="ja-JP" altLang="en-US" dirty="0"/>
+              <a:t>次へ</a:t>
+            </a:r>
+            <a:endParaRPr kumimoji="1" lang="en-US" altLang="ja-JP" dirty="0"/>
+          </a:p>
+          <a:p>
+            <a:pPr marL="742950" lvl="1" indent="-285750">
+              <a:buFont typeface="Wingdings" panose="05000000000000000000" pitchFamily="2" charset="2"/>
+              <a:buChar char="ü"/>
+            </a:pPr>
+            <a:r>
+              <a:rPr kumimoji="1" lang="ja-JP" altLang="en-US" dirty="0"/>
+              <a:t>画像選択ページ</a:t>
+            </a:r>
+            <a:endParaRPr kumimoji="1" lang="en-US" altLang="ja-JP" dirty="0"/>
+          </a:p>
+        </p:txBody>
+      </p:sp>
+    </p:spTree>
+    <p:extLst>
+      <p:ext uri="{BB962C8B-B14F-4D97-AF65-F5344CB8AC3E}">
+        <p14:creationId xmlns:p14="http://schemas.microsoft.com/office/powerpoint/2010/main" val="98850743"/>
+      </p:ext>
+    </p:extLst>
+  </p:cSld>
+  <p:clrMapOvr>
+    <a:masterClrMapping/>
+  </p:clrMapOvr>
+</p:sld>
+</file>
+
+<file path=ppt/slides/slide61.xml><?xml version="1.0" encoding="utf-8"?>
+<p:sld xmlns:a="http://schemas.openxmlformats.org/drawingml/2006/main" xmlns:r="http://schemas.openxmlformats.org/officeDocument/2006/relationships" xmlns:p="http://schemas.openxmlformats.org/presentationml/2006/main">
+  <p:cSld>
+    <p:spTree>
+      <p:nvGrpSpPr>
+        <p:cNvPr id="1" name="">
+          <a:extLst>
+            <a:ext uri="{FF2B5EF4-FFF2-40B4-BE49-F238E27FC236}">
+              <a16:creationId xmlns:a16="http://schemas.microsoft.com/office/drawing/2014/main" id="{DB79F67A-EF15-2696-B840-76F96B4F831F}"/>
+            </a:ext>
+          </a:extLst>
+        </p:cNvPr>
+        <p:cNvGrpSpPr/>
+        <p:nvPr/>
+      </p:nvGrpSpPr>
+      <p:grpSpPr>
+        <a:xfrm>
+          <a:off x="0" y="0"/>
+          <a:ext cx="0" cy="0"/>
+          <a:chOff x="0" y="0"/>
+          <a:chExt cx="0" cy="0"/>
+        </a:xfrm>
+      </p:grpSpPr>
+      <p:cxnSp>
+        <p:nvCxnSpPr>
+          <p:cNvPr id="4" name="直線コネクタ 3">
+            <a:extLst>
+              <a:ext uri="{FF2B5EF4-FFF2-40B4-BE49-F238E27FC236}">
+                <a16:creationId xmlns:a16="http://schemas.microsoft.com/office/drawing/2014/main" id="{A9C0C61C-8568-101D-50E0-0623D37B2258}"/>
+              </a:ext>
+            </a:extLst>
+          </p:cNvPr>
+          <p:cNvCxnSpPr/>
+          <p:nvPr/>
+        </p:nvCxnSpPr>
+        <p:spPr>
+          <a:xfrm>
+            <a:off x="228600" y="755374"/>
+            <a:ext cx="11936896" cy="0"/>
+          </a:xfrm>
+          <a:prstGeom prst="line">
+            <a:avLst/>
+          </a:prstGeom>
+        </p:spPr>
+        <p:style>
+          <a:lnRef idx="2">
+            <a:schemeClr val="accent1"/>
+          </a:lnRef>
+          <a:fillRef idx="0">
+            <a:schemeClr val="accent1"/>
+          </a:fillRef>
+          <a:effectRef idx="1">
+            <a:schemeClr val="accent1"/>
+          </a:effectRef>
+          <a:fontRef idx="minor">
+            <a:schemeClr val="tx1"/>
+          </a:fontRef>
+        </p:style>
+      </p:cxnSp>
+      <p:sp>
+        <p:nvSpPr>
+          <p:cNvPr id="5" name="テキスト ボックス 4">
+            <a:extLst>
+              <a:ext uri="{FF2B5EF4-FFF2-40B4-BE49-F238E27FC236}">
+                <a16:creationId xmlns:a16="http://schemas.microsoft.com/office/drawing/2014/main" id="{DA343C08-A8F5-EE08-F4BD-03A2E64B55AD}"/>
+              </a:ext>
+            </a:extLst>
+          </p:cNvPr>
+          <p:cNvSpPr txBox="1"/>
+          <p:nvPr/>
+        </p:nvSpPr>
+        <p:spPr>
+          <a:xfrm>
+            <a:off x="407504" y="198783"/>
+            <a:ext cx="3796748" cy="369332"/>
+          </a:xfrm>
+          <a:prstGeom prst="rect">
+            <a:avLst/>
+          </a:prstGeom>
+          <a:noFill/>
+        </p:spPr>
+        <p:txBody>
+          <a:bodyPr wrap="square" rtlCol="0">
+            <a:spAutoFit/>
+          </a:bodyPr>
+          <a:lstStyle/>
+          <a:p>
+            <a:r>
+              <a:rPr kumimoji="1" lang="ja-JP" altLang="en-US" dirty="0"/>
+              <a:t>修正：画像選択</a:t>
+            </a:r>
+          </a:p>
+        </p:txBody>
+      </p:sp>
+      <p:sp>
+        <p:nvSpPr>
+          <p:cNvPr id="6" name="テキスト ボックス 5">
+            <a:extLst>
+              <a:ext uri="{FF2B5EF4-FFF2-40B4-BE49-F238E27FC236}">
+                <a16:creationId xmlns:a16="http://schemas.microsoft.com/office/drawing/2014/main" id="{761DD57A-23B8-1CBA-34BE-86BFC8BEC0C7}"/>
+              </a:ext>
+            </a:extLst>
+          </p:cNvPr>
+          <p:cNvSpPr txBox="1"/>
+          <p:nvPr/>
+        </p:nvSpPr>
+        <p:spPr>
+          <a:xfrm>
+            <a:off x="1016277" y="1249866"/>
+            <a:ext cx="3579742" cy="369332"/>
+          </a:xfrm>
+          <a:prstGeom prst="rect">
+            <a:avLst/>
+          </a:prstGeom>
+          <a:noFill/>
+        </p:spPr>
+        <p:txBody>
+          <a:bodyPr wrap="square" rtlCol="0">
+            <a:spAutoFit/>
+          </a:bodyPr>
+          <a:lstStyle/>
+          <a:p>
+            <a:r>
+              <a:rPr kumimoji="1" lang="ja-JP" altLang="en-US" dirty="0"/>
+              <a:t>展示物画像</a:t>
+            </a:r>
+          </a:p>
+        </p:txBody>
+      </p:sp>
+      <p:sp>
+        <p:nvSpPr>
+          <p:cNvPr id="38" name="テキスト ボックス 37">
+            <a:extLst>
+              <a:ext uri="{FF2B5EF4-FFF2-40B4-BE49-F238E27FC236}">
+                <a16:creationId xmlns:a16="http://schemas.microsoft.com/office/drawing/2014/main" id="{44A8605A-DE5A-07F3-C682-C53D69979362}"/>
+              </a:ext>
+            </a:extLst>
+          </p:cNvPr>
+          <p:cNvSpPr txBox="1"/>
+          <p:nvPr/>
+        </p:nvSpPr>
+        <p:spPr>
+          <a:xfrm>
+            <a:off x="3975652" y="252657"/>
+            <a:ext cx="7535628" cy="369332"/>
+          </a:xfrm>
+          <a:prstGeom prst="rect">
+            <a:avLst/>
+          </a:prstGeom>
+          <a:noFill/>
+        </p:spPr>
+        <p:txBody>
+          <a:bodyPr wrap="square" rtlCol="0">
+            <a:spAutoFit/>
+          </a:bodyPr>
+          <a:lstStyle/>
+          <a:p>
+            <a:r>
+              <a:rPr kumimoji="1" lang="ja-JP" altLang="en-US" dirty="0"/>
+              <a:t>凡例：点線ボックスはエディットボックス、実線ボックスはボタン</a:t>
+            </a:r>
+          </a:p>
+        </p:txBody>
+      </p:sp>
+      <p:sp>
+        <p:nvSpPr>
+          <p:cNvPr id="47" name="テキスト ボックス 46">
+            <a:extLst>
+              <a:ext uri="{FF2B5EF4-FFF2-40B4-BE49-F238E27FC236}">
+                <a16:creationId xmlns:a16="http://schemas.microsoft.com/office/drawing/2014/main" id="{669AA25D-7A06-ACB9-8A76-69E1C98D4CF4}"/>
+              </a:ext>
+            </a:extLst>
+          </p:cNvPr>
+          <p:cNvSpPr txBox="1"/>
+          <p:nvPr/>
+        </p:nvSpPr>
+        <p:spPr>
+          <a:xfrm>
+            <a:off x="955814" y="4081469"/>
+            <a:ext cx="3921760" cy="369323"/>
+          </a:xfrm>
+          <a:prstGeom prst="rect">
+            <a:avLst/>
+          </a:prstGeom>
+          <a:noFill/>
+        </p:spPr>
+        <p:txBody>
+          <a:bodyPr wrap="square" rtlCol="0">
+            <a:spAutoFit/>
+          </a:bodyPr>
+          <a:lstStyle/>
+          <a:p>
+            <a:r>
+              <a:rPr kumimoji="1" lang="ja-JP" altLang="en-US" dirty="0"/>
+              <a:t>未使用言語は何も入れない</a:t>
+            </a:r>
+          </a:p>
+        </p:txBody>
+      </p:sp>
+      <p:sp>
+        <p:nvSpPr>
+          <p:cNvPr id="48" name="正方形/長方形 47">
+            <a:extLst>
+              <a:ext uri="{FF2B5EF4-FFF2-40B4-BE49-F238E27FC236}">
+                <a16:creationId xmlns:a16="http://schemas.microsoft.com/office/drawing/2014/main" id="{E276CBCF-7029-FA86-9EF9-FB061688F562}"/>
+              </a:ext>
+            </a:extLst>
+          </p:cNvPr>
+          <p:cNvSpPr/>
+          <p:nvPr/>
+        </p:nvSpPr>
+        <p:spPr>
+          <a:xfrm>
+            <a:off x="711201" y="1079037"/>
+            <a:ext cx="4338320" cy="4864563"/>
+          </a:xfrm>
+          <a:prstGeom prst="rect">
+            <a:avLst/>
+          </a:prstGeom>
+          <a:noFill/>
+        </p:spPr>
+        <p:style>
+          <a:lnRef idx="2">
+            <a:schemeClr val="accent1">
+              <a:shade val="15000"/>
+            </a:schemeClr>
+          </a:lnRef>
+          <a:fillRef idx="1">
+            <a:schemeClr val="accent1"/>
+          </a:fillRef>
+          <a:effectRef idx="0">
+            <a:schemeClr val="accent1"/>
+          </a:effectRef>
+          <a:fontRef idx="minor">
+            <a:schemeClr val="lt1"/>
+          </a:fontRef>
+        </p:style>
+        <p:txBody>
+          <a:bodyPr rtlCol="0" anchor="ctr"/>
+          <a:lstStyle/>
+          <a:p>
+            <a:pPr algn="ctr"/>
+            <a:endParaRPr kumimoji="1" lang="ja-JP" altLang="en-US" sz="1200" dirty="0">
+              <a:solidFill>
+                <a:schemeClr val="tx1"/>
+              </a:solidFill>
+            </a:endParaRPr>
+          </a:p>
+        </p:txBody>
+      </p:sp>
+      <p:sp>
+        <p:nvSpPr>
+          <p:cNvPr id="49" name="正方形/長方形 48">
+            <a:extLst>
+              <a:ext uri="{FF2B5EF4-FFF2-40B4-BE49-F238E27FC236}">
+                <a16:creationId xmlns:a16="http://schemas.microsoft.com/office/drawing/2014/main" id="{A1BB6215-4B5E-38BD-774C-B906DFC9C757}"/>
+              </a:ext>
+            </a:extLst>
+          </p:cNvPr>
+          <p:cNvSpPr/>
+          <p:nvPr/>
+        </p:nvSpPr>
+        <p:spPr>
+          <a:xfrm>
+            <a:off x="1105454" y="4871832"/>
+            <a:ext cx="834886" cy="369332"/>
+          </a:xfrm>
+          <a:prstGeom prst="rect">
+            <a:avLst/>
+          </a:prstGeom>
+          <a:noFill/>
+        </p:spPr>
+        <p:style>
+          <a:lnRef idx="2">
+            <a:schemeClr val="accent1">
+              <a:shade val="15000"/>
+            </a:schemeClr>
+          </a:lnRef>
+          <a:fillRef idx="1">
+            <a:schemeClr val="accent1"/>
+          </a:fillRef>
+          <a:effectRef idx="0">
+            <a:schemeClr val="accent1"/>
+          </a:effectRef>
+          <a:fontRef idx="minor">
+            <a:schemeClr val="lt1"/>
+          </a:fontRef>
+        </p:style>
+        <p:txBody>
+          <a:bodyPr rtlCol="0" anchor="ctr"/>
+          <a:lstStyle/>
+          <a:p>
+            <a:pPr algn="ctr"/>
+            <a:r>
+              <a:rPr kumimoji="1" lang="ja-JP" altLang="en-US" sz="1200" dirty="0">
+                <a:solidFill>
+                  <a:schemeClr val="tx1"/>
+                </a:solidFill>
+              </a:rPr>
+              <a:t>中止</a:t>
+            </a:r>
+          </a:p>
+        </p:txBody>
+      </p:sp>
+      <p:sp>
+        <p:nvSpPr>
+          <p:cNvPr id="50" name="正方形/長方形 49">
+            <a:extLst>
+              <a:ext uri="{FF2B5EF4-FFF2-40B4-BE49-F238E27FC236}">
+                <a16:creationId xmlns:a16="http://schemas.microsoft.com/office/drawing/2014/main" id="{3481D28B-F737-9EF8-72FE-5F90065DBF84}"/>
+              </a:ext>
+            </a:extLst>
+          </p:cNvPr>
+          <p:cNvSpPr/>
+          <p:nvPr/>
+        </p:nvSpPr>
+        <p:spPr>
+          <a:xfrm>
+            <a:off x="2245416" y="4871832"/>
+            <a:ext cx="834886" cy="369332"/>
+          </a:xfrm>
+          <a:prstGeom prst="rect">
+            <a:avLst/>
+          </a:prstGeom>
+          <a:noFill/>
+        </p:spPr>
+        <p:style>
+          <a:lnRef idx="2">
+            <a:schemeClr val="accent1">
+              <a:shade val="15000"/>
+            </a:schemeClr>
+          </a:lnRef>
+          <a:fillRef idx="1">
+            <a:schemeClr val="accent1"/>
+          </a:fillRef>
+          <a:effectRef idx="0">
+            <a:schemeClr val="accent1"/>
+          </a:effectRef>
+          <a:fontRef idx="minor">
+            <a:schemeClr val="lt1"/>
+          </a:fontRef>
+        </p:style>
+        <p:txBody>
+          <a:bodyPr rtlCol="0" anchor="ctr"/>
+          <a:lstStyle/>
+          <a:p>
+            <a:pPr algn="ctr"/>
+            <a:r>
+              <a:rPr kumimoji="1" lang="ja-JP" altLang="en-US" sz="1200" dirty="0">
+                <a:solidFill>
+                  <a:schemeClr val="tx1"/>
+                </a:solidFill>
+              </a:rPr>
+              <a:t>次へ</a:t>
+            </a:r>
+          </a:p>
+        </p:txBody>
+      </p:sp>
+      <p:sp>
+        <p:nvSpPr>
+          <p:cNvPr id="52" name="テキスト ボックス 51">
+            <a:extLst>
+              <a:ext uri="{FF2B5EF4-FFF2-40B4-BE49-F238E27FC236}">
+                <a16:creationId xmlns:a16="http://schemas.microsoft.com/office/drawing/2014/main" id="{A5F92EA2-03A0-73E2-8DA8-51DA50B7B255}"/>
+              </a:ext>
+            </a:extLst>
+          </p:cNvPr>
+          <p:cNvSpPr txBox="1"/>
+          <p:nvPr/>
+        </p:nvSpPr>
+        <p:spPr>
+          <a:xfrm>
+            <a:off x="5675244" y="1397240"/>
+            <a:ext cx="6182138" cy="2031325"/>
+          </a:xfrm>
+          <a:prstGeom prst="rect">
+            <a:avLst/>
+          </a:prstGeom>
+          <a:noFill/>
+        </p:spPr>
+        <p:txBody>
+          <a:bodyPr wrap="square" rtlCol="0">
+            <a:spAutoFit/>
+          </a:bodyPr>
+          <a:lstStyle/>
+          <a:p>
+            <a:pPr marL="285750" indent="-285750">
+              <a:buFont typeface="Wingdings" panose="05000000000000000000" pitchFamily="2" charset="2"/>
+              <a:buChar char="l"/>
+            </a:pPr>
+            <a:r>
+              <a:rPr kumimoji="1" lang="ja-JP" altLang="en-US" dirty="0"/>
+              <a:t>中止</a:t>
+            </a:r>
+            <a:endParaRPr kumimoji="1" lang="en-US" altLang="ja-JP" dirty="0"/>
+          </a:p>
+          <a:p>
+            <a:pPr marL="742950" lvl="1" indent="-285750">
+              <a:buFont typeface="Wingdings" panose="05000000000000000000" pitchFamily="2" charset="2"/>
+              <a:buChar char="ü"/>
+            </a:pPr>
+            <a:r>
+              <a:rPr kumimoji="1" lang="ja-JP" altLang="en-US" dirty="0"/>
+              <a:t>修正トップページ</a:t>
+            </a:r>
+            <a:endParaRPr kumimoji="1" lang="en-US" altLang="ja-JP" dirty="0"/>
+          </a:p>
+          <a:p>
+            <a:pPr marL="285750" indent="-285750">
+              <a:buFont typeface="Wingdings" panose="05000000000000000000" pitchFamily="2" charset="2"/>
+              <a:buChar char="l"/>
+            </a:pPr>
+            <a:r>
+              <a:rPr kumimoji="1" lang="ja-JP" altLang="en-US" dirty="0"/>
+              <a:t>選択</a:t>
+            </a:r>
+            <a:endParaRPr kumimoji="1" lang="en-US" altLang="ja-JP" dirty="0"/>
+          </a:p>
+          <a:p>
+            <a:pPr marL="742950" lvl="1" indent="-285750">
+              <a:buFont typeface="Wingdings" panose="05000000000000000000" pitchFamily="2" charset="2"/>
+              <a:buChar char="ü"/>
+            </a:pPr>
+            <a:r>
+              <a:rPr kumimoji="1" lang="ja-JP" altLang="en-US" dirty="0"/>
+              <a:t>ファイル名入力欄に入力されたファイルを確定</a:t>
+            </a:r>
+            <a:endParaRPr kumimoji="1" lang="en-US" altLang="ja-JP" dirty="0"/>
+          </a:p>
+          <a:p>
+            <a:pPr marL="742950" lvl="1" indent="-285750">
+              <a:buFont typeface="Wingdings" panose="05000000000000000000" pitchFamily="2" charset="2"/>
+              <a:buChar char="ü"/>
+            </a:pPr>
+            <a:r>
+              <a:rPr kumimoji="1" lang="ja-JP" altLang="en-US" dirty="0"/>
+              <a:t>確定したファイル画像が表示される</a:t>
+            </a:r>
+            <a:endParaRPr kumimoji="1" lang="en-US" altLang="ja-JP" dirty="0"/>
+          </a:p>
+          <a:p>
+            <a:pPr marL="285750" indent="-285750">
+              <a:buFont typeface="Wingdings" panose="05000000000000000000" pitchFamily="2" charset="2"/>
+              <a:buChar char="l"/>
+            </a:pPr>
+            <a:r>
+              <a:rPr kumimoji="1" lang="ja-JP" altLang="en-US" dirty="0"/>
+              <a:t>次へ</a:t>
+            </a:r>
+            <a:endParaRPr kumimoji="1" lang="en-US" altLang="ja-JP" dirty="0"/>
+          </a:p>
+          <a:p>
+            <a:pPr marL="742950" lvl="1" indent="-285750">
+              <a:buFont typeface="Wingdings" panose="05000000000000000000" pitchFamily="2" charset="2"/>
+              <a:buChar char="ü"/>
+            </a:pPr>
+            <a:r>
+              <a:rPr kumimoji="1" lang="ja-JP" altLang="en-US" dirty="0"/>
+              <a:t>説明文入力欄に移動</a:t>
+            </a:r>
+            <a:endParaRPr kumimoji="1" lang="en-US" altLang="ja-JP" dirty="0"/>
+          </a:p>
+        </p:txBody>
+      </p:sp>
+      <p:sp>
+        <p:nvSpPr>
+          <p:cNvPr id="3" name="正方形/長方形 2">
+            <a:extLst>
+              <a:ext uri="{FF2B5EF4-FFF2-40B4-BE49-F238E27FC236}">
+                <a16:creationId xmlns:a16="http://schemas.microsoft.com/office/drawing/2014/main" id="{7B5DC4DA-066A-7198-6190-F2CA23082FE4}"/>
+              </a:ext>
+            </a:extLst>
+          </p:cNvPr>
+          <p:cNvSpPr/>
+          <p:nvPr/>
+        </p:nvSpPr>
+        <p:spPr>
+          <a:xfrm>
+            <a:off x="996399" y="3581581"/>
+            <a:ext cx="2837301" cy="369332"/>
+          </a:xfrm>
+          <a:prstGeom prst="rect">
+            <a:avLst/>
+          </a:prstGeom>
+          <a:noFill/>
+          <a:ln>
+            <a:prstDash val="dash"/>
+          </a:ln>
+        </p:spPr>
+        <p:style>
+          <a:lnRef idx="2">
+            <a:schemeClr val="accent1">
+              <a:shade val="15000"/>
+            </a:schemeClr>
+          </a:lnRef>
+          <a:fillRef idx="1">
+            <a:schemeClr val="accent1"/>
+          </a:fillRef>
+          <a:effectRef idx="0">
+            <a:schemeClr val="accent1"/>
+          </a:effectRef>
+          <a:fontRef idx="minor">
+            <a:schemeClr val="lt1"/>
+          </a:fontRef>
+        </p:style>
+        <p:txBody>
+          <a:bodyPr rtlCol="0" anchor="ctr"/>
+          <a:lstStyle/>
+          <a:p>
+            <a:pPr algn="ctr"/>
+            <a:r>
+              <a:rPr kumimoji="1" lang="ja-JP" altLang="en-US" sz="1200" dirty="0">
+                <a:solidFill>
+                  <a:schemeClr val="tx1"/>
+                </a:solidFill>
+              </a:rPr>
+              <a:t>ファイル名入力欄</a:t>
+            </a:r>
+          </a:p>
+        </p:txBody>
+      </p:sp>
+      <p:sp>
+        <p:nvSpPr>
+          <p:cNvPr id="7" name="正方形/長方形 6">
+            <a:extLst>
+              <a:ext uri="{FF2B5EF4-FFF2-40B4-BE49-F238E27FC236}">
+                <a16:creationId xmlns:a16="http://schemas.microsoft.com/office/drawing/2014/main" id="{8CFB2961-AD0D-8A4E-F03D-85B82E050EE8}"/>
+              </a:ext>
+            </a:extLst>
+          </p:cNvPr>
+          <p:cNvSpPr/>
+          <p:nvPr/>
+        </p:nvSpPr>
+        <p:spPr>
+          <a:xfrm>
+            <a:off x="3977862" y="3581581"/>
+            <a:ext cx="834886" cy="369332"/>
+          </a:xfrm>
+          <a:prstGeom prst="rect">
+            <a:avLst/>
+          </a:prstGeom>
+          <a:noFill/>
+        </p:spPr>
+        <p:style>
+          <a:lnRef idx="2">
+            <a:schemeClr val="accent1">
+              <a:shade val="15000"/>
+            </a:schemeClr>
+          </a:lnRef>
+          <a:fillRef idx="1">
+            <a:schemeClr val="accent1"/>
+          </a:fillRef>
+          <a:effectRef idx="0">
+            <a:schemeClr val="accent1"/>
+          </a:effectRef>
+          <a:fontRef idx="minor">
+            <a:schemeClr val="lt1"/>
+          </a:fontRef>
+        </p:style>
+        <p:txBody>
+          <a:bodyPr rtlCol="0" anchor="ctr"/>
+          <a:lstStyle/>
+          <a:p>
+            <a:pPr algn="ctr"/>
+            <a:r>
+              <a:rPr kumimoji="1" lang="ja-JP" altLang="en-US" sz="1200" dirty="0">
+                <a:solidFill>
+                  <a:schemeClr val="tx1"/>
+                </a:solidFill>
+              </a:rPr>
+              <a:t>選択</a:t>
+            </a:r>
+          </a:p>
+        </p:txBody>
+      </p:sp>
+      <p:pic>
+        <p:nvPicPr>
+          <p:cNvPr id="8" name="図 7" descr="テーブル, 座る, ベッド, 横たわる が含まれている画像&#10;&#10;AI 生成コンテンツは誤りを含む可能性があります。">
+            <a:extLst>
+              <a:ext uri="{FF2B5EF4-FFF2-40B4-BE49-F238E27FC236}">
+                <a16:creationId xmlns:a16="http://schemas.microsoft.com/office/drawing/2014/main" id="{674ED103-3CBA-091D-699E-7DF78D905209}"/>
+              </a:ext>
+            </a:extLst>
+          </p:cNvPr>
+          <p:cNvPicPr>
+            <a:picLocks noChangeAspect="1"/>
+          </p:cNvPicPr>
+          <p:nvPr/>
+        </p:nvPicPr>
+        <p:blipFill>
+          <a:blip r:embed="rId2"/>
+          <a:stretch>
+            <a:fillRect/>
+          </a:stretch>
+        </p:blipFill>
+        <p:spPr>
+          <a:xfrm>
+            <a:off x="1252169" y="1790027"/>
+            <a:ext cx="1182758" cy="1414482"/>
+          </a:xfrm>
+          <a:prstGeom prst="rect">
+            <a:avLst/>
+          </a:prstGeom>
+        </p:spPr>
+      </p:pic>
+      <p:sp>
+        <p:nvSpPr>
+          <p:cNvPr id="9" name="吹き出し: 四角形 8">
+            <a:extLst>
+              <a:ext uri="{FF2B5EF4-FFF2-40B4-BE49-F238E27FC236}">
+                <a16:creationId xmlns:a16="http://schemas.microsoft.com/office/drawing/2014/main" id="{584426B7-1409-04CB-D612-AC71DC3AEBE4}"/>
+              </a:ext>
+            </a:extLst>
+          </p:cNvPr>
+          <p:cNvSpPr/>
+          <p:nvPr/>
+        </p:nvSpPr>
+        <p:spPr>
+          <a:xfrm>
+            <a:off x="2865424" y="1978214"/>
+            <a:ext cx="1338828" cy="619355"/>
+          </a:xfrm>
+          <a:prstGeom prst="wedgeRectCallout">
+            <a:avLst>
+              <a:gd name="adj1" fmla="val -76511"/>
+              <a:gd name="adj2" fmla="val 76942"/>
+            </a:avLst>
+          </a:prstGeom>
+          <a:noFill/>
+        </p:spPr>
+        <p:style>
+          <a:lnRef idx="2">
+            <a:schemeClr val="accent1">
+              <a:shade val="15000"/>
+            </a:schemeClr>
+          </a:lnRef>
+          <a:fillRef idx="1">
+            <a:schemeClr val="accent1"/>
+          </a:fillRef>
+          <a:effectRef idx="0">
+            <a:schemeClr val="accent1"/>
+          </a:effectRef>
+          <a:fontRef idx="minor">
+            <a:schemeClr val="lt1"/>
+          </a:fontRef>
+        </p:style>
+        <p:txBody>
+          <a:bodyPr rtlCol="0" anchor="ctr"/>
+          <a:lstStyle/>
+          <a:p>
+            <a:pPr algn="ctr"/>
+            <a:r>
+              <a:rPr kumimoji="1" lang="ja-JP" altLang="en-US" sz="1200" dirty="0">
+                <a:solidFill>
+                  <a:schemeClr val="tx1"/>
+                </a:solidFill>
+              </a:rPr>
+              <a:t>ここに画像が表示される</a:t>
+            </a:r>
+          </a:p>
+        </p:txBody>
+      </p:sp>
+    </p:spTree>
+    <p:extLst>
+      <p:ext uri="{BB962C8B-B14F-4D97-AF65-F5344CB8AC3E}">
+        <p14:creationId xmlns:p14="http://schemas.microsoft.com/office/powerpoint/2010/main" val="2182266341"/>
+      </p:ext>
+    </p:extLst>
+  </p:cSld>
+  <p:clrMapOvr>
+    <a:masterClrMapping/>
+  </p:clrMapOvr>
+</p:sld>
+</file>
+
+<file path=ppt/slides/slide62.xml><?xml version="1.0" encoding="utf-8"?>
+<p:sld xmlns:a="http://schemas.openxmlformats.org/drawingml/2006/main" xmlns:r="http://schemas.openxmlformats.org/officeDocument/2006/relationships" xmlns:p="http://schemas.openxmlformats.org/presentationml/2006/main">
+  <p:cSld>
+    <p:spTree>
+      <p:nvGrpSpPr>
+        <p:cNvPr id="1" name="">
+          <a:extLst>
+            <a:ext uri="{FF2B5EF4-FFF2-40B4-BE49-F238E27FC236}">
+              <a16:creationId xmlns:a16="http://schemas.microsoft.com/office/drawing/2014/main" id="{B1983816-7B69-41CB-ADC6-C57438869853}"/>
+            </a:ext>
+          </a:extLst>
+        </p:cNvPr>
+        <p:cNvGrpSpPr/>
+        <p:nvPr/>
+      </p:nvGrpSpPr>
+      <p:grpSpPr>
+        <a:xfrm>
+          <a:off x="0" y="0"/>
+          <a:ext cx="0" cy="0"/>
+          <a:chOff x="0" y="0"/>
+          <a:chExt cx="0" cy="0"/>
+        </a:xfrm>
+      </p:grpSpPr>
+      <p:cxnSp>
+        <p:nvCxnSpPr>
+          <p:cNvPr id="4" name="直線コネクタ 3">
+            <a:extLst>
+              <a:ext uri="{FF2B5EF4-FFF2-40B4-BE49-F238E27FC236}">
+                <a16:creationId xmlns:a16="http://schemas.microsoft.com/office/drawing/2014/main" id="{9374D7C5-EB2C-58A2-FC40-BF78243F1B5A}"/>
+              </a:ext>
+            </a:extLst>
+          </p:cNvPr>
+          <p:cNvCxnSpPr/>
+          <p:nvPr/>
+        </p:nvCxnSpPr>
+        <p:spPr>
+          <a:xfrm>
+            <a:off x="228600" y="755374"/>
+            <a:ext cx="11936896" cy="0"/>
+          </a:xfrm>
+          <a:prstGeom prst="line">
+            <a:avLst/>
+          </a:prstGeom>
+        </p:spPr>
+        <p:style>
+          <a:lnRef idx="2">
+            <a:schemeClr val="accent1"/>
+          </a:lnRef>
+          <a:fillRef idx="0">
+            <a:schemeClr val="accent1"/>
+          </a:fillRef>
+          <a:effectRef idx="1">
+            <a:schemeClr val="accent1"/>
+          </a:effectRef>
+          <a:fontRef idx="minor">
+            <a:schemeClr val="tx1"/>
+          </a:fontRef>
+        </p:style>
+      </p:cxnSp>
+      <p:sp>
+        <p:nvSpPr>
+          <p:cNvPr id="5" name="テキスト ボックス 4">
+            <a:extLst>
+              <a:ext uri="{FF2B5EF4-FFF2-40B4-BE49-F238E27FC236}">
+                <a16:creationId xmlns:a16="http://schemas.microsoft.com/office/drawing/2014/main" id="{58DEB5FA-6A0F-5C6E-73D8-0F6E00C4E59A}"/>
+              </a:ext>
+            </a:extLst>
+          </p:cNvPr>
+          <p:cNvSpPr txBox="1"/>
+          <p:nvPr/>
+        </p:nvSpPr>
+        <p:spPr>
+          <a:xfrm>
+            <a:off x="407504" y="198783"/>
+            <a:ext cx="3796748" cy="369332"/>
+          </a:xfrm>
+          <a:prstGeom prst="rect">
+            <a:avLst/>
+          </a:prstGeom>
+          <a:noFill/>
+        </p:spPr>
+        <p:txBody>
+          <a:bodyPr wrap="square" rtlCol="0">
+            <a:spAutoFit/>
+          </a:bodyPr>
+          <a:lstStyle/>
+          <a:p>
+            <a:r>
+              <a:rPr kumimoji="1" lang="ja-JP" altLang="en-US" dirty="0"/>
+              <a:t>修正：説明文入力</a:t>
+            </a:r>
+          </a:p>
+        </p:txBody>
+      </p:sp>
+      <p:sp>
+        <p:nvSpPr>
+          <p:cNvPr id="6" name="テキスト ボックス 5">
+            <a:extLst>
+              <a:ext uri="{FF2B5EF4-FFF2-40B4-BE49-F238E27FC236}">
+                <a16:creationId xmlns:a16="http://schemas.microsoft.com/office/drawing/2014/main" id="{6D926DB8-39D0-E7B8-3468-6F09A3A237A7}"/>
+              </a:ext>
+            </a:extLst>
+          </p:cNvPr>
+          <p:cNvSpPr txBox="1"/>
+          <p:nvPr/>
+        </p:nvSpPr>
+        <p:spPr>
+          <a:xfrm>
+            <a:off x="1016277" y="1249866"/>
+            <a:ext cx="3579742" cy="369332"/>
+          </a:xfrm>
+          <a:prstGeom prst="rect">
+            <a:avLst/>
+          </a:prstGeom>
+          <a:noFill/>
+        </p:spPr>
+        <p:txBody>
+          <a:bodyPr wrap="square" rtlCol="0">
+            <a:spAutoFit/>
+          </a:bodyPr>
+          <a:lstStyle/>
+          <a:p>
+            <a:r>
+              <a:rPr kumimoji="1" lang="ja-JP" altLang="en-US" dirty="0"/>
+              <a:t>説明文入力</a:t>
+            </a:r>
+          </a:p>
+        </p:txBody>
+      </p:sp>
+      <p:sp>
+        <p:nvSpPr>
+          <p:cNvPr id="38" name="テキスト ボックス 37">
+            <a:extLst>
+              <a:ext uri="{FF2B5EF4-FFF2-40B4-BE49-F238E27FC236}">
+                <a16:creationId xmlns:a16="http://schemas.microsoft.com/office/drawing/2014/main" id="{0912BEB1-7029-272E-4174-D34B9A43D7FC}"/>
+              </a:ext>
+            </a:extLst>
+          </p:cNvPr>
+          <p:cNvSpPr txBox="1"/>
+          <p:nvPr/>
+        </p:nvSpPr>
+        <p:spPr>
+          <a:xfrm>
+            <a:off x="3975652" y="252657"/>
+            <a:ext cx="7535628" cy="369332"/>
+          </a:xfrm>
+          <a:prstGeom prst="rect">
+            <a:avLst/>
+          </a:prstGeom>
+          <a:noFill/>
+        </p:spPr>
+        <p:txBody>
+          <a:bodyPr wrap="square" rtlCol="0">
+            <a:spAutoFit/>
+          </a:bodyPr>
+          <a:lstStyle/>
+          <a:p>
+            <a:r>
+              <a:rPr kumimoji="1" lang="ja-JP" altLang="en-US" dirty="0"/>
+              <a:t>凡例：点線ボックスはエディットボックス、実線ボックスはボタン</a:t>
+            </a:r>
+          </a:p>
+        </p:txBody>
+      </p:sp>
+      <p:sp>
+        <p:nvSpPr>
+          <p:cNvPr id="48" name="正方形/長方形 47">
+            <a:extLst>
+              <a:ext uri="{FF2B5EF4-FFF2-40B4-BE49-F238E27FC236}">
+                <a16:creationId xmlns:a16="http://schemas.microsoft.com/office/drawing/2014/main" id="{BF113430-CE55-EF58-569B-6E5E96794839}"/>
+              </a:ext>
+            </a:extLst>
+          </p:cNvPr>
+          <p:cNvSpPr/>
+          <p:nvPr/>
+        </p:nvSpPr>
+        <p:spPr>
+          <a:xfrm>
+            <a:off x="711201" y="1079037"/>
+            <a:ext cx="4338320" cy="4864563"/>
+          </a:xfrm>
+          <a:prstGeom prst="rect">
+            <a:avLst/>
+          </a:prstGeom>
+          <a:noFill/>
+        </p:spPr>
+        <p:style>
+          <a:lnRef idx="2">
+            <a:schemeClr val="accent1">
+              <a:shade val="15000"/>
+            </a:schemeClr>
+          </a:lnRef>
+          <a:fillRef idx="1">
+            <a:schemeClr val="accent1"/>
+          </a:fillRef>
+          <a:effectRef idx="0">
+            <a:schemeClr val="accent1"/>
+          </a:effectRef>
+          <a:fontRef idx="minor">
+            <a:schemeClr val="lt1"/>
+          </a:fontRef>
+        </p:style>
+        <p:txBody>
+          <a:bodyPr rtlCol="0" anchor="ctr"/>
+          <a:lstStyle/>
+          <a:p>
+            <a:pPr algn="ctr"/>
+            <a:endParaRPr kumimoji="1" lang="ja-JP" altLang="en-US" sz="1200" dirty="0">
+              <a:solidFill>
+                <a:schemeClr val="tx1"/>
+              </a:solidFill>
+            </a:endParaRPr>
+          </a:p>
+        </p:txBody>
+      </p:sp>
+      <p:sp>
+        <p:nvSpPr>
+          <p:cNvPr id="49" name="正方形/長方形 48">
+            <a:extLst>
+              <a:ext uri="{FF2B5EF4-FFF2-40B4-BE49-F238E27FC236}">
+                <a16:creationId xmlns:a16="http://schemas.microsoft.com/office/drawing/2014/main" id="{92601AF4-B574-5C92-5E21-176E719C261D}"/>
+              </a:ext>
+            </a:extLst>
+          </p:cNvPr>
+          <p:cNvSpPr/>
+          <p:nvPr/>
+        </p:nvSpPr>
+        <p:spPr>
+          <a:xfrm>
+            <a:off x="1016277" y="5238802"/>
+            <a:ext cx="834886" cy="369332"/>
+          </a:xfrm>
+          <a:prstGeom prst="rect">
+            <a:avLst/>
+          </a:prstGeom>
+          <a:noFill/>
+        </p:spPr>
+        <p:style>
+          <a:lnRef idx="2">
+            <a:schemeClr val="accent1">
+              <a:shade val="15000"/>
+            </a:schemeClr>
+          </a:lnRef>
+          <a:fillRef idx="1">
+            <a:schemeClr val="accent1"/>
+          </a:fillRef>
+          <a:effectRef idx="0">
+            <a:schemeClr val="accent1"/>
+          </a:effectRef>
+          <a:fontRef idx="minor">
+            <a:schemeClr val="lt1"/>
+          </a:fontRef>
+        </p:style>
+        <p:txBody>
+          <a:bodyPr rtlCol="0" anchor="ctr"/>
+          <a:lstStyle/>
+          <a:p>
+            <a:pPr algn="ctr"/>
+            <a:r>
+              <a:rPr kumimoji="1" lang="ja-JP" altLang="en-US" sz="1200" dirty="0">
+                <a:solidFill>
+                  <a:schemeClr val="tx1"/>
+                </a:solidFill>
+              </a:rPr>
+              <a:t>中止</a:t>
+            </a:r>
+          </a:p>
+        </p:txBody>
+      </p:sp>
+      <p:sp>
+        <p:nvSpPr>
+          <p:cNvPr id="50" name="正方形/長方形 49">
+            <a:extLst>
+              <a:ext uri="{FF2B5EF4-FFF2-40B4-BE49-F238E27FC236}">
+                <a16:creationId xmlns:a16="http://schemas.microsoft.com/office/drawing/2014/main" id="{553048A9-6CBD-3F33-6DAC-133CE4B82773}"/>
+              </a:ext>
+            </a:extLst>
+          </p:cNvPr>
+          <p:cNvSpPr/>
+          <p:nvPr/>
+        </p:nvSpPr>
+        <p:spPr>
+          <a:xfrm>
+            <a:off x="2156239" y="5238802"/>
+            <a:ext cx="834886" cy="369332"/>
+          </a:xfrm>
+          <a:prstGeom prst="rect">
+            <a:avLst/>
+          </a:prstGeom>
+          <a:noFill/>
+        </p:spPr>
+        <p:style>
+          <a:lnRef idx="2">
+            <a:schemeClr val="accent1">
+              <a:shade val="15000"/>
+            </a:schemeClr>
+          </a:lnRef>
+          <a:fillRef idx="1">
+            <a:schemeClr val="accent1"/>
+          </a:fillRef>
+          <a:effectRef idx="0">
+            <a:schemeClr val="accent1"/>
+          </a:effectRef>
+          <a:fontRef idx="minor">
+            <a:schemeClr val="lt1"/>
+          </a:fontRef>
+        </p:style>
+        <p:txBody>
+          <a:bodyPr rtlCol="0" anchor="ctr"/>
+          <a:lstStyle/>
+          <a:p>
+            <a:pPr algn="ctr"/>
+            <a:r>
+              <a:rPr kumimoji="1" lang="en-US" altLang="ja-JP" sz="1200" dirty="0">
+                <a:solidFill>
+                  <a:schemeClr val="tx1"/>
+                </a:solidFill>
+              </a:rPr>
+              <a:t>OK</a:t>
+            </a:r>
+          </a:p>
+        </p:txBody>
+      </p:sp>
+      <p:sp>
+        <p:nvSpPr>
+          <p:cNvPr id="52" name="テキスト ボックス 51">
+            <a:extLst>
+              <a:ext uri="{FF2B5EF4-FFF2-40B4-BE49-F238E27FC236}">
+                <a16:creationId xmlns:a16="http://schemas.microsoft.com/office/drawing/2014/main" id="{EC17538A-E700-90AF-98E7-D9BB308BDD37}"/>
+              </a:ext>
+            </a:extLst>
+          </p:cNvPr>
+          <p:cNvSpPr txBox="1"/>
+          <p:nvPr/>
+        </p:nvSpPr>
+        <p:spPr>
+          <a:xfrm>
+            <a:off x="5799372" y="1079037"/>
+            <a:ext cx="6182138" cy="923330"/>
+          </a:xfrm>
+          <a:prstGeom prst="rect">
+            <a:avLst/>
+          </a:prstGeom>
+          <a:noFill/>
+        </p:spPr>
+        <p:txBody>
+          <a:bodyPr wrap="square" rtlCol="0">
+            <a:spAutoFit/>
+          </a:bodyPr>
+          <a:lstStyle/>
+          <a:p>
+            <a:r>
+              <a:rPr kumimoji="1" lang="ja-JP" altLang="en-US" dirty="0"/>
+              <a:t>必要な言語を選択し説明文を入力する</a:t>
+            </a:r>
+            <a:endParaRPr kumimoji="1" lang="en-US" altLang="ja-JP" dirty="0"/>
+          </a:p>
+          <a:p>
+            <a:r>
+              <a:rPr kumimoji="1" lang="ja-JP" altLang="en-US" dirty="0"/>
+              <a:t>対象外の言語は未入力にしておく</a:t>
+            </a:r>
+            <a:endParaRPr kumimoji="1" lang="en-US" altLang="ja-JP" dirty="0"/>
+          </a:p>
+          <a:p>
+            <a:r>
+              <a:rPr kumimoji="1" lang="ja-JP" altLang="en-US" dirty="0"/>
+              <a:t>対象言語すべての入力が終わったら</a:t>
+            </a:r>
+            <a:r>
+              <a:rPr lang="en-US" altLang="ja-JP" dirty="0"/>
+              <a:t>OK</a:t>
+            </a:r>
+            <a:r>
+              <a:rPr lang="ja-JP" altLang="en-US" dirty="0"/>
+              <a:t>ボタン</a:t>
+            </a:r>
+            <a:endParaRPr lang="en-US" altLang="ja-JP" dirty="0"/>
+          </a:p>
+        </p:txBody>
+      </p:sp>
+      <p:sp>
+        <p:nvSpPr>
+          <p:cNvPr id="2" name="テキスト ボックス 1">
+            <a:extLst>
+              <a:ext uri="{FF2B5EF4-FFF2-40B4-BE49-F238E27FC236}">
+                <a16:creationId xmlns:a16="http://schemas.microsoft.com/office/drawing/2014/main" id="{CD51F646-82BE-BC1A-DE4C-A54EBF2DA8D3}"/>
+              </a:ext>
+            </a:extLst>
+          </p:cNvPr>
+          <p:cNvSpPr txBox="1"/>
+          <p:nvPr/>
+        </p:nvSpPr>
+        <p:spPr>
+          <a:xfrm>
+            <a:off x="1311965" y="1707154"/>
+            <a:ext cx="2663687" cy="923330"/>
+          </a:xfrm>
+          <a:prstGeom prst="rect">
+            <a:avLst/>
+          </a:prstGeom>
+          <a:noFill/>
+        </p:spPr>
+        <p:txBody>
+          <a:bodyPr wrap="square" rtlCol="0">
+            <a:spAutoFit/>
+          </a:bodyPr>
+          <a:lstStyle/>
+          <a:p>
+            <a:r>
+              <a:rPr kumimoji="1" lang="ja-JP" altLang="en-US" dirty="0"/>
+              <a:t>☑日本語</a:t>
+            </a:r>
+            <a:endParaRPr kumimoji="1" lang="en-US" altLang="ja-JP" dirty="0"/>
+          </a:p>
+          <a:p>
+            <a:r>
+              <a:rPr kumimoji="1" lang="ja-JP" altLang="en-US" dirty="0"/>
+              <a:t>　英語</a:t>
+            </a:r>
+            <a:endParaRPr kumimoji="1" lang="en-US" altLang="ja-JP" dirty="0"/>
+          </a:p>
+          <a:p>
+            <a:r>
+              <a:rPr kumimoji="1" lang="ja-JP" altLang="en-US" dirty="0"/>
+              <a:t>　中国語</a:t>
+            </a:r>
+          </a:p>
+        </p:txBody>
+      </p:sp>
+      <p:sp>
+        <p:nvSpPr>
+          <p:cNvPr id="11" name="吹き出し: 四角形 10">
+            <a:extLst>
+              <a:ext uri="{FF2B5EF4-FFF2-40B4-BE49-F238E27FC236}">
+                <a16:creationId xmlns:a16="http://schemas.microsoft.com/office/drawing/2014/main" id="{8A8BC2D5-5926-96EE-9452-3635B6C41A0B}"/>
+              </a:ext>
+            </a:extLst>
+          </p:cNvPr>
+          <p:cNvSpPr/>
+          <p:nvPr/>
+        </p:nvSpPr>
+        <p:spPr>
+          <a:xfrm>
+            <a:off x="3065561" y="1436954"/>
+            <a:ext cx="1631121" cy="923330"/>
+          </a:xfrm>
+          <a:prstGeom prst="wedgeRectCallout">
+            <a:avLst>
+              <a:gd name="adj1" fmla="val -79939"/>
+              <a:gd name="adj2" fmla="val 39895"/>
+            </a:avLst>
+          </a:prstGeom>
+          <a:noFill/>
+        </p:spPr>
+        <p:style>
+          <a:lnRef idx="2">
+            <a:schemeClr val="accent1">
+              <a:shade val="15000"/>
+            </a:schemeClr>
+          </a:lnRef>
+          <a:fillRef idx="1">
+            <a:schemeClr val="accent1"/>
+          </a:fillRef>
+          <a:effectRef idx="0">
+            <a:schemeClr val="accent1"/>
+          </a:effectRef>
+          <a:fontRef idx="minor">
+            <a:schemeClr val="lt1"/>
+          </a:fontRef>
+        </p:style>
+        <p:txBody>
+          <a:bodyPr rtlCol="0" anchor="ctr"/>
+          <a:lstStyle/>
+          <a:p>
+            <a:pPr algn="ctr"/>
+            <a:r>
+              <a:rPr kumimoji="1" lang="ja-JP" altLang="en-US" sz="1200" dirty="0">
+                <a:solidFill>
+                  <a:schemeClr val="tx1"/>
+                </a:solidFill>
+              </a:rPr>
+              <a:t>ラジオボタン形式でどれか一つを選択する</a:t>
+            </a:r>
+          </a:p>
+        </p:txBody>
+      </p:sp>
+      <p:sp>
+        <p:nvSpPr>
+          <p:cNvPr id="12" name="正方形/長方形 11">
+            <a:extLst>
+              <a:ext uri="{FF2B5EF4-FFF2-40B4-BE49-F238E27FC236}">
+                <a16:creationId xmlns:a16="http://schemas.microsoft.com/office/drawing/2014/main" id="{BD4B9F10-E5D6-2A09-8D13-AD838F194CCD}"/>
+              </a:ext>
+            </a:extLst>
+          </p:cNvPr>
+          <p:cNvSpPr/>
+          <p:nvPr/>
+        </p:nvSpPr>
+        <p:spPr>
+          <a:xfrm>
+            <a:off x="996399" y="2718200"/>
+            <a:ext cx="3784323" cy="1779517"/>
+          </a:xfrm>
+          <a:prstGeom prst="rect">
+            <a:avLst/>
+          </a:prstGeom>
+          <a:noFill/>
+          <a:ln>
+            <a:prstDash val="dash"/>
+          </a:ln>
+        </p:spPr>
+        <p:style>
+          <a:lnRef idx="2">
+            <a:schemeClr val="accent1">
+              <a:shade val="15000"/>
+            </a:schemeClr>
+          </a:lnRef>
+          <a:fillRef idx="1">
+            <a:schemeClr val="accent1"/>
+          </a:fillRef>
+          <a:effectRef idx="0">
+            <a:schemeClr val="accent1"/>
+          </a:effectRef>
+          <a:fontRef idx="minor">
+            <a:schemeClr val="lt1"/>
+          </a:fontRef>
+        </p:style>
+        <p:txBody>
+          <a:bodyPr rtlCol="0" anchor="ctr"/>
+          <a:lstStyle/>
+          <a:p>
+            <a:pPr algn="ctr"/>
+            <a:r>
+              <a:rPr kumimoji="1" lang="ja-JP" altLang="en-US" sz="1200" dirty="0">
+                <a:solidFill>
+                  <a:schemeClr val="tx1"/>
+                </a:solidFill>
+              </a:rPr>
+              <a:t>説明文入力欄</a:t>
+            </a:r>
+          </a:p>
+        </p:txBody>
+      </p:sp>
+    </p:spTree>
+    <p:extLst>
+      <p:ext uri="{BB962C8B-B14F-4D97-AF65-F5344CB8AC3E}">
+        <p14:creationId xmlns:p14="http://schemas.microsoft.com/office/powerpoint/2010/main" val="3021781207"/>
+      </p:ext>
+    </p:extLst>
+  </p:cSld>
+  <p:clrMapOvr>
+    <a:masterClrMapping/>
+  </p:clrMapOvr>
+</p:sld>
+</file>
+
+<file path=ppt/slides/slide63.xml><?xml version="1.0" encoding="utf-8"?>
 <p:sld xmlns:a="http://schemas.openxmlformats.org/drawingml/2006/main" xmlns:r="http://schemas.openxmlformats.org/officeDocument/2006/relationships" xmlns:p="http://schemas.openxmlformats.org/presentationml/2006/main">
   <p:cSld>
     <p:spTree>

--- a/展示物アプリ仕様.pptx
+++ b/展示物アプリ仕様.pptx
@@ -321,7 +321,7 @@
           <a:p>
             <a:fld id="{082150A6-655A-40A4-943B-9A709E30A878}" type="datetimeFigureOut">
               <a:rPr kumimoji="1" lang="ja-JP" altLang="en-US" smtClean="0"/>
-              <a:t>2026/2/10</a:t>
+              <a:t>2026/2/12</a:t>
             </a:fld>
             <a:endParaRPr kumimoji="1" lang="ja-JP" altLang="en-US"/>
           </a:p>
@@ -551,7 +551,7 @@
           <a:p>
             <a:fld id="{082150A6-655A-40A4-943B-9A709E30A878}" type="datetimeFigureOut">
               <a:rPr kumimoji="1" lang="ja-JP" altLang="en-US" smtClean="0"/>
-              <a:t>2026/2/10</a:t>
+              <a:t>2026/2/12</a:t>
             </a:fld>
             <a:endParaRPr kumimoji="1" lang="ja-JP" altLang="en-US"/>
           </a:p>
@@ -791,7 +791,7 @@
           <a:p>
             <a:fld id="{082150A6-655A-40A4-943B-9A709E30A878}" type="datetimeFigureOut">
               <a:rPr kumimoji="1" lang="ja-JP" altLang="en-US" smtClean="0"/>
-              <a:t>2026/2/10</a:t>
+              <a:t>2026/2/12</a:t>
             </a:fld>
             <a:endParaRPr kumimoji="1" lang="ja-JP" altLang="en-US"/>
           </a:p>
@@ -1021,7 +1021,7 @@
           <a:p>
             <a:fld id="{082150A6-655A-40A4-943B-9A709E30A878}" type="datetimeFigureOut">
               <a:rPr kumimoji="1" lang="ja-JP" altLang="en-US" smtClean="0"/>
-              <a:t>2026/2/10</a:t>
+              <a:t>2026/2/12</a:t>
             </a:fld>
             <a:endParaRPr kumimoji="1" lang="ja-JP" altLang="en-US"/>
           </a:p>
@@ -1296,7 +1296,7 @@
           <a:p>
             <a:fld id="{082150A6-655A-40A4-943B-9A709E30A878}" type="datetimeFigureOut">
               <a:rPr kumimoji="1" lang="ja-JP" altLang="en-US" smtClean="0"/>
-              <a:t>2026/2/10</a:t>
+              <a:t>2026/2/12</a:t>
             </a:fld>
             <a:endParaRPr kumimoji="1" lang="ja-JP" altLang="en-US"/>
           </a:p>
@@ -1625,7 +1625,7 @@
           <a:p>
             <a:fld id="{082150A6-655A-40A4-943B-9A709E30A878}" type="datetimeFigureOut">
               <a:rPr kumimoji="1" lang="ja-JP" altLang="en-US" smtClean="0"/>
-              <a:t>2026/2/10</a:t>
+              <a:t>2026/2/12</a:t>
             </a:fld>
             <a:endParaRPr kumimoji="1" lang="ja-JP" altLang="en-US"/>
           </a:p>
@@ -2101,7 +2101,7 @@
           <a:p>
             <a:fld id="{082150A6-655A-40A4-943B-9A709E30A878}" type="datetimeFigureOut">
               <a:rPr kumimoji="1" lang="ja-JP" altLang="en-US" smtClean="0"/>
-              <a:t>2026/2/10</a:t>
+              <a:t>2026/2/12</a:t>
             </a:fld>
             <a:endParaRPr kumimoji="1" lang="ja-JP" altLang="en-US"/>
           </a:p>
@@ -2242,7 +2242,7 @@
           <a:p>
             <a:fld id="{082150A6-655A-40A4-943B-9A709E30A878}" type="datetimeFigureOut">
               <a:rPr kumimoji="1" lang="ja-JP" altLang="en-US" smtClean="0"/>
-              <a:t>2026/2/10</a:t>
+              <a:t>2026/2/12</a:t>
             </a:fld>
             <a:endParaRPr kumimoji="1" lang="ja-JP" altLang="en-US"/>
           </a:p>
@@ -2355,7 +2355,7 @@
           <a:p>
             <a:fld id="{082150A6-655A-40A4-943B-9A709E30A878}" type="datetimeFigureOut">
               <a:rPr kumimoji="1" lang="ja-JP" altLang="en-US" smtClean="0"/>
-              <a:t>2026/2/10</a:t>
+              <a:t>2026/2/12</a:t>
             </a:fld>
             <a:endParaRPr kumimoji="1" lang="ja-JP" altLang="en-US"/>
           </a:p>
@@ -2698,7 +2698,7 @@
           <a:p>
             <a:fld id="{082150A6-655A-40A4-943B-9A709E30A878}" type="datetimeFigureOut">
               <a:rPr kumimoji="1" lang="ja-JP" altLang="en-US" smtClean="0"/>
-              <a:t>2026/2/10</a:t>
+              <a:t>2026/2/12</a:t>
             </a:fld>
             <a:endParaRPr kumimoji="1" lang="ja-JP" altLang="en-US"/>
           </a:p>
@@ -2986,7 +2986,7 @@
           <a:p>
             <a:fld id="{082150A6-655A-40A4-943B-9A709E30A878}" type="datetimeFigureOut">
               <a:rPr kumimoji="1" lang="ja-JP" altLang="en-US" smtClean="0"/>
-              <a:t>2026/2/10</a:t>
+              <a:t>2026/2/12</a:t>
             </a:fld>
             <a:endParaRPr kumimoji="1" lang="ja-JP" altLang="en-US"/>
           </a:p>
@@ -3259,7 +3259,7 @@
           <a:p>
             <a:fld id="{082150A6-655A-40A4-943B-9A709E30A878}" type="datetimeFigureOut">
               <a:rPr kumimoji="1" lang="ja-JP" altLang="en-US" smtClean="0"/>
-              <a:t>2026/2/10</a:t>
+              <a:t>2026/2/12</a:t>
             </a:fld>
             <a:endParaRPr kumimoji="1" lang="ja-JP" altLang="en-US"/>
           </a:p>
@@ -9208,84 +9208,12 @@
           <a:chExt cx="0" cy="0"/>
         </a:xfrm>
       </p:grpSpPr>
-      <p:cxnSp>
-        <p:nvCxnSpPr>
-          <p:cNvPr id="4" name="直線コネクタ 3">
-            <a:extLst>
-              <a:ext uri="{FF2B5EF4-FFF2-40B4-BE49-F238E27FC236}">
-                <a16:creationId xmlns:a16="http://schemas.microsoft.com/office/drawing/2014/main" id="{AB92BD38-977F-8C89-52D8-B0C92DF5CEEC}"/>
-              </a:ext>
-            </a:extLst>
-          </p:cNvPr>
-          <p:cNvCxnSpPr/>
-          <p:nvPr/>
-        </p:nvCxnSpPr>
-        <p:spPr>
-          <a:xfrm>
-            <a:off x="228600" y="755374"/>
-            <a:ext cx="11936896" cy="0"/>
-          </a:xfrm>
-          <a:prstGeom prst="line">
-            <a:avLst/>
-          </a:prstGeom>
-        </p:spPr>
-        <p:style>
-          <a:lnRef idx="2">
-            <a:schemeClr val="accent1"/>
-          </a:lnRef>
-          <a:fillRef idx="0">
-            <a:schemeClr val="accent1"/>
-          </a:fillRef>
-          <a:effectRef idx="1">
-            <a:schemeClr val="accent1"/>
-          </a:effectRef>
-          <a:fontRef idx="minor">
-            <a:schemeClr val="tx1"/>
-          </a:fontRef>
-        </p:style>
-      </p:cxnSp>
-      <p:sp>
-        <p:nvSpPr>
-          <p:cNvPr id="5" name="テキスト ボックス 4">
-            <a:extLst>
-              <a:ext uri="{FF2B5EF4-FFF2-40B4-BE49-F238E27FC236}">
-                <a16:creationId xmlns:a16="http://schemas.microsoft.com/office/drawing/2014/main" id="{B2542730-E4B4-9EDF-6EEA-BAB96BD4589E}"/>
-              </a:ext>
-            </a:extLst>
-          </p:cNvPr>
-          <p:cNvSpPr txBox="1"/>
-          <p:nvPr/>
-        </p:nvSpPr>
-        <p:spPr>
-          <a:xfrm>
-            <a:off x="407503" y="198783"/>
-            <a:ext cx="11449879" cy="369332"/>
-          </a:xfrm>
-          <a:prstGeom prst="rect">
-            <a:avLst/>
-          </a:prstGeom>
-          <a:noFill/>
-        </p:spPr>
-        <p:txBody>
-          <a:bodyPr wrap="square" rtlCol="0">
-            <a:spAutoFit/>
-          </a:bodyPr>
-          <a:lstStyle/>
-          <a:p>
-            <a:r>
-              <a:rPr lang="ja-JP" altLang="en-US" dirty="0"/>
-              <a:t>基本情報の編集</a:t>
-            </a:r>
-            <a:endParaRPr kumimoji="1" lang="ja-JP" altLang="en-US" dirty="0"/>
-          </a:p>
-        </p:txBody>
-      </p:sp>
       <p:pic>
         <p:nvPicPr>
-          <p:cNvPr id="10" name="図 9">
-            <a:extLst>
-              <a:ext uri="{FF2B5EF4-FFF2-40B4-BE49-F238E27FC236}">
-                <a16:creationId xmlns:a16="http://schemas.microsoft.com/office/drawing/2014/main" id="{9CE91660-7BE8-5F38-EBE3-EC5E8E38BBD6}"/>
+          <p:cNvPr id="3" name="図 2">
+            <a:extLst>
+              <a:ext uri="{FF2B5EF4-FFF2-40B4-BE49-F238E27FC236}">
+                <a16:creationId xmlns:a16="http://schemas.microsoft.com/office/drawing/2014/main" id="{813D5B30-40B6-FE8C-87A7-B218BEEB77E5}"/>
               </a:ext>
             </a:extLst>
           </p:cNvPr>
@@ -9302,20 +9230,92 @@
         </p:blipFill>
         <p:spPr>
           <a:xfrm>
-            <a:off x="228600" y="954158"/>
-            <a:ext cx="5422062" cy="5903842"/>
+            <a:off x="1511095" y="904462"/>
+            <a:ext cx="4685953" cy="4939749"/>
           </a:xfrm>
           <a:prstGeom prst="rect">
             <a:avLst/>
           </a:prstGeom>
         </p:spPr>
       </p:pic>
-      <p:sp>
-        <p:nvSpPr>
-          <p:cNvPr id="6" name="楕円 5">
-            <a:extLst>
-              <a:ext uri="{FF2B5EF4-FFF2-40B4-BE49-F238E27FC236}">
-                <a16:creationId xmlns:a16="http://schemas.microsoft.com/office/drawing/2014/main" id="{46158393-AA0C-4578-0BAF-64E1D76A77EF}"/>
+      <p:cxnSp>
+        <p:nvCxnSpPr>
+          <p:cNvPr id="4" name="直線コネクタ 3">
+            <a:extLst>
+              <a:ext uri="{FF2B5EF4-FFF2-40B4-BE49-F238E27FC236}">
+                <a16:creationId xmlns:a16="http://schemas.microsoft.com/office/drawing/2014/main" id="{AB92BD38-977F-8C89-52D8-B0C92DF5CEEC}"/>
+              </a:ext>
+            </a:extLst>
+          </p:cNvPr>
+          <p:cNvCxnSpPr/>
+          <p:nvPr/>
+        </p:nvCxnSpPr>
+        <p:spPr>
+          <a:xfrm>
+            <a:off x="228600" y="755374"/>
+            <a:ext cx="11936896" cy="0"/>
+          </a:xfrm>
+          <a:prstGeom prst="line">
+            <a:avLst/>
+          </a:prstGeom>
+        </p:spPr>
+        <p:style>
+          <a:lnRef idx="2">
+            <a:schemeClr val="accent1"/>
+          </a:lnRef>
+          <a:fillRef idx="0">
+            <a:schemeClr val="accent1"/>
+          </a:fillRef>
+          <a:effectRef idx="1">
+            <a:schemeClr val="accent1"/>
+          </a:effectRef>
+          <a:fontRef idx="minor">
+            <a:schemeClr val="tx1"/>
+          </a:fontRef>
+        </p:style>
+      </p:cxnSp>
+      <p:sp>
+        <p:nvSpPr>
+          <p:cNvPr id="5" name="テキスト ボックス 4">
+            <a:extLst>
+              <a:ext uri="{FF2B5EF4-FFF2-40B4-BE49-F238E27FC236}">
+                <a16:creationId xmlns:a16="http://schemas.microsoft.com/office/drawing/2014/main" id="{B2542730-E4B4-9EDF-6EEA-BAB96BD4589E}"/>
+              </a:ext>
+            </a:extLst>
+          </p:cNvPr>
+          <p:cNvSpPr txBox="1"/>
+          <p:nvPr/>
+        </p:nvSpPr>
+        <p:spPr>
+          <a:xfrm>
+            <a:off x="407503" y="198783"/>
+            <a:ext cx="11449879" cy="369332"/>
+          </a:xfrm>
+          <a:prstGeom prst="rect">
+            <a:avLst/>
+          </a:prstGeom>
+          <a:noFill/>
+        </p:spPr>
+        <p:txBody>
+          <a:bodyPr wrap="square" rtlCol="0">
+            <a:spAutoFit/>
+          </a:bodyPr>
+          <a:lstStyle/>
+          <a:p>
+            <a:r>
+              <a:rPr lang="ja-JP" altLang="en-US" dirty="0"/>
+              <a:t>基本情報の編集</a:t>
+            </a:r>
+            <a:endParaRPr kumimoji="1" lang="ja-JP" altLang="en-US" dirty="0"/>
+          </a:p>
+        </p:txBody>
+      </p:sp>
+      <p:sp>
+        <p:nvSpPr>
+          <p:cNvPr id="8" name="吹き出し: 四角形 7">
+            <a:extLst>
+              <a:ext uri="{FF2B5EF4-FFF2-40B4-BE49-F238E27FC236}">
+                <a16:creationId xmlns:a16="http://schemas.microsoft.com/office/drawing/2014/main" id="{84D81FAC-0C0F-4B1E-82B0-0FCF21FC8455}"/>
               </a:ext>
             </a:extLst>
           </p:cNvPr>
@@ -9324,16 +9324,19 @@
         </p:nvSpPr>
         <p:spPr>
           <a:xfrm>
-            <a:off x="4744278" y="1143003"/>
-            <a:ext cx="1000540" cy="655979"/>
-          </a:xfrm>
-          <a:prstGeom prst="ellipse">
-            <a:avLst/>
+            <a:off x="6625043" y="3046347"/>
+            <a:ext cx="2580861" cy="655977"/>
+          </a:xfrm>
+          <a:prstGeom prst="wedgeRectCallout">
+            <a:avLst>
+              <a:gd name="adj1" fmla="val -73489"/>
+              <a:gd name="adj2" fmla="val 47011"/>
+            </a:avLst>
           </a:prstGeom>
           <a:noFill/>
           <a:ln>
             <a:solidFill>
-              <a:srgbClr val="FF0000"/>
+              <a:schemeClr val="tx1"/>
             </a:solidFill>
           </a:ln>
         </p:spPr>
@@ -9358,20 +9361,23 @@
           <a:lstStyle/>
           <a:p>
             <a:pPr algn="ctr"/>
-            <a:endParaRPr kumimoji="1" lang="ja-JP" altLang="en-US" sz="1200" dirty="0">
-              <a:solidFill>
-                <a:schemeClr val="tx1"/>
-              </a:solidFill>
-            </a:endParaRPr>
-          </a:p>
-        </p:txBody>
-      </p:sp>
-      <p:sp>
-        <p:nvSpPr>
-          <p:cNvPr id="7" name="吹き出し: 四角形 6">
-            <a:extLst>
-              <a:ext uri="{FF2B5EF4-FFF2-40B4-BE49-F238E27FC236}">
-                <a16:creationId xmlns:a16="http://schemas.microsoft.com/office/drawing/2014/main" id="{DE628E78-761A-1A62-2EBA-4B93D68FD81C}"/>
+            <a:r>
+              <a:rPr kumimoji="1" lang="ja-JP" altLang="en-US" sz="1200" dirty="0">
+                <a:solidFill>
+                  <a:schemeClr val="tx1"/>
+                </a:solidFill>
+              </a:rPr>
+              <a:t>日本語から英語、中国語に変換</a:t>
+            </a:r>
+          </a:p>
+        </p:txBody>
+      </p:sp>
+      <p:sp>
+        <p:nvSpPr>
+          <p:cNvPr id="9" name="楕円 8">
+            <a:extLst>
+              <a:ext uri="{FF2B5EF4-FFF2-40B4-BE49-F238E27FC236}">
+                <a16:creationId xmlns:a16="http://schemas.microsoft.com/office/drawing/2014/main" id="{0CD23E81-F298-A944-72B9-802C0D2D47A3}"/>
               </a:ext>
             </a:extLst>
           </p:cNvPr>
@@ -9380,19 +9386,16 @@
         </p:nvSpPr>
         <p:spPr>
           <a:xfrm>
-            <a:off x="6288158" y="874646"/>
-            <a:ext cx="1364972" cy="655977"/>
-          </a:xfrm>
-          <a:prstGeom prst="wedgeRectCallout">
-            <a:avLst>
-              <a:gd name="adj1" fmla="val -90049"/>
-              <a:gd name="adj2" fmla="val 34890"/>
-            </a:avLst>
+            <a:off x="4910236" y="3200402"/>
+            <a:ext cx="1000540" cy="655979"/>
+          </a:xfrm>
+          <a:prstGeom prst="ellipse">
+            <a:avLst/>
           </a:prstGeom>
           <a:noFill/>
           <a:ln>
             <a:solidFill>
-              <a:schemeClr val="tx1"/>
+              <a:srgbClr val="FF0000"/>
             </a:solidFill>
           </a:ln>
         </p:spPr>
@@ -9417,23 +9420,20 @@
           <a:lstStyle/>
           <a:p>
             <a:pPr algn="ctr"/>
-            <a:r>
-              <a:rPr kumimoji="1" lang="ja-JP" altLang="en-US" sz="1200" dirty="0">
-                <a:solidFill>
-                  <a:schemeClr val="tx1"/>
-                </a:solidFill>
-              </a:rPr>
-              <a:t>住所から緯度経度に変換を行う</a:t>
-            </a:r>
-          </a:p>
-        </p:txBody>
-      </p:sp>
-      <p:sp>
-        <p:nvSpPr>
-          <p:cNvPr id="8" name="吹き出し: 四角形 7">
-            <a:extLst>
-              <a:ext uri="{FF2B5EF4-FFF2-40B4-BE49-F238E27FC236}">
-                <a16:creationId xmlns:a16="http://schemas.microsoft.com/office/drawing/2014/main" id="{84D81FAC-0C0F-4B1E-82B0-0FCF21FC8455}"/>
+            <a:endParaRPr kumimoji="1" lang="ja-JP" altLang="en-US" sz="1200" dirty="0">
+              <a:solidFill>
+                <a:schemeClr val="tx1"/>
+              </a:solidFill>
+            </a:endParaRPr>
+          </a:p>
+        </p:txBody>
+      </p:sp>
+      <p:sp>
+        <p:nvSpPr>
+          <p:cNvPr id="11" name="楕円 10">
+            <a:extLst>
+              <a:ext uri="{FF2B5EF4-FFF2-40B4-BE49-F238E27FC236}">
+                <a16:creationId xmlns:a16="http://schemas.microsoft.com/office/drawing/2014/main" id="{BB8326C9-0F16-3FB3-2E9E-C58C430BE8BE}"/>
               </a:ext>
             </a:extLst>
           </p:cNvPr>
@@ -9442,19 +9442,16 @@
         </p:nvSpPr>
         <p:spPr>
           <a:xfrm>
-            <a:off x="6095999" y="3250102"/>
-            <a:ext cx="2580861" cy="655977"/>
-          </a:xfrm>
-          <a:prstGeom prst="wedgeRectCallout">
-            <a:avLst>
-              <a:gd name="adj1" fmla="val -73489"/>
-              <a:gd name="adj2" fmla="val 47011"/>
-            </a:avLst>
+            <a:off x="1679711" y="5347263"/>
+            <a:ext cx="1000540" cy="655979"/>
+          </a:xfrm>
+          <a:prstGeom prst="ellipse">
+            <a:avLst/>
           </a:prstGeom>
           <a:noFill/>
           <a:ln>
             <a:solidFill>
-              <a:schemeClr val="tx1"/>
+              <a:srgbClr val="FF0000"/>
             </a:solidFill>
           </a:ln>
         </p:spPr>
@@ -9479,65 +9476,6 @@
           <a:lstStyle/>
           <a:p>
             <a:pPr algn="ctr"/>
-            <a:r>
-              <a:rPr kumimoji="1" lang="ja-JP" altLang="en-US" sz="1200" dirty="0">
-                <a:solidFill>
-                  <a:schemeClr val="tx1"/>
-                </a:solidFill>
-              </a:rPr>
-              <a:t>日本語から英語、中国語に変換</a:t>
-            </a:r>
-          </a:p>
-        </p:txBody>
-      </p:sp>
-      <p:sp>
-        <p:nvSpPr>
-          <p:cNvPr id="9" name="楕円 8">
-            <a:extLst>
-              <a:ext uri="{FF2B5EF4-FFF2-40B4-BE49-F238E27FC236}">
-                <a16:creationId xmlns:a16="http://schemas.microsoft.com/office/drawing/2014/main" id="{0CD23E81-F298-A944-72B9-802C0D2D47A3}"/>
-              </a:ext>
-            </a:extLst>
-          </p:cNvPr>
-          <p:cNvSpPr/>
-          <p:nvPr/>
-        </p:nvSpPr>
-        <p:spPr>
-          <a:xfrm>
-            <a:off x="4468600" y="3578089"/>
-            <a:ext cx="1000540" cy="655979"/>
-          </a:xfrm>
-          <a:prstGeom prst="ellipse">
-            <a:avLst/>
-          </a:prstGeom>
-          <a:noFill/>
-          <a:ln>
-            <a:solidFill>
-              <a:srgbClr val="FF0000"/>
-            </a:solidFill>
-          </a:ln>
-        </p:spPr>
-        <p:style>
-          <a:lnRef idx="2">
-            <a:schemeClr val="accent1">
-              <a:shade val="15000"/>
-            </a:schemeClr>
-          </a:lnRef>
-          <a:fillRef idx="1">
-            <a:schemeClr val="accent1"/>
-          </a:fillRef>
-          <a:effectRef idx="0">
-            <a:schemeClr val="accent1"/>
-          </a:effectRef>
-          <a:fontRef idx="minor">
-            <a:schemeClr val="lt1"/>
-          </a:fontRef>
-        </p:style>
-        <p:txBody>
-          <a:bodyPr rtlCol="0" anchor="ctr"/>
-          <a:lstStyle/>
-          <a:p>
-            <a:pPr algn="ctr"/>
             <a:endParaRPr kumimoji="1" lang="ja-JP" altLang="en-US" sz="1200" dirty="0">
               <a:solidFill>
                 <a:schemeClr val="tx1"/>
@@ -9548,10 +9486,10 @@
       </p:sp>
       <p:sp>
         <p:nvSpPr>
-          <p:cNvPr id="11" name="楕円 10">
-            <a:extLst>
-              <a:ext uri="{FF2B5EF4-FFF2-40B4-BE49-F238E27FC236}">
-                <a16:creationId xmlns:a16="http://schemas.microsoft.com/office/drawing/2014/main" id="{BB8326C9-0F16-3FB3-2E9E-C58C430BE8BE}"/>
+          <p:cNvPr id="12" name="吹き出し: 四角形 11">
+            <a:extLst>
+              <a:ext uri="{FF2B5EF4-FFF2-40B4-BE49-F238E27FC236}">
+                <a16:creationId xmlns:a16="http://schemas.microsoft.com/office/drawing/2014/main" id="{43DBD95F-A8CF-FC19-9DFB-9B18A54BA70B}"/>
               </a:ext>
             </a:extLst>
           </p:cNvPr>
@@ -9560,63 +9498,7 @@
         </p:nvSpPr>
         <p:spPr>
           <a:xfrm>
-            <a:off x="407503" y="6102626"/>
-            <a:ext cx="1000540" cy="655979"/>
-          </a:xfrm>
-          <a:prstGeom prst="ellipse">
-            <a:avLst/>
-          </a:prstGeom>
-          <a:noFill/>
-          <a:ln>
-            <a:solidFill>
-              <a:srgbClr val="FF0000"/>
-            </a:solidFill>
-          </a:ln>
-        </p:spPr>
-        <p:style>
-          <a:lnRef idx="2">
-            <a:schemeClr val="accent1">
-              <a:shade val="15000"/>
-            </a:schemeClr>
-          </a:lnRef>
-          <a:fillRef idx="1">
-            <a:schemeClr val="accent1"/>
-          </a:fillRef>
-          <a:effectRef idx="0">
-            <a:schemeClr val="accent1"/>
-          </a:effectRef>
-          <a:fontRef idx="minor">
-            <a:schemeClr val="lt1"/>
-          </a:fontRef>
-        </p:style>
-        <p:txBody>
-          <a:bodyPr rtlCol="0" anchor="ctr"/>
-          <a:lstStyle/>
-          <a:p>
-            <a:pPr algn="ctr"/>
-            <a:endParaRPr kumimoji="1" lang="ja-JP" altLang="en-US" sz="1200" dirty="0">
-              <a:solidFill>
-                <a:schemeClr val="tx1"/>
-              </a:solidFill>
-            </a:endParaRPr>
-          </a:p>
-        </p:txBody>
-      </p:sp>
-      <p:sp>
-        <p:nvSpPr>
-          <p:cNvPr id="12" name="吹き出し: 四角形 11">
-            <a:extLst>
-              <a:ext uri="{FF2B5EF4-FFF2-40B4-BE49-F238E27FC236}">
-                <a16:creationId xmlns:a16="http://schemas.microsoft.com/office/drawing/2014/main" id="{43DBD95F-A8CF-FC19-9DFB-9B18A54BA70B}"/>
-              </a:ext>
-            </a:extLst>
-          </p:cNvPr>
-          <p:cNvSpPr/>
-          <p:nvPr/>
-        </p:nvSpPr>
-        <p:spPr>
-          <a:xfrm>
-            <a:off x="2098119" y="5774638"/>
+            <a:off x="3616187" y="5347263"/>
             <a:ext cx="2580861" cy="655977"/>
           </a:xfrm>
           <a:prstGeom prst="wedgeRectCallout">
@@ -10000,12 +9882,47 @@
           </a:p>
         </p:txBody>
       </p:sp>
+      <p:sp>
+        <p:nvSpPr>
+          <p:cNvPr id="6" name="テキスト ボックス 5">
+            <a:extLst>
+              <a:ext uri="{FF2B5EF4-FFF2-40B4-BE49-F238E27FC236}">
+                <a16:creationId xmlns:a16="http://schemas.microsoft.com/office/drawing/2014/main" id="{517957A3-1180-78B3-7013-511B5132375E}"/>
+              </a:ext>
+            </a:extLst>
+          </p:cNvPr>
+          <p:cNvSpPr txBox="1"/>
+          <p:nvPr/>
+        </p:nvSpPr>
+        <p:spPr>
+          <a:xfrm>
+            <a:off x="407503" y="944217"/>
+            <a:ext cx="10634871" cy="369332"/>
+          </a:xfrm>
+          <a:prstGeom prst="rect">
+            <a:avLst/>
+          </a:prstGeom>
+          <a:noFill/>
+        </p:spPr>
+        <p:txBody>
+          <a:bodyPr wrap="square" rtlCol="0">
+            <a:spAutoFit/>
+          </a:bodyPr>
+          <a:lstStyle/>
+          <a:p>
+            <a:r>
+              <a:rPr kumimoji="1" lang="ja-JP" altLang="en-US" dirty="0"/>
+              <a:t>登録済み展示物の一覧を見ることができる</a:t>
+            </a:r>
+          </a:p>
+        </p:txBody>
+      </p:sp>
       <p:pic>
         <p:nvPicPr>
-          <p:cNvPr id="3" name="図 2">
-            <a:extLst>
-              <a:ext uri="{FF2B5EF4-FFF2-40B4-BE49-F238E27FC236}">
-                <a16:creationId xmlns:a16="http://schemas.microsoft.com/office/drawing/2014/main" id="{612A1F4C-AC79-77B2-253C-3EF57DF6D815}"/>
+          <p:cNvPr id="7" name="図 6">
+            <a:extLst>
+              <a:ext uri="{FF2B5EF4-FFF2-40B4-BE49-F238E27FC236}">
+                <a16:creationId xmlns:a16="http://schemas.microsoft.com/office/drawing/2014/main" id="{0542F8B9-C088-3DB3-BB87-D09D968ABEFE}"/>
               </a:ext>
             </a:extLst>
           </p:cNvPr>
@@ -10022,8 +9939,8 @@
         </p:blipFill>
         <p:spPr>
           <a:xfrm>
-            <a:off x="407503" y="2024502"/>
-            <a:ext cx="8874755" cy="4363744"/>
+            <a:off x="333573" y="1502391"/>
+            <a:ext cx="11523809" cy="2771429"/>
           </a:xfrm>
           <a:prstGeom prst="rect">
             <a:avLst/>
@@ -10032,35 +9949,118 @@
       </p:pic>
       <p:sp>
         <p:nvSpPr>
-          <p:cNvPr id="6" name="テキスト ボックス 5">
-            <a:extLst>
-              <a:ext uri="{FF2B5EF4-FFF2-40B4-BE49-F238E27FC236}">
-                <a16:creationId xmlns:a16="http://schemas.microsoft.com/office/drawing/2014/main" id="{517957A3-1180-78B3-7013-511B5132375E}"/>
-              </a:ext>
-            </a:extLst>
-          </p:cNvPr>
-          <p:cNvSpPr txBox="1"/>
-          <p:nvPr/>
-        </p:nvSpPr>
-        <p:spPr>
-          <a:xfrm>
-            <a:off x="407503" y="944217"/>
-            <a:ext cx="10634871" cy="369332"/>
-          </a:xfrm>
-          <a:prstGeom prst="rect">
-            <a:avLst/>
-          </a:prstGeom>
-          <a:noFill/>
-        </p:spPr>
-        <p:txBody>
-          <a:bodyPr wrap="square" rtlCol="0">
-            <a:spAutoFit/>
-          </a:bodyPr>
-          <a:lstStyle/>
-          <a:p>
-            <a:r>
-              <a:rPr kumimoji="1" lang="ja-JP" altLang="en-US" dirty="0"/>
-              <a:t>登録済み展示物の一覧を見ることができる</a:t>
+          <p:cNvPr id="8" name="楕円 7">
+            <a:extLst>
+              <a:ext uri="{FF2B5EF4-FFF2-40B4-BE49-F238E27FC236}">
+                <a16:creationId xmlns:a16="http://schemas.microsoft.com/office/drawing/2014/main" id="{ABD32821-3D0D-14D6-EC5A-5C8C514B51AA}"/>
+              </a:ext>
+            </a:extLst>
+          </p:cNvPr>
+          <p:cNvSpPr/>
+          <p:nvPr/>
+        </p:nvSpPr>
+        <p:spPr>
+          <a:xfrm>
+            <a:off x="9571382" y="3379297"/>
+            <a:ext cx="2484783" cy="1083365"/>
+          </a:xfrm>
+          <a:prstGeom prst="ellipse">
+            <a:avLst/>
+          </a:prstGeom>
+          <a:noFill/>
+          <a:ln>
+            <a:solidFill>
+              <a:srgbClr val="FF0000"/>
+            </a:solidFill>
+          </a:ln>
+        </p:spPr>
+        <p:style>
+          <a:lnRef idx="2">
+            <a:schemeClr val="accent1">
+              <a:shade val="15000"/>
+            </a:schemeClr>
+          </a:lnRef>
+          <a:fillRef idx="1">
+            <a:schemeClr val="accent1"/>
+          </a:fillRef>
+          <a:effectRef idx="0">
+            <a:schemeClr val="accent1"/>
+          </a:effectRef>
+          <a:fontRef idx="minor">
+            <a:schemeClr val="lt1"/>
+          </a:fontRef>
+        </p:style>
+        <p:txBody>
+          <a:bodyPr rtlCol="0" anchor="ctr"/>
+          <a:lstStyle/>
+          <a:p>
+            <a:pPr algn="ctr"/>
+            <a:endParaRPr kumimoji="1" lang="ja-JP" altLang="en-US" sz="1200" dirty="0">
+              <a:solidFill>
+                <a:schemeClr val="tx1"/>
+              </a:solidFill>
+            </a:endParaRPr>
+          </a:p>
+        </p:txBody>
+      </p:sp>
+      <p:sp>
+        <p:nvSpPr>
+          <p:cNvPr id="10" name="吹き出し: 四角形 9">
+            <a:extLst>
+              <a:ext uri="{FF2B5EF4-FFF2-40B4-BE49-F238E27FC236}">
+                <a16:creationId xmlns:a16="http://schemas.microsoft.com/office/drawing/2014/main" id="{E0FE88E4-35B5-F3C1-ABDB-ECF5925ADF27}"/>
+              </a:ext>
+            </a:extLst>
+          </p:cNvPr>
+          <p:cNvSpPr/>
+          <p:nvPr/>
+        </p:nvSpPr>
+        <p:spPr>
+          <a:xfrm>
+            <a:off x="8110330" y="4989443"/>
+            <a:ext cx="3200400" cy="606287"/>
+          </a:xfrm>
+          <a:prstGeom prst="wedgeRectCallout">
+            <a:avLst>
+              <a:gd name="adj1" fmla="val 18919"/>
+              <a:gd name="adj2" fmla="val -106317"/>
+            </a:avLst>
+          </a:prstGeom>
+          <a:noFill/>
+          <a:ln>
+            <a:solidFill>
+              <a:schemeClr val="tx1"/>
+            </a:solidFill>
+          </a:ln>
+        </p:spPr>
+        <p:style>
+          <a:lnRef idx="2">
+            <a:schemeClr val="accent1">
+              <a:shade val="15000"/>
+            </a:schemeClr>
+          </a:lnRef>
+          <a:fillRef idx="1">
+            <a:schemeClr val="accent1"/>
+          </a:fillRef>
+          <a:effectRef idx="0">
+            <a:schemeClr val="accent1"/>
+          </a:effectRef>
+          <a:fontRef idx="minor">
+            <a:schemeClr val="lt1"/>
+          </a:fontRef>
+        </p:style>
+        <p:txBody>
+          <a:bodyPr rtlCol="0" anchor="ctr"/>
+          <a:lstStyle/>
+          <a:p>
+            <a:pPr algn="ctr"/>
+            <a:r>
+              <a:rPr kumimoji="1" lang="ja-JP" altLang="en-US" sz="1200" dirty="0">
+                <a:solidFill>
+                  <a:schemeClr val="tx1"/>
+                </a:solidFill>
+              </a:rPr>
+              <a:t>マウスオーバーライド</a:t>
             </a:r>
           </a:p>
         </p:txBody>
@@ -12010,10 +12010,10 @@
       </p:sp>
       <p:pic>
         <p:nvPicPr>
-          <p:cNvPr id="2" name="図 1">
-            <a:extLst>
-              <a:ext uri="{FF2B5EF4-FFF2-40B4-BE49-F238E27FC236}">
-                <a16:creationId xmlns:a16="http://schemas.microsoft.com/office/drawing/2014/main" id="{D86A03C4-9ED3-5F13-C77F-6CA23E61E4BE}"/>
+          <p:cNvPr id="3" name="図 2">
+            <a:extLst>
+              <a:ext uri="{FF2B5EF4-FFF2-40B4-BE49-F238E27FC236}">
+                <a16:creationId xmlns:a16="http://schemas.microsoft.com/office/drawing/2014/main" id="{F4547DE3-63FD-0BFE-76AB-812181256CD8}"/>
               </a:ext>
             </a:extLst>
           </p:cNvPr>
@@ -12030,8 +12030,8 @@
         </p:blipFill>
         <p:spPr>
           <a:xfrm>
-            <a:off x="1480929" y="1368519"/>
-            <a:ext cx="8874755" cy="4363744"/>
+            <a:off x="333573" y="1502391"/>
+            <a:ext cx="11523809" cy="2771429"/>
           </a:xfrm>
           <a:prstGeom prst="rect">
             <a:avLst/>
@@ -12074,118 +12074,12 @@
           <a:chExt cx="0" cy="0"/>
         </a:xfrm>
       </p:grpSpPr>
-      <p:cxnSp>
-        <p:nvCxnSpPr>
-          <p:cNvPr id="4" name="直線コネクタ 3">
-            <a:extLst>
-              <a:ext uri="{FF2B5EF4-FFF2-40B4-BE49-F238E27FC236}">
-                <a16:creationId xmlns:a16="http://schemas.microsoft.com/office/drawing/2014/main" id="{DC06991D-23A9-E320-AC46-D5A64EC8A36A}"/>
-              </a:ext>
-            </a:extLst>
-          </p:cNvPr>
-          <p:cNvCxnSpPr/>
-          <p:nvPr/>
-        </p:nvCxnSpPr>
-        <p:spPr>
-          <a:xfrm>
-            <a:off x="228600" y="755374"/>
-            <a:ext cx="11936896" cy="0"/>
-          </a:xfrm>
-          <a:prstGeom prst="line">
-            <a:avLst/>
-          </a:prstGeom>
-        </p:spPr>
-        <p:style>
-          <a:lnRef idx="2">
-            <a:schemeClr val="accent1"/>
-          </a:lnRef>
-          <a:fillRef idx="0">
-            <a:schemeClr val="accent1"/>
-          </a:fillRef>
-          <a:effectRef idx="1">
-            <a:schemeClr val="accent1"/>
-          </a:effectRef>
-          <a:fontRef idx="minor">
-            <a:schemeClr val="tx1"/>
-          </a:fontRef>
-        </p:style>
-      </p:cxnSp>
-      <p:sp>
-        <p:nvSpPr>
-          <p:cNvPr id="5" name="テキスト ボックス 4">
-            <a:extLst>
-              <a:ext uri="{FF2B5EF4-FFF2-40B4-BE49-F238E27FC236}">
-                <a16:creationId xmlns:a16="http://schemas.microsoft.com/office/drawing/2014/main" id="{92337415-9AB0-8859-8D70-21A7548493BB}"/>
-              </a:ext>
-            </a:extLst>
-          </p:cNvPr>
-          <p:cNvSpPr txBox="1"/>
-          <p:nvPr/>
-        </p:nvSpPr>
-        <p:spPr>
-          <a:xfrm>
-            <a:off x="407503" y="198783"/>
-            <a:ext cx="11449879" cy="369332"/>
-          </a:xfrm>
-          <a:prstGeom prst="rect">
-            <a:avLst/>
-          </a:prstGeom>
-          <a:noFill/>
-        </p:spPr>
-        <p:txBody>
-          <a:bodyPr wrap="square" rtlCol="0">
-            <a:spAutoFit/>
-          </a:bodyPr>
-          <a:lstStyle/>
-          <a:p>
-            <a:r>
-              <a:rPr kumimoji="1" lang="ja-JP" altLang="en-US" dirty="0"/>
-              <a:t>展示物の一覧表示：削除</a:t>
-            </a:r>
-          </a:p>
-        </p:txBody>
-      </p:sp>
-      <p:sp>
-        <p:nvSpPr>
-          <p:cNvPr id="3" name="テキスト ボックス 2">
-            <a:extLst>
-              <a:ext uri="{FF2B5EF4-FFF2-40B4-BE49-F238E27FC236}">
-                <a16:creationId xmlns:a16="http://schemas.microsoft.com/office/drawing/2014/main" id="{DF8740C3-7ECD-EEF8-07CE-55C22E0D5C47}"/>
-              </a:ext>
-            </a:extLst>
-          </p:cNvPr>
-          <p:cNvSpPr txBox="1"/>
-          <p:nvPr/>
-        </p:nvSpPr>
-        <p:spPr>
-          <a:xfrm>
-            <a:off x="1202635" y="5963478"/>
-            <a:ext cx="8517835" cy="369332"/>
-          </a:xfrm>
-          <a:prstGeom prst="rect">
-            <a:avLst/>
-          </a:prstGeom>
-          <a:noFill/>
-        </p:spPr>
-        <p:txBody>
-          <a:bodyPr wrap="square" rtlCol="0">
-            <a:spAutoFit/>
-          </a:bodyPr>
-          <a:lstStyle/>
-          <a:p>
-            <a:r>
-              <a:rPr kumimoji="1" lang="ja-JP" altLang="en-US" dirty="0"/>
-              <a:t>選択した展示物の削除を行います、削除した展示物はゴミ箱に移動されます</a:t>
-            </a:r>
-          </a:p>
-        </p:txBody>
-      </p:sp>
       <p:pic>
         <p:nvPicPr>
-          <p:cNvPr id="6" name="図 5">
-            <a:extLst>
-              <a:ext uri="{FF2B5EF4-FFF2-40B4-BE49-F238E27FC236}">
-                <a16:creationId xmlns:a16="http://schemas.microsoft.com/office/drawing/2014/main" id="{C2F65628-FDF2-ED2F-ADEC-60A4FCB242D2}"/>
+          <p:cNvPr id="7" name="図 6">
+            <a:extLst>
+              <a:ext uri="{FF2B5EF4-FFF2-40B4-BE49-F238E27FC236}">
+                <a16:creationId xmlns:a16="http://schemas.microsoft.com/office/drawing/2014/main" id="{97D8A2AB-ECD1-7C02-D308-5FA58CDF07A0}"/>
               </a:ext>
             </a:extLst>
           </p:cNvPr>
@@ -12202,14 +12096,120 @@
         </p:blipFill>
         <p:spPr>
           <a:xfrm>
-            <a:off x="1024174" y="942634"/>
-            <a:ext cx="8874755" cy="4363744"/>
+            <a:off x="435143" y="1786452"/>
+            <a:ext cx="11523809" cy="2771429"/>
           </a:xfrm>
           <a:prstGeom prst="rect">
             <a:avLst/>
           </a:prstGeom>
         </p:spPr>
       </p:pic>
+      <p:cxnSp>
+        <p:nvCxnSpPr>
+          <p:cNvPr id="4" name="直線コネクタ 3">
+            <a:extLst>
+              <a:ext uri="{FF2B5EF4-FFF2-40B4-BE49-F238E27FC236}">
+                <a16:creationId xmlns:a16="http://schemas.microsoft.com/office/drawing/2014/main" id="{DC06991D-23A9-E320-AC46-D5A64EC8A36A}"/>
+              </a:ext>
+            </a:extLst>
+          </p:cNvPr>
+          <p:cNvCxnSpPr/>
+          <p:nvPr/>
+        </p:nvCxnSpPr>
+        <p:spPr>
+          <a:xfrm>
+            <a:off x="228600" y="755374"/>
+            <a:ext cx="11936896" cy="0"/>
+          </a:xfrm>
+          <a:prstGeom prst="line">
+            <a:avLst/>
+          </a:prstGeom>
+        </p:spPr>
+        <p:style>
+          <a:lnRef idx="2">
+            <a:schemeClr val="accent1"/>
+          </a:lnRef>
+          <a:fillRef idx="0">
+            <a:schemeClr val="accent1"/>
+          </a:fillRef>
+          <a:effectRef idx="1">
+            <a:schemeClr val="accent1"/>
+          </a:effectRef>
+          <a:fontRef idx="minor">
+            <a:schemeClr val="tx1"/>
+          </a:fontRef>
+        </p:style>
+      </p:cxnSp>
+      <p:sp>
+        <p:nvSpPr>
+          <p:cNvPr id="5" name="テキスト ボックス 4">
+            <a:extLst>
+              <a:ext uri="{FF2B5EF4-FFF2-40B4-BE49-F238E27FC236}">
+                <a16:creationId xmlns:a16="http://schemas.microsoft.com/office/drawing/2014/main" id="{92337415-9AB0-8859-8D70-21A7548493BB}"/>
+              </a:ext>
+            </a:extLst>
+          </p:cNvPr>
+          <p:cNvSpPr txBox="1"/>
+          <p:nvPr/>
+        </p:nvSpPr>
+        <p:spPr>
+          <a:xfrm>
+            <a:off x="407503" y="198783"/>
+            <a:ext cx="11449879" cy="369332"/>
+          </a:xfrm>
+          <a:prstGeom prst="rect">
+            <a:avLst/>
+          </a:prstGeom>
+          <a:noFill/>
+        </p:spPr>
+        <p:txBody>
+          <a:bodyPr wrap="square" rtlCol="0">
+            <a:spAutoFit/>
+          </a:bodyPr>
+          <a:lstStyle/>
+          <a:p>
+            <a:r>
+              <a:rPr kumimoji="1" lang="ja-JP" altLang="en-US" dirty="0"/>
+              <a:t>展示物の一覧表示：削除</a:t>
+            </a:r>
+          </a:p>
+        </p:txBody>
+      </p:sp>
+      <p:sp>
+        <p:nvSpPr>
+          <p:cNvPr id="3" name="テキスト ボックス 2">
+            <a:extLst>
+              <a:ext uri="{FF2B5EF4-FFF2-40B4-BE49-F238E27FC236}">
+                <a16:creationId xmlns:a16="http://schemas.microsoft.com/office/drawing/2014/main" id="{DF8740C3-7ECD-EEF8-07CE-55C22E0D5C47}"/>
+              </a:ext>
+            </a:extLst>
+          </p:cNvPr>
+          <p:cNvSpPr txBox="1"/>
+          <p:nvPr/>
+        </p:nvSpPr>
+        <p:spPr>
+          <a:xfrm>
+            <a:off x="1202635" y="5963478"/>
+            <a:ext cx="8517835" cy="369332"/>
+          </a:xfrm>
+          <a:prstGeom prst="rect">
+            <a:avLst/>
+          </a:prstGeom>
+          <a:noFill/>
+        </p:spPr>
+        <p:txBody>
+          <a:bodyPr wrap="square" rtlCol="0">
+            <a:spAutoFit/>
+          </a:bodyPr>
+          <a:lstStyle/>
+          <a:p>
+            <a:r>
+              <a:rPr kumimoji="1" lang="ja-JP" altLang="en-US" dirty="0"/>
+              <a:t>選択した展示物の削除を行います、削除した展示物はゴミ箱に移動されます</a:t>
+            </a:r>
+          </a:p>
+        </p:txBody>
+      </p:sp>
       <p:sp>
         <p:nvSpPr>
           <p:cNvPr id="2" name="楕円 1">
@@ -12224,7 +12224,7 @@
         </p:nvSpPr>
         <p:spPr>
           <a:xfrm>
-            <a:off x="8378688" y="3429000"/>
+            <a:off x="11283091" y="3876261"/>
             <a:ext cx="675861" cy="487017"/>
           </a:xfrm>
           <a:prstGeom prst="ellipse">

--- a/展示物アプリ仕様.pptx
+++ b/展示物アプリ仕様.pptx
@@ -49,25 +49,29 @@
     <p:sldId id="328" r:id="rId43"/>
     <p:sldId id="329" r:id="rId44"/>
     <p:sldId id="335" r:id="rId45"/>
-    <p:sldId id="336" r:id="rId46"/>
-    <p:sldId id="337" r:id="rId47"/>
-    <p:sldId id="338" r:id="rId48"/>
-    <p:sldId id="339" r:id="rId49"/>
-    <p:sldId id="321" r:id="rId50"/>
-    <p:sldId id="326" r:id="rId51"/>
-    <p:sldId id="327" r:id="rId52"/>
-    <p:sldId id="302" r:id="rId53"/>
-    <p:sldId id="268" r:id="rId54"/>
-    <p:sldId id="273" r:id="rId55"/>
-    <p:sldId id="276" r:id="rId56"/>
-    <p:sldId id="277" r:id="rId57"/>
-    <p:sldId id="284" r:id="rId58"/>
-    <p:sldId id="278" r:id="rId59"/>
-    <p:sldId id="279" r:id="rId60"/>
-    <p:sldId id="280" r:id="rId61"/>
-    <p:sldId id="281" r:id="rId62"/>
-    <p:sldId id="282" r:id="rId63"/>
-    <p:sldId id="283" r:id="rId64"/>
+    <p:sldId id="340" r:id="rId46"/>
+    <p:sldId id="336" r:id="rId47"/>
+    <p:sldId id="344" r:id="rId48"/>
+    <p:sldId id="341" r:id="rId49"/>
+    <p:sldId id="342" r:id="rId50"/>
+    <p:sldId id="337" r:id="rId51"/>
+    <p:sldId id="338" r:id="rId52"/>
+    <p:sldId id="339" r:id="rId53"/>
+    <p:sldId id="321" r:id="rId54"/>
+    <p:sldId id="326" r:id="rId55"/>
+    <p:sldId id="327" r:id="rId56"/>
+    <p:sldId id="302" r:id="rId57"/>
+    <p:sldId id="268" r:id="rId58"/>
+    <p:sldId id="273" r:id="rId59"/>
+    <p:sldId id="276" r:id="rId60"/>
+    <p:sldId id="277" r:id="rId61"/>
+    <p:sldId id="284" r:id="rId62"/>
+    <p:sldId id="278" r:id="rId63"/>
+    <p:sldId id="279" r:id="rId64"/>
+    <p:sldId id="280" r:id="rId65"/>
+    <p:sldId id="281" r:id="rId66"/>
+    <p:sldId id="282" r:id="rId67"/>
+    <p:sldId id="283" r:id="rId68"/>
   </p:sldIdLst>
   <p:sldSz cx="12192000" cy="6858000"/>
   <p:notesSz cx="7099300" cy="10234613"/>
@@ -12615,6 +12619,69 @@
   <p:cSld>
     <p:spTree>
       <p:nvGrpSpPr>
+        <p:cNvPr id="1" name=""/>
+        <p:cNvGrpSpPr/>
+        <p:nvPr/>
+      </p:nvGrpSpPr>
+      <p:grpSpPr>
+        <a:xfrm>
+          <a:off x="0" y="0"/>
+          <a:ext cx="0" cy="0"/>
+          <a:chOff x="0" y="0"/>
+          <a:chExt cx="0" cy="0"/>
+        </a:xfrm>
+      </p:grpSpPr>
+      <p:sp>
+        <p:nvSpPr>
+          <p:cNvPr id="2" name="タイトル 1">
+            <a:extLst>
+              <a:ext uri="{FF2B5EF4-FFF2-40B4-BE49-F238E27FC236}">
+                <a16:creationId xmlns:a16="http://schemas.microsoft.com/office/drawing/2014/main" id="{DDAC0603-1A36-E460-8D23-75154773FAB5}"/>
+              </a:ext>
+            </a:extLst>
+          </p:cNvPr>
+          <p:cNvSpPr>
+            <a:spLocks noGrp="1"/>
+          </p:cNvSpPr>
+          <p:nvPr>
+            <p:ph type="title"/>
+          </p:nvPr>
+        </p:nvSpPr>
+        <p:spPr>
+          <a:xfrm>
+            <a:off x="997227" y="2243621"/>
+            <a:ext cx="10515600" cy="1325563"/>
+          </a:xfrm>
+        </p:spPr>
+        <p:txBody>
+          <a:bodyPr/>
+          <a:lstStyle/>
+          <a:p>
+            <a:r>
+              <a:rPr kumimoji="1" lang="ja-JP" altLang="en-US" dirty="0"/>
+              <a:t>以下アプリケーション仕様</a:t>
+            </a:r>
+          </a:p>
+        </p:txBody>
+      </p:sp>
+    </p:spTree>
+    <p:extLst>
+      <p:ext uri="{BB962C8B-B14F-4D97-AF65-F5344CB8AC3E}">
+        <p14:creationId xmlns:p14="http://schemas.microsoft.com/office/powerpoint/2010/main" val="3831674396"/>
+      </p:ext>
+    </p:extLst>
+  </p:cSld>
+  <p:clrMapOvr>
+    <a:masterClrMapping/>
+  </p:clrMapOvr>
+</p:sld>
+</file>
+
+<file path=ppt/slides/slide46.xml><?xml version="1.0" encoding="utf-8"?>
+<p:sld xmlns:a="http://schemas.openxmlformats.org/drawingml/2006/main" xmlns:r="http://schemas.openxmlformats.org/officeDocument/2006/relationships" xmlns:p="http://schemas.openxmlformats.org/presentationml/2006/main">
+  <p:cSld>
+    <p:spTree>
+      <p:nvGrpSpPr>
         <p:cNvPr id="1" name="">
           <a:extLst>
             <a:ext uri="{FF2B5EF4-FFF2-40B4-BE49-F238E27FC236}">
@@ -12699,17 +12766,17 @@
           <a:p>
             <a:r>
               <a:rPr kumimoji="1" lang="ja-JP" altLang="en-US" dirty="0"/>
-              <a:t>アプリケーション：選択した博物館がリニューアル中</a:t>
+              <a:t>全体のトップページ</a:t>
             </a:r>
           </a:p>
         </p:txBody>
       </p:sp>
       <p:pic>
         <p:nvPicPr>
-          <p:cNvPr id="6" name="図 5">
-            <a:extLst>
-              <a:ext uri="{FF2B5EF4-FFF2-40B4-BE49-F238E27FC236}">
-                <a16:creationId xmlns:a16="http://schemas.microsoft.com/office/drawing/2014/main" id="{925C78B8-99EB-03BE-ADC3-5F4E854DE3D1}"/>
+          <p:cNvPr id="3" name="図 2">
+            <a:extLst>
+              <a:ext uri="{FF2B5EF4-FFF2-40B4-BE49-F238E27FC236}">
+                <a16:creationId xmlns:a16="http://schemas.microsoft.com/office/drawing/2014/main" id="{7B80D689-4635-9681-290C-AE064E888AB7}"/>
               </a:ext>
             </a:extLst>
           </p:cNvPr>
@@ -12726,14 +12793,180 @@
         </p:blipFill>
         <p:spPr>
           <a:xfrm>
-            <a:off x="1603856" y="755374"/>
-            <a:ext cx="5485714" cy="5923809"/>
+            <a:off x="942638" y="802074"/>
+            <a:ext cx="4561905" cy="5857143"/>
           </a:xfrm>
           <a:prstGeom prst="rect">
             <a:avLst/>
           </a:prstGeom>
         </p:spPr>
       </p:pic>
+      <p:sp>
+        <p:nvSpPr>
+          <p:cNvPr id="7" name="テキスト ボックス 6">
+            <a:extLst>
+              <a:ext uri="{FF2B5EF4-FFF2-40B4-BE49-F238E27FC236}">
+                <a16:creationId xmlns:a16="http://schemas.microsoft.com/office/drawing/2014/main" id="{E960F3C9-C091-173C-632D-8D2C28A806EF}"/>
+              </a:ext>
+            </a:extLst>
+          </p:cNvPr>
+          <p:cNvSpPr txBox="1"/>
+          <p:nvPr/>
+        </p:nvSpPr>
+        <p:spPr>
+          <a:xfrm>
+            <a:off x="5973417" y="1172817"/>
+            <a:ext cx="646331" cy="369332"/>
+          </a:xfrm>
+          <a:prstGeom prst="rect">
+            <a:avLst/>
+          </a:prstGeom>
+          <a:noFill/>
+        </p:spPr>
+        <p:txBody>
+          <a:bodyPr wrap="none" rtlCol="0">
+            <a:spAutoFit/>
+          </a:bodyPr>
+          <a:lstStyle/>
+          <a:p>
+            <a:r>
+              <a:rPr kumimoji="1" lang="en-US" altLang="ja-JP" dirty="0"/>
+              <a:t>URL</a:t>
+            </a:r>
+            <a:endParaRPr kumimoji="1" lang="ja-JP" altLang="en-US" dirty="0"/>
+          </a:p>
+        </p:txBody>
+      </p:sp>
+      <p:sp>
+        <p:nvSpPr>
+          <p:cNvPr id="9" name="テキスト ボックス 8">
+            <a:extLst>
+              <a:ext uri="{FF2B5EF4-FFF2-40B4-BE49-F238E27FC236}">
+                <a16:creationId xmlns:a16="http://schemas.microsoft.com/office/drawing/2014/main" id="{163A4842-E158-EFDD-861E-A86F27D23741}"/>
+              </a:ext>
+            </a:extLst>
+          </p:cNvPr>
+          <p:cNvSpPr txBox="1"/>
+          <p:nvPr/>
+        </p:nvSpPr>
+        <p:spPr>
+          <a:xfrm>
+            <a:off x="5769665" y="1542149"/>
+            <a:ext cx="6097656" cy="369332"/>
+          </a:xfrm>
+          <a:prstGeom prst="rect">
+            <a:avLst/>
+          </a:prstGeom>
+          <a:noFill/>
+        </p:spPr>
+        <p:txBody>
+          <a:bodyPr wrap="square">
+            <a:spAutoFit/>
+          </a:bodyPr>
+          <a:lstStyle/>
+          <a:p>
+            <a:r>
+              <a:rPr lang="en-US" altLang="ja-JP" dirty="0">
+                <a:hlinkClick r:id="rId3"/>
+              </a:rPr>
+              <a:t>https://41mono.net/museum/app/index.php</a:t>
+            </a:r>
+            <a:endParaRPr lang="ja-JP" altLang="en-US" dirty="0"/>
+          </a:p>
+        </p:txBody>
+      </p:sp>
+      <p:pic>
+        <p:nvPicPr>
+          <p:cNvPr id="11" name="図 10">
+            <a:extLst>
+              <a:ext uri="{FF2B5EF4-FFF2-40B4-BE49-F238E27FC236}">
+                <a16:creationId xmlns:a16="http://schemas.microsoft.com/office/drawing/2014/main" id="{49F8ABAC-02EF-1991-72E3-0ABF0E8E822E}"/>
+              </a:ext>
+            </a:extLst>
+          </p:cNvPr>
+          <p:cNvPicPr>
+            <a:picLocks noChangeAspect="1"/>
+          </p:cNvPicPr>
+          <p:nvPr/>
+        </p:nvPicPr>
+        <p:blipFill>
+          <a:blip r:embed="rId4"/>
+          <a:stretch>
+            <a:fillRect/>
+          </a:stretch>
+        </p:blipFill>
+        <p:spPr>
+          <a:xfrm>
+            <a:off x="7566419" y="2022740"/>
+            <a:ext cx="2057143" cy="2057143"/>
+          </a:xfrm>
+          <a:prstGeom prst="rect">
+            <a:avLst/>
+          </a:prstGeom>
+        </p:spPr>
+      </p:pic>
+      <p:sp>
+        <p:nvSpPr>
+          <p:cNvPr id="12" name="吹き出し: 四角形 11">
+            <a:extLst>
+              <a:ext uri="{FF2B5EF4-FFF2-40B4-BE49-F238E27FC236}">
+                <a16:creationId xmlns:a16="http://schemas.microsoft.com/office/drawing/2014/main" id="{C93D37AC-1C7D-311F-34E8-7FD9BF47FCBE}"/>
+              </a:ext>
+            </a:extLst>
+          </p:cNvPr>
+          <p:cNvSpPr/>
+          <p:nvPr/>
+        </p:nvSpPr>
+        <p:spPr>
+          <a:xfrm>
+            <a:off x="6296582" y="4600233"/>
+            <a:ext cx="2126974" cy="536713"/>
+          </a:xfrm>
+          <a:prstGeom prst="wedgeRectCallout">
+            <a:avLst>
+              <a:gd name="adj1" fmla="val -96067"/>
+              <a:gd name="adj2" fmla="val -135648"/>
+            </a:avLst>
+          </a:prstGeom>
+          <a:noFill/>
+          <a:ln>
+            <a:solidFill>
+              <a:schemeClr val="tx1"/>
+            </a:solidFill>
+          </a:ln>
+        </p:spPr>
+        <p:style>
+          <a:lnRef idx="2">
+            <a:schemeClr val="accent1">
+              <a:shade val="15000"/>
+            </a:schemeClr>
+          </a:lnRef>
+          <a:fillRef idx="1">
+            <a:schemeClr val="accent1"/>
+          </a:fillRef>
+          <a:effectRef idx="0">
+            <a:schemeClr val="accent1"/>
+          </a:effectRef>
+          <a:fontRef idx="minor">
+            <a:schemeClr val="lt1"/>
+          </a:fontRef>
+        </p:style>
+        <p:txBody>
+          <a:bodyPr rtlCol="0" anchor="ctr"/>
+          <a:lstStyle/>
+          <a:p>
+            <a:pPr algn="ctr"/>
+            <a:r>
+              <a:rPr kumimoji="1" lang="ja-JP" altLang="en-US" sz="1200" dirty="0">
+                <a:solidFill>
+                  <a:schemeClr val="tx1"/>
+                </a:solidFill>
+              </a:rPr>
+              <a:t>対象博物館をクリックすると博物館ページに移動</a:t>
+            </a:r>
+          </a:p>
+        </p:txBody>
+      </p:sp>
     </p:spTree>
     <p:extLst>
       <p:ext uri="{BB962C8B-B14F-4D97-AF65-F5344CB8AC3E}">
@@ -12747,7 +12980,7 @@
 </p:sld>
 </file>
 
-<file path=ppt/slides/slide46.xml><?xml version="1.0" encoding="utf-8"?>
+<file path=ppt/slides/slide47.xml><?xml version="1.0" encoding="utf-8"?>
 <p:sld xmlns:a="http://schemas.openxmlformats.org/drawingml/2006/main" xmlns:r="http://schemas.openxmlformats.org/officeDocument/2006/relationships" xmlns:p="http://schemas.openxmlformats.org/presentationml/2006/main">
   <p:cSld>
     <p:spTree>
@@ -12755,7 +12988,7 @@
         <p:cNvPr id="1" name="">
           <a:extLst>
             <a:ext uri="{FF2B5EF4-FFF2-40B4-BE49-F238E27FC236}">
-              <a16:creationId xmlns:a16="http://schemas.microsoft.com/office/drawing/2014/main" id="{AA5871A9-A057-7463-E225-B11875A6A4E3}"/>
+              <a16:creationId xmlns:a16="http://schemas.microsoft.com/office/drawing/2014/main" id="{F52C93D9-148E-E265-0DF8-4791F2607B8A}"/>
             </a:ext>
           </a:extLst>
         </p:cNvPr>
@@ -12775,7 +13008,7 @@
           <p:cNvPr id="4" name="直線コネクタ 3">
             <a:extLst>
               <a:ext uri="{FF2B5EF4-FFF2-40B4-BE49-F238E27FC236}">
-                <a16:creationId xmlns:a16="http://schemas.microsoft.com/office/drawing/2014/main" id="{A1BFECD2-DE03-4830-6273-F51FA706DC02}"/>
+                <a16:creationId xmlns:a16="http://schemas.microsoft.com/office/drawing/2014/main" id="{38A18232-1E62-3BF9-0800-471AF679C733}"/>
               </a:ext>
             </a:extLst>
           </p:cNvPr>
@@ -12811,7 +13044,7 @@
           <p:cNvPr id="5" name="テキスト ボックス 4">
             <a:extLst>
               <a:ext uri="{FF2B5EF4-FFF2-40B4-BE49-F238E27FC236}">
-                <a16:creationId xmlns:a16="http://schemas.microsoft.com/office/drawing/2014/main" id="{EFDC2C59-2227-9A57-F9B0-D221146AA2D2}"/>
+                <a16:creationId xmlns:a16="http://schemas.microsoft.com/office/drawing/2014/main" id="{B9C7DC34-07F1-FB60-AF3D-987F2E6CD7AF}"/>
               </a:ext>
             </a:extLst>
           </p:cNvPr>
@@ -12820,7 +13053,7 @@
         </p:nvSpPr>
         <p:spPr>
           <a:xfrm>
-            <a:off x="407503" y="198783"/>
+            <a:off x="417442" y="198783"/>
             <a:ext cx="11449879" cy="369332"/>
           </a:xfrm>
           <a:prstGeom prst="rect">
@@ -12836,187 +13069,23 @@
           <a:p>
             <a:r>
               <a:rPr kumimoji="1" lang="ja-JP" altLang="en-US" dirty="0"/>
-              <a:t>アプリケーション：博物館トップ→博物館情報</a:t>
-            </a:r>
-          </a:p>
-        </p:txBody>
-      </p:sp>
-      <p:pic>
-        <p:nvPicPr>
-          <p:cNvPr id="3" name="図 2">
-            <a:extLst>
-              <a:ext uri="{FF2B5EF4-FFF2-40B4-BE49-F238E27FC236}">
-                <a16:creationId xmlns:a16="http://schemas.microsoft.com/office/drawing/2014/main" id="{7AB7B804-655B-BE24-50D8-D55717BECE73}"/>
-              </a:ext>
-            </a:extLst>
-          </p:cNvPr>
-          <p:cNvPicPr>
-            <a:picLocks noChangeAspect="1"/>
-          </p:cNvPicPr>
-          <p:nvPr/>
-        </p:nvPicPr>
-        <p:blipFill>
-          <a:blip r:embed="rId2"/>
-          <a:stretch>
-            <a:fillRect/>
-          </a:stretch>
-        </p:blipFill>
-        <p:spPr>
-          <a:xfrm>
-            <a:off x="1500809" y="838896"/>
-            <a:ext cx="4362982" cy="5647248"/>
-          </a:xfrm>
-          <a:prstGeom prst="rect">
-            <a:avLst/>
-          </a:prstGeom>
-        </p:spPr>
-      </p:pic>
-      <p:sp>
-        <p:nvSpPr>
-          <p:cNvPr id="7" name="楕円 6">
-            <a:extLst>
-              <a:ext uri="{FF2B5EF4-FFF2-40B4-BE49-F238E27FC236}">
-                <a16:creationId xmlns:a16="http://schemas.microsoft.com/office/drawing/2014/main" id="{1BD7A1EB-6DCC-F6F4-FABF-F1A7D4E4C0F8}"/>
-              </a:ext>
-            </a:extLst>
-          </p:cNvPr>
-          <p:cNvSpPr/>
-          <p:nvPr/>
-        </p:nvSpPr>
-        <p:spPr>
-          <a:xfrm>
-            <a:off x="5237922" y="838896"/>
-            <a:ext cx="625869" cy="363738"/>
-          </a:xfrm>
-          <a:prstGeom prst="ellipse">
-            <a:avLst/>
-          </a:prstGeom>
-          <a:noFill/>
-          <a:ln>
-            <a:solidFill>
-              <a:srgbClr val="FF0000"/>
-            </a:solidFill>
-          </a:ln>
-        </p:spPr>
-        <p:style>
-          <a:lnRef idx="2">
-            <a:schemeClr val="accent1">
-              <a:shade val="15000"/>
-            </a:schemeClr>
-          </a:lnRef>
-          <a:fillRef idx="1">
-            <a:schemeClr val="accent1"/>
-          </a:fillRef>
-          <a:effectRef idx="0">
-            <a:schemeClr val="accent1"/>
-          </a:effectRef>
-          <a:fontRef idx="minor">
-            <a:schemeClr val="lt1"/>
-          </a:fontRef>
-        </p:style>
-        <p:txBody>
-          <a:bodyPr rtlCol="0" anchor="ctr"/>
-          <a:lstStyle/>
-          <a:p>
-            <a:pPr algn="ctr"/>
-            <a:endParaRPr kumimoji="1" lang="ja-JP" altLang="en-US" sz="1200" dirty="0">
-              <a:solidFill>
-                <a:schemeClr val="tx1"/>
-              </a:solidFill>
-            </a:endParaRPr>
-          </a:p>
-        </p:txBody>
-      </p:sp>
-      <p:pic>
-        <p:nvPicPr>
-          <p:cNvPr id="9" name="図 8">
-            <a:extLst>
-              <a:ext uri="{FF2B5EF4-FFF2-40B4-BE49-F238E27FC236}">
-                <a16:creationId xmlns:a16="http://schemas.microsoft.com/office/drawing/2014/main" id="{87996F18-CFDA-8102-93DA-739AC1F716A3}"/>
-              </a:ext>
-            </a:extLst>
-          </p:cNvPr>
-          <p:cNvPicPr>
-            <a:picLocks noChangeAspect="1"/>
-          </p:cNvPicPr>
-          <p:nvPr/>
-        </p:nvPicPr>
-        <p:blipFill>
-          <a:blip r:embed="rId3"/>
-          <a:stretch>
-            <a:fillRect/>
-          </a:stretch>
-        </p:blipFill>
-        <p:spPr>
-          <a:xfrm>
-            <a:off x="7105924" y="1057573"/>
-            <a:ext cx="4380952" cy="5428571"/>
-          </a:xfrm>
-          <a:prstGeom prst="rect">
-            <a:avLst/>
-          </a:prstGeom>
-        </p:spPr>
-      </p:pic>
-      <p:sp>
-        <p:nvSpPr>
-          <p:cNvPr id="10" name="矢印: 右 9">
-            <a:extLst>
-              <a:ext uri="{FF2B5EF4-FFF2-40B4-BE49-F238E27FC236}">
-                <a16:creationId xmlns:a16="http://schemas.microsoft.com/office/drawing/2014/main" id="{E6A1CF07-9963-CF6B-C89F-3E80D23A817E}"/>
-              </a:ext>
-            </a:extLst>
-          </p:cNvPr>
-          <p:cNvSpPr/>
-          <p:nvPr/>
-        </p:nvSpPr>
-        <p:spPr>
-          <a:xfrm>
-            <a:off x="6094322" y="859738"/>
-            <a:ext cx="452230" cy="715614"/>
-          </a:xfrm>
-          <a:prstGeom prst="rightArrow">
-            <a:avLst/>
-          </a:prstGeom>
-          <a:noFill/>
-          <a:ln>
-            <a:solidFill>
-              <a:schemeClr val="tx1"/>
-            </a:solidFill>
-          </a:ln>
-        </p:spPr>
-        <p:style>
-          <a:lnRef idx="2">
-            <a:schemeClr val="accent1">
-              <a:shade val="15000"/>
-            </a:schemeClr>
-          </a:lnRef>
-          <a:fillRef idx="1">
-            <a:schemeClr val="accent1"/>
-          </a:fillRef>
-          <a:effectRef idx="0">
-            <a:schemeClr val="accent1"/>
-          </a:effectRef>
-          <a:fontRef idx="minor">
-            <a:schemeClr val="lt1"/>
-          </a:fontRef>
-        </p:style>
-        <p:txBody>
-          <a:bodyPr rtlCol="0" anchor="ctr"/>
-          <a:lstStyle/>
-          <a:p>
-            <a:pPr algn="ctr"/>
-            <a:endParaRPr kumimoji="1" lang="ja-JP" altLang="en-US" sz="1200" dirty="0">
-              <a:solidFill>
-                <a:schemeClr val="tx1"/>
-              </a:solidFill>
-            </a:endParaRPr>
+              <a:t>参考：各館への</a:t>
+            </a:r>
+            <a:r>
+              <a:rPr kumimoji="1" lang="en-US" altLang="ja-JP" dirty="0"/>
+              <a:t>QR</a:t>
+            </a:r>
+            <a:r>
+              <a:rPr kumimoji="1" lang="ja-JP" altLang="en-US" dirty="0"/>
+              <a:t>コード</a:t>
+            </a:r>
           </a:p>
         </p:txBody>
       </p:sp>
     </p:spTree>
     <p:extLst>
       <p:ext uri="{BB962C8B-B14F-4D97-AF65-F5344CB8AC3E}">
-        <p14:creationId xmlns:p14="http://schemas.microsoft.com/office/powerpoint/2010/main" val="3653428031"/>
+        <p14:creationId xmlns:p14="http://schemas.microsoft.com/office/powerpoint/2010/main" val="2932339965"/>
       </p:ext>
     </p:extLst>
   </p:cSld>
@@ -13026,7 +13095,7 @@
 </p:sld>
 </file>
 
-<file path=ppt/slides/slide47.xml><?xml version="1.0" encoding="utf-8"?>
+<file path=ppt/slides/slide48.xml><?xml version="1.0" encoding="utf-8"?>
 <p:sld xmlns:a="http://schemas.openxmlformats.org/drawingml/2006/main" xmlns:r="http://schemas.openxmlformats.org/officeDocument/2006/relationships" xmlns:p="http://schemas.openxmlformats.org/presentationml/2006/main">
   <p:cSld>
     <p:spTree>
@@ -13034,7 +13103,7 @@
         <p:cNvPr id="1" name="">
           <a:extLst>
             <a:ext uri="{FF2B5EF4-FFF2-40B4-BE49-F238E27FC236}">
-              <a16:creationId xmlns:a16="http://schemas.microsoft.com/office/drawing/2014/main" id="{EE41F342-51A9-CE3C-6EAB-9772E104463A}"/>
+              <a16:creationId xmlns:a16="http://schemas.microsoft.com/office/drawing/2014/main" id="{023D3F7F-6E7C-F757-F2B5-4C3094149D15}"/>
             </a:ext>
           </a:extLst>
         </p:cNvPr>
@@ -13054,7 +13123,7 @@
           <p:cNvPr id="4" name="直線コネクタ 3">
             <a:extLst>
               <a:ext uri="{FF2B5EF4-FFF2-40B4-BE49-F238E27FC236}">
-                <a16:creationId xmlns:a16="http://schemas.microsoft.com/office/drawing/2014/main" id="{1EC6228A-0121-FC07-B789-0C65533230F9}"/>
+                <a16:creationId xmlns:a16="http://schemas.microsoft.com/office/drawing/2014/main" id="{DB38E710-F6F0-DF45-229D-165A55C61959}"/>
               </a:ext>
             </a:extLst>
           </p:cNvPr>
@@ -13090,7 +13159,7 @@
           <p:cNvPr id="5" name="テキスト ボックス 4">
             <a:extLst>
               <a:ext uri="{FF2B5EF4-FFF2-40B4-BE49-F238E27FC236}">
-                <a16:creationId xmlns:a16="http://schemas.microsoft.com/office/drawing/2014/main" id="{144EF42F-65C8-2480-C5C4-56A8D232D669}"/>
+                <a16:creationId xmlns:a16="http://schemas.microsoft.com/office/drawing/2014/main" id="{71D0CB54-C63F-310F-8892-B4DF996A9EA2}"/>
               </a:ext>
             </a:extLst>
           </p:cNvPr>
@@ -13115,7 +13184,7 @@
           <a:p>
             <a:r>
               <a:rPr kumimoji="1" lang="ja-JP" altLang="en-US" dirty="0"/>
-              <a:t>アプリケーション：博物館トップ→展示物選択</a:t>
+              <a:t>博物館ページ</a:t>
             </a:r>
           </a:p>
         </p:txBody>
@@ -13125,7 +13194,7 @@
           <p:cNvPr id="3" name="図 2">
             <a:extLst>
               <a:ext uri="{FF2B5EF4-FFF2-40B4-BE49-F238E27FC236}">
-                <a16:creationId xmlns:a16="http://schemas.microsoft.com/office/drawing/2014/main" id="{0F1C8209-AE9A-A898-A43C-97009203A338}"/>
+                <a16:creationId xmlns:a16="http://schemas.microsoft.com/office/drawing/2014/main" id="{8DD94FBE-ADF0-D48C-5FA3-D35B2A29D44C}"/>
               </a:ext>
             </a:extLst>
           </p:cNvPr>
@@ -13142,8 +13211,8 @@
         </p:blipFill>
         <p:spPr>
           <a:xfrm>
-            <a:off x="1500809" y="838896"/>
-            <a:ext cx="4362982" cy="5647248"/>
+            <a:off x="765881" y="917110"/>
+            <a:ext cx="4199195" cy="5726174"/>
           </a:xfrm>
           <a:prstGeom prst="rect">
             <a:avLst/>
@@ -13152,10 +13221,10 @@
       </p:pic>
       <p:sp>
         <p:nvSpPr>
-          <p:cNvPr id="7" name="楕円 6">
-            <a:extLst>
-              <a:ext uri="{FF2B5EF4-FFF2-40B4-BE49-F238E27FC236}">
-                <a16:creationId xmlns:a16="http://schemas.microsoft.com/office/drawing/2014/main" id="{46D1F6D7-C24A-7B79-E8C3-E3907466631B}"/>
+          <p:cNvPr id="7" name="フローチャート: せん孔テープ 6">
+            <a:extLst>
+              <a:ext uri="{FF2B5EF4-FFF2-40B4-BE49-F238E27FC236}">
+                <a16:creationId xmlns:a16="http://schemas.microsoft.com/office/drawing/2014/main" id="{E3A66AD9-7DCC-D234-E950-583A5983140F}"/>
               </a:ext>
             </a:extLst>
           </p:cNvPr>
@@ -13164,17 +13233,15 @@
         </p:nvSpPr>
         <p:spPr>
           <a:xfrm>
-            <a:off x="1580322" y="1669774"/>
-            <a:ext cx="3081130" cy="725556"/>
-          </a:xfrm>
-          <a:prstGeom prst="ellipse">
+            <a:off x="626165" y="4045226"/>
+            <a:ext cx="5039139" cy="1043609"/>
+          </a:xfrm>
+          <a:prstGeom prst="flowChartPunchedTape">
             <a:avLst/>
           </a:prstGeom>
           <a:noFill/>
           <a:ln>
-            <a:solidFill>
-              <a:srgbClr val="FF0000"/>
-            </a:solidFill>
+            <a:noFill/>
           </a:ln>
         </p:spPr>
         <p:style>
@@ -13206,12 +13273,43 @@
           </a:p>
         </p:txBody>
       </p:sp>
-      <p:sp>
-        <p:nvSpPr>
-          <p:cNvPr id="10" name="矢印: 右 9">
-            <a:extLst>
-              <a:ext uri="{FF2B5EF4-FFF2-40B4-BE49-F238E27FC236}">
-                <a16:creationId xmlns:a16="http://schemas.microsoft.com/office/drawing/2014/main" id="{6AB584E0-2C7B-EC18-4E48-AFAED8639176}"/>
+      <p:pic>
+        <p:nvPicPr>
+          <p:cNvPr id="9" name="図 8">
+            <a:extLst>
+              <a:ext uri="{FF2B5EF4-FFF2-40B4-BE49-F238E27FC236}">
+                <a16:creationId xmlns:a16="http://schemas.microsoft.com/office/drawing/2014/main" id="{6E1BCB83-7092-6B5F-2B4F-850F5A59AA80}"/>
+              </a:ext>
+            </a:extLst>
+          </p:cNvPr>
+          <p:cNvPicPr>
+            <a:picLocks noChangeAspect="1"/>
+          </p:cNvPicPr>
+          <p:nvPr/>
+        </p:nvPicPr>
+        <p:blipFill>
+          <a:blip r:embed="rId3"/>
+          <a:srcRect b="30674"/>
+          <a:stretch>
+            <a:fillRect/>
+          </a:stretch>
+        </p:blipFill>
+        <p:spPr>
+          <a:xfrm>
+            <a:off x="7324049" y="985810"/>
+            <a:ext cx="4533333" cy="3803016"/>
+          </a:xfrm>
+          <a:prstGeom prst="rect">
+            <a:avLst/>
+          </a:prstGeom>
+        </p:spPr>
+      </p:pic>
+      <p:sp>
+        <p:nvSpPr>
+          <p:cNvPr id="10" name="吹き出し: 四角形 9">
+            <a:extLst>
+              <a:ext uri="{FF2B5EF4-FFF2-40B4-BE49-F238E27FC236}">
+                <a16:creationId xmlns:a16="http://schemas.microsoft.com/office/drawing/2014/main" id="{BF84D4A1-3CB4-F8B5-8FD9-D2A91D2A98D8}"/>
               </a:ext>
             </a:extLst>
           </p:cNvPr>
@@ -13220,13 +13318,18 @@
         </p:nvSpPr>
         <p:spPr>
           <a:xfrm>
-            <a:off x="6094322" y="859738"/>
-            <a:ext cx="452230" cy="715614"/>
-          </a:xfrm>
-          <a:prstGeom prst="rightArrow">
-            <a:avLst/>
-          </a:prstGeom>
-          <a:noFill/>
+            <a:off x="4214191" y="5019261"/>
+            <a:ext cx="2117035" cy="596347"/>
+          </a:xfrm>
+          <a:prstGeom prst="wedgeRectCallout">
+            <a:avLst>
+              <a:gd name="adj1" fmla="val -80458"/>
+              <a:gd name="adj2" fmla="val 171018"/>
+            </a:avLst>
+          </a:prstGeom>
+          <a:solidFill>
+            <a:schemeClr val="bg1"/>
+          </a:solidFill>
           <a:ln>
             <a:solidFill>
               <a:schemeClr val="tx1"/>
@@ -13254,48 +13357,252 @@
           <a:lstStyle/>
           <a:p>
             <a:pPr algn="ctr"/>
-            <a:endParaRPr kumimoji="1" lang="ja-JP" altLang="en-US" sz="1200" dirty="0">
+            <a:r>
+              <a:rPr kumimoji="1" lang="en-US" altLang="ja-JP" sz="1200" dirty="0">
+                <a:solidFill>
+                  <a:schemeClr val="tx1"/>
+                </a:solidFill>
+              </a:rPr>
+              <a:t>QR</a:t>
+            </a:r>
+            <a:r>
+              <a:rPr kumimoji="1" lang="ja-JP" altLang="en-US" sz="1200" dirty="0">
+                <a:solidFill>
+                  <a:schemeClr val="tx1"/>
+                </a:solidFill>
+              </a:rPr>
+              <a:t>スキャンボタンは</a:t>
+            </a:r>
+            <a:endParaRPr kumimoji="1" lang="en-US" altLang="ja-JP" sz="1200" dirty="0">
               <a:solidFill>
                 <a:schemeClr val="tx1"/>
               </a:solidFill>
             </a:endParaRPr>
           </a:p>
-        </p:txBody>
-      </p:sp>
-      <p:pic>
-        <p:nvPicPr>
-          <p:cNvPr id="6" name="図 5">
-            <a:extLst>
-              <a:ext uri="{FF2B5EF4-FFF2-40B4-BE49-F238E27FC236}">
-                <a16:creationId xmlns:a16="http://schemas.microsoft.com/office/drawing/2014/main" id="{8605DB9A-CC48-CA8C-90EC-44166C12B81A}"/>
-              </a:ext>
-            </a:extLst>
-          </p:cNvPr>
-          <p:cNvPicPr>
-            <a:picLocks noChangeAspect="1"/>
-          </p:cNvPicPr>
-          <p:nvPr/>
-        </p:nvPicPr>
-        <p:blipFill>
-          <a:blip r:embed="rId3"/>
-          <a:stretch>
-            <a:fillRect/>
-          </a:stretch>
-        </p:blipFill>
-        <p:spPr>
-          <a:xfrm>
-            <a:off x="7384775" y="655641"/>
-            <a:ext cx="4008438" cy="6202358"/>
-          </a:xfrm>
-          <a:prstGeom prst="rect">
-            <a:avLst/>
-          </a:prstGeom>
-        </p:spPr>
-      </p:pic>
+          <a:p>
+            <a:pPr algn="ctr"/>
+            <a:r>
+              <a:rPr kumimoji="1" lang="ja-JP" altLang="en-US" sz="1200" dirty="0">
+                <a:solidFill>
+                  <a:schemeClr val="tx1"/>
+                </a:solidFill>
+              </a:rPr>
+              <a:t>フローティングスタイル</a:t>
+            </a:r>
+          </a:p>
+        </p:txBody>
+      </p:sp>
+      <p:sp>
+        <p:nvSpPr>
+          <p:cNvPr id="11" name="吹き出し: 四角形 10">
+            <a:extLst>
+              <a:ext uri="{FF2B5EF4-FFF2-40B4-BE49-F238E27FC236}">
+                <a16:creationId xmlns:a16="http://schemas.microsoft.com/office/drawing/2014/main" id="{9624B87B-6DF9-4454-684E-32E14BAAD076}"/>
+              </a:ext>
+            </a:extLst>
+          </p:cNvPr>
+          <p:cNvSpPr/>
+          <p:nvPr/>
+        </p:nvSpPr>
+        <p:spPr>
+          <a:xfrm>
+            <a:off x="7825408" y="5275843"/>
+            <a:ext cx="2117035" cy="596347"/>
+          </a:xfrm>
+          <a:prstGeom prst="wedgeRectCallout">
+            <a:avLst>
+              <a:gd name="adj1" fmla="val 2641"/>
+              <a:gd name="adj2" fmla="val -232316"/>
+            </a:avLst>
+          </a:prstGeom>
+          <a:solidFill>
+            <a:schemeClr val="bg1"/>
+          </a:solidFill>
+          <a:ln>
+            <a:solidFill>
+              <a:schemeClr val="tx1"/>
+            </a:solidFill>
+          </a:ln>
+        </p:spPr>
+        <p:style>
+          <a:lnRef idx="2">
+            <a:schemeClr val="accent1">
+              <a:shade val="15000"/>
+            </a:schemeClr>
+          </a:lnRef>
+          <a:fillRef idx="1">
+            <a:schemeClr val="accent1"/>
+          </a:fillRef>
+          <a:effectRef idx="0">
+            <a:schemeClr val="accent1"/>
+          </a:effectRef>
+          <a:fontRef idx="minor">
+            <a:schemeClr val="lt1"/>
+          </a:fontRef>
+        </p:style>
+        <p:txBody>
+          <a:bodyPr rtlCol="0" anchor="ctr"/>
+          <a:lstStyle/>
+          <a:p>
+            <a:pPr algn="ctr"/>
+            <a:r>
+              <a:rPr kumimoji="1" lang="ja-JP" altLang="en-US" sz="1200" dirty="0">
+                <a:solidFill>
+                  <a:schemeClr val="tx1"/>
+                </a:solidFill>
+              </a:rPr>
+              <a:t>広告バナーエリア</a:t>
+            </a:r>
+          </a:p>
+        </p:txBody>
+      </p:sp>
+      <p:sp>
+        <p:nvSpPr>
+          <p:cNvPr id="12" name="吹き出し: 四角形 11">
+            <a:extLst>
+              <a:ext uri="{FF2B5EF4-FFF2-40B4-BE49-F238E27FC236}">
+                <a16:creationId xmlns:a16="http://schemas.microsoft.com/office/drawing/2014/main" id="{733D5D0D-02A5-AACD-186E-296F616624DE}"/>
+              </a:ext>
+            </a:extLst>
+          </p:cNvPr>
+          <p:cNvSpPr/>
+          <p:nvPr/>
+        </p:nvSpPr>
+        <p:spPr>
+          <a:xfrm>
+            <a:off x="5138530" y="1729410"/>
+            <a:ext cx="2117035" cy="596347"/>
+          </a:xfrm>
+          <a:prstGeom prst="wedgeRectCallout">
+            <a:avLst>
+              <a:gd name="adj1" fmla="val -80458"/>
+              <a:gd name="adj2" fmla="val 171018"/>
+            </a:avLst>
+          </a:prstGeom>
+          <a:solidFill>
+            <a:schemeClr val="bg1"/>
+          </a:solidFill>
+          <a:ln>
+            <a:solidFill>
+              <a:schemeClr val="tx1"/>
+            </a:solidFill>
+          </a:ln>
+        </p:spPr>
+        <p:style>
+          <a:lnRef idx="2">
+            <a:schemeClr val="accent1">
+              <a:shade val="15000"/>
+            </a:schemeClr>
+          </a:lnRef>
+          <a:fillRef idx="1">
+            <a:schemeClr val="accent1"/>
+          </a:fillRef>
+          <a:effectRef idx="0">
+            <a:schemeClr val="accent1"/>
+          </a:effectRef>
+          <a:fontRef idx="minor">
+            <a:schemeClr val="lt1"/>
+          </a:fontRef>
+        </p:style>
+        <p:txBody>
+          <a:bodyPr rtlCol="0" anchor="ctr"/>
+          <a:lstStyle/>
+          <a:p>
+            <a:pPr algn="ctr"/>
+            <a:r>
+              <a:rPr kumimoji="1" lang="ja-JP" altLang="en-US" sz="1200" dirty="0">
+                <a:solidFill>
+                  <a:schemeClr val="tx1"/>
+                </a:solidFill>
+              </a:rPr>
+              <a:t>クリックすることで</a:t>
+            </a:r>
+            <a:br>
+              <a:rPr kumimoji="1" lang="en-US" altLang="ja-JP" sz="1200" dirty="0">
+                <a:solidFill>
+                  <a:schemeClr val="tx1"/>
+                </a:solidFill>
+              </a:rPr>
+            </a:br>
+            <a:r>
+              <a:rPr kumimoji="1" lang="ja-JP" altLang="en-US" sz="1200" dirty="0">
+                <a:solidFill>
+                  <a:schemeClr val="tx1"/>
+                </a:solidFill>
+              </a:rPr>
+              <a:t>展示物案内へ</a:t>
+            </a:r>
+          </a:p>
+        </p:txBody>
+      </p:sp>
+      <p:sp>
+        <p:nvSpPr>
+          <p:cNvPr id="13" name="吹き出し: 四角形 12">
+            <a:extLst>
+              <a:ext uri="{FF2B5EF4-FFF2-40B4-BE49-F238E27FC236}">
+                <a16:creationId xmlns:a16="http://schemas.microsoft.com/office/drawing/2014/main" id="{DAC2BA40-0E36-1EFB-475A-3591835A78D7}"/>
+              </a:ext>
+            </a:extLst>
+          </p:cNvPr>
+          <p:cNvSpPr/>
+          <p:nvPr/>
+        </p:nvSpPr>
+        <p:spPr>
+          <a:xfrm>
+            <a:off x="5207014" y="269941"/>
+            <a:ext cx="2117035" cy="596347"/>
+          </a:xfrm>
+          <a:prstGeom prst="wedgeRectCallout">
+            <a:avLst>
+              <a:gd name="adj1" fmla="val -80458"/>
+              <a:gd name="adj2" fmla="val 171018"/>
+            </a:avLst>
+          </a:prstGeom>
+          <a:solidFill>
+            <a:schemeClr val="bg1"/>
+          </a:solidFill>
+          <a:ln>
+            <a:solidFill>
+              <a:schemeClr val="tx1"/>
+            </a:solidFill>
+          </a:ln>
+        </p:spPr>
+        <p:style>
+          <a:lnRef idx="2">
+            <a:schemeClr val="accent1">
+              <a:shade val="15000"/>
+            </a:schemeClr>
+          </a:lnRef>
+          <a:fillRef idx="1">
+            <a:schemeClr val="accent1"/>
+          </a:fillRef>
+          <a:effectRef idx="0">
+            <a:schemeClr val="accent1"/>
+          </a:effectRef>
+          <a:fontRef idx="minor">
+            <a:schemeClr val="lt1"/>
+          </a:fontRef>
+        </p:style>
+        <p:txBody>
+          <a:bodyPr rtlCol="0" anchor="ctr"/>
+          <a:lstStyle/>
+          <a:p>
+            <a:pPr algn="ctr"/>
+            <a:r>
+              <a:rPr kumimoji="1" lang="ja-JP" altLang="en-US" sz="1200" dirty="0">
+                <a:solidFill>
+                  <a:schemeClr val="tx1"/>
+                </a:solidFill>
+              </a:rPr>
+              <a:t>館内案内へ</a:t>
+            </a:r>
+          </a:p>
+        </p:txBody>
+      </p:sp>
     </p:spTree>
     <p:extLst>
       <p:ext uri="{BB962C8B-B14F-4D97-AF65-F5344CB8AC3E}">
-        <p14:creationId xmlns:p14="http://schemas.microsoft.com/office/powerpoint/2010/main" val="1297029802"/>
+        <p14:creationId xmlns:p14="http://schemas.microsoft.com/office/powerpoint/2010/main" val="39980160"/>
       </p:ext>
     </p:extLst>
   </p:cSld>
@@ -13305,7 +13612,7 @@
 </p:sld>
 </file>
 
-<file path=ppt/slides/slide48.xml><?xml version="1.0" encoding="utf-8"?>
+<file path=ppt/slides/slide49.xml><?xml version="1.0" encoding="utf-8"?>
 <p:sld xmlns:a="http://schemas.openxmlformats.org/drawingml/2006/main" xmlns:r="http://schemas.openxmlformats.org/officeDocument/2006/relationships" xmlns:p="http://schemas.openxmlformats.org/presentationml/2006/main">
   <p:cSld>
     <p:spTree>
@@ -13313,7 +13620,7 @@
         <p:cNvPr id="1" name="">
           <a:extLst>
             <a:ext uri="{FF2B5EF4-FFF2-40B4-BE49-F238E27FC236}">
-              <a16:creationId xmlns:a16="http://schemas.microsoft.com/office/drawing/2014/main" id="{B46E6A68-F530-7FAD-ACBA-EA86564D8A57}"/>
+              <a16:creationId xmlns:a16="http://schemas.microsoft.com/office/drawing/2014/main" id="{B5F4CFB2-3F49-BA50-DF8C-900B27BE7929}"/>
             </a:ext>
           </a:extLst>
         </p:cNvPr>
@@ -13333,7 +13640,7 @@
           <p:cNvPr id="4" name="直線コネクタ 3">
             <a:extLst>
               <a:ext uri="{FF2B5EF4-FFF2-40B4-BE49-F238E27FC236}">
-                <a16:creationId xmlns:a16="http://schemas.microsoft.com/office/drawing/2014/main" id="{1B4B29F2-D90B-D61E-5E67-DBAF1F22BC57}"/>
+                <a16:creationId xmlns:a16="http://schemas.microsoft.com/office/drawing/2014/main" id="{097AFB59-61C6-A9B2-6373-C362B7993B98}"/>
               </a:ext>
             </a:extLst>
           </p:cNvPr>
@@ -13369,7 +13676,7 @@
           <p:cNvPr id="5" name="テキスト ボックス 4">
             <a:extLst>
               <a:ext uri="{FF2B5EF4-FFF2-40B4-BE49-F238E27FC236}">
-                <a16:creationId xmlns:a16="http://schemas.microsoft.com/office/drawing/2014/main" id="{7EAF923A-63D3-09DF-62F0-2CE27342898C}"/>
+                <a16:creationId xmlns:a16="http://schemas.microsoft.com/office/drawing/2014/main" id="{E202DCA6-460A-6B6C-FBBB-4BFABB512995}"/>
               </a:ext>
             </a:extLst>
           </p:cNvPr>
@@ -13394,7 +13701,7 @@
           <a:p>
             <a:r>
               <a:rPr kumimoji="1" lang="ja-JP" altLang="en-US" dirty="0"/>
-              <a:t>アプリケーション：展示物表示</a:t>
+              <a:t>アプリケーション：選択した博物館がリニューアル中</a:t>
             </a:r>
           </a:p>
         </p:txBody>
@@ -13404,7 +13711,7 @@
           <p:cNvPr id="6" name="図 5">
             <a:extLst>
               <a:ext uri="{FF2B5EF4-FFF2-40B4-BE49-F238E27FC236}">
-                <a16:creationId xmlns:a16="http://schemas.microsoft.com/office/drawing/2014/main" id="{32DCBFFD-BE38-8E47-86B4-BC5FE753EC35}"/>
+                <a16:creationId xmlns:a16="http://schemas.microsoft.com/office/drawing/2014/main" id="{5D6A37E4-6E20-69B4-C344-BF81AFA3E674}"/>
               </a:ext>
             </a:extLst>
           </p:cNvPr>
@@ -13421,410 +13728,18 @@
         </p:blipFill>
         <p:spPr>
           <a:xfrm>
-            <a:off x="4203403" y="1053548"/>
-            <a:ext cx="3622812" cy="5605669"/>
+            <a:off x="1603856" y="755374"/>
+            <a:ext cx="5485714" cy="5923809"/>
           </a:xfrm>
           <a:prstGeom prst="rect">
             <a:avLst/>
           </a:prstGeom>
         </p:spPr>
       </p:pic>
-      <p:sp>
-        <p:nvSpPr>
-          <p:cNvPr id="7" name="楕円 6">
-            <a:extLst>
-              <a:ext uri="{FF2B5EF4-FFF2-40B4-BE49-F238E27FC236}">
-                <a16:creationId xmlns:a16="http://schemas.microsoft.com/office/drawing/2014/main" id="{4DC6F838-41A9-9EF5-77FD-5A8A024A308B}"/>
-              </a:ext>
-            </a:extLst>
-          </p:cNvPr>
-          <p:cNvSpPr/>
-          <p:nvPr/>
-        </p:nvSpPr>
-        <p:spPr>
-          <a:xfrm>
-            <a:off x="4871809" y="3642690"/>
-            <a:ext cx="1143000" cy="427383"/>
-          </a:xfrm>
-          <a:prstGeom prst="ellipse">
-            <a:avLst/>
-          </a:prstGeom>
-          <a:noFill/>
-          <a:ln>
-            <a:solidFill>
-              <a:srgbClr val="FF0000"/>
-            </a:solidFill>
-          </a:ln>
-        </p:spPr>
-        <p:style>
-          <a:lnRef idx="2">
-            <a:schemeClr val="accent1">
-              <a:shade val="15000"/>
-            </a:schemeClr>
-          </a:lnRef>
-          <a:fillRef idx="1">
-            <a:schemeClr val="accent1"/>
-          </a:fillRef>
-          <a:effectRef idx="0">
-            <a:schemeClr val="accent1"/>
-          </a:effectRef>
-          <a:fontRef idx="minor">
-            <a:schemeClr val="lt1"/>
-          </a:fontRef>
-        </p:style>
-        <p:txBody>
-          <a:bodyPr rtlCol="0" anchor="ctr"/>
-          <a:lstStyle/>
-          <a:p>
-            <a:pPr algn="ctr"/>
-            <a:endParaRPr kumimoji="1" lang="ja-JP" altLang="en-US" sz="1200" dirty="0">
-              <a:solidFill>
-                <a:schemeClr val="tx1"/>
-              </a:solidFill>
-            </a:endParaRPr>
-          </a:p>
-        </p:txBody>
-      </p:sp>
-      <p:sp>
-        <p:nvSpPr>
-          <p:cNvPr id="2" name="吹き出し: 四角形 1">
-            <a:extLst>
-              <a:ext uri="{FF2B5EF4-FFF2-40B4-BE49-F238E27FC236}">
-                <a16:creationId xmlns:a16="http://schemas.microsoft.com/office/drawing/2014/main" id="{C6E1EE47-BEF1-E463-296B-035F02CA4D29}"/>
-              </a:ext>
-            </a:extLst>
-          </p:cNvPr>
-          <p:cNvSpPr/>
-          <p:nvPr/>
-        </p:nvSpPr>
-        <p:spPr>
-          <a:xfrm>
-            <a:off x="2027583" y="3185492"/>
-            <a:ext cx="1540566" cy="487015"/>
-          </a:xfrm>
-          <a:prstGeom prst="wedgeRectCallout">
-            <a:avLst>
-              <a:gd name="adj1" fmla="val 115122"/>
-              <a:gd name="adj2" fmla="val 85990"/>
-            </a:avLst>
-          </a:prstGeom>
-          <a:noFill/>
-          <a:ln>
-            <a:solidFill>
-              <a:schemeClr val="tx1"/>
-            </a:solidFill>
-          </a:ln>
-        </p:spPr>
-        <p:style>
-          <a:lnRef idx="2">
-            <a:schemeClr val="accent1">
-              <a:shade val="15000"/>
-            </a:schemeClr>
-          </a:lnRef>
-          <a:fillRef idx="1">
-            <a:schemeClr val="accent1"/>
-          </a:fillRef>
-          <a:effectRef idx="0">
-            <a:schemeClr val="accent1"/>
-          </a:effectRef>
-          <a:fontRef idx="minor">
-            <a:schemeClr val="lt1"/>
-          </a:fontRef>
-        </p:style>
-        <p:txBody>
-          <a:bodyPr rtlCol="0" anchor="ctr"/>
-          <a:lstStyle/>
-          <a:p>
-            <a:pPr algn="ctr"/>
-            <a:r>
-              <a:rPr kumimoji="1" lang="ja-JP" altLang="en-US" sz="1200" dirty="0">
-                <a:solidFill>
-                  <a:schemeClr val="tx1"/>
-                </a:solidFill>
-              </a:rPr>
-              <a:t>言語選択</a:t>
-            </a:r>
-          </a:p>
-        </p:txBody>
-      </p:sp>
-      <p:sp>
-        <p:nvSpPr>
-          <p:cNvPr id="8" name="吹き出し: 四角形 7">
-            <a:extLst>
-              <a:ext uri="{FF2B5EF4-FFF2-40B4-BE49-F238E27FC236}">
-                <a16:creationId xmlns:a16="http://schemas.microsoft.com/office/drawing/2014/main" id="{2531BECD-DE0B-E5B5-069F-FE3E903F8702}"/>
-              </a:ext>
-            </a:extLst>
-          </p:cNvPr>
-          <p:cNvSpPr/>
-          <p:nvPr/>
-        </p:nvSpPr>
-        <p:spPr>
-          <a:xfrm>
-            <a:off x="1574927" y="4272171"/>
-            <a:ext cx="1540566" cy="487015"/>
-          </a:xfrm>
-          <a:prstGeom prst="wedgeRectCallout">
-            <a:avLst>
-              <a:gd name="adj1" fmla="val 118993"/>
-              <a:gd name="adj2" fmla="val 28847"/>
-            </a:avLst>
-          </a:prstGeom>
-          <a:noFill/>
-          <a:ln>
-            <a:solidFill>
-              <a:schemeClr val="tx1"/>
-            </a:solidFill>
-          </a:ln>
-        </p:spPr>
-        <p:style>
-          <a:lnRef idx="2">
-            <a:schemeClr val="accent1">
-              <a:shade val="15000"/>
-            </a:schemeClr>
-          </a:lnRef>
-          <a:fillRef idx="1">
-            <a:schemeClr val="accent1"/>
-          </a:fillRef>
-          <a:effectRef idx="0">
-            <a:schemeClr val="accent1"/>
-          </a:effectRef>
-          <a:fontRef idx="minor">
-            <a:schemeClr val="lt1"/>
-          </a:fontRef>
-        </p:style>
-        <p:txBody>
-          <a:bodyPr rtlCol="0" anchor="ctr"/>
-          <a:lstStyle/>
-          <a:p>
-            <a:pPr algn="ctr"/>
-            <a:r>
-              <a:rPr kumimoji="1" lang="ja-JP" altLang="en-US" sz="1200" dirty="0">
-                <a:solidFill>
-                  <a:schemeClr val="tx1"/>
-                </a:solidFill>
-              </a:rPr>
-              <a:t>音声再生</a:t>
-            </a:r>
-          </a:p>
-        </p:txBody>
-      </p:sp>
-      <p:sp>
-        <p:nvSpPr>
-          <p:cNvPr id="9" name="吹き出し: 四角形 8">
-            <a:extLst>
-              <a:ext uri="{FF2B5EF4-FFF2-40B4-BE49-F238E27FC236}">
-                <a16:creationId xmlns:a16="http://schemas.microsoft.com/office/drawing/2014/main" id="{E0D6BF0A-06D5-DC93-FD84-DE7E8EF504A0}"/>
-              </a:ext>
-            </a:extLst>
-          </p:cNvPr>
-          <p:cNvSpPr/>
-          <p:nvPr/>
-        </p:nvSpPr>
-        <p:spPr>
-          <a:xfrm>
-            <a:off x="8506196" y="4272171"/>
-            <a:ext cx="1540566" cy="487015"/>
-          </a:xfrm>
-          <a:prstGeom prst="wedgeRectCallout">
-            <a:avLst>
-              <a:gd name="adj1" fmla="val -93265"/>
-              <a:gd name="adj2" fmla="val 134970"/>
-            </a:avLst>
-          </a:prstGeom>
-          <a:noFill/>
-          <a:ln>
-            <a:solidFill>
-              <a:schemeClr val="tx1"/>
-            </a:solidFill>
-          </a:ln>
-        </p:spPr>
-        <p:style>
-          <a:lnRef idx="2">
-            <a:schemeClr val="accent1">
-              <a:shade val="15000"/>
-            </a:schemeClr>
-          </a:lnRef>
-          <a:fillRef idx="1">
-            <a:schemeClr val="accent1"/>
-          </a:fillRef>
-          <a:effectRef idx="0">
-            <a:schemeClr val="accent1"/>
-          </a:effectRef>
-          <a:fontRef idx="minor">
-            <a:schemeClr val="lt1"/>
-          </a:fontRef>
-        </p:style>
-        <p:txBody>
-          <a:bodyPr rtlCol="0" anchor="ctr"/>
-          <a:lstStyle/>
-          <a:p>
-            <a:pPr algn="ctr"/>
-            <a:r>
-              <a:rPr kumimoji="1" lang="ja-JP" altLang="en-US" sz="1200" dirty="0">
-                <a:solidFill>
-                  <a:schemeClr val="tx1"/>
-                </a:solidFill>
-              </a:rPr>
-              <a:t>展示物説明</a:t>
-            </a:r>
-          </a:p>
-        </p:txBody>
-      </p:sp>
-      <p:sp>
-        <p:nvSpPr>
-          <p:cNvPr id="11" name="吹き出し: 四角形 10">
-            <a:extLst>
-              <a:ext uri="{FF2B5EF4-FFF2-40B4-BE49-F238E27FC236}">
-                <a16:creationId xmlns:a16="http://schemas.microsoft.com/office/drawing/2014/main" id="{761CFB97-5B6F-435D-6791-380A11E7E15F}"/>
-              </a:ext>
-            </a:extLst>
-          </p:cNvPr>
-          <p:cNvSpPr/>
-          <p:nvPr/>
-        </p:nvSpPr>
-        <p:spPr>
-          <a:xfrm>
-            <a:off x="9036283" y="5428423"/>
-            <a:ext cx="1540566" cy="487015"/>
-          </a:xfrm>
-          <a:prstGeom prst="wedgeRectCallout">
-            <a:avLst>
-              <a:gd name="adj1" fmla="val -204878"/>
-              <a:gd name="adj2" fmla="val 159460"/>
-            </a:avLst>
-          </a:prstGeom>
-          <a:noFill/>
-          <a:ln>
-            <a:solidFill>
-              <a:schemeClr val="tx1"/>
-            </a:solidFill>
-          </a:ln>
-        </p:spPr>
-        <p:style>
-          <a:lnRef idx="2">
-            <a:schemeClr val="accent1">
-              <a:shade val="15000"/>
-            </a:schemeClr>
-          </a:lnRef>
-          <a:fillRef idx="1">
-            <a:schemeClr val="accent1"/>
-          </a:fillRef>
-          <a:effectRef idx="0">
-            <a:schemeClr val="accent1"/>
-          </a:effectRef>
-          <a:fontRef idx="minor">
-            <a:schemeClr val="lt1"/>
-          </a:fontRef>
-        </p:style>
-        <p:txBody>
-          <a:bodyPr rtlCol="0" anchor="ctr"/>
-          <a:lstStyle/>
-          <a:p>
-            <a:pPr algn="ctr"/>
-            <a:r>
-              <a:rPr kumimoji="1" lang="en-US" altLang="ja-JP" sz="1200" dirty="0">
-                <a:solidFill>
-                  <a:schemeClr val="tx1"/>
-                </a:solidFill>
-              </a:rPr>
-              <a:t>QR</a:t>
-            </a:r>
-            <a:r>
-              <a:rPr kumimoji="1" lang="ja-JP" altLang="en-US" sz="1200" dirty="0">
-                <a:solidFill>
-                  <a:schemeClr val="tx1"/>
-                </a:solidFill>
-              </a:rPr>
-              <a:t>コードリーダー</a:t>
-            </a:r>
-          </a:p>
-        </p:txBody>
-      </p:sp>
     </p:spTree>
     <p:extLst>
       <p:ext uri="{BB962C8B-B14F-4D97-AF65-F5344CB8AC3E}">
-        <p14:creationId xmlns:p14="http://schemas.microsoft.com/office/powerpoint/2010/main" val="3301199298"/>
-      </p:ext>
-    </p:extLst>
-  </p:cSld>
-  <p:clrMapOvr>
-    <a:masterClrMapping/>
-  </p:clrMapOvr>
-</p:sld>
-</file>
-
-<file path=ppt/slides/slide49.xml><?xml version="1.0" encoding="utf-8"?>
-<p:sld xmlns:a="http://schemas.openxmlformats.org/drawingml/2006/main" xmlns:r="http://schemas.openxmlformats.org/officeDocument/2006/relationships" xmlns:p="http://schemas.openxmlformats.org/presentationml/2006/main">
-  <p:cSld>
-    <p:spTree>
-      <p:nvGrpSpPr>
-        <p:cNvPr id="1" name=""/>
-        <p:cNvGrpSpPr/>
-        <p:nvPr/>
-      </p:nvGrpSpPr>
-      <p:grpSpPr>
-        <a:xfrm>
-          <a:off x="0" y="0"/>
-          <a:ext cx="0" cy="0"/>
-          <a:chOff x="0" y="0"/>
-          <a:chExt cx="0" cy="0"/>
-        </a:xfrm>
-      </p:grpSpPr>
-      <p:sp>
-        <p:nvSpPr>
-          <p:cNvPr id="2" name="タイトル 1">
-            <a:extLst>
-              <a:ext uri="{FF2B5EF4-FFF2-40B4-BE49-F238E27FC236}">
-                <a16:creationId xmlns:a16="http://schemas.microsoft.com/office/drawing/2014/main" id="{3C2C01AD-3387-2005-B8C4-00A58FE6D25A}"/>
-              </a:ext>
-            </a:extLst>
-          </p:cNvPr>
-          <p:cNvSpPr>
-            <a:spLocks noGrp="1"/>
-          </p:cNvSpPr>
-          <p:nvPr>
-            <p:ph type="title"/>
-          </p:nvPr>
-        </p:nvSpPr>
-        <p:spPr/>
-        <p:txBody>
-          <a:bodyPr/>
-          <a:lstStyle/>
-          <a:p>
-            <a:endParaRPr kumimoji="1" lang="ja-JP" altLang="en-US"/>
-          </a:p>
-        </p:txBody>
-      </p:sp>
-      <p:sp>
-        <p:nvSpPr>
-          <p:cNvPr id="3" name="コンテンツ プレースホルダー 2">
-            <a:extLst>
-              <a:ext uri="{FF2B5EF4-FFF2-40B4-BE49-F238E27FC236}">
-                <a16:creationId xmlns:a16="http://schemas.microsoft.com/office/drawing/2014/main" id="{941EF71E-6139-E2DF-A54B-E310C7715330}"/>
-              </a:ext>
-            </a:extLst>
-          </p:cNvPr>
-          <p:cNvSpPr>
-            <a:spLocks noGrp="1"/>
-          </p:cNvSpPr>
-          <p:nvPr>
-            <p:ph idx="1"/>
-          </p:nvPr>
-        </p:nvSpPr>
-        <p:spPr/>
-        <p:txBody>
-          <a:bodyPr/>
-          <a:lstStyle/>
-          <a:p>
-            <a:endParaRPr kumimoji="1" lang="ja-JP" altLang="en-US"/>
-          </a:p>
-        </p:txBody>
-      </p:sp>
-    </p:spTree>
-    <p:extLst>
-      <p:ext uri="{BB962C8B-B14F-4D97-AF65-F5344CB8AC3E}">
-        <p14:creationId xmlns:p14="http://schemas.microsoft.com/office/powerpoint/2010/main" val="3225395119"/>
+        <p14:creationId xmlns:p14="http://schemas.microsoft.com/office/powerpoint/2010/main" val="2723694258"/>
       </p:ext>
     </p:extLst>
   </p:cSld>
@@ -14246,6 +14161,1093 @@
         <p:cNvPr id="1" name="">
           <a:extLst>
             <a:ext uri="{FF2B5EF4-FFF2-40B4-BE49-F238E27FC236}">
+              <a16:creationId xmlns:a16="http://schemas.microsoft.com/office/drawing/2014/main" id="{AA5871A9-A057-7463-E225-B11875A6A4E3}"/>
+            </a:ext>
+          </a:extLst>
+        </p:cNvPr>
+        <p:cNvGrpSpPr/>
+        <p:nvPr/>
+      </p:nvGrpSpPr>
+      <p:grpSpPr>
+        <a:xfrm>
+          <a:off x="0" y="0"/>
+          <a:ext cx="0" cy="0"/>
+          <a:chOff x="0" y="0"/>
+          <a:chExt cx="0" cy="0"/>
+        </a:xfrm>
+      </p:grpSpPr>
+      <p:cxnSp>
+        <p:nvCxnSpPr>
+          <p:cNvPr id="4" name="直線コネクタ 3">
+            <a:extLst>
+              <a:ext uri="{FF2B5EF4-FFF2-40B4-BE49-F238E27FC236}">
+                <a16:creationId xmlns:a16="http://schemas.microsoft.com/office/drawing/2014/main" id="{A1BFECD2-DE03-4830-6273-F51FA706DC02}"/>
+              </a:ext>
+            </a:extLst>
+          </p:cNvPr>
+          <p:cNvCxnSpPr/>
+          <p:nvPr/>
+        </p:nvCxnSpPr>
+        <p:spPr>
+          <a:xfrm>
+            <a:off x="228600" y="755374"/>
+            <a:ext cx="11936896" cy="0"/>
+          </a:xfrm>
+          <a:prstGeom prst="line">
+            <a:avLst/>
+          </a:prstGeom>
+        </p:spPr>
+        <p:style>
+          <a:lnRef idx="2">
+            <a:schemeClr val="accent1"/>
+          </a:lnRef>
+          <a:fillRef idx="0">
+            <a:schemeClr val="accent1"/>
+          </a:fillRef>
+          <a:effectRef idx="1">
+            <a:schemeClr val="accent1"/>
+          </a:effectRef>
+          <a:fontRef idx="minor">
+            <a:schemeClr val="tx1"/>
+          </a:fontRef>
+        </p:style>
+      </p:cxnSp>
+      <p:sp>
+        <p:nvSpPr>
+          <p:cNvPr id="5" name="テキスト ボックス 4">
+            <a:extLst>
+              <a:ext uri="{FF2B5EF4-FFF2-40B4-BE49-F238E27FC236}">
+                <a16:creationId xmlns:a16="http://schemas.microsoft.com/office/drawing/2014/main" id="{EFDC2C59-2227-9A57-F9B0-D221146AA2D2}"/>
+              </a:ext>
+            </a:extLst>
+          </p:cNvPr>
+          <p:cNvSpPr txBox="1"/>
+          <p:nvPr/>
+        </p:nvSpPr>
+        <p:spPr>
+          <a:xfrm>
+            <a:off x="407503" y="198783"/>
+            <a:ext cx="11449879" cy="369332"/>
+          </a:xfrm>
+          <a:prstGeom prst="rect">
+            <a:avLst/>
+          </a:prstGeom>
+          <a:noFill/>
+        </p:spPr>
+        <p:txBody>
+          <a:bodyPr wrap="square" rtlCol="0">
+            <a:spAutoFit/>
+          </a:bodyPr>
+          <a:lstStyle/>
+          <a:p>
+            <a:r>
+              <a:rPr kumimoji="1" lang="ja-JP" altLang="en-US" dirty="0"/>
+              <a:t>アプリケーション：博物館トップ→博物館情報</a:t>
+            </a:r>
+          </a:p>
+        </p:txBody>
+      </p:sp>
+      <p:pic>
+        <p:nvPicPr>
+          <p:cNvPr id="3" name="図 2">
+            <a:extLst>
+              <a:ext uri="{FF2B5EF4-FFF2-40B4-BE49-F238E27FC236}">
+                <a16:creationId xmlns:a16="http://schemas.microsoft.com/office/drawing/2014/main" id="{7AB7B804-655B-BE24-50D8-D55717BECE73}"/>
+              </a:ext>
+            </a:extLst>
+          </p:cNvPr>
+          <p:cNvPicPr>
+            <a:picLocks noChangeAspect="1"/>
+          </p:cNvPicPr>
+          <p:nvPr/>
+        </p:nvPicPr>
+        <p:blipFill>
+          <a:blip r:embed="rId2"/>
+          <a:stretch>
+            <a:fillRect/>
+          </a:stretch>
+        </p:blipFill>
+        <p:spPr>
+          <a:xfrm>
+            <a:off x="1500809" y="838896"/>
+            <a:ext cx="4362982" cy="5647248"/>
+          </a:xfrm>
+          <a:prstGeom prst="rect">
+            <a:avLst/>
+          </a:prstGeom>
+        </p:spPr>
+      </p:pic>
+      <p:sp>
+        <p:nvSpPr>
+          <p:cNvPr id="7" name="楕円 6">
+            <a:extLst>
+              <a:ext uri="{FF2B5EF4-FFF2-40B4-BE49-F238E27FC236}">
+                <a16:creationId xmlns:a16="http://schemas.microsoft.com/office/drawing/2014/main" id="{1BD7A1EB-6DCC-F6F4-FABF-F1A7D4E4C0F8}"/>
+              </a:ext>
+            </a:extLst>
+          </p:cNvPr>
+          <p:cNvSpPr/>
+          <p:nvPr/>
+        </p:nvSpPr>
+        <p:spPr>
+          <a:xfrm>
+            <a:off x="5237922" y="838896"/>
+            <a:ext cx="625869" cy="363738"/>
+          </a:xfrm>
+          <a:prstGeom prst="ellipse">
+            <a:avLst/>
+          </a:prstGeom>
+          <a:noFill/>
+          <a:ln>
+            <a:solidFill>
+              <a:srgbClr val="FF0000"/>
+            </a:solidFill>
+          </a:ln>
+        </p:spPr>
+        <p:style>
+          <a:lnRef idx="2">
+            <a:schemeClr val="accent1">
+              <a:shade val="15000"/>
+            </a:schemeClr>
+          </a:lnRef>
+          <a:fillRef idx="1">
+            <a:schemeClr val="accent1"/>
+          </a:fillRef>
+          <a:effectRef idx="0">
+            <a:schemeClr val="accent1"/>
+          </a:effectRef>
+          <a:fontRef idx="minor">
+            <a:schemeClr val="lt1"/>
+          </a:fontRef>
+        </p:style>
+        <p:txBody>
+          <a:bodyPr rtlCol="0" anchor="ctr"/>
+          <a:lstStyle/>
+          <a:p>
+            <a:pPr algn="ctr"/>
+            <a:endParaRPr kumimoji="1" lang="ja-JP" altLang="en-US" sz="1200" dirty="0">
+              <a:solidFill>
+                <a:schemeClr val="tx1"/>
+              </a:solidFill>
+            </a:endParaRPr>
+          </a:p>
+        </p:txBody>
+      </p:sp>
+      <p:pic>
+        <p:nvPicPr>
+          <p:cNvPr id="9" name="図 8">
+            <a:extLst>
+              <a:ext uri="{FF2B5EF4-FFF2-40B4-BE49-F238E27FC236}">
+                <a16:creationId xmlns:a16="http://schemas.microsoft.com/office/drawing/2014/main" id="{87996F18-CFDA-8102-93DA-739AC1F716A3}"/>
+              </a:ext>
+            </a:extLst>
+          </p:cNvPr>
+          <p:cNvPicPr>
+            <a:picLocks noChangeAspect="1"/>
+          </p:cNvPicPr>
+          <p:nvPr/>
+        </p:nvPicPr>
+        <p:blipFill>
+          <a:blip r:embed="rId3"/>
+          <a:stretch>
+            <a:fillRect/>
+          </a:stretch>
+        </p:blipFill>
+        <p:spPr>
+          <a:xfrm>
+            <a:off x="7105924" y="1057573"/>
+            <a:ext cx="4380952" cy="5428571"/>
+          </a:xfrm>
+          <a:prstGeom prst="rect">
+            <a:avLst/>
+          </a:prstGeom>
+        </p:spPr>
+      </p:pic>
+      <p:sp>
+        <p:nvSpPr>
+          <p:cNvPr id="10" name="矢印: 右 9">
+            <a:extLst>
+              <a:ext uri="{FF2B5EF4-FFF2-40B4-BE49-F238E27FC236}">
+                <a16:creationId xmlns:a16="http://schemas.microsoft.com/office/drawing/2014/main" id="{E6A1CF07-9963-CF6B-C89F-3E80D23A817E}"/>
+              </a:ext>
+            </a:extLst>
+          </p:cNvPr>
+          <p:cNvSpPr/>
+          <p:nvPr/>
+        </p:nvSpPr>
+        <p:spPr>
+          <a:xfrm>
+            <a:off x="6094322" y="859738"/>
+            <a:ext cx="452230" cy="715614"/>
+          </a:xfrm>
+          <a:prstGeom prst="rightArrow">
+            <a:avLst/>
+          </a:prstGeom>
+          <a:noFill/>
+          <a:ln>
+            <a:solidFill>
+              <a:schemeClr val="tx1"/>
+            </a:solidFill>
+          </a:ln>
+        </p:spPr>
+        <p:style>
+          <a:lnRef idx="2">
+            <a:schemeClr val="accent1">
+              <a:shade val="15000"/>
+            </a:schemeClr>
+          </a:lnRef>
+          <a:fillRef idx="1">
+            <a:schemeClr val="accent1"/>
+          </a:fillRef>
+          <a:effectRef idx="0">
+            <a:schemeClr val="accent1"/>
+          </a:effectRef>
+          <a:fontRef idx="minor">
+            <a:schemeClr val="lt1"/>
+          </a:fontRef>
+        </p:style>
+        <p:txBody>
+          <a:bodyPr rtlCol="0" anchor="ctr"/>
+          <a:lstStyle/>
+          <a:p>
+            <a:pPr algn="ctr"/>
+            <a:endParaRPr kumimoji="1" lang="ja-JP" altLang="en-US" sz="1200" dirty="0">
+              <a:solidFill>
+                <a:schemeClr val="tx1"/>
+              </a:solidFill>
+            </a:endParaRPr>
+          </a:p>
+        </p:txBody>
+      </p:sp>
+    </p:spTree>
+    <p:extLst>
+      <p:ext uri="{BB962C8B-B14F-4D97-AF65-F5344CB8AC3E}">
+        <p14:creationId xmlns:p14="http://schemas.microsoft.com/office/powerpoint/2010/main" val="3653428031"/>
+      </p:ext>
+    </p:extLst>
+  </p:cSld>
+  <p:clrMapOvr>
+    <a:masterClrMapping/>
+  </p:clrMapOvr>
+</p:sld>
+</file>
+
+<file path=ppt/slides/slide51.xml><?xml version="1.0" encoding="utf-8"?>
+<p:sld xmlns:a="http://schemas.openxmlformats.org/drawingml/2006/main" xmlns:r="http://schemas.openxmlformats.org/officeDocument/2006/relationships" xmlns:p="http://schemas.openxmlformats.org/presentationml/2006/main">
+  <p:cSld>
+    <p:spTree>
+      <p:nvGrpSpPr>
+        <p:cNvPr id="1" name="">
+          <a:extLst>
+            <a:ext uri="{FF2B5EF4-FFF2-40B4-BE49-F238E27FC236}">
+              <a16:creationId xmlns:a16="http://schemas.microsoft.com/office/drawing/2014/main" id="{EE41F342-51A9-CE3C-6EAB-9772E104463A}"/>
+            </a:ext>
+          </a:extLst>
+        </p:cNvPr>
+        <p:cNvGrpSpPr/>
+        <p:nvPr/>
+      </p:nvGrpSpPr>
+      <p:grpSpPr>
+        <a:xfrm>
+          <a:off x="0" y="0"/>
+          <a:ext cx="0" cy="0"/>
+          <a:chOff x="0" y="0"/>
+          <a:chExt cx="0" cy="0"/>
+        </a:xfrm>
+      </p:grpSpPr>
+      <p:cxnSp>
+        <p:nvCxnSpPr>
+          <p:cNvPr id="4" name="直線コネクタ 3">
+            <a:extLst>
+              <a:ext uri="{FF2B5EF4-FFF2-40B4-BE49-F238E27FC236}">
+                <a16:creationId xmlns:a16="http://schemas.microsoft.com/office/drawing/2014/main" id="{1EC6228A-0121-FC07-B789-0C65533230F9}"/>
+              </a:ext>
+            </a:extLst>
+          </p:cNvPr>
+          <p:cNvCxnSpPr/>
+          <p:nvPr/>
+        </p:nvCxnSpPr>
+        <p:spPr>
+          <a:xfrm>
+            <a:off x="228600" y="755374"/>
+            <a:ext cx="11936896" cy="0"/>
+          </a:xfrm>
+          <a:prstGeom prst="line">
+            <a:avLst/>
+          </a:prstGeom>
+        </p:spPr>
+        <p:style>
+          <a:lnRef idx="2">
+            <a:schemeClr val="accent1"/>
+          </a:lnRef>
+          <a:fillRef idx="0">
+            <a:schemeClr val="accent1"/>
+          </a:fillRef>
+          <a:effectRef idx="1">
+            <a:schemeClr val="accent1"/>
+          </a:effectRef>
+          <a:fontRef idx="minor">
+            <a:schemeClr val="tx1"/>
+          </a:fontRef>
+        </p:style>
+      </p:cxnSp>
+      <p:sp>
+        <p:nvSpPr>
+          <p:cNvPr id="5" name="テキスト ボックス 4">
+            <a:extLst>
+              <a:ext uri="{FF2B5EF4-FFF2-40B4-BE49-F238E27FC236}">
+                <a16:creationId xmlns:a16="http://schemas.microsoft.com/office/drawing/2014/main" id="{144EF42F-65C8-2480-C5C4-56A8D232D669}"/>
+              </a:ext>
+            </a:extLst>
+          </p:cNvPr>
+          <p:cNvSpPr txBox="1"/>
+          <p:nvPr/>
+        </p:nvSpPr>
+        <p:spPr>
+          <a:xfrm>
+            <a:off x="407503" y="198783"/>
+            <a:ext cx="11449879" cy="369332"/>
+          </a:xfrm>
+          <a:prstGeom prst="rect">
+            <a:avLst/>
+          </a:prstGeom>
+          <a:noFill/>
+        </p:spPr>
+        <p:txBody>
+          <a:bodyPr wrap="square" rtlCol="0">
+            <a:spAutoFit/>
+          </a:bodyPr>
+          <a:lstStyle/>
+          <a:p>
+            <a:r>
+              <a:rPr kumimoji="1" lang="ja-JP" altLang="en-US" dirty="0"/>
+              <a:t>アプリケーション：博物館トップ→展示物選択</a:t>
+            </a:r>
+          </a:p>
+        </p:txBody>
+      </p:sp>
+      <p:pic>
+        <p:nvPicPr>
+          <p:cNvPr id="3" name="図 2">
+            <a:extLst>
+              <a:ext uri="{FF2B5EF4-FFF2-40B4-BE49-F238E27FC236}">
+                <a16:creationId xmlns:a16="http://schemas.microsoft.com/office/drawing/2014/main" id="{0F1C8209-AE9A-A898-A43C-97009203A338}"/>
+              </a:ext>
+            </a:extLst>
+          </p:cNvPr>
+          <p:cNvPicPr>
+            <a:picLocks noChangeAspect="1"/>
+          </p:cNvPicPr>
+          <p:nvPr/>
+        </p:nvPicPr>
+        <p:blipFill>
+          <a:blip r:embed="rId2"/>
+          <a:stretch>
+            <a:fillRect/>
+          </a:stretch>
+        </p:blipFill>
+        <p:spPr>
+          <a:xfrm>
+            <a:off x="1500809" y="838896"/>
+            <a:ext cx="4362982" cy="5647248"/>
+          </a:xfrm>
+          <a:prstGeom prst="rect">
+            <a:avLst/>
+          </a:prstGeom>
+        </p:spPr>
+      </p:pic>
+      <p:sp>
+        <p:nvSpPr>
+          <p:cNvPr id="7" name="楕円 6">
+            <a:extLst>
+              <a:ext uri="{FF2B5EF4-FFF2-40B4-BE49-F238E27FC236}">
+                <a16:creationId xmlns:a16="http://schemas.microsoft.com/office/drawing/2014/main" id="{46D1F6D7-C24A-7B79-E8C3-E3907466631B}"/>
+              </a:ext>
+            </a:extLst>
+          </p:cNvPr>
+          <p:cNvSpPr/>
+          <p:nvPr/>
+        </p:nvSpPr>
+        <p:spPr>
+          <a:xfrm>
+            <a:off x="1580322" y="1669774"/>
+            <a:ext cx="3081130" cy="725556"/>
+          </a:xfrm>
+          <a:prstGeom prst="ellipse">
+            <a:avLst/>
+          </a:prstGeom>
+          <a:noFill/>
+          <a:ln>
+            <a:solidFill>
+              <a:srgbClr val="FF0000"/>
+            </a:solidFill>
+          </a:ln>
+        </p:spPr>
+        <p:style>
+          <a:lnRef idx="2">
+            <a:schemeClr val="accent1">
+              <a:shade val="15000"/>
+            </a:schemeClr>
+          </a:lnRef>
+          <a:fillRef idx="1">
+            <a:schemeClr val="accent1"/>
+          </a:fillRef>
+          <a:effectRef idx="0">
+            <a:schemeClr val="accent1"/>
+          </a:effectRef>
+          <a:fontRef idx="minor">
+            <a:schemeClr val="lt1"/>
+          </a:fontRef>
+        </p:style>
+        <p:txBody>
+          <a:bodyPr rtlCol="0" anchor="ctr"/>
+          <a:lstStyle/>
+          <a:p>
+            <a:pPr algn="ctr"/>
+            <a:endParaRPr kumimoji="1" lang="ja-JP" altLang="en-US" sz="1200" dirty="0">
+              <a:solidFill>
+                <a:schemeClr val="tx1"/>
+              </a:solidFill>
+            </a:endParaRPr>
+          </a:p>
+        </p:txBody>
+      </p:sp>
+      <p:sp>
+        <p:nvSpPr>
+          <p:cNvPr id="10" name="矢印: 右 9">
+            <a:extLst>
+              <a:ext uri="{FF2B5EF4-FFF2-40B4-BE49-F238E27FC236}">
+                <a16:creationId xmlns:a16="http://schemas.microsoft.com/office/drawing/2014/main" id="{6AB584E0-2C7B-EC18-4E48-AFAED8639176}"/>
+              </a:ext>
+            </a:extLst>
+          </p:cNvPr>
+          <p:cNvSpPr/>
+          <p:nvPr/>
+        </p:nvSpPr>
+        <p:spPr>
+          <a:xfrm>
+            <a:off x="6094322" y="859738"/>
+            <a:ext cx="452230" cy="715614"/>
+          </a:xfrm>
+          <a:prstGeom prst="rightArrow">
+            <a:avLst/>
+          </a:prstGeom>
+          <a:noFill/>
+          <a:ln>
+            <a:solidFill>
+              <a:schemeClr val="tx1"/>
+            </a:solidFill>
+          </a:ln>
+        </p:spPr>
+        <p:style>
+          <a:lnRef idx="2">
+            <a:schemeClr val="accent1">
+              <a:shade val="15000"/>
+            </a:schemeClr>
+          </a:lnRef>
+          <a:fillRef idx="1">
+            <a:schemeClr val="accent1"/>
+          </a:fillRef>
+          <a:effectRef idx="0">
+            <a:schemeClr val="accent1"/>
+          </a:effectRef>
+          <a:fontRef idx="minor">
+            <a:schemeClr val="lt1"/>
+          </a:fontRef>
+        </p:style>
+        <p:txBody>
+          <a:bodyPr rtlCol="0" anchor="ctr"/>
+          <a:lstStyle/>
+          <a:p>
+            <a:pPr algn="ctr"/>
+            <a:endParaRPr kumimoji="1" lang="ja-JP" altLang="en-US" sz="1200" dirty="0">
+              <a:solidFill>
+                <a:schemeClr val="tx1"/>
+              </a:solidFill>
+            </a:endParaRPr>
+          </a:p>
+        </p:txBody>
+      </p:sp>
+      <p:pic>
+        <p:nvPicPr>
+          <p:cNvPr id="6" name="図 5">
+            <a:extLst>
+              <a:ext uri="{FF2B5EF4-FFF2-40B4-BE49-F238E27FC236}">
+                <a16:creationId xmlns:a16="http://schemas.microsoft.com/office/drawing/2014/main" id="{8605DB9A-CC48-CA8C-90EC-44166C12B81A}"/>
+              </a:ext>
+            </a:extLst>
+          </p:cNvPr>
+          <p:cNvPicPr>
+            <a:picLocks noChangeAspect="1"/>
+          </p:cNvPicPr>
+          <p:nvPr/>
+        </p:nvPicPr>
+        <p:blipFill>
+          <a:blip r:embed="rId3"/>
+          <a:stretch>
+            <a:fillRect/>
+          </a:stretch>
+        </p:blipFill>
+        <p:spPr>
+          <a:xfrm>
+            <a:off x="7384775" y="655641"/>
+            <a:ext cx="4008438" cy="6202358"/>
+          </a:xfrm>
+          <a:prstGeom prst="rect">
+            <a:avLst/>
+          </a:prstGeom>
+        </p:spPr>
+      </p:pic>
+    </p:spTree>
+    <p:extLst>
+      <p:ext uri="{BB962C8B-B14F-4D97-AF65-F5344CB8AC3E}">
+        <p14:creationId xmlns:p14="http://schemas.microsoft.com/office/powerpoint/2010/main" val="1297029802"/>
+      </p:ext>
+    </p:extLst>
+  </p:cSld>
+  <p:clrMapOvr>
+    <a:masterClrMapping/>
+  </p:clrMapOvr>
+</p:sld>
+</file>
+
+<file path=ppt/slides/slide52.xml><?xml version="1.0" encoding="utf-8"?>
+<p:sld xmlns:a="http://schemas.openxmlformats.org/drawingml/2006/main" xmlns:r="http://schemas.openxmlformats.org/officeDocument/2006/relationships" xmlns:p="http://schemas.openxmlformats.org/presentationml/2006/main">
+  <p:cSld>
+    <p:spTree>
+      <p:nvGrpSpPr>
+        <p:cNvPr id="1" name="">
+          <a:extLst>
+            <a:ext uri="{FF2B5EF4-FFF2-40B4-BE49-F238E27FC236}">
+              <a16:creationId xmlns:a16="http://schemas.microsoft.com/office/drawing/2014/main" id="{B46E6A68-F530-7FAD-ACBA-EA86564D8A57}"/>
+            </a:ext>
+          </a:extLst>
+        </p:cNvPr>
+        <p:cNvGrpSpPr/>
+        <p:nvPr/>
+      </p:nvGrpSpPr>
+      <p:grpSpPr>
+        <a:xfrm>
+          <a:off x="0" y="0"/>
+          <a:ext cx="0" cy="0"/>
+          <a:chOff x="0" y="0"/>
+          <a:chExt cx="0" cy="0"/>
+        </a:xfrm>
+      </p:grpSpPr>
+      <p:cxnSp>
+        <p:nvCxnSpPr>
+          <p:cNvPr id="4" name="直線コネクタ 3">
+            <a:extLst>
+              <a:ext uri="{FF2B5EF4-FFF2-40B4-BE49-F238E27FC236}">
+                <a16:creationId xmlns:a16="http://schemas.microsoft.com/office/drawing/2014/main" id="{1B4B29F2-D90B-D61E-5E67-DBAF1F22BC57}"/>
+              </a:ext>
+            </a:extLst>
+          </p:cNvPr>
+          <p:cNvCxnSpPr/>
+          <p:nvPr/>
+        </p:nvCxnSpPr>
+        <p:spPr>
+          <a:xfrm>
+            <a:off x="228600" y="755374"/>
+            <a:ext cx="11936896" cy="0"/>
+          </a:xfrm>
+          <a:prstGeom prst="line">
+            <a:avLst/>
+          </a:prstGeom>
+        </p:spPr>
+        <p:style>
+          <a:lnRef idx="2">
+            <a:schemeClr val="accent1"/>
+          </a:lnRef>
+          <a:fillRef idx="0">
+            <a:schemeClr val="accent1"/>
+          </a:fillRef>
+          <a:effectRef idx="1">
+            <a:schemeClr val="accent1"/>
+          </a:effectRef>
+          <a:fontRef idx="minor">
+            <a:schemeClr val="tx1"/>
+          </a:fontRef>
+        </p:style>
+      </p:cxnSp>
+      <p:sp>
+        <p:nvSpPr>
+          <p:cNvPr id="5" name="テキスト ボックス 4">
+            <a:extLst>
+              <a:ext uri="{FF2B5EF4-FFF2-40B4-BE49-F238E27FC236}">
+                <a16:creationId xmlns:a16="http://schemas.microsoft.com/office/drawing/2014/main" id="{7EAF923A-63D3-09DF-62F0-2CE27342898C}"/>
+              </a:ext>
+            </a:extLst>
+          </p:cNvPr>
+          <p:cNvSpPr txBox="1"/>
+          <p:nvPr/>
+        </p:nvSpPr>
+        <p:spPr>
+          <a:xfrm>
+            <a:off x="407503" y="198783"/>
+            <a:ext cx="11449879" cy="369332"/>
+          </a:xfrm>
+          <a:prstGeom prst="rect">
+            <a:avLst/>
+          </a:prstGeom>
+          <a:noFill/>
+        </p:spPr>
+        <p:txBody>
+          <a:bodyPr wrap="square" rtlCol="0">
+            <a:spAutoFit/>
+          </a:bodyPr>
+          <a:lstStyle/>
+          <a:p>
+            <a:r>
+              <a:rPr kumimoji="1" lang="ja-JP" altLang="en-US" dirty="0"/>
+              <a:t>アプリケーション：展示物表示</a:t>
+            </a:r>
+          </a:p>
+        </p:txBody>
+      </p:sp>
+      <p:pic>
+        <p:nvPicPr>
+          <p:cNvPr id="6" name="図 5">
+            <a:extLst>
+              <a:ext uri="{FF2B5EF4-FFF2-40B4-BE49-F238E27FC236}">
+                <a16:creationId xmlns:a16="http://schemas.microsoft.com/office/drawing/2014/main" id="{32DCBFFD-BE38-8E47-86B4-BC5FE753EC35}"/>
+              </a:ext>
+            </a:extLst>
+          </p:cNvPr>
+          <p:cNvPicPr>
+            <a:picLocks noChangeAspect="1"/>
+          </p:cNvPicPr>
+          <p:nvPr/>
+        </p:nvPicPr>
+        <p:blipFill>
+          <a:blip r:embed="rId2"/>
+          <a:stretch>
+            <a:fillRect/>
+          </a:stretch>
+        </p:blipFill>
+        <p:spPr>
+          <a:xfrm>
+            <a:off x="4203403" y="1053548"/>
+            <a:ext cx="3622812" cy="5605669"/>
+          </a:xfrm>
+          <a:prstGeom prst="rect">
+            <a:avLst/>
+          </a:prstGeom>
+        </p:spPr>
+      </p:pic>
+      <p:sp>
+        <p:nvSpPr>
+          <p:cNvPr id="7" name="楕円 6">
+            <a:extLst>
+              <a:ext uri="{FF2B5EF4-FFF2-40B4-BE49-F238E27FC236}">
+                <a16:creationId xmlns:a16="http://schemas.microsoft.com/office/drawing/2014/main" id="{4DC6F838-41A9-9EF5-77FD-5A8A024A308B}"/>
+              </a:ext>
+            </a:extLst>
+          </p:cNvPr>
+          <p:cNvSpPr/>
+          <p:nvPr/>
+        </p:nvSpPr>
+        <p:spPr>
+          <a:xfrm>
+            <a:off x="4871809" y="3642690"/>
+            <a:ext cx="1143000" cy="427383"/>
+          </a:xfrm>
+          <a:prstGeom prst="ellipse">
+            <a:avLst/>
+          </a:prstGeom>
+          <a:noFill/>
+          <a:ln>
+            <a:solidFill>
+              <a:srgbClr val="FF0000"/>
+            </a:solidFill>
+          </a:ln>
+        </p:spPr>
+        <p:style>
+          <a:lnRef idx="2">
+            <a:schemeClr val="accent1">
+              <a:shade val="15000"/>
+            </a:schemeClr>
+          </a:lnRef>
+          <a:fillRef idx="1">
+            <a:schemeClr val="accent1"/>
+          </a:fillRef>
+          <a:effectRef idx="0">
+            <a:schemeClr val="accent1"/>
+          </a:effectRef>
+          <a:fontRef idx="minor">
+            <a:schemeClr val="lt1"/>
+          </a:fontRef>
+        </p:style>
+        <p:txBody>
+          <a:bodyPr rtlCol="0" anchor="ctr"/>
+          <a:lstStyle/>
+          <a:p>
+            <a:pPr algn="ctr"/>
+            <a:endParaRPr kumimoji="1" lang="ja-JP" altLang="en-US" sz="1200" dirty="0">
+              <a:solidFill>
+                <a:schemeClr val="tx1"/>
+              </a:solidFill>
+            </a:endParaRPr>
+          </a:p>
+        </p:txBody>
+      </p:sp>
+      <p:sp>
+        <p:nvSpPr>
+          <p:cNvPr id="2" name="吹き出し: 四角形 1">
+            <a:extLst>
+              <a:ext uri="{FF2B5EF4-FFF2-40B4-BE49-F238E27FC236}">
+                <a16:creationId xmlns:a16="http://schemas.microsoft.com/office/drawing/2014/main" id="{C6E1EE47-BEF1-E463-296B-035F02CA4D29}"/>
+              </a:ext>
+            </a:extLst>
+          </p:cNvPr>
+          <p:cNvSpPr/>
+          <p:nvPr/>
+        </p:nvSpPr>
+        <p:spPr>
+          <a:xfrm>
+            <a:off x="2027583" y="3185492"/>
+            <a:ext cx="1540566" cy="487015"/>
+          </a:xfrm>
+          <a:prstGeom prst="wedgeRectCallout">
+            <a:avLst>
+              <a:gd name="adj1" fmla="val 115122"/>
+              <a:gd name="adj2" fmla="val 85990"/>
+            </a:avLst>
+          </a:prstGeom>
+          <a:noFill/>
+          <a:ln>
+            <a:solidFill>
+              <a:schemeClr val="tx1"/>
+            </a:solidFill>
+          </a:ln>
+        </p:spPr>
+        <p:style>
+          <a:lnRef idx="2">
+            <a:schemeClr val="accent1">
+              <a:shade val="15000"/>
+            </a:schemeClr>
+          </a:lnRef>
+          <a:fillRef idx="1">
+            <a:schemeClr val="accent1"/>
+          </a:fillRef>
+          <a:effectRef idx="0">
+            <a:schemeClr val="accent1"/>
+          </a:effectRef>
+          <a:fontRef idx="minor">
+            <a:schemeClr val="lt1"/>
+          </a:fontRef>
+        </p:style>
+        <p:txBody>
+          <a:bodyPr rtlCol="0" anchor="ctr"/>
+          <a:lstStyle/>
+          <a:p>
+            <a:pPr algn="ctr"/>
+            <a:r>
+              <a:rPr kumimoji="1" lang="ja-JP" altLang="en-US" sz="1200" dirty="0">
+                <a:solidFill>
+                  <a:schemeClr val="tx1"/>
+                </a:solidFill>
+              </a:rPr>
+              <a:t>言語選択</a:t>
+            </a:r>
+          </a:p>
+        </p:txBody>
+      </p:sp>
+      <p:sp>
+        <p:nvSpPr>
+          <p:cNvPr id="8" name="吹き出し: 四角形 7">
+            <a:extLst>
+              <a:ext uri="{FF2B5EF4-FFF2-40B4-BE49-F238E27FC236}">
+                <a16:creationId xmlns:a16="http://schemas.microsoft.com/office/drawing/2014/main" id="{2531BECD-DE0B-E5B5-069F-FE3E903F8702}"/>
+              </a:ext>
+            </a:extLst>
+          </p:cNvPr>
+          <p:cNvSpPr/>
+          <p:nvPr/>
+        </p:nvSpPr>
+        <p:spPr>
+          <a:xfrm>
+            <a:off x="1574927" y="4272171"/>
+            <a:ext cx="1540566" cy="487015"/>
+          </a:xfrm>
+          <a:prstGeom prst="wedgeRectCallout">
+            <a:avLst>
+              <a:gd name="adj1" fmla="val 118993"/>
+              <a:gd name="adj2" fmla="val 28847"/>
+            </a:avLst>
+          </a:prstGeom>
+          <a:noFill/>
+          <a:ln>
+            <a:solidFill>
+              <a:schemeClr val="tx1"/>
+            </a:solidFill>
+          </a:ln>
+        </p:spPr>
+        <p:style>
+          <a:lnRef idx="2">
+            <a:schemeClr val="accent1">
+              <a:shade val="15000"/>
+            </a:schemeClr>
+          </a:lnRef>
+          <a:fillRef idx="1">
+            <a:schemeClr val="accent1"/>
+          </a:fillRef>
+          <a:effectRef idx="0">
+            <a:schemeClr val="accent1"/>
+          </a:effectRef>
+          <a:fontRef idx="minor">
+            <a:schemeClr val="lt1"/>
+          </a:fontRef>
+        </p:style>
+        <p:txBody>
+          <a:bodyPr rtlCol="0" anchor="ctr"/>
+          <a:lstStyle/>
+          <a:p>
+            <a:pPr algn="ctr"/>
+            <a:r>
+              <a:rPr kumimoji="1" lang="ja-JP" altLang="en-US" sz="1200" dirty="0">
+                <a:solidFill>
+                  <a:schemeClr val="tx1"/>
+                </a:solidFill>
+              </a:rPr>
+              <a:t>音声再生</a:t>
+            </a:r>
+          </a:p>
+        </p:txBody>
+      </p:sp>
+      <p:sp>
+        <p:nvSpPr>
+          <p:cNvPr id="9" name="吹き出し: 四角形 8">
+            <a:extLst>
+              <a:ext uri="{FF2B5EF4-FFF2-40B4-BE49-F238E27FC236}">
+                <a16:creationId xmlns:a16="http://schemas.microsoft.com/office/drawing/2014/main" id="{E0D6BF0A-06D5-DC93-FD84-DE7E8EF504A0}"/>
+              </a:ext>
+            </a:extLst>
+          </p:cNvPr>
+          <p:cNvSpPr/>
+          <p:nvPr/>
+        </p:nvSpPr>
+        <p:spPr>
+          <a:xfrm>
+            <a:off x="8506196" y="4272171"/>
+            <a:ext cx="1540566" cy="487015"/>
+          </a:xfrm>
+          <a:prstGeom prst="wedgeRectCallout">
+            <a:avLst>
+              <a:gd name="adj1" fmla="val -93265"/>
+              <a:gd name="adj2" fmla="val 134970"/>
+            </a:avLst>
+          </a:prstGeom>
+          <a:noFill/>
+          <a:ln>
+            <a:solidFill>
+              <a:schemeClr val="tx1"/>
+            </a:solidFill>
+          </a:ln>
+        </p:spPr>
+        <p:style>
+          <a:lnRef idx="2">
+            <a:schemeClr val="accent1">
+              <a:shade val="15000"/>
+            </a:schemeClr>
+          </a:lnRef>
+          <a:fillRef idx="1">
+            <a:schemeClr val="accent1"/>
+          </a:fillRef>
+          <a:effectRef idx="0">
+            <a:schemeClr val="accent1"/>
+          </a:effectRef>
+          <a:fontRef idx="minor">
+            <a:schemeClr val="lt1"/>
+          </a:fontRef>
+        </p:style>
+        <p:txBody>
+          <a:bodyPr rtlCol="0" anchor="ctr"/>
+          <a:lstStyle/>
+          <a:p>
+            <a:pPr algn="ctr"/>
+            <a:r>
+              <a:rPr kumimoji="1" lang="ja-JP" altLang="en-US" sz="1200" dirty="0">
+                <a:solidFill>
+                  <a:schemeClr val="tx1"/>
+                </a:solidFill>
+              </a:rPr>
+              <a:t>展示物説明</a:t>
+            </a:r>
+          </a:p>
+        </p:txBody>
+      </p:sp>
+      <p:sp>
+        <p:nvSpPr>
+          <p:cNvPr id="11" name="吹き出し: 四角形 10">
+            <a:extLst>
+              <a:ext uri="{FF2B5EF4-FFF2-40B4-BE49-F238E27FC236}">
+                <a16:creationId xmlns:a16="http://schemas.microsoft.com/office/drawing/2014/main" id="{761CFB97-5B6F-435D-6791-380A11E7E15F}"/>
+              </a:ext>
+            </a:extLst>
+          </p:cNvPr>
+          <p:cNvSpPr/>
+          <p:nvPr/>
+        </p:nvSpPr>
+        <p:spPr>
+          <a:xfrm>
+            <a:off x="9036283" y="5428423"/>
+            <a:ext cx="1540566" cy="487015"/>
+          </a:xfrm>
+          <a:prstGeom prst="wedgeRectCallout">
+            <a:avLst>
+              <a:gd name="adj1" fmla="val -204878"/>
+              <a:gd name="adj2" fmla="val 159460"/>
+            </a:avLst>
+          </a:prstGeom>
+          <a:noFill/>
+          <a:ln>
+            <a:solidFill>
+              <a:schemeClr val="tx1"/>
+            </a:solidFill>
+          </a:ln>
+        </p:spPr>
+        <p:style>
+          <a:lnRef idx="2">
+            <a:schemeClr val="accent1">
+              <a:shade val="15000"/>
+            </a:schemeClr>
+          </a:lnRef>
+          <a:fillRef idx="1">
+            <a:schemeClr val="accent1"/>
+          </a:fillRef>
+          <a:effectRef idx="0">
+            <a:schemeClr val="accent1"/>
+          </a:effectRef>
+          <a:fontRef idx="minor">
+            <a:schemeClr val="lt1"/>
+          </a:fontRef>
+        </p:style>
+        <p:txBody>
+          <a:bodyPr rtlCol="0" anchor="ctr"/>
+          <a:lstStyle/>
+          <a:p>
+            <a:pPr algn="ctr"/>
+            <a:r>
+              <a:rPr kumimoji="1" lang="en-US" altLang="ja-JP" sz="1200" dirty="0">
+                <a:solidFill>
+                  <a:schemeClr val="tx1"/>
+                </a:solidFill>
+              </a:rPr>
+              <a:t>QR</a:t>
+            </a:r>
+            <a:r>
+              <a:rPr kumimoji="1" lang="ja-JP" altLang="en-US" sz="1200" dirty="0">
+                <a:solidFill>
+                  <a:schemeClr val="tx1"/>
+                </a:solidFill>
+              </a:rPr>
+              <a:t>コードリーダー</a:t>
+            </a:r>
+          </a:p>
+        </p:txBody>
+      </p:sp>
+    </p:spTree>
+    <p:extLst>
+      <p:ext uri="{BB962C8B-B14F-4D97-AF65-F5344CB8AC3E}">
+        <p14:creationId xmlns:p14="http://schemas.microsoft.com/office/powerpoint/2010/main" val="3301199298"/>
+      </p:ext>
+    </p:extLst>
+  </p:cSld>
+  <p:clrMapOvr>
+    <a:masterClrMapping/>
+  </p:clrMapOvr>
+</p:sld>
+</file>
+
+<file path=ppt/slides/slide53.xml><?xml version="1.0" encoding="utf-8"?>
+<p:sld xmlns:a="http://schemas.openxmlformats.org/drawingml/2006/main" xmlns:r="http://schemas.openxmlformats.org/officeDocument/2006/relationships" xmlns:p="http://schemas.openxmlformats.org/presentationml/2006/main">
+  <p:cSld>
+    <p:spTree>
+      <p:nvGrpSpPr>
+        <p:cNvPr id="1" name=""/>
+        <p:cNvGrpSpPr/>
+        <p:nvPr/>
+      </p:nvGrpSpPr>
+      <p:grpSpPr>
+        <a:xfrm>
+          <a:off x="0" y="0"/>
+          <a:ext cx="0" cy="0"/>
+          <a:chOff x="0" y="0"/>
+          <a:chExt cx="0" cy="0"/>
+        </a:xfrm>
+      </p:grpSpPr>
+      <p:sp>
+        <p:nvSpPr>
+          <p:cNvPr id="2" name="タイトル 1">
+            <a:extLst>
+              <a:ext uri="{FF2B5EF4-FFF2-40B4-BE49-F238E27FC236}">
+                <a16:creationId xmlns:a16="http://schemas.microsoft.com/office/drawing/2014/main" id="{3C2C01AD-3387-2005-B8C4-00A58FE6D25A}"/>
+              </a:ext>
+            </a:extLst>
+          </p:cNvPr>
+          <p:cNvSpPr>
+            <a:spLocks noGrp="1"/>
+          </p:cNvSpPr>
+          <p:nvPr>
+            <p:ph type="title"/>
+          </p:nvPr>
+        </p:nvSpPr>
+        <p:spPr/>
+        <p:txBody>
+          <a:bodyPr/>
+          <a:lstStyle/>
+          <a:p>
+            <a:endParaRPr kumimoji="1" lang="ja-JP" altLang="en-US"/>
+          </a:p>
+        </p:txBody>
+      </p:sp>
+      <p:sp>
+        <p:nvSpPr>
+          <p:cNvPr id="3" name="コンテンツ プレースホルダー 2">
+            <a:extLst>
+              <a:ext uri="{FF2B5EF4-FFF2-40B4-BE49-F238E27FC236}">
+                <a16:creationId xmlns:a16="http://schemas.microsoft.com/office/drawing/2014/main" id="{941EF71E-6139-E2DF-A54B-E310C7715330}"/>
+              </a:ext>
+            </a:extLst>
+          </p:cNvPr>
+          <p:cNvSpPr>
+            <a:spLocks noGrp="1"/>
+          </p:cNvSpPr>
+          <p:nvPr>
+            <p:ph idx="1"/>
+          </p:nvPr>
+        </p:nvSpPr>
+        <p:spPr/>
+        <p:txBody>
+          <a:bodyPr/>
+          <a:lstStyle/>
+          <a:p>
+            <a:endParaRPr kumimoji="1" lang="ja-JP" altLang="en-US"/>
+          </a:p>
+        </p:txBody>
+      </p:sp>
+    </p:spTree>
+    <p:extLst>
+      <p:ext uri="{BB962C8B-B14F-4D97-AF65-F5344CB8AC3E}">
+        <p14:creationId xmlns:p14="http://schemas.microsoft.com/office/powerpoint/2010/main" val="3225395119"/>
+      </p:ext>
+    </p:extLst>
+  </p:cSld>
+  <p:clrMapOvr>
+    <a:masterClrMapping/>
+  </p:clrMapOvr>
+</p:sld>
+</file>
+
+<file path=ppt/slides/slide54.xml><?xml version="1.0" encoding="utf-8"?>
+<p:sld xmlns:a="http://schemas.openxmlformats.org/drawingml/2006/main" xmlns:r="http://schemas.openxmlformats.org/officeDocument/2006/relationships" xmlns:p="http://schemas.openxmlformats.org/presentationml/2006/main">
+  <p:cSld>
+    <p:spTree>
+      <p:nvGrpSpPr>
+        <p:cNvPr id="1" name="">
+          <a:extLst>
+            <a:ext uri="{FF2B5EF4-FFF2-40B4-BE49-F238E27FC236}">
               <a16:creationId xmlns:a16="http://schemas.microsoft.com/office/drawing/2014/main" id="{91AB037F-9221-13C5-9B9A-693FC1B8FF1F}"/>
             </a:ext>
           </a:extLst>
@@ -14324,7 +15326,7 @@
 </p:sld>
 </file>
 
-<file path=ppt/slides/slide51.xml><?xml version="1.0" encoding="utf-8"?>
+<file path=ppt/slides/slide55.xml><?xml version="1.0" encoding="utf-8"?>
 <p:sld xmlns:a="http://schemas.openxmlformats.org/drawingml/2006/main" xmlns:r="http://schemas.openxmlformats.org/officeDocument/2006/relationships" xmlns:p="http://schemas.openxmlformats.org/presentationml/2006/main">
   <p:cSld>
     <p:spTree>
@@ -14410,7 +15412,7 @@
 </p:sld>
 </file>
 
-<file path=ppt/slides/slide52.xml><?xml version="1.0" encoding="utf-8"?>
+<file path=ppt/slides/slide56.xml><?xml version="1.0" encoding="utf-8"?>
 <p:sld xmlns:a="http://schemas.openxmlformats.org/drawingml/2006/main" xmlns:r="http://schemas.openxmlformats.org/officeDocument/2006/relationships" xmlns:p="http://schemas.openxmlformats.org/presentationml/2006/main">
   <p:cSld>
     <p:spTree>
@@ -14480,7 +15482,7 @@
 </p:sld>
 </file>
 
-<file path=ppt/slides/slide53.xml><?xml version="1.0" encoding="utf-8"?>
+<file path=ppt/slides/slide57.xml><?xml version="1.0" encoding="utf-8"?>
 <p:sld xmlns:a="http://schemas.openxmlformats.org/drawingml/2006/main" xmlns:r="http://schemas.openxmlformats.org/officeDocument/2006/relationships" xmlns:p="http://schemas.openxmlformats.org/presentationml/2006/main">
   <p:cSld>
     <p:spTree>
@@ -15122,7 +16124,7 @@
 </p:sld>
 </file>
 
-<file path=ppt/slides/slide54.xml><?xml version="1.0" encoding="utf-8"?>
+<file path=ppt/slides/slide58.xml><?xml version="1.0" encoding="utf-8"?>
 <p:sld xmlns:a="http://schemas.openxmlformats.org/drawingml/2006/main" xmlns:r="http://schemas.openxmlformats.org/officeDocument/2006/relationships" xmlns:p="http://schemas.openxmlformats.org/presentationml/2006/main">
   <p:cSld>
     <p:spTree>
@@ -15842,7 +16844,7 @@
 </p:sld>
 </file>
 
-<file path=ppt/slides/slide55.xml><?xml version="1.0" encoding="utf-8"?>
+<file path=ppt/slides/slide59.xml><?xml version="1.0" encoding="utf-8"?>
 <p:sld xmlns:a="http://schemas.openxmlformats.org/drawingml/2006/main" xmlns:r="http://schemas.openxmlformats.org/officeDocument/2006/relationships" xmlns:p="http://schemas.openxmlformats.org/presentationml/2006/main">
   <p:cSld>
     <p:spTree>
@@ -16517,7 +17519,935 @@
 </p:sld>
 </file>
 
-<file path=ppt/slides/slide56.xml><?xml version="1.0" encoding="utf-8"?>
+<file path=ppt/slides/slide6.xml><?xml version="1.0" encoding="utf-8"?>
+<p:sld xmlns:a="http://schemas.openxmlformats.org/drawingml/2006/main" xmlns:r="http://schemas.openxmlformats.org/officeDocument/2006/relationships" xmlns:p="http://schemas.openxmlformats.org/presentationml/2006/main">
+  <p:cSld>
+    <p:spTree>
+      <p:nvGrpSpPr>
+        <p:cNvPr id="1" name="">
+          <a:extLst>
+            <a:ext uri="{FF2B5EF4-FFF2-40B4-BE49-F238E27FC236}">
+              <a16:creationId xmlns:a16="http://schemas.microsoft.com/office/drawing/2014/main" id="{7820A30E-E40E-F066-54B3-8854A07AF5A3}"/>
+            </a:ext>
+          </a:extLst>
+        </p:cNvPr>
+        <p:cNvGrpSpPr/>
+        <p:nvPr/>
+      </p:nvGrpSpPr>
+      <p:grpSpPr>
+        <a:xfrm>
+          <a:off x="0" y="0"/>
+          <a:ext cx="0" cy="0"/>
+          <a:chOff x="0" y="0"/>
+          <a:chExt cx="0" cy="0"/>
+        </a:xfrm>
+      </p:grpSpPr>
+      <p:cxnSp>
+        <p:nvCxnSpPr>
+          <p:cNvPr id="4" name="直線コネクタ 3">
+            <a:extLst>
+              <a:ext uri="{FF2B5EF4-FFF2-40B4-BE49-F238E27FC236}">
+                <a16:creationId xmlns:a16="http://schemas.microsoft.com/office/drawing/2014/main" id="{50A79715-C813-8BA2-8F70-B7D2D4A41A49}"/>
+              </a:ext>
+            </a:extLst>
+          </p:cNvPr>
+          <p:cNvCxnSpPr/>
+          <p:nvPr/>
+        </p:nvCxnSpPr>
+        <p:spPr>
+          <a:xfrm>
+            <a:off x="228600" y="755374"/>
+            <a:ext cx="11936896" cy="0"/>
+          </a:xfrm>
+          <a:prstGeom prst="line">
+            <a:avLst/>
+          </a:prstGeom>
+        </p:spPr>
+        <p:style>
+          <a:lnRef idx="2">
+            <a:schemeClr val="accent1"/>
+          </a:lnRef>
+          <a:fillRef idx="0">
+            <a:schemeClr val="accent1"/>
+          </a:fillRef>
+          <a:effectRef idx="1">
+            <a:schemeClr val="accent1"/>
+          </a:effectRef>
+          <a:fontRef idx="minor">
+            <a:schemeClr val="tx1"/>
+          </a:fontRef>
+        </p:style>
+      </p:cxnSp>
+      <p:sp>
+        <p:nvSpPr>
+          <p:cNvPr id="5" name="テキスト ボックス 4">
+            <a:extLst>
+              <a:ext uri="{FF2B5EF4-FFF2-40B4-BE49-F238E27FC236}">
+                <a16:creationId xmlns:a16="http://schemas.microsoft.com/office/drawing/2014/main" id="{FDB4C2C6-6D19-CC6E-372C-0DB41DE54EF0}"/>
+              </a:ext>
+            </a:extLst>
+          </p:cNvPr>
+          <p:cNvSpPr txBox="1"/>
+          <p:nvPr/>
+        </p:nvSpPr>
+        <p:spPr>
+          <a:xfrm>
+            <a:off x="407504" y="198783"/>
+            <a:ext cx="3796748" cy="369332"/>
+          </a:xfrm>
+          <a:prstGeom prst="rect">
+            <a:avLst/>
+          </a:prstGeom>
+          <a:noFill/>
+        </p:spPr>
+        <p:txBody>
+          <a:bodyPr wrap="square" rtlCol="0">
+            <a:spAutoFit/>
+          </a:bodyPr>
+          <a:lstStyle/>
+          <a:p>
+            <a:r>
+              <a:rPr kumimoji="1" lang="ja-JP" altLang="en-US" dirty="0"/>
+              <a:t>管理階層</a:t>
+            </a:r>
+          </a:p>
+        </p:txBody>
+      </p:sp>
+      <p:sp>
+        <p:nvSpPr>
+          <p:cNvPr id="2" name="テキスト ボックス 1">
+            <a:extLst>
+              <a:ext uri="{FF2B5EF4-FFF2-40B4-BE49-F238E27FC236}">
+                <a16:creationId xmlns:a16="http://schemas.microsoft.com/office/drawing/2014/main" id="{4166837A-5D1D-CCA5-2E9A-D1074CD01FA9}"/>
+              </a:ext>
+            </a:extLst>
+          </p:cNvPr>
+          <p:cNvSpPr txBox="1"/>
+          <p:nvPr/>
+        </p:nvSpPr>
+        <p:spPr>
+          <a:xfrm>
+            <a:off x="268068" y="874570"/>
+            <a:ext cx="1113183" cy="276999"/>
+          </a:xfrm>
+          <a:prstGeom prst="rect">
+            <a:avLst/>
+          </a:prstGeom>
+          <a:noFill/>
+          <a:ln>
+            <a:solidFill>
+              <a:schemeClr val="accent1"/>
+            </a:solidFill>
+          </a:ln>
+        </p:spPr>
+        <p:txBody>
+          <a:bodyPr wrap="square" rtlCol="0">
+            <a:spAutoFit/>
+          </a:bodyPr>
+          <a:lstStyle/>
+          <a:p>
+            <a:r>
+              <a:rPr kumimoji="1" lang="ja-JP" altLang="en-US" sz="1200" dirty="0"/>
+              <a:t>ルート権限</a:t>
+            </a:r>
+          </a:p>
+        </p:txBody>
+      </p:sp>
+      <p:sp>
+        <p:nvSpPr>
+          <p:cNvPr id="3" name="テキスト ボックス 2">
+            <a:extLst>
+              <a:ext uri="{FF2B5EF4-FFF2-40B4-BE49-F238E27FC236}">
+                <a16:creationId xmlns:a16="http://schemas.microsoft.com/office/drawing/2014/main" id="{04447D6A-25ED-5C5C-3697-14D2E6A24E75}"/>
+              </a:ext>
+            </a:extLst>
+          </p:cNvPr>
+          <p:cNvSpPr txBox="1"/>
+          <p:nvPr/>
+        </p:nvSpPr>
+        <p:spPr>
+          <a:xfrm>
+            <a:off x="1093303" y="1351361"/>
+            <a:ext cx="1451401" cy="276999"/>
+          </a:xfrm>
+          <a:prstGeom prst="rect">
+            <a:avLst/>
+          </a:prstGeom>
+          <a:noFill/>
+          <a:ln>
+            <a:solidFill>
+              <a:schemeClr val="accent1"/>
+            </a:solidFill>
+          </a:ln>
+        </p:spPr>
+        <p:txBody>
+          <a:bodyPr wrap="square" rtlCol="0">
+            <a:spAutoFit/>
+          </a:bodyPr>
+          <a:lstStyle/>
+          <a:p>
+            <a:r>
+              <a:rPr kumimoji="1" lang="ja-JP" altLang="en-US" sz="1200" dirty="0"/>
+              <a:t>スーパーバイザ</a:t>
+            </a:r>
+          </a:p>
+        </p:txBody>
+      </p:sp>
+      <p:sp>
+        <p:nvSpPr>
+          <p:cNvPr id="10" name="テキスト ボックス 9">
+            <a:extLst>
+              <a:ext uri="{FF2B5EF4-FFF2-40B4-BE49-F238E27FC236}">
+                <a16:creationId xmlns:a16="http://schemas.microsoft.com/office/drawing/2014/main" id="{D80B943A-8DB5-7515-3F55-97C6DA974F68}"/>
+              </a:ext>
+            </a:extLst>
+          </p:cNvPr>
+          <p:cNvSpPr txBox="1"/>
+          <p:nvPr/>
+        </p:nvSpPr>
+        <p:spPr>
+          <a:xfrm>
+            <a:off x="2832653" y="1830316"/>
+            <a:ext cx="1282147" cy="276999"/>
+          </a:xfrm>
+          <a:prstGeom prst="rect">
+            <a:avLst/>
+          </a:prstGeom>
+          <a:noFill/>
+          <a:ln>
+            <a:solidFill>
+              <a:schemeClr val="accent1"/>
+            </a:solidFill>
+          </a:ln>
+        </p:spPr>
+        <p:txBody>
+          <a:bodyPr wrap="square" rtlCol="0">
+            <a:spAutoFit/>
+          </a:bodyPr>
+          <a:lstStyle/>
+          <a:p>
+            <a:r>
+              <a:rPr kumimoji="1" lang="ja-JP" altLang="en-US" sz="1200" dirty="0"/>
+              <a:t>博物館管理者</a:t>
+            </a:r>
+          </a:p>
+        </p:txBody>
+      </p:sp>
+      <p:cxnSp>
+        <p:nvCxnSpPr>
+          <p:cNvPr id="14" name="コネクタ: カギ線 13">
+            <a:extLst>
+              <a:ext uri="{FF2B5EF4-FFF2-40B4-BE49-F238E27FC236}">
+                <a16:creationId xmlns:a16="http://schemas.microsoft.com/office/drawing/2014/main" id="{E276C327-A237-F5AE-C26D-734656909C1C}"/>
+              </a:ext>
+            </a:extLst>
+          </p:cNvPr>
+          <p:cNvCxnSpPr>
+            <a:cxnSpLocks/>
+            <a:stCxn id="3" idx="2"/>
+            <a:endCxn id="10" idx="1"/>
+          </p:cNvCxnSpPr>
+          <p:nvPr/>
+        </p:nvCxnSpPr>
+        <p:spPr>
+          <a:xfrm rot="16200000" flipH="1">
+            <a:off x="2155600" y="1291763"/>
+            <a:ext cx="340456" cy="1013649"/>
+          </a:xfrm>
+          <a:prstGeom prst="bentConnector2">
+            <a:avLst/>
+          </a:prstGeom>
+          <a:ln>
+            <a:tailEnd type="triangle"/>
+          </a:ln>
+        </p:spPr>
+        <p:style>
+          <a:lnRef idx="2">
+            <a:schemeClr val="accent1"/>
+          </a:lnRef>
+          <a:fillRef idx="0">
+            <a:schemeClr val="accent1"/>
+          </a:fillRef>
+          <a:effectRef idx="1">
+            <a:schemeClr val="accent1"/>
+          </a:effectRef>
+          <a:fontRef idx="minor">
+            <a:schemeClr val="tx1"/>
+          </a:fontRef>
+        </p:style>
+      </p:cxnSp>
+      <p:sp>
+        <p:nvSpPr>
+          <p:cNvPr id="22" name="テキスト ボックス 21">
+            <a:extLst>
+              <a:ext uri="{FF2B5EF4-FFF2-40B4-BE49-F238E27FC236}">
+                <a16:creationId xmlns:a16="http://schemas.microsoft.com/office/drawing/2014/main" id="{80459E3A-0D6B-6951-4F9C-3AA5DB636BF6}"/>
+              </a:ext>
+            </a:extLst>
+          </p:cNvPr>
+          <p:cNvSpPr txBox="1"/>
+          <p:nvPr/>
+        </p:nvSpPr>
+        <p:spPr>
+          <a:xfrm>
+            <a:off x="7148036" y="1530593"/>
+            <a:ext cx="1300510" cy="276999"/>
+          </a:xfrm>
+          <a:prstGeom prst="rect">
+            <a:avLst/>
+          </a:prstGeom>
+          <a:noFill/>
+          <a:ln>
+            <a:solidFill>
+              <a:schemeClr val="accent1"/>
+            </a:solidFill>
+          </a:ln>
+        </p:spPr>
+        <p:txBody>
+          <a:bodyPr wrap="square" rtlCol="0">
+            <a:spAutoFit/>
+          </a:bodyPr>
+          <a:lstStyle/>
+          <a:p>
+            <a:r>
+              <a:rPr kumimoji="1" lang="ja-JP" altLang="en-US" sz="1200" dirty="0"/>
+              <a:t>データ編集者</a:t>
+            </a:r>
+          </a:p>
+        </p:txBody>
+      </p:sp>
+      <p:sp>
+        <p:nvSpPr>
+          <p:cNvPr id="28" name="テキスト ボックス 27">
+            <a:extLst>
+              <a:ext uri="{FF2B5EF4-FFF2-40B4-BE49-F238E27FC236}">
+                <a16:creationId xmlns:a16="http://schemas.microsoft.com/office/drawing/2014/main" id="{95F69937-14E4-B421-6D47-D2AF6F6823CB}"/>
+              </a:ext>
+            </a:extLst>
+          </p:cNvPr>
+          <p:cNvSpPr txBox="1"/>
+          <p:nvPr/>
+        </p:nvSpPr>
+        <p:spPr>
+          <a:xfrm>
+            <a:off x="7148036" y="2042457"/>
+            <a:ext cx="1300510" cy="276999"/>
+          </a:xfrm>
+          <a:prstGeom prst="rect">
+            <a:avLst/>
+          </a:prstGeom>
+          <a:noFill/>
+          <a:ln>
+            <a:solidFill>
+              <a:schemeClr val="accent1"/>
+            </a:solidFill>
+          </a:ln>
+        </p:spPr>
+        <p:txBody>
+          <a:bodyPr wrap="square" rtlCol="0">
+            <a:spAutoFit/>
+          </a:bodyPr>
+          <a:lstStyle/>
+          <a:p>
+            <a:r>
+              <a:rPr kumimoji="1" lang="ja-JP" altLang="en-US" sz="1200" dirty="0"/>
+              <a:t>データ編集者</a:t>
+            </a:r>
+          </a:p>
+        </p:txBody>
+      </p:sp>
+      <p:sp>
+        <p:nvSpPr>
+          <p:cNvPr id="29" name="テキスト ボックス 28">
+            <a:extLst>
+              <a:ext uri="{FF2B5EF4-FFF2-40B4-BE49-F238E27FC236}">
+                <a16:creationId xmlns:a16="http://schemas.microsoft.com/office/drawing/2014/main" id="{85FE759B-6878-7AD1-4147-D2BBC3157660}"/>
+              </a:ext>
+            </a:extLst>
+          </p:cNvPr>
+          <p:cNvSpPr txBox="1"/>
+          <p:nvPr/>
+        </p:nvSpPr>
+        <p:spPr>
+          <a:xfrm>
+            <a:off x="7148036" y="2554321"/>
+            <a:ext cx="1300510" cy="276999"/>
+          </a:xfrm>
+          <a:prstGeom prst="rect">
+            <a:avLst/>
+          </a:prstGeom>
+          <a:noFill/>
+          <a:ln>
+            <a:solidFill>
+              <a:schemeClr val="accent1"/>
+            </a:solidFill>
+          </a:ln>
+        </p:spPr>
+        <p:txBody>
+          <a:bodyPr wrap="square" rtlCol="0">
+            <a:spAutoFit/>
+          </a:bodyPr>
+          <a:lstStyle/>
+          <a:p>
+            <a:r>
+              <a:rPr kumimoji="1" lang="ja-JP" altLang="en-US" sz="1200" dirty="0"/>
+              <a:t>データ編集者</a:t>
+            </a:r>
+          </a:p>
+        </p:txBody>
+      </p:sp>
+      <p:cxnSp>
+        <p:nvCxnSpPr>
+          <p:cNvPr id="31" name="直線矢印コネクタ 30">
+            <a:extLst>
+              <a:ext uri="{FF2B5EF4-FFF2-40B4-BE49-F238E27FC236}">
+                <a16:creationId xmlns:a16="http://schemas.microsoft.com/office/drawing/2014/main" id="{510118AD-5403-FBED-8DE0-9D429919295F}"/>
+              </a:ext>
+            </a:extLst>
+          </p:cNvPr>
+          <p:cNvCxnSpPr>
+            <a:cxnSpLocks/>
+            <a:stCxn id="10" idx="3"/>
+            <a:endCxn id="22" idx="1"/>
+          </p:cNvCxnSpPr>
+          <p:nvPr/>
+        </p:nvCxnSpPr>
+        <p:spPr>
+          <a:xfrm flipV="1">
+            <a:off x="4114800" y="1669093"/>
+            <a:ext cx="3033236" cy="299723"/>
+          </a:xfrm>
+          <a:prstGeom prst="straightConnector1">
+            <a:avLst/>
+          </a:prstGeom>
+          <a:ln>
+            <a:tailEnd type="triangle"/>
+          </a:ln>
+        </p:spPr>
+        <p:style>
+          <a:lnRef idx="2">
+            <a:schemeClr val="accent1"/>
+          </a:lnRef>
+          <a:fillRef idx="0">
+            <a:schemeClr val="accent1"/>
+          </a:fillRef>
+          <a:effectRef idx="1">
+            <a:schemeClr val="accent1"/>
+          </a:effectRef>
+          <a:fontRef idx="minor">
+            <a:schemeClr val="tx1"/>
+          </a:fontRef>
+        </p:style>
+      </p:cxnSp>
+      <p:cxnSp>
+        <p:nvCxnSpPr>
+          <p:cNvPr id="32" name="直線矢印コネクタ 31">
+            <a:extLst>
+              <a:ext uri="{FF2B5EF4-FFF2-40B4-BE49-F238E27FC236}">
+                <a16:creationId xmlns:a16="http://schemas.microsoft.com/office/drawing/2014/main" id="{134D50DB-01AE-F116-5A89-C21817D426C8}"/>
+              </a:ext>
+            </a:extLst>
+          </p:cNvPr>
+          <p:cNvCxnSpPr>
+            <a:cxnSpLocks/>
+            <a:stCxn id="10" idx="3"/>
+            <a:endCxn id="28" idx="1"/>
+          </p:cNvCxnSpPr>
+          <p:nvPr/>
+        </p:nvCxnSpPr>
+        <p:spPr>
+          <a:xfrm>
+            <a:off x="4114800" y="1968816"/>
+            <a:ext cx="3033236" cy="212141"/>
+          </a:xfrm>
+          <a:prstGeom prst="straightConnector1">
+            <a:avLst/>
+          </a:prstGeom>
+          <a:ln>
+            <a:tailEnd type="triangle"/>
+          </a:ln>
+        </p:spPr>
+        <p:style>
+          <a:lnRef idx="2">
+            <a:schemeClr val="accent1"/>
+          </a:lnRef>
+          <a:fillRef idx="0">
+            <a:schemeClr val="accent1"/>
+          </a:fillRef>
+          <a:effectRef idx="1">
+            <a:schemeClr val="accent1"/>
+          </a:effectRef>
+          <a:fontRef idx="minor">
+            <a:schemeClr val="tx1"/>
+          </a:fontRef>
+        </p:style>
+      </p:cxnSp>
+      <p:cxnSp>
+        <p:nvCxnSpPr>
+          <p:cNvPr id="35" name="直線矢印コネクタ 34">
+            <a:extLst>
+              <a:ext uri="{FF2B5EF4-FFF2-40B4-BE49-F238E27FC236}">
+                <a16:creationId xmlns:a16="http://schemas.microsoft.com/office/drawing/2014/main" id="{5C8DA6B2-71ED-62B9-2878-1544FB7B15D1}"/>
+              </a:ext>
+            </a:extLst>
+          </p:cNvPr>
+          <p:cNvCxnSpPr>
+            <a:cxnSpLocks/>
+            <a:stCxn id="10" idx="3"/>
+            <a:endCxn id="29" idx="1"/>
+          </p:cNvCxnSpPr>
+          <p:nvPr/>
+        </p:nvCxnSpPr>
+        <p:spPr>
+          <a:xfrm>
+            <a:off x="4114800" y="1968816"/>
+            <a:ext cx="3033236" cy="724005"/>
+          </a:xfrm>
+          <a:prstGeom prst="straightConnector1">
+            <a:avLst/>
+          </a:prstGeom>
+          <a:ln>
+            <a:tailEnd type="triangle"/>
+          </a:ln>
+        </p:spPr>
+        <p:style>
+          <a:lnRef idx="2">
+            <a:schemeClr val="accent1"/>
+          </a:lnRef>
+          <a:fillRef idx="0">
+            <a:schemeClr val="accent1"/>
+          </a:fillRef>
+          <a:effectRef idx="1">
+            <a:schemeClr val="accent1"/>
+          </a:effectRef>
+          <a:fontRef idx="minor">
+            <a:schemeClr val="tx1"/>
+          </a:fontRef>
+        </p:style>
+      </p:cxnSp>
+      <p:sp>
+        <p:nvSpPr>
+          <p:cNvPr id="8" name="テキスト ボックス 7">
+            <a:extLst>
+              <a:ext uri="{FF2B5EF4-FFF2-40B4-BE49-F238E27FC236}">
+                <a16:creationId xmlns:a16="http://schemas.microsoft.com/office/drawing/2014/main" id="{CAFE340D-AAF6-DD2C-A974-3B4072FFF289}"/>
+              </a:ext>
+            </a:extLst>
+          </p:cNvPr>
+          <p:cNvSpPr txBox="1"/>
+          <p:nvPr/>
+        </p:nvSpPr>
+        <p:spPr>
+          <a:xfrm>
+            <a:off x="1400984" y="876770"/>
+            <a:ext cx="1877437" cy="276999"/>
+          </a:xfrm>
+          <a:prstGeom prst="rect">
+            <a:avLst/>
+          </a:prstGeom>
+          <a:noFill/>
+        </p:spPr>
+        <p:txBody>
+          <a:bodyPr wrap="none" rtlCol="0">
+            <a:spAutoFit/>
+          </a:bodyPr>
+          <a:lstStyle/>
+          <a:p>
+            <a:r>
+              <a:rPr kumimoji="1" lang="ja-JP" altLang="en-US" sz="1200" dirty="0"/>
+              <a:t>スーパーバイザーの登録</a:t>
+            </a:r>
+          </a:p>
+        </p:txBody>
+      </p:sp>
+      <p:cxnSp>
+        <p:nvCxnSpPr>
+          <p:cNvPr id="12" name="コネクタ: カギ線 11">
+            <a:extLst>
+              <a:ext uri="{FF2B5EF4-FFF2-40B4-BE49-F238E27FC236}">
+                <a16:creationId xmlns:a16="http://schemas.microsoft.com/office/drawing/2014/main" id="{2474BC4D-ED22-5305-AEB1-D82D670DD2ED}"/>
+              </a:ext>
+            </a:extLst>
+          </p:cNvPr>
+          <p:cNvCxnSpPr>
+            <a:cxnSpLocks/>
+            <a:stCxn id="2" idx="2"/>
+            <a:endCxn id="3" idx="1"/>
+          </p:cNvCxnSpPr>
+          <p:nvPr/>
+        </p:nvCxnSpPr>
+        <p:spPr>
+          <a:xfrm rot="16200000" flipH="1">
+            <a:off x="789835" y="1186393"/>
+            <a:ext cx="338292" cy="268643"/>
+          </a:xfrm>
+          <a:prstGeom prst="bentConnector2">
+            <a:avLst/>
+          </a:prstGeom>
+          <a:ln>
+            <a:tailEnd type="triangle"/>
+          </a:ln>
+        </p:spPr>
+        <p:style>
+          <a:lnRef idx="2">
+            <a:schemeClr val="accent1"/>
+          </a:lnRef>
+          <a:fillRef idx="0">
+            <a:schemeClr val="accent1"/>
+          </a:fillRef>
+          <a:effectRef idx="1">
+            <a:schemeClr val="accent1"/>
+          </a:effectRef>
+          <a:fontRef idx="minor">
+            <a:schemeClr val="tx1"/>
+          </a:fontRef>
+        </p:style>
+      </p:cxnSp>
+      <p:sp>
+        <p:nvSpPr>
+          <p:cNvPr id="51" name="正方形/長方形 50">
+            <a:extLst>
+              <a:ext uri="{FF2B5EF4-FFF2-40B4-BE49-F238E27FC236}">
+                <a16:creationId xmlns:a16="http://schemas.microsoft.com/office/drawing/2014/main" id="{ED0C78B0-0397-01F0-EDF9-FE679DCFE14D}"/>
+              </a:ext>
+            </a:extLst>
+          </p:cNvPr>
+          <p:cNvSpPr/>
+          <p:nvPr/>
+        </p:nvSpPr>
+        <p:spPr>
+          <a:xfrm>
+            <a:off x="2664720" y="1621310"/>
+            <a:ext cx="2913220" cy="1807690"/>
+          </a:xfrm>
+          <a:prstGeom prst="rect">
+            <a:avLst/>
+          </a:prstGeom>
+          <a:noFill/>
+          <a:ln w="9525">
+            <a:prstDash val="dash"/>
+          </a:ln>
+        </p:spPr>
+        <p:style>
+          <a:lnRef idx="2">
+            <a:schemeClr val="accent1">
+              <a:shade val="15000"/>
+            </a:schemeClr>
+          </a:lnRef>
+          <a:fillRef idx="1">
+            <a:schemeClr val="accent1"/>
+          </a:fillRef>
+          <a:effectRef idx="0">
+            <a:schemeClr val="accent1"/>
+          </a:effectRef>
+          <a:fontRef idx="minor">
+            <a:schemeClr val="lt1"/>
+          </a:fontRef>
+        </p:style>
+        <p:txBody>
+          <a:bodyPr rtlCol="0" anchor="ctr"/>
+          <a:lstStyle/>
+          <a:p>
+            <a:pPr algn="ctr"/>
+            <a:endParaRPr kumimoji="1" lang="ja-JP" altLang="en-US" sz="1200" dirty="0">
+              <a:solidFill>
+                <a:schemeClr val="tx1"/>
+              </a:solidFill>
+            </a:endParaRPr>
+          </a:p>
+        </p:txBody>
+      </p:sp>
+      <p:sp>
+        <p:nvSpPr>
+          <p:cNvPr id="52" name="テキスト ボックス 51">
+            <a:extLst>
+              <a:ext uri="{FF2B5EF4-FFF2-40B4-BE49-F238E27FC236}">
+                <a16:creationId xmlns:a16="http://schemas.microsoft.com/office/drawing/2014/main" id="{FC6B187D-E632-C411-6FC3-CC24C121555A}"/>
+              </a:ext>
+            </a:extLst>
+          </p:cNvPr>
+          <p:cNvSpPr txBox="1"/>
+          <p:nvPr/>
+        </p:nvSpPr>
+        <p:spPr>
+          <a:xfrm>
+            <a:off x="3640030" y="2519974"/>
+            <a:ext cx="1282147" cy="276999"/>
+          </a:xfrm>
+          <a:prstGeom prst="rect">
+            <a:avLst/>
+          </a:prstGeom>
+          <a:noFill/>
+          <a:ln>
+            <a:solidFill>
+              <a:schemeClr val="accent1"/>
+            </a:solidFill>
+          </a:ln>
+        </p:spPr>
+        <p:txBody>
+          <a:bodyPr wrap="square" rtlCol="0">
+            <a:spAutoFit/>
+          </a:bodyPr>
+          <a:lstStyle/>
+          <a:p>
+            <a:r>
+              <a:rPr kumimoji="1" lang="ja-JP" altLang="en-US" sz="1200" dirty="0"/>
+              <a:t>博物館管理者</a:t>
+            </a:r>
+          </a:p>
+        </p:txBody>
+      </p:sp>
+      <p:sp>
+        <p:nvSpPr>
+          <p:cNvPr id="53" name="テキスト ボックス 52">
+            <a:extLst>
+              <a:ext uri="{FF2B5EF4-FFF2-40B4-BE49-F238E27FC236}">
+                <a16:creationId xmlns:a16="http://schemas.microsoft.com/office/drawing/2014/main" id="{4A31CC05-D7BF-DED9-4C0E-164576E717FE}"/>
+              </a:ext>
+            </a:extLst>
+          </p:cNvPr>
+          <p:cNvSpPr txBox="1"/>
+          <p:nvPr/>
+        </p:nvSpPr>
+        <p:spPr>
+          <a:xfrm>
+            <a:off x="3640029" y="2932632"/>
+            <a:ext cx="1282147" cy="276999"/>
+          </a:xfrm>
+          <a:prstGeom prst="rect">
+            <a:avLst/>
+          </a:prstGeom>
+          <a:noFill/>
+          <a:ln>
+            <a:solidFill>
+              <a:schemeClr val="accent1"/>
+            </a:solidFill>
+          </a:ln>
+        </p:spPr>
+        <p:txBody>
+          <a:bodyPr wrap="square" rtlCol="0">
+            <a:spAutoFit/>
+          </a:bodyPr>
+          <a:lstStyle/>
+          <a:p>
+            <a:r>
+              <a:rPr kumimoji="1" lang="ja-JP" altLang="en-US" sz="1200" dirty="0"/>
+              <a:t>博物館管理者</a:t>
+            </a:r>
+          </a:p>
+        </p:txBody>
+      </p:sp>
+      <p:cxnSp>
+        <p:nvCxnSpPr>
+          <p:cNvPr id="64" name="コネクタ: カギ線 63">
+            <a:extLst>
+              <a:ext uri="{FF2B5EF4-FFF2-40B4-BE49-F238E27FC236}">
+                <a16:creationId xmlns:a16="http://schemas.microsoft.com/office/drawing/2014/main" id="{75384D5D-4F25-EFBC-E07E-01127F75A4D9}"/>
+              </a:ext>
+            </a:extLst>
+          </p:cNvPr>
+          <p:cNvCxnSpPr>
+            <a:cxnSpLocks/>
+            <a:stCxn id="10" idx="2"/>
+            <a:endCxn id="52" idx="1"/>
+          </p:cNvCxnSpPr>
+          <p:nvPr/>
+        </p:nvCxnSpPr>
+        <p:spPr>
+          <a:xfrm rot="16200000" flipH="1">
+            <a:off x="3281299" y="2299742"/>
+            <a:ext cx="551159" cy="166303"/>
+          </a:xfrm>
+          <a:prstGeom prst="bentConnector2">
+            <a:avLst/>
+          </a:prstGeom>
+          <a:ln>
+            <a:tailEnd type="triangle"/>
+          </a:ln>
+        </p:spPr>
+        <p:style>
+          <a:lnRef idx="2">
+            <a:schemeClr val="accent1"/>
+          </a:lnRef>
+          <a:fillRef idx="0">
+            <a:schemeClr val="accent1"/>
+          </a:fillRef>
+          <a:effectRef idx="1">
+            <a:schemeClr val="accent1"/>
+          </a:effectRef>
+          <a:fontRef idx="minor">
+            <a:schemeClr val="tx1"/>
+          </a:fontRef>
+        </p:style>
+      </p:cxnSp>
+      <p:cxnSp>
+        <p:nvCxnSpPr>
+          <p:cNvPr id="68" name="コネクタ: カギ線 67">
+            <a:extLst>
+              <a:ext uri="{FF2B5EF4-FFF2-40B4-BE49-F238E27FC236}">
+                <a16:creationId xmlns:a16="http://schemas.microsoft.com/office/drawing/2014/main" id="{57321F73-2ED9-4B65-4A34-32EA8599AE73}"/>
+              </a:ext>
+            </a:extLst>
+          </p:cNvPr>
+          <p:cNvCxnSpPr>
+            <a:cxnSpLocks/>
+            <a:stCxn id="10" idx="2"/>
+            <a:endCxn id="53" idx="1"/>
+          </p:cNvCxnSpPr>
+          <p:nvPr/>
+        </p:nvCxnSpPr>
+        <p:spPr>
+          <a:xfrm rot="16200000" flipH="1">
+            <a:off x="3074970" y="2506072"/>
+            <a:ext cx="963817" cy="166302"/>
+          </a:xfrm>
+          <a:prstGeom prst="bentConnector2">
+            <a:avLst/>
+          </a:prstGeom>
+          <a:ln>
+            <a:tailEnd type="triangle"/>
+          </a:ln>
+        </p:spPr>
+        <p:style>
+          <a:lnRef idx="2">
+            <a:schemeClr val="accent1"/>
+          </a:lnRef>
+          <a:fillRef idx="0">
+            <a:schemeClr val="accent1"/>
+          </a:fillRef>
+          <a:effectRef idx="1">
+            <a:schemeClr val="accent1"/>
+          </a:effectRef>
+          <a:fontRef idx="minor">
+            <a:schemeClr val="tx1"/>
+          </a:fontRef>
+        </p:style>
+      </p:cxnSp>
+      <p:sp>
+        <p:nvSpPr>
+          <p:cNvPr id="72" name="テキスト ボックス 71">
+            <a:extLst>
+              <a:ext uri="{FF2B5EF4-FFF2-40B4-BE49-F238E27FC236}">
+                <a16:creationId xmlns:a16="http://schemas.microsoft.com/office/drawing/2014/main" id="{E49AF2B5-87C8-267F-19C2-CC41AEDCD94E}"/>
+              </a:ext>
+            </a:extLst>
+          </p:cNvPr>
+          <p:cNvSpPr txBox="1"/>
+          <p:nvPr/>
+        </p:nvSpPr>
+        <p:spPr>
+          <a:xfrm>
+            <a:off x="407504" y="3841659"/>
+            <a:ext cx="10962574" cy="1938992"/>
+          </a:xfrm>
+          <a:prstGeom prst="rect">
+            <a:avLst/>
+          </a:prstGeom>
+          <a:noFill/>
+        </p:spPr>
+        <p:txBody>
+          <a:bodyPr wrap="square" rtlCol="0">
+            <a:spAutoFit/>
+          </a:bodyPr>
+          <a:lstStyle/>
+          <a:p>
+            <a:pPr marL="285750" indent="-285750">
+              <a:buFont typeface="Wingdings" panose="05000000000000000000" pitchFamily="2" charset="2"/>
+              <a:buChar char="l"/>
+            </a:pPr>
+            <a:r>
+              <a:rPr kumimoji="1" lang="ja-JP" altLang="en-US" sz="1200" dirty="0"/>
+              <a:t>ルート</a:t>
+            </a:r>
+            <a:endParaRPr kumimoji="1" lang="en-US" altLang="ja-JP" sz="1200" dirty="0"/>
+          </a:p>
+          <a:p>
+            <a:r>
+              <a:rPr kumimoji="1" lang="ja-JP" altLang="en-US" sz="1200" dirty="0"/>
+              <a:t>　　データベースを直接触れる人＝サーバーの保有者、スーパーバイザー登録はサーバー画面で行う。スーパーバイザーは複数人許可　　</a:t>
+            </a:r>
+            <a:endParaRPr kumimoji="1" lang="en-US" altLang="ja-JP" sz="1200" dirty="0"/>
+          </a:p>
+          <a:p>
+            <a:pPr marL="285750" indent="-285750">
+              <a:buFont typeface="Wingdings" panose="05000000000000000000" pitchFamily="2" charset="2"/>
+              <a:buChar char="l"/>
+            </a:pPr>
+            <a:r>
+              <a:rPr kumimoji="1" lang="ja-JP" altLang="en-US" sz="1200" dirty="0"/>
+              <a:t>スーパーバーザー</a:t>
+            </a:r>
+            <a:br>
+              <a:rPr kumimoji="1" lang="en-US" altLang="ja-JP" sz="1200" dirty="0"/>
+            </a:br>
+            <a:r>
+              <a:rPr kumimoji="1" lang="ja-JP" altLang="en-US" sz="1200" dirty="0"/>
+              <a:t>博物館ごとの管理者の登録、削除を行うことができる。博物館ごとの管理者は複数許可されているが、スーパーパーザーは最初の一人のみ設定できる</a:t>
+            </a:r>
+            <a:endParaRPr kumimoji="1" lang="en-US" altLang="ja-JP" sz="1200" dirty="0"/>
+          </a:p>
+          <a:p>
+            <a:endParaRPr kumimoji="1" lang="en-US" altLang="ja-JP" sz="1200" dirty="0"/>
+          </a:p>
+          <a:p>
+            <a:pPr marL="285750" indent="-285750">
+              <a:buFont typeface="Wingdings" panose="05000000000000000000" pitchFamily="2" charset="2"/>
+              <a:buChar char="l"/>
+            </a:pPr>
+            <a:r>
+              <a:rPr kumimoji="1" lang="ja-JP" altLang="en-US" sz="1200" dirty="0"/>
+              <a:t>博物館ごと</a:t>
+            </a:r>
+            <a:br>
+              <a:rPr lang="en-US" altLang="ja-JP" sz="1200" dirty="0"/>
+            </a:br>
+            <a:r>
+              <a:rPr lang="ja-JP" altLang="en-US" sz="1200" dirty="0"/>
+              <a:t>１）博物館には複数の博物館管理者が設定できる。博物館管理者の追加削除、変更はその博物館の管理者が行う。</a:t>
+            </a:r>
+            <a:br>
+              <a:rPr lang="en-US" altLang="ja-JP" sz="1200" dirty="0"/>
+            </a:br>
+            <a:r>
+              <a:rPr lang="ja-JP" altLang="en-US" sz="1200" dirty="0"/>
+              <a:t>２）博物館にはデータの編集を行うデータ編集者が設定できる。データ編集者の追加、削除に関しても博物館管理者が行う</a:t>
+            </a:r>
+            <a:endParaRPr lang="en-US" altLang="ja-JP" sz="1200" dirty="0"/>
+          </a:p>
+          <a:p>
+            <a:r>
+              <a:rPr lang="ja-JP" altLang="en-US" sz="1200" dirty="0"/>
+              <a:t>　　</a:t>
+            </a:r>
+            <a:r>
+              <a:rPr lang="en-US" altLang="ja-JP" sz="1200" dirty="0"/>
+              <a:t>3</a:t>
+            </a:r>
+            <a:r>
+              <a:rPr lang="ja-JP" altLang="en-US" sz="1200"/>
+              <a:t>）データ編集者は編集者や博物館管理者などの追加・削除はできない</a:t>
+            </a:r>
+            <a:br>
+              <a:rPr lang="en-US" altLang="ja-JP" sz="1200" dirty="0"/>
+            </a:br>
+            <a:endParaRPr kumimoji="1" lang="en-US" altLang="ja-JP" sz="1200" dirty="0"/>
+          </a:p>
+        </p:txBody>
+      </p:sp>
+    </p:spTree>
+    <p:extLst>
+      <p:ext uri="{BB962C8B-B14F-4D97-AF65-F5344CB8AC3E}">
+        <p14:creationId xmlns:p14="http://schemas.microsoft.com/office/powerpoint/2010/main" val="1570879808"/>
+      </p:ext>
+    </p:extLst>
+  </p:cSld>
+  <p:clrMapOvr>
+    <a:masterClrMapping/>
+  </p:clrMapOvr>
+</p:sld>
+</file>
+
+<file path=ppt/slides/slide60.xml><?xml version="1.0" encoding="utf-8"?>
 <p:sld xmlns:a="http://schemas.openxmlformats.org/drawingml/2006/main" xmlns:r="http://schemas.openxmlformats.org/officeDocument/2006/relationships" xmlns:p="http://schemas.openxmlformats.org/presentationml/2006/main">
   <p:cSld>
     <p:spTree>
@@ -17091,7 +19021,7 @@
 </p:sld>
 </file>
 
-<file path=ppt/slides/slide57.xml><?xml version="1.0" encoding="utf-8"?>
+<file path=ppt/slides/slide61.xml><?xml version="1.0" encoding="utf-8"?>
 <p:sld xmlns:a="http://schemas.openxmlformats.org/drawingml/2006/main" xmlns:r="http://schemas.openxmlformats.org/officeDocument/2006/relationships" xmlns:p="http://schemas.openxmlformats.org/presentationml/2006/main">
   <p:cSld>
     <p:spTree>
@@ -17487,7 +19417,7 @@
 </p:sld>
 </file>
 
-<file path=ppt/slides/slide58.xml><?xml version="1.0" encoding="utf-8"?>
+<file path=ppt/slides/slide62.xml><?xml version="1.0" encoding="utf-8"?>
 <p:sld xmlns:a="http://schemas.openxmlformats.org/drawingml/2006/main" xmlns:r="http://schemas.openxmlformats.org/officeDocument/2006/relationships" xmlns:p="http://schemas.openxmlformats.org/presentationml/2006/main">
   <p:cSld>
     <p:spTree>
@@ -18607,7 +20537,7 @@
 </p:sld>
 </file>
 
-<file path=ppt/slides/slide59.xml><?xml version="1.0" encoding="utf-8"?>
+<file path=ppt/slides/slide63.xml><?xml version="1.0" encoding="utf-8"?>
 <p:sld xmlns:a="http://schemas.openxmlformats.org/drawingml/2006/main" xmlns:r="http://schemas.openxmlformats.org/officeDocument/2006/relationships" xmlns:p="http://schemas.openxmlformats.org/presentationml/2006/main">
   <p:cSld>
     <p:spTree>
@@ -19715,935 +21645,7 @@
 </p:sld>
 </file>
 
-<file path=ppt/slides/slide6.xml><?xml version="1.0" encoding="utf-8"?>
-<p:sld xmlns:a="http://schemas.openxmlformats.org/drawingml/2006/main" xmlns:r="http://schemas.openxmlformats.org/officeDocument/2006/relationships" xmlns:p="http://schemas.openxmlformats.org/presentationml/2006/main">
-  <p:cSld>
-    <p:spTree>
-      <p:nvGrpSpPr>
-        <p:cNvPr id="1" name="">
-          <a:extLst>
-            <a:ext uri="{FF2B5EF4-FFF2-40B4-BE49-F238E27FC236}">
-              <a16:creationId xmlns:a16="http://schemas.microsoft.com/office/drawing/2014/main" id="{7820A30E-E40E-F066-54B3-8854A07AF5A3}"/>
-            </a:ext>
-          </a:extLst>
-        </p:cNvPr>
-        <p:cNvGrpSpPr/>
-        <p:nvPr/>
-      </p:nvGrpSpPr>
-      <p:grpSpPr>
-        <a:xfrm>
-          <a:off x="0" y="0"/>
-          <a:ext cx="0" cy="0"/>
-          <a:chOff x="0" y="0"/>
-          <a:chExt cx="0" cy="0"/>
-        </a:xfrm>
-      </p:grpSpPr>
-      <p:cxnSp>
-        <p:nvCxnSpPr>
-          <p:cNvPr id="4" name="直線コネクタ 3">
-            <a:extLst>
-              <a:ext uri="{FF2B5EF4-FFF2-40B4-BE49-F238E27FC236}">
-                <a16:creationId xmlns:a16="http://schemas.microsoft.com/office/drawing/2014/main" id="{50A79715-C813-8BA2-8F70-B7D2D4A41A49}"/>
-              </a:ext>
-            </a:extLst>
-          </p:cNvPr>
-          <p:cNvCxnSpPr/>
-          <p:nvPr/>
-        </p:nvCxnSpPr>
-        <p:spPr>
-          <a:xfrm>
-            <a:off x="228600" y="755374"/>
-            <a:ext cx="11936896" cy="0"/>
-          </a:xfrm>
-          <a:prstGeom prst="line">
-            <a:avLst/>
-          </a:prstGeom>
-        </p:spPr>
-        <p:style>
-          <a:lnRef idx="2">
-            <a:schemeClr val="accent1"/>
-          </a:lnRef>
-          <a:fillRef idx="0">
-            <a:schemeClr val="accent1"/>
-          </a:fillRef>
-          <a:effectRef idx="1">
-            <a:schemeClr val="accent1"/>
-          </a:effectRef>
-          <a:fontRef idx="minor">
-            <a:schemeClr val="tx1"/>
-          </a:fontRef>
-        </p:style>
-      </p:cxnSp>
-      <p:sp>
-        <p:nvSpPr>
-          <p:cNvPr id="5" name="テキスト ボックス 4">
-            <a:extLst>
-              <a:ext uri="{FF2B5EF4-FFF2-40B4-BE49-F238E27FC236}">
-                <a16:creationId xmlns:a16="http://schemas.microsoft.com/office/drawing/2014/main" id="{FDB4C2C6-6D19-CC6E-372C-0DB41DE54EF0}"/>
-              </a:ext>
-            </a:extLst>
-          </p:cNvPr>
-          <p:cNvSpPr txBox="1"/>
-          <p:nvPr/>
-        </p:nvSpPr>
-        <p:spPr>
-          <a:xfrm>
-            <a:off x="407504" y="198783"/>
-            <a:ext cx="3796748" cy="369332"/>
-          </a:xfrm>
-          <a:prstGeom prst="rect">
-            <a:avLst/>
-          </a:prstGeom>
-          <a:noFill/>
-        </p:spPr>
-        <p:txBody>
-          <a:bodyPr wrap="square" rtlCol="0">
-            <a:spAutoFit/>
-          </a:bodyPr>
-          <a:lstStyle/>
-          <a:p>
-            <a:r>
-              <a:rPr kumimoji="1" lang="ja-JP" altLang="en-US" dirty="0"/>
-              <a:t>管理階層</a:t>
-            </a:r>
-          </a:p>
-        </p:txBody>
-      </p:sp>
-      <p:sp>
-        <p:nvSpPr>
-          <p:cNvPr id="2" name="テキスト ボックス 1">
-            <a:extLst>
-              <a:ext uri="{FF2B5EF4-FFF2-40B4-BE49-F238E27FC236}">
-                <a16:creationId xmlns:a16="http://schemas.microsoft.com/office/drawing/2014/main" id="{4166837A-5D1D-CCA5-2E9A-D1074CD01FA9}"/>
-              </a:ext>
-            </a:extLst>
-          </p:cNvPr>
-          <p:cNvSpPr txBox="1"/>
-          <p:nvPr/>
-        </p:nvSpPr>
-        <p:spPr>
-          <a:xfrm>
-            <a:off x="268068" y="874570"/>
-            <a:ext cx="1113183" cy="276999"/>
-          </a:xfrm>
-          <a:prstGeom prst="rect">
-            <a:avLst/>
-          </a:prstGeom>
-          <a:noFill/>
-          <a:ln>
-            <a:solidFill>
-              <a:schemeClr val="accent1"/>
-            </a:solidFill>
-          </a:ln>
-        </p:spPr>
-        <p:txBody>
-          <a:bodyPr wrap="square" rtlCol="0">
-            <a:spAutoFit/>
-          </a:bodyPr>
-          <a:lstStyle/>
-          <a:p>
-            <a:r>
-              <a:rPr kumimoji="1" lang="ja-JP" altLang="en-US" sz="1200" dirty="0"/>
-              <a:t>ルート権限</a:t>
-            </a:r>
-          </a:p>
-        </p:txBody>
-      </p:sp>
-      <p:sp>
-        <p:nvSpPr>
-          <p:cNvPr id="3" name="テキスト ボックス 2">
-            <a:extLst>
-              <a:ext uri="{FF2B5EF4-FFF2-40B4-BE49-F238E27FC236}">
-                <a16:creationId xmlns:a16="http://schemas.microsoft.com/office/drawing/2014/main" id="{04447D6A-25ED-5C5C-3697-14D2E6A24E75}"/>
-              </a:ext>
-            </a:extLst>
-          </p:cNvPr>
-          <p:cNvSpPr txBox="1"/>
-          <p:nvPr/>
-        </p:nvSpPr>
-        <p:spPr>
-          <a:xfrm>
-            <a:off x="1093303" y="1351361"/>
-            <a:ext cx="1451401" cy="276999"/>
-          </a:xfrm>
-          <a:prstGeom prst="rect">
-            <a:avLst/>
-          </a:prstGeom>
-          <a:noFill/>
-          <a:ln>
-            <a:solidFill>
-              <a:schemeClr val="accent1"/>
-            </a:solidFill>
-          </a:ln>
-        </p:spPr>
-        <p:txBody>
-          <a:bodyPr wrap="square" rtlCol="0">
-            <a:spAutoFit/>
-          </a:bodyPr>
-          <a:lstStyle/>
-          <a:p>
-            <a:r>
-              <a:rPr kumimoji="1" lang="ja-JP" altLang="en-US" sz="1200" dirty="0"/>
-              <a:t>スーパーバイザ</a:t>
-            </a:r>
-          </a:p>
-        </p:txBody>
-      </p:sp>
-      <p:sp>
-        <p:nvSpPr>
-          <p:cNvPr id="10" name="テキスト ボックス 9">
-            <a:extLst>
-              <a:ext uri="{FF2B5EF4-FFF2-40B4-BE49-F238E27FC236}">
-                <a16:creationId xmlns:a16="http://schemas.microsoft.com/office/drawing/2014/main" id="{D80B943A-8DB5-7515-3F55-97C6DA974F68}"/>
-              </a:ext>
-            </a:extLst>
-          </p:cNvPr>
-          <p:cNvSpPr txBox="1"/>
-          <p:nvPr/>
-        </p:nvSpPr>
-        <p:spPr>
-          <a:xfrm>
-            <a:off x="2832653" y="1830316"/>
-            <a:ext cx="1282147" cy="276999"/>
-          </a:xfrm>
-          <a:prstGeom prst="rect">
-            <a:avLst/>
-          </a:prstGeom>
-          <a:noFill/>
-          <a:ln>
-            <a:solidFill>
-              <a:schemeClr val="accent1"/>
-            </a:solidFill>
-          </a:ln>
-        </p:spPr>
-        <p:txBody>
-          <a:bodyPr wrap="square" rtlCol="0">
-            <a:spAutoFit/>
-          </a:bodyPr>
-          <a:lstStyle/>
-          <a:p>
-            <a:r>
-              <a:rPr kumimoji="1" lang="ja-JP" altLang="en-US" sz="1200" dirty="0"/>
-              <a:t>博物館管理者</a:t>
-            </a:r>
-          </a:p>
-        </p:txBody>
-      </p:sp>
-      <p:cxnSp>
-        <p:nvCxnSpPr>
-          <p:cNvPr id="14" name="コネクタ: カギ線 13">
-            <a:extLst>
-              <a:ext uri="{FF2B5EF4-FFF2-40B4-BE49-F238E27FC236}">
-                <a16:creationId xmlns:a16="http://schemas.microsoft.com/office/drawing/2014/main" id="{E276C327-A237-F5AE-C26D-734656909C1C}"/>
-              </a:ext>
-            </a:extLst>
-          </p:cNvPr>
-          <p:cNvCxnSpPr>
-            <a:cxnSpLocks/>
-            <a:stCxn id="3" idx="2"/>
-            <a:endCxn id="10" idx="1"/>
-          </p:cNvCxnSpPr>
-          <p:nvPr/>
-        </p:nvCxnSpPr>
-        <p:spPr>
-          <a:xfrm rot="16200000" flipH="1">
-            <a:off x="2155600" y="1291763"/>
-            <a:ext cx="340456" cy="1013649"/>
-          </a:xfrm>
-          <a:prstGeom prst="bentConnector2">
-            <a:avLst/>
-          </a:prstGeom>
-          <a:ln>
-            <a:tailEnd type="triangle"/>
-          </a:ln>
-        </p:spPr>
-        <p:style>
-          <a:lnRef idx="2">
-            <a:schemeClr val="accent1"/>
-          </a:lnRef>
-          <a:fillRef idx="0">
-            <a:schemeClr val="accent1"/>
-          </a:fillRef>
-          <a:effectRef idx="1">
-            <a:schemeClr val="accent1"/>
-          </a:effectRef>
-          <a:fontRef idx="minor">
-            <a:schemeClr val="tx1"/>
-          </a:fontRef>
-        </p:style>
-      </p:cxnSp>
-      <p:sp>
-        <p:nvSpPr>
-          <p:cNvPr id="22" name="テキスト ボックス 21">
-            <a:extLst>
-              <a:ext uri="{FF2B5EF4-FFF2-40B4-BE49-F238E27FC236}">
-                <a16:creationId xmlns:a16="http://schemas.microsoft.com/office/drawing/2014/main" id="{80459E3A-0D6B-6951-4F9C-3AA5DB636BF6}"/>
-              </a:ext>
-            </a:extLst>
-          </p:cNvPr>
-          <p:cNvSpPr txBox="1"/>
-          <p:nvPr/>
-        </p:nvSpPr>
-        <p:spPr>
-          <a:xfrm>
-            <a:off x="7148036" y="1530593"/>
-            <a:ext cx="1300510" cy="276999"/>
-          </a:xfrm>
-          <a:prstGeom prst="rect">
-            <a:avLst/>
-          </a:prstGeom>
-          <a:noFill/>
-          <a:ln>
-            <a:solidFill>
-              <a:schemeClr val="accent1"/>
-            </a:solidFill>
-          </a:ln>
-        </p:spPr>
-        <p:txBody>
-          <a:bodyPr wrap="square" rtlCol="0">
-            <a:spAutoFit/>
-          </a:bodyPr>
-          <a:lstStyle/>
-          <a:p>
-            <a:r>
-              <a:rPr kumimoji="1" lang="ja-JP" altLang="en-US" sz="1200" dirty="0"/>
-              <a:t>データ編集者</a:t>
-            </a:r>
-          </a:p>
-        </p:txBody>
-      </p:sp>
-      <p:sp>
-        <p:nvSpPr>
-          <p:cNvPr id="28" name="テキスト ボックス 27">
-            <a:extLst>
-              <a:ext uri="{FF2B5EF4-FFF2-40B4-BE49-F238E27FC236}">
-                <a16:creationId xmlns:a16="http://schemas.microsoft.com/office/drawing/2014/main" id="{95F69937-14E4-B421-6D47-D2AF6F6823CB}"/>
-              </a:ext>
-            </a:extLst>
-          </p:cNvPr>
-          <p:cNvSpPr txBox="1"/>
-          <p:nvPr/>
-        </p:nvSpPr>
-        <p:spPr>
-          <a:xfrm>
-            <a:off x="7148036" y="2042457"/>
-            <a:ext cx="1300510" cy="276999"/>
-          </a:xfrm>
-          <a:prstGeom prst="rect">
-            <a:avLst/>
-          </a:prstGeom>
-          <a:noFill/>
-          <a:ln>
-            <a:solidFill>
-              <a:schemeClr val="accent1"/>
-            </a:solidFill>
-          </a:ln>
-        </p:spPr>
-        <p:txBody>
-          <a:bodyPr wrap="square" rtlCol="0">
-            <a:spAutoFit/>
-          </a:bodyPr>
-          <a:lstStyle/>
-          <a:p>
-            <a:r>
-              <a:rPr kumimoji="1" lang="ja-JP" altLang="en-US" sz="1200" dirty="0"/>
-              <a:t>データ編集者</a:t>
-            </a:r>
-          </a:p>
-        </p:txBody>
-      </p:sp>
-      <p:sp>
-        <p:nvSpPr>
-          <p:cNvPr id="29" name="テキスト ボックス 28">
-            <a:extLst>
-              <a:ext uri="{FF2B5EF4-FFF2-40B4-BE49-F238E27FC236}">
-                <a16:creationId xmlns:a16="http://schemas.microsoft.com/office/drawing/2014/main" id="{85FE759B-6878-7AD1-4147-D2BBC3157660}"/>
-              </a:ext>
-            </a:extLst>
-          </p:cNvPr>
-          <p:cNvSpPr txBox="1"/>
-          <p:nvPr/>
-        </p:nvSpPr>
-        <p:spPr>
-          <a:xfrm>
-            <a:off x="7148036" y="2554321"/>
-            <a:ext cx="1300510" cy="276999"/>
-          </a:xfrm>
-          <a:prstGeom prst="rect">
-            <a:avLst/>
-          </a:prstGeom>
-          <a:noFill/>
-          <a:ln>
-            <a:solidFill>
-              <a:schemeClr val="accent1"/>
-            </a:solidFill>
-          </a:ln>
-        </p:spPr>
-        <p:txBody>
-          <a:bodyPr wrap="square" rtlCol="0">
-            <a:spAutoFit/>
-          </a:bodyPr>
-          <a:lstStyle/>
-          <a:p>
-            <a:r>
-              <a:rPr kumimoji="1" lang="ja-JP" altLang="en-US" sz="1200" dirty="0"/>
-              <a:t>データ編集者</a:t>
-            </a:r>
-          </a:p>
-        </p:txBody>
-      </p:sp>
-      <p:cxnSp>
-        <p:nvCxnSpPr>
-          <p:cNvPr id="31" name="直線矢印コネクタ 30">
-            <a:extLst>
-              <a:ext uri="{FF2B5EF4-FFF2-40B4-BE49-F238E27FC236}">
-                <a16:creationId xmlns:a16="http://schemas.microsoft.com/office/drawing/2014/main" id="{510118AD-5403-FBED-8DE0-9D429919295F}"/>
-              </a:ext>
-            </a:extLst>
-          </p:cNvPr>
-          <p:cNvCxnSpPr>
-            <a:cxnSpLocks/>
-            <a:stCxn id="10" idx="3"/>
-            <a:endCxn id="22" idx="1"/>
-          </p:cNvCxnSpPr>
-          <p:nvPr/>
-        </p:nvCxnSpPr>
-        <p:spPr>
-          <a:xfrm flipV="1">
-            <a:off x="4114800" y="1669093"/>
-            <a:ext cx="3033236" cy="299723"/>
-          </a:xfrm>
-          <a:prstGeom prst="straightConnector1">
-            <a:avLst/>
-          </a:prstGeom>
-          <a:ln>
-            <a:tailEnd type="triangle"/>
-          </a:ln>
-        </p:spPr>
-        <p:style>
-          <a:lnRef idx="2">
-            <a:schemeClr val="accent1"/>
-          </a:lnRef>
-          <a:fillRef idx="0">
-            <a:schemeClr val="accent1"/>
-          </a:fillRef>
-          <a:effectRef idx="1">
-            <a:schemeClr val="accent1"/>
-          </a:effectRef>
-          <a:fontRef idx="minor">
-            <a:schemeClr val="tx1"/>
-          </a:fontRef>
-        </p:style>
-      </p:cxnSp>
-      <p:cxnSp>
-        <p:nvCxnSpPr>
-          <p:cNvPr id="32" name="直線矢印コネクタ 31">
-            <a:extLst>
-              <a:ext uri="{FF2B5EF4-FFF2-40B4-BE49-F238E27FC236}">
-                <a16:creationId xmlns:a16="http://schemas.microsoft.com/office/drawing/2014/main" id="{134D50DB-01AE-F116-5A89-C21817D426C8}"/>
-              </a:ext>
-            </a:extLst>
-          </p:cNvPr>
-          <p:cNvCxnSpPr>
-            <a:cxnSpLocks/>
-            <a:stCxn id="10" idx="3"/>
-            <a:endCxn id="28" idx="1"/>
-          </p:cNvCxnSpPr>
-          <p:nvPr/>
-        </p:nvCxnSpPr>
-        <p:spPr>
-          <a:xfrm>
-            <a:off x="4114800" y="1968816"/>
-            <a:ext cx="3033236" cy="212141"/>
-          </a:xfrm>
-          <a:prstGeom prst="straightConnector1">
-            <a:avLst/>
-          </a:prstGeom>
-          <a:ln>
-            <a:tailEnd type="triangle"/>
-          </a:ln>
-        </p:spPr>
-        <p:style>
-          <a:lnRef idx="2">
-            <a:schemeClr val="accent1"/>
-          </a:lnRef>
-          <a:fillRef idx="0">
-            <a:schemeClr val="accent1"/>
-          </a:fillRef>
-          <a:effectRef idx="1">
-            <a:schemeClr val="accent1"/>
-          </a:effectRef>
-          <a:fontRef idx="minor">
-            <a:schemeClr val="tx1"/>
-          </a:fontRef>
-        </p:style>
-      </p:cxnSp>
-      <p:cxnSp>
-        <p:nvCxnSpPr>
-          <p:cNvPr id="35" name="直線矢印コネクタ 34">
-            <a:extLst>
-              <a:ext uri="{FF2B5EF4-FFF2-40B4-BE49-F238E27FC236}">
-                <a16:creationId xmlns:a16="http://schemas.microsoft.com/office/drawing/2014/main" id="{5C8DA6B2-71ED-62B9-2878-1544FB7B15D1}"/>
-              </a:ext>
-            </a:extLst>
-          </p:cNvPr>
-          <p:cNvCxnSpPr>
-            <a:cxnSpLocks/>
-            <a:stCxn id="10" idx="3"/>
-            <a:endCxn id="29" idx="1"/>
-          </p:cNvCxnSpPr>
-          <p:nvPr/>
-        </p:nvCxnSpPr>
-        <p:spPr>
-          <a:xfrm>
-            <a:off x="4114800" y="1968816"/>
-            <a:ext cx="3033236" cy="724005"/>
-          </a:xfrm>
-          <a:prstGeom prst="straightConnector1">
-            <a:avLst/>
-          </a:prstGeom>
-          <a:ln>
-            <a:tailEnd type="triangle"/>
-          </a:ln>
-        </p:spPr>
-        <p:style>
-          <a:lnRef idx="2">
-            <a:schemeClr val="accent1"/>
-          </a:lnRef>
-          <a:fillRef idx="0">
-            <a:schemeClr val="accent1"/>
-          </a:fillRef>
-          <a:effectRef idx="1">
-            <a:schemeClr val="accent1"/>
-          </a:effectRef>
-          <a:fontRef idx="minor">
-            <a:schemeClr val="tx1"/>
-          </a:fontRef>
-        </p:style>
-      </p:cxnSp>
-      <p:sp>
-        <p:nvSpPr>
-          <p:cNvPr id="8" name="テキスト ボックス 7">
-            <a:extLst>
-              <a:ext uri="{FF2B5EF4-FFF2-40B4-BE49-F238E27FC236}">
-                <a16:creationId xmlns:a16="http://schemas.microsoft.com/office/drawing/2014/main" id="{CAFE340D-AAF6-DD2C-A974-3B4072FFF289}"/>
-              </a:ext>
-            </a:extLst>
-          </p:cNvPr>
-          <p:cNvSpPr txBox="1"/>
-          <p:nvPr/>
-        </p:nvSpPr>
-        <p:spPr>
-          <a:xfrm>
-            <a:off x="1400984" y="876770"/>
-            <a:ext cx="1877437" cy="276999"/>
-          </a:xfrm>
-          <a:prstGeom prst="rect">
-            <a:avLst/>
-          </a:prstGeom>
-          <a:noFill/>
-        </p:spPr>
-        <p:txBody>
-          <a:bodyPr wrap="none" rtlCol="0">
-            <a:spAutoFit/>
-          </a:bodyPr>
-          <a:lstStyle/>
-          <a:p>
-            <a:r>
-              <a:rPr kumimoji="1" lang="ja-JP" altLang="en-US" sz="1200" dirty="0"/>
-              <a:t>スーパーバイザーの登録</a:t>
-            </a:r>
-          </a:p>
-        </p:txBody>
-      </p:sp>
-      <p:cxnSp>
-        <p:nvCxnSpPr>
-          <p:cNvPr id="12" name="コネクタ: カギ線 11">
-            <a:extLst>
-              <a:ext uri="{FF2B5EF4-FFF2-40B4-BE49-F238E27FC236}">
-                <a16:creationId xmlns:a16="http://schemas.microsoft.com/office/drawing/2014/main" id="{2474BC4D-ED22-5305-AEB1-D82D670DD2ED}"/>
-              </a:ext>
-            </a:extLst>
-          </p:cNvPr>
-          <p:cNvCxnSpPr>
-            <a:cxnSpLocks/>
-            <a:stCxn id="2" idx="2"/>
-            <a:endCxn id="3" idx="1"/>
-          </p:cNvCxnSpPr>
-          <p:nvPr/>
-        </p:nvCxnSpPr>
-        <p:spPr>
-          <a:xfrm rot="16200000" flipH="1">
-            <a:off x="789835" y="1186393"/>
-            <a:ext cx="338292" cy="268643"/>
-          </a:xfrm>
-          <a:prstGeom prst="bentConnector2">
-            <a:avLst/>
-          </a:prstGeom>
-          <a:ln>
-            <a:tailEnd type="triangle"/>
-          </a:ln>
-        </p:spPr>
-        <p:style>
-          <a:lnRef idx="2">
-            <a:schemeClr val="accent1"/>
-          </a:lnRef>
-          <a:fillRef idx="0">
-            <a:schemeClr val="accent1"/>
-          </a:fillRef>
-          <a:effectRef idx="1">
-            <a:schemeClr val="accent1"/>
-          </a:effectRef>
-          <a:fontRef idx="minor">
-            <a:schemeClr val="tx1"/>
-          </a:fontRef>
-        </p:style>
-      </p:cxnSp>
-      <p:sp>
-        <p:nvSpPr>
-          <p:cNvPr id="51" name="正方形/長方形 50">
-            <a:extLst>
-              <a:ext uri="{FF2B5EF4-FFF2-40B4-BE49-F238E27FC236}">
-                <a16:creationId xmlns:a16="http://schemas.microsoft.com/office/drawing/2014/main" id="{ED0C78B0-0397-01F0-EDF9-FE679DCFE14D}"/>
-              </a:ext>
-            </a:extLst>
-          </p:cNvPr>
-          <p:cNvSpPr/>
-          <p:nvPr/>
-        </p:nvSpPr>
-        <p:spPr>
-          <a:xfrm>
-            <a:off x="2664720" y="1621310"/>
-            <a:ext cx="2913220" cy="1807690"/>
-          </a:xfrm>
-          <a:prstGeom prst="rect">
-            <a:avLst/>
-          </a:prstGeom>
-          <a:noFill/>
-          <a:ln w="9525">
-            <a:prstDash val="dash"/>
-          </a:ln>
-        </p:spPr>
-        <p:style>
-          <a:lnRef idx="2">
-            <a:schemeClr val="accent1">
-              <a:shade val="15000"/>
-            </a:schemeClr>
-          </a:lnRef>
-          <a:fillRef idx="1">
-            <a:schemeClr val="accent1"/>
-          </a:fillRef>
-          <a:effectRef idx="0">
-            <a:schemeClr val="accent1"/>
-          </a:effectRef>
-          <a:fontRef idx="minor">
-            <a:schemeClr val="lt1"/>
-          </a:fontRef>
-        </p:style>
-        <p:txBody>
-          <a:bodyPr rtlCol="0" anchor="ctr"/>
-          <a:lstStyle/>
-          <a:p>
-            <a:pPr algn="ctr"/>
-            <a:endParaRPr kumimoji="1" lang="ja-JP" altLang="en-US" sz="1200" dirty="0">
-              <a:solidFill>
-                <a:schemeClr val="tx1"/>
-              </a:solidFill>
-            </a:endParaRPr>
-          </a:p>
-        </p:txBody>
-      </p:sp>
-      <p:sp>
-        <p:nvSpPr>
-          <p:cNvPr id="52" name="テキスト ボックス 51">
-            <a:extLst>
-              <a:ext uri="{FF2B5EF4-FFF2-40B4-BE49-F238E27FC236}">
-                <a16:creationId xmlns:a16="http://schemas.microsoft.com/office/drawing/2014/main" id="{FC6B187D-E632-C411-6FC3-CC24C121555A}"/>
-              </a:ext>
-            </a:extLst>
-          </p:cNvPr>
-          <p:cNvSpPr txBox="1"/>
-          <p:nvPr/>
-        </p:nvSpPr>
-        <p:spPr>
-          <a:xfrm>
-            <a:off x="3640030" y="2519974"/>
-            <a:ext cx="1282147" cy="276999"/>
-          </a:xfrm>
-          <a:prstGeom prst="rect">
-            <a:avLst/>
-          </a:prstGeom>
-          <a:noFill/>
-          <a:ln>
-            <a:solidFill>
-              <a:schemeClr val="accent1"/>
-            </a:solidFill>
-          </a:ln>
-        </p:spPr>
-        <p:txBody>
-          <a:bodyPr wrap="square" rtlCol="0">
-            <a:spAutoFit/>
-          </a:bodyPr>
-          <a:lstStyle/>
-          <a:p>
-            <a:r>
-              <a:rPr kumimoji="1" lang="ja-JP" altLang="en-US" sz="1200" dirty="0"/>
-              <a:t>博物館管理者</a:t>
-            </a:r>
-          </a:p>
-        </p:txBody>
-      </p:sp>
-      <p:sp>
-        <p:nvSpPr>
-          <p:cNvPr id="53" name="テキスト ボックス 52">
-            <a:extLst>
-              <a:ext uri="{FF2B5EF4-FFF2-40B4-BE49-F238E27FC236}">
-                <a16:creationId xmlns:a16="http://schemas.microsoft.com/office/drawing/2014/main" id="{4A31CC05-D7BF-DED9-4C0E-164576E717FE}"/>
-              </a:ext>
-            </a:extLst>
-          </p:cNvPr>
-          <p:cNvSpPr txBox="1"/>
-          <p:nvPr/>
-        </p:nvSpPr>
-        <p:spPr>
-          <a:xfrm>
-            <a:off x="3640029" y="2932632"/>
-            <a:ext cx="1282147" cy="276999"/>
-          </a:xfrm>
-          <a:prstGeom prst="rect">
-            <a:avLst/>
-          </a:prstGeom>
-          <a:noFill/>
-          <a:ln>
-            <a:solidFill>
-              <a:schemeClr val="accent1"/>
-            </a:solidFill>
-          </a:ln>
-        </p:spPr>
-        <p:txBody>
-          <a:bodyPr wrap="square" rtlCol="0">
-            <a:spAutoFit/>
-          </a:bodyPr>
-          <a:lstStyle/>
-          <a:p>
-            <a:r>
-              <a:rPr kumimoji="1" lang="ja-JP" altLang="en-US" sz="1200" dirty="0"/>
-              <a:t>博物館管理者</a:t>
-            </a:r>
-          </a:p>
-        </p:txBody>
-      </p:sp>
-      <p:cxnSp>
-        <p:nvCxnSpPr>
-          <p:cNvPr id="64" name="コネクタ: カギ線 63">
-            <a:extLst>
-              <a:ext uri="{FF2B5EF4-FFF2-40B4-BE49-F238E27FC236}">
-                <a16:creationId xmlns:a16="http://schemas.microsoft.com/office/drawing/2014/main" id="{75384D5D-4F25-EFBC-E07E-01127F75A4D9}"/>
-              </a:ext>
-            </a:extLst>
-          </p:cNvPr>
-          <p:cNvCxnSpPr>
-            <a:cxnSpLocks/>
-            <a:stCxn id="10" idx="2"/>
-            <a:endCxn id="52" idx="1"/>
-          </p:cNvCxnSpPr>
-          <p:nvPr/>
-        </p:nvCxnSpPr>
-        <p:spPr>
-          <a:xfrm rot="16200000" flipH="1">
-            <a:off x="3281299" y="2299742"/>
-            <a:ext cx="551159" cy="166303"/>
-          </a:xfrm>
-          <a:prstGeom prst="bentConnector2">
-            <a:avLst/>
-          </a:prstGeom>
-          <a:ln>
-            <a:tailEnd type="triangle"/>
-          </a:ln>
-        </p:spPr>
-        <p:style>
-          <a:lnRef idx="2">
-            <a:schemeClr val="accent1"/>
-          </a:lnRef>
-          <a:fillRef idx="0">
-            <a:schemeClr val="accent1"/>
-          </a:fillRef>
-          <a:effectRef idx="1">
-            <a:schemeClr val="accent1"/>
-          </a:effectRef>
-          <a:fontRef idx="minor">
-            <a:schemeClr val="tx1"/>
-          </a:fontRef>
-        </p:style>
-      </p:cxnSp>
-      <p:cxnSp>
-        <p:nvCxnSpPr>
-          <p:cNvPr id="68" name="コネクタ: カギ線 67">
-            <a:extLst>
-              <a:ext uri="{FF2B5EF4-FFF2-40B4-BE49-F238E27FC236}">
-                <a16:creationId xmlns:a16="http://schemas.microsoft.com/office/drawing/2014/main" id="{57321F73-2ED9-4B65-4A34-32EA8599AE73}"/>
-              </a:ext>
-            </a:extLst>
-          </p:cNvPr>
-          <p:cNvCxnSpPr>
-            <a:cxnSpLocks/>
-            <a:stCxn id="10" idx="2"/>
-            <a:endCxn id="53" idx="1"/>
-          </p:cNvCxnSpPr>
-          <p:nvPr/>
-        </p:nvCxnSpPr>
-        <p:spPr>
-          <a:xfrm rot="16200000" flipH="1">
-            <a:off x="3074970" y="2506072"/>
-            <a:ext cx="963817" cy="166302"/>
-          </a:xfrm>
-          <a:prstGeom prst="bentConnector2">
-            <a:avLst/>
-          </a:prstGeom>
-          <a:ln>
-            <a:tailEnd type="triangle"/>
-          </a:ln>
-        </p:spPr>
-        <p:style>
-          <a:lnRef idx="2">
-            <a:schemeClr val="accent1"/>
-          </a:lnRef>
-          <a:fillRef idx="0">
-            <a:schemeClr val="accent1"/>
-          </a:fillRef>
-          <a:effectRef idx="1">
-            <a:schemeClr val="accent1"/>
-          </a:effectRef>
-          <a:fontRef idx="minor">
-            <a:schemeClr val="tx1"/>
-          </a:fontRef>
-        </p:style>
-      </p:cxnSp>
-      <p:sp>
-        <p:nvSpPr>
-          <p:cNvPr id="72" name="テキスト ボックス 71">
-            <a:extLst>
-              <a:ext uri="{FF2B5EF4-FFF2-40B4-BE49-F238E27FC236}">
-                <a16:creationId xmlns:a16="http://schemas.microsoft.com/office/drawing/2014/main" id="{E49AF2B5-87C8-267F-19C2-CC41AEDCD94E}"/>
-              </a:ext>
-            </a:extLst>
-          </p:cNvPr>
-          <p:cNvSpPr txBox="1"/>
-          <p:nvPr/>
-        </p:nvSpPr>
-        <p:spPr>
-          <a:xfrm>
-            <a:off x="407504" y="3841659"/>
-            <a:ext cx="10962574" cy="1938992"/>
-          </a:xfrm>
-          <a:prstGeom prst="rect">
-            <a:avLst/>
-          </a:prstGeom>
-          <a:noFill/>
-        </p:spPr>
-        <p:txBody>
-          <a:bodyPr wrap="square" rtlCol="0">
-            <a:spAutoFit/>
-          </a:bodyPr>
-          <a:lstStyle/>
-          <a:p>
-            <a:pPr marL="285750" indent="-285750">
-              <a:buFont typeface="Wingdings" panose="05000000000000000000" pitchFamily="2" charset="2"/>
-              <a:buChar char="l"/>
-            </a:pPr>
-            <a:r>
-              <a:rPr kumimoji="1" lang="ja-JP" altLang="en-US" sz="1200" dirty="0"/>
-              <a:t>ルート</a:t>
-            </a:r>
-            <a:endParaRPr kumimoji="1" lang="en-US" altLang="ja-JP" sz="1200" dirty="0"/>
-          </a:p>
-          <a:p>
-            <a:r>
-              <a:rPr kumimoji="1" lang="ja-JP" altLang="en-US" sz="1200" dirty="0"/>
-              <a:t>　　データベースを直接触れる人＝サーバーの保有者、スーパーバイザー登録はサーバー画面で行う。スーパーバイザーは複数人許可　　</a:t>
-            </a:r>
-            <a:endParaRPr kumimoji="1" lang="en-US" altLang="ja-JP" sz="1200" dirty="0"/>
-          </a:p>
-          <a:p>
-            <a:pPr marL="285750" indent="-285750">
-              <a:buFont typeface="Wingdings" panose="05000000000000000000" pitchFamily="2" charset="2"/>
-              <a:buChar char="l"/>
-            </a:pPr>
-            <a:r>
-              <a:rPr kumimoji="1" lang="ja-JP" altLang="en-US" sz="1200" dirty="0"/>
-              <a:t>スーパーバーザー</a:t>
-            </a:r>
-            <a:br>
-              <a:rPr kumimoji="1" lang="en-US" altLang="ja-JP" sz="1200" dirty="0"/>
-            </a:br>
-            <a:r>
-              <a:rPr kumimoji="1" lang="ja-JP" altLang="en-US" sz="1200" dirty="0"/>
-              <a:t>博物館ごとの管理者の登録、削除を行うことができる。博物館ごとの管理者は複数許可されているが、スーパーパーザーは最初の一人のみ設定できる</a:t>
-            </a:r>
-            <a:endParaRPr kumimoji="1" lang="en-US" altLang="ja-JP" sz="1200" dirty="0"/>
-          </a:p>
-          <a:p>
-            <a:endParaRPr kumimoji="1" lang="en-US" altLang="ja-JP" sz="1200" dirty="0"/>
-          </a:p>
-          <a:p>
-            <a:pPr marL="285750" indent="-285750">
-              <a:buFont typeface="Wingdings" panose="05000000000000000000" pitchFamily="2" charset="2"/>
-              <a:buChar char="l"/>
-            </a:pPr>
-            <a:r>
-              <a:rPr kumimoji="1" lang="ja-JP" altLang="en-US" sz="1200" dirty="0"/>
-              <a:t>博物館ごと</a:t>
-            </a:r>
-            <a:br>
-              <a:rPr lang="en-US" altLang="ja-JP" sz="1200" dirty="0"/>
-            </a:br>
-            <a:r>
-              <a:rPr lang="ja-JP" altLang="en-US" sz="1200" dirty="0"/>
-              <a:t>１）博物館には複数の博物館管理者が設定できる。博物館管理者の追加削除、変更はその博物館の管理者が行う。</a:t>
-            </a:r>
-            <a:br>
-              <a:rPr lang="en-US" altLang="ja-JP" sz="1200" dirty="0"/>
-            </a:br>
-            <a:r>
-              <a:rPr lang="ja-JP" altLang="en-US" sz="1200" dirty="0"/>
-              <a:t>２）博物館にはデータの編集を行うデータ編集者が設定できる。データ編集者の追加、削除に関しても博物館管理者が行う</a:t>
-            </a:r>
-            <a:endParaRPr lang="en-US" altLang="ja-JP" sz="1200" dirty="0"/>
-          </a:p>
-          <a:p>
-            <a:r>
-              <a:rPr lang="ja-JP" altLang="en-US" sz="1200" dirty="0"/>
-              <a:t>　　</a:t>
-            </a:r>
-            <a:r>
-              <a:rPr lang="en-US" altLang="ja-JP" sz="1200" dirty="0"/>
-              <a:t>3</a:t>
-            </a:r>
-            <a:r>
-              <a:rPr lang="ja-JP" altLang="en-US" sz="1200"/>
-              <a:t>）データ編集者は編集者や博物館管理者などの追加・削除はできない</a:t>
-            </a:r>
-            <a:br>
-              <a:rPr lang="en-US" altLang="ja-JP" sz="1200" dirty="0"/>
-            </a:br>
-            <a:endParaRPr kumimoji="1" lang="en-US" altLang="ja-JP" sz="1200" dirty="0"/>
-          </a:p>
-        </p:txBody>
-      </p:sp>
-    </p:spTree>
-    <p:extLst>
-      <p:ext uri="{BB962C8B-B14F-4D97-AF65-F5344CB8AC3E}">
-        <p14:creationId xmlns:p14="http://schemas.microsoft.com/office/powerpoint/2010/main" val="1570879808"/>
-      </p:ext>
-    </p:extLst>
-  </p:cSld>
-  <p:clrMapOvr>
-    <a:masterClrMapping/>
-  </p:clrMapOvr>
-</p:sld>
-</file>
-
-<file path=ppt/slides/slide60.xml><?xml version="1.0" encoding="utf-8"?>
+<file path=ppt/slides/slide64.xml><?xml version="1.0" encoding="utf-8"?>
 <p:sld xmlns:a="http://schemas.openxmlformats.org/drawingml/2006/main" xmlns:r="http://schemas.openxmlformats.org/officeDocument/2006/relationships" xmlns:p="http://schemas.openxmlformats.org/presentationml/2006/main">
   <p:cSld>
     <p:spTree>
@@ -21363,7 +22365,7 @@
 </p:sld>
 </file>
 
-<file path=ppt/slides/slide61.xml><?xml version="1.0" encoding="utf-8"?>
+<file path=ppt/slides/slide65.xml><?xml version="1.0" encoding="utf-8"?>
 <p:sld xmlns:a="http://schemas.openxmlformats.org/drawingml/2006/main" xmlns:r="http://schemas.openxmlformats.org/officeDocument/2006/relationships" xmlns:p="http://schemas.openxmlformats.org/presentationml/2006/main">
   <p:cSld>
     <p:spTree>
@@ -22038,7 +23040,7 @@
 </p:sld>
 </file>
 
-<file path=ppt/slides/slide62.xml><?xml version="1.0" encoding="utf-8"?>
+<file path=ppt/slides/slide66.xml><?xml version="1.0" encoding="utf-8"?>
 <p:sld xmlns:a="http://schemas.openxmlformats.org/drawingml/2006/main" xmlns:r="http://schemas.openxmlformats.org/officeDocument/2006/relationships" xmlns:p="http://schemas.openxmlformats.org/presentationml/2006/main">
   <p:cSld>
     <p:spTree>
@@ -22595,7 +23597,7 @@
 </p:sld>
 </file>
 
-<file path=ppt/slides/slide63.xml><?xml version="1.0" encoding="utf-8"?>
+<file path=ppt/slides/slide67.xml><?xml version="1.0" encoding="utf-8"?>
 <p:sld xmlns:a="http://schemas.openxmlformats.org/drawingml/2006/main" xmlns:r="http://schemas.openxmlformats.org/officeDocument/2006/relationships" xmlns:p="http://schemas.openxmlformats.org/presentationml/2006/main">
   <p:cSld>
     <p:spTree>
@@ -24406,14 +25408,14 @@
         <a:noFill/>
         <a:ln>
           <a:solidFill>
-            <a:srgbClr val="FF0000"/>
+            <a:schemeClr val="tx1"/>
           </a:solidFill>
         </a:ln>
       </a:spPr>
       <a:bodyPr rtlCol="0" anchor="ctr"/>
       <a:lstStyle>
         <a:defPPr algn="ctr">
-          <a:defRPr kumimoji="1" sz="1200" dirty="0">
+          <a:defRPr kumimoji="1" sz="1200" dirty="0" smtClean="0">
             <a:solidFill>
               <a:schemeClr val="tx1"/>
             </a:solidFill>
